--- a/Наработки/диздоки/Франция/Франция.pptx
+++ b/Наработки/диздоки/Франция/Франция.pptx
@@ -109,7 +109,7 @@
   </p:defaultTextStyle>
   <p:extLst>
     <p:ext uri="{EFAFB233-063F-42B5-8137-9DF3F51BA10A}">
-      <p15:sldGuideLst xmlns:p15="http://schemas.microsoft.com/office/powerpoint/2012/main">
+      <p15:sldGuideLst xmlns="" xmlns:p15="http://schemas.microsoft.com/office/powerpoint/2012/main">
         <p15:guide id="1" orient="horz" pos="11344">
           <p15:clr>
             <a:srgbClr val="A4A3A4"/>
@@ -209,7 +209,7 @@
             <a:fld id="{33E3D7F9-E251-484C-A6FF-FA958879DF69}" type="datetimeFigureOut">
               <a:rPr lang="ru-RU" smtClean="0"/>
               <a:pPr/>
-              <a:t>24.03.2023</a:t>
+              <a:t>17.11.2023</a:t>
             </a:fld>
             <a:endParaRPr lang="ru-RU"/>
           </a:p>
@@ -699,7 +699,7 @@
             <a:fld id="{85A5DE44-605B-4D3B-B2B7-94543DF81A36}" type="datetimeFigureOut">
               <a:rPr lang="ru-RU" smtClean="0"/>
               <a:pPr/>
-              <a:t>24.03.2023</a:t>
+              <a:t>17.11.2023</a:t>
             </a:fld>
             <a:endParaRPr lang="ru-RU"/>
           </a:p>
@@ -871,7 +871,7 @@
             <a:fld id="{85A5DE44-605B-4D3B-B2B7-94543DF81A36}" type="datetimeFigureOut">
               <a:rPr lang="ru-RU" smtClean="0"/>
               <a:pPr/>
-              <a:t>24.03.2023</a:t>
+              <a:t>17.11.2023</a:t>
             </a:fld>
             <a:endParaRPr lang="ru-RU"/>
           </a:p>
@@ -1053,7 +1053,7 @@
             <a:fld id="{85A5DE44-605B-4D3B-B2B7-94543DF81A36}" type="datetimeFigureOut">
               <a:rPr lang="ru-RU" smtClean="0"/>
               <a:pPr/>
-              <a:t>24.03.2023</a:t>
+              <a:t>17.11.2023</a:t>
             </a:fld>
             <a:endParaRPr lang="ru-RU"/>
           </a:p>
@@ -1225,7 +1225,7 @@
             <a:fld id="{85A5DE44-605B-4D3B-B2B7-94543DF81A36}" type="datetimeFigureOut">
               <a:rPr lang="ru-RU" smtClean="0"/>
               <a:pPr/>
-              <a:t>24.03.2023</a:t>
+              <a:t>17.11.2023</a:t>
             </a:fld>
             <a:endParaRPr lang="ru-RU"/>
           </a:p>
@@ -1473,7 +1473,7 @@
             <a:fld id="{85A5DE44-605B-4D3B-B2B7-94543DF81A36}" type="datetimeFigureOut">
               <a:rPr lang="ru-RU" smtClean="0"/>
               <a:pPr/>
-              <a:t>24.03.2023</a:t>
+              <a:t>17.11.2023</a:t>
             </a:fld>
             <a:endParaRPr lang="ru-RU"/>
           </a:p>
@@ -1707,7 +1707,7 @@
             <a:fld id="{85A5DE44-605B-4D3B-B2B7-94543DF81A36}" type="datetimeFigureOut">
               <a:rPr lang="ru-RU" smtClean="0"/>
               <a:pPr/>
-              <a:t>24.03.2023</a:t>
+              <a:t>17.11.2023</a:t>
             </a:fld>
             <a:endParaRPr lang="ru-RU"/>
           </a:p>
@@ -2076,7 +2076,7 @@
             <a:fld id="{85A5DE44-605B-4D3B-B2B7-94543DF81A36}" type="datetimeFigureOut">
               <a:rPr lang="ru-RU" smtClean="0"/>
               <a:pPr/>
-              <a:t>24.03.2023</a:t>
+              <a:t>17.11.2023</a:t>
             </a:fld>
             <a:endParaRPr lang="ru-RU"/>
           </a:p>
@@ -2196,7 +2196,7 @@
             <a:fld id="{85A5DE44-605B-4D3B-B2B7-94543DF81A36}" type="datetimeFigureOut">
               <a:rPr lang="ru-RU" smtClean="0"/>
               <a:pPr/>
-              <a:t>24.03.2023</a:t>
+              <a:t>17.11.2023</a:t>
             </a:fld>
             <a:endParaRPr lang="ru-RU"/>
           </a:p>
@@ -2293,7 +2293,7 @@
             <a:fld id="{85A5DE44-605B-4D3B-B2B7-94543DF81A36}" type="datetimeFigureOut">
               <a:rPr lang="ru-RU" smtClean="0"/>
               <a:pPr/>
-              <a:t>24.03.2023</a:t>
+              <a:t>17.11.2023</a:t>
             </a:fld>
             <a:endParaRPr lang="ru-RU"/>
           </a:p>
@@ -2572,7 +2572,7 @@
             <a:fld id="{85A5DE44-605B-4D3B-B2B7-94543DF81A36}" type="datetimeFigureOut">
               <a:rPr lang="ru-RU" smtClean="0"/>
               <a:pPr/>
-              <a:t>24.03.2023</a:t>
+              <a:t>17.11.2023</a:t>
             </a:fld>
             <a:endParaRPr lang="ru-RU"/>
           </a:p>
@@ -2831,7 +2831,7 @@
             <a:fld id="{85A5DE44-605B-4D3B-B2B7-94543DF81A36}" type="datetimeFigureOut">
               <a:rPr lang="ru-RU" smtClean="0"/>
               <a:pPr/>
-              <a:t>24.03.2023</a:t>
+              <a:t>17.11.2023</a:t>
             </a:fld>
             <a:endParaRPr lang="ru-RU"/>
           </a:p>
@@ -3046,7 +3046,7 @@
             <a:fld id="{85A5DE44-605B-4D3B-B2B7-94543DF81A36}" type="datetimeFigureOut">
               <a:rPr lang="ru-RU" smtClean="0"/>
               <a:pPr/>
-              <a:t>24.03.2023</a:t>
+              <a:t>17.11.2023</a:t>
             </a:fld>
             <a:endParaRPr lang="ru-RU"/>
           </a:p>
@@ -3534,8 +3534,21 @@
             <a:pPr algn="ctr"/>
             <a:r>
               <a:rPr lang="ru-RU" sz="700" dirty="0"/>
-              <a:t>Отставка кабинета Лаваля</a:t>
-            </a:r>
+              <a:t>Отставка кабинета </a:t>
+            </a:r>
+            <a:r>
+              <a:rPr lang="ru-RU" sz="700" dirty="0" err="1" smtClean="0"/>
+              <a:t>Лаваля</a:t>
+            </a:r>
+            <a:r>
+              <a:rPr lang="en-US" sz="700" dirty="0" smtClean="0"/>
+              <a:t> (</a:t>
+            </a:r>
+            <a:r>
+              <a:rPr lang="ru-RU" sz="700" dirty="0" smtClean="0"/>
+              <a:t>По событию)</a:t>
+            </a:r>
+            <a:endParaRPr lang="ru-RU" sz="700" dirty="0"/>
           </a:p>
         </p:txBody>
       </p:sp>
@@ -3888,7 +3901,7 @@
           <p:cNvPr id="838" name="Прямоугольник 837">
             <a:extLst>
               <a:ext uri="{FF2B5EF4-FFF2-40B4-BE49-F238E27FC236}">
-                <a16:creationId xmlns:a16="http://schemas.microsoft.com/office/drawing/2014/main" id="{C0AC7FB0-09CD-4FB0-BC8D-7432640DB532}"/>
+                <a16:creationId xmlns="" xmlns:a16="http://schemas.microsoft.com/office/drawing/2014/main" id="{C0AC7FB0-09CD-4FB0-BC8D-7432640DB532}"/>
               </a:ext>
             </a:extLst>
           </p:cNvPr>
@@ -3959,7 +3972,7 @@
           <p:cNvPr id="924" name="Прямоугольник 923">
             <a:extLst>
               <a:ext uri="{FF2B5EF4-FFF2-40B4-BE49-F238E27FC236}">
-                <a16:creationId xmlns:a16="http://schemas.microsoft.com/office/drawing/2014/main" id="{D7D13295-51E8-4AF7-A685-554F97006B0C}"/>
+                <a16:creationId xmlns="" xmlns:a16="http://schemas.microsoft.com/office/drawing/2014/main" id="{D7D13295-51E8-4AF7-A685-554F97006B0C}"/>
               </a:ext>
             </a:extLst>
           </p:cNvPr>
@@ -4015,7 +4028,7 @@
           <p:cNvPr id="925" name="Прямоугольник 924">
             <a:extLst>
               <a:ext uri="{FF2B5EF4-FFF2-40B4-BE49-F238E27FC236}">
-                <a16:creationId xmlns:a16="http://schemas.microsoft.com/office/drawing/2014/main" id="{6416009A-47B8-4821-8C24-DF6AE79D6A00}"/>
+                <a16:creationId xmlns="" xmlns:a16="http://schemas.microsoft.com/office/drawing/2014/main" id="{6416009A-47B8-4821-8C24-DF6AE79D6A00}"/>
               </a:ext>
             </a:extLst>
           </p:cNvPr>
@@ -4078,7 +4091,7 @@
           <p:cNvPr id="930" name="Прямоугольник 929">
             <a:extLst>
               <a:ext uri="{FF2B5EF4-FFF2-40B4-BE49-F238E27FC236}">
-                <a16:creationId xmlns:a16="http://schemas.microsoft.com/office/drawing/2014/main" id="{E67E15E5-A2F4-4D52-AEF5-46BE102841C4}"/>
+                <a16:creationId xmlns="" xmlns:a16="http://schemas.microsoft.com/office/drawing/2014/main" id="{E67E15E5-A2F4-4D52-AEF5-46BE102841C4}"/>
               </a:ext>
             </a:extLst>
           </p:cNvPr>
@@ -4161,7 +4174,7 @@
           <p:cNvPr id="936" name="Соединительная линия уступом 595">
             <a:extLst>
               <a:ext uri="{FF2B5EF4-FFF2-40B4-BE49-F238E27FC236}">
-                <a16:creationId xmlns:a16="http://schemas.microsoft.com/office/drawing/2014/main" id="{8D5A0549-FB77-4C2E-B594-B65A1485BEE6}"/>
+                <a16:creationId xmlns="" xmlns:a16="http://schemas.microsoft.com/office/drawing/2014/main" id="{8D5A0549-FB77-4C2E-B594-B65A1485BEE6}"/>
               </a:ext>
             </a:extLst>
           </p:cNvPr>
@@ -4207,7 +4220,7 @@
           <p:cNvPr id="937" name="Соединительная линия уступом 620">
             <a:extLst>
               <a:ext uri="{FF2B5EF4-FFF2-40B4-BE49-F238E27FC236}">
-                <a16:creationId xmlns:a16="http://schemas.microsoft.com/office/drawing/2014/main" id="{867AC884-CE39-4867-96DB-D9EBBF18C52F}"/>
+                <a16:creationId xmlns="" xmlns:a16="http://schemas.microsoft.com/office/drawing/2014/main" id="{867AC884-CE39-4867-96DB-D9EBBF18C52F}"/>
               </a:ext>
             </a:extLst>
           </p:cNvPr>
@@ -4252,7 +4265,7 @@
           <p:cNvPr id="962" name="Прямая со стрелкой 961">
             <a:extLst>
               <a:ext uri="{FF2B5EF4-FFF2-40B4-BE49-F238E27FC236}">
-                <a16:creationId xmlns:a16="http://schemas.microsoft.com/office/drawing/2014/main" id="{09B6E0E6-D6FF-4608-A962-E5444DD2B1F6}"/>
+                <a16:creationId xmlns="" xmlns:a16="http://schemas.microsoft.com/office/drawing/2014/main" id="{09B6E0E6-D6FF-4608-A962-E5444DD2B1F6}"/>
               </a:ext>
             </a:extLst>
           </p:cNvPr>
@@ -4295,7 +4308,7 @@
           <p:cNvPr id="965" name="Прямая соединительная линия 964">
             <a:extLst>
               <a:ext uri="{FF2B5EF4-FFF2-40B4-BE49-F238E27FC236}">
-                <a16:creationId xmlns:a16="http://schemas.microsoft.com/office/drawing/2014/main" id="{13113D0D-26A3-4F82-8078-878772B0A3B5}"/>
+                <a16:creationId xmlns="" xmlns:a16="http://schemas.microsoft.com/office/drawing/2014/main" id="{13113D0D-26A3-4F82-8078-878772B0A3B5}"/>
               </a:ext>
             </a:extLst>
           </p:cNvPr>
@@ -4338,7 +4351,7 @@
           <p:cNvPr id="966" name="Прямоугольник 965">
             <a:extLst>
               <a:ext uri="{FF2B5EF4-FFF2-40B4-BE49-F238E27FC236}">
-                <a16:creationId xmlns:a16="http://schemas.microsoft.com/office/drawing/2014/main" id="{1B7C5495-CBF2-458D-8838-0ABA9DD8CEFE}"/>
+                <a16:creationId xmlns="" xmlns:a16="http://schemas.microsoft.com/office/drawing/2014/main" id="{1B7C5495-CBF2-458D-8838-0ABA9DD8CEFE}"/>
               </a:ext>
             </a:extLst>
           </p:cNvPr>
@@ -4397,7 +4410,7 @@
           <p:cNvPr id="968" name="Прямоугольник 967">
             <a:extLst>
               <a:ext uri="{FF2B5EF4-FFF2-40B4-BE49-F238E27FC236}">
-                <a16:creationId xmlns:a16="http://schemas.microsoft.com/office/drawing/2014/main" id="{7D33C24F-6ED5-40E9-A05B-D1CF8F162A3A}"/>
+                <a16:creationId xmlns="" xmlns:a16="http://schemas.microsoft.com/office/drawing/2014/main" id="{7D33C24F-6ED5-40E9-A05B-D1CF8F162A3A}"/>
               </a:ext>
             </a:extLst>
           </p:cNvPr>
@@ -4509,7 +4522,7 @@
           <p:cNvPr id="969" name="Прямоугольник 968">
             <a:extLst>
               <a:ext uri="{FF2B5EF4-FFF2-40B4-BE49-F238E27FC236}">
-                <a16:creationId xmlns:a16="http://schemas.microsoft.com/office/drawing/2014/main" id="{2D04A20C-B8D7-4BFF-A71A-A324C27DCC29}"/>
+                <a16:creationId xmlns="" xmlns:a16="http://schemas.microsoft.com/office/drawing/2014/main" id="{2D04A20C-B8D7-4BFF-A71A-A324C27DCC29}"/>
               </a:ext>
             </a:extLst>
           </p:cNvPr>
@@ -4576,7 +4589,7 @@
           <p:cNvPr id="972" name="Прямоугольник 971">
             <a:extLst>
               <a:ext uri="{FF2B5EF4-FFF2-40B4-BE49-F238E27FC236}">
-                <a16:creationId xmlns:a16="http://schemas.microsoft.com/office/drawing/2014/main" id="{DE3F59CE-A92C-40DB-BADE-2CF310169F9C}"/>
+                <a16:creationId xmlns="" xmlns:a16="http://schemas.microsoft.com/office/drawing/2014/main" id="{DE3F59CE-A92C-40DB-BADE-2CF310169F9C}"/>
               </a:ext>
             </a:extLst>
           </p:cNvPr>
@@ -4627,7 +4640,7 @@
           <p:cNvPr id="973" name="Соединительная линия уступом 620">
             <a:extLst>
               <a:ext uri="{FF2B5EF4-FFF2-40B4-BE49-F238E27FC236}">
-                <a16:creationId xmlns:a16="http://schemas.microsoft.com/office/drawing/2014/main" id="{5236FF21-9101-46CE-8DA2-35F78614F3C0}"/>
+                <a16:creationId xmlns="" xmlns:a16="http://schemas.microsoft.com/office/drawing/2014/main" id="{5236FF21-9101-46CE-8DA2-35F78614F3C0}"/>
               </a:ext>
             </a:extLst>
           </p:cNvPr>
@@ -4672,7 +4685,7 @@
           <p:cNvPr id="974" name="Соединительная линия уступом 620">
             <a:extLst>
               <a:ext uri="{FF2B5EF4-FFF2-40B4-BE49-F238E27FC236}">
-                <a16:creationId xmlns:a16="http://schemas.microsoft.com/office/drawing/2014/main" id="{05C116D7-0143-44ED-A7FE-268D9F7F5586}"/>
+                <a16:creationId xmlns="" xmlns:a16="http://schemas.microsoft.com/office/drawing/2014/main" id="{05C116D7-0143-44ED-A7FE-268D9F7F5586}"/>
               </a:ext>
             </a:extLst>
           </p:cNvPr>
@@ -4717,7 +4730,7 @@
           <p:cNvPr id="977" name="Соединительная линия уступом 595">
             <a:extLst>
               <a:ext uri="{FF2B5EF4-FFF2-40B4-BE49-F238E27FC236}">
-                <a16:creationId xmlns:a16="http://schemas.microsoft.com/office/drawing/2014/main" id="{AC5768FC-E45F-45EF-867C-1650EF004378}"/>
+                <a16:creationId xmlns="" xmlns:a16="http://schemas.microsoft.com/office/drawing/2014/main" id="{AC5768FC-E45F-45EF-867C-1650EF004378}"/>
               </a:ext>
             </a:extLst>
           </p:cNvPr>
@@ -4763,7 +4776,7 @@
           <p:cNvPr id="978" name="Прямая со стрелкой 977">
             <a:extLst>
               <a:ext uri="{FF2B5EF4-FFF2-40B4-BE49-F238E27FC236}">
-                <a16:creationId xmlns:a16="http://schemas.microsoft.com/office/drawing/2014/main" id="{3F9A7E43-0B2E-4D22-9E07-A88E010CF448}"/>
+                <a16:creationId xmlns="" xmlns:a16="http://schemas.microsoft.com/office/drawing/2014/main" id="{3F9A7E43-0B2E-4D22-9E07-A88E010CF448}"/>
               </a:ext>
             </a:extLst>
           </p:cNvPr>
@@ -4806,7 +4819,7 @@
           <p:cNvPr id="979" name="Прямоугольник 978">
             <a:extLst>
               <a:ext uri="{FF2B5EF4-FFF2-40B4-BE49-F238E27FC236}">
-                <a16:creationId xmlns:a16="http://schemas.microsoft.com/office/drawing/2014/main" id="{122E826A-E9DD-45E8-A66C-2B30C8C04CF7}"/>
+                <a16:creationId xmlns="" xmlns:a16="http://schemas.microsoft.com/office/drawing/2014/main" id="{122E826A-E9DD-45E8-A66C-2B30C8C04CF7}"/>
               </a:ext>
             </a:extLst>
           </p:cNvPr>
@@ -4857,7 +4870,7 @@
           <p:cNvPr id="983" name="Соединительная линия уступом 620">
             <a:extLst>
               <a:ext uri="{FF2B5EF4-FFF2-40B4-BE49-F238E27FC236}">
-                <a16:creationId xmlns:a16="http://schemas.microsoft.com/office/drawing/2014/main" id="{3CE80882-2CA0-4491-8835-7D1C49910A5A}"/>
+                <a16:creationId xmlns="" xmlns:a16="http://schemas.microsoft.com/office/drawing/2014/main" id="{3CE80882-2CA0-4491-8835-7D1C49910A5A}"/>
               </a:ext>
             </a:extLst>
           </p:cNvPr>
@@ -4902,7 +4915,7 @@
           <p:cNvPr id="984" name="Прямоугольник 983">
             <a:extLst>
               <a:ext uri="{FF2B5EF4-FFF2-40B4-BE49-F238E27FC236}">
-                <a16:creationId xmlns:a16="http://schemas.microsoft.com/office/drawing/2014/main" id="{7E9D3D83-3030-47F4-892C-8537B371B473}"/>
+                <a16:creationId xmlns="" xmlns:a16="http://schemas.microsoft.com/office/drawing/2014/main" id="{7E9D3D83-3030-47F4-892C-8537B371B473}"/>
               </a:ext>
             </a:extLst>
           </p:cNvPr>
@@ -4968,7 +4981,7 @@
           <p:cNvPr id="986" name="Прямоугольник 985">
             <a:extLst>
               <a:ext uri="{FF2B5EF4-FFF2-40B4-BE49-F238E27FC236}">
-                <a16:creationId xmlns:a16="http://schemas.microsoft.com/office/drawing/2014/main" id="{60BE58DB-A42E-4BAC-8C3F-35A0FFFF08A2}"/>
+                <a16:creationId xmlns="" xmlns:a16="http://schemas.microsoft.com/office/drawing/2014/main" id="{60BE58DB-A42E-4BAC-8C3F-35A0FFFF08A2}"/>
               </a:ext>
             </a:extLst>
           </p:cNvPr>
@@ -5061,7 +5074,7 @@
           <p:cNvPr id="987" name="Прямоугольник 986">
             <a:extLst>
               <a:ext uri="{FF2B5EF4-FFF2-40B4-BE49-F238E27FC236}">
-                <a16:creationId xmlns:a16="http://schemas.microsoft.com/office/drawing/2014/main" id="{39816ADB-D95E-45AA-96AF-7E2FE747B17E}"/>
+                <a16:creationId xmlns="" xmlns:a16="http://schemas.microsoft.com/office/drawing/2014/main" id="{39816ADB-D95E-45AA-96AF-7E2FE747B17E}"/>
               </a:ext>
             </a:extLst>
           </p:cNvPr>
@@ -5110,6 +5123,10 @@
               <a:rPr lang="en-US" sz="700" dirty="0"/>
               <a:t>:</a:t>
             </a:r>
+            <a:r>
+              <a:rPr lang="ru-RU" sz="700" dirty="0"/>
+              <a:t/>
+            </a:r>
             <a:br>
               <a:rPr lang="ru-RU" sz="700" dirty="0"/>
             </a:br>
@@ -5194,7 +5211,7 @@
           <p:cNvPr id="990" name="Прямоугольник 989">
             <a:extLst>
               <a:ext uri="{FF2B5EF4-FFF2-40B4-BE49-F238E27FC236}">
-                <a16:creationId xmlns:a16="http://schemas.microsoft.com/office/drawing/2014/main" id="{60F490D6-4802-46A4-9AE4-A3F515FE1C8A}"/>
+                <a16:creationId xmlns="" xmlns:a16="http://schemas.microsoft.com/office/drawing/2014/main" id="{60F490D6-4802-46A4-9AE4-A3F515FE1C8A}"/>
               </a:ext>
             </a:extLst>
           </p:cNvPr>
@@ -5247,7 +5264,7 @@
           <p:cNvPr id="991" name="Прямоугольник 990">
             <a:extLst>
               <a:ext uri="{FF2B5EF4-FFF2-40B4-BE49-F238E27FC236}">
-                <a16:creationId xmlns:a16="http://schemas.microsoft.com/office/drawing/2014/main" id="{F901CDC5-B382-48AD-B75C-B703D61D2EE9}"/>
+                <a16:creationId xmlns="" xmlns:a16="http://schemas.microsoft.com/office/drawing/2014/main" id="{F901CDC5-B382-48AD-B75C-B703D61D2EE9}"/>
               </a:ext>
             </a:extLst>
           </p:cNvPr>
@@ -5313,7 +5330,7 @@
           <p:cNvPr id="993" name="Прямоугольник 992">
             <a:extLst>
               <a:ext uri="{FF2B5EF4-FFF2-40B4-BE49-F238E27FC236}">
-                <a16:creationId xmlns:a16="http://schemas.microsoft.com/office/drawing/2014/main" id="{FB492527-B050-424E-9E2A-5739D0C7FB7C}"/>
+                <a16:creationId xmlns="" xmlns:a16="http://schemas.microsoft.com/office/drawing/2014/main" id="{FB492527-B050-424E-9E2A-5739D0C7FB7C}"/>
               </a:ext>
             </a:extLst>
           </p:cNvPr>
@@ -5394,7 +5411,7 @@
           <p:cNvPr id="994" name="Прямоугольник 993">
             <a:extLst>
               <a:ext uri="{FF2B5EF4-FFF2-40B4-BE49-F238E27FC236}">
-                <a16:creationId xmlns:a16="http://schemas.microsoft.com/office/drawing/2014/main" id="{8D9F26B4-3328-421C-BAD2-E5CE1234BBCE}"/>
+                <a16:creationId xmlns="" xmlns:a16="http://schemas.microsoft.com/office/drawing/2014/main" id="{8D9F26B4-3328-421C-BAD2-E5CE1234BBCE}"/>
               </a:ext>
             </a:extLst>
           </p:cNvPr>
@@ -5472,7 +5489,7 @@
           <p:cNvPr id="997" name="Прямоугольник 996">
             <a:extLst>
               <a:ext uri="{FF2B5EF4-FFF2-40B4-BE49-F238E27FC236}">
-                <a16:creationId xmlns:a16="http://schemas.microsoft.com/office/drawing/2014/main" id="{B85A1186-B028-4289-9CD1-FE8D9FD285A8}"/>
+                <a16:creationId xmlns="" xmlns:a16="http://schemas.microsoft.com/office/drawing/2014/main" id="{B85A1186-B028-4289-9CD1-FE8D9FD285A8}"/>
               </a:ext>
             </a:extLst>
           </p:cNvPr>
@@ -5538,7 +5555,7 @@
           <p:cNvPr id="998" name="Прямоугольник 997">
             <a:extLst>
               <a:ext uri="{FF2B5EF4-FFF2-40B4-BE49-F238E27FC236}">
-                <a16:creationId xmlns:a16="http://schemas.microsoft.com/office/drawing/2014/main" id="{E98F482E-BC64-4D9C-B4B8-2A79AC4B66AA}"/>
+                <a16:creationId xmlns="" xmlns:a16="http://schemas.microsoft.com/office/drawing/2014/main" id="{E98F482E-BC64-4D9C-B4B8-2A79AC4B66AA}"/>
               </a:ext>
             </a:extLst>
           </p:cNvPr>
@@ -5607,7 +5624,7 @@
           <p:cNvPr id="999" name="Прямоугольник 998">
             <a:extLst>
               <a:ext uri="{FF2B5EF4-FFF2-40B4-BE49-F238E27FC236}">
-                <a16:creationId xmlns:a16="http://schemas.microsoft.com/office/drawing/2014/main" id="{AF683A0D-9C6E-48CF-B9D4-4E32590364E3}"/>
+                <a16:creationId xmlns="" xmlns:a16="http://schemas.microsoft.com/office/drawing/2014/main" id="{AF683A0D-9C6E-48CF-B9D4-4E32590364E3}"/>
               </a:ext>
             </a:extLst>
           </p:cNvPr>
@@ -5660,7 +5677,7 @@
           <p:cNvPr id="1000" name="Прямоугольник 999">
             <a:extLst>
               <a:ext uri="{FF2B5EF4-FFF2-40B4-BE49-F238E27FC236}">
-                <a16:creationId xmlns:a16="http://schemas.microsoft.com/office/drawing/2014/main" id="{628CCD80-6D78-44BF-A523-05FEF1AC5D89}"/>
+                <a16:creationId xmlns="" xmlns:a16="http://schemas.microsoft.com/office/drawing/2014/main" id="{628CCD80-6D78-44BF-A523-05FEF1AC5D89}"/>
               </a:ext>
             </a:extLst>
           </p:cNvPr>
@@ -5713,7 +5730,7 @@
           <p:cNvPr id="1002" name="Прямоугольник 1001">
             <a:extLst>
               <a:ext uri="{FF2B5EF4-FFF2-40B4-BE49-F238E27FC236}">
-                <a16:creationId xmlns:a16="http://schemas.microsoft.com/office/drawing/2014/main" id="{C4081F49-D6A3-45F5-8446-89C1C2D93A30}"/>
+                <a16:creationId xmlns="" xmlns:a16="http://schemas.microsoft.com/office/drawing/2014/main" id="{C4081F49-D6A3-45F5-8446-89C1C2D93A30}"/>
               </a:ext>
             </a:extLst>
           </p:cNvPr>
@@ -5774,7 +5791,7 @@
           <p:cNvPr id="1003" name="Прямоугольник 1002">
             <a:extLst>
               <a:ext uri="{FF2B5EF4-FFF2-40B4-BE49-F238E27FC236}">
-                <a16:creationId xmlns:a16="http://schemas.microsoft.com/office/drawing/2014/main" id="{E0B8AD29-3AAC-4D9E-A488-B91ABF977E44}"/>
+                <a16:creationId xmlns="" xmlns:a16="http://schemas.microsoft.com/office/drawing/2014/main" id="{E0B8AD29-3AAC-4D9E-A488-B91ABF977E44}"/>
               </a:ext>
             </a:extLst>
           </p:cNvPr>
@@ -5832,7 +5849,7 @@
           <p:cNvPr id="1004" name="Прямоугольник 1003">
             <a:extLst>
               <a:ext uri="{FF2B5EF4-FFF2-40B4-BE49-F238E27FC236}">
-                <a16:creationId xmlns:a16="http://schemas.microsoft.com/office/drawing/2014/main" id="{B94C00EC-6932-40C1-A09E-C9FC8F9BD237}"/>
+                <a16:creationId xmlns="" xmlns:a16="http://schemas.microsoft.com/office/drawing/2014/main" id="{B94C00EC-6932-40C1-A09E-C9FC8F9BD237}"/>
               </a:ext>
             </a:extLst>
           </p:cNvPr>
@@ -5885,7 +5902,7 @@
           <p:cNvPr id="1007" name="Соединительная линия уступом 620">
             <a:extLst>
               <a:ext uri="{FF2B5EF4-FFF2-40B4-BE49-F238E27FC236}">
-                <a16:creationId xmlns:a16="http://schemas.microsoft.com/office/drawing/2014/main" id="{8DC8CC03-E438-4255-9DAE-E736110390EF}"/>
+                <a16:creationId xmlns="" xmlns:a16="http://schemas.microsoft.com/office/drawing/2014/main" id="{8DC8CC03-E438-4255-9DAE-E736110390EF}"/>
               </a:ext>
             </a:extLst>
           </p:cNvPr>
@@ -5930,7 +5947,7 @@
           <p:cNvPr id="1008" name="Соединительная линия уступом 620">
             <a:extLst>
               <a:ext uri="{FF2B5EF4-FFF2-40B4-BE49-F238E27FC236}">
-                <a16:creationId xmlns:a16="http://schemas.microsoft.com/office/drawing/2014/main" id="{69F4DABF-0B89-4E6E-A884-7682291E2166}"/>
+                <a16:creationId xmlns="" xmlns:a16="http://schemas.microsoft.com/office/drawing/2014/main" id="{69F4DABF-0B89-4E6E-A884-7682291E2166}"/>
               </a:ext>
             </a:extLst>
           </p:cNvPr>
@@ -5975,7 +5992,7 @@
           <p:cNvPr id="1010" name="Прямая со стрелкой 1009">
             <a:extLst>
               <a:ext uri="{FF2B5EF4-FFF2-40B4-BE49-F238E27FC236}">
-                <a16:creationId xmlns:a16="http://schemas.microsoft.com/office/drawing/2014/main" id="{7B5D9633-00B4-4316-A821-77A31547EF26}"/>
+                <a16:creationId xmlns="" xmlns:a16="http://schemas.microsoft.com/office/drawing/2014/main" id="{7B5D9633-00B4-4316-A821-77A31547EF26}"/>
               </a:ext>
             </a:extLst>
           </p:cNvPr>
@@ -6018,7 +6035,7 @@
           <p:cNvPr id="1011" name="Соединительная линия уступом 620">
             <a:extLst>
               <a:ext uri="{FF2B5EF4-FFF2-40B4-BE49-F238E27FC236}">
-                <a16:creationId xmlns:a16="http://schemas.microsoft.com/office/drawing/2014/main" id="{2F66B47F-A728-48CF-A652-EE4F6D45D52D}"/>
+                <a16:creationId xmlns="" xmlns:a16="http://schemas.microsoft.com/office/drawing/2014/main" id="{2F66B47F-A728-48CF-A652-EE4F6D45D52D}"/>
               </a:ext>
             </a:extLst>
           </p:cNvPr>
@@ -6063,7 +6080,7 @@
           <p:cNvPr id="1012" name="Соединительная линия уступом 620">
             <a:extLst>
               <a:ext uri="{FF2B5EF4-FFF2-40B4-BE49-F238E27FC236}">
-                <a16:creationId xmlns:a16="http://schemas.microsoft.com/office/drawing/2014/main" id="{862CB465-E9DD-4308-A315-AA4601965A58}"/>
+                <a16:creationId xmlns="" xmlns:a16="http://schemas.microsoft.com/office/drawing/2014/main" id="{862CB465-E9DD-4308-A315-AA4601965A58}"/>
               </a:ext>
             </a:extLst>
           </p:cNvPr>
@@ -6108,7 +6125,7 @@
           <p:cNvPr id="1014" name="Прямая со стрелкой 1013">
             <a:extLst>
               <a:ext uri="{FF2B5EF4-FFF2-40B4-BE49-F238E27FC236}">
-                <a16:creationId xmlns:a16="http://schemas.microsoft.com/office/drawing/2014/main" id="{94CDD2A9-5B7B-404F-8FD4-5EED876C6E93}"/>
+                <a16:creationId xmlns="" xmlns:a16="http://schemas.microsoft.com/office/drawing/2014/main" id="{94CDD2A9-5B7B-404F-8FD4-5EED876C6E93}"/>
               </a:ext>
             </a:extLst>
           </p:cNvPr>
@@ -6151,7 +6168,7 @@
           <p:cNvPr id="1015" name="Соединительная линия уступом 620">
             <a:extLst>
               <a:ext uri="{FF2B5EF4-FFF2-40B4-BE49-F238E27FC236}">
-                <a16:creationId xmlns:a16="http://schemas.microsoft.com/office/drawing/2014/main" id="{057EB024-4EB5-4F7B-A21A-7CD2345BE680}"/>
+                <a16:creationId xmlns="" xmlns:a16="http://schemas.microsoft.com/office/drawing/2014/main" id="{057EB024-4EB5-4F7B-A21A-7CD2345BE680}"/>
               </a:ext>
             </a:extLst>
           </p:cNvPr>
@@ -6196,7 +6213,7 @@
           <p:cNvPr id="1016" name="Соединительная линия уступом 620">
             <a:extLst>
               <a:ext uri="{FF2B5EF4-FFF2-40B4-BE49-F238E27FC236}">
-                <a16:creationId xmlns:a16="http://schemas.microsoft.com/office/drawing/2014/main" id="{342FDE3F-B13E-4B4B-9DA2-810154EC600A}"/>
+                <a16:creationId xmlns="" xmlns:a16="http://schemas.microsoft.com/office/drawing/2014/main" id="{342FDE3F-B13E-4B4B-9DA2-810154EC600A}"/>
               </a:ext>
             </a:extLst>
           </p:cNvPr>
@@ -6241,7 +6258,7 @@
           <p:cNvPr id="1017" name="Соединительная линия уступом 620">
             <a:extLst>
               <a:ext uri="{FF2B5EF4-FFF2-40B4-BE49-F238E27FC236}">
-                <a16:creationId xmlns:a16="http://schemas.microsoft.com/office/drawing/2014/main" id="{507563A3-ED21-434A-97CA-47072B52AF59}"/>
+                <a16:creationId xmlns="" xmlns:a16="http://schemas.microsoft.com/office/drawing/2014/main" id="{507563A3-ED21-434A-97CA-47072B52AF59}"/>
               </a:ext>
             </a:extLst>
           </p:cNvPr>
@@ -6286,7 +6303,7 @@
           <p:cNvPr id="1018" name="Прямоугольник 1017">
             <a:extLst>
               <a:ext uri="{FF2B5EF4-FFF2-40B4-BE49-F238E27FC236}">
-                <a16:creationId xmlns:a16="http://schemas.microsoft.com/office/drawing/2014/main" id="{7D96995A-247F-4421-9E92-16E84D06E3BF}"/>
+                <a16:creationId xmlns="" xmlns:a16="http://schemas.microsoft.com/office/drawing/2014/main" id="{7D96995A-247F-4421-9E92-16E84D06E3BF}"/>
               </a:ext>
             </a:extLst>
           </p:cNvPr>
@@ -6347,7 +6364,7 @@
           <p:cNvPr id="1019" name="Прямоугольник 1018">
             <a:extLst>
               <a:ext uri="{FF2B5EF4-FFF2-40B4-BE49-F238E27FC236}">
-                <a16:creationId xmlns:a16="http://schemas.microsoft.com/office/drawing/2014/main" id="{8175A825-48D7-42FD-B24A-78DC21036C90}"/>
+                <a16:creationId xmlns="" xmlns:a16="http://schemas.microsoft.com/office/drawing/2014/main" id="{8175A825-48D7-42FD-B24A-78DC21036C90}"/>
               </a:ext>
             </a:extLst>
           </p:cNvPr>
@@ -6444,7 +6461,7 @@
           <p:cNvPr id="1020" name="Соединительная линия уступом 620">
             <a:extLst>
               <a:ext uri="{FF2B5EF4-FFF2-40B4-BE49-F238E27FC236}">
-                <a16:creationId xmlns:a16="http://schemas.microsoft.com/office/drawing/2014/main" id="{2EABA15C-391F-42AF-B9CE-7A5305C21DC1}"/>
+                <a16:creationId xmlns="" xmlns:a16="http://schemas.microsoft.com/office/drawing/2014/main" id="{2EABA15C-391F-42AF-B9CE-7A5305C21DC1}"/>
               </a:ext>
             </a:extLst>
           </p:cNvPr>
@@ -6489,7 +6506,7 @@
           <p:cNvPr id="1021" name="Прямая со стрелкой 1020">
             <a:extLst>
               <a:ext uri="{FF2B5EF4-FFF2-40B4-BE49-F238E27FC236}">
-                <a16:creationId xmlns:a16="http://schemas.microsoft.com/office/drawing/2014/main" id="{C6434A68-2E02-4D9E-9BB0-581BF724CC80}"/>
+                <a16:creationId xmlns="" xmlns:a16="http://schemas.microsoft.com/office/drawing/2014/main" id="{C6434A68-2E02-4D9E-9BB0-581BF724CC80}"/>
               </a:ext>
             </a:extLst>
           </p:cNvPr>
@@ -6532,7 +6549,7 @@
           <p:cNvPr id="1022" name="Прямоугольник 1021">
             <a:extLst>
               <a:ext uri="{FF2B5EF4-FFF2-40B4-BE49-F238E27FC236}">
-                <a16:creationId xmlns:a16="http://schemas.microsoft.com/office/drawing/2014/main" id="{45E05F2B-F443-4F43-BC28-43AA48028647}"/>
+                <a16:creationId xmlns="" xmlns:a16="http://schemas.microsoft.com/office/drawing/2014/main" id="{45E05F2B-F443-4F43-BC28-43AA48028647}"/>
               </a:ext>
             </a:extLst>
           </p:cNvPr>
@@ -6617,7 +6634,7 @@
           <p:cNvPr id="1023" name="Соединительная линия уступом 620">
             <a:extLst>
               <a:ext uri="{FF2B5EF4-FFF2-40B4-BE49-F238E27FC236}">
-                <a16:creationId xmlns:a16="http://schemas.microsoft.com/office/drawing/2014/main" id="{1C35EBA1-A931-4B6C-AA4A-80729E916E47}"/>
+                <a16:creationId xmlns="" xmlns:a16="http://schemas.microsoft.com/office/drawing/2014/main" id="{1C35EBA1-A931-4B6C-AA4A-80729E916E47}"/>
               </a:ext>
             </a:extLst>
           </p:cNvPr>
@@ -6662,7 +6679,7 @@
           <p:cNvPr id="1024" name="Соединительная линия уступом 620">
             <a:extLst>
               <a:ext uri="{FF2B5EF4-FFF2-40B4-BE49-F238E27FC236}">
-                <a16:creationId xmlns:a16="http://schemas.microsoft.com/office/drawing/2014/main" id="{7B5CAEB9-5C8C-4876-BA8D-D5AFAE83F90E}"/>
+                <a16:creationId xmlns="" xmlns:a16="http://schemas.microsoft.com/office/drawing/2014/main" id="{7B5CAEB9-5C8C-4876-BA8D-D5AFAE83F90E}"/>
               </a:ext>
             </a:extLst>
           </p:cNvPr>
@@ -6707,7 +6724,7 @@
           <p:cNvPr id="1025" name="Соединительная линия уступом 620">
             <a:extLst>
               <a:ext uri="{FF2B5EF4-FFF2-40B4-BE49-F238E27FC236}">
-                <a16:creationId xmlns:a16="http://schemas.microsoft.com/office/drawing/2014/main" id="{FFA2C793-4B29-4F99-98E9-4669E69C97AD}"/>
+                <a16:creationId xmlns="" xmlns:a16="http://schemas.microsoft.com/office/drawing/2014/main" id="{FFA2C793-4B29-4F99-98E9-4669E69C97AD}"/>
               </a:ext>
             </a:extLst>
           </p:cNvPr>
@@ -6752,7 +6769,7 @@
           <p:cNvPr id="1026" name="Прямоугольник 1025">
             <a:extLst>
               <a:ext uri="{FF2B5EF4-FFF2-40B4-BE49-F238E27FC236}">
-                <a16:creationId xmlns:a16="http://schemas.microsoft.com/office/drawing/2014/main" id="{DE407236-6717-4F48-AFCA-5A3738174520}"/>
+                <a16:creationId xmlns="" xmlns:a16="http://schemas.microsoft.com/office/drawing/2014/main" id="{DE407236-6717-4F48-AFCA-5A3738174520}"/>
               </a:ext>
             </a:extLst>
           </p:cNvPr>
@@ -6841,7 +6858,7 @@
           <p:cNvPr id="1027" name="Прямоугольник 1026">
             <a:extLst>
               <a:ext uri="{FF2B5EF4-FFF2-40B4-BE49-F238E27FC236}">
-                <a16:creationId xmlns:a16="http://schemas.microsoft.com/office/drawing/2014/main" id="{DB1631C9-91EC-471F-8438-3881EA858FD4}"/>
+                <a16:creationId xmlns="" xmlns:a16="http://schemas.microsoft.com/office/drawing/2014/main" id="{DB1631C9-91EC-471F-8438-3881EA858FD4}"/>
               </a:ext>
             </a:extLst>
           </p:cNvPr>
@@ -7097,7 +7114,7 @@
           <p:cNvPr id="1028" name="Прямоугольник 1027">
             <a:extLst>
               <a:ext uri="{FF2B5EF4-FFF2-40B4-BE49-F238E27FC236}">
-                <a16:creationId xmlns:a16="http://schemas.microsoft.com/office/drawing/2014/main" id="{D6E92AC8-0AE9-46F9-A924-784EB6A3DC97}"/>
+                <a16:creationId xmlns="" xmlns:a16="http://schemas.microsoft.com/office/drawing/2014/main" id="{D6E92AC8-0AE9-46F9-A924-784EB6A3DC97}"/>
               </a:ext>
             </a:extLst>
           </p:cNvPr>
@@ -7177,7 +7194,7 @@
           <p:cNvPr id="1029" name="Прямоугольник 1028">
             <a:extLst>
               <a:ext uri="{FF2B5EF4-FFF2-40B4-BE49-F238E27FC236}">
-                <a16:creationId xmlns:a16="http://schemas.microsoft.com/office/drawing/2014/main" id="{EE14F29B-5BBA-4548-9FD7-68C1B6F302D3}"/>
+                <a16:creationId xmlns="" xmlns:a16="http://schemas.microsoft.com/office/drawing/2014/main" id="{EE14F29B-5BBA-4548-9FD7-68C1B6F302D3}"/>
               </a:ext>
             </a:extLst>
           </p:cNvPr>
@@ -7228,7 +7245,7 @@
           <p:cNvPr id="1030" name="Прямоугольник 1029">
             <a:extLst>
               <a:ext uri="{FF2B5EF4-FFF2-40B4-BE49-F238E27FC236}">
-                <a16:creationId xmlns:a16="http://schemas.microsoft.com/office/drawing/2014/main" id="{8D4D7D52-105E-4376-9DD0-2B8522DA7F1B}"/>
+                <a16:creationId xmlns="" xmlns:a16="http://schemas.microsoft.com/office/drawing/2014/main" id="{8D4D7D52-105E-4376-9DD0-2B8522DA7F1B}"/>
               </a:ext>
             </a:extLst>
           </p:cNvPr>
@@ -7279,7 +7296,7 @@
           <p:cNvPr id="1031" name="Прямоугольник 1030">
             <a:extLst>
               <a:ext uri="{FF2B5EF4-FFF2-40B4-BE49-F238E27FC236}">
-                <a16:creationId xmlns:a16="http://schemas.microsoft.com/office/drawing/2014/main" id="{9F451564-3CC7-4336-95B9-519C482189ED}"/>
+                <a16:creationId xmlns="" xmlns:a16="http://schemas.microsoft.com/office/drawing/2014/main" id="{9F451564-3CC7-4336-95B9-519C482189ED}"/>
               </a:ext>
             </a:extLst>
           </p:cNvPr>
@@ -7330,7 +7347,7 @@
           <p:cNvPr id="1032" name="Прямоугольник 1031">
             <a:extLst>
               <a:ext uri="{FF2B5EF4-FFF2-40B4-BE49-F238E27FC236}">
-                <a16:creationId xmlns:a16="http://schemas.microsoft.com/office/drawing/2014/main" id="{9118DC19-A553-477F-B393-1A451FEA2E22}"/>
+                <a16:creationId xmlns="" xmlns:a16="http://schemas.microsoft.com/office/drawing/2014/main" id="{9118DC19-A553-477F-B393-1A451FEA2E22}"/>
               </a:ext>
             </a:extLst>
           </p:cNvPr>
@@ -7381,7 +7398,7 @@
           <p:cNvPr id="1033" name="Соединительная линия уступом 620">
             <a:extLst>
               <a:ext uri="{FF2B5EF4-FFF2-40B4-BE49-F238E27FC236}">
-                <a16:creationId xmlns:a16="http://schemas.microsoft.com/office/drawing/2014/main" id="{C9FADC20-7BF7-4390-A349-8712B2A5A5BC}"/>
+                <a16:creationId xmlns="" xmlns:a16="http://schemas.microsoft.com/office/drawing/2014/main" id="{C9FADC20-7BF7-4390-A349-8712B2A5A5BC}"/>
               </a:ext>
             </a:extLst>
           </p:cNvPr>
@@ -7426,7 +7443,7 @@
           <p:cNvPr id="1034" name="Соединительная линия уступом 620">
             <a:extLst>
               <a:ext uri="{FF2B5EF4-FFF2-40B4-BE49-F238E27FC236}">
-                <a16:creationId xmlns:a16="http://schemas.microsoft.com/office/drawing/2014/main" id="{343F6235-11CB-44AE-92C3-F34A4C55463E}"/>
+                <a16:creationId xmlns="" xmlns:a16="http://schemas.microsoft.com/office/drawing/2014/main" id="{343F6235-11CB-44AE-92C3-F34A4C55463E}"/>
               </a:ext>
             </a:extLst>
           </p:cNvPr>
@@ -7471,7 +7488,7 @@
           <p:cNvPr id="1035" name="Прямая со стрелкой 1034">
             <a:extLst>
               <a:ext uri="{FF2B5EF4-FFF2-40B4-BE49-F238E27FC236}">
-                <a16:creationId xmlns:a16="http://schemas.microsoft.com/office/drawing/2014/main" id="{47CC96AF-30D8-4207-B401-02E6FE35EC95}"/>
+                <a16:creationId xmlns="" xmlns:a16="http://schemas.microsoft.com/office/drawing/2014/main" id="{47CC96AF-30D8-4207-B401-02E6FE35EC95}"/>
               </a:ext>
             </a:extLst>
           </p:cNvPr>
@@ -7514,7 +7531,7 @@
           <p:cNvPr id="1036" name="Соединительная линия уступом 595">
             <a:extLst>
               <a:ext uri="{FF2B5EF4-FFF2-40B4-BE49-F238E27FC236}">
-                <a16:creationId xmlns:a16="http://schemas.microsoft.com/office/drawing/2014/main" id="{81A2B8B0-F8A5-4D83-9E13-FF2D58AF81CD}"/>
+                <a16:creationId xmlns="" xmlns:a16="http://schemas.microsoft.com/office/drawing/2014/main" id="{81A2B8B0-F8A5-4D83-9E13-FF2D58AF81CD}"/>
               </a:ext>
             </a:extLst>
           </p:cNvPr>
@@ -7560,7 +7577,7 @@
           <p:cNvPr id="1037" name="Соединительная линия уступом 595">
             <a:extLst>
               <a:ext uri="{FF2B5EF4-FFF2-40B4-BE49-F238E27FC236}">
-                <a16:creationId xmlns:a16="http://schemas.microsoft.com/office/drawing/2014/main" id="{975BE21E-CF6F-4CD8-9C25-D8D4532B2217}"/>
+                <a16:creationId xmlns="" xmlns:a16="http://schemas.microsoft.com/office/drawing/2014/main" id="{975BE21E-CF6F-4CD8-9C25-D8D4532B2217}"/>
               </a:ext>
             </a:extLst>
           </p:cNvPr>
@@ -7606,7 +7623,7 @@
           <p:cNvPr id="1038" name="Соединительная линия уступом 620">
             <a:extLst>
               <a:ext uri="{FF2B5EF4-FFF2-40B4-BE49-F238E27FC236}">
-                <a16:creationId xmlns:a16="http://schemas.microsoft.com/office/drawing/2014/main" id="{30AB627E-E3A0-4496-88F9-6BFDA477FF01}"/>
+                <a16:creationId xmlns="" xmlns:a16="http://schemas.microsoft.com/office/drawing/2014/main" id="{30AB627E-E3A0-4496-88F9-6BFDA477FF01}"/>
               </a:ext>
             </a:extLst>
           </p:cNvPr>
@@ -7651,7 +7668,7 @@
           <p:cNvPr id="1039" name="Соединительная линия уступом 620">
             <a:extLst>
               <a:ext uri="{FF2B5EF4-FFF2-40B4-BE49-F238E27FC236}">
-                <a16:creationId xmlns:a16="http://schemas.microsoft.com/office/drawing/2014/main" id="{E95C8750-3161-440F-8135-BA328D17561C}"/>
+                <a16:creationId xmlns="" xmlns:a16="http://schemas.microsoft.com/office/drawing/2014/main" id="{E95C8750-3161-440F-8135-BA328D17561C}"/>
               </a:ext>
             </a:extLst>
           </p:cNvPr>
@@ -7696,7 +7713,7 @@
           <p:cNvPr id="1040" name="Прямоугольник 1039">
             <a:extLst>
               <a:ext uri="{FF2B5EF4-FFF2-40B4-BE49-F238E27FC236}">
-                <a16:creationId xmlns:a16="http://schemas.microsoft.com/office/drawing/2014/main" id="{E8BC4B56-5ECE-4456-AD1E-3B33F45347D8}"/>
+                <a16:creationId xmlns="" xmlns:a16="http://schemas.microsoft.com/office/drawing/2014/main" id="{E8BC4B56-5ECE-4456-AD1E-3B33F45347D8}"/>
               </a:ext>
             </a:extLst>
           </p:cNvPr>
@@ -7754,7 +7771,7 @@
           <p:cNvPr id="1041" name="Прямоугольник 1040">
             <a:extLst>
               <a:ext uri="{FF2B5EF4-FFF2-40B4-BE49-F238E27FC236}">
-                <a16:creationId xmlns:a16="http://schemas.microsoft.com/office/drawing/2014/main" id="{D4788916-2671-418A-BFC4-7E9040A64A2D}"/>
+                <a16:creationId xmlns="" xmlns:a16="http://schemas.microsoft.com/office/drawing/2014/main" id="{D4788916-2671-418A-BFC4-7E9040A64A2D}"/>
               </a:ext>
             </a:extLst>
           </p:cNvPr>
@@ -7812,7 +7829,7 @@
           <p:cNvPr id="1042" name="Прямоугольник 1041">
             <a:extLst>
               <a:ext uri="{FF2B5EF4-FFF2-40B4-BE49-F238E27FC236}">
-                <a16:creationId xmlns:a16="http://schemas.microsoft.com/office/drawing/2014/main" id="{E5B456C6-FF4A-45D0-BFEA-98EDD5DFFDA6}"/>
+                <a16:creationId xmlns="" xmlns:a16="http://schemas.microsoft.com/office/drawing/2014/main" id="{E5B456C6-FF4A-45D0-BFEA-98EDD5DFFDA6}"/>
               </a:ext>
             </a:extLst>
           </p:cNvPr>
@@ -7873,7 +7890,7 @@
           <p:cNvPr id="1043" name="Прямоугольник 1042">
             <a:extLst>
               <a:ext uri="{FF2B5EF4-FFF2-40B4-BE49-F238E27FC236}">
-                <a16:creationId xmlns:a16="http://schemas.microsoft.com/office/drawing/2014/main" id="{D3DBC406-3A8E-42CB-8FE0-8E458AD78DCE}"/>
+                <a16:creationId xmlns="" xmlns:a16="http://schemas.microsoft.com/office/drawing/2014/main" id="{D3DBC406-3A8E-42CB-8FE0-8E458AD78DCE}"/>
               </a:ext>
             </a:extLst>
           </p:cNvPr>
@@ -7926,7 +7943,7 @@
           <p:cNvPr id="1044" name="Соединительная линия уступом 620">
             <a:extLst>
               <a:ext uri="{FF2B5EF4-FFF2-40B4-BE49-F238E27FC236}">
-                <a16:creationId xmlns:a16="http://schemas.microsoft.com/office/drawing/2014/main" id="{113C0C0F-8E8E-4798-93FC-458D975DEBBB}"/>
+                <a16:creationId xmlns="" xmlns:a16="http://schemas.microsoft.com/office/drawing/2014/main" id="{113C0C0F-8E8E-4798-93FC-458D975DEBBB}"/>
               </a:ext>
             </a:extLst>
           </p:cNvPr>
@@ -7971,7 +7988,7 @@
           <p:cNvPr id="1045" name="Соединительная линия уступом 595">
             <a:extLst>
               <a:ext uri="{FF2B5EF4-FFF2-40B4-BE49-F238E27FC236}">
-                <a16:creationId xmlns:a16="http://schemas.microsoft.com/office/drawing/2014/main" id="{028CDF1A-E6D3-4E97-8704-B7C2DA459A15}"/>
+                <a16:creationId xmlns="" xmlns:a16="http://schemas.microsoft.com/office/drawing/2014/main" id="{028CDF1A-E6D3-4E97-8704-B7C2DA459A15}"/>
               </a:ext>
             </a:extLst>
           </p:cNvPr>
@@ -8017,7 +8034,7 @@
           <p:cNvPr id="1046" name="Соединительная линия уступом 595">
             <a:extLst>
               <a:ext uri="{FF2B5EF4-FFF2-40B4-BE49-F238E27FC236}">
-                <a16:creationId xmlns:a16="http://schemas.microsoft.com/office/drawing/2014/main" id="{87A70FCB-646F-4243-94AE-BDBBA959B037}"/>
+                <a16:creationId xmlns="" xmlns:a16="http://schemas.microsoft.com/office/drawing/2014/main" id="{87A70FCB-646F-4243-94AE-BDBBA959B037}"/>
               </a:ext>
             </a:extLst>
           </p:cNvPr>
@@ -8063,7 +8080,7 @@
           <p:cNvPr id="1047" name="Соединительная линия уступом 620">
             <a:extLst>
               <a:ext uri="{FF2B5EF4-FFF2-40B4-BE49-F238E27FC236}">
-                <a16:creationId xmlns:a16="http://schemas.microsoft.com/office/drawing/2014/main" id="{921906D8-5265-4753-862F-CD5BB467FF70}"/>
+                <a16:creationId xmlns="" xmlns:a16="http://schemas.microsoft.com/office/drawing/2014/main" id="{921906D8-5265-4753-862F-CD5BB467FF70}"/>
               </a:ext>
             </a:extLst>
           </p:cNvPr>
@@ -8108,7 +8125,7 @@
           <p:cNvPr id="1048" name="Соединительная линия уступом 620">
             <a:extLst>
               <a:ext uri="{FF2B5EF4-FFF2-40B4-BE49-F238E27FC236}">
-                <a16:creationId xmlns:a16="http://schemas.microsoft.com/office/drawing/2014/main" id="{F5591766-AC4B-465B-BF39-5C19DB3A2E73}"/>
+                <a16:creationId xmlns="" xmlns:a16="http://schemas.microsoft.com/office/drawing/2014/main" id="{F5591766-AC4B-465B-BF39-5C19DB3A2E73}"/>
               </a:ext>
             </a:extLst>
           </p:cNvPr>
@@ -8153,7 +8170,7 @@
           <p:cNvPr id="1049" name="Прямоугольник 1048">
             <a:extLst>
               <a:ext uri="{FF2B5EF4-FFF2-40B4-BE49-F238E27FC236}">
-                <a16:creationId xmlns:a16="http://schemas.microsoft.com/office/drawing/2014/main" id="{736C24D4-7EE2-42A5-B37D-6CE9FAAFD89A}"/>
+                <a16:creationId xmlns="" xmlns:a16="http://schemas.microsoft.com/office/drawing/2014/main" id="{736C24D4-7EE2-42A5-B37D-6CE9FAAFD89A}"/>
               </a:ext>
             </a:extLst>
           </p:cNvPr>
@@ -8206,7 +8223,7 @@
           <p:cNvPr id="1050" name="Прямая со стрелкой 1049">
             <a:extLst>
               <a:ext uri="{FF2B5EF4-FFF2-40B4-BE49-F238E27FC236}">
-                <a16:creationId xmlns:a16="http://schemas.microsoft.com/office/drawing/2014/main" id="{4EA86BE2-F187-40E4-9676-D3AD23B4D16C}"/>
+                <a16:creationId xmlns="" xmlns:a16="http://schemas.microsoft.com/office/drawing/2014/main" id="{4EA86BE2-F187-40E4-9676-D3AD23B4D16C}"/>
               </a:ext>
             </a:extLst>
           </p:cNvPr>
@@ -8249,7 +8266,7 @@
           <p:cNvPr id="1051" name="Прямая со стрелкой 1050">
             <a:extLst>
               <a:ext uri="{FF2B5EF4-FFF2-40B4-BE49-F238E27FC236}">
-                <a16:creationId xmlns:a16="http://schemas.microsoft.com/office/drawing/2014/main" id="{3E1D0921-FB55-43B1-B7C4-BED6CED0BD09}"/>
+                <a16:creationId xmlns="" xmlns:a16="http://schemas.microsoft.com/office/drawing/2014/main" id="{3E1D0921-FB55-43B1-B7C4-BED6CED0BD09}"/>
               </a:ext>
             </a:extLst>
           </p:cNvPr>
@@ -8292,7 +8309,7 @@
           <p:cNvPr id="1052" name="Прямая со стрелкой 1051">
             <a:extLst>
               <a:ext uri="{FF2B5EF4-FFF2-40B4-BE49-F238E27FC236}">
-                <a16:creationId xmlns:a16="http://schemas.microsoft.com/office/drawing/2014/main" id="{A8260B80-7DCB-47B0-8BC7-F93B7F762AB4}"/>
+                <a16:creationId xmlns="" xmlns:a16="http://schemas.microsoft.com/office/drawing/2014/main" id="{A8260B80-7DCB-47B0-8BC7-F93B7F762AB4}"/>
               </a:ext>
             </a:extLst>
           </p:cNvPr>
@@ -8335,7 +8352,7 @@
           <p:cNvPr id="1053" name="Прямоугольник 1052">
             <a:extLst>
               <a:ext uri="{FF2B5EF4-FFF2-40B4-BE49-F238E27FC236}">
-                <a16:creationId xmlns:a16="http://schemas.microsoft.com/office/drawing/2014/main" id="{89FA5A8C-8B8A-447D-8BA1-756F3CCE6A3B}"/>
+                <a16:creationId xmlns="" xmlns:a16="http://schemas.microsoft.com/office/drawing/2014/main" id="{89FA5A8C-8B8A-447D-8BA1-756F3CCE6A3B}"/>
               </a:ext>
             </a:extLst>
           </p:cNvPr>
@@ -8433,7 +8450,7 @@
           <p:cNvPr id="86" name="Прямоугольник 85">
             <a:extLst>
               <a:ext uri="{FF2B5EF4-FFF2-40B4-BE49-F238E27FC236}">
-                <a16:creationId xmlns:a16="http://schemas.microsoft.com/office/drawing/2014/main" id="{D3588B4A-E518-43B2-8D41-733948440E87}"/>
+                <a16:creationId xmlns="" xmlns:a16="http://schemas.microsoft.com/office/drawing/2014/main" id="{D3588B4A-E518-43B2-8D41-733948440E87}"/>
               </a:ext>
             </a:extLst>
           </p:cNvPr>
@@ -8482,6 +8499,10 @@
               <a:rPr lang="en-US" sz="700" dirty="0"/>
               <a:t>:</a:t>
             </a:r>
+            <a:r>
+              <a:rPr lang="ru-RU" sz="700" dirty="0"/>
+              <a:t/>
+            </a:r>
             <a:br>
               <a:rPr lang="ru-RU" sz="700" dirty="0"/>
             </a:br>
@@ -8520,7 +8541,7 @@
           <p:cNvPr id="87" name="Прямоугольник 86">
             <a:extLst>
               <a:ext uri="{FF2B5EF4-FFF2-40B4-BE49-F238E27FC236}">
-                <a16:creationId xmlns:a16="http://schemas.microsoft.com/office/drawing/2014/main" id="{A72BB3CF-D76E-496B-BF14-CAA7D59B3D3C}"/>
+                <a16:creationId xmlns="" xmlns:a16="http://schemas.microsoft.com/office/drawing/2014/main" id="{A72BB3CF-D76E-496B-BF14-CAA7D59B3D3C}"/>
               </a:ext>
             </a:extLst>
           </p:cNvPr>
@@ -8584,7 +8605,7 @@
           <p:cNvPr id="88" name="Прямоугольник 87">
             <a:extLst>
               <a:ext uri="{FF2B5EF4-FFF2-40B4-BE49-F238E27FC236}">
-                <a16:creationId xmlns:a16="http://schemas.microsoft.com/office/drawing/2014/main" id="{DA58DBEE-26B4-4876-B6C8-965562EACDE3}"/>
+                <a16:creationId xmlns="" xmlns:a16="http://schemas.microsoft.com/office/drawing/2014/main" id="{DA58DBEE-26B4-4876-B6C8-965562EACDE3}"/>
               </a:ext>
             </a:extLst>
           </p:cNvPr>
@@ -8754,7 +8775,7 @@
           <p:cNvPr id="89" name="Прямоугольник 88">
             <a:extLst>
               <a:ext uri="{FF2B5EF4-FFF2-40B4-BE49-F238E27FC236}">
-                <a16:creationId xmlns:a16="http://schemas.microsoft.com/office/drawing/2014/main" id="{CAD62AD0-9823-4F98-80DC-1A351DE2F96C}"/>
+                <a16:creationId xmlns="" xmlns:a16="http://schemas.microsoft.com/office/drawing/2014/main" id="{CAD62AD0-9823-4F98-80DC-1A351DE2F96C}"/>
               </a:ext>
             </a:extLst>
           </p:cNvPr>
@@ -8876,7 +8897,7 @@
           <p:cNvPr id="90" name="Прямоугольник 89">
             <a:extLst>
               <a:ext uri="{FF2B5EF4-FFF2-40B4-BE49-F238E27FC236}">
-                <a16:creationId xmlns:a16="http://schemas.microsoft.com/office/drawing/2014/main" id="{D82EE70E-4677-4680-ABFE-21337258332A}"/>
+                <a16:creationId xmlns="" xmlns:a16="http://schemas.microsoft.com/office/drawing/2014/main" id="{D82EE70E-4677-4680-ABFE-21337258332A}"/>
               </a:ext>
             </a:extLst>
           </p:cNvPr>
@@ -9347,7 +9368,7 @@
   <a:extraClrSchemeLst/>
   <a:extLst>
     <a:ext uri="{05A4C25C-085E-4340-85A3-A5531E510DB2}">
-      <thm15:themeFamily xmlns:thm15="http://schemas.microsoft.com/office/thememl/2012/main" name="Office Theme" id="{62F939B6-93AF-4DB8-9C6B-D6C7DFDC589F}" vid="{4A3C46E8-61CC-4603-A589-7422A47A8E4A}"/>
+      <thm15:themeFamily xmlns="" xmlns:thm15="http://schemas.microsoft.com/office/thememl/2012/main" name="Office Theme" id="{62F939B6-93AF-4DB8-9C6B-D6C7DFDC589F}" vid="{4A3C46E8-61CC-4603-A589-7422A47A8E4A}"/>
     </a:ext>
   </a:extLst>
 </a:theme>
@@ -9608,7 +9629,7 @@
   <a:extraClrSchemeLst/>
   <a:extLst>
     <a:ext uri="{05A4C25C-085E-4340-85A3-A5531E510DB2}">
-      <thm15:themeFamily xmlns:thm15="http://schemas.microsoft.com/office/thememl/2012/main" name="Office Theme" id="{62F939B6-93AF-4DB8-9C6B-D6C7DFDC589F}" vid="{4A3C46E8-61CC-4603-A589-7422A47A8E4A}"/>
+      <thm15:themeFamily xmlns="" xmlns:thm15="http://schemas.microsoft.com/office/thememl/2012/main" name="Office Theme" id="{62F939B6-93AF-4DB8-9C6B-D6C7DFDC589F}" vid="{4A3C46E8-61CC-4603-A589-7422A47A8E4A}"/>
     </a:ext>
   </a:extLst>
 </a:theme>

--- a/Наработки/диздоки/Франция/Франция.pptx
+++ b/Наработки/диздоки/Франция/Франция.pptx
@@ -109,7 +109,7 @@
   </p:defaultTextStyle>
   <p:extLst>
     <p:ext uri="{EFAFB233-063F-42B5-8137-9DF3F51BA10A}">
-      <p15:sldGuideLst xmlns="" xmlns:p15="http://schemas.microsoft.com/office/powerpoint/2012/main">
+      <p15:sldGuideLst xmlns:p15="http://schemas.microsoft.com/office/powerpoint/2012/main">
         <p15:guide id="1" orient="horz" pos="11344">
           <p15:clr>
             <a:srgbClr val="A4A3A4"/>
@@ -209,7 +209,7 @@
             <a:fld id="{33E3D7F9-E251-484C-A6FF-FA958879DF69}" type="datetimeFigureOut">
               <a:rPr lang="ru-RU" smtClean="0"/>
               <a:pPr/>
-              <a:t>17.11.2023</a:t>
+              <a:t>05.03.2024</a:t>
             </a:fld>
             <a:endParaRPr lang="ru-RU"/>
           </a:p>
@@ -699,7 +699,7 @@
             <a:fld id="{85A5DE44-605B-4D3B-B2B7-94543DF81A36}" type="datetimeFigureOut">
               <a:rPr lang="ru-RU" smtClean="0"/>
               <a:pPr/>
-              <a:t>17.11.2023</a:t>
+              <a:t>05.03.2024</a:t>
             </a:fld>
             <a:endParaRPr lang="ru-RU"/>
           </a:p>
@@ -871,7 +871,7 @@
             <a:fld id="{85A5DE44-605B-4D3B-B2B7-94543DF81A36}" type="datetimeFigureOut">
               <a:rPr lang="ru-RU" smtClean="0"/>
               <a:pPr/>
-              <a:t>17.11.2023</a:t>
+              <a:t>05.03.2024</a:t>
             </a:fld>
             <a:endParaRPr lang="ru-RU"/>
           </a:p>
@@ -1053,7 +1053,7 @@
             <a:fld id="{85A5DE44-605B-4D3B-B2B7-94543DF81A36}" type="datetimeFigureOut">
               <a:rPr lang="ru-RU" smtClean="0"/>
               <a:pPr/>
-              <a:t>17.11.2023</a:t>
+              <a:t>05.03.2024</a:t>
             </a:fld>
             <a:endParaRPr lang="ru-RU"/>
           </a:p>
@@ -1225,7 +1225,7 @@
             <a:fld id="{85A5DE44-605B-4D3B-B2B7-94543DF81A36}" type="datetimeFigureOut">
               <a:rPr lang="ru-RU" smtClean="0"/>
               <a:pPr/>
-              <a:t>17.11.2023</a:t>
+              <a:t>05.03.2024</a:t>
             </a:fld>
             <a:endParaRPr lang="ru-RU"/>
           </a:p>
@@ -1473,7 +1473,7 @@
             <a:fld id="{85A5DE44-605B-4D3B-B2B7-94543DF81A36}" type="datetimeFigureOut">
               <a:rPr lang="ru-RU" smtClean="0"/>
               <a:pPr/>
-              <a:t>17.11.2023</a:t>
+              <a:t>05.03.2024</a:t>
             </a:fld>
             <a:endParaRPr lang="ru-RU"/>
           </a:p>
@@ -1707,7 +1707,7 @@
             <a:fld id="{85A5DE44-605B-4D3B-B2B7-94543DF81A36}" type="datetimeFigureOut">
               <a:rPr lang="ru-RU" smtClean="0"/>
               <a:pPr/>
-              <a:t>17.11.2023</a:t>
+              <a:t>05.03.2024</a:t>
             </a:fld>
             <a:endParaRPr lang="ru-RU"/>
           </a:p>
@@ -2076,7 +2076,7 @@
             <a:fld id="{85A5DE44-605B-4D3B-B2B7-94543DF81A36}" type="datetimeFigureOut">
               <a:rPr lang="ru-RU" smtClean="0"/>
               <a:pPr/>
-              <a:t>17.11.2023</a:t>
+              <a:t>05.03.2024</a:t>
             </a:fld>
             <a:endParaRPr lang="ru-RU"/>
           </a:p>
@@ -2196,7 +2196,7 @@
             <a:fld id="{85A5DE44-605B-4D3B-B2B7-94543DF81A36}" type="datetimeFigureOut">
               <a:rPr lang="ru-RU" smtClean="0"/>
               <a:pPr/>
-              <a:t>17.11.2023</a:t>
+              <a:t>05.03.2024</a:t>
             </a:fld>
             <a:endParaRPr lang="ru-RU"/>
           </a:p>
@@ -2293,7 +2293,7 @@
             <a:fld id="{85A5DE44-605B-4D3B-B2B7-94543DF81A36}" type="datetimeFigureOut">
               <a:rPr lang="ru-RU" smtClean="0"/>
               <a:pPr/>
-              <a:t>17.11.2023</a:t>
+              <a:t>05.03.2024</a:t>
             </a:fld>
             <a:endParaRPr lang="ru-RU"/>
           </a:p>
@@ -2572,7 +2572,7 @@
             <a:fld id="{85A5DE44-605B-4D3B-B2B7-94543DF81A36}" type="datetimeFigureOut">
               <a:rPr lang="ru-RU" smtClean="0"/>
               <a:pPr/>
-              <a:t>17.11.2023</a:t>
+              <a:t>05.03.2024</a:t>
             </a:fld>
             <a:endParaRPr lang="ru-RU"/>
           </a:p>
@@ -2831,7 +2831,7 @@
             <a:fld id="{85A5DE44-605B-4D3B-B2B7-94543DF81A36}" type="datetimeFigureOut">
               <a:rPr lang="ru-RU" smtClean="0"/>
               <a:pPr/>
-              <a:t>17.11.2023</a:t>
+              <a:t>05.03.2024</a:t>
             </a:fld>
             <a:endParaRPr lang="ru-RU"/>
           </a:p>
@@ -3046,7 +3046,7 @@
             <a:fld id="{85A5DE44-605B-4D3B-B2B7-94543DF81A36}" type="datetimeFigureOut">
               <a:rPr lang="ru-RU" smtClean="0"/>
               <a:pPr/>
-              <a:t>17.11.2023</a:t>
+              <a:t>05.03.2024</a:t>
             </a:fld>
             <a:endParaRPr lang="ru-RU"/>
           </a:p>
@@ -3502,7 +3502,7 @@
         </p:nvSpPr>
         <p:spPr>
           <a:xfrm>
-            <a:off x="23842893" y="1369128"/>
+            <a:off x="24423005" y="1369129"/>
             <a:ext cx="926325" cy="540000"/>
           </a:xfrm>
           <a:prstGeom prst="rect">
@@ -3534,64 +3534,11 @@
             <a:pPr algn="ctr"/>
             <a:r>
               <a:rPr lang="ru-RU" sz="700" dirty="0"/>
-              <a:t>Отставка кабинета </a:t>
-            </a:r>
-            <a:r>
-              <a:rPr lang="ru-RU" sz="700" dirty="0" err="1" smtClean="0"/>
-              <a:t>Лаваля</a:t>
-            </a:r>
-            <a:r>
-              <a:rPr lang="en-US" sz="700" dirty="0" smtClean="0"/>
-              <a:t> (</a:t>
-            </a:r>
-            <a:r>
-              <a:rPr lang="ru-RU" sz="700" dirty="0" smtClean="0"/>
-              <a:t>По событию)</a:t>
-            </a:r>
-            <a:endParaRPr lang="ru-RU" sz="700" dirty="0"/>
-          </a:p>
-        </p:txBody>
-      </p:sp>
-      <p:cxnSp>
-        <p:nvCxnSpPr>
-          <p:cNvPr id="596" name="Соединительная линия уступом 595"/>
-          <p:cNvCxnSpPr>
-            <a:cxnSpLocks/>
-            <a:stCxn id="87" idx="2"/>
-            <a:endCxn id="1030" idx="0"/>
-          </p:cNvCxnSpPr>
-          <p:nvPr/>
-        </p:nvCxnSpPr>
-        <p:spPr>
-          <a:xfrm rot="5400000">
-            <a:off x="24757975" y="2252328"/>
-            <a:ext cx="255120" cy="1158961"/>
-          </a:xfrm>
-          <a:prstGeom prst="bentConnector3">
-            <a:avLst>
-              <a:gd name="adj1" fmla="val 50000"/>
-            </a:avLst>
-          </a:prstGeom>
-          <a:ln w="19050">
-            <a:prstDash val="dash"/>
-            <a:tailEnd type="arrow"/>
-          </a:ln>
-        </p:spPr>
-        <p:style>
-          <a:lnRef idx="1">
-            <a:schemeClr val="accent1"/>
-          </a:lnRef>
-          <a:fillRef idx="0">
-            <a:schemeClr val="accent1"/>
-          </a:fillRef>
-          <a:effectRef idx="0">
-            <a:schemeClr val="accent1"/>
-          </a:effectRef>
-          <a:fontRef idx="minor">
-            <a:schemeClr val="tx1"/>
-          </a:fontRef>
-        </p:style>
-      </p:cxnSp>
+              <a:t>Отставка кабинета Лаваля</a:t>
+            </a:r>
+          </a:p>
+        </p:txBody>
+      </p:sp>
       <p:cxnSp>
         <p:nvCxnSpPr>
           <p:cNvPr id="621" name="Соединительная линия уступом 620"/>
@@ -3604,7 +3551,7 @@
         </p:nvCxnSpPr>
         <p:spPr>
           <a:xfrm rot="5400000">
-            <a:off x="29844131" y="4473047"/>
+            <a:off x="19506426" y="8402652"/>
             <a:ext cx="224693" cy="2352457"/>
           </a:xfrm>
           <a:prstGeom prst="bentConnector3">
@@ -3643,7 +3590,7 @@
         </p:nvCxnSpPr>
         <p:spPr>
           <a:xfrm flipH="1">
-            <a:off x="28776944" y="6301622"/>
+            <a:off x="18439239" y="10231227"/>
             <a:ext cx="3304" cy="229689"/>
           </a:xfrm>
           <a:prstGeom prst="straightConnector1">
@@ -3680,8 +3627,8 @@
         </p:nvCxnSpPr>
         <p:spPr>
           <a:xfrm>
-            <a:off x="24206039" y="4024488"/>
-            <a:ext cx="211913" cy="0"/>
+            <a:off x="24193717" y="4022545"/>
+            <a:ext cx="1370843" cy="1942"/>
           </a:xfrm>
           <a:prstGeom prst="line">
             <a:avLst/>
@@ -3709,13 +3656,19 @@
       </p:cxnSp>
       <p:sp>
         <p:nvSpPr>
-          <p:cNvPr id="844" name="Прямоугольник 843"/>
+          <p:cNvPr id="838" name="Прямоугольник 837">
+            <a:extLst>
+              <a:ext uri="{FF2B5EF4-FFF2-40B4-BE49-F238E27FC236}">
+                <a16:creationId xmlns:a16="http://schemas.microsoft.com/office/drawing/2014/main" id="{C0AC7FB0-09CD-4FB0-BC8D-7432640DB532}"/>
+              </a:ext>
+            </a:extLst>
+          </p:cNvPr>
           <p:cNvSpPr/>
           <p:nvPr/>
         </p:nvSpPr>
         <p:spPr>
           <a:xfrm>
-            <a:off x="5076369" y="634948"/>
+            <a:off x="754793" y="33928678"/>
             <a:ext cx="926325" cy="540000"/>
           </a:xfrm>
           <a:prstGeom prst="rect">
@@ -3746,162 +3699,38 @@
           <a:p>
             <a:pPr algn="ctr"/>
             <a:r>
+              <a:rPr lang="ru-RU" sz="700" dirty="0"/>
+              <a:t>Усилить «Рейнский фронт» (</a:t>
+            </a:r>
+            <a:r>
+              <a:rPr lang="ru-RU" sz="700" dirty="0" err="1"/>
+              <a:t>неистор</a:t>
+            </a:r>
+            <a:r>
+              <a:rPr lang="ru-RU" sz="700" dirty="0"/>
+              <a:t>)</a:t>
+            </a:r>
+          </a:p>
+          <a:p>
+            <a:pPr algn="ctr"/>
+            <a:r>
+              <a:rPr lang="ru-RU" sz="700" dirty="0"/>
+              <a:t> </a:t>
+            </a:r>
+            <a:r>
               <a:rPr lang="ru-RU" sz="200" dirty="0"/>
-              <a:t>Ко времени окончания сражения националисты наконец создали постоянный кабинет министров. Франко стал президентом совета, а </a:t>
-            </a:r>
-            <a:r>
-              <a:rPr lang="ru-RU" sz="200" dirty="0" err="1"/>
-              <a:t>Хордана</a:t>
-            </a:r>
-            <a:r>
-              <a:rPr lang="ru-RU" sz="200" dirty="0"/>
-              <a:t> занял пост вице-президента и министра иностранных дел. Давила, продолжая командовать Армией Севера, стал министром обороны. Генерал </a:t>
-            </a:r>
-            <a:r>
-              <a:rPr lang="ru-RU" sz="200" dirty="0" err="1"/>
-              <a:t>Мартинес</a:t>
-            </a:r>
-            <a:r>
-              <a:rPr lang="ru-RU" sz="200" dirty="0"/>
-              <a:t> </a:t>
-            </a:r>
-            <a:r>
-              <a:rPr lang="ru-RU" sz="200" dirty="0" err="1"/>
-              <a:t>Анидо</a:t>
-            </a:r>
-            <a:r>
-              <a:rPr lang="ru-RU" sz="200" dirty="0"/>
-              <a:t>, который после 1917 года был капитан-генералом Барселоны, тиранически управляя ею, а потом входил в кабинет </a:t>
-            </a:r>
-            <a:r>
-              <a:rPr lang="ru-RU" sz="200" dirty="0" err="1"/>
-              <a:t>Примо</a:t>
-            </a:r>
-            <a:r>
-              <a:rPr lang="ru-RU" sz="200" dirty="0"/>
-              <a:t> де Риверы, получил пост министра общественного порядка. Остальные члены кабинета не имели отношения к военным. </a:t>
-            </a:r>
-            <a:r>
-              <a:rPr lang="ru-RU" sz="200" dirty="0" err="1"/>
-              <a:t>Андресу</a:t>
-            </a:r>
-            <a:r>
-              <a:rPr lang="ru-RU" sz="200" dirty="0"/>
-              <a:t> </a:t>
-            </a:r>
-            <a:r>
-              <a:rPr lang="ru-RU" sz="200" dirty="0" err="1"/>
-              <a:t>Амадо</a:t>
-            </a:r>
-            <a:r>
-              <a:rPr lang="ru-RU" sz="200" dirty="0"/>
-              <a:t>, близкому другу </a:t>
-            </a:r>
-            <a:r>
-              <a:rPr lang="ru-RU" sz="200" dirty="0" err="1"/>
-              <a:t>Кальво</a:t>
-            </a:r>
-            <a:r>
-              <a:rPr lang="ru-RU" sz="200" dirty="0"/>
-              <a:t> </a:t>
-            </a:r>
-            <a:r>
-              <a:rPr lang="ru-RU" sz="200" dirty="0" err="1"/>
-              <a:t>Сотело</a:t>
-            </a:r>
-            <a:r>
-              <a:rPr lang="ru-RU" sz="200" dirty="0"/>
-              <a:t>, достался пост министра финансов. Морской инженер Хуан Антонио </a:t>
-            </a:r>
-            <a:r>
-              <a:rPr lang="ru-RU" sz="200" dirty="0" err="1"/>
-              <a:t>Суансес</a:t>
-            </a:r>
-            <a:r>
-              <a:rPr lang="ru-RU" sz="200" dirty="0"/>
-              <a:t>, давний приятель Франко, стал министром торговли и промышленности, </a:t>
-            </a:r>
-            <a:r>
-              <a:rPr lang="ru-RU" sz="200" dirty="0" err="1"/>
-              <a:t>карлист</a:t>
-            </a:r>
-            <a:r>
-              <a:rPr lang="ru-RU" sz="200" dirty="0"/>
-              <a:t> граф де </a:t>
-            </a:r>
-            <a:r>
-              <a:rPr lang="ru-RU" sz="200" dirty="0" err="1"/>
-              <a:t>Родесно</a:t>
-            </a:r>
-            <a:r>
-              <a:rPr lang="ru-RU" sz="200" dirty="0"/>
-              <a:t> – министром юстиции, а </a:t>
-            </a:r>
-            <a:r>
-              <a:rPr lang="ru-RU" sz="200" dirty="0" err="1"/>
-              <a:t>Сайнс</a:t>
-            </a:r>
-            <a:r>
-              <a:rPr lang="ru-RU" sz="200" dirty="0"/>
-              <a:t> Родригес, монархист и интеллектуал, – министром образования. Они представляли старые политические партии, но самым влиятельным членом кабинета был </a:t>
-            </a:r>
-            <a:r>
-              <a:rPr lang="ru-RU" sz="200" dirty="0" err="1"/>
-              <a:t>Серрано</a:t>
-            </a:r>
-            <a:r>
-              <a:rPr lang="ru-RU" sz="200" dirty="0"/>
-              <a:t> </a:t>
-            </a:r>
-            <a:r>
-              <a:rPr lang="ru-RU" sz="200" dirty="0" err="1"/>
-              <a:t>Суньер</a:t>
-            </a:r>
-            <a:r>
-              <a:rPr lang="ru-RU" sz="200" dirty="0"/>
-              <a:t>, возглавлявший новую фалангу. Ему были вручены прерогативы министра внутренних дел и генерального секретаря фаланги, что наделяло его исчерпывающей властью над этой организацией. </a:t>
-            </a:r>
-            <a:r>
-              <a:rPr lang="ru-RU" sz="200" dirty="0" err="1"/>
-              <a:t>Фернандес</a:t>
-            </a:r>
-            <a:r>
-              <a:rPr lang="ru-RU" sz="200" dirty="0"/>
-              <a:t> </a:t>
-            </a:r>
-            <a:r>
-              <a:rPr lang="ru-RU" sz="200" dirty="0" err="1"/>
-              <a:t>Куэста</a:t>
-            </a:r>
-            <a:r>
-              <a:rPr lang="ru-RU" sz="200" dirty="0"/>
-              <a:t>, единственный из числа «старых рубашек», в дополнение к его почетному посту генерального секретаря Национального совета стал министром сельского хозяйства. Пост министра труда достался Педро Гонсалесу </a:t>
-            </a:r>
-            <a:r>
-              <a:rPr lang="ru-RU" sz="200" dirty="0" err="1"/>
-              <a:t>Буэно</a:t>
-            </a:r>
-            <a:r>
-              <a:rPr lang="ru-RU" sz="200" dirty="0"/>
-              <a:t>, типичному представителю новой фаланги. Последним членом кабинета стал Альфонсо Пенья-и-</a:t>
-            </a:r>
-            <a:r>
-              <a:rPr lang="ru-RU" sz="200" dirty="0" err="1"/>
-              <a:t>Боэф</a:t>
-            </a:r>
-            <a:r>
-              <a:rPr lang="ru-RU" sz="200" dirty="0"/>
-              <a:t>, который до этого не играл роли в политике.</a:t>
-            </a:r>
-          </a:p>
-        </p:txBody>
-      </p:sp>
-      <p:sp>
-        <p:nvSpPr>
-          <p:cNvPr id="838" name="Прямоугольник 837">
-            <a:extLst>
-              <a:ext uri="{FF2B5EF4-FFF2-40B4-BE49-F238E27FC236}">
-                <a16:creationId xmlns="" xmlns:a16="http://schemas.microsoft.com/office/drawing/2014/main" id="{C0AC7FB0-09CD-4FB0-BC8D-7432640DB532}"/>
+              <a:t>(Возвращение Рейнской области в Германию в 1935 году и политические потрясения, связанные с бельгийской декларацией о нейтралитете в 1936 году, привели к необходимости усиления линии укрепрайона «Рейнский фронт»</a:t>
+            </a:r>
+            <a:endParaRPr lang="ru-RU" sz="700" dirty="0"/>
+          </a:p>
+        </p:txBody>
+      </p:sp>
+      <p:sp>
+        <p:nvSpPr>
+          <p:cNvPr id="924" name="Прямоугольник 923">
+            <a:extLst>
+              <a:ext uri="{FF2B5EF4-FFF2-40B4-BE49-F238E27FC236}">
+                <a16:creationId xmlns:a16="http://schemas.microsoft.com/office/drawing/2014/main" id="{D7D13295-51E8-4AF7-A685-554F97006B0C}"/>
               </a:ext>
             </a:extLst>
           </p:cNvPr>
@@ -3910,7 +3739,7 @@
         </p:nvSpPr>
         <p:spPr>
           <a:xfrm>
-            <a:off x="754793" y="33928678"/>
+            <a:off x="1909522" y="33137552"/>
             <a:ext cx="926325" cy="540000"/>
           </a:xfrm>
           <a:prstGeom prst="rect">
@@ -3942,26 +3771,11 @@
             <a:pPr algn="ctr"/>
             <a:r>
               <a:rPr lang="ru-RU" sz="700" dirty="0"/>
-              <a:t>Усилить «Рейнский фронт» (</a:t>
-            </a:r>
-            <a:r>
-              <a:rPr lang="ru-RU" sz="700" dirty="0" err="1"/>
-              <a:t>неистор</a:t>
-            </a:r>
-            <a:r>
-              <a:rPr lang="ru-RU" sz="700" dirty="0"/>
-              <a:t>)</a:t>
-            </a:r>
-          </a:p>
-          <a:p>
-            <a:pPr algn="ctr"/>
-            <a:r>
-              <a:rPr lang="ru-RU" sz="700" dirty="0"/>
-              <a:t> </a:t>
+              <a:t>Продолжение линии Мажино (1937-1940) </a:t>
             </a:r>
             <a:r>
               <a:rPr lang="ru-RU" sz="200" dirty="0"/>
-              <a:t>(Возвращение Рейнской области в Германию в 1935 году и политические потрясения, связанные с бельгийской декларацией о нейтралитете в 1936 году, привели к необходимости усиления линии укрепрайона «Рейнский фронт»</a:t>
+              <a:t>(привели к необходимости усиления линии укрепрайона «Рейнский фронт» и границы с Бельгией — сектор «продолжение линии Мажино») </a:t>
             </a:r>
             <a:endParaRPr lang="ru-RU" sz="700" dirty="0"/>
           </a:p>
@@ -3969,10 +3783,10 @@
       </p:sp>
       <p:sp>
         <p:nvSpPr>
-          <p:cNvPr id="924" name="Прямоугольник 923">
-            <a:extLst>
-              <a:ext uri="{FF2B5EF4-FFF2-40B4-BE49-F238E27FC236}">
-                <a16:creationId xmlns="" xmlns:a16="http://schemas.microsoft.com/office/drawing/2014/main" id="{D7D13295-51E8-4AF7-A685-554F97006B0C}"/>
+          <p:cNvPr id="925" name="Прямоугольник 924">
+            <a:extLst>
+              <a:ext uri="{FF2B5EF4-FFF2-40B4-BE49-F238E27FC236}">
+                <a16:creationId xmlns:a16="http://schemas.microsoft.com/office/drawing/2014/main" id="{6416009A-47B8-4821-8C24-DF6AE79D6A00}"/>
               </a:ext>
             </a:extLst>
           </p:cNvPr>
@@ -3981,7 +3795,7 @@
         </p:nvSpPr>
         <p:spPr>
           <a:xfrm>
-            <a:off x="1909522" y="33137552"/>
+            <a:off x="1909522" y="32346426"/>
             <a:ext cx="926325" cy="540000"/>
           </a:xfrm>
           <a:prstGeom prst="rect">
@@ -4013,11 +3827,18 @@
             <a:pPr algn="ctr"/>
             <a:r>
               <a:rPr lang="ru-RU" sz="700" dirty="0"/>
-              <a:t>Продолжение линии Мажино (1937-1940) </a:t>
-            </a:r>
-            <a:r>
-              <a:rPr lang="ru-RU" sz="200" dirty="0"/>
-              <a:t>(привели к необходимости усиления линии укрепрайона «Рейнский фронт» и границы с Бельгией — сектор «продолжение линии Мажино») </a:t>
+              <a:t>Укрепить линию Мажино </a:t>
+            </a:r>
+            <a:r>
+              <a:rPr lang="ru-RU" sz="400" dirty="0"/>
+              <a:t>(1936-1940(не были завершены), после того как Бельгия объявила о нейтралитете) </a:t>
+            </a:r>
+          </a:p>
+          <a:p>
+            <a:pPr algn="ctr"/>
+            <a:r>
+              <a:rPr lang="ru-RU" sz="100" dirty="0"/>
+              <a:t>Однако средств на крупные оборонительные сооружения уже не было. Поэтому строительные работы в 1935—1936 году продолжались, но по сооружению небольших, лёгких укреплений, которые возводились самими воинскими частями, а не гражданскими строительными организациями, как это было ранее. Кроме того, в этот период, строятся укрепления, заполняющие интервалы между фортами и казематами всех оборонительных линий. Мелкие укрепления, в силу конструктивной простоты, применения менее квалифицированного труда и стандартизированных конструкций, потребовали значительно меньших финансовых затрат при колоссальном объеме строительства — 15 тысяч блокпостов. Этот новый этап строительства больше не финансировался из многолетнего программного закона, а из бюджетных ассигнований, утверждаемых ежегодно в контексте распределения общего оборонного бюджета. Несмотря на все это, в течение 1936—1939 года на оборонительные линии было израсходовано в общей сложности 2,4 млрд франков. Таким образом, приблизительная сумма затрат на строительство всех секторов линии Мажино составила не менее 7,4 млрд франков, а не 3 млрд, как принято считать в популярной литературе.[2]</a:t>
             </a:r>
             <a:endParaRPr lang="ru-RU" sz="700" dirty="0"/>
           </a:p>
@@ -4025,10 +3846,10 @@
       </p:sp>
       <p:sp>
         <p:nvSpPr>
-          <p:cNvPr id="925" name="Прямоугольник 924">
-            <a:extLst>
-              <a:ext uri="{FF2B5EF4-FFF2-40B4-BE49-F238E27FC236}">
-                <a16:creationId xmlns="" xmlns:a16="http://schemas.microsoft.com/office/drawing/2014/main" id="{6416009A-47B8-4821-8C24-DF6AE79D6A00}"/>
+          <p:cNvPr id="930" name="Прямоугольник 929">
+            <a:extLst>
+              <a:ext uri="{FF2B5EF4-FFF2-40B4-BE49-F238E27FC236}">
+                <a16:creationId xmlns:a16="http://schemas.microsoft.com/office/drawing/2014/main" id="{E67E15E5-A2F4-4D52-AEF5-46BE102841C4}"/>
               </a:ext>
             </a:extLst>
           </p:cNvPr>
@@ -4037,7 +3858,7 @@
         </p:nvSpPr>
         <p:spPr>
           <a:xfrm>
-            <a:off x="1909522" y="32346426"/>
+            <a:off x="1332157" y="34719804"/>
             <a:ext cx="926325" cy="540000"/>
           </a:xfrm>
           <a:prstGeom prst="rect">
@@ -4069,69 +3890,6 @@
             <a:pPr algn="ctr"/>
             <a:r>
               <a:rPr lang="ru-RU" sz="700" dirty="0"/>
-              <a:t>Укрепить линию Мажино </a:t>
-            </a:r>
-            <a:r>
-              <a:rPr lang="ru-RU" sz="400" dirty="0"/>
-              <a:t>(1936-1940(не были завершены), после того как Бельгия объявила о нейтралитете) </a:t>
-            </a:r>
-          </a:p>
-          <a:p>
-            <a:pPr algn="ctr"/>
-            <a:r>
-              <a:rPr lang="ru-RU" sz="100" dirty="0"/>
-              <a:t>Однако средств на крупные оборонительные сооружения уже не было. Поэтому строительные работы в 1935—1936 году продолжались, но по сооружению небольших, лёгких укреплений, которые возводились самими воинскими частями, а не гражданскими строительными организациями, как это было ранее. Кроме того, в этот период, строятся укрепления, заполняющие интервалы между фортами и казематами всех оборонительных линий. Мелкие укрепления, в силу конструктивной простоты, применения менее квалифицированного труда и стандартизированных конструкций, потребовали значительно меньших финансовых затрат при колоссальном объеме строительства — 15 тысяч блокпостов. Этот новый этап строительства больше не финансировался из многолетнего программного закона, а из бюджетных ассигнований, утверждаемых ежегодно в контексте распределения общего оборонного бюджета. Несмотря на все это, в течение 1936—1939 года на оборонительные линии было израсходовано в общей сложности 2,4 млрд франков. Таким образом, приблизительная сумма затрат на строительство всех секторов линии Мажино составила не менее 7,4 млрд франков, а не 3 млрд, как принято считать в популярной литературе.[2]</a:t>
-            </a:r>
-            <a:endParaRPr lang="ru-RU" sz="700" dirty="0"/>
-          </a:p>
-        </p:txBody>
-      </p:sp>
-      <p:sp>
-        <p:nvSpPr>
-          <p:cNvPr id="930" name="Прямоугольник 929">
-            <a:extLst>
-              <a:ext uri="{FF2B5EF4-FFF2-40B4-BE49-F238E27FC236}">
-                <a16:creationId xmlns="" xmlns:a16="http://schemas.microsoft.com/office/drawing/2014/main" id="{E67E15E5-A2F4-4D52-AEF5-46BE102841C4}"/>
-              </a:ext>
-            </a:extLst>
-          </p:cNvPr>
-          <p:cNvSpPr/>
-          <p:nvPr/>
-        </p:nvSpPr>
-        <p:spPr>
-          <a:xfrm>
-            <a:off x="1332157" y="34719804"/>
-            <a:ext cx="926325" cy="540000"/>
-          </a:xfrm>
-          <a:prstGeom prst="rect">
-            <a:avLst/>
-          </a:prstGeom>
-          <a:solidFill>
-            <a:schemeClr val="bg1"/>
-          </a:solidFill>
-          <a:ln w="19050"/>
-        </p:spPr>
-        <p:style>
-          <a:lnRef idx="2">
-            <a:schemeClr val="accent1"/>
-          </a:lnRef>
-          <a:fillRef idx="1">
-            <a:schemeClr val="lt1"/>
-          </a:fillRef>
-          <a:effectRef idx="0">
-            <a:schemeClr val="accent1"/>
-          </a:effectRef>
-          <a:fontRef idx="minor">
-            <a:schemeClr val="dk1"/>
-          </a:fontRef>
-        </p:style>
-        <p:txBody>
-          <a:bodyPr lIns="124733" tIns="62367" rIns="124733" bIns="62367" rtlCol="0" anchor="ctr"/>
-          <a:lstStyle/>
-          <a:p>
-            <a:pPr algn="ctr"/>
-            <a:r>
-              <a:rPr lang="ru-RU" sz="700" dirty="0"/>
               <a:t>Создание линии </a:t>
             </a:r>
             <a:r>
@@ -4174,7 +3932,7 @@
           <p:cNvPr id="936" name="Соединительная линия уступом 595">
             <a:extLst>
               <a:ext uri="{FF2B5EF4-FFF2-40B4-BE49-F238E27FC236}">
-                <a16:creationId xmlns="" xmlns:a16="http://schemas.microsoft.com/office/drawing/2014/main" id="{8D5A0549-FB77-4C2E-B594-B65A1485BEE6}"/>
+                <a16:creationId xmlns:a16="http://schemas.microsoft.com/office/drawing/2014/main" id="{8D5A0549-FB77-4C2E-B594-B65A1485BEE6}"/>
               </a:ext>
             </a:extLst>
           </p:cNvPr>
@@ -4220,7 +3978,7 @@
           <p:cNvPr id="937" name="Соединительная линия уступом 620">
             <a:extLst>
               <a:ext uri="{FF2B5EF4-FFF2-40B4-BE49-F238E27FC236}">
-                <a16:creationId xmlns="" xmlns:a16="http://schemas.microsoft.com/office/drawing/2014/main" id="{867AC884-CE39-4867-96DB-D9EBBF18C52F}"/>
+                <a16:creationId xmlns:a16="http://schemas.microsoft.com/office/drawing/2014/main" id="{867AC884-CE39-4867-96DB-D9EBBF18C52F}"/>
               </a:ext>
             </a:extLst>
           </p:cNvPr>
@@ -4265,7 +4023,7 @@
           <p:cNvPr id="962" name="Прямая со стрелкой 961">
             <a:extLst>
               <a:ext uri="{FF2B5EF4-FFF2-40B4-BE49-F238E27FC236}">
-                <a16:creationId xmlns="" xmlns:a16="http://schemas.microsoft.com/office/drawing/2014/main" id="{09B6E0E6-D6FF-4608-A962-E5444DD2B1F6}"/>
+                <a16:creationId xmlns:a16="http://schemas.microsoft.com/office/drawing/2014/main" id="{09B6E0E6-D6FF-4608-A962-E5444DD2B1F6}"/>
               </a:ext>
             </a:extLst>
           </p:cNvPr>
@@ -4308,7 +4066,7 @@
           <p:cNvPr id="965" name="Прямая соединительная линия 964">
             <a:extLst>
               <a:ext uri="{FF2B5EF4-FFF2-40B4-BE49-F238E27FC236}">
-                <a16:creationId xmlns="" xmlns:a16="http://schemas.microsoft.com/office/drawing/2014/main" id="{13113D0D-26A3-4F82-8078-878772B0A3B5}"/>
+                <a16:creationId xmlns:a16="http://schemas.microsoft.com/office/drawing/2014/main" id="{13113D0D-26A3-4F82-8078-878772B0A3B5}"/>
               </a:ext>
             </a:extLst>
           </p:cNvPr>
@@ -4351,7 +4109,7 @@
           <p:cNvPr id="966" name="Прямоугольник 965">
             <a:extLst>
               <a:ext uri="{FF2B5EF4-FFF2-40B4-BE49-F238E27FC236}">
-                <a16:creationId xmlns="" xmlns:a16="http://schemas.microsoft.com/office/drawing/2014/main" id="{1B7C5495-CBF2-458D-8838-0ABA9DD8CEFE}"/>
+                <a16:creationId xmlns:a16="http://schemas.microsoft.com/office/drawing/2014/main" id="{1B7C5495-CBF2-458D-8838-0ABA9DD8CEFE}"/>
               </a:ext>
             </a:extLst>
           </p:cNvPr>
@@ -4410,7 +4168,7 @@
           <p:cNvPr id="968" name="Прямоугольник 967">
             <a:extLst>
               <a:ext uri="{FF2B5EF4-FFF2-40B4-BE49-F238E27FC236}">
-                <a16:creationId xmlns="" xmlns:a16="http://schemas.microsoft.com/office/drawing/2014/main" id="{7D33C24F-6ED5-40E9-A05B-D1CF8F162A3A}"/>
+                <a16:creationId xmlns:a16="http://schemas.microsoft.com/office/drawing/2014/main" id="{7D33C24F-6ED5-40E9-A05B-D1CF8F162A3A}"/>
               </a:ext>
             </a:extLst>
           </p:cNvPr>
@@ -4522,7 +4280,7 @@
           <p:cNvPr id="969" name="Прямоугольник 968">
             <a:extLst>
               <a:ext uri="{FF2B5EF4-FFF2-40B4-BE49-F238E27FC236}">
-                <a16:creationId xmlns="" xmlns:a16="http://schemas.microsoft.com/office/drawing/2014/main" id="{2D04A20C-B8D7-4BFF-A71A-A324C27DCC29}"/>
+                <a16:creationId xmlns:a16="http://schemas.microsoft.com/office/drawing/2014/main" id="{2D04A20C-B8D7-4BFF-A71A-A324C27DCC29}"/>
               </a:ext>
             </a:extLst>
           </p:cNvPr>
@@ -4589,7 +4347,7 @@
           <p:cNvPr id="972" name="Прямоугольник 971">
             <a:extLst>
               <a:ext uri="{FF2B5EF4-FFF2-40B4-BE49-F238E27FC236}">
-                <a16:creationId xmlns="" xmlns:a16="http://schemas.microsoft.com/office/drawing/2014/main" id="{DE3F59CE-A92C-40DB-BADE-2CF310169F9C}"/>
+                <a16:creationId xmlns:a16="http://schemas.microsoft.com/office/drawing/2014/main" id="{DE3F59CE-A92C-40DB-BADE-2CF310169F9C}"/>
               </a:ext>
             </a:extLst>
           </p:cNvPr>
@@ -4640,7 +4398,7 @@
           <p:cNvPr id="973" name="Соединительная линия уступом 620">
             <a:extLst>
               <a:ext uri="{FF2B5EF4-FFF2-40B4-BE49-F238E27FC236}">
-                <a16:creationId xmlns="" xmlns:a16="http://schemas.microsoft.com/office/drawing/2014/main" id="{5236FF21-9101-46CE-8DA2-35F78614F3C0}"/>
+                <a16:creationId xmlns:a16="http://schemas.microsoft.com/office/drawing/2014/main" id="{5236FF21-9101-46CE-8DA2-35F78614F3C0}"/>
               </a:ext>
             </a:extLst>
           </p:cNvPr>
@@ -4685,7 +4443,7 @@
           <p:cNvPr id="974" name="Соединительная линия уступом 620">
             <a:extLst>
               <a:ext uri="{FF2B5EF4-FFF2-40B4-BE49-F238E27FC236}">
-                <a16:creationId xmlns="" xmlns:a16="http://schemas.microsoft.com/office/drawing/2014/main" id="{05C116D7-0143-44ED-A7FE-268D9F7F5586}"/>
+                <a16:creationId xmlns:a16="http://schemas.microsoft.com/office/drawing/2014/main" id="{05C116D7-0143-44ED-A7FE-268D9F7F5586}"/>
               </a:ext>
             </a:extLst>
           </p:cNvPr>
@@ -4730,7 +4488,7 @@
           <p:cNvPr id="977" name="Соединительная линия уступом 595">
             <a:extLst>
               <a:ext uri="{FF2B5EF4-FFF2-40B4-BE49-F238E27FC236}">
-                <a16:creationId xmlns="" xmlns:a16="http://schemas.microsoft.com/office/drawing/2014/main" id="{AC5768FC-E45F-45EF-867C-1650EF004378}"/>
+                <a16:creationId xmlns:a16="http://schemas.microsoft.com/office/drawing/2014/main" id="{AC5768FC-E45F-45EF-867C-1650EF004378}"/>
               </a:ext>
             </a:extLst>
           </p:cNvPr>
@@ -4776,7 +4534,7 @@
           <p:cNvPr id="978" name="Прямая со стрелкой 977">
             <a:extLst>
               <a:ext uri="{FF2B5EF4-FFF2-40B4-BE49-F238E27FC236}">
-                <a16:creationId xmlns="" xmlns:a16="http://schemas.microsoft.com/office/drawing/2014/main" id="{3F9A7E43-0B2E-4D22-9E07-A88E010CF448}"/>
+                <a16:creationId xmlns:a16="http://schemas.microsoft.com/office/drawing/2014/main" id="{3F9A7E43-0B2E-4D22-9E07-A88E010CF448}"/>
               </a:ext>
             </a:extLst>
           </p:cNvPr>
@@ -4819,7 +4577,7 @@
           <p:cNvPr id="979" name="Прямоугольник 978">
             <a:extLst>
               <a:ext uri="{FF2B5EF4-FFF2-40B4-BE49-F238E27FC236}">
-                <a16:creationId xmlns="" xmlns:a16="http://schemas.microsoft.com/office/drawing/2014/main" id="{122E826A-E9DD-45E8-A66C-2B30C8C04CF7}"/>
+                <a16:creationId xmlns:a16="http://schemas.microsoft.com/office/drawing/2014/main" id="{122E826A-E9DD-45E8-A66C-2B30C8C04CF7}"/>
               </a:ext>
             </a:extLst>
           </p:cNvPr>
@@ -4870,7 +4628,7 @@
           <p:cNvPr id="983" name="Соединительная линия уступом 620">
             <a:extLst>
               <a:ext uri="{FF2B5EF4-FFF2-40B4-BE49-F238E27FC236}">
-                <a16:creationId xmlns="" xmlns:a16="http://schemas.microsoft.com/office/drawing/2014/main" id="{3CE80882-2CA0-4491-8835-7D1C49910A5A}"/>
+                <a16:creationId xmlns:a16="http://schemas.microsoft.com/office/drawing/2014/main" id="{3CE80882-2CA0-4491-8835-7D1C49910A5A}"/>
               </a:ext>
             </a:extLst>
           </p:cNvPr>
@@ -4915,7 +4673,7 @@
           <p:cNvPr id="984" name="Прямоугольник 983">
             <a:extLst>
               <a:ext uri="{FF2B5EF4-FFF2-40B4-BE49-F238E27FC236}">
-                <a16:creationId xmlns="" xmlns:a16="http://schemas.microsoft.com/office/drawing/2014/main" id="{7E9D3D83-3030-47F4-892C-8537B371B473}"/>
+                <a16:creationId xmlns:a16="http://schemas.microsoft.com/office/drawing/2014/main" id="{7E9D3D83-3030-47F4-892C-8537B371B473}"/>
               </a:ext>
             </a:extLst>
           </p:cNvPr>
@@ -4924,7 +4682,7 @@
         </p:nvSpPr>
         <p:spPr>
           <a:xfrm>
-            <a:off x="30669542" y="4996929"/>
+            <a:off x="20331837" y="8926534"/>
             <a:ext cx="926325" cy="540000"/>
           </a:xfrm>
           <a:prstGeom prst="rect">
@@ -4981,7 +4739,7 @@
           <p:cNvPr id="986" name="Прямоугольник 985">
             <a:extLst>
               <a:ext uri="{FF2B5EF4-FFF2-40B4-BE49-F238E27FC236}">
-                <a16:creationId xmlns="" xmlns:a16="http://schemas.microsoft.com/office/drawing/2014/main" id="{60BE58DB-A42E-4BAC-8C3F-35A0FFFF08A2}"/>
+                <a16:creationId xmlns:a16="http://schemas.microsoft.com/office/drawing/2014/main" id="{60BE58DB-A42E-4BAC-8C3F-35A0FFFF08A2}"/>
               </a:ext>
             </a:extLst>
           </p:cNvPr>
@@ -4990,7 +4748,7 @@
         </p:nvSpPr>
         <p:spPr>
           <a:xfrm>
-            <a:off x="33021994" y="5757289"/>
+            <a:off x="22684289" y="9686894"/>
             <a:ext cx="926325" cy="540000"/>
           </a:xfrm>
           <a:prstGeom prst="rect">
@@ -5074,7 +4832,7 @@
           <p:cNvPr id="987" name="Прямоугольник 986">
             <a:extLst>
               <a:ext uri="{FF2B5EF4-FFF2-40B4-BE49-F238E27FC236}">
-                <a16:creationId xmlns="" xmlns:a16="http://schemas.microsoft.com/office/drawing/2014/main" id="{39816ADB-D95E-45AA-96AF-7E2FE747B17E}"/>
+                <a16:creationId xmlns:a16="http://schemas.microsoft.com/office/drawing/2014/main" id="{39816ADB-D95E-45AA-96AF-7E2FE747B17E}"/>
               </a:ext>
             </a:extLst>
           </p:cNvPr>
@@ -5083,7 +4841,7 @@
         </p:nvSpPr>
         <p:spPr>
           <a:xfrm>
-            <a:off x="30275978" y="3473618"/>
+            <a:off x="21991203" y="17682373"/>
             <a:ext cx="2221709" cy="1119741"/>
           </a:xfrm>
           <a:prstGeom prst="rect">
@@ -5123,10 +4881,6 @@
               <a:rPr lang="en-US" sz="700" dirty="0"/>
               <a:t>:</a:t>
             </a:r>
-            <a:r>
-              <a:rPr lang="ru-RU" sz="700" dirty="0"/>
-              <a:t/>
-            </a:r>
             <a:br>
               <a:rPr lang="ru-RU" sz="700" dirty="0"/>
             </a:br>
@@ -5211,7 +4965,7 @@
           <p:cNvPr id="990" name="Прямоугольник 989">
             <a:extLst>
               <a:ext uri="{FF2B5EF4-FFF2-40B4-BE49-F238E27FC236}">
-                <a16:creationId xmlns="" xmlns:a16="http://schemas.microsoft.com/office/drawing/2014/main" id="{60F490D6-4802-46A4-9AE4-A3F515FE1C8A}"/>
+                <a16:creationId xmlns:a16="http://schemas.microsoft.com/office/drawing/2014/main" id="{60F490D6-4802-46A4-9AE4-A3F515FE1C8A}"/>
               </a:ext>
             </a:extLst>
           </p:cNvPr>
@@ -5220,7 +4974,7 @@
         </p:nvSpPr>
         <p:spPr>
           <a:xfrm>
-            <a:off x="28905199" y="7288301"/>
+            <a:off x="18567494" y="11217906"/>
             <a:ext cx="926325" cy="540000"/>
           </a:xfrm>
           <a:prstGeom prst="rect">
@@ -5264,7 +5018,7 @@
           <p:cNvPr id="991" name="Прямоугольник 990">
             <a:extLst>
               <a:ext uri="{FF2B5EF4-FFF2-40B4-BE49-F238E27FC236}">
-                <a16:creationId xmlns="" xmlns:a16="http://schemas.microsoft.com/office/drawing/2014/main" id="{F901CDC5-B382-48AD-B75C-B703D61D2EE9}"/>
+                <a16:creationId xmlns:a16="http://schemas.microsoft.com/office/drawing/2014/main" id="{F901CDC5-B382-48AD-B75C-B703D61D2EE9}"/>
               </a:ext>
             </a:extLst>
           </p:cNvPr>
@@ -5273,7 +5027,7 @@
         </p:nvSpPr>
         <p:spPr>
           <a:xfrm>
-            <a:off x="29493313" y="5758918"/>
+            <a:off x="19155608" y="9688523"/>
             <a:ext cx="926325" cy="540000"/>
           </a:xfrm>
           <a:prstGeom prst="rect">
@@ -5330,7 +5084,7 @@
           <p:cNvPr id="993" name="Прямоугольник 992">
             <a:extLst>
               <a:ext uri="{FF2B5EF4-FFF2-40B4-BE49-F238E27FC236}">
-                <a16:creationId xmlns="" xmlns:a16="http://schemas.microsoft.com/office/drawing/2014/main" id="{FB492527-B050-424E-9E2A-5739D0C7FB7C}"/>
+                <a16:creationId xmlns:a16="http://schemas.microsoft.com/office/drawing/2014/main" id="{FB492527-B050-424E-9E2A-5739D0C7FB7C}"/>
               </a:ext>
             </a:extLst>
           </p:cNvPr>
@@ -5339,7 +5093,7 @@
         </p:nvSpPr>
         <p:spPr>
           <a:xfrm>
-            <a:off x="27134249" y="6524686"/>
+            <a:off x="16796544" y="10454291"/>
             <a:ext cx="926325" cy="540000"/>
           </a:xfrm>
           <a:prstGeom prst="rect">
@@ -5411,7 +5165,7 @@
           <p:cNvPr id="994" name="Прямоугольник 993">
             <a:extLst>
               <a:ext uri="{FF2B5EF4-FFF2-40B4-BE49-F238E27FC236}">
-                <a16:creationId xmlns="" xmlns:a16="http://schemas.microsoft.com/office/drawing/2014/main" id="{8D9F26B4-3328-421C-BAD2-E5CE1234BBCE}"/>
+                <a16:creationId xmlns:a16="http://schemas.microsoft.com/office/drawing/2014/main" id="{8D9F26B4-3328-421C-BAD2-E5CE1234BBCE}"/>
               </a:ext>
             </a:extLst>
           </p:cNvPr>
@@ -5420,7 +5174,7 @@
         </p:nvSpPr>
         <p:spPr>
           <a:xfrm>
-            <a:off x="28317085" y="5761622"/>
+            <a:off x="17979380" y="9691227"/>
             <a:ext cx="926325" cy="540000"/>
           </a:xfrm>
           <a:prstGeom prst="rect">
@@ -5489,7 +5243,7 @@
           <p:cNvPr id="997" name="Прямоугольник 996">
             <a:extLst>
               <a:ext uri="{FF2B5EF4-FFF2-40B4-BE49-F238E27FC236}">
-                <a16:creationId xmlns="" xmlns:a16="http://schemas.microsoft.com/office/drawing/2014/main" id="{B85A1186-B028-4289-9CD1-FE8D9FD285A8}"/>
+                <a16:creationId xmlns:a16="http://schemas.microsoft.com/office/drawing/2014/main" id="{B85A1186-B028-4289-9CD1-FE8D9FD285A8}"/>
               </a:ext>
             </a:extLst>
           </p:cNvPr>
@@ -5498,7 +5252,7 @@
         </p:nvSpPr>
         <p:spPr>
           <a:xfrm>
-            <a:off x="30669541" y="5761622"/>
+            <a:off x="20331836" y="9691227"/>
             <a:ext cx="926325" cy="540000"/>
           </a:xfrm>
           <a:prstGeom prst="rect">
@@ -5555,7 +5309,7 @@
           <p:cNvPr id="998" name="Прямоугольник 997">
             <a:extLst>
               <a:ext uri="{FF2B5EF4-FFF2-40B4-BE49-F238E27FC236}">
-                <a16:creationId xmlns="" xmlns:a16="http://schemas.microsoft.com/office/drawing/2014/main" id="{E98F482E-BC64-4D9C-B4B8-2A79AC4B66AA}"/>
+                <a16:creationId xmlns:a16="http://schemas.microsoft.com/office/drawing/2014/main" id="{E98F482E-BC64-4D9C-B4B8-2A79AC4B66AA}"/>
               </a:ext>
             </a:extLst>
           </p:cNvPr>
@@ -5564,7 +5318,7 @@
         </p:nvSpPr>
         <p:spPr>
           <a:xfrm>
-            <a:off x="30081427" y="7288302"/>
+            <a:off x="19743722" y="11217907"/>
             <a:ext cx="926325" cy="540000"/>
           </a:xfrm>
           <a:prstGeom prst="rect">
@@ -5624,7 +5378,7 @@
           <p:cNvPr id="999" name="Прямоугольник 998">
             <a:extLst>
               <a:ext uri="{FF2B5EF4-FFF2-40B4-BE49-F238E27FC236}">
-                <a16:creationId xmlns="" xmlns:a16="http://schemas.microsoft.com/office/drawing/2014/main" id="{AF683A0D-9C6E-48CF-B9D4-4E32590364E3}"/>
+                <a16:creationId xmlns:a16="http://schemas.microsoft.com/office/drawing/2014/main" id="{AF683A0D-9C6E-48CF-B9D4-4E32590364E3}"/>
               </a:ext>
             </a:extLst>
           </p:cNvPr>
@@ -5633,7 +5387,7 @@
         </p:nvSpPr>
         <p:spPr>
           <a:xfrm>
-            <a:off x="29493313" y="6524962"/>
+            <a:off x="19155608" y="10454567"/>
             <a:ext cx="926325" cy="540000"/>
           </a:xfrm>
           <a:prstGeom prst="rect">
@@ -5677,7 +5431,7 @@
           <p:cNvPr id="1000" name="Прямоугольник 999">
             <a:extLst>
               <a:ext uri="{FF2B5EF4-FFF2-40B4-BE49-F238E27FC236}">
-                <a16:creationId xmlns="" xmlns:a16="http://schemas.microsoft.com/office/drawing/2014/main" id="{628CCD80-6D78-44BF-A523-05FEF1AC5D89}"/>
+                <a16:creationId xmlns:a16="http://schemas.microsoft.com/office/drawing/2014/main" id="{628CCD80-6D78-44BF-A523-05FEF1AC5D89}"/>
               </a:ext>
             </a:extLst>
           </p:cNvPr>
@@ -5686,7 +5440,7 @@
         </p:nvSpPr>
         <p:spPr>
           <a:xfrm>
-            <a:off x="30669540" y="6524686"/>
+            <a:off x="20331835" y="10454291"/>
             <a:ext cx="926325" cy="540000"/>
           </a:xfrm>
           <a:prstGeom prst="rect">
@@ -5730,7 +5484,7 @@
           <p:cNvPr id="1002" name="Прямоугольник 1001">
             <a:extLst>
               <a:ext uri="{FF2B5EF4-FFF2-40B4-BE49-F238E27FC236}">
-                <a16:creationId xmlns="" xmlns:a16="http://schemas.microsoft.com/office/drawing/2014/main" id="{C4081F49-D6A3-45F5-8446-89C1C2D93A30}"/>
+                <a16:creationId xmlns:a16="http://schemas.microsoft.com/office/drawing/2014/main" id="{C4081F49-D6A3-45F5-8446-89C1C2D93A30}"/>
               </a:ext>
             </a:extLst>
           </p:cNvPr>
@@ -5739,7 +5493,7 @@
         </p:nvSpPr>
         <p:spPr>
           <a:xfrm>
-            <a:off x="31849072" y="6524686"/>
+            <a:off x="21511367" y="10454291"/>
             <a:ext cx="926325" cy="540000"/>
           </a:xfrm>
           <a:prstGeom prst="rect">
@@ -5791,7 +5545,7 @@
           <p:cNvPr id="1003" name="Прямоугольник 1002">
             <a:extLst>
               <a:ext uri="{FF2B5EF4-FFF2-40B4-BE49-F238E27FC236}">
-                <a16:creationId xmlns="" xmlns:a16="http://schemas.microsoft.com/office/drawing/2014/main" id="{E0B8AD29-3AAC-4D9E-A488-B91ABF977E44}"/>
+                <a16:creationId xmlns:a16="http://schemas.microsoft.com/office/drawing/2014/main" id="{E0B8AD29-3AAC-4D9E-A488-B91ABF977E44}"/>
               </a:ext>
             </a:extLst>
           </p:cNvPr>
@@ -5800,7 +5554,7 @@
         </p:nvSpPr>
         <p:spPr>
           <a:xfrm>
-            <a:off x="31850526" y="8052994"/>
+            <a:off x="21512821" y="11982599"/>
             <a:ext cx="926325" cy="540000"/>
           </a:xfrm>
           <a:prstGeom prst="rect">
@@ -5849,7 +5603,7 @@
           <p:cNvPr id="1004" name="Прямоугольник 1003">
             <a:extLst>
               <a:ext uri="{FF2B5EF4-FFF2-40B4-BE49-F238E27FC236}">
-                <a16:creationId xmlns="" xmlns:a16="http://schemas.microsoft.com/office/drawing/2014/main" id="{B94C00EC-6932-40C1-A09E-C9FC8F9BD237}"/>
+                <a16:creationId xmlns:a16="http://schemas.microsoft.com/office/drawing/2014/main" id="{B94C00EC-6932-40C1-A09E-C9FC8F9BD237}"/>
               </a:ext>
             </a:extLst>
           </p:cNvPr>
@@ -5858,7 +5612,7 @@
         </p:nvSpPr>
         <p:spPr>
           <a:xfrm>
-            <a:off x="30669540" y="8052995"/>
+            <a:off x="20331835" y="11982600"/>
             <a:ext cx="926325" cy="540000"/>
           </a:xfrm>
           <a:prstGeom prst="rect">
@@ -5902,7 +5656,7 @@
           <p:cNvPr id="1007" name="Соединительная линия уступом 620">
             <a:extLst>
               <a:ext uri="{FF2B5EF4-FFF2-40B4-BE49-F238E27FC236}">
-                <a16:creationId xmlns="" xmlns:a16="http://schemas.microsoft.com/office/drawing/2014/main" id="{8DC8CC03-E438-4255-9DAE-E736110390EF}"/>
+                <a16:creationId xmlns:a16="http://schemas.microsoft.com/office/drawing/2014/main" id="{8DC8CC03-E438-4255-9DAE-E736110390EF}"/>
               </a:ext>
             </a:extLst>
           </p:cNvPr>
@@ -5915,7 +5669,7 @@
         </p:nvCxnSpPr>
         <p:spPr>
           <a:xfrm rot="5400000">
-            <a:off x="30433597" y="5059809"/>
+            <a:off x="20095892" y="8989414"/>
             <a:ext cx="221989" cy="1176229"/>
           </a:xfrm>
           <a:prstGeom prst="bentConnector3">
@@ -5947,7 +5701,7 @@
           <p:cNvPr id="1008" name="Соединительная линия уступом 620">
             <a:extLst>
               <a:ext uri="{FF2B5EF4-FFF2-40B4-BE49-F238E27FC236}">
-                <a16:creationId xmlns="" xmlns:a16="http://schemas.microsoft.com/office/drawing/2014/main" id="{69F4DABF-0B89-4E6E-A884-7682291E2166}"/>
+                <a16:creationId xmlns:a16="http://schemas.microsoft.com/office/drawing/2014/main" id="{69F4DABF-0B89-4E6E-A884-7682291E2166}"/>
               </a:ext>
             </a:extLst>
           </p:cNvPr>
@@ -5960,7 +5714,7 @@
         </p:nvCxnSpPr>
         <p:spPr>
           <a:xfrm rot="16200000" flipH="1">
-            <a:off x="31610638" y="5058995"/>
+            <a:off x="21272933" y="8988600"/>
             <a:ext cx="220360" cy="1176227"/>
           </a:xfrm>
           <a:prstGeom prst="bentConnector3">
@@ -5992,7 +5746,7 @@
           <p:cNvPr id="1010" name="Прямая со стрелкой 1009">
             <a:extLst>
               <a:ext uri="{FF2B5EF4-FFF2-40B4-BE49-F238E27FC236}">
-                <a16:creationId xmlns="" xmlns:a16="http://schemas.microsoft.com/office/drawing/2014/main" id="{7B5D9633-00B4-4316-A821-77A31547EF26}"/>
+                <a16:creationId xmlns:a16="http://schemas.microsoft.com/office/drawing/2014/main" id="{7B5D9633-00B4-4316-A821-77A31547EF26}"/>
               </a:ext>
             </a:extLst>
           </p:cNvPr>
@@ -6005,7 +5759,7 @@
         </p:nvCxnSpPr>
         <p:spPr>
           <a:xfrm flipH="1">
-            <a:off x="31132704" y="5536929"/>
+            <a:off x="20794999" y="9466534"/>
             <a:ext cx="1" cy="224693"/>
           </a:xfrm>
           <a:prstGeom prst="straightConnector1">
@@ -6035,7 +5789,7 @@
           <p:cNvPr id="1011" name="Соединительная линия уступом 620">
             <a:extLst>
               <a:ext uri="{FF2B5EF4-FFF2-40B4-BE49-F238E27FC236}">
-                <a16:creationId xmlns="" xmlns:a16="http://schemas.microsoft.com/office/drawing/2014/main" id="{2F66B47F-A728-48CF-A652-EE4F6D45D52D}"/>
+                <a16:creationId xmlns:a16="http://schemas.microsoft.com/office/drawing/2014/main" id="{2F66B47F-A728-48CF-A652-EE4F6D45D52D}"/>
               </a:ext>
             </a:extLst>
           </p:cNvPr>
@@ -6048,7 +5802,7 @@
         </p:nvCxnSpPr>
         <p:spPr>
           <a:xfrm rot="5400000">
-            <a:off x="30432920" y="5825178"/>
+            <a:off x="20095215" y="9754783"/>
             <a:ext cx="223340" cy="1176228"/>
           </a:xfrm>
           <a:prstGeom prst="bentConnector3">
@@ -6080,7 +5834,7 @@
           <p:cNvPr id="1012" name="Соединительная линия уступом 620">
             <a:extLst>
               <a:ext uri="{FF2B5EF4-FFF2-40B4-BE49-F238E27FC236}">
-                <a16:creationId xmlns="" xmlns:a16="http://schemas.microsoft.com/office/drawing/2014/main" id="{862CB465-E9DD-4308-A315-AA4601965A58}"/>
+                <a16:creationId xmlns:a16="http://schemas.microsoft.com/office/drawing/2014/main" id="{862CB465-E9DD-4308-A315-AA4601965A58}"/>
               </a:ext>
             </a:extLst>
           </p:cNvPr>
@@ -6093,7 +5847,7 @@
         </p:nvCxnSpPr>
         <p:spPr>
           <a:xfrm rot="16200000" flipH="1">
-            <a:off x="31610937" y="5823388"/>
+            <a:off x="21273232" y="9752993"/>
             <a:ext cx="223064" cy="1179531"/>
           </a:xfrm>
           <a:prstGeom prst="bentConnector3">
@@ -6125,7 +5879,7 @@
           <p:cNvPr id="1014" name="Прямая со стрелкой 1013">
             <a:extLst>
               <a:ext uri="{FF2B5EF4-FFF2-40B4-BE49-F238E27FC236}">
-                <a16:creationId xmlns="" xmlns:a16="http://schemas.microsoft.com/office/drawing/2014/main" id="{94CDD2A9-5B7B-404F-8FD4-5EED876C6E93}"/>
+                <a16:creationId xmlns:a16="http://schemas.microsoft.com/office/drawing/2014/main" id="{94CDD2A9-5B7B-404F-8FD4-5EED876C6E93}"/>
               </a:ext>
             </a:extLst>
           </p:cNvPr>
@@ -6138,7 +5892,7 @@
         </p:nvCxnSpPr>
         <p:spPr>
           <a:xfrm flipH="1">
-            <a:off x="31132703" y="6301622"/>
+            <a:off x="20794998" y="10231227"/>
             <a:ext cx="1" cy="223064"/>
           </a:xfrm>
           <a:prstGeom prst="straightConnector1">
@@ -6168,7 +5922,7 @@
           <p:cNvPr id="1015" name="Соединительная линия уступом 620">
             <a:extLst>
               <a:ext uri="{FF2B5EF4-FFF2-40B4-BE49-F238E27FC236}">
-                <a16:creationId xmlns="" xmlns:a16="http://schemas.microsoft.com/office/drawing/2014/main" id="{057EB024-4EB5-4F7B-A21A-7CD2345BE680}"/>
+                <a16:creationId xmlns:a16="http://schemas.microsoft.com/office/drawing/2014/main" id="{057EB024-4EB5-4F7B-A21A-7CD2345BE680}"/>
               </a:ext>
             </a:extLst>
           </p:cNvPr>
@@ -6181,7 +5935,7 @@
         </p:nvCxnSpPr>
         <p:spPr>
           <a:xfrm rot="5400000">
-            <a:off x="30345307" y="6500905"/>
+            <a:off x="20007602" y="10430510"/>
             <a:ext cx="986680" cy="588114"/>
           </a:xfrm>
           <a:prstGeom prst="bentConnector3">
@@ -6213,7 +5967,7 @@
           <p:cNvPr id="1016" name="Соединительная линия уступом 620">
             <a:extLst>
               <a:ext uri="{FF2B5EF4-FFF2-40B4-BE49-F238E27FC236}">
-                <a16:creationId xmlns="" xmlns:a16="http://schemas.microsoft.com/office/drawing/2014/main" id="{342FDE3F-B13E-4B4B-9DA2-810154EC600A}"/>
+                <a16:creationId xmlns:a16="http://schemas.microsoft.com/office/drawing/2014/main" id="{342FDE3F-B13E-4B4B-9DA2-810154EC600A}"/>
               </a:ext>
             </a:extLst>
           </p:cNvPr>
@@ -6226,7 +5980,7 @@
         </p:nvCxnSpPr>
         <p:spPr>
           <a:xfrm rot="16200000" flipH="1">
-            <a:off x="30726300" y="7646591"/>
+            <a:off x="20388595" y="11576196"/>
             <a:ext cx="224693" cy="588113"/>
           </a:xfrm>
           <a:prstGeom prst="bentConnector3">
@@ -6258,7 +6012,7 @@
           <p:cNvPr id="1017" name="Соединительная линия уступом 620">
             <a:extLst>
               <a:ext uri="{FF2B5EF4-FFF2-40B4-BE49-F238E27FC236}">
-                <a16:creationId xmlns="" xmlns:a16="http://schemas.microsoft.com/office/drawing/2014/main" id="{507563A3-ED21-434A-97CA-47072B52AF59}"/>
+                <a16:creationId xmlns:a16="http://schemas.microsoft.com/office/drawing/2014/main" id="{507563A3-ED21-434A-97CA-47072B52AF59}"/>
               </a:ext>
             </a:extLst>
           </p:cNvPr>
@@ -6271,7 +6025,7 @@
         </p:nvCxnSpPr>
         <p:spPr>
           <a:xfrm rot="5400000">
-            <a:off x="30138187" y="7646591"/>
+            <a:off x="19800482" y="11576196"/>
             <a:ext cx="224693" cy="588114"/>
           </a:xfrm>
           <a:prstGeom prst="bentConnector3">
@@ -6303,7 +6057,7 @@
           <p:cNvPr id="1018" name="Прямоугольник 1017">
             <a:extLst>
               <a:ext uri="{FF2B5EF4-FFF2-40B4-BE49-F238E27FC236}">
-                <a16:creationId xmlns="" xmlns:a16="http://schemas.microsoft.com/office/drawing/2014/main" id="{7D96995A-247F-4421-9E92-16E84D06E3BF}"/>
+                <a16:creationId xmlns:a16="http://schemas.microsoft.com/office/drawing/2014/main" id="{7D96995A-247F-4421-9E92-16E84D06E3BF}"/>
               </a:ext>
             </a:extLst>
           </p:cNvPr>
@@ -6312,7 +6066,7 @@
         </p:nvSpPr>
         <p:spPr>
           <a:xfrm>
-            <a:off x="28313781" y="6531311"/>
+            <a:off x="17976076" y="10460916"/>
             <a:ext cx="926325" cy="540000"/>
           </a:xfrm>
           <a:prstGeom prst="rect">
@@ -6364,7 +6118,7 @@
           <p:cNvPr id="1019" name="Прямоугольник 1018">
             <a:extLst>
               <a:ext uri="{FF2B5EF4-FFF2-40B4-BE49-F238E27FC236}">
-                <a16:creationId xmlns="" xmlns:a16="http://schemas.microsoft.com/office/drawing/2014/main" id="{8175A825-48D7-42FD-B24A-78DC21036C90}"/>
+                <a16:creationId xmlns:a16="http://schemas.microsoft.com/office/drawing/2014/main" id="{8175A825-48D7-42FD-B24A-78DC21036C90}"/>
               </a:ext>
             </a:extLst>
           </p:cNvPr>
@@ -6373,7 +6127,7 @@
         </p:nvSpPr>
         <p:spPr>
           <a:xfrm>
-            <a:off x="29493313" y="8052995"/>
+            <a:off x="19155608" y="11982600"/>
             <a:ext cx="926325" cy="540000"/>
           </a:xfrm>
           <a:prstGeom prst="rect">
@@ -6461,7 +6215,7 @@
           <p:cNvPr id="1020" name="Соединительная линия уступом 620">
             <a:extLst>
               <a:ext uri="{FF2B5EF4-FFF2-40B4-BE49-F238E27FC236}">
-                <a16:creationId xmlns="" xmlns:a16="http://schemas.microsoft.com/office/drawing/2014/main" id="{2EABA15C-391F-42AF-B9CE-7A5305C21DC1}"/>
+                <a16:creationId xmlns:a16="http://schemas.microsoft.com/office/drawing/2014/main" id="{2EABA15C-391F-42AF-B9CE-7A5305C21DC1}"/>
               </a:ext>
             </a:extLst>
           </p:cNvPr>
@@ -6474,7 +6228,7 @@
         </p:nvCxnSpPr>
         <p:spPr>
           <a:xfrm rot="5400000">
-            <a:off x="29550750" y="6882574"/>
+            <a:off x="19213045" y="10812179"/>
             <a:ext cx="223339" cy="588114"/>
           </a:xfrm>
           <a:prstGeom prst="bentConnector3">
@@ -6506,7 +6260,7 @@
           <p:cNvPr id="1021" name="Прямая со стрелкой 1020">
             <a:extLst>
               <a:ext uri="{FF2B5EF4-FFF2-40B4-BE49-F238E27FC236}">
-                <a16:creationId xmlns="" xmlns:a16="http://schemas.microsoft.com/office/drawing/2014/main" id="{C6434A68-2E02-4D9E-9BB0-581BF724CC80}"/>
+                <a16:creationId xmlns:a16="http://schemas.microsoft.com/office/drawing/2014/main" id="{C6434A68-2E02-4D9E-9BB0-581BF724CC80}"/>
               </a:ext>
             </a:extLst>
           </p:cNvPr>
@@ -6519,7 +6273,7 @@
         </p:nvCxnSpPr>
         <p:spPr>
           <a:xfrm>
-            <a:off x="29956476" y="7064962"/>
+            <a:off x="19618771" y="10994567"/>
             <a:ext cx="0" cy="988033"/>
           </a:xfrm>
           <a:prstGeom prst="straightConnector1">
@@ -6549,7 +6303,7 @@
           <p:cNvPr id="1022" name="Прямоугольник 1021">
             <a:extLst>
               <a:ext uri="{FF2B5EF4-FFF2-40B4-BE49-F238E27FC236}">
-                <a16:creationId xmlns="" xmlns:a16="http://schemas.microsoft.com/office/drawing/2014/main" id="{45E05F2B-F443-4F43-BC28-43AA48028647}"/>
+                <a16:creationId xmlns:a16="http://schemas.microsoft.com/office/drawing/2014/main" id="{45E05F2B-F443-4F43-BC28-43AA48028647}"/>
               </a:ext>
             </a:extLst>
           </p:cNvPr>
@@ -6558,7 +6312,7 @@
         </p:nvSpPr>
         <p:spPr>
           <a:xfrm>
-            <a:off x="31260958" y="7285598"/>
+            <a:off x="20923253" y="11215203"/>
             <a:ext cx="926325" cy="540000"/>
           </a:xfrm>
           <a:prstGeom prst="rect">
@@ -6634,7 +6388,7 @@
           <p:cNvPr id="1023" name="Соединительная линия уступом 620">
             <a:extLst>
               <a:ext uri="{FF2B5EF4-FFF2-40B4-BE49-F238E27FC236}">
-                <a16:creationId xmlns="" xmlns:a16="http://schemas.microsoft.com/office/drawing/2014/main" id="{1C35EBA1-A931-4B6C-AA4A-80729E916E47}"/>
+                <a16:creationId xmlns:a16="http://schemas.microsoft.com/office/drawing/2014/main" id="{1C35EBA1-A931-4B6C-AA4A-80729E916E47}"/>
               </a:ext>
             </a:extLst>
           </p:cNvPr>
@@ -6647,7 +6401,7 @@
         </p:nvCxnSpPr>
         <p:spPr>
           <a:xfrm rot="16200000" flipH="1">
-            <a:off x="31317956" y="6879433"/>
+            <a:off x="20980251" y="10809038"/>
             <a:ext cx="220912" cy="591418"/>
           </a:xfrm>
           <a:prstGeom prst="bentConnector3">
@@ -6679,7 +6433,7 @@
           <p:cNvPr id="1024" name="Соединительная линия уступом 620">
             <a:extLst>
               <a:ext uri="{FF2B5EF4-FFF2-40B4-BE49-F238E27FC236}">
-                <a16:creationId xmlns="" xmlns:a16="http://schemas.microsoft.com/office/drawing/2014/main" id="{7B5CAEB9-5C8C-4876-BA8D-D5AFAE83F90E}"/>
+                <a16:creationId xmlns:a16="http://schemas.microsoft.com/office/drawing/2014/main" id="{7B5CAEB9-5C8C-4876-BA8D-D5AFAE83F90E}"/>
               </a:ext>
             </a:extLst>
           </p:cNvPr>
@@ -6692,7 +6446,7 @@
         </p:nvCxnSpPr>
         <p:spPr>
           <a:xfrm rot="5400000">
-            <a:off x="31907722" y="6881085"/>
+            <a:off x="21570017" y="10810690"/>
             <a:ext cx="220912" cy="588114"/>
           </a:xfrm>
           <a:prstGeom prst="bentConnector3">
@@ -6724,7 +6478,7 @@
           <p:cNvPr id="1025" name="Соединительная линия уступом 620">
             <a:extLst>
               <a:ext uri="{FF2B5EF4-FFF2-40B4-BE49-F238E27FC236}">
-                <a16:creationId xmlns="" xmlns:a16="http://schemas.microsoft.com/office/drawing/2014/main" id="{FFA2C793-4B29-4F99-98E9-4669E69C97AD}"/>
+                <a16:creationId xmlns:a16="http://schemas.microsoft.com/office/drawing/2014/main" id="{FFA2C793-4B29-4F99-98E9-4669E69C97AD}"/>
               </a:ext>
             </a:extLst>
           </p:cNvPr>
@@ -6737,7 +6491,7 @@
         </p:nvCxnSpPr>
         <p:spPr>
           <a:xfrm rot="5400000">
-            <a:off x="28077298" y="5821736"/>
+            <a:off x="17739593" y="9751341"/>
             <a:ext cx="223064" cy="1182836"/>
           </a:xfrm>
           <a:prstGeom prst="bentConnector3">
@@ -6769,7 +6523,7 @@
           <p:cNvPr id="1026" name="Прямоугольник 1025">
             <a:extLst>
               <a:ext uri="{FF2B5EF4-FFF2-40B4-BE49-F238E27FC236}">
-                <a16:creationId xmlns="" xmlns:a16="http://schemas.microsoft.com/office/drawing/2014/main" id="{DE407236-6717-4F48-AFCA-5A3738174520}"/>
+                <a16:creationId xmlns:a16="http://schemas.microsoft.com/office/drawing/2014/main" id="{DE407236-6717-4F48-AFCA-5A3738174520}"/>
               </a:ext>
             </a:extLst>
           </p:cNvPr>
@@ -6778,7 +6532,7 @@
         </p:nvSpPr>
         <p:spPr>
           <a:xfrm>
-            <a:off x="34198219" y="5757289"/>
+            <a:off x="23860514" y="9686894"/>
             <a:ext cx="926325" cy="540000"/>
           </a:xfrm>
           <a:prstGeom prst="rect">
@@ -6858,7 +6612,7 @@
           <p:cNvPr id="1027" name="Прямоугольник 1026">
             <a:extLst>
               <a:ext uri="{FF2B5EF4-FFF2-40B4-BE49-F238E27FC236}">
-                <a16:creationId xmlns="" xmlns:a16="http://schemas.microsoft.com/office/drawing/2014/main" id="{DB1631C9-91EC-471F-8438-3881EA858FD4}"/>
+                <a16:creationId xmlns:a16="http://schemas.microsoft.com/office/drawing/2014/main" id="{DB1631C9-91EC-471F-8438-3881EA858FD4}"/>
               </a:ext>
             </a:extLst>
           </p:cNvPr>
@@ -6867,7 +6621,7 @@
         </p:nvSpPr>
         <p:spPr>
           <a:xfrm>
-            <a:off x="23842892" y="2164248"/>
+            <a:off x="23267392" y="2164247"/>
             <a:ext cx="926325" cy="540000"/>
           </a:xfrm>
           <a:prstGeom prst="rect">
@@ -6899,213 +6653,8 @@
             <a:pPr algn="ctr"/>
             <a:r>
               <a:rPr lang="ru-RU" sz="700" dirty="0"/>
-              <a:t>Ратификация Франко-Советского пакта </a:t>
-            </a:r>
-            <a:r>
-              <a:rPr lang="ru-RU" sz="100" dirty="0"/>
-              <a:t>(Одним из наиболее важных и назревших внешнеполитических вопросов, стоявших перед новым правительством, которое </a:t>
-            </a:r>
-            <a:r>
-              <a:rPr lang="ru-RU" sz="100" dirty="0" err="1"/>
-              <a:t>возгла¬вил</a:t>
-            </a:r>
-            <a:r>
-              <a:rPr lang="ru-RU" sz="100" dirty="0"/>
-              <a:t> радикал А. </a:t>
-            </a:r>
-            <a:r>
-              <a:rPr lang="ru-RU" sz="100" dirty="0" err="1"/>
-              <a:t>Сарро</a:t>
-            </a:r>
-            <a:r>
-              <a:rPr lang="ru-RU" sz="100" dirty="0"/>
-              <a:t>, была ратификация франко-советского </a:t>
-            </a:r>
-            <a:r>
-              <a:rPr lang="ru-RU" sz="100" dirty="0" err="1"/>
-              <a:t>пак¬та</a:t>
-            </a:r>
-            <a:r>
-              <a:rPr lang="ru-RU" sz="100" dirty="0"/>
-              <a:t>. Дискуссия во французском парламенте по этому </a:t>
-            </a:r>
-            <a:r>
-              <a:rPr lang="ru-RU" sz="100" dirty="0" err="1"/>
-              <a:t>законопроек¬ту</a:t>
-            </a:r>
-            <a:r>
-              <a:rPr lang="ru-RU" sz="100" dirty="0"/>
-              <a:t> началась 11 февраля 1936 г. Атака, которую крайне правые вели на франко-советский пакт в палате и в печати, в немалой степени объяснялась соображениями внутренней политики. Борьба с левыми, с Народным фронтом почти автоматически означала борьбу и против сотрудничества с СССР. Газета радикалов «</a:t>
-            </a:r>
-            <a:r>
-              <a:rPr lang="ru-RU" sz="100" dirty="0" err="1"/>
-              <a:t>Эвр</a:t>
-            </a:r>
-            <a:r>
-              <a:rPr lang="ru-RU" sz="100" dirty="0"/>
-              <a:t>» писала: «Для нас речь шла о том, останется ли Франция верной идеалу коллективной безопасности, сумеет ли она выковать новое звено этой безопасности... Для других, к сожалению, речь шла о том, будет ли Франция </a:t>
-            </a:r>
-            <a:r>
-              <a:rPr lang="ru-RU" sz="100" dirty="0" err="1"/>
-              <a:t>наближайших</a:t>
-            </a:r>
-            <a:r>
-              <a:rPr lang="ru-RU" sz="100" dirty="0"/>
-              <a:t> выборах голосовать за </a:t>
-            </a:r>
-            <a:r>
-              <a:rPr lang="ru-RU" sz="100" dirty="0" err="1"/>
-              <a:t>На¬родный</a:t>
-            </a:r>
-            <a:r>
-              <a:rPr lang="ru-RU" sz="100" dirty="0"/>
-              <a:t> фронт или же она будет голосовать «по-итальянски» и «по-немецки»») Группа промышленников — совладельцев французских пред-приятий, экспроприированных в России, в январе 1936 г. писала главе правительства: «Наша группа, имеющая к советскому </a:t>
-            </a:r>
-            <a:r>
-              <a:rPr lang="ru-RU" sz="100" dirty="0" err="1"/>
-              <a:t>пра¬вительству</a:t>
-            </a:r>
-            <a:r>
-              <a:rPr lang="ru-RU" sz="100" dirty="0"/>
-              <a:t> претензии более чем на миллиард франков золотом, считает своим долгом сказать, что ставка на применение этого (франко-советского.— Ред.) соглашения позволит в настоящий </a:t>
-            </a:r>
-            <a:r>
-              <a:rPr lang="ru-RU" sz="100" dirty="0" err="1"/>
-              <a:t>мо¬мент</a:t>
-            </a:r>
-            <a:r>
-              <a:rPr lang="ru-RU" sz="100" dirty="0"/>
-              <a:t> возместить все понесенные убытки. Это соглашение </a:t>
-            </a:r>
-            <a:r>
-              <a:rPr lang="ru-RU" sz="100" dirty="0" err="1"/>
-              <a:t>облег¬чит</a:t>
-            </a:r>
-            <a:r>
-              <a:rPr lang="ru-RU" sz="100" dirty="0"/>
-              <a:t> французской промышленности экспорт ее продукции в </a:t>
-            </a:r>
-            <a:r>
-              <a:rPr lang="ru-RU" sz="100" dirty="0" err="1"/>
-              <a:t>Рос¬сию</a:t>
-            </a:r>
-            <a:r>
-              <a:rPr lang="ru-RU" sz="100" dirty="0"/>
-              <a:t>; несмотря на критику, впрочем мало обоснованную, это </a:t>
-            </a:r>
-            <a:r>
-              <a:rPr lang="ru-RU" sz="100" dirty="0" err="1"/>
-              <a:t>со¬глашение</a:t>
-            </a:r>
-            <a:r>
-              <a:rPr lang="ru-RU" sz="100" dirty="0"/>
-              <a:t> отвечает истинным национальным интересам» . Этот документ, зачитанный в палате </a:t>
-            </a:r>
-            <a:r>
-              <a:rPr lang="ru-RU" sz="100" dirty="0" err="1"/>
-              <a:t>Эррио</a:t>
-            </a:r>
-            <a:r>
-              <a:rPr lang="ru-RU" sz="100" dirty="0"/>
-              <a:t>, разбивал доводы многих противников пакта, подтверждал, что договор выгоден для </a:t>
-            </a:r>
-            <a:r>
-              <a:rPr lang="ru-RU" sz="100" dirty="0" err="1"/>
-              <a:t>Фран¬ции</a:t>
-            </a:r>
-            <a:r>
-              <a:rPr lang="ru-RU" sz="100" dirty="0"/>
-              <a:t> и с экономической точки </a:t>
-            </a:r>
-            <a:r>
-              <a:rPr lang="ru-RU" sz="100" dirty="0" err="1"/>
-              <a:t>зрения.Возражения</a:t>
-            </a:r>
-            <a:r>
-              <a:rPr lang="ru-RU" sz="100" dirty="0"/>
-              <a:t> против пакта на деле диктовались </a:t>
-            </a:r>
-            <a:r>
-              <a:rPr lang="ru-RU" sz="100" dirty="0" err="1"/>
-              <a:t>антикоммуниз¬мом</a:t>
-            </a:r>
-            <a:r>
-              <a:rPr lang="ru-RU" sz="100" dirty="0"/>
-              <a:t>, боязнью укрепления Народного фронта. После горячей </a:t>
-            </a:r>
-            <a:r>
-              <a:rPr lang="ru-RU" sz="100" dirty="0" err="1"/>
-              <a:t>двух¬недельной</a:t>
-            </a:r>
-            <a:r>
-              <a:rPr lang="ru-RU" sz="100" dirty="0"/>
-              <a:t> дискуссии палата депутатов 27 февраля большинством в 353 голоса против 164 одобрила франко-советский пакт. Ее решение опиралось на поддержку широких кругов. Политика </a:t>
-            </a:r>
-            <a:r>
-              <a:rPr lang="ru-RU" sz="100" dirty="0" err="1"/>
-              <a:t>ком¬мунистической</a:t>
-            </a:r>
-            <a:r>
-              <a:rPr lang="ru-RU" sz="100" dirty="0"/>
-              <a:t> партии, направленная на объединение всех </a:t>
-            </a:r>
-            <a:r>
-              <a:rPr lang="ru-RU" sz="100" dirty="0" err="1"/>
-              <a:t>демо¬кратических</a:t>
-            </a:r>
-            <a:r>
-              <a:rPr lang="ru-RU" sz="100" dirty="0"/>
-              <a:t> сил в Народный фронт борьбы с фашизмом и </a:t>
-            </a:r>
-            <a:r>
-              <a:rPr lang="ru-RU" sz="100" dirty="0" err="1"/>
-              <a:t>вой¬ной</a:t>
-            </a:r>
-            <a:r>
-              <a:rPr lang="ru-RU" sz="100" dirty="0"/>
-              <a:t>, принесла свои первые плоды. Предстояла еще ратификация пакта сенатом. Но прежде чем там началась дискуссия, </a:t>
-            </a:r>
-            <a:r>
-              <a:rPr lang="ru-RU" sz="100" dirty="0" err="1"/>
-              <a:t>произош¬ло</a:t>
-            </a:r>
-            <a:r>
-              <a:rPr lang="ru-RU" sz="100" dirty="0"/>
-              <a:t> событие, вошедшее в историю как серьезная капитуляция </a:t>
-            </a:r>
-            <a:r>
-              <a:rPr lang="ru-RU" sz="100" dirty="0" err="1"/>
-              <a:t>Фран¬ции</a:t>
-            </a:r>
-            <a:r>
-              <a:rPr lang="ru-RU" sz="100" dirty="0"/>
-              <a:t> перед германским милитаризмом. Политика французских «умиротворителей» серьезно подорвала доверие к Франции в мире. Правящие круги малых европейских стран увидели, что не могут рассчитывать на помощь Франции, так как она не отстаивает даже свои собственные интересы. Встав на путь попустительства и поощрения агрессии, Франция все </a:t>
-            </a:r>
-            <a:r>
-              <a:rPr lang="ru-RU" sz="100" dirty="0" err="1"/>
-              <a:t>даль¬ше</a:t>
-            </a:r>
-            <a:r>
-              <a:rPr lang="ru-RU" sz="100" dirty="0"/>
-              <a:t> отходила от идей коллективной безопасности, от опоры на франко-советское сотрудничество. Правда, когда 12 марта вопрос о ратификации договора с СССР был поставлен в сенате, члены верхней палаты значительным большинством (231 голос против 52) вотировали франко-советский пакт8о. На какой-то момент угроза германского милитаризма отодвинула на второй план соображения внутриполитической борьбы. Тогда же договор был </a:t>
-            </a:r>
-            <a:r>
-              <a:rPr lang="ru-RU" sz="100" dirty="0" err="1"/>
-              <a:t>ратифициро¬ван</a:t>
-            </a:r>
-            <a:r>
-              <a:rPr lang="ru-RU" sz="100" dirty="0"/>
-              <a:t> Советским Союзом, а 27 марта состоялся обмен </a:t>
-            </a:r>
-            <a:r>
-              <a:rPr lang="ru-RU" sz="100" dirty="0" err="1"/>
-              <a:t>ратифика¬ционными</a:t>
-            </a:r>
-            <a:r>
-              <a:rPr lang="ru-RU" sz="100" dirty="0"/>
-              <a:t> грамотами.</a:t>
-            </a:r>
-            <a:endParaRPr lang="ru-RU" sz="700" dirty="0"/>
+              <a:t>Ратификация Франко-Советского пакта</a:t>
+            </a:r>
           </a:p>
         </p:txBody>
       </p:sp>
@@ -7114,7 +6663,7 @@
           <p:cNvPr id="1028" name="Прямоугольник 1027">
             <a:extLst>
               <a:ext uri="{FF2B5EF4-FFF2-40B4-BE49-F238E27FC236}">
-                <a16:creationId xmlns="" xmlns:a16="http://schemas.microsoft.com/office/drawing/2014/main" id="{D6E92AC8-0AE9-46F9-A924-784EB6A3DC97}"/>
+                <a16:creationId xmlns:a16="http://schemas.microsoft.com/office/drawing/2014/main" id="{D6E92AC8-0AE9-46F9-A924-784EB6A3DC97}"/>
               </a:ext>
             </a:extLst>
           </p:cNvPr>
@@ -7123,7 +6672,7 @@
         </p:nvSpPr>
         <p:spPr>
           <a:xfrm>
-            <a:off x="22699893" y="2164248"/>
+            <a:off x="24426352" y="2164248"/>
             <a:ext cx="926325" cy="540000"/>
           </a:xfrm>
           <a:prstGeom prst="rect">
@@ -7155,37 +6704,8 @@
             <a:pPr algn="ctr"/>
             <a:r>
               <a:rPr lang="ru-RU" sz="700" dirty="0"/>
-              <a:t>Продолжить политику дефляции </a:t>
-            </a:r>
-            <a:r>
-              <a:rPr lang="ru-RU" sz="100" dirty="0"/>
-              <a:t>(Правительство Альбера </a:t>
-            </a:r>
-            <a:r>
-              <a:rPr lang="ru-RU" sz="100" dirty="0" err="1"/>
-              <a:t>Сарро</a:t>
-            </a:r>
-            <a:r>
-              <a:rPr lang="ru-RU" sz="100" dirty="0"/>
-              <a:t> продолжает политику дефляции (декретное снижение цен на различные продукты и сокращение государственных расходов), проводимую </a:t>
-            </a:r>
-            <a:r>
-              <a:rPr lang="ru-RU" sz="100" dirty="0" err="1"/>
-              <a:t>сиюль</a:t>
-            </a:r>
-            <a:r>
-              <a:rPr lang="ru-RU" sz="100" dirty="0"/>
-              <a:t> 1935 </a:t>
-            </a:r>
-            <a:r>
-              <a:rPr lang="ru-RU" sz="100" dirty="0" err="1"/>
-              <a:t>г.предыдущим</a:t>
-            </a:r>
-            <a:r>
-              <a:rPr lang="ru-RU" sz="100" dirty="0"/>
-              <a:t> правительством Пьера Лаваля . Эта политика не привела к ожидаемому падению цен, поскольку правительство фактически поддерживало инфляцию, восполняя дефицит бюджета путем выпуска казначейских облигаций, которые подписчики переучитывали в Банке Франции. Ликвидность в обращении, таким образом, увеличивает и стимулирует внутренний спрос, и промышленности приходится справляться с этим, увеличивая свое производство, в то время как неурожаи и импортные квоты толкают вверх цены на сельскохозяйственную продукцию.)</a:t>
-            </a:r>
-            <a:endParaRPr lang="ru-RU" sz="700" dirty="0"/>
+              <a:t>Продолжить политику дефляции</a:t>
+            </a:r>
           </a:p>
         </p:txBody>
       </p:sp>
@@ -7194,7 +6714,7 @@
           <p:cNvPr id="1029" name="Прямоугольник 1028">
             <a:extLst>
               <a:ext uri="{FF2B5EF4-FFF2-40B4-BE49-F238E27FC236}">
-                <a16:creationId xmlns="" xmlns:a16="http://schemas.microsoft.com/office/drawing/2014/main" id="{EE14F29B-5BBA-4548-9FD7-68C1B6F302D3}"/>
+                <a16:creationId xmlns:a16="http://schemas.microsoft.com/office/drawing/2014/main" id="{EE14F29B-5BBA-4548-9FD7-68C1B6F302D3}"/>
               </a:ext>
             </a:extLst>
           </p:cNvPr>
@@ -7203,7 +6723,7 @@
         </p:nvSpPr>
         <p:spPr>
           <a:xfrm>
-            <a:off x="26207924" y="1287062"/>
+            <a:off x="20149928" y="1537988"/>
             <a:ext cx="926325" cy="540000"/>
           </a:xfrm>
           <a:prstGeom prst="rect">
@@ -7245,7 +6765,7 @@
           <p:cNvPr id="1030" name="Прямоугольник 1029">
             <a:extLst>
               <a:ext uri="{FF2B5EF4-FFF2-40B4-BE49-F238E27FC236}">
-                <a16:creationId xmlns="" xmlns:a16="http://schemas.microsoft.com/office/drawing/2014/main" id="{8D4D7D52-105E-4376-9DD0-2B8522DA7F1B}"/>
+                <a16:creationId xmlns:a16="http://schemas.microsoft.com/office/drawing/2014/main" id="{8D4D7D52-105E-4376-9DD0-2B8522DA7F1B}"/>
               </a:ext>
             </a:extLst>
           </p:cNvPr>
@@ -7254,7 +6774,7 @@
         </p:nvSpPr>
         <p:spPr>
           <a:xfrm>
-            <a:off x="23842891" y="2959368"/>
+            <a:off x="24426821" y="2959367"/>
             <a:ext cx="926325" cy="540000"/>
           </a:xfrm>
           <a:prstGeom prst="rect">
@@ -7296,7 +6816,7 @@
           <p:cNvPr id="1031" name="Прямоугольник 1030">
             <a:extLst>
               <a:ext uri="{FF2B5EF4-FFF2-40B4-BE49-F238E27FC236}">
-                <a16:creationId xmlns="" xmlns:a16="http://schemas.microsoft.com/office/drawing/2014/main" id="{9F451564-3CC7-4336-95B9-519C482189ED}"/>
+                <a16:creationId xmlns:a16="http://schemas.microsoft.com/office/drawing/2014/main" id="{9F451564-3CC7-4336-95B9-519C482189ED}"/>
               </a:ext>
             </a:extLst>
           </p:cNvPr>
@@ -7305,7 +6825,7 @@
         </p:nvSpPr>
         <p:spPr>
           <a:xfrm>
-            <a:off x="23279714" y="3754488"/>
+            <a:off x="23267392" y="3752545"/>
             <a:ext cx="926325" cy="540000"/>
           </a:xfrm>
           <a:prstGeom prst="rect">
@@ -7347,7 +6867,7 @@
           <p:cNvPr id="1032" name="Прямоугольник 1031">
             <a:extLst>
               <a:ext uri="{FF2B5EF4-FFF2-40B4-BE49-F238E27FC236}">
-                <a16:creationId xmlns="" xmlns:a16="http://schemas.microsoft.com/office/drawing/2014/main" id="{9118DC19-A553-477F-B393-1A451FEA2E22}"/>
+                <a16:creationId xmlns:a16="http://schemas.microsoft.com/office/drawing/2014/main" id="{9118DC19-A553-477F-B393-1A451FEA2E22}"/>
               </a:ext>
             </a:extLst>
           </p:cNvPr>
@@ -7356,7 +6876,7 @@
         </p:nvSpPr>
         <p:spPr>
           <a:xfrm>
-            <a:off x="24417952" y="3754488"/>
+            <a:off x="25564560" y="3754487"/>
             <a:ext cx="926325" cy="540000"/>
           </a:xfrm>
           <a:prstGeom prst="rect">
@@ -7398,7 +6918,7 @@
           <p:cNvPr id="1033" name="Соединительная линия уступом 620">
             <a:extLst>
               <a:ext uri="{FF2B5EF4-FFF2-40B4-BE49-F238E27FC236}">
-                <a16:creationId xmlns="" xmlns:a16="http://schemas.microsoft.com/office/drawing/2014/main" id="{C9FADC20-7BF7-4390-A349-8712B2A5A5BC}"/>
+                <a16:creationId xmlns:a16="http://schemas.microsoft.com/office/drawing/2014/main" id="{C9FADC20-7BF7-4390-A349-8712B2A5A5BC}"/>
               </a:ext>
             </a:extLst>
           </p:cNvPr>
@@ -7410,9 +6930,9 @@
           <p:nvPr/>
         </p:nvCxnSpPr>
         <p:spPr>
-          <a:xfrm rot="5400000">
-            <a:off x="23606996" y="1465188"/>
-            <a:ext cx="255120" cy="1143000"/>
+          <a:xfrm rot="16200000" flipH="1">
+            <a:off x="24760282" y="2035014"/>
+            <a:ext cx="255119" cy="3347"/>
           </a:xfrm>
           <a:prstGeom prst="bentConnector3">
             <a:avLst>
@@ -7440,190 +6960,10 @@
       </p:cxnSp>
       <p:cxnSp>
         <p:nvCxnSpPr>
-          <p:cNvPr id="1034" name="Соединительная линия уступом 620">
-            <a:extLst>
-              <a:ext uri="{FF2B5EF4-FFF2-40B4-BE49-F238E27FC236}">
-                <a16:creationId xmlns="" xmlns:a16="http://schemas.microsoft.com/office/drawing/2014/main" id="{343F6235-11CB-44AE-92C3-F34A4C55463E}"/>
-              </a:ext>
-            </a:extLst>
-          </p:cNvPr>
-          <p:cNvCxnSpPr>
-            <a:cxnSpLocks/>
-            <a:stCxn id="582" idx="2"/>
-            <a:endCxn id="87" idx="0"/>
-          </p:cNvCxnSpPr>
-          <p:nvPr/>
-        </p:nvCxnSpPr>
-        <p:spPr>
-          <a:xfrm rot="16200000" flipH="1">
-            <a:off x="24757975" y="1457208"/>
-            <a:ext cx="255120" cy="1158959"/>
-          </a:xfrm>
-          <a:prstGeom prst="bentConnector3">
-            <a:avLst>
-              <a:gd name="adj1" fmla="val 50000"/>
-            </a:avLst>
-          </a:prstGeom>
-          <a:ln w="19050">
-            <a:tailEnd type="arrow"/>
-          </a:ln>
-        </p:spPr>
-        <p:style>
-          <a:lnRef idx="1">
-            <a:schemeClr val="accent1"/>
-          </a:lnRef>
-          <a:fillRef idx="0">
-            <a:schemeClr val="accent1"/>
-          </a:fillRef>
-          <a:effectRef idx="0">
-            <a:schemeClr val="accent1"/>
-          </a:effectRef>
-          <a:fontRef idx="minor">
-            <a:schemeClr val="tx1"/>
-          </a:fontRef>
-        </p:style>
-      </p:cxnSp>
-      <p:cxnSp>
-        <p:nvCxnSpPr>
-          <p:cNvPr id="1035" name="Прямая со стрелкой 1034">
-            <a:extLst>
-              <a:ext uri="{FF2B5EF4-FFF2-40B4-BE49-F238E27FC236}">
-                <a16:creationId xmlns="" xmlns:a16="http://schemas.microsoft.com/office/drawing/2014/main" id="{47CC96AF-30D8-4207-B401-02E6FE35EC95}"/>
-              </a:ext>
-            </a:extLst>
-          </p:cNvPr>
-          <p:cNvCxnSpPr>
-            <a:cxnSpLocks/>
-            <a:stCxn id="582" idx="2"/>
-            <a:endCxn id="1027" idx="0"/>
-          </p:cNvCxnSpPr>
-          <p:nvPr/>
-        </p:nvCxnSpPr>
-        <p:spPr>
-          <a:xfrm flipH="1">
-            <a:off x="24306055" y="1909128"/>
-            <a:ext cx="1" cy="255120"/>
-          </a:xfrm>
-          <a:prstGeom prst="straightConnector1">
-            <a:avLst/>
-          </a:prstGeom>
-          <a:ln w="19050">
-            <a:tailEnd type="arrow"/>
-          </a:ln>
-        </p:spPr>
-        <p:style>
-          <a:lnRef idx="1">
-            <a:schemeClr val="accent1"/>
-          </a:lnRef>
-          <a:fillRef idx="0">
-            <a:schemeClr val="accent1"/>
-          </a:fillRef>
-          <a:effectRef idx="0">
-            <a:schemeClr val="accent1"/>
-          </a:effectRef>
-          <a:fontRef idx="minor">
-            <a:schemeClr val="tx1"/>
-          </a:fontRef>
-        </p:style>
-      </p:cxnSp>
-      <p:cxnSp>
-        <p:nvCxnSpPr>
-          <p:cNvPr id="1036" name="Соединительная линия уступом 595">
-            <a:extLst>
-              <a:ext uri="{FF2B5EF4-FFF2-40B4-BE49-F238E27FC236}">
-                <a16:creationId xmlns="" xmlns:a16="http://schemas.microsoft.com/office/drawing/2014/main" id="{81A2B8B0-F8A5-4D83-9E13-FF2D58AF81CD}"/>
-              </a:ext>
-            </a:extLst>
-          </p:cNvPr>
-          <p:cNvCxnSpPr>
-            <a:cxnSpLocks/>
-            <a:stCxn id="1028" idx="2"/>
-            <a:endCxn id="1030" idx="0"/>
-          </p:cNvCxnSpPr>
-          <p:nvPr/>
-        </p:nvCxnSpPr>
-        <p:spPr>
-          <a:xfrm rot="16200000" flipH="1">
-            <a:off x="23606995" y="2260309"/>
-            <a:ext cx="255120" cy="1142998"/>
-          </a:xfrm>
-          <a:prstGeom prst="bentConnector3">
-            <a:avLst>
-              <a:gd name="adj1" fmla="val 50000"/>
-            </a:avLst>
-          </a:prstGeom>
-          <a:ln w="19050">
-            <a:prstDash val="dash"/>
-            <a:tailEnd type="arrow"/>
-          </a:ln>
-        </p:spPr>
-        <p:style>
-          <a:lnRef idx="1">
-            <a:schemeClr val="accent1"/>
-          </a:lnRef>
-          <a:fillRef idx="0">
-            <a:schemeClr val="accent1"/>
-          </a:fillRef>
-          <a:effectRef idx="0">
-            <a:schemeClr val="accent1"/>
-          </a:effectRef>
-          <a:fontRef idx="minor">
-            <a:schemeClr val="tx1"/>
-          </a:fontRef>
-        </p:style>
-      </p:cxnSp>
-      <p:cxnSp>
-        <p:nvCxnSpPr>
-          <p:cNvPr id="1037" name="Соединительная линия уступом 595">
-            <a:extLst>
-              <a:ext uri="{FF2B5EF4-FFF2-40B4-BE49-F238E27FC236}">
-                <a16:creationId xmlns="" xmlns:a16="http://schemas.microsoft.com/office/drawing/2014/main" id="{975BE21E-CF6F-4CD8-9C25-D8D4532B2217}"/>
-              </a:ext>
-            </a:extLst>
-          </p:cNvPr>
-          <p:cNvCxnSpPr>
-            <a:cxnSpLocks/>
-            <a:stCxn id="1027" idx="2"/>
-            <a:endCxn id="1030" idx="0"/>
-          </p:cNvCxnSpPr>
-          <p:nvPr/>
-        </p:nvCxnSpPr>
-        <p:spPr>
-          <a:xfrm rot="5400000">
-            <a:off x="24178495" y="2831808"/>
-            <a:ext cx="255120" cy="1"/>
-          </a:xfrm>
-          <a:prstGeom prst="bentConnector3">
-            <a:avLst>
-              <a:gd name="adj1" fmla="val 50000"/>
-            </a:avLst>
-          </a:prstGeom>
-          <a:ln w="19050">
-            <a:prstDash val="dash"/>
-            <a:tailEnd type="arrow"/>
-          </a:ln>
-        </p:spPr>
-        <p:style>
-          <a:lnRef idx="1">
-            <a:schemeClr val="accent1"/>
-          </a:lnRef>
-          <a:fillRef idx="0">
-            <a:schemeClr val="accent1"/>
-          </a:fillRef>
-          <a:effectRef idx="0">
-            <a:schemeClr val="accent1"/>
-          </a:effectRef>
-          <a:fontRef idx="minor">
-            <a:schemeClr val="tx1"/>
-          </a:fontRef>
-        </p:style>
-      </p:cxnSp>
-      <p:cxnSp>
-        <p:nvCxnSpPr>
           <p:cNvPr id="1038" name="Соединительная линия уступом 620">
             <a:extLst>
               <a:ext uri="{FF2B5EF4-FFF2-40B4-BE49-F238E27FC236}">
-                <a16:creationId xmlns="" xmlns:a16="http://schemas.microsoft.com/office/drawing/2014/main" id="{30AB627E-E3A0-4496-88F9-6BFDA477FF01}"/>
+                <a16:creationId xmlns:a16="http://schemas.microsoft.com/office/drawing/2014/main" id="{30AB627E-E3A0-4496-88F9-6BFDA477FF01}"/>
               </a:ext>
             </a:extLst>
           </p:cNvPr>
@@ -7636,8 +6976,8 @@
         </p:nvCxnSpPr>
         <p:spPr>
           <a:xfrm rot="16200000" flipH="1">
-            <a:off x="24466024" y="3339397"/>
-            <a:ext cx="255120" cy="575061"/>
+            <a:off x="25331293" y="3058057"/>
+            <a:ext cx="255120" cy="1137739"/>
           </a:xfrm>
           <a:prstGeom prst="bentConnector3">
             <a:avLst>
@@ -7668,7 +7008,7 @@
           <p:cNvPr id="1039" name="Соединительная линия уступом 620">
             <a:extLst>
               <a:ext uri="{FF2B5EF4-FFF2-40B4-BE49-F238E27FC236}">
-                <a16:creationId xmlns="" xmlns:a16="http://schemas.microsoft.com/office/drawing/2014/main" id="{E95C8750-3161-440F-8135-BA328D17561C}"/>
+                <a16:creationId xmlns:a16="http://schemas.microsoft.com/office/drawing/2014/main" id="{E95C8750-3161-440F-8135-BA328D17561C}"/>
               </a:ext>
             </a:extLst>
           </p:cNvPr>
@@ -7681,8 +7021,8 @@
         </p:nvCxnSpPr>
         <p:spPr>
           <a:xfrm rot="5400000">
-            <a:off x="23896906" y="3345340"/>
-            <a:ext cx="255120" cy="563177"/>
+            <a:off x="24183681" y="3046242"/>
+            <a:ext cx="253178" cy="1159429"/>
           </a:xfrm>
           <a:prstGeom prst="bentConnector3">
             <a:avLst>
@@ -7713,7 +7053,7 @@
           <p:cNvPr id="1040" name="Прямоугольник 1039">
             <a:extLst>
               <a:ext uri="{FF2B5EF4-FFF2-40B4-BE49-F238E27FC236}">
-                <a16:creationId xmlns="" xmlns:a16="http://schemas.microsoft.com/office/drawing/2014/main" id="{E8BC4B56-5ECE-4456-AD1E-3B33F45347D8}"/>
+                <a16:creationId xmlns:a16="http://schemas.microsoft.com/office/drawing/2014/main" id="{E8BC4B56-5ECE-4456-AD1E-3B33F45347D8}"/>
               </a:ext>
             </a:extLst>
           </p:cNvPr>
@@ -7722,7 +7062,7 @@
         </p:nvSpPr>
         <p:spPr>
           <a:xfrm>
-            <a:off x="31845769" y="5757289"/>
+            <a:off x="21508064" y="9686894"/>
             <a:ext cx="926325" cy="540000"/>
           </a:xfrm>
           <a:prstGeom prst="rect">
@@ -7771,7 +7111,7 @@
           <p:cNvPr id="1041" name="Прямоугольник 1040">
             <a:extLst>
               <a:ext uri="{FF2B5EF4-FFF2-40B4-BE49-F238E27FC236}">
-                <a16:creationId xmlns="" xmlns:a16="http://schemas.microsoft.com/office/drawing/2014/main" id="{D4788916-2671-418A-BFC4-7E9040A64A2D}"/>
+                <a16:creationId xmlns:a16="http://schemas.microsoft.com/office/drawing/2014/main" id="{D4788916-2671-418A-BFC4-7E9040A64A2D}"/>
               </a:ext>
             </a:extLst>
           </p:cNvPr>
@@ -7780,7 +7120,7 @@
         </p:nvSpPr>
         <p:spPr>
           <a:xfrm>
-            <a:off x="28313781" y="8059184"/>
+            <a:off x="17976076" y="11988789"/>
             <a:ext cx="926325" cy="540000"/>
           </a:xfrm>
           <a:prstGeom prst="rect">
@@ -7829,7 +7169,7 @@
           <p:cNvPr id="1042" name="Прямоугольник 1041">
             <a:extLst>
               <a:ext uri="{FF2B5EF4-FFF2-40B4-BE49-F238E27FC236}">
-                <a16:creationId xmlns="" xmlns:a16="http://schemas.microsoft.com/office/drawing/2014/main" id="{E5B456C6-FF4A-45D0-BFEA-98EDD5DFFDA6}"/>
+                <a16:creationId xmlns:a16="http://schemas.microsoft.com/office/drawing/2014/main" id="{E5B456C6-FF4A-45D0-BFEA-98EDD5DFFDA6}"/>
               </a:ext>
             </a:extLst>
           </p:cNvPr>
@@ -7838,7 +7178,7 @@
         </p:nvSpPr>
         <p:spPr>
           <a:xfrm>
-            <a:off x="32044213" y="4882747"/>
+            <a:off x="24483173" y="16912460"/>
             <a:ext cx="926325" cy="540000"/>
           </a:xfrm>
           <a:prstGeom prst="rect">
@@ -7890,7 +7230,7 @@
           <p:cNvPr id="1043" name="Прямоугольник 1042">
             <a:extLst>
               <a:ext uri="{FF2B5EF4-FFF2-40B4-BE49-F238E27FC236}">
-                <a16:creationId xmlns="" xmlns:a16="http://schemas.microsoft.com/office/drawing/2014/main" id="{D3DBC406-3A8E-42CB-8FE0-8E458AD78DCE}"/>
+                <a16:creationId xmlns:a16="http://schemas.microsoft.com/office/drawing/2014/main" id="{D3DBC406-3A8E-42CB-8FE0-8E458AD78DCE}"/>
               </a:ext>
             </a:extLst>
           </p:cNvPr>
@@ -7899,7 +7239,7 @@
         </p:nvSpPr>
         <p:spPr>
           <a:xfrm>
-            <a:off x="33617540" y="6524686"/>
+            <a:off x="23279835" y="10454291"/>
             <a:ext cx="926325" cy="540000"/>
           </a:xfrm>
           <a:prstGeom prst="rect">
@@ -7943,7 +7283,7 @@
           <p:cNvPr id="1044" name="Соединительная линия уступом 620">
             <a:extLst>
               <a:ext uri="{FF2B5EF4-FFF2-40B4-BE49-F238E27FC236}">
-                <a16:creationId xmlns="" xmlns:a16="http://schemas.microsoft.com/office/drawing/2014/main" id="{113C0C0F-8E8E-4798-93FC-458D975DEBBB}"/>
+                <a16:creationId xmlns:a16="http://schemas.microsoft.com/office/drawing/2014/main" id="{113C0C0F-8E8E-4798-93FC-458D975DEBBB}"/>
               </a:ext>
             </a:extLst>
           </p:cNvPr>
@@ -7956,7 +7296,7 @@
         </p:nvCxnSpPr>
         <p:spPr>
           <a:xfrm rot="16200000" flipH="1">
-            <a:off x="27777451" y="6884646"/>
+            <a:off x="17439746" y="10814251"/>
             <a:ext cx="229689" cy="589767"/>
           </a:xfrm>
           <a:prstGeom prst="bentConnector3">
@@ -7988,7 +7328,7 @@
           <p:cNvPr id="1045" name="Соединительная линия уступом 595">
             <a:extLst>
               <a:ext uri="{FF2B5EF4-FFF2-40B4-BE49-F238E27FC236}">
-                <a16:creationId xmlns="" xmlns:a16="http://schemas.microsoft.com/office/drawing/2014/main" id="{028CDF1A-E6D3-4E97-8704-B7C2DA459A15}"/>
+                <a16:creationId xmlns:a16="http://schemas.microsoft.com/office/drawing/2014/main" id="{028CDF1A-E6D3-4E97-8704-B7C2DA459A15}"/>
               </a:ext>
             </a:extLst>
           </p:cNvPr>
@@ -8001,7 +7341,7 @@
         </p:nvCxnSpPr>
         <p:spPr>
           <a:xfrm rot="5400000">
-            <a:off x="34257345" y="6120648"/>
+            <a:off x="23919640" y="10050253"/>
             <a:ext cx="227397" cy="580679"/>
           </a:xfrm>
           <a:prstGeom prst="bentConnector3">
@@ -8034,7 +7374,7 @@
           <p:cNvPr id="1046" name="Соединительная линия уступом 595">
             <a:extLst>
               <a:ext uri="{FF2B5EF4-FFF2-40B4-BE49-F238E27FC236}">
-                <a16:creationId xmlns="" xmlns:a16="http://schemas.microsoft.com/office/drawing/2014/main" id="{87A70FCB-646F-4243-94AE-BDBBA959B037}"/>
+                <a16:creationId xmlns:a16="http://schemas.microsoft.com/office/drawing/2014/main" id="{87A70FCB-646F-4243-94AE-BDBBA959B037}"/>
               </a:ext>
             </a:extLst>
           </p:cNvPr>
@@ -8047,7 +7387,7 @@
         </p:nvCxnSpPr>
         <p:spPr>
           <a:xfrm rot="16200000" flipH="1">
-            <a:off x="33669232" y="6113214"/>
+            <a:off x="23331527" y="10042819"/>
             <a:ext cx="227397" cy="595546"/>
           </a:xfrm>
           <a:prstGeom prst="bentConnector3">
@@ -8080,7 +7420,7 @@
           <p:cNvPr id="1047" name="Соединительная линия уступом 620">
             <a:extLst>
               <a:ext uri="{FF2B5EF4-FFF2-40B4-BE49-F238E27FC236}">
-                <a16:creationId xmlns="" xmlns:a16="http://schemas.microsoft.com/office/drawing/2014/main" id="{921906D8-5265-4753-862F-CD5BB467FF70}"/>
+                <a16:creationId xmlns:a16="http://schemas.microsoft.com/office/drawing/2014/main" id="{921906D8-5265-4753-862F-CD5BB467FF70}"/>
               </a:ext>
             </a:extLst>
           </p:cNvPr>
@@ -8093,7 +7433,7 @@
         </p:nvCxnSpPr>
         <p:spPr>
           <a:xfrm rot="16200000" flipH="1">
-            <a:off x="32198751" y="4470883"/>
+            <a:off x="21861046" y="8400488"/>
             <a:ext cx="220360" cy="2352452"/>
           </a:xfrm>
           <a:prstGeom prst="bentConnector3">
@@ -8125,7 +7465,7 @@
           <p:cNvPr id="1048" name="Соединительная линия уступом 620">
             <a:extLst>
               <a:ext uri="{FF2B5EF4-FFF2-40B4-BE49-F238E27FC236}">
-                <a16:creationId xmlns="" xmlns:a16="http://schemas.microsoft.com/office/drawing/2014/main" id="{F5591766-AC4B-465B-BF39-5C19DB3A2E73}"/>
+                <a16:creationId xmlns:a16="http://schemas.microsoft.com/office/drawing/2014/main" id="{F5591766-AC4B-465B-BF39-5C19DB3A2E73}"/>
               </a:ext>
             </a:extLst>
           </p:cNvPr>
@@ -8138,7 +7478,7 @@
         </p:nvCxnSpPr>
         <p:spPr>
           <a:xfrm rot="16200000" flipH="1">
-            <a:off x="32786863" y="3882770"/>
+            <a:off x="22449158" y="7812375"/>
             <a:ext cx="220360" cy="3528677"/>
           </a:xfrm>
           <a:prstGeom prst="bentConnector3">
@@ -8170,7 +7510,7 @@
           <p:cNvPr id="1049" name="Прямоугольник 1048">
             <a:extLst>
               <a:ext uri="{FF2B5EF4-FFF2-40B4-BE49-F238E27FC236}">
-                <a16:creationId xmlns="" xmlns:a16="http://schemas.microsoft.com/office/drawing/2014/main" id="{736C24D4-7EE2-42A5-B37D-6CE9FAAFD89A}"/>
+                <a16:creationId xmlns:a16="http://schemas.microsoft.com/office/drawing/2014/main" id="{736C24D4-7EE2-42A5-B37D-6CE9FAAFD89A}"/>
               </a:ext>
             </a:extLst>
           </p:cNvPr>
@@ -8179,7 +7519,7 @@
         </p:nvSpPr>
         <p:spPr>
           <a:xfrm>
-            <a:off x="33617540" y="7285598"/>
+            <a:off x="23279835" y="11215203"/>
             <a:ext cx="926325" cy="540000"/>
           </a:xfrm>
           <a:prstGeom prst="rect">
@@ -8223,7 +7563,7 @@
           <p:cNvPr id="1050" name="Прямая со стрелкой 1049">
             <a:extLst>
               <a:ext uri="{FF2B5EF4-FFF2-40B4-BE49-F238E27FC236}">
-                <a16:creationId xmlns="" xmlns:a16="http://schemas.microsoft.com/office/drawing/2014/main" id="{4EA86BE2-F187-40E4-9676-D3AD23B4D16C}"/>
+                <a16:creationId xmlns:a16="http://schemas.microsoft.com/office/drawing/2014/main" id="{4EA86BE2-F187-40E4-9676-D3AD23B4D16C}"/>
               </a:ext>
             </a:extLst>
           </p:cNvPr>
@@ -8236,7 +7576,7 @@
         </p:nvCxnSpPr>
         <p:spPr>
           <a:xfrm>
-            <a:off x="32312235" y="7064686"/>
+            <a:off x="21974530" y="10994291"/>
             <a:ext cx="1454" cy="988308"/>
           </a:xfrm>
           <a:prstGeom prst="straightConnector1">
@@ -8266,7 +7606,7 @@
           <p:cNvPr id="1051" name="Прямая со стрелкой 1050">
             <a:extLst>
               <a:ext uri="{FF2B5EF4-FFF2-40B4-BE49-F238E27FC236}">
-                <a16:creationId xmlns="" xmlns:a16="http://schemas.microsoft.com/office/drawing/2014/main" id="{3E1D0921-FB55-43B1-B7C4-BED6CED0BD09}"/>
+                <a16:creationId xmlns:a16="http://schemas.microsoft.com/office/drawing/2014/main" id="{3E1D0921-FB55-43B1-B7C4-BED6CED0BD09}"/>
               </a:ext>
             </a:extLst>
           </p:cNvPr>
@@ -8279,7 +7619,7 @@
         </p:nvCxnSpPr>
         <p:spPr>
           <a:xfrm>
-            <a:off x="34080703" y="7064686"/>
+            <a:off x="23742998" y="10994291"/>
             <a:ext cx="0" cy="220912"/>
           </a:xfrm>
           <a:prstGeom prst="straightConnector1">
@@ -8309,7 +7649,7 @@
           <p:cNvPr id="1052" name="Прямая со стрелкой 1051">
             <a:extLst>
               <a:ext uri="{FF2B5EF4-FFF2-40B4-BE49-F238E27FC236}">
-                <a16:creationId xmlns="" xmlns:a16="http://schemas.microsoft.com/office/drawing/2014/main" id="{A8260B80-7DCB-47B0-8BC7-F93B7F762AB4}"/>
+                <a16:creationId xmlns:a16="http://schemas.microsoft.com/office/drawing/2014/main" id="{A8260B80-7DCB-47B0-8BC7-F93B7F762AB4}"/>
               </a:ext>
             </a:extLst>
           </p:cNvPr>
@@ -8322,7 +7662,7 @@
         </p:nvCxnSpPr>
         <p:spPr>
           <a:xfrm>
-            <a:off x="28776944" y="7071311"/>
+            <a:off x="18439239" y="11000916"/>
             <a:ext cx="0" cy="987873"/>
           </a:xfrm>
           <a:prstGeom prst="straightConnector1">
@@ -8352,7 +7692,7 @@
           <p:cNvPr id="1053" name="Прямоугольник 1052">
             <a:extLst>
               <a:ext uri="{FF2B5EF4-FFF2-40B4-BE49-F238E27FC236}">
-                <a16:creationId xmlns="" xmlns:a16="http://schemas.microsoft.com/office/drawing/2014/main" id="{89FA5A8C-8B8A-447D-8BA1-756F3CCE6A3B}"/>
+                <a16:creationId xmlns:a16="http://schemas.microsoft.com/office/drawing/2014/main" id="{89FA5A8C-8B8A-447D-8BA1-756F3CCE6A3B}"/>
               </a:ext>
             </a:extLst>
           </p:cNvPr>
@@ -8361,7 +7701,7 @@
         </p:nvSpPr>
         <p:spPr>
           <a:xfrm>
-            <a:off x="27724016" y="7294375"/>
+            <a:off x="17386311" y="11223980"/>
             <a:ext cx="926325" cy="540000"/>
           </a:xfrm>
           <a:prstGeom prst="rect">
@@ -8450,7 +7790,7 @@
           <p:cNvPr id="86" name="Прямоугольник 85">
             <a:extLst>
               <a:ext uri="{FF2B5EF4-FFF2-40B4-BE49-F238E27FC236}">
-                <a16:creationId xmlns="" xmlns:a16="http://schemas.microsoft.com/office/drawing/2014/main" id="{D3588B4A-E518-43B2-8D41-733948440E87}"/>
+                <a16:creationId xmlns:a16="http://schemas.microsoft.com/office/drawing/2014/main" id="{D3588B4A-E518-43B2-8D41-733948440E87}"/>
               </a:ext>
             </a:extLst>
           </p:cNvPr>
@@ -8459,7 +7799,7 @@
         </p:nvSpPr>
         <p:spPr>
           <a:xfrm>
-            <a:off x="32984513" y="3464617"/>
+            <a:off x="24699738" y="17673372"/>
             <a:ext cx="2461934" cy="1119741"/>
           </a:xfrm>
           <a:prstGeom prst="rect">
@@ -8499,10 +7839,6 @@
               <a:rPr lang="en-US" sz="700" dirty="0"/>
               <a:t>:</a:t>
             </a:r>
-            <a:r>
-              <a:rPr lang="ru-RU" sz="700" dirty="0"/>
-              <a:t/>
-            </a:r>
             <a:br>
               <a:rPr lang="ru-RU" sz="700" dirty="0"/>
             </a:br>
@@ -8541,7 +7877,7 @@
           <p:cNvPr id="87" name="Прямоугольник 86">
             <a:extLst>
               <a:ext uri="{FF2B5EF4-FFF2-40B4-BE49-F238E27FC236}">
-                <a16:creationId xmlns="" xmlns:a16="http://schemas.microsoft.com/office/drawing/2014/main" id="{A72BB3CF-D76E-496B-BF14-CAA7D59B3D3C}"/>
+                <a16:creationId xmlns:a16="http://schemas.microsoft.com/office/drawing/2014/main" id="{A72BB3CF-D76E-496B-BF14-CAA7D59B3D3C}"/>
               </a:ext>
             </a:extLst>
           </p:cNvPr>
@@ -8550,7 +7886,7 @@
         </p:nvSpPr>
         <p:spPr>
           <a:xfrm>
-            <a:off x="25001852" y="2164248"/>
+            <a:off x="25564560" y="2164248"/>
             <a:ext cx="926325" cy="540000"/>
           </a:xfrm>
           <a:prstGeom prst="rect">
@@ -8605,7 +7941,7 @@
           <p:cNvPr id="88" name="Прямоугольник 87">
             <a:extLst>
               <a:ext uri="{FF2B5EF4-FFF2-40B4-BE49-F238E27FC236}">
-                <a16:creationId xmlns="" xmlns:a16="http://schemas.microsoft.com/office/drawing/2014/main" id="{DA58DBEE-26B4-4876-B6C8-965562EACDE3}"/>
+                <a16:creationId xmlns:a16="http://schemas.microsoft.com/office/drawing/2014/main" id="{DA58DBEE-26B4-4876-B6C8-965562EACDE3}"/>
               </a:ext>
             </a:extLst>
           </p:cNvPr>
@@ -8614,7 +7950,7 @@
         </p:nvSpPr>
         <p:spPr>
           <a:xfrm>
-            <a:off x="24997684" y="2959482"/>
+            <a:off x="19264456" y="2663404"/>
             <a:ext cx="926325" cy="540000"/>
           </a:xfrm>
           <a:prstGeom prst="rect">
@@ -8775,7 +8111,7 @@
           <p:cNvPr id="89" name="Прямоугольник 88">
             <a:extLst>
               <a:ext uri="{FF2B5EF4-FFF2-40B4-BE49-F238E27FC236}">
-                <a16:creationId xmlns="" xmlns:a16="http://schemas.microsoft.com/office/drawing/2014/main" id="{CAD62AD0-9823-4F98-80DC-1A351DE2F96C}"/>
+                <a16:creationId xmlns:a16="http://schemas.microsoft.com/office/drawing/2014/main" id="{CAD62AD0-9823-4F98-80DC-1A351DE2F96C}"/>
               </a:ext>
             </a:extLst>
           </p:cNvPr>
@@ -8784,7 +8120,7 @@
         </p:nvSpPr>
         <p:spPr>
           <a:xfrm>
-            <a:off x="26146183" y="2965993"/>
+            <a:off x="20412955" y="2669915"/>
             <a:ext cx="926325" cy="540000"/>
           </a:xfrm>
           <a:prstGeom prst="rect">
@@ -8897,7 +8233,7 @@
           <p:cNvPr id="90" name="Прямоугольник 89">
             <a:extLst>
               <a:ext uri="{FF2B5EF4-FFF2-40B4-BE49-F238E27FC236}">
-                <a16:creationId xmlns="" xmlns:a16="http://schemas.microsoft.com/office/drawing/2014/main" id="{D82EE70E-4677-4680-ABFE-21337258332A}"/>
+                <a16:creationId xmlns:a16="http://schemas.microsoft.com/office/drawing/2014/main" id="{D82EE70E-4677-4680-ABFE-21337258332A}"/>
               </a:ext>
             </a:extLst>
           </p:cNvPr>
@@ -8906,7 +8242,7 @@
         </p:nvSpPr>
         <p:spPr>
           <a:xfrm>
-            <a:off x="27399249" y="2965993"/>
+            <a:off x="21666021" y="2669915"/>
             <a:ext cx="926325" cy="540000"/>
           </a:xfrm>
           <a:prstGeom prst="rect">
@@ -9100,6 +8436,2337 @@
           </a:p>
         </p:txBody>
       </p:sp>
+      <p:sp>
+        <p:nvSpPr>
+          <p:cNvPr id="91" name="Прямоугольник 90">
+            <a:extLst>
+              <a:ext uri="{FF2B5EF4-FFF2-40B4-BE49-F238E27FC236}">
+                <a16:creationId xmlns:a16="http://schemas.microsoft.com/office/drawing/2014/main" id="{3F640845-5C33-482B-B8D0-FA981AB544C4}"/>
+              </a:ext>
+            </a:extLst>
+          </p:cNvPr>
+          <p:cNvSpPr/>
+          <p:nvPr/>
+        </p:nvSpPr>
+        <p:spPr>
+          <a:xfrm>
+            <a:off x="18193666" y="2663404"/>
+            <a:ext cx="926325" cy="540000"/>
+          </a:xfrm>
+          <a:prstGeom prst="rect">
+            <a:avLst/>
+          </a:prstGeom>
+          <a:solidFill>
+            <a:schemeClr val="bg1"/>
+          </a:solidFill>
+          <a:ln w="19050"/>
+        </p:spPr>
+        <p:style>
+          <a:lnRef idx="2">
+            <a:schemeClr val="accent1"/>
+          </a:lnRef>
+          <a:fillRef idx="1">
+            <a:schemeClr val="lt1"/>
+          </a:fillRef>
+          <a:effectRef idx="0">
+            <a:schemeClr val="accent1"/>
+          </a:effectRef>
+          <a:fontRef idx="minor">
+            <a:schemeClr val="dk1"/>
+          </a:fontRef>
+        </p:style>
+        <p:txBody>
+          <a:bodyPr lIns="124733" tIns="62367" rIns="124733" bIns="62367" rtlCol="0" anchor="ctr"/>
+          <a:lstStyle/>
+          <a:p>
+            <a:pPr algn="ctr"/>
+            <a:r>
+              <a:rPr lang="ru-RU" sz="200" dirty="0"/>
+              <a:t>Доктрина </a:t>
+            </a:r>
+            <a:r>
+              <a:rPr lang="ru-RU" sz="200" dirty="0" err="1"/>
+              <a:t>Сарро</a:t>
+            </a:r>
+            <a:r>
+              <a:rPr lang="ru-RU" sz="200" dirty="0"/>
+              <a:t> для </a:t>
+            </a:r>
+            <a:r>
+              <a:rPr lang="ru-RU" sz="200" dirty="0" err="1"/>
+              <a:t>колонийВ</a:t>
+            </a:r>
+            <a:r>
+              <a:rPr lang="ru-RU" sz="200" dirty="0"/>
+              <a:t> начале 1920-х годов </a:t>
+            </a:r>
+            <a:r>
+              <a:rPr lang="ru-RU" sz="200" dirty="0" err="1"/>
+              <a:t>Сарро</a:t>
+            </a:r>
+            <a:r>
+              <a:rPr lang="ru-RU" sz="200" dirty="0"/>
+              <a:t>, тогдашний министр колоний , разработал план развития колоний, который, хотя и не был реализован на практике, ознаменовал возобновление интереса властей взять под контроль развитие колоний. Идеи, которые он излагает в своей работе « Развитие французских колоний», образуют последовательную доктрину экономической колонизации, которая оправдывает заботу администрации о местном населении, и он пишет: «Политика коренных народов — это сохранение породы. » Поэтому он рекомендует программу инвестиций в здравоохранение и социальную сферу, которая не будет реализована из-за нехватки бюджета [ 15 ] .ТО16 апреля 1922 </a:t>
+            </a:r>
+            <a:r>
+              <a:rPr lang="ru-RU" sz="200" dirty="0" err="1"/>
+              <a:t>г.В</a:t>
+            </a:r>
+            <a:r>
+              <a:rPr lang="ru-RU" sz="200" dirty="0"/>
+              <a:t> день Пасхи он открыл Марсельскую колониальную выставку [ 16 ] , [ 17 ] .С 1925 по 1926 год он был назначен послом Франции в Турции .</a:t>
+            </a:r>
+          </a:p>
+        </p:txBody>
+      </p:sp>
+      <p:cxnSp>
+        <p:nvCxnSpPr>
+          <p:cNvPr id="95" name="Соединительная линия уступом 620">
+            <a:extLst>
+              <a:ext uri="{FF2B5EF4-FFF2-40B4-BE49-F238E27FC236}">
+                <a16:creationId xmlns:a16="http://schemas.microsoft.com/office/drawing/2014/main" id="{0DFE22D1-71F7-42DE-9654-A19F5F8B71F6}"/>
+              </a:ext>
+            </a:extLst>
+          </p:cNvPr>
+          <p:cNvCxnSpPr>
+            <a:cxnSpLocks/>
+            <a:stCxn id="1028" idx="2"/>
+            <a:endCxn id="1030" idx="0"/>
+          </p:cNvCxnSpPr>
+          <p:nvPr/>
+        </p:nvCxnSpPr>
+        <p:spPr>
+          <a:xfrm rot="16200000" flipH="1">
+            <a:off x="24762190" y="2831572"/>
+            <a:ext cx="255119" cy="469"/>
+          </a:xfrm>
+          <a:prstGeom prst="bentConnector3">
+            <a:avLst>
+              <a:gd name="adj1" fmla="val 50000"/>
+            </a:avLst>
+          </a:prstGeom>
+          <a:ln w="19050">
+            <a:tailEnd type="arrow"/>
+          </a:ln>
+        </p:spPr>
+        <p:style>
+          <a:lnRef idx="1">
+            <a:schemeClr val="accent1"/>
+          </a:lnRef>
+          <a:fillRef idx="0">
+            <a:schemeClr val="accent1"/>
+          </a:fillRef>
+          <a:effectRef idx="0">
+            <a:schemeClr val="accent1"/>
+          </a:effectRef>
+          <a:fontRef idx="minor">
+            <a:schemeClr val="tx1"/>
+          </a:fontRef>
+        </p:style>
+      </p:cxnSp>
+      <p:cxnSp>
+        <p:nvCxnSpPr>
+          <p:cNvPr id="102" name="Соединительная линия уступом 620">
+            <a:extLst>
+              <a:ext uri="{FF2B5EF4-FFF2-40B4-BE49-F238E27FC236}">
+                <a16:creationId xmlns:a16="http://schemas.microsoft.com/office/drawing/2014/main" id="{2827AE48-910F-459B-8016-E8A6BF76D772}"/>
+              </a:ext>
+            </a:extLst>
+          </p:cNvPr>
+          <p:cNvCxnSpPr>
+            <a:cxnSpLocks/>
+            <a:stCxn id="87" idx="2"/>
+            <a:endCxn id="1030" idx="0"/>
+          </p:cNvCxnSpPr>
+          <p:nvPr/>
+        </p:nvCxnSpPr>
+        <p:spPr>
+          <a:xfrm rot="5400000">
+            <a:off x="25331295" y="2262938"/>
+            <a:ext cx="255119" cy="1137739"/>
+          </a:xfrm>
+          <a:prstGeom prst="bentConnector3">
+            <a:avLst>
+              <a:gd name="adj1" fmla="val 50000"/>
+            </a:avLst>
+          </a:prstGeom>
+          <a:ln w="19050">
+            <a:tailEnd type="arrow"/>
+          </a:ln>
+        </p:spPr>
+        <p:style>
+          <a:lnRef idx="1">
+            <a:schemeClr val="accent1"/>
+          </a:lnRef>
+          <a:fillRef idx="0">
+            <a:schemeClr val="accent1"/>
+          </a:fillRef>
+          <a:effectRef idx="0">
+            <a:schemeClr val="accent1"/>
+          </a:effectRef>
+          <a:fontRef idx="minor">
+            <a:schemeClr val="tx1"/>
+          </a:fontRef>
+        </p:style>
+      </p:cxnSp>
+      <p:cxnSp>
+        <p:nvCxnSpPr>
+          <p:cNvPr id="118" name="Соединительная линия уступом 620">
+            <a:extLst>
+              <a:ext uri="{FF2B5EF4-FFF2-40B4-BE49-F238E27FC236}">
+                <a16:creationId xmlns:a16="http://schemas.microsoft.com/office/drawing/2014/main" id="{C1702904-0E50-4FBA-B873-2C147B00B9E8}"/>
+              </a:ext>
+            </a:extLst>
+          </p:cNvPr>
+          <p:cNvCxnSpPr>
+            <a:cxnSpLocks/>
+            <a:stCxn id="582" idx="2"/>
+            <a:endCxn id="1027" idx="0"/>
+          </p:cNvCxnSpPr>
+          <p:nvPr/>
+        </p:nvCxnSpPr>
+        <p:spPr>
+          <a:xfrm rot="5400000">
+            <a:off x="24180803" y="1458882"/>
+            <a:ext cx="255118" cy="1155613"/>
+          </a:xfrm>
+          <a:prstGeom prst="bentConnector3">
+            <a:avLst>
+              <a:gd name="adj1" fmla="val 50000"/>
+            </a:avLst>
+          </a:prstGeom>
+          <a:ln w="19050">
+            <a:tailEnd type="arrow"/>
+          </a:ln>
+        </p:spPr>
+        <p:style>
+          <a:lnRef idx="1">
+            <a:schemeClr val="accent1"/>
+          </a:lnRef>
+          <a:fillRef idx="0">
+            <a:schemeClr val="accent1"/>
+          </a:fillRef>
+          <a:effectRef idx="0">
+            <a:schemeClr val="accent1"/>
+          </a:effectRef>
+          <a:fontRef idx="minor">
+            <a:schemeClr val="tx1"/>
+          </a:fontRef>
+        </p:style>
+      </p:cxnSp>
+      <p:cxnSp>
+        <p:nvCxnSpPr>
+          <p:cNvPr id="121" name="Соединительная линия уступом 620">
+            <a:extLst>
+              <a:ext uri="{FF2B5EF4-FFF2-40B4-BE49-F238E27FC236}">
+                <a16:creationId xmlns:a16="http://schemas.microsoft.com/office/drawing/2014/main" id="{2C4B12DA-382A-45C6-AD96-13081055D21D}"/>
+              </a:ext>
+            </a:extLst>
+          </p:cNvPr>
+          <p:cNvCxnSpPr>
+            <a:cxnSpLocks/>
+            <a:stCxn id="582" idx="2"/>
+            <a:endCxn id="87" idx="0"/>
+          </p:cNvCxnSpPr>
+          <p:nvPr/>
+        </p:nvCxnSpPr>
+        <p:spPr>
+          <a:xfrm rot="16200000" flipH="1">
+            <a:off x="25329386" y="1465910"/>
+            <a:ext cx="255119" cy="1141555"/>
+          </a:xfrm>
+          <a:prstGeom prst="bentConnector3">
+            <a:avLst>
+              <a:gd name="adj1" fmla="val 50000"/>
+            </a:avLst>
+          </a:prstGeom>
+          <a:ln w="19050">
+            <a:tailEnd type="arrow"/>
+          </a:ln>
+        </p:spPr>
+        <p:style>
+          <a:lnRef idx="1">
+            <a:schemeClr val="accent1"/>
+          </a:lnRef>
+          <a:fillRef idx="0">
+            <a:schemeClr val="accent1"/>
+          </a:fillRef>
+          <a:effectRef idx="0">
+            <a:schemeClr val="accent1"/>
+          </a:effectRef>
+          <a:fontRef idx="minor">
+            <a:schemeClr val="tx1"/>
+          </a:fontRef>
+        </p:style>
+      </p:cxnSp>
+      <p:cxnSp>
+        <p:nvCxnSpPr>
+          <p:cNvPr id="124" name="Соединительная линия уступом 620">
+            <a:extLst>
+              <a:ext uri="{FF2B5EF4-FFF2-40B4-BE49-F238E27FC236}">
+                <a16:creationId xmlns:a16="http://schemas.microsoft.com/office/drawing/2014/main" id="{B0D254CE-501E-44AB-9DED-04147283115B}"/>
+              </a:ext>
+            </a:extLst>
+          </p:cNvPr>
+          <p:cNvCxnSpPr>
+            <a:cxnSpLocks/>
+            <a:stCxn id="1027" idx="2"/>
+            <a:endCxn id="1030" idx="0"/>
+          </p:cNvCxnSpPr>
+          <p:nvPr/>
+        </p:nvCxnSpPr>
+        <p:spPr>
+          <a:xfrm rot="16200000" flipH="1">
+            <a:off x="24182709" y="2252092"/>
+            <a:ext cx="255120" cy="1159429"/>
+          </a:xfrm>
+          <a:prstGeom prst="bentConnector3">
+            <a:avLst>
+              <a:gd name="adj1" fmla="val 50000"/>
+            </a:avLst>
+          </a:prstGeom>
+          <a:ln w="19050">
+            <a:tailEnd type="arrow"/>
+          </a:ln>
+        </p:spPr>
+        <p:style>
+          <a:lnRef idx="1">
+            <a:schemeClr val="accent1"/>
+          </a:lnRef>
+          <a:fillRef idx="0">
+            <a:schemeClr val="accent1"/>
+          </a:fillRef>
+          <a:effectRef idx="0">
+            <a:schemeClr val="accent1"/>
+          </a:effectRef>
+          <a:fontRef idx="minor">
+            <a:schemeClr val="tx1"/>
+          </a:fontRef>
+        </p:style>
+      </p:cxnSp>
+      <p:sp>
+        <p:nvSpPr>
+          <p:cNvPr id="133" name="Прямоугольник 132">
+            <a:extLst>
+              <a:ext uri="{FF2B5EF4-FFF2-40B4-BE49-F238E27FC236}">
+                <a16:creationId xmlns:a16="http://schemas.microsoft.com/office/drawing/2014/main" id="{E965DD84-0BC3-4B3C-B2E6-DE72473D0EDC}"/>
+              </a:ext>
+            </a:extLst>
+          </p:cNvPr>
+          <p:cNvSpPr/>
+          <p:nvPr/>
+        </p:nvSpPr>
+        <p:spPr>
+          <a:xfrm>
+            <a:off x="22725403" y="4549607"/>
+            <a:ext cx="926325" cy="540000"/>
+          </a:xfrm>
+          <a:prstGeom prst="rect">
+            <a:avLst/>
+          </a:prstGeom>
+          <a:solidFill>
+            <a:schemeClr val="accent6">
+              <a:lumMod val="60000"/>
+              <a:lumOff val="40000"/>
+            </a:schemeClr>
+          </a:solidFill>
+          <a:ln w="19050"/>
+        </p:spPr>
+        <p:style>
+          <a:lnRef idx="2">
+            <a:schemeClr val="accent1"/>
+          </a:lnRef>
+          <a:fillRef idx="1">
+            <a:schemeClr val="lt1"/>
+          </a:fillRef>
+          <a:effectRef idx="0">
+            <a:schemeClr val="accent1"/>
+          </a:effectRef>
+          <a:fontRef idx="minor">
+            <a:schemeClr val="dk1"/>
+          </a:fontRef>
+        </p:style>
+        <p:txBody>
+          <a:bodyPr lIns="124733" tIns="62367" rIns="124733" bIns="62367" rtlCol="0" anchor="ctr"/>
+          <a:lstStyle/>
+          <a:p>
+            <a:pPr algn="ctr"/>
+            <a:r>
+              <a:rPr lang="ru-RU" sz="700" dirty="0"/>
+              <a:t>Кабинет Эдуарда </a:t>
+            </a:r>
+            <a:r>
+              <a:rPr lang="ru-RU" sz="700" dirty="0" err="1"/>
+              <a:t>Эррио</a:t>
+            </a:r>
+            <a:endParaRPr lang="ru-RU" sz="700" dirty="0"/>
+          </a:p>
+        </p:txBody>
+      </p:sp>
+      <p:sp>
+        <p:nvSpPr>
+          <p:cNvPr id="134" name="Прямоугольник 133">
+            <a:extLst>
+              <a:ext uri="{FF2B5EF4-FFF2-40B4-BE49-F238E27FC236}">
+                <a16:creationId xmlns:a16="http://schemas.microsoft.com/office/drawing/2014/main" id="{698CFD18-7803-4F48-BFA6-6620ABD67FE0}"/>
+              </a:ext>
+            </a:extLst>
+          </p:cNvPr>
+          <p:cNvSpPr/>
+          <p:nvPr/>
+        </p:nvSpPr>
+        <p:spPr>
+          <a:xfrm>
+            <a:off x="25564560" y="4549607"/>
+            <a:ext cx="926325" cy="540000"/>
+          </a:xfrm>
+          <a:prstGeom prst="rect">
+            <a:avLst/>
+          </a:prstGeom>
+          <a:solidFill>
+            <a:schemeClr val="bg1"/>
+          </a:solidFill>
+          <a:ln w="19050"/>
+        </p:spPr>
+        <p:style>
+          <a:lnRef idx="2">
+            <a:schemeClr val="accent1"/>
+          </a:lnRef>
+          <a:fillRef idx="1">
+            <a:schemeClr val="lt1"/>
+          </a:fillRef>
+          <a:effectRef idx="0">
+            <a:schemeClr val="accent1"/>
+          </a:effectRef>
+          <a:fontRef idx="minor">
+            <a:schemeClr val="dk1"/>
+          </a:fontRef>
+        </p:style>
+        <p:txBody>
+          <a:bodyPr lIns="124733" tIns="62367" rIns="124733" bIns="62367" rtlCol="0" anchor="ctr"/>
+          <a:lstStyle/>
+          <a:p>
+            <a:pPr algn="ctr"/>
+            <a:r>
+              <a:rPr lang="ru-RU" sz="700" dirty="0"/>
+              <a:t>Кабинет Луи Марина</a:t>
+            </a:r>
+          </a:p>
+        </p:txBody>
+      </p:sp>
+      <p:sp>
+        <p:nvSpPr>
+          <p:cNvPr id="135" name="Прямоугольник 134">
+            <a:extLst>
+              <a:ext uri="{FF2B5EF4-FFF2-40B4-BE49-F238E27FC236}">
+                <a16:creationId xmlns:a16="http://schemas.microsoft.com/office/drawing/2014/main" id="{4D37C6B0-79B8-4AB0-8C7B-ECD9C95746B4}"/>
+              </a:ext>
+            </a:extLst>
+          </p:cNvPr>
+          <p:cNvSpPr/>
+          <p:nvPr/>
+        </p:nvSpPr>
+        <p:spPr>
+          <a:xfrm>
+            <a:off x="19310685" y="4549607"/>
+            <a:ext cx="926325" cy="540000"/>
+          </a:xfrm>
+          <a:prstGeom prst="rect">
+            <a:avLst/>
+          </a:prstGeom>
+          <a:solidFill>
+            <a:schemeClr val="accent1">
+              <a:lumMod val="60000"/>
+              <a:lumOff val="40000"/>
+            </a:schemeClr>
+          </a:solidFill>
+          <a:ln w="19050"/>
+        </p:spPr>
+        <p:style>
+          <a:lnRef idx="2">
+            <a:schemeClr val="accent1"/>
+          </a:lnRef>
+          <a:fillRef idx="1">
+            <a:schemeClr val="lt1"/>
+          </a:fillRef>
+          <a:effectRef idx="0">
+            <a:schemeClr val="accent1"/>
+          </a:effectRef>
+          <a:fontRef idx="minor">
+            <a:schemeClr val="dk1"/>
+          </a:fontRef>
+        </p:style>
+        <p:txBody>
+          <a:bodyPr lIns="124733" tIns="62367" rIns="124733" bIns="62367" rtlCol="0" anchor="ctr"/>
+          <a:lstStyle/>
+          <a:p>
+            <a:pPr algn="ctr"/>
+            <a:r>
+              <a:rPr lang="ru-RU" sz="700" dirty="0"/>
+              <a:t>Кабинет Леона Блюма</a:t>
+            </a:r>
+          </a:p>
+        </p:txBody>
+      </p:sp>
+      <p:sp>
+        <p:nvSpPr>
+          <p:cNvPr id="136" name="Прямоугольник 135">
+            <a:extLst>
+              <a:ext uri="{FF2B5EF4-FFF2-40B4-BE49-F238E27FC236}">
+                <a16:creationId xmlns:a16="http://schemas.microsoft.com/office/drawing/2014/main" id="{D3B35A14-509E-48B8-BFF9-049144597747}"/>
+              </a:ext>
+            </a:extLst>
+          </p:cNvPr>
+          <p:cNvSpPr/>
+          <p:nvPr/>
+        </p:nvSpPr>
+        <p:spPr>
+          <a:xfrm>
+            <a:off x="15895964" y="4549608"/>
+            <a:ext cx="926325" cy="540000"/>
+          </a:xfrm>
+          <a:prstGeom prst="rect">
+            <a:avLst/>
+          </a:prstGeom>
+          <a:solidFill>
+            <a:srgbClr val="FF0000"/>
+          </a:solidFill>
+          <a:ln w="19050"/>
+        </p:spPr>
+        <p:style>
+          <a:lnRef idx="2">
+            <a:schemeClr val="accent1"/>
+          </a:lnRef>
+          <a:fillRef idx="1">
+            <a:schemeClr val="lt1"/>
+          </a:fillRef>
+          <a:effectRef idx="0">
+            <a:schemeClr val="accent1"/>
+          </a:effectRef>
+          <a:fontRef idx="minor">
+            <a:schemeClr val="dk1"/>
+          </a:fontRef>
+        </p:style>
+        <p:txBody>
+          <a:bodyPr lIns="124733" tIns="62367" rIns="124733" bIns="62367" rtlCol="0" anchor="ctr"/>
+          <a:lstStyle/>
+          <a:p>
+            <a:pPr algn="ctr"/>
+            <a:r>
+              <a:rPr lang="ru-RU" sz="700" dirty="0"/>
+              <a:t>Кабинет Мориса Тореза</a:t>
+            </a:r>
+          </a:p>
+        </p:txBody>
+      </p:sp>
+      <p:cxnSp>
+        <p:nvCxnSpPr>
+          <p:cNvPr id="137" name="Прямая соединительная линия 136">
+            <a:extLst>
+              <a:ext uri="{FF2B5EF4-FFF2-40B4-BE49-F238E27FC236}">
+                <a16:creationId xmlns:a16="http://schemas.microsoft.com/office/drawing/2014/main" id="{FED88272-20BB-44CE-AB5D-202077F1B670}"/>
+              </a:ext>
+            </a:extLst>
+          </p:cNvPr>
+          <p:cNvCxnSpPr>
+            <a:cxnSpLocks/>
+            <a:stCxn id="135" idx="3"/>
+            <a:endCxn id="133" idx="1"/>
+          </p:cNvCxnSpPr>
+          <p:nvPr/>
+        </p:nvCxnSpPr>
+        <p:spPr>
+          <a:xfrm>
+            <a:off x="20237010" y="4819607"/>
+            <a:ext cx="2488393" cy="0"/>
+          </a:xfrm>
+          <a:prstGeom prst="line">
+            <a:avLst/>
+          </a:prstGeom>
+          <a:ln w="19050">
+            <a:solidFill>
+              <a:srgbClr val="FF0000"/>
+            </a:solidFill>
+          </a:ln>
+        </p:spPr>
+        <p:style>
+          <a:lnRef idx="1">
+            <a:schemeClr val="accent1"/>
+          </a:lnRef>
+          <a:fillRef idx="0">
+            <a:schemeClr val="accent1"/>
+          </a:fillRef>
+          <a:effectRef idx="0">
+            <a:schemeClr val="accent1"/>
+          </a:effectRef>
+          <a:fontRef idx="minor">
+            <a:schemeClr val="tx1"/>
+          </a:fontRef>
+        </p:style>
+      </p:cxnSp>
+      <p:cxnSp>
+        <p:nvCxnSpPr>
+          <p:cNvPr id="140" name="Прямая соединительная линия 139">
+            <a:extLst>
+              <a:ext uri="{FF2B5EF4-FFF2-40B4-BE49-F238E27FC236}">
+                <a16:creationId xmlns:a16="http://schemas.microsoft.com/office/drawing/2014/main" id="{E1CA0ECE-E625-43A1-8DB7-876D17EBA56B}"/>
+              </a:ext>
+            </a:extLst>
+          </p:cNvPr>
+          <p:cNvCxnSpPr>
+            <a:cxnSpLocks/>
+            <a:stCxn id="136" idx="3"/>
+            <a:endCxn id="135" idx="1"/>
+          </p:cNvCxnSpPr>
+          <p:nvPr/>
+        </p:nvCxnSpPr>
+        <p:spPr>
+          <a:xfrm flipV="1">
+            <a:off x="16822289" y="4819607"/>
+            <a:ext cx="2488396" cy="1"/>
+          </a:xfrm>
+          <a:prstGeom prst="line">
+            <a:avLst/>
+          </a:prstGeom>
+          <a:ln w="19050">
+            <a:solidFill>
+              <a:srgbClr val="FF0000"/>
+            </a:solidFill>
+          </a:ln>
+        </p:spPr>
+        <p:style>
+          <a:lnRef idx="1">
+            <a:schemeClr val="accent1"/>
+          </a:lnRef>
+          <a:fillRef idx="0">
+            <a:schemeClr val="accent1"/>
+          </a:fillRef>
+          <a:effectRef idx="0">
+            <a:schemeClr val="accent1"/>
+          </a:effectRef>
+          <a:fontRef idx="minor">
+            <a:schemeClr val="tx1"/>
+          </a:fontRef>
+        </p:style>
+      </p:cxnSp>
+      <p:cxnSp>
+        <p:nvCxnSpPr>
+          <p:cNvPr id="143" name="Соединительная линия уступом 620">
+            <a:extLst>
+              <a:ext uri="{FF2B5EF4-FFF2-40B4-BE49-F238E27FC236}">
+                <a16:creationId xmlns:a16="http://schemas.microsoft.com/office/drawing/2014/main" id="{BC366BF4-DD53-41D7-B7E0-45F1BD3C5634}"/>
+              </a:ext>
+            </a:extLst>
+          </p:cNvPr>
+          <p:cNvCxnSpPr>
+            <a:cxnSpLocks/>
+            <a:stCxn id="1031" idx="2"/>
+            <a:endCxn id="136" idx="0"/>
+          </p:cNvCxnSpPr>
+          <p:nvPr/>
+        </p:nvCxnSpPr>
+        <p:spPr>
+          <a:xfrm rot="5400000">
+            <a:off x="19916310" y="735362"/>
+            <a:ext cx="257063" cy="7371428"/>
+          </a:xfrm>
+          <a:prstGeom prst="bentConnector3">
+            <a:avLst>
+              <a:gd name="adj1" fmla="val 50000"/>
+            </a:avLst>
+          </a:prstGeom>
+          <a:ln w="19050">
+            <a:tailEnd type="arrow"/>
+          </a:ln>
+        </p:spPr>
+        <p:style>
+          <a:lnRef idx="1">
+            <a:schemeClr val="accent1"/>
+          </a:lnRef>
+          <a:fillRef idx="0">
+            <a:schemeClr val="accent1"/>
+          </a:fillRef>
+          <a:effectRef idx="0">
+            <a:schemeClr val="accent1"/>
+          </a:effectRef>
+          <a:fontRef idx="minor">
+            <a:schemeClr val="tx1"/>
+          </a:fontRef>
+        </p:style>
+      </p:cxnSp>
+      <p:cxnSp>
+        <p:nvCxnSpPr>
+          <p:cNvPr id="146" name="Соединительная линия уступом 620">
+            <a:extLst>
+              <a:ext uri="{FF2B5EF4-FFF2-40B4-BE49-F238E27FC236}">
+                <a16:creationId xmlns:a16="http://schemas.microsoft.com/office/drawing/2014/main" id="{9E90BACC-4865-4C86-AE54-52968B7D00FD}"/>
+              </a:ext>
+            </a:extLst>
+          </p:cNvPr>
+          <p:cNvCxnSpPr>
+            <a:cxnSpLocks/>
+            <a:stCxn id="1031" idx="2"/>
+            <a:endCxn id="135" idx="0"/>
+          </p:cNvCxnSpPr>
+          <p:nvPr/>
+        </p:nvCxnSpPr>
+        <p:spPr>
+          <a:xfrm rot="5400000">
+            <a:off x="21623671" y="2442723"/>
+            <a:ext cx="257062" cy="3956707"/>
+          </a:xfrm>
+          <a:prstGeom prst="bentConnector3">
+            <a:avLst>
+              <a:gd name="adj1" fmla="val 50000"/>
+            </a:avLst>
+          </a:prstGeom>
+          <a:ln w="19050">
+            <a:tailEnd type="arrow"/>
+          </a:ln>
+        </p:spPr>
+        <p:style>
+          <a:lnRef idx="1">
+            <a:schemeClr val="accent1"/>
+          </a:lnRef>
+          <a:fillRef idx="0">
+            <a:schemeClr val="accent1"/>
+          </a:fillRef>
+          <a:effectRef idx="0">
+            <a:schemeClr val="accent1"/>
+          </a:effectRef>
+          <a:fontRef idx="minor">
+            <a:schemeClr val="tx1"/>
+          </a:fontRef>
+        </p:style>
+      </p:cxnSp>
+      <p:sp>
+        <p:nvSpPr>
+          <p:cNvPr id="154" name="Прямоугольник 153">
+            <a:extLst>
+              <a:ext uri="{FF2B5EF4-FFF2-40B4-BE49-F238E27FC236}">
+                <a16:creationId xmlns:a16="http://schemas.microsoft.com/office/drawing/2014/main" id="{C1B3CA50-85C2-45DE-BC7A-2A5E537343E7}"/>
+              </a:ext>
+            </a:extLst>
+          </p:cNvPr>
+          <p:cNvSpPr/>
+          <p:nvPr/>
+        </p:nvSpPr>
+        <p:spPr>
+          <a:xfrm>
+            <a:off x="23871903" y="8165622"/>
+            <a:ext cx="926325" cy="540000"/>
+          </a:xfrm>
+          <a:prstGeom prst="rect">
+            <a:avLst/>
+          </a:prstGeom>
+          <a:solidFill>
+            <a:schemeClr val="bg1"/>
+          </a:solidFill>
+          <a:ln w="19050"/>
+        </p:spPr>
+        <p:style>
+          <a:lnRef idx="2">
+            <a:schemeClr val="accent1"/>
+          </a:lnRef>
+          <a:fillRef idx="1">
+            <a:schemeClr val="lt1"/>
+          </a:fillRef>
+          <a:effectRef idx="0">
+            <a:schemeClr val="accent1"/>
+          </a:effectRef>
+          <a:fontRef idx="minor">
+            <a:schemeClr val="dk1"/>
+          </a:fontRef>
+        </p:style>
+        <p:txBody>
+          <a:bodyPr lIns="124733" tIns="62367" rIns="124733" bIns="62367" rtlCol="0" anchor="ctr"/>
+          <a:lstStyle/>
+          <a:p>
+            <a:pPr algn="ctr"/>
+            <a:r>
+              <a:rPr lang="ru-RU" sz="700" dirty="0"/>
+              <a:t>Выборы 1940</a:t>
+            </a:r>
+          </a:p>
+        </p:txBody>
+      </p:sp>
+      <p:sp>
+        <p:nvSpPr>
+          <p:cNvPr id="155" name="Прямоугольник 154">
+            <a:extLst>
+              <a:ext uri="{FF2B5EF4-FFF2-40B4-BE49-F238E27FC236}">
+                <a16:creationId xmlns:a16="http://schemas.microsoft.com/office/drawing/2014/main" id="{68020855-CA49-4B88-BD8D-8E7F1830D1E1}"/>
+              </a:ext>
+            </a:extLst>
+          </p:cNvPr>
+          <p:cNvSpPr/>
+          <p:nvPr/>
+        </p:nvSpPr>
+        <p:spPr>
+          <a:xfrm>
+            <a:off x="21576917" y="5344726"/>
+            <a:ext cx="926325" cy="540000"/>
+          </a:xfrm>
+          <a:prstGeom prst="rect">
+            <a:avLst/>
+          </a:prstGeom>
+          <a:gradFill>
+            <a:gsLst>
+              <a:gs pos="0">
+                <a:schemeClr val="accent1">
+                  <a:lumMod val="60000"/>
+                  <a:lumOff val="40000"/>
+                </a:schemeClr>
+              </a:gs>
+              <a:gs pos="100000">
+                <a:schemeClr val="accent6">
+                  <a:lumMod val="60000"/>
+                  <a:lumOff val="40000"/>
+                </a:schemeClr>
+              </a:gs>
+            </a:gsLst>
+            <a:lin ang="5400000" scaled="1"/>
+          </a:gradFill>
+          <a:ln w="19050"/>
+        </p:spPr>
+        <p:style>
+          <a:lnRef idx="2">
+            <a:schemeClr val="accent1"/>
+          </a:lnRef>
+          <a:fillRef idx="1">
+            <a:schemeClr val="lt1"/>
+          </a:fillRef>
+          <a:effectRef idx="0">
+            <a:schemeClr val="accent1"/>
+          </a:effectRef>
+          <a:fontRef idx="minor">
+            <a:schemeClr val="dk1"/>
+          </a:fontRef>
+        </p:style>
+        <p:txBody>
+          <a:bodyPr lIns="124733" tIns="62367" rIns="124733" bIns="62367" rtlCol="0" anchor="ctr"/>
+          <a:lstStyle/>
+          <a:p>
+            <a:pPr algn="ctr"/>
+            <a:r>
+              <a:rPr lang="ru-RU" sz="700" dirty="0"/>
+              <a:t>Занять нейтральную позицию в Испании</a:t>
+            </a:r>
+          </a:p>
+        </p:txBody>
+      </p:sp>
+      <p:sp>
+        <p:nvSpPr>
+          <p:cNvPr id="156" name="Прямоугольник 155">
+            <a:extLst>
+              <a:ext uri="{FF2B5EF4-FFF2-40B4-BE49-F238E27FC236}">
+                <a16:creationId xmlns:a16="http://schemas.microsoft.com/office/drawing/2014/main" id="{11144716-2BE1-420A-A74D-237112BDF333}"/>
+              </a:ext>
+            </a:extLst>
+          </p:cNvPr>
+          <p:cNvSpPr/>
+          <p:nvPr/>
+        </p:nvSpPr>
+        <p:spPr>
+          <a:xfrm>
+            <a:off x="20443801" y="5344727"/>
+            <a:ext cx="926325" cy="540000"/>
+          </a:xfrm>
+          <a:prstGeom prst="rect">
+            <a:avLst/>
+          </a:prstGeom>
+          <a:gradFill>
+            <a:gsLst>
+              <a:gs pos="0">
+                <a:schemeClr val="accent1">
+                  <a:lumMod val="60000"/>
+                  <a:lumOff val="40000"/>
+                </a:schemeClr>
+              </a:gs>
+              <a:gs pos="100000">
+                <a:srgbClr val="FF0000"/>
+              </a:gs>
+            </a:gsLst>
+            <a:lin ang="5400000" scaled="1"/>
+          </a:gradFill>
+          <a:ln w="19050"/>
+        </p:spPr>
+        <p:style>
+          <a:lnRef idx="2">
+            <a:schemeClr val="accent1"/>
+          </a:lnRef>
+          <a:fillRef idx="1">
+            <a:schemeClr val="lt1"/>
+          </a:fillRef>
+          <a:effectRef idx="0">
+            <a:schemeClr val="accent1"/>
+          </a:effectRef>
+          <a:fontRef idx="minor">
+            <a:schemeClr val="dk1"/>
+          </a:fontRef>
+        </p:style>
+        <p:txBody>
+          <a:bodyPr lIns="124733" tIns="62367" rIns="124733" bIns="62367" rtlCol="0" anchor="ctr"/>
+          <a:lstStyle/>
+          <a:p>
+            <a:pPr algn="ctr"/>
+            <a:r>
+              <a:rPr lang="ru-RU" sz="700" dirty="0"/>
+              <a:t>Помочь Испанской республике</a:t>
+            </a:r>
+          </a:p>
+        </p:txBody>
+      </p:sp>
+      <p:sp>
+        <p:nvSpPr>
+          <p:cNvPr id="166" name="Прямоугольник 165">
+            <a:extLst>
+              <a:ext uri="{FF2B5EF4-FFF2-40B4-BE49-F238E27FC236}">
+                <a16:creationId xmlns:a16="http://schemas.microsoft.com/office/drawing/2014/main" id="{929BA279-E9DA-49CC-9487-A3EF0ED6B008}"/>
+              </a:ext>
+            </a:extLst>
+          </p:cNvPr>
+          <p:cNvSpPr/>
+          <p:nvPr/>
+        </p:nvSpPr>
+        <p:spPr>
+          <a:xfrm>
+            <a:off x="22726920" y="5340843"/>
+            <a:ext cx="926325" cy="540000"/>
+          </a:xfrm>
+          <a:prstGeom prst="rect">
+            <a:avLst/>
+          </a:prstGeom>
+          <a:solidFill>
+            <a:schemeClr val="bg1"/>
+          </a:solidFill>
+          <a:ln w="19050"/>
+        </p:spPr>
+        <p:style>
+          <a:lnRef idx="2">
+            <a:schemeClr val="accent1"/>
+          </a:lnRef>
+          <a:fillRef idx="1">
+            <a:schemeClr val="lt1"/>
+          </a:fillRef>
+          <a:effectRef idx="0">
+            <a:schemeClr val="accent1"/>
+          </a:effectRef>
+          <a:fontRef idx="minor">
+            <a:schemeClr val="dk1"/>
+          </a:fontRef>
+        </p:style>
+        <p:txBody>
+          <a:bodyPr lIns="124733" tIns="62367" rIns="124733" bIns="62367" rtlCol="0" anchor="ctr"/>
+          <a:lstStyle/>
+          <a:p>
+            <a:pPr algn="ctr"/>
+            <a:r>
+              <a:rPr lang="ru-RU" sz="700" dirty="0"/>
+              <a:t>Кабинет Леона Блюма</a:t>
+            </a:r>
+          </a:p>
+        </p:txBody>
+      </p:sp>
+      <p:sp>
+        <p:nvSpPr>
+          <p:cNvPr id="167" name="Прямоугольник 166">
+            <a:extLst>
+              <a:ext uri="{FF2B5EF4-FFF2-40B4-BE49-F238E27FC236}">
+                <a16:creationId xmlns:a16="http://schemas.microsoft.com/office/drawing/2014/main" id="{60D17E70-80EB-4591-AE40-68BEF296B8EA}"/>
+              </a:ext>
+            </a:extLst>
+          </p:cNvPr>
+          <p:cNvSpPr/>
+          <p:nvPr/>
+        </p:nvSpPr>
+        <p:spPr>
+          <a:xfrm>
+            <a:off x="19310685" y="5344727"/>
+            <a:ext cx="926325" cy="540000"/>
+          </a:xfrm>
+          <a:prstGeom prst="rect">
+            <a:avLst/>
+          </a:prstGeom>
+          <a:solidFill>
+            <a:schemeClr val="bg1"/>
+          </a:solidFill>
+          <a:ln w="19050"/>
+        </p:spPr>
+        <p:style>
+          <a:lnRef idx="2">
+            <a:schemeClr val="accent1"/>
+          </a:lnRef>
+          <a:fillRef idx="1">
+            <a:schemeClr val="lt1"/>
+          </a:fillRef>
+          <a:effectRef idx="0">
+            <a:schemeClr val="accent1"/>
+          </a:effectRef>
+          <a:fontRef idx="minor">
+            <a:schemeClr val="dk1"/>
+          </a:fontRef>
+        </p:style>
+        <p:txBody>
+          <a:bodyPr lIns="124733" tIns="62367" rIns="124733" bIns="62367" rtlCol="0" anchor="ctr"/>
+          <a:lstStyle/>
+          <a:p>
+            <a:pPr algn="ctr"/>
+            <a:r>
+              <a:rPr lang="ru-RU" sz="700" dirty="0"/>
+              <a:t>Кабинет Леона Блюма</a:t>
+            </a:r>
+          </a:p>
+        </p:txBody>
+      </p:sp>
+      <p:sp>
+        <p:nvSpPr>
+          <p:cNvPr id="168" name="Прямоугольник 167">
+            <a:extLst>
+              <a:ext uri="{FF2B5EF4-FFF2-40B4-BE49-F238E27FC236}">
+                <a16:creationId xmlns:a16="http://schemas.microsoft.com/office/drawing/2014/main" id="{1D141B85-F4E0-43FB-8151-1DA96BCD550D}"/>
+              </a:ext>
+            </a:extLst>
+          </p:cNvPr>
+          <p:cNvSpPr/>
+          <p:nvPr/>
+        </p:nvSpPr>
+        <p:spPr>
+          <a:xfrm>
+            <a:off x="18172445" y="5344727"/>
+            <a:ext cx="926325" cy="540000"/>
+          </a:xfrm>
+          <a:prstGeom prst="rect">
+            <a:avLst/>
+          </a:prstGeom>
+          <a:solidFill>
+            <a:schemeClr val="bg1"/>
+          </a:solidFill>
+          <a:ln w="19050"/>
+        </p:spPr>
+        <p:style>
+          <a:lnRef idx="2">
+            <a:schemeClr val="accent1"/>
+          </a:lnRef>
+          <a:fillRef idx="1">
+            <a:schemeClr val="lt1"/>
+          </a:fillRef>
+          <a:effectRef idx="0">
+            <a:schemeClr val="accent1"/>
+          </a:effectRef>
+          <a:fontRef idx="minor">
+            <a:schemeClr val="dk1"/>
+          </a:fontRef>
+        </p:style>
+        <p:txBody>
+          <a:bodyPr lIns="124733" tIns="62367" rIns="124733" bIns="62367" rtlCol="0" anchor="ctr"/>
+          <a:lstStyle/>
+          <a:p>
+            <a:pPr algn="ctr"/>
+            <a:r>
+              <a:rPr lang="ru-RU" sz="700" dirty="0"/>
+              <a:t>Кабинет Леона Блюма</a:t>
+            </a:r>
+          </a:p>
+        </p:txBody>
+      </p:sp>
+      <p:sp>
+        <p:nvSpPr>
+          <p:cNvPr id="169" name="Прямоугольник 168">
+            <a:extLst>
+              <a:ext uri="{FF2B5EF4-FFF2-40B4-BE49-F238E27FC236}">
+                <a16:creationId xmlns:a16="http://schemas.microsoft.com/office/drawing/2014/main" id="{99EE9BA4-78C3-4ABA-ADB8-97A3C54AB418}"/>
+              </a:ext>
+            </a:extLst>
+          </p:cNvPr>
+          <p:cNvSpPr/>
+          <p:nvPr/>
+        </p:nvSpPr>
+        <p:spPr>
+          <a:xfrm>
+            <a:off x="17034205" y="5344727"/>
+            <a:ext cx="926325" cy="540000"/>
+          </a:xfrm>
+          <a:prstGeom prst="rect">
+            <a:avLst/>
+          </a:prstGeom>
+          <a:solidFill>
+            <a:schemeClr val="bg1"/>
+          </a:solidFill>
+          <a:ln w="19050"/>
+        </p:spPr>
+        <p:style>
+          <a:lnRef idx="2">
+            <a:schemeClr val="accent1"/>
+          </a:lnRef>
+          <a:fillRef idx="1">
+            <a:schemeClr val="lt1"/>
+          </a:fillRef>
+          <a:effectRef idx="0">
+            <a:schemeClr val="accent1"/>
+          </a:effectRef>
+          <a:fontRef idx="minor">
+            <a:schemeClr val="dk1"/>
+          </a:fontRef>
+        </p:style>
+        <p:txBody>
+          <a:bodyPr lIns="124733" tIns="62367" rIns="124733" bIns="62367" rtlCol="0" anchor="ctr"/>
+          <a:lstStyle/>
+          <a:p>
+            <a:pPr algn="ctr"/>
+            <a:r>
+              <a:rPr lang="ru-RU" sz="700" dirty="0"/>
+              <a:t>Кабинет Леона Блюма</a:t>
+            </a:r>
+          </a:p>
+        </p:txBody>
+      </p:sp>
+      <p:cxnSp>
+        <p:nvCxnSpPr>
+          <p:cNvPr id="173" name="Прямая соединительная линия 172">
+            <a:extLst>
+              <a:ext uri="{FF2B5EF4-FFF2-40B4-BE49-F238E27FC236}">
+                <a16:creationId xmlns:a16="http://schemas.microsoft.com/office/drawing/2014/main" id="{8D85F986-0E48-4C26-A0AB-C1A811E023F4}"/>
+              </a:ext>
+            </a:extLst>
+          </p:cNvPr>
+          <p:cNvCxnSpPr>
+            <a:cxnSpLocks/>
+            <a:stCxn id="156" idx="3"/>
+            <a:endCxn id="155" idx="1"/>
+          </p:cNvCxnSpPr>
+          <p:nvPr/>
+        </p:nvCxnSpPr>
+        <p:spPr>
+          <a:xfrm flipV="1">
+            <a:off x="21370126" y="5614726"/>
+            <a:ext cx="206791" cy="1"/>
+          </a:xfrm>
+          <a:prstGeom prst="line">
+            <a:avLst/>
+          </a:prstGeom>
+          <a:ln w="19050">
+            <a:solidFill>
+              <a:srgbClr val="FF0000"/>
+            </a:solidFill>
+          </a:ln>
+        </p:spPr>
+        <p:style>
+          <a:lnRef idx="1">
+            <a:schemeClr val="accent1"/>
+          </a:lnRef>
+          <a:fillRef idx="0">
+            <a:schemeClr val="accent1"/>
+          </a:fillRef>
+          <a:effectRef idx="0">
+            <a:schemeClr val="accent1"/>
+          </a:effectRef>
+          <a:fontRef idx="minor">
+            <a:schemeClr val="tx1"/>
+          </a:fontRef>
+        </p:style>
+      </p:cxnSp>
+      <p:cxnSp>
+        <p:nvCxnSpPr>
+          <p:cNvPr id="177" name="Соединительная линия уступом 595">
+            <a:extLst>
+              <a:ext uri="{FF2B5EF4-FFF2-40B4-BE49-F238E27FC236}">
+                <a16:creationId xmlns:a16="http://schemas.microsoft.com/office/drawing/2014/main" id="{73E69E05-D0F5-4E8D-A4FD-A8096F962C1D}"/>
+              </a:ext>
+            </a:extLst>
+          </p:cNvPr>
+          <p:cNvCxnSpPr>
+            <a:cxnSpLocks/>
+            <a:stCxn id="136" idx="2"/>
+            <a:endCxn id="156" idx="0"/>
+          </p:cNvCxnSpPr>
+          <p:nvPr/>
+        </p:nvCxnSpPr>
+        <p:spPr>
+          <a:xfrm rot="16200000" flipH="1">
+            <a:off x="18505486" y="2943248"/>
+            <a:ext cx="255119" cy="4547837"/>
+          </a:xfrm>
+          <a:prstGeom prst="bentConnector3">
+            <a:avLst>
+              <a:gd name="adj1" fmla="val 50000"/>
+            </a:avLst>
+          </a:prstGeom>
+          <a:ln w="19050">
+            <a:prstDash val="dash"/>
+            <a:tailEnd type="arrow"/>
+          </a:ln>
+        </p:spPr>
+        <p:style>
+          <a:lnRef idx="1">
+            <a:schemeClr val="accent1"/>
+          </a:lnRef>
+          <a:fillRef idx="0">
+            <a:schemeClr val="accent1"/>
+          </a:fillRef>
+          <a:effectRef idx="0">
+            <a:schemeClr val="accent1"/>
+          </a:effectRef>
+          <a:fontRef idx="minor">
+            <a:schemeClr val="tx1"/>
+          </a:fontRef>
+        </p:style>
+      </p:cxnSp>
+      <p:cxnSp>
+        <p:nvCxnSpPr>
+          <p:cNvPr id="183" name="Соединительная линия уступом 595">
+            <a:extLst>
+              <a:ext uri="{FF2B5EF4-FFF2-40B4-BE49-F238E27FC236}">
+                <a16:creationId xmlns:a16="http://schemas.microsoft.com/office/drawing/2014/main" id="{170DCA97-BB69-4506-BB39-220285B5E466}"/>
+              </a:ext>
+            </a:extLst>
+          </p:cNvPr>
+          <p:cNvCxnSpPr>
+            <a:cxnSpLocks/>
+            <a:stCxn id="135" idx="2"/>
+            <a:endCxn id="156" idx="0"/>
+          </p:cNvCxnSpPr>
+          <p:nvPr/>
+        </p:nvCxnSpPr>
+        <p:spPr>
+          <a:xfrm rot="16200000" flipH="1">
+            <a:off x="20212846" y="4650609"/>
+            <a:ext cx="255120" cy="1133116"/>
+          </a:xfrm>
+          <a:prstGeom prst="bentConnector3">
+            <a:avLst>
+              <a:gd name="adj1" fmla="val 50000"/>
+            </a:avLst>
+          </a:prstGeom>
+          <a:ln w="19050">
+            <a:prstDash val="dash"/>
+            <a:tailEnd type="arrow"/>
+          </a:ln>
+        </p:spPr>
+        <p:style>
+          <a:lnRef idx="1">
+            <a:schemeClr val="accent1"/>
+          </a:lnRef>
+          <a:fillRef idx="0">
+            <a:schemeClr val="accent1"/>
+          </a:fillRef>
+          <a:effectRef idx="0">
+            <a:schemeClr val="accent1"/>
+          </a:effectRef>
+          <a:fontRef idx="minor">
+            <a:schemeClr val="tx1"/>
+          </a:fontRef>
+        </p:style>
+      </p:cxnSp>
+      <p:cxnSp>
+        <p:nvCxnSpPr>
+          <p:cNvPr id="186" name="Соединительная линия уступом 595">
+            <a:extLst>
+              <a:ext uri="{FF2B5EF4-FFF2-40B4-BE49-F238E27FC236}">
+                <a16:creationId xmlns:a16="http://schemas.microsoft.com/office/drawing/2014/main" id="{C3448E77-E4C9-4A92-B8FE-9086C929B34A}"/>
+              </a:ext>
+            </a:extLst>
+          </p:cNvPr>
+          <p:cNvCxnSpPr>
+            <a:cxnSpLocks/>
+            <a:stCxn id="133" idx="2"/>
+            <a:endCxn id="155" idx="0"/>
+          </p:cNvCxnSpPr>
+          <p:nvPr/>
+        </p:nvCxnSpPr>
+        <p:spPr>
+          <a:xfrm rot="5400000">
+            <a:off x="22486764" y="4642923"/>
+            <a:ext cx="255119" cy="1148486"/>
+          </a:xfrm>
+          <a:prstGeom prst="bentConnector3">
+            <a:avLst>
+              <a:gd name="adj1" fmla="val 50000"/>
+            </a:avLst>
+          </a:prstGeom>
+          <a:ln w="19050">
+            <a:prstDash val="dash"/>
+            <a:tailEnd type="arrow"/>
+          </a:ln>
+        </p:spPr>
+        <p:style>
+          <a:lnRef idx="1">
+            <a:schemeClr val="accent1"/>
+          </a:lnRef>
+          <a:fillRef idx="0">
+            <a:schemeClr val="accent1"/>
+          </a:fillRef>
+          <a:effectRef idx="0">
+            <a:schemeClr val="accent1"/>
+          </a:effectRef>
+          <a:fontRef idx="minor">
+            <a:schemeClr val="tx1"/>
+          </a:fontRef>
+        </p:style>
+      </p:cxnSp>
+      <p:cxnSp>
+        <p:nvCxnSpPr>
+          <p:cNvPr id="189" name="Соединительная линия уступом 595">
+            <a:extLst>
+              <a:ext uri="{FF2B5EF4-FFF2-40B4-BE49-F238E27FC236}">
+                <a16:creationId xmlns:a16="http://schemas.microsoft.com/office/drawing/2014/main" id="{CEC102EA-C5AB-44F2-97D4-7F8FD6943395}"/>
+              </a:ext>
+            </a:extLst>
+          </p:cNvPr>
+          <p:cNvCxnSpPr>
+            <a:cxnSpLocks/>
+            <a:stCxn id="135" idx="2"/>
+            <a:endCxn id="155" idx="0"/>
+          </p:cNvCxnSpPr>
+          <p:nvPr/>
+        </p:nvCxnSpPr>
+        <p:spPr>
+          <a:xfrm rot="16200000" flipH="1">
+            <a:off x="20779405" y="4084050"/>
+            <a:ext cx="255119" cy="2266232"/>
+          </a:xfrm>
+          <a:prstGeom prst="bentConnector3">
+            <a:avLst>
+              <a:gd name="adj1" fmla="val 50000"/>
+            </a:avLst>
+          </a:prstGeom>
+          <a:ln w="19050">
+            <a:prstDash val="dash"/>
+            <a:tailEnd type="arrow"/>
+          </a:ln>
+        </p:spPr>
+        <p:style>
+          <a:lnRef idx="1">
+            <a:schemeClr val="accent1"/>
+          </a:lnRef>
+          <a:fillRef idx="0">
+            <a:schemeClr val="accent1"/>
+          </a:fillRef>
+          <a:effectRef idx="0">
+            <a:schemeClr val="accent1"/>
+          </a:effectRef>
+          <a:fontRef idx="minor">
+            <a:schemeClr val="tx1"/>
+          </a:fontRef>
+        </p:style>
+      </p:cxnSp>
+      <p:cxnSp>
+        <p:nvCxnSpPr>
+          <p:cNvPr id="192" name="Прямая со стрелкой 191">
+            <a:extLst>
+              <a:ext uri="{FF2B5EF4-FFF2-40B4-BE49-F238E27FC236}">
+                <a16:creationId xmlns:a16="http://schemas.microsoft.com/office/drawing/2014/main" id="{71F73AE7-BA57-41B1-892E-BBD073BECB02}"/>
+              </a:ext>
+            </a:extLst>
+          </p:cNvPr>
+          <p:cNvCxnSpPr>
+            <a:cxnSpLocks/>
+            <a:stCxn id="1032" idx="2"/>
+            <a:endCxn id="134" idx="0"/>
+          </p:cNvCxnSpPr>
+          <p:nvPr/>
+        </p:nvCxnSpPr>
+        <p:spPr>
+          <a:xfrm>
+            <a:off x="26027723" y="4294487"/>
+            <a:ext cx="0" cy="255120"/>
+          </a:xfrm>
+          <a:prstGeom prst="straightConnector1">
+            <a:avLst/>
+          </a:prstGeom>
+          <a:ln w="19050">
+            <a:tailEnd type="arrow"/>
+          </a:ln>
+        </p:spPr>
+        <p:style>
+          <a:lnRef idx="1">
+            <a:schemeClr val="accent1"/>
+          </a:lnRef>
+          <a:fillRef idx="0">
+            <a:schemeClr val="accent1"/>
+          </a:fillRef>
+          <a:effectRef idx="0">
+            <a:schemeClr val="accent1"/>
+          </a:effectRef>
+          <a:fontRef idx="minor">
+            <a:schemeClr val="tx1"/>
+          </a:fontRef>
+        </p:style>
+      </p:cxnSp>
+      <p:sp>
+        <p:nvSpPr>
+          <p:cNvPr id="195" name="Прямоугольник 194">
+            <a:extLst>
+              <a:ext uri="{FF2B5EF4-FFF2-40B4-BE49-F238E27FC236}">
+                <a16:creationId xmlns:a16="http://schemas.microsoft.com/office/drawing/2014/main" id="{4ED83002-387E-457B-9EA9-6718AE9CC6D4}"/>
+              </a:ext>
+            </a:extLst>
+          </p:cNvPr>
+          <p:cNvSpPr/>
+          <p:nvPr/>
+        </p:nvSpPr>
+        <p:spPr>
+          <a:xfrm>
+            <a:off x="14757721" y="5340843"/>
+            <a:ext cx="926325" cy="540000"/>
+          </a:xfrm>
+          <a:prstGeom prst="rect">
+            <a:avLst/>
+          </a:prstGeom>
+          <a:solidFill>
+            <a:srgbClr val="FF0000"/>
+          </a:solidFill>
+          <a:ln w="19050"/>
+        </p:spPr>
+        <p:style>
+          <a:lnRef idx="2">
+            <a:schemeClr val="accent1"/>
+          </a:lnRef>
+          <a:fillRef idx="1">
+            <a:schemeClr val="lt1"/>
+          </a:fillRef>
+          <a:effectRef idx="0">
+            <a:schemeClr val="accent1"/>
+          </a:effectRef>
+          <a:fontRef idx="minor">
+            <a:schemeClr val="dk1"/>
+          </a:fontRef>
+        </p:style>
+        <p:txBody>
+          <a:bodyPr lIns="124733" tIns="62367" rIns="124733" bIns="62367" rtlCol="0" anchor="ctr"/>
+          <a:lstStyle/>
+          <a:p>
+            <a:pPr algn="ctr"/>
+            <a:r>
+              <a:rPr lang="ru-RU" sz="700" dirty="0"/>
+              <a:t>Культ личности </a:t>
+            </a:r>
+            <a:r>
+              <a:rPr lang="ru-RU" sz="700" dirty="0" err="1"/>
+              <a:t>Мореса</a:t>
+            </a:r>
+            <a:r>
+              <a:rPr lang="ru-RU" sz="700" dirty="0"/>
+              <a:t> </a:t>
+            </a:r>
+            <a:r>
+              <a:rPr lang="ru-RU" sz="100" dirty="0"/>
+              <a:t>(Именно в это время Торез, следуя примеру Сталина в СССР, установил внутри партии определенный культ своей личности. Действительно, Торез очень восхищается Сталиным. Для укрепления своего личного имиджа он опубликовал в 1937 году автобиографию « Сын народа », которая должна была, по предложению Поля </a:t>
+            </a:r>
+            <a:r>
+              <a:rPr lang="ru-RU" sz="100" dirty="0" err="1"/>
+              <a:t>Вайан</a:t>
+            </a:r>
+            <a:r>
+              <a:rPr lang="ru-RU" sz="100" dirty="0"/>
+              <a:t>-Кутюрье , воплотить историю французского коммунизма [ 3 ] . Книга была написана с помощью Жана </a:t>
+            </a:r>
+            <a:r>
+              <a:rPr lang="ru-RU" sz="100" dirty="0" err="1"/>
+              <a:t>Фревиля</a:t>
+            </a:r>
+            <a:r>
+              <a:rPr lang="ru-RU" sz="100" dirty="0"/>
+              <a:t> [ 2 ] , который вставил в рассказ отрывок, где инициалы слов образовывали предложение «</a:t>
+            </a:r>
+            <a:r>
+              <a:rPr lang="ru-RU" sz="100" dirty="0" err="1"/>
+              <a:t>Фревиль</a:t>
+            </a:r>
+            <a:r>
+              <a:rPr lang="ru-RU" sz="100" dirty="0"/>
+              <a:t> написал эту книгу». Этот отрывок, присутствующий на страницах 36-37 первого издания, будет удален в последующих изданиях [ 9 ] . Публикация книги сопровождалась обширной рекламной кампанией, стоимость которой оценивалась в 180 000 франков, или от трети до половины ежегодных рекламных расходов </a:t>
+            </a:r>
+            <a:r>
+              <a:rPr lang="ru-RU" sz="100" dirty="0" err="1"/>
+              <a:t>Éditions</a:t>
+            </a:r>
+            <a:r>
+              <a:rPr lang="ru-RU" sz="100" dirty="0"/>
+              <a:t> </a:t>
+            </a:r>
+            <a:r>
+              <a:rPr lang="ru-RU" sz="100" dirty="0" err="1"/>
+              <a:t>Sociales</a:t>
+            </a:r>
+            <a:r>
+              <a:rPr lang="ru-RU" sz="100" dirty="0"/>
+              <a:t> [ 10 ] . В некоммунистической прессе были опубликованы вставки, а в 1937 году был снят рекламный фильм продолжительностью 5 минут, в котором Морис Торез и Жаннет </a:t>
+            </a:r>
+            <a:r>
+              <a:rPr lang="ru-RU" sz="100" dirty="0" err="1"/>
+              <a:t>Вермеерш</a:t>
+            </a:r>
+            <a:r>
+              <a:rPr lang="ru-RU" sz="100" dirty="0"/>
+              <a:t> были сняты у себя дома . ее директором был Жан Ренуар , тогда близкий к Коммунистической партии и крестный отец первого сына четы Торез [ 11 ] .Популярность Тореза тогда достигла наивысшего уровня. ТО24 июня 1937 </a:t>
+            </a:r>
+            <a:r>
+              <a:rPr lang="ru-RU" sz="100" dirty="0" err="1"/>
+              <a:t>г.Мы</a:t>
+            </a:r>
+            <a:r>
+              <a:rPr lang="ru-RU" sz="100" dirty="0"/>
+              <a:t> услышали, как демонстранты скандировали «Пляс де ля Нация»: «Торез к власти».)</a:t>
+            </a:r>
+            <a:endParaRPr lang="ru-RU" sz="700" dirty="0"/>
+          </a:p>
+        </p:txBody>
+      </p:sp>
+      <p:sp>
+        <p:nvSpPr>
+          <p:cNvPr id="196" name="Прямоугольник 195">
+            <a:extLst>
+              <a:ext uri="{FF2B5EF4-FFF2-40B4-BE49-F238E27FC236}">
+                <a16:creationId xmlns:a16="http://schemas.microsoft.com/office/drawing/2014/main" id="{4005884C-3B92-4BEE-969B-B3032927502E}"/>
+              </a:ext>
+            </a:extLst>
+          </p:cNvPr>
+          <p:cNvSpPr/>
+          <p:nvPr/>
+        </p:nvSpPr>
+        <p:spPr>
+          <a:xfrm>
+            <a:off x="15895963" y="5340843"/>
+            <a:ext cx="926325" cy="540000"/>
+          </a:xfrm>
+          <a:prstGeom prst="rect">
+            <a:avLst/>
+          </a:prstGeom>
+          <a:solidFill>
+            <a:srgbClr val="FF0000"/>
+          </a:solidFill>
+          <a:ln w="19050"/>
+        </p:spPr>
+        <p:style>
+          <a:lnRef idx="2">
+            <a:schemeClr val="accent1"/>
+          </a:lnRef>
+          <a:fillRef idx="1">
+            <a:schemeClr val="lt1"/>
+          </a:fillRef>
+          <a:effectRef idx="0">
+            <a:schemeClr val="accent1"/>
+          </a:effectRef>
+          <a:fontRef idx="minor">
+            <a:schemeClr val="dk1"/>
+          </a:fontRef>
+        </p:style>
+        <p:txBody>
+          <a:bodyPr lIns="124733" tIns="62367" rIns="124733" bIns="62367" rtlCol="0" anchor="ctr"/>
+          <a:lstStyle/>
+          <a:p>
+            <a:pPr algn="ctr"/>
+            <a:r>
+              <a:rPr lang="ru-RU" sz="700" dirty="0"/>
+              <a:t>Французский фронт</a:t>
+            </a:r>
+          </a:p>
+          <a:p>
+            <a:pPr algn="ctr"/>
+            <a:r>
+              <a:rPr lang="ru-RU" sz="200" dirty="0"/>
+              <a:t>(В августе 1936 </a:t>
+            </a:r>
+            <a:r>
+              <a:rPr lang="ru-RU" sz="200" dirty="0" err="1"/>
+              <a:t>г.Он</a:t>
+            </a:r>
+            <a:r>
+              <a:rPr lang="ru-RU" sz="200" dirty="0"/>
+              <a:t> предложил расширить Народный фронт вправо , создав на основе антифашизма «Французский фронт». Это не мешает Коммунистической партии осуждать невмешательство в дела Испании и вкладывать огромные средства в поддержку республиканской Испании.)</a:t>
+            </a:r>
+            <a:endParaRPr lang="ru-RU" sz="700" dirty="0"/>
+          </a:p>
+        </p:txBody>
+      </p:sp>
+      <p:sp>
+        <p:nvSpPr>
+          <p:cNvPr id="197" name="Прямоугольник 196">
+            <a:extLst>
+              <a:ext uri="{FF2B5EF4-FFF2-40B4-BE49-F238E27FC236}">
+                <a16:creationId xmlns:a16="http://schemas.microsoft.com/office/drawing/2014/main" id="{6291D9D2-50CB-491A-B4D5-B10C6DC9544D}"/>
+              </a:ext>
+            </a:extLst>
+          </p:cNvPr>
+          <p:cNvSpPr/>
+          <p:nvPr/>
+        </p:nvSpPr>
+        <p:spPr>
+          <a:xfrm>
+            <a:off x="30678653" y="2959367"/>
+            <a:ext cx="926325" cy="540000"/>
+          </a:xfrm>
+          <a:prstGeom prst="rect">
+            <a:avLst/>
+          </a:prstGeom>
+          <a:solidFill>
+            <a:srgbClr val="7030A0"/>
+          </a:solidFill>
+          <a:ln w="19050"/>
+        </p:spPr>
+        <p:style>
+          <a:lnRef idx="2">
+            <a:schemeClr val="accent1"/>
+          </a:lnRef>
+          <a:fillRef idx="1">
+            <a:schemeClr val="lt1"/>
+          </a:fillRef>
+          <a:effectRef idx="0">
+            <a:schemeClr val="accent1"/>
+          </a:effectRef>
+          <a:fontRef idx="minor">
+            <a:schemeClr val="dk1"/>
+          </a:fontRef>
+        </p:style>
+        <p:txBody>
+          <a:bodyPr lIns="124733" tIns="62367" rIns="124733" bIns="62367" rtlCol="0" anchor="ctr"/>
+          <a:lstStyle/>
+          <a:p>
+            <a:pPr algn="ctr"/>
+            <a:r>
+              <a:rPr lang="ru-RU" sz="700" dirty="0"/>
+              <a:t>Реакция </a:t>
+            </a:r>
+            <a:r>
+              <a:rPr lang="ru-RU" sz="700" dirty="0" err="1"/>
+              <a:t>Аксьон</a:t>
+            </a:r>
+            <a:r>
+              <a:rPr lang="ru-RU" sz="700" dirty="0"/>
+              <a:t> </a:t>
+            </a:r>
+            <a:r>
+              <a:rPr lang="ru-RU" sz="700" dirty="0" err="1"/>
+              <a:t>Франсез</a:t>
+            </a:r>
+            <a:endParaRPr lang="ru-RU" sz="700" dirty="0"/>
+          </a:p>
+        </p:txBody>
+      </p:sp>
+      <p:cxnSp>
+        <p:nvCxnSpPr>
+          <p:cNvPr id="198" name="Прямая соединительная линия 197">
+            <a:extLst>
+              <a:ext uri="{FF2B5EF4-FFF2-40B4-BE49-F238E27FC236}">
+                <a16:creationId xmlns:a16="http://schemas.microsoft.com/office/drawing/2014/main" id="{9783EA16-A147-4CEC-A184-C370ACCE0BDD}"/>
+              </a:ext>
+            </a:extLst>
+          </p:cNvPr>
+          <p:cNvCxnSpPr>
+            <a:cxnSpLocks/>
+            <a:stCxn id="1030" idx="3"/>
+            <a:endCxn id="197" idx="1"/>
+          </p:cNvCxnSpPr>
+          <p:nvPr/>
+        </p:nvCxnSpPr>
+        <p:spPr>
+          <a:xfrm>
+            <a:off x="25353146" y="3229367"/>
+            <a:ext cx="5325507" cy="0"/>
+          </a:xfrm>
+          <a:prstGeom prst="line">
+            <a:avLst/>
+          </a:prstGeom>
+          <a:ln w="19050">
+            <a:solidFill>
+              <a:srgbClr val="FF0000"/>
+            </a:solidFill>
+          </a:ln>
+        </p:spPr>
+        <p:style>
+          <a:lnRef idx="1">
+            <a:schemeClr val="accent1"/>
+          </a:lnRef>
+          <a:fillRef idx="0">
+            <a:schemeClr val="accent1"/>
+          </a:fillRef>
+          <a:effectRef idx="0">
+            <a:schemeClr val="accent1"/>
+          </a:effectRef>
+          <a:fontRef idx="minor">
+            <a:schemeClr val="tx1"/>
+          </a:fontRef>
+        </p:style>
+      </p:cxnSp>
+      <p:sp>
+        <p:nvSpPr>
+          <p:cNvPr id="201" name="Прямоугольник 200">
+            <a:extLst>
+              <a:ext uri="{FF2B5EF4-FFF2-40B4-BE49-F238E27FC236}">
+                <a16:creationId xmlns:a16="http://schemas.microsoft.com/office/drawing/2014/main" id="{F5D1AB46-7F7F-4271-A9D5-FB8F4258C30A}"/>
+              </a:ext>
+            </a:extLst>
+          </p:cNvPr>
+          <p:cNvSpPr/>
+          <p:nvPr/>
+        </p:nvSpPr>
+        <p:spPr>
+          <a:xfrm>
+            <a:off x="25010142" y="8165622"/>
+            <a:ext cx="926325" cy="540000"/>
+          </a:xfrm>
+          <a:prstGeom prst="rect">
+            <a:avLst/>
+          </a:prstGeom>
+          <a:solidFill>
+            <a:schemeClr val="accent2">
+              <a:lumMod val="75000"/>
+            </a:schemeClr>
+          </a:solidFill>
+          <a:ln w="19050"/>
+        </p:spPr>
+        <p:style>
+          <a:lnRef idx="2">
+            <a:schemeClr val="accent1"/>
+          </a:lnRef>
+          <a:fillRef idx="1">
+            <a:schemeClr val="lt1"/>
+          </a:fillRef>
+          <a:effectRef idx="0">
+            <a:schemeClr val="accent1"/>
+          </a:effectRef>
+          <a:fontRef idx="minor">
+            <a:schemeClr val="dk1"/>
+          </a:fontRef>
+        </p:style>
+        <p:txBody>
+          <a:bodyPr lIns="124733" tIns="62367" rIns="124733" bIns="62367" rtlCol="0" anchor="ctr"/>
+          <a:lstStyle/>
+          <a:p>
+            <a:pPr algn="ctr"/>
+            <a:r>
+              <a:rPr lang="ru-RU" sz="700" dirty="0"/>
+              <a:t>Реакция Популярного фронта</a:t>
+            </a:r>
+          </a:p>
+        </p:txBody>
+      </p:sp>
+      <p:sp>
+        <p:nvSpPr>
+          <p:cNvPr id="202" name="Прямоугольник 201">
+            <a:extLst>
+              <a:ext uri="{FF2B5EF4-FFF2-40B4-BE49-F238E27FC236}">
+                <a16:creationId xmlns:a16="http://schemas.microsoft.com/office/drawing/2014/main" id="{1CA56B37-EC7F-410D-8B4E-2F669E88A915}"/>
+              </a:ext>
+            </a:extLst>
+          </p:cNvPr>
+          <p:cNvSpPr/>
+          <p:nvPr/>
+        </p:nvSpPr>
+        <p:spPr>
+          <a:xfrm>
+            <a:off x="26140121" y="5344727"/>
+            <a:ext cx="926325" cy="540000"/>
+          </a:xfrm>
+          <a:prstGeom prst="rect">
+            <a:avLst/>
+          </a:prstGeom>
+          <a:solidFill>
+            <a:schemeClr val="bg1"/>
+          </a:solidFill>
+          <a:ln w="19050"/>
+        </p:spPr>
+        <p:style>
+          <a:lnRef idx="2">
+            <a:schemeClr val="accent1"/>
+          </a:lnRef>
+          <a:fillRef idx="1">
+            <a:schemeClr val="lt1"/>
+          </a:fillRef>
+          <a:effectRef idx="0">
+            <a:schemeClr val="accent1"/>
+          </a:effectRef>
+          <a:fontRef idx="minor">
+            <a:schemeClr val="dk1"/>
+          </a:fontRef>
+        </p:style>
+        <p:txBody>
+          <a:bodyPr lIns="124733" tIns="62367" rIns="124733" bIns="62367" rtlCol="0" anchor="ctr"/>
+          <a:lstStyle/>
+          <a:p>
+            <a:pPr algn="ctr"/>
+            <a:r>
+              <a:rPr lang="ru-RU" sz="700" dirty="0"/>
+              <a:t>Кабинет Луи Марина</a:t>
+            </a:r>
+          </a:p>
+        </p:txBody>
+      </p:sp>
+      <p:sp>
+        <p:nvSpPr>
+          <p:cNvPr id="203" name="Прямоугольник 202">
+            <a:extLst>
+              <a:ext uri="{FF2B5EF4-FFF2-40B4-BE49-F238E27FC236}">
+                <a16:creationId xmlns:a16="http://schemas.microsoft.com/office/drawing/2014/main" id="{CE30C686-C927-40F7-BD6B-E9858E0C070E}"/>
+              </a:ext>
+            </a:extLst>
+          </p:cNvPr>
+          <p:cNvSpPr/>
+          <p:nvPr/>
+        </p:nvSpPr>
+        <p:spPr>
+          <a:xfrm>
+            <a:off x="27274754" y="5344727"/>
+            <a:ext cx="926325" cy="540000"/>
+          </a:xfrm>
+          <a:prstGeom prst="rect">
+            <a:avLst/>
+          </a:prstGeom>
+          <a:solidFill>
+            <a:schemeClr val="bg1"/>
+          </a:solidFill>
+          <a:ln w="19050"/>
+        </p:spPr>
+        <p:style>
+          <a:lnRef idx="2">
+            <a:schemeClr val="accent1"/>
+          </a:lnRef>
+          <a:fillRef idx="1">
+            <a:schemeClr val="lt1"/>
+          </a:fillRef>
+          <a:effectRef idx="0">
+            <a:schemeClr val="accent1"/>
+          </a:effectRef>
+          <a:fontRef idx="minor">
+            <a:schemeClr val="dk1"/>
+          </a:fontRef>
+        </p:style>
+        <p:txBody>
+          <a:bodyPr lIns="124733" tIns="62367" rIns="124733" bIns="62367" rtlCol="0" anchor="ctr"/>
+          <a:lstStyle/>
+          <a:p>
+            <a:pPr algn="ctr"/>
+            <a:r>
+              <a:rPr lang="ru-RU" sz="700" dirty="0"/>
+              <a:t>Кабинет Луи Марина</a:t>
+            </a:r>
+          </a:p>
+        </p:txBody>
+      </p:sp>
+      <p:sp>
+        <p:nvSpPr>
+          <p:cNvPr id="204" name="Прямоугольник 203">
+            <a:extLst>
+              <a:ext uri="{FF2B5EF4-FFF2-40B4-BE49-F238E27FC236}">
+                <a16:creationId xmlns:a16="http://schemas.microsoft.com/office/drawing/2014/main" id="{1F824EAC-5677-414F-BFD3-64DD55F14E47}"/>
+              </a:ext>
+            </a:extLst>
+          </p:cNvPr>
+          <p:cNvSpPr/>
+          <p:nvPr/>
+        </p:nvSpPr>
+        <p:spPr>
+          <a:xfrm>
+            <a:off x="28409387" y="5344727"/>
+            <a:ext cx="926325" cy="540000"/>
+          </a:xfrm>
+          <a:prstGeom prst="rect">
+            <a:avLst/>
+          </a:prstGeom>
+          <a:solidFill>
+            <a:schemeClr val="bg1"/>
+          </a:solidFill>
+          <a:ln w="19050"/>
+        </p:spPr>
+        <p:style>
+          <a:lnRef idx="2">
+            <a:schemeClr val="accent1"/>
+          </a:lnRef>
+          <a:fillRef idx="1">
+            <a:schemeClr val="lt1"/>
+          </a:fillRef>
+          <a:effectRef idx="0">
+            <a:schemeClr val="accent1"/>
+          </a:effectRef>
+          <a:fontRef idx="minor">
+            <a:schemeClr val="dk1"/>
+          </a:fontRef>
+        </p:style>
+        <p:txBody>
+          <a:bodyPr lIns="124733" tIns="62367" rIns="124733" bIns="62367" rtlCol="0" anchor="ctr"/>
+          <a:lstStyle/>
+          <a:p>
+            <a:pPr algn="ctr"/>
+            <a:r>
+              <a:rPr lang="ru-RU" sz="700" dirty="0"/>
+              <a:t>Кабинет Луи Марина</a:t>
+            </a:r>
+          </a:p>
+        </p:txBody>
+      </p:sp>
+      <p:sp>
+        <p:nvSpPr>
+          <p:cNvPr id="205" name="Прямоугольник 204">
+            <a:extLst>
+              <a:ext uri="{FF2B5EF4-FFF2-40B4-BE49-F238E27FC236}">
+                <a16:creationId xmlns:a16="http://schemas.microsoft.com/office/drawing/2014/main" id="{993609C2-914E-48AF-B0B0-7B5A808DD526}"/>
+              </a:ext>
+            </a:extLst>
+          </p:cNvPr>
+          <p:cNvSpPr/>
+          <p:nvPr/>
+        </p:nvSpPr>
+        <p:spPr>
+          <a:xfrm>
+            <a:off x="29544020" y="5344727"/>
+            <a:ext cx="926325" cy="540000"/>
+          </a:xfrm>
+          <a:prstGeom prst="rect">
+            <a:avLst/>
+          </a:prstGeom>
+          <a:solidFill>
+            <a:schemeClr val="bg1"/>
+          </a:solidFill>
+          <a:ln w="19050"/>
+        </p:spPr>
+        <p:style>
+          <a:lnRef idx="2">
+            <a:schemeClr val="accent1"/>
+          </a:lnRef>
+          <a:fillRef idx="1">
+            <a:schemeClr val="lt1"/>
+          </a:fillRef>
+          <a:effectRef idx="0">
+            <a:schemeClr val="accent1"/>
+          </a:effectRef>
+          <a:fontRef idx="minor">
+            <a:schemeClr val="dk1"/>
+          </a:fontRef>
+        </p:style>
+        <p:txBody>
+          <a:bodyPr lIns="124733" tIns="62367" rIns="124733" bIns="62367" rtlCol="0" anchor="ctr"/>
+          <a:lstStyle/>
+          <a:p>
+            <a:pPr algn="ctr"/>
+            <a:r>
+              <a:rPr lang="ru-RU" sz="700" dirty="0"/>
+              <a:t>Кабинет Луи Марина</a:t>
+            </a:r>
+          </a:p>
+        </p:txBody>
+      </p:sp>
+      <p:sp>
+        <p:nvSpPr>
+          <p:cNvPr id="206" name="Прямоугольник 205">
+            <a:extLst>
+              <a:ext uri="{FF2B5EF4-FFF2-40B4-BE49-F238E27FC236}">
+                <a16:creationId xmlns:a16="http://schemas.microsoft.com/office/drawing/2014/main" id="{06932679-9A8D-4D9E-B2A2-0C069694885B}"/>
+              </a:ext>
+            </a:extLst>
+          </p:cNvPr>
+          <p:cNvSpPr/>
+          <p:nvPr/>
+        </p:nvSpPr>
+        <p:spPr>
+          <a:xfrm>
+            <a:off x="30678653" y="5344727"/>
+            <a:ext cx="926325" cy="540000"/>
+          </a:xfrm>
+          <a:prstGeom prst="rect">
+            <a:avLst/>
+          </a:prstGeom>
+          <a:solidFill>
+            <a:schemeClr val="bg1"/>
+          </a:solidFill>
+          <a:ln w="19050"/>
+        </p:spPr>
+        <p:style>
+          <a:lnRef idx="2">
+            <a:schemeClr val="accent1"/>
+          </a:lnRef>
+          <a:fillRef idx="1">
+            <a:schemeClr val="lt1"/>
+          </a:fillRef>
+          <a:effectRef idx="0">
+            <a:schemeClr val="accent1"/>
+          </a:effectRef>
+          <a:fontRef idx="minor">
+            <a:schemeClr val="dk1"/>
+          </a:fontRef>
+        </p:style>
+        <p:txBody>
+          <a:bodyPr lIns="124733" tIns="62367" rIns="124733" bIns="62367" rtlCol="0" anchor="ctr"/>
+          <a:lstStyle/>
+          <a:p>
+            <a:pPr algn="ctr"/>
+            <a:r>
+              <a:rPr lang="ru-RU" sz="700" dirty="0"/>
+              <a:t>Кабинет Луи Марина</a:t>
+            </a:r>
+          </a:p>
+        </p:txBody>
+      </p:sp>
+      <p:cxnSp>
+        <p:nvCxnSpPr>
+          <p:cNvPr id="235" name="Соединительная линия уступом 620">
+            <a:extLst>
+              <a:ext uri="{FF2B5EF4-FFF2-40B4-BE49-F238E27FC236}">
+                <a16:creationId xmlns:a16="http://schemas.microsoft.com/office/drawing/2014/main" id="{AA93CFFD-71AF-4A74-94E0-16397668E4E2}"/>
+              </a:ext>
+            </a:extLst>
+          </p:cNvPr>
+          <p:cNvCxnSpPr>
+            <a:cxnSpLocks/>
+            <a:stCxn id="1031" idx="2"/>
+            <a:endCxn id="133" idx="0"/>
+          </p:cNvCxnSpPr>
+          <p:nvPr/>
+        </p:nvCxnSpPr>
+        <p:spPr>
+          <a:xfrm rot="5400000">
+            <a:off x="23331030" y="4150082"/>
+            <a:ext cx="257062" cy="541989"/>
+          </a:xfrm>
+          <a:prstGeom prst="bentConnector3">
+            <a:avLst>
+              <a:gd name="adj1" fmla="val 50000"/>
+            </a:avLst>
+          </a:prstGeom>
+          <a:ln w="19050">
+            <a:tailEnd type="arrow"/>
+          </a:ln>
+        </p:spPr>
+        <p:style>
+          <a:lnRef idx="1">
+            <a:schemeClr val="accent1"/>
+          </a:lnRef>
+          <a:fillRef idx="0">
+            <a:schemeClr val="accent1"/>
+          </a:fillRef>
+          <a:effectRef idx="0">
+            <a:schemeClr val="accent1"/>
+          </a:effectRef>
+          <a:fontRef idx="minor">
+            <a:schemeClr val="tx1"/>
+          </a:fontRef>
+        </p:style>
+      </p:cxnSp>
+      <p:cxnSp>
+        <p:nvCxnSpPr>
+          <p:cNvPr id="239" name="Соединительная линия уступом 620">
+            <a:extLst>
+              <a:ext uri="{FF2B5EF4-FFF2-40B4-BE49-F238E27FC236}">
+                <a16:creationId xmlns:a16="http://schemas.microsoft.com/office/drawing/2014/main" id="{923D5A76-F2BD-4F08-B620-1BC8C437B4ED}"/>
+              </a:ext>
+            </a:extLst>
+          </p:cNvPr>
+          <p:cNvCxnSpPr>
+            <a:cxnSpLocks/>
+            <a:stCxn id="1030" idx="2"/>
+            <a:endCxn id="154" idx="0"/>
+          </p:cNvCxnSpPr>
+          <p:nvPr/>
+        </p:nvCxnSpPr>
+        <p:spPr>
+          <a:xfrm rot="5400000">
+            <a:off x="22279398" y="5555035"/>
+            <a:ext cx="4666255" cy="554918"/>
+          </a:xfrm>
+          <a:prstGeom prst="bentConnector3">
+            <a:avLst>
+              <a:gd name="adj1" fmla="val 2739"/>
+            </a:avLst>
+          </a:prstGeom>
+          <a:ln w="19050">
+            <a:tailEnd type="arrow"/>
+          </a:ln>
+        </p:spPr>
+        <p:style>
+          <a:lnRef idx="1">
+            <a:schemeClr val="accent1"/>
+          </a:lnRef>
+          <a:fillRef idx="0">
+            <a:schemeClr val="accent1"/>
+          </a:fillRef>
+          <a:effectRef idx="0">
+            <a:schemeClr val="accent1"/>
+          </a:effectRef>
+          <a:fontRef idx="minor">
+            <a:schemeClr val="tx1"/>
+          </a:fontRef>
+        </p:style>
+      </p:cxnSp>
+      <p:cxnSp>
+        <p:nvCxnSpPr>
+          <p:cNvPr id="245" name="Соединительная линия уступом 620">
+            <a:extLst>
+              <a:ext uri="{FF2B5EF4-FFF2-40B4-BE49-F238E27FC236}">
+                <a16:creationId xmlns:a16="http://schemas.microsoft.com/office/drawing/2014/main" id="{80425934-B310-42E1-AB3E-D1110041F467}"/>
+              </a:ext>
+            </a:extLst>
+          </p:cNvPr>
+          <p:cNvCxnSpPr>
+            <a:cxnSpLocks/>
+            <a:stCxn id="1030" idx="2"/>
+            <a:endCxn id="201" idx="0"/>
+          </p:cNvCxnSpPr>
+          <p:nvPr/>
+        </p:nvCxnSpPr>
+        <p:spPr>
+          <a:xfrm rot="16200000" flipH="1">
+            <a:off x="22848517" y="5540833"/>
+            <a:ext cx="4666255" cy="583321"/>
+          </a:xfrm>
+          <a:prstGeom prst="bentConnector3">
+            <a:avLst>
+              <a:gd name="adj1" fmla="val 2739"/>
+            </a:avLst>
+          </a:prstGeom>
+          <a:ln w="19050">
+            <a:tailEnd type="arrow"/>
+          </a:ln>
+        </p:spPr>
+        <p:style>
+          <a:lnRef idx="1">
+            <a:schemeClr val="accent1"/>
+          </a:lnRef>
+          <a:fillRef idx="0">
+            <a:schemeClr val="accent1"/>
+          </a:fillRef>
+          <a:effectRef idx="0">
+            <a:schemeClr val="accent1"/>
+          </a:effectRef>
+          <a:fontRef idx="minor">
+            <a:schemeClr val="tx1"/>
+          </a:fontRef>
+        </p:style>
+      </p:cxnSp>
+      <p:cxnSp>
+        <p:nvCxnSpPr>
+          <p:cNvPr id="251" name="Прямая соединительная линия 250">
+            <a:extLst>
+              <a:ext uri="{FF2B5EF4-FFF2-40B4-BE49-F238E27FC236}">
+                <a16:creationId xmlns:a16="http://schemas.microsoft.com/office/drawing/2014/main" id="{D63A9B50-A887-4BB4-A8A5-4299084908FA}"/>
+              </a:ext>
+            </a:extLst>
+          </p:cNvPr>
+          <p:cNvCxnSpPr>
+            <a:cxnSpLocks/>
+            <a:stCxn id="154" idx="3"/>
+            <a:endCxn id="201" idx="1"/>
+          </p:cNvCxnSpPr>
+          <p:nvPr/>
+        </p:nvCxnSpPr>
+        <p:spPr>
+          <a:xfrm>
+            <a:off x="24798228" y="8435622"/>
+            <a:ext cx="211914" cy="0"/>
+          </a:xfrm>
+          <a:prstGeom prst="line">
+            <a:avLst/>
+          </a:prstGeom>
+          <a:ln w="19050">
+            <a:solidFill>
+              <a:srgbClr val="FF0000"/>
+            </a:solidFill>
+          </a:ln>
+        </p:spPr>
+        <p:style>
+          <a:lnRef idx="1">
+            <a:schemeClr val="accent1"/>
+          </a:lnRef>
+          <a:fillRef idx="0">
+            <a:schemeClr val="accent1"/>
+          </a:fillRef>
+          <a:effectRef idx="0">
+            <a:schemeClr val="accent1"/>
+          </a:effectRef>
+          <a:fontRef idx="minor">
+            <a:schemeClr val="tx1"/>
+          </a:fontRef>
+        </p:style>
+      </p:cxnSp>
+      <p:cxnSp>
+        <p:nvCxnSpPr>
+          <p:cNvPr id="254" name="Соединительная линия уступом 620">
+            <a:extLst>
+              <a:ext uri="{FF2B5EF4-FFF2-40B4-BE49-F238E27FC236}">
+                <a16:creationId xmlns:a16="http://schemas.microsoft.com/office/drawing/2014/main" id="{3A39BE62-9D04-4E4E-A4F0-A0ABD51D0B91}"/>
+              </a:ext>
+            </a:extLst>
+          </p:cNvPr>
+          <p:cNvCxnSpPr>
+            <a:cxnSpLocks/>
+            <a:stCxn id="154" idx="2"/>
+            <a:endCxn id="984" idx="0"/>
+          </p:cNvCxnSpPr>
+          <p:nvPr/>
+        </p:nvCxnSpPr>
+        <p:spPr>
+          <a:xfrm rot="5400000">
+            <a:off x="22454577" y="7046045"/>
+            <a:ext cx="220912" cy="3540066"/>
+          </a:xfrm>
+          <a:prstGeom prst="bentConnector3">
+            <a:avLst>
+              <a:gd name="adj1" fmla="val 50000"/>
+            </a:avLst>
+          </a:prstGeom>
+          <a:ln w="19050">
+            <a:tailEnd type="arrow"/>
+          </a:ln>
+        </p:spPr>
+        <p:style>
+          <a:lnRef idx="1">
+            <a:schemeClr val="accent1"/>
+          </a:lnRef>
+          <a:fillRef idx="0">
+            <a:schemeClr val="accent1"/>
+          </a:fillRef>
+          <a:effectRef idx="0">
+            <a:schemeClr val="accent1"/>
+          </a:effectRef>
+          <a:fontRef idx="minor">
+            <a:schemeClr val="tx1"/>
+          </a:fontRef>
+        </p:style>
+      </p:cxnSp>
+      <p:sp>
+        <p:nvSpPr>
+          <p:cNvPr id="257" name="Прямоугольник 256">
+            <a:extLst>
+              <a:ext uri="{FF2B5EF4-FFF2-40B4-BE49-F238E27FC236}">
+                <a16:creationId xmlns:a16="http://schemas.microsoft.com/office/drawing/2014/main" id="{1DC75E89-3A6D-4FDC-B71B-F5626652457D}"/>
+              </a:ext>
+            </a:extLst>
+          </p:cNvPr>
+          <p:cNvSpPr/>
+          <p:nvPr/>
+        </p:nvSpPr>
+        <p:spPr>
+          <a:xfrm>
+            <a:off x="23267391" y="6132078"/>
+            <a:ext cx="926325" cy="540000"/>
+          </a:xfrm>
+          <a:prstGeom prst="rect">
+            <a:avLst/>
+          </a:prstGeom>
+          <a:solidFill>
+            <a:schemeClr val="bg1"/>
+          </a:solidFill>
+          <a:ln w="19050"/>
+        </p:spPr>
+        <p:style>
+          <a:lnRef idx="2">
+            <a:schemeClr val="accent1"/>
+          </a:lnRef>
+          <a:fillRef idx="1">
+            <a:schemeClr val="lt1"/>
+          </a:fillRef>
+          <a:effectRef idx="0">
+            <a:schemeClr val="accent1"/>
+          </a:effectRef>
+          <a:fontRef idx="minor">
+            <a:schemeClr val="dk1"/>
+          </a:fontRef>
+        </p:style>
+        <p:txBody>
+          <a:bodyPr lIns="124733" tIns="62367" rIns="124733" bIns="62367" rtlCol="0" anchor="ctr"/>
+          <a:lstStyle/>
+          <a:p>
+            <a:pPr algn="ctr"/>
+            <a:r>
+              <a:rPr lang="ru-RU" sz="700" dirty="0"/>
+              <a:t>Роспуск фашистских лиг</a:t>
+            </a:r>
+          </a:p>
+        </p:txBody>
+      </p:sp>
+      <p:sp>
+        <p:nvSpPr>
+          <p:cNvPr id="258" name="Прямоугольник 257">
+            <a:extLst>
+              <a:ext uri="{FF2B5EF4-FFF2-40B4-BE49-F238E27FC236}">
+                <a16:creationId xmlns:a16="http://schemas.microsoft.com/office/drawing/2014/main" id="{53255432-2869-48F1-A1E1-A0BE56536348}"/>
+              </a:ext>
+            </a:extLst>
+          </p:cNvPr>
+          <p:cNvSpPr/>
+          <p:nvPr/>
+        </p:nvSpPr>
+        <p:spPr>
+          <a:xfrm>
+            <a:off x="21581670" y="6132078"/>
+            <a:ext cx="926325" cy="540000"/>
+          </a:xfrm>
+          <a:prstGeom prst="rect">
+            <a:avLst/>
+          </a:prstGeom>
+          <a:solidFill>
+            <a:schemeClr val="bg1"/>
+          </a:solidFill>
+          <a:ln w="19050"/>
+        </p:spPr>
+        <p:style>
+          <a:lnRef idx="2">
+            <a:schemeClr val="accent1"/>
+          </a:lnRef>
+          <a:fillRef idx="1">
+            <a:schemeClr val="lt1"/>
+          </a:fillRef>
+          <a:effectRef idx="0">
+            <a:schemeClr val="accent1"/>
+          </a:effectRef>
+          <a:fontRef idx="minor">
+            <a:schemeClr val="dk1"/>
+          </a:fontRef>
+        </p:style>
+        <p:txBody>
+          <a:bodyPr lIns="124733" tIns="62367" rIns="124733" bIns="62367" rtlCol="0" anchor="ctr"/>
+          <a:lstStyle/>
+          <a:p>
+            <a:pPr algn="ctr"/>
+            <a:r>
+              <a:rPr lang="ru-RU" sz="700" dirty="0"/>
+              <a:t>Кабинет Леона Блюма</a:t>
+            </a:r>
+          </a:p>
+        </p:txBody>
+      </p:sp>
+      <p:cxnSp>
+        <p:nvCxnSpPr>
+          <p:cNvPr id="259" name="Прямая со стрелкой 258">
+            <a:extLst>
+              <a:ext uri="{FF2B5EF4-FFF2-40B4-BE49-F238E27FC236}">
+                <a16:creationId xmlns:a16="http://schemas.microsoft.com/office/drawing/2014/main" id="{4B881824-D6C1-4F2C-BD38-5B83A3011331}"/>
+              </a:ext>
+            </a:extLst>
+          </p:cNvPr>
+          <p:cNvCxnSpPr>
+            <a:cxnSpLocks/>
+            <a:stCxn id="1031" idx="2"/>
+            <a:endCxn id="257" idx="0"/>
+          </p:cNvCxnSpPr>
+          <p:nvPr/>
+        </p:nvCxnSpPr>
+        <p:spPr>
+          <a:xfrm flipH="1">
+            <a:off x="23730554" y="4292545"/>
+            <a:ext cx="1" cy="1839533"/>
+          </a:xfrm>
+          <a:prstGeom prst="straightConnector1">
+            <a:avLst/>
+          </a:prstGeom>
+          <a:ln w="19050">
+            <a:tailEnd type="arrow"/>
+          </a:ln>
+        </p:spPr>
+        <p:style>
+          <a:lnRef idx="1">
+            <a:schemeClr val="accent1"/>
+          </a:lnRef>
+          <a:fillRef idx="0">
+            <a:schemeClr val="accent1"/>
+          </a:fillRef>
+          <a:effectRef idx="0">
+            <a:schemeClr val="accent1"/>
+          </a:effectRef>
+          <a:fontRef idx="minor">
+            <a:schemeClr val="tx1"/>
+          </a:fontRef>
+        </p:style>
+      </p:cxnSp>
     </p:spTree>
     <p:extLst>
       <p:ext uri="{BB962C8B-B14F-4D97-AF65-F5344CB8AC3E}">
@@ -9368,7 +11035,7 @@
   <a:extraClrSchemeLst/>
   <a:extLst>
     <a:ext uri="{05A4C25C-085E-4340-85A3-A5531E510DB2}">
-      <thm15:themeFamily xmlns="" xmlns:thm15="http://schemas.microsoft.com/office/thememl/2012/main" name="Office Theme" id="{62F939B6-93AF-4DB8-9C6B-D6C7DFDC589F}" vid="{4A3C46E8-61CC-4603-A589-7422A47A8E4A}"/>
+      <thm15:themeFamily xmlns:thm15="http://schemas.microsoft.com/office/thememl/2012/main" name="Office Theme" id="{62F939B6-93AF-4DB8-9C6B-D6C7DFDC589F}" vid="{4A3C46E8-61CC-4603-A589-7422A47A8E4A}"/>
     </a:ext>
   </a:extLst>
 </a:theme>
@@ -9629,7 +11296,7 @@
   <a:extraClrSchemeLst/>
   <a:extLst>
     <a:ext uri="{05A4C25C-085E-4340-85A3-A5531E510DB2}">
-      <thm15:themeFamily xmlns="" xmlns:thm15="http://schemas.microsoft.com/office/thememl/2012/main" name="Office Theme" id="{62F939B6-93AF-4DB8-9C6B-D6C7DFDC589F}" vid="{4A3C46E8-61CC-4603-A589-7422A47A8E4A}"/>
+      <thm15:themeFamily xmlns:thm15="http://schemas.microsoft.com/office/thememl/2012/main" name="Office Theme" id="{62F939B6-93AF-4DB8-9C6B-D6C7DFDC589F}" vid="{4A3C46E8-61CC-4603-A589-7422A47A8E4A}"/>
     </a:ext>
   </a:extLst>
 </a:theme>

--- a/Наработки/диздоки/Франция/Франция.pptx
+++ b/Наработки/диздоки/Франция/Франция.pptx
@@ -209,7 +209,7 @@
             <a:fld id="{33E3D7F9-E251-484C-A6FF-FA958879DF69}" type="datetimeFigureOut">
               <a:rPr lang="ru-RU" smtClean="0"/>
               <a:pPr/>
-              <a:t>05.03.2024</a:t>
+              <a:t>06.03.2024</a:t>
             </a:fld>
             <a:endParaRPr lang="ru-RU"/>
           </a:p>
@@ -699,7 +699,7 @@
             <a:fld id="{85A5DE44-605B-4D3B-B2B7-94543DF81A36}" type="datetimeFigureOut">
               <a:rPr lang="ru-RU" smtClean="0"/>
               <a:pPr/>
-              <a:t>05.03.2024</a:t>
+              <a:t>06.03.2024</a:t>
             </a:fld>
             <a:endParaRPr lang="ru-RU"/>
           </a:p>
@@ -871,7 +871,7 @@
             <a:fld id="{85A5DE44-605B-4D3B-B2B7-94543DF81A36}" type="datetimeFigureOut">
               <a:rPr lang="ru-RU" smtClean="0"/>
               <a:pPr/>
-              <a:t>05.03.2024</a:t>
+              <a:t>06.03.2024</a:t>
             </a:fld>
             <a:endParaRPr lang="ru-RU"/>
           </a:p>
@@ -1053,7 +1053,7 @@
             <a:fld id="{85A5DE44-605B-4D3B-B2B7-94543DF81A36}" type="datetimeFigureOut">
               <a:rPr lang="ru-RU" smtClean="0"/>
               <a:pPr/>
-              <a:t>05.03.2024</a:t>
+              <a:t>06.03.2024</a:t>
             </a:fld>
             <a:endParaRPr lang="ru-RU"/>
           </a:p>
@@ -1225,7 +1225,7 @@
             <a:fld id="{85A5DE44-605B-4D3B-B2B7-94543DF81A36}" type="datetimeFigureOut">
               <a:rPr lang="ru-RU" smtClean="0"/>
               <a:pPr/>
-              <a:t>05.03.2024</a:t>
+              <a:t>06.03.2024</a:t>
             </a:fld>
             <a:endParaRPr lang="ru-RU"/>
           </a:p>
@@ -1473,7 +1473,7 @@
             <a:fld id="{85A5DE44-605B-4D3B-B2B7-94543DF81A36}" type="datetimeFigureOut">
               <a:rPr lang="ru-RU" smtClean="0"/>
               <a:pPr/>
-              <a:t>05.03.2024</a:t>
+              <a:t>06.03.2024</a:t>
             </a:fld>
             <a:endParaRPr lang="ru-RU"/>
           </a:p>
@@ -1707,7 +1707,7 @@
             <a:fld id="{85A5DE44-605B-4D3B-B2B7-94543DF81A36}" type="datetimeFigureOut">
               <a:rPr lang="ru-RU" smtClean="0"/>
               <a:pPr/>
-              <a:t>05.03.2024</a:t>
+              <a:t>06.03.2024</a:t>
             </a:fld>
             <a:endParaRPr lang="ru-RU"/>
           </a:p>
@@ -2076,7 +2076,7 @@
             <a:fld id="{85A5DE44-605B-4D3B-B2B7-94543DF81A36}" type="datetimeFigureOut">
               <a:rPr lang="ru-RU" smtClean="0"/>
               <a:pPr/>
-              <a:t>05.03.2024</a:t>
+              <a:t>06.03.2024</a:t>
             </a:fld>
             <a:endParaRPr lang="ru-RU"/>
           </a:p>
@@ -2196,7 +2196,7 @@
             <a:fld id="{85A5DE44-605B-4D3B-B2B7-94543DF81A36}" type="datetimeFigureOut">
               <a:rPr lang="ru-RU" smtClean="0"/>
               <a:pPr/>
-              <a:t>05.03.2024</a:t>
+              <a:t>06.03.2024</a:t>
             </a:fld>
             <a:endParaRPr lang="ru-RU"/>
           </a:p>
@@ -2293,7 +2293,7 @@
             <a:fld id="{85A5DE44-605B-4D3B-B2B7-94543DF81A36}" type="datetimeFigureOut">
               <a:rPr lang="ru-RU" smtClean="0"/>
               <a:pPr/>
-              <a:t>05.03.2024</a:t>
+              <a:t>06.03.2024</a:t>
             </a:fld>
             <a:endParaRPr lang="ru-RU"/>
           </a:p>
@@ -2572,7 +2572,7 @@
             <a:fld id="{85A5DE44-605B-4D3B-B2B7-94543DF81A36}" type="datetimeFigureOut">
               <a:rPr lang="ru-RU" smtClean="0"/>
               <a:pPr/>
-              <a:t>05.03.2024</a:t>
+              <a:t>06.03.2024</a:t>
             </a:fld>
             <a:endParaRPr lang="ru-RU"/>
           </a:p>
@@ -2831,7 +2831,7 @@
             <a:fld id="{85A5DE44-605B-4D3B-B2B7-94543DF81A36}" type="datetimeFigureOut">
               <a:rPr lang="ru-RU" smtClean="0"/>
               <a:pPr/>
-              <a:t>05.03.2024</a:t>
+              <a:t>06.03.2024</a:t>
             </a:fld>
             <a:endParaRPr lang="ru-RU"/>
           </a:p>
@@ -3046,7 +3046,7 @@
             <a:fld id="{85A5DE44-605B-4D3B-B2B7-94543DF81A36}" type="datetimeFigureOut">
               <a:rPr lang="ru-RU" smtClean="0"/>
               <a:pPr/>
-              <a:t>05.03.2024</a:t>
+              <a:t>06.03.2024</a:t>
             </a:fld>
             <a:endParaRPr lang="ru-RU"/>
           </a:p>
@@ -3551,7 +3551,7 @@
         </p:nvCxnSpPr>
         <p:spPr>
           <a:xfrm rot="5400000">
-            <a:off x="19506426" y="8402652"/>
+            <a:off x="18901915" y="12003786"/>
             <a:ext cx="224693" cy="2352457"/>
           </a:xfrm>
           <a:prstGeom prst="bentConnector3">
@@ -3590,7 +3590,7 @@
         </p:nvCxnSpPr>
         <p:spPr>
           <a:xfrm flipH="1">
-            <a:off x="18439239" y="10231227"/>
+            <a:off x="17834728" y="13832361"/>
             <a:ext cx="3304" cy="229689"/>
           </a:xfrm>
           <a:prstGeom prst="straightConnector1">
@@ -4682,7 +4682,7 @@
         </p:nvSpPr>
         <p:spPr>
           <a:xfrm>
-            <a:off x="20331837" y="8926534"/>
+            <a:off x="19727326" y="12527668"/>
             <a:ext cx="926325" cy="540000"/>
           </a:xfrm>
           <a:prstGeom prst="rect">
@@ -4748,7 +4748,7 @@
         </p:nvSpPr>
         <p:spPr>
           <a:xfrm>
-            <a:off x="22684289" y="9686894"/>
+            <a:off x="22079778" y="13288028"/>
             <a:ext cx="926325" cy="540000"/>
           </a:xfrm>
           <a:prstGeom prst="rect">
@@ -4841,7 +4841,7 @@
         </p:nvSpPr>
         <p:spPr>
           <a:xfrm>
-            <a:off x="21991203" y="17682373"/>
+            <a:off x="22469419" y="15454233"/>
             <a:ext cx="2221709" cy="1119741"/>
           </a:xfrm>
           <a:prstGeom prst="rect">
@@ -4974,7 +4974,7 @@
         </p:nvSpPr>
         <p:spPr>
           <a:xfrm>
-            <a:off x="18567494" y="11217906"/>
+            <a:off x="17962983" y="14819040"/>
             <a:ext cx="926325" cy="540000"/>
           </a:xfrm>
           <a:prstGeom prst="rect">
@@ -5027,7 +5027,7 @@
         </p:nvSpPr>
         <p:spPr>
           <a:xfrm>
-            <a:off x="19155608" y="9688523"/>
+            <a:off x="18551097" y="13289657"/>
             <a:ext cx="926325" cy="540000"/>
           </a:xfrm>
           <a:prstGeom prst="rect">
@@ -5093,7 +5093,7 @@
         </p:nvSpPr>
         <p:spPr>
           <a:xfrm>
-            <a:off x="16796544" y="10454291"/>
+            <a:off x="16192033" y="14055425"/>
             <a:ext cx="926325" cy="540000"/>
           </a:xfrm>
           <a:prstGeom prst="rect">
@@ -5174,7 +5174,7 @@
         </p:nvSpPr>
         <p:spPr>
           <a:xfrm>
-            <a:off x="17979380" y="9691227"/>
+            <a:off x="17374869" y="13292361"/>
             <a:ext cx="926325" cy="540000"/>
           </a:xfrm>
           <a:prstGeom prst="rect">
@@ -5252,7 +5252,7 @@
         </p:nvSpPr>
         <p:spPr>
           <a:xfrm>
-            <a:off x="20331836" y="9691227"/>
+            <a:off x="19727325" y="13292361"/>
             <a:ext cx="926325" cy="540000"/>
           </a:xfrm>
           <a:prstGeom prst="rect">
@@ -5318,7 +5318,7 @@
         </p:nvSpPr>
         <p:spPr>
           <a:xfrm>
-            <a:off x="19743722" y="11217907"/>
+            <a:off x="19139211" y="14819041"/>
             <a:ext cx="926325" cy="540000"/>
           </a:xfrm>
           <a:prstGeom prst="rect">
@@ -5387,7 +5387,7 @@
         </p:nvSpPr>
         <p:spPr>
           <a:xfrm>
-            <a:off x="19155608" y="10454567"/>
+            <a:off x="18551097" y="14055701"/>
             <a:ext cx="926325" cy="540000"/>
           </a:xfrm>
           <a:prstGeom prst="rect">
@@ -5440,7 +5440,7 @@
         </p:nvSpPr>
         <p:spPr>
           <a:xfrm>
-            <a:off x="20331835" y="10454291"/>
+            <a:off x="19727324" y="14055425"/>
             <a:ext cx="926325" cy="540000"/>
           </a:xfrm>
           <a:prstGeom prst="rect">
@@ -5493,7 +5493,7 @@
         </p:nvSpPr>
         <p:spPr>
           <a:xfrm>
-            <a:off x="21511367" y="10454291"/>
+            <a:off x="20906856" y="14055425"/>
             <a:ext cx="926325" cy="540000"/>
           </a:xfrm>
           <a:prstGeom prst="rect">
@@ -5554,7 +5554,7 @@
         </p:nvSpPr>
         <p:spPr>
           <a:xfrm>
-            <a:off x="21512821" y="11982599"/>
+            <a:off x="20908310" y="15583733"/>
             <a:ext cx="926325" cy="540000"/>
           </a:xfrm>
           <a:prstGeom prst="rect">
@@ -5612,7 +5612,7 @@
         </p:nvSpPr>
         <p:spPr>
           <a:xfrm>
-            <a:off x="20331835" y="11982600"/>
+            <a:off x="19727324" y="15583734"/>
             <a:ext cx="926325" cy="540000"/>
           </a:xfrm>
           <a:prstGeom prst="rect">
@@ -5669,7 +5669,7 @@
         </p:nvCxnSpPr>
         <p:spPr>
           <a:xfrm rot="5400000">
-            <a:off x="20095892" y="8989414"/>
+            <a:off x="19491381" y="12590548"/>
             <a:ext cx="221989" cy="1176229"/>
           </a:xfrm>
           <a:prstGeom prst="bentConnector3">
@@ -5714,7 +5714,7 @@
         </p:nvCxnSpPr>
         <p:spPr>
           <a:xfrm rot="16200000" flipH="1">
-            <a:off x="21272933" y="8988600"/>
+            <a:off x="20668422" y="12589734"/>
             <a:ext cx="220360" cy="1176227"/>
           </a:xfrm>
           <a:prstGeom prst="bentConnector3">
@@ -5759,7 +5759,7 @@
         </p:nvCxnSpPr>
         <p:spPr>
           <a:xfrm flipH="1">
-            <a:off x="20794999" y="9466534"/>
+            <a:off x="20190488" y="13067668"/>
             <a:ext cx="1" cy="224693"/>
           </a:xfrm>
           <a:prstGeom prst="straightConnector1">
@@ -5802,7 +5802,7 @@
         </p:nvCxnSpPr>
         <p:spPr>
           <a:xfrm rot="5400000">
-            <a:off x="20095215" y="9754783"/>
+            <a:off x="19490704" y="13355917"/>
             <a:ext cx="223340" cy="1176228"/>
           </a:xfrm>
           <a:prstGeom prst="bentConnector3">
@@ -5847,7 +5847,7 @@
         </p:nvCxnSpPr>
         <p:spPr>
           <a:xfrm rot="16200000" flipH="1">
-            <a:off x="21273232" y="9752993"/>
+            <a:off x="20668721" y="13354127"/>
             <a:ext cx="223064" cy="1179531"/>
           </a:xfrm>
           <a:prstGeom prst="bentConnector3">
@@ -5892,7 +5892,7 @@
         </p:nvCxnSpPr>
         <p:spPr>
           <a:xfrm flipH="1">
-            <a:off x="20794998" y="10231227"/>
+            <a:off x="20190487" y="13832361"/>
             <a:ext cx="1" cy="223064"/>
           </a:xfrm>
           <a:prstGeom prst="straightConnector1">
@@ -5935,7 +5935,7 @@
         </p:nvCxnSpPr>
         <p:spPr>
           <a:xfrm rot="5400000">
-            <a:off x="20007602" y="10430510"/>
+            <a:off x="19403091" y="14031644"/>
             <a:ext cx="986680" cy="588114"/>
           </a:xfrm>
           <a:prstGeom prst="bentConnector3">
@@ -5980,7 +5980,7 @@
         </p:nvCxnSpPr>
         <p:spPr>
           <a:xfrm rot="16200000" flipH="1">
-            <a:off x="20388595" y="11576196"/>
+            <a:off x="19784084" y="15177330"/>
             <a:ext cx="224693" cy="588113"/>
           </a:xfrm>
           <a:prstGeom prst="bentConnector3">
@@ -6025,7 +6025,7 @@
         </p:nvCxnSpPr>
         <p:spPr>
           <a:xfrm rot="5400000">
-            <a:off x="19800482" y="11576196"/>
+            <a:off x="19195971" y="15177330"/>
             <a:ext cx="224693" cy="588114"/>
           </a:xfrm>
           <a:prstGeom prst="bentConnector3">
@@ -6066,7 +6066,7 @@
         </p:nvSpPr>
         <p:spPr>
           <a:xfrm>
-            <a:off x="17976076" y="10460916"/>
+            <a:off x="17371565" y="14062050"/>
             <a:ext cx="926325" cy="540000"/>
           </a:xfrm>
           <a:prstGeom prst="rect">
@@ -6127,7 +6127,7 @@
         </p:nvSpPr>
         <p:spPr>
           <a:xfrm>
-            <a:off x="19155608" y="11982600"/>
+            <a:off x="18551097" y="15583734"/>
             <a:ext cx="926325" cy="540000"/>
           </a:xfrm>
           <a:prstGeom prst="rect">
@@ -6228,7 +6228,7 @@
         </p:nvCxnSpPr>
         <p:spPr>
           <a:xfrm rot="5400000">
-            <a:off x="19213045" y="10812179"/>
+            <a:off x="18608534" y="14413313"/>
             <a:ext cx="223339" cy="588114"/>
           </a:xfrm>
           <a:prstGeom prst="bentConnector3">
@@ -6273,7 +6273,7 @@
         </p:nvCxnSpPr>
         <p:spPr>
           <a:xfrm>
-            <a:off x="19618771" y="10994567"/>
+            <a:off x="19014260" y="14595701"/>
             <a:ext cx="0" cy="988033"/>
           </a:xfrm>
           <a:prstGeom prst="straightConnector1">
@@ -6312,7 +6312,7 @@
         </p:nvSpPr>
         <p:spPr>
           <a:xfrm>
-            <a:off x="20923253" y="11215203"/>
+            <a:off x="20318742" y="14816337"/>
             <a:ext cx="926325" cy="540000"/>
           </a:xfrm>
           <a:prstGeom prst="rect">
@@ -6401,7 +6401,7 @@
         </p:nvCxnSpPr>
         <p:spPr>
           <a:xfrm rot="16200000" flipH="1">
-            <a:off x="20980251" y="10809038"/>
+            <a:off x="20375740" y="14410172"/>
             <a:ext cx="220912" cy="591418"/>
           </a:xfrm>
           <a:prstGeom prst="bentConnector3">
@@ -6446,7 +6446,7 @@
         </p:nvCxnSpPr>
         <p:spPr>
           <a:xfrm rot="5400000">
-            <a:off x="21570017" y="10810690"/>
+            <a:off x="20965506" y="14411824"/>
             <a:ext cx="220912" cy="588114"/>
           </a:xfrm>
           <a:prstGeom prst="bentConnector3">
@@ -6491,7 +6491,7 @@
         </p:nvCxnSpPr>
         <p:spPr>
           <a:xfrm rot="5400000">
-            <a:off x="17739593" y="9751341"/>
+            <a:off x="17135082" y="13352475"/>
             <a:ext cx="223064" cy="1182836"/>
           </a:xfrm>
           <a:prstGeom prst="bentConnector3">
@@ -6532,7 +6532,7 @@
         </p:nvSpPr>
         <p:spPr>
           <a:xfrm>
-            <a:off x="23860514" y="9686894"/>
+            <a:off x="23256003" y="13288028"/>
             <a:ext cx="926325" cy="540000"/>
           </a:xfrm>
           <a:prstGeom prst="rect">
@@ -6621,7 +6621,7 @@
         </p:nvSpPr>
         <p:spPr>
           <a:xfrm>
-            <a:off x="23267392" y="2164247"/>
+            <a:off x="23869066" y="2170733"/>
             <a:ext cx="926325" cy="540000"/>
           </a:xfrm>
           <a:prstGeom prst="rect">
@@ -6672,7 +6672,7 @@
         </p:nvSpPr>
         <p:spPr>
           <a:xfrm>
-            <a:off x="24426352" y="2164248"/>
+            <a:off x="24974368" y="2169302"/>
             <a:ext cx="926325" cy="540000"/>
           </a:xfrm>
           <a:prstGeom prst="rect">
@@ -6723,7 +6723,7 @@
         </p:nvSpPr>
         <p:spPr>
           <a:xfrm>
-            <a:off x="20149928" y="1537988"/>
+            <a:off x="22262240" y="24805"/>
             <a:ext cx="926325" cy="540000"/>
           </a:xfrm>
           <a:prstGeom prst="rect">
@@ -6755,8 +6755,13 @@
             <a:pPr algn="ctr"/>
             <a:r>
               <a:rPr lang="ru-RU" sz="700" dirty="0"/>
-              <a:t>Издать инструкции о частичной мобилизации (после демилитаризации)</a:t>
-            </a:r>
+              <a:t>Издать инструкции о частичной мобилизации </a:t>
+            </a:r>
+            <a:r>
+              <a:rPr lang="ru-RU" sz="500" dirty="0"/>
+              <a:t>(после демилитаризации)</a:t>
+            </a:r>
+            <a:endParaRPr lang="ru-RU" sz="700" dirty="0"/>
           </a:p>
         </p:txBody>
       </p:sp>
@@ -6913,51 +6918,6 @@
           </a:p>
         </p:txBody>
       </p:sp>
-      <p:cxnSp>
-        <p:nvCxnSpPr>
-          <p:cNvPr id="1033" name="Соединительная линия уступом 620">
-            <a:extLst>
-              <a:ext uri="{FF2B5EF4-FFF2-40B4-BE49-F238E27FC236}">
-                <a16:creationId xmlns:a16="http://schemas.microsoft.com/office/drawing/2014/main" id="{C9FADC20-7BF7-4390-A349-8712B2A5A5BC}"/>
-              </a:ext>
-            </a:extLst>
-          </p:cNvPr>
-          <p:cNvCxnSpPr>
-            <a:cxnSpLocks/>
-            <a:stCxn id="582" idx="2"/>
-            <a:endCxn id="1028" idx="0"/>
-          </p:cNvCxnSpPr>
-          <p:nvPr/>
-        </p:nvCxnSpPr>
-        <p:spPr>
-          <a:xfrm rot="16200000" flipH="1">
-            <a:off x="24760282" y="2035014"/>
-            <a:ext cx="255119" cy="3347"/>
-          </a:xfrm>
-          <a:prstGeom prst="bentConnector3">
-            <a:avLst>
-              <a:gd name="adj1" fmla="val 50000"/>
-            </a:avLst>
-          </a:prstGeom>
-          <a:ln w="19050">
-            <a:tailEnd type="arrow"/>
-          </a:ln>
-        </p:spPr>
-        <p:style>
-          <a:lnRef idx="1">
-            <a:schemeClr val="accent1"/>
-          </a:lnRef>
-          <a:fillRef idx="0">
-            <a:schemeClr val="accent1"/>
-          </a:fillRef>
-          <a:effectRef idx="0">
-            <a:schemeClr val="accent1"/>
-          </a:effectRef>
-          <a:fontRef idx="minor">
-            <a:schemeClr val="tx1"/>
-          </a:fontRef>
-        </p:style>
-      </p:cxnSp>
       <p:cxnSp>
         <p:nvCxnSpPr>
           <p:cNvPr id="1038" name="Соединительная линия уступом 620">
@@ -7062,7 +7022,7 @@
         </p:nvSpPr>
         <p:spPr>
           <a:xfrm>
-            <a:off x="21508064" y="9686894"/>
+            <a:off x="20903553" y="13288028"/>
             <a:ext cx="926325" cy="540000"/>
           </a:xfrm>
           <a:prstGeom prst="rect">
@@ -7120,7 +7080,7 @@
         </p:nvSpPr>
         <p:spPr>
           <a:xfrm>
-            <a:off x="17976076" y="11988789"/>
+            <a:off x="17371565" y="15589923"/>
             <a:ext cx="926325" cy="540000"/>
           </a:xfrm>
           <a:prstGeom prst="rect">
@@ -7178,7 +7138,7 @@
         </p:nvSpPr>
         <p:spPr>
           <a:xfrm>
-            <a:off x="24483173" y="16912460"/>
+            <a:off x="24961389" y="14684320"/>
             <a:ext cx="926325" cy="540000"/>
           </a:xfrm>
           <a:prstGeom prst="rect">
@@ -7239,7 +7199,7 @@
         </p:nvSpPr>
         <p:spPr>
           <a:xfrm>
-            <a:off x="23279835" y="10454291"/>
+            <a:off x="22675324" y="14055425"/>
             <a:ext cx="926325" cy="540000"/>
           </a:xfrm>
           <a:prstGeom prst="rect">
@@ -7296,7 +7256,7 @@
         </p:nvCxnSpPr>
         <p:spPr>
           <a:xfrm rot="16200000" flipH="1">
-            <a:off x="17439746" y="10814251"/>
+            <a:off x="16835235" y="14415385"/>
             <a:ext cx="229689" cy="589767"/>
           </a:xfrm>
           <a:prstGeom prst="bentConnector3">
@@ -7341,7 +7301,7 @@
         </p:nvCxnSpPr>
         <p:spPr>
           <a:xfrm rot="5400000">
-            <a:off x="23919640" y="10050253"/>
+            <a:off x="23315129" y="13651387"/>
             <a:ext cx="227397" cy="580679"/>
           </a:xfrm>
           <a:prstGeom prst="bentConnector3">
@@ -7387,7 +7347,7 @@
         </p:nvCxnSpPr>
         <p:spPr>
           <a:xfrm rot="16200000" flipH="1">
-            <a:off x="23331527" y="10042819"/>
+            <a:off x="22727016" y="13643953"/>
             <a:ext cx="227397" cy="595546"/>
           </a:xfrm>
           <a:prstGeom prst="bentConnector3">
@@ -7433,7 +7393,7 @@
         </p:nvCxnSpPr>
         <p:spPr>
           <a:xfrm rot="16200000" flipH="1">
-            <a:off x="21861046" y="8400488"/>
+            <a:off x="21256535" y="12001622"/>
             <a:ext cx="220360" cy="2352452"/>
           </a:xfrm>
           <a:prstGeom prst="bentConnector3">
@@ -7478,7 +7438,7 @@
         </p:nvCxnSpPr>
         <p:spPr>
           <a:xfrm rot="16200000" flipH="1">
-            <a:off x="22449158" y="7812375"/>
+            <a:off x="21844647" y="11413509"/>
             <a:ext cx="220360" cy="3528677"/>
           </a:xfrm>
           <a:prstGeom prst="bentConnector3">
@@ -7519,7 +7479,7 @@
         </p:nvSpPr>
         <p:spPr>
           <a:xfrm>
-            <a:off x="23279835" y="11215203"/>
+            <a:off x="22675324" y="14816337"/>
             <a:ext cx="926325" cy="540000"/>
           </a:xfrm>
           <a:prstGeom prst="rect">
@@ -7576,7 +7536,7 @@
         </p:nvCxnSpPr>
         <p:spPr>
           <a:xfrm>
-            <a:off x="21974530" y="10994291"/>
+            <a:off x="21370019" y="14595425"/>
             <a:ext cx="1454" cy="988308"/>
           </a:xfrm>
           <a:prstGeom prst="straightConnector1">
@@ -7619,7 +7579,7 @@
         </p:nvCxnSpPr>
         <p:spPr>
           <a:xfrm>
-            <a:off x="23742998" y="10994291"/>
+            <a:off x="23138487" y="14595425"/>
             <a:ext cx="0" cy="220912"/>
           </a:xfrm>
           <a:prstGeom prst="straightConnector1">
@@ -7662,7 +7622,7 @@
         </p:nvCxnSpPr>
         <p:spPr>
           <a:xfrm>
-            <a:off x="18439239" y="11000916"/>
+            <a:off x="17834728" y="14602050"/>
             <a:ext cx="0" cy="987873"/>
           </a:xfrm>
           <a:prstGeom prst="straightConnector1">
@@ -7701,7 +7661,7 @@
         </p:nvSpPr>
         <p:spPr>
           <a:xfrm>
-            <a:off x="17386311" y="11223980"/>
+            <a:off x="16781800" y="14825114"/>
             <a:ext cx="926325" cy="540000"/>
           </a:xfrm>
           <a:prstGeom prst="rect">
@@ -7799,7 +7759,7 @@
         </p:nvSpPr>
         <p:spPr>
           <a:xfrm>
-            <a:off x="24699738" y="17673372"/>
+            <a:off x="25177954" y="15445232"/>
             <a:ext cx="2461934" cy="1119741"/>
           </a:xfrm>
           <a:prstGeom prst="rect">
@@ -7886,7 +7846,7 @@
         </p:nvSpPr>
         <p:spPr>
           <a:xfrm>
-            <a:off x="25564560" y="2164248"/>
+            <a:off x="25857072" y="1203592"/>
             <a:ext cx="926325" cy="540000"/>
           </a:xfrm>
           <a:prstGeom prst="rect">
@@ -8230,10 +8190,10 @@
       </p:sp>
       <p:sp>
         <p:nvSpPr>
-          <p:cNvPr id="90" name="Прямоугольник 89">
-            <a:extLst>
-              <a:ext uri="{FF2B5EF4-FFF2-40B4-BE49-F238E27FC236}">
-                <a16:creationId xmlns:a16="http://schemas.microsoft.com/office/drawing/2014/main" id="{D82EE70E-4677-4680-ABFE-21337258332A}"/>
+          <p:cNvPr id="91" name="Прямоугольник 90">
+            <a:extLst>
+              <a:ext uri="{FF2B5EF4-FFF2-40B4-BE49-F238E27FC236}">
+                <a16:creationId xmlns:a16="http://schemas.microsoft.com/office/drawing/2014/main" id="{3F640845-5C33-482B-B8D0-FA981AB544C4}"/>
               </a:ext>
             </a:extLst>
           </p:cNvPr>
@@ -8242,7 +8202,7 @@
         </p:nvSpPr>
         <p:spPr>
           <a:xfrm>
-            <a:off x="21666021" y="2669915"/>
+            <a:off x="18193666" y="2663404"/>
             <a:ext cx="926325" cy="540000"/>
           </a:xfrm>
           <a:prstGeom prst="rect">
@@ -8273,214 +8233,6 @@
           <a:p>
             <a:pPr algn="ctr"/>
             <a:r>
-              <a:rPr lang="ru-RU" sz="700" dirty="0"/>
-              <a:t>Кабинет Блюма </a:t>
-            </a:r>
-            <a:r>
-              <a:rPr lang="ru-RU" sz="100" dirty="0"/>
-              <a:t>(В условиях небывалой активности народных масс начались </a:t>
-            </a:r>
-            <a:r>
-              <a:rPr lang="ru-RU" sz="100" dirty="0" err="1"/>
-              <a:t>пе-реговоры</a:t>
-            </a:r>
-            <a:r>
-              <a:rPr lang="ru-RU" sz="100" dirty="0"/>
-              <a:t> о создании нового правительства. Социалистической </a:t>
-            </a:r>
-            <a:r>
-              <a:rPr lang="ru-RU" sz="100" dirty="0" err="1"/>
-              <a:t>пар¬тии</a:t>
-            </a:r>
-            <a:r>
-              <a:rPr lang="ru-RU" sz="100" dirty="0"/>
-              <a:t> принадлежало право его формирования, ибо она располагала наибольшим числом мест в палате депутатов. Новое </a:t>
-            </a:r>
-            <a:r>
-              <a:rPr lang="ru-RU" sz="100" dirty="0" err="1"/>
-              <a:t>правитель¬ство</a:t>
-            </a:r>
-            <a:r>
-              <a:rPr lang="ru-RU" sz="100" dirty="0"/>
-              <a:t>, опиравшееся на Народный фронт, было сформировано 4 июня 1936 г. Премьер-министром стал Л. Блюм. В соответствии со своей теорией «исполнения власти» лидер СФИО четко </a:t>
-            </a:r>
-            <a:r>
-              <a:rPr lang="ru-RU" sz="100" dirty="0" err="1"/>
-              <a:t>опреде¬лил</a:t>
-            </a:r>
-            <a:r>
-              <a:rPr lang="ru-RU" sz="100" dirty="0"/>
-              <a:t> и задачи нового кабинета: действовать в рамках </a:t>
-            </a:r>
-            <a:r>
-              <a:rPr lang="ru-RU" sz="100" dirty="0" err="1"/>
-              <a:t>существующе¬го</a:t>
-            </a:r>
-            <a:r>
-              <a:rPr lang="ru-RU" sz="100" dirty="0"/>
-              <a:t> режима и не предпринимать каких-либо попыток проведения </a:t>
-            </a:r>
-            <a:r>
-              <a:rPr lang="ru-RU" sz="100" dirty="0" err="1"/>
-              <a:t>со¬циальных</a:t>
-            </a:r>
-            <a:r>
-              <a:rPr lang="ru-RU" sz="100" dirty="0"/>
-              <a:t> преобразований или захвата власти . </a:t>
-            </a:r>
-            <a:r>
-              <a:rPr lang="ru-RU" sz="100" dirty="0" err="1"/>
-              <a:t>Министер¬ские</a:t>
-            </a:r>
-            <a:r>
-              <a:rPr lang="ru-RU" sz="100" dirty="0"/>
-              <a:t> посты заняли социалисты, радикалы, представители </a:t>
-            </a:r>
-            <a:r>
-              <a:rPr lang="ru-RU" sz="100" dirty="0" err="1"/>
-              <a:t>Респуб</a:t>
-            </a:r>
-            <a:r>
-              <a:rPr lang="ru-RU" sz="100" dirty="0"/>
-              <a:t>-</a:t>
-            </a:r>
-            <a:r>
-              <a:rPr lang="ru-RU" sz="100" dirty="0" err="1"/>
-              <a:t>ликанско</a:t>
-            </a:r>
-            <a:r>
-              <a:rPr lang="ru-RU" sz="100" dirty="0"/>
-              <a:t>-социалистического союза. Коммунистическая партия, от-казавшись участвовать в правительстве, заявила о своей </a:t>
-            </a:r>
-            <a:r>
-              <a:rPr lang="ru-RU" sz="100" dirty="0" err="1"/>
-              <a:t>готовно¬сти</a:t>
-            </a:r>
-            <a:r>
-              <a:rPr lang="ru-RU" sz="100" dirty="0"/>
-              <a:t> поддерживав все его мероприятия, направленные на </a:t>
-            </a:r>
-            <a:r>
-              <a:rPr lang="ru-RU" sz="100" dirty="0" err="1"/>
-              <a:t>осуще¬ствление</a:t>
-            </a:r>
-            <a:r>
-              <a:rPr lang="ru-RU" sz="100" dirty="0"/>
-              <a:t> программы Народного фронта. Решение Политбюро ЦК ФКП о неучастии коммунистов в правительстве было </a:t>
-            </a:r>
-            <a:r>
-              <a:rPr lang="ru-RU" sz="100" dirty="0" err="1"/>
-              <a:t>при¬нято</a:t>
-            </a:r>
-            <a:r>
-              <a:rPr lang="ru-RU" sz="100" dirty="0"/>
-              <a:t> после тщательного обсуждения всех «за» и «против» .Мощный размах забастовочного движения заставил </a:t>
-            </a:r>
-            <a:r>
-              <a:rPr lang="ru-RU" sz="100" dirty="0" err="1"/>
-              <a:t>предприпимателей</a:t>
-            </a:r>
-            <a:r>
-              <a:rPr lang="ru-RU" sz="100" dirty="0"/>
-              <a:t> пойти на выполнение многих требований рабочих. </a:t>
-            </a:r>
-            <a:r>
-              <a:rPr lang="ru-RU" sz="100" dirty="0" err="1"/>
-              <a:t>Пер¬вый</a:t>
-            </a:r>
-            <a:r>
-              <a:rPr lang="ru-RU" sz="100" dirty="0"/>
-              <a:t> шаг сделала Всеобщая конфедерация французских </a:t>
-            </a:r>
-            <a:r>
-              <a:rPr lang="ru-RU" sz="100" dirty="0" err="1"/>
-              <a:t>предпри¬нимателей</a:t>
-            </a:r>
-            <a:r>
-              <a:rPr lang="ru-RU" sz="100" dirty="0"/>
-              <a:t>. Через генерального секретаря «</a:t>
-            </a:r>
-            <a:r>
-              <a:rPr lang="ru-RU" sz="100" dirty="0" err="1"/>
-              <a:t>Комите</a:t>
-            </a:r>
-            <a:r>
-              <a:rPr lang="ru-RU" sz="100" dirty="0"/>
-              <a:t> де </a:t>
-            </a:r>
-            <a:r>
-              <a:rPr lang="ru-RU" sz="100" dirty="0" err="1"/>
-              <a:t>форж</a:t>
-            </a:r>
-            <a:r>
-              <a:rPr lang="ru-RU" sz="100" dirty="0"/>
-              <a:t>» </a:t>
-            </a:r>
-            <a:r>
-              <a:rPr lang="ru-RU" sz="100" dirty="0" err="1"/>
-              <a:t>Лам¬бер-Рибо</a:t>
-            </a:r>
-            <a:r>
-              <a:rPr lang="ru-RU" sz="100" dirty="0"/>
-              <a:t> она обратилась к главе правительства с просьбой </a:t>
-            </a:r>
-            <a:r>
-              <a:rPr lang="ru-RU" sz="100" dirty="0" err="1"/>
-              <a:t>орга¬низовать</a:t>
-            </a:r>
-            <a:r>
-              <a:rPr lang="ru-RU" sz="100" dirty="0"/>
-              <a:t> встречу с представителями ВКТ)</a:t>
-            </a:r>
-            <a:endParaRPr lang="ru-RU" sz="700" dirty="0"/>
-          </a:p>
-        </p:txBody>
-      </p:sp>
-      <p:sp>
-        <p:nvSpPr>
-          <p:cNvPr id="91" name="Прямоугольник 90">
-            <a:extLst>
-              <a:ext uri="{FF2B5EF4-FFF2-40B4-BE49-F238E27FC236}">
-                <a16:creationId xmlns:a16="http://schemas.microsoft.com/office/drawing/2014/main" id="{3F640845-5C33-482B-B8D0-FA981AB544C4}"/>
-              </a:ext>
-            </a:extLst>
-          </p:cNvPr>
-          <p:cNvSpPr/>
-          <p:nvPr/>
-        </p:nvSpPr>
-        <p:spPr>
-          <a:xfrm>
-            <a:off x="18193666" y="2663404"/>
-            <a:ext cx="926325" cy="540000"/>
-          </a:xfrm>
-          <a:prstGeom prst="rect">
-            <a:avLst/>
-          </a:prstGeom>
-          <a:solidFill>
-            <a:schemeClr val="bg1"/>
-          </a:solidFill>
-          <a:ln w="19050"/>
-        </p:spPr>
-        <p:style>
-          <a:lnRef idx="2">
-            <a:schemeClr val="accent1"/>
-          </a:lnRef>
-          <a:fillRef idx="1">
-            <a:schemeClr val="lt1"/>
-          </a:fillRef>
-          <a:effectRef idx="0">
-            <a:schemeClr val="accent1"/>
-          </a:effectRef>
-          <a:fontRef idx="minor">
-            <a:schemeClr val="dk1"/>
-          </a:fontRef>
-        </p:style>
-        <p:txBody>
-          <a:bodyPr lIns="124733" tIns="62367" rIns="124733" bIns="62367" rtlCol="0" anchor="ctr"/>
-          <a:lstStyle/>
-          <a:p>
-            <a:pPr algn="ctr"/>
-            <a:r>
               <a:rPr lang="ru-RU" sz="200" dirty="0"/>
               <a:t>Доктрина </a:t>
             </a:r>
@@ -8521,10 +8273,10 @@
       </p:sp>
       <p:cxnSp>
         <p:nvCxnSpPr>
-          <p:cNvPr id="95" name="Соединительная линия уступом 620">
-            <a:extLst>
-              <a:ext uri="{FF2B5EF4-FFF2-40B4-BE49-F238E27FC236}">
-                <a16:creationId xmlns:a16="http://schemas.microsoft.com/office/drawing/2014/main" id="{0DFE22D1-71F7-42DE-9654-A19F5F8B71F6}"/>
+          <p:cNvPr id="102" name="Соединительная линия уступом 620">
+            <a:extLst>
+              <a:ext uri="{FF2B5EF4-FFF2-40B4-BE49-F238E27FC236}">
+                <a16:creationId xmlns:a16="http://schemas.microsoft.com/office/drawing/2014/main" id="{2827AE48-910F-459B-8016-E8A6BF76D772}"/>
               </a:ext>
             </a:extLst>
           </p:cNvPr>
@@ -8536,54 +8288,9 @@
           <p:nvPr/>
         </p:nvCxnSpPr>
         <p:spPr>
-          <a:xfrm rot="16200000" flipH="1">
-            <a:off x="24762190" y="2831572"/>
-            <a:ext cx="255119" cy="469"/>
-          </a:xfrm>
-          <a:prstGeom prst="bentConnector3">
-            <a:avLst>
-              <a:gd name="adj1" fmla="val 50000"/>
-            </a:avLst>
-          </a:prstGeom>
-          <a:ln w="19050">
-            <a:tailEnd type="arrow"/>
-          </a:ln>
-        </p:spPr>
-        <p:style>
-          <a:lnRef idx="1">
-            <a:schemeClr val="accent1"/>
-          </a:lnRef>
-          <a:fillRef idx="0">
-            <a:schemeClr val="accent1"/>
-          </a:fillRef>
-          <a:effectRef idx="0">
-            <a:schemeClr val="accent1"/>
-          </a:effectRef>
-          <a:fontRef idx="minor">
-            <a:schemeClr val="tx1"/>
-          </a:fontRef>
-        </p:style>
-      </p:cxnSp>
-      <p:cxnSp>
-        <p:nvCxnSpPr>
-          <p:cNvPr id="102" name="Соединительная линия уступом 620">
-            <a:extLst>
-              <a:ext uri="{FF2B5EF4-FFF2-40B4-BE49-F238E27FC236}">
-                <a16:creationId xmlns:a16="http://schemas.microsoft.com/office/drawing/2014/main" id="{2827AE48-910F-459B-8016-E8A6BF76D772}"/>
-              </a:ext>
-            </a:extLst>
-          </p:cNvPr>
-          <p:cNvCxnSpPr>
-            <a:cxnSpLocks/>
-            <a:stCxn id="87" idx="2"/>
-            <a:endCxn id="1030" idx="0"/>
-          </p:cNvCxnSpPr>
-          <p:nvPr/>
-        </p:nvCxnSpPr>
-        <p:spPr>
           <a:xfrm rot="5400000">
-            <a:off x="25331295" y="2262938"/>
-            <a:ext cx="255119" cy="1137739"/>
+            <a:off x="25038726" y="2560561"/>
+            <a:ext cx="250065" cy="547547"/>
           </a:xfrm>
           <a:prstGeom prst="bentConnector3">
             <a:avLst>
@@ -8627,8 +8334,8 @@
         </p:nvCxnSpPr>
         <p:spPr>
           <a:xfrm rot="5400000">
-            <a:off x="24180803" y="1458882"/>
-            <a:ext cx="255118" cy="1155613"/>
+            <a:off x="24478397" y="1762962"/>
+            <a:ext cx="261604" cy="553939"/>
           </a:xfrm>
           <a:prstGeom prst="bentConnector3">
             <a:avLst>
@@ -8666,14 +8373,14 @@
           <p:cNvCxnSpPr>
             <a:cxnSpLocks/>
             <a:stCxn id="582" idx="2"/>
-            <a:endCxn id="87" idx="0"/>
+            <a:endCxn id="1028" idx="0"/>
           </p:cNvCxnSpPr>
           <p:nvPr/>
         </p:nvCxnSpPr>
         <p:spPr>
           <a:xfrm rot="16200000" flipH="1">
-            <a:off x="25329386" y="1465910"/>
-            <a:ext cx="255119" cy="1141555"/>
+            <a:off x="25031763" y="1763533"/>
+            <a:ext cx="260173" cy="551363"/>
           </a:xfrm>
           <a:prstGeom prst="bentConnector3">
             <a:avLst>
@@ -8717,8 +8424,8 @@
         </p:nvCxnSpPr>
         <p:spPr>
           <a:xfrm rot="16200000" flipH="1">
-            <a:off x="24182709" y="2252092"/>
-            <a:ext cx="255120" cy="1159429"/>
+            <a:off x="24486789" y="2556172"/>
+            <a:ext cx="248634" cy="557755"/>
           </a:xfrm>
           <a:prstGeom prst="bentConnector3">
             <a:avLst>
@@ -8797,7 +8504,7 @@
             </a:r>
             <a:r>
               <a:rPr lang="ru-RU" sz="700" dirty="0" err="1"/>
-              <a:t>Эррио</a:t>
+              <a:t>Деладье</a:t>
             </a:r>
             <a:endParaRPr lang="ru-RU" sz="700" dirty="0"/>
           </a:p>
@@ -8906,6 +8613,166 @@
               <a:t>Кабинет Леона Блюма</a:t>
             </a:r>
           </a:p>
+          <a:p>
+            <a:pPr algn="ctr"/>
+            <a:r>
+              <a:rPr lang="ru-RU" sz="100" dirty="0"/>
+              <a:t>(В условиях небывалой активности народных масс начались </a:t>
+            </a:r>
+            <a:r>
+              <a:rPr lang="ru-RU" sz="100" dirty="0" err="1"/>
+              <a:t>пе-реговоры</a:t>
+            </a:r>
+            <a:r>
+              <a:rPr lang="ru-RU" sz="100" dirty="0"/>
+              <a:t> о создании нового правительства. Социалистической </a:t>
+            </a:r>
+            <a:r>
+              <a:rPr lang="ru-RU" sz="100" dirty="0" err="1"/>
+              <a:t>пар¬тии</a:t>
+            </a:r>
+            <a:r>
+              <a:rPr lang="ru-RU" sz="100" dirty="0"/>
+              <a:t> принадлежало право его формирования, ибо она располагала наибольшим числом мест в палате депутатов. Новое </a:t>
+            </a:r>
+            <a:r>
+              <a:rPr lang="ru-RU" sz="100" dirty="0" err="1"/>
+              <a:t>правитель¬ство</a:t>
+            </a:r>
+            <a:r>
+              <a:rPr lang="ru-RU" sz="100" dirty="0"/>
+              <a:t>, опиравшееся на Народный фронт, было сформировано 4 июня 1936 г. Премьер-министром стал Л. Блюм. В соответствии со своей теорией «исполнения власти» лидер СФИО четко </a:t>
+            </a:r>
+            <a:r>
+              <a:rPr lang="ru-RU" sz="100" dirty="0" err="1"/>
+              <a:t>опреде¬лил</a:t>
+            </a:r>
+            <a:r>
+              <a:rPr lang="ru-RU" sz="100" dirty="0"/>
+              <a:t> и задачи нового кабинета: действовать в рамках </a:t>
+            </a:r>
+            <a:r>
+              <a:rPr lang="ru-RU" sz="100" dirty="0" err="1"/>
+              <a:t>существующе¬го</a:t>
+            </a:r>
+            <a:r>
+              <a:rPr lang="ru-RU" sz="100" dirty="0"/>
+              <a:t> режима и не предпринимать каких-либо попыток проведения </a:t>
+            </a:r>
+            <a:r>
+              <a:rPr lang="ru-RU" sz="100" dirty="0" err="1"/>
+              <a:t>со¬циальных</a:t>
+            </a:r>
+            <a:r>
+              <a:rPr lang="ru-RU" sz="100" dirty="0"/>
+              <a:t> преобразований или захвата власти . </a:t>
+            </a:r>
+            <a:r>
+              <a:rPr lang="ru-RU" sz="100" dirty="0" err="1"/>
+              <a:t>Министер¬ские</a:t>
+            </a:r>
+            <a:r>
+              <a:rPr lang="ru-RU" sz="100" dirty="0"/>
+              <a:t> посты заняли социалисты, радикалы, представители </a:t>
+            </a:r>
+            <a:r>
+              <a:rPr lang="ru-RU" sz="100" dirty="0" err="1"/>
+              <a:t>Респуб</a:t>
+            </a:r>
+            <a:r>
+              <a:rPr lang="ru-RU" sz="100" dirty="0"/>
+              <a:t>-</a:t>
+            </a:r>
+            <a:r>
+              <a:rPr lang="ru-RU" sz="100" dirty="0" err="1"/>
+              <a:t>ликанско</a:t>
+            </a:r>
+            <a:r>
+              <a:rPr lang="ru-RU" sz="100" dirty="0"/>
+              <a:t>-социалистического союза. Коммунистическая партия, от-казавшись участвовать в правительстве, заявила о своей </a:t>
+            </a:r>
+            <a:r>
+              <a:rPr lang="ru-RU" sz="100" dirty="0" err="1"/>
+              <a:t>готовно¬сти</a:t>
+            </a:r>
+            <a:r>
+              <a:rPr lang="ru-RU" sz="100" dirty="0"/>
+              <a:t> поддерживав все его мероприятия, направленные на </a:t>
+            </a:r>
+            <a:r>
+              <a:rPr lang="ru-RU" sz="100" dirty="0" err="1"/>
+              <a:t>осуще¬ствление</a:t>
+            </a:r>
+            <a:r>
+              <a:rPr lang="ru-RU" sz="100" dirty="0"/>
+              <a:t> программы Народного фронта. Решение Политбюро ЦК ФКП о неучастии коммунистов в правительстве было </a:t>
+            </a:r>
+            <a:r>
+              <a:rPr lang="ru-RU" sz="100" dirty="0" err="1"/>
+              <a:t>при¬нято</a:t>
+            </a:r>
+            <a:r>
+              <a:rPr lang="ru-RU" sz="100" dirty="0"/>
+              <a:t> после тщательного обсуждения всех «за» и «против» .Мощный размах забастовочного движения заставил </a:t>
+            </a:r>
+            <a:r>
+              <a:rPr lang="ru-RU" sz="100" dirty="0" err="1"/>
+              <a:t>предприпимателей</a:t>
+            </a:r>
+            <a:r>
+              <a:rPr lang="ru-RU" sz="100" dirty="0"/>
+              <a:t> пойти на выполнение многих требований рабочих. </a:t>
+            </a:r>
+            <a:r>
+              <a:rPr lang="ru-RU" sz="100" dirty="0" err="1"/>
+              <a:t>Пер¬вый</a:t>
+            </a:r>
+            <a:r>
+              <a:rPr lang="ru-RU" sz="100" dirty="0"/>
+              <a:t> шаг сделала Всеобщая конфедерация французских </a:t>
+            </a:r>
+            <a:r>
+              <a:rPr lang="ru-RU" sz="100" dirty="0" err="1"/>
+              <a:t>предпри¬нимателей</a:t>
+            </a:r>
+            <a:r>
+              <a:rPr lang="ru-RU" sz="100" dirty="0"/>
+              <a:t>. Через генерального секретаря «</a:t>
+            </a:r>
+            <a:r>
+              <a:rPr lang="ru-RU" sz="100" dirty="0" err="1"/>
+              <a:t>Комите</a:t>
+            </a:r>
+            <a:r>
+              <a:rPr lang="ru-RU" sz="100" dirty="0"/>
+              <a:t> де </a:t>
+            </a:r>
+            <a:r>
+              <a:rPr lang="ru-RU" sz="100" dirty="0" err="1"/>
+              <a:t>форж</a:t>
+            </a:r>
+            <a:r>
+              <a:rPr lang="ru-RU" sz="100" dirty="0"/>
+              <a:t>» </a:t>
+            </a:r>
+            <a:r>
+              <a:rPr lang="ru-RU" sz="100" dirty="0" err="1"/>
+              <a:t>Лам¬бер-Рибо</a:t>
+            </a:r>
+            <a:r>
+              <a:rPr lang="ru-RU" sz="100" dirty="0"/>
+              <a:t> она обратилась к главе правительства с просьбой </a:t>
+            </a:r>
+            <a:r>
+              <a:rPr lang="ru-RU" sz="100" dirty="0" err="1"/>
+              <a:t>орга¬низовать</a:t>
+            </a:r>
+            <a:r>
+              <a:rPr lang="ru-RU" sz="100" dirty="0"/>
+              <a:t> встречу с представителями ВКТ)</a:t>
+            </a:r>
+            <a:endParaRPr lang="ru-RU" sz="700" dirty="0"/>
+          </a:p>
         </p:txBody>
       </p:sp>
       <p:sp>
@@ -9153,7 +9020,7 @@
         </p:nvSpPr>
         <p:spPr>
           <a:xfrm>
-            <a:off x="23871903" y="8165622"/>
+            <a:off x="23267392" y="11766756"/>
             <a:ext cx="926325" cy="540000"/>
           </a:xfrm>
           <a:prstGeom prst="rect">
@@ -9319,57 +9186,6 @@
       </p:sp>
       <p:sp>
         <p:nvSpPr>
-          <p:cNvPr id="166" name="Прямоугольник 165">
-            <a:extLst>
-              <a:ext uri="{FF2B5EF4-FFF2-40B4-BE49-F238E27FC236}">
-                <a16:creationId xmlns:a16="http://schemas.microsoft.com/office/drawing/2014/main" id="{929BA279-E9DA-49CC-9487-A3EF0ED6B008}"/>
-              </a:ext>
-            </a:extLst>
-          </p:cNvPr>
-          <p:cNvSpPr/>
-          <p:nvPr/>
-        </p:nvSpPr>
-        <p:spPr>
-          <a:xfrm>
-            <a:off x="22726920" y="5340843"/>
-            <a:ext cx="926325" cy="540000"/>
-          </a:xfrm>
-          <a:prstGeom prst="rect">
-            <a:avLst/>
-          </a:prstGeom>
-          <a:solidFill>
-            <a:schemeClr val="bg1"/>
-          </a:solidFill>
-          <a:ln w="19050"/>
-        </p:spPr>
-        <p:style>
-          <a:lnRef idx="2">
-            <a:schemeClr val="accent1"/>
-          </a:lnRef>
-          <a:fillRef idx="1">
-            <a:schemeClr val="lt1"/>
-          </a:fillRef>
-          <a:effectRef idx="0">
-            <a:schemeClr val="accent1"/>
-          </a:effectRef>
-          <a:fontRef idx="minor">
-            <a:schemeClr val="dk1"/>
-          </a:fontRef>
-        </p:style>
-        <p:txBody>
-          <a:bodyPr lIns="124733" tIns="62367" rIns="124733" bIns="62367" rtlCol="0" anchor="ctr"/>
-          <a:lstStyle/>
-          <a:p>
-            <a:pPr algn="ctr"/>
-            <a:r>
-              <a:rPr lang="ru-RU" sz="700" dirty="0"/>
-              <a:t>Кабинет Леона Блюма</a:t>
-            </a:r>
-          </a:p>
-        </p:txBody>
-      </p:sp>
-      <p:sp>
-        <p:nvSpPr>
           <p:cNvPr id="167" name="Прямоугольник 166">
             <a:extLst>
               <a:ext uri="{FF2B5EF4-FFF2-40B4-BE49-F238E27FC236}">
@@ -9965,18 +9781,33 @@
           <a:p>
             <a:pPr algn="ctr"/>
             <a:r>
-              <a:rPr lang="ru-RU" sz="200" dirty="0"/>
+              <a:rPr lang="ru-RU" sz="100" dirty="0"/>
               <a:t>(В августе 1936 </a:t>
             </a:r>
             <a:r>
-              <a:rPr lang="ru-RU" sz="200" dirty="0" err="1"/>
+              <a:rPr lang="ru-RU" sz="100" dirty="0" err="1"/>
               <a:t>г.Он</a:t>
             </a:r>
             <a:r>
-              <a:rPr lang="ru-RU" sz="200" dirty="0"/>
+              <a:rPr lang="ru-RU" sz="100" dirty="0"/>
               <a:t> предложил расширить Народный фронт вправо , создав на основе антифашизма «Французский фронт». Это не мешает Коммунистической партии осуждать невмешательство в дела Испании и вкладывать огромные средства в поддержку республиканской Испании.)</a:t>
             </a:r>
-            <a:endParaRPr lang="ru-RU" sz="700" dirty="0"/>
+            <a:br>
+              <a:rPr lang="ru-RU" sz="100" dirty="0"/>
+            </a:br>
+            <a:r>
+              <a:rPr lang="ru-RU" sz="100" dirty="0"/>
+              <a:t>17 апреля 1936 г., за несколько дней до выборов, впервые получив возможность выступить по радио, Торез провозгласил курс на единство действий со всеми патриотами, получивший впоследствии наименование «политика протянутой </a:t>
+            </a:r>
+            <a:r>
+              <a:rPr lang="ru-RU" sz="100" dirty="0" err="1"/>
+              <a:t>руки».Он</a:t>
+            </a:r>
+            <a:r>
+              <a:rPr lang="ru-RU" sz="100" dirty="0"/>
+              <a:t> заявил, что для спасения страны коммунисты готовы протянуть руку всем французским патриотам, в том числе католикам, ветеранам войны и даже членам «Боевых крестов», желающим бороться за мир и независимость Франции.</a:t>
+            </a:r>
+            <a:endParaRPr lang="ru-RU" sz="600" dirty="0"/>
           </a:p>
         </p:txBody>
       </p:sp>
@@ -9994,7 +9825,7 @@
         </p:nvSpPr>
         <p:spPr>
           <a:xfrm>
-            <a:off x="30678653" y="2959367"/>
+            <a:off x="13407568" y="4549608"/>
             <a:ext cx="926325" cy="540000"/>
           </a:xfrm>
           <a:prstGeom prst="rect">
@@ -10055,15 +9886,15 @@
           </p:cNvPr>
           <p:cNvCxnSpPr>
             <a:cxnSpLocks/>
-            <a:stCxn id="1030" idx="3"/>
-            <a:endCxn id="197" idx="1"/>
+            <a:stCxn id="197" idx="3"/>
+            <a:endCxn id="136" idx="1"/>
           </p:cNvCxnSpPr>
           <p:nvPr/>
         </p:nvCxnSpPr>
         <p:spPr>
           <a:xfrm>
-            <a:off x="25353146" y="3229367"/>
-            <a:ext cx="5325507" cy="0"/>
+            <a:off x="14333893" y="4819608"/>
+            <a:ext cx="1562071" cy="0"/>
           </a:xfrm>
           <a:prstGeom prst="line">
             <a:avLst/>
@@ -10453,64 +10284,19 @@
           </p:cNvPr>
           <p:cNvCxnSpPr>
             <a:cxnSpLocks/>
-            <a:stCxn id="1030" idx="2"/>
-            <a:endCxn id="154" idx="0"/>
+            <a:stCxn id="257" idx="2"/>
+            <a:endCxn id="164" idx="0"/>
           </p:cNvCxnSpPr>
           <p:nvPr/>
         </p:nvCxnSpPr>
         <p:spPr>
           <a:xfrm rot="5400000">
-            <a:off x="22279398" y="5555035"/>
-            <a:ext cx="4666255" cy="554918"/>
+            <a:off x="23072865" y="6348971"/>
+            <a:ext cx="3076015" cy="557286"/>
           </a:xfrm>
           <a:prstGeom prst="bentConnector3">
             <a:avLst>
-              <a:gd name="adj1" fmla="val 2739"/>
-            </a:avLst>
-          </a:prstGeom>
-          <a:ln w="19050">
-            <a:tailEnd type="arrow"/>
-          </a:ln>
-        </p:spPr>
-        <p:style>
-          <a:lnRef idx="1">
-            <a:schemeClr val="accent1"/>
-          </a:lnRef>
-          <a:fillRef idx="0">
-            <a:schemeClr val="accent1"/>
-          </a:fillRef>
-          <a:effectRef idx="0">
-            <a:schemeClr val="accent1"/>
-          </a:effectRef>
-          <a:fontRef idx="minor">
-            <a:schemeClr val="tx1"/>
-          </a:fontRef>
-        </p:style>
-      </p:cxnSp>
-      <p:cxnSp>
-        <p:nvCxnSpPr>
-          <p:cNvPr id="245" name="Соединительная линия уступом 620">
-            <a:extLst>
-              <a:ext uri="{FF2B5EF4-FFF2-40B4-BE49-F238E27FC236}">
-                <a16:creationId xmlns:a16="http://schemas.microsoft.com/office/drawing/2014/main" id="{80425934-B310-42E1-AB3E-D1110041F467}"/>
-              </a:ext>
-            </a:extLst>
-          </p:cNvPr>
-          <p:cNvCxnSpPr>
-            <a:cxnSpLocks/>
-            <a:stCxn id="1030" idx="2"/>
-            <a:endCxn id="201" idx="0"/>
-          </p:cNvCxnSpPr>
-          <p:nvPr/>
-        </p:nvCxnSpPr>
-        <p:spPr>
-          <a:xfrm rot="16200000" flipH="1">
-            <a:off x="22848517" y="5540833"/>
-            <a:ext cx="4666255" cy="583321"/>
-          </a:xfrm>
-          <a:prstGeom prst="bentConnector3">
-            <a:avLst>
-              <a:gd name="adj1" fmla="val 2739"/>
+              <a:gd name="adj1" fmla="val 3413"/>
             </a:avLst>
           </a:prstGeom>
           <a:ln w="19050">
@@ -10543,15 +10329,15 @@
           </p:cNvPr>
           <p:cNvCxnSpPr>
             <a:cxnSpLocks/>
-            <a:stCxn id="154" idx="3"/>
+            <a:stCxn id="164" idx="3"/>
             <a:endCxn id="201" idx="1"/>
           </p:cNvCxnSpPr>
           <p:nvPr/>
         </p:nvCxnSpPr>
         <p:spPr>
           <a:xfrm>
-            <a:off x="24798228" y="8435622"/>
-            <a:ext cx="211914" cy="0"/>
+            <a:off x="24795391" y="8435622"/>
+            <a:ext cx="214751" cy="0"/>
           </a:xfrm>
           <a:prstGeom prst="line">
             <a:avLst/>
@@ -10595,7 +10381,7 @@
         </p:nvCxnSpPr>
         <p:spPr>
           <a:xfrm rot="5400000">
-            <a:off x="22454577" y="7046045"/>
+            <a:off x="21850066" y="10647179"/>
             <a:ext cx="220912" cy="3540066"/>
           </a:xfrm>
           <a:prstGeom prst="bentConnector3">
@@ -10636,7 +10422,7 @@
         </p:nvSpPr>
         <p:spPr>
           <a:xfrm>
-            <a:off x="23267391" y="6132078"/>
+            <a:off x="24426352" y="4549607"/>
             <a:ext cx="926325" cy="540000"/>
           </a:xfrm>
           <a:prstGeom prst="rect">
@@ -10726,10 +10512,189 @@
       </p:sp>
       <p:cxnSp>
         <p:nvCxnSpPr>
-          <p:cNvPr id="259" name="Прямая со стрелкой 258">
-            <a:extLst>
-              <a:ext uri="{FF2B5EF4-FFF2-40B4-BE49-F238E27FC236}">
-                <a16:creationId xmlns:a16="http://schemas.microsoft.com/office/drawing/2014/main" id="{4B881824-D6C1-4F2C-BD38-5B83A3011331}"/>
+          <p:cNvPr id="130" name="Соединительная линия уступом 620">
+            <a:extLst>
+              <a:ext uri="{FF2B5EF4-FFF2-40B4-BE49-F238E27FC236}">
+                <a16:creationId xmlns:a16="http://schemas.microsoft.com/office/drawing/2014/main" id="{BA756D7F-B589-4EE1-9BCC-5E66794FCE38}"/>
+              </a:ext>
+            </a:extLst>
+          </p:cNvPr>
+          <p:cNvCxnSpPr>
+            <a:cxnSpLocks/>
+            <a:stCxn id="136" idx="2"/>
+            <a:endCxn id="195" idx="0"/>
+          </p:cNvCxnSpPr>
+          <p:nvPr/>
+        </p:nvCxnSpPr>
+        <p:spPr>
+          <a:xfrm rot="5400000">
+            <a:off x="15664389" y="4646104"/>
+            <a:ext cx="251235" cy="1138243"/>
+          </a:xfrm>
+          <a:prstGeom prst="bentConnector3">
+            <a:avLst>
+              <a:gd name="adj1" fmla="val 50000"/>
+            </a:avLst>
+          </a:prstGeom>
+          <a:ln w="19050">
+            <a:tailEnd type="arrow"/>
+          </a:ln>
+        </p:spPr>
+        <p:style>
+          <a:lnRef idx="1">
+            <a:schemeClr val="accent1"/>
+          </a:lnRef>
+          <a:fillRef idx="0">
+            <a:schemeClr val="accent1"/>
+          </a:fillRef>
+          <a:effectRef idx="0">
+            <a:schemeClr val="accent1"/>
+          </a:effectRef>
+          <a:fontRef idx="minor">
+            <a:schemeClr val="tx1"/>
+          </a:fontRef>
+        </p:style>
+      </p:cxnSp>
+      <p:cxnSp>
+        <p:nvCxnSpPr>
+          <p:cNvPr id="138" name="Прямая со стрелкой 137">
+            <a:extLst>
+              <a:ext uri="{FF2B5EF4-FFF2-40B4-BE49-F238E27FC236}">
+                <a16:creationId xmlns:a16="http://schemas.microsoft.com/office/drawing/2014/main" id="{93E9F719-D05D-424A-A796-B5B320992009}"/>
+              </a:ext>
+            </a:extLst>
+          </p:cNvPr>
+          <p:cNvCxnSpPr>
+            <a:cxnSpLocks/>
+            <a:stCxn id="136" idx="2"/>
+            <a:endCxn id="196" idx="0"/>
+          </p:cNvCxnSpPr>
+          <p:nvPr/>
+        </p:nvCxnSpPr>
+        <p:spPr>
+          <a:xfrm flipH="1">
+            <a:off x="16359126" y="5089608"/>
+            <a:ext cx="1" cy="251235"/>
+          </a:xfrm>
+          <a:prstGeom prst="straightConnector1">
+            <a:avLst/>
+          </a:prstGeom>
+          <a:ln w="19050">
+            <a:tailEnd type="arrow"/>
+          </a:ln>
+        </p:spPr>
+        <p:style>
+          <a:lnRef idx="1">
+            <a:schemeClr val="accent1"/>
+          </a:lnRef>
+          <a:fillRef idx="0">
+            <a:schemeClr val="accent1"/>
+          </a:fillRef>
+          <a:effectRef idx="0">
+            <a:schemeClr val="accent1"/>
+          </a:effectRef>
+          <a:fontRef idx="minor">
+            <a:schemeClr val="tx1"/>
+          </a:fontRef>
+        </p:style>
+      </p:cxnSp>
+      <p:cxnSp>
+        <p:nvCxnSpPr>
+          <p:cNvPr id="139" name="Соединительная линия уступом 620">
+            <a:extLst>
+              <a:ext uri="{FF2B5EF4-FFF2-40B4-BE49-F238E27FC236}">
+                <a16:creationId xmlns:a16="http://schemas.microsoft.com/office/drawing/2014/main" id="{1DB15CB4-D2F7-4581-B3E1-CF578706FD21}"/>
+              </a:ext>
+            </a:extLst>
+          </p:cNvPr>
+          <p:cNvCxnSpPr>
+            <a:cxnSpLocks/>
+            <a:stCxn id="257" idx="2"/>
+            <a:endCxn id="201" idx="0"/>
+          </p:cNvCxnSpPr>
+          <p:nvPr/>
+        </p:nvCxnSpPr>
+        <p:spPr>
+          <a:xfrm rot="16200000" flipH="1">
+            <a:off x="23643403" y="6335719"/>
+            <a:ext cx="3076015" cy="583790"/>
+          </a:xfrm>
+          <a:prstGeom prst="bentConnector3">
+            <a:avLst>
+              <a:gd name="adj1" fmla="val 3413"/>
+            </a:avLst>
+          </a:prstGeom>
+          <a:ln w="19050">
+            <a:tailEnd type="arrow"/>
+          </a:ln>
+        </p:spPr>
+        <p:style>
+          <a:lnRef idx="1">
+            <a:schemeClr val="accent1"/>
+          </a:lnRef>
+          <a:fillRef idx="0">
+            <a:schemeClr val="accent1"/>
+          </a:fillRef>
+          <a:effectRef idx="0">
+            <a:schemeClr val="accent1"/>
+          </a:effectRef>
+          <a:fontRef idx="minor">
+            <a:schemeClr val="tx1"/>
+          </a:fontRef>
+        </p:style>
+      </p:cxnSp>
+      <p:cxnSp>
+        <p:nvCxnSpPr>
+          <p:cNvPr id="142" name="Соединительная линия уступом 595">
+            <a:extLst>
+              <a:ext uri="{FF2B5EF4-FFF2-40B4-BE49-F238E27FC236}">
+                <a16:creationId xmlns:a16="http://schemas.microsoft.com/office/drawing/2014/main" id="{F7A4FF76-2EE9-432F-964C-37C47DE1F0B8}"/>
+              </a:ext>
+            </a:extLst>
+          </p:cNvPr>
+          <p:cNvCxnSpPr>
+            <a:cxnSpLocks/>
+            <a:stCxn id="1032" idx="2"/>
+            <a:endCxn id="257" idx="0"/>
+          </p:cNvCxnSpPr>
+          <p:nvPr/>
+        </p:nvCxnSpPr>
+        <p:spPr>
+          <a:xfrm rot="5400000">
+            <a:off x="25331059" y="3852943"/>
+            <a:ext cx="255120" cy="1138208"/>
+          </a:xfrm>
+          <a:prstGeom prst="bentConnector3">
+            <a:avLst>
+              <a:gd name="adj1" fmla="val 50000"/>
+            </a:avLst>
+          </a:prstGeom>
+          <a:ln w="19050">
+            <a:prstDash val="dash"/>
+            <a:tailEnd type="arrow"/>
+          </a:ln>
+        </p:spPr>
+        <p:style>
+          <a:lnRef idx="1">
+            <a:schemeClr val="accent1"/>
+          </a:lnRef>
+          <a:fillRef idx="0">
+            <a:schemeClr val="accent1"/>
+          </a:fillRef>
+          <a:effectRef idx="0">
+            <a:schemeClr val="accent1"/>
+          </a:effectRef>
+          <a:fontRef idx="minor">
+            <a:schemeClr val="tx1"/>
+          </a:fontRef>
+        </p:style>
+      </p:cxnSp>
+      <p:cxnSp>
+        <p:nvCxnSpPr>
+          <p:cNvPr id="145" name="Соединительная линия уступом 595">
+            <a:extLst>
+              <a:ext uri="{FF2B5EF4-FFF2-40B4-BE49-F238E27FC236}">
+                <a16:creationId xmlns:a16="http://schemas.microsoft.com/office/drawing/2014/main" id="{B8A9C9F1-566F-4086-B32A-85B1578143B0}"/>
               </a:ext>
             </a:extLst>
           </p:cNvPr>
@@ -10741,14 +10706,578 @@
           <p:nvPr/>
         </p:nvCxnSpPr>
         <p:spPr>
-          <a:xfrm flipH="1">
-            <a:off x="23730554" y="4292545"/>
-            <a:ext cx="1" cy="1839533"/>
-          </a:xfrm>
-          <a:prstGeom prst="straightConnector1">
+          <a:xfrm rot="16200000" flipH="1">
+            <a:off x="24181504" y="3841596"/>
+            <a:ext cx="257062" cy="1158960"/>
+          </a:xfrm>
+          <a:prstGeom prst="bentConnector3">
+            <a:avLst>
+              <a:gd name="adj1" fmla="val 50000"/>
+            </a:avLst>
+          </a:prstGeom>
+          <a:ln w="19050">
+            <a:prstDash val="dash"/>
+            <a:tailEnd type="arrow"/>
+          </a:ln>
+        </p:spPr>
+        <p:style>
+          <a:lnRef idx="1">
+            <a:schemeClr val="accent1"/>
+          </a:lnRef>
+          <a:fillRef idx="0">
+            <a:schemeClr val="accent1"/>
+          </a:fillRef>
+          <a:effectRef idx="0">
+            <a:schemeClr val="accent1"/>
+          </a:effectRef>
+          <a:fontRef idx="minor">
+            <a:schemeClr val="tx1"/>
+          </a:fontRef>
+        </p:style>
+      </p:cxnSp>
+      <p:sp>
+        <p:nvSpPr>
+          <p:cNvPr id="151" name="Прямоугольник 150">
+            <a:extLst>
+              <a:ext uri="{FF2B5EF4-FFF2-40B4-BE49-F238E27FC236}">
+                <a16:creationId xmlns:a16="http://schemas.microsoft.com/office/drawing/2014/main" id="{8121B48E-AA62-410C-9DFD-EF6C570A762A}"/>
+              </a:ext>
+            </a:extLst>
+          </p:cNvPr>
+          <p:cNvSpPr/>
+          <p:nvPr/>
+        </p:nvSpPr>
+        <p:spPr>
+          <a:xfrm>
+            <a:off x="28199421" y="3152114"/>
+            <a:ext cx="926325" cy="540000"/>
+          </a:xfrm>
+          <a:prstGeom prst="rect">
             <a:avLst/>
           </a:prstGeom>
+          <a:solidFill>
+            <a:schemeClr val="tx1"/>
+          </a:solidFill>
+          <a:ln w="19050"/>
+        </p:spPr>
+        <p:style>
+          <a:lnRef idx="2">
+            <a:schemeClr val="accent1"/>
+          </a:lnRef>
+          <a:fillRef idx="1">
+            <a:schemeClr val="lt1"/>
+          </a:fillRef>
+          <a:effectRef idx="0">
+            <a:schemeClr val="accent1"/>
+          </a:effectRef>
+          <a:fontRef idx="minor">
+            <a:schemeClr val="dk1"/>
+          </a:fontRef>
+        </p:style>
+        <p:txBody>
+          <a:bodyPr lIns="124733" tIns="62367" rIns="124733" bIns="62367" rtlCol="0" anchor="ctr"/>
+          <a:lstStyle/>
+          <a:p>
+            <a:pPr algn="ctr"/>
+            <a:r>
+              <a:rPr lang="ru-RU" sz="700" dirty="0">
+                <a:solidFill>
+                  <a:schemeClr val="bg1"/>
+                </a:solidFill>
+              </a:rPr>
+              <a:t>Подъём рабочих ВКТ</a:t>
+            </a:r>
+          </a:p>
+        </p:txBody>
+      </p:sp>
+      <p:sp>
+        <p:nvSpPr>
+          <p:cNvPr id="153" name="Прямоугольник 152">
+            <a:extLst>
+              <a:ext uri="{FF2B5EF4-FFF2-40B4-BE49-F238E27FC236}">
+                <a16:creationId xmlns:a16="http://schemas.microsoft.com/office/drawing/2014/main" id="{7DD35777-1FA5-41A9-9F07-8F422CDE306E}"/>
+              </a:ext>
+            </a:extLst>
+          </p:cNvPr>
+          <p:cNvSpPr/>
+          <p:nvPr/>
+        </p:nvSpPr>
+        <p:spPr>
+          <a:xfrm>
+            <a:off x="28158332" y="3649510"/>
+            <a:ext cx="926325" cy="540000"/>
+          </a:xfrm>
+          <a:prstGeom prst="rect">
+            <a:avLst/>
+          </a:prstGeom>
+          <a:solidFill>
+            <a:schemeClr val="tx1"/>
+          </a:solidFill>
+          <a:ln w="19050"/>
+        </p:spPr>
+        <p:style>
+          <a:lnRef idx="2">
+            <a:schemeClr val="accent1"/>
+          </a:lnRef>
+          <a:fillRef idx="1">
+            <a:schemeClr val="lt1"/>
+          </a:fillRef>
+          <a:effectRef idx="0">
+            <a:schemeClr val="accent1"/>
+          </a:effectRef>
+          <a:fontRef idx="minor">
+            <a:schemeClr val="dk1"/>
+          </a:fontRef>
+        </p:style>
+        <p:txBody>
+          <a:bodyPr lIns="124733" tIns="62367" rIns="124733" bIns="62367" rtlCol="0" anchor="ctr"/>
+          <a:lstStyle/>
+          <a:p>
+            <a:pPr algn="ctr"/>
+            <a:r>
+              <a:rPr lang="ru-RU" sz="500" dirty="0">
+                <a:solidFill>
+                  <a:schemeClr val="bg1"/>
+                </a:solidFill>
+              </a:rPr>
+              <a:t>Лидеры ВКТ предлагали внести в программу требование введения планового хозяйства.</a:t>
+            </a:r>
+          </a:p>
+        </p:txBody>
+      </p:sp>
+      <p:sp>
+        <p:nvSpPr>
+          <p:cNvPr id="159" name="Прямоугольник 158">
+            <a:extLst>
+              <a:ext uri="{FF2B5EF4-FFF2-40B4-BE49-F238E27FC236}">
+                <a16:creationId xmlns:a16="http://schemas.microsoft.com/office/drawing/2014/main" id="{7B805C4F-1AC0-4C6B-A69A-979E67CE5011}"/>
+              </a:ext>
+            </a:extLst>
+          </p:cNvPr>
+          <p:cNvSpPr/>
+          <p:nvPr/>
+        </p:nvSpPr>
+        <p:spPr>
+          <a:xfrm>
+            <a:off x="19310684" y="6154726"/>
+            <a:ext cx="926325" cy="540000"/>
+          </a:xfrm>
+          <a:prstGeom prst="rect">
+            <a:avLst/>
+          </a:prstGeom>
+          <a:solidFill>
+            <a:schemeClr val="bg1"/>
+          </a:solidFill>
+          <a:ln w="19050"/>
+        </p:spPr>
+        <p:style>
+          <a:lnRef idx="2">
+            <a:schemeClr val="accent1"/>
+          </a:lnRef>
+          <a:fillRef idx="1">
+            <a:schemeClr val="lt1"/>
+          </a:fillRef>
+          <a:effectRef idx="0">
+            <a:schemeClr val="accent1"/>
+          </a:effectRef>
+          <a:fontRef idx="minor">
+            <a:schemeClr val="dk1"/>
+          </a:fontRef>
+        </p:style>
+        <p:txBody>
+          <a:bodyPr lIns="124733" tIns="62367" rIns="124733" bIns="62367" rtlCol="0" anchor="ctr"/>
+          <a:lstStyle/>
+          <a:p>
+            <a:pPr algn="ctr"/>
+            <a:r>
+              <a:rPr lang="ru-RU" sz="700" dirty="0"/>
+              <a:t>отменить все законы, ограничивающие свободу печати</a:t>
+            </a:r>
+          </a:p>
+        </p:txBody>
+      </p:sp>
+      <p:sp>
+        <p:nvSpPr>
+          <p:cNvPr id="160" name="Прямоугольник 159">
+            <a:extLst>
+              <a:ext uri="{FF2B5EF4-FFF2-40B4-BE49-F238E27FC236}">
+                <a16:creationId xmlns:a16="http://schemas.microsoft.com/office/drawing/2014/main" id="{FF383B4F-5BA7-462F-9C5D-B9FB3B8262BE}"/>
+              </a:ext>
+            </a:extLst>
+          </p:cNvPr>
+          <p:cNvSpPr/>
+          <p:nvPr/>
+        </p:nvSpPr>
+        <p:spPr>
+          <a:xfrm>
+            <a:off x="19338028" y="7000631"/>
+            <a:ext cx="926325" cy="540000"/>
+          </a:xfrm>
+          <a:prstGeom prst="rect">
+            <a:avLst/>
+          </a:prstGeom>
+          <a:solidFill>
+            <a:schemeClr val="bg1"/>
+          </a:solidFill>
+          <a:ln w="19050"/>
+        </p:spPr>
+        <p:style>
+          <a:lnRef idx="2">
+            <a:schemeClr val="accent1"/>
+          </a:lnRef>
+          <a:fillRef idx="1">
+            <a:schemeClr val="lt1"/>
+          </a:fillRef>
+          <a:effectRef idx="0">
+            <a:schemeClr val="accent1"/>
+          </a:effectRef>
+          <a:fontRef idx="minor">
+            <a:schemeClr val="dk1"/>
+          </a:fontRef>
+        </p:style>
+        <p:txBody>
+          <a:bodyPr lIns="124733" tIns="62367" rIns="124733" bIns="62367" rtlCol="0" anchor="ctr"/>
+          <a:lstStyle/>
+          <a:p>
+            <a:pPr algn="ctr"/>
+            <a:r>
+              <a:rPr lang="ru-RU" sz="700" dirty="0"/>
+              <a:t>Обязательно обучение детей (до 14 лет)</a:t>
+            </a:r>
+          </a:p>
+        </p:txBody>
+      </p:sp>
+      <p:sp>
+        <p:nvSpPr>
+          <p:cNvPr id="161" name="Прямоугольник 160">
+            <a:extLst>
+              <a:ext uri="{FF2B5EF4-FFF2-40B4-BE49-F238E27FC236}">
+                <a16:creationId xmlns:a16="http://schemas.microsoft.com/office/drawing/2014/main" id="{58D139A0-EE1B-4DCB-87C2-0A609FA28988}"/>
+              </a:ext>
+            </a:extLst>
+          </p:cNvPr>
+          <p:cNvSpPr/>
+          <p:nvPr/>
+        </p:nvSpPr>
+        <p:spPr>
+          <a:xfrm>
+            <a:off x="20405049" y="6949017"/>
+            <a:ext cx="926325" cy="540000"/>
+          </a:xfrm>
+          <a:prstGeom prst="rect">
+            <a:avLst/>
+          </a:prstGeom>
+          <a:solidFill>
+            <a:schemeClr val="bg1"/>
+          </a:solidFill>
+          <a:ln w="19050"/>
+        </p:spPr>
+        <p:style>
+          <a:lnRef idx="2">
+            <a:schemeClr val="accent1"/>
+          </a:lnRef>
+          <a:fillRef idx="1">
+            <a:schemeClr val="lt1"/>
+          </a:fillRef>
+          <a:effectRef idx="0">
+            <a:schemeClr val="accent1"/>
+          </a:effectRef>
+          <a:fontRef idx="minor">
+            <a:schemeClr val="dk1"/>
+          </a:fontRef>
+        </p:style>
+        <p:txBody>
+          <a:bodyPr lIns="124733" tIns="62367" rIns="124733" bIns="62367" rtlCol="0" anchor="ctr"/>
+          <a:lstStyle/>
+          <a:p>
+            <a:pPr algn="ctr"/>
+            <a:r>
+              <a:rPr lang="ru-RU" sz="700" dirty="0"/>
+              <a:t>Специальная парламентская комиссия должна была обследовать политическое, экономическое и моральное состояние французских колониальных владений.</a:t>
+            </a:r>
+          </a:p>
+        </p:txBody>
+      </p:sp>
+      <p:sp>
+        <p:nvSpPr>
+          <p:cNvPr id="164" name="Прямоугольник 163">
+            <a:extLst>
+              <a:ext uri="{FF2B5EF4-FFF2-40B4-BE49-F238E27FC236}">
+                <a16:creationId xmlns:a16="http://schemas.microsoft.com/office/drawing/2014/main" id="{2E143361-4F00-4212-9162-03E7BD20119F}"/>
+              </a:ext>
+            </a:extLst>
+          </p:cNvPr>
+          <p:cNvSpPr/>
+          <p:nvPr/>
+        </p:nvSpPr>
+        <p:spPr>
+          <a:xfrm>
+            <a:off x="23869066" y="8165622"/>
+            <a:ext cx="926325" cy="540000"/>
+          </a:xfrm>
+          <a:prstGeom prst="rect">
+            <a:avLst/>
+          </a:prstGeom>
+          <a:solidFill>
+            <a:schemeClr val="bg1"/>
+          </a:solidFill>
+          <a:ln w="19050"/>
+        </p:spPr>
+        <p:style>
+          <a:lnRef idx="2">
+            <a:schemeClr val="accent1"/>
+          </a:lnRef>
+          <a:fillRef idx="1">
+            <a:schemeClr val="lt1"/>
+          </a:fillRef>
+          <a:effectRef idx="0">
+            <a:schemeClr val="accent1"/>
+          </a:effectRef>
+          <a:fontRef idx="minor">
+            <a:schemeClr val="dk1"/>
+          </a:fontRef>
+        </p:style>
+        <p:txBody>
+          <a:bodyPr lIns="124733" tIns="62367" rIns="124733" bIns="62367" rtlCol="0" anchor="ctr"/>
+          <a:lstStyle/>
+          <a:p>
+            <a:pPr algn="ctr"/>
+            <a:r>
+              <a:rPr lang="ru-RU" sz="700" dirty="0"/>
+              <a:t>Отвернуться от программы Народного фронта</a:t>
+            </a:r>
+          </a:p>
+        </p:txBody>
+      </p:sp>
+      <p:sp>
+        <p:nvSpPr>
+          <p:cNvPr id="170" name="Прямоугольник 169">
+            <a:extLst>
+              <a:ext uri="{FF2B5EF4-FFF2-40B4-BE49-F238E27FC236}">
+                <a16:creationId xmlns:a16="http://schemas.microsoft.com/office/drawing/2014/main" id="{D223AA09-6900-4C30-ADE5-454AF438C47D}"/>
+              </a:ext>
+            </a:extLst>
+          </p:cNvPr>
+          <p:cNvSpPr/>
+          <p:nvPr/>
+        </p:nvSpPr>
+        <p:spPr>
+          <a:xfrm>
+            <a:off x="22723672" y="8165622"/>
+            <a:ext cx="926325" cy="540000"/>
+          </a:xfrm>
+          <a:prstGeom prst="rect">
+            <a:avLst/>
+          </a:prstGeom>
+          <a:solidFill>
+            <a:schemeClr val="bg1"/>
+          </a:solidFill>
+          <a:ln w="19050"/>
+        </p:spPr>
+        <p:style>
+          <a:lnRef idx="2">
+            <a:schemeClr val="accent1"/>
+          </a:lnRef>
+          <a:fillRef idx="1">
+            <a:schemeClr val="lt1"/>
+          </a:fillRef>
+          <a:effectRef idx="0">
+            <a:schemeClr val="accent1"/>
+          </a:effectRef>
+          <a:fontRef idx="minor">
+            <a:schemeClr val="dk1"/>
+          </a:fontRef>
+        </p:style>
+        <p:txBody>
+          <a:bodyPr lIns="124733" tIns="62367" rIns="124733" bIns="62367" rtlCol="0" anchor="ctr"/>
+          <a:lstStyle/>
+          <a:p>
+            <a:pPr algn="ctr"/>
+            <a:r>
+              <a:rPr lang="ru-RU" sz="700" dirty="0"/>
+              <a:t>Получить контроль над финансовой сферой</a:t>
+            </a:r>
+          </a:p>
+        </p:txBody>
+      </p:sp>
+      <p:cxnSp>
+        <p:nvCxnSpPr>
+          <p:cNvPr id="171" name="Прямая соединительная линия 170">
+            <a:extLst>
+              <a:ext uri="{FF2B5EF4-FFF2-40B4-BE49-F238E27FC236}">
+                <a16:creationId xmlns:a16="http://schemas.microsoft.com/office/drawing/2014/main" id="{9800D9C2-3025-4409-9B53-4403153DC7F3}"/>
+              </a:ext>
+            </a:extLst>
+          </p:cNvPr>
+          <p:cNvCxnSpPr>
+            <a:cxnSpLocks/>
+            <a:stCxn id="170" idx="3"/>
+            <a:endCxn id="164" idx="1"/>
+          </p:cNvCxnSpPr>
+          <p:nvPr/>
+        </p:nvCxnSpPr>
+        <p:spPr>
+          <a:xfrm>
+            <a:off x="23649997" y="8435622"/>
+            <a:ext cx="219069" cy="0"/>
+          </a:xfrm>
+          <a:prstGeom prst="line">
+            <a:avLst/>
+          </a:prstGeom>
           <a:ln w="19050">
+            <a:solidFill>
+              <a:srgbClr val="FF0000"/>
+            </a:solidFill>
+          </a:ln>
+        </p:spPr>
+        <p:style>
+          <a:lnRef idx="1">
+            <a:schemeClr val="accent1"/>
+          </a:lnRef>
+          <a:fillRef idx="0">
+            <a:schemeClr val="accent1"/>
+          </a:fillRef>
+          <a:effectRef idx="0">
+            <a:schemeClr val="accent1"/>
+          </a:effectRef>
+          <a:fontRef idx="minor">
+            <a:schemeClr val="tx1"/>
+          </a:fontRef>
+        </p:style>
+      </p:cxnSp>
+      <p:sp>
+        <p:nvSpPr>
+          <p:cNvPr id="174" name="Прямоугольник 173">
+            <a:extLst>
+              <a:ext uri="{FF2B5EF4-FFF2-40B4-BE49-F238E27FC236}">
+                <a16:creationId xmlns:a16="http://schemas.microsoft.com/office/drawing/2014/main" id="{1B9610BC-BEAD-42BE-A81A-905822006B53}"/>
+              </a:ext>
+            </a:extLst>
+          </p:cNvPr>
+          <p:cNvSpPr/>
+          <p:nvPr/>
+        </p:nvSpPr>
+        <p:spPr>
+          <a:xfrm>
+            <a:off x="22730824" y="5340843"/>
+            <a:ext cx="926325" cy="540000"/>
+          </a:xfrm>
+          <a:prstGeom prst="rect">
+            <a:avLst/>
+          </a:prstGeom>
+          <a:solidFill>
+            <a:schemeClr val="accent6">
+              <a:lumMod val="60000"/>
+              <a:lumOff val="40000"/>
+            </a:schemeClr>
+          </a:solidFill>
+          <a:ln w="19050"/>
+        </p:spPr>
+        <p:style>
+          <a:lnRef idx="2">
+            <a:schemeClr val="accent1"/>
+          </a:lnRef>
+          <a:fillRef idx="1">
+            <a:schemeClr val="lt1"/>
+          </a:fillRef>
+          <a:effectRef idx="0">
+            <a:schemeClr val="accent1"/>
+          </a:effectRef>
+          <a:fontRef idx="minor">
+            <a:schemeClr val="dk1"/>
+          </a:fontRef>
+        </p:style>
+        <p:txBody>
+          <a:bodyPr lIns="124733" tIns="62367" rIns="124733" bIns="62367" rtlCol="0" anchor="ctr"/>
+          <a:lstStyle/>
+          <a:p>
+            <a:pPr algn="ctr"/>
+            <a:r>
+              <a:rPr lang="ru-RU" sz="700" dirty="0"/>
+              <a:t>Двести семей </a:t>
+            </a:r>
+            <a:r>
+              <a:rPr lang="ru-RU" sz="300" dirty="0"/>
+              <a:t>(Во время радикального конгресса в Нанте в 1934 году он выдвинул тему « Двести семей », подхваченную крайне правыми и коммунистами ( «Двести семей — хозяева французской экономики и, по сути, французской политики». ).)</a:t>
+            </a:r>
+            <a:endParaRPr lang="ru-RU" sz="700" dirty="0"/>
+          </a:p>
+        </p:txBody>
+      </p:sp>
+      <p:cxnSp>
+        <p:nvCxnSpPr>
+          <p:cNvPr id="181" name="Соединительная линия уступом 595">
+            <a:extLst>
+              <a:ext uri="{FF2B5EF4-FFF2-40B4-BE49-F238E27FC236}">
+                <a16:creationId xmlns:a16="http://schemas.microsoft.com/office/drawing/2014/main" id="{0EC64330-D777-4750-9CF0-7246242C030D}"/>
+              </a:ext>
+            </a:extLst>
+          </p:cNvPr>
+          <p:cNvCxnSpPr>
+            <a:cxnSpLocks/>
+            <a:stCxn id="170" idx="2"/>
+            <a:endCxn id="154" idx="0"/>
+          </p:cNvCxnSpPr>
+          <p:nvPr/>
+        </p:nvCxnSpPr>
+        <p:spPr>
+          <a:xfrm rot="16200000" flipH="1">
+            <a:off x="21928128" y="9964329"/>
+            <a:ext cx="3061134" cy="543720"/>
+          </a:xfrm>
+          <a:prstGeom prst="bentConnector3">
+            <a:avLst>
+              <a:gd name="adj1" fmla="val 5675"/>
+            </a:avLst>
+          </a:prstGeom>
+          <a:ln w="19050">
+            <a:prstDash val="dash"/>
+            <a:tailEnd type="arrow"/>
+          </a:ln>
+        </p:spPr>
+        <p:style>
+          <a:lnRef idx="1">
+            <a:schemeClr val="accent1"/>
+          </a:lnRef>
+          <a:fillRef idx="0">
+            <a:schemeClr val="accent1"/>
+          </a:fillRef>
+          <a:effectRef idx="0">
+            <a:schemeClr val="accent1"/>
+          </a:effectRef>
+          <a:fontRef idx="minor">
+            <a:schemeClr val="tx1"/>
+          </a:fontRef>
+        </p:style>
+      </p:cxnSp>
+      <p:cxnSp>
+        <p:nvCxnSpPr>
+          <p:cNvPr id="185" name="Соединительная линия уступом 595">
+            <a:extLst>
+              <a:ext uri="{FF2B5EF4-FFF2-40B4-BE49-F238E27FC236}">
+                <a16:creationId xmlns:a16="http://schemas.microsoft.com/office/drawing/2014/main" id="{A55A5B0D-857E-4628-B71C-B169DC21AB52}"/>
+              </a:ext>
+            </a:extLst>
+          </p:cNvPr>
+          <p:cNvCxnSpPr>
+            <a:cxnSpLocks/>
+            <a:stCxn id="164" idx="2"/>
+            <a:endCxn id="154" idx="0"/>
+          </p:cNvCxnSpPr>
+          <p:nvPr/>
+        </p:nvCxnSpPr>
+        <p:spPr>
+          <a:xfrm rot="5400000">
+            <a:off x="22500825" y="9935352"/>
+            <a:ext cx="3061134" cy="601674"/>
+          </a:xfrm>
+          <a:prstGeom prst="bentConnector3">
+            <a:avLst>
+              <a:gd name="adj1" fmla="val 5675"/>
+            </a:avLst>
+          </a:prstGeom>
+          <a:ln w="19050">
+            <a:prstDash val="dash"/>
             <a:tailEnd type="arrow"/>
           </a:ln>
         </p:spPr>

--- a/Наработки/диздоки/Франция/Франция.pptx
+++ b/Наработки/диздоки/Франция/Франция.pptx
@@ -6723,7 +6723,7 @@
         </p:nvSpPr>
         <p:spPr>
           <a:xfrm>
-            <a:off x="22262240" y="24805"/>
+            <a:off x="34038819" y="17387750"/>
             <a:ext cx="926325" cy="540000"/>
           </a:xfrm>
           <a:prstGeom prst="rect">
@@ -11296,6 +11296,118 @@
           </a:fontRef>
         </p:style>
       </p:cxnSp>
+      <p:sp>
+        <p:nvSpPr>
+          <p:cNvPr id="141" name="Прямоугольник 140">
+            <a:extLst>
+              <a:ext uri="{FF2B5EF4-FFF2-40B4-BE49-F238E27FC236}">
+                <a16:creationId xmlns:a16="http://schemas.microsoft.com/office/drawing/2014/main" id="{3DADF349-F01A-4695-9174-9ECBE343B093}"/>
+              </a:ext>
+            </a:extLst>
+          </p:cNvPr>
+          <p:cNvSpPr/>
+          <p:nvPr/>
+        </p:nvSpPr>
+        <p:spPr>
+          <a:xfrm>
+            <a:off x="33981669" y="18194200"/>
+            <a:ext cx="926325" cy="540000"/>
+          </a:xfrm>
+          <a:prstGeom prst="rect">
+            <a:avLst/>
+          </a:prstGeom>
+          <a:solidFill>
+            <a:schemeClr val="bg1"/>
+          </a:solidFill>
+          <a:ln w="19050"/>
+        </p:spPr>
+        <p:style>
+          <a:lnRef idx="2">
+            <a:schemeClr val="accent1"/>
+          </a:lnRef>
+          <a:fillRef idx="1">
+            <a:schemeClr val="lt1"/>
+          </a:fillRef>
+          <a:effectRef idx="0">
+            <a:schemeClr val="accent1"/>
+          </a:effectRef>
+          <a:fontRef idx="minor">
+            <a:schemeClr val="dk1"/>
+          </a:fontRef>
+        </p:style>
+        <p:txBody>
+          <a:bodyPr lIns="124733" tIns="62367" rIns="124733" bIns="62367" rtlCol="0" anchor="ctr"/>
+          <a:lstStyle/>
+          <a:p>
+            <a:pPr algn="ctr"/>
+            <a:r>
+              <a:rPr lang="ru-RU" sz="700" dirty="0"/>
+              <a:t>Увеличение срока службы</a:t>
+            </a:r>
+            <a:r>
+              <a:rPr lang="ru-RU" sz="500" dirty="0"/>
+              <a:t>(17 марта : Срок действительной военной службы увеличен до двух лет)</a:t>
+            </a:r>
+            <a:endParaRPr lang="ru-RU" sz="700" dirty="0"/>
+          </a:p>
+        </p:txBody>
+      </p:sp>
+      <p:sp>
+        <p:nvSpPr>
+          <p:cNvPr id="144" name="Прямоугольник 143">
+            <a:extLst>
+              <a:ext uri="{FF2B5EF4-FFF2-40B4-BE49-F238E27FC236}">
+                <a16:creationId xmlns:a16="http://schemas.microsoft.com/office/drawing/2014/main" id="{8B0A0B36-AA04-409D-A67C-6660D8053773}"/>
+              </a:ext>
+            </a:extLst>
+          </p:cNvPr>
+          <p:cNvSpPr/>
+          <p:nvPr/>
+        </p:nvSpPr>
+        <p:spPr>
+          <a:xfrm>
+            <a:off x="37086819" y="17330600"/>
+            <a:ext cx="926325" cy="540000"/>
+          </a:xfrm>
+          <a:prstGeom prst="rect">
+            <a:avLst/>
+          </a:prstGeom>
+          <a:solidFill>
+            <a:schemeClr val="bg1"/>
+          </a:solidFill>
+          <a:ln w="19050"/>
+        </p:spPr>
+        <p:style>
+          <a:lnRef idx="2">
+            <a:schemeClr val="accent1"/>
+          </a:lnRef>
+          <a:fillRef idx="1">
+            <a:schemeClr val="lt1"/>
+          </a:fillRef>
+          <a:effectRef idx="0">
+            <a:schemeClr val="accent1"/>
+          </a:effectRef>
+          <a:fontRef idx="minor">
+            <a:schemeClr val="dk1"/>
+          </a:fontRef>
+        </p:style>
+        <p:txBody>
+          <a:bodyPr lIns="124733" tIns="62367" rIns="124733" bIns="62367" rtlCol="0" anchor="ctr"/>
+          <a:lstStyle/>
+          <a:p>
+            <a:pPr algn="ctr"/>
+            <a:r>
+              <a:rPr lang="ru-RU" sz="700" dirty="0"/>
+              <a:t>19 марта : закон о реорганизации Национального экономического совета</a:t>
+            </a:r>
+            <a:r>
+              <a:rPr lang="ru-RU" sz="500" dirty="0"/>
+              <a:t>(после демилитаризации)</a:t>
+            </a:r>
+            <a:endParaRPr lang="ru-RU" sz="700" dirty="0"/>
+          </a:p>
+        </p:txBody>
+      </p:sp>
     </p:spTree>
     <p:extLst>
       <p:ext uri="{BB962C8B-B14F-4D97-AF65-F5344CB8AC3E}">

--- a/Наработки/диздоки/Франция/Франция.pptx
+++ b/Наработки/диздоки/Франция/Франция.pptx
@@ -209,7 +209,7 @@
             <a:fld id="{33E3D7F9-E251-484C-A6FF-FA958879DF69}" type="datetimeFigureOut">
               <a:rPr lang="ru-RU" smtClean="0"/>
               <a:pPr/>
-              <a:t>06.03.2024</a:t>
+              <a:t>07.03.2024</a:t>
             </a:fld>
             <a:endParaRPr lang="ru-RU"/>
           </a:p>
@@ -699,7 +699,7 @@
             <a:fld id="{85A5DE44-605B-4D3B-B2B7-94543DF81A36}" type="datetimeFigureOut">
               <a:rPr lang="ru-RU" smtClean="0"/>
               <a:pPr/>
-              <a:t>06.03.2024</a:t>
+              <a:t>07.03.2024</a:t>
             </a:fld>
             <a:endParaRPr lang="ru-RU"/>
           </a:p>
@@ -871,7 +871,7 @@
             <a:fld id="{85A5DE44-605B-4D3B-B2B7-94543DF81A36}" type="datetimeFigureOut">
               <a:rPr lang="ru-RU" smtClean="0"/>
               <a:pPr/>
-              <a:t>06.03.2024</a:t>
+              <a:t>07.03.2024</a:t>
             </a:fld>
             <a:endParaRPr lang="ru-RU"/>
           </a:p>
@@ -1053,7 +1053,7 @@
             <a:fld id="{85A5DE44-605B-4D3B-B2B7-94543DF81A36}" type="datetimeFigureOut">
               <a:rPr lang="ru-RU" smtClean="0"/>
               <a:pPr/>
-              <a:t>06.03.2024</a:t>
+              <a:t>07.03.2024</a:t>
             </a:fld>
             <a:endParaRPr lang="ru-RU"/>
           </a:p>
@@ -1225,7 +1225,7 @@
             <a:fld id="{85A5DE44-605B-4D3B-B2B7-94543DF81A36}" type="datetimeFigureOut">
               <a:rPr lang="ru-RU" smtClean="0"/>
               <a:pPr/>
-              <a:t>06.03.2024</a:t>
+              <a:t>07.03.2024</a:t>
             </a:fld>
             <a:endParaRPr lang="ru-RU"/>
           </a:p>
@@ -1473,7 +1473,7 @@
             <a:fld id="{85A5DE44-605B-4D3B-B2B7-94543DF81A36}" type="datetimeFigureOut">
               <a:rPr lang="ru-RU" smtClean="0"/>
               <a:pPr/>
-              <a:t>06.03.2024</a:t>
+              <a:t>07.03.2024</a:t>
             </a:fld>
             <a:endParaRPr lang="ru-RU"/>
           </a:p>
@@ -1707,7 +1707,7 @@
             <a:fld id="{85A5DE44-605B-4D3B-B2B7-94543DF81A36}" type="datetimeFigureOut">
               <a:rPr lang="ru-RU" smtClean="0"/>
               <a:pPr/>
-              <a:t>06.03.2024</a:t>
+              <a:t>07.03.2024</a:t>
             </a:fld>
             <a:endParaRPr lang="ru-RU"/>
           </a:p>
@@ -2076,7 +2076,7 @@
             <a:fld id="{85A5DE44-605B-4D3B-B2B7-94543DF81A36}" type="datetimeFigureOut">
               <a:rPr lang="ru-RU" smtClean="0"/>
               <a:pPr/>
-              <a:t>06.03.2024</a:t>
+              <a:t>07.03.2024</a:t>
             </a:fld>
             <a:endParaRPr lang="ru-RU"/>
           </a:p>
@@ -2196,7 +2196,7 @@
             <a:fld id="{85A5DE44-605B-4D3B-B2B7-94543DF81A36}" type="datetimeFigureOut">
               <a:rPr lang="ru-RU" smtClean="0"/>
               <a:pPr/>
-              <a:t>06.03.2024</a:t>
+              <a:t>07.03.2024</a:t>
             </a:fld>
             <a:endParaRPr lang="ru-RU"/>
           </a:p>
@@ -2293,7 +2293,7 @@
             <a:fld id="{85A5DE44-605B-4D3B-B2B7-94543DF81A36}" type="datetimeFigureOut">
               <a:rPr lang="ru-RU" smtClean="0"/>
               <a:pPr/>
-              <a:t>06.03.2024</a:t>
+              <a:t>07.03.2024</a:t>
             </a:fld>
             <a:endParaRPr lang="ru-RU"/>
           </a:p>
@@ -2572,7 +2572,7 @@
             <a:fld id="{85A5DE44-605B-4D3B-B2B7-94543DF81A36}" type="datetimeFigureOut">
               <a:rPr lang="ru-RU" smtClean="0"/>
               <a:pPr/>
-              <a:t>06.03.2024</a:t>
+              <a:t>07.03.2024</a:t>
             </a:fld>
             <a:endParaRPr lang="ru-RU"/>
           </a:p>
@@ -2831,7 +2831,7 @@
             <a:fld id="{85A5DE44-605B-4D3B-B2B7-94543DF81A36}" type="datetimeFigureOut">
               <a:rPr lang="ru-RU" smtClean="0"/>
               <a:pPr/>
-              <a:t>06.03.2024</a:t>
+              <a:t>07.03.2024</a:t>
             </a:fld>
             <a:endParaRPr lang="ru-RU"/>
           </a:p>
@@ -3046,7 +3046,7 @@
             <a:fld id="{85A5DE44-605B-4D3B-B2B7-94543DF81A36}" type="datetimeFigureOut">
               <a:rPr lang="ru-RU" smtClean="0"/>
               <a:pPr/>
-              <a:t>06.03.2024</a:t>
+              <a:t>07.03.2024</a:t>
             </a:fld>
             <a:endParaRPr lang="ru-RU"/>
           </a:p>
@@ -11408,6 +11408,4621 @@
           </a:p>
         </p:txBody>
       </p:sp>
+      <p:sp>
+        <p:nvSpPr>
+          <p:cNvPr id="147" name="Прямоугольник 146">
+            <a:extLst>
+              <a:ext uri="{FF2B5EF4-FFF2-40B4-BE49-F238E27FC236}">
+                <a16:creationId xmlns:a16="http://schemas.microsoft.com/office/drawing/2014/main" id="{F3A790FA-1628-4440-8AAD-8EBE5C1D8611}"/>
+              </a:ext>
+            </a:extLst>
+          </p:cNvPr>
+          <p:cNvSpPr/>
+          <p:nvPr/>
+        </p:nvSpPr>
+        <p:spPr>
+          <a:xfrm>
+            <a:off x="2364712" y="17322134"/>
+            <a:ext cx="926325" cy="540000"/>
+          </a:xfrm>
+          <a:prstGeom prst="rect">
+            <a:avLst/>
+          </a:prstGeom>
+          <a:solidFill>
+            <a:schemeClr val="accent1">
+              <a:lumMod val="60000"/>
+              <a:lumOff val="40000"/>
+            </a:schemeClr>
+          </a:solidFill>
+          <a:ln w="19050"/>
+        </p:spPr>
+        <p:style>
+          <a:lnRef idx="2">
+            <a:schemeClr val="accent1"/>
+          </a:lnRef>
+          <a:fillRef idx="1">
+            <a:schemeClr val="lt1"/>
+          </a:fillRef>
+          <a:effectRef idx="0">
+            <a:schemeClr val="accent1"/>
+          </a:effectRef>
+          <a:fontRef idx="minor">
+            <a:schemeClr val="dk1"/>
+          </a:fontRef>
+        </p:style>
+        <p:txBody>
+          <a:bodyPr lIns="124733" tIns="62367" rIns="124733" bIns="62367" rtlCol="0" anchor="ctr"/>
+          <a:lstStyle/>
+          <a:p>
+            <a:pPr algn="ctr"/>
+            <a:r>
+              <a:rPr lang="ru-RU" sz="700" dirty="0"/>
+              <a:t>Реорганизация железных дорог (окончание 1 января 1938) </a:t>
+            </a:r>
+            <a:r>
+              <a:rPr lang="ru-RU" sz="100" dirty="0"/>
+              <a:t>(История SNCF ( </a:t>
+            </a:r>
+            <a:r>
+              <a:rPr lang="ru-RU" sz="100" dirty="0" err="1"/>
+              <a:t>Societe</a:t>
+            </a:r>
+            <a:r>
+              <a:rPr lang="ru-RU" sz="100" dirty="0"/>
+              <a:t> </a:t>
+            </a:r>
+            <a:r>
+              <a:rPr lang="ru-RU" sz="100" dirty="0" err="1"/>
+              <a:t>nationale</a:t>
+            </a:r>
+            <a:r>
+              <a:rPr lang="ru-RU" sz="100" dirty="0"/>
+              <a:t> </a:t>
+            </a:r>
+            <a:r>
+              <a:rPr lang="ru-RU" sz="100" dirty="0" err="1"/>
+              <a:t>des</a:t>
+            </a:r>
+            <a:r>
+              <a:rPr lang="ru-RU" sz="100" dirty="0"/>
+              <a:t> </a:t>
+            </a:r>
+            <a:r>
+              <a:rPr lang="ru-RU" sz="100" dirty="0" err="1"/>
+              <a:t>chemins</a:t>
+            </a:r>
+            <a:r>
+              <a:rPr lang="ru-RU" sz="100" dirty="0"/>
+              <a:t> </a:t>
+            </a:r>
+            <a:r>
+              <a:rPr lang="ru-RU" sz="100" dirty="0" err="1"/>
+              <a:t>defer</a:t>
+            </a:r>
+            <a:r>
+              <a:rPr lang="ru-RU" sz="100" dirty="0"/>
+              <a:t> </a:t>
+            </a:r>
+            <a:r>
+              <a:rPr lang="ru-RU" sz="100" dirty="0" err="1"/>
+              <a:t>français</a:t>
+            </a:r>
+            <a:r>
+              <a:rPr lang="ru-RU" sz="100" dirty="0"/>
+              <a:t> ) начинается1 января 1938 года, дата вступления в силу конвенции31 августа 1937 </a:t>
+            </a:r>
+            <a:r>
+              <a:rPr lang="ru-RU" sz="100" dirty="0" err="1"/>
+              <a:t>г.в</a:t>
+            </a:r>
+            <a:r>
+              <a:rPr lang="ru-RU" sz="100" dirty="0"/>
+              <a:t> связи с созданием SNCF. С этой даты она практически сливается с историей железных дорог Франции , поскольку SNCF берет на себя концессию почти всей французской железнодорожной сети, за исключением второстепенных </a:t>
+            </a:r>
+            <a:r>
+              <a:rPr lang="ru-RU" sz="100" dirty="0" err="1"/>
+              <a:t>линийНовая</a:t>
+            </a:r>
+            <a:r>
+              <a:rPr lang="ru-RU" sz="100" dirty="0"/>
+              <a:t> компания создала свою организацию по образцу старых частных компаний. Они были обнаружены более или менее в виде пяти регионов: Восток (</a:t>
+            </a:r>
+            <a:r>
+              <a:rPr lang="ru-RU" sz="100" dirty="0" err="1"/>
+              <a:t>Compagnie</a:t>
+            </a:r>
+            <a:r>
+              <a:rPr lang="ru-RU" sz="100" dirty="0"/>
+              <a:t> </a:t>
+            </a:r>
+            <a:r>
+              <a:rPr lang="ru-RU" sz="100" dirty="0" err="1"/>
+              <a:t>de</a:t>
+            </a:r>
+            <a:r>
+              <a:rPr lang="ru-RU" sz="100" dirty="0"/>
+              <a:t> </a:t>
+            </a:r>
+            <a:r>
+              <a:rPr lang="ru-RU" sz="100" dirty="0" err="1"/>
+              <a:t>l'Est</a:t>
+            </a:r>
+            <a:r>
+              <a:rPr lang="ru-RU" sz="100" dirty="0"/>
+              <a:t> и Эльзас-Лотарингия ), Север (</a:t>
+            </a:r>
+            <a:r>
+              <a:rPr lang="ru-RU" sz="100" dirty="0" err="1"/>
+              <a:t>Compagnie</a:t>
+            </a:r>
+            <a:r>
+              <a:rPr lang="ru-RU" sz="100" dirty="0"/>
+              <a:t> </a:t>
+            </a:r>
+            <a:r>
+              <a:rPr lang="ru-RU" sz="100" dirty="0" err="1"/>
+              <a:t>du</a:t>
+            </a:r>
+            <a:r>
+              <a:rPr lang="ru-RU" sz="100" dirty="0"/>
+              <a:t> </a:t>
+            </a:r>
+            <a:r>
+              <a:rPr lang="ru-RU" sz="100" dirty="0" err="1"/>
+              <a:t>Nord</a:t>
+            </a:r>
+            <a:r>
+              <a:rPr lang="ru-RU" sz="100" dirty="0"/>
+              <a:t>), Запад (штат), Юго-Запад (PO-</a:t>
+            </a:r>
+            <a:r>
+              <a:rPr lang="ru-RU" sz="100" dirty="0" err="1"/>
+              <a:t>Midi</a:t>
+            </a:r>
+            <a:r>
+              <a:rPr lang="ru-RU" sz="100" dirty="0"/>
+              <a:t>) и Юг. -</a:t>
+            </a:r>
+            <a:r>
+              <a:rPr lang="ru-RU" sz="100" dirty="0" err="1"/>
+              <a:t>Est</a:t>
+            </a:r>
+            <a:r>
+              <a:rPr lang="ru-RU" sz="100" dirty="0"/>
+              <a:t> (PLM), штаб-квартира которой находилась в Париже, и возглавлялась центральным руководством, ответственным за общую координацию. Основной задачей этого управления была, прежде всего, унификация правил эксплуатации и сигнализации , а также оборудования.)</a:t>
+            </a:r>
+            <a:endParaRPr lang="ru-RU" sz="700" dirty="0"/>
+          </a:p>
+        </p:txBody>
+      </p:sp>
+      <p:sp>
+        <p:nvSpPr>
+          <p:cNvPr id="148" name="Прямоугольник 147">
+            <a:extLst>
+              <a:ext uri="{FF2B5EF4-FFF2-40B4-BE49-F238E27FC236}">
+                <a16:creationId xmlns:a16="http://schemas.microsoft.com/office/drawing/2014/main" id="{77B82CEA-3C90-4FE0-9156-5924BFF6910F}"/>
+              </a:ext>
+            </a:extLst>
+          </p:cNvPr>
+          <p:cNvSpPr/>
+          <p:nvPr/>
+        </p:nvSpPr>
+        <p:spPr>
+          <a:xfrm>
+            <a:off x="6930964" y="22373772"/>
+            <a:ext cx="926325" cy="540000"/>
+          </a:xfrm>
+          <a:prstGeom prst="rect">
+            <a:avLst/>
+          </a:prstGeom>
+          <a:solidFill>
+            <a:schemeClr val="accent1">
+              <a:lumMod val="60000"/>
+              <a:lumOff val="40000"/>
+            </a:schemeClr>
+          </a:solidFill>
+          <a:ln w="19050"/>
+        </p:spPr>
+        <p:style>
+          <a:lnRef idx="2">
+            <a:schemeClr val="accent1"/>
+          </a:lnRef>
+          <a:fillRef idx="1">
+            <a:schemeClr val="lt1"/>
+          </a:fillRef>
+          <a:effectRef idx="0">
+            <a:schemeClr val="accent1"/>
+          </a:effectRef>
+          <a:fontRef idx="minor">
+            <a:schemeClr val="dk1"/>
+          </a:fontRef>
+        </p:style>
+        <p:txBody>
+          <a:bodyPr lIns="124733" tIns="62367" rIns="124733" bIns="62367" rtlCol="0" anchor="ctr"/>
+          <a:lstStyle/>
+          <a:p>
+            <a:pPr algn="ctr"/>
+            <a:r>
+              <a:rPr lang="ru-RU" sz="700" dirty="0"/>
+              <a:t>Северная национальная авиастроительная компания (окончание 1 февраля 1937) </a:t>
+            </a:r>
+          </a:p>
+          <a:p>
+            <a:pPr algn="ctr"/>
+            <a:r>
+              <a:rPr lang="en-US" sz="100" dirty="0"/>
+              <a:t>Société </a:t>
+            </a:r>
+            <a:r>
+              <a:rPr lang="en-US" sz="100" dirty="0" err="1"/>
+              <a:t>Nationale</a:t>
+            </a:r>
+            <a:r>
+              <a:rPr lang="en-US" sz="100" dirty="0"/>
+              <a:t> des Constructions </a:t>
+            </a:r>
+            <a:r>
+              <a:rPr lang="en-US" sz="100" dirty="0" err="1"/>
+              <a:t>Aéronautiques</a:t>
+            </a:r>
+            <a:r>
+              <a:rPr lang="en-US" sz="100" dirty="0"/>
+              <a:t> du Nord (SNCAN) — </a:t>
+            </a:r>
+            <a:r>
+              <a:rPr lang="ru-RU" sz="100" dirty="0"/>
+              <a:t>французская компания, созданная в результате национализации производителей военной техники в соответствии с законом Франции.11 августа 1936 г.[ 1 ] .Она была образована группой фабрик </a:t>
+            </a:r>
+            <a:r>
+              <a:rPr lang="en-US" sz="100" dirty="0" err="1"/>
+              <a:t>Potez</a:t>
+            </a:r>
+            <a:r>
+              <a:rPr lang="en-US" sz="100" dirty="0"/>
+              <a:t> de </a:t>
+            </a:r>
+            <a:r>
+              <a:rPr lang="en-US" sz="100" dirty="0" err="1"/>
+              <a:t>Méaulte</a:t>
+            </a:r>
+            <a:r>
+              <a:rPr lang="en-US" sz="100" dirty="0"/>
+              <a:t> , CAMS de </a:t>
+            </a:r>
+            <a:r>
+              <a:rPr lang="en-US" sz="100" dirty="0" err="1"/>
+              <a:t>Sartrouville</a:t>
+            </a:r>
+            <a:r>
+              <a:rPr lang="en-US" sz="100" dirty="0"/>
+              <a:t> , ANF Les </a:t>
+            </a:r>
+            <a:r>
+              <a:rPr lang="en-US" sz="100" dirty="0" err="1"/>
+              <a:t>Mureaux</a:t>
+            </a:r>
+            <a:r>
+              <a:rPr lang="en-US" sz="100" dirty="0"/>
+              <a:t> aux </a:t>
+            </a:r>
+            <a:r>
+              <a:rPr lang="en-US" sz="100" dirty="0" err="1"/>
+              <a:t>Mureaux</a:t>
+            </a:r>
+            <a:r>
+              <a:rPr lang="en-US" sz="100" dirty="0"/>
+              <a:t> , </a:t>
+            </a:r>
+            <a:r>
+              <a:rPr lang="en-US" sz="100" dirty="0" err="1"/>
+              <a:t>Amiot</a:t>
+            </a:r>
+            <a:r>
+              <a:rPr lang="en-US" sz="100" dirty="0"/>
+              <a:t> de </a:t>
+            </a:r>
+            <a:r>
+              <a:rPr lang="en-US" sz="100" dirty="0" err="1"/>
+              <a:t>Caudebec-en-Caux</a:t>
+            </a:r>
+            <a:r>
+              <a:rPr lang="en-US" sz="100" dirty="0"/>
+              <a:t> </a:t>
+            </a:r>
+            <a:r>
+              <a:rPr lang="ru-RU" sz="100" dirty="0"/>
+              <a:t>и </a:t>
+            </a:r>
+            <a:r>
+              <a:rPr lang="en-US" sz="100" dirty="0"/>
+              <a:t>Breguet du Havre .</a:t>
+            </a:r>
+            <a:endParaRPr lang="ru-RU" sz="700" dirty="0"/>
+          </a:p>
+        </p:txBody>
+      </p:sp>
+      <p:sp>
+        <p:nvSpPr>
+          <p:cNvPr id="149" name="Прямоугольник 148">
+            <a:extLst>
+              <a:ext uri="{FF2B5EF4-FFF2-40B4-BE49-F238E27FC236}">
+                <a16:creationId xmlns:a16="http://schemas.microsoft.com/office/drawing/2014/main" id="{22724985-1E0B-4776-A18F-BDBF5A5BA064}"/>
+              </a:ext>
+            </a:extLst>
+          </p:cNvPr>
+          <p:cNvSpPr/>
+          <p:nvPr/>
+        </p:nvSpPr>
+        <p:spPr>
+          <a:xfrm>
+            <a:off x="6305509" y="15646388"/>
+            <a:ext cx="926325" cy="540000"/>
+          </a:xfrm>
+          <a:prstGeom prst="rect">
+            <a:avLst/>
+          </a:prstGeom>
+          <a:solidFill>
+            <a:schemeClr val="accent1">
+              <a:lumMod val="60000"/>
+              <a:lumOff val="40000"/>
+            </a:schemeClr>
+          </a:solidFill>
+          <a:ln w="19050"/>
+        </p:spPr>
+        <p:style>
+          <a:lnRef idx="2">
+            <a:schemeClr val="accent1"/>
+          </a:lnRef>
+          <a:fillRef idx="1">
+            <a:schemeClr val="lt1"/>
+          </a:fillRef>
+          <a:effectRef idx="0">
+            <a:schemeClr val="accent1"/>
+          </a:effectRef>
+          <a:fontRef idx="minor">
+            <a:schemeClr val="dk1"/>
+          </a:fontRef>
+        </p:style>
+        <p:txBody>
+          <a:bodyPr lIns="124733" tIns="62367" rIns="124733" bIns="62367" rtlCol="0" anchor="ctr"/>
+          <a:lstStyle/>
+          <a:p>
+            <a:pPr algn="ctr"/>
+            <a:r>
+              <a:rPr lang="ru-RU" sz="700" dirty="0"/>
+              <a:t>Национализация военной промышленности (окончание 11 августа 1936) </a:t>
+            </a:r>
+            <a:r>
+              <a:rPr lang="ru-RU" sz="100" dirty="0"/>
+              <a:t>(Таким образом, по закону о национализации11 августа 1936 </a:t>
+            </a:r>
+            <a:r>
+              <a:rPr lang="ru-RU" sz="100" dirty="0" err="1"/>
+              <a:t>г.Правительство</a:t>
+            </a:r>
+            <a:r>
+              <a:rPr lang="ru-RU" sz="100" dirty="0"/>
+              <a:t> Франции объединяет заводы и конструкторские бюро нескольких частных компаний в рамках шести государственных компаний ( SNCASO , SNCASE , SNCAC , SNCAN, SNCAO , SNCAM ) [ 3 ] , [ 4 ] . Созданные в статусе публичных компаний с ограниченной ответственностью смешанной экономики, в которых государству принадлежит две трети акций, они управляются советом директоров, все члены которого назначаются государством и президентом которого является Анри де </a:t>
+            </a:r>
+            <a:r>
+              <a:rPr lang="ru-RU" sz="100" dirty="0" err="1"/>
+              <a:t>л'Эскайль</a:t>
+            </a:r>
+            <a:r>
+              <a:rPr lang="ru-RU" sz="100" dirty="0"/>
+              <a:t> . 4 ] .</a:t>
+            </a:r>
+            <a:endParaRPr lang="ru-RU" sz="700" dirty="0"/>
+          </a:p>
+        </p:txBody>
+      </p:sp>
+      <p:sp>
+        <p:nvSpPr>
+          <p:cNvPr id="150" name="Прямоугольник 149">
+            <a:extLst>
+              <a:ext uri="{FF2B5EF4-FFF2-40B4-BE49-F238E27FC236}">
+                <a16:creationId xmlns:a16="http://schemas.microsoft.com/office/drawing/2014/main" id="{AE763F59-9985-4A1D-9919-BBAC2B902DA3}"/>
+              </a:ext>
+            </a:extLst>
+          </p:cNvPr>
+          <p:cNvSpPr/>
+          <p:nvPr/>
+        </p:nvSpPr>
+        <p:spPr>
+          <a:xfrm>
+            <a:off x="173788" y="18852751"/>
+            <a:ext cx="926325" cy="540000"/>
+          </a:xfrm>
+          <a:prstGeom prst="rect">
+            <a:avLst/>
+          </a:prstGeom>
+          <a:solidFill>
+            <a:schemeClr val="accent3">
+              <a:lumMod val="75000"/>
+            </a:schemeClr>
+          </a:solidFill>
+          <a:ln w="19050"/>
+        </p:spPr>
+        <p:style>
+          <a:lnRef idx="2">
+            <a:schemeClr val="accent1"/>
+          </a:lnRef>
+          <a:fillRef idx="1">
+            <a:schemeClr val="lt1"/>
+          </a:fillRef>
+          <a:effectRef idx="0">
+            <a:schemeClr val="accent1"/>
+          </a:effectRef>
+          <a:fontRef idx="minor">
+            <a:schemeClr val="dk1"/>
+          </a:fontRef>
+        </p:style>
+        <p:txBody>
+          <a:bodyPr lIns="124733" tIns="62367" rIns="124733" bIns="62367" rtlCol="0" anchor="ctr"/>
+          <a:lstStyle/>
+          <a:p>
+            <a:pPr algn="ctr"/>
+            <a:r>
+              <a:rPr lang="ru-RU" sz="700" dirty="0"/>
+              <a:t>Продолжить политику прототипов</a:t>
+            </a:r>
+          </a:p>
+          <a:p>
+            <a:pPr algn="ctr"/>
+            <a:r>
+              <a:rPr lang="ru-RU" sz="100" dirty="0"/>
+              <a:t>В середине 1930-х годов , когда Германия начала перевооружение с начала десятилетия, Франция отставала. Ее ВВС не могут конкурировать с ВВС Германии. Во Франции была начата политика создания прототипов , но произведенные устройства не соответствовали амбициозным спецификациям , выданным официальными службами , или не могли быть произведены достаточно быстро. Настолько, что они уже устарели, когда поступили на вооружение</a:t>
+            </a:r>
+            <a:endParaRPr lang="ru-RU" sz="700" dirty="0"/>
+          </a:p>
+        </p:txBody>
+      </p:sp>
+      <p:sp>
+        <p:nvSpPr>
+          <p:cNvPr id="152" name="Прямоугольник 151">
+            <a:extLst>
+              <a:ext uri="{FF2B5EF4-FFF2-40B4-BE49-F238E27FC236}">
+                <a16:creationId xmlns:a16="http://schemas.microsoft.com/office/drawing/2014/main" id="{531A1922-B8EE-4120-B48C-73AB26DB88EB}"/>
+              </a:ext>
+            </a:extLst>
+          </p:cNvPr>
+          <p:cNvSpPr/>
+          <p:nvPr/>
+        </p:nvSpPr>
+        <p:spPr>
+          <a:xfrm>
+            <a:off x="5099049" y="17322134"/>
+            <a:ext cx="926325" cy="540000"/>
+          </a:xfrm>
+          <a:prstGeom prst="rect">
+            <a:avLst/>
+          </a:prstGeom>
+          <a:solidFill>
+            <a:schemeClr val="accent1">
+              <a:lumMod val="60000"/>
+              <a:lumOff val="40000"/>
+            </a:schemeClr>
+          </a:solidFill>
+          <a:ln w="19050"/>
+        </p:spPr>
+        <p:style>
+          <a:lnRef idx="2">
+            <a:schemeClr val="accent1"/>
+          </a:lnRef>
+          <a:fillRef idx="1">
+            <a:schemeClr val="lt1"/>
+          </a:fillRef>
+          <a:effectRef idx="0">
+            <a:schemeClr val="accent1"/>
+          </a:effectRef>
+          <a:fontRef idx="minor">
+            <a:schemeClr val="dk1"/>
+          </a:fontRef>
+        </p:style>
+        <p:txBody>
+          <a:bodyPr lIns="124733" tIns="62367" rIns="124733" bIns="62367" rtlCol="0" anchor="ctr"/>
+          <a:lstStyle/>
+          <a:p>
+            <a:pPr algn="ctr"/>
+            <a:r>
+              <a:rPr lang="ru-RU" sz="700" dirty="0"/>
+              <a:t>Национальное общество авиационного строительства Запада (окончание ноябрь 1936) </a:t>
+            </a:r>
+          </a:p>
+          <a:p>
+            <a:pPr algn="ctr"/>
+            <a:r>
+              <a:rPr lang="en-US" sz="100" dirty="0"/>
+              <a:t>Société </a:t>
+            </a:r>
+            <a:r>
+              <a:rPr lang="en-US" sz="100" dirty="0" err="1"/>
+              <a:t>nationale</a:t>
+            </a:r>
+            <a:r>
+              <a:rPr lang="en-US" sz="100" dirty="0"/>
+              <a:t> des Constructions </a:t>
+            </a:r>
+            <a:r>
+              <a:rPr lang="en-US" sz="100" dirty="0" err="1"/>
+              <a:t>aéronautiques</a:t>
+            </a:r>
+            <a:r>
+              <a:rPr lang="en-US" sz="100" dirty="0"/>
+              <a:t> de </a:t>
+            </a:r>
+            <a:r>
+              <a:rPr lang="en-US" sz="100" dirty="0" err="1"/>
+              <a:t>l'Ouest</a:t>
+            </a:r>
+            <a:r>
+              <a:rPr lang="en-US" sz="100" dirty="0"/>
+              <a:t> ( SNCAO ) — </a:t>
+            </a:r>
+            <a:r>
+              <a:rPr lang="ru-RU" sz="100" dirty="0"/>
+              <a:t>французская авиационная компания , возникшая в результате слияния фабрики </a:t>
+            </a:r>
+            <a:r>
+              <a:rPr lang="en-US" sz="100" dirty="0"/>
+              <a:t>Breguet </a:t>
+            </a:r>
+            <a:r>
+              <a:rPr lang="ru-RU" sz="100" dirty="0"/>
+              <a:t>в </a:t>
+            </a:r>
+            <a:r>
+              <a:rPr lang="ru-RU" sz="100" dirty="0" err="1"/>
+              <a:t>Бугене</a:t>
+            </a:r>
+            <a:r>
+              <a:rPr lang="ru-RU" sz="100" dirty="0"/>
+              <a:t> и </a:t>
+            </a:r>
+            <a:r>
+              <a:rPr lang="en-US" sz="100" dirty="0"/>
+              <a:t>Société Anonyme Loire-</a:t>
+            </a:r>
+            <a:r>
+              <a:rPr lang="en-US" sz="100" dirty="0" err="1"/>
+              <a:t>Nieuport</a:t>
+            </a:r>
+            <a:r>
+              <a:rPr lang="en-US" sz="100" dirty="0"/>
+              <a:t> </a:t>
+            </a:r>
+            <a:r>
+              <a:rPr lang="ru-RU" sz="100" dirty="0"/>
+              <a:t>в Сен-</a:t>
+            </a:r>
+            <a:r>
+              <a:rPr lang="ru-RU" sz="100" dirty="0" err="1"/>
+              <a:t>Назере</a:t>
+            </a:r>
+            <a:r>
+              <a:rPr lang="ru-RU" sz="100" dirty="0"/>
+              <a:t> и </a:t>
+            </a:r>
+            <a:r>
+              <a:rPr lang="ru-RU" sz="100" dirty="0" err="1"/>
+              <a:t>Исси</a:t>
+            </a:r>
+            <a:r>
+              <a:rPr lang="ru-RU" sz="100" dirty="0"/>
+              <a:t>-</a:t>
+            </a:r>
+            <a:r>
+              <a:rPr lang="ru-RU" sz="100" dirty="0" err="1"/>
+              <a:t>ле</a:t>
+            </a:r>
+            <a:r>
+              <a:rPr lang="ru-RU" sz="100" dirty="0"/>
+              <a:t>-Мулино в ноябре 1936 года .</a:t>
+            </a:r>
+            <a:endParaRPr lang="ru-RU" sz="700" dirty="0"/>
+          </a:p>
+        </p:txBody>
+      </p:sp>
+      <p:sp>
+        <p:nvSpPr>
+          <p:cNvPr id="157" name="Прямоугольник 156">
+            <a:extLst>
+              <a:ext uri="{FF2B5EF4-FFF2-40B4-BE49-F238E27FC236}">
+                <a16:creationId xmlns:a16="http://schemas.microsoft.com/office/drawing/2014/main" id="{78E4697D-FF56-488D-A005-FCA763CEA19B}"/>
+              </a:ext>
+            </a:extLst>
+          </p:cNvPr>
+          <p:cNvSpPr/>
+          <p:nvPr/>
+        </p:nvSpPr>
+        <p:spPr>
+          <a:xfrm>
+            <a:off x="5099049" y="18194200"/>
+            <a:ext cx="926325" cy="540000"/>
+          </a:xfrm>
+          <a:prstGeom prst="rect">
+            <a:avLst/>
+          </a:prstGeom>
+          <a:solidFill>
+            <a:schemeClr val="accent1">
+              <a:lumMod val="60000"/>
+              <a:lumOff val="40000"/>
+            </a:schemeClr>
+          </a:solidFill>
+          <a:ln w="19050"/>
+        </p:spPr>
+        <p:style>
+          <a:lnRef idx="2">
+            <a:schemeClr val="accent1"/>
+          </a:lnRef>
+          <a:fillRef idx="1">
+            <a:schemeClr val="lt1"/>
+          </a:fillRef>
+          <a:effectRef idx="0">
+            <a:schemeClr val="accent1"/>
+          </a:effectRef>
+          <a:fontRef idx="minor">
+            <a:schemeClr val="dk1"/>
+          </a:fontRef>
+        </p:style>
+        <p:txBody>
+          <a:bodyPr lIns="124733" tIns="62367" rIns="124733" bIns="62367" rtlCol="0" anchor="ctr"/>
+          <a:lstStyle/>
+          <a:p>
+            <a:pPr algn="ctr"/>
+            <a:r>
+              <a:rPr lang="en-US" sz="700" dirty="0"/>
+              <a:t>SNCAO CAO.200</a:t>
+            </a:r>
+            <a:r>
+              <a:rPr lang="ru-RU" sz="700" dirty="0"/>
+              <a:t> (1940) </a:t>
+            </a:r>
+            <a:r>
+              <a:rPr lang="ru-RU" sz="100" dirty="0"/>
+              <a:t>SNCAO 200 (иногда называемый просто CAO.200 ) — французский военный самолёт , прототип одноместного одномоторного истребителя конца 1930 - х годов, разрабатывавшийся как конкурент </a:t>
+            </a:r>
+            <a:r>
+              <a:rPr lang="ru-RU" sz="100" dirty="0" err="1"/>
+              <a:t>Dewoitine</a:t>
+            </a:r>
+            <a:r>
+              <a:rPr lang="ru-RU" sz="100" dirty="0"/>
+              <a:t> D.520 . , но именно последний остался стандартным истребителем ВВС Франции . Был построен только прототип CAO 200, серийных самолетов за ним не последовало.</a:t>
+            </a:r>
+            <a:endParaRPr lang="ru-RU" sz="700" dirty="0"/>
+          </a:p>
+        </p:txBody>
+      </p:sp>
+      <p:sp>
+        <p:nvSpPr>
+          <p:cNvPr id="158" name="Прямоугольник 157">
+            <a:extLst>
+              <a:ext uri="{FF2B5EF4-FFF2-40B4-BE49-F238E27FC236}">
+                <a16:creationId xmlns:a16="http://schemas.microsoft.com/office/drawing/2014/main" id="{351DE650-F22A-49BB-947A-342E17B403A7}"/>
+              </a:ext>
+            </a:extLst>
+          </p:cNvPr>
+          <p:cNvSpPr/>
+          <p:nvPr/>
+        </p:nvSpPr>
+        <p:spPr>
+          <a:xfrm>
+            <a:off x="6309388" y="18194200"/>
+            <a:ext cx="926325" cy="540000"/>
+          </a:xfrm>
+          <a:prstGeom prst="rect">
+            <a:avLst/>
+          </a:prstGeom>
+          <a:solidFill>
+            <a:schemeClr val="accent1">
+              <a:lumMod val="60000"/>
+              <a:lumOff val="40000"/>
+            </a:schemeClr>
+          </a:solidFill>
+          <a:ln w="19050"/>
+        </p:spPr>
+        <p:style>
+          <a:lnRef idx="2">
+            <a:schemeClr val="accent1"/>
+          </a:lnRef>
+          <a:fillRef idx="1">
+            <a:schemeClr val="lt1"/>
+          </a:fillRef>
+          <a:effectRef idx="0">
+            <a:schemeClr val="accent1"/>
+          </a:effectRef>
+          <a:fontRef idx="minor">
+            <a:schemeClr val="dk1"/>
+          </a:fontRef>
+        </p:style>
+        <p:txBody>
+          <a:bodyPr lIns="124733" tIns="62367" rIns="124733" bIns="62367" rtlCol="0" anchor="ctr"/>
+          <a:lstStyle/>
+          <a:p>
+            <a:pPr algn="ctr"/>
+            <a:r>
+              <a:rPr lang="en-US" sz="700" dirty="0" err="1"/>
+              <a:t>Dewoitine</a:t>
+            </a:r>
+            <a:r>
+              <a:rPr lang="en-US" sz="700" dirty="0"/>
+              <a:t> D.520</a:t>
+            </a:r>
+            <a:r>
+              <a:rPr lang="ru-RU" sz="700" dirty="0"/>
+              <a:t> (январь 1940) </a:t>
+            </a:r>
+            <a:r>
+              <a:rPr lang="ru-RU" sz="100" dirty="0" err="1"/>
+              <a:t>Dewoitine</a:t>
+            </a:r>
+            <a:r>
+              <a:rPr lang="ru-RU" sz="100" dirty="0"/>
+              <a:t> D.520 — французский истребитель времен Второй мировой войны , считавшийся лучшим из тогдашних французских ВВС , сражавшийся против </a:t>
+            </a:r>
+            <a:r>
+              <a:rPr lang="ru-RU" sz="100" dirty="0" err="1"/>
+              <a:t>Мессершмиттов</a:t>
+            </a:r>
+            <a:r>
+              <a:rPr lang="ru-RU" sz="100" dirty="0"/>
+              <a:t> </a:t>
+            </a:r>
+            <a:r>
+              <a:rPr lang="ru-RU" sz="100" dirty="0" err="1"/>
+              <a:t>Bf</a:t>
+            </a:r>
+            <a:r>
+              <a:rPr lang="ru-RU" sz="100" dirty="0"/>
+              <a:t> 109 немецких Люфтваффе во время битвы за Францию . Среди знатоков это символ окончательного сопротивления французской охоты немецкому захватчику.</a:t>
+            </a:r>
+            <a:endParaRPr lang="ru-RU" sz="700" dirty="0"/>
+          </a:p>
+        </p:txBody>
+      </p:sp>
+      <p:sp>
+        <p:nvSpPr>
+          <p:cNvPr id="162" name="Прямоугольник 161">
+            <a:extLst>
+              <a:ext uri="{FF2B5EF4-FFF2-40B4-BE49-F238E27FC236}">
+                <a16:creationId xmlns:a16="http://schemas.microsoft.com/office/drawing/2014/main" id="{8324C9A6-EB76-456A-9F17-5BD4BBEB2BF4}"/>
+              </a:ext>
+            </a:extLst>
+          </p:cNvPr>
+          <p:cNvSpPr/>
+          <p:nvPr/>
+        </p:nvSpPr>
+        <p:spPr>
+          <a:xfrm>
+            <a:off x="6309387" y="17328441"/>
+            <a:ext cx="926325" cy="540000"/>
+          </a:xfrm>
+          <a:prstGeom prst="rect">
+            <a:avLst/>
+          </a:prstGeom>
+          <a:solidFill>
+            <a:schemeClr val="accent1">
+              <a:lumMod val="60000"/>
+              <a:lumOff val="40000"/>
+            </a:schemeClr>
+          </a:solidFill>
+          <a:ln w="19050"/>
+        </p:spPr>
+        <p:style>
+          <a:lnRef idx="2">
+            <a:schemeClr val="accent1"/>
+          </a:lnRef>
+          <a:fillRef idx="1">
+            <a:schemeClr val="lt1"/>
+          </a:fillRef>
+          <a:effectRef idx="0">
+            <a:schemeClr val="accent1"/>
+          </a:effectRef>
+          <a:fontRef idx="minor">
+            <a:schemeClr val="dk1"/>
+          </a:fontRef>
+        </p:style>
+        <p:txBody>
+          <a:bodyPr lIns="124733" tIns="62367" rIns="124733" bIns="62367" rtlCol="0" anchor="ctr"/>
+          <a:lstStyle/>
+          <a:p>
+            <a:pPr algn="ctr"/>
+            <a:r>
+              <a:rPr lang="ru-RU" sz="700" dirty="0"/>
+              <a:t>Национальная авиастроительная компания Юга (окончание 1 апреля 1937) </a:t>
+            </a:r>
+            <a:r>
+              <a:rPr lang="en-US" sz="100" dirty="0"/>
+              <a:t>Société </a:t>
+            </a:r>
+            <a:r>
+              <a:rPr lang="en-US" sz="100" dirty="0" err="1"/>
+              <a:t>nationale</a:t>
+            </a:r>
+            <a:r>
+              <a:rPr lang="en-US" sz="100" dirty="0"/>
+              <a:t> des Constructions </a:t>
+            </a:r>
+            <a:r>
+              <a:rPr lang="en-US" sz="100" dirty="0" err="1"/>
+              <a:t>aéronautiques</a:t>
+            </a:r>
+            <a:r>
+              <a:rPr lang="en-US" sz="100" dirty="0"/>
+              <a:t> de </a:t>
+            </a:r>
+            <a:r>
+              <a:rPr lang="en-US" sz="100" dirty="0" err="1"/>
+              <a:t>l'Ouest</a:t>
+            </a:r>
+            <a:r>
+              <a:rPr lang="en-US" sz="100" dirty="0"/>
+              <a:t> ( SNCAO ) — </a:t>
+            </a:r>
+            <a:r>
+              <a:rPr lang="ru-RU" sz="100" dirty="0"/>
+              <a:t>французская авиационная компания , возникшая в результате слияния фабрики </a:t>
+            </a:r>
+            <a:r>
+              <a:rPr lang="en-US" sz="100" dirty="0"/>
+              <a:t>Breguet </a:t>
+            </a:r>
+            <a:r>
+              <a:rPr lang="ru-RU" sz="100" dirty="0"/>
+              <a:t>в </a:t>
+            </a:r>
+            <a:r>
+              <a:rPr lang="ru-RU" sz="100" dirty="0" err="1"/>
+              <a:t>Бугене</a:t>
+            </a:r>
+            <a:r>
+              <a:rPr lang="ru-RU" sz="100" dirty="0"/>
+              <a:t> и </a:t>
+            </a:r>
+            <a:r>
+              <a:rPr lang="en-US" sz="100" dirty="0"/>
+              <a:t>Société Anonyme Loire-</a:t>
+            </a:r>
+            <a:r>
+              <a:rPr lang="en-US" sz="100" dirty="0" err="1"/>
+              <a:t>Nieuport</a:t>
+            </a:r>
+            <a:r>
+              <a:rPr lang="en-US" sz="100" dirty="0"/>
+              <a:t> </a:t>
+            </a:r>
+            <a:r>
+              <a:rPr lang="ru-RU" sz="100" dirty="0"/>
+              <a:t>в Сен-</a:t>
+            </a:r>
+            <a:r>
+              <a:rPr lang="ru-RU" sz="100" dirty="0" err="1"/>
+              <a:t>Назере</a:t>
+            </a:r>
+            <a:r>
+              <a:rPr lang="ru-RU" sz="100" dirty="0"/>
+              <a:t> и </a:t>
+            </a:r>
+            <a:r>
+              <a:rPr lang="ru-RU" sz="100" dirty="0" err="1"/>
+              <a:t>Исси</a:t>
+            </a:r>
+            <a:r>
+              <a:rPr lang="ru-RU" sz="100" dirty="0"/>
+              <a:t>-</a:t>
+            </a:r>
+            <a:r>
+              <a:rPr lang="ru-RU" sz="100" dirty="0" err="1"/>
+              <a:t>ле</a:t>
+            </a:r>
+            <a:r>
+              <a:rPr lang="ru-RU" sz="100" dirty="0"/>
+              <a:t>-Мулино в ноябре 1936 года .</a:t>
+            </a:r>
+            <a:endParaRPr lang="ru-RU" sz="700" dirty="0"/>
+          </a:p>
+        </p:txBody>
+      </p:sp>
+      <p:cxnSp>
+        <p:nvCxnSpPr>
+          <p:cNvPr id="163" name="Прямая соединительная линия 162">
+            <a:extLst>
+              <a:ext uri="{FF2B5EF4-FFF2-40B4-BE49-F238E27FC236}">
+                <a16:creationId xmlns:a16="http://schemas.microsoft.com/office/drawing/2014/main" id="{02679CFD-F362-4442-80EE-975CA43BBDB0}"/>
+              </a:ext>
+            </a:extLst>
+          </p:cNvPr>
+          <p:cNvCxnSpPr>
+            <a:cxnSpLocks/>
+            <a:stCxn id="157" idx="3"/>
+            <a:endCxn id="158" idx="1"/>
+          </p:cNvCxnSpPr>
+          <p:nvPr/>
+        </p:nvCxnSpPr>
+        <p:spPr>
+          <a:xfrm>
+            <a:off x="6025374" y="18464200"/>
+            <a:ext cx="284014" cy="0"/>
+          </a:xfrm>
+          <a:prstGeom prst="line">
+            <a:avLst/>
+          </a:prstGeom>
+          <a:ln w="19050">
+            <a:solidFill>
+              <a:srgbClr val="FF0000"/>
+            </a:solidFill>
+          </a:ln>
+        </p:spPr>
+        <p:style>
+          <a:lnRef idx="1">
+            <a:schemeClr val="accent1"/>
+          </a:lnRef>
+          <a:fillRef idx="0">
+            <a:schemeClr val="accent1"/>
+          </a:fillRef>
+          <a:effectRef idx="0">
+            <a:schemeClr val="accent1"/>
+          </a:effectRef>
+          <a:fontRef idx="minor">
+            <a:schemeClr val="tx1"/>
+          </a:fontRef>
+        </p:style>
+      </p:cxnSp>
+      <p:cxnSp>
+        <p:nvCxnSpPr>
+          <p:cNvPr id="165" name="Соединительная линия уступом 620">
+            <a:extLst>
+              <a:ext uri="{FF2B5EF4-FFF2-40B4-BE49-F238E27FC236}">
+                <a16:creationId xmlns:a16="http://schemas.microsoft.com/office/drawing/2014/main" id="{CDBFE7E0-96AC-4157-A359-828E6F891133}"/>
+              </a:ext>
+            </a:extLst>
+          </p:cNvPr>
+          <p:cNvCxnSpPr>
+            <a:cxnSpLocks/>
+          </p:cNvCxnSpPr>
+          <p:nvPr/>
+        </p:nvCxnSpPr>
+        <p:spPr>
+          <a:xfrm rot="5400000">
+            <a:off x="4175120" y="13960836"/>
+            <a:ext cx="220912" cy="3540066"/>
+          </a:xfrm>
+          <a:prstGeom prst="bentConnector3">
+            <a:avLst>
+              <a:gd name="adj1" fmla="val 50000"/>
+            </a:avLst>
+          </a:prstGeom>
+          <a:ln w="19050">
+            <a:tailEnd type="arrow"/>
+          </a:ln>
+        </p:spPr>
+        <p:style>
+          <a:lnRef idx="1">
+            <a:schemeClr val="accent1"/>
+          </a:lnRef>
+          <a:fillRef idx="0">
+            <a:schemeClr val="accent1"/>
+          </a:fillRef>
+          <a:effectRef idx="0">
+            <a:schemeClr val="accent1"/>
+          </a:effectRef>
+          <a:fontRef idx="minor">
+            <a:schemeClr val="tx1"/>
+          </a:fontRef>
+        </p:style>
+      </p:cxnSp>
+      <p:cxnSp>
+        <p:nvCxnSpPr>
+          <p:cNvPr id="166" name="Прямая со стрелкой 165">
+            <a:extLst>
+              <a:ext uri="{FF2B5EF4-FFF2-40B4-BE49-F238E27FC236}">
+                <a16:creationId xmlns:a16="http://schemas.microsoft.com/office/drawing/2014/main" id="{54CC5EF2-CDA2-4C2C-AFF8-B811A19D8281}"/>
+              </a:ext>
+            </a:extLst>
+          </p:cNvPr>
+          <p:cNvCxnSpPr>
+            <a:cxnSpLocks/>
+            <a:stCxn id="162" idx="2"/>
+            <a:endCxn id="158" idx="0"/>
+          </p:cNvCxnSpPr>
+          <p:nvPr/>
+        </p:nvCxnSpPr>
+        <p:spPr>
+          <a:xfrm>
+            <a:off x="6772550" y="17868441"/>
+            <a:ext cx="1" cy="325759"/>
+          </a:xfrm>
+          <a:prstGeom prst="straightConnector1">
+            <a:avLst/>
+          </a:prstGeom>
+          <a:ln w="19050">
+            <a:tailEnd type="arrow"/>
+          </a:ln>
+        </p:spPr>
+        <p:style>
+          <a:lnRef idx="1">
+            <a:schemeClr val="accent1"/>
+          </a:lnRef>
+          <a:fillRef idx="0">
+            <a:schemeClr val="accent1"/>
+          </a:fillRef>
+          <a:effectRef idx="0">
+            <a:schemeClr val="accent1"/>
+          </a:effectRef>
+          <a:fontRef idx="minor">
+            <a:schemeClr val="tx1"/>
+          </a:fontRef>
+        </p:style>
+      </p:cxnSp>
+      <p:cxnSp>
+        <p:nvCxnSpPr>
+          <p:cNvPr id="172" name="Прямая со стрелкой 171">
+            <a:extLst>
+              <a:ext uri="{FF2B5EF4-FFF2-40B4-BE49-F238E27FC236}">
+                <a16:creationId xmlns:a16="http://schemas.microsoft.com/office/drawing/2014/main" id="{57F99160-CE27-4EAA-AC56-0E443C410512}"/>
+              </a:ext>
+            </a:extLst>
+          </p:cNvPr>
+          <p:cNvCxnSpPr>
+            <a:cxnSpLocks/>
+            <a:stCxn id="152" idx="2"/>
+            <a:endCxn id="157" idx="0"/>
+          </p:cNvCxnSpPr>
+          <p:nvPr/>
+        </p:nvCxnSpPr>
+        <p:spPr>
+          <a:xfrm>
+            <a:off x="5562212" y="17862134"/>
+            <a:ext cx="0" cy="332066"/>
+          </a:xfrm>
+          <a:prstGeom prst="straightConnector1">
+            <a:avLst/>
+          </a:prstGeom>
+          <a:ln w="19050">
+            <a:tailEnd type="arrow"/>
+          </a:ln>
+        </p:spPr>
+        <p:style>
+          <a:lnRef idx="1">
+            <a:schemeClr val="accent1"/>
+          </a:lnRef>
+          <a:fillRef idx="0">
+            <a:schemeClr val="accent1"/>
+          </a:fillRef>
+          <a:effectRef idx="0">
+            <a:schemeClr val="accent1"/>
+          </a:effectRef>
+          <a:fontRef idx="minor">
+            <a:schemeClr val="tx1"/>
+          </a:fontRef>
+        </p:style>
+      </p:cxnSp>
+      <p:sp>
+        <p:nvSpPr>
+          <p:cNvPr id="175" name="Прямоугольник 174">
+            <a:extLst>
+              <a:ext uri="{FF2B5EF4-FFF2-40B4-BE49-F238E27FC236}">
+                <a16:creationId xmlns:a16="http://schemas.microsoft.com/office/drawing/2014/main" id="{63A16BB1-5DD8-4D3D-80EA-F5B819D370D8}"/>
+              </a:ext>
+            </a:extLst>
+          </p:cNvPr>
+          <p:cNvSpPr/>
+          <p:nvPr/>
+        </p:nvSpPr>
+        <p:spPr>
+          <a:xfrm>
+            <a:off x="6309387" y="19004200"/>
+            <a:ext cx="926325" cy="540000"/>
+          </a:xfrm>
+          <a:prstGeom prst="rect">
+            <a:avLst/>
+          </a:prstGeom>
+          <a:solidFill>
+            <a:schemeClr val="accent1">
+              <a:lumMod val="60000"/>
+              <a:lumOff val="40000"/>
+            </a:schemeClr>
+          </a:solidFill>
+          <a:ln w="19050"/>
+        </p:spPr>
+        <p:style>
+          <a:lnRef idx="2">
+            <a:schemeClr val="accent1"/>
+          </a:lnRef>
+          <a:fillRef idx="1">
+            <a:schemeClr val="lt1"/>
+          </a:fillRef>
+          <a:effectRef idx="0">
+            <a:schemeClr val="accent1"/>
+          </a:effectRef>
+          <a:fontRef idx="minor">
+            <a:schemeClr val="dk1"/>
+          </a:fontRef>
+        </p:style>
+        <p:txBody>
+          <a:bodyPr lIns="124733" tIns="62367" rIns="124733" bIns="62367" rtlCol="0" anchor="ctr"/>
+          <a:lstStyle/>
+          <a:p>
+            <a:pPr algn="ctr"/>
+            <a:r>
+              <a:rPr lang="en-US" sz="700" dirty="0" err="1"/>
+              <a:t>Dewoitine</a:t>
+            </a:r>
+            <a:r>
+              <a:rPr lang="en-US" sz="700" dirty="0"/>
+              <a:t> D</a:t>
+            </a:r>
+            <a:r>
+              <a:rPr lang="ru-RU" sz="700" dirty="0"/>
+              <a:t>.</a:t>
+            </a:r>
+            <a:r>
+              <a:rPr lang="en-US" sz="700" dirty="0"/>
+              <a:t>55</a:t>
+            </a:r>
+            <a:r>
+              <a:rPr lang="ru-RU" sz="700" dirty="0"/>
+              <a:t>1 </a:t>
+            </a:r>
+            <a:r>
+              <a:rPr lang="ru-RU" sz="100" dirty="0" err="1"/>
+              <a:t>Dewoitine</a:t>
+            </a:r>
+            <a:r>
+              <a:rPr lang="ru-RU" sz="100" dirty="0"/>
+              <a:t> D.520 — французский истребитель времен Второй мировой войны , считавшийся лучшим из тогдашних французских ВВС , сражавшийся против </a:t>
+            </a:r>
+            <a:r>
+              <a:rPr lang="ru-RU" sz="100" dirty="0" err="1"/>
+              <a:t>Мессершмиттов</a:t>
+            </a:r>
+            <a:r>
+              <a:rPr lang="ru-RU" sz="100" dirty="0"/>
+              <a:t> </a:t>
+            </a:r>
+            <a:r>
+              <a:rPr lang="ru-RU" sz="100" dirty="0" err="1"/>
+              <a:t>Bf</a:t>
+            </a:r>
+            <a:r>
+              <a:rPr lang="ru-RU" sz="100" dirty="0"/>
+              <a:t> 109 немецких Люфтваффе во время битвы за Францию . Среди знатоков это символ окончательного сопротивления французской охоты немецкому захватчику.</a:t>
+            </a:r>
+            <a:endParaRPr lang="ru-RU" sz="700" dirty="0"/>
+          </a:p>
+        </p:txBody>
+      </p:sp>
+      <p:cxnSp>
+        <p:nvCxnSpPr>
+          <p:cNvPr id="176" name="Прямая со стрелкой 175">
+            <a:extLst>
+              <a:ext uri="{FF2B5EF4-FFF2-40B4-BE49-F238E27FC236}">
+                <a16:creationId xmlns:a16="http://schemas.microsoft.com/office/drawing/2014/main" id="{C33CA5ED-1759-4AF6-B788-242CF02239C4}"/>
+              </a:ext>
+            </a:extLst>
+          </p:cNvPr>
+          <p:cNvCxnSpPr>
+            <a:cxnSpLocks/>
+            <a:stCxn id="158" idx="2"/>
+            <a:endCxn id="175" idx="0"/>
+          </p:cNvCxnSpPr>
+          <p:nvPr/>
+        </p:nvCxnSpPr>
+        <p:spPr>
+          <a:xfrm flipH="1">
+            <a:off x="6772550" y="18734200"/>
+            <a:ext cx="1" cy="270000"/>
+          </a:xfrm>
+          <a:prstGeom prst="straightConnector1">
+            <a:avLst/>
+          </a:prstGeom>
+          <a:ln w="19050">
+            <a:tailEnd type="arrow"/>
+          </a:ln>
+        </p:spPr>
+        <p:style>
+          <a:lnRef idx="1">
+            <a:schemeClr val="accent1"/>
+          </a:lnRef>
+          <a:fillRef idx="0">
+            <a:schemeClr val="accent1"/>
+          </a:fillRef>
+          <a:effectRef idx="0">
+            <a:schemeClr val="accent1"/>
+          </a:effectRef>
+          <a:fontRef idx="minor">
+            <a:schemeClr val="tx1"/>
+          </a:fontRef>
+        </p:style>
+      </p:cxnSp>
+      <p:sp>
+        <p:nvSpPr>
+          <p:cNvPr id="178" name="Прямоугольник 177">
+            <a:extLst>
+              <a:ext uri="{FF2B5EF4-FFF2-40B4-BE49-F238E27FC236}">
+                <a16:creationId xmlns:a16="http://schemas.microsoft.com/office/drawing/2014/main" id="{595B457D-6993-45A7-87B8-3E1C6DEB1B85}"/>
+              </a:ext>
+            </a:extLst>
+          </p:cNvPr>
+          <p:cNvSpPr/>
+          <p:nvPr/>
+        </p:nvSpPr>
+        <p:spPr>
+          <a:xfrm>
+            <a:off x="6903420" y="19700459"/>
+            <a:ext cx="926325" cy="540000"/>
+          </a:xfrm>
+          <a:prstGeom prst="rect">
+            <a:avLst/>
+          </a:prstGeom>
+          <a:solidFill>
+            <a:schemeClr val="accent1">
+              <a:lumMod val="60000"/>
+              <a:lumOff val="40000"/>
+            </a:schemeClr>
+          </a:solidFill>
+          <a:ln w="19050"/>
+        </p:spPr>
+        <p:style>
+          <a:lnRef idx="2">
+            <a:schemeClr val="accent1"/>
+          </a:lnRef>
+          <a:fillRef idx="1">
+            <a:schemeClr val="lt1"/>
+          </a:fillRef>
+          <a:effectRef idx="0">
+            <a:schemeClr val="accent1"/>
+          </a:effectRef>
+          <a:fontRef idx="minor">
+            <a:schemeClr val="dk1"/>
+          </a:fontRef>
+        </p:style>
+        <p:txBody>
+          <a:bodyPr lIns="124733" tIns="62367" rIns="124733" bIns="62367" rtlCol="0" anchor="ctr"/>
+          <a:lstStyle/>
+          <a:p>
+            <a:pPr algn="ctr"/>
+            <a:r>
+              <a:rPr lang="en-US" sz="700" dirty="0" err="1"/>
+              <a:t>Dewoitine</a:t>
+            </a:r>
+            <a:r>
+              <a:rPr lang="en-US" sz="700" dirty="0"/>
+              <a:t> D.750</a:t>
+            </a:r>
+            <a:r>
+              <a:rPr lang="ru-RU" sz="700" dirty="0"/>
+              <a:t> </a:t>
+            </a:r>
+            <a:r>
+              <a:rPr lang="ru-RU" sz="100" dirty="0" err="1"/>
+              <a:t>Dewoitine</a:t>
+            </a:r>
+            <a:r>
+              <a:rPr lang="ru-RU" sz="100" dirty="0"/>
+              <a:t> D.750 был прототипом французского бомбардировщика-торпедоносца , предназначенного для эксплуатации на новых авианосцах, запланированных для ВМС Франции . Хотя прототип был завершен, вторжение Германии в страну в июне 1940 года положило конец проекту.</a:t>
+            </a:r>
+            <a:endParaRPr lang="ru-RU" sz="700" dirty="0"/>
+          </a:p>
+        </p:txBody>
+      </p:sp>
+      <p:cxnSp>
+        <p:nvCxnSpPr>
+          <p:cNvPr id="179" name="Соединительная линия уступом 620">
+            <a:extLst>
+              <a:ext uri="{FF2B5EF4-FFF2-40B4-BE49-F238E27FC236}">
+                <a16:creationId xmlns:a16="http://schemas.microsoft.com/office/drawing/2014/main" id="{4B45CCC6-61DA-41E6-A76F-5CF804603F57}"/>
+              </a:ext>
+            </a:extLst>
+          </p:cNvPr>
+          <p:cNvCxnSpPr>
+            <a:cxnSpLocks/>
+            <a:stCxn id="200" idx="2"/>
+            <a:endCxn id="152" idx="0"/>
+          </p:cNvCxnSpPr>
+          <p:nvPr/>
+        </p:nvCxnSpPr>
+        <p:spPr>
+          <a:xfrm rot="5400000">
+            <a:off x="6616065" y="15959055"/>
+            <a:ext cx="309227" cy="2416931"/>
+          </a:xfrm>
+          <a:prstGeom prst="bentConnector3">
+            <a:avLst>
+              <a:gd name="adj1" fmla="val 50000"/>
+            </a:avLst>
+          </a:prstGeom>
+          <a:ln w="19050">
+            <a:tailEnd type="arrow"/>
+          </a:ln>
+        </p:spPr>
+        <p:style>
+          <a:lnRef idx="1">
+            <a:schemeClr val="accent1"/>
+          </a:lnRef>
+          <a:fillRef idx="0">
+            <a:schemeClr val="accent1"/>
+          </a:fillRef>
+          <a:effectRef idx="0">
+            <a:schemeClr val="accent1"/>
+          </a:effectRef>
+          <a:fontRef idx="minor">
+            <a:schemeClr val="tx1"/>
+          </a:fontRef>
+        </p:style>
+      </p:cxnSp>
+      <p:sp>
+        <p:nvSpPr>
+          <p:cNvPr id="180" name="Прямоугольник 179">
+            <a:extLst>
+              <a:ext uri="{FF2B5EF4-FFF2-40B4-BE49-F238E27FC236}">
+                <a16:creationId xmlns:a16="http://schemas.microsoft.com/office/drawing/2014/main" id="{07B22A84-2317-405D-BF40-A9D735D5E6D9}"/>
+              </a:ext>
+            </a:extLst>
+          </p:cNvPr>
+          <p:cNvSpPr/>
+          <p:nvPr/>
+        </p:nvSpPr>
+        <p:spPr>
+          <a:xfrm>
+            <a:off x="4491916" y="19700459"/>
+            <a:ext cx="926325" cy="540000"/>
+          </a:xfrm>
+          <a:prstGeom prst="rect">
+            <a:avLst/>
+          </a:prstGeom>
+          <a:solidFill>
+            <a:schemeClr val="accent1">
+              <a:lumMod val="60000"/>
+              <a:lumOff val="40000"/>
+            </a:schemeClr>
+          </a:solidFill>
+          <a:ln w="19050"/>
+        </p:spPr>
+        <p:style>
+          <a:lnRef idx="2">
+            <a:schemeClr val="accent1"/>
+          </a:lnRef>
+          <a:fillRef idx="1">
+            <a:schemeClr val="lt1"/>
+          </a:fillRef>
+          <a:effectRef idx="0">
+            <a:schemeClr val="accent1"/>
+          </a:effectRef>
+          <a:fontRef idx="minor">
+            <a:schemeClr val="dk1"/>
+          </a:fontRef>
+        </p:style>
+        <p:txBody>
+          <a:bodyPr lIns="124733" tIns="62367" rIns="124733" bIns="62367" rtlCol="0" anchor="ctr"/>
+          <a:lstStyle/>
+          <a:p>
+            <a:pPr algn="ctr"/>
+            <a:r>
+              <a:rPr lang="en-US" sz="700" dirty="0"/>
+              <a:t>SNCAO CAO.600</a:t>
+            </a:r>
+            <a:r>
+              <a:rPr lang="ru-RU" sz="700" dirty="0"/>
+              <a:t> </a:t>
+            </a:r>
+            <a:r>
+              <a:rPr lang="ru-RU" sz="100" dirty="0"/>
+              <a:t>SNCAO CAO.600 — французский военный самолёт времен Второй мировой войны . Этот двухмоторный трехместный низкоплан создавался как самолет наблюдения и бомбардировщик-торпедоносец . Действовать планировалось с новых авианосцев ВМС Франции . Свой первый полет он совершил на21 марта 1940 </a:t>
+            </a:r>
+            <a:r>
+              <a:rPr lang="ru-RU" sz="100" dirty="0" err="1"/>
+              <a:t>г.но</a:t>
+            </a:r>
+            <a:r>
+              <a:rPr lang="ru-RU" sz="100" dirty="0"/>
+              <a:t> только один экземпляр был построен до того, как проект был заброшен после поражения Франции </a:t>
+            </a:r>
+            <a:r>
+              <a:rPr lang="ru-RU" sz="100" dirty="0" err="1"/>
+              <a:t>виюнь</a:t>
+            </a:r>
+            <a:r>
+              <a:rPr lang="ru-RU" sz="100" dirty="0"/>
+              <a:t> 1940 г.[ 1 ] , [ 2 ] , [ 3 ] .</a:t>
+            </a:r>
+            <a:endParaRPr lang="ru-RU" sz="700" dirty="0"/>
+          </a:p>
+        </p:txBody>
+      </p:sp>
+      <p:cxnSp>
+        <p:nvCxnSpPr>
+          <p:cNvPr id="182" name="Соединительная линия уступом 620">
+            <a:extLst>
+              <a:ext uri="{FF2B5EF4-FFF2-40B4-BE49-F238E27FC236}">
+                <a16:creationId xmlns:a16="http://schemas.microsoft.com/office/drawing/2014/main" id="{7A0E305B-FA36-4677-8DA2-8EB132592158}"/>
+              </a:ext>
+            </a:extLst>
+          </p:cNvPr>
+          <p:cNvCxnSpPr>
+            <a:cxnSpLocks/>
+            <a:stCxn id="152" idx="2"/>
+            <a:endCxn id="180" idx="0"/>
+          </p:cNvCxnSpPr>
+          <p:nvPr/>
+        </p:nvCxnSpPr>
+        <p:spPr>
+          <a:xfrm rot="5400000">
+            <a:off x="4339484" y="18477730"/>
+            <a:ext cx="1838325" cy="607133"/>
+          </a:xfrm>
+          <a:prstGeom prst="bentConnector3">
+            <a:avLst>
+              <a:gd name="adj1" fmla="val 8387"/>
+            </a:avLst>
+          </a:prstGeom>
+          <a:ln w="19050">
+            <a:tailEnd type="arrow"/>
+          </a:ln>
+        </p:spPr>
+        <p:style>
+          <a:lnRef idx="1">
+            <a:schemeClr val="accent1"/>
+          </a:lnRef>
+          <a:fillRef idx="0">
+            <a:schemeClr val="accent1"/>
+          </a:fillRef>
+          <a:effectRef idx="0">
+            <a:schemeClr val="accent1"/>
+          </a:effectRef>
+          <a:fontRef idx="minor">
+            <a:schemeClr val="tx1"/>
+          </a:fontRef>
+        </p:style>
+      </p:cxnSp>
+      <p:cxnSp>
+        <p:nvCxnSpPr>
+          <p:cNvPr id="184" name="Прямая соединительная линия 183">
+            <a:extLst>
+              <a:ext uri="{FF2B5EF4-FFF2-40B4-BE49-F238E27FC236}">
+                <a16:creationId xmlns:a16="http://schemas.microsoft.com/office/drawing/2014/main" id="{21ED93A2-0ACF-42CF-91AD-B41CB0F8A445}"/>
+              </a:ext>
+            </a:extLst>
+          </p:cNvPr>
+          <p:cNvCxnSpPr>
+            <a:cxnSpLocks/>
+            <a:stCxn id="180" idx="3"/>
+            <a:endCxn id="178" idx="1"/>
+          </p:cNvCxnSpPr>
+          <p:nvPr/>
+        </p:nvCxnSpPr>
+        <p:spPr>
+          <a:xfrm>
+            <a:off x="5418241" y="19970459"/>
+            <a:ext cx="1485179" cy="0"/>
+          </a:xfrm>
+          <a:prstGeom prst="line">
+            <a:avLst/>
+          </a:prstGeom>
+          <a:ln w="19050">
+            <a:solidFill>
+              <a:srgbClr val="FF0000"/>
+            </a:solidFill>
+          </a:ln>
+        </p:spPr>
+        <p:style>
+          <a:lnRef idx="1">
+            <a:schemeClr val="accent1"/>
+          </a:lnRef>
+          <a:fillRef idx="0">
+            <a:schemeClr val="accent1"/>
+          </a:fillRef>
+          <a:effectRef idx="0">
+            <a:schemeClr val="accent1"/>
+          </a:effectRef>
+          <a:fontRef idx="minor">
+            <a:schemeClr val="tx1"/>
+          </a:fontRef>
+        </p:style>
+      </p:cxnSp>
+      <p:sp>
+        <p:nvSpPr>
+          <p:cNvPr id="188" name="Прямоугольник 187">
+            <a:extLst>
+              <a:ext uri="{FF2B5EF4-FFF2-40B4-BE49-F238E27FC236}">
+                <a16:creationId xmlns:a16="http://schemas.microsoft.com/office/drawing/2014/main" id="{E0CCD24B-F629-4273-A82D-5475C38FE00C}"/>
+              </a:ext>
+            </a:extLst>
+          </p:cNvPr>
+          <p:cNvSpPr/>
+          <p:nvPr/>
+        </p:nvSpPr>
+        <p:spPr>
+          <a:xfrm>
+            <a:off x="4491916" y="20510459"/>
+            <a:ext cx="926325" cy="540000"/>
+          </a:xfrm>
+          <a:prstGeom prst="rect">
+            <a:avLst/>
+          </a:prstGeom>
+          <a:solidFill>
+            <a:schemeClr val="accent1">
+              <a:lumMod val="60000"/>
+              <a:lumOff val="40000"/>
+            </a:schemeClr>
+          </a:solidFill>
+          <a:ln w="19050"/>
+        </p:spPr>
+        <p:style>
+          <a:lnRef idx="2">
+            <a:schemeClr val="accent1"/>
+          </a:lnRef>
+          <a:fillRef idx="1">
+            <a:schemeClr val="lt1"/>
+          </a:fillRef>
+          <a:effectRef idx="0">
+            <a:schemeClr val="accent1"/>
+          </a:effectRef>
+          <a:fontRef idx="minor">
+            <a:schemeClr val="dk1"/>
+          </a:fontRef>
+        </p:style>
+        <p:txBody>
+          <a:bodyPr lIns="124733" tIns="62367" rIns="124733" bIns="62367" rtlCol="0" anchor="ctr"/>
+          <a:lstStyle/>
+          <a:p>
+            <a:pPr algn="ctr"/>
+            <a:r>
+              <a:rPr lang="en-US" sz="700" dirty="0"/>
+              <a:t>SNCAO</a:t>
+            </a:r>
+            <a:r>
+              <a:rPr lang="ru-RU" sz="700" dirty="0"/>
+              <a:t> </a:t>
+            </a:r>
+            <a:r>
+              <a:rPr lang="en-US" sz="700" dirty="0"/>
+              <a:t>CAO.700</a:t>
+            </a:r>
+            <a:r>
+              <a:rPr lang="ru-RU" sz="100" dirty="0"/>
+              <a:t>SNCAO CAO.600 — французский военный самолёт времен Второй мировой войны . Этот двухмоторный трехместный низкоплан создавался как самолет наблюдения и бомбардировщик-торпедоносец . Действовать планировалось с новых авианосцев ВМС Франции . Свой первый полет он совершил на21 марта 1940 </a:t>
+            </a:r>
+            <a:r>
+              <a:rPr lang="ru-RU" sz="100" dirty="0" err="1"/>
+              <a:t>г.но</a:t>
+            </a:r>
+            <a:r>
+              <a:rPr lang="ru-RU" sz="100" dirty="0"/>
+              <a:t> только один экземпляр был построен до того, как проект был заброшен после поражения Франции </a:t>
+            </a:r>
+            <a:r>
+              <a:rPr lang="ru-RU" sz="100" dirty="0" err="1"/>
+              <a:t>виюнь</a:t>
+            </a:r>
+            <a:r>
+              <a:rPr lang="ru-RU" sz="100" dirty="0"/>
+              <a:t> 1940 г.[ 1 ] , [ 2 ] , [ 3 ] .</a:t>
+            </a:r>
+            <a:endParaRPr lang="ru-RU" sz="700" dirty="0"/>
+          </a:p>
+        </p:txBody>
+      </p:sp>
+      <p:cxnSp>
+        <p:nvCxnSpPr>
+          <p:cNvPr id="190" name="Прямая со стрелкой 189">
+            <a:extLst>
+              <a:ext uri="{FF2B5EF4-FFF2-40B4-BE49-F238E27FC236}">
+                <a16:creationId xmlns:a16="http://schemas.microsoft.com/office/drawing/2014/main" id="{BE592C08-1331-4332-B2A2-1C448673784D}"/>
+              </a:ext>
+            </a:extLst>
+          </p:cNvPr>
+          <p:cNvCxnSpPr>
+            <a:cxnSpLocks/>
+            <a:stCxn id="180" idx="2"/>
+            <a:endCxn id="188" idx="0"/>
+          </p:cNvCxnSpPr>
+          <p:nvPr/>
+        </p:nvCxnSpPr>
+        <p:spPr>
+          <a:xfrm>
+            <a:off x="4955079" y="20240459"/>
+            <a:ext cx="0" cy="270000"/>
+          </a:xfrm>
+          <a:prstGeom prst="straightConnector1">
+            <a:avLst/>
+          </a:prstGeom>
+          <a:ln w="19050">
+            <a:tailEnd type="arrow"/>
+          </a:ln>
+        </p:spPr>
+        <p:style>
+          <a:lnRef idx="1">
+            <a:schemeClr val="accent1"/>
+          </a:lnRef>
+          <a:fillRef idx="0">
+            <a:schemeClr val="accent1"/>
+          </a:fillRef>
+          <a:effectRef idx="0">
+            <a:schemeClr val="accent1"/>
+          </a:effectRef>
+          <a:fontRef idx="minor">
+            <a:schemeClr val="tx1"/>
+          </a:fontRef>
+        </p:style>
+      </p:cxnSp>
+      <p:sp>
+        <p:nvSpPr>
+          <p:cNvPr id="191" name="Прямоугольник 190">
+            <a:extLst>
+              <a:ext uri="{FF2B5EF4-FFF2-40B4-BE49-F238E27FC236}">
+                <a16:creationId xmlns:a16="http://schemas.microsoft.com/office/drawing/2014/main" id="{17F213D4-FCAE-4C06-8010-20F0938F3B83}"/>
+              </a:ext>
+            </a:extLst>
+          </p:cNvPr>
+          <p:cNvSpPr/>
+          <p:nvPr/>
+        </p:nvSpPr>
+        <p:spPr>
+          <a:xfrm>
+            <a:off x="8117401" y="17323086"/>
+            <a:ext cx="926325" cy="540000"/>
+          </a:xfrm>
+          <a:prstGeom prst="rect">
+            <a:avLst/>
+          </a:prstGeom>
+          <a:solidFill>
+            <a:schemeClr val="accent1">
+              <a:lumMod val="60000"/>
+              <a:lumOff val="40000"/>
+            </a:schemeClr>
+          </a:solidFill>
+          <a:ln w="19050"/>
+        </p:spPr>
+        <p:style>
+          <a:lnRef idx="2">
+            <a:schemeClr val="accent1"/>
+          </a:lnRef>
+          <a:fillRef idx="1">
+            <a:schemeClr val="lt1"/>
+          </a:fillRef>
+          <a:effectRef idx="0">
+            <a:schemeClr val="accent1"/>
+          </a:effectRef>
+          <a:fontRef idx="minor">
+            <a:schemeClr val="dk1"/>
+          </a:fontRef>
+        </p:style>
+        <p:txBody>
+          <a:bodyPr lIns="124733" tIns="62367" rIns="124733" bIns="62367" rtlCol="0" anchor="ctr"/>
+          <a:lstStyle/>
+          <a:p>
+            <a:pPr algn="ctr"/>
+            <a:r>
+              <a:rPr lang="ru-RU" sz="700" dirty="0"/>
+              <a:t>Национальное общество авиационного строительства Юго-Запада (окончание 16 ноября 1936) </a:t>
+            </a:r>
+            <a:r>
+              <a:rPr lang="en-US" sz="100" dirty="0"/>
+              <a:t>Société </a:t>
+            </a:r>
+            <a:r>
+              <a:rPr lang="en-US" sz="100" dirty="0" err="1"/>
+              <a:t>nationale</a:t>
+            </a:r>
+            <a:r>
+              <a:rPr lang="en-US" sz="100" dirty="0"/>
+              <a:t> des Constructions </a:t>
+            </a:r>
+            <a:r>
+              <a:rPr lang="en-US" sz="100" dirty="0" err="1"/>
+              <a:t>aéronautiques</a:t>
+            </a:r>
+            <a:r>
+              <a:rPr lang="en-US" sz="100" dirty="0"/>
+              <a:t> de </a:t>
+            </a:r>
+            <a:r>
+              <a:rPr lang="en-US" sz="100" dirty="0" err="1"/>
+              <a:t>l'Ouest</a:t>
+            </a:r>
+            <a:r>
+              <a:rPr lang="en-US" sz="100" dirty="0"/>
+              <a:t> ( SNCAO ) — </a:t>
+            </a:r>
+            <a:r>
+              <a:rPr lang="ru-RU" sz="100" dirty="0"/>
+              <a:t>французская авиационная компания , возникшая в результате слияния фабрики </a:t>
+            </a:r>
+            <a:r>
+              <a:rPr lang="en-US" sz="100" dirty="0"/>
+              <a:t>Breguet </a:t>
+            </a:r>
+            <a:r>
+              <a:rPr lang="ru-RU" sz="100" dirty="0"/>
+              <a:t>в </a:t>
+            </a:r>
+            <a:r>
+              <a:rPr lang="ru-RU" sz="100" dirty="0" err="1"/>
+              <a:t>Бугене</a:t>
+            </a:r>
+            <a:r>
+              <a:rPr lang="ru-RU" sz="100" dirty="0"/>
+              <a:t> и </a:t>
+            </a:r>
+            <a:r>
+              <a:rPr lang="en-US" sz="100" dirty="0"/>
+              <a:t>Société Anonyme Loire-</a:t>
+            </a:r>
+            <a:r>
+              <a:rPr lang="en-US" sz="100" dirty="0" err="1"/>
+              <a:t>Nieuport</a:t>
+            </a:r>
+            <a:r>
+              <a:rPr lang="en-US" sz="100" dirty="0"/>
+              <a:t> </a:t>
+            </a:r>
+            <a:r>
+              <a:rPr lang="ru-RU" sz="100" dirty="0"/>
+              <a:t>в Сен-</a:t>
+            </a:r>
+            <a:r>
+              <a:rPr lang="ru-RU" sz="100" dirty="0" err="1"/>
+              <a:t>Назере</a:t>
+            </a:r>
+            <a:r>
+              <a:rPr lang="ru-RU" sz="100" dirty="0"/>
+              <a:t> и </a:t>
+            </a:r>
+            <a:r>
+              <a:rPr lang="ru-RU" sz="100" dirty="0" err="1"/>
+              <a:t>Исси</a:t>
+            </a:r>
+            <a:r>
+              <a:rPr lang="ru-RU" sz="100" dirty="0"/>
+              <a:t>-</a:t>
+            </a:r>
+            <a:r>
+              <a:rPr lang="ru-RU" sz="100" dirty="0" err="1"/>
+              <a:t>ле</a:t>
+            </a:r>
+            <a:r>
+              <a:rPr lang="ru-RU" sz="100" dirty="0"/>
+              <a:t>-Мулино в ноябре 1936 года .</a:t>
+            </a:r>
+            <a:endParaRPr lang="ru-RU" sz="700" dirty="0"/>
+          </a:p>
+        </p:txBody>
+      </p:sp>
+      <p:sp>
+        <p:nvSpPr>
+          <p:cNvPr id="193" name="Прямоугольник 192">
+            <a:extLst>
+              <a:ext uri="{FF2B5EF4-FFF2-40B4-BE49-F238E27FC236}">
+                <a16:creationId xmlns:a16="http://schemas.microsoft.com/office/drawing/2014/main" id="{05020E2F-19F1-49AA-BA0E-49651108EE91}"/>
+              </a:ext>
+            </a:extLst>
+          </p:cNvPr>
+          <p:cNvSpPr/>
+          <p:nvPr/>
+        </p:nvSpPr>
+        <p:spPr>
+          <a:xfrm>
+            <a:off x="7515982" y="19004199"/>
+            <a:ext cx="926325" cy="540000"/>
+          </a:xfrm>
+          <a:prstGeom prst="rect">
+            <a:avLst/>
+          </a:prstGeom>
+          <a:solidFill>
+            <a:schemeClr val="accent1">
+              <a:lumMod val="60000"/>
+              <a:lumOff val="40000"/>
+            </a:schemeClr>
+          </a:solidFill>
+          <a:ln w="19050"/>
+        </p:spPr>
+        <p:style>
+          <a:lnRef idx="2">
+            <a:schemeClr val="accent1"/>
+          </a:lnRef>
+          <a:fillRef idx="1">
+            <a:schemeClr val="lt1"/>
+          </a:fillRef>
+          <a:effectRef idx="0">
+            <a:schemeClr val="accent1"/>
+          </a:effectRef>
+          <a:fontRef idx="minor">
+            <a:schemeClr val="dk1"/>
+          </a:fontRef>
+        </p:style>
+        <p:txBody>
+          <a:bodyPr lIns="124733" tIns="62367" rIns="124733" bIns="62367" rtlCol="0" anchor="ctr"/>
+          <a:lstStyle/>
+          <a:p>
+            <a:pPr algn="ctr"/>
+            <a:r>
+              <a:rPr lang="en-US" sz="700" dirty="0"/>
+              <a:t>SO.6000 Triton</a:t>
+            </a:r>
+            <a:r>
+              <a:rPr lang="ru-RU" sz="700" dirty="0"/>
+              <a:t> (1946) </a:t>
+            </a:r>
+            <a:r>
+              <a:rPr lang="ru-RU" sz="100" dirty="0"/>
+              <a:t>SO.6000 </a:t>
+            </a:r>
+            <a:r>
+              <a:rPr lang="ru-RU" sz="100" dirty="0" err="1"/>
+              <a:t>Triton</a:t>
+            </a:r>
+            <a:r>
+              <a:rPr lang="ru-RU" sz="100" dirty="0"/>
+              <a:t> был первым французским реактивным самолетом , построенным Национальным обществом авиационных конструкций Юга-Запада (SNCASO).Его изучение началось в 1943 году тайно, без ведома оккупанта . Разработанный Люсьеном </a:t>
+            </a:r>
+            <a:r>
+              <a:rPr lang="ru-RU" sz="100" dirty="0" err="1"/>
+              <a:t>Серванти</a:t>
+            </a:r>
+            <a:r>
+              <a:rPr lang="ru-RU" sz="100" dirty="0"/>
+              <a:t> в качестве экспериментального самолета, французское государство заказало пять </a:t>
+            </a:r>
+            <a:r>
+              <a:rPr lang="ru-RU" sz="100" dirty="0" err="1"/>
+              <a:t>прототипов.Двухместный</a:t>
+            </a:r>
+            <a:r>
+              <a:rPr lang="ru-RU" sz="100" dirty="0"/>
+              <a:t> </a:t>
+            </a:r>
+            <a:r>
+              <a:rPr lang="ru-RU" sz="100" dirty="0" err="1"/>
+              <a:t>однореактивный</a:t>
+            </a:r>
+            <a:r>
+              <a:rPr lang="ru-RU" sz="100" dirty="0"/>
+              <a:t> двигатель, прототип № 1 , должен был быть оснащен французским реактором с осевым компрессором : 1800 кгс </a:t>
+            </a:r>
+            <a:r>
+              <a:rPr lang="ru-RU" sz="100" dirty="0" err="1"/>
+              <a:t>Рато-Анксионназ</a:t>
+            </a:r>
+            <a:r>
+              <a:rPr lang="ru-RU" sz="100" dirty="0"/>
+              <a:t> GTS-65 , исследования которого начались незадолго до войны, в 1939 году, и Построен опытный образец (грабли СРА-1). Учитывая задержку в разработке, он был оснащен немецким реактором- утилизатором </a:t>
+            </a:r>
+            <a:r>
+              <a:rPr lang="ru-RU" sz="100" dirty="0" err="1"/>
+              <a:t>Junkers</a:t>
+            </a:r>
+            <a:r>
+              <a:rPr lang="ru-RU" sz="100" dirty="0"/>
+              <a:t> </a:t>
+            </a:r>
+            <a:r>
+              <a:rPr lang="ru-RU" sz="100" dirty="0" err="1"/>
+              <a:t>Jumo</a:t>
+            </a:r>
+            <a:r>
+              <a:rPr lang="ru-RU" sz="100" dirty="0"/>
+              <a:t> 004 -B2 мощностью 910 кгс , но этот ненадежный двигатель (срок службы 25 часов) быстро оказался непригодным, поскольку был слишком слабым и склонным к перегреву из-за его установки в фюзеляж .​ Пилотируемый Даниэлем </a:t>
+            </a:r>
+            <a:r>
+              <a:rPr lang="ru-RU" sz="100" dirty="0" err="1"/>
+              <a:t>Растелем</a:t>
+            </a:r>
+            <a:r>
+              <a:rPr lang="ru-RU" sz="100" dirty="0"/>
+              <a:t> и </a:t>
+            </a:r>
+            <a:r>
+              <a:rPr lang="ru-RU" sz="100" dirty="0" err="1"/>
+              <a:t>Арманом</a:t>
+            </a:r>
+            <a:r>
+              <a:rPr lang="ru-RU" sz="100" dirty="0"/>
+              <a:t> Рембо , он совершил свой первый полет на 11 ноября 1946 </a:t>
+            </a:r>
+            <a:r>
+              <a:rPr lang="ru-RU" sz="100" dirty="0" err="1"/>
+              <a:t>г.в</a:t>
+            </a:r>
+            <a:r>
+              <a:rPr lang="ru-RU" sz="100" dirty="0"/>
+              <a:t> Орлеан-</a:t>
+            </a:r>
+            <a:r>
+              <a:rPr lang="ru-RU" sz="100" dirty="0" err="1"/>
+              <a:t>Бриси</a:t>
+            </a:r>
+            <a:r>
+              <a:rPr lang="ru-RU" sz="100" dirty="0"/>
+              <a:t> . Прототип №2 был зарезервирован для статических испытаний.</a:t>
+            </a:r>
+            <a:endParaRPr lang="ru-RU" sz="700" dirty="0"/>
+          </a:p>
+        </p:txBody>
+      </p:sp>
+      <p:sp>
+        <p:nvSpPr>
+          <p:cNvPr id="194" name="Прямоугольник 193">
+            <a:extLst>
+              <a:ext uri="{FF2B5EF4-FFF2-40B4-BE49-F238E27FC236}">
+                <a16:creationId xmlns:a16="http://schemas.microsoft.com/office/drawing/2014/main" id="{CDE4ABE1-1493-4AF9-A2B7-55340CDD3B51}"/>
+              </a:ext>
+            </a:extLst>
+          </p:cNvPr>
+          <p:cNvSpPr/>
+          <p:nvPr/>
+        </p:nvSpPr>
+        <p:spPr>
+          <a:xfrm>
+            <a:off x="8723652" y="18194200"/>
+            <a:ext cx="926325" cy="540000"/>
+          </a:xfrm>
+          <a:prstGeom prst="rect">
+            <a:avLst/>
+          </a:prstGeom>
+          <a:solidFill>
+            <a:schemeClr val="accent1">
+              <a:lumMod val="60000"/>
+              <a:lumOff val="40000"/>
+            </a:schemeClr>
+          </a:solidFill>
+          <a:ln w="19050"/>
+        </p:spPr>
+        <p:style>
+          <a:lnRef idx="2">
+            <a:schemeClr val="accent1"/>
+          </a:lnRef>
+          <a:fillRef idx="1">
+            <a:schemeClr val="lt1"/>
+          </a:fillRef>
+          <a:effectRef idx="0">
+            <a:schemeClr val="accent1"/>
+          </a:effectRef>
+          <a:fontRef idx="minor">
+            <a:schemeClr val="dk1"/>
+          </a:fontRef>
+        </p:style>
+        <p:txBody>
+          <a:bodyPr lIns="124733" tIns="62367" rIns="124733" bIns="62367" rtlCol="0" anchor="ctr"/>
+          <a:lstStyle/>
+          <a:p>
+            <a:pPr algn="ctr"/>
+            <a:r>
+              <a:rPr lang="en-US" sz="700" dirty="0"/>
+              <a:t>Bloch MB.131</a:t>
+            </a:r>
+            <a:r>
+              <a:rPr lang="ru-RU" sz="700" dirty="0"/>
+              <a:t> (июнь 1938)</a:t>
+            </a:r>
+          </a:p>
+          <a:p>
+            <a:pPr algn="ctr"/>
+            <a:r>
+              <a:rPr lang="ru-RU" sz="100" dirty="0" err="1"/>
+              <a:t>Bloch</a:t>
+            </a:r>
+            <a:r>
+              <a:rPr lang="ru-RU" sz="100" dirty="0"/>
+              <a:t> MB.131 — четырёхместный разведывательно-бомбардировочный самолёт, использовавшийся Францией в начале Второй мировой войны .</a:t>
+            </a:r>
+            <a:endParaRPr lang="ru-RU" sz="700" dirty="0"/>
+          </a:p>
+        </p:txBody>
+      </p:sp>
+      <p:sp>
+        <p:nvSpPr>
+          <p:cNvPr id="200" name="Прямоугольник 199">
+            <a:extLst>
+              <a:ext uri="{FF2B5EF4-FFF2-40B4-BE49-F238E27FC236}">
+                <a16:creationId xmlns:a16="http://schemas.microsoft.com/office/drawing/2014/main" id="{6C4559BF-CDD3-46B9-B15D-18CD9622E8D1}"/>
+              </a:ext>
+            </a:extLst>
+          </p:cNvPr>
+          <p:cNvSpPr/>
+          <p:nvPr/>
+        </p:nvSpPr>
+        <p:spPr>
+          <a:xfrm>
+            <a:off x="7515980" y="16472907"/>
+            <a:ext cx="926325" cy="540000"/>
+          </a:xfrm>
+          <a:prstGeom prst="rect">
+            <a:avLst/>
+          </a:prstGeom>
+          <a:solidFill>
+            <a:schemeClr val="accent1">
+              <a:lumMod val="60000"/>
+              <a:lumOff val="40000"/>
+            </a:schemeClr>
+          </a:solidFill>
+          <a:ln w="19050"/>
+        </p:spPr>
+        <p:style>
+          <a:lnRef idx="2">
+            <a:schemeClr val="accent1"/>
+          </a:lnRef>
+          <a:fillRef idx="1">
+            <a:schemeClr val="lt1"/>
+          </a:fillRef>
+          <a:effectRef idx="0">
+            <a:schemeClr val="accent1"/>
+          </a:effectRef>
+          <a:fontRef idx="minor">
+            <a:schemeClr val="dk1"/>
+          </a:fontRef>
+        </p:style>
+        <p:txBody>
+          <a:bodyPr lIns="124733" tIns="62367" rIns="124733" bIns="62367" rtlCol="0" anchor="ctr"/>
+          <a:lstStyle/>
+          <a:p>
+            <a:pPr algn="ctr"/>
+            <a:r>
+              <a:rPr lang="en-US" sz="700" dirty="0"/>
+              <a:t>II </a:t>
+            </a:r>
+            <a:r>
+              <a:rPr lang="ru-RU" sz="700" dirty="0"/>
+              <a:t>Пятилетний план перевооружения ВВС (окончание 25 августа 1936) </a:t>
+            </a:r>
+            <a:r>
+              <a:rPr lang="ru-RU" sz="100" dirty="0"/>
+              <a:t>(Таким образом, по закону о национализации11 августа 1936 </a:t>
+            </a:r>
+            <a:r>
+              <a:rPr lang="ru-RU" sz="100" dirty="0" err="1"/>
+              <a:t>г.Правительство</a:t>
+            </a:r>
+            <a:r>
+              <a:rPr lang="ru-RU" sz="100" dirty="0"/>
+              <a:t> Франции объединяет заводы и конструкторские бюро нескольких частных компаний в рамках шести государственных компаний ( SNCASO , SNCASE , SNCAC , SNCAN, SNCAO , SNCAM ) [ 3 ] , [ 4 ] . Созданные в статусе публичных компаний с ограниченной ответственностью смешанной экономики, в которых государству принадлежит две трети акций, они управляются советом директоров, все члены которого назначаются государством и президентом которого является Анри де </a:t>
+            </a:r>
+            <a:r>
+              <a:rPr lang="ru-RU" sz="100" dirty="0" err="1"/>
+              <a:t>л'Эскайль</a:t>
+            </a:r>
+            <a:r>
+              <a:rPr lang="ru-RU" sz="100" dirty="0"/>
+              <a:t> . 4 ] .</a:t>
+            </a:r>
+            <a:endParaRPr lang="ru-RU" sz="700" dirty="0"/>
+          </a:p>
+        </p:txBody>
+      </p:sp>
+      <p:sp>
+        <p:nvSpPr>
+          <p:cNvPr id="207" name="Прямоугольник 206">
+            <a:extLst>
+              <a:ext uri="{FF2B5EF4-FFF2-40B4-BE49-F238E27FC236}">
+                <a16:creationId xmlns:a16="http://schemas.microsoft.com/office/drawing/2014/main" id="{4FCEE065-6760-4748-80A0-BED0D18152FD}"/>
+              </a:ext>
+            </a:extLst>
+          </p:cNvPr>
+          <p:cNvSpPr/>
+          <p:nvPr/>
+        </p:nvSpPr>
+        <p:spPr>
+          <a:xfrm>
+            <a:off x="7515981" y="18194200"/>
+            <a:ext cx="926325" cy="540000"/>
+          </a:xfrm>
+          <a:prstGeom prst="rect">
+            <a:avLst/>
+          </a:prstGeom>
+          <a:solidFill>
+            <a:schemeClr val="accent1">
+              <a:lumMod val="60000"/>
+              <a:lumOff val="40000"/>
+            </a:schemeClr>
+          </a:solidFill>
+          <a:ln w="19050"/>
+        </p:spPr>
+        <p:style>
+          <a:lnRef idx="2">
+            <a:schemeClr val="accent1"/>
+          </a:lnRef>
+          <a:fillRef idx="1">
+            <a:schemeClr val="lt1"/>
+          </a:fillRef>
+          <a:effectRef idx="0">
+            <a:schemeClr val="accent1"/>
+          </a:effectRef>
+          <a:fontRef idx="minor">
+            <a:schemeClr val="dk1"/>
+          </a:fontRef>
+        </p:style>
+        <p:txBody>
+          <a:bodyPr lIns="124733" tIns="62367" rIns="124733" bIns="62367" rtlCol="0" anchor="ctr"/>
+          <a:lstStyle/>
+          <a:p>
+            <a:pPr algn="ctr"/>
+            <a:r>
+              <a:rPr lang="en-US" sz="700" dirty="0"/>
+              <a:t>Bloch MB.1</a:t>
+            </a:r>
+            <a:r>
+              <a:rPr lang="ru-RU" sz="700" dirty="0"/>
+              <a:t>7</a:t>
+            </a:r>
+            <a:r>
+              <a:rPr lang="en-US" sz="700" dirty="0"/>
+              <a:t>4</a:t>
+            </a:r>
+            <a:r>
+              <a:rPr lang="ru-RU" sz="700" dirty="0"/>
+              <a:t> (февраль 1940)</a:t>
+            </a:r>
+          </a:p>
+          <a:p>
+            <a:pPr algn="ctr"/>
+            <a:r>
+              <a:rPr lang="ru-RU" sz="100" dirty="0"/>
+              <a:t>Эволюция MB.170, эта новая модель окончательно отказалась от </a:t>
+            </a:r>
+            <a:r>
+              <a:rPr lang="ru-RU" sz="100" dirty="0" err="1"/>
+              <a:t>подфюзеляжной</a:t>
+            </a:r>
+            <a:r>
+              <a:rPr lang="ru-RU" sz="100" dirty="0"/>
+              <a:t> башни, была пересмотрена компоновка экипажа [ 2 ] , вновь изменено остекление кабины и носовой части, сохранилось хвостовое оперение MB.170-02. Предназначенный специально для разведки с дополнительным бомбардировочным заданием , прототип поднялся в воздух 5 января 1939 года в </a:t>
+            </a:r>
+            <a:r>
+              <a:rPr lang="ru-RU" sz="100" dirty="0" err="1"/>
+              <a:t>Виллакубле</a:t>
+            </a:r>
+            <a:r>
+              <a:rPr lang="ru-RU" sz="100" dirty="0"/>
+              <a:t> под управлением Рене Ле </a:t>
+            </a:r>
+            <a:r>
+              <a:rPr lang="ru-RU" sz="100" dirty="0" err="1"/>
+              <a:t>Бэйля</a:t>
+            </a:r>
+            <a:r>
+              <a:rPr lang="ru-RU" sz="100" dirty="0"/>
+              <a:t> [ 2 ] с двигателями </a:t>
+            </a:r>
+            <a:r>
+              <a:rPr lang="ru-RU" sz="100" dirty="0" err="1"/>
+              <a:t>Gnome</a:t>
+            </a:r>
+            <a:r>
+              <a:rPr lang="ru-RU" sz="100" dirty="0"/>
+              <a:t> &amp; </a:t>
+            </a:r>
+            <a:r>
+              <a:rPr lang="ru-RU" sz="100" dirty="0" err="1"/>
+              <a:t>Rhône</a:t>
+            </a:r>
+            <a:r>
+              <a:rPr lang="ru-RU" sz="100" dirty="0"/>
+              <a:t> 14M-20/21 мощностью 1030 </a:t>
+            </a:r>
+            <a:r>
+              <a:rPr lang="ru-RU" sz="100" dirty="0" err="1"/>
+              <a:t>л.с</a:t>
+            </a:r>
+            <a:r>
+              <a:rPr lang="ru-RU" sz="100" dirty="0"/>
+              <a:t>. Для активизации разработки двухмоторного самолета было заказано шесть предсерийных самолетов, но этот самолет с первых испытаний показал себя очень быстрым и легким в управлении, маневренным даже на очень большой высоте, и было заявлено о заказе на 50 серийных единиц. на1 февраля 1939 года. Предназначенные для замены </a:t>
+            </a:r>
+            <a:r>
+              <a:rPr lang="ru-RU" sz="100" dirty="0" err="1"/>
+              <a:t>Potez</a:t>
+            </a:r>
+            <a:r>
+              <a:rPr lang="ru-RU" sz="100" dirty="0"/>
+              <a:t> 63.11 разведывательных групп , эти самолеты должны были получить двигатели </a:t>
+            </a:r>
+            <a:r>
+              <a:rPr lang="ru-RU" sz="100" dirty="0" err="1"/>
+              <a:t>Gnome</a:t>
+            </a:r>
+            <a:r>
+              <a:rPr lang="ru-RU" sz="100" dirty="0"/>
+              <a:t> &amp; </a:t>
+            </a:r>
+            <a:r>
+              <a:rPr lang="ru-RU" sz="100" dirty="0" err="1"/>
+              <a:t>Rhône</a:t>
+            </a:r>
+            <a:r>
+              <a:rPr lang="ru-RU" sz="100" dirty="0"/>
+              <a:t> 14M-48/49 мощностью 1100 </a:t>
+            </a:r>
+            <a:r>
+              <a:rPr lang="ru-RU" sz="100" dirty="0" err="1"/>
+              <a:t>л.с</a:t>
+            </a:r>
+            <a:r>
+              <a:rPr lang="ru-RU" sz="100" dirty="0"/>
+              <a:t>. , но первые испытания, проведенные на предсерийных самолетах, выявили проблемы с охлаждением. Поэтому было необходимо уменьшить диаметр поддонов гребных винтов, чтобы увеличить поток воздуха над головками цилиндров [ 2 ] . Наконец, непосредственно перед поступлением на вооружение было решено увеличить вооружение, которое окончательно закрепилось за двумя 7,5- мм пулеметами MAC 1934 в крыльях и тремя установленными в съемных </a:t>
+            </a:r>
+            <a:r>
+              <a:rPr lang="ru-RU" sz="100" dirty="0" err="1"/>
+              <a:t>подфюзеляжных</a:t>
+            </a:r>
+            <a:r>
+              <a:rPr lang="ru-RU" sz="100" dirty="0"/>
+              <a:t> обтекателях, стреляющими вперед, одним спинным пулеметом и </a:t>
+            </a:r>
+            <a:r>
+              <a:rPr lang="ru-RU" sz="100" dirty="0" err="1"/>
+              <a:t>подфюзеляжным</a:t>
+            </a:r>
+            <a:r>
+              <a:rPr lang="ru-RU" sz="100" dirty="0"/>
+              <a:t> пулеметом. тот же тип, стреляющий в тыл. </a:t>
+            </a:r>
+            <a:r>
+              <a:rPr lang="ru-RU" sz="100" dirty="0" err="1"/>
+              <a:t>Подфюзеляжный</a:t>
+            </a:r>
+            <a:r>
+              <a:rPr lang="ru-RU" sz="100" dirty="0"/>
+              <a:t> трюм позволял нести 400 кг бомб, однако в первоначальном варианте его вместимость фактически ограничивалась 8 бомбами по 40 кг , что было явно недостаточно в боевых действиях. Производство было начато в ноябре 1939 года на заводе SNCASO в Бордо-</a:t>
+            </a:r>
+            <a:r>
+              <a:rPr lang="ru-RU" sz="100" dirty="0" err="1"/>
+              <a:t>Мериньяке</a:t>
+            </a:r>
+            <a:r>
+              <a:rPr lang="ru-RU" sz="100" dirty="0"/>
+              <a:t> [ 2 ] , но из-за доработок, внесенных в самолеты в ходе их разработки, первые 20 MB.174 были приняты ВВС лишь в феврале 1940 года и поставлены на вооружение. служба в марте 1940 года в составе стратегической разведывательной группы GR II/33 . До 22 июня 1940 года было поставлено 56 экземпляров. В боевых действиях этот двухмоторный самолет оказался способен превзойти лучшие немецкие истребители, находившиеся на тот момент на вооружении, и только 4 MB.174 были потеряны противником во время битвы за Францию.</a:t>
+            </a:r>
+            <a:endParaRPr lang="ru-RU" sz="700" dirty="0"/>
+          </a:p>
+        </p:txBody>
+      </p:sp>
+      <p:cxnSp>
+        <p:nvCxnSpPr>
+          <p:cNvPr id="208" name="Соединительная линия уступом 620">
+            <a:extLst>
+              <a:ext uri="{FF2B5EF4-FFF2-40B4-BE49-F238E27FC236}">
+                <a16:creationId xmlns:a16="http://schemas.microsoft.com/office/drawing/2014/main" id="{083B2777-E5A5-4F5D-92D0-056CC1FC43AE}"/>
+              </a:ext>
+            </a:extLst>
+          </p:cNvPr>
+          <p:cNvCxnSpPr>
+            <a:cxnSpLocks/>
+            <a:stCxn id="191" idx="2"/>
+            <a:endCxn id="194" idx="0"/>
+          </p:cNvCxnSpPr>
+          <p:nvPr/>
+        </p:nvCxnSpPr>
+        <p:spPr>
+          <a:xfrm rot="16200000" flipH="1">
+            <a:off x="8718132" y="17725517"/>
+            <a:ext cx="331114" cy="606251"/>
+          </a:xfrm>
+          <a:prstGeom prst="bentConnector3">
+            <a:avLst>
+              <a:gd name="adj1" fmla="val 50000"/>
+            </a:avLst>
+          </a:prstGeom>
+          <a:ln w="19050">
+            <a:tailEnd type="arrow"/>
+          </a:ln>
+        </p:spPr>
+        <p:style>
+          <a:lnRef idx="1">
+            <a:schemeClr val="accent1"/>
+          </a:lnRef>
+          <a:fillRef idx="0">
+            <a:schemeClr val="accent1"/>
+          </a:fillRef>
+          <a:effectRef idx="0">
+            <a:schemeClr val="accent1"/>
+          </a:effectRef>
+          <a:fontRef idx="minor">
+            <a:schemeClr val="tx1"/>
+          </a:fontRef>
+        </p:style>
+      </p:cxnSp>
+      <p:cxnSp>
+        <p:nvCxnSpPr>
+          <p:cNvPr id="209" name="Прямая со стрелкой 208">
+            <a:extLst>
+              <a:ext uri="{FF2B5EF4-FFF2-40B4-BE49-F238E27FC236}">
+                <a16:creationId xmlns:a16="http://schemas.microsoft.com/office/drawing/2014/main" id="{C08D00B8-C9CA-4311-9218-932FE543869C}"/>
+              </a:ext>
+            </a:extLst>
+          </p:cNvPr>
+          <p:cNvCxnSpPr>
+            <a:cxnSpLocks/>
+            <a:stCxn id="207" idx="2"/>
+            <a:endCxn id="193" idx="0"/>
+          </p:cNvCxnSpPr>
+          <p:nvPr/>
+        </p:nvCxnSpPr>
+        <p:spPr>
+          <a:xfrm>
+            <a:off x="7979144" y="18734200"/>
+            <a:ext cx="1" cy="269999"/>
+          </a:xfrm>
+          <a:prstGeom prst="straightConnector1">
+            <a:avLst/>
+          </a:prstGeom>
+          <a:ln w="19050">
+            <a:tailEnd type="arrow"/>
+          </a:ln>
+        </p:spPr>
+        <p:style>
+          <a:lnRef idx="1">
+            <a:schemeClr val="accent1"/>
+          </a:lnRef>
+          <a:fillRef idx="0">
+            <a:schemeClr val="accent1"/>
+          </a:fillRef>
+          <a:effectRef idx="0">
+            <a:schemeClr val="accent1"/>
+          </a:effectRef>
+          <a:fontRef idx="minor">
+            <a:schemeClr val="tx1"/>
+          </a:fontRef>
+        </p:style>
+      </p:cxnSp>
+      <p:sp>
+        <p:nvSpPr>
+          <p:cNvPr id="211" name="Прямоугольник 210">
+            <a:extLst>
+              <a:ext uri="{FF2B5EF4-FFF2-40B4-BE49-F238E27FC236}">
+                <a16:creationId xmlns:a16="http://schemas.microsoft.com/office/drawing/2014/main" id="{86EADAC6-4B49-480F-A0A5-BA3D8A0E3252}"/>
+              </a:ext>
+            </a:extLst>
+          </p:cNvPr>
+          <p:cNvSpPr/>
+          <p:nvPr/>
+        </p:nvSpPr>
+        <p:spPr>
+          <a:xfrm>
+            <a:off x="8722575" y="19004199"/>
+            <a:ext cx="926325" cy="540000"/>
+          </a:xfrm>
+          <a:prstGeom prst="rect">
+            <a:avLst/>
+          </a:prstGeom>
+          <a:solidFill>
+            <a:schemeClr val="accent1">
+              <a:lumMod val="60000"/>
+              <a:lumOff val="40000"/>
+            </a:schemeClr>
+          </a:solidFill>
+          <a:ln w="19050"/>
+        </p:spPr>
+        <p:style>
+          <a:lnRef idx="2">
+            <a:schemeClr val="accent1"/>
+          </a:lnRef>
+          <a:fillRef idx="1">
+            <a:schemeClr val="lt1"/>
+          </a:fillRef>
+          <a:effectRef idx="0">
+            <a:schemeClr val="accent1"/>
+          </a:effectRef>
+          <a:fontRef idx="minor">
+            <a:schemeClr val="dk1"/>
+          </a:fontRef>
+        </p:style>
+        <p:txBody>
+          <a:bodyPr lIns="124733" tIns="62367" rIns="124733" bIns="62367" rtlCol="0" anchor="ctr"/>
+          <a:lstStyle/>
+          <a:p>
+            <a:pPr algn="ctr"/>
+            <a:r>
+              <a:rPr lang="en-US" sz="700" dirty="0"/>
+              <a:t>Bloch MB.1</a:t>
+            </a:r>
+            <a:r>
+              <a:rPr lang="ru-RU" sz="700" dirty="0"/>
+              <a:t>75 и </a:t>
+            </a:r>
+            <a:r>
+              <a:rPr lang="en-US" sz="700" dirty="0"/>
+              <a:t>MBT.1</a:t>
+            </a:r>
+            <a:r>
+              <a:rPr lang="ru-RU" sz="700" dirty="0"/>
+              <a:t>75 (февраль 1940)</a:t>
+            </a:r>
+          </a:p>
+          <a:p>
+            <a:pPr algn="ctr"/>
+            <a:r>
+              <a:rPr lang="ru-RU" sz="100" dirty="0"/>
+              <a:t>МБ.175модифицироватьМБ.175Легкая бомбардировочная версия MB.174, фюзеляж которой был удлинен, а </a:t>
+            </a:r>
+            <a:r>
+              <a:rPr lang="ru-RU" sz="100" dirty="0" err="1"/>
+              <a:t>подфюзеляжный</a:t>
+            </a:r>
+            <a:r>
+              <a:rPr lang="ru-RU" sz="100" dirty="0"/>
+              <a:t> отсек модифицирован для размещения 4 бомб по 100 кг или 2 бомб по 200 кг . Прототип, произведенный компанией </a:t>
+            </a:r>
+            <a:r>
+              <a:rPr lang="ru-RU" sz="100" dirty="0" err="1"/>
+              <a:t>Bordeaux-Aéronautique</a:t>
+            </a:r>
+            <a:r>
+              <a:rPr lang="ru-RU" sz="100" dirty="0"/>
+              <a:t> , поднялся в воздух3 декабря 1939 </a:t>
+            </a:r>
+            <a:r>
+              <a:rPr lang="ru-RU" sz="100" dirty="0" err="1"/>
+              <a:t>г.пилотируемый</a:t>
+            </a:r>
+            <a:r>
+              <a:rPr lang="ru-RU" sz="100" dirty="0"/>
+              <a:t> Даниэлем </a:t>
+            </a:r>
+            <a:r>
+              <a:rPr lang="ru-RU" sz="100" dirty="0" err="1"/>
+              <a:t>Растелем</a:t>
+            </a:r>
+            <a:r>
+              <a:rPr lang="ru-RU" sz="100" dirty="0"/>
+              <a:t> [ 2 ] . Поскольку оперативные потери в разведгруппах, использующих MB.174, резко сократились, производство этой модели стало приоритетом, но оно произошло слишком поздно. Первый МВ.175Б-3 был поставлен в апреле 1940 г., а 22 июня 1940 г. было получено всего 25 МВ.175 (на линиях собиралось более 200) [ 2 ] , что позволило перевооружить единую группу , GR II/52 . В июле 1940 года компания «</a:t>
+            </a:r>
+            <a:r>
+              <a:rPr lang="ru-RU" sz="100" dirty="0" err="1"/>
+              <a:t>Фокке</a:t>
+            </a:r>
+            <a:r>
+              <a:rPr lang="ru-RU" sz="100" dirty="0"/>
+              <a:t>-Вульф» заказала двести </a:t>
+            </a:r>
+            <a:r>
+              <a:rPr lang="ru-RU" sz="100" dirty="0" err="1"/>
+              <a:t>Bloch</a:t>
+            </a:r>
+            <a:r>
+              <a:rPr lang="ru-RU" sz="100" dirty="0"/>
+              <a:t> 175 [ 3 ] .МБ.175ТмодифицироватьMB.175 ВМС </a:t>
+            </a:r>
+            <a:r>
+              <a:rPr lang="ru-RU" sz="100" dirty="0" err="1"/>
+              <a:t>Франции.В</a:t>
+            </a:r>
+            <a:r>
+              <a:rPr lang="ru-RU" sz="100" dirty="0"/>
+              <a:t> 1945 году ВМС Франции заказали 100 самолетов MB.175 (позже заказ был сокращен до 80 экземпляров), приспособленных для торпедирования . Производство было начато в </a:t>
+            </a:r>
+            <a:r>
+              <a:rPr lang="ru-RU" sz="100" dirty="0" err="1"/>
+              <a:t>Шатору-Деоле</a:t>
+            </a:r>
+            <a:r>
+              <a:rPr lang="ru-RU" sz="100" dirty="0"/>
+              <a:t> , и с января 1947 года самолеты в приоритетном порядке поставлялись 6F-й флотилии в </a:t>
+            </a:r>
+            <a:r>
+              <a:rPr lang="ru-RU" sz="100" dirty="0" err="1"/>
+              <a:t>Агадире</a:t>
+            </a:r>
+            <a:r>
+              <a:rPr lang="ru-RU" sz="100" dirty="0"/>
+              <a:t> . Эти двухмоторные самолеты не очень понравились военно-морской авиации, которая с радостью заменила их в марте 1952 года на </a:t>
+            </a:r>
+            <a:r>
+              <a:rPr lang="ru-RU" sz="100" dirty="0" err="1"/>
+              <a:t>Grumman</a:t>
+            </a:r>
+            <a:r>
+              <a:rPr lang="ru-RU" sz="100" dirty="0"/>
+              <a:t> </a:t>
+            </a:r>
+            <a:r>
+              <a:rPr lang="ru-RU" sz="100" dirty="0" err="1"/>
+              <a:t>Avenger</a:t>
+            </a:r>
+            <a:r>
+              <a:rPr lang="ru-RU" sz="100" dirty="0"/>
+              <a:t>. . Тем временем флотилия 6F покинула Марокко и направилась на базу </a:t>
+            </a:r>
+            <a:r>
+              <a:rPr lang="ru-RU" sz="100" dirty="0" err="1"/>
+              <a:t>Лартиг</a:t>
+            </a:r>
+            <a:r>
+              <a:rPr lang="ru-RU" sz="100" dirty="0"/>
+              <a:t> недалеко от Орана в Алжире . Эскадрилья 10S Сен -Рафаэля также использовала несколько MB.175T для различных испытаний. Последние Блохи завершили свою карьеру в 1960 году в морской секции школьной базы Рошфор .</a:t>
+            </a:r>
+          </a:p>
+        </p:txBody>
+      </p:sp>
+      <p:cxnSp>
+        <p:nvCxnSpPr>
+          <p:cNvPr id="212" name="Соединительная линия уступом 620">
+            <a:extLst>
+              <a:ext uri="{FF2B5EF4-FFF2-40B4-BE49-F238E27FC236}">
+                <a16:creationId xmlns:a16="http://schemas.microsoft.com/office/drawing/2014/main" id="{88BA6D11-07A6-4FCC-86AD-E726ABDC889B}"/>
+              </a:ext>
+            </a:extLst>
+          </p:cNvPr>
+          <p:cNvCxnSpPr>
+            <a:cxnSpLocks/>
+            <a:stCxn id="207" idx="2"/>
+            <a:endCxn id="211" idx="0"/>
+          </p:cNvCxnSpPr>
+          <p:nvPr/>
+        </p:nvCxnSpPr>
+        <p:spPr>
+          <a:xfrm rot="16200000" flipH="1">
+            <a:off x="8447442" y="18265902"/>
+            <a:ext cx="269999" cy="1206594"/>
+          </a:xfrm>
+          <a:prstGeom prst="bentConnector3">
+            <a:avLst>
+              <a:gd name="adj1" fmla="val 50000"/>
+            </a:avLst>
+          </a:prstGeom>
+          <a:ln w="19050">
+            <a:tailEnd type="arrow"/>
+          </a:ln>
+        </p:spPr>
+        <p:style>
+          <a:lnRef idx="1">
+            <a:schemeClr val="accent1"/>
+          </a:lnRef>
+          <a:fillRef idx="0">
+            <a:schemeClr val="accent1"/>
+          </a:fillRef>
+          <a:effectRef idx="0">
+            <a:schemeClr val="accent1"/>
+          </a:effectRef>
+          <a:fontRef idx="minor">
+            <a:schemeClr val="tx1"/>
+          </a:fontRef>
+        </p:style>
+      </p:cxnSp>
+      <p:cxnSp>
+        <p:nvCxnSpPr>
+          <p:cNvPr id="214" name="Прямая соединительная линия 213">
+            <a:extLst>
+              <a:ext uri="{FF2B5EF4-FFF2-40B4-BE49-F238E27FC236}">
+                <a16:creationId xmlns:a16="http://schemas.microsoft.com/office/drawing/2014/main" id="{909CB948-26FC-4A9B-9155-C2FC263A06B3}"/>
+              </a:ext>
+            </a:extLst>
+          </p:cNvPr>
+          <p:cNvCxnSpPr>
+            <a:cxnSpLocks/>
+            <a:stCxn id="178" idx="3"/>
+            <a:endCxn id="244" idx="1"/>
+          </p:cNvCxnSpPr>
+          <p:nvPr/>
+        </p:nvCxnSpPr>
+        <p:spPr>
+          <a:xfrm>
+            <a:off x="7829745" y="19970459"/>
+            <a:ext cx="1504778" cy="0"/>
+          </a:xfrm>
+          <a:prstGeom prst="line">
+            <a:avLst/>
+          </a:prstGeom>
+          <a:ln w="19050">
+            <a:solidFill>
+              <a:srgbClr val="FF0000"/>
+            </a:solidFill>
+          </a:ln>
+        </p:spPr>
+        <p:style>
+          <a:lnRef idx="1">
+            <a:schemeClr val="accent1"/>
+          </a:lnRef>
+          <a:fillRef idx="0">
+            <a:schemeClr val="accent1"/>
+          </a:fillRef>
+          <a:effectRef idx="0">
+            <a:schemeClr val="accent1"/>
+          </a:effectRef>
+          <a:fontRef idx="minor">
+            <a:schemeClr val="tx1"/>
+          </a:fontRef>
+        </p:style>
+      </p:cxnSp>
+      <p:cxnSp>
+        <p:nvCxnSpPr>
+          <p:cNvPr id="236" name="Соединительная линия уступом 620">
+            <a:extLst>
+              <a:ext uri="{FF2B5EF4-FFF2-40B4-BE49-F238E27FC236}">
+                <a16:creationId xmlns:a16="http://schemas.microsoft.com/office/drawing/2014/main" id="{5D24F816-9CB1-4969-868F-446F1DF9BFAE}"/>
+              </a:ext>
+            </a:extLst>
+          </p:cNvPr>
+          <p:cNvCxnSpPr>
+            <a:cxnSpLocks/>
+            <a:stCxn id="200" idx="2"/>
+            <a:endCxn id="191" idx="0"/>
+          </p:cNvCxnSpPr>
+          <p:nvPr/>
+        </p:nvCxnSpPr>
+        <p:spPr>
+          <a:xfrm rot="16200000" flipH="1">
+            <a:off x="8124764" y="16867285"/>
+            <a:ext cx="310179" cy="601421"/>
+          </a:xfrm>
+          <a:prstGeom prst="bentConnector3">
+            <a:avLst>
+              <a:gd name="adj1" fmla="val 50000"/>
+            </a:avLst>
+          </a:prstGeom>
+          <a:ln w="19050">
+            <a:tailEnd type="arrow"/>
+          </a:ln>
+        </p:spPr>
+        <p:style>
+          <a:lnRef idx="1">
+            <a:schemeClr val="accent1"/>
+          </a:lnRef>
+          <a:fillRef idx="0">
+            <a:schemeClr val="accent1"/>
+          </a:fillRef>
+          <a:effectRef idx="0">
+            <a:schemeClr val="accent1"/>
+          </a:effectRef>
+          <a:fontRef idx="minor">
+            <a:schemeClr val="tx1"/>
+          </a:fontRef>
+        </p:style>
+      </p:cxnSp>
+      <p:sp>
+        <p:nvSpPr>
+          <p:cNvPr id="244" name="Прямоугольник 243">
+            <a:extLst>
+              <a:ext uri="{FF2B5EF4-FFF2-40B4-BE49-F238E27FC236}">
+                <a16:creationId xmlns:a16="http://schemas.microsoft.com/office/drawing/2014/main" id="{0DA67A8C-16F9-450B-B1E6-512F13280F03}"/>
+              </a:ext>
+            </a:extLst>
+          </p:cNvPr>
+          <p:cNvSpPr/>
+          <p:nvPr/>
+        </p:nvSpPr>
+        <p:spPr>
+          <a:xfrm>
+            <a:off x="9334523" y="19700459"/>
+            <a:ext cx="926325" cy="540000"/>
+          </a:xfrm>
+          <a:prstGeom prst="rect">
+            <a:avLst/>
+          </a:prstGeom>
+          <a:solidFill>
+            <a:schemeClr val="accent1">
+              <a:lumMod val="60000"/>
+              <a:lumOff val="40000"/>
+            </a:schemeClr>
+          </a:solidFill>
+          <a:ln w="19050"/>
+        </p:spPr>
+        <p:style>
+          <a:lnRef idx="2">
+            <a:schemeClr val="accent1"/>
+          </a:lnRef>
+          <a:fillRef idx="1">
+            <a:schemeClr val="lt1"/>
+          </a:fillRef>
+          <a:effectRef idx="0">
+            <a:schemeClr val="accent1"/>
+          </a:effectRef>
+          <a:fontRef idx="minor">
+            <a:schemeClr val="dk1"/>
+          </a:fontRef>
+        </p:style>
+        <p:txBody>
+          <a:bodyPr lIns="124733" tIns="62367" rIns="124733" bIns="62367" rtlCol="0" anchor="ctr"/>
+          <a:lstStyle/>
+          <a:p>
+            <a:pPr algn="ctr"/>
+            <a:r>
+              <a:rPr lang="en-US" sz="700" dirty="0"/>
+              <a:t>Bloch MB.13</a:t>
+            </a:r>
+            <a:r>
+              <a:rPr lang="ru-RU" sz="700" dirty="0"/>
+              <a:t>5 (1940)</a:t>
+            </a:r>
+          </a:p>
+          <a:p>
+            <a:pPr algn="ctr"/>
+            <a:r>
+              <a:rPr lang="ru-RU" sz="100" dirty="0"/>
+              <a:t>Четырехмоторный MB.135модифицироватьРазрабатываемый параллельно с MB.134, этот четырехмоторный средний бомбардировщик имел тот же фюзеляж, но центроплан в плане, прямоугольный на MB.134, стал трапециевидным. Двигатели </a:t>
+            </a:r>
+            <a:r>
+              <a:rPr lang="ru-RU" sz="100" dirty="0" err="1"/>
+              <a:t>Gnome</a:t>
+            </a:r>
+            <a:r>
+              <a:rPr lang="ru-RU" sz="100" dirty="0"/>
+              <a:t> &amp; </a:t>
+            </a:r>
+            <a:r>
+              <a:rPr lang="ru-RU" sz="100" dirty="0" err="1"/>
+              <a:t>Rhône</a:t>
+            </a:r>
+            <a:r>
+              <a:rPr lang="ru-RU" sz="100" dirty="0"/>
+              <a:t> 14M 4/5 мощностью 710 </a:t>
+            </a:r>
+            <a:r>
+              <a:rPr lang="ru-RU" sz="100" dirty="0" err="1"/>
+              <a:t>л.с</a:t>
+            </a:r>
+            <a:r>
+              <a:rPr lang="ru-RU" sz="100" dirty="0"/>
+              <a:t>. с гребными винтами </a:t>
+            </a:r>
+            <a:r>
+              <a:rPr lang="ru-RU" sz="100" dirty="0" err="1"/>
+              <a:t>Gnome</a:t>
+            </a:r>
+            <a:r>
+              <a:rPr lang="ru-RU" sz="100" dirty="0"/>
+              <a:t> &amp; </a:t>
+            </a:r>
+            <a:r>
+              <a:rPr lang="ru-RU" sz="100" dirty="0" err="1"/>
+              <a:t>Rhône</a:t>
+            </a:r>
+            <a:r>
+              <a:rPr lang="ru-RU" sz="100" dirty="0"/>
+              <a:t>. Этот самолет, который должен был нести 1350 кг бомб, совершил свой первый полет 12 января 1939 года в </a:t>
+            </a:r>
+            <a:r>
+              <a:rPr lang="ru-RU" sz="100" dirty="0" err="1"/>
+              <a:t>Виллакубле</a:t>
+            </a:r>
+            <a:r>
+              <a:rPr lang="ru-RU" sz="100" dirty="0"/>
+              <a:t>, пилотируемый Рене Ле </a:t>
+            </a:r>
+            <a:r>
+              <a:rPr lang="ru-RU" sz="100" dirty="0" err="1"/>
+              <a:t>Бэйлем</a:t>
+            </a:r>
+            <a:r>
+              <a:rPr lang="ru-RU" sz="100" dirty="0"/>
+              <a:t> и Рене </a:t>
+            </a:r>
+            <a:r>
+              <a:rPr lang="ru-RU" sz="100" dirty="0" err="1"/>
+              <a:t>Лапейром</a:t>
+            </a:r>
+            <a:r>
+              <a:rPr lang="ru-RU" sz="100" dirty="0"/>
+              <a:t> [ 1 ] . Переоборудованный 14 М 6/7 той же мощности, он показал замечательные характеристики и отличные летные качества.</a:t>
+            </a:r>
+            <a:endParaRPr lang="ru-RU" sz="700" dirty="0"/>
+          </a:p>
+        </p:txBody>
+      </p:sp>
+      <p:cxnSp>
+        <p:nvCxnSpPr>
+          <p:cNvPr id="248" name="Соединительная линия уступом 620">
+            <a:extLst>
+              <a:ext uri="{FF2B5EF4-FFF2-40B4-BE49-F238E27FC236}">
+                <a16:creationId xmlns:a16="http://schemas.microsoft.com/office/drawing/2014/main" id="{8EA879E1-220E-416B-AFCD-1005065F6FF4}"/>
+              </a:ext>
+            </a:extLst>
+          </p:cNvPr>
+          <p:cNvCxnSpPr>
+            <a:cxnSpLocks/>
+            <a:stCxn id="194" idx="2"/>
+            <a:endCxn id="211" idx="0"/>
+          </p:cNvCxnSpPr>
+          <p:nvPr/>
+        </p:nvCxnSpPr>
+        <p:spPr>
+          <a:xfrm rot="5400000">
+            <a:off x="9051278" y="18868661"/>
+            <a:ext cx="269999" cy="1077"/>
+          </a:xfrm>
+          <a:prstGeom prst="bentConnector3">
+            <a:avLst>
+              <a:gd name="adj1" fmla="val 50000"/>
+            </a:avLst>
+          </a:prstGeom>
+          <a:ln w="19050">
+            <a:tailEnd type="arrow"/>
+          </a:ln>
+        </p:spPr>
+        <p:style>
+          <a:lnRef idx="1">
+            <a:schemeClr val="accent1"/>
+          </a:lnRef>
+          <a:fillRef idx="0">
+            <a:schemeClr val="accent1"/>
+          </a:fillRef>
+          <a:effectRef idx="0">
+            <a:schemeClr val="accent1"/>
+          </a:effectRef>
+          <a:fontRef idx="minor">
+            <a:schemeClr val="tx1"/>
+          </a:fontRef>
+        </p:style>
+      </p:cxnSp>
+      <p:sp>
+        <p:nvSpPr>
+          <p:cNvPr id="255" name="Прямоугольник 254">
+            <a:extLst>
+              <a:ext uri="{FF2B5EF4-FFF2-40B4-BE49-F238E27FC236}">
+                <a16:creationId xmlns:a16="http://schemas.microsoft.com/office/drawing/2014/main" id="{0BDC597B-90E5-4855-91F5-F15B370E6E8F}"/>
+              </a:ext>
+            </a:extLst>
+          </p:cNvPr>
+          <p:cNvSpPr/>
+          <p:nvPr/>
+        </p:nvSpPr>
+        <p:spPr>
+          <a:xfrm>
+            <a:off x="8059502" y="22377599"/>
+            <a:ext cx="926325" cy="540000"/>
+          </a:xfrm>
+          <a:prstGeom prst="rect">
+            <a:avLst/>
+          </a:prstGeom>
+          <a:solidFill>
+            <a:schemeClr val="accent1">
+              <a:lumMod val="60000"/>
+              <a:lumOff val="40000"/>
+            </a:schemeClr>
+          </a:solidFill>
+          <a:ln w="19050"/>
+        </p:spPr>
+        <p:style>
+          <a:lnRef idx="2">
+            <a:schemeClr val="accent1"/>
+          </a:lnRef>
+          <a:fillRef idx="1">
+            <a:schemeClr val="lt1"/>
+          </a:fillRef>
+          <a:effectRef idx="0">
+            <a:schemeClr val="accent1"/>
+          </a:effectRef>
+          <a:fontRef idx="minor">
+            <a:schemeClr val="dk1"/>
+          </a:fontRef>
+        </p:style>
+        <p:txBody>
+          <a:bodyPr lIns="124733" tIns="62367" rIns="124733" bIns="62367" rtlCol="0" anchor="ctr"/>
+          <a:lstStyle/>
+          <a:p>
+            <a:pPr algn="ctr"/>
+            <a:r>
+              <a:rPr lang="ru-RU" sz="700" dirty="0"/>
+              <a:t>Юго-восточная национальная авиастроительная компания (окончание 1 февраля 1937) </a:t>
+            </a:r>
+            <a:r>
+              <a:rPr lang="ru-RU" sz="100" dirty="0" err="1"/>
+              <a:t>Société</a:t>
+            </a:r>
+            <a:r>
+              <a:rPr lang="ru-RU" sz="100" dirty="0"/>
+              <a:t> </a:t>
+            </a:r>
+            <a:r>
+              <a:rPr lang="ru-RU" sz="100" dirty="0" err="1"/>
+              <a:t>Nationale</a:t>
+            </a:r>
+            <a:r>
+              <a:rPr lang="ru-RU" sz="100" dirty="0"/>
+              <a:t> </a:t>
+            </a:r>
+            <a:r>
+              <a:rPr lang="ru-RU" sz="100" dirty="0" err="1"/>
+              <a:t>des</a:t>
+            </a:r>
+            <a:r>
+              <a:rPr lang="ru-RU" sz="100" dirty="0"/>
+              <a:t> </a:t>
+            </a:r>
+            <a:r>
+              <a:rPr lang="ru-RU" sz="100" dirty="0" err="1"/>
+              <a:t>Constructions</a:t>
+            </a:r>
+            <a:r>
+              <a:rPr lang="ru-RU" sz="100" dirty="0"/>
+              <a:t> </a:t>
+            </a:r>
+            <a:r>
+              <a:rPr lang="ru-RU" sz="100" dirty="0" err="1"/>
+              <a:t>aéronautiques</a:t>
+            </a:r>
+            <a:r>
+              <a:rPr lang="ru-RU" sz="100" dirty="0"/>
+              <a:t> </a:t>
+            </a:r>
+            <a:r>
+              <a:rPr lang="ru-RU" sz="100" dirty="0" err="1"/>
+              <a:t>du</a:t>
+            </a:r>
+            <a:r>
+              <a:rPr lang="ru-RU" sz="100" dirty="0"/>
+              <a:t> </a:t>
+            </a:r>
+            <a:r>
+              <a:rPr lang="ru-RU" sz="100" dirty="0" err="1"/>
+              <a:t>Sud-Est</a:t>
+            </a:r>
+            <a:r>
+              <a:rPr lang="ru-RU" sz="100" dirty="0"/>
+              <a:t> ( SNCASE ) — французская компания, созданная в1 февраля 1937 </a:t>
+            </a:r>
+            <a:r>
+              <a:rPr lang="ru-RU" sz="100" dirty="0" err="1"/>
+              <a:t>годаи</a:t>
+            </a:r>
+            <a:r>
+              <a:rPr lang="ru-RU" sz="100" dirty="0"/>
+              <a:t> исчезла в 1957 году. Она была создана путем национализации и перегруппировки компаний </a:t>
+            </a:r>
+            <a:r>
+              <a:rPr lang="ru-RU" sz="100" dirty="0" err="1"/>
+              <a:t>Potez</a:t>
+            </a:r>
+            <a:r>
+              <a:rPr lang="ru-RU" sz="100" dirty="0"/>
+              <a:t> в </a:t>
+            </a:r>
+            <a:r>
+              <a:rPr lang="ru-RU" sz="100" dirty="0" err="1"/>
+              <a:t>Берре</a:t>
+            </a:r>
+            <a:r>
+              <a:rPr lang="ru-RU" sz="100" dirty="0"/>
+              <a:t> , CAMS в </a:t>
+            </a:r>
+            <a:r>
+              <a:rPr lang="ru-RU" sz="100" dirty="0" err="1"/>
+              <a:t>Витроле</a:t>
+            </a:r>
+            <a:r>
+              <a:rPr lang="ru-RU" sz="100" dirty="0"/>
+              <a:t> , </a:t>
+            </a:r>
+            <a:r>
+              <a:rPr lang="ru-RU" sz="100" dirty="0" err="1"/>
+              <a:t>Romano</a:t>
+            </a:r>
+            <a:r>
+              <a:rPr lang="ru-RU" sz="100" dirty="0"/>
+              <a:t> в Каннах , SPCA в Марселе , а также </a:t>
+            </a:r>
+            <a:r>
+              <a:rPr lang="ru-RU" sz="100" dirty="0" err="1"/>
+              <a:t>Lioré</a:t>
+            </a:r>
+            <a:r>
+              <a:rPr lang="ru-RU" sz="100" dirty="0"/>
+              <a:t> и </a:t>
+            </a:r>
+            <a:r>
+              <a:rPr lang="ru-RU" sz="100" dirty="0" err="1"/>
+              <a:t>Olivier</a:t>
+            </a:r>
+            <a:r>
+              <a:rPr lang="ru-RU" sz="100" dirty="0"/>
+              <a:t> в </a:t>
+            </a:r>
+            <a:r>
+              <a:rPr lang="ru-RU" sz="100" dirty="0" err="1"/>
+              <a:t>Аржантёе</a:t>
+            </a:r>
+            <a:r>
+              <a:rPr lang="ru-RU" sz="100" dirty="0"/>
+              <a:t> и </a:t>
+            </a:r>
+            <a:r>
+              <a:rPr lang="ru-RU" sz="100" dirty="0" err="1"/>
+              <a:t>Клиши</a:t>
+            </a:r>
+            <a:r>
+              <a:rPr lang="ru-RU" sz="100" dirty="0"/>
+              <a:t>-ла-</a:t>
+            </a:r>
+            <a:r>
+              <a:rPr lang="ru-RU" sz="100" dirty="0" err="1"/>
+              <a:t>Гаренне</a:t>
+            </a:r>
+            <a:r>
+              <a:rPr lang="ru-RU" sz="100" dirty="0"/>
+              <a:t> [ 1 ] .В 1939 году была открыта для производства фабрика </a:t>
+            </a:r>
+            <a:r>
+              <a:rPr lang="ru-RU" sz="100" dirty="0" err="1"/>
+              <a:t>Мариньян</a:t>
+            </a:r>
+            <a:r>
+              <a:rPr lang="ru-RU" sz="100" dirty="0"/>
+              <a:t> там, где уже располагался аэропорт </a:t>
+            </a:r>
+            <a:r>
+              <a:rPr lang="ru-RU" sz="100" dirty="0" err="1"/>
+              <a:t>Мариньян</a:t>
+            </a:r>
+            <a:r>
+              <a:rPr lang="ru-RU" sz="100" dirty="0"/>
+              <a:t> [ 2 ] .В конце 1940 года SNCASE поглотила Национальное общество авиационного строительства Миди (SNCAM), базирующееся в </a:t>
+            </a:r>
+            <a:r>
+              <a:rPr lang="ru-RU" sz="100" dirty="0" err="1"/>
+              <a:t>Тулузе.В</a:t>
+            </a:r>
+            <a:r>
+              <a:rPr lang="ru-RU" sz="100" dirty="0"/>
+              <a:t> 1957 году SNCASE была объединена с SNCASO и образовала компанию </a:t>
+            </a:r>
+            <a:r>
+              <a:rPr lang="ru-RU" sz="100" dirty="0" err="1"/>
+              <a:t>Sud-Aviation</a:t>
+            </a:r>
+            <a:r>
+              <a:rPr lang="ru-RU" sz="100" dirty="0"/>
+              <a:t> , прародительницу компании </a:t>
+            </a:r>
+            <a:r>
+              <a:rPr lang="ru-RU" sz="100" dirty="0" err="1"/>
+              <a:t>Aérospatiale</a:t>
+            </a:r>
+            <a:r>
+              <a:rPr lang="ru-RU" sz="100" dirty="0"/>
+              <a:t> (см. также </a:t>
+            </a:r>
+            <a:r>
+              <a:rPr lang="ru-RU" sz="100" dirty="0" err="1"/>
+              <a:t>Eurocopter</a:t>
+            </a:r>
+            <a:r>
+              <a:rPr lang="ru-RU" sz="100" dirty="0"/>
+              <a:t> ).</a:t>
+            </a:r>
+            <a:endParaRPr lang="ru-RU" sz="700" dirty="0"/>
+          </a:p>
+        </p:txBody>
+      </p:sp>
+      <p:sp>
+        <p:nvSpPr>
+          <p:cNvPr id="256" name="Прямоугольник 255">
+            <a:extLst>
+              <a:ext uri="{FF2B5EF4-FFF2-40B4-BE49-F238E27FC236}">
+                <a16:creationId xmlns:a16="http://schemas.microsoft.com/office/drawing/2014/main" id="{B6410F04-8A8E-49D5-AF7D-DA42079AF81E}"/>
+              </a:ext>
+            </a:extLst>
+          </p:cNvPr>
+          <p:cNvSpPr/>
+          <p:nvPr/>
+        </p:nvSpPr>
+        <p:spPr>
+          <a:xfrm>
+            <a:off x="9927904" y="18194200"/>
+            <a:ext cx="926325" cy="540000"/>
+          </a:xfrm>
+          <a:prstGeom prst="rect">
+            <a:avLst/>
+          </a:prstGeom>
+          <a:solidFill>
+            <a:schemeClr val="accent1">
+              <a:lumMod val="60000"/>
+              <a:lumOff val="40000"/>
+            </a:schemeClr>
+          </a:solidFill>
+          <a:ln w="19050"/>
+        </p:spPr>
+        <p:style>
+          <a:lnRef idx="2">
+            <a:schemeClr val="accent1"/>
+          </a:lnRef>
+          <a:fillRef idx="1">
+            <a:schemeClr val="lt1"/>
+          </a:fillRef>
+          <a:effectRef idx="0">
+            <a:schemeClr val="accent1"/>
+          </a:effectRef>
+          <a:fontRef idx="minor">
+            <a:schemeClr val="dk1"/>
+          </a:fontRef>
+        </p:style>
+        <p:txBody>
+          <a:bodyPr lIns="124733" tIns="62367" rIns="124733" bIns="62367" rtlCol="0" anchor="ctr"/>
+          <a:lstStyle/>
+          <a:p>
+            <a:pPr algn="ctr"/>
+            <a:r>
+              <a:rPr lang="ru-RU" sz="700" dirty="0"/>
+              <a:t>Национальное общество авиационного строительства центра (окончание 1 февраля 1937) </a:t>
+            </a:r>
+            <a:r>
+              <a:rPr lang="ru-RU" sz="100" dirty="0" err="1"/>
+              <a:t>Société</a:t>
+            </a:r>
+            <a:r>
+              <a:rPr lang="ru-RU" sz="100" dirty="0"/>
+              <a:t> </a:t>
+            </a:r>
+            <a:r>
+              <a:rPr lang="ru-RU" sz="100" dirty="0" err="1"/>
+              <a:t>Nationale</a:t>
+            </a:r>
+            <a:r>
+              <a:rPr lang="ru-RU" sz="100" dirty="0"/>
+              <a:t> </a:t>
+            </a:r>
+            <a:r>
+              <a:rPr lang="ru-RU" sz="100" dirty="0" err="1"/>
+              <a:t>des</a:t>
+            </a:r>
+            <a:r>
+              <a:rPr lang="ru-RU" sz="100" dirty="0"/>
+              <a:t> </a:t>
+            </a:r>
+            <a:r>
+              <a:rPr lang="ru-RU" sz="100" dirty="0" err="1"/>
+              <a:t>Constructions</a:t>
+            </a:r>
+            <a:r>
+              <a:rPr lang="ru-RU" sz="100" dirty="0"/>
+              <a:t> </a:t>
+            </a:r>
+            <a:r>
+              <a:rPr lang="ru-RU" sz="100" dirty="0" err="1"/>
+              <a:t>aéronautiques</a:t>
+            </a:r>
+            <a:r>
+              <a:rPr lang="ru-RU" sz="100" dirty="0"/>
+              <a:t> </a:t>
+            </a:r>
+            <a:r>
+              <a:rPr lang="ru-RU" sz="100" dirty="0" err="1"/>
+              <a:t>du</a:t>
+            </a:r>
+            <a:r>
+              <a:rPr lang="ru-RU" sz="100" dirty="0"/>
+              <a:t> </a:t>
+            </a:r>
+            <a:r>
+              <a:rPr lang="ru-RU" sz="100" dirty="0" err="1"/>
+              <a:t>Sud-Est</a:t>
+            </a:r>
+            <a:r>
+              <a:rPr lang="ru-RU" sz="100" dirty="0"/>
+              <a:t> ( SNCASE ) — французская компания, созданная в1 февраля 1937 </a:t>
+            </a:r>
+            <a:r>
+              <a:rPr lang="ru-RU" sz="100" dirty="0" err="1"/>
+              <a:t>годаи</a:t>
+            </a:r>
+            <a:r>
+              <a:rPr lang="ru-RU" sz="100" dirty="0"/>
+              <a:t> исчезла в 1957 году. Она была создана путем национализации и перегруппировки компаний </a:t>
+            </a:r>
+            <a:r>
+              <a:rPr lang="ru-RU" sz="100" dirty="0" err="1"/>
+              <a:t>Potez</a:t>
+            </a:r>
+            <a:r>
+              <a:rPr lang="ru-RU" sz="100" dirty="0"/>
+              <a:t> в </a:t>
+            </a:r>
+            <a:r>
+              <a:rPr lang="ru-RU" sz="100" dirty="0" err="1"/>
+              <a:t>Берре</a:t>
+            </a:r>
+            <a:r>
+              <a:rPr lang="ru-RU" sz="100" dirty="0"/>
+              <a:t> , CAMS в </a:t>
+            </a:r>
+            <a:r>
+              <a:rPr lang="ru-RU" sz="100" dirty="0" err="1"/>
+              <a:t>Витроле</a:t>
+            </a:r>
+            <a:r>
+              <a:rPr lang="ru-RU" sz="100" dirty="0"/>
+              <a:t> , </a:t>
+            </a:r>
+            <a:r>
+              <a:rPr lang="ru-RU" sz="100" dirty="0" err="1"/>
+              <a:t>Romano</a:t>
+            </a:r>
+            <a:r>
+              <a:rPr lang="ru-RU" sz="100" dirty="0"/>
+              <a:t> в Каннах , SPCA в Марселе , а также </a:t>
+            </a:r>
+            <a:r>
+              <a:rPr lang="ru-RU" sz="100" dirty="0" err="1"/>
+              <a:t>Lioré</a:t>
+            </a:r>
+            <a:r>
+              <a:rPr lang="ru-RU" sz="100" dirty="0"/>
+              <a:t> и </a:t>
+            </a:r>
+            <a:r>
+              <a:rPr lang="ru-RU" sz="100" dirty="0" err="1"/>
+              <a:t>Olivier</a:t>
+            </a:r>
+            <a:r>
+              <a:rPr lang="ru-RU" sz="100" dirty="0"/>
+              <a:t> в </a:t>
+            </a:r>
+            <a:r>
+              <a:rPr lang="ru-RU" sz="100" dirty="0" err="1"/>
+              <a:t>Аржантёе</a:t>
+            </a:r>
+            <a:r>
+              <a:rPr lang="ru-RU" sz="100" dirty="0"/>
+              <a:t> и </a:t>
+            </a:r>
+            <a:r>
+              <a:rPr lang="ru-RU" sz="100" dirty="0" err="1"/>
+              <a:t>Клиши</a:t>
+            </a:r>
+            <a:r>
+              <a:rPr lang="ru-RU" sz="100" dirty="0"/>
+              <a:t>-ла-</a:t>
+            </a:r>
+            <a:r>
+              <a:rPr lang="ru-RU" sz="100" dirty="0" err="1"/>
+              <a:t>Гаренне</a:t>
+            </a:r>
+            <a:r>
+              <a:rPr lang="ru-RU" sz="100" dirty="0"/>
+              <a:t> [ 1 ] .В 1939 году была открыта для производства фабрика </a:t>
+            </a:r>
+            <a:r>
+              <a:rPr lang="ru-RU" sz="100" dirty="0" err="1"/>
+              <a:t>Мариньян</a:t>
+            </a:r>
+            <a:r>
+              <a:rPr lang="ru-RU" sz="100" dirty="0"/>
+              <a:t> там, где уже располагался аэропорт </a:t>
+            </a:r>
+            <a:r>
+              <a:rPr lang="ru-RU" sz="100" dirty="0" err="1"/>
+              <a:t>Мариньян</a:t>
+            </a:r>
+            <a:r>
+              <a:rPr lang="ru-RU" sz="100" dirty="0"/>
+              <a:t> [ 2 ] .В конце 1940 года SNCASE поглотила Национальное общество авиационного строительства Миди (SNCAM), базирующееся в </a:t>
+            </a:r>
+            <a:r>
+              <a:rPr lang="ru-RU" sz="100" dirty="0" err="1"/>
+              <a:t>Тулузе.В</a:t>
+            </a:r>
+            <a:r>
+              <a:rPr lang="ru-RU" sz="100" dirty="0"/>
+              <a:t> 1957 году SNCASE была объединена с SNCASO и образовала компанию </a:t>
+            </a:r>
+            <a:r>
+              <a:rPr lang="ru-RU" sz="100" dirty="0" err="1"/>
+              <a:t>Sud-Aviation</a:t>
+            </a:r>
+            <a:r>
+              <a:rPr lang="ru-RU" sz="100" dirty="0"/>
+              <a:t> , прародительницу компании </a:t>
+            </a:r>
+            <a:r>
+              <a:rPr lang="ru-RU" sz="100" dirty="0" err="1"/>
+              <a:t>Aérospatiale</a:t>
+            </a:r>
+            <a:r>
+              <a:rPr lang="ru-RU" sz="100" dirty="0"/>
+              <a:t> (см. также </a:t>
+            </a:r>
+            <a:r>
+              <a:rPr lang="ru-RU" sz="100" dirty="0" err="1"/>
+              <a:t>Eurocopter</a:t>
+            </a:r>
+            <a:r>
+              <a:rPr lang="ru-RU" sz="100" dirty="0"/>
+              <a:t> ).</a:t>
+            </a:r>
+            <a:endParaRPr lang="ru-RU" sz="700" dirty="0"/>
+          </a:p>
+        </p:txBody>
+      </p:sp>
+      <p:cxnSp>
+        <p:nvCxnSpPr>
+          <p:cNvPr id="260" name="Соединительная линия уступом 620">
+            <a:extLst>
+              <a:ext uri="{FF2B5EF4-FFF2-40B4-BE49-F238E27FC236}">
+                <a16:creationId xmlns:a16="http://schemas.microsoft.com/office/drawing/2014/main" id="{BF173AC4-8D0F-41B6-BD88-C56DB2778E68}"/>
+              </a:ext>
+            </a:extLst>
+          </p:cNvPr>
+          <p:cNvCxnSpPr>
+            <a:cxnSpLocks/>
+            <a:stCxn id="200" idx="2"/>
+            <a:endCxn id="256" idx="0"/>
+          </p:cNvCxnSpPr>
+          <p:nvPr/>
+        </p:nvCxnSpPr>
+        <p:spPr>
+          <a:xfrm rot="16200000" flipH="1">
+            <a:off x="8594459" y="16397591"/>
+            <a:ext cx="1181293" cy="2411924"/>
+          </a:xfrm>
+          <a:prstGeom prst="bentConnector3">
+            <a:avLst>
+              <a:gd name="adj1" fmla="val 13067"/>
+            </a:avLst>
+          </a:prstGeom>
+          <a:ln w="19050">
+            <a:tailEnd type="arrow"/>
+          </a:ln>
+        </p:spPr>
+        <p:style>
+          <a:lnRef idx="1">
+            <a:schemeClr val="accent1"/>
+          </a:lnRef>
+          <a:fillRef idx="0">
+            <a:schemeClr val="accent1"/>
+          </a:fillRef>
+          <a:effectRef idx="0">
+            <a:schemeClr val="accent1"/>
+          </a:effectRef>
+          <a:fontRef idx="minor">
+            <a:schemeClr val="tx1"/>
+          </a:fontRef>
+        </p:style>
+      </p:cxnSp>
+      <p:sp>
+        <p:nvSpPr>
+          <p:cNvPr id="262" name="Прямоугольник 261">
+            <a:extLst>
+              <a:ext uri="{FF2B5EF4-FFF2-40B4-BE49-F238E27FC236}">
+                <a16:creationId xmlns:a16="http://schemas.microsoft.com/office/drawing/2014/main" id="{7846161C-4549-4456-8D59-F70C9AFD354B}"/>
+              </a:ext>
+            </a:extLst>
+          </p:cNvPr>
+          <p:cNvSpPr/>
+          <p:nvPr/>
+        </p:nvSpPr>
+        <p:spPr>
+          <a:xfrm>
+            <a:off x="9927903" y="19004199"/>
+            <a:ext cx="926325" cy="540000"/>
+          </a:xfrm>
+          <a:prstGeom prst="rect">
+            <a:avLst/>
+          </a:prstGeom>
+          <a:solidFill>
+            <a:schemeClr val="accent1">
+              <a:lumMod val="60000"/>
+              <a:lumOff val="40000"/>
+            </a:schemeClr>
+          </a:solidFill>
+          <a:ln w="19050"/>
+        </p:spPr>
+        <p:style>
+          <a:lnRef idx="2">
+            <a:schemeClr val="accent1"/>
+          </a:lnRef>
+          <a:fillRef idx="1">
+            <a:schemeClr val="lt1"/>
+          </a:fillRef>
+          <a:effectRef idx="0">
+            <a:schemeClr val="accent1"/>
+          </a:effectRef>
+          <a:fontRef idx="minor">
+            <a:schemeClr val="dk1"/>
+          </a:fontRef>
+        </p:style>
+        <p:txBody>
+          <a:bodyPr lIns="124733" tIns="62367" rIns="124733" bIns="62367" rtlCol="0" anchor="ctr"/>
+          <a:lstStyle/>
+          <a:p>
+            <a:pPr algn="ctr"/>
+            <a:r>
+              <a:rPr lang="ru-RU" sz="700" dirty="0"/>
+              <a:t>Разработка гидросамолётов (июнь 1938)</a:t>
+            </a:r>
+          </a:p>
+          <a:p>
+            <a:pPr algn="ctr"/>
+            <a:r>
+              <a:rPr lang="ru-RU" sz="100" dirty="0" err="1"/>
+              <a:t>Bloch</a:t>
+            </a:r>
+            <a:r>
+              <a:rPr lang="ru-RU" sz="100" dirty="0"/>
+              <a:t> MB.131 — четырёхместный разведывательно-бомбардировочный самолёт, использовавшийся Францией в начале Второй мировой войны .</a:t>
+            </a:r>
+            <a:endParaRPr lang="ru-RU" sz="700" dirty="0"/>
+          </a:p>
+        </p:txBody>
+      </p:sp>
+      <p:cxnSp>
+        <p:nvCxnSpPr>
+          <p:cNvPr id="263" name="Прямая со стрелкой 262">
+            <a:extLst>
+              <a:ext uri="{FF2B5EF4-FFF2-40B4-BE49-F238E27FC236}">
+                <a16:creationId xmlns:a16="http://schemas.microsoft.com/office/drawing/2014/main" id="{12895444-1BD0-4C84-B7A3-3F2B4DB4733D}"/>
+              </a:ext>
+            </a:extLst>
+          </p:cNvPr>
+          <p:cNvCxnSpPr>
+            <a:cxnSpLocks/>
+            <a:stCxn id="256" idx="2"/>
+            <a:endCxn id="262" idx="0"/>
+          </p:cNvCxnSpPr>
+          <p:nvPr/>
+        </p:nvCxnSpPr>
+        <p:spPr>
+          <a:xfrm flipH="1">
+            <a:off x="10391066" y="18734200"/>
+            <a:ext cx="1" cy="269999"/>
+          </a:xfrm>
+          <a:prstGeom prst="straightConnector1">
+            <a:avLst/>
+          </a:prstGeom>
+          <a:ln w="19050">
+            <a:tailEnd type="arrow"/>
+          </a:ln>
+        </p:spPr>
+        <p:style>
+          <a:lnRef idx="1">
+            <a:schemeClr val="accent1"/>
+          </a:lnRef>
+          <a:fillRef idx="0">
+            <a:schemeClr val="accent1"/>
+          </a:fillRef>
+          <a:effectRef idx="0">
+            <a:schemeClr val="accent1"/>
+          </a:effectRef>
+          <a:fontRef idx="minor">
+            <a:schemeClr val="tx1"/>
+          </a:fontRef>
+        </p:style>
+      </p:cxnSp>
+      <p:cxnSp>
+        <p:nvCxnSpPr>
+          <p:cNvPr id="276" name="Соединительная линия уступом 620">
+            <a:extLst>
+              <a:ext uri="{FF2B5EF4-FFF2-40B4-BE49-F238E27FC236}">
+                <a16:creationId xmlns:a16="http://schemas.microsoft.com/office/drawing/2014/main" id="{559C9555-B98A-4E9E-AA9E-B2F990E28B3F}"/>
+              </a:ext>
+            </a:extLst>
+          </p:cNvPr>
+          <p:cNvCxnSpPr>
+            <a:cxnSpLocks/>
+            <a:stCxn id="191" idx="2"/>
+            <a:endCxn id="207" idx="0"/>
+          </p:cNvCxnSpPr>
+          <p:nvPr/>
+        </p:nvCxnSpPr>
+        <p:spPr>
+          <a:xfrm rot="5400000">
+            <a:off x="8114297" y="17727933"/>
+            <a:ext cx="331114" cy="601420"/>
+          </a:xfrm>
+          <a:prstGeom prst="bentConnector3">
+            <a:avLst>
+              <a:gd name="adj1" fmla="val 50000"/>
+            </a:avLst>
+          </a:prstGeom>
+          <a:ln w="19050">
+            <a:tailEnd type="arrow"/>
+          </a:ln>
+        </p:spPr>
+        <p:style>
+          <a:lnRef idx="1">
+            <a:schemeClr val="accent1"/>
+          </a:lnRef>
+          <a:fillRef idx="0">
+            <a:schemeClr val="accent1"/>
+          </a:fillRef>
+          <a:effectRef idx="0">
+            <a:schemeClr val="accent1"/>
+          </a:effectRef>
+          <a:fontRef idx="minor">
+            <a:schemeClr val="tx1"/>
+          </a:fontRef>
+        </p:style>
+      </p:cxnSp>
+      <p:cxnSp>
+        <p:nvCxnSpPr>
+          <p:cNvPr id="282" name="Соединительная линия уступом 620">
+            <a:extLst>
+              <a:ext uri="{FF2B5EF4-FFF2-40B4-BE49-F238E27FC236}">
+                <a16:creationId xmlns:a16="http://schemas.microsoft.com/office/drawing/2014/main" id="{22DFC12D-2D98-4770-A6C9-704934C36E88}"/>
+              </a:ext>
+            </a:extLst>
+          </p:cNvPr>
+          <p:cNvCxnSpPr>
+            <a:cxnSpLocks/>
+            <a:stCxn id="194" idx="2"/>
+            <a:endCxn id="244" idx="0"/>
+          </p:cNvCxnSpPr>
+          <p:nvPr/>
+        </p:nvCxnSpPr>
+        <p:spPr>
+          <a:xfrm rot="16200000" flipH="1">
+            <a:off x="9009121" y="18911893"/>
+            <a:ext cx="966259" cy="610871"/>
+          </a:xfrm>
+          <a:prstGeom prst="bentConnector3">
+            <a:avLst>
+              <a:gd name="adj1" fmla="val 14126"/>
+            </a:avLst>
+          </a:prstGeom>
+          <a:ln w="19050">
+            <a:tailEnd type="arrow"/>
+          </a:ln>
+        </p:spPr>
+        <p:style>
+          <a:lnRef idx="1">
+            <a:schemeClr val="accent1"/>
+          </a:lnRef>
+          <a:fillRef idx="0">
+            <a:schemeClr val="accent1"/>
+          </a:fillRef>
+          <a:effectRef idx="0">
+            <a:schemeClr val="accent1"/>
+          </a:effectRef>
+          <a:fontRef idx="minor">
+            <a:schemeClr val="tx1"/>
+          </a:fontRef>
+        </p:style>
+      </p:cxnSp>
+      <p:cxnSp>
+        <p:nvCxnSpPr>
+          <p:cNvPr id="287" name="Соединительная линия уступом 620">
+            <a:extLst>
+              <a:ext uri="{FF2B5EF4-FFF2-40B4-BE49-F238E27FC236}">
+                <a16:creationId xmlns:a16="http://schemas.microsoft.com/office/drawing/2014/main" id="{6EE3C7BC-BECB-465C-A5BC-65512BE7D5AC}"/>
+              </a:ext>
+            </a:extLst>
+          </p:cNvPr>
+          <p:cNvCxnSpPr>
+            <a:cxnSpLocks/>
+            <a:stCxn id="158" idx="2"/>
+            <a:endCxn id="178" idx="0"/>
+          </p:cNvCxnSpPr>
+          <p:nvPr/>
+        </p:nvCxnSpPr>
+        <p:spPr>
+          <a:xfrm rot="16200000" flipH="1">
+            <a:off x="6586438" y="18920313"/>
+            <a:ext cx="966259" cy="594032"/>
+          </a:xfrm>
+          <a:prstGeom prst="bentConnector3">
+            <a:avLst>
+              <a:gd name="adj1" fmla="val 12271"/>
+            </a:avLst>
+          </a:prstGeom>
+          <a:ln w="19050">
+            <a:tailEnd type="arrow"/>
+          </a:ln>
+        </p:spPr>
+        <p:style>
+          <a:lnRef idx="1">
+            <a:schemeClr val="accent1"/>
+          </a:lnRef>
+          <a:fillRef idx="0">
+            <a:schemeClr val="accent1"/>
+          </a:fillRef>
+          <a:effectRef idx="0">
+            <a:schemeClr val="accent1"/>
+          </a:effectRef>
+          <a:fontRef idx="minor">
+            <a:schemeClr val="tx1"/>
+          </a:fontRef>
+        </p:style>
+      </p:cxnSp>
+      <p:cxnSp>
+        <p:nvCxnSpPr>
+          <p:cNvPr id="303" name="Соединительная линия уступом 620">
+            <a:extLst>
+              <a:ext uri="{FF2B5EF4-FFF2-40B4-BE49-F238E27FC236}">
+                <a16:creationId xmlns:a16="http://schemas.microsoft.com/office/drawing/2014/main" id="{10F2FFE8-DB5F-4C88-8FDD-486A2DD41810}"/>
+              </a:ext>
+            </a:extLst>
+          </p:cNvPr>
+          <p:cNvCxnSpPr>
+            <a:cxnSpLocks/>
+            <a:stCxn id="200" idx="2"/>
+            <a:endCxn id="162" idx="0"/>
+          </p:cNvCxnSpPr>
+          <p:nvPr/>
+        </p:nvCxnSpPr>
+        <p:spPr>
+          <a:xfrm rot="5400000">
+            <a:off x="7218080" y="16567378"/>
+            <a:ext cx="315534" cy="1206593"/>
+          </a:xfrm>
+          <a:prstGeom prst="bentConnector3">
+            <a:avLst>
+              <a:gd name="adj1" fmla="val 50000"/>
+            </a:avLst>
+          </a:prstGeom>
+          <a:ln w="19050">
+            <a:tailEnd type="arrow"/>
+          </a:ln>
+        </p:spPr>
+        <p:style>
+          <a:lnRef idx="1">
+            <a:schemeClr val="accent1"/>
+          </a:lnRef>
+          <a:fillRef idx="0">
+            <a:schemeClr val="accent1"/>
+          </a:fillRef>
+          <a:effectRef idx="0">
+            <a:schemeClr val="accent1"/>
+          </a:effectRef>
+          <a:fontRef idx="minor">
+            <a:schemeClr val="tx1"/>
+          </a:fontRef>
+        </p:style>
+      </p:cxnSp>
+      <p:cxnSp>
+        <p:nvCxnSpPr>
+          <p:cNvPr id="311" name="Прямая соединительная линия 310">
+            <a:extLst>
+              <a:ext uri="{FF2B5EF4-FFF2-40B4-BE49-F238E27FC236}">
+                <a16:creationId xmlns:a16="http://schemas.microsoft.com/office/drawing/2014/main" id="{53FE7C6A-75D1-4AA7-AA27-3F95A4F07F3E}"/>
+              </a:ext>
+            </a:extLst>
+          </p:cNvPr>
+          <p:cNvCxnSpPr>
+            <a:cxnSpLocks/>
+            <a:stCxn id="158" idx="3"/>
+            <a:endCxn id="207" idx="1"/>
+          </p:cNvCxnSpPr>
+          <p:nvPr/>
+        </p:nvCxnSpPr>
+        <p:spPr>
+          <a:xfrm>
+            <a:off x="7235713" y="18464200"/>
+            <a:ext cx="280268" cy="0"/>
+          </a:xfrm>
+          <a:prstGeom prst="line">
+            <a:avLst/>
+          </a:prstGeom>
+          <a:ln w="19050">
+            <a:solidFill>
+              <a:srgbClr val="FF0000"/>
+            </a:solidFill>
+          </a:ln>
+        </p:spPr>
+        <p:style>
+          <a:lnRef idx="1">
+            <a:schemeClr val="accent1"/>
+          </a:lnRef>
+          <a:fillRef idx="0">
+            <a:schemeClr val="accent1"/>
+          </a:fillRef>
+          <a:effectRef idx="0">
+            <a:schemeClr val="accent1"/>
+          </a:effectRef>
+          <a:fontRef idx="minor">
+            <a:schemeClr val="tx1"/>
+          </a:fontRef>
+        </p:style>
+      </p:cxnSp>
+      <p:sp>
+        <p:nvSpPr>
+          <p:cNvPr id="320" name="Прямоугольник 319">
+            <a:extLst>
+              <a:ext uri="{FF2B5EF4-FFF2-40B4-BE49-F238E27FC236}">
+                <a16:creationId xmlns:a16="http://schemas.microsoft.com/office/drawing/2014/main" id="{CA0C0CF9-0002-4433-802E-CF59A50CE88F}"/>
+              </a:ext>
+            </a:extLst>
+          </p:cNvPr>
+          <p:cNvSpPr/>
+          <p:nvPr/>
+        </p:nvSpPr>
+        <p:spPr>
+          <a:xfrm>
+            <a:off x="9329638" y="17322134"/>
+            <a:ext cx="926325" cy="540000"/>
+          </a:xfrm>
+          <a:prstGeom prst="rect">
+            <a:avLst/>
+          </a:prstGeom>
+          <a:solidFill>
+            <a:schemeClr val="accent1">
+              <a:lumMod val="60000"/>
+              <a:lumOff val="40000"/>
+            </a:schemeClr>
+          </a:solidFill>
+          <a:ln w="19050"/>
+        </p:spPr>
+        <p:style>
+          <a:lnRef idx="2">
+            <a:schemeClr val="accent1"/>
+          </a:lnRef>
+          <a:fillRef idx="1">
+            <a:schemeClr val="lt1"/>
+          </a:fillRef>
+          <a:effectRef idx="0">
+            <a:schemeClr val="accent1"/>
+          </a:effectRef>
+          <a:fontRef idx="minor">
+            <a:schemeClr val="dk1"/>
+          </a:fontRef>
+        </p:style>
+        <p:txBody>
+          <a:bodyPr lIns="124733" tIns="62367" rIns="124733" bIns="62367" rtlCol="0" anchor="ctr"/>
+          <a:lstStyle/>
+          <a:p>
+            <a:pPr algn="ctr"/>
+            <a:r>
+              <a:rPr lang="ru-RU" sz="700" dirty="0"/>
+              <a:t>Техническо-промышленное воздушное управление</a:t>
+            </a:r>
+          </a:p>
+          <a:p>
+            <a:pPr algn="ctr"/>
+            <a:r>
+              <a:rPr lang="ru-RU" sz="700" dirty="0"/>
+              <a:t>(окончание июль 1938) </a:t>
+            </a:r>
+          </a:p>
+          <a:p>
+            <a:pPr algn="ctr"/>
+            <a:r>
+              <a:rPr lang="ru-RU" sz="100" dirty="0" err="1"/>
+              <a:t>Техническо</a:t>
+            </a:r>
+            <a:r>
+              <a:rPr lang="ru-RU" sz="100" dirty="0"/>
+              <a:t> -промышленное управление (ДТИ), иногда также называемое Техническо-промышленным воздушным управлением (ДТИА), — структура, созданная в Министерстве авиации незадолго до Второй мировой войны . Он отвечает за организацию и управление исследованиями прототипов , контроль за массовым производством техники и подготовку «промышленной мобилизации», не делая различия между гражданскими и военными проектами.</a:t>
+            </a:r>
+            <a:endParaRPr lang="ru-RU" sz="700" dirty="0"/>
+          </a:p>
+        </p:txBody>
+      </p:sp>
+      <p:cxnSp>
+        <p:nvCxnSpPr>
+          <p:cNvPr id="321" name="Соединительная линия уступом 620">
+            <a:extLst>
+              <a:ext uri="{FF2B5EF4-FFF2-40B4-BE49-F238E27FC236}">
+                <a16:creationId xmlns:a16="http://schemas.microsoft.com/office/drawing/2014/main" id="{EB0A401C-7A7D-421F-A05D-B635997C2119}"/>
+              </a:ext>
+            </a:extLst>
+          </p:cNvPr>
+          <p:cNvCxnSpPr>
+            <a:cxnSpLocks/>
+            <a:stCxn id="200" idx="2"/>
+            <a:endCxn id="320" idx="0"/>
+          </p:cNvCxnSpPr>
+          <p:nvPr/>
+        </p:nvCxnSpPr>
+        <p:spPr>
+          <a:xfrm rot="16200000" flipH="1">
+            <a:off x="8731359" y="16260691"/>
+            <a:ext cx="309227" cy="1813658"/>
+          </a:xfrm>
+          <a:prstGeom prst="bentConnector3">
+            <a:avLst>
+              <a:gd name="adj1" fmla="val 50000"/>
+            </a:avLst>
+          </a:prstGeom>
+          <a:ln w="19050">
+            <a:tailEnd type="arrow"/>
+          </a:ln>
+        </p:spPr>
+        <p:style>
+          <a:lnRef idx="1">
+            <a:schemeClr val="accent1"/>
+          </a:lnRef>
+          <a:fillRef idx="0">
+            <a:schemeClr val="accent1"/>
+          </a:fillRef>
+          <a:effectRef idx="0">
+            <a:schemeClr val="accent1"/>
+          </a:effectRef>
+          <a:fontRef idx="minor">
+            <a:schemeClr val="tx1"/>
+          </a:fontRef>
+        </p:style>
+      </p:cxnSp>
+      <p:sp>
+        <p:nvSpPr>
+          <p:cNvPr id="324" name="Прямоугольник 323">
+            <a:extLst>
+              <a:ext uri="{FF2B5EF4-FFF2-40B4-BE49-F238E27FC236}">
+                <a16:creationId xmlns:a16="http://schemas.microsoft.com/office/drawing/2014/main" id="{96F4F385-E3D7-4DD7-971A-0CC40E0A2826}"/>
+              </a:ext>
+            </a:extLst>
+          </p:cNvPr>
+          <p:cNvSpPr/>
+          <p:nvPr/>
+        </p:nvSpPr>
+        <p:spPr>
+          <a:xfrm>
+            <a:off x="10537309" y="17322134"/>
+            <a:ext cx="926325" cy="540000"/>
+          </a:xfrm>
+          <a:prstGeom prst="rect">
+            <a:avLst/>
+          </a:prstGeom>
+          <a:noFill/>
+          <a:ln w="19050"/>
+        </p:spPr>
+        <p:style>
+          <a:lnRef idx="2">
+            <a:schemeClr val="accent1"/>
+          </a:lnRef>
+          <a:fillRef idx="1">
+            <a:schemeClr val="lt1"/>
+          </a:fillRef>
+          <a:effectRef idx="0">
+            <a:schemeClr val="accent1"/>
+          </a:effectRef>
+          <a:fontRef idx="minor">
+            <a:schemeClr val="dk1"/>
+          </a:fontRef>
+        </p:style>
+        <p:txBody>
+          <a:bodyPr lIns="124733" tIns="62367" rIns="124733" bIns="62367" rtlCol="0" anchor="ctr"/>
+          <a:lstStyle/>
+          <a:p>
+            <a:pPr algn="ctr"/>
+            <a:r>
+              <a:rPr lang="ru-RU" sz="700" dirty="0"/>
+              <a:t>Парашютное подразделение ВВС (1 апреля 1937)</a:t>
+            </a:r>
+          </a:p>
+          <a:p>
+            <a:pPr algn="ctr"/>
+            <a:r>
+              <a:rPr lang="ru-RU" sz="100" dirty="0"/>
+              <a:t>В другом районе,1 апреля 1937 </a:t>
+            </a:r>
+            <a:r>
+              <a:rPr lang="ru-RU" sz="100" dirty="0" err="1"/>
+              <a:t>годаКапитан</a:t>
+            </a:r>
+            <a:r>
+              <a:rPr lang="ru-RU" sz="100" dirty="0"/>
+              <a:t> Фредерик </a:t>
+            </a:r>
+            <a:r>
+              <a:rPr lang="ru-RU" sz="100" dirty="0" err="1"/>
+              <a:t>Жей</a:t>
+            </a:r>
+            <a:r>
+              <a:rPr lang="ru-RU" sz="100" dirty="0"/>
+              <a:t> создал первое парашютное подразделение ВВС (и французской военной истории) — 601-ю группу воздушной пехоты ( 601-я GIA ). В составе 602-й GIA она останется оружием под рукой во время французской кампании [ 30 ] .</a:t>
+            </a:r>
+            <a:endParaRPr lang="ru-RU" sz="700" dirty="0"/>
+          </a:p>
+        </p:txBody>
+      </p:sp>
+      <p:sp>
+        <p:nvSpPr>
+          <p:cNvPr id="326" name="Прямоугольник 325">
+            <a:extLst>
+              <a:ext uri="{FF2B5EF4-FFF2-40B4-BE49-F238E27FC236}">
+                <a16:creationId xmlns:a16="http://schemas.microsoft.com/office/drawing/2014/main" id="{720805E0-8653-4B0F-9CFF-04D400C99915}"/>
+              </a:ext>
+            </a:extLst>
+          </p:cNvPr>
+          <p:cNvSpPr/>
+          <p:nvPr/>
+        </p:nvSpPr>
+        <p:spPr>
+          <a:xfrm>
+            <a:off x="11134499" y="18194199"/>
+            <a:ext cx="926325" cy="540000"/>
+          </a:xfrm>
+          <a:prstGeom prst="rect">
+            <a:avLst/>
+          </a:prstGeom>
+          <a:noFill/>
+          <a:ln w="19050"/>
+        </p:spPr>
+        <p:style>
+          <a:lnRef idx="2">
+            <a:schemeClr val="accent1"/>
+          </a:lnRef>
+          <a:fillRef idx="1">
+            <a:schemeClr val="lt1"/>
+          </a:fillRef>
+          <a:effectRef idx="0">
+            <a:schemeClr val="accent1"/>
+          </a:effectRef>
+          <a:fontRef idx="minor">
+            <a:schemeClr val="dk1"/>
+          </a:fontRef>
+        </p:style>
+        <p:txBody>
+          <a:bodyPr lIns="124733" tIns="62367" rIns="124733" bIns="62367" rtlCol="0" anchor="ctr"/>
+          <a:lstStyle/>
+          <a:p>
+            <a:pPr algn="ctr"/>
+            <a:r>
+              <a:rPr lang="ru-RU" sz="700" dirty="0" err="1"/>
+              <a:t>Радиобарьерная</a:t>
+            </a:r>
+            <a:r>
+              <a:rPr lang="ru-RU" sz="700" dirty="0"/>
+              <a:t> защита авиации (вторая половина 1939) </a:t>
+            </a:r>
+            <a:r>
+              <a:rPr lang="ru-RU" sz="100" dirty="0"/>
+              <a:t>Пьер Давид начал экспериментировать с электромагнитным обнаружением в 1928 году в военном контексте. В 1934 году он получил кредиты для Национальной лаборатории </a:t>
+            </a:r>
+            <a:r>
+              <a:rPr lang="ru-RU" sz="100" dirty="0" err="1"/>
+              <a:t>радиоэлектричества</a:t>
+            </a:r>
+            <a:r>
+              <a:rPr lang="ru-RU" sz="100" dirty="0"/>
+              <a:t> и разработал </a:t>
+            </a:r>
+            <a:r>
+              <a:rPr lang="ru-RU" sz="100" dirty="0" err="1"/>
+              <a:t>бистатическое</a:t>
+            </a:r>
+            <a:r>
+              <a:rPr lang="ru-RU" sz="100" dirty="0"/>
+              <a:t> устройство непрерывного действия в Ле Бурже. Эмиттер (​λ{\</a:t>
+            </a:r>
+            <a:r>
+              <a:rPr lang="ru-RU" sz="100" dirty="0" err="1"/>
+              <a:t>displaystyle</a:t>
+            </a:r>
+            <a:r>
+              <a:rPr lang="ru-RU" sz="100" dirty="0"/>
+              <a:t> \</a:t>
+            </a:r>
+            <a:r>
+              <a:rPr lang="ru-RU" sz="100" dirty="0" err="1"/>
+              <a:t>lambda</a:t>
+            </a:r>
+            <a:r>
+              <a:rPr lang="ru-RU" sz="100" dirty="0"/>
+              <a:t> }=4 м , 75 МГц , 50 Вт непрерывная) и смещением приемника на 5 км позволяют обнаружить самолет на расстоянии 10 км , с потолком 7000 метров [ 31 ] . Базовая линия между передатчиком и приемником была постепенно успешно увеличена до 21 км [ 32 ] .Сигнал воспринимается с помощью гарнитуры, указывающей по звуку доплеровское биение , вызванное прохождением мобильного телефона. Преимуществом устройства является ограниченная стоимость и большая легкость, а антенны может транспортировать один человек [ 32 ] .Для маневров в июле и августе 1938 года в Реймсе была установлена ​​сеть плотин в нескольких конфигурациях. Перехват целей истребителем осуществляется в ночное </a:t>
+            </a:r>
+            <a:r>
+              <a:rPr lang="ru-RU" sz="100" dirty="0" err="1"/>
+              <a:t>время.Открытие</a:t>
+            </a:r>
+            <a:r>
+              <a:rPr lang="ru-RU" sz="100" dirty="0"/>
+              <a:t> в 1938 году британской радиолокационной сети </a:t>
+            </a:r>
+            <a:r>
+              <a:rPr lang="ru-RU" sz="100" dirty="0" err="1"/>
+              <a:t>Chain</a:t>
+            </a:r>
+            <a:r>
+              <a:rPr lang="ru-RU" sz="100" dirty="0"/>
+              <a:t> </a:t>
+            </a:r>
+            <a:r>
+              <a:rPr lang="ru-RU" sz="100" dirty="0" err="1"/>
+              <a:t>Home</a:t>
+            </a:r>
+            <a:r>
+              <a:rPr lang="ru-RU" sz="100" dirty="0"/>
+              <a:t> стало шоком для генерального штаба и привело к выделению значительных средств на электромагнитное обнаружение самолетов. Этот контекст и успех экспериментов в Реймсе подтолкнули французскую армию к использованию электромагнитного обнаружения (DEM). Компании SADIR (</a:t>
+            </a:r>
+            <a:r>
+              <a:rPr lang="ru-RU" sz="100" dirty="0" err="1"/>
+              <a:t>Société</a:t>
+            </a:r>
+            <a:r>
+              <a:rPr lang="ru-RU" sz="100" dirty="0"/>
+              <a:t> </a:t>
+            </a:r>
+            <a:r>
+              <a:rPr lang="ru-RU" sz="100" dirty="0" err="1"/>
+              <a:t>Anonyme</a:t>
+            </a:r>
+            <a:r>
+              <a:rPr lang="ru-RU" sz="100" dirty="0"/>
+              <a:t> </a:t>
+            </a:r>
+            <a:r>
+              <a:rPr lang="ru-RU" sz="100" dirty="0" err="1"/>
+              <a:t>Des</a:t>
+            </a:r>
+            <a:r>
+              <a:rPr lang="ru-RU" sz="100" dirty="0"/>
+              <a:t> </a:t>
+            </a:r>
+            <a:r>
+              <a:rPr lang="ru-RU" sz="100" dirty="0" err="1"/>
+              <a:t>Industries</a:t>
+            </a:r>
+            <a:r>
+              <a:rPr lang="ru-RU" sz="100" dirty="0"/>
+              <a:t> </a:t>
+            </a:r>
+            <a:r>
+              <a:rPr lang="ru-RU" sz="100" dirty="0" err="1"/>
+              <a:t>Radioelectrics</a:t>
+            </a:r>
+            <a:r>
+              <a:rPr lang="ru-RU" sz="100" dirty="0"/>
+              <a:t>) и LMT ( </a:t>
+            </a:r>
+            <a:r>
+              <a:rPr lang="ru-RU" sz="100" dirty="0" err="1"/>
+              <a:t>Le</a:t>
+            </a:r>
+            <a:r>
+              <a:rPr lang="ru-RU" sz="100" dirty="0"/>
+              <a:t> </a:t>
+            </a:r>
+            <a:r>
+              <a:rPr lang="ru-RU" sz="100" dirty="0" err="1"/>
+              <a:t>Materiel</a:t>
+            </a:r>
+            <a:r>
+              <a:rPr lang="ru-RU" sz="100" dirty="0"/>
+              <a:t> </a:t>
+            </a:r>
+            <a:r>
+              <a:rPr lang="ru-RU" sz="100" dirty="0" err="1"/>
+              <a:t>Téléphonique</a:t>
+            </a:r>
+            <a:r>
+              <a:rPr lang="ru-RU" sz="100" dirty="0"/>
+              <a:t> ) начали строительство </a:t>
+            </a:r>
+            <a:r>
+              <a:rPr lang="ru-RU" sz="100" dirty="0" err="1"/>
+              <a:t>радиобарьеров</a:t>
+            </a:r>
+            <a:r>
+              <a:rPr lang="ru-RU" sz="100" dirty="0"/>
+              <a:t>, состоящих из </a:t>
+            </a:r>
+            <a:r>
+              <a:rPr lang="ru-RU" sz="100" dirty="0" err="1"/>
+              <a:t>бистатических</a:t>
+            </a:r>
+            <a:r>
+              <a:rPr lang="ru-RU" sz="100" dirty="0"/>
+              <a:t> радаров, работающих на частоте 30 МГц , под названием </a:t>
+            </a:r>
+            <a:r>
+              <a:rPr lang="ru-RU" sz="100" dirty="0" err="1"/>
+              <a:t>David</a:t>
+            </a:r>
+            <a:r>
+              <a:rPr lang="ru-RU" sz="100" dirty="0"/>
+              <a:t> </a:t>
+            </a:r>
+            <a:r>
+              <a:rPr lang="ru-RU" sz="100" dirty="0" err="1"/>
+              <a:t>Dams</a:t>
+            </a:r>
+            <a:r>
+              <a:rPr lang="ru-RU" sz="100" dirty="0"/>
+              <a:t> [ 31 ] .В том же году ВВС заказали тридцать единиц оборудования (передатчик мощностью 300 Вт ,λ{\</a:t>
+            </a:r>
+            <a:r>
+              <a:rPr lang="ru-RU" sz="100" dirty="0" err="1"/>
+              <a:t>displaystyle</a:t>
+            </a:r>
+            <a:r>
+              <a:rPr lang="ru-RU" sz="100" dirty="0"/>
+              <a:t> \</a:t>
+            </a:r>
+            <a:r>
+              <a:rPr lang="ru-RU" sz="100" dirty="0" err="1"/>
+              <a:t>lambda</a:t>
+            </a:r>
+            <a:r>
+              <a:rPr lang="ru-RU" sz="100" dirty="0"/>
+              <a:t> }=5 м )</a:t>
+            </a:r>
+            <a:endParaRPr lang="ru-RU" sz="700" dirty="0"/>
+          </a:p>
+        </p:txBody>
+      </p:sp>
+      <p:sp>
+        <p:nvSpPr>
+          <p:cNvPr id="327" name="Прямоугольник 326">
+            <a:extLst>
+              <a:ext uri="{FF2B5EF4-FFF2-40B4-BE49-F238E27FC236}">
+                <a16:creationId xmlns:a16="http://schemas.microsoft.com/office/drawing/2014/main" id="{91798DB4-C729-4E81-A617-91306F433911}"/>
+              </a:ext>
+            </a:extLst>
+          </p:cNvPr>
+          <p:cNvSpPr/>
+          <p:nvPr/>
+        </p:nvSpPr>
+        <p:spPr>
+          <a:xfrm>
+            <a:off x="12347656" y="18188548"/>
+            <a:ext cx="926325" cy="540000"/>
+          </a:xfrm>
+          <a:prstGeom prst="rect">
+            <a:avLst/>
+          </a:prstGeom>
+          <a:noFill/>
+          <a:ln w="19050"/>
+        </p:spPr>
+        <p:style>
+          <a:lnRef idx="2">
+            <a:schemeClr val="accent1"/>
+          </a:lnRef>
+          <a:fillRef idx="1">
+            <a:schemeClr val="lt1"/>
+          </a:fillRef>
+          <a:effectRef idx="0">
+            <a:schemeClr val="accent1"/>
+          </a:effectRef>
+          <a:fontRef idx="minor">
+            <a:schemeClr val="dk1"/>
+          </a:fontRef>
+        </p:style>
+        <p:txBody>
+          <a:bodyPr lIns="124733" tIns="62367" rIns="124733" bIns="62367" rtlCol="0" anchor="ctr"/>
+          <a:lstStyle/>
+          <a:p>
+            <a:pPr algn="ctr"/>
+            <a:r>
+              <a:rPr lang="ru-RU" sz="700" dirty="0"/>
+              <a:t>Центр охотничьего обучения (сентябрь 1939)</a:t>
+            </a:r>
+          </a:p>
+          <a:p>
+            <a:pPr algn="ctr"/>
+            <a:r>
+              <a:rPr lang="ru-RU" sz="100" dirty="0"/>
+              <a:t>План обучения, принятый в 1938 году, предусматривает подготовку 4400 летных экипажей, 11400 механиков всех специальностей и 2100 техников для пополнения личного состава под флагами. Число авиационных школ увеличилось с 3 в начале 1938 года до 15 </a:t>
+            </a:r>
+            <a:r>
+              <a:rPr lang="ru-RU" sz="100" dirty="0" err="1"/>
+              <a:t>всентябрь</a:t>
+            </a:r>
+            <a:r>
+              <a:rPr lang="ru-RU" sz="100" dirty="0"/>
+              <a:t> 1939 г.. Эти усилия остаются недостаточными, </a:t>
+            </a:r>
+            <a:r>
+              <a:rPr lang="ru-RU" sz="100" dirty="0" err="1"/>
+              <a:t>посколькусентябрь</a:t>
+            </a:r>
+            <a:r>
+              <a:rPr lang="ru-RU" sz="100" dirty="0"/>
+              <a:t> 1939 </a:t>
+            </a:r>
+            <a:r>
+              <a:rPr lang="ru-RU" sz="100" dirty="0" err="1"/>
+              <a:t>г.На</a:t>
+            </a:r>
+            <a:r>
+              <a:rPr lang="ru-RU" sz="100" dirty="0"/>
+              <a:t> вооружении находятся 1940 летных офицеров и 1928 летных унтер-офицеров, что составляет едва половину ожидаемого числа. Обучение персонала также остается ниже потребностей до тех пор, </a:t>
+            </a:r>
+            <a:r>
+              <a:rPr lang="ru-RU" sz="100" dirty="0" err="1"/>
+              <a:t>покаМай</a:t>
+            </a:r>
+            <a:r>
+              <a:rPr lang="ru-RU" sz="100" dirty="0"/>
+              <a:t> 1940 </a:t>
+            </a:r>
+            <a:r>
+              <a:rPr lang="ru-RU" sz="100" dirty="0" err="1"/>
+              <a:t>г..В</a:t>
+            </a:r>
+            <a:r>
+              <a:rPr lang="ru-RU" sz="100" dirty="0"/>
+              <a:t> г. открыт Центр охотничьего обучения (CIC ) .сентябрь 1939 г., на территории авиабазы ​​122 Шартр-</a:t>
+            </a:r>
+            <a:r>
+              <a:rPr lang="ru-RU" sz="100" dirty="0" err="1"/>
+              <a:t>Шамполь</a:t>
+            </a:r>
+            <a:r>
+              <a:rPr lang="ru-RU" sz="100" dirty="0"/>
+              <a:t> .</a:t>
+            </a:r>
+            <a:endParaRPr lang="ru-RU" sz="700" dirty="0"/>
+          </a:p>
+        </p:txBody>
+      </p:sp>
+      <p:sp>
+        <p:nvSpPr>
+          <p:cNvPr id="328" name="Прямоугольник 327">
+            <a:extLst>
+              <a:ext uri="{FF2B5EF4-FFF2-40B4-BE49-F238E27FC236}">
+                <a16:creationId xmlns:a16="http://schemas.microsoft.com/office/drawing/2014/main" id="{F17E793F-78CB-4618-8818-C09DBCF60059}"/>
+              </a:ext>
+            </a:extLst>
+          </p:cNvPr>
+          <p:cNvSpPr/>
+          <p:nvPr/>
+        </p:nvSpPr>
+        <p:spPr>
+          <a:xfrm>
+            <a:off x="11741562" y="17322134"/>
+            <a:ext cx="926325" cy="540000"/>
+          </a:xfrm>
+          <a:prstGeom prst="rect">
+            <a:avLst/>
+          </a:prstGeom>
+          <a:noFill/>
+          <a:ln w="19050"/>
+        </p:spPr>
+        <p:style>
+          <a:lnRef idx="2">
+            <a:schemeClr val="accent1"/>
+          </a:lnRef>
+          <a:fillRef idx="1">
+            <a:schemeClr val="lt1"/>
+          </a:fillRef>
+          <a:effectRef idx="0">
+            <a:schemeClr val="accent1"/>
+          </a:effectRef>
+          <a:fontRef idx="minor">
+            <a:schemeClr val="dk1"/>
+          </a:fontRef>
+        </p:style>
+        <p:txBody>
+          <a:bodyPr lIns="124733" tIns="62367" rIns="124733" bIns="62367" rtlCol="0" anchor="ctr"/>
+          <a:lstStyle/>
+          <a:p>
+            <a:pPr algn="ctr"/>
+            <a:r>
+              <a:rPr lang="ru-RU" sz="700" dirty="0"/>
+              <a:t>Разделить командование ВВС(сентябрь 1939)</a:t>
+            </a:r>
+          </a:p>
+          <a:p>
+            <a:pPr algn="ctr"/>
+            <a:r>
+              <a:rPr lang="ru-RU" sz="100" dirty="0"/>
+              <a:t>В организации ВВС имеется множество </a:t>
+            </a:r>
+            <a:r>
+              <a:rPr lang="ru-RU" sz="100" dirty="0" err="1"/>
+              <a:t>недостатков.Генеральный</a:t>
+            </a:r>
+            <a:r>
+              <a:rPr lang="ru-RU" sz="100" dirty="0"/>
+              <a:t> штаб армии (GQG) удален </a:t>
+            </a:r>
+            <a:r>
+              <a:rPr lang="ru-RU" sz="100" dirty="0" err="1"/>
+              <a:t>всентябрь</a:t>
+            </a:r>
+            <a:r>
+              <a:rPr lang="ru-RU" sz="100" dirty="0"/>
+              <a:t> 1939 </a:t>
+            </a:r>
+            <a:r>
+              <a:rPr lang="ru-RU" sz="100" dirty="0" err="1"/>
+              <a:t>г.командование</a:t>
+            </a:r>
+            <a:r>
+              <a:rPr lang="ru-RU" sz="100" dirty="0"/>
+              <a:t> воздушными силами сухопутных армий и авиационное командование, связанное с группами сухопутных армий. Все это было заменено двумя зонами воздушных операций (ZOA) «Север» и «Восток», связанными с группами армий на северо-востоке, что позволяет упростить и более адаптировать операции и ограничить рассредоточение сил.</a:t>
+            </a:r>
+            <a:endParaRPr lang="ru-RU" sz="700" dirty="0"/>
+          </a:p>
+        </p:txBody>
+      </p:sp>
+      <p:sp>
+        <p:nvSpPr>
+          <p:cNvPr id="329" name="Прямоугольник 328">
+            <a:extLst>
+              <a:ext uri="{FF2B5EF4-FFF2-40B4-BE49-F238E27FC236}">
+                <a16:creationId xmlns:a16="http://schemas.microsoft.com/office/drawing/2014/main" id="{D612CE74-327B-4FC1-B98C-4857581A5634}"/>
+              </a:ext>
+            </a:extLst>
+          </p:cNvPr>
+          <p:cNvSpPr/>
+          <p:nvPr/>
+        </p:nvSpPr>
+        <p:spPr>
+          <a:xfrm>
+            <a:off x="11741562" y="19004199"/>
+            <a:ext cx="926325" cy="540000"/>
+          </a:xfrm>
+          <a:prstGeom prst="rect">
+            <a:avLst/>
+          </a:prstGeom>
+          <a:noFill/>
+          <a:ln w="19050"/>
+        </p:spPr>
+        <p:style>
+          <a:lnRef idx="2">
+            <a:schemeClr val="accent1"/>
+          </a:lnRef>
+          <a:fillRef idx="1">
+            <a:schemeClr val="lt1"/>
+          </a:fillRef>
+          <a:effectRef idx="0">
+            <a:schemeClr val="accent1"/>
+          </a:effectRef>
+          <a:fontRef idx="minor">
+            <a:schemeClr val="dk1"/>
+          </a:fontRef>
+        </p:style>
+        <p:txBody>
+          <a:bodyPr lIns="124733" tIns="62367" rIns="124733" bIns="62367" rtlCol="0" anchor="ctr"/>
+          <a:lstStyle/>
+          <a:p>
+            <a:pPr algn="ctr"/>
+            <a:r>
+              <a:rPr lang="ru-RU" sz="700" dirty="0"/>
+              <a:t>Подчинить ВВС армии (февраль 1940)</a:t>
+            </a:r>
+          </a:p>
+          <a:p>
+            <a:pPr algn="ctr"/>
+            <a:r>
+              <a:rPr lang="ru-RU" sz="100" dirty="0"/>
+              <a:t>Однако эта напряженность приводит </a:t>
+            </a:r>
+            <a:r>
+              <a:rPr lang="ru-RU" sz="100" dirty="0" err="1"/>
+              <a:t>кфевраль</a:t>
+            </a:r>
+            <a:r>
+              <a:rPr lang="ru-RU" sz="100" dirty="0"/>
+              <a:t> 1940 </a:t>
+            </a:r>
+            <a:r>
+              <a:rPr lang="ru-RU" sz="100" dirty="0" err="1"/>
+              <a:t>г.о</a:t>
+            </a:r>
+            <a:r>
+              <a:rPr lang="ru-RU" sz="100" dirty="0"/>
+              <a:t> реорганизации ВВС Ги Ла </a:t>
+            </a:r>
+            <a:r>
+              <a:rPr lang="ru-RU" sz="100" dirty="0" err="1"/>
+              <a:t>Шамбра</a:t>
+            </a:r>
+            <a:r>
+              <a:rPr lang="ru-RU" sz="100" dirty="0"/>
+              <a:t>, чтобы успокоить </a:t>
+            </a:r>
+            <a:r>
+              <a:rPr lang="ru-RU" sz="100" dirty="0" err="1"/>
+              <a:t>Эдуара</a:t>
+            </a:r>
+            <a:r>
+              <a:rPr lang="ru-RU" sz="100" dirty="0"/>
+              <a:t> Даладье и парламентариев. Это требует создания командования ВВС взаимодействия, предназначенного для сухопутных войск. Эта акция восстанавливает подчинение воздушных средств армии, как это существовало </a:t>
+            </a:r>
+            <a:r>
+              <a:rPr lang="ru-RU" sz="100" dirty="0" err="1"/>
+              <a:t>раньше.сентябрь</a:t>
+            </a:r>
+            <a:r>
+              <a:rPr lang="ru-RU" sz="100" dirty="0"/>
+              <a:t> 1939 г.. Прежде всего, это создает возможность противоречивых приказов ВВС между воздушным и сухопутным командованиями, распыляет авиационные ресурсы.</a:t>
+            </a:r>
+            <a:endParaRPr lang="ru-RU" sz="700" dirty="0"/>
+          </a:p>
+        </p:txBody>
+      </p:sp>
+      <p:cxnSp>
+        <p:nvCxnSpPr>
+          <p:cNvPr id="330" name="Соединительная линия уступом 620">
+            <a:extLst>
+              <a:ext uri="{FF2B5EF4-FFF2-40B4-BE49-F238E27FC236}">
+                <a16:creationId xmlns:a16="http://schemas.microsoft.com/office/drawing/2014/main" id="{CCE83277-92D1-46C7-9E4A-5C6ECDAC9096}"/>
+              </a:ext>
+            </a:extLst>
+          </p:cNvPr>
+          <p:cNvCxnSpPr>
+            <a:cxnSpLocks/>
+            <a:stCxn id="200" idx="2"/>
+            <a:endCxn id="324" idx="0"/>
+          </p:cNvCxnSpPr>
+          <p:nvPr/>
+        </p:nvCxnSpPr>
+        <p:spPr>
+          <a:xfrm rot="16200000" flipH="1">
+            <a:off x="9335194" y="15656855"/>
+            <a:ext cx="309227" cy="3021329"/>
+          </a:xfrm>
+          <a:prstGeom prst="bentConnector3">
+            <a:avLst>
+              <a:gd name="adj1" fmla="val 50000"/>
+            </a:avLst>
+          </a:prstGeom>
+          <a:ln w="19050">
+            <a:tailEnd type="arrow"/>
+          </a:ln>
+        </p:spPr>
+        <p:style>
+          <a:lnRef idx="1">
+            <a:schemeClr val="accent1"/>
+          </a:lnRef>
+          <a:fillRef idx="0">
+            <a:schemeClr val="accent1"/>
+          </a:fillRef>
+          <a:effectRef idx="0">
+            <a:schemeClr val="accent1"/>
+          </a:effectRef>
+          <a:fontRef idx="minor">
+            <a:schemeClr val="tx1"/>
+          </a:fontRef>
+        </p:style>
+      </p:cxnSp>
+      <p:cxnSp>
+        <p:nvCxnSpPr>
+          <p:cNvPr id="333" name="Соединительная линия уступом 620">
+            <a:extLst>
+              <a:ext uri="{FF2B5EF4-FFF2-40B4-BE49-F238E27FC236}">
+                <a16:creationId xmlns:a16="http://schemas.microsoft.com/office/drawing/2014/main" id="{47FEB69D-9677-4B55-9DA8-AA25E318BE82}"/>
+              </a:ext>
+            </a:extLst>
+          </p:cNvPr>
+          <p:cNvCxnSpPr>
+            <a:cxnSpLocks/>
+            <a:stCxn id="200" idx="2"/>
+            <a:endCxn id="328" idx="0"/>
+          </p:cNvCxnSpPr>
+          <p:nvPr/>
+        </p:nvCxnSpPr>
+        <p:spPr>
+          <a:xfrm rot="16200000" flipH="1">
+            <a:off x="9937321" y="15054729"/>
+            <a:ext cx="309227" cy="4225582"/>
+          </a:xfrm>
+          <a:prstGeom prst="bentConnector3">
+            <a:avLst>
+              <a:gd name="adj1" fmla="val 50000"/>
+            </a:avLst>
+          </a:prstGeom>
+          <a:ln w="19050">
+            <a:tailEnd type="arrow"/>
+          </a:ln>
+        </p:spPr>
+        <p:style>
+          <a:lnRef idx="1">
+            <a:schemeClr val="accent1"/>
+          </a:lnRef>
+          <a:fillRef idx="0">
+            <a:schemeClr val="accent1"/>
+          </a:fillRef>
+          <a:effectRef idx="0">
+            <a:schemeClr val="accent1"/>
+          </a:effectRef>
+          <a:fontRef idx="minor">
+            <a:schemeClr val="tx1"/>
+          </a:fontRef>
+        </p:style>
+      </p:cxnSp>
+      <p:cxnSp>
+        <p:nvCxnSpPr>
+          <p:cNvPr id="336" name="Соединительная линия уступом 620">
+            <a:extLst>
+              <a:ext uri="{FF2B5EF4-FFF2-40B4-BE49-F238E27FC236}">
+                <a16:creationId xmlns:a16="http://schemas.microsoft.com/office/drawing/2014/main" id="{798941A6-B3F7-4BB9-9C19-81AC1AA0ADA8}"/>
+              </a:ext>
+            </a:extLst>
+          </p:cNvPr>
+          <p:cNvCxnSpPr>
+            <a:cxnSpLocks/>
+            <a:stCxn id="328" idx="2"/>
+            <a:endCxn id="326" idx="0"/>
+          </p:cNvCxnSpPr>
+          <p:nvPr/>
+        </p:nvCxnSpPr>
+        <p:spPr>
+          <a:xfrm rot="5400000">
+            <a:off x="11735162" y="17724635"/>
+            <a:ext cx="332065" cy="607063"/>
+          </a:xfrm>
+          <a:prstGeom prst="bentConnector3">
+            <a:avLst>
+              <a:gd name="adj1" fmla="val 50000"/>
+            </a:avLst>
+          </a:prstGeom>
+          <a:ln w="19050">
+            <a:tailEnd type="arrow"/>
+          </a:ln>
+        </p:spPr>
+        <p:style>
+          <a:lnRef idx="1">
+            <a:schemeClr val="accent1"/>
+          </a:lnRef>
+          <a:fillRef idx="0">
+            <a:schemeClr val="accent1"/>
+          </a:fillRef>
+          <a:effectRef idx="0">
+            <a:schemeClr val="accent1"/>
+          </a:effectRef>
+          <a:fontRef idx="minor">
+            <a:schemeClr val="tx1"/>
+          </a:fontRef>
+        </p:style>
+      </p:cxnSp>
+      <p:cxnSp>
+        <p:nvCxnSpPr>
+          <p:cNvPr id="340" name="Соединительная линия уступом 620">
+            <a:extLst>
+              <a:ext uri="{FF2B5EF4-FFF2-40B4-BE49-F238E27FC236}">
+                <a16:creationId xmlns:a16="http://schemas.microsoft.com/office/drawing/2014/main" id="{B3C8B169-0E5B-4F38-BFF4-6D7FD67521E5}"/>
+              </a:ext>
+            </a:extLst>
+          </p:cNvPr>
+          <p:cNvCxnSpPr>
+            <a:cxnSpLocks/>
+            <a:stCxn id="328" idx="2"/>
+            <a:endCxn id="327" idx="0"/>
+          </p:cNvCxnSpPr>
+          <p:nvPr/>
+        </p:nvCxnSpPr>
+        <p:spPr>
+          <a:xfrm rot="16200000" flipH="1">
+            <a:off x="12344565" y="17722294"/>
+            <a:ext cx="326414" cy="606094"/>
+          </a:xfrm>
+          <a:prstGeom prst="bentConnector3">
+            <a:avLst>
+              <a:gd name="adj1" fmla="val 50000"/>
+            </a:avLst>
+          </a:prstGeom>
+          <a:ln w="19050">
+            <a:tailEnd type="arrow"/>
+          </a:ln>
+        </p:spPr>
+        <p:style>
+          <a:lnRef idx="1">
+            <a:schemeClr val="accent1"/>
+          </a:lnRef>
+          <a:fillRef idx="0">
+            <a:schemeClr val="accent1"/>
+          </a:fillRef>
+          <a:effectRef idx="0">
+            <a:schemeClr val="accent1"/>
+          </a:effectRef>
+          <a:fontRef idx="minor">
+            <a:schemeClr val="tx1"/>
+          </a:fontRef>
+        </p:style>
+      </p:cxnSp>
+      <p:cxnSp>
+        <p:nvCxnSpPr>
+          <p:cNvPr id="343" name="Прямая со стрелкой 342">
+            <a:extLst>
+              <a:ext uri="{FF2B5EF4-FFF2-40B4-BE49-F238E27FC236}">
+                <a16:creationId xmlns:a16="http://schemas.microsoft.com/office/drawing/2014/main" id="{CBEC53BA-12CB-4F7E-9D49-8A07504E55DE}"/>
+              </a:ext>
+            </a:extLst>
+          </p:cNvPr>
+          <p:cNvCxnSpPr>
+            <a:cxnSpLocks/>
+            <a:stCxn id="328" idx="2"/>
+            <a:endCxn id="329" idx="0"/>
+          </p:cNvCxnSpPr>
+          <p:nvPr/>
+        </p:nvCxnSpPr>
+        <p:spPr>
+          <a:xfrm>
+            <a:off x="12204725" y="17862134"/>
+            <a:ext cx="0" cy="1142065"/>
+          </a:xfrm>
+          <a:prstGeom prst="straightConnector1">
+            <a:avLst/>
+          </a:prstGeom>
+          <a:ln w="19050">
+            <a:tailEnd type="arrow"/>
+          </a:ln>
+        </p:spPr>
+        <p:style>
+          <a:lnRef idx="1">
+            <a:schemeClr val="accent1"/>
+          </a:lnRef>
+          <a:fillRef idx="0">
+            <a:schemeClr val="accent1"/>
+          </a:fillRef>
+          <a:effectRef idx="0">
+            <a:schemeClr val="accent1"/>
+          </a:effectRef>
+          <a:fontRef idx="minor">
+            <a:schemeClr val="tx1"/>
+          </a:fontRef>
+        </p:style>
+      </p:cxnSp>
     </p:spTree>
     <p:extLst>
       <p:ext uri="{BB962C8B-B14F-4D97-AF65-F5344CB8AC3E}">

--- a/Наработки/диздоки/Франция/Франция.pptx
+++ b/Наработки/диздоки/Франция/Франция.pptx
@@ -209,7 +209,7 @@
             <a:fld id="{33E3D7F9-E251-484C-A6FF-FA958879DF69}" type="datetimeFigureOut">
               <a:rPr lang="ru-RU" smtClean="0"/>
               <a:pPr/>
-              <a:t>07.03.2024</a:t>
+              <a:t>10.03.2024</a:t>
             </a:fld>
             <a:endParaRPr lang="ru-RU"/>
           </a:p>
@@ -699,7 +699,7 @@
             <a:fld id="{85A5DE44-605B-4D3B-B2B7-94543DF81A36}" type="datetimeFigureOut">
               <a:rPr lang="ru-RU" smtClean="0"/>
               <a:pPr/>
-              <a:t>07.03.2024</a:t>
+              <a:t>10.03.2024</a:t>
             </a:fld>
             <a:endParaRPr lang="ru-RU"/>
           </a:p>
@@ -871,7 +871,7 @@
             <a:fld id="{85A5DE44-605B-4D3B-B2B7-94543DF81A36}" type="datetimeFigureOut">
               <a:rPr lang="ru-RU" smtClean="0"/>
               <a:pPr/>
-              <a:t>07.03.2024</a:t>
+              <a:t>10.03.2024</a:t>
             </a:fld>
             <a:endParaRPr lang="ru-RU"/>
           </a:p>
@@ -1053,7 +1053,7 @@
             <a:fld id="{85A5DE44-605B-4D3B-B2B7-94543DF81A36}" type="datetimeFigureOut">
               <a:rPr lang="ru-RU" smtClean="0"/>
               <a:pPr/>
-              <a:t>07.03.2024</a:t>
+              <a:t>10.03.2024</a:t>
             </a:fld>
             <a:endParaRPr lang="ru-RU"/>
           </a:p>
@@ -1225,7 +1225,7 @@
             <a:fld id="{85A5DE44-605B-4D3B-B2B7-94543DF81A36}" type="datetimeFigureOut">
               <a:rPr lang="ru-RU" smtClean="0"/>
               <a:pPr/>
-              <a:t>07.03.2024</a:t>
+              <a:t>10.03.2024</a:t>
             </a:fld>
             <a:endParaRPr lang="ru-RU"/>
           </a:p>
@@ -1473,7 +1473,7 @@
             <a:fld id="{85A5DE44-605B-4D3B-B2B7-94543DF81A36}" type="datetimeFigureOut">
               <a:rPr lang="ru-RU" smtClean="0"/>
               <a:pPr/>
-              <a:t>07.03.2024</a:t>
+              <a:t>10.03.2024</a:t>
             </a:fld>
             <a:endParaRPr lang="ru-RU"/>
           </a:p>
@@ -1707,7 +1707,7 @@
             <a:fld id="{85A5DE44-605B-4D3B-B2B7-94543DF81A36}" type="datetimeFigureOut">
               <a:rPr lang="ru-RU" smtClean="0"/>
               <a:pPr/>
-              <a:t>07.03.2024</a:t>
+              <a:t>10.03.2024</a:t>
             </a:fld>
             <a:endParaRPr lang="ru-RU"/>
           </a:p>
@@ -2076,7 +2076,7 @@
             <a:fld id="{85A5DE44-605B-4D3B-B2B7-94543DF81A36}" type="datetimeFigureOut">
               <a:rPr lang="ru-RU" smtClean="0"/>
               <a:pPr/>
-              <a:t>07.03.2024</a:t>
+              <a:t>10.03.2024</a:t>
             </a:fld>
             <a:endParaRPr lang="ru-RU"/>
           </a:p>
@@ -2196,7 +2196,7 @@
             <a:fld id="{85A5DE44-605B-4D3B-B2B7-94543DF81A36}" type="datetimeFigureOut">
               <a:rPr lang="ru-RU" smtClean="0"/>
               <a:pPr/>
-              <a:t>07.03.2024</a:t>
+              <a:t>10.03.2024</a:t>
             </a:fld>
             <a:endParaRPr lang="ru-RU"/>
           </a:p>
@@ -2293,7 +2293,7 @@
             <a:fld id="{85A5DE44-605B-4D3B-B2B7-94543DF81A36}" type="datetimeFigureOut">
               <a:rPr lang="ru-RU" smtClean="0"/>
               <a:pPr/>
-              <a:t>07.03.2024</a:t>
+              <a:t>10.03.2024</a:t>
             </a:fld>
             <a:endParaRPr lang="ru-RU"/>
           </a:p>
@@ -2572,7 +2572,7 @@
             <a:fld id="{85A5DE44-605B-4D3B-B2B7-94543DF81A36}" type="datetimeFigureOut">
               <a:rPr lang="ru-RU" smtClean="0"/>
               <a:pPr/>
-              <a:t>07.03.2024</a:t>
+              <a:t>10.03.2024</a:t>
             </a:fld>
             <a:endParaRPr lang="ru-RU"/>
           </a:p>
@@ -2831,7 +2831,7 @@
             <a:fld id="{85A5DE44-605B-4D3B-B2B7-94543DF81A36}" type="datetimeFigureOut">
               <a:rPr lang="ru-RU" smtClean="0"/>
               <a:pPr/>
-              <a:t>07.03.2024</a:t>
+              <a:t>10.03.2024</a:t>
             </a:fld>
             <a:endParaRPr lang="ru-RU"/>
           </a:p>
@@ -3046,7 +3046,7 @@
             <a:fld id="{85A5DE44-605B-4D3B-B2B7-94543DF81A36}" type="datetimeFigureOut">
               <a:rPr lang="ru-RU" smtClean="0"/>
               <a:pPr/>
-              <a:t>07.03.2024</a:t>
+              <a:t>10.03.2024</a:t>
             </a:fld>
             <a:endParaRPr lang="ru-RU"/>
           </a:p>
@@ -9281,7 +9281,7 @@
             <a:pPr algn="ctr"/>
             <a:r>
               <a:rPr lang="ru-RU" sz="700" dirty="0"/>
-              <a:t>Кабинет Леона Блюма</a:t>
+              <a:t>Закрепить законопроекты для рабочих (с 7го по 19го июня)</a:t>
             </a:r>
           </a:p>
         </p:txBody>
@@ -10454,7 +10454,7 @@
             <a:pPr algn="ctr"/>
             <a:r>
               <a:rPr lang="ru-RU" sz="700" dirty="0"/>
-              <a:t>Роспуск фашистских лиг</a:t>
+              <a:t>Роспуск фашистских лиг (с 19 по 28 июня)</a:t>
             </a:r>
           </a:p>
         </p:txBody>
@@ -16005,6 +16005,144 @@
             <a:avLst/>
           </a:prstGeom>
           <a:ln w="19050">
+            <a:tailEnd type="arrow"/>
+          </a:ln>
+        </p:spPr>
+        <p:style>
+          <a:lnRef idx="1">
+            <a:schemeClr val="accent1"/>
+          </a:lnRef>
+          <a:fillRef idx="0">
+            <a:schemeClr val="accent1"/>
+          </a:fillRef>
+          <a:effectRef idx="0">
+            <a:schemeClr val="accent1"/>
+          </a:effectRef>
+          <a:fontRef idx="minor">
+            <a:schemeClr val="tx1"/>
+          </a:fontRef>
+        </p:style>
+      </p:cxnSp>
+      <p:cxnSp>
+        <p:nvCxnSpPr>
+          <p:cNvPr id="199" name="Соединительная линия уступом 595">
+            <a:extLst>
+              <a:ext uri="{FF2B5EF4-FFF2-40B4-BE49-F238E27FC236}">
+                <a16:creationId xmlns:a16="http://schemas.microsoft.com/office/drawing/2014/main" id="{4C778361-82D6-4BF3-87CC-62E183A90EC7}"/>
+              </a:ext>
+            </a:extLst>
+          </p:cNvPr>
+          <p:cNvCxnSpPr>
+            <a:cxnSpLocks/>
+            <a:stCxn id="136" idx="2"/>
+            <a:endCxn id="168" idx="0"/>
+          </p:cNvCxnSpPr>
+          <p:nvPr/>
+        </p:nvCxnSpPr>
+        <p:spPr>
+          <a:xfrm rot="16200000" flipH="1">
+            <a:off x="17369808" y="4078926"/>
+            <a:ext cx="255119" cy="2276481"/>
+          </a:xfrm>
+          <a:prstGeom prst="bentConnector3">
+            <a:avLst>
+              <a:gd name="adj1" fmla="val 50000"/>
+            </a:avLst>
+          </a:prstGeom>
+          <a:ln w="19050">
+            <a:prstDash val="dash"/>
+            <a:tailEnd type="arrow"/>
+          </a:ln>
+        </p:spPr>
+        <p:style>
+          <a:lnRef idx="1">
+            <a:schemeClr val="accent1"/>
+          </a:lnRef>
+          <a:fillRef idx="0">
+            <a:schemeClr val="accent1"/>
+          </a:fillRef>
+          <a:effectRef idx="0">
+            <a:schemeClr val="accent1"/>
+          </a:effectRef>
+          <a:fontRef idx="minor">
+            <a:schemeClr val="tx1"/>
+          </a:fontRef>
+        </p:style>
+      </p:cxnSp>
+      <p:cxnSp>
+        <p:nvCxnSpPr>
+          <p:cNvPr id="210" name="Соединительная линия уступом 595">
+            <a:extLst>
+              <a:ext uri="{FF2B5EF4-FFF2-40B4-BE49-F238E27FC236}">
+                <a16:creationId xmlns:a16="http://schemas.microsoft.com/office/drawing/2014/main" id="{8EAA2206-3465-466B-BAB8-FD3F3860C282}"/>
+              </a:ext>
+            </a:extLst>
+          </p:cNvPr>
+          <p:cNvCxnSpPr>
+            <a:cxnSpLocks/>
+            <a:stCxn id="135" idx="2"/>
+            <a:endCxn id="168" idx="0"/>
+          </p:cNvCxnSpPr>
+          <p:nvPr/>
+        </p:nvCxnSpPr>
+        <p:spPr>
+          <a:xfrm rot="5400000">
+            <a:off x="19077168" y="4648047"/>
+            <a:ext cx="255120" cy="1138240"/>
+          </a:xfrm>
+          <a:prstGeom prst="bentConnector3">
+            <a:avLst>
+              <a:gd name="adj1" fmla="val 50000"/>
+            </a:avLst>
+          </a:prstGeom>
+          <a:ln w="19050">
+            <a:prstDash val="dash"/>
+            <a:tailEnd type="arrow"/>
+          </a:ln>
+        </p:spPr>
+        <p:style>
+          <a:lnRef idx="1">
+            <a:schemeClr val="accent1"/>
+          </a:lnRef>
+          <a:fillRef idx="0">
+            <a:schemeClr val="accent1"/>
+          </a:fillRef>
+          <a:effectRef idx="0">
+            <a:schemeClr val="accent1"/>
+          </a:effectRef>
+          <a:fontRef idx="minor">
+            <a:schemeClr val="tx1"/>
+          </a:fontRef>
+        </p:style>
+      </p:cxnSp>
+      <p:cxnSp>
+        <p:nvCxnSpPr>
+          <p:cNvPr id="213" name="Соединительная линия уступом 595">
+            <a:extLst>
+              <a:ext uri="{FF2B5EF4-FFF2-40B4-BE49-F238E27FC236}">
+                <a16:creationId xmlns:a16="http://schemas.microsoft.com/office/drawing/2014/main" id="{173876A5-C85E-43FD-A9C8-A875B6AFD88D}"/>
+              </a:ext>
+            </a:extLst>
+          </p:cNvPr>
+          <p:cNvCxnSpPr>
+            <a:cxnSpLocks/>
+            <a:stCxn id="133" idx="2"/>
+            <a:endCxn id="168" idx="0"/>
+          </p:cNvCxnSpPr>
+          <p:nvPr/>
+        </p:nvCxnSpPr>
+        <p:spPr>
+          <a:xfrm rot="5400000">
+            <a:off x="20784527" y="2940688"/>
+            <a:ext cx="255120" cy="4552958"/>
+          </a:xfrm>
+          <a:prstGeom prst="bentConnector3">
+            <a:avLst>
+              <a:gd name="adj1" fmla="val 50000"/>
+            </a:avLst>
+          </a:prstGeom>
+          <a:ln w="19050">
+            <a:prstDash val="dash"/>
             <a:tailEnd type="arrow"/>
           </a:ln>
         </p:spPr>

--- a/Наработки/диздоки/Франция/Франция.pptx
+++ b/Наработки/диздоки/Франция/Франция.pptx
@@ -209,7 +209,7 @@
             <a:fld id="{33E3D7F9-E251-484C-A6FF-FA958879DF69}" type="datetimeFigureOut">
               <a:rPr lang="ru-RU" smtClean="0"/>
               <a:pPr/>
-              <a:t>11.03.2024</a:t>
+              <a:t>12.03.2024</a:t>
             </a:fld>
             <a:endParaRPr lang="ru-RU"/>
           </a:p>
@@ -699,7 +699,7 @@
             <a:fld id="{85A5DE44-605B-4D3B-B2B7-94543DF81A36}" type="datetimeFigureOut">
               <a:rPr lang="ru-RU" smtClean="0"/>
               <a:pPr/>
-              <a:t>11.03.2024</a:t>
+              <a:t>12.03.2024</a:t>
             </a:fld>
             <a:endParaRPr lang="ru-RU"/>
           </a:p>
@@ -871,7 +871,7 @@
             <a:fld id="{85A5DE44-605B-4D3B-B2B7-94543DF81A36}" type="datetimeFigureOut">
               <a:rPr lang="ru-RU" smtClean="0"/>
               <a:pPr/>
-              <a:t>11.03.2024</a:t>
+              <a:t>12.03.2024</a:t>
             </a:fld>
             <a:endParaRPr lang="ru-RU"/>
           </a:p>
@@ -1053,7 +1053,7 @@
             <a:fld id="{85A5DE44-605B-4D3B-B2B7-94543DF81A36}" type="datetimeFigureOut">
               <a:rPr lang="ru-RU" smtClean="0"/>
               <a:pPr/>
-              <a:t>11.03.2024</a:t>
+              <a:t>12.03.2024</a:t>
             </a:fld>
             <a:endParaRPr lang="ru-RU"/>
           </a:p>
@@ -1225,7 +1225,7 @@
             <a:fld id="{85A5DE44-605B-4D3B-B2B7-94543DF81A36}" type="datetimeFigureOut">
               <a:rPr lang="ru-RU" smtClean="0"/>
               <a:pPr/>
-              <a:t>11.03.2024</a:t>
+              <a:t>12.03.2024</a:t>
             </a:fld>
             <a:endParaRPr lang="ru-RU"/>
           </a:p>
@@ -1473,7 +1473,7 @@
             <a:fld id="{85A5DE44-605B-4D3B-B2B7-94543DF81A36}" type="datetimeFigureOut">
               <a:rPr lang="ru-RU" smtClean="0"/>
               <a:pPr/>
-              <a:t>11.03.2024</a:t>
+              <a:t>12.03.2024</a:t>
             </a:fld>
             <a:endParaRPr lang="ru-RU"/>
           </a:p>
@@ -1707,7 +1707,7 @@
             <a:fld id="{85A5DE44-605B-4D3B-B2B7-94543DF81A36}" type="datetimeFigureOut">
               <a:rPr lang="ru-RU" smtClean="0"/>
               <a:pPr/>
-              <a:t>11.03.2024</a:t>
+              <a:t>12.03.2024</a:t>
             </a:fld>
             <a:endParaRPr lang="ru-RU"/>
           </a:p>
@@ -2076,7 +2076,7 @@
             <a:fld id="{85A5DE44-605B-4D3B-B2B7-94543DF81A36}" type="datetimeFigureOut">
               <a:rPr lang="ru-RU" smtClean="0"/>
               <a:pPr/>
-              <a:t>11.03.2024</a:t>
+              <a:t>12.03.2024</a:t>
             </a:fld>
             <a:endParaRPr lang="ru-RU"/>
           </a:p>
@@ -2196,7 +2196,7 @@
             <a:fld id="{85A5DE44-605B-4D3B-B2B7-94543DF81A36}" type="datetimeFigureOut">
               <a:rPr lang="ru-RU" smtClean="0"/>
               <a:pPr/>
-              <a:t>11.03.2024</a:t>
+              <a:t>12.03.2024</a:t>
             </a:fld>
             <a:endParaRPr lang="ru-RU"/>
           </a:p>
@@ -2293,7 +2293,7 @@
             <a:fld id="{85A5DE44-605B-4D3B-B2B7-94543DF81A36}" type="datetimeFigureOut">
               <a:rPr lang="ru-RU" smtClean="0"/>
               <a:pPr/>
-              <a:t>11.03.2024</a:t>
+              <a:t>12.03.2024</a:t>
             </a:fld>
             <a:endParaRPr lang="ru-RU"/>
           </a:p>
@@ -2572,7 +2572,7 @@
             <a:fld id="{85A5DE44-605B-4D3B-B2B7-94543DF81A36}" type="datetimeFigureOut">
               <a:rPr lang="ru-RU" smtClean="0"/>
               <a:pPr/>
-              <a:t>11.03.2024</a:t>
+              <a:t>12.03.2024</a:t>
             </a:fld>
             <a:endParaRPr lang="ru-RU"/>
           </a:p>
@@ -2831,7 +2831,7 @@
             <a:fld id="{85A5DE44-605B-4D3B-B2B7-94543DF81A36}" type="datetimeFigureOut">
               <a:rPr lang="ru-RU" smtClean="0"/>
               <a:pPr/>
-              <a:t>11.03.2024</a:t>
+              <a:t>12.03.2024</a:t>
             </a:fld>
             <a:endParaRPr lang="ru-RU"/>
           </a:p>
@@ -3046,7 +3046,7 @@
             <a:fld id="{85A5DE44-605B-4D3B-B2B7-94543DF81A36}" type="datetimeFigureOut">
               <a:rPr lang="ru-RU" smtClean="0"/>
               <a:pPr/>
-              <a:t>11.03.2024</a:t>
+              <a:t>12.03.2024</a:t>
             </a:fld>
             <a:endParaRPr lang="ru-RU"/>
           </a:p>
@@ -3502,7 +3502,7 @@
         </p:nvSpPr>
         <p:spPr>
           <a:xfrm>
-            <a:off x="24423005" y="1369129"/>
+            <a:off x="24534685" y="1369129"/>
             <a:ext cx="926325" cy="540000"/>
           </a:xfrm>
           <a:prstGeom prst="rect">
@@ -3551,7 +3551,7 @@
         </p:nvCxnSpPr>
         <p:spPr>
           <a:xfrm rot="5400000">
-            <a:off x="18901915" y="12003786"/>
+            <a:off x="27239229" y="12114903"/>
             <a:ext cx="224693" cy="2352457"/>
           </a:xfrm>
           <a:prstGeom prst="bentConnector3">
@@ -3590,7 +3590,7 @@
         </p:nvCxnSpPr>
         <p:spPr>
           <a:xfrm flipH="1">
-            <a:off x="17834728" y="13832361"/>
+            <a:off x="26172042" y="13943478"/>
             <a:ext cx="3304" cy="229689"/>
           </a:xfrm>
           <a:prstGeom prst="straightConnector1">
@@ -3627,8 +3627,8 @@
         </p:nvCxnSpPr>
         <p:spPr>
           <a:xfrm>
-            <a:off x="24193717" y="4022545"/>
-            <a:ext cx="1370843" cy="1942"/>
+            <a:off x="24312813" y="4023238"/>
+            <a:ext cx="1363427" cy="1249"/>
           </a:xfrm>
           <a:prstGeom prst="line">
             <a:avLst/>
@@ -3668,7 +3668,7 @@
         </p:nvSpPr>
         <p:spPr>
           <a:xfrm>
-            <a:off x="19727326" y="12527668"/>
+            <a:off x="28064640" y="12638785"/>
             <a:ext cx="926325" cy="540000"/>
           </a:xfrm>
           <a:prstGeom prst="rect">
@@ -3702,7 +3702,7 @@
             <a:pPr algn="ctr"/>
             <a:r>
               <a:rPr lang="ru-RU" sz="700" dirty="0"/>
-              <a:t>Переворот огненного креста </a:t>
+              <a:t>Победа огненного креста </a:t>
             </a:r>
             <a:r>
               <a:rPr lang="ru-RU" sz="300" dirty="0"/>
@@ -3734,7 +3734,7 @@
         </p:nvSpPr>
         <p:spPr>
           <a:xfrm>
-            <a:off x="22079778" y="13288028"/>
+            <a:off x="30417092" y="13399145"/>
             <a:ext cx="926325" cy="540000"/>
           </a:xfrm>
           <a:prstGeom prst="rect">
@@ -3827,7 +3827,7 @@
         </p:nvSpPr>
         <p:spPr>
           <a:xfrm>
-            <a:off x="22469419" y="15454233"/>
+            <a:off x="30806733" y="15565350"/>
             <a:ext cx="2221709" cy="1119741"/>
           </a:xfrm>
           <a:prstGeom prst="rect">
@@ -3960,7 +3960,7 @@
         </p:nvSpPr>
         <p:spPr>
           <a:xfrm>
-            <a:off x="17962983" y="14819040"/>
+            <a:off x="26300297" y="14930157"/>
             <a:ext cx="926325" cy="540000"/>
           </a:xfrm>
           <a:prstGeom prst="rect">
@@ -4013,7 +4013,7 @@
         </p:nvSpPr>
         <p:spPr>
           <a:xfrm>
-            <a:off x="18551097" y="13289657"/>
+            <a:off x="26888411" y="13400774"/>
             <a:ext cx="926325" cy="540000"/>
           </a:xfrm>
           <a:prstGeom prst="rect">
@@ -4079,7 +4079,7 @@
         </p:nvSpPr>
         <p:spPr>
           <a:xfrm>
-            <a:off x="16192033" y="14055425"/>
+            <a:off x="24529347" y="14166542"/>
             <a:ext cx="926325" cy="540000"/>
           </a:xfrm>
           <a:prstGeom prst="rect">
@@ -4160,7 +4160,7 @@
         </p:nvSpPr>
         <p:spPr>
           <a:xfrm>
-            <a:off x="17374869" y="13292361"/>
+            <a:off x="25712183" y="13403478"/>
             <a:ext cx="926325" cy="540000"/>
           </a:xfrm>
           <a:prstGeom prst="rect">
@@ -4238,7 +4238,7 @@
         </p:nvSpPr>
         <p:spPr>
           <a:xfrm>
-            <a:off x="19727325" y="13292361"/>
+            <a:off x="28064639" y="13403478"/>
             <a:ext cx="926325" cy="540000"/>
           </a:xfrm>
           <a:prstGeom prst="rect">
@@ -4304,7 +4304,7 @@
         </p:nvSpPr>
         <p:spPr>
           <a:xfrm>
-            <a:off x="19139211" y="14819041"/>
+            <a:off x="27476525" y="14930158"/>
             <a:ext cx="926325" cy="540000"/>
           </a:xfrm>
           <a:prstGeom prst="rect">
@@ -4373,7 +4373,7 @@
         </p:nvSpPr>
         <p:spPr>
           <a:xfrm>
-            <a:off x="18551097" y="14055701"/>
+            <a:off x="26888411" y="14166818"/>
             <a:ext cx="926325" cy="540000"/>
           </a:xfrm>
           <a:prstGeom prst="rect">
@@ -4426,7 +4426,7 @@
         </p:nvSpPr>
         <p:spPr>
           <a:xfrm>
-            <a:off x="19727324" y="14055425"/>
+            <a:off x="28064638" y="14166542"/>
             <a:ext cx="926325" cy="540000"/>
           </a:xfrm>
           <a:prstGeom prst="rect">
@@ -4479,7 +4479,7 @@
         </p:nvSpPr>
         <p:spPr>
           <a:xfrm>
-            <a:off x="20906856" y="14055425"/>
+            <a:off x="29244170" y="14166542"/>
             <a:ext cx="926325" cy="540000"/>
           </a:xfrm>
           <a:prstGeom prst="rect">
@@ -4540,7 +4540,7 @@
         </p:nvSpPr>
         <p:spPr>
           <a:xfrm>
-            <a:off x="20908310" y="15583733"/>
+            <a:off x="29245624" y="15694850"/>
             <a:ext cx="926325" cy="540000"/>
           </a:xfrm>
           <a:prstGeom prst="rect">
@@ -4598,7 +4598,7 @@
         </p:nvSpPr>
         <p:spPr>
           <a:xfrm>
-            <a:off x="19727324" y="15583734"/>
+            <a:off x="28064638" y="15694851"/>
             <a:ext cx="926325" cy="540000"/>
           </a:xfrm>
           <a:prstGeom prst="rect">
@@ -4655,7 +4655,7 @@
         </p:nvCxnSpPr>
         <p:spPr>
           <a:xfrm rot="5400000">
-            <a:off x="19491381" y="12590548"/>
+            <a:off x="27828695" y="12701665"/>
             <a:ext cx="221989" cy="1176229"/>
           </a:xfrm>
           <a:prstGeom prst="bentConnector3">
@@ -4700,7 +4700,7 @@
         </p:nvCxnSpPr>
         <p:spPr>
           <a:xfrm rot="16200000" flipH="1">
-            <a:off x="20668422" y="12589734"/>
+            <a:off x="29005736" y="12700851"/>
             <a:ext cx="220360" cy="1176227"/>
           </a:xfrm>
           <a:prstGeom prst="bentConnector3">
@@ -4745,7 +4745,7 @@
         </p:nvCxnSpPr>
         <p:spPr>
           <a:xfrm flipH="1">
-            <a:off x="20190488" y="13067668"/>
+            <a:off x="28527802" y="13178785"/>
             <a:ext cx="1" cy="224693"/>
           </a:xfrm>
           <a:prstGeom prst="straightConnector1">
@@ -4788,7 +4788,7 @@
         </p:nvCxnSpPr>
         <p:spPr>
           <a:xfrm rot="5400000">
-            <a:off x="19490704" y="13355917"/>
+            <a:off x="27828018" y="13467034"/>
             <a:ext cx="223340" cy="1176228"/>
           </a:xfrm>
           <a:prstGeom prst="bentConnector3">
@@ -4833,7 +4833,7 @@
         </p:nvCxnSpPr>
         <p:spPr>
           <a:xfrm rot="16200000" flipH="1">
-            <a:off x="20668721" y="13354127"/>
+            <a:off x="29006035" y="13465244"/>
             <a:ext cx="223064" cy="1179531"/>
           </a:xfrm>
           <a:prstGeom prst="bentConnector3">
@@ -4878,7 +4878,7 @@
         </p:nvCxnSpPr>
         <p:spPr>
           <a:xfrm flipH="1">
-            <a:off x="20190487" y="13832361"/>
+            <a:off x="28527801" y="13943478"/>
             <a:ext cx="1" cy="223064"/>
           </a:xfrm>
           <a:prstGeom prst="straightConnector1">
@@ -4921,7 +4921,7 @@
         </p:nvCxnSpPr>
         <p:spPr>
           <a:xfrm rot="5400000">
-            <a:off x="19403091" y="14031644"/>
+            <a:off x="27740405" y="14142761"/>
             <a:ext cx="986680" cy="588114"/>
           </a:xfrm>
           <a:prstGeom prst="bentConnector3">
@@ -4966,7 +4966,7 @@
         </p:nvCxnSpPr>
         <p:spPr>
           <a:xfrm rot="16200000" flipH="1">
-            <a:off x="19784084" y="15177330"/>
+            <a:off x="28121398" y="15288447"/>
             <a:ext cx="224693" cy="588113"/>
           </a:xfrm>
           <a:prstGeom prst="bentConnector3">
@@ -5011,7 +5011,7 @@
         </p:nvCxnSpPr>
         <p:spPr>
           <a:xfrm rot="5400000">
-            <a:off x="19195971" y="15177330"/>
+            <a:off x="27533285" y="15288447"/>
             <a:ext cx="224693" cy="588114"/>
           </a:xfrm>
           <a:prstGeom prst="bentConnector3">
@@ -5052,7 +5052,7 @@
         </p:nvSpPr>
         <p:spPr>
           <a:xfrm>
-            <a:off x="17371565" y="14062050"/>
+            <a:off x="25708879" y="14173167"/>
             <a:ext cx="926325" cy="540000"/>
           </a:xfrm>
           <a:prstGeom prst="rect">
@@ -5113,7 +5113,7 @@
         </p:nvSpPr>
         <p:spPr>
           <a:xfrm>
-            <a:off x="18551097" y="15583734"/>
+            <a:off x="26888411" y="15694851"/>
             <a:ext cx="926325" cy="540000"/>
           </a:xfrm>
           <a:prstGeom prst="rect">
@@ -5214,7 +5214,7 @@
         </p:nvCxnSpPr>
         <p:spPr>
           <a:xfrm rot="5400000">
-            <a:off x="18608534" y="14413313"/>
+            <a:off x="26945848" y="14524430"/>
             <a:ext cx="223339" cy="588114"/>
           </a:xfrm>
           <a:prstGeom prst="bentConnector3">
@@ -5259,7 +5259,7 @@
         </p:nvCxnSpPr>
         <p:spPr>
           <a:xfrm>
-            <a:off x="19014260" y="14595701"/>
+            <a:off x="27351574" y="14706818"/>
             <a:ext cx="0" cy="988033"/>
           </a:xfrm>
           <a:prstGeom prst="straightConnector1">
@@ -5298,7 +5298,7 @@
         </p:nvSpPr>
         <p:spPr>
           <a:xfrm>
-            <a:off x="20318742" y="14816337"/>
+            <a:off x="28656056" y="14927454"/>
             <a:ext cx="926325" cy="540000"/>
           </a:xfrm>
           <a:prstGeom prst="rect">
@@ -5387,7 +5387,7 @@
         </p:nvCxnSpPr>
         <p:spPr>
           <a:xfrm rot="16200000" flipH="1">
-            <a:off x="20375740" y="14410172"/>
+            <a:off x="28713054" y="14521289"/>
             <a:ext cx="220912" cy="591418"/>
           </a:xfrm>
           <a:prstGeom prst="bentConnector3">
@@ -5432,7 +5432,7 @@
         </p:nvCxnSpPr>
         <p:spPr>
           <a:xfrm rot="5400000">
-            <a:off x="20965506" y="14411824"/>
+            <a:off x="29302820" y="14522941"/>
             <a:ext cx="220912" cy="588114"/>
           </a:xfrm>
           <a:prstGeom prst="bentConnector3">
@@ -5477,7 +5477,7 @@
         </p:nvCxnSpPr>
         <p:spPr>
           <a:xfrm rot="5400000">
-            <a:off x="17135082" y="13352475"/>
+            <a:off x="25472396" y="13463592"/>
             <a:ext cx="223064" cy="1182836"/>
           </a:xfrm>
           <a:prstGeom prst="bentConnector3">
@@ -5518,7 +5518,7 @@
         </p:nvSpPr>
         <p:spPr>
           <a:xfrm>
-            <a:off x="23256003" y="13288028"/>
+            <a:off x="31593317" y="13399145"/>
             <a:ext cx="926325" cy="540000"/>
           </a:xfrm>
           <a:prstGeom prst="rect">
@@ -5607,7 +5607,7 @@
         </p:nvSpPr>
         <p:spPr>
           <a:xfrm>
-            <a:off x="23869066" y="2170733"/>
+            <a:off x="23980746" y="2170733"/>
             <a:ext cx="926325" cy="540000"/>
           </a:xfrm>
           <a:prstGeom prst="rect">
@@ -5658,7 +5658,7 @@
         </p:nvSpPr>
         <p:spPr>
           <a:xfrm>
-            <a:off x="24974368" y="2169302"/>
+            <a:off x="25081620" y="2170732"/>
             <a:ext cx="926325" cy="540000"/>
           </a:xfrm>
           <a:prstGeom prst="rect">
@@ -5765,7 +5765,7 @@
         </p:nvSpPr>
         <p:spPr>
           <a:xfrm>
-            <a:off x="24426821" y="2959367"/>
+            <a:off x="24538501" y="2959367"/>
             <a:ext cx="926325" cy="540000"/>
           </a:xfrm>
           <a:prstGeom prst="rect">
@@ -5816,7 +5816,7 @@
         </p:nvSpPr>
         <p:spPr>
           <a:xfrm>
-            <a:off x="23267392" y="3752545"/>
+            <a:off x="23386488" y="3753238"/>
             <a:ext cx="926325" cy="540000"/>
           </a:xfrm>
           <a:prstGeom prst="rect">
@@ -5867,7 +5867,7 @@
         </p:nvSpPr>
         <p:spPr>
           <a:xfrm>
-            <a:off x="25564560" y="3754487"/>
+            <a:off x="25676240" y="3754487"/>
             <a:ext cx="926325" cy="540000"/>
           </a:xfrm>
           <a:prstGeom prst="rect">
@@ -5922,7 +5922,7 @@
         </p:nvCxnSpPr>
         <p:spPr>
           <a:xfrm rot="16200000" flipH="1">
-            <a:off x="25331293" y="3058057"/>
+            <a:off x="25442973" y="3058057"/>
             <a:ext cx="255120" cy="1137739"/>
           </a:xfrm>
           <a:prstGeom prst="bentConnector3">
@@ -5967,8 +5967,8 @@
         </p:nvCxnSpPr>
         <p:spPr>
           <a:xfrm rot="5400000">
-            <a:off x="24183681" y="3046242"/>
-            <a:ext cx="253178" cy="1159429"/>
+            <a:off x="24298723" y="3050296"/>
+            <a:ext cx="253871" cy="1152013"/>
           </a:xfrm>
           <a:prstGeom prst="bentConnector3">
             <a:avLst>
@@ -6008,7 +6008,7 @@
         </p:nvSpPr>
         <p:spPr>
           <a:xfrm>
-            <a:off x="20903553" y="13288028"/>
+            <a:off x="29240867" y="13399145"/>
             <a:ext cx="926325" cy="540000"/>
           </a:xfrm>
           <a:prstGeom prst="rect">
@@ -6066,7 +6066,7 @@
         </p:nvSpPr>
         <p:spPr>
           <a:xfrm>
-            <a:off x="17371565" y="15589923"/>
+            <a:off x="25708879" y="15701040"/>
             <a:ext cx="926325" cy="540000"/>
           </a:xfrm>
           <a:prstGeom prst="rect">
@@ -6124,7 +6124,7 @@
         </p:nvSpPr>
         <p:spPr>
           <a:xfrm>
-            <a:off x="24961389" y="14684320"/>
+            <a:off x="33298703" y="14795437"/>
             <a:ext cx="926325" cy="540000"/>
           </a:xfrm>
           <a:prstGeom prst="rect">
@@ -6185,7 +6185,7 @@
         </p:nvSpPr>
         <p:spPr>
           <a:xfrm>
-            <a:off x="22675324" y="14055425"/>
+            <a:off x="31012638" y="14166542"/>
             <a:ext cx="926325" cy="540000"/>
           </a:xfrm>
           <a:prstGeom prst="rect">
@@ -6242,7 +6242,7 @@
         </p:nvCxnSpPr>
         <p:spPr>
           <a:xfrm rot="16200000" flipH="1">
-            <a:off x="16835235" y="14415385"/>
+            <a:off x="25172549" y="14526502"/>
             <a:ext cx="229689" cy="589767"/>
           </a:xfrm>
           <a:prstGeom prst="bentConnector3">
@@ -6287,7 +6287,7 @@
         </p:nvCxnSpPr>
         <p:spPr>
           <a:xfrm rot="5400000">
-            <a:off x="23315129" y="13651387"/>
+            <a:off x="31652443" y="13762504"/>
             <a:ext cx="227397" cy="580679"/>
           </a:xfrm>
           <a:prstGeom prst="bentConnector3">
@@ -6333,7 +6333,7 @@
         </p:nvCxnSpPr>
         <p:spPr>
           <a:xfrm rot="16200000" flipH="1">
-            <a:off x="22727016" y="13643953"/>
+            <a:off x="31064330" y="13755070"/>
             <a:ext cx="227397" cy="595546"/>
           </a:xfrm>
           <a:prstGeom prst="bentConnector3">
@@ -6379,7 +6379,7 @@
         </p:nvCxnSpPr>
         <p:spPr>
           <a:xfrm rot="16200000" flipH="1">
-            <a:off x="21256535" y="12001622"/>
+            <a:off x="29593849" y="12112739"/>
             <a:ext cx="220360" cy="2352452"/>
           </a:xfrm>
           <a:prstGeom prst="bentConnector3">
@@ -6424,7 +6424,7 @@
         </p:nvCxnSpPr>
         <p:spPr>
           <a:xfrm rot="16200000" flipH="1">
-            <a:off x="21844647" y="11413509"/>
+            <a:off x="30181961" y="11524626"/>
             <a:ext cx="220360" cy="3528677"/>
           </a:xfrm>
           <a:prstGeom prst="bentConnector3">
@@ -6465,7 +6465,7 @@
         </p:nvSpPr>
         <p:spPr>
           <a:xfrm>
-            <a:off x="22675324" y="14816337"/>
+            <a:off x="31012638" y="14927454"/>
             <a:ext cx="926325" cy="540000"/>
           </a:xfrm>
           <a:prstGeom prst="rect">
@@ -6522,7 +6522,7 @@
         </p:nvCxnSpPr>
         <p:spPr>
           <a:xfrm>
-            <a:off x="21370019" y="14595425"/>
+            <a:off x="29707333" y="14706542"/>
             <a:ext cx="1454" cy="988308"/>
           </a:xfrm>
           <a:prstGeom prst="straightConnector1">
@@ -6565,7 +6565,7 @@
         </p:nvCxnSpPr>
         <p:spPr>
           <a:xfrm>
-            <a:off x="23138487" y="14595425"/>
+            <a:off x="31475801" y="14706542"/>
             <a:ext cx="0" cy="220912"/>
           </a:xfrm>
           <a:prstGeom prst="straightConnector1">
@@ -6608,7 +6608,7 @@
         </p:nvCxnSpPr>
         <p:spPr>
           <a:xfrm>
-            <a:off x="17834728" y="14602050"/>
+            <a:off x="26172042" y="14713167"/>
             <a:ext cx="0" cy="987873"/>
           </a:xfrm>
           <a:prstGeom prst="straightConnector1">
@@ -6647,7 +6647,7 @@
         </p:nvSpPr>
         <p:spPr>
           <a:xfrm>
-            <a:off x="16781800" y="14825114"/>
+            <a:off x="25119114" y="14936231"/>
             <a:ext cx="926325" cy="540000"/>
           </a:xfrm>
           <a:prstGeom prst="rect">
@@ -6745,7 +6745,7 @@
         </p:nvSpPr>
         <p:spPr>
           <a:xfrm>
-            <a:off x="25177954" y="15445232"/>
+            <a:off x="33515268" y="15556349"/>
             <a:ext cx="2461934" cy="1119741"/>
           </a:xfrm>
           <a:prstGeom prst="rect">
@@ -6820,298 +6820,6 @@
       </p:sp>
       <p:sp>
         <p:nvSpPr>
-          <p:cNvPr id="88" name="Прямоугольник 87">
-            <a:extLst>
-              <a:ext uri="{FF2B5EF4-FFF2-40B4-BE49-F238E27FC236}">
-                <a16:creationId xmlns:a16="http://schemas.microsoft.com/office/drawing/2014/main" id="{DA58DBEE-26B4-4876-B6C8-965562EACDE3}"/>
-              </a:ext>
-            </a:extLst>
-          </p:cNvPr>
-          <p:cNvSpPr/>
-          <p:nvPr/>
-        </p:nvSpPr>
-        <p:spPr>
-          <a:xfrm>
-            <a:off x="19264456" y="2663404"/>
-            <a:ext cx="926325" cy="540000"/>
-          </a:xfrm>
-          <a:prstGeom prst="rect">
-            <a:avLst/>
-          </a:prstGeom>
-          <a:solidFill>
-            <a:schemeClr val="bg1"/>
-          </a:solidFill>
-          <a:ln w="19050"/>
-        </p:spPr>
-        <p:style>
-          <a:lnRef idx="2">
-            <a:schemeClr val="accent1"/>
-          </a:lnRef>
-          <a:fillRef idx="1">
-            <a:schemeClr val="lt1"/>
-          </a:fillRef>
-          <a:effectRef idx="0">
-            <a:schemeClr val="accent1"/>
-          </a:effectRef>
-          <a:fontRef idx="minor">
-            <a:schemeClr val="dk1"/>
-          </a:fontRef>
-        </p:style>
-        <p:txBody>
-          <a:bodyPr lIns="124733" tIns="62367" rIns="124733" bIns="62367" rtlCol="0" anchor="ctr"/>
-          <a:lstStyle/>
-          <a:p>
-            <a:pPr algn="ctr"/>
-            <a:r>
-              <a:rPr lang="ru-RU" sz="700" dirty="0"/>
-              <a:t>Забастовки 1</a:t>
-            </a:r>
-            <a:br>
-              <a:rPr lang="ru-RU" sz="700" dirty="0"/>
-            </a:br>
-            <a:r>
-              <a:rPr lang="ru-RU" sz="100" dirty="0"/>
-              <a:t>(Забастовки начались на авиационных заводах Гавра и </a:t>
-            </a:r>
-            <a:r>
-              <a:rPr lang="ru-RU" sz="100" dirty="0" err="1"/>
-              <a:t>Тулу¬зы</a:t>
-            </a:r>
-            <a:r>
-              <a:rPr lang="ru-RU" sz="100" dirty="0"/>
-              <a:t>. Они вспыхнули также на крупных промышленных </a:t>
-            </a:r>
-            <a:r>
-              <a:rPr lang="ru-RU" sz="100" dirty="0" err="1"/>
-              <a:t>предприя¬тиях</a:t>
-            </a:r>
-            <a:r>
-              <a:rPr lang="ru-RU" sz="100" dirty="0"/>
-              <a:t> Парижского района. 28 мая забастовкой за увеличение </a:t>
-            </a:r>
-            <a:r>
-              <a:rPr lang="ru-RU" sz="100" dirty="0" err="1"/>
-              <a:t>по¬часовой</a:t>
-            </a:r>
-            <a:r>
-              <a:rPr lang="ru-RU" sz="100" dirty="0"/>
-              <a:t> оплаты труда и коллективный договор, который </a:t>
-            </a:r>
-            <a:r>
-              <a:rPr lang="ru-RU" sz="100" dirty="0" err="1"/>
-              <a:t>гаранти¬ровал</a:t>
-            </a:r>
-            <a:r>
-              <a:rPr lang="ru-RU" sz="100" dirty="0"/>
-              <a:t> бы права профсоюзов, были охвачены все предприятия </a:t>
-            </a:r>
-            <a:r>
-              <a:rPr lang="ru-RU" sz="100" dirty="0" err="1"/>
-              <a:t>ав¬томобильной</a:t>
-            </a:r>
-            <a:r>
-              <a:rPr lang="ru-RU" sz="100" dirty="0"/>
-              <a:t> промышленности. Бастовали 30 тыс. рабочих заводов Рено, вступили в борьбу рабочие заводов Ситроена, </a:t>
-            </a:r>
-            <a:r>
-              <a:rPr lang="ru-RU" sz="100" dirty="0" err="1"/>
-              <a:t>Гочкиса</a:t>
-            </a:r>
-            <a:r>
-              <a:rPr lang="ru-RU" sz="100" dirty="0"/>
-              <a:t> и других предприятий. Всеобщую забастовку объявили горняки </a:t>
-            </a:r>
-            <a:r>
-              <a:rPr lang="ru-RU" sz="100" dirty="0" err="1"/>
-              <a:t>де¬партаментов</a:t>
-            </a:r>
-            <a:r>
-              <a:rPr lang="ru-RU" sz="100" dirty="0"/>
-              <a:t> Нор и Па-де-Кале. Оставили работу служащие </a:t>
-            </a:r>
-            <a:r>
-              <a:rPr lang="ru-RU" sz="100" dirty="0" err="1"/>
-              <a:t>круп¬ных</a:t>
-            </a:r>
-            <a:r>
-              <a:rPr lang="ru-RU" sz="100" dirty="0"/>
-              <a:t> магазинов и ателье, рабочие, занятые на строительстве </a:t>
-            </a:r>
-            <a:r>
-              <a:rPr lang="ru-RU" sz="100" dirty="0" err="1"/>
-              <a:t>меж¬дународной</a:t>
-            </a:r>
-            <a:r>
-              <a:rPr lang="ru-RU" sz="100" dirty="0"/>
-              <a:t> выставки в Париже. Министерство труда </a:t>
-            </a:r>
-            <a:r>
-              <a:rPr lang="ru-RU" sz="100" dirty="0" err="1"/>
-              <a:t>констатиро¬вало</a:t>
-            </a:r>
-            <a:r>
-              <a:rPr lang="ru-RU" sz="100" dirty="0"/>
-              <a:t>, что забастовки охватили 12 тыс. предприятий и в них </a:t>
-            </a:r>
-            <a:r>
-              <a:rPr lang="ru-RU" sz="100" dirty="0" err="1"/>
-              <a:t>уча¬ствуют</a:t>
-            </a:r>
-            <a:r>
-              <a:rPr lang="ru-RU" sz="100" dirty="0"/>
-              <a:t> 2 млн. человек. Основными требованиями бастующих были: увеличение зарплаты, 40-часовая рабочая неделя, заключение кол-</a:t>
-            </a:r>
-            <a:r>
-              <a:rPr lang="ru-RU" sz="100" dirty="0" err="1"/>
-              <a:t>лективных</a:t>
-            </a:r>
-            <a:r>
-              <a:rPr lang="ru-RU" sz="100" dirty="0"/>
-              <a:t> договоров, оплачиваемые отпуска. Нередко забастовки сопровождались занятием предприятий рабочими до тех пор, пока их требования не удовлетворялись . Это свидетельствовало о том, что соотношение сил стало весьма благоприятным для </a:t>
-            </a:r>
-            <a:r>
-              <a:rPr lang="ru-RU" sz="100" dirty="0" err="1"/>
-              <a:t>рабо¬чих</a:t>
-            </a:r>
-            <a:r>
-              <a:rPr lang="ru-RU" sz="100" dirty="0"/>
-              <a:t>. Подобная форма была просто невозможна без единства </a:t>
-            </a:r>
-            <a:r>
-              <a:rPr lang="ru-RU" sz="100" dirty="0" err="1"/>
-              <a:t>дей¬ствий</a:t>
-            </a:r>
-            <a:r>
-              <a:rPr lang="ru-RU" sz="100" dirty="0"/>
-              <a:t> и присоединения к движению всех рабочих того или иного предприятия.)</a:t>
-            </a:r>
-          </a:p>
-        </p:txBody>
-      </p:sp>
-      <p:sp>
-        <p:nvSpPr>
-          <p:cNvPr id="89" name="Прямоугольник 88">
-            <a:extLst>
-              <a:ext uri="{FF2B5EF4-FFF2-40B4-BE49-F238E27FC236}">
-                <a16:creationId xmlns:a16="http://schemas.microsoft.com/office/drawing/2014/main" id="{CAD62AD0-9823-4F98-80DC-1A351DE2F96C}"/>
-              </a:ext>
-            </a:extLst>
-          </p:cNvPr>
-          <p:cNvSpPr/>
-          <p:nvPr/>
-        </p:nvSpPr>
-        <p:spPr>
-          <a:xfrm>
-            <a:off x="20412955" y="2669915"/>
-            <a:ext cx="926325" cy="540000"/>
-          </a:xfrm>
-          <a:prstGeom prst="rect">
-            <a:avLst/>
-          </a:prstGeom>
-          <a:solidFill>
-            <a:schemeClr val="bg1"/>
-          </a:solidFill>
-          <a:ln w="19050"/>
-        </p:spPr>
-        <p:style>
-          <a:lnRef idx="2">
-            <a:schemeClr val="accent1"/>
-          </a:lnRef>
-          <a:fillRef idx="1">
-            <a:schemeClr val="lt1"/>
-          </a:fillRef>
-          <a:effectRef idx="0">
-            <a:schemeClr val="accent1"/>
-          </a:effectRef>
-          <a:fontRef idx="minor">
-            <a:schemeClr val="dk1"/>
-          </a:fontRef>
-        </p:style>
-        <p:txBody>
-          <a:bodyPr lIns="124733" tIns="62367" rIns="124733" bIns="62367" rtlCol="0" anchor="ctr"/>
-          <a:lstStyle/>
-          <a:p>
-            <a:pPr algn="ctr"/>
-            <a:r>
-              <a:rPr lang="ru-RU" sz="700" dirty="0"/>
-              <a:t>Забастовки 2</a:t>
-            </a:r>
-            <a:br>
-              <a:rPr lang="ru-RU" sz="700" dirty="0"/>
-            </a:br>
-            <a:r>
-              <a:rPr lang="ru-RU" sz="200" dirty="0"/>
-              <a:t>3 июня забастовки охватили всю страну. Они проходили при соблюдении полного порядка: никакой порчи имущества, никакого саботажа. У ворот предприятий пикеты забастовщиков </a:t>
-            </a:r>
-            <a:r>
-              <a:rPr lang="ru-RU" sz="200" dirty="0" err="1"/>
-              <a:t>контроли¬ровали</a:t>
-            </a:r>
-            <a:r>
-              <a:rPr lang="ru-RU" sz="200" dirty="0"/>
-              <a:t> вход и выход. «Единый фронт социалистов и </a:t>
-            </a:r>
-            <a:r>
-              <a:rPr lang="ru-RU" sz="200" dirty="0" err="1"/>
-              <a:t>коммуни¬стов</a:t>
-            </a:r>
-            <a:r>
-              <a:rPr lang="ru-RU" sz="200" dirty="0"/>
-              <a:t> профсоюзное единство, Народный фронт — таковы факторы, объясняющие размеры забастовок и быстроту их </a:t>
-            </a:r>
-            <a:r>
-              <a:rPr lang="ru-RU" sz="200" dirty="0" err="1"/>
-              <a:t>распростране¬ния</a:t>
-            </a:r>
-            <a:r>
-              <a:rPr lang="ru-RU" sz="200" dirty="0"/>
-              <a:t>» ,— пишет французский историк-марксист Жак </a:t>
-            </a:r>
-            <a:r>
-              <a:rPr lang="ru-RU" sz="200" dirty="0" err="1"/>
-              <a:t>Шамбаз</a:t>
-            </a:r>
-            <a:r>
-              <a:rPr lang="ru-RU" sz="200" dirty="0"/>
-              <a:t>. </a:t>
-            </a:r>
-            <a:r>
-              <a:rPr lang="ru-RU" sz="200" dirty="0" err="1"/>
-              <a:t>Майско</a:t>
-            </a:r>
-            <a:r>
-              <a:rPr lang="ru-RU" sz="200" dirty="0"/>
-              <a:t>-июньские забастовки способствовали вовлечению в борьбу трудового крестьянства и мелкой буржуазии. Нередко с </a:t>
-            </a:r>
-            <a:r>
-              <a:rPr lang="ru-RU" sz="200" dirty="0" err="1"/>
-              <a:t>забастов¬щиками</a:t>
-            </a:r>
-            <a:r>
-              <a:rPr lang="ru-RU" sz="200" dirty="0"/>
-              <a:t> солидаризировалась и </a:t>
-            </a:r>
-            <a:r>
-              <a:rPr lang="ru-RU" sz="200" dirty="0" err="1"/>
-              <a:t>интеллигенция.В</a:t>
-            </a:r>
-            <a:r>
-              <a:rPr lang="ru-RU" sz="200" dirty="0"/>
-              <a:t> условиях небывалой активности народных масс начались </a:t>
-            </a:r>
-            <a:r>
-              <a:rPr lang="ru-RU" sz="200" dirty="0" err="1"/>
-              <a:t>пе-реговоры</a:t>
-            </a:r>
-            <a:r>
-              <a:rPr lang="ru-RU" sz="200" dirty="0"/>
-              <a:t> о создании нового правительства.</a:t>
-            </a:r>
-          </a:p>
-        </p:txBody>
-      </p:sp>
-      <p:sp>
-        <p:nvSpPr>
           <p:cNvPr id="91" name="Прямоугольник 90">
             <a:extLst>
               <a:ext uri="{FF2B5EF4-FFF2-40B4-BE49-F238E27FC236}">
@@ -7211,8 +6919,8 @@
         </p:nvCxnSpPr>
         <p:spPr>
           <a:xfrm rot="5400000">
-            <a:off x="25038726" y="2560561"/>
-            <a:ext cx="250065" cy="547547"/>
+            <a:off x="25148907" y="2563490"/>
+            <a:ext cx="248635" cy="543119"/>
           </a:xfrm>
           <a:prstGeom prst="bentConnector3">
             <a:avLst>
@@ -7256,7 +6964,7 @@
         </p:nvCxnSpPr>
         <p:spPr>
           <a:xfrm rot="5400000">
-            <a:off x="24478397" y="1762962"/>
+            <a:off x="24590077" y="1762962"/>
             <a:ext cx="261604" cy="553939"/>
           </a:xfrm>
           <a:prstGeom prst="bentConnector3">
@@ -7301,8 +7009,8 @@
         </p:nvCxnSpPr>
         <p:spPr>
           <a:xfrm rot="16200000" flipH="1">
-            <a:off x="25031763" y="1763533"/>
-            <a:ext cx="260173" cy="551363"/>
+            <a:off x="25140514" y="1766462"/>
+            <a:ext cx="261603" cy="546935"/>
           </a:xfrm>
           <a:prstGeom prst="bentConnector3">
             <a:avLst>
@@ -7346,7 +7054,7 @@
         </p:nvCxnSpPr>
         <p:spPr>
           <a:xfrm rot="16200000" flipH="1">
-            <a:off x="24486789" y="2556172"/>
+            <a:off x="24598469" y="2556172"/>
             <a:ext cx="248634" cy="557755"/>
           </a:xfrm>
           <a:prstGeom prst="bentConnector3">
@@ -7387,7 +7095,7 @@
         </p:nvSpPr>
         <p:spPr>
           <a:xfrm>
-            <a:off x="22725403" y="4549607"/>
+            <a:off x="22806916" y="4548137"/>
             <a:ext cx="926325" cy="540000"/>
           </a:xfrm>
           <a:prstGeom prst="rect">
@@ -7446,7 +7154,7 @@
         </p:nvSpPr>
         <p:spPr>
           <a:xfrm>
-            <a:off x="25564560" y="4549607"/>
+            <a:off x="25676240" y="4549607"/>
             <a:ext cx="926325" cy="540000"/>
           </a:xfrm>
           <a:prstGeom prst="rect">
@@ -7711,7 +7419,7 @@
         </p:nvSpPr>
         <p:spPr>
           <a:xfrm>
-            <a:off x="15895964" y="4549608"/>
+            <a:off x="14768460" y="4548136"/>
             <a:ext cx="926325" cy="540000"/>
           </a:xfrm>
           <a:prstGeom prst="rect">
@@ -7765,9 +7473,9 @@
           <p:nvPr/>
         </p:nvCxnSpPr>
         <p:spPr>
-          <a:xfrm>
-            <a:off x="20237010" y="4819607"/>
-            <a:ext cx="2488393" cy="0"/>
+          <a:xfrm flipV="1">
+            <a:off x="20237010" y="4818137"/>
+            <a:ext cx="2569906" cy="1470"/>
           </a:xfrm>
           <a:prstGeom prst="line">
             <a:avLst/>
@@ -7810,9 +7518,9 @@
           <p:nvPr/>
         </p:nvCxnSpPr>
         <p:spPr>
-          <a:xfrm flipV="1">
-            <a:off x="16822289" y="4819607"/>
-            <a:ext cx="2488396" cy="1"/>
+          <a:xfrm>
+            <a:off x="15694785" y="4818136"/>
+            <a:ext cx="3615900" cy="1471"/>
           </a:xfrm>
           <a:prstGeom prst="line">
             <a:avLst/>
@@ -7856,8 +7564,8 @@
         </p:nvCxnSpPr>
         <p:spPr>
           <a:xfrm rot="5400000">
-            <a:off x="19916310" y="735362"/>
-            <a:ext cx="257063" cy="7371428"/>
+            <a:off x="19413188" y="111673"/>
+            <a:ext cx="254898" cy="8618028"/>
           </a:xfrm>
           <a:prstGeom prst="bentConnector3">
             <a:avLst>
@@ -7901,8 +7609,8 @@
         </p:nvCxnSpPr>
         <p:spPr>
           <a:xfrm rot="5400000">
-            <a:off x="21623671" y="2442723"/>
-            <a:ext cx="257062" cy="3956707"/>
+            <a:off x="21683566" y="2383521"/>
+            <a:ext cx="256369" cy="4075803"/>
           </a:xfrm>
           <a:prstGeom prst="bentConnector3">
             <a:avLst>
@@ -7942,7 +7650,7 @@
         </p:nvSpPr>
         <p:spPr>
           <a:xfrm>
-            <a:off x="23267392" y="11766756"/>
+            <a:off x="23383710" y="11824924"/>
             <a:ext cx="926325" cy="540000"/>
           </a:xfrm>
           <a:prstGeom prst="rect">
@@ -7993,7 +7701,7 @@
         </p:nvSpPr>
         <p:spPr>
           <a:xfrm>
-            <a:off x="21576917" y="5344726"/>
+            <a:off x="18177412" y="5337352"/>
             <a:ext cx="926325" cy="540000"/>
           </a:xfrm>
           <a:prstGeom prst="rect">
@@ -8058,7 +7766,7 @@
         </p:nvSpPr>
         <p:spPr>
           <a:xfrm>
-            <a:off x="20443801" y="5344727"/>
+            <a:off x="17039169" y="5336277"/>
             <a:ext cx="926325" cy="540000"/>
           </a:xfrm>
           <a:prstGeom prst="rect">
@@ -8120,7 +7828,7 @@
         </p:nvSpPr>
         <p:spPr>
           <a:xfrm>
-            <a:off x="18172445" y="5344727"/>
+            <a:off x="21024192" y="5340843"/>
             <a:ext cx="926325" cy="540000"/>
           </a:xfrm>
           <a:prstGeom prst="rect">
@@ -8174,9 +7882,9 @@
           <p:nvPr/>
         </p:nvCxnSpPr>
         <p:spPr>
-          <a:xfrm flipV="1">
-            <a:off x="21370126" y="5614726"/>
-            <a:ext cx="206791" cy="1"/>
+          <a:xfrm>
+            <a:off x="17965494" y="5606277"/>
+            <a:ext cx="211918" cy="1075"/>
           </a:xfrm>
           <a:prstGeom prst="line">
             <a:avLst/>
@@ -8220,8 +7928,8 @@
         </p:nvCxnSpPr>
         <p:spPr>
           <a:xfrm rot="16200000" flipH="1">
-            <a:off x="18505486" y="2943248"/>
-            <a:ext cx="255119" cy="4547837"/>
+            <a:off x="16242907" y="4076851"/>
+            <a:ext cx="248141" cy="2270709"/>
           </a:xfrm>
           <a:prstGeom prst="bentConnector3">
             <a:avLst>
@@ -8265,9 +7973,9 @@
           <p:nvPr/>
         </p:nvCxnSpPr>
         <p:spPr>
-          <a:xfrm rot="16200000" flipH="1">
-            <a:off x="20212846" y="4650609"/>
-            <a:ext cx="255120" cy="1133116"/>
+          <a:xfrm rot="5400000">
+            <a:off x="18514755" y="4077184"/>
+            <a:ext cx="246670" cy="2271516"/>
           </a:xfrm>
           <a:prstGeom prst="bentConnector3">
             <a:avLst>
@@ -8312,8 +8020,8 @@
         </p:nvCxnSpPr>
         <p:spPr>
           <a:xfrm rot="5400000">
-            <a:off x="22486764" y="4642923"/>
-            <a:ext cx="255119" cy="1148486"/>
+            <a:off x="20830720" y="2897992"/>
+            <a:ext cx="249215" cy="4629504"/>
           </a:xfrm>
           <a:prstGeom prst="bentConnector3">
             <a:avLst>
@@ -8357,9 +8065,9 @@
           <p:nvPr/>
         </p:nvCxnSpPr>
         <p:spPr>
-          <a:xfrm rot="16200000" flipH="1">
-            <a:off x="20779405" y="4084050"/>
-            <a:ext cx="255119" cy="2266232"/>
+          <a:xfrm rot="5400000">
+            <a:off x="19083340" y="4646843"/>
+            <a:ext cx="247745" cy="1133273"/>
           </a:xfrm>
           <a:prstGeom prst="bentConnector3">
             <a:avLst>
@@ -8404,7 +8112,7 @@
         </p:nvCxnSpPr>
         <p:spPr>
           <a:xfrm>
-            <a:off x="26027723" y="4294487"/>
+            <a:off x="26139403" y="4294487"/>
             <a:ext cx="0" cy="255120"/>
           </a:xfrm>
           <a:prstGeom prst="straightConnector1">
@@ -8443,7 +8151,7 @@
         </p:nvSpPr>
         <p:spPr>
           <a:xfrm>
-            <a:off x="14757721" y="5340843"/>
+            <a:off x="13631845" y="5334300"/>
             <a:ext cx="926325" cy="540000"/>
           </a:xfrm>
           <a:prstGeom prst="rect">
@@ -8563,7 +8271,7 @@
         </p:nvSpPr>
         <p:spPr>
           <a:xfrm>
-            <a:off x="15895963" y="5340843"/>
+            <a:off x="14770088" y="5340843"/>
             <a:ext cx="926325" cy="540000"/>
           </a:xfrm>
           <a:prstGeom prst="rect">
@@ -8645,7 +8353,7 @@
         </p:nvSpPr>
         <p:spPr>
           <a:xfrm>
-            <a:off x="13407568" y="4549608"/>
+            <a:off x="12029618" y="4549608"/>
             <a:ext cx="926325" cy="540000"/>
           </a:xfrm>
           <a:prstGeom prst="rect">
@@ -8712,9 +8420,9 @@
           <p:nvPr/>
         </p:nvCxnSpPr>
         <p:spPr>
-          <a:xfrm>
-            <a:off x="14333893" y="4819608"/>
-            <a:ext cx="1562071" cy="0"/>
+          <a:xfrm flipV="1">
+            <a:off x="12955943" y="4818136"/>
+            <a:ext cx="1812517" cy="1472"/>
           </a:xfrm>
           <a:prstGeom prst="line">
             <a:avLst/>
@@ -8754,7 +8462,7 @@
         </p:nvSpPr>
         <p:spPr>
           <a:xfrm>
-            <a:off x="25010142" y="10347349"/>
+            <a:off x="25090699" y="8499674"/>
             <a:ext cx="926325" cy="540000"/>
           </a:xfrm>
           <a:prstGeom prst="rect">
@@ -8807,7 +8515,7 @@
         </p:nvSpPr>
         <p:spPr>
           <a:xfrm>
-            <a:off x="26140121" y="5344727"/>
+            <a:off x="26251801" y="5343848"/>
             <a:ext cx="926325" cy="540000"/>
           </a:xfrm>
           <a:prstGeom prst="rect">
@@ -8858,7 +8566,7 @@
         </p:nvSpPr>
         <p:spPr>
           <a:xfrm>
-            <a:off x="27274754" y="5344727"/>
+            <a:off x="27386434" y="5344727"/>
             <a:ext cx="926325" cy="540000"/>
           </a:xfrm>
           <a:prstGeom prst="rect">
@@ -8909,7 +8617,7 @@
         </p:nvSpPr>
         <p:spPr>
           <a:xfrm>
-            <a:off x="28409387" y="5344727"/>
+            <a:off x="27386434" y="6132078"/>
             <a:ext cx="926325" cy="540000"/>
           </a:xfrm>
           <a:prstGeom prst="rect">
@@ -8960,7 +8668,7 @@
         </p:nvSpPr>
         <p:spPr>
           <a:xfrm>
-            <a:off x="29544020" y="5344727"/>
+            <a:off x="26251801" y="6905493"/>
             <a:ext cx="926325" cy="540000"/>
           </a:xfrm>
           <a:prstGeom prst="rect">
@@ -9011,7 +8719,7 @@
         </p:nvSpPr>
         <p:spPr>
           <a:xfrm>
-            <a:off x="30678653" y="5344727"/>
+            <a:off x="26251801" y="6132078"/>
             <a:ext cx="926325" cy="540000"/>
           </a:xfrm>
           <a:prstGeom prst="rect">
@@ -9066,8 +8774,8 @@
         </p:nvCxnSpPr>
         <p:spPr>
           <a:xfrm rot="5400000">
-            <a:off x="23331030" y="4150082"/>
-            <a:ext cx="257062" cy="541989"/>
+            <a:off x="23432416" y="4130901"/>
+            <a:ext cx="254899" cy="579572"/>
           </a:xfrm>
           <a:prstGeom prst="bentConnector3">
             <a:avLst>
@@ -9111,12 +8819,12 @@
         </p:nvCxnSpPr>
         <p:spPr>
           <a:xfrm rot="5400000">
-            <a:off x="21982001" y="7439835"/>
-            <a:ext cx="5257742" cy="557286"/>
+            <a:off x="23001958" y="6500436"/>
+            <a:ext cx="3410067" cy="588409"/>
           </a:xfrm>
           <a:prstGeom prst="bentConnector3">
             <a:avLst>
-              <a:gd name="adj1" fmla="val 3318"/>
+              <a:gd name="adj1" fmla="val 3975"/>
             </a:avLst>
           </a:prstGeom>
           <a:ln w="19050">
@@ -9156,7 +8864,7 @@
         </p:nvCxnSpPr>
         <p:spPr>
           <a:xfrm>
-            <a:off x="24795391" y="10617349"/>
+            <a:off x="24875948" y="8769674"/>
             <a:ext cx="214751" cy="0"/>
           </a:xfrm>
           <a:prstGeom prst="line">
@@ -9200,9 +8908,9 @@
           <p:nvPr/>
         </p:nvCxnSpPr>
         <p:spPr>
-          <a:xfrm rot="5400000">
-            <a:off x="21850066" y="10647179"/>
-            <a:ext cx="220912" cy="3540066"/>
+          <a:xfrm rot="16200000" flipH="1">
+            <a:off x="26050408" y="10161389"/>
+            <a:ext cx="273861" cy="4680930"/>
           </a:xfrm>
           <a:prstGeom prst="bentConnector3">
             <a:avLst>
@@ -9242,7 +8950,7 @@
         </p:nvSpPr>
         <p:spPr>
           <a:xfrm>
-            <a:off x="24426352" y="4549607"/>
+            <a:off x="24538032" y="4549607"/>
             <a:ext cx="926325" cy="540000"/>
           </a:xfrm>
           <a:prstGeom prst="rect">
@@ -9275,57 +8983,6 @@
             <a:r>
               <a:rPr lang="ru-RU" sz="700" dirty="0"/>
               <a:t>Роспуск фашистских лиг (с 19 по 28 июня)</a:t>
-            </a:r>
-          </a:p>
-        </p:txBody>
-      </p:sp>
-      <p:sp>
-        <p:nvSpPr>
-          <p:cNvPr id="258" name="Прямоугольник 257">
-            <a:extLst>
-              <a:ext uri="{FF2B5EF4-FFF2-40B4-BE49-F238E27FC236}">
-                <a16:creationId xmlns:a16="http://schemas.microsoft.com/office/drawing/2014/main" id="{53255432-2869-48F1-A1E1-A0BE56536348}"/>
-              </a:ext>
-            </a:extLst>
-          </p:cNvPr>
-          <p:cNvSpPr/>
-          <p:nvPr/>
-        </p:nvSpPr>
-        <p:spPr>
-          <a:xfrm>
-            <a:off x="15220883" y="10077349"/>
-            <a:ext cx="926325" cy="540000"/>
-          </a:xfrm>
-          <a:prstGeom prst="rect">
-            <a:avLst/>
-          </a:prstGeom>
-          <a:solidFill>
-            <a:schemeClr val="bg1"/>
-          </a:solidFill>
-          <a:ln w="19050"/>
-        </p:spPr>
-        <p:style>
-          <a:lnRef idx="2">
-            <a:schemeClr val="accent1"/>
-          </a:lnRef>
-          <a:fillRef idx="1">
-            <a:schemeClr val="lt1"/>
-          </a:fillRef>
-          <a:effectRef idx="0">
-            <a:schemeClr val="accent1"/>
-          </a:effectRef>
-          <a:fontRef idx="minor">
-            <a:schemeClr val="dk1"/>
-          </a:fontRef>
-        </p:style>
-        <p:txBody>
-          <a:bodyPr lIns="124733" tIns="62367" rIns="124733" bIns="62367" rtlCol="0" anchor="ctr"/>
-          <a:lstStyle/>
-          <a:p>
-            <a:pPr algn="ctr"/>
-            <a:r>
-              <a:rPr lang="ru-RU" sz="700" dirty="0"/>
-              <a:t>Кабинет Леона Блюма</a:t>
             </a:r>
           </a:p>
         </p:txBody>
@@ -9348,8 +9005,8 @@
         </p:nvCxnSpPr>
         <p:spPr>
           <a:xfrm rot="5400000">
-            <a:off x="15664389" y="4646104"/>
-            <a:ext cx="251235" cy="1138243"/>
+            <a:off x="14540234" y="4642911"/>
+            <a:ext cx="246164" cy="1136615"/>
           </a:xfrm>
           <a:prstGeom prst="bentConnector3">
             <a:avLst>
@@ -9392,9 +9049,9 @@
           <p:nvPr/>
         </p:nvCxnSpPr>
         <p:spPr>
-          <a:xfrm flipH="1">
-            <a:off x="16359126" y="5089608"/>
-            <a:ext cx="1" cy="251235"/>
+          <a:xfrm>
+            <a:off x="15231623" y="5088136"/>
+            <a:ext cx="1628" cy="252707"/>
           </a:xfrm>
           <a:prstGeom prst="straightConnector1">
             <a:avLst/>
@@ -9436,12 +9093,12 @@
         </p:nvCxnSpPr>
         <p:spPr>
           <a:xfrm rot="16200000" flipH="1">
-            <a:off x="22552539" y="7426583"/>
-            <a:ext cx="5257742" cy="583790"/>
+            <a:off x="23572495" y="6518306"/>
+            <a:ext cx="3410067" cy="552667"/>
           </a:xfrm>
           <a:prstGeom prst="bentConnector3">
             <a:avLst>
-              <a:gd name="adj1" fmla="val 3318"/>
+              <a:gd name="adj1" fmla="val 3975"/>
             </a:avLst>
           </a:prstGeom>
           <a:ln w="19050">
@@ -9481,7 +9138,7 @@
         </p:nvCxnSpPr>
         <p:spPr>
           <a:xfrm rot="5400000">
-            <a:off x="25331059" y="3852943"/>
+            <a:off x="25442739" y="3852943"/>
             <a:ext cx="255120" cy="1138208"/>
           </a:xfrm>
           <a:prstGeom prst="bentConnector3">
@@ -9527,8 +9184,8 @@
         </p:nvCxnSpPr>
         <p:spPr>
           <a:xfrm rot="16200000" flipH="1">
-            <a:off x="24181504" y="3841596"/>
-            <a:ext cx="257062" cy="1158960"/>
+            <a:off x="24297239" y="3845650"/>
+            <a:ext cx="256369" cy="1151544"/>
           </a:xfrm>
           <a:prstGeom prst="bentConnector3">
             <a:avLst>
@@ -9569,7 +9226,7 @@
         </p:nvSpPr>
         <p:spPr>
           <a:xfrm>
-            <a:off x="28199421" y="3152114"/>
+            <a:off x="30623915" y="3752545"/>
             <a:ext cx="926325" cy="540000"/>
           </a:xfrm>
           <a:prstGeom prst="rect">
@@ -9605,7 +9262,7 @@
                   <a:schemeClr val="bg1"/>
                 </a:solidFill>
               </a:rPr>
-              <a:t>Подъём рабочих ВКТ</a:t>
+              <a:t>Новая французская революция</a:t>
             </a:r>
           </a:p>
         </p:txBody>
@@ -9624,7 +9281,7 @@
         </p:nvSpPr>
         <p:spPr>
           <a:xfrm>
-            <a:off x="28158332" y="3649510"/>
+            <a:off x="30623914" y="4549607"/>
             <a:ext cx="926325" cy="540000"/>
           </a:xfrm>
           <a:prstGeom prst="rect">
@@ -9679,7 +9336,7 @@
         </p:nvSpPr>
         <p:spPr>
           <a:xfrm>
-            <a:off x="18169882" y="6132078"/>
+            <a:off x="21592429" y="6132078"/>
             <a:ext cx="926325" cy="540000"/>
           </a:xfrm>
           <a:prstGeom prst="rect">
@@ -9784,7 +9441,7 @@
         </p:nvSpPr>
         <p:spPr>
           <a:xfrm>
-            <a:off x="23869066" y="10347349"/>
+            <a:off x="23949623" y="8499674"/>
             <a:ext cx="926325" cy="540000"/>
           </a:xfrm>
           <a:prstGeom prst="rect">
@@ -9835,7 +9492,7 @@
         </p:nvSpPr>
         <p:spPr>
           <a:xfrm>
-            <a:off x="22723672" y="10347349"/>
+            <a:off x="22182584" y="8494464"/>
             <a:ext cx="926325" cy="540000"/>
           </a:xfrm>
           <a:prstGeom prst="rect">
@@ -9883,15 +9540,15 @@
           </p:cNvPr>
           <p:cNvCxnSpPr>
             <a:cxnSpLocks/>
-            <a:stCxn id="170" idx="3"/>
-            <a:endCxn id="164" idx="1"/>
+            <a:stCxn id="319" idx="3"/>
+            <a:endCxn id="298" idx="1"/>
           </p:cNvCxnSpPr>
           <p:nvPr/>
         </p:nvCxnSpPr>
         <p:spPr>
-          <a:xfrm>
-            <a:off x="23649997" y="10617349"/>
-            <a:ext cx="219069" cy="0"/>
+          <a:xfrm flipV="1">
+            <a:off x="21381774" y="10340856"/>
+            <a:ext cx="219285" cy="1618"/>
           </a:xfrm>
           <a:prstGeom prst="line">
             <a:avLst/>
@@ -9931,7 +9588,7 @@
         </p:nvSpPr>
         <p:spPr>
           <a:xfrm>
-            <a:off x="22730824" y="5340843"/>
+            <a:off x="22180755" y="5335731"/>
             <a:ext cx="926325" cy="540000"/>
           </a:xfrm>
           <a:prstGeom prst="rect">
@@ -9966,11 +9623,11 @@
             <a:pPr algn="ctr"/>
             <a:r>
               <a:rPr lang="ru-RU" sz="700" dirty="0"/>
-              <a:t>Положиться на двести семей </a:t>
-            </a:r>
-            <a:r>
-              <a:rPr lang="ru-RU" sz="300" dirty="0"/>
-              <a:t>(Во время радикального конгресса в Нанте в 1934 году он выдвинул тему « Двести семей », подхваченную крайне правыми и коммунистами ( «Двести семей — хозяева французской экономики и, по сути, французской политики». ).)</a:t>
+              <a:t>Кабинет Эдуарда </a:t>
+            </a:r>
+            <a:r>
+              <a:rPr lang="ru-RU" sz="700" dirty="0" err="1"/>
+              <a:t>Деладье</a:t>
             </a:r>
             <a:endParaRPr lang="ru-RU" sz="700" dirty="0"/>
           </a:p>
@@ -9994,12 +9651,12 @@
         </p:nvCxnSpPr>
         <p:spPr>
           <a:xfrm rot="16200000" flipH="1">
-            <a:off x="23018992" y="11055192"/>
-            <a:ext cx="879407" cy="543720"/>
+            <a:off x="21851080" y="9829131"/>
+            <a:ext cx="2790460" cy="1201126"/>
           </a:xfrm>
           <a:prstGeom prst="bentConnector3">
             <a:avLst>
-              <a:gd name="adj1" fmla="val 50000"/>
+              <a:gd name="adj1" fmla="val 4018"/>
             </a:avLst>
           </a:prstGeom>
           <a:ln w="19050">
@@ -10040,12 +9697,12 @@
         </p:nvCxnSpPr>
         <p:spPr>
           <a:xfrm rot="5400000">
-            <a:off x="23591689" y="11026215"/>
-            <a:ext cx="879407" cy="601674"/>
+            <a:off x="22737205" y="10149343"/>
+            <a:ext cx="2785250" cy="565913"/>
           </a:xfrm>
           <a:prstGeom prst="bentConnector3">
             <a:avLst>
-              <a:gd name="adj1" fmla="val 50000"/>
+              <a:gd name="adj1" fmla="val 3910"/>
             </a:avLst>
           </a:prstGeom>
           <a:ln w="19050">
@@ -14166,8 +13823,8 @@
         </p:nvCxnSpPr>
         <p:spPr>
           <a:xfrm rot="16200000" flipH="1">
-            <a:off x="17369808" y="4078926"/>
-            <a:ext cx="255119" cy="2276481"/>
+            <a:off x="18233136" y="2086623"/>
+            <a:ext cx="252707" cy="6255732"/>
           </a:xfrm>
           <a:prstGeom prst="bentConnector3">
             <a:avLst>
@@ -14211,9 +13868,9 @@
           <p:nvPr/>
         </p:nvCxnSpPr>
         <p:spPr>
-          <a:xfrm rot="5400000">
-            <a:off x="19077168" y="4648047"/>
-            <a:ext cx="255120" cy="1138240"/>
+          <a:xfrm rot="16200000" flipH="1">
+            <a:off x="20504983" y="4358471"/>
+            <a:ext cx="251236" cy="1713507"/>
           </a:xfrm>
           <a:prstGeom prst="bentConnector3">
             <a:avLst>
@@ -14258,8 +13915,8 @@
         </p:nvCxnSpPr>
         <p:spPr>
           <a:xfrm rot="5400000">
-            <a:off x="20784527" y="2940688"/>
-            <a:ext cx="255120" cy="4552958"/>
+            <a:off x="22252364" y="4323128"/>
+            <a:ext cx="252706" cy="1782724"/>
           </a:xfrm>
           <a:prstGeom prst="bentConnector3">
             <a:avLst>
@@ -14718,7 +14375,7 @@
         </p:nvSpPr>
         <p:spPr>
           <a:xfrm>
-            <a:off x="17034204" y="6134236"/>
+            <a:off x="20456751" y="6134236"/>
             <a:ext cx="926325" cy="540000"/>
           </a:xfrm>
           <a:prstGeom prst="rect">
@@ -14757,10 +14414,10 @@
       </p:sp>
       <p:cxnSp>
         <p:nvCxnSpPr>
-          <p:cNvPr id="228" name="Прямая со стрелкой 227">
-            <a:extLst>
-              <a:ext uri="{FF2B5EF4-FFF2-40B4-BE49-F238E27FC236}">
-                <a16:creationId xmlns:a16="http://schemas.microsoft.com/office/drawing/2014/main" id="{035B37ED-6128-4142-A99B-4AB69C0C3B48}"/>
+          <p:cNvPr id="231" name="Соединительная линия уступом 620">
+            <a:extLst>
+              <a:ext uri="{FF2B5EF4-FFF2-40B4-BE49-F238E27FC236}">
+                <a16:creationId xmlns:a16="http://schemas.microsoft.com/office/drawing/2014/main" id="{53DA9BB3-D995-4982-BDAE-8B17B82C833D}"/>
               </a:ext>
             </a:extLst>
           </p:cNvPr>
@@ -14772,52 +14429,9 @@
           <p:nvPr/>
         </p:nvCxnSpPr>
         <p:spPr>
-          <a:xfrm flipH="1">
-            <a:off x="18633045" y="5884727"/>
-            <a:ext cx="2563" cy="247351"/>
-          </a:xfrm>
-          <a:prstGeom prst="straightConnector1">
-            <a:avLst/>
-          </a:prstGeom>
-          <a:ln w="19050">
-            <a:tailEnd type="arrow"/>
-          </a:ln>
-        </p:spPr>
-        <p:style>
-          <a:lnRef idx="1">
-            <a:schemeClr val="accent1"/>
-          </a:lnRef>
-          <a:fillRef idx="0">
-            <a:schemeClr val="accent1"/>
-          </a:fillRef>
-          <a:effectRef idx="0">
-            <a:schemeClr val="accent1"/>
-          </a:effectRef>
-          <a:fontRef idx="minor">
-            <a:schemeClr val="tx1"/>
-          </a:fontRef>
-        </p:style>
-      </p:cxnSp>
-      <p:cxnSp>
-        <p:nvCxnSpPr>
-          <p:cNvPr id="231" name="Соединительная линия уступом 620">
-            <a:extLst>
-              <a:ext uri="{FF2B5EF4-FFF2-40B4-BE49-F238E27FC236}">
-                <a16:creationId xmlns:a16="http://schemas.microsoft.com/office/drawing/2014/main" id="{53DA9BB3-D995-4982-BDAE-8B17B82C833D}"/>
-              </a:ext>
-            </a:extLst>
-          </p:cNvPr>
-          <p:cNvCxnSpPr>
-            <a:cxnSpLocks/>
-            <a:stCxn id="168" idx="2"/>
-            <a:endCxn id="227" idx="0"/>
-          </p:cNvCxnSpPr>
-          <p:nvPr/>
-        </p:nvCxnSpPr>
-        <p:spPr>
-          <a:xfrm rot="5400000">
-            <a:off x="17941734" y="5440361"/>
-            <a:ext cx="249509" cy="1138241"/>
+          <a:xfrm rot="16200000" flipH="1">
+            <a:off x="21645856" y="5722341"/>
+            <a:ext cx="251235" cy="568237"/>
           </a:xfrm>
           <a:prstGeom prst="bentConnector3">
             <a:avLst>
@@ -15087,7 +14701,7 @@
         </p:nvSpPr>
         <p:spPr>
           <a:xfrm>
-            <a:off x="17034850" y="6918066"/>
+            <a:off x="20457397" y="6918066"/>
             <a:ext cx="926325" cy="540000"/>
           </a:xfrm>
           <a:prstGeom prst="rect">
@@ -15162,7 +14776,7 @@
         </p:nvSpPr>
         <p:spPr>
           <a:xfrm>
-            <a:off x="17604731" y="7703259"/>
+            <a:off x="21027278" y="8499675"/>
             <a:ext cx="926325" cy="540000"/>
           </a:xfrm>
           <a:prstGeom prst="rect">
@@ -15221,7 +14835,7 @@
         </p:nvSpPr>
         <p:spPr>
           <a:xfrm>
-            <a:off x="19307069" y="8492710"/>
+            <a:off x="18743327" y="6130769"/>
             <a:ext cx="926325" cy="540000"/>
           </a:xfrm>
           <a:prstGeom prst="rect">
@@ -15256,7 +14870,7 @@
             <a:pPr algn="ctr"/>
             <a:r>
               <a:rPr lang="ru-RU" sz="700" dirty="0"/>
-              <a:t>Проект Блюма-</a:t>
+              <a:t>Реализация предложения Блюма-</a:t>
             </a:r>
             <a:r>
               <a:rPr lang="ru-RU" sz="700" dirty="0" err="1"/>
@@ -15329,7 +14943,7 @@
         </p:nvCxnSpPr>
         <p:spPr>
           <a:xfrm rot="5400000">
-            <a:off x="17942535" y="6227556"/>
+            <a:off x="21365082" y="6227556"/>
             <a:ext cx="245988" cy="1135032"/>
           </a:xfrm>
           <a:prstGeom prst="bentConnector3">
@@ -15374,7 +14988,7 @@
         </p:nvCxnSpPr>
         <p:spPr>
           <a:xfrm>
-            <a:off x="17497367" y="6674236"/>
+            <a:off x="20919914" y="6674236"/>
             <a:ext cx="646" cy="243830"/>
           </a:xfrm>
           <a:prstGeom prst="straightConnector1">
@@ -15413,7 +15027,7 @@
         </p:nvSpPr>
         <p:spPr>
           <a:xfrm>
-            <a:off x="18178512" y="6915908"/>
+            <a:off x="21601059" y="6915908"/>
             <a:ext cx="926325" cy="540000"/>
           </a:xfrm>
           <a:prstGeom prst="rect">
@@ -15482,7 +15096,7 @@
         </p:nvCxnSpPr>
         <p:spPr>
           <a:xfrm flipV="1">
-            <a:off x="17961175" y="7185908"/>
+            <a:off x="21383722" y="7185908"/>
             <a:ext cx="217337" cy="2158"/>
           </a:xfrm>
           <a:prstGeom prst="line">
@@ -15527,7 +15141,7 @@
         </p:nvCxnSpPr>
         <p:spPr>
           <a:xfrm rot="16200000" flipH="1">
-            <a:off x="17948685" y="6222918"/>
+            <a:off x="21371232" y="6222918"/>
             <a:ext cx="241672" cy="1144308"/>
           </a:xfrm>
           <a:prstGeom prst="bentConnector3">
@@ -15572,7 +15186,7 @@
         </p:nvCxnSpPr>
         <p:spPr>
           <a:xfrm>
-            <a:off x="18633045" y="6672078"/>
+            <a:off x="22055592" y="6672078"/>
             <a:ext cx="8630" cy="243830"/>
           </a:xfrm>
           <a:prstGeom prst="straightConnector1">
@@ -15611,7 +15225,7 @@
         </p:nvSpPr>
         <p:spPr>
           <a:xfrm>
-            <a:off x="18741565" y="7697580"/>
+            <a:off x="21598179" y="7705359"/>
             <a:ext cx="926325" cy="540000"/>
           </a:xfrm>
           <a:prstGeom prst="rect">
@@ -15675,7 +15289,7 @@
         </p:nvSpPr>
         <p:spPr>
           <a:xfrm>
-            <a:off x="16486916" y="7697580"/>
+            <a:off x="20455449" y="7705360"/>
             <a:ext cx="926325" cy="540000"/>
           </a:xfrm>
           <a:prstGeom prst="rect">
@@ -15755,15 +15369,13 @@
         </p:nvSpPr>
         <p:spPr>
           <a:xfrm>
-            <a:off x="18183007" y="8492710"/>
+            <a:off x="19881172" y="9271282"/>
             <a:ext cx="926325" cy="540000"/>
           </a:xfrm>
           <a:prstGeom prst="rect">
             <a:avLst/>
           </a:prstGeom>
-          <a:solidFill>
-            <a:schemeClr val="bg1"/>
-          </a:solidFill>
+          <a:noFill/>
           <a:ln w="19050"/>
         </p:spPr>
         <p:style>
@@ -15827,15 +15439,26 @@
         </p:nvSpPr>
         <p:spPr>
           <a:xfrm>
-            <a:off x="17034203" y="8492710"/>
+            <a:off x="21035145" y="9276483"/>
             <a:ext cx="926325" cy="540000"/>
           </a:xfrm>
           <a:prstGeom prst="rect">
             <a:avLst/>
           </a:prstGeom>
-          <a:solidFill>
-            <a:schemeClr val="bg1"/>
-          </a:solidFill>
+          <a:gradFill>
+            <a:gsLst>
+              <a:gs pos="0">
+                <a:schemeClr val="accent1">
+                  <a:lumMod val="60000"/>
+                  <a:lumOff val="40000"/>
+                </a:schemeClr>
+              </a:gs>
+              <a:gs pos="100000">
+                <a:srgbClr val="FF0000"/>
+              </a:gs>
+            </a:gsLst>
+            <a:lin ang="5400000" scaled="1"/>
+          </a:gradFill>
           <a:ln w="19050"/>
         </p:spPr>
         <p:style>
@@ -15879,10 +15502,10 @@
       </p:sp>
       <p:cxnSp>
         <p:nvCxnSpPr>
-          <p:cNvPr id="283" name="Соединительная линия уступом 620">
-            <a:extLst>
-              <a:ext uri="{FF2B5EF4-FFF2-40B4-BE49-F238E27FC236}">
-                <a16:creationId xmlns:a16="http://schemas.microsoft.com/office/drawing/2014/main" id="{7C5B29BC-8F5D-4754-89DA-16FAE64279C2}"/>
+          <p:cNvPr id="285" name="Соединительная линия уступом 620">
+            <a:extLst>
+              <a:ext uri="{FF2B5EF4-FFF2-40B4-BE49-F238E27FC236}">
+                <a16:creationId xmlns:a16="http://schemas.microsoft.com/office/drawing/2014/main" id="{68B2952B-1DBA-4455-834F-24F5EFCC7423}"/>
               </a:ext>
             </a:extLst>
           </p:cNvPr>
@@ -15894,54 +15517,9 @@
           <p:nvPr/>
         </p:nvCxnSpPr>
         <p:spPr>
-          <a:xfrm rot="16200000" flipH="1">
-            <a:off x="18232307" y="8078846"/>
-            <a:ext cx="249451" cy="578276"/>
-          </a:xfrm>
-          <a:prstGeom prst="bentConnector3">
-            <a:avLst>
-              <a:gd name="adj1" fmla="val 50000"/>
-            </a:avLst>
-          </a:prstGeom>
-          <a:ln w="19050">
-            <a:tailEnd type="arrow"/>
-          </a:ln>
-        </p:spPr>
-        <p:style>
-          <a:lnRef idx="1">
-            <a:schemeClr val="accent1"/>
-          </a:lnRef>
-          <a:fillRef idx="0">
-            <a:schemeClr val="accent1"/>
-          </a:fillRef>
-          <a:effectRef idx="0">
-            <a:schemeClr val="accent1"/>
-          </a:effectRef>
-          <a:fontRef idx="minor">
-            <a:schemeClr val="tx1"/>
-          </a:fontRef>
-        </p:style>
-      </p:cxnSp>
-      <p:cxnSp>
-        <p:nvCxnSpPr>
-          <p:cNvPr id="285" name="Соединительная линия уступом 620">
-            <a:extLst>
-              <a:ext uri="{FF2B5EF4-FFF2-40B4-BE49-F238E27FC236}">
-                <a16:creationId xmlns:a16="http://schemas.microsoft.com/office/drawing/2014/main" id="{68B2952B-1DBA-4455-834F-24F5EFCC7423}"/>
-              </a:ext>
-            </a:extLst>
-          </p:cNvPr>
-          <p:cNvCxnSpPr>
-            <a:cxnSpLocks/>
-            <a:stCxn id="250" idx="2"/>
-            <a:endCxn id="281" idx="0"/>
-          </p:cNvCxnSpPr>
-          <p:nvPr/>
-        </p:nvCxnSpPr>
-        <p:spPr>
           <a:xfrm rot="5400000">
-            <a:off x="17657905" y="8082720"/>
-            <a:ext cx="249451" cy="570528"/>
+            <a:off x="20801585" y="8582425"/>
+            <a:ext cx="231607" cy="1146106"/>
           </a:xfrm>
           <a:prstGeom prst="bentConnector3">
             <a:avLst>
@@ -15985,8 +15563,8 @@
         </p:nvCxnSpPr>
         <p:spPr>
           <a:xfrm rot="5400000">
-            <a:off x="17104289" y="7303856"/>
-            <a:ext cx="239514" cy="547934"/>
+            <a:off x="20795939" y="7580739"/>
+            <a:ext cx="247294" cy="1948"/>
           </a:xfrm>
           <a:prstGeom prst="bentConnector3">
             <a:avLst>
@@ -16031,12 +15609,12 @@
         </p:nvCxnSpPr>
         <p:spPr>
           <a:xfrm rot="16200000" flipH="1">
-            <a:off x="17660357" y="7295721"/>
-            <a:ext cx="245193" cy="569881"/>
+            <a:off x="20684696" y="7693929"/>
+            <a:ext cx="1041609" cy="569881"/>
           </a:xfrm>
           <a:prstGeom prst="bentConnector3">
             <a:avLst>
-              <a:gd name="adj1" fmla="val 50000"/>
+              <a:gd name="adj1" fmla="val 11062"/>
             </a:avLst>
           </a:prstGeom>
           <a:ln w="19050">
@@ -16077,8 +15655,8 @@
         </p:nvCxnSpPr>
         <p:spPr>
           <a:xfrm rot="16200000" flipH="1">
-            <a:off x="18231613" y="6724465"/>
-            <a:ext cx="239514" cy="1706715"/>
+            <a:off x="21367305" y="7011321"/>
+            <a:ext cx="247293" cy="1140782"/>
           </a:xfrm>
           <a:prstGeom prst="bentConnector3">
             <a:avLst>
@@ -16123,8 +15701,8 @@
         </p:nvCxnSpPr>
         <p:spPr>
           <a:xfrm rot="5400000">
-            <a:off x="17675041" y="6730946"/>
-            <a:ext cx="241672" cy="1691596"/>
+            <a:off x="21366691" y="7007829"/>
+            <a:ext cx="249452" cy="1145610"/>
           </a:xfrm>
           <a:prstGeom prst="bentConnector3">
             <a:avLst>
@@ -16169,12 +15747,12 @@
         </p:nvCxnSpPr>
         <p:spPr>
           <a:xfrm rot="5400000">
-            <a:off x="18231110" y="7292693"/>
-            <a:ext cx="247351" cy="573781"/>
+            <a:off x="21255449" y="7690901"/>
+            <a:ext cx="1043767" cy="573781"/>
           </a:xfrm>
           <a:prstGeom prst="bentConnector3">
             <a:avLst>
-              <a:gd name="adj1" fmla="val 50000"/>
+              <a:gd name="adj1" fmla="val 11751"/>
             </a:avLst>
           </a:prstGeom>
           <a:ln w="19050">
@@ -16214,9 +15792,9 @@
           <p:nvPr/>
         </p:nvCxnSpPr>
         <p:spPr>
-          <a:xfrm rot="16200000" flipH="1">
-            <a:off x="18802365" y="7295217"/>
-            <a:ext cx="241672" cy="563053"/>
+          <a:xfrm rot="5400000">
+            <a:off x="21938057" y="7579193"/>
+            <a:ext cx="249451" cy="2880"/>
           </a:xfrm>
           <a:prstGeom prst="bentConnector3">
             <a:avLst>
@@ -16257,7 +15835,7 @@
         </p:nvSpPr>
         <p:spPr>
           <a:xfrm>
-            <a:off x="21011479" y="6132078"/>
+            <a:off x="17611974" y="6124704"/>
             <a:ext cx="926325" cy="540000"/>
           </a:xfrm>
           <a:prstGeom prst="rect">
@@ -16326,7 +15904,7 @@
         </p:nvCxnSpPr>
         <p:spPr>
           <a:xfrm rot="5400000">
-            <a:off x="21633685" y="5725683"/>
+            <a:off x="18234180" y="5718309"/>
             <a:ext cx="247352" cy="565438"/>
           </a:xfrm>
           <a:prstGeom prst="bentConnector3">
@@ -16372,8 +15950,8 @@
         </p:nvCxnSpPr>
         <p:spPr>
           <a:xfrm rot="16200000" flipH="1">
-            <a:off x="21067128" y="5724563"/>
-            <a:ext cx="247351" cy="567678"/>
+            <a:off x="17664521" y="5714087"/>
+            <a:ext cx="248427" cy="572805"/>
           </a:xfrm>
           <a:prstGeom prst="bentConnector3">
             <a:avLst>
@@ -16414,7 +15992,7 @@
         </p:nvSpPr>
         <p:spPr>
           <a:xfrm>
-            <a:off x="20443801" y="6915908"/>
+            <a:off x="17044296" y="6908534"/>
             <a:ext cx="926325" cy="540000"/>
           </a:xfrm>
           <a:prstGeom prst="rect">
@@ -16484,7 +16062,7 @@
         </p:nvSpPr>
         <p:spPr>
           <a:xfrm>
-            <a:off x="21582232" y="6909991"/>
+            <a:off x="16486665" y="7706264"/>
             <a:ext cx="926325" cy="540000"/>
           </a:xfrm>
           <a:prstGeom prst="rect">
@@ -16551,15 +16129,15 @@
           </p:cNvPr>
           <p:cNvCxnSpPr>
             <a:cxnSpLocks/>
-            <a:stCxn id="306" idx="2"/>
+            <a:stCxn id="313" idx="2"/>
             <a:endCxn id="314" idx="0"/>
           </p:cNvCxnSpPr>
           <p:nvPr/>
         </p:nvCxnSpPr>
         <p:spPr>
-          <a:xfrm rot="16200000" flipH="1">
-            <a:off x="21641062" y="6505657"/>
-            <a:ext cx="237913" cy="570753"/>
+          <a:xfrm rot="5400000">
+            <a:off x="17099779" y="7298584"/>
+            <a:ext cx="257730" cy="557631"/>
           </a:xfrm>
           <a:prstGeom prst="bentConnector3">
             <a:avLst>
@@ -16603,13 +16181,3678 @@
         </p:nvCxnSpPr>
         <p:spPr>
           <a:xfrm rot="5400000">
-            <a:off x="21068888" y="6510154"/>
+            <a:off x="17669383" y="6502780"/>
             <a:ext cx="243830" cy="567678"/>
           </a:xfrm>
           <a:prstGeom prst="bentConnector3">
             <a:avLst>
               <a:gd name="adj1" fmla="val 50000"/>
             </a:avLst>
+          </a:prstGeom>
+          <a:ln w="19050">
+            <a:tailEnd type="arrow"/>
+          </a:ln>
+        </p:spPr>
+        <p:style>
+          <a:lnRef idx="1">
+            <a:schemeClr val="accent1"/>
+          </a:lnRef>
+          <a:fillRef idx="0">
+            <a:schemeClr val="accent1"/>
+          </a:fillRef>
+          <a:effectRef idx="0">
+            <a:schemeClr val="accent1"/>
+          </a:effectRef>
+          <a:fontRef idx="minor">
+            <a:schemeClr val="tx1"/>
+          </a:fontRef>
+        </p:style>
+      </p:cxnSp>
+      <p:cxnSp>
+        <p:nvCxnSpPr>
+          <p:cNvPr id="271" name="Соединительная линия уступом 595">
+            <a:extLst>
+              <a:ext uri="{FF2B5EF4-FFF2-40B4-BE49-F238E27FC236}">
+                <a16:creationId xmlns:a16="http://schemas.microsoft.com/office/drawing/2014/main" id="{7350CE3E-90D8-4FFE-B73B-187E2F555E14}"/>
+              </a:ext>
+            </a:extLst>
+          </p:cNvPr>
+          <p:cNvCxnSpPr>
+            <a:cxnSpLocks/>
+            <a:stCxn id="249" idx="2"/>
+            <a:endCxn id="170" idx="0"/>
+          </p:cNvCxnSpPr>
+          <p:nvPr/>
+        </p:nvCxnSpPr>
+        <p:spPr>
+          <a:xfrm rot="16200000" flipH="1">
+            <a:off x="21264954" y="7113671"/>
+            <a:ext cx="1036398" cy="1725187"/>
+          </a:xfrm>
+          <a:prstGeom prst="bentConnector3">
+            <a:avLst>
+              <a:gd name="adj1" fmla="val 12288"/>
+            </a:avLst>
+          </a:prstGeom>
+          <a:ln w="19050">
+            <a:prstDash val="dash"/>
+            <a:tailEnd type="arrow"/>
+          </a:ln>
+        </p:spPr>
+        <p:style>
+          <a:lnRef idx="1">
+            <a:schemeClr val="accent1"/>
+          </a:lnRef>
+          <a:fillRef idx="0">
+            <a:schemeClr val="accent1"/>
+          </a:fillRef>
+          <a:effectRef idx="0">
+            <a:schemeClr val="accent1"/>
+          </a:effectRef>
+          <a:fontRef idx="minor">
+            <a:schemeClr val="tx1"/>
+          </a:fontRef>
+        </p:style>
+      </p:cxnSp>
+      <p:cxnSp>
+        <p:nvCxnSpPr>
+          <p:cNvPr id="275" name="Соединительная линия уступом 595">
+            <a:extLst>
+              <a:ext uri="{FF2B5EF4-FFF2-40B4-BE49-F238E27FC236}">
+                <a16:creationId xmlns:a16="http://schemas.microsoft.com/office/drawing/2014/main" id="{DAAD64EE-6C74-4FAC-8BB8-6635244CB408}"/>
+              </a:ext>
+            </a:extLst>
+          </p:cNvPr>
+          <p:cNvCxnSpPr>
+            <a:cxnSpLocks/>
+            <a:stCxn id="265" idx="2"/>
+            <a:endCxn id="170" idx="0"/>
+          </p:cNvCxnSpPr>
+          <p:nvPr/>
+        </p:nvCxnSpPr>
+        <p:spPr>
+          <a:xfrm rot="16200000" flipH="1">
+            <a:off x="21835706" y="7684423"/>
+            <a:ext cx="1038556" cy="581525"/>
+          </a:xfrm>
+          <a:prstGeom prst="bentConnector3">
+            <a:avLst>
+              <a:gd name="adj1" fmla="val 12170"/>
+            </a:avLst>
+          </a:prstGeom>
+          <a:ln w="19050">
+            <a:prstDash val="dash"/>
+            <a:tailEnd type="arrow"/>
+          </a:ln>
+        </p:spPr>
+        <p:style>
+          <a:lnRef idx="1">
+            <a:schemeClr val="accent1"/>
+          </a:lnRef>
+          <a:fillRef idx="0">
+            <a:schemeClr val="accent1"/>
+          </a:fillRef>
+          <a:effectRef idx="0">
+            <a:schemeClr val="accent1"/>
+          </a:effectRef>
+          <a:fontRef idx="minor">
+            <a:schemeClr val="tx1"/>
+          </a:fontRef>
+        </p:style>
+      </p:cxnSp>
+      <p:cxnSp>
+        <p:nvCxnSpPr>
+          <p:cNvPr id="284" name="Соединительная линия уступом 620">
+            <a:extLst>
+              <a:ext uri="{FF2B5EF4-FFF2-40B4-BE49-F238E27FC236}">
+                <a16:creationId xmlns:a16="http://schemas.microsoft.com/office/drawing/2014/main" id="{2CB1AF56-F91B-46BD-84F2-844011BCD2C2}"/>
+              </a:ext>
+            </a:extLst>
+          </p:cNvPr>
+          <p:cNvCxnSpPr>
+            <a:cxnSpLocks/>
+            <a:stCxn id="170" idx="2"/>
+            <a:endCxn id="281" idx="0"/>
+          </p:cNvCxnSpPr>
+          <p:nvPr/>
+        </p:nvCxnSpPr>
+        <p:spPr>
+          <a:xfrm rot="5400000">
+            <a:off x="21951019" y="8581754"/>
+            <a:ext cx="242019" cy="1147439"/>
+          </a:xfrm>
+          <a:prstGeom prst="bentConnector3">
+            <a:avLst>
+              <a:gd name="adj1" fmla="val 50000"/>
+            </a:avLst>
+          </a:prstGeom>
+          <a:ln w="19050">
+            <a:tailEnd type="arrow"/>
+          </a:ln>
+        </p:spPr>
+        <p:style>
+          <a:lnRef idx="1">
+            <a:schemeClr val="accent1"/>
+          </a:lnRef>
+          <a:fillRef idx="0">
+            <a:schemeClr val="accent1"/>
+          </a:fillRef>
+          <a:effectRef idx="0">
+            <a:schemeClr val="accent1"/>
+          </a:effectRef>
+          <a:fontRef idx="minor">
+            <a:schemeClr val="tx1"/>
+          </a:fontRef>
+        </p:style>
+      </p:cxnSp>
+      <p:cxnSp>
+        <p:nvCxnSpPr>
+          <p:cNvPr id="286" name="Соединительная линия уступом 620">
+            <a:extLst>
+              <a:ext uri="{FF2B5EF4-FFF2-40B4-BE49-F238E27FC236}">
+                <a16:creationId xmlns:a16="http://schemas.microsoft.com/office/drawing/2014/main" id="{520A29DA-9462-4AD0-A72D-2BAB9B9D161C}"/>
+              </a:ext>
+            </a:extLst>
+          </p:cNvPr>
+          <p:cNvCxnSpPr>
+            <a:cxnSpLocks/>
+            <a:stCxn id="170" idx="2"/>
+            <a:endCxn id="280" idx="0"/>
+          </p:cNvCxnSpPr>
+          <p:nvPr/>
+        </p:nvCxnSpPr>
+        <p:spPr>
+          <a:xfrm rot="5400000">
+            <a:off x="21376632" y="8002167"/>
+            <a:ext cx="236818" cy="2301412"/>
+          </a:xfrm>
+          <a:prstGeom prst="bentConnector3">
+            <a:avLst>
+              <a:gd name="adj1" fmla="val 50000"/>
+            </a:avLst>
+          </a:prstGeom>
+          <a:ln w="19050">
+            <a:tailEnd type="arrow"/>
+          </a:ln>
+        </p:spPr>
+        <p:style>
+          <a:lnRef idx="1">
+            <a:schemeClr val="accent1"/>
+          </a:lnRef>
+          <a:fillRef idx="0">
+            <a:schemeClr val="accent1"/>
+          </a:fillRef>
+          <a:effectRef idx="0">
+            <a:schemeClr val="accent1"/>
+          </a:effectRef>
+          <a:fontRef idx="minor">
+            <a:schemeClr val="tx1"/>
+          </a:fontRef>
+        </p:style>
+      </p:cxnSp>
+      <p:sp>
+        <p:nvSpPr>
+          <p:cNvPr id="298" name="Прямоугольник 297">
+            <a:extLst>
+              <a:ext uri="{FF2B5EF4-FFF2-40B4-BE49-F238E27FC236}">
+                <a16:creationId xmlns:a16="http://schemas.microsoft.com/office/drawing/2014/main" id="{D7984CFA-78CC-4C62-9EE7-914E00F0367C}"/>
+              </a:ext>
+            </a:extLst>
+          </p:cNvPr>
+          <p:cNvSpPr/>
+          <p:nvPr/>
+        </p:nvSpPr>
+        <p:spPr>
+          <a:xfrm>
+            <a:off x="21601059" y="10070856"/>
+            <a:ext cx="926325" cy="540000"/>
+          </a:xfrm>
+          <a:prstGeom prst="rect">
+            <a:avLst/>
+          </a:prstGeom>
+          <a:solidFill>
+            <a:schemeClr val="accent1">
+              <a:lumMod val="60000"/>
+              <a:lumOff val="40000"/>
+            </a:schemeClr>
+          </a:solidFill>
+          <a:ln w="19050"/>
+        </p:spPr>
+        <p:style>
+          <a:lnRef idx="2">
+            <a:schemeClr val="accent1"/>
+          </a:lnRef>
+          <a:fillRef idx="1">
+            <a:schemeClr val="lt1"/>
+          </a:fillRef>
+          <a:effectRef idx="0">
+            <a:schemeClr val="accent1"/>
+          </a:effectRef>
+          <a:fontRef idx="minor">
+            <a:schemeClr val="dk1"/>
+          </a:fontRef>
+        </p:style>
+        <p:txBody>
+          <a:bodyPr lIns="124733" tIns="62367" rIns="124733" bIns="62367" rtlCol="0" anchor="ctr"/>
+          <a:lstStyle/>
+          <a:p>
+            <a:pPr algn="ctr"/>
+            <a:r>
+              <a:rPr lang="ru-RU" sz="700" dirty="0"/>
+              <a:t>Пригласить коммунистов в правительство</a:t>
+            </a:r>
+          </a:p>
+        </p:txBody>
+      </p:sp>
+      <p:sp>
+        <p:nvSpPr>
+          <p:cNvPr id="319" name="Прямоугольник 318">
+            <a:extLst>
+              <a:ext uri="{FF2B5EF4-FFF2-40B4-BE49-F238E27FC236}">
+                <a16:creationId xmlns:a16="http://schemas.microsoft.com/office/drawing/2014/main" id="{77F2DCBB-A338-426F-838D-573F2335BBFB}"/>
+              </a:ext>
+            </a:extLst>
+          </p:cNvPr>
+          <p:cNvSpPr/>
+          <p:nvPr/>
+        </p:nvSpPr>
+        <p:spPr>
+          <a:xfrm>
+            <a:off x="20455449" y="10072474"/>
+            <a:ext cx="926325" cy="540000"/>
+          </a:xfrm>
+          <a:prstGeom prst="rect">
+            <a:avLst/>
+          </a:prstGeom>
+          <a:solidFill>
+            <a:schemeClr val="accent2">
+              <a:lumMod val="75000"/>
+            </a:schemeClr>
+          </a:solidFill>
+          <a:ln w="19050"/>
+        </p:spPr>
+        <p:style>
+          <a:lnRef idx="2">
+            <a:schemeClr val="accent1"/>
+          </a:lnRef>
+          <a:fillRef idx="1">
+            <a:schemeClr val="lt1"/>
+          </a:fillRef>
+          <a:effectRef idx="0">
+            <a:schemeClr val="accent1"/>
+          </a:effectRef>
+          <a:fontRef idx="minor">
+            <a:schemeClr val="dk1"/>
+          </a:fontRef>
+        </p:style>
+        <p:txBody>
+          <a:bodyPr lIns="124733" tIns="62367" rIns="124733" bIns="62367" rtlCol="0" anchor="ctr"/>
+          <a:lstStyle/>
+          <a:p>
+            <a:pPr algn="ctr"/>
+            <a:r>
+              <a:rPr lang="ru-RU" sz="700" dirty="0"/>
+              <a:t>Переворот «Ла </a:t>
+            </a:r>
+            <a:r>
+              <a:rPr lang="ru-RU" sz="700" dirty="0" err="1"/>
+              <a:t>Кагул</a:t>
+            </a:r>
+            <a:r>
+              <a:rPr lang="ru-RU" sz="700" dirty="0"/>
+              <a:t>»</a:t>
+            </a:r>
+          </a:p>
+        </p:txBody>
+      </p:sp>
+      <p:cxnSp>
+        <p:nvCxnSpPr>
+          <p:cNvPr id="322" name="Соединительная линия уступом 620">
+            <a:extLst>
+              <a:ext uri="{FF2B5EF4-FFF2-40B4-BE49-F238E27FC236}">
+                <a16:creationId xmlns:a16="http://schemas.microsoft.com/office/drawing/2014/main" id="{34EEAC8E-8EA7-4959-95D0-F3F28693A8AA}"/>
+              </a:ext>
+            </a:extLst>
+          </p:cNvPr>
+          <p:cNvCxnSpPr>
+            <a:cxnSpLocks/>
+            <a:stCxn id="170" idx="2"/>
+            <a:endCxn id="319" idx="0"/>
+          </p:cNvCxnSpPr>
+          <p:nvPr/>
+        </p:nvCxnSpPr>
+        <p:spPr>
+          <a:xfrm rot="5400000">
+            <a:off x="21263175" y="8689902"/>
+            <a:ext cx="1038010" cy="1727135"/>
+          </a:xfrm>
+          <a:prstGeom prst="bentConnector3">
+            <a:avLst>
+              <a:gd name="adj1" fmla="val 11637"/>
+            </a:avLst>
+          </a:prstGeom>
+          <a:ln w="19050">
+            <a:tailEnd type="arrow"/>
+          </a:ln>
+        </p:spPr>
+        <p:style>
+          <a:lnRef idx="1">
+            <a:schemeClr val="accent1"/>
+          </a:lnRef>
+          <a:fillRef idx="0">
+            <a:schemeClr val="accent1"/>
+          </a:fillRef>
+          <a:effectRef idx="0">
+            <a:schemeClr val="accent1"/>
+          </a:effectRef>
+          <a:fontRef idx="minor">
+            <a:schemeClr val="tx1"/>
+          </a:fontRef>
+        </p:style>
+      </p:cxnSp>
+      <p:cxnSp>
+        <p:nvCxnSpPr>
+          <p:cNvPr id="347" name="Прямая соединительная линия 346">
+            <a:extLst>
+              <a:ext uri="{FF2B5EF4-FFF2-40B4-BE49-F238E27FC236}">
+                <a16:creationId xmlns:a16="http://schemas.microsoft.com/office/drawing/2014/main" id="{D5860D41-8B7D-4EBE-9B64-9E8F7C69FBDD}"/>
+              </a:ext>
+            </a:extLst>
+          </p:cNvPr>
+          <p:cNvCxnSpPr>
+            <a:cxnSpLocks/>
+            <a:stCxn id="1032" idx="3"/>
+            <a:endCxn id="151" idx="1"/>
+          </p:cNvCxnSpPr>
+          <p:nvPr/>
+        </p:nvCxnSpPr>
+        <p:spPr>
+          <a:xfrm flipV="1">
+            <a:off x="26602565" y="4022545"/>
+            <a:ext cx="4021350" cy="1942"/>
+          </a:xfrm>
+          <a:prstGeom prst="line">
+            <a:avLst/>
+          </a:prstGeom>
+          <a:ln w="19050">
+            <a:solidFill>
+              <a:srgbClr val="FF0000"/>
+            </a:solidFill>
+          </a:ln>
+        </p:spPr>
+        <p:style>
+          <a:lnRef idx="1">
+            <a:schemeClr val="accent1"/>
+          </a:lnRef>
+          <a:fillRef idx="0">
+            <a:schemeClr val="accent1"/>
+          </a:fillRef>
+          <a:effectRef idx="0">
+            <a:schemeClr val="accent1"/>
+          </a:effectRef>
+          <a:fontRef idx="minor">
+            <a:schemeClr val="tx1"/>
+          </a:fontRef>
+        </p:style>
+      </p:cxnSp>
+      <p:cxnSp>
+        <p:nvCxnSpPr>
+          <p:cNvPr id="356" name="Прямая соединительная линия 355">
+            <a:extLst>
+              <a:ext uri="{FF2B5EF4-FFF2-40B4-BE49-F238E27FC236}">
+                <a16:creationId xmlns:a16="http://schemas.microsoft.com/office/drawing/2014/main" id="{C6769B31-322E-431A-B478-9C310FF319CC}"/>
+              </a:ext>
+            </a:extLst>
+          </p:cNvPr>
+          <p:cNvCxnSpPr>
+            <a:cxnSpLocks/>
+            <a:stCxn id="170" idx="3"/>
+            <a:endCxn id="164" idx="1"/>
+          </p:cNvCxnSpPr>
+          <p:nvPr/>
+        </p:nvCxnSpPr>
+        <p:spPr>
+          <a:xfrm>
+            <a:off x="23108909" y="8764464"/>
+            <a:ext cx="840714" cy="5210"/>
+          </a:xfrm>
+          <a:prstGeom prst="line">
+            <a:avLst/>
+          </a:prstGeom>
+          <a:ln w="19050">
+            <a:solidFill>
+              <a:srgbClr val="FF0000"/>
+            </a:solidFill>
+          </a:ln>
+        </p:spPr>
+        <p:style>
+          <a:lnRef idx="1">
+            <a:schemeClr val="accent1"/>
+          </a:lnRef>
+          <a:fillRef idx="0">
+            <a:schemeClr val="accent1"/>
+          </a:fillRef>
+          <a:effectRef idx="0">
+            <a:schemeClr val="accent1"/>
+          </a:effectRef>
+          <a:fontRef idx="minor">
+            <a:schemeClr val="tx1"/>
+          </a:fontRef>
+        </p:style>
+      </p:cxnSp>
+      <p:sp>
+        <p:nvSpPr>
+          <p:cNvPr id="359" name="Прямоугольник 358">
+            <a:extLst>
+              <a:ext uri="{FF2B5EF4-FFF2-40B4-BE49-F238E27FC236}">
+                <a16:creationId xmlns:a16="http://schemas.microsoft.com/office/drawing/2014/main" id="{918E960A-6991-4F32-8333-AF51985553A1}"/>
+              </a:ext>
+            </a:extLst>
+          </p:cNvPr>
+          <p:cNvSpPr/>
+          <p:nvPr/>
+        </p:nvSpPr>
+        <p:spPr>
+          <a:xfrm>
+            <a:off x="23947432" y="9278656"/>
+            <a:ext cx="926325" cy="540000"/>
+          </a:xfrm>
+          <a:prstGeom prst="rect">
+            <a:avLst/>
+          </a:prstGeom>
+          <a:solidFill>
+            <a:schemeClr val="bg1"/>
+          </a:solidFill>
+          <a:ln w="19050"/>
+        </p:spPr>
+        <p:style>
+          <a:lnRef idx="2">
+            <a:schemeClr val="accent1"/>
+          </a:lnRef>
+          <a:fillRef idx="1">
+            <a:schemeClr val="lt1"/>
+          </a:fillRef>
+          <a:effectRef idx="0">
+            <a:schemeClr val="accent1"/>
+          </a:effectRef>
+          <a:fontRef idx="minor">
+            <a:schemeClr val="dk1"/>
+          </a:fontRef>
+        </p:style>
+        <p:txBody>
+          <a:bodyPr lIns="124733" tIns="62367" rIns="124733" bIns="62367" rtlCol="0" anchor="ctr"/>
+          <a:lstStyle/>
+          <a:p>
+            <a:pPr algn="ctr"/>
+            <a:r>
+              <a:rPr lang="ru-RU" sz="700" dirty="0"/>
+              <a:t>Кабинет </a:t>
+            </a:r>
+            <a:r>
+              <a:rPr lang="ru-RU" sz="700" dirty="0" err="1"/>
+              <a:t>Шогана</a:t>
+            </a:r>
+            <a:endParaRPr lang="ru-RU" sz="700" dirty="0"/>
+          </a:p>
+        </p:txBody>
+      </p:sp>
+      <p:cxnSp>
+        <p:nvCxnSpPr>
+          <p:cNvPr id="364" name="Прямая со стрелкой 363">
+            <a:extLst>
+              <a:ext uri="{FF2B5EF4-FFF2-40B4-BE49-F238E27FC236}">
+                <a16:creationId xmlns:a16="http://schemas.microsoft.com/office/drawing/2014/main" id="{D59B2D4D-FF9A-41AE-9763-BA93594258D0}"/>
+              </a:ext>
+            </a:extLst>
+          </p:cNvPr>
+          <p:cNvCxnSpPr>
+            <a:cxnSpLocks/>
+            <a:stCxn id="164" idx="2"/>
+            <a:endCxn id="359" idx="0"/>
+          </p:cNvCxnSpPr>
+          <p:nvPr/>
+        </p:nvCxnSpPr>
+        <p:spPr>
+          <a:xfrm flipH="1">
+            <a:off x="24410595" y="9039674"/>
+            <a:ext cx="2191" cy="238982"/>
+          </a:xfrm>
+          <a:prstGeom prst="straightConnector1">
+            <a:avLst/>
+          </a:prstGeom>
+          <a:ln w="19050">
+            <a:tailEnd type="arrow"/>
+          </a:ln>
+        </p:spPr>
+        <p:style>
+          <a:lnRef idx="1">
+            <a:schemeClr val="accent1"/>
+          </a:lnRef>
+          <a:fillRef idx="0">
+            <a:schemeClr val="accent1"/>
+          </a:fillRef>
+          <a:effectRef idx="0">
+            <a:schemeClr val="accent1"/>
+          </a:effectRef>
+          <a:fontRef idx="minor">
+            <a:schemeClr val="tx1"/>
+          </a:fontRef>
+        </p:style>
+      </p:cxnSp>
+      <p:sp>
+        <p:nvSpPr>
+          <p:cNvPr id="367" name="Прямоугольник 366">
+            <a:extLst>
+              <a:ext uri="{FF2B5EF4-FFF2-40B4-BE49-F238E27FC236}">
+                <a16:creationId xmlns:a16="http://schemas.microsoft.com/office/drawing/2014/main" id="{9BFE1944-1C05-4264-A917-9398EF648BE0}"/>
+              </a:ext>
+            </a:extLst>
+          </p:cNvPr>
+          <p:cNvSpPr/>
+          <p:nvPr/>
+        </p:nvSpPr>
+        <p:spPr>
+          <a:xfrm>
+            <a:off x="10052222" y="19983397"/>
+            <a:ext cx="926325" cy="540000"/>
+          </a:xfrm>
+          <a:prstGeom prst="rect">
+            <a:avLst/>
+          </a:prstGeom>
+          <a:solidFill>
+            <a:schemeClr val="accent1">
+              <a:lumMod val="60000"/>
+              <a:lumOff val="40000"/>
+            </a:schemeClr>
+          </a:solidFill>
+          <a:ln w="19050"/>
+        </p:spPr>
+        <p:style>
+          <a:lnRef idx="2">
+            <a:schemeClr val="accent1"/>
+          </a:lnRef>
+          <a:fillRef idx="1">
+            <a:schemeClr val="lt1"/>
+          </a:fillRef>
+          <a:effectRef idx="0">
+            <a:schemeClr val="accent1"/>
+          </a:effectRef>
+          <a:fontRef idx="minor">
+            <a:schemeClr val="dk1"/>
+          </a:fontRef>
+        </p:style>
+        <p:txBody>
+          <a:bodyPr lIns="124733" tIns="62367" rIns="124733" bIns="62367" rtlCol="0" anchor="ctr"/>
+          <a:lstStyle/>
+          <a:p>
+            <a:pPr algn="ctr"/>
+            <a:r>
+              <a:rPr lang="ru-RU" sz="700" dirty="0"/>
+              <a:t>Ратифицировать </a:t>
+            </a:r>
+            <a:r>
+              <a:rPr lang="ru-RU" sz="700" dirty="0" err="1"/>
+              <a:t>Вьенотское</a:t>
+            </a:r>
+            <a:r>
+              <a:rPr lang="ru-RU" sz="700" dirty="0"/>
+              <a:t> соглашение</a:t>
+            </a:r>
+          </a:p>
+        </p:txBody>
+      </p:sp>
+      <p:cxnSp>
+        <p:nvCxnSpPr>
+          <p:cNvPr id="368" name="Прямая со стрелкой 367">
+            <a:extLst>
+              <a:ext uri="{FF2B5EF4-FFF2-40B4-BE49-F238E27FC236}">
+                <a16:creationId xmlns:a16="http://schemas.microsoft.com/office/drawing/2014/main" id="{B03E75A0-D5BC-4209-92D2-D5774A1D98C0}"/>
+              </a:ext>
+            </a:extLst>
+          </p:cNvPr>
+          <p:cNvCxnSpPr>
+            <a:cxnSpLocks/>
+            <a:stCxn id="161" idx="2"/>
+            <a:endCxn id="367" idx="0"/>
+          </p:cNvCxnSpPr>
+          <p:nvPr/>
+        </p:nvCxnSpPr>
+        <p:spPr>
+          <a:xfrm flipH="1">
+            <a:off x="10515385" y="19662749"/>
+            <a:ext cx="1" cy="320648"/>
+          </a:xfrm>
+          <a:prstGeom prst="straightConnector1">
+            <a:avLst/>
+          </a:prstGeom>
+          <a:ln w="19050">
+            <a:tailEnd type="arrow"/>
+          </a:ln>
+        </p:spPr>
+        <p:style>
+          <a:lnRef idx="1">
+            <a:schemeClr val="accent1"/>
+          </a:lnRef>
+          <a:fillRef idx="0">
+            <a:schemeClr val="accent1"/>
+          </a:fillRef>
+          <a:effectRef idx="0">
+            <a:schemeClr val="accent1"/>
+          </a:effectRef>
+          <a:fontRef idx="minor">
+            <a:schemeClr val="tx1"/>
+          </a:fontRef>
+        </p:style>
+      </p:cxnSp>
+      <p:sp>
+        <p:nvSpPr>
+          <p:cNvPr id="371" name="Прямоугольник 370">
+            <a:extLst>
+              <a:ext uri="{FF2B5EF4-FFF2-40B4-BE49-F238E27FC236}">
+                <a16:creationId xmlns:a16="http://schemas.microsoft.com/office/drawing/2014/main" id="{71BD56CE-3455-4070-9A1A-69F153F641F4}"/>
+              </a:ext>
+            </a:extLst>
+          </p:cNvPr>
+          <p:cNvSpPr/>
+          <p:nvPr/>
+        </p:nvSpPr>
+        <p:spPr>
+          <a:xfrm>
+            <a:off x="8807248" y="19122749"/>
+            <a:ext cx="926325" cy="540000"/>
+          </a:xfrm>
+          <a:prstGeom prst="rect">
+            <a:avLst/>
+          </a:prstGeom>
+          <a:solidFill>
+            <a:schemeClr val="accent1">
+              <a:lumMod val="60000"/>
+              <a:lumOff val="40000"/>
+            </a:schemeClr>
+          </a:solidFill>
+          <a:ln w="19050"/>
+        </p:spPr>
+        <p:style>
+          <a:lnRef idx="2">
+            <a:schemeClr val="accent1"/>
+          </a:lnRef>
+          <a:fillRef idx="1">
+            <a:schemeClr val="lt1"/>
+          </a:fillRef>
+          <a:effectRef idx="0">
+            <a:schemeClr val="accent1"/>
+          </a:effectRef>
+          <a:fontRef idx="minor">
+            <a:schemeClr val="dk1"/>
+          </a:fontRef>
+        </p:style>
+        <p:txBody>
+          <a:bodyPr lIns="124733" tIns="62367" rIns="124733" bIns="62367" rtlCol="0" anchor="ctr"/>
+          <a:lstStyle/>
+          <a:p>
+            <a:pPr algn="ctr"/>
+            <a:r>
+              <a:rPr lang="ru-RU" sz="700" dirty="0"/>
+              <a:t>Национальный центр научных исследований (19 октября 1939) </a:t>
+            </a:r>
+            <a:r>
+              <a:rPr lang="ru-RU" sz="100" dirty="0" err="1"/>
+              <a:t>Национа́льный</a:t>
+            </a:r>
+            <a:r>
+              <a:rPr lang="ru-RU" sz="100" dirty="0"/>
+              <a:t> центр </a:t>
+            </a:r>
+            <a:r>
+              <a:rPr lang="ru-RU" sz="100" dirty="0" err="1"/>
+              <a:t>нау́чных</a:t>
+            </a:r>
+            <a:r>
+              <a:rPr lang="ru-RU" sz="100" dirty="0"/>
+              <a:t> </a:t>
+            </a:r>
+            <a:r>
+              <a:rPr lang="ru-RU" sz="100" dirty="0" err="1"/>
+              <a:t>иссле́дований</a:t>
+            </a:r>
+            <a:r>
+              <a:rPr lang="ru-RU" sz="100" dirty="0"/>
+              <a:t> (НЦНИ, фр. </a:t>
+            </a:r>
+            <a:r>
+              <a:rPr lang="ru-RU" sz="100" dirty="0" err="1"/>
+              <a:t>Centre</a:t>
+            </a:r>
+            <a:r>
+              <a:rPr lang="ru-RU" sz="100" dirty="0"/>
+              <a:t> </a:t>
+            </a:r>
+            <a:r>
+              <a:rPr lang="ru-RU" sz="100" dirty="0" err="1"/>
+              <a:t>National</a:t>
+            </a:r>
+            <a:r>
+              <a:rPr lang="ru-RU" sz="100" dirty="0"/>
+              <a:t> </a:t>
+            </a:r>
+            <a:r>
+              <a:rPr lang="ru-RU" sz="100" dirty="0" err="1"/>
+              <a:t>de</a:t>
+            </a:r>
+            <a:r>
+              <a:rPr lang="ru-RU" sz="100" dirty="0"/>
+              <a:t> </a:t>
+            </a:r>
+            <a:r>
+              <a:rPr lang="ru-RU" sz="100" dirty="0" err="1"/>
+              <a:t>la</a:t>
+            </a:r>
+            <a:r>
+              <a:rPr lang="ru-RU" sz="100" dirty="0"/>
+              <a:t> </a:t>
+            </a:r>
+            <a:r>
+              <a:rPr lang="ru-RU" sz="100" dirty="0" err="1"/>
+              <a:t>Recherche</a:t>
+            </a:r>
+            <a:r>
+              <a:rPr lang="ru-RU" sz="100" dirty="0"/>
+              <a:t> </a:t>
+            </a:r>
+            <a:r>
+              <a:rPr lang="ru-RU" sz="100" dirty="0" err="1"/>
+              <a:t>Scientifique</a:t>
+            </a:r>
+            <a:r>
+              <a:rPr lang="ru-RU" sz="100" dirty="0"/>
+              <a:t>, CNRS) — ведущее государственное научное учреждение </a:t>
+            </a:r>
+            <a:r>
+              <a:rPr lang="ru-RU" sz="100" dirty="0" err="1"/>
+              <a:t>Франции.CNRS</a:t>
+            </a:r>
+            <a:r>
+              <a:rPr lang="ru-RU" sz="100" dirty="0"/>
+              <a:t> является крупнейшим французским научно-исследовательским учреждением, объединяет государственные организации Франции, специализирующиеся в области прикладных и фундаментальных исследований, и координирует их деятельность на национальном уровне. Находится под административным надзором Министерства высшего образования и научных исследований (</a:t>
+            </a:r>
+            <a:r>
+              <a:rPr lang="ru-RU" sz="100" dirty="0" err="1"/>
+              <a:t>Ministère</a:t>
+            </a:r>
+            <a:r>
+              <a:rPr lang="ru-RU" sz="100" dirty="0"/>
+              <a:t> </a:t>
+            </a:r>
+            <a:r>
+              <a:rPr lang="ru-RU" sz="100" dirty="0" err="1"/>
+              <a:t>de</a:t>
+            </a:r>
+            <a:r>
+              <a:rPr lang="ru-RU" sz="100" dirty="0"/>
+              <a:t> </a:t>
+            </a:r>
+            <a:r>
+              <a:rPr lang="ru-RU" sz="100" dirty="0" err="1"/>
+              <a:t>l’Enseignement</a:t>
+            </a:r>
+            <a:r>
+              <a:rPr lang="ru-RU" sz="100" dirty="0"/>
+              <a:t> </a:t>
+            </a:r>
+            <a:r>
+              <a:rPr lang="ru-RU" sz="100" dirty="0" err="1"/>
+              <a:t>supérieur</a:t>
+            </a:r>
+            <a:r>
+              <a:rPr lang="ru-RU" sz="100" dirty="0"/>
+              <a:t> </a:t>
+            </a:r>
+            <a:r>
+              <a:rPr lang="ru-RU" sz="100" dirty="0" err="1"/>
+              <a:t>et</a:t>
+            </a:r>
+            <a:r>
+              <a:rPr lang="ru-RU" sz="100" dirty="0"/>
+              <a:t> </a:t>
+            </a:r>
+            <a:r>
+              <a:rPr lang="ru-RU" sz="100" dirty="0" err="1"/>
+              <a:t>de</a:t>
+            </a:r>
+            <a:r>
+              <a:rPr lang="ru-RU" sz="100" dirty="0"/>
+              <a:t> </a:t>
+            </a:r>
+            <a:r>
+              <a:rPr lang="ru-RU" sz="100" dirty="0" err="1"/>
+              <a:t>la</a:t>
+            </a:r>
+            <a:r>
+              <a:rPr lang="ru-RU" sz="100" dirty="0"/>
+              <a:t> </a:t>
+            </a:r>
+            <a:r>
+              <a:rPr lang="ru-RU" sz="100" dirty="0" err="1"/>
+              <a:t>Recherche</a:t>
+            </a:r>
+            <a:r>
+              <a:rPr lang="ru-RU" sz="100" dirty="0"/>
+              <a:t>). Тип организации определяется как «общественное учреждение научно-технологического характера» (</a:t>
+            </a:r>
+            <a:r>
+              <a:rPr lang="ru-RU" sz="100" dirty="0" err="1"/>
+              <a:t>établissement</a:t>
+            </a:r>
+            <a:r>
+              <a:rPr lang="ru-RU" sz="100" dirty="0"/>
+              <a:t> </a:t>
+            </a:r>
+            <a:r>
+              <a:rPr lang="ru-RU" sz="100" dirty="0" err="1"/>
+              <a:t>public</a:t>
+            </a:r>
+            <a:r>
+              <a:rPr lang="ru-RU" sz="100" dirty="0"/>
+              <a:t> à </a:t>
+            </a:r>
+            <a:r>
+              <a:rPr lang="ru-RU" sz="100" dirty="0" err="1"/>
+              <a:t>caractère</a:t>
+            </a:r>
+            <a:r>
+              <a:rPr lang="ru-RU" sz="100" dirty="0"/>
+              <a:t> </a:t>
+            </a:r>
+            <a:r>
+              <a:rPr lang="ru-RU" sz="100" dirty="0" err="1"/>
+              <a:t>scientifique</a:t>
+            </a:r>
+            <a:r>
+              <a:rPr lang="ru-RU" sz="100" dirty="0"/>
+              <a:t> </a:t>
+            </a:r>
+            <a:r>
+              <a:rPr lang="ru-RU" sz="100" dirty="0" err="1"/>
+              <a:t>et</a:t>
+            </a:r>
+            <a:r>
+              <a:rPr lang="ru-RU" sz="100" dirty="0"/>
+              <a:t> </a:t>
+            </a:r>
+            <a:r>
+              <a:rPr lang="ru-RU" sz="100" dirty="0" err="1"/>
+              <a:t>technologique</a:t>
+            </a:r>
+            <a:r>
+              <a:rPr lang="ru-RU" sz="100" dirty="0"/>
+              <a:t>; сокращённо EPST).Центр основан в 1939 году физиком</a:t>
+            </a:r>
+            <a:endParaRPr lang="ru-RU" sz="700" dirty="0"/>
+          </a:p>
+        </p:txBody>
+      </p:sp>
+      <p:cxnSp>
+        <p:nvCxnSpPr>
+          <p:cNvPr id="240" name="Прямая со стрелкой 239">
+            <a:extLst>
+              <a:ext uri="{FF2B5EF4-FFF2-40B4-BE49-F238E27FC236}">
+                <a16:creationId xmlns:a16="http://schemas.microsoft.com/office/drawing/2014/main" id="{1617FF60-CB45-48E6-AEBC-562E3E1D6271}"/>
+              </a:ext>
+            </a:extLst>
+          </p:cNvPr>
+          <p:cNvCxnSpPr>
+            <a:cxnSpLocks/>
+            <a:stCxn id="250" idx="2"/>
+            <a:endCxn id="281" idx="0"/>
+          </p:cNvCxnSpPr>
+          <p:nvPr/>
+        </p:nvCxnSpPr>
+        <p:spPr>
+          <a:xfrm>
+            <a:off x="21490441" y="9039675"/>
+            <a:ext cx="7867" cy="236808"/>
+          </a:xfrm>
+          <a:prstGeom prst="straightConnector1">
+            <a:avLst/>
+          </a:prstGeom>
+          <a:ln w="19050">
+            <a:tailEnd type="arrow"/>
+          </a:ln>
+        </p:spPr>
+        <p:style>
+          <a:lnRef idx="1">
+            <a:schemeClr val="accent1"/>
+          </a:lnRef>
+          <a:fillRef idx="0">
+            <a:schemeClr val="accent1"/>
+          </a:fillRef>
+          <a:effectRef idx="0">
+            <a:schemeClr val="accent1"/>
+          </a:effectRef>
+          <a:fontRef idx="minor">
+            <a:schemeClr val="tx1"/>
+          </a:fontRef>
+        </p:style>
+      </p:cxnSp>
+      <p:sp>
+        <p:nvSpPr>
+          <p:cNvPr id="255" name="Прямоугольник 254">
+            <a:extLst>
+              <a:ext uri="{FF2B5EF4-FFF2-40B4-BE49-F238E27FC236}">
+                <a16:creationId xmlns:a16="http://schemas.microsoft.com/office/drawing/2014/main" id="{47D3AC46-675D-4AE5-976C-5BE4A5D17FEA}"/>
+              </a:ext>
+            </a:extLst>
+          </p:cNvPr>
+          <p:cNvSpPr/>
+          <p:nvPr/>
+        </p:nvSpPr>
+        <p:spPr>
+          <a:xfrm>
+            <a:off x="22180755" y="9277576"/>
+            <a:ext cx="926325" cy="540000"/>
+          </a:xfrm>
+          <a:prstGeom prst="rect">
+            <a:avLst/>
+          </a:prstGeom>
+          <a:gradFill>
+            <a:gsLst>
+              <a:gs pos="0">
+                <a:schemeClr val="accent1">
+                  <a:lumMod val="60000"/>
+                  <a:lumOff val="40000"/>
+                </a:schemeClr>
+              </a:gs>
+              <a:gs pos="100000">
+                <a:schemeClr val="accent6">
+                  <a:lumMod val="60000"/>
+                  <a:lumOff val="40000"/>
+                </a:schemeClr>
+              </a:gs>
+            </a:gsLst>
+            <a:lin ang="5400000" scaled="1"/>
+          </a:gradFill>
+          <a:ln w="19050"/>
+        </p:spPr>
+        <p:style>
+          <a:lnRef idx="2">
+            <a:schemeClr val="accent1"/>
+          </a:lnRef>
+          <a:fillRef idx="1">
+            <a:schemeClr val="lt1"/>
+          </a:fillRef>
+          <a:effectRef idx="0">
+            <a:schemeClr val="accent1"/>
+          </a:effectRef>
+          <a:fontRef idx="minor">
+            <a:schemeClr val="dk1"/>
+          </a:fontRef>
+        </p:style>
+        <p:txBody>
+          <a:bodyPr lIns="124733" tIns="62367" rIns="124733" bIns="62367" rtlCol="0" anchor="ctr"/>
+          <a:lstStyle/>
+          <a:p>
+            <a:pPr algn="ctr"/>
+            <a:r>
+              <a:rPr lang="ru-RU" sz="700" dirty="0"/>
+              <a:t>Третья девальвация </a:t>
+            </a:r>
+            <a:r>
+              <a:rPr lang="ru-RU" sz="100" dirty="0"/>
+              <a:t>Совет министров принимает пять либеральных экономических мер; свободное обращение золота, создание комиссии из четырех членов ( Эмиль </a:t>
+            </a:r>
+            <a:r>
+              <a:rPr lang="ru-RU" sz="100" dirty="0" err="1"/>
+              <a:t>Лабери</a:t>
+            </a:r>
+            <a:r>
+              <a:rPr lang="ru-RU" sz="100" dirty="0"/>
+              <a:t> , Жак </a:t>
+            </a:r>
+            <a:r>
+              <a:rPr lang="ru-RU" sz="100" dirty="0" err="1"/>
+              <a:t>Рюфф</a:t>
+            </a:r>
+            <a:r>
+              <a:rPr lang="ru-RU" sz="100" dirty="0"/>
+              <a:t> , Поль </a:t>
+            </a:r>
+            <a:r>
+              <a:rPr lang="ru-RU" sz="100" dirty="0" err="1"/>
+              <a:t>Бодуэн</a:t>
+            </a:r>
+            <a:r>
+              <a:rPr lang="ru-RU" sz="100" dirty="0"/>
+              <a:t> , Шарль </a:t>
+            </a:r>
+            <a:r>
+              <a:rPr lang="ru-RU" sz="100" dirty="0" err="1"/>
+              <a:t>Рист</a:t>
+            </a:r>
+            <a:r>
+              <a:rPr lang="ru-RU" sz="100" dirty="0"/>
+              <a:t> ), ответственных за управление фондом валютного выравнивания, изменение ритма некоторых инвестиционных расходов и запуск кредита национальной обороны [ 8 ] . Правительство отказывается от очередной девальвации франка (отказ депутатов-коммунистов) и от установления валютного контроля, необходимого для борьбы с бегством капитала (отказ депутатов-радикалов).</a:t>
+            </a:r>
+            <a:endParaRPr lang="ru-RU" sz="700" dirty="0"/>
+          </a:p>
+        </p:txBody>
+      </p:sp>
+      <p:cxnSp>
+        <p:nvCxnSpPr>
+          <p:cNvPr id="277" name="Прямая соединительная линия 276">
+            <a:extLst>
+              <a:ext uri="{FF2B5EF4-FFF2-40B4-BE49-F238E27FC236}">
+                <a16:creationId xmlns:a16="http://schemas.microsoft.com/office/drawing/2014/main" id="{DFFC78DD-2E2B-4CCD-BD71-A015251A1BE1}"/>
+              </a:ext>
+            </a:extLst>
+          </p:cNvPr>
+          <p:cNvCxnSpPr>
+            <a:cxnSpLocks/>
+            <a:stCxn id="281" idx="3"/>
+            <a:endCxn id="255" idx="1"/>
+          </p:cNvCxnSpPr>
+          <p:nvPr/>
+        </p:nvCxnSpPr>
+        <p:spPr>
+          <a:xfrm>
+            <a:off x="21961470" y="9546483"/>
+            <a:ext cx="219285" cy="1093"/>
+          </a:xfrm>
+          <a:prstGeom prst="line">
+            <a:avLst/>
+          </a:prstGeom>
+          <a:ln w="19050">
+            <a:solidFill>
+              <a:srgbClr val="FF0000"/>
+            </a:solidFill>
+          </a:ln>
+        </p:spPr>
+        <p:style>
+          <a:lnRef idx="1">
+            <a:schemeClr val="accent1"/>
+          </a:lnRef>
+          <a:fillRef idx="0">
+            <a:schemeClr val="accent1"/>
+          </a:fillRef>
+          <a:effectRef idx="0">
+            <a:schemeClr val="accent1"/>
+          </a:effectRef>
+          <a:fontRef idx="minor">
+            <a:schemeClr val="tx1"/>
+          </a:fontRef>
+        </p:style>
+      </p:cxnSp>
+      <p:cxnSp>
+        <p:nvCxnSpPr>
+          <p:cNvPr id="289" name="Соединительная линия уступом 620">
+            <a:extLst>
+              <a:ext uri="{FF2B5EF4-FFF2-40B4-BE49-F238E27FC236}">
+                <a16:creationId xmlns:a16="http://schemas.microsoft.com/office/drawing/2014/main" id="{D7DE6A74-DFAC-43F8-A299-5F879BC5A3D3}"/>
+              </a:ext>
+            </a:extLst>
+          </p:cNvPr>
+          <p:cNvCxnSpPr>
+            <a:cxnSpLocks/>
+            <a:stCxn id="170" idx="2"/>
+            <a:endCxn id="255" idx="0"/>
+          </p:cNvCxnSpPr>
+          <p:nvPr/>
+        </p:nvCxnSpPr>
+        <p:spPr>
+          <a:xfrm rot="5400000">
+            <a:off x="22523277" y="9155106"/>
+            <a:ext cx="243112" cy="1829"/>
+          </a:xfrm>
+          <a:prstGeom prst="bentConnector3">
+            <a:avLst>
+              <a:gd name="adj1" fmla="val 50000"/>
+            </a:avLst>
+          </a:prstGeom>
+          <a:ln w="19050">
+            <a:tailEnd type="arrow"/>
+          </a:ln>
+        </p:spPr>
+        <p:style>
+          <a:lnRef idx="1">
+            <a:schemeClr val="accent1"/>
+          </a:lnRef>
+          <a:fillRef idx="0">
+            <a:schemeClr val="accent1"/>
+          </a:fillRef>
+          <a:effectRef idx="0">
+            <a:schemeClr val="accent1"/>
+          </a:effectRef>
+          <a:fontRef idx="minor">
+            <a:schemeClr val="tx1"/>
+          </a:fontRef>
+        </p:style>
+      </p:cxnSp>
+      <p:cxnSp>
+        <p:nvCxnSpPr>
+          <p:cNvPr id="290" name="Соединительная линия уступом 620">
+            <a:extLst>
+              <a:ext uri="{FF2B5EF4-FFF2-40B4-BE49-F238E27FC236}">
+                <a16:creationId xmlns:a16="http://schemas.microsoft.com/office/drawing/2014/main" id="{C1AF5165-80FA-44C4-8382-F98E255968DE}"/>
+              </a:ext>
+            </a:extLst>
+          </p:cNvPr>
+          <p:cNvCxnSpPr>
+            <a:cxnSpLocks/>
+            <a:stCxn id="250" idx="2"/>
+            <a:endCxn id="255" idx="0"/>
+          </p:cNvCxnSpPr>
+          <p:nvPr/>
+        </p:nvCxnSpPr>
+        <p:spPr>
+          <a:xfrm rot="16200000" flipH="1">
+            <a:off x="21948229" y="8581886"/>
+            <a:ext cx="237901" cy="1153477"/>
+          </a:xfrm>
+          <a:prstGeom prst="bentConnector3">
+            <a:avLst>
+              <a:gd name="adj1" fmla="val 50000"/>
+            </a:avLst>
+          </a:prstGeom>
+          <a:ln w="19050">
+            <a:tailEnd type="arrow"/>
+          </a:ln>
+        </p:spPr>
+        <p:style>
+          <a:lnRef idx="1">
+            <a:schemeClr val="accent1"/>
+          </a:lnRef>
+          <a:fillRef idx="0">
+            <a:schemeClr val="accent1"/>
+          </a:fillRef>
+          <a:effectRef idx="0">
+            <a:schemeClr val="accent1"/>
+          </a:effectRef>
+          <a:fontRef idx="minor">
+            <a:schemeClr val="tx1"/>
+          </a:fontRef>
+        </p:style>
+      </p:cxnSp>
+      <p:sp>
+        <p:nvSpPr>
+          <p:cNvPr id="292" name="Прямоугольник 291">
+            <a:extLst>
+              <a:ext uri="{FF2B5EF4-FFF2-40B4-BE49-F238E27FC236}">
+                <a16:creationId xmlns:a16="http://schemas.microsoft.com/office/drawing/2014/main" id="{5F3DA993-920E-455D-B089-53AB523DD916}"/>
+              </a:ext>
+            </a:extLst>
+          </p:cNvPr>
+          <p:cNvSpPr/>
+          <p:nvPr/>
+        </p:nvSpPr>
+        <p:spPr>
+          <a:xfrm>
+            <a:off x="22804229" y="10070854"/>
+            <a:ext cx="926325" cy="540000"/>
+          </a:xfrm>
+          <a:prstGeom prst="rect">
+            <a:avLst/>
+          </a:prstGeom>
+          <a:solidFill>
+            <a:schemeClr val="accent6">
+              <a:lumMod val="60000"/>
+              <a:lumOff val="40000"/>
+            </a:schemeClr>
+          </a:solidFill>
+          <a:ln w="19050"/>
+        </p:spPr>
+        <p:style>
+          <a:lnRef idx="2">
+            <a:schemeClr val="accent1"/>
+          </a:lnRef>
+          <a:fillRef idx="1">
+            <a:schemeClr val="lt1"/>
+          </a:fillRef>
+          <a:effectRef idx="0">
+            <a:schemeClr val="accent1"/>
+          </a:effectRef>
+          <a:fontRef idx="minor">
+            <a:schemeClr val="dk1"/>
+          </a:fontRef>
+        </p:style>
+        <p:txBody>
+          <a:bodyPr lIns="124733" tIns="62367" rIns="124733" bIns="62367" rtlCol="0" anchor="ctr"/>
+          <a:lstStyle/>
+          <a:p>
+            <a:pPr algn="ctr"/>
+            <a:r>
+              <a:rPr lang="ru-RU" sz="700" dirty="0"/>
+              <a:t>Распустить и запретить ФКП (26 августа 1936) </a:t>
+            </a:r>
+            <a:r>
+              <a:rPr lang="ru-RU" sz="100" dirty="0"/>
+              <a:t>(Более того, отметив существование советско-германского пакта от 23 августа 1939 года и советское вторжение в Польшу совместно с нацистами, он принял меры против Французской коммунистической партии (ФКП), которую правительство считало организацией, способной предать: коммунистическая пресса была объявлена ​​вне закона декретом от 26 августа 1939 года о запрете публикации </a:t>
+            </a:r>
+            <a:r>
+              <a:rPr lang="ru-RU" sz="100" dirty="0" err="1"/>
+              <a:t>L'Humanité</a:t>
+            </a:r>
+            <a:r>
+              <a:rPr lang="ru-RU" sz="100" dirty="0"/>
+              <a:t> , затем французская коммунистическая партия была распущена и запрещена 26 сентября 1939 года также декретом, и, наконец, избранные представители коммунистов были лишены своих мандатов декрет-закон от 26 ноября 1939 года.)</a:t>
+            </a:r>
+            <a:endParaRPr lang="ru-RU" sz="700" dirty="0"/>
+          </a:p>
+        </p:txBody>
+      </p:sp>
+      <p:cxnSp>
+        <p:nvCxnSpPr>
+          <p:cNvPr id="293" name="Прямая соединительная линия 292">
+            <a:extLst>
+              <a:ext uri="{FF2B5EF4-FFF2-40B4-BE49-F238E27FC236}">
+                <a16:creationId xmlns:a16="http://schemas.microsoft.com/office/drawing/2014/main" id="{0974ADD4-8D71-42A6-B540-8EB7AB71A8E5}"/>
+              </a:ext>
+            </a:extLst>
+          </p:cNvPr>
+          <p:cNvCxnSpPr>
+            <a:cxnSpLocks/>
+            <a:stCxn id="298" idx="3"/>
+            <a:endCxn id="292" idx="1"/>
+          </p:cNvCxnSpPr>
+          <p:nvPr/>
+        </p:nvCxnSpPr>
+        <p:spPr>
+          <a:xfrm flipV="1">
+            <a:off x="22527384" y="10340854"/>
+            <a:ext cx="276845" cy="2"/>
+          </a:xfrm>
+          <a:prstGeom prst="line">
+            <a:avLst/>
+          </a:prstGeom>
+          <a:ln w="19050">
+            <a:solidFill>
+              <a:srgbClr val="FF0000"/>
+            </a:solidFill>
+          </a:ln>
+        </p:spPr>
+        <p:style>
+          <a:lnRef idx="1">
+            <a:schemeClr val="accent1"/>
+          </a:lnRef>
+          <a:fillRef idx="0">
+            <a:schemeClr val="accent1"/>
+          </a:fillRef>
+          <a:effectRef idx="0">
+            <a:schemeClr val="accent1"/>
+          </a:effectRef>
+          <a:fontRef idx="minor">
+            <a:schemeClr val="tx1"/>
+          </a:fontRef>
+        </p:style>
+      </p:cxnSp>
+      <p:cxnSp>
+        <p:nvCxnSpPr>
+          <p:cNvPr id="316" name="Соединительная линия уступом 595">
+            <a:extLst>
+              <a:ext uri="{FF2B5EF4-FFF2-40B4-BE49-F238E27FC236}">
+                <a16:creationId xmlns:a16="http://schemas.microsoft.com/office/drawing/2014/main" id="{17B9F542-5C37-4FD0-A934-886174FC99AA}"/>
+              </a:ext>
+            </a:extLst>
+          </p:cNvPr>
+          <p:cNvCxnSpPr>
+            <a:cxnSpLocks/>
+            <a:stCxn id="281" idx="2"/>
+            <a:endCxn id="298" idx="0"/>
+          </p:cNvCxnSpPr>
+          <p:nvPr/>
+        </p:nvCxnSpPr>
+        <p:spPr>
+          <a:xfrm rot="16200000" flipH="1">
+            <a:off x="21654079" y="9660712"/>
+            <a:ext cx="254373" cy="565914"/>
+          </a:xfrm>
+          <a:prstGeom prst="bentConnector3">
+            <a:avLst>
+              <a:gd name="adj1" fmla="val 50000"/>
+            </a:avLst>
+          </a:prstGeom>
+          <a:ln w="19050">
+            <a:prstDash val="dash"/>
+            <a:tailEnd type="arrow"/>
+          </a:ln>
+        </p:spPr>
+        <p:style>
+          <a:lnRef idx="1">
+            <a:schemeClr val="accent1"/>
+          </a:lnRef>
+          <a:fillRef idx="0">
+            <a:schemeClr val="accent1"/>
+          </a:fillRef>
+          <a:effectRef idx="0">
+            <a:schemeClr val="accent1"/>
+          </a:effectRef>
+          <a:fontRef idx="minor">
+            <a:schemeClr val="tx1"/>
+          </a:fontRef>
+        </p:style>
+      </p:cxnSp>
+      <p:cxnSp>
+        <p:nvCxnSpPr>
+          <p:cNvPr id="317" name="Соединительная линия уступом 595">
+            <a:extLst>
+              <a:ext uri="{FF2B5EF4-FFF2-40B4-BE49-F238E27FC236}">
+                <a16:creationId xmlns:a16="http://schemas.microsoft.com/office/drawing/2014/main" id="{EA6F827D-6623-4E2D-88D1-21761465C825}"/>
+              </a:ext>
+            </a:extLst>
+          </p:cNvPr>
+          <p:cNvCxnSpPr>
+            <a:cxnSpLocks/>
+            <a:stCxn id="255" idx="2"/>
+            <a:endCxn id="298" idx="0"/>
+          </p:cNvCxnSpPr>
+          <p:nvPr/>
+        </p:nvCxnSpPr>
+        <p:spPr>
+          <a:xfrm rot="5400000">
+            <a:off x="22227430" y="9654368"/>
+            <a:ext cx="253280" cy="579696"/>
+          </a:xfrm>
+          <a:prstGeom prst="bentConnector3">
+            <a:avLst>
+              <a:gd name="adj1" fmla="val 50000"/>
+            </a:avLst>
+          </a:prstGeom>
+          <a:ln w="19050">
+            <a:prstDash val="dash"/>
+            <a:tailEnd type="arrow"/>
+          </a:ln>
+        </p:spPr>
+        <p:style>
+          <a:lnRef idx="1">
+            <a:schemeClr val="accent1"/>
+          </a:lnRef>
+          <a:fillRef idx="0">
+            <a:schemeClr val="accent1"/>
+          </a:fillRef>
+          <a:effectRef idx="0">
+            <a:schemeClr val="accent1"/>
+          </a:effectRef>
+          <a:fontRef idx="minor">
+            <a:schemeClr val="tx1"/>
+          </a:fontRef>
+        </p:style>
+      </p:cxnSp>
+      <p:cxnSp>
+        <p:nvCxnSpPr>
+          <p:cNvPr id="323" name="Соединительная линия уступом 620">
+            <a:extLst>
+              <a:ext uri="{FF2B5EF4-FFF2-40B4-BE49-F238E27FC236}">
+                <a16:creationId xmlns:a16="http://schemas.microsoft.com/office/drawing/2014/main" id="{FE2DBB2C-AD2D-4EF8-82BD-4857D88BCB47}"/>
+              </a:ext>
+            </a:extLst>
+          </p:cNvPr>
+          <p:cNvCxnSpPr>
+            <a:cxnSpLocks/>
+            <a:stCxn id="164" idx="2"/>
+            <a:endCxn id="292" idx="0"/>
+          </p:cNvCxnSpPr>
+          <p:nvPr/>
+        </p:nvCxnSpPr>
+        <p:spPr>
+          <a:xfrm rot="5400000">
+            <a:off x="23324499" y="8982567"/>
+            <a:ext cx="1031180" cy="1145394"/>
+          </a:xfrm>
+          <a:prstGeom prst="bentConnector3">
+            <a:avLst>
+              <a:gd name="adj1" fmla="val 9953"/>
+            </a:avLst>
+          </a:prstGeom>
+          <a:ln w="19050">
+            <a:tailEnd type="arrow"/>
+          </a:ln>
+        </p:spPr>
+        <p:style>
+          <a:lnRef idx="1">
+            <a:schemeClr val="accent1"/>
+          </a:lnRef>
+          <a:fillRef idx="0">
+            <a:schemeClr val="accent1"/>
+          </a:fillRef>
+          <a:effectRef idx="0">
+            <a:schemeClr val="accent1"/>
+          </a:effectRef>
+          <a:fontRef idx="minor">
+            <a:schemeClr val="tx1"/>
+          </a:fontRef>
+        </p:style>
+      </p:cxnSp>
+      <p:sp>
+        <p:nvSpPr>
+          <p:cNvPr id="325" name="Прямоугольник 324">
+            <a:extLst>
+              <a:ext uri="{FF2B5EF4-FFF2-40B4-BE49-F238E27FC236}">
+                <a16:creationId xmlns:a16="http://schemas.microsoft.com/office/drawing/2014/main" id="{D8D2E24E-786E-46D3-A5A8-8381FB3DAA16}"/>
+              </a:ext>
+            </a:extLst>
+          </p:cNvPr>
+          <p:cNvSpPr/>
+          <p:nvPr/>
+        </p:nvSpPr>
+        <p:spPr>
+          <a:xfrm>
+            <a:off x="22804382" y="7699565"/>
+            <a:ext cx="926325" cy="540000"/>
+          </a:xfrm>
+          <a:prstGeom prst="rect">
+            <a:avLst/>
+          </a:prstGeom>
+          <a:solidFill>
+            <a:schemeClr val="accent6">
+              <a:lumMod val="60000"/>
+              <a:lumOff val="40000"/>
+            </a:schemeClr>
+          </a:solidFill>
+          <a:ln w="19050"/>
+        </p:spPr>
+        <p:style>
+          <a:lnRef idx="2">
+            <a:schemeClr val="accent1"/>
+          </a:lnRef>
+          <a:fillRef idx="1">
+            <a:schemeClr val="lt1"/>
+          </a:fillRef>
+          <a:effectRef idx="0">
+            <a:schemeClr val="accent1"/>
+          </a:effectRef>
+          <a:fontRef idx="minor">
+            <a:schemeClr val="dk1"/>
+          </a:fontRef>
+        </p:style>
+        <p:txBody>
+          <a:bodyPr lIns="124733" tIns="62367" rIns="124733" bIns="62367" rtlCol="0" anchor="ctr"/>
+          <a:lstStyle/>
+          <a:p>
+            <a:pPr algn="ctr"/>
+            <a:r>
+              <a:rPr lang="ru-RU" sz="700" dirty="0"/>
+              <a:t>Заключить союз с правыми партиями </a:t>
+            </a:r>
+            <a:br>
+              <a:rPr lang="ru-RU" sz="700" dirty="0"/>
+            </a:br>
+            <a:r>
+              <a:rPr lang="ru-RU" sz="200" dirty="0"/>
+              <a:t>(Окончательное поражение Народного фронта произошло в </a:t>
+            </a:r>
+            <a:r>
+              <a:rPr lang="ru-RU" sz="200" dirty="0" err="1"/>
+              <a:t>сентябре.декабрь</a:t>
+            </a:r>
+            <a:r>
+              <a:rPr lang="ru-RU" sz="200" dirty="0"/>
+              <a:t> 1938 </a:t>
+            </a:r>
+            <a:r>
+              <a:rPr lang="ru-RU" sz="200" dirty="0" err="1"/>
+              <a:t>г.с</a:t>
+            </a:r>
+            <a:r>
+              <a:rPr lang="ru-RU" sz="200" dirty="0"/>
+              <a:t> приходом к власти Эдуарда Даладье , который объединился с правыми, а не с </a:t>
+            </a:r>
+            <a:r>
+              <a:rPr lang="ru-RU" sz="200" dirty="0" err="1"/>
+              <a:t>СФИО.Очень</a:t>
+            </a:r>
+            <a:r>
+              <a:rPr lang="ru-RU" sz="200" dirty="0"/>
+              <a:t> привязанная к частной собственности и секуляризму , сторонница таможенного режима свободной торговли, она стала промежуточной партией между левыми и правыми , способной вступить в союз с социалистами или консерваторами в зависимости от обстоятельств.)</a:t>
+            </a:r>
+            <a:endParaRPr lang="ru-RU" sz="700" dirty="0"/>
+          </a:p>
+        </p:txBody>
+      </p:sp>
+      <p:cxnSp>
+        <p:nvCxnSpPr>
+          <p:cNvPr id="335" name="Прямая со стрелкой 334">
+            <a:extLst>
+              <a:ext uri="{FF2B5EF4-FFF2-40B4-BE49-F238E27FC236}">
+                <a16:creationId xmlns:a16="http://schemas.microsoft.com/office/drawing/2014/main" id="{0F6079AB-2B6A-48BA-A6B2-6CBB1793EA6D}"/>
+              </a:ext>
+            </a:extLst>
+          </p:cNvPr>
+          <p:cNvCxnSpPr>
+            <a:cxnSpLocks/>
+            <a:stCxn id="325" idx="2"/>
+            <a:endCxn id="292" idx="0"/>
+          </p:cNvCxnSpPr>
+          <p:nvPr/>
+        </p:nvCxnSpPr>
+        <p:spPr>
+          <a:xfrm flipH="1">
+            <a:off x="23267392" y="8239565"/>
+            <a:ext cx="153" cy="1831289"/>
+          </a:xfrm>
+          <a:prstGeom prst="straightConnector1">
+            <a:avLst/>
+          </a:prstGeom>
+          <a:ln w="19050">
+            <a:tailEnd type="arrow"/>
+          </a:ln>
+        </p:spPr>
+        <p:style>
+          <a:lnRef idx="1">
+            <a:schemeClr val="accent1"/>
+          </a:lnRef>
+          <a:fillRef idx="0">
+            <a:schemeClr val="accent1"/>
+          </a:fillRef>
+          <a:effectRef idx="0">
+            <a:schemeClr val="accent1"/>
+          </a:effectRef>
+          <a:fontRef idx="minor">
+            <a:schemeClr val="tx1"/>
+          </a:fontRef>
+        </p:style>
+      </p:cxnSp>
+      <p:sp>
+        <p:nvSpPr>
+          <p:cNvPr id="338" name="Прямоугольник 337">
+            <a:extLst>
+              <a:ext uri="{FF2B5EF4-FFF2-40B4-BE49-F238E27FC236}">
+                <a16:creationId xmlns:a16="http://schemas.microsoft.com/office/drawing/2014/main" id="{039B1A31-9DF9-40D7-94C8-51A7F5763C6E}"/>
+              </a:ext>
+            </a:extLst>
+          </p:cNvPr>
+          <p:cNvSpPr/>
+          <p:nvPr/>
+        </p:nvSpPr>
+        <p:spPr>
+          <a:xfrm>
+            <a:off x="22804229" y="6139486"/>
+            <a:ext cx="926325" cy="540000"/>
+          </a:xfrm>
+          <a:prstGeom prst="rect">
+            <a:avLst/>
+          </a:prstGeom>
+          <a:solidFill>
+            <a:schemeClr val="accent6">
+              <a:lumMod val="60000"/>
+              <a:lumOff val="40000"/>
+            </a:schemeClr>
+          </a:solidFill>
+          <a:ln w="19050"/>
+        </p:spPr>
+        <p:style>
+          <a:lnRef idx="2">
+            <a:schemeClr val="accent1"/>
+          </a:lnRef>
+          <a:fillRef idx="1">
+            <a:schemeClr val="lt1"/>
+          </a:fillRef>
+          <a:effectRef idx="0">
+            <a:schemeClr val="accent1"/>
+          </a:effectRef>
+          <a:fontRef idx="minor">
+            <a:schemeClr val="dk1"/>
+          </a:fontRef>
+        </p:style>
+        <p:txBody>
+          <a:bodyPr lIns="124733" tIns="62367" rIns="124733" bIns="62367" rtlCol="0" anchor="ctr"/>
+          <a:lstStyle/>
+          <a:p>
+            <a:pPr algn="ctr"/>
+            <a:r>
+              <a:rPr lang="ru-RU" sz="700" dirty="0"/>
+              <a:t>Объявить ВКТ вне закона</a:t>
+            </a:r>
+          </a:p>
+        </p:txBody>
+      </p:sp>
+      <p:sp>
+        <p:nvSpPr>
+          <p:cNvPr id="339" name="Прямоугольник 338">
+            <a:extLst>
+              <a:ext uri="{FF2B5EF4-FFF2-40B4-BE49-F238E27FC236}">
+                <a16:creationId xmlns:a16="http://schemas.microsoft.com/office/drawing/2014/main" id="{22906412-85F8-4C4C-9CA2-1C755ECC0F70}"/>
+              </a:ext>
+            </a:extLst>
+          </p:cNvPr>
+          <p:cNvSpPr/>
+          <p:nvPr/>
+        </p:nvSpPr>
+        <p:spPr>
+          <a:xfrm>
+            <a:off x="23383710" y="6911975"/>
+            <a:ext cx="926325" cy="540000"/>
+          </a:xfrm>
+          <a:prstGeom prst="rect">
+            <a:avLst/>
+          </a:prstGeom>
+          <a:solidFill>
+            <a:schemeClr val="accent6">
+              <a:lumMod val="60000"/>
+              <a:lumOff val="40000"/>
+            </a:schemeClr>
+          </a:solidFill>
+          <a:ln w="19050"/>
+        </p:spPr>
+        <p:style>
+          <a:lnRef idx="2">
+            <a:schemeClr val="accent1"/>
+          </a:lnRef>
+          <a:fillRef idx="1">
+            <a:schemeClr val="lt1"/>
+          </a:fillRef>
+          <a:effectRef idx="0">
+            <a:schemeClr val="accent1"/>
+          </a:effectRef>
+          <a:fontRef idx="minor">
+            <a:schemeClr val="dk1"/>
+          </a:fontRef>
+        </p:style>
+        <p:txBody>
+          <a:bodyPr lIns="124733" tIns="62367" rIns="124733" bIns="62367" rtlCol="0" anchor="ctr"/>
+          <a:lstStyle/>
+          <a:p>
+            <a:pPr algn="ctr"/>
+            <a:r>
+              <a:rPr lang="ru-RU" sz="700" dirty="0"/>
+              <a:t>Реформы </a:t>
+            </a:r>
+            <a:r>
+              <a:rPr lang="ru-RU" sz="700" dirty="0" err="1"/>
+              <a:t>Рейно</a:t>
+            </a:r>
+            <a:r>
+              <a:rPr lang="ru-RU" sz="700" dirty="0"/>
+              <a:t> </a:t>
+            </a:r>
+            <a:r>
+              <a:rPr lang="ru-RU" sz="100" dirty="0"/>
+              <a:t>(Несмотря на столкновения с ведущими политиками, </a:t>
+            </a:r>
+            <a:r>
+              <a:rPr lang="ru-RU" sz="100" dirty="0" err="1"/>
+              <a:t>Рейно</a:t>
+            </a:r>
+            <a:r>
+              <a:rPr lang="ru-RU" sz="100" dirty="0"/>
+              <a:t> мечтал занять должность министра финансов. Он был сторонником радикально-либеральной экономической политики, которая, по его мнению, позволила бы вывести французскую экономику из застоя. Он предлагал отказаться от избыточной государственной регулировки, в том числе отказаться от 40-часовой рабочей недели[7]. Понятие «дерегуляция» было очень популярным среди французских предпринимателей, и </a:t>
+            </a:r>
+            <a:r>
+              <a:rPr lang="ru-RU" sz="100" dirty="0" err="1"/>
+              <a:t>Рейно</a:t>
+            </a:r>
+            <a:r>
+              <a:rPr lang="ru-RU" sz="100" dirty="0"/>
+              <a:t> считал, что дерегуляция — лучший способ для Франции вернуть доверие инвесторов. Правительство Л. Блюма пало в 1938 году в результате попыток Блюма расширить регулирующие полномочия правительства; во Франции созрела широкая поддержка альтернативных подходов, подобных тому, сторонником которого был </a:t>
+            </a:r>
+            <a:r>
+              <a:rPr lang="ru-RU" sz="100" dirty="0" err="1"/>
+              <a:t>Рейно.Поль</a:t>
+            </a:r>
+            <a:r>
+              <a:rPr lang="ru-RU" sz="100" dirty="0"/>
+              <a:t> </a:t>
+            </a:r>
+            <a:r>
+              <a:rPr lang="ru-RU" sz="100" dirty="0" err="1"/>
+              <a:t>Маршандо</a:t>
+            </a:r>
+            <a:r>
+              <a:rPr lang="ru-RU" sz="100" dirty="0"/>
+              <a:t>, которого Даладье первоначально назначил министром финансов, предложил умеренную программу экономических реформ, которая не удовлетворила Даладье. </a:t>
+            </a:r>
+            <a:r>
+              <a:rPr lang="ru-RU" sz="100" dirty="0" err="1"/>
+              <a:t>Рейно</a:t>
+            </a:r>
+            <a:r>
+              <a:rPr lang="ru-RU" sz="100" dirty="0"/>
+              <a:t> и Даладье обменялись министерскими портфелями, в результате чего </a:t>
+            </a:r>
+            <a:r>
+              <a:rPr lang="ru-RU" sz="100" dirty="0" err="1"/>
+              <a:t>Рейно</a:t>
+            </a:r>
+            <a:r>
+              <a:rPr lang="ru-RU" sz="100" dirty="0"/>
+              <a:t> удачно осуществил свои радикальные либеральные экономические реформы. Благодаря успеху реформ правительство выдержало кратковременное жёсткое противостояние с оппозицией. </a:t>
+            </a:r>
+            <a:r>
+              <a:rPr lang="ru-RU" sz="100" dirty="0" err="1"/>
+              <a:t>Рейно</a:t>
+            </a:r>
+            <a:r>
+              <a:rPr lang="ru-RU" sz="100" dirty="0"/>
+              <a:t> обратился напрямую к деловому миру Франции: «Мы живём в капиталистической системе. Чтобы она функционировала, мы должны соблюдать законы. Есть законы прибыли, индивидуального риска, свободных рынков и роста через конкуренцию»[8].Реформы </a:t>
+            </a:r>
+            <a:r>
+              <a:rPr lang="ru-RU" sz="100" dirty="0" err="1"/>
+              <a:t>Рейно</a:t>
+            </a:r>
+            <a:r>
+              <a:rPr lang="ru-RU" sz="100" dirty="0"/>
+              <a:t> оказались исключительно успешными; была внедрена программа строгой экономии (хотя расходы на вооружение не были сокращены), в связи с чем французские запасы возросли с 37 млрд франков в сентябре 1938 г. до 48 млрд франков год спустя, накануне войны. Более важен тот факт, что промышленное производство Франции подскочило от 76 % до 100 % (за эталон принят уровень 1929 г.) с октября 1938 по май 1939 года[9]. К началу войны, однако, </a:t>
+            </a:r>
+            <a:r>
+              <a:rPr lang="ru-RU" sz="100" dirty="0" err="1"/>
+              <a:t>Рейно</a:t>
+            </a:r>
+            <a:r>
+              <a:rPr lang="ru-RU" sz="100" dirty="0"/>
+              <a:t> не стремился добиться роста французской экономики любой ценой; он считал, что излишний прирост расходов перед войной сыграет пагубную роль для французской экономики.)</a:t>
+            </a:r>
+            <a:endParaRPr lang="ru-RU" sz="700" dirty="0"/>
+          </a:p>
+        </p:txBody>
+      </p:sp>
+      <p:sp>
+        <p:nvSpPr>
+          <p:cNvPr id="341" name="Прямоугольник 340">
+            <a:extLst>
+              <a:ext uri="{FF2B5EF4-FFF2-40B4-BE49-F238E27FC236}">
+                <a16:creationId xmlns:a16="http://schemas.microsoft.com/office/drawing/2014/main" id="{B8D98E45-8B47-492C-A591-277A37E8B5E3}"/>
+              </a:ext>
+            </a:extLst>
+          </p:cNvPr>
+          <p:cNvSpPr/>
+          <p:nvPr/>
+        </p:nvSpPr>
+        <p:spPr>
+          <a:xfrm>
+            <a:off x="23383710" y="5334300"/>
+            <a:ext cx="926325" cy="540000"/>
+          </a:xfrm>
+          <a:prstGeom prst="rect">
+            <a:avLst/>
+          </a:prstGeom>
+          <a:solidFill>
+            <a:schemeClr val="accent6">
+              <a:lumMod val="60000"/>
+              <a:lumOff val="40000"/>
+            </a:schemeClr>
+          </a:solidFill>
+          <a:ln w="19050"/>
+        </p:spPr>
+        <p:style>
+          <a:lnRef idx="2">
+            <a:schemeClr val="accent1"/>
+          </a:lnRef>
+          <a:fillRef idx="1">
+            <a:schemeClr val="lt1"/>
+          </a:fillRef>
+          <a:effectRef idx="0">
+            <a:schemeClr val="accent1"/>
+          </a:effectRef>
+          <a:fontRef idx="minor">
+            <a:schemeClr val="dk1"/>
+          </a:fontRef>
+        </p:style>
+        <p:txBody>
+          <a:bodyPr lIns="124733" tIns="62367" rIns="124733" bIns="62367" rtlCol="0" anchor="ctr"/>
+          <a:lstStyle/>
+          <a:p>
+            <a:pPr algn="ctr"/>
+            <a:r>
+              <a:rPr lang="ru-RU" sz="800" dirty="0"/>
+              <a:t>Заручиться поддержкой двухсот семей </a:t>
+            </a:r>
+            <a:r>
+              <a:rPr lang="ru-RU" sz="200" dirty="0"/>
+              <a:t>(Во время радикального конгресса в Нанте в 1934 году он выдвинул тему « Двести семей », подхваченную крайне правыми и коммунистами ( «Двести семей — хозяева французской экономики и, по сути, французской политики». ).)</a:t>
+            </a:r>
+            <a:endParaRPr lang="ru-RU" sz="800" dirty="0"/>
+          </a:p>
+        </p:txBody>
+      </p:sp>
+      <p:cxnSp>
+        <p:nvCxnSpPr>
+          <p:cNvPr id="342" name="Соединительная линия уступом 620">
+            <a:extLst>
+              <a:ext uri="{FF2B5EF4-FFF2-40B4-BE49-F238E27FC236}">
+                <a16:creationId xmlns:a16="http://schemas.microsoft.com/office/drawing/2014/main" id="{AAA93477-EE0A-418B-B2F0-57D36BD451FE}"/>
+              </a:ext>
+            </a:extLst>
+          </p:cNvPr>
+          <p:cNvCxnSpPr>
+            <a:cxnSpLocks/>
+            <a:stCxn id="133" idx="2"/>
+            <a:endCxn id="174" idx="0"/>
+          </p:cNvCxnSpPr>
+          <p:nvPr/>
+        </p:nvCxnSpPr>
+        <p:spPr>
+          <a:xfrm rot="5400000">
+            <a:off x="22833202" y="4898854"/>
+            <a:ext cx="247594" cy="626161"/>
+          </a:xfrm>
+          <a:prstGeom prst="bentConnector3">
+            <a:avLst>
+              <a:gd name="adj1" fmla="val 50000"/>
+            </a:avLst>
+          </a:prstGeom>
+          <a:ln w="19050">
+            <a:tailEnd type="arrow"/>
+          </a:ln>
+        </p:spPr>
+        <p:style>
+          <a:lnRef idx="1">
+            <a:schemeClr val="accent1"/>
+          </a:lnRef>
+          <a:fillRef idx="0">
+            <a:schemeClr val="accent1"/>
+          </a:fillRef>
+          <a:effectRef idx="0">
+            <a:schemeClr val="accent1"/>
+          </a:effectRef>
+          <a:fontRef idx="minor">
+            <a:schemeClr val="tx1"/>
+          </a:fontRef>
+        </p:style>
+      </p:cxnSp>
+      <p:cxnSp>
+        <p:nvCxnSpPr>
+          <p:cNvPr id="344" name="Прямая со стрелкой 343">
+            <a:extLst>
+              <a:ext uri="{FF2B5EF4-FFF2-40B4-BE49-F238E27FC236}">
+                <a16:creationId xmlns:a16="http://schemas.microsoft.com/office/drawing/2014/main" id="{B60AFE74-C094-431C-B59B-9475B2D0CB89}"/>
+              </a:ext>
+            </a:extLst>
+          </p:cNvPr>
+          <p:cNvCxnSpPr>
+            <a:cxnSpLocks/>
+            <a:stCxn id="338" idx="2"/>
+            <a:endCxn id="325" idx="0"/>
+          </p:cNvCxnSpPr>
+          <p:nvPr/>
+        </p:nvCxnSpPr>
+        <p:spPr>
+          <a:xfrm>
+            <a:off x="23267392" y="6679486"/>
+            <a:ext cx="153" cy="1020079"/>
+          </a:xfrm>
+          <a:prstGeom prst="straightConnector1">
+            <a:avLst/>
+          </a:prstGeom>
+          <a:ln w="19050">
+            <a:tailEnd type="arrow"/>
+          </a:ln>
+        </p:spPr>
+        <p:style>
+          <a:lnRef idx="1">
+            <a:schemeClr val="accent1"/>
+          </a:lnRef>
+          <a:fillRef idx="0">
+            <a:schemeClr val="accent1"/>
+          </a:fillRef>
+          <a:effectRef idx="0">
+            <a:schemeClr val="accent1"/>
+          </a:effectRef>
+          <a:fontRef idx="minor">
+            <a:schemeClr val="tx1"/>
+          </a:fontRef>
+        </p:style>
+      </p:cxnSp>
+      <p:cxnSp>
+        <p:nvCxnSpPr>
+          <p:cNvPr id="353" name="Соединительная линия уступом 620">
+            <a:extLst>
+              <a:ext uri="{FF2B5EF4-FFF2-40B4-BE49-F238E27FC236}">
+                <a16:creationId xmlns:a16="http://schemas.microsoft.com/office/drawing/2014/main" id="{697133AB-F3D7-45F0-A24C-FD3E360A4A53}"/>
+              </a:ext>
+            </a:extLst>
+          </p:cNvPr>
+          <p:cNvCxnSpPr>
+            <a:cxnSpLocks/>
+            <a:stCxn id="133" idx="2"/>
+            <a:endCxn id="341" idx="0"/>
+          </p:cNvCxnSpPr>
+          <p:nvPr/>
+        </p:nvCxnSpPr>
+        <p:spPr>
+          <a:xfrm rot="16200000" flipH="1">
+            <a:off x="23435395" y="4922821"/>
+            <a:ext cx="246163" cy="576794"/>
+          </a:xfrm>
+          <a:prstGeom prst="bentConnector3">
+            <a:avLst>
+              <a:gd name="adj1" fmla="val 50000"/>
+            </a:avLst>
+          </a:prstGeom>
+          <a:ln w="19050">
+            <a:tailEnd type="arrow"/>
+          </a:ln>
+        </p:spPr>
+        <p:style>
+          <a:lnRef idx="1">
+            <a:schemeClr val="accent1"/>
+          </a:lnRef>
+          <a:fillRef idx="0">
+            <a:schemeClr val="accent1"/>
+          </a:fillRef>
+          <a:effectRef idx="0">
+            <a:schemeClr val="accent1"/>
+          </a:effectRef>
+          <a:fontRef idx="minor">
+            <a:schemeClr val="tx1"/>
+          </a:fontRef>
+        </p:style>
+      </p:cxnSp>
+      <p:cxnSp>
+        <p:nvCxnSpPr>
+          <p:cNvPr id="357" name="Прямая со стрелкой 356">
+            <a:extLst>
+              <a:ext uri="{FF2B5EF4-FFF2-40B4-BE49-F238E27FC236}">
+                <a16:creationId xmlns:a16="http://schemas.microsoft.com/office/drawing/2014/main" id="{BAAA2F89-91A6-4DB2-AA17-EEC23CC98086}"/>
+              </a:ext>
+            </a:extLst>
+          </p:cNvPr>
+          <p:cNvCxnSpPr>
+            <a:cxnSpLocks/>
+            <a:stCxn id="133" idx="2"/>
+            <a:endCxn id="338" idx="0"/>
+          </p:cNvCxnSpPr>
+          <p:nvPr/>
+        </p:nvCxnSpPr>
+        <p:spPr>
+          <a:xfrm flipH="1">
+            <a:off x="23267392" y="5088137"/>
+            <a:ext cx="2687" cy="1051349"/>
+          </a:xfrm>
+          <a:prstGeom prst="straightConnector1">
+            <a:avLst/>
+          </a:prstGeom>
+          <a:ln w="19050">
+            <a:tailEnd type="arrow"/>
+          </a:ln>
+        </p:spPr>
+        <p:style>
+          <a:lnRef idx="1">
+            <a:schemeClr val="accent1"/>
+          </a:lnRef>
+          <a:fillRef idx="0">
+            <a:schemeClr val="accent1"/>
+          </a:fillRef>
+          <a:effectRef idx="0">
+            <a:schemeClr val="accent1"/>
+          </a:effectRef>
+          <a:fontRef idx="minor">
+            <a:schemeClr val="tx1"/>
+          </a:fontRef>
+        </p:style>
+      </p:cxnSp>
+      <p:cxnSp>
+        <p:nvCxnSpPr>
+          <p:cNvPr id="369" name="Прямая со стрелкой 368">
+            <a:extLst>
+              <a:ext uri="{FF2B5EF4-FFF2-40B4-BE49-F238E27FC236}">
+                <a16:creationId xmlns:a16="http://schemas.microsoft.com/office/drawing/2014/main" id="{CD91A577-6B59-420D-AE2C-A596614BEB27}"/>
+              </a:ext>
+            </a:extLst>
+          </p:cNvPr>
+          <p:cNvCxnSpPr>
+            <a:cxnSpLocks/>
+            <a:stCxn id="341" idx="2"/>
+            <a:endCxn id="339" idx="0"/>
+          </p:cNvCxnSpPr>
+          <p:nvPr/>
+        </p:nvCxnSpPr>
+        <p:spPr>
+          <a:xfrm>
+            <a:off x="23846873" y="5874300"/>
+            <a:ext cx="0" cy="1037675"/>
+          </a:xfrm>
+          <a:prstGeom prst="straightConnector1">
+            <a:avLst/>
+          </a:prstGeom>
+          <a:ln w="19050">
+            <a:tailEnd type="arrow"/>
+          </a:ln>
+        </p:spPr>
+        <p:style>
+          <a:lnRef idx="1">
+            <a:schemeClr val="accent1"/>
+          </a:lnRef>
+          <a:fillRef idx="0">
+            <a:schemeClr val="accent1"/>
+          </a:fillRef>
+          <a:effectRef idx="0">
+            <a:schemeClr val="accent1"/>
+          </a:effectRef>
+          <a:fontRef idx="minor">
+            <a:schemeClr val="tx1"/>
+          </a:fontRef>
+        </p:style>
+      </p:cxnSp>
+      <p:sp>
+        <p:nvSpPr>
+          <p:cNvPr id="373" name="Прямоугольник 372">
+            <a:extLst>
+              <a:ext uri="{FF2B5EF4-FFF2-40B4-BE49-F238E27FC236}">
+                <a16:creationId xmlns:a16="http://schemas.microsoft.com/office/drawing/2014/main" id="{4BD6CA6D-59EF-4285-8DB8-9D3DF4AF062D}"/>
+              </a:ext>
+            </a:extLst>
+          </p:cNvPr>
+          <p:cNvSpPr/>
+          <p:nvPr/>
+        </p:nvSpPr>
+        <p:spPr>
+          <a:xfrm>
+            <a:off x="21599619" y="10847680"/>
+            <a:ext cx="926325" cy="540000"/>
+          </a:xfrm>
+          <a:prstGeom prst="rect">
+            <a:avLst/>
+          </a:prstGeom>
+          <a:solidFill>
+            <a:schemeClr val="accent1">
+              <a:lumMod val="60000"/>
+              <a:lumOff val="40000"/>
+            </a:schemeClr>
+          </a:solidFill>
+          <a:ln w="19050"/>
+        </p:spPr>
+        <p:style>
+          <a:lnRef idx="2">
+            <a:schemeClr val="accent1"/>
+          </a:lnRef>
+          <a:fillRef idx="1">
+            <a:schemeClr val="lt1"/>
+          </a:fillRef>
+          <a:effectRef idx="0">
+            <a:schemeClr val="accent1"/>
+          </a:effectRef>
+          <a:fontRef idx="minor">
+            <a:schemeClr val="dk1"/>
+          </a:fontRef>
+        </p:style>
+        <p:txBody>
+          <a:bodyPr lIns="124733" tIns="62367" rIns="124733" bIns="62367" rtlCol="0" anchor="ctr"/>
+          <a:lstStyle/>
+          <a:p>
+            <a:pPr algn="ctr"/>
+            <a:r>
+              <a:rPr lang="ru-RU" sz="700" dirty="0"/>
+              <a:t>Объединить правительство народного фронта</a:t>
+            </a:r>
+          </a:p>
+        </p:txBody>
+      </p:sp>
+      <p:sp>
+        <p:nvSpPr>
+          <p:cNvPr id="374" name="Прямоугольник 373">
+            <a:extLst>
+              <a:ext uri="{FF2B5EF4-FFF2-40B4-BE49-F238E27FC236}">
+                <a16:creationId xmlns:a16="http://schemas.microsoft.com/office/drawing/2014/main" id="{31D3CB84-76C9-4864-9105-062CA9BFE297}"/>
+              </a:ext>
+            </a:extLst>
+          </p:cNvPr>
+          <p:cNvSpPr/>
+          <p:nvPr/>
+        </p:nvSpPr>
+        <p:spPr>
+          <a:xfrm>
+            <a:off x="22807110" y="10847680"/>
+            <a:ext cx="926325" cy="540000"/>
+          </a:xfrm>
+          <a:prstGeom prst="rect">
+            <a:avLst/>
+          </a:prstGeom>
+          <a:solidFill>
+            <a:schemeClr val="accent6">
+              <a:lumMod val="60000"/>
+              <a:lumOff val="40000"/>
+            </a:schemeClr>
+          </a:solidFill>
+          <a:ln w="19050"/>
+        </p:spPr>
+        <p:style>
+          <a:lnRef idx="2">
+            <a:schemeClr val="accent1"/>
+          </a:lnRef>
+          <a:fillRef idx="1">
+            <a:schemeClr val="lt1"/>
+          </a:fillRef>
+          <a:effectRef idx="0">
+            <a:schemeClr val="accent1"/>
+          </a:effectRef>
+          <a:fontRef idx="minor">
+            <a:schemeClr val="dk1"/>
+          </a:fontRef>
+        </p:style>
+        <p:txBody>
+          <a:bodyPr lIns="124733" tIns="62367" rIns="124733" bIns="62367" rtlCol="0" anchor="ctr"/>
+          <a:lstStyle/>
+          <a:p>
+            <a:pPr algn="ctr"/>
+            <a:r>
+              <a:rPr lang="ru-RU" sz="700" dirty="0"/>
+              <a:t>Оказать помощь Финляндии</a:t>
+            </a:r>
+            <a:br>
+              <a:rPr lang="ru-RU" sz="700" dirty="0"/>
+            </a:br>
+            <a:r>
+              <a:rPr lang="ru-RU" sz="200" dirty="0"/>
+              <a:t>Французские правые занимали двойственную позицию по отношению к войне в конце 1939 — начале 1940 гг., считая более значительной угрозой СССР[10]. Зимняя война между СССР и Финляндией в значительной мере сняла эту проблему; Даладье отказался послать помощь финнам, в то время как война с Германией продолжилась. Известие о советско-финском перемирии в марте 1940 г. заставило </a:t>
+            </a:r>
+            <a:r>
+              <a:rPr lang="ru-RU" sz="200" dirty="0" err="1"/>
+              <a:t>Фландена</a:t>
+            </a:r>
+            <a:r>
+              <a:rPr lang="ru-RU" sz="200" dirty="0"/>
+              <a:t> и Лаваля провести тайные заседания законодательного органа, который денонсировал действия Даладье; правительство пало 19 марта. Через два дня </a:t>
+            </a:r>
+            <a:r>
+              <a:rPr lang="ru-RU" sz="200" dirty="0" err="1"/>
+              <a:t>Рейно</a:t>
+            </a:r>
+            <a:r>
+              <a:rPr lang="ru-RU" sz="200" dirty="0"/>
+              <a:t> был назначен премьер-министром Франции.</a:t>
+            </a:r>
+            <a:endParaRPr lang="ru-RU" sz="700" dirty="0"/>
+          </a:p>
+        </p:txBody>
+      </p:sp>
+      <p:cxnSp>
+        <p:nvCxnSpPr>
+          <p:cNvPr id="375" name="Прямая со стрелкой 374">
+            <a:extLst>
+              <a:ext uri="{FF2B5EF4-FFF2-40B4-BE49-F238E27FC236}">
+                <a16:creationId xmlns:a16="http://schemas.microsoft.com/office/drawing/2014/main" id="{03BE9C6F-4E32-451C-8319-FB67E3055A4B}"/>
+              </a:ext>
+            </a:extLst>
+          </p:cNvPr>
+          <p:cNvCxnSpPr>
+            <a:cxnSpLocks/>
+            <a:stCxn id="292" idx="2"/>
+            <a:endCxn id="374" idx="0"/>
+          </p:cNvCxnSpPr>
+          <p:nvPr/>
+        </p:nvCxnSpPr>
+        <p:spPr>
+          <a:xfrm>
+            <a:off x="23267392" y="10610854"/>
+            <a:ext cx="2881" cy="236826"/>
+          </a:xfrm>
+          <a:prstGeom prst="straightConnector1">
+            <a:avLst/>
+          </a:prstGeom>
+          <a:ln w="19050">
+            <a:tailEnd type="arrow"/>
+          </a:ln>
+        </p:spPr>
+        <p:style>
+          <a:lnRef idx="1">
+            <a:schemeClr val="accent1"/>
+          </a:lnRef>
+          <a:fillRef idx="0">
+            <a:schemeClr val="accent1"/>
+          </a:fillRef>
+          <a:effectRef idx="0">
+            <a:schemeClr val="accent1"/>
+          </a:effectRef>
+          <a:fontRef idx="minor">
+            <a:schemeClr val="tx1"/>
+          </a:fontRef>
+        </p:style>
+      </p:cxnSp>
+      <p:cxnSp>
+        <p:nvCxnSpPr>
+          <p:cNvPr id="379" name="Прямая со стрелкой 378">
+            <a:extLst>
+              <a:ext uri="{FF2B5EF4-FFF2-40B4-BE49-F238E27FC236}">
+                <a16:creationId xmlns:a16="http://schemas.microsoft.com/office/drawing/2014/main" id="{62F5D9F9-5493-4334-BBE7-260DE148227F}"/>
+              </a:ext>
+            </a:extLst>
+          </p:cNvPr>
+          <p:cNvCxnSpPr>
+            <a:cxnSpLocks/>
+            <a:stCxn id="298" idx="2"/>
+            <a:endCxn id="373" idx="0"/>
+          </p:cNvCxnSpPr>
+          <p:nvPr/>
+        </p:nvCxnSpPr>
+        <p:spPr>
+          <a:xfrm flipH="1">
+            <a:off x="22062782" y="10610856"/>
+            <a:ext cx="1440" cy="236824"/>
+          </a:xfrm>
+          <a:prstGeom prst="straightConnector1">
+            <a:avLst/>
+          </a:prstGeom>
+          <a:ln w="19050">
+            <a:tailEnd type="arrow"/>
+          </a:ln>
+        </p:spPr>
+        <p:style>
+          <a:lnRef idx="1">
+            <a:schemeClr val="accent1"/>
+          </a:lnRef>
+          <a:fillRef idx="0">
+            <a:schemeClr val="accent1"/>
+          </a:fillRef>
+          <a:effectRef idx="0">
+            <a:schemeClr val="accent1"/>
+          </a:effectRef>
+          <a:fontRef idx="minor">
+            <a:schemeClr val="tx1"/>
+          </a:fontRef>
+        </p:style>
+      </p:cxnSp>
+      <p:cxnSp>
+        <p:nvCxnSpPr>
+          <p:cNvPr id="382" name="Соединительная линия уступом 620">
+            <a:extLst>
+              <a:ext uri="{FF2B5EF4-FFF2-40B4-BE49-F238E27FC236}">
+                <a16:creationId xmlns:a16="http://schemas.microsoft.com/office/drawing/2014/main" id="{B2F3393A-0BEF-40DB-9FE6-7E8E498FE346}"/>
+              </a:ext>
+            </a:extLst>
+          </p:cNvPr>
+          <p:cNvCxnSpPr>
+            <a:cxnSpLocks/>
+            <a:stCxn id="135" idx="2"/>
+            <a:endCxn id="252" idx="0"/>
+          </p:cNvCxnSpPr>
+          <p:nvPr/>
+        </p:nvCxnSpPr>
+        <p:spPr>
+          <a:xfrm rot="5400000">
+            <a:off x="18969588" y="5326509"/>
+            <a:ext cx="1041162" cy="567358"/>
+          </a:xfrm>
+          <a:prstGeom prst="bentConnector3">
+            <a:avLst>
+              <a:gd name="adj1" fmla="val 11754"/>
+            </a:avLst>
+          </a:prstGeom>
+          <a:ln w="19050">
+            <a:tailEnd type="arrow"/>
+          </a:ln>
+        </p:spPr>
+        <p:style>
+          <a:lnRef idx="1">
+            <a:schemeClr val="accent1"/>
+          </a:lnRef>
+          <a:fillRef idx="0">
+            <a:schemeClr val="accent1"/>
+          </a:fillRef>
+          <a:effectRef idx="0">
+            <a:schemeClr val="accent1"/>
+          </a:effectRef>
+          <a:fontRef idx="minor">
+            <a:schemeClr val="tx1"/>
+          </a:fontRef>
+        </p:style>
+      </p:cxnSp>
+      <p:sp>
+        <p:nvSpPr>
+          <p:cNvPr id="388" name="Прямоугольник 387">
+            <a:extLst>
+              <a:ext uri="{FF2B5EF4-FFF2-40B4-BE49-F238E27FC236}">
+                <a16:creationId xmlns:a16="http://schemas.microsoft.com/office/drawing/2014/main" id="{B7EF2F35-AE4B-437A-B750-6661419BBD66}"/>
+              </a:ext>
+            </a:extLst>
+          </p:cNvPr>
+          <p:cNvSpPr/>
+          <p:nvPr/>
+        </p:nvSpPr>
+        <p:spPr>
+          <a:xfrm>
+            <a:off x="18177412" y="6905493"/>
+            <a:ext cx="926325" cy="540000"/>
+          </a:xfrm>
+          <a:prstGeom prst="rect">
+            <a:avLst/>
+          </a:prstGeom>
+          <a:gradFill>
+            <a:gsLst>
+              <a:gs pos="0">
+                <a:schemeClr val="accent1">
+                  <a:lumMod val="60000"/>
+                  <a:lumOff val="40000"/>
+                </a:schemeClr>
+              </a:gs>
+              <a:gs pos="100000">
+                <a:schemeClr val="accent6">
+                  <a:lumMod val="60000"/>
+                  <a:lumOff val="40000"/>
+                </a:schemeClr>
+              </a:gs>
+            </a:gsLst>
+            <a:lin ang="5400000" scaled="1"/>
+          </a:gradFill>
+          <a:ln w="19050"/>
+        </p:spPr>
+        <p:style>
+          <a:lnRef idx="2">
+            <a:schemeClr val="accent1"/>
+          </a:lnRef>
+          <a:fillRef idx="1">
+            <a:schemeClr val="lt1"/>
+          </a:fillRef>
+          <a:effectRef idx="0">
+            <a:schemeClr val="accent1"/>
+          </a:effectRef>
+          <a:fontRef idx="minor">
+            <a:schemeClr val="dk1"/>
+          </a:fontRef>
+        </p:style>
+        <p:txBody>
+          <a:bodyPr lIns="124733" tIns="62367" rIns="124733" bIns="62367" rtlCol="0" anchor="ctr"/>
+          <a:lstStyle/>
+          <a:p>
+            <a:pPr algn="ctr"/>
+            <a:r>
+              <a:rPr lang="ru-RU" sz="700" dirty="0"/>
+              <a:t>Сближение с Великобританией</a:t>
+            </a:r>
+          </a:p>
+        </p:txBody>
+      </p:sp>
+      <p:cxnSp>
+        <p:nvCxnSpPr>
+          <p:cNvPr id="389" name="Прямая соединительная линия 388">
+            <a:extLst>
+              <a:ext uri="{FF2B5EF4-FFF2-40B4-BE49-F238E27FC236}">
+                <a16:creationId xmlns:a16="http://schemas.microsoft.com/office/drawing/2014/main" id="{7E27578F-0014-4A91-BF3F-A12DDE66D029}"/>
+              </a:ext>
+            </a:extLst>
+          </p:cNvPr>
+          <p:cNvCxnSpPr>
+            <a:cxnSpLocks/>
+            <a:stCxn id="313" idx="3"/>
+            <a:endCxn id="388" idx="1"/>
+          </p:cNvCxnSpPr>
+          <p:nvPr/>
+        </p:nvCxnSpPr>
+        <p:spPr>
+          <a:xfrm flipV="1">
+            <a:off x="17970621" y="7175493"/>
+            <a:ext cx="206791" cy="3041"/>
+          </a:xfrm>
+          <a:prstGeom prst="line">
+            <a:avLst/>
+          </a:prstGeom>
+          <a:ln w="19050">
+            <a:solidFill>
+              <a:srgbClr val="FF0000"/>
+            </a:solidFill>
+          </a:ln>
+        </p:spPr>
+        <p:style>
+          <a:lnRef idx="1">
+            <a:schemeClr val="accent1"/>
+          </a:lnRef>
+          <a:fillRef idx="0">
+            <a:schemeClr val="accent1"/>
+          </a:fillRef>
+          <a:effectRef idx="0">
+            <a:schemeClr val="accent1"/>
+          </a:effectRef>
+          <a:fontRef idx="minor">
+            <a:schemeClr val="tx1"/>
+          </a:fontRef>
+        </p:style>
+      </p:cxnSp>
+      <p:cxnSp>
+        <p:nvCxnSpPr>
+          <p:cNvPr id="392" name="Соединительная линия уступом 620">
+            <a:extLst>
+              <a:ext uri="{FF2B5EF4-FFF2-40B4-BE49-F238E27FC236}">
+                <a16:creationId xmlns:a16="http://schemas.microsoft.com/office/drawing/2014/main" id="{55642911-B8AF-49FD-A940-6D13780BB219}"/>
+              </a:ext>
+            </a:extLst>
+          </p:cNvPr>
+          <p:cNvCxnSpPr>
+            <a:cxnSpLocks/>
+            <a:stCxn id="306" idx="2"/>
+            <a:endCxn id="388" idx="0"/>
+          </p:cNvCxnSpPr>
+          <p:nvPr/>
+        </p:nvCxnSpPr>
+        <p:spPr>
+          <a:xfrm rot="16200000" flipH="1">
+            <a:off x="18237462" y="6502379"/>
+            <a:ext cx="240789" cy="565438"/>
+          </a:xfrm>
+          <a:prstGeom prst="bentConnector3">
+            <a:avLst>
+              <a:gd name="adj1" fmla="val 50000"/>
+            </a:avLst>
+          </a:prstGeom>
+          <a:ln w="19050">
+            <a:tailEnd type="arrow"/>
+          </a:ln>
+        </p:spPr>
+        <p:style>
+          <a:lnRef idx="1">
+            <a:schemeClr val="accent1"/>
+          </a:lnRef>
+          <a:fillRef idx="0">
+            <a:schemeClr val="accent1"/>
+          </a:fillRef>
+          <a:effectRef idx="0">
+            <a:schemeClr val="accent1"/>
+          </a:effectRef>
+          <a:fontRef idx="minor">
+            <a:schemeClr val="tx1"/>
+          </a:fontRef>
+        </p:style>
+      </p:cxnSp>
+      <p:sp>
+        <p:nvSpPr>
+          <p:cNvPr id="396" name="Прямоугольник 395">
+            <a:extLst>
+              <a:ext uri="{FF2B5EF4-FFF2-40B4-BE49-F238E27FC236}">
+                <a16:creationId xmlns:a16="http://schemas.microsoft.com/office/drawing/2014/main" id="{E41A7CDB-1C2E-4968-B5CB-0A281170D1CA}"/>
+              </a:ext>
+            </a:extLst>
+          </p:cNvPr>
+          <p:cNvSpPr/>
+          <p:nvPr/>
+        </p:nvSpPr>
+        <p:spPr>
+          <a:xfrm>
+            <a:off x="18743327" y="7699565"/>
+            <a:ext cx="926325" cy="540000"/>
+          </a:xfrm>
+          <a:prstGeom prst="rect">
+            <a:avLst/>
+          </a:prstGeom>
+          <a:gradFill>
+            <a:gsLst>
+              <a:gs pos="0">
+                <a:schemeClr val="accent1">
+                  <a:lumMod val="60000"/>
+                  <a:lumOff val="40000"/>
+                </a:schemeClr>
+              </a:gs>
+              <a:gs pos="100000">
+                <a:schemeClr val="accent6">
+                  <a:lumMod val="60000"/>
+                  <a:lumOff val="40000"/>
+                </a:schemeClr>
+              </a:gs>
+            </a:gsLst>
+            <a:lin ang="5400000" scaled="1"/>
+          </a:gradFill>
+          <a:ln w="19050"/>
+        </p:spPr>
+        <p:style>
+          <a:lnRef idx="2">
+            <a:schemeClr val="accent1"/>
+          </a:lnRef>
+          <a:fillRef idx="1">
+            <a:schemeClr val="lt1"/>
+          </a:fillRef>
+          <a:effectRef idx="0">
+            <a:schemeClr val="accent1"/>
+          </a:effectRef>
+          <a:fontRef idx="minor">
+            <a:schemeClr val="dk1"/>
+          </a:fontRef>
+        </p:style>
+        <p:txBody>
+          <a:bodyPr lIns="124733" tIns="62367" rIns="124733" bIns="62367" rtlCol="0" anchor="ctr"/>
+          <a:lstStyle/>
+          <a:p>
+            <a:pPr algn="ctr"/>
+            <a:r>
+              <a:rPr lang="ru-RU" sz="700" dirty="0"/>
+              <a:t>Соглашение об экономическом сотрудничестве</a:t>
+            </a:r>
+          </a:p>
+        </p:txBody>
+      </p:sp>
+      <p:sp>
+        <p:nvSpPr>
+          <p:cNvPr id="397" name="Прямоугольник 396">
+            <a:extLst>
+              <a:ext uri="{FF2B5EF4-FFF2-40B4-BE49-F238E27FC236}">
+                <a16:creationId xmlns:a16="http://schemas.microsoft.com/office/drawing/2014/main" id="{52313686-5954-44F1-BB1D-5041618007EA}"/>
+              </a:ext>
+            </a:extLst>
+          </p:cNvPr>
+          <p:cNvSpPr/>
+          <p:nvPr/>
+        </p:nvSpPr>
+        <p:spPr>
+          <a:xfrm>
+            <a:off x="17033834" y="8494463"/>
+            <a:ext cx="926325" cy="540000"/>
+          </a:xfrm>
+          <a:prstGeom prst="rect">
+            <a:avLst/>
+          </a:prstGeom>
+          <a:gradFill>
+            <a:gsLst>
+              <a:gs pos="0">
+                <a:schemeClr val="accent1">
+                  <a:lumMod val="60000"/>
+                  <a:lumOff val="40000"/>
+                </a:schemeClr>
+              </a:gs>
+              <a:gs pos="100000">
+                <a:schemeClr val="accent6">
+                  <a:lumMod val="60000"/>
+                  <a:lumOff val="40000"/>
+                </a:schemeClr>
+              </a:gs>
+            </a:gsLst>
+            <a:lin ang="5400000" scaled="1"/>
+          </a:gradFill>
+          <a:ln w="19050"/>
+        </p:spPr>
+        <p:style>
+          <a:lnRef idx="2">
+            <a:schemeClr val="accent1"/>
+          </a:lnRef>
+          <a:fillRef idx="1">
+            <a:schemeClr val="lt1"/>
+          </a:fillRef>
+          <a:effectRef idx="0">
+            <a:schemeClr val="accent1"/>
+          </a:effectRef>
+          <a:fontRef idx="minor">
+            <a:schemeClr val="dk1"/>
+          </a:fontRef>
+        </p:style>
+        <p:txBody>
+          <a:bodyPr lIns="124733" tIns="62367" rIns="124733" bIns="62367" rtlCol="0" anchor="ctr"/>
+          <a:lstStyle/>
+          <a:p>
+            <a:pPr algn="ctr"/>
+            <a:r>
+              <a:rPr lang="ru-RU" sz="700" dirty="0"/>
+              <a:t>Возродить договорённости Малой Антанты (ЧС, Румыния и Польша)</a:t>
+            </a:r>
+          </a:p>
+        </p:txBody>
+      </p:sp>
+      <p:cxnSp>
+        <p:nvCxnSpPr>
+          <p:cNvPr id="398" name="Соединительная линия уступом 620">
+            <a:extLst>
+              <a:ext uri="{FF2B5EF4-FFF2-40B4-BE49-F238E27FC236}">
+                <a16:creationId xmlns:a16="http://schemas.microsoft.com/office/drawing/2014/main" id="{B49A96A6-8219-4B61-A1C7-9C4BA9B1047F}"/>
+              </a:ext>
+            </a:extLst>
+          </p:cNvPr>
+          <p:cNvCxnSpPr>
+            <a:cxnSpLocks/>
+            <a:stCxn id="314" idx="2"/>
+            <a:endCxn id="397" idx="0"/>
+          </p:cNvCxnSpPr>
+          <p:nvPr/>
+        </p:nvCxnSpPr>
+        <p:spPr>
+          <a:xfrm rot="16200000" flipH="1">
+            <a:off x="17099313" y="8096778"/>
+            <a:ext cx="248199" cy="547169"/>
+          </a:xfrm>
+          <a:prstGeom prst="bentConnector3">
+            <a:avLst>
+              <a:gd name="adj1" fmla="val 50000"/>
+            </a:avLst>
+          </a:prstGeom>
+          <a:ln w="19050">
+            <a:tailEnd type="arrow"/>
+          </a:ln>
+        </p:spPr>
+        <p:style>
+          <a:lnRef idx="1">
+            <a:schemeClr val="accent1"/>
+          </a:lnRef>
+          <a:fillRef idx="0">
+            <a:schemeClr val="accent1"/>
+          </a:fillRef>
+          <a:effectRef idx="0">
+            <a:schemeClr val="accent1"/>
+          </a:effectRef>
+          <a:fontRef idx="minor">
+            <a:schemeClr val="tx1"/>
+          </a:fontRef>
+        </p:style>
+      </p:cxnSp>
+      <p:sp>
+        <p:nvSpPr>
+          <p:cNvPr id="402" name="Прямоугольник 401">
+            <a:extLst>
+              <a:ext uri="{FF2B5EF4-FFF2-40B4-BE49-F238E27FC236}">
+                <a16:creationId xmlns:a16="http://schemas.microsoft.com/office/drawing/2014/main" id="{2EAD09FF-9F90-4DDC-94ED-FA08001242F8}"/>
+              </a:ext>
+            </a:extLst>
+          </p:cNvPr>
+          <p:cNvSpPr/>
+          <p:nvPr/>
+        </p:nvSpPr>
+        <p:spPr>
+          <a:xfrm>
+            <a:off x="17631907" y="7711456"/>
+            <a:ext cx="926325" cy="540000"/>
+          </a:xfrm>
+          <a:prstGeom prst="rect">
+            <a:avLst/>
+          </a:prstGeom>
+          <a:gradFill>
+            <a:gsLst>
+              <a:gs pos="0">
+                <a:schemeClr val="accent1">
+                  <a:lumMod val="60000"/>
+                  <a:lumOff val="40000"/>
+                </a:schemeClr>
+              </a:gs>
+              <a:gs pos="100000">
+                <a:schemeClr val="accent6">
+                  <a:lumMod val="60000"/>
+                  <a:lumOff val="40000"/>
+                </a:schemeClr>
+              </a:gs>
+            </a:gsLst>
+            <a:lin ang="5400000" scaled="1"/>
+          </a:gradFill>
+          <a:ln w="19050"/>
+        </p:spPr>
+        <p:style>
+          <a:lnRef idx="2">
+            <a:schemeClr val="accent1"/>
+          </a:lnRef>
+          <a:fillRef idx="1">
+            <a:schemeClr val="lt1"/>
+          </a:fillRef>
+          <a:effectRef idx="0">
+            <a:schemeClr val="accent1"/>
+          </a:effectRef>
+          <a:fontRef idx="minor">
+            <a:schemeClr val="dk1"/>
+          </a:fontRef>
+        </p:style>
+        <p:txBody>
+          <a:bodyPr lIns="124733" tIns="62367" rIns="124733" bIns="62367" rtlCol="0" anchor="ctr"/>
+          <a:lstStyle/>
+          <a:p>
+            <a:pPr algn="ctr"/>
+            <a:r>
+              <a:rPr lang="ru-RU" sz="700" dirty="0"/>
+              <a:t>Совместные исследования</a:t>
+            </a:r>
+          </a:p>
+        </p:txBody>
+      </p:sp>
+      <p:sp>
+        <p:nvSpPr>
+          <p:cNvPr id="404" name="Прямоугольник 403">
+            <a:extLst>
+              <a:ext uri="{FF2B5EF4-FFF2-40B4-BE49-F238E27FC236}">
+                <a16:creationId xmlns:a16="http://schemas.microsoft.com/office/drawing/2014/main" id="{F9F8C0A4-5D92-4B8C-88C8-2F674B707FC6}"/>
+              </a:ext>
+            </a:extLst>
+          </p:cNvPr>
+          <p:cNvSpPr/>
+          <p:nvPr/>
+        </p:nvSpPr>
+        <p:spPr>
+          <a:xfrm>
+            <a:off x="17033833" y="9278522"/>
+            <a:ext cx="926325" cy="540000"/>
+          </a:xfrm>
+          <a:prstGeom prst="rect">
+            <a:avLst/>
+          </a:prstGeom>
+          <a:gradFill>
+            <a:gsLst>
+              <a:gs pos="0">
+                <a:schemeClr val="accent1">
+                  <a:lumMod val="60000"/>
+                  <a:lumOff val="40000"/>
+                </a:schemeClr>
+              </a:gs>
+              <a:gs pos="100000">
+                <a:schemeClr val="accent6">
+                  <a:lumMod val="60000"/>
+                  <a:lumOff val="40000"/>
+                </a:schemeClr>
+              </a:gs>
+            </a:gsLst>
+            <a:lin ang="5400000" scaled="1"/>
+          </a:gradFill>
+          <a:ln w="19050"/>
+        </p:spPr>
+        <p:style>
+          <a:lnRef idx="2">
+            <a:schemeClr val="accent1"/>
+          </a:lnRef>
+          <a:fillRef idx="1">
+            <a:schemeClr val="lt1"/>
+          </a:fillRef>
+          <a:effectRef idx="0">
+            <a:schemeClr val="accent1"/>
+          </a:effectRef>
+          <a:fontRef idx="minor">
+            <a:schemeClr val="dk1"/>
+          </a:fontRef>
+        </p:style>
+        <p:txBody>
+          <a:bodyPr lIns="124733" tIns="62367" rIns="124733" bIns="62367" rtlCol="0" anchor="ctr"/>
+          <a:lstStyle/>
+          <a:p>
+            <a:pPr algn="ctr"/>
+            <a:r>
+              <a:rPr lang="ru-RU" sz="700" dirty="0"/>
+              <a:t>Расширение Антанты на север (пригласить Польшу)</a:t>
+            </a:r>
+          </a:p>
+        </p:txBody>
+      </p:sp>
+      <p:cxnSp>
+        <p:nvCxnSpPr>
+          <p:cNvPr id="406" name="Соединительная линия уступом 595">
+            <a:extLst>
+              <a:ext uri="{FF2B5EF4-FFF2-40B4-BE49-F238E27FC236}">
+                <a16:creationId xmlns:a16="http://schemas.microsoft.com/office/drawing/2014/main" id="{8F1E404B-7FD1-4E2F-A5A8-061075B8B058}"/>
+              </a:ext>
+            </a:extLst>
+          </p:cNvPr>
+          <p:cNvCxnSpPr>
+            <a:cxnSpLocks/>
+            <a:stCxn id="313" idx="2"/>
+            <a:endCxn id="402" idx="0"/>
+          </p:cNvCxnSpPr>
+          <p:nvPr/>
+        </p:nvCxnSpPr>
+        <p:spPr>
+          <a:xfrm rot="16200000" flipH="1">
+            <a:off x="17669803" y="7286189"/>
+            <a:ext cx="262922" cy="587611"/>
+          </a:xfrm>
+          <a:prstGeom prst="bentConnector3">
+            <a:avLst>
+              <a:gd name="adj1" fmla="val 50000"/>
+            </a:avLst>
+          </a:prstGeom>
+          <a:ln w="19050">
+            <a:prstDash val="dash"/>
+            <a:tailEnd type="arrow"/>
+          </a:ln>
+        </p:spPr>
+        <p:style>
+          <a:lnRef idx="1">
+            <a:schemeClr val="accent1"/>
+          </a:lnRef>
+          <a:fillRef idx="0">
+            <a:schemeClr val="accent1"/>
+          </a:fillRef>
+          <a:effectRef idx="0">
+            <a:schemeClr val="accent1"/>
+          </a:effectRef>
+          <a:fontRef idx="minor">
+            <a:schemeClr val="tx1"/>
+          </a:fontRef>
+        </p:style>
+      </p:cxnSp>
+      <p:cxnSp>
+        <p:nvCxnSpPr>
+          <p:cNvPr id="409" name="Соединительная линия уступом 595">
+            <a:extLst>
+              <a:ext uri="{FF2B5EF4-FFF2-40B4-BE49-F238E27FC236}">
+                <a16:creationId xmlns:a16="http://schemas.microsoft.com/office/drawing/2014/main" id="{DEEC95E4-664D-4956-872B-5B03FE3FF99F}"/>
+              </a:ext>
+            </a:extLst>
+          </p:cNvPr>
+          <p:cNvCxnSpPr>
+            <a:cxnSpLocks/>
+            <a:stCxn id="388" idx="2"/>
+            <a:endCxn id="402" idx="0"/>
+          </p:cNvCxnSpPr>
+          <p:nvPr/>
+        </p:nvCxnSpPr>
+        <p:spPr>
+          <a:xfrm rot="5400000">
+            <a:off x="18234842" y="7305722"/>
+            <a:ext cx="265963" cy="545505"/>
+          </a:xfrm>
+          <a:prstGeom prst="bentConnector3">
+            <a:avLst>
+              <a:gd name="adj1" fmla="val 50000"/>
+            </a:avLst>
+          </a:prstGeom>
+          <a:ln w="19050">
+            <a:prstDash val="dash"/>
+            <a:tailEnd type="arrow"/>
+          </a:ln>
+        </p:spPr>
+        <p:style>
+          <a:lnRef idx="1">
+            <a:schemeClr val="accent1"/>
+          </a:lnRef>
+          <a:fillRef idx="0">
+            <a:schemeClr val="accent1"/>
+          </a:fillRef>
+          <a:effectRef idx="0">
+            <a:schemeClr val="accent1"/>
+          </a:effectRef>
+          <a:fontRef idx="minor">
+            <a:schemeClr val="tx1"/>
+          </a:fontRef>
+        </p:style>
+      </p:cxnSp>
+      <p:cxnSp>
+        <p:nvCxnSpPr>
+          <p:cNvPr id="413" name="Соединительная линия уступом 620">
+            <a:extLst>
+              <a:ext uri="{FF2B5EF4-FFF2-40B4-BE49-F238E27FC236}">
+                <a16:creationId xmlns:a16="http://schemas.microsoft.com/office/drawing/2014/main" id="{2705B1A0-3AEF-40FD-AB89-93E48B08DB7B}"/>
+              </a:ext>
+            </a:extLst>
+          </p:cNvPr>
+          <p:cNvCxnSpPr>
+            <a:cxnSpLocks/>
+            <a:stCxn id="388" idx="2"/>
+            <a:endCxn id="396" idx="0"/>
+          </p:cNvCxnSpPr>
+          <p:nvPr/>
+        </p:nvCxnSpPr>
+        <p:spPr>
+          <a:xfrm rot="16200000" flipH="1">
+            <a:off x="18796496" y="7289571"/>
+            <a:ext cx="254072" cy="565915"/>
+          </a:xfrm>
+          <a:prstGeom prst="bentConnector3">
+            <a:avLst>
+              <a:gd name="adj1" fmla="val 50000"/>
+            </a:avLst>
+          </a:prstGeom>
+          <a:ln w="19050">
+            <a:tailEnd type="arrow"/>
+          </a:ln>
+        </p:spPr>
+        <p:style>
+          <a:lnRef idx="1">
+            <a:schemeClr val="accent1"/>
+          </a:lnRef>
+          <a:fillRef idx="0">
+            <a:schemeClr val="accent1"/>
+          </a:fillRef>
+          <a:effectRef idx="0">
+            <a:schemeClr val="accent1"/>
+          </a:effectRef>
+          <a:fontRef idx="minor">
+            <a:schemeClr val="tx1"/>
+          </a:fontRef>
+        </p:style>
+      </p:cxnSp>
+      <p:sp>
+        <p:nvSpPr>
+          <p:cNvPr id="416" name="Прямоугольник 415">
+            <a:extLst>
+              <a:ext uri="{FF2B5EF4-FFF2-40B4-BE49-F238E27FC236}">
+                <a16:creationId xmlns:a16="http://schemas.microsoft.com/office/drawing/2014/main" id="{C1DA7A09-32DB-4E2A-9092-2C68D2EC3AFD}"/>
+              </a:ext>
+            </a:extLst>
+          </p:cNvPr>
+          <p:cNvSpPr/>
+          <p:nvPr/>
+        </p:nvSpPr>
+        <p:spPr>
+          <a:xfrm>
+            <a:off x="18174910" y="8491196"/>
+            <a:ext cx="926325" cy="540000"/>
+          </a:xfrm>
+          <a:prstGeom prst="rect">
+            <a:avLst/>
+          </a:prstGeom>
+          <a:gradFill>
+            <a:gsLst>
+              <a:gs pos="0">
+                <a:schemeClr val="accent1">
+                  <a:lumMod val="60000"/>
+                  <a:lumOff val="40000"/>
+                </a:schemeClr>
+              </a:gs>
+              <a:gs pos="100000">
+                <a:schemeClr val="accent6">
+                  <a:lumMod val="60000"/>
+                  <a:lumOff val="40000"/>
+                </a:schemeClr>
+              </a:gs>
+            </a:gsLst>
+            <a:lin ang="5400000" scaled="1"/>
+          </a:gradFill>
+          <a:ln w="19050"/>
+        </p:spPr>
+        <p:style>
+          <a:lnRef idx="2">
+            <a:schemeClr val="accent1"/>
+          </a:lnRef>
+          <a:fillRef idx="1">
+            <a:schemeClr val="lt1"/>
+          </a:fillRef>
+          <a:effectRef idx="0">
+            <a:schemeClr val="accent1"/>
+          </a:effectRef>
+          <a:fontRef idx="minor">
+            <a:schemeClr val="dk1"/>
+          </a:fontRef>
+        </p:style>
+        <p:txBody>
+          <a:bodyPr lIns="124733" tIns="62367" rIns="124733" bIns="62367" rtlCol="0" anchor="ctr"/>
+          <a:lstStyle/>
+          <a:p>
+            <a:pPr algn="ctr"/>
+            <a:r>
+              <a:rPr lang="ru-RU" sz="700" dirty="0"/>
+              <a:t>Франко-Бельгийские военные соглашения</a:t>
+            </a:r>
+          </a:p>
+        </p:txBody>
+      </p:sp>
+      <p:cxnSp>
+        <p:nvCxnSpPr>
+          <p:cNvPr id="417" name="Соединительная линия уступом 620">
+            <a:extLst>
+              <a:ext uri="{FF2B5EF4-FFF2-40B4-BE49-F238E27FC236}">
+                <a16:creationId xmlns:a16="http://schemas.microsoft.com/office/drawing/2014/main" id="{27DA8D69-EBB9-4149-893A-82C17D5285E7}"/>
+              </a:ext>
+            </a:extLst>
+          </p:cNvPr>
+          <p:cNvCxnSpPr>
+            <a:cxnSpLocks/>
+            <a:stCxn id="396" idx="2"/>
+            <a:endCxn id="416" idx="0"/>
+          </p:cNvCxnSpPr>
+          <p:nvPr/>
+        </p:nvCxnSpPr>
+        <p:spPr>
+          <a:xfrm rot="5400000">
+            <a:off x="18796467" y="8081172"/>
+            <a:ext cx="251631" cy="568417"/>
+          </a:xfrm>
+          <a:prstGeom prst="bentConnector3">
+            <a:avLst>
+              <a:gd name="adj1" fmla="val 50000"/>
+            </a:avLst>
+          </a:prstGeom>
+          <a:ln w="19050">
+            <a:tailEnd type="arrow"/>
+          </a:ln>
+        </p:spPr>
+        <p:style>
+          <a:lnRef idx="1">
+            <a:schemeClr val="accent1"/>
+          </a:lnRef>
+          <a:fillRef idx="0">
+            <a:schemeClr val="accent1"/>
+          </a:fillRef>
+          <a:effectRef idx="0">
+            <a:schemeClr val="accent1"/>
+          </a:effectRef>
+          <a:fontRef idx="minor">
+            <a:schemeClr val="tx1"/>
+          </a:fontRef>
+        </p:style>
+      </p:cxnSp>
+      <p:sp>
+        <p:nvSpPr>
+          <p:cNvPr id="420" name="Прямоугольник 419">
+            <a:extLst>
+              <a:ext uri="{FF2B5EF4-FFF2-40B4-BE49-F238E27FC236}">
+                <a16:creationId xmlns:a16="http://schemas.microsoft.com/office/drawing/2014/main" id="{64F66869-1021-41CF-A151-1481EFE4256A}"/>
+              </a:ext>
+            </a:extLst>
+          </p:cNvPr>
+          <p:cNvSpPr/>
+          <p:nvPr/>
+        </p:nvSpPr>
+        <p:spPr>
+          <a:xfrm>
+            <a:off x="18740195" y="9281898"/>
+            <a:ext cx="926325" cy="540000"/>
+          </a:xfrm>
+          <a:prstGeom prst="rect">
+            <a:avLst/>
+          </a:prstGeom>
+          <a:gradFill>
+            <a:gsLst>
+              <a:gs pos="0">
+                <a:schemeClr val="accent1">
+                  <a:lumMod val="60000"/>
+                  <a:lumOff val="40000"/>
+                </a:schemeClr>
+              </a:gs>
+              <a:gs pos="100000">
+                <a:schemeClr val="accent6">
+                  <a:lumMod val="60000"/>
+                  <a:lumOff val="40000"/>
+                </a:schemeClr>
+              </a:gs>
+            </a:gsLst>
+            <a:lin ang="5400000" scaled="1"/>
+          </a:gradFill>
+          <a:ln w="19050"/>
+        </p:spPr>
+        <p:style>
+          <a:lnRef idx="2">
+            <a:schemeClr val="accent1"/>
+          </a:lnRef>
+          <a:fillRef idx="1">
+            <a:schemeClr val="lt1"/>
+          </a:fillRef>
+          <a:effectRef idx="0">
+            <a:schemeClr val="accent1"/>
+          </a:effectRef>
+          <a:fontRef idx="minor">
+            <a:schemeClr val="dk1"/>
+          </a:fontRef>
+        </p:style>
+        <p:txBody>
+          <a:bodyPr lIns="124733" tIns="62367" rIns="124733" bIns="62367" rtlCol="0" anchor="ctr"/>
+          <a:lstStyle/>
+          <a:p>
+            <a:pPr algn="ctr"/>
+            <a:r>
+              <a:rPr lang="ru-RU" sz="700" dirty="0"/>
+              <a:t>Закупка вооружения в США</a:t>
+            </a:r>
+          </a:p>
+        </p:txBody>
+      </p:sp>
+      <p:cxnSp>
+        <p:nvCxnSpPr>
+          <p:cNvPr id="421" name="Прямая со стрелкой 420">
+            <a:extLst>
+              <a:ext uri="{FF2B5EF4-FFF2-40B4-BE49-F238E27FC236}">
+                <a16:creationId xmlns:a16="http://schemas.microsoft.com/office/drawing/2014/main" id="{CDB84C6F-09E4-4EFF-A37E-E82F622CE24C}"/>
+              </a:ext>
+            </a:extLst>
+          </p:cNvPr>
+          <p:cNvCxnSpPr>
+            <a:cxnSpLocks/>
+            <a:stCxn id="396" idx="2"/>
+            <a:endCxn id="420" idx="0"/>
+          </p:cNvCxnSpPr>
+          <p:nvPr/>
+        </p:nvCxnSpPr>
+        <p:spPr>
+          <a:xfrm flipH="1">
+            <a:off x="19203358" y="8239565"/>
+            <a:ext cx="3132" cy="1042333"/>
+          </a:xfrm>
+          <a:prstGeom prst="straightConnector1">
+            <a:avLst/>
+          </a:prstGeom>
+          <a:ln w="19050">
+            <a:tailEnd type="arrow"/>
+          </a:ln>
+        </p:spPr>
+        <p:style>
+          <a:lnRef idx="1">
+            <a:schemeClr val="accent1"/>
+          </a:lnRef>
+          <a:fillRef idx="0">
+            <a:schemeClr val="accent1"/>
+          </a:fillRef>
+          <a:effectRef idx="0">
+            <a:schemeClr val="accent1"/>
+          </a:effectRef>
+          <a:fontRef idx="minor">
+            <a:schemeClr val="tx1"/>
+          </a:fontRef>
+        </p:style>
+      </p:cxnSp>
+      <p:cxnSp>
+        <p:nvCxnSpPr>
+          <p:cNvPr id="424" name="Прямая со стрелкой 423">
+            <a:extLst>
+              <a:ext uri="{FF2B5EF4-FFF2-40B4-BE49-F238E27FC236}">
+                <a16:creationId xmlns:a16="http://schemas.microsoft.com/office/drawing/2014/main" id="{8437B75C-373A-4544-B76C-099D875C0849}"/>
+              </a:ext>
+            </a:extLst>
+          </p:cNvPr>
+          <p:cNvCxnSpPr>
+            <a:cxnSpLocks/>
+            <a:stCxn id="397" idx="2"/>
+            <a:endCxn id="404" idx="0"/>
+          </p:cNvCxnSpPr>
+          <p:nvPr/>
+        </p:nvCxnSpPr>
+        <p:spPr>
+          <a:xfrm flipH="1">
+            <a:off x="17496996" y="9034463"/>
+            <a:ext cx="1" cy="244059"/>
+          </a:xfrm>
+          <a:prstGeom prst="straightConnector1">
+            <a:avLst/>
+          </a:prstGeom>
+          <a:ln w="19050">
+            <a:tailEnd type="arrow"/>
+          </a:ln>
+        </p:spPr>
+        <p:style>
+          <a:lnRef idx="1">
+            <a:schemeClr val="accent1"/>
+          </a:lnRef>
+          <a:fillRef idx="0">
+            <a:schemeClr val="accent1"/>
+          </a:fillRef>
+          <a:effectRef idx="0">
+            <a:schemeClr val="accent1"/>
+          </a:effectRef>
+          <a:fontRef idx="minor">
+            <a:schemeClr val="tx1"/>
+          </a:fontRef>
+        </p:style>
+      </p:cxnSp>
+      <p:sp>
+        <p:nvSpPr>
+          <p:cNvPr id="427" name="Прямоугольник 426">
+            <a:extLst>
+              <a:ext uri="{FF2B5EF4-FFF2-40B4-BE49-F238E27FC236}">
+                <a16:creationId xmlns:a16="http://schemas.microsoft.com/office/drawing/2014/main" id="{D0C853D5-D0D9-48BD-A71C-65ECA3551D36}"/>
+              </a:ext>
+            </a:extLst>
+          </p:cNvPr>
+          <p:cNvSpPr/>
+          <p:nvPr/>
+        </p:nvSpPr>
+        <p:spPr>
+          <a:xfrm>
+            <a:off x="16486504" y="6130769"/>
+            <a:ext cx="926325" cy="540000"/>
+          </a:xfrm>
+          <a:prstGeom prst="rect">
+            <a:avLst/>
+          </a:prstGeom>
+          <a:solidFill>
+            <a:srgbClr val="FF0000"/>
+          </a:solidFill>
+          <a:ln w="19050"/>
+        </p:spPr>
+        <p:style>
+          <a:lnRef idx="2">
+            <a:schemeClr val="accent1"/>
+          </a:lnRef>
+          <a:fillRef idx="1">
+            <a:schemeClr val="lt1"/>
+          </a:fillRef>
+          <a:effectRef idx="0">
+            <a:schemeClr val="accent1"/>
+          </a:effectRef>
+          <a:fontRef idx="minor">
+            <a:schemeClr val="dk1"/>
+          </a:fontRef>
+        </p:style>
+        <p:txBody>
+          <a:bodyPr lIns="124733" tIns="62367" rIns="124733" bIns="62367" rtlCol="0" anchor="ctr"/>
+          <a:lstStyle/>
+          <a:p>
+            <a:pPr algn="ctr"/>
+            <a:r>
+              <a:rPr lang="ru-RU" sz="700" dirty="0"/>
+              <a:t>Объединить наши войны за свободу</a:t>
+            </a:r>
+          </a:p>
+        </p:txBody>
+      </p:sp>
+      <p:cxnSp>
+        <p:nvCxnSpPr>
+          <p:cNvPr id="428" name="Соединительная линия уступом 620">
+            <a:extLst>
+              <a:ext uri="{FF2B5EF4-FFF2-40B4-BE49-F238E27FC236}">
+                <a16:creationId xmlns:a16="http://schemas.microsoft.com/office/drawing/2014/main" id="{B00486BD-A8D1-4D3B-89E5-B9BBC1B7A65F}"/>
+              </a:ext>
+            </a:extLst>
+          </p:cNvPr>
+          <p:cNvCxnSpPr>
+            <a:cxnSpLocks/>
+            <a:stCxn id="156" idx="2"/>
+            <a:endCxn id="427" idx="0"/>
+          </p:cNvCxnSpPr>
+          <p:nvPr/>
+        </p:nvCxnSpPr>
+        <p:spPr>
+          <a:xfrm rot="5400000">
+            <a:off x="17098754" y="5727191"/>
+            <a:ext cx="254492" cy="552665"/>
+          </a:xfrm>
+          <a:prstGeom prst="bentConnector3">
+            <a:avLst>
+              <a:gd name="adj1" fmla="val 50000"/>
+            </a:avLst>
+          </a:prstGeom>
+          <a:ln w="19050">
+            <a:tailEnd type="arrow"/>
+          </a:ln>
+        </p:spPr>
+        <p:style>
+          <a:lnRef idx="1">
+            <a:schemeClr val="accent1"/>
+          </a:lnRef>
+          <a:fillRef idx="0">
+            <a:schemeClr val="accent1"/>
+          </a:fillRef>
+          <a:effectRef idx="0">
+            <a:schemeClr val="accent1"/>
+          </a:effectRef>
+          <a:fontRef idx="minor">
+            <a:schemeClr val="tx1"/>
+          </a:fontRef>
+        </p:style>
+      </p:cxnSp>
+      <p:sp>
+        <p:nvSpPr>
+          <p:cNvPr id="431" name="Прямоугольник 430">
+            <a:extLst>
+              <a:ext uri="{FF2B5EF4-FFF2-40B4-BE49-F238E27FC236}">
+                <a16:creationId xmlns:a16="http://schemas.microsoft.com/office/drawing/2014/main" id="{E9E4C0DF-0A82-4286-83B2-677BEF9B53F3}"/>
+              </a:ext>
+            </a:extLst>
+          </p:cNvPr>
+          <p:cNvSpPr/>
+          <p:nvPr/>
+        </p:nvSpPr>
+        <p:spPr>
+          <a:xfrm>
+            <a:off x="15908331" y="5342571"/>
+            <a:ext cx="926325" cy="540000"/>
+          </a:xfrm>
+          <a:prstGeom prst="rect">
+            <a:avLst/>
+          </a:prstGeom>
+          <a:solidFill>
+            <a:srgbClr val="FF0000"/>
+          </a:solidFill>
+          <a:ln w="19050"/>
+        </p:spPr>
+        <p:style>
+          <a:lnRef idx="2">
+            <a:schemeClr val="accent1"/>
+          </a:lnRef>
+          <a:fillRef idx="1">
+            <a:schemeClr val="lt1"/>
+          </a:fillRef>
+          <a:effectRef idx="0">
+            <a:schemeClr val="accent1"/>
+          </a:effectRef>
+          <a:fontRef idx="minor">
+            <a:schemeClr val="dk1"/>
+          </a:fontRef>
+        </p:style>
+        <p:txBody>
+          <a:bodyPr lIns="124733" tIns="62367" rIns="124733" bIns="62367" rtlCol="0" anchor="ctr"/>
+          <a:lstStyle/>
+          <a:p>
+            <a:pPr algn="ctr"/>
+            <a:r>
+              <a:rPr lang="ru-RU" sz="700" dirty="0"/>
+              <a:t>Запросить помощи СССР по пакту</a:t>
+            </a:r>
+          </a:p>
+        </p:txBody>
+      </p:sp>
+      <p:cxnSp>
+        <p:nvCxnSpPr>
+          <p:cNvPr id="441" name="Соединительная линия уступом 620">
+            <a:extLst>
+              <a:ext uri="{FF2B5EF4-FFF2-40B4-BE49-F238E27FC236}">
+                <a16:creationId xmlns:a16="http://schemas.microsoft.com/office/drawing/2014/main" id="{DB0D75BB-69A6-4D6F-A825-7B92884BEE6C}"/>
+              </a:ext>
+            </a:extLst>
+          </p:cNvPr>
+          <p:cNvCxnSpPr>
+            <a:cxnSpLocks/>
+            <a:stCxn id="136" idx="2"/>
+            <a:endCxn id="431" idx="0"/>
+          </p:cNvCxnSpPr>
+          <p:nvPr/>
+        </p:nvCxnSpPr>
+        <p:spPr>
+          <a:xfrm rot="16200000" flipH="1">
+            <a:off x="15674341" y="4645417"/>
+            <a:ext cx="254435" cy="1139871"/>
+          </a:xfrm>
+          <a:prstGeom prst="bentConnector3">
+            <a:avLst>
+              <a:gd name="adj1" fmla="val 50000"/>
+            </a:avLst>
+          </a:prstGeom>
+          <a:ln w="19050">
+            <a:tailEnd type="arrow"/>
+          </a:ln>
+        </p:spPr>
+        <p:style>
+          <a:lnRef idx="1">
+            <a:schemeClr val="accent1"/>
+          </a:lnRef>
+          <a:fillRef idx="0">
+            <a:schemeClr val="accent1"/>
+          </a:fillRef>
+          <a:effectRef idx="0">
+            <a:schemeClr val="accent1"/>
+          </a:effectRef>
+          <a:fontRef idx="minor">
+            <a:schemeClr val="tx1"/>
+          </a:fontRef>
+        </p:style>
+      </p:cxnSp>
+      <p:sp>
+        <p:nvSpPr>
+          <p:cNvPr id="444" name="Прямоугольник 443">
+            <a:extLst>
+              <a:ext uri="{FF2B5EF4-FFF2-40B4-BE49-F238E27FC236}">
+                <a16:creationId xmlns:a16="http://schemas.microsoft.com/office/drawing/2014/main" id="{B56AD38C-1726-4CA6-A4EB-B9FE865CFAE4}"/>
+              </a:ext>
+            </a:extLst>
+          </p:cNvPr>
+          <p:cNvSpPr/>
+          <p:nvPr/>
+        </p:nvSpPr>
+        <p:spPr>
+          <a:xfrm>
+            <a:off x="19315170" y="5336276"/>
+            <a:ext cx="926325" cy="540000"/>
+          </a:xfrm>
+          <a:prstGeom prst="rect">
+            <a:avLst/>
+          </a:prstGeom>
+          <a:solidFill>
+            <a:schemeClr val="accent1">
+              <a:lumMod val="60000"/>
+              <a:lumOff val="40000"/>
+            </a:schemeClr>
+          </a:solidFill>
+          <a:ln w="19050"/>
+        </p:spPr>
+        <p:style>
+          <a:lnRef idx="2">
+            <a:schemeClr val="accent1"/>
+          </a:lnRef>
+          <a:fillRef idx="1">
+            <a:schemeClr val="lt1"/>
+          </a:fillRef>
+          <a:effectRef idx="0">
+            <a:schemeClr val="accent1"/>
+          </a:effectRef>
+          <a:fontRef idx="minor">
+            <a:schemeClr val="dk1"/>
+          </a:fontRef>
+        </p:style>
+        <p:txBody>
+          <a:bodyPr lIns="124733" tIns="62367" rIns="124733" bIns="62367" rtlCol="0" anchor="ctr"/>
+          <a:lstStyle/>
+          <a:p>
+            <a:pPr algn="ctr"/>
+            <a:r>
+              <a:rPr lang="ru-RU" sz="700" dirty="0"/>
+              <a:t>Повторное увеличение военного бюджета</a:t>
+            </a:r>
+          </a:p>
+        </p:txBody>
+      </p:sp>
+      <p:sp>
+        <p:nvSpPr>
+          <p:cNvPr id="445" name="Прямоугольник 444">
+            <a:extLst>
+              <a:ext uri="{FF2B5EF4-FFF2-40B4-BE49-F238E27FC236}">
+                <a16:creationId xmlns:a16="http://schemas.microsoft.com/office/drawing/2014/main" id="{294B502B-1FBA-4050-8CC0-3E22816003DB}"/>
+              </a:ext>
+            </a:extLst>
+          </p:cNvPr>
+          <p:cNvSpPr/>
+          <p:nvPr/>
+        </p:nvSpPr>
+        <p:spPr>
+          <a:xfrm>
+            <a:off x="19309242" y="6905492"/>
+            <a:ext cx="926325" cy="540000"/>
+          </a:xfrm>
+          <a:prstGeom prst="rect">
+            <a:avLst/>
+          </a:prstGeom>
+          <a:solidFill>
+            <a:schemeClr val="accent1">
+              <a:lumMod val="60000"/>
+              <a:lumOff val="40000"/>
+            </a:schemeClr>
+          </a:solidFill>
+          <a:ln w="19050"/>
+        </p:spPr>
+        <p:style>
+          <a:lnRef idx="2">
+            <a:schemeClr val="accent1"/>
+          </a:lnRef>
+          <a:fillRef idx="1">
+            <a:schemeClr val="lt1"/>
+          </a:fillRef>
+          <a:effectRef idx="0">
+            <a:schemeClr val="accent1"/>
+          </a:effectRef>
+          <a:fontRef idx="minor">
+            <a:schemeClr val="dk1"/>
+          </a:fontRef>
+        </p:style>
+        <p:txBody>
+          <a:bodyPr lIns="124733" tIns="62367" rIns="124733" bIns="62367" rtlCol="0" anchor="ctr"/>
+          <a:lstStyle/>
+          <a:p>
+            <a:pPr algn="ctr"/>
+            <a:r>
+              <a:rPr lang="ru-RU" sz="700" dirty="0"/>
+              <a:t>Предоставить гражданство мусульманам</a:t>
+            </a:r>
+          </a:p>
+        </p:txBody>
+      </p:sp>
+      <p:sp>
+        <p:nvSpPr>
+          <p:cNvPr id="446" name="Прямоугольник 445">
+            <a:extLst>
+              <a:ext uri="{FF2B5EF4-FFF2-40B4-BE49-F238E27FC236}">
+                <a16:creationId xmlns:a16="http://schemas.microsoft.com/office/drawing/2014/main" id="{FD8AE85B-D44B-4358-8EFB-25F238C0F42A}"/>
+              </a:ext>
+            </a:extLst>
+          </p:cNvPr>
+          <p:cNvSpPr/>
+          <p:nvPr/>
+        </p:nvSpPr>
+        <p:spPr>
+          <a:xfrm>
+            <a:off x="19879743" y="8499673"/>
+            <a:ext cx="926325" cy="540000"/>
+          </a:xfrm>
+          <a:prstGeom prst="rect">
+            <a:avLst/>
+          </a:prstGeom>
+          <a:solidFill>
+            <a:schemeClr val="accent1">
+              <a:lumMod val="60000"/>
+              <a:lumOff val="40000"/>
+            </a:schemeClr>
+          </a:solidFill>
+          <a:ln w="19050"/>
+        </p:spPr>
+        <p:style>
+          <a:lnRef idx="2">
+            <a:schemeClr val="accent1"/>
+          </a:lnRef>
+          <a:fillRef idx="1">
+            <a:schemeClr val="lt1"/>
+          </a:fillRef>
+          <a:effectRef idx="0">
+            <a:schemeClr val="accent1"/>
+          </a:effectRef>
+          <a:fontRef idx="minor">
+            <a:schemeClr val="dk1"/>
+          </a:fontRef>
+        </p:style>
+        <p:txBody>
+          <a:bodyPr lIns="124733" tIns="62367" rIns="124733" bIns="62367" rtlCol="0" anchor="ctr"/>
+          <a:lstStyle/>
+          <a:p>
+            <a:pPr algn="ctr"/>
+            <a:r>
+              <a:rPr lang="ru-RU" sz="700" dirty="0"/>
+              <a:t>Антифашистская политика</a:t>
+            </a:r>
+          </a:p>
+        </p:txBody>
+      </p:sp>
+      <p:cxnSp>
+        <p:nvCxnSpPr>
+          <p:cNvPr id="450" name="Соединительная линия уступом 620">
+            <a:extLst>
+              <a:ext uri="{FF2B5EF4-FFF2-40B4-BE49-F238E27FC236}">
+                <a16:creationId xmlns:a16="http://schemas.microsoft.com/office/drawing/2014/main" id="{118C1BA8-26E8-4EE5-B671-7B4C71332D99}"/>
+              </a:ext>
+            </a:extLst>
+          </p:cNvPr>
+          <p:cNvCxnSpPr>
+            <a:cxnSpLocks/>
+            <a:stCxn id="252" idx="2"/>
+            <a:endCxn id="445" idx="0"/>
+          </p:cNvCxnSpPr>
+          <p:nvPr/>
+        </p:nvCxnSpPr>
+        <p:spPr>
+          <a:xfrm rot="16200000" flipH="1">
+            <a:off x="19372086" y="6505172"/>
+            <a:ext cx="234723" cy="565915"/>
+          </a:xfrm>
+          <a:prstGeom prst="bentConnector3">
+            <a:avLst>
+              <a:gd name="adj1" fmla="val 50000"/>
+            </a:avLst>
+          </a:prstGeom>
+          <a:ln w="19050">
+            <a:tailEnd type="arrow"/>
+          </a:ln>
+        </p:spPr>
+        <p:style>
+          <a:lnRef idx="1">
+            <a:schemeClr val="accent1"/>
+          </a:lnRef>
+          <a:fillRef idx="0">
+            <a:schemeClr val="accent1"/>
+          </a:fillRef>
+          <a:effectRef idx="0">
+            <a:schemeClr val="accent1"/>
+          </a:effectRef>
+          <a:fontRef idx="minor">
+            <a:schemeClr val="tx1"/>
+          </a:fontRef>
+        </p:style>
+      </p:cxnSp>
+      <p:cxnSp>
+        <p:nvCxnSpPr>
+          <p:cNvPr id="456" name="Соединительная линия уступом 620">
+            <a:extLst>
+              <a:ext uri="{FF2B5EF4-FFF2-40B4-BE49-F238E27FC236}">
+                <a16:creationId xmlns:a16="http://schemas.microsoft.com/office/drawing/2014/main" id="{C65C93F4-A64C-470D-A732-51488858BB87}"/>
+              </a:ext>
+            </a:extLst>
+          </p:cNvPr>
+          <p:cNvCxnSpPr>
+            <a:cxnSpLocks/>
+            <a:stCxn id="444" idx="2"/>
+            <a:endCxn id="446" idx="0"/>
+          </p:cNvCxnSpPr>
+          <p:nvPr/>
+        </p:nvCxnSpPr>
+        <p:spPr>
+          <a:xfrm rot="16200000" flipH="1">
+            <a:off x="18748921" y="6905687"/>
+            <a:ext cx="2623397" cy="564573"/>
+          </a:xfrm>
+          <a:prstGeom prst="bentConnector3">
+            <a:avLst>
+              <a:gd name="adj1" fmla="val 5520"/>
+            </a:avLst>
+          </a:prstGeom>
+          <a:ln w="19050">
+            <a:tailEnd type="arrow"/>
+          </a:ln>
+        </p:spPr>
+        <p:style>
+          <a:lnRef idx="1">
+            <a:schemeClr val="accent1"/>
+          </a:lnRef>
+          <a:fillRef idx="0">
+            <a:schemeClr val="accent1"/>
+          </a:fillRef>
+          <a:effectRef idx="0">
+            <a:schemeClr val="accent1"/>
+          </a:effectRef>
+          <a:fontRef idx="minor">
+            <a:schemeClr val="tx1"/>
+          </a:fontRef>
+        </p:style>
+      </p:cxnSp>
+      <p:cxnSp>
+        <p:nvCxnSpPr>
+          <p:cNvPr id="465" name="Соединительная линия уступом 620">
+            <a:extLst>
+              <a:ext uri="{FF2B5EF4-FFF2-40B4-BE49-F238E27FC236}">
+                <a16:creationId xmlns:a16="http://schemas.microsoft.com/office/drawing/2014/main" id="{683B48F5-2704-4D4E-B080-1C849F050CE8}"/>
+              </a:ext>
+            </a:extLst>
+          </p:cNvPr>
+          <p:cNvCxnSpPr>
+            <a:cxnSpLocks/>
+            <a:stCxn id="168" idx="2"/>
+            <a:endCxn id="227" idx="0"/>
+          </p:cNvCxnSpPr>
+          <p:nvPr/>
+        </p:nvCxnSpPr>
+        <p:spPr>
+          <a:xfrm rot="5400000">
+            <a:off x="21076939" y="5723819"/>
+            <a:ext cx="253393" cy="567441"/>
+          </a:xfrm>
+          <a:prstGeom prst="bentConnector3">
+            <a:avLst>
+              <a:gd name="adj1" fmla="val 50000"/>
+            </a:avLst>
+          </a:prstGeom>
+          <a:ln w="19050">
+            <a:tailEnd type="arrow"/>
+          </a:ln>
+        </p:spPr>
+        <p:style>
+          <a:lnRef idx="1">
+            <a:schemeClr val="accent1"/>
+          </a:lnRef>
+          <a:fillRef idx="0">
+            <a:schemeClr val="accent1"/>
+          </a:fillRef>
+          <a:effectRef idx="0">
+            <a:schemeClr val="accent1"/>
+          </a:effectRef>
+          <a:fontRef idx="minor">
+            <a:schemeClr val="tx1"/>
+          </a:fontRef>
+        </p:style>
+      </p:cxnSp>
+      <p:cxnSp>
+        <p:nvCxnSpPr>
+          <p:cNvPr id="468" name="Прямая со стрелкой 467">
+            <a:extLst>
+              <a:ext uri="{FF2B5EF4-FFF2-40B4-BE49-F238E27FC236}">
+                <a16:creationId xmlns:a16="http://schemas.microsoft.com/office/drawing/2014/main" id="{219D5AE1-4A88-466D-A73E-876014274608}"/>
+              </a:ext>
+            </a:extLst>
+          </p:cNvPr>
+          <p:cNvCxnSpPr>
+            <a:cxnSpLocks/>
+            <a:stCxn id="135" idx="2"/>
+            <a:endCxn id="444" idx="0"/>
+          </p:cNvCxnSpPr>
+          <p:nvPr/>
+        </p:nvCxnSpPr>
+        <p:spPr>
+          <a:xfrm>
+            <a:off x="19773848" y="5089607"/>
+            <a:ext cx="4485" cy="246669"/>
+          </a:xfrm>
+          <a:prstGeom prst="straightConnector1">
+            <a:avLst/>
           </a:prstGeom>
           <a:ln w="19050">
             <a:tailEnd type="arrow"/>

--- a/Наработки/диздоки/Франция/Франция.pptx
+++ b/Наработки/диздоки/Франция/Франция.pptx
@@ -209,7 +209,7 @@
             <a:fld id="{33E3D7F9-E251-484C-A6FF-FA958879DF69}" type="datetimeFigureOut">
               <a:rPr lang="ru-RU" smtClean="0"/>
               <a:pPr/>
-              <a:t>12.03.2024</a:t>
+              <a:t>19.03.2024</a:t>
             </a:fld>
             <a:endParaRPr lang="ru-RU"/>
           </a:p>
@@ -699,7 +699,7 @@
             <a:fld id="{85A5DE44-605B-4D3B-B2B7-94543DF81A36}" type="datetimeFigureOut">
               <a:rPr lang="ru-RU" smtClean="0"/>
               <a:pPr/>
-              <a:t>12.03.2024</a:t>
+              <a:t>19.03.2024</a:t>
             </a:fld>
             <a:endParaRPr lang="ru-RU"/>
           </a:p>
@@ -871,7 +871,7 @@
             <a:fld id="{85A5DE44-605B-4D3B-B2B7-94543DF81A36}" type="datetimeFigureOut">
               <a:rPr lang="ru-RU" smtClean="0"/>
               <a:pPr/>
-              <a:t>12.03.2024</a:t>
+              <a:t>19.03.2024</a:t>
             </a:fld>
             <a:endParaRPr lang="ru-RU"/>
           </a:p>
@@ -1053,7 +1053,7 @@
             <a:fld id="{85A5DE44-605B-4D3B-B2B7-94543DF81A36}" type="datetimeFigureOut">
               <a:rPr lang="ru-RU" smtClean="0"/>
               <a:pPr/>
-              <a:t>12.03.2024</a:t>
+              <a:t>19.03.2024</a:t>
             </a:fld>
             <a:endParaRPr lang="ru-RU"/>
           </a:p>
@@ -1225,7 +1225,7 @@
             <a:fld id="{85A5DE44-605B-4D3B-B2B7-94543DF81A36}" type="datetimeFigureOut">
               <a:rPr lang="ru-RU" smtClean="0"/>
               <a:pPr/>
-              <a:t>12.03.2024</a:t>
+              <a:t>19.03.2024</a:t>
             </a:fld>
             <a:endParaRPr lang="ru-RU"/>
           </a:p>
@@ -1473,7 +1473,7 @@
             <a:fld id="{85A5DE44-605B-4D3B-B2B7-94543DF81A36}" type="datetimeFigureOut">
               <a:rPr lang="ru-RU" smtClean="0"/>
               <a:pPr/>
-              <a:t>12.03.2024</a:t>
+              <a:t>19.03.2024</a:t>
             </a:fld>
             <a:endParaRPr lang="ru-RU"/>
           </a:p>
@@ -1707,7 +1707,7 @@
             <a:fld id="{85A5DE44-605B-4D3B-B2B7-94543DF81A36}" type="datetimeFigureOut">
               <a:rPr lang="ru-RU" smtClean="0"/>
               <a:pPr/>
-              <a:t>12.03.2024</a:t>
+              <a:t>19.03.2024</a:t>
             </a:fld>
             <a:endParaRPr lang="ru-RU"/>
           </a:p>
@@ -2076,7 +2076,7 @@
             <a:fld id="{85A5DE44-605B-4D3B-B2B7-94543DF81A36}" type="datetimeFigureOut">
               <a:rPr lang="ru-RU" smtClean="0"/>
               <a:pPr/>
-              <a:t>12.03.2024</a:t>
+              <a:t>19.03.2024</a:t>
             </a:fld>
             <a:endParaRPr lang="ru-RU"/>
           </a:p>
@@ -2196,7 +2196,7 @@
             <a:fld id="{85A5DE44-605B-4D3B-B2B7-94543DF81A36}" type="datetimeFigureOut">
               <a:rPr lang="ru-RU" smtClean="0"/>
               <a:pPr/>
-              <a:t>12.03.2024</a:t>
+              <a:t>19.03.2024</a:t>
             </a:fld>
             <a:endParaRPr lang="ru-RU"/>
           </a:p>
@@ -2293,7 +2293,7 @@
             <a:fld id="{85A5DE44-605B-4D3B-B2B7-94543DF81A36}" type="datetimeFigureOut">
               <a:rPr lang="ru-RU" smtClean="0"/>
               <a:pPr/>
-              <a:t>12.03.2024</a:t>
+              <a:t>19.03.2024</a:t>
             </a:fld>
             <a:endParaRPr lang="ru-RU"/>
           </a:p>
@@ -2572,7 +2572,7 @@
             <a:fld id="{85A5DE44-605B-4D3B-B2B7-94543DF81A36}" type="datetimeFigureOut">
               <a:rPr lang="ru-RU" smtClean="0"/>
               <a:pPr/>
-              <a:t>12.03.2024</a:t>
+              <a:t>19.03.2024</a:t>
             </a:fld>
             <a:endParaRPr lang="ru-RU"/>
           </a:p>
@@ -2831,7 +2831,7 @@
             <a:fld id="{85A5DE44-605B-4D3B-B2B7-94543DF81A36}" type="datetimeFigureOut">
               <a:rPr lang="ru-RU" smtClean="0"/>
               <a:pPr/>
-              <a:t>12.03.2024</a:t>
+              <a:t>19.03.2024</a:t>
             </a:fld>
             <a:endParaRPr lang="ru-RU"/>
           </a:p>
@@ -3046,7 +3046,7 @@
             <a:fld id="{85A5DE44-605B-4D3B-B2B7-94543DF81A36}" type="datetimeFigureOut">
               <a:rPr lang="ru-RU" smtClean="0"/>
               <a:pPr/>
-              <a:t>12.03.2024</a:t>
+              <a:t>19.03.2024</a:t>
             </a:fld>
             <a:endParaRPr lang="ru-RU"/>
           </a:p>
@@ -5607,7 +5607,7 @@
         </p:nvSpPr>
         <p:spPr>
           <a:xfrm>
-            <a:off x="23980746" y="2170733"/>
+            <a:off x="23385340" y="2178545"/>
             <a:ext cx="926325" cy="540000"/>
           </a:xfrm>
           <a:prstGeom prst="rect">
@@ -5658,7 +5658,7 @@
         </p:nvSpPr>
         <p:spPr>
           <a:xfrm>
-            <a:off x="25081620" y="2170732"/>
+            <a:off x="25676239" y="2184428"/>
             <a:ext cx="926325" cy="540000"/>
           </a:xfrm>
           <a:prstGeom prst="rect">
@@ -5692,62 +5692,6 @@
               <a:rPr lang="ru-RU" sz="700" dirty="0"/>
               <a:t>Продолжить политику дефляции</a:t>
             </a:r>
-          </a:p>
-        </p:txBody>
-      </p:sp>
-      <p:sp>
-        <p:nvSpPr>
-          <p:cNvPr id="1029" name="Прямоугольник 1028">
-            <a:extLst>
-              <a:ext uri="{FF2B5EF4-FFF2-40B4-BE49-F238E27FC236}">
-                <a16:creationId xmlns:a16="http://schemas.microsoft.com/office/drawing/2014/main" id="{EE14F29B-5BBA-4548-9FD7-68C1B6F302D3}"/>
-              </a:ext>
-            </a:extLst>
-          </p:cNvPr>
-          <p:cNvSpPr/>
-          <p:nvPr/>
-        </p:nvSpPr>
-        <p:spPr>
-          <a:xfrm>
-            <a:off x="34038819" y="17387750"/>
-            <a:ext cx="926325" cy="540000"/>
-          </a:xfrm>
-          <a:prstGeom prst="rect">
-            <a:avLst/>
-          </a:prstGeom>
-          <a:solidFill>
-            <a:schemeClr val="bg1"/>
-          </a:solidFill>
-          <a:ln w="19050"/>
-        </p:spPr>
-        <p:style>
-          <a:lnRef idx="2">
-            <a:schemeClr val="accent1"/>
-          </a:lnRef>
-          <a:fillRef idx="1">
-            <a:schemeClr val="lt1"/>
-          </a:fillRef>
-          <a:effectRef idx="0">
-            <a:schemeClr val="accent1"/>
-          </a:effectRef>
-          <a:fontRef idx="minor">
-            <a:schemeClr val="dk1"/>
-          </a:fontRef>
-        </p:style>
-        <p:txBody>
-          <a:bodyPr lIns="124733" tIns="62367" rIns="124733" bIns="62367" rtlCol="0" anchor="ctr"/>
-          <a:lstStyle/>
-          <a:p>
-            <a:pPr algn="ctr"/>
-            <a:r>
-              <a:rPr lang="ru-RU" sz="700" dirty="0"/>
-              <a:t>Издать инструкции о частичной мобилизации </a:t>
-            </a:r>
-            <a:r>
-              <a:rPr lang="ru-RU" sz="500" dirty="0"/>
-              <a:t>(после демилитаризации)</a:t>
-            </a:r>
-            <a:endParaRPr lang="ru-RU" sz="700" dirty="0"/>
           </a:p>
         </p:txBody>
       </p:sp>
@@ -6919,8 +6863,8 @@
         </p:nvCxnSpPr>
         <p:spPr>
           <a:xfrm rot="5400000">
-            <a:off x="25148907" y="2563490"/>
-            <a:ext cx="248635" cy="543119"/>
+            <a:off x="25453064" y="2273028"/>
+            <a:ext cx="234939" cy="1137738"/>
           </a:xfrm>
           <a:prstGeom prst="bentConnector3">
             <a:avLst>
@@ -6964,8 +6908,8 @@
         </p:nvCxnSpPr>
         <p:spPr>
           <a:xfrm rot="5400000">
-            <a:off x="24590077" y="1762962"/>
-            <a:ext cx="261604" cy="553939"/>
+            <a:off x="24288468" y="1469165"/>
+            <a:ext cx="269416" cy="1149345"/>
           </a:xfrm>
           <a:prstGeom prst="bentConnector3">
             <a:avLst>
@@ -7009,8 +6953,8 @@
         </p:nvCxnSpPr>
         <p:spPr>
           <a:xfrm rot="16200000" flipH="1">
-            <a:off x="25140514" y="1766462"/>
-            <a:ext cx="261603" cy="546935"/>
+            <a:off x="25430976" y="1476001"/>
+            <a:ext cx="275299" cy="1141554"/>
           </a:xfrm>
           <a:prstGeom prst="bentConnector3">
             <a:avLst>
@@ -7054,8 +6998,8 @@
         </p:nvCxnSpPr>
         <p:spPr>
           <a:xfrm rot="16200000" flipH="1">
-            <a:off x="24598469" y="2556172"/>
-            <a:ext cx="248634" cy="557755"/>
+            <a:off x="24304672" y="2262375"/>
+            <a:ext cx="240822" cy="1153161"/>
           </a:xfrm>
           <a:prstGeom prst="bentConnector3">
             <a:avLst>
@@ -8385,7 +8329,15 @@
             <a:pPr algn="ctr"/>
             <a:r>
               <a:rPr lang="ru-RU" sz="700" dirty="0"/>
-              <a:t>Реакция </a:t>
+              <a:t>Реализация плана </a:t>
+            </a:r>
+            <a:r>
+              <a:rPr lang="en-US" sz="700" dirty="0"/>
+              <a:t>Z</a:t>
+            </a:r>
+            <a:r>
+              <a:rPr lang="ru-RU" sz="700" dirty="0"/>
+              <a:t> (Реакция </a:t>
             </a:r>
             <a:r>
               <a:rPr lang="ru-RU" sz="700" dirty="0" err="1"/>
@@ -8399,7 +8351,10 @@
               <a:rPr lang="ru-RU" sz="700" dirty="0" err="1"/>
               <a:t>Франсез</a:t>
             </a:r>
-            <a:endParaRPr lang="ru-RU" sz="700" dirty="0"/>
+            <a:r>
+              <a:rPr lang="ru-RU" sz="700" dirty="0"/>
+              <a:t>)</a:t>
+            </a:r>
           </a:p>
         </p:txBody>
       </p:sp>
@@ -9387,7 +9342,7 @@
         </p:nvSpPr>
         <p:spPr>
           <a:xfrm>
-            <a:off x="10052223" y="19122749"/>
+            <a:off x="3976276" y="19122750"/>
             <a:ext cx="926325" cy="540000"/>
           </a:xfrm>
           <a:prstGeom prst="rect">
@@ -9739,7 +9694,7 @@
         </p:nvSpPr>
         <p:spPr>
           <a:xfrm>
-            <a:off x="33981669" y="18194200"/>
+            <a:off x="9521306" y="21656166"/>
             <a:ext cx="926325" cy="540000"/>
           </a:xfrm>
           <a:prstGeom prst="rect">
@@ -9770,14 +9725,29 @@
           <a:p>
             <a:pPr algn="ctr"/>
             <a:r>
+              <a:rPr lang="en-US" sz="700" dirty="0"/>
+              <a:t>MAS-38 </a:t>
+            </a:r>
+            <a:r>
               <a:rPr lang="ru-RU" sz="700" dirty="0"/>
-              <a:t>Увеличение срока службы</a:t>
-            </a:r>
-            <a:r>
-              <a:rPr lang="ru-RU" sz="500" dirty="0"/>
-              <a:t>(17 марта : Срок действительной военной службы увеличен до двух лет)</a:t>
-            </a:r>
-            <a:endParaRPr lang="ru-RU" sz="700" dirty="0"/>
+              <a:t>(пистолет-пулемёт, т.е. +</a:t>
+            </a:r>
+            <a:r>
+              <a:rPr lang="ru-RU" sz="700" dirty="0" err="1"/>
+              <a:t>техи</a:t>
+            </a:r>
+            <a:r>
+              <a:rPr lang="ru-RU" sz="700" dirty="0"/>
+              <a:t> на </a:t>
+            </a:r>
+            <a:r>
+              <a:rPr lang="ru-RU" sz="700" dirty="0" err="1"/>
+              <a:t>доп</a:t>
+            </a:r>
+            <a:r>
+              <a:rPr lang="ru-RU" sz="700" dirty="0"/>
+              <a:t>)</a:t>
+            </a:r>
           </a:p>
         </p:txBody>
       </p:sp>
@@ -9795,7 +9765,7 @@
         </p:nvSpPr>
         <p:spPr>
           <a:xfrm>
-            <a:off x="8245160" y="16833729"/>
+            <a:off x="2169213" y="16833730"/>
             <a:ext cx="926325" cy="540000"/>
           </a:xfrm>
           <a:prstGeom prst="rect">
@@ -9827,13 +9797,8 @@
             <a:pPr algn="ctr"/>
             <a:r>
               <a:rPr lang="ru-RU" sz="700" dirty="0"/>
-              <a:t>Реорганизация Национального экономического совета </a:t>
-            </a:r>
-            <a:r>
-              <a:rPr lang="ru-RU" sz="500" dirty="0"/>
-              <a:t>(19 марта)</a:t>
-            </a:r>
-            <a:endParaRPr lang="ru-RU" sz="700" dirty="0"/>
+              <a:t>Реорганизация Национального экономического совета</a:t>
+            </a:r>
           </a:p>
         </p:txBody>
       </p:sp>
@@ -9851,7 +9816,7 @@
         </p:nvSpPr>
         <p:spPr>
           <a:xfrm>
-            <a:off x="9452223" y="18323521"/>
+            <a:off x="3376276" y="18323522"/>
             <a:ext cx="926325" cy="540000"/>
           </a:xfrm>
           <a:prstGeom prst="rect">
@@ -9886,7 +9851,7 @@
             <a:pPr algn="ctr"/>
             <a:r>
               <a:rPr lang="ru-RU" sz="700" dirty="0"/>
-              <a:t>Реорганизация железных дорог (окончание 1 января 1938)</a:t>
+              <a:t>Реорганизация железных дорог</a:t>
             </a:r>
           </a:p>
         </p:txBody>
@@ -9905,7 +9870,7 @@
         </p:nvSpPr>
         <p:spPr>
           <a:xfrm>
-            <a:off x="11865881" y="18323522"/>
+            <a:off x="9520227" y="18323521"/>
             <a:ext cx="926325" cy="540000"/>
           </a:xfrm>
           <a:prstGeom prst="rect">
@@ -10055,100 +10020,8 @@
             <a:pPr algn="ctr"/>
             <a:r>
               <a:rPr lang="ru-RU" sz="700" dirty="0"/>
-              <a:t>Национальное общество авиационного строительства Запада (окончание ноябрь 1936) </a:t>
-            </a:r>
-          </a:p>
-          <a:p>
-            <a:pPr algn="ctr"/>
-            <a:r>
-              <a:rPr lang="en-US" sz="100" dirty="0"/>
-              <a:t>Société </a:t>
-            </a:r>
-            <a:r>
-              <a:rPr lang="en-US" sz="100" dirty="0" err="1"/>
-              <a:t>nationale</a:t>
-            </a:r>
-            <a:r>
-              <a:rPr lang="en-US" sz="100" dirty="0"/>
-              <a:t> des Constructions </a:t>
-            </a:r>
-            <a:r>
-              <a:rPr lang="en-US" sz="100" dirty="0" err="1"/>
-              <a:t>aéronautiques</a:t>
-            </a:r>
-            <a:r>
-              <a:rPr lang="en-US" sz="100" dirty="0"/>
-              <a:t> de </a:t>
-            </a:r>
-            <a:r>
-              <a:rPr lang="en-US" sz="100" dirty="0" err="1"/>
-              <a:t>l'Ouest</a:t>
-            </a:r>
-            <a:r>
-              <a:rPr lang="en-US" sz="100" dirty="0"/>
-              <a:t> ( SNCAO ) — </a:t>
-            </a:r>
-            <a:r>
-              <a:rPr lang="ru-RU" sz="100" dirty="0"/>
-              <a:t>французская авиационная компания , возникшая в результате слияния фабрики </a:t>
-            </a:r>
-            <a:r>
-              <a:rPr lang="en-US" sz="100" dirty="0"/>
-              <a:t>Breguet </a:t>
-            </a:r>
-            <a:r>
-              <a:rPr lang="ru-RU" sz="100" dirty="0"/>
-              <a:t>в </a:t>
-            </a:r>
-            <a:r>
-              <a:rPr lang="ru-RU" sz="100" dirty="0" err="1"/>
-              <a:t>Бугене</a:t>
-            </a:r>
-            <a:r>
-              <a:rPr lang="ru-RU" sz="100" dirty="0"/>
-              <a:t> и </a:t>
-            </a:r>
-            <a:r>
-              <a:rPr lang="en-US" sz="100" dirty="0"/>
-              <a:t>Société Anonyme Loire-</a:t>
-            </a:r>
-            <a:r>
-              <a:rPr lang="en-US" sz="100" dirty="0" err="1"/>
-              <a:t>Nieuport</a:t>
-            </a:r>
-            <a:r>
-              <a:rPr lang="en-US" sz="100" dirty="0"/>
-              <a:t> </a:t>
-            </a:r>
-            <a:r>
-              <a:rPr lang="ru-RU" sz="100" dirty="0"/>
-              <a:t>в Сен-</a:t>
-            </a:r>
-            <a:r>
-              <a:rPr lang="ru-RU" sz="100" dirty="0" err="1"/>
-              <a:t>Назере</a:t>
-            </a:r>
-            <a:r>
-              <a:rPr lang="ru-RU" sz="100" dirty="0"/>
-              <a:t> и </a:t>
-            </a:r>
-            <a:r>
-              <a:rPr lang="ru-RU" sz="100" dirty="0" err="1"/>
-              <a:t>Исси</a:t>
-            </a:r>
-            <a:r>
-              <a:rPr lang="ru-RU" sz="100" dirty="0"/>
-              <a:t>-</a:t>
-            </a:r>
-            <a:r>
-              <a:rPr lang="ru-RU" sz="100" dirty="0" err="1"/>
-              <a:t>ле</a:t>
-            </a:r>
-            <a:r>
-              <a:rPr lang="ru-RU" sz="100" dirty="0"/>
-              <a:t>-Мулино в ноябре 1936 года .</a:t>
-            </a:r>
-            <a:endParaRPr lang="ru-RU" sz="700" dirty="0"/>
+              <a:t>Национальное общество авиационного строительства Запада</a:t>
+            </a:r>
           </a:p>
         </p:txBody>
       </p:sp>
@@ -10359,97 +10232,8 @@
             <a:pPr algn="ctr"/>
             <a:r>
               <a:rPr lang="ru-RU" sz="700" dirty="0"/>
-              <a:t>Национальная авиастроительная компания Юга (окончание 1 апреля 1937) </a:t>
-            </a:r>
-            <a:r>
-              <a:rPr lang="en-US" sz="100" dirty="0"/>
-              <a:t>Société </a:t>
-            </a:r>
-            <a:r>
-              <a:rPr lang="en-US" sz="100" dirty="0" err="1"/>
-              <a:t>nationale</a:t>
-            </a:r>
-            <a:r>
-              <a:rPr lang="en-US" sz="100" dirty="0"/>
-              <a:t> des Constructions </a:t>
-            </a:r>
-            <a:r>
-              <a:rPr lang="en-US" sz="100" dirty="0" err="1"/>
-              <a:t>aéronautiques</a:t>
-            </a:r>
-            <a:r>
-              <a:rPr lang="en-US" sz="100" dirty="0"/>
-              <a:t> de </a:t>
-            </a:r>
-            <a:r>
-              <a:rPr lang="en-US" sz="100" dirty="0" err="1"/>
-              <a:t>l'Ouest</a:t>
-            </a:r>
-            <a:r>
-              <a:rPr lang="en-US" sz="100" dirty="0"/>
-              <a:t> ( SNCAO ) — </a:t>
-            </a:r>
-            <a:r>
-              <a:rPr lang="ru-RU" sz="100" dirty="0"/>
-              <a:t>французская авиационная компания , возникшая в результате слияния фабрики </a:t>
-            </a:r>
-            <a:r>
-              <a:rPr lang="en-US" sz="100" dirty="0"/>
-              <a:t>Breguet </a:t>
-            </a:r>
-            <a:r>
-              <a:rPr lang="ru-RU" sz="100" dirty="0"/>
-              <a:t>в </a:t>
-            </a:r>
-            <a:r>
-              <a:rPr lang="ru-RU" sz="100" dirty="0" err="1"/>
-              <a:t>Бугене</a:t>
-            </a:r>
-            <a:r>
-              <a:rPr lang="ru-RU" sz="100" dirty="0"/>
-              <a:t> и </a:t>
-            </a:r>
-            <a:r>
-              <a:rPr lang="en-US" sz="100" dirty="0"/>
-              <a:t>Société Anonyme Loire-</a:t>
-            </a:r>
-            <a:r>
-              <a:rPr lang="en-US" sz="100" dirty="0" err="1"/>
-              <a:t>Nieuport</a:t>
-            </a:r>
-            <a:r>
-              <a:rPr lang="en-US" sz="100" dirty="0"/>
-              <a:t> </a:t>
-            </a:r>
-            <a:r>
-              <a:rPr lang="ru-RU" sz="100" dirty="0"/>
-              <a:t>в Сен-</a:t>
-            </a:r>
-            <a:r>
-              <a:rPr lang="ru-RU" sz="100" dirty="0" err="1"/>
-              <a:t>Назере</a:t>
-            </a:r>
-            <a:r>
-              <a:rPr lang="ru-RU" sz="100" dirty="0"/>
-              <a:t> и </a:t>
-            </a:r>
-            <a:r>
-              <a:rPr lang="ru-RU" sz="100" dirty="0" err="1"/>
-              <a:t>Исси</a:t>
-            </a:r>
-            <a:r>
-              <a:rPr lang="ru-RU" sz="100" dirty="0"/>
-              <a:t>-</a:t>
-            </a:r>
-            <a:r>
-              <a:rPr lang="ru-RU" sz="100" dirty="0" err="1"/>
-              <a:t>ле</a:t>
-            </a:r>
-            <a:r>
-              <a:rPr lang="ru-RU" sz="100" dirty="0"/>
-              <a:t>-Мулино в ноябре 1936 года .</a:t>
-            </a:r>
-            <a:endParaRPr lang="ru-RU" sz="700" dirty="0"/>
+              <a:t>Национальная авиастроительная компания Юга</a:t>
+            </a:r>
           </a:p>
         </p:txBody>
       </p:sp>
@@ -10464,15 +10248,15 @@
           </p:cNvPr>
           <p:cNvCxnSpPr>
             <a:cxnSpLocks/>
-            <a:stCxn id="157" idx="3"/>
-            <a:endCxn id="158" idx="1"/>
+            <a:stCxn id="296" idx="3"/>
+            <a:endCxn id="295" idx="1"/>
           </p:cNvCxnSpPr>
           <p:nvPr/>
         </p:nvCxnSpPr>
         <p:spPr>
-          <a:xfrm>
-            <a:off x="13996460" y="21114044"/>
-            <a:ext cx="284014" cy="0"/>
+          <a:xfrm flipV="1">
+            <a:off x="9305561" y="20253398"/>
+            <a:ext cx="1349637" cy="1619"/>
           </a:xfrm>
           <a:prstGeom prst="line">
             <a:avLst/>
@@ -10516,8 +10300,8 @@
         </p:nvCxnSpPr>
         <p:spPr>
           <a:xfrm rot="16200000" flipH="1">
-            <a:off x="10417576" y="16412054"/>
-            <a:ext cx="202214" cy="3620722"/>
+            <a:off x="6206776" y="14546907"/>
+            <a:ext cx="202212" cy="7351015"/>
           </a:xfrm>
           <a:prstGeom prst="bentConnector3">
             <a:avLst>
@@ -10781,7 +10565,7 @@
         </p:nvSpPr>
         <p:spPr>
           <a:xfrm>
-            <a:off x="14874506" y="22350303"/>
+            <a:off x="14874506" y="22459487"/>
             <a:ext cx="926325" cy="540000"/>
           </a:xfrm>
           <a:prstGeom prst="rect">
@@ -10856,8 +10640,8 @@
         </p:nvCxnSpPr>
         <p:spPr>
           <a:xfrm rot="5400000">
-            <a:off x="14587151" y="18608899"/>
-            <a:ext cx="309227" cy="2416931"/>
+            <a:off x="14877393" y="18297721"/>
+            <a:ext cx="330162" cy="3018352"/>
           </a:xfrm>
           <a:prstGeom prst="bentConnector3">
             <a:avLst>
@@ -10897,7 +10681,7 @@
         </p:nvSpPr>
         <p:spPr>
           <a:xfrm>
-            <a:off x="12463002" y="22350303"/>
+            <a:off x="12463002" y="22459487"/>
             <a:ext cx="926325" cy="540000"/>
           </a:xfrm>
           <a:prstGeom prst="rect">
@@ -10980,12 +10764,12 @@
         </p:nvCxnSpPr>
         <p:spPr>
           <a:xfrm rot="5400000">
-            <a:off x="12310570" y="21127574"/>
-            <a:ext cx="1838325" cy="607133"/>
+            <a:off x="12255978" y="21182166"/>
+            <a:ext cx="1947509" cy="607133"/>
           </a:xfrm>
           <a:prstGeom prst="bentConnector3">
             <a:avLst>
-              <a:gd name="adj1" fmla="val 8387"/>
+              <a:gd name="adj1" fmla="val 8596"/>
             </a:avLst>
           </a:prstGeom>
           <a:ln w="19050">
@@ -11025,7 +10809,7 @@
         </p:nvCxnSpPr>
         <p:spPr>
           <a:xfrm>
-            <a:off x="13389327" y="22620303"/>
+            <a:off x="13389327" y="22729487"/>
             <a:ext cx="1485179" cy="0"/>
           </a:xfrm>
           <a:prstGeom prst="line">
@@ -11066,7 +10850,7 @@
         </p:nvSpPr>
         <p:spPr>
           <a:xfrm>
-            <a:off x="12463002" y="23160303"/>
+            <a:off x="12463002" y="23269487"/>
             <a:ext cx="926325" cy="540000"/>
           </a:xfrm>
           <a:prstGeom prst="rect">
@@ -11153,7 +10937,7 @@
         </p:nvCxnSpPr>
         <p:spPr>
           <a:xfrm>
-            <a:off x="12926165" y="22890303"/>
+            <a:off x="12926165" y="22999487"/>
             <a:ext cx="0" cy="270000"/>
           </a:xfrm>
           <a:prstGeom prst="straightConnector1">
@@ -11467,7 +11251,7 @@
         </p:nvSpPr>
         <p:spPr>
           <a:xfrm>
-            <a:off x="15487066" y="19122751"/>
+            <a:off x="16088487" y="19101816"/>
             <a:ext cx="926325" cy="540000"/>
           </a:xfrm>
           <a:prstGeom prst="rect">
@@ -12017,7 +11801,7 @@
         </p:nvCxnSpPr>
         <p:spPr>
           <a:xfrm>
-            <a:off x="15800831" y="22620303"/>
+            <a:off x="15800831" y="22729487"/>
             <a:ext cx="1504778" cy="0"/>
           </a:xfrm>
           <a:prstGeom prst="line">
@@ -12044,51 +11828,6 @@
           </a:fontRef>
         </p:style>
       </p:cxnSp>
-      <p:cxnSp>
-        <p:nvCxnSpPr>
-          <p:cNvPr id="236" name="Соединительная линия уступом 620">
-            <a:extLst>
-              <a:ext uri="{FF2B5EF4-FFF2-40B4-BE49-F238E27FC236}">
-                <a16:creationId xmlns:a16="http://schemas.microsoft.com/office/drawing/2014/main" id="{5D24F816-9CB1-4969-868F-446F1DF9BFAE}"/>
-              </a:ext>
-            </a:extLst>
-          </p:cNvPr>
-          <p:cNvCxnSpPr>
-            <a:cxnSpLocks/>
-            <a:stCxn id="200" idx="2"/>
-            <a:endCxn id="191" idx="0"/>
-          </p:cNvCxnSpPr>
-          <p:nvPr/>
-        </p:nvCxnSpPr>
-        <p:spPr>
-          <a:xfrm rot="16200000" flipH="1">
-            <a:off x="16095850" y="19517129"/>
-            <a:ext cx="310179" cy="601421"/>
-          </a:xfrm>
-          <a:prstGeom prst="bentConnector3">
-            <a:avLst>
-              <a:gd name="adj1" fmla="val 50000"/>
-            </a:avLst>
-          </a:prstGeom>
-          <a:ln w="19050">
-            <a:tailEnd type="arrow"/>
-          </a:ln>
-        </p:spPr>
-        <p:style>
-          <a:lnRef idx="1">
-            <a:schemeClr val="accent1"/>
-          </a:lnRef>
-          <a:fillRef idx="0">
-            <a:schemeClr val="accent1"/>
-          </a:fillRef>
-          <a:effectRef idx="0">
-            <a:schemeClr val="accent1"/>
-          </a:effectRef>
-          <a:fontRef idx="minor">
-            <a:schemeClr val="tx1"/>
-          </a:fontRef>
-        </p:style>
-      </p:cxnSp>
       <p:sp>
         <p:nvSpPr>
           <p:cNvPr id="244" name="Прямоугольник 243">
@@ -12103,7 +11842,7 @@
         </p:nvSpPr>
         <p:spPr>
           <a:xfrm>
-            <a:off x="17305609" y="22350303"/>
+            <a:off x="17305609" y="22459487"/>
             <a:ext cx="926325" cy="540000"/>
           </a:xfrm>
           <a:prstGeom prst="rect">
@@ -12313,193 +12052,8 @@
             <a:pPr algn="ctr"/>
             <a:r>
               <a:rPr lang="ru-RU" sz="700" dirty="0"/>
-              <a:t>Национальное общество авиационного строительства центра (окончание 1 февраля 1937) </a:t>
-            </a:r>
-            <a:r>
-              <a:rPr lang="ru-RU" sz="100" dirty="0" err="1"/>
-              <a:t>Société</a:t>
-            </a:r>
-            <a:r>
-              <a:rPr lang="ru-RU" sz="100" dirty="0"/>
-              <a:t> </a:t>
-            </a:r>
-            <a:r>
-              <a:rPr lang="ru-RU" sz="100" dirty="0" err="1"/>
-              <a:t>Nationale</a:t>
-            </a:r>
-            <a:r>
-              <a:rPr lang="ru-RU" sz="100" dirty="0"/>
-              <a:t> </a:t>
-            </a:r>
-            <a:r>
-              <a:rPr lang="ru-RU" sz="100" dirty="0" err="1"/>
-              <a:t>des</a:t>
-            </a:r>
-            <a:r>
-              <a:rPr lang="ru-RU" sz="100" dirty="0"/>
-              <a:t> </a:t>
-            </a:r>
-            <a:r>
-              <a:rPr lang="ru-RU" sz="100" dirty="0" err="1"/>
-              <a:t>Constructions</a:t>
-            </a:r>
-            <a:r>
-              <a:rPr lang="ru-RU" sz="100" dirty="0"/>
-              <a:t> </a:t>
-            </a:r>
-            <a:r>
-              <a:rPr lang="ru-RU" sz="100" dirty="0" err="1"/>
-              <a:t>aéronautiques</a:t>
-            </a:r>
-            <a:r>
-              <a:rPr lang="ru-RU" sz="100" dirty="0"/>
-              <a:t> </a:t>
-            </a:r>
-            <a:r>
-              <a:rPr lang="ru-RU" sz="100" dirty="0" err="1"/>
-              <a:t>du</a:t>
-            </a:r>
-            <a:r>
-              <a:rPr lang="ru-RU" sz="100" dirty="0"/>
-              <a:t> </a:t>
-            </a:r>
-            <a:r>
-              <a:rPr lang="ru-RU" sz="100" dirty="0" err="1"/>
-              <a:t>Sud-Est</a:t>
-            </a:r>
-            <a:r>
-              <a:rPr lang="ru-RU" sz="100" dirty="0"/>
-              <a:t> ( SNCASE ) — французская компания, созданная в1 февраля 1937 </a:t>
-            </a:r>
-            <a:r>
-              <a:rPr lang="ru-RU" sz="100" dirty="0" err="1"/>
-              <a:t>годаи</a:t>
-            </a:r>
-            <a:r>
-              <a:rPr lang="ru-RU" sz="100" dirty="0"/>
-              <a:t> исчезла в 1957 году. Она была создана путем национализации и перегруппировки компаний </a:t>
-            </a:r>
-            <a:r>
-              <a:rPr lang="ru-RU" sz="100" dirty="0" err="1"/>
-              <a:t>Potez</a:t>
-            </a:r>
-            <a:r>
-              <a:rPr lang="ru-RU" sz="100" dirty="0"/>
-              <a:t> в </a:t>
-            </a:r>
-            <a:r>
-              <a:rPr lang="ru-RU" sz="100" dirty="0" err="1"/>
-              <a:t>Берре</a:t>
-            </a:r>
-            <a:r>
-              <a:rPr lang="ru-RU" sz="100" dirty="0"/>
-              <a:t> , CAMS в </a:t>
-            </a:r>
-            <a:r>
-              <a:rPr lang="ru-RU" sz="100" dirty="0" err="1"/>
-              <a:t>Витроле</a:t>
-            </a:r>
-            <a:r>
-              <a:rPr lang="ru-RU" sz="100" dirty="0"/>
-              <a:t> , </a:t>
-            </a:r>
-            <a:r>
-              <a:rPr lang="ru-RU" sz="100" dirty="0" err="1"/>
-              <a:t>Romano</a:t>
-            </a:r>
-            <a:r>
-              <a:rPr lang="ru-RU" sz="100" dirty="0"/>
-              <a:t> в Каннах , SPCA в Марселе , а также </a:t>
-            </a:r>
-            <a:r>
-              <a:rPr lang="ru-RU" sz="100" dirty="0" err="1"/>
-              <a:t>Lioré</a:t>
-            </a:r>
-            <a:r>
-              <a:rPr lang="ru-RU" sz="100" dirty="0"/>
-              <a:t> и </a:t>
-            </a:r>
-            <a:r>
-              <a:rPr lang="ru-RU" sz="100" dirty="0" err="1"/>
-              <a:t>Olivier</a:t>
-            </a:r>
-            <a:r>
-              <a:rPr lang="ru-RU" sz="100" dirty="0"/>
-              <a:t> в </a:t>
-            </a:r>
-            <a:r>
-              <a:rPr lang="ru-RU" sz="100" dirty="0" err="1"/>
-              <a:t>Аржантёе</a:t>
-            </a:r>
-            <a:r>
-              <a:rPr lang="ru-RU" sz="100" dirty="0"/>
-              <a:t> и </a:t>
-            </a:r>
-            <a:r>
-              <a:rPr lang="ru-RU" sz="100" dirty="0" err="1"/>
-              <a:t>Клиши</a:t>
-            </a:r>
-            <a:r>
-              <a:rPr lang="ru-RU" sz="100" dirty="0"/>
-              <a:t>-ла-</a:t>
-            </a:r>
-            <a:r>
-              <a:rPr lang="ru-RU" sz="100" dirty="0" err="1"/>
-              <a:t>Гаренне</a:t>
-            </a:r>
-            <a:r>
-              <a:rPr lang="ru-RU" sz="100" dirty="0"/>
-              <a:t> [ 1 ] .В 1939 году была открыта для производства фабрика </a:t>
-            </a:r>
-            <a:r>
-              <a:rPr lang="ru-RU" sz="100" dirty="0" err="1"/>
-              <a:t>Мариньян</a:t>
-            </a:r>
-            <a:r>
-              <a:rPr lang="ru-RU" sz="100" dirty="0"/>
-              <a:t> там, где уже располагался аэропорт </a:t>
-            </a:r>
-            <a:r>
-              <a:rPr lang="ru-RU" sz="100" dirty="0" err="1"/>
-              <a:t>Мариньян</a:t>
-            </a:r>
-            <a:r>
-              <a:rPr lang="ru-RU" sz="100" dirty="0"/>
-              <a:t> [ 2 ] .В конце 1940 года SNCASE поглотила Национальное общество авиационного строительства Миди (SNCAM), базирующееся в </a:t>
-            </a:r>
-            <a:r>
-              <a:rPr lang="ru-RU" sz="100" dirty="0" err="1"/>
-              <a:t>Тулузе.В</a:t>
-            </a:r>
-            <a:r>
-              <a:rPr lang="ru-RU" sz="100" dirty="0"/>
-              <a:t> 1957 году SNCASE была объединена с SNCASO и образовала компанию </a:t>
-            </a:r>
-            <a:r>
-              <a:rPr lang="ru-RU" sz="100" dirty="0" err="1"/>
-              <a:t>Sud-Aviation</a:t>
-            </a:r>
-            <a:r>
-              <a:rPr lang="ru-RU" sz="100" dirty="0"/>
-              <a:t> , прародительницу компании </a:t>
-            </a:r>
-            <a:r>
-              <a:rPr lang="ru-RU" sz="100" dirty="0" err="1"/>
-              <a:t>Aérospatiale</a:t>
-            </a:r>
-            <a:r>
-              <a:rPr lang="ru-RU" sz="100" dirty="0"/>
-              <a:t> (см. также </a:t>
-            </a:r>
-            <a:r>
-              <a:rPr lang="ru-RU" sz="100" dirty="0" err="1"/>
-              <a:t>Eurocopter</a:t>
-            </a:r>
-            <a:r>
-              <a:rPr lang="ru-RU" sz="100" dirty="0"/>
-              <a:t> ).</a:t>
-            </a:r>
-            <a:endParaRPr lang="ru-RU" sz="700" dirty="0"/>
+              <a:t>Национальное общество авиационного строительства центра</a:t>
+            </a:r>
           </a:p>
         </p:txBody>
       </p:sp>
@@ -12521,12 +12075,12 @@
         </p:nvCxnSpPr>
         <p:spPr>
           <a:xfrm rot="16200000" flipH="1">
-            <a:off x="16565545" y="19047435"/>
-            <a:ext cx="1181293" cy="2411924"/>
+            <a:off x="16855787" y="19337678"/>
+            <a:ext cx="1202228" cy="1810503"/>
           </a:xfrm>
           <a:prstGeom prst="bentConnector3">
             <a:avLst>
-              <a:gd name="adj1" fmla="val 13067"/>
+              <a:gd name="adj1" fmla="val 13624"/>
             </a:avLst>
           </a:prstGeom>
           <a:ln w="19050">
@@ -12720,12 +12274,12 @@
         </p:nvCxnSpPr>
         <p:spPr>
           <a:xfrm rot="16200000" flipH="1">
-            <a:off x="16980207" y="21561737"/>
-            <a:ext cx="966259" cy="610871"/>
+            <a:off x="16925615" y="21616329"/>
+            <a:ext cx="1075443" cy="610871"/>
           </a:xfrm>
           <a:prstGeom prst="bentConnector3">
             <a:avLst>
-              <a:gd name="adj1" fmla="val 14126"/>
+              <a:gd name="adj1" fmla="val 12563"/>
             </a:avLst>
           </a:prstGeom>
           <a:ln w="19050">
@@ -12765,12 +12319,12 @@
         </p:nvCxnSpPr>
         <p:spPr>
           <a:xfrm rot="16200000" flipH="1">
-            <a:off x="14557524" y="21570157"/>
-            <a:ext cx="966259" cy="594032"/>
+            <a:off x="14502932" y="21624749"/>
+            <a:ext cx="1075443" cy="594032"/>
           </a:xfrm>
           <a:prstGeom prst="bentConnector3">
             <a:avLst>
-              <a:gd name="adj1" fmla="val 12271"/>
+              <a:gd name="adj1" fmla="val 9391"/>
             </a:avLst>
           </a:prstGeom>
           <a:ln w="19050">
@@ -12810,8 +12364,8 @@
         </p:nvCxnSpPr>
         <p:spPr>
           <a:xfrm rot="5400000">
-            <a:off x="15189166" y="19217222"/>
-            <a:ext cx="315534" cy="1206593"/>
+            <a:off x="15479409" y="18906043"/>
+            <a:ext cx="336469" cy="1808014"/>
           </a:xfrm>
           <a:prstGeom prst="bentConnector3">
             <a:avLst>
@@ -12973,8 +12527,8 @@
         </p:nvCxnSpPr>
         <p:spPr>
           <a:xfrm rot="16200000" flipH="1">
-            <a:off x="16702445" y="18910535"/>
-            <a:ext cx="309227" cy="1813658"/>
+            <a:off x="16992687" y="19200778"/>
+            <a:ext cx="330162" cy="1212237"/>
           </a:xfrm>
           <a:prstGeom prst="bentConnector3">
             <a:avLst>
@@ -13044,32 +12598,8 @@
             <a:pPr algn="ctr"/>
             <a:r>
               <a:rPr lang="ru-RU" sz="700" dirty="0"/>
-              <a:t>Парашютное подразделение ВВС (1 апреля 1937)</a:t>
-            </a:r>
-          </a:p>
-          <a:p>
-            <a:pPr algn="ctr"/>
-            <a:r>
-              <a:rPr lang="ru-RU" sz="100" dirty="0"/>
-              <a:t>В другом районе,1 апреля 1937 </a:t>
-            </a:r>
-            <a:r>
-              <a:rPr lang="ru-RU" sz="100" dirty="0" err="1"/>
-              <a:t>годаКапитан</a:t>
-            </a:r>
-            <a:r>
-              <a:rPr lang="ru-RU" sz="100" dirty="0"/>
-              <a:t> Фредерик </a:t>
-            </a:r>
-            <a:r>
-              <a:rPr lang="ru-RU" sz="100" dirty="0" err="1"/>
-              <a:t>Жей</a:t>
-            </a:r>
-            <a:r>
-              <a:rPr lang="ru-RU" sz="100" dirty="0"/>
-              <a:t> создал первое парашютное подразделение ВВС (и французской военной истории) — 601-ю группу воздушной пехоты ( 601-я GIA ). В составе 602-й GIA она останется оружием под рукой во время французской кампании [ 30 ] .</a:t>
-            </a:r>
-            <a:endParaRPr lang="ru-RU" sz="700" dirty="0"/>
+              <a:t>Парашютное подразделение ВВС</a:t>
+            </a:r>
           </a:p>
         </p:txBody>
       </p:sp>
@@ -13600,8 +13130,8 @@
         </p:nvCxnSpPr>
         <p:spPr>
           <a:xfrm rot="16200000" flipH="1">
-            <a:off x="17306280" y="18306699"/>
-            <a:ext cx="309227" cy="3021329"/>
+            <a:off x="17596523" y="18596943"/>
+            <a:ext cx="330162" cy="2419908"/>
           </a:xfrm>
           <a:prstGeom prst="bentConnector3">
             <a:avLst>
@@ -13645,8 +13175,8 @@
         </p:nvCxnSpPr>
         <p:spPr>
           <a:xfrm rot="16200000" flipH="1">
-            <a:off x="17908407" y="17704573"/>
-            <a:ext cx="309227" cy="4225582"/>
+            <a:off x="18198649" y="17994816"/>
+            <a:ext cx="330162" cy="3624161"/>
           </a:xfrm>
           <a:prstGeom prst="bentConnector3">
             <a:avLst>
@@ -13957,7 +13487,7 @@
         </p:nvSpPr>
         <p:spPr>
           <a:xfrm>
-            <a:off x="8245159" y="17581308"/>
+            <a:off x="2169212" y="17581309"/>
             <a:ext cx="926325" cy="540000"/>
           </a:xfrm>
           <a:prstGeom prst="rect">
@@ -13992,13 +13522,8 @@
             <a:pPr algn="ctr"/>
             <a:r>
               <a:rPr lang="ru-RU" sz="700" dirty="0"/>
-              <a:t>Реформировать статус банка Франции </a:t>
-            </a:r>
-            <a:r>
-              <a:rPr lang="ru-RU" sz="500" dirty="0"/>
-              <a:t>(24 февраля)</a:t>
-            </a:r>
-            <a:endParaRPr lang="ru-RU" sz="700" dirty="0"/>
+              <a:t>Реформировать статус банка Франции</a:t>
+            </a:r>
           </a:p>
         </p:txBody>
       </p:sp>
@@ -14173,8 +13698,8 @@
         </p:nvCxnSpPr>
         <p:spPr>
           <a:xfrm rot="16200000" flipH="1">
-            <a:off x="14010022" y="17182543"/>
-            <a:ext cx="259229" cy="3621185"/>
+            <a:off x="13148373" y="15698538"/>
+            <a:ext cx="238295" cy="6568260"/>
           </a:xfrm>
           <a:prstGeom prst="bentConnector3">
             <a:avLst>
@@ -14214,7 +13739,7 @@
         </p:nvSpPr>
         <p:spPr>
           <a:xfrm>
-            <a:off x="10659287" y="18323521"/>
+            <a:off x="4583340" y="18323522"/>
             <a:ext cx="926325" cy="540000"/>
           </a:xfrm>
           <a:prstGeom prst="rect">
@@ -14249,13 +13774,8 @@
             <a:pPr algn="ctr"/>
             <a:r>
               <a:rPr lang="ru-RU" sz="700" dirty="0"/>
-              <a:t>Электрификация сельской местности </a:t>
-            </a:r>
-            <a:r>
-              <a:rPr lang="ru-RU" sz="500" dirty="0"/>
-              <a:t>(18 августа)</a:t>
-            </a:r>
-            <a:endParaRPr lang="ru-RU" sz="700" dirty="0"/>
+              <a:t>Электрификация сельской местности</a:t>
+            </a:r>
           </a:p>
         </p:txBody>
       </p:sp>
@@ -14273,7 +13793,7 @@
         </p:nvSpPr>
         <p:spPr>
           <a:xfrm>
-            <a:off x="8244695" y="18323521"/>
+            <a:off x="2168748" y="18323522"/>
             <a:ext cx="926325" cy="540000"/>
           </a:xfrm>
           <a:prstGeom prst="rect">
@@ -14336,7 +13856,7 @@
         </p:nvCxnSpPr>
         <p:spPr>
           <a:xfrm flipH="1">
-            <a:off x="8708322" y="17373729"/>
+            <a:off x="2632375" y="17373730"/>
             <a:ext cx="1" cy="207579"/>
           </a:xfrm>
           <a:prstGeom prst="straightConnector1">
@@ -14471,7 +13991,7 @@
         </p:nvSpPr>
         <p:spPr>
           <a:xfrm>
-            <a:off x="11865881" y="19122750"/>
+            <a:off x="9520227" y="19116898"/>
             <a:ext cx="926325" cy="540000"/>
           </a:xfrm>
           <a:prstGeom prst="rect">
@@ -14529,7 +14049,7 @@
         </p:nvCxnSpPr>
         <p:spPr>
           <a:xfrm rot="16200000" flipH="1">
-            <a:off x="9814280" y="17015350"/>
+            <a:off x="3738333" y="17015351"/>
             <a:ext cx="202213" cy="2414128"/>
           </a:xfrm>
           <a:prstGeom prst="bentConnector3">
@@ -14574,8 +14094,8 @@
         </p:nvCxnSpPr>
         <p:spPr>
           <a:xfrm>
-            <a:off x="12329044" y="18863522"/>
-            <a:ext cx="0" cy="259228"/>
+            <a:off x="9983390" y="18863521"/>
+            <a:ext cx="0" cy="253377"/>
           </a:xfrm>
           <a:prstGeom prst="straightConnector1">
             <a:avLst/>
@@ -14617,7 +14137,7 @@
         </p:nvCxnSpPr>
         <p:spPr>
           <a:xfrm rot="16200000" flipH="1">
-            <a:off x="9210748" y="17618882"/>
+            <a:off x="3134801" y="17618883"/>
             <a:ext cx="202213" cy="1207064"/>
           </a:xfrm>
           <a:prstGeom prst="bentConnector3">
@@ -14662,7 +14182,7 @@
         </p:nvCxnSpPr>
         <p:spPr>
           <a:xfrm flipH="1">
-            <a:off x="8707858" y="18121308"/>
+            <a:off x="2631911" y="18121309"/>
             <a:ext cx="464" cy="202213"/>
           </a:xfrm>
           <a:prstGeom prst="straightConnector1">
@@ -14898,7 +14418,7 @@
         </p:nvCxnSpPr>
         <p:spPr>
           <a:xfrm rot="16200000" flipH="1">
-            <a:off x="9111134" y="17718496"/>
+            <a:off x="3035187" y="17718497"/>
             <a:ext cx="1001441" cy="1807064"/>
           </a:xfrm>
           <a:prstGeom prst="bentConnector3">
@@ -16753,7 +16273,7 @@
         </p:nvSpPr>
         <p:spPr>
           <a:xfrm>
-            <a:off x="10052222" y="19983397"/>
+            <a:off x="3976275" y="19983398"/>
             <a:ext cx="926325" cy="540000"/>
           </a:xfrm>
           <a:prstGeom prst="rect">
@@ -16819,7 +16339,7 @@
         </p:nvCxnSpPr>
         <p:spPr>
           <a:xfrm flipH="1">
-            <a:off x="10515385" y="19662749"/>
+            <a:off x="4439438" y="19662750"/>
             <a:ext cx="1" cy="320648"/>
           </a:xfrm>
           <a:prstGeom prst="straightConnector1">
@@ -16858,7 +16378,7 @@
         </p:nvSpPr>
         <p:spPr>
           <a:xfrm>
-            <a:off x="8807248" y="19122749"/>
+            <a:off x="2731301" y="19122750"/>
             <a:ext cx="926325" cy="540000"/>
           </a:xfrm>
           <a:prstGeom prst="rect">
@@ -17420,7 +16940,7 @@
             <a:pPr algn="ctr"/>
             <a:r>
               <a:rPr lang="ru-RU" sz="700" dirty="0"/>
-              <a:t>Распустить и запретить ФКП (26 августа 1936) </a:t>
+              <a:t>Распустить и запретить ФКП (26 сентября 1939) </a:t>
             </a:r>
             <a:r>
               <a:rPr lang="ru-RU" sz="100" dirty="0"/>
@@ -18763,7 +18283,7 @@
             <a:pPr algn="ctr"/>
             <a:r>
               <a:rPr lang="ru-RU" sz="700" dirty="0"/>
-              <a:t>Возродить договорённости Малой Антанты (ЧС, Румыния и Польша)</a:t>
+              <a:t>Возродить договорённости Малой Антанты (ЧС, Румыния и Югославия)</a:t>
             </a:r>
           </a:p>
         </p:txBody>
@@ -19850,6 +19370,2094 @@
           <a:xfrm>
             <a:off x="19773848" y="5089607"/>
             <a:ext cx="4485" cy="246669"/>
+          </a:xfrm>
+          <a:prstGeom prst="straightConnector1">
+            <a:avLst/>
+          </a:prstGeom>
+          <a:ln w="19050">
+            <a:tailEnd type="arrow"/>
+          </a:ln>
+        </p:spPr>
+        <p:style>
+          <a:lnRef idx="1">
+            <a:schemeClr val="accent1"/>
+          </a:lnRef>
+          <a:fillRef idx="0">
+            <a:schemeClr val="accent1"/>
+          </a:fillRef>
+          <a:effectRef idx="0">
+            <a:schemeClr val="accent1"/>
+          </a:effectRef>
+          <a:fontRef idx="minor">
+            <a:schemeClr val="tx1"/>
+          </a:fontRef>
+        </p:style>
+      </p:cxnSp>
+      <p:sp>
+        <p:nvSpPr>
+          <p:cNvPr id="295" name="Прямоугольник 294">
+            <a:extLst>
+              <a:ext uri="{FF2B5EF4-FFF2-40B4-BE49-F238E27FC236}">
+                <a16:creationId xmlns:a16="http://schemas.microsoft.com/office/drawing/2014/main" id="{7008E378-8A23-4F95-9657-F91EDC4418D9}"/>
+              </a:ext>
+            </a:extLst>
+          </p:cNvPr>
+          <p:cNvSpPr/>
+          <p:nvPr/>
+        </p:nvSpPr>
+        <p:spPr>
+          <a:xfrm>
+            <a:off x="10655198" y="19983398"/>
+            <a:ext cx="926325" cy="540000"/>
+          </a:xfrm>
+          <a:prstGeom prst="rect">
+            <a:avLst/>
+          </a:prstGeom>
+          <a:noFill/>
+          <a:ln w="19050"/>
+        </p:spPr>
+        <p:style>
+          <a:lnRef idx="2">
+            <a:schemeClr val="accent1"/>
+          </a:lnRef>
+          <a:fillRef idx="1">
+            <a:schemeClr val="lt1"/>
+          </a:fillRef>
+          <a:effectRef idx="0">
+            <a:schemeClr val="accent1"/>
+          </a:effectRef>
+          <a:fontRef idx="minor">
+            <a:schemeClr val="dk1"/>
+          </a:fontRef>
+        </p:style>
+        <p:txBody>
+          <a:bodyPr lIns="124733" tIns="62367" rIns="124733" bIns="62367" rtlCol="0" anchor="ctr"/>
+          <a:lstStyle/>
+          <a:p>
+            <a:pPr algn="ctr"/>
+            <a:r>
+              <a:rPr lang="ru-RU" sz="700" dirty="0"/>
+              <a:t>Вернуть </a:t>
+            </a:r>
+            <a:r>
+              <a:rPr lang="ru-RU" sz="700" dirty="0" err="1"/>
+              <a:t>Петена</a:t>
+            </a:r>
+            <a:r>
+              <a:rPr lang="ru-RU" sz="700" dirty="0"/>
+              <a:t> на пост командующего</a:t>
+            </a:r>
+          </a:p>
+        </p:txBody>
+      </p:sp>
+      <p:sp>
+        <p:nvSpPr>
+          <p:cNvPr id="296" name="Прямоугольник 295">
+            <a:extLst>
+              <a:ext uri="{FF2B5EF4-FFF2-40B4-BE49-F238E27FC236}">
+                <a16:creationId xmlns:a16="http://schemas.microsoft.com/office/drawing/2014/main" id="{D29C3B61-191E-4240-9178-FD4F7DD2B517}"/>
+              </a:ext>
+            </a:extLst>
+          </p:cNvPr>
+          <p:cNvSpPr/>
+          <p:nvPr/>
+        </p:nvSpPr>
+        <p:spPr>
+          <a:xfrm>
+            <a:off x="8379236" y="19985017"/>
+            <a:ext cx="926325" cy="540000"/>
+          </a:xfrm>
+          <a:prstGeom prst="rect">
+            <a:avLst/>
+          </a:prstGeom>
+          <a:noFill/>
+          <a:ln w="19050"/>
+        </p:spPr>
+        <p:style>
+          <a:lnRef idx="2">
+            <a:schemeClr val="accent1"/>
+          </a:lnRef>
+          <a:fillRef idx="1">
+            <a:schemeClr val="lt1"/>
+          </a:fillRef>
+          <a:effectRef idx="0">
+            <a:schemeClr val="accent1"/>
+          </a:effectRef>
+          <a:fontRef idx="minor">
+            <a:schemeClr val="dk1"/>
+          </a:fontRef>
+        </p:style>
+        <p:txBody>
+          <a:bodyPr lIns="124733" tIns="62367" rIns="124733" bIns="62367" rtlCol="0" anchor="ctr"/>
+          <a:lstStyle/>
+          <a:p>
+            <a:pPr algn="ctr"/>
+            <a:r>
+              <a:rPr lang="ru-RU" sz="700" dirty="0"/>
+              <a:t>Продолжить стратегию стационарной обороны</a:t>
+            </a:r>
+          </a:p>
+        </p:txBody>
+      </p:sp>
+      <p:sp>
+        <p:nvSpPr>
+          <p:cNvPr id="299" name="Прямоугольник 298">
+            <a:extLst>
+              <a:ext uri="{FF2B5EF4-FFF2-40B4-BE49-F238E27FC236}">
+                <a16:creationId xmlns:a16="http://schemas.microsoft.com/office/drawing/2014/main" id="{986EFB0A-DB9A-40F6-B9C2-C92AE1B0098F}"/>
+              </a:ext>
+            </a:extLst>
+          </p:cNvPr>
+          <p:cNvSpPr/>
+          <p:nvPr/>
+        </p:nvSpPr>
+        <p:spPr>
+          <a:xfrm>
+            <a:off x="8379236" y="20847285"/>
+            <a:ext cx="926325" cy="540000"/>
+          </a:xfrm>
+          <a:prstGeom prst="rect">
+            <a:avLst/>
+          </a:prstGeom>
+          <a:noFill/>
+          <a:ln w="19050"/>
+        </p:spPr>
+        <p:style>
+          <a:lnRef idx="2">
+            <a:schemeClr val="accent1"/>
+          </a:lnRef>
+          <a:fillRef idx="1">
+            <a:schemeClr val="lt1"/>
+          </a:fillRef>
+          <a:effectRef idx="0">
+            <a:schemeClr val="accent1"/>
+          </a:effectRef>
+          <a:fontRef idx="minor">
+            <a:schemeClr val="dk1"/>
+          </a:fontRef>
+        </p:style>
+        <p:txBody>
+          <a:bodyPr lIns="124733" tIns="62367" rIns="124733" bIns="62367" rtlCol="0" anchor="ctr"/>
+          <a:lstStyle/>
+          <a:p>
+            <a:pPr algn="ctr"/>
+            <a:r>
+              <a:rPr lang="ru-RU" sz="700" dirty="0"/>
+              <a:t>Дополнительное финансирование для Мажино</a:t>
+            </a:r>
+          </a:p>
+        </p:txBody>
+      </p:sp>
+      <p:sp>
+        <p:nvSpPr>
+          <p:cNvPr id="301" name="Прямоугольник 300">
+            <a:extLst>
+              <a:ext uri="{FF2B5EF4-FFF2-40B4-BE49-F238E27FC236}">
+                <a16:creationId xmlns:a16="http://schemas.microsoft.com/office/drawing/2014/main" id="{A139A4EF-69B9-4A8E-9425-BF985B309E56}"/>
+              </a:ext>
+            </a:extLst>
+          </p:cNvPr>
+          <p:cNvSpPr/>
+          <p:nvPr/>
+        </p:nvSpPr>
+        <p:spPr>
+          <a:xfrm>
+            <a:off x="7175225" y="21650314"/>
+            <a:ext cx="926325" cy="540000"/>
+          </a:xfrm>
+          <a:prstGeom prst="rect">
+            <a:avLst/>
+          </a:prstGeom>
+          <a:noFill/>
+          <a:ln w="19050"/>
+        </p:spPr>
+        <p:style>
+          <a:lnRef idx="2">
+            <a:schemeClr val="accent1"/>
+          </a:lnRef>
+          <a:fillRef idx="1">
+            <a:schemeClr val="lt1"/>
+          </a:fillRef>
+          <a:effectRef idx="0">
+            <a:schemeClr val="accent1"/>
+          </a:effectRef>
+          <a:fontRef idx="minor">
+            <a:schemeClr val="dk1"/>
+          </a:fontRef>
+        </p:style>
+        <p:txBody>
+          <a:bodyPr lIns="124733" tIns="62367" rIns="124733" bIns="62367" rtlCol="0" anchor="ctr"/>
+          <a:lstStyle/>
+          <a:p>
+            <a:pPr algn="ctr"/>
+            <a:r>
+              <a:rPr lang="ru-RU" sz="700" dirty="0"/>
+              <a:t>Тактика ежиной обороны </a:t>
+            </a:r>
+            <a:r>
+              <a:rPr lang="ru-RU" sz="100" dirty="0"/>
+              <a:t>(На военном языке « </a:t>
+            </a:r>
+            <a:r>
+              <a:rPr lang="ru-RU" sz="100" dirty="0" err="1"/>
+              <a:t>ёжная</a:t>
+            </a:r>
+            <a:r>
+              <a:rPr lang="ru-RU" sz="100" dirty="0"/>
+              <a:t> оборона» — это военная тактика защиты от нападения мобильной бронетехники или блицкрига . Защитники разворачиваются на укреплённых позициях, обеспечивающих оборону во всех направлениях. Атакующие могут проникнуть между этими « ежами », но каждая окруженная позиция продолжает сражаться. Это позволяет разместить большое количество атакующих войск для атаки хорошо защищенных позиций, в то же время позволяя обороняющимся успешно контратаковать подразделения, обходящие эти опорные пункты, с помощью собственных резервов бронетехники, отрезая их от элементов поддержки.)</a:t>
+            </a:r>
+            <a:endParaRPr lang="ru-RU" sz="700" dirty="0"/>
+          </a:p>
+        </p:txBody>
+      </p:sp>
+      <p:sp>
+        <p:nvSpPr>
+          <p:cNvPr id="302" name="Прямоугольник 301">
+            <a:extLst>
+              <a:ext uri="{FF2B5EF4-FFF2-40B4-BE49-F238E27FC236}">
+                <a16:creationId xmlns:a16="http://schemas.microsoft.com/office/drawing/2014/main" id="{ACF1C65E-2C74-4FC5-B63B-DBEB600BE9E7}"/>
+              </a:ext>
+            </a:extLst>
+          </p:cNvPr>
+          <p:cNvSpPr/>
+          <p:nvPr/>
+        </p:nvSpPr>
+        <p:spPr>
+          <a:xfrm>
+            <a:off x="9520228" y="22459487"/>
+            <a:ext cx="926325" cy="540000"/>
+          </a:xfrm>
+          <a:prstGeom prst="rect">
+            <a:avLst/>
+          </a:prstGeom>
+          <a:noFill/>
+          <a:ln w="19050"/>
+        </p:spPr>
+        <p:style>
+          <a:lnRef idx="2">
+            <a:schemeClr val="accent1"/>
+          </a:lnRef>
+          <a:fillRef idx="1">
+            <a:schemeClr val="lt1"/>
+          </a:fillRef>
+          <a:effectRef idx="0">
+            <a:schemeClr val="accent1"/>
+          </a:effectRef>
+          <a:fontRef idx="minor">
+            <a:schemeClr val="dk1"/>
+          </a:fontRef>
+        </p:style>
+        <p:txBody>
+          <a:bodyPr lIns="124733" tIns="62367" rIns="124733" bIns="62367" rtlCol="0" anchor="ctr"/>
+          <a:lstStyle/>
+          <a:p>
+            <a:pPr algn="ctr"/>
+            <a:r>
+              <a:rPr lang="ru-RU" sz="700" dirty="0"/>
+              <a:t>Создание профессиональной армии</a:t>
+            </a:r>
+          </a:p>
+        </p:txBody>
+      </p:sp>
+      <p:sp>
+        <p:nvSpPr>
+          <p:cNvPr id="305" name="Прямоугольник 304">
+            <a:extLst>
+              <a:ext uri="{FF2B5EF4-FFF2-40B4-BE49-F238E27FC236}">
+                <a16:creationId xmlns:a16="http://schemas.microsoft.com/office/drawing/2014/main" id="{62759CF4-4530-4A19-B1F3-5DBD4C994FA4}"/>
+              </a:ext>
+            </a:extLst>
+          </p:cNvPr>
+          <p:cNvSpPr/>
+          <p:nvPr/>
+        </p:nvSpPr>
+        <p:spPr>
+          <a:xfrm>
+            <a:off x="11853600" y="20850229"/>
+            <a:ext cx="926325" cy="540000"/>
+          </a:xfrm>
+          <a:prstGeom prst="rect">
+            <a:avLst/>
+          </a:prstGeom>
+          <a:noFill/>
+          <a:ln w="19050"/>
+        </p:spPr>
+        <p:style>
+          <a:lnRef idx="2">
+            <a:schemeClr val="accent1"/>
+          </a:lnRef>
+          <a:fillRef idx="1">
+            <a:schemeClr val="lt1"/>
+          </a:fillRef>
+          <a:effectRef idx="0">
+            <a:schemeClr val="accent1"/>
+          </a:effectRef>
+          <a:fontRef idx="minor">
+            <a:schemeClr val="dk1"/>
+          </a:fontRef>
+        </p:style>
+        <p:txBody>
+          <a:bodyPr lIns="124733" tIns="62367" rIns="124733" bIns="62367" rtlCol="0" anchor="ctr"/>
+          <a:lstStyle/>
+          <a:p>
+            <a:pPr algn="ctr"/>
+            <a:r>
+              <a:rPr lang="ru-RU" sz="700" dirty="0"/>
+              <a:t>Моторизация армии (тут лёгкие танки и </a:t>
+            </a:r>
+            <a:r>
+              <a:rPr lang="ru-RU" sz="700" dirty="0" err="1"/>
+              <a:t>автобронь</a:t>
+            </a:r>
+            <a:r>
+              <a:rPr lang="ru-RU" sz="700" dirty="0"/>
+              <a:t>)</a:t>
+            </a:r>
+          </a:p>
+        </p:txBody>
+      </p:sp>
+      <p:sp>
+        <p:nvSpPr>
+          <p:cNvPr id="308" name="Прямоугольник 307">
+            <a:extLst>
+              <a:ext uri="{FF2B5EF4-FFF2-40B4-BE49-F238E27FC236}">
+                <a16:creationId xmlns:a16="http://schemas.microsoft.com/office/drawing/2014/main" id="{B7E78878-F79D-4CB2-971B-ED23B952CA4D}"/>
+              </a:ext>
+            </a:extLst>
+          </p:cNvPr>
+          <p:cNvSpPr/>
+          <p:nvPr/>
+        </p:nvSpPr>
+        <p:spPr>
+          <a:xfrm>
+            <a:off x="11856910" y="21650314"/>
+            <a:ext cx="926325" cy="540000"/>
+          </a:xfrm>
+          <a:prstGeom prst="rect">
+            <a:avLst/>
+          </a:prstGeom>
+          <a:noFill/>
+          <a:ln w="19050"/>
+        </p:spPr>
+        <p:style>
+          <a:lnRef idx="2">
+            <a:schemeClr val="accent1"/>
+          </a:lnRef>
+          <a:fillRef idx="1">
+            <a:schemeClr val="lt1"/>
+          </a:fillRef>
+          <a:effectRef idx="0">
+            <a:schemeClr val="accent1"/>
+          </a:effectRef>
+          <a:fontRef idx="minor">
+            <a:schemeClr val="dk1"/>
+          </a:fontRef>
+        </p:style>
+        <p:txBody>
+          <a:bodyPr lIns="124733" tIns="62367" rIns="124733" bIns="62367" rtlCol="0" anchor="ctr"/>
+          <a:lstStyle/>
+          <a:p>
+            <a:pPr algn="ctr"/>
+            <a:r>
+              <a:rPr lang="ru-RU" sz="700" dirty="0"/>
+              <a:t>Автономные бронетанковые подразделения</a:t>
+            </a:r>
+          </a:p>
+        </p:txBody>
+      </p:sp>
+      <p:sp>
+        <p:nvSpPr>
+          <p:cNvPr id="309" name="Прямоугольник 308">
+            <a:extLst>
+              <a:ext uri="{FF2B5EF4-FFF2-40B4-BE49-F238E27FC236}">
+                <a16:creationId xmlns:a16="http://schemas.microsoft.com/office/drawing/2014/main" id="{E0C55FA7-A7A4-4E11-8C70-201D4E023000}"/>
+              </a:ext>
+            </a:extLst>
+          </p:cNvPr>
+          <p:cNvSpPr/>
+          <p:nvPr/>
+        </p:nvSpPr>
+        <p:spPr>
+          <a:xfrm>
+            <a:off x="10655198" y="21651669"/>
+            <a:ext cx="926325" cy="540000"/>
+          </a:xfrm>
+          <a:prstGeom prst="rect">
+            <a:avLst/>
+          </a:prstGeom>
+          <a:noFill/>
+          <a:ln w="19050"/>
+        </p:spPr>
+        <p:style>
+          <a:lnRef idx="2">
+            <a:schemeClr val="accent1"/>
+          </a:lnRef>
+          <a:fillRef idx="1">
+            <a:schemeClr val="lt1"/>
+          </a:fillRef>
+          <a:effectRef idx="0">
+            <a:schemeClr val="accent1"/>
+          </a:effectRef>
+          <a:fontRef idx="minor">
+            <a:schemeClr val="dk1"/>
+          </a:fontRef>
+        </p:style>
+        <p:txBody>
+          <a:bodyPr lIns="124733" tIns="62367" rIns="124733" bIns="62367" rtlCol="0" anchor="ctr"/>
+          <a:lstStyle/>
+          <a:p>
+            <a:pPr algn="ctr"/>
+            <a:r>
+              <a:rPr lang="ru-RU" sz="700" dirty="0"/>
+              <a:t>Поддержка авиации по тактике Майера</a:t>
+            </a:r>
+          </a:p>
+        </p:txBody>
+      </p:sp>
+      <p:sp>
+        <p:nvSpPr>
+          <p:cNvPr id="312" name="Прямоугольник 311">
+            <a:extLst>
+              <a:ext uri="{FF2B5EF4-FFF2-40B4-BE49-F238E27FC236}">
+                <a16:creationId xmlns:a16="http://schemas.microsoft.com/office/drawing/2014/main" id="{094E9644-4D3D-40BC-B0D6-9DF637B77F4C}"/>
+              </a:ext>
+            </a:extLst>
+          </p:cNvPr>
+          <p:cNvSpPr/>
+          <p:nvPr/>
+        </p:nvSpPr>
+        <p:spPr>
+          <a:xfrm>
+            <a:off x="10655198" y="20838392"/>
+            <a:ext cx="926325" cy="540000"/>
+          </a:xfrm>
+          <a:prstGeom prst="rect">
+            <a:avLst/>
+          </a:prstGeom>
+          <a:noFill/>
+          <a:ln w="19050"/>
+        </p:spPr>
+        <p:style>
+          <a:lnRef idx="2">
+            <a:schemeClr val="accent1"/>
+          </a:lnRef>
+          <a:fillRef idx="1">
+            <a:schemeClr val="lt1"/>
+          </a:fillRef>
+          <a:effectRef idx="0">
+            <a:schemeClr val="accent1"/>
+          </a:effectRef>
+          <a:fontRef idx="minor">
+            <a:schemeClr val="dk1"/>
+          </a:fontRef>
+        </p:style>
+        <p:txBody>
+          <a:bodyPr lIns="124733" tIns="62367" rIns="124733" bIns="62367" rtlCol="0" anchor="ctr"/>
+          <a:lstStyle/>
+          <a:p>
+            <a:pPr algn="ctr"/>
+            <a:r>
+              <a:rPr lang="ru-RU" sz="700" dirty="0"/>
+              <a:t>Переподготовка старших офицеров </a:t>
+            </a:r>
+            <a:r>
+              <a:rPr lang="ru-RU" sz="200" dirty="0"/>
+              <a:t>(Заботясь о подготовке старших офицеров, он приказал всем поступающим в Высшее военное училище пройти предварительную подготовку в танковых и авиационных частях)</a:t>
+            </a:r>
+            <a:endParaRPr lang="ru-RU" sz="700" dirty="0"/>
+          </a:p>
+        </p:txBody>
+      </p:sp>
+      <p:cxnSp>
+        <p:nvCxnSpPr>
+          <p:cNvPr id="331" name="Соединительная линия уступом 620">
+            <a:extLst>
+              <a:ext uri="{FF2B5EF4-FFF2-40B4-BE49-F238E27FC236}">
+                <a16:creationId xmlns:a16="http://schemas.microsoft.com/office/drawing/2014/main" id="{AC02C312-DDCB-44FF-AFAD-91002D67C8F7}"/>
+              </a:ext>
+            </a:extLst>
+          </p:cNvPr>
+          <p:cNvCxnSpPr>
+            <a:cxnSpLocks/>
+            <a:stCxn id="234" idx="2"/>
+            <a:endCxn id="295" idx="0"/>
+          </p:cNvCxnSpPr>
+          <p:nvPr/>
+        </p:nvCxnSpPr>
+        <p:spPr>
+          <a:xfrm rot="16200000" flipH="1">
+            <a:off x="10387625" y="19252662"/>
+            <a:ext cx="326500" cy="1134971"/>
+          </a:xfrm>
+          <a:prstGeom prst="bentConnector3">
+            <a:avLst>
+              <a:gd name="adj1" fmla="val 50000"/>
+            </a:avLst>
+          </a:prstGeom>
+          <a:ln w="19050">
+            <a:tailEnd type="arrow"/>
+          </a:ln>
+        </p:spPr>
+        <p:style>
+          <a:lnRef idx="1">
+            <a:schemeClr val="accent1"/>
+          </a:lnRef>
+          <a:fillRef idx="0">
+            <a:schemeClr val="accent1"/>
+          </a:fillRef>
+          <a:effectRef idx="0">
+            <a:schemeClr val="accent1"/>
+          </a:effectRef>
+          <a:fontRef idx="minor">
+            <a:schemeClr val="tx1"/>
+          </a:fontRef>
+        </p:style>
+      </p:cxnSp>
+      <p:cxnSp>
+        <p:nvCxnSpPr>
+          <p:cNvPr id="332" name="Соединительная линия уступом 620">
+            <a:extLst>
+              <a:ext uri="{FF2B5EF4-FFF2-40B4-BE49-F238E27FC236}">
+                <a16:creationId xmlns:a16="http://schemas.microsoft.com/office/drawing/2014/main" id="{5D535146-DED0-44AA-AD87-D1467B2EF906}"/>
+              </a:ext>
+            </a:extLst>
+          </p:cNvPr>
+          <p:cNvCxnSpPr>
+            <a:cxnSpLocks/>
+            <a:stCxn id="234" idx="2"/>
+            <a:endCxn id="296" idx="0"/>
+          </p:cNvCxnSpPr>
+          <p:nvPr/>
+        </p:nvCxnSpPr>
+        <p:spPr>
+          <a:xfrm rot="5400000">
+            <a:off x="9248836" y="19250462"/>
+            <a:ext cx="328119" cy="1140991"/>
+          </a:xfrm>
+          <a:prstGeom prst="bentConnector3">
+            <a:avLst>
+              <a:gd name="adj1" fmla="val 50000"/>
+            </a:avLst>
+          </a:prstGeom>
+          <a:ln w="19050">
+            <a:tailEnd type="arrow"/>
+          </a:ln>
+        </p:spPr>
+        <p:style>
+          <a:lnRef idx="1">
+            <a:schemeClr val="accent1"/>
+          </a:lnRef>
+          <a:fillRef idx="0">
+            <a:schemeClr val="accent1"/>
+          </a:fillRef>
+          <a:effectRef idx="0">
+            <a:schemeClr val="accent1"/>
+          </a:effectRef>
+          <a:fontRef idx="minor">
+            <a:schemeClr val="tx1"/>
+          </a:fontRef>
+        </p:style>
+      </p:cxnSp>
+      <p:cxnSp>
+        <p:nvCxnSpPr>
+          <p:cNvPr id="334" name="Соединительная линия уступом 620">
+            <a:extLst>
+              <a:ext uri="{FF2B5EF4-FFF2-40B4-BE49-F238E27FC236}">
+                <a16:creationId xmlns:a16="http://schemas.microsoft.com/office/drawing/2014/main" id="{5E57A4F6-6045-4C71-958E-E90F291954FE}"/>
+              </a:ext>
+            </a:extLst>
+          </p:cNvPr>
+          <p:cNvCxnSpPr>
+            <a:cxnSpLocks/>
+            <a:stCxn id="295" idx="2"/>
+            <a:endCxn id="305" idx="0"/>
+          </p:cNvCxnSpPr>
+          <p:nvPr/>
+        </p:nvCxnSpPr>
+        <p:spPr>
+          <a:xfrm rot="16200000" flipH="1">
+            <a:off x="11554147" y="20087612"/>
+            <a:ext cx="326831" cy="1198402"/>
+          </a:xfrm>
+          <a:prstGeom prst="bentConnector3">
+            <a:avLst>
+              <a:gd name="adj1" fmla="val 50000"/>
+            </a:avLst>
+          </a:prstGeom>
+          <a:ln w="19050">
+            <a:tailEnd type="arrow"/>
+          </a:ln>
+        </p:spPr>
+        <p:style>
+          <a:lnRef idx="1">
+            <a:schemeClr val="accent1"/>
+          </a:lnRef>
+          <a:fillRef idx="0">
+            <a:schemeClr val="accent1"/>
+          </a:fillRef>
+          <a:effectRef idx="0">
+            <a:schemeClr val="accent1"/>
+          </a:effectRef>
+          <a:fontRef idx="minor">
+            <a:schemeClr val="tx1"/>
+          </a:fontRef>
+        </p:style>
+      </p:cxnSp>
+      <p:cxnSp>
+        <p:nvCxnSpPr>
+          <p:cNvPr id="337" name="Прямая со стрелкой 336">
+            <a:extLst>
+              <a:ext uri="{FF2B5EF4-FFF2-40B4-BE49-F238E27FC236}">
+                <a16:creationId xmlns:a16="http://schemas.microsoft.com/office/drawing/2014/main" id="{DA015B83-BE4B-4AEF-B845-535A7B6B62DB}"/>
+              </a:ext>
+            </a:extLst>
+          </p:cNvPr>
+          <p:cNvCxnSpPr>
+            <a:cxnSpLocks/>
+            <a:stCxn id="295" idx="2"/>
+            <a:endCxn id="312" idx="0"/>
+          </p:cNvCxnSpPr>
+          <p:nvPr/>
+        </p:nvCxnSpPr>
+        <p:spPr>
+          <a:xfrm>
+            <a:off x="11118361" y="20523398"/>
+            <a:ext cx="0" cy="314994"/>
+          </a:xfrm>
+          <a:prstGeom prst="straightConnector1">
+            <a:avLst/>
+          </a:prstGeom>
+          <a:ln w="19050">
+            <a:tailEnd type="arrow"/>
+          </a:ln>
+        </p:spPr>
+        <p:style>
+          <a:lnRef idx="1">
+            <a:schemeClr val="accent1"/>
+          </a:lnRef>
+          <a:fillRef idx="0">
+            <a:schemeClr val="accent1"/>
+          </a:fillRef>
+          <a:effectRef idx="0">
+            <a:schemeClr val="accent1"/>
+          </a:effectRef>
+          <a:fontRef idx="minor">
+            <a:schemeClr val="tx1"/>
+          </a:fontRef>
+        </p:style>
+      </p:cxnSp>
+      <p:cxnSp>
+        <p:nvCxnSpPr>
+          <p:cNvPr id="345" name="Прямая со стрелкой 344">
+            <a:extLst>
+              <a:ext uri="{FF2B5EF4-FFF2-40B4-BE49-F238E27FC236}">
+                <a16:creationId xmlns:a16="http://schemas.microsoft.com/office/drawing/2014/main" id="{67CD553F-BDA2-4CC9-B1D1-C274C4D4D028}"/>
+              </a:ext>
+            </a:extLst>
+          </p:cNvPr>
+          <p:cNvCxnSpPr>
+            <a:cxnSpLocks/>
+            <a:stCxn id="312" idx="2"/>
+            <a:endCxn id="309" idx="0"/>
+          </p:cNvCxnSpPr>
+          <p:nvPr/>
+        </p:nvCxnSpPr>
+        <p:spPr>
+          <a:xfrm>
+            <a:off x="11118361" y="21378392"/>
+            <a:ext cx="0" cy="273277"/>
+          </a:xfrm>
+          <a:prstGeom prst="straightConnector1">
+            <a:avLst/>
+          </a:prstGeom>
+          <a:ln w="19050">
+            <a:tailEnd type="arrow"/>
+          </a:ln>
+        </p:spPr>
+        <p:style>
+          <a:lnRef idx="1">
+            <a:schemeClr val="accent1"/>
+          </a:lnRef>
+          <a:fillRef idx="0">
+            <a:schemeClr val="accent1"/>
+          </a:fillRef>
+          <a:effectRef idx="0">
+            <a:schemeClr val="accent1"/>
+          </a:effectRef>
+          <a:fontRef idx="minor">
+            <a:schemeClr val="tx1"/>
+          </a:fontRef>
+        </p:style>
+      </p:cxnSp>
+      <p:cxnSp>
+        <p:nvCxnSpPr>
+          <p:cNvPr id="346" name="Соединительная линия уступом 620">
+            <a:extLst>
+              <a:ext uri="{FF2B5EF4-FFF2-40B4-BE49-F238E27FC236}">
+                <a16:creationId xmlns:a16="http://schemas.microsoft.com/office/drawing/2014/main" id="{8B691B24-6E44-4EF0-9281-E69C16B797F2}"/>
+              </a:ext>
+            </a:extLst>
+          </p:cNvPr>
+          <p:cNvCxnSpPr>
+            <a:cxnSpLocks/>
+            <a:stCxn id="312" idx="2"/>
+            <a:endCxn id="308" idx="0"/>
+          </p:cNvCxnSpPr>
+          <p:nvPr/>
+        </p:nvCxnSpPr>
+        <p:spPr>
+          <a:xfrm rot="16200000" flipH="1">
+            <a:off x="11583256" y="20913497"/>
+            <a:ext cx="271922" cy="1201712"/>
+          </a:xfrm>
+          <a:prstGeom prst="bentConnector3">
+            <a:avLst>
+              <a:gd name="adj1" fmla="val 50000"/>
+            </a:avLst>
+          </a:prstGeom>
+          <a:ln w="19050">
+            <a:tailEnd type="arrow"/>
+          </a:ln>
+        </p:spPr>
+        <p:style>
+          <a:lnRef idx="1">
+            <a:schemeClr val="accent1"/>
+          </a:lnRef>
+          <a:fillRef idx="0">
+            <a:schemeClr val="accent1"/>
+          </a:fillRef>
+          <a:effectRef idx="0">
+            <a:schemeClr val="accent1"/>
+          </a:effectRef>
+          <a:fontRef idx="minor">
+            <a:schemeClr val="tx1"/>
+          </a:fontRef>
+        </p:style>
+      </p:cxnSp>
+      <p:cxnSp>
+        <p:nvCxnSpPr>
+          <p:cNvPr id="348" name="Прямая со стрелкой 347">
+            <a:extLst>
+              <a:ext uri="{FF2B5EF4-FFF2-40B4-BE49-F238E27FC236}">
+                <a16:creationId xmlns:a16="http://schemas.microsoft.com/office/drawing/2014/main" id="{FA13BDB9-8CAA-4E3B-879E-949DAA83E4D3}"/>
+              </a:ext>
+            </a:extLst>
+          </p:cNvPr>
+          <p:cNvCxnSpPr>
+            <a:cxnSpLocks/>
+            <a:stCxn id="305" idx="2"/>
+            <a:endCxn id="308" idx="0"/>
+          </p:cNvCxnSpPr>
+          <p:nvPr/>
+        </p:nvCxnSpPr>
+        <p:spPr>
+          <a:xfrm>
+            <a:off x="12316763" y="21390229"/>
+            <a:ext cx="3310" cy="260085"/>
+          </a:xfrm>
+          <a:prstGeom prst="straightConnector1">
+            <a:avLst/>
+          </a:prstGeom>
+          <a:ln w="19050">
+            <a:tailEnd type="arrow"/>
+          </a:ln>
+        </p:spPr>
+        <p:style>
+          <a:lnRef idx="1">
+            <a:schemeClr val="accent1"/>
+          </a:lnRef>
+          <a:fillRef idx="0">
+            <a:schemeClr val="accent1"/>
+          </a:fillRef>
+          <a:effectRef idx="0">
+            <a:schemeClr val="accent1"/>
+          </a:effectRef>
+          <a:fontRef idx="minor">
+            <a:schemeClr val="tx1"/>
+          </a:fontRef>
+        </p:style>
+      </p:cxnSp>
+      <p:sp>
+        <p:nvSpPr>
+          <p:cNvPr id="349" name="Прямоугольник 348">
+            <a:extLst>
+              <a:ext uri="{FF2B5EF4-FFF2-40B4-BE49-F238E27FC236}">
+                <a16:creationId xmlns:a16="http://schemas.microsoft.com/office/drawing/2014/main" id="{A6283260-FFDF-4EBE-9DF9-43164E1B4220}"/>
+              </a:ext>
+            </a:extLst>
+          </p:cNvPr>
+          <p:cNvSpPr/>
+          <p:nvPr/>
+        </p:nvSpPr>
+        <p:spPr>
+          <a:xfrm>
+            <a:off x="8381818" y="21654043"/>
+            <a:ext cx="926325" cy="540000"/>
+          </a:xfrm>
+          <a:prstGeom prst="rect">
+            <a:avLst/>
+          </a:prstGeom>
+          <a:noFill/>
+          <a:ln w="19050"/>
+        </p:spPr>
+        <p:style>
+          <a:lnRef idx="2">
+            <a:schemeClr val="accent1"/>
+          </a:lnRef>
+          <a:fillRef idx="1">
+            <a:schemeClr val="lt1"/>
+          </a:fillRef>
+          <a:effectRef idx="0">
+            <a:schemeClr val="accent1"/>
+          </a:effectRef>
+          <a:fontRef idx="minor">
+            <a:schemeClr val="dk1"/>
+          </a:fontRef>
+        </p:style>
+        <p:txBody>
+          <a:bodyPr lIns="124733" tIns="62367" rIns="124733" bIns="62367" rtlCol="0" anchor="ctr"/>
+          <a:lstStyle/>
+          <a:p>
+            <a:pPr algn="ctr"/>
+            <a:r>
+              <a:rPr lang="en-US" sz="700" dirty="0"/>
+              <a:t>Grand battery </a:t>
+            </a:r>
+            <a:r>
+              <a:rPr lang="en-US" sz="300" dirty="0"/>
+              <a:t>(</a:t>
+            </a:r>
+            <a:r>
+              <a:rPr lang="ru-RU" sz="300" dirty="0"/>
+              <a:t>Гранд-батарея ( </a:t>
+            </a:r>
+            <a:r>
+              <a:rPr lang="ru-RU" sz="300" dirty="0" err="1"/>
+              <a:t>Grande</a:t>
+            </a:r>
+            <a:r>
+              <a:rPr lang="ru-RU" sz="300" dirty="0"/>
+              <a:t> </a:t>
+            </a:r>
+            <a:r>
+              <a:rPr lang="ru-RU" sz="300" dirty="0" err="1"/>
+              <a:t>Batterie</a:t>
+            </a:r>
+            <a:r>
+              <a:rPr lang="ru-RU" sz="300" dirty="0"/>
+              <a:t> , что означает большая или великая батарея) — французская артиллерийская тактика времен Наполеоновских войн . Он предполагал объединение всех имеющихся батарей в одну большую временную и концентрацию огневой мощи их орудий в одной точке линии противника.</a:t>
+            </a:r>
+            <a:r>
+              <a:rPr lang="en-US" sz="300" dirty="0"/>
+              <a:t>)</a:t>
+            </a:r>
+            <a:endParaRPr lang="ru-RU" sz="700" dirty="0"/>
+          </a:p>
+        </p:txBody>
+      </p:sp>
+      <p:cxnSp>
+        <p:nvCxnSpPr>
+          <p:cNvPr id="351" name="Соединительная линия уступом 595">
+            <a:extLst>
+              <a:ext uri="{FF2B5EF4-FFF2-40B4-BE49-F238E27FC236}">
+                <a16:creationId xmlns:a16="http://schemas.microsoft.com/office/drawing/2014/main" id="{ADD0E4FC-4691-4F0F-8B79-C92DF07C303C}"/>
+              </a:ext>
+            </a:extLst>
+          </p:cNvPr>
+          <p:cNvCxnSpPr>
+            <a:cxnSpLocks/>
+            <a:stCxn id="308" idx="2"/>
+            <a:endCxn id="302" idx="0"/>
+          </p:cNvCxnSpPr>
+          <p:nvPr/>
+        </p:nvCxnSpPr>
+        <p:spPr>
+          <a:xfrm rot="5400000">
+            <a:off x="11017146" y="21156559"/>
+            <a:ext cx="269173" cy="2336682"/>
+          </a:xfrm>
+          <a:prstGeom prst="bentConnector3">
+            <a:avLst>
+              <a:gd name="adj1" fmla="val 50000"/>
+            </a:avLst>
+          </a:prstGeom>
+          <a:ln w="19050">
+            <a:prstDash val="dash"/>
+            <a:tailEnd type="arrow"/>
+          </a:ln>
+        </p:spPr>
+        <p:style>
+          <a:lnRef idx="1">
+            <a:schemeClr val="accent1"/>
+          </a:lnRef>
+          <a:fillRef idx="0">
+            <a:schemeClr val="accent1"/>
+          </a:fillRef>
+          <a:effectRef idx="0">
+            <a:schemeClr val="accent1"/>
+          </a:effectRef>
+          <a:fontRef idx="minor">
+            <a:schemeClr val="tx1"/>
+          </a:fontRef>
+        </p:style>
+      </p:cxnSp>
+      <p:cxnSp>
+        <p:nvCxnSpPr>
+          <p:cNvPr id="352" name="Соединительная линия уступом 595">
+            <a:extLst>
+              <a:ext uri="{FF2B5EF4-FFF2-40B4-BE49-F238E27FC236}">
+                <a16:creationId xmlns:a16="http://schemas.microsoft.com/office/drawing/2014/main" id="{25C1AB5C-771E-4000-9B8E-1664358EE07B}"/>
+              </a:ext>
+            </a:extLst>
+          </p:cNvPr>
+          <p:cNvCxnSpPr>
+            <a:cxnSpLocks/>
+            <a:stCxn id="301" idx="2"/>
+            <a:endCxn id="302" idx="0"/>
+          </p:cNvCxnSpPr>
+          <p:nvPr/>
+        </p:nvCxnSpPr>
+        <p:spPr>
+          <a:xfrm rot="16200000" flipH="1">
+            <a:off x="8676303" y="21152398"/>
+            <a:ext cx="269173" cy="2345003"/>
+          </a:xfrm>
+          <a:prstGeom prst="bentConnector3">
+            <a:avLst>
+              <a:gd name="adj1" fmla="val 50000"/>
+            </a:avLst>
+          </a:prstGeom>
+          <a:ln w="19050">
+            <a:prstDash val="dash"/>
+            <a:tailEnd type="arrow"/>
+          </a:ln>
+        </p:spPr>
+        <p:style>
+          <a:lnRef idx="1">
+            <a:schemeClr val="accent1"/>
+          </a:lnRef>
+          <a:fillRef idx="0">
+            <a:schemeClr val="accent1"/>
+          </a:fillRef>
+          <a:effectRef idx="0">
+            <a:schemeClr val="accent1"/>
+          </a:effectRef>
+          <a:fontRef idx="minor">
+            <a:schemeClr val="tx1"/>
+          </a:fontRef>
+        </p:style>
+      </p:cxnSp>
+      <p:cxnSp>
+        <p:nvCxnSpPr>
+          <p:cNvPr id="354" name="Соединительная линия уступом 595">
+            <a:extLst>
+              <a:ext uri="{FF2B5EF4-FFF2-40B4-BE49-F238E27FC236}">
+                <a16:creationId xmlns:a16="http://schemas.microsoft.com/office/drawing/2014/main" id="{CBCE90D3-3C6A-417F-9B30-2777DCE78B5A}"/>
+              </a:ext>
+            </a:extLst>
+          </p:cNvPr>
+          <p:cNvCxnSpPr>
+            <a:cxnSpLocks/>
+            <a:stCxn id="349" idx="2"/>
+            <a:endCxn id="302" idx="0"/>
+          </p:cNvCxnSpPr>
+          <p:nvPr/>
+        </p:nvCxnSpPr>
+        <p:spPr>
+          <a:xfrm rot="16200000" flipH="1">
+            <a:off x="9281464" y="21757560"/>
+            <a:ext cx="265444" cy="1138410"/>
+          </a:xfrm>
+          <a:prstGeom prst="bentConnector3">
+            <a:avLst>
+              <a:gd name="adj1" fmla="val 50000"/>
+            </a:avLst>
+          </a:prstGeom>
+          <a:ln w="19050">
+            <a:prstDash val="dash"/>
+            <a:tailEnd type="arrow"/>
+          </a:ln>
+        </p:spPr>
+        <p:style>
+          <a:lnRef idx="1">
+            <a:schemeClr val="accent1"/>
+          </a:lnRef>
+          <a:fillRef idx="0">
+            <a:schemeClr val="accent1"/>
+          </a:fillRef>
+          <a:effectRef idx="0">
+            <a:schemeClr val="accent1"/>
+          </a:effectRef>
+          <a:fontRef idx="minor">
+            <a:schemeClr val="tx1"/>
+          </a:fontRef>
+        </p:style>
+      </p:cxnSp>
+      <p:cxnSp>
+        <p:nvCxnSpPr>
+          <p:cNvPr id="355" name="Соединительная линия уступом 595">
+            <a:extLst>
+              <a:ext uri="{FF2B5EF4-FFF2-40B4-BE49-F238E27FC236}">
+                <a16:creationId xmlns:a16="http://schemas.microsoft.com/office/drawing/2014/main" id="{DEADF6F6-FC5E-4096-8D24-499AD21FBD2E}"/>
+              </a:ext>
+            </a:extLst>
+          </p:cNvPr>
+          <p:cNvCxnSpPr>
+            <a:cxnSpLocks/>
+            <a:stCxn id="309" idx="2"/>
+            <a:endCxn id="302" idx="0"/>
+          </p:cNvCxnSpPr>
+          <p:nvPr/>
+        </p:nvCxnSpPr>
+        <p:spPr>
+          <a:xfrm rot="5400000">
+            <a:off x="10416967" y="21758093"/>
+            <a:ext cx="267818" cy="1134970"/>
+          </a:xfrm>
+          <a:prstGeom prst="bentConnector3">
+            <a:avLst>
+              <a:gd name="adj1" fmla="val 50000"/>
+            </a:avLst>
+          </a:prstGeom>
+          <a:ln w="19050">
+            <a:prstDash val="dash"/>
+            <a:tailEnd type="arrow"/>
+          </a:ln>
+        </p:spPr>
+        <p:style>
+          <a:lnRef idx="1">
+            <a:schemeClr val="accent1"/>
+          </a:lnRef>
+          <a:fillRef idx="0">
+            <a:schemeClr val="accent1"/>
+          </a:fillRef>
+          <a:effectRef idx="0">
+            <a:schemeClr val="accent1"/>
+          </a:effectRef>
+          <a:fontRef idx="minor">
+            <a:schemeClr val="tx1"/>
+          </a:fontRef>
+        </p:style>
+      </p:cxnSp>
+      <p:cxnSp>
+        <p:nvCxnSpPr>
+          <p:cNvPr id="358" name="Прямая со стрелкой 357">
+            <a:extLst>
+              <a:ext uri="{FF2B5EF4-FFF2-40B4-BE49-F238E27FC236}">
+                <a16:creationId xmlns:a16="http://schemas.microsoft.com/office/drawing/2014/main" id="{1D21D7F0-0FF5-4FF8-AC44-FFCF584E13D6}"/>
+              </a:ext>
+            </a:extLst>
+          </p:cNvPr>
+          <p:cNvCxnSpPr>
+            <a:cxnSpLocks/>
+            <a:stCxn id="296" idx="2"/>
+            <a:endCxn id="299" idx="0"/>
+          </p:cNvCxnSpPr>
+          <p:nvPr/>
+        </p:nvCxnSpPr>
+        <p:spPr>
+          <a:xfrm>
+            <a:off x="8842399" y="20525017"/>
+            <a:ext cx="0" cy="322268"/>
+          </a:xfrm>
+          <a:prstGeom prst="straightConnector1">
+            <a:avLst/>
+          </a:prstGeom>
+          <a:ln w="19050">
+            <a:tailEnd type="arrow"/>
+          </a:ln>
+        </p:spPr>
+        <p:style>
+          <a:lnRef idx="1">
+            <a:schemeClr val="accent1"/>
+          </a:lnRef>
+          <a:fillRef idx="0">
+            <a:schemeClr val="accent1"/>
+          </a:fillRef>
+          <a:effectRef idx="0">
+            <a:schemeClr val="accent1"/>
+          </a:effectRef>
+          <a:fontRef idx="minor">
+            <a:schemeClr val="tx1"/>
+          </a:fontRef>
+        </p:style>
+      </p:cxnSp>
+      <p:cxnSp>
+        <p:nvCxnSpPr>
+          <p:cNvPr id="361" name="Прямая со стрелкой 360">
+            <a:extLst>
+              <a:ext uri="{FF2B5EF4-FFF2-40B4-BE49-F238E27FC236}">
+                <a16:creationId xmlns:a16="http://schemas.microsoft.com/office/drawing/2014/main" id="{18191775-8916-47FA-A7F8-9945CF97C233}"/>
+              </a:ext>
+            </a:extLst>
+          </p:cNvPr>
+          <p:cNvCxnSpPr>
+            <a:cxnSpLocks/>
+            <a:stCxn id="299" idx="2"/>
+            <a:endCxn id="349" idx="0"/>
+          </p:cNvCxnSpPr>
+          <p:nvPr/>
+        </p:nvCxnSpPr>
+        <p:spPr>
+          <a:xfrm>
+            <a:off x="8842399" y="21387285"/>
+            <a:ext cx="2582" cy="266758"/>
+          </a:xfrm>
+          <a:prstGeom prst="straightConnector1">
+            <a:avLst/>
+          </a:prstGeom>
+          <a:ln w="19050">
+            <a:tailEnd type="arrow"/>
+          </a:ln>
+        </p:spPr>
+        <p:style>
+          <a:lnRef idx="1">
+            <a:schemeClr val="accent1"/>
+          </a:lnRef>
+          <a:fillRef idx="0">
+            <a:schemeClr val="accent1"/>
+          </a:fillRef>
+          <a:effectRef idx="0">
+            <a:schemeClr val="accent1"/>
+          </a:effectRef>
+          <a:fontRef idx="minor">
+            <a:schemeClr val="tx1"/>
+          </a:fontRef>
+        </p:style>
+      </p:cxnSp>
+      <p:cxnSp>
+        <p:nvCxnSpPr>
+          <p:cNvPr id="363" name="Соединительная линия уступом 595">
+            <a:extLst>
+              <a:ext uri="{FF2B5EF4-FFF2-40B4-BE49-F238E27FC236}">
+                <a16:creationId xmlns:a16="http://schemas.microsoft.com/office/drawing/2014/main" id="{3CF8CF5E-D012-48B4-B22E-75462E2BEC5F}"/>
+              </a:ext>
+            </a:extLst>
+          </p:cNvPr>
+          <p:cNvCxnSpPr>
+            <a:cxnSpLocks/>
+            <a:stCxn id="296" idx="2"/>
+            <a:endCxn id="377" idx="0"/>
+          </p:cNvCxnSpPr>
+          <p:nvPr/>
+        </p:nvCxnSpPr>
+        <p:spPr>
+          <a:xfrm rot="16200000" flipH="1">
+            <a:off x="9252320" y="20115095"/>
+            <a:ext cx="321148" cy="1140991"/>
+          </a:xfrm>
+          <a:prstGeom prst="bentConnector3">
+            <a:avLst>
+              <a:gd name="adj1" fmla="val 50000"/>
+            </a:avLst>
+          </a:prstGeom>
+          <a:ln w="19050">
+            <a:prstDash val="dash"/>
+            <a:tailEnd type="arrow"/>
+          </a:ln>
+        </p:spPr>
+        <p:style>
+          <a:lnRef idx="1">
+            <a:schemeClr val="accent1"/>
+          </a:lnRef>
+          <a:fillRef idx="0">
+            <a:schemeClr val="accent1"/>
+          </a:fillRef>
+          <a:effectRef idx="0">
+            <a:schemeClr val="accent1"/>
+          </a:effectRef>
+          <a:fontRef idx="minor">
+            <a:schemeClr val="tx1"/>
+          </a:fontRef>
+        </p:style>
+      </p:cxnSp>
+      <p:cxnSp>
+        <p:nvCxnSpPr>
+          <p:cNvPr id="365" name="Соединительная линия уступом 595">
+            <a:extLst>
+              <a:ext uri="{FF2B5EF4-FFF2-40B4-BE49-F238E27FC236}">
+                <a16:creationId xmlns:a16="http://schemas.microsoft.com/office/drawing/2014/main" id="{9637F399-2433-4B02-9931-1E26E07F79DF}"/>
+              </a:ext>
+            </a:extLst>
+          </p:cNvPr>
+          <p:cNvCxnSpPr>
+            <a:cxnSpLocks/>
+            <a:stCxn id="295" idx="2"/>
+            <a:endCxn id="377" idx="0"/>
+          </p:cNvCxnSpPr>
+          <p:nvPr/>
+        </p:nvCxnSpPr>
+        <p:spPr>
+          <a:xfrm rot="5400000">
+            <a:off x="10389493" y="20117296"/>
+            <a:ext cx="322767" cy="1134971"/>
+          </a:xfrm>
+          <a:prstGeom prst="bentConnector3">
+            <a:avLst>
+              <a:gd name="adj1" fmla="val 50000"/>
+            </a:avLst>
+          </a:prstGeom>
+          <a:ln w="19050">
+            <a:prstDash val="dash"/>
+            <a:tailEnd type="arrow"/>
+          </a:ln>
+        </p:spPr>
+        <p:style>
+          <a:lnRef idx="1">
+            <a:schemeClr val="accent1"/>
+          </a:lnRef>
+          <a:fillRef idx="0">
+            <a:schemeClr val="accent1"/>
+          </a:fillRef>
+          <a:effectRef idx="0">
+            <a:schemeClr val="accent1"/>
+          </a:effectRef>
+          <a:fontRef idx="minor">
+            <a:schemeClr val="tx1"/>
+          </a:fontRef>
+        </p:style>
+      </p:cxnSp>
+      <p:sp>
+        <p:nvSpPr>
+          <p:cNvPr id="366" name="Прямоугольник 365">
+            <a:extLst>
+              <a:ext uri="{FF2B5EF4-FFF2-40B4-BE49-F238E27FC236}">
+                <a16:creationId xmlns:a16="http://schemas.microsoft.com/office/drawing/2014/main" id="{391CA492-D397-48BD-883A-6A194ADDB7F9}"/>
+              </a:ext>
+            </a:extLst>
+          </p:cNvPr>
+          <p:cNvSpPr/>
+          <p:nvPr/>
+        </p:nvSpPr>
+        <p:spPr>
+          <a:xfrm>
+            <a:off x="7180834" y="20847285"/>
+            <a:ext cx="926325" cy="540000"/>
+          </a:xfrm>
+          <a:prstGeom prst="rect">
+            <a:avLst/>
+          </a:prstGeom>
+          <a:noFill/>
+          <a:ln w="19050"/>
+        </p:spPr>
+        <p:style>
+          <a:lnRef idx="2">
+            <a:schemeClr val="accent1"/>
+          </a:lnRef>
+          <a:fillRef idx="1">
+            <a:schemeClr val="lt1"/>
+          </a:fillRef>
+          <a:effectRef idx="0">
+            <a:schemeClr val="accent1"/>
+          </a:effectRef>
+          <a:fontRef idx="minor">
+            <a:schemeClr val="dk1"/>
+          </a:fontRef>
+        </p:style>
+        <p:txBody>
+          <a:bodyPr lIns="124733" tIns="62367" rIns="124733" bIns="62367" rtlCol="0" anchor="ctr"/>
+          <a:lstStyle/>
+          <a:p>
+            <a:pPr algn="ctr"/>
+            <a:r>
+              <a:rPr lang="ru-RU" sz="700" dirty="0"/>
+              <a:t>Стандартизация фортификаций</a:t>
+            </a:r>
+          </a:p>
+        </p:txBody>
+      </p:sp>
+      <p:cxnSp>
+        <p:nvCxnSpPr>
+          <p:cNvPr id="370" name="Соединительная линия уступом 620">
+            <a:extLst>
+              <a:ext uri="{FF2B5EF4-FFF2-40B4-BE49-F238E27FC236}">
+                <a16:creationId xmlns:a16="http://schemas.microsoft.com/office/drawing/2014/main" id="{8D79AB5B-7485-4712-B9BB-B03A6B0DABDD}"/>
+              </a:ext>
+            </a:extLst>
+          </p:cNvPr>
+          <p:cNvCxnSpPr>
+            <a:cxnSpLocks/>
+            <a:stCxn id="296" idx="2"/>
+            <a:endCxn id="366" idx="0"/>
+          </p:cNvCxnSpPr>
+          <p:nvPr/>
+        </p:nvCxnSpPr>
+        <p:spPr>
+          <a:xfrm rot="5400000">
+            <a:off x="8082064" y="20086950"/>
+            <a:ext cx="322268" cy="1198402"/>
+          </a:xfrm>
+          <a:prstGeom prst="bentConnector3">
+            <a:avLst>
+              <a:gd name="adj1" fmla="val 50000"/>
+            </a:avLst>
+          </a:prstGeom>
+          <a:ln w="19050">
+            <a:tailEnd type="arrow"/>
+          </a:ln>
+        </p:spPr>
+        <p:style>
+          <a:lnRef idx="1">
+            <a:schemeClr val="accent1"/>
+          </a:lnRef>
+          <a:fillRef idx="0">
+            <a:schemeClr val="accent1"/>
+          </a:fillRef>
+          <a:effectRef idx="0">
+            <a:schemeClr val="accent1"/>
+          </a:effectRef>
+          <a:fontRef idx="minor">
+            <a:schemeClr val="tx1"/>
+          </a:fontRef>
+        </p:style>
+      </p:cxnSp>
+      <p:cxnSp>
+        <p:nvCxnSpPr>
+          <p:cNvPr id="372" name="Соединительная линия уступом 620">
+            <a:extLst>
+              <a:ext uri="{FF2B5EF4-FFF2-40B4-BE49-F238E27FC236}">
+                <a16:creationId xmlns:a16="http://schemas.microsoft.com/office/drawing/2014/main" id="{A670595C-ECB2-4176-8E98-880D643BE88B}"/>
+              </a:ext>
+            </a:extLst>
+          </p:cNvPr>
+          <p:cNvCxnSpPr>
+            <a:cxnSpLocks/>
+            <a:stCxn id="299" idx="2"/>
+            <a:endCxn id="301" idx="0"/>
+          </p:cNvCxnSpPr>
+          <p:nvPr/>
+        </p:nvCxnSpPr>
+        <p:spPr>
+          <a:xfrm rot="5400000">
+            <a:off x="8108880" y="20916794"/>
+            <a:ext cx="263029" cy="1204011"/>
+          </a:xfrm>
+          <a:prstGeom prst="bentConnector3">
+            <a:avLst>
+              <a:gd name="adj1" fmla="val 50000"/>
+            </a:avLst>
+          </a:prstGeom>
+          <a:ln w="19050">
+            <a:tailEnd type="arrow"/>
+          </a:ln>
+        </p:spPr>
+        <p:style>
+          <a:lnRef idx="1">
+            <a:schemeClr val="accent1"/>
+          </a:lnRef>
+          <a:fillRef idx="0">
+            <a:schemeClr val="accent1"/>
+          </a:fillRef>
+          <a:effectRef idx="0">
+            <a:schemeClr val="accent1"/>
+          </a:effectRef>
+          <a:fontRef idx="minor">
+            <a:schemeClr val="tx1"/>
+          </a:fontRef>
+        </p:style>
+      </p:cxnSp>
+      <p:sp>
+        <p:nvSpPr>
+          <p:cNvPr id="380" name="Прямоугольник 379">
+            <a:extLst>
+              <a:ext uri="{FF2B5EF4-FFF2-40B4-BE49-F238E27FC236}">
+                <a16:creationId xmlns:a16="http://schemas.microsoft.com/office/drawing/2014/main" id="{5A5FAC23-891F-46A8-8FE4-99B0165671E2}"/>
+              </a:ext>
+            </a:extLst>
+          </p:cNvPr>
+          <p:cNvSpPr/>
+          <p:nvPr/>
+        </p:nvSpPr>
+        <p:spPr>
+          <a:xfrm>
+            <a:off x="11254399" y="22459487"/>
+            <a:ext cx="926325" cy="540000"/>
+          </a:xfrm>
+          <a:prstGeom prst="rect">
+            <a:avLst/>
+          </a:prstGeom>
+          <a:noFill/>
+          <a:ln w="19050"/>
+        </p:spPr>
+        <p:style>
+          <a:lnRef idx="2">
+            <a:schemeClr val="accent1"/>
+          </a:lnRef>
+          <a:fillRef idx="1">
+            <a:schemeClr val="lt1"/>
+          </a:fillRef>
+          <a:effectRef idx="0">
+            <a:schemeClr val="accent1"/>
+          </a:effectRef>
+          <a:fontRef idx="minor">
+            <a:schemeClr val="dk1"/>
+          </a:fontRef>
+        </p:style>
+        <p:txBody>
+          <a:bodyPr lIns="124733" tIns="62367" rIns="124733" bIns="62367" rtlCol="0" anchor="ctr"/>
+          <a:lstStyle/>
+          <a:p>
+            <a:pPr algn="ctr"/>
+            <a:r>
+              <a:rPr lang="ru-RU" sz="700" dirty="0"/>
+              <a:t>Тактика моторизированного прорыва</a:t>
+            </a:r>
+          </a:p>
+        </p:txBody>
+      </p:sp>
+      <p:cxnSp>
+        <p:nvCxnSpPr>
+          <p:cNvPr id="381" name="Соединительная линия уступом 620">
+            <a:extLst>
+              <a:ext uri="{FF2B5EF4-FFF2-40B4-BE49-F238E27FC236}">
+                <a16:creationId xmlns:a16="http://schemas.microsoft.com/office/drawing/2014/main" id="{C862B6E1-AA2D-4F86-9F45-FDE225C04F1B}"/>
+              </a:ext>
+            </a:extLst>
+          </p:cNvPr>
+          <p:cNvCxnSpPr>
+            <a:cxnSpLocks/>
+            <a:stCxn id="308" idx="2"/>
+            <a:endCxn id="380" idx="0"/>
+          </p:cNvCxnSpPr>
+          <p:nvPr/>
+        </p:nvCxnSpPr>
+        <p:spPr>
+          <a:xfrm rot="5400000">
+            <a:off x="11884232" y="22023645"/>
+            <a:ext cx="269173" cy="602511"/>
+          </a:xfrm>
+          <a:prstGeom prst="bentConnector3">
+            <a:avLst>
+              <a:gd name="adj1" fmla="val 50000"/>
+            </a:avLst>
+          </a:prstGeom>
+          <a:ln w="19050">
+            <a:tailEnd type="arrow"/>
+          </a:ln>
+        </p:spPr>
+        <p:style>
+          <a:lnRef idx="1">
+            <a:schemeClr val="accent1"/>
+          </a:lnRef>
+          <a:fillRef idx="0">
+            <a:schemeClr val="accent1"/>
+          </a:fillRef>
+          <a:effectRef idx="0">
+            <a:schemeClr val="accent1"/>
+          </a:effectRef>
+          <a:fontRef idx="minor">
+            <a:schemeClr val="tx1"/>
+          </a:fontRef>
+        </p:style>
+      </p:cxnSp>
+      <p:cxnSp>
+        <p:nvCxnSpPr>
+          <p:cNvPr id="383" name="Соединительная линия уступом 620">
+            <a:extLst>
+              <a:ext uri="{FF2B5EF4-FFF2-40B4-BE49-F238E27FC236}">
+                <a16:creationId xmlns:a16="http://schemas.microsoft.com/office/drawing/2014/main" id="{5EB7A2D7-3CD1-4553-BE8A-789B51CF3E32}"/>
+              </a:ext>
+            </a:extLst>
+          </p:cNvPr>
+          <p:cNvCxnSpPr>
+            <a:cxnSpLocks/>
+            <a:stCxn id="309" idx="2"/>
+            <a:endCxn id="380" idx="0"/>
+          </p:cNvCxnSpPr>
+          <p:nvPr/>
+        </p:nvCxnSpPr>
+        <p:spPr>
+          <a:xfrm rot="16200000" flipH="1">
+            <a:off x="11284052" y="22025977"/>
+            <a:ext cx="267818" cy="599201"/>
+          </a:xfrm>
+          <a:prstGeom prst="bentConnector3">
+            <a:avLst>
+              <a:gd name="adj1" fmla="val 50000"/>
+            </a:avLst>
+          </a:prstGeom>
+          <a:ln w="19050">
+            <a:tailEnd type="arrow"/>
+          </a:ln>
+        </p:spPr>
+        <p:style>
+          <a:lnRef idx="1">
+            <a:schemeClr val="accent1"/>
+          </a:lnRef>
+          <a:fillRef idx="0">
+            <a:schemeClr val="accent1"/>
+          </a:fillRef>
+          <a:effectRef idx="0">
+            <a:schemeClr val="accent1"/>
+          </a:effectRef>
+          <a:fontRef idx="minor">
+            <a:schemeClr val="tx1"/>
+          </a:fontRef>
+        </p:style>
+      </p:cxnSp>
+      <p:sp>
+        <p:nvSpPr>
+          <p:cNvPr id="386" name="Прямоугольник 385">
+            <a:extLst>
+              <a:ext uri="{FF2B5EF4-FFF2-40B4-BE49-F238E27FC236}">
+                <a16:creationId xmlns:a16="http://schemas.microsoft.com/office/drawing/2014/main" id="{25DCB577-EA14-4EF1-8A6E-35501D841EAE}"/>
+              </a:ext>
+            </a:extLst>
+          </p:cNvPr>
+          <p:cNvSpPr/>
+          <p:nvPr/>
+        </p:nvSpPr>
+        <p:spPr>
+          <a:xfrm>
+            <a:off x="7782884" y="22464042"/>
+            <a:ext cx="926325" cy="540000"/>
+          </a:xfrm>
+          <a:prstGeom prst="rect">
+            <a:avLst/>
+          </a:prstGeom>
+          <a:noFill/>
+          <a:ln w="19050"/>
+        </p:spPr>
+        <p:style>
+          <a:lnRef idx="2">
+            <a:schemeClr val="accent1"/>
+          </a:lnRef>
+          <a:fillRef idx="1">
+            <a:schemeClr val="lt1"/>
+          </a:fillRef>
+          <a:effectRef idx="0">
+            <a:schemeClr val="accent1"/>
+          </a:effectRef>
+          <a:fontRef idx="minor">
+            <a:schemeClr val="dk1"/>
+          </a:fontRef>
+        </p:style>
+        <p:txBody>
+          <a:bodyPr lIns="124733" tIns="62367" rIns="124733" bIns="62367" rtlCol="0" anchor="ctr"/>
+          <a:lstStyle/>
+          <a:p>
+            <a:pPr algn="ctr"/>
+            <a:r>
+              <a:rPr lang="ru-RU" sz="700" dirty="0"/>
+              <a:t>Сконцентрироваться на выборе Луи Морена </a:t>
+            </a:r>
+            <a:r>
+              <a:rPr lang="ru-RU" sz="500" dirty="0"/>
+              <a:t>(тяжёлые</a:t>
+            </a:r>
+            <a:r>
+              <a:rPr lang="en-US" sz="500" dirty="0"/>
+              <a:t> B1</a:t>
+            </a:r>
+            <a:r>
+              <a:rPr lang="ru-RU" sz="500" dirty="0"/>
+              <a:t> и средние </a:t>
+            </a:r>
+            <a:r>
+              <a:rPr lang="en-US" sz="500" dirty="0" err="1"/>
+              <a:t>Rheno</a:t>
+            </a:r>
+            <a:r>
+              <a:rPr lang="en-US" sz="500" dirty="0"/>
+              <a:t> D2</a:t>
+            </a:r>
+            <a:r>
+              <a:rPr lang="ru-RU" sz="500" dirty="0"/>
+              <a:t> танки)</a:t>
+            </a:r>
+            <a:endParaRPr lang="ru-RU" sz="700" dirty="0"/>
+          </a:p>
+        </p:txBody>
+      </p:sp>
+      <p:cxnSp>
+        <p:nvCxnSpPr>
+          <p:cNvPr id="387" name="Соединительная линия уступом 620">
+            <a:extLst>
+              <a:ext uri="{FF2B5EF4-FFF2-40B4-BE49-F238E27FC236}">
+                <a16:creationId xmlns:a16="http://schemas.microsoft.com/office/drawing/2014/main" id="{DE3752C1-EC20-4819-A028-095B0D327193}"/>
+              </a:ext>
+            </a:extLst>
+          </p:cNvPr>
+          <p:cNvCxnSpPr>
+            <a:cxnSpLocks/>
+            <a:stCxn id="349" idx="2"/>
+            <a:endCxn id="386" idx="0"/>
+          </p:cNvCxnSpPr>
+          <p:nvPr/>
+        </p:nvCxnSpPr>
+        <p:spPr>
+          <a:xfrm rot="5400000">
+            <a:off x="8410515" y="22029575"/>
+            <a:ext cx="269999" cy="598934"/>
+          </a:xfrm>
+          <a:prstGeom prst="bentConnector3">
+            <a:avLst>
+              <a:gd name="adj1" fmla="val 50000"/>
+            </a:avLst>
+          </a:prstGeom>
+          <a:ln w="19050">
+            <a:tailEnd type="arrow"/>
+          </a:ln>
+        </p:spPr>
+        <p:style>
+          <a:lnRef idx="1">
+            <a:schemeClr val="accent1"/>
+          </a:lnRef>
+          <a:fillRef idx="0">
+            <a:schemeClr val="accent1"/>
+          </a:fillRef>
+          <a:effectRef idx="0">
+            <a:schemeClr val="accent1"/>
+          </a:effectRef>
+          <a:fontRef idx="minor">
+            <a:schemeClr val="tx1"/>
+          </a:fontRef>
+        </p:style>
+      </p:cxnSp>
+      <p:sp>
+        <p:nvSpPr>
+          <p:cNvPr id="410" name="Прямоугольник 409">
+            <a:extLst>
+              <a:ext uri="{FF2B5EF4-FFF2-40B4-BE49-F238E27FC236}">
+                <a16:creationId xmlns:a16="http://schemas.microsoft.com/office/drawing/2014/main" id="{3EF771E8-AF92-4B22-B8A3-D2522BB1D173}"/>
+              </a:ext>
+            </a:extLst>
+          </p:cNvPr>
+          <p:cNvSpPr/>
+          <p:nvPr/>
+        </p:nvSpPr>
+        <p:spPr>
+          <a:xfrm>
+            <a:off x="7782884" y="23269487"/>
+            <a:ext cx="926325" cy="540000"/>
+          </a:xfrm>
+          <a:prstGeom prst="rect">
+            <a:avLst/>
+          </a:prstGeom>
+          <a:noFill/>
+          <a:ln w="19050"/>
+        </p:spPr>
+        <p:style>
+          <a:lnRef idx="2">
+            <a:schemeClr val="accent1"/>
+          </a:lnRef>
+          <a:fillRef idx="1">
+            <a:schemeClr val="lt1"/>
+          </a:fillRef>
+          <a:effectRef idx="0">
+            <a:schemeClr val="accent1"/>
+          </a:effectRef>
+          <a:fontRef idx="minor">
+            <a:schemeClr val="dk1"/>
+          </a:fontRef>
+        </p:style>
+        <p:txBody>
+          <a:bodyPr lIns="124733" tIns="62367" rIns="124733" bIns="62367" rtlCol="0" anchor="ctr"/>
+          <a:lstStyle/>
+          <a:p>
+            <a:pPr algn="ctr"/>
+            <a:r>
+              <a:rPr lang="ru-RU" sz="700" dirty="0"/>
+              <a:t>Разработка сверхтяжёлых танков</a:t>
+            </a:r>
+          </a:p>
+        </p:txBody>
+      </p:sp>
+      <p:cxnSp>
+        <p:nvCxnSpPr>
+          <p:cNvPr id="411" name="Прямая со стрелкой 410">
+            <a:extLst>
+              <a:ext uri="{FF2B5EF4-FFF2-40B4-BE49-F238E27FC236}">
+                <a16:creationId xmlns:a16="http://schemas.microsoft.com/office/drawing/2014/main" id="{EDF0A284-4521-4E28-BFF6-E726A9E71ABA}"/>
+              </a:ext>
+            </a:extLst>
+          </p:cNvPr>
+          <p:cNvCxnSpPr>
+            <a:cxnSpLocks/>
+            <a:stCxn id="386" idx="2"/>
+            <a:endCxn id="410" idx="0"/>
+          </p:cNvCxnSpPr>
+          <p:nvPr/>
+        </p:nvCxnSpPr>
+        <p:spPr>
+          <a:xfrm>
+            <a:off x="8246047" y="23004042"/>
+            <a:ext cx="0" cy="265445"/>
+          </a:xfrm>
+          <a:prstGeom prst="straightConnector1">
+            <a:avLst/>
+          </a:prstGeom>
+          <a:ln w="19050">
+            <a:tailEnd type="arrow"/>
+          </a:ln>
+        </p:spPr>
+        <p:style>
+          <a:lnRef idx="1">
+            <a:schemeClr val="accent1"/>
+          </a:lnRef>
+          <a:fillRef idx="0">
+            <a:schemeClr val="accent1"/>
+          </a:fillRef>
+          <a:effectRef idx="0">
+            <a:schemeClr val="accent1"/>
+          </a:effectRef>
+          <a:fontRef idx="minor">
+            <a:schemeClr val="tx1"/>
+          </a:fontRef>
+        </p:style>
+      </p:cxnSp>
+      <p:sp>
+        <p:nvSpPr>
+          <p:cNvPr id="414" name="Прямоугольник 413">
+            <a:extLst>
+              <a:ext uri="{FF2B5EF4-FFF2-40B4-BE49-F238E27FC236}">
+                <a16:creationId xmlns:a16="http://schemas.microsoft.com/office/drawing/2014/main" id="{3F65DC5C-8317-4936-B262-F4464A02897F}"/>
+              </a:ext>
+            </a:extLst>
+          </p:cNvPr>
+          <p:cNvSpPr/>
+          <p:nvPr/>
+        </p:nvSpPr>
+        <p:spPr>
+          <a:xfrm>
+            <a:off x="11254399" y="23269487"/>
+            <a:ext cx="926325" cy="540000"/>
+          </a:xfrm>
+          <a:prstGeom prst="rect">
+            <a:avLst/>
+          </a:prstGeom>
+          <a:noFill/>
+          <a:ln w="19050"/>
+        </p:spPr>
+        <p:style>
+          <a:lnRef idx="2">
+            <a:schemeClr val="accent1"/>
+          </a:lnRef>
+          <a:fillRef idx="1">
+            <a:schemeClr val="lt1"/>
+          </a:fillRef>
+          <a:effectRef idx="0">
+            <a:schemeClr val="accent1"/>
+          </a:effectRef>
+          <a:fontRef idx="minor">
+            <a:schemeClr val="dk1"/>
+          </a:fontRef>
+        </p:style>
+        <p:txBody>
+          <a:bodyPr lIns="124733" tIns="62367" rIns="124733" bIns="62367" rtlCol="0" anchor="ctr"/>
+          <a:lstStyle/>
+          <a:p>
+            <a:pPr algn="ctr"/>
+            <a:r>
+              <a:rPr lang="ru-RU" sz="700" dirty="0"/>
+              <a:t>Разработка САУ</a:t>
+            </a:r>
+          </a:p>
+        </p:txBody>
+      </p:sp>
+      <p:cxnSp>
+        <p:nvCxnSpPr>
+          <p:cNvPr id="415" name="Прямая со стрелкой 414">
+            <a:extLst>
+              <a:ext uri="{FF2B5EF4-FFF2-40B4-BE49-F238E27FC236}">
+                <a16:creationId xmlns:a16="http://schemas.microsoft.com/office/drawing/2014/main" id="{594BF6DC-AB2E-42D3-BCF7-8A483FC4E294}"/>
+              </a:ext>
+            </a:extLst>
+          </p:cNvPr>
+          <p:cNvCxnSpPr>
+            <a:cxnSpLocks/>
+            <a:stCxn id="380" idx="2"/>
+            <a:endCxn id="414" idx="0"/>
+          </p:cNvCxnSpPr>
+          <p:nvPr/>
+        </p:nvCxnSpPr>
+        <p:spPr>
+          <a:xfrm>
+            <a:off x="11717562" y="22999487"/>
+            <a:ext cx="0" cy="270000"/>
+          </a:xfrm>
+          <a:prstGeom prst="straightConnector1">
+            <a:avLst/>
+          </a:prstGeom>
+          <a:ln w="19050">
+            <a:tailEnd type="arrow"/>
+          </a:ln>
+        </p:spPr>
+        <p:style>
+          <a:lnRef idx="1">
+            <a:schemeClr val="accent1"/>
+          </a:lnRef>
+          <a:fillRef idx="0">
+            <a:schemeClr val="accent1"/>
+          </a:fillRef>
+          <a:effectRef idx="0">
+            <a:schemeClr val="accent1"/>
+          </a:effectRef>
+          <a:fontRef idx="minor">
+            <a:schemeClr val="tx1"/>
+          </a:fontRef>
+        </p:style>
+      </p:cxnSp>
+      <p:sp>
+        <p:nvSpPr>
+          <p:cNvPr id="350" name="Прямоугольник 349">
+            <a:extLst>
+              <a:ext uri="{FF2B5EF4-FFF2-40B4-BE49-F238E27FC236}">
+                <a16:creationId xmlns:a16="http://schemas.microsoft.com/office/drawing/2014/main" id="{E4F8202D-E0A0-4FEF-9048-C9AE139FEE7E}"/>
+              </a:ext>
+            </a:extLst>
+          </p:cNvPr>
+          <p:cNvSpPr/>
+          <p:nvPr/>
+        </p:nvSpPr>
+        <p:spPr>
+          <a:xfrm>
+            <a:off x="24534684" y="2183802"/>
+            <a:ext cx="926325" cy="540000"/>
+          </a:xfrm>
+          <a:prstGeom prst="rect">
+            <a:avLst/>
+          </a:prstGeom>
+          <a:solidFill>
+            <a:schemeClr val="bg1"/>
+          </a:solidFill>
+          <a:ln w="19050"/>
+        </p:spPr>
+        <p:style>
+          <a:lnRef idx="2">
+            <a:schemeClr val="accent1"/>
+          </a:lnRef>
+          <a:fillRef idx="1">
+            <a:schemeClr val="lt1"/>
+          </a:fillRef>
+          <a:effectRef idx="0">
+            <a:schemeClr val="accent1"/>
+          </a:effectRef>
+          <a:fontRef idx="minor">
+            <a:schemeClr val="dk1"/>
+          </a:fontRef>
+        </p:style>
+        <p:txBody>
+          <a:bodyPr lIns="124733" tIns="62367" rIns="124733" bIns="62367" rtlCol="0" anchor="ctr"/>
+          <a:lstStyle/>
+          <a:p>
+            <a:pPr algn="ctr"/>
+            <a:r>
+              <a:rPr lang="ru-RU" sz="700" dirty="0"/>
+              <a:t>Увеличение срока службы</a:t>
+            </a:r>
+            <a:r>
+              <a:rPr lang="ru-RU" sz="500" dirty="0"/>
+              <a:t>(17 марта : Срок действительной военной службы увеличен до двух лет)</a:t>
+            </a:r>
+            <a:endParaRPr lang="ru-RU" sz="700" dirty="0"/>
+          </a:p>
+        </p:txBody>
+      </p:sp>
+      <p:cxnSp>
+        <p:nvCxnSpPr>
+          <p:cNvPr id="360" name="Прямая со стрелкой 359">
+            <a:extLst>
+              <a:ext uri="{FF2B5EF4-FFF2-40B4-BE49-F238E27FC236}">
+                <a16:creationId xmlns:a16="http://schemas.microsoft.com/office/drawing/2014/main" id="{221D054B-9808-4236-9164-66FCDDBC0B23}"/>
+              </a:ext>
+            </a:extLst>
+          </p:cNvPr>
+          <p:cNvCxnSpPr>
+            <a:cxnSpLocks/>
+            <a:stCxn id="582" idx="2"/>
+            <a:endCxn id="350" idx="0"/>
+          </p:cNvCxnSpPr>
+          <p:nvPr/>
+        </p:nvCxnSpPr>
+        <p:spPr>
+          <a:xfrm flipH="1">
+            <a:off x="24997847" y="1909129"/>
+            <a:ext cx="1" cy="274673"/>
+          </a:xfrm>
+          <a:prstGeom prst="straightConnector1">
+            <a:avLst/>
+          </a:prstGeom>
+          <a:ln w="19050">
+            <a:tailEnd type="arrow"/>
+          </a:ln>
+        </p:spPr>
+        <p:style>
+          <a:lnRef idx="1">
+            <a:schemeClr val="accent1"/>
+          </a:lnRef>
+          <a:fillRef idx="0">
+            <a:schemeClr val="accent1"/>
+          </a:fillRef>
+          <a:effectRef idx="0">
+            <a:schemeClr val="accent1"/>
+          </a:effectRef>
+          <a:fontRef idx="minor">
+            <a:schemeClr val="tx1"/>
+          </a:fontRef>
+        </p:style>
+      </p:cxnSp>
+      <p:cxnSp>
+        <p:nvCxnSpPr>
+          <p:cNvPr id="362" name="Соединительная линия уступом 595">
+            <a:extLst>
+              <a:ext uri="{FF2B5EF4-FFF2-40B4-BE49-F238E27FC236}">
+                <a16:creationId xmlns:a16="http://schemas.microsoft.com/office/drawing/2014/main" id="{404522E8-98CE-48F3-886B-3DFEFCAB2F04}"/>
+              </a:ext>
+            </a:extLst>
+          </p:cNvPr>
+          <p:cNvCxnSpPr>
+            <a:cxnSpLocks/>
+            <a:stCxn id="312" idx="2"/>
+            <a:endCxn id="141" idx="0"/>
+          </p:cNvCxnSpPr>
+          <p:nvPr/>
+        </p:nvCxnSpPr>
+        <p:spPr>
+          <a:xfrm rot="5400000">
+            <a:off x="10412528" y="20950333"/>
+            <a:ext cx="277774" cy="1133892"/>
+          </a:xfrm>
+          <a:prstGeom prst="bentConnector3">
+            <a:avLst>
+              <a:gd name="adj1" fmla="val 50000"/>
+            </a:avLst>
+          </a:prstGeom>
+          <a:ln w="19050">
+            <a:prstDash val="dash"/>
+            <a:tailEnd type="arrow"/>
+          </a:ln>
+        </p:spPr>
+        <p:style>
+          <a:lnRef idx="1">
+            <a:schemeClr val="accent1"/>
+          </a:lnRef>
+          <a:fillRef idx="0">
+            <a:schemeClr val="accent1"/>
+          </a:fillRef>
+          <a:effectRef idx="0">
+            <a:schemeClr val="accent1"/>
+          </a:effectRef>
+          <a:fontRef idx="minor">
+            <a:schemeClr val="tx1"/>
+          </a:fontRef>
+        </p:style>
+      </p:cxnSp>
+      <p:cxnSp>
+        <p:nvCxnSpPr>
+          <p:cNvPr id="376" name="Соединительная линия уступом 595">
+            <a:extLst>
+              <a:ext uri="{FF2B5EF4-FFF2-40B4-BE49-F238E27FC236}">
+                <a16:creationId xmlns:a16="http://schemas.microsoft.com/office/drawing/2014/main" id="{036731F6-216F-4CF7-829B-3EF2071868D8}"/>
+              </a:ext>
+            </a:extLst>
+          </p:cNvPr>
+          <p:cNvCxnSpPr>
+            <a:cxnSpLocks/>
+            <a:stCxn id="299" idx="2"/>
+            <a:endCxn id="141" idx="0"/>
+          </p:cNvCxnSpPr>
+          <p:nvPr/>
+        </p:nvCxnSpPr>
+        <p:spPr>
+          <a:xfrm rot="16200000" flipH="1">
+            <a:off x="9278994" y="20950690"/>
+            <a:ext cx="268881" cy="1142070"/>
+          </a:xfrm>
+          <a:prstGeom prst="bentConnector3">
+            <a:avLst>
+              <a:gd name="adj1" fmla="val 50000"/>
+            </a:avLst>
+          </a:prstGeom>
+          <a:ln w="19050">
+            <a:prstDash val="dash"/>
+            <a:tailEnd type="arrow"/>
+          </a:ln>
+        </p:spPr>
+        <p:style>
+          <a:lnRef idx="1">
+            <a:schemeClr val="accent1"/>
+          </a:lnRef>
+          <a:fillRef idx="0">
+            <a:schemeClr val="accent1"/>
+          </a:fillRef>
+          <a:effectRef idx="0">
+            <a:schemeClr val="accent1"/>
+          </a:effectRef>
+          <a:fontRef idx="minor">
+            <a:schemeClr val="tx1"/>
+          </a:fontRef>
+        </p:style>
+      </p:cxnSp>
+      <p:sp>
+        <p:nvSpPr>
+          <p:cNvPr id="377" name="Прямоугольник 376">
+            <a:extLst>
+              <a:ext uri="{FF2B5EF4-FFF2-40B4-BE49-F238E27FC236}">
+                <a16:creationId xmlns:a16="http://schemas.microsoft.com/office/drawing/2014/main" id="{F240AE28-BBA5-4300-8B71-54E9A3529D50}"/>
+              </a:ext>
+            </a:extLst>
+          </p:cNvPr>
+          <p:cNvSpPr/>
+          <p:nvPr/>
+        </p:nvSpPr>
+        <p:spPr>
+          <a:xfrm>
+            <a:off x="9520227" y="20846165"/>
+            <a:ext cx="926325" cy="540000"/>
+          </a:xfrm>
+          <a:prstGeom prst="rect">
+            <a:avLst/>
+          </a:prstGeom>
+          <a:noFill/>
+          <a:ln w="19050"/>
+        </p:spPr>
+        <p:style>
+          <a:lnRef idx="2">
+            <a:schemeClr val="accent1"/>
+          </a:lnRef>
+          <a:fillRef idx="1">
+            <a:schemeClr val="lt1"/>
+          </a:fillRef>
+          <a:effectRef idx="0">
+            <a:schemeClr val="accent1"/>
+          </a:effectRef>
+          <a:fontRef idx="minor">
+            <a:schemeClr val="dk1"/>
+          </a:fontRef>
+        </p:style>
+        <p:txBody>
+          <a:bodyPr lIns="124733" tIns="62367" rIns="124733" bIns="62367" rtlCol="0" anchor="ctr"/>
+          <a:lstStyle/>
+          <a:p>
+            <a:pPr algn="ctr"/>
+            <a:r>
+              <a:rPr lang="ru-RU" sz="700" dirty="0"/>
+              <a:t>Кредит на национальную оборону</a:t>
+            </a:r>
+          </a:p>
+        </p:txBody>
+      </p:sp>
+      <p:cxnSp>
+        <p:nvCxnSpPr>
+          <p:cNvPr id="378" name="Прямая со стрелкой 377">
+            <a:extLst>
+              <a:ext uri="{FF2B5EF4-FFF2-40B4-BE49-F238E27FC236}">
+                <a16:creationId xmlns:a16="http://schemas.microsoft.com/office/drawing/2014/main" id="{E1178EE5-C30E-4E5B-BB56-4E9A85C0F81E}"/>
+              </a:ext>
+            </a:extLst>
+          </p:cNvPr>
+          <p:cNvCxnSpPr>
+            <a:cxnSpLocks/>
+            <a:stCxn id="200" idx="2"/>
+            <a:endCxn id="191" idx="0"/>
+          </p:cNvCxnSpPr>
+          <p:nvPr/>
+        </p:nvCxnSpPr>
+        <p:spPr>
+          <a:xfrm>
+            <a:off x="16551650" y="19641816"/>
+            <a:ext cx="0" cy="331114"/>
           </a:xfrm>
           <a:prstGeom prst="straightConnector1">
             <a:avLst/>

--- a/Наработки/диздоки/Франция/Франция.pptx
+++ b/Наработки/диздоки/Франция/Франция.pptx
@@ -209,7 +209,7 @@
             <a:fld id="{33E3D7F9-E251-484C-A6FF-FA958879DF69}" type="datetimeFigureOut">
               <a:rPr lang="ru-RU" smtClean="0"/>
               <a:pPr/>
-              <a:t>19.03.2024</a:t>
+              <a:t>22.03.2024</a:t>
             </a:fld>
             <a:endParaRPr lang="ru-RU"/>
           </a:p>
@@ -699,7 +699,7 @@
             <a:fld id="{85A5DE44-605B-4D3B-B2B7-94543DF81A36}" type="datetimeFigureOut">
               <a:rPr lang="ru-RU" smtClean="0"/>
               <a:pPr/>
-              <a:t>19.03.2024</a:t>
+              <a:t>22.03.2024</a:t>
             </a:fld>
             <a:endParaRPr lang="ru-RU"/>
           </a:p>
@@ -871,7 +871,7 @@
             <a:fld id="{85A5DE44-605B-4D3B-B2B7-94543DF81A36}" type="datetimeFigureOut">
               <a:rPr lang="ru-RU" smtClean="0"/>
               <a:pPr/>
-              <a:t>19.03.2024</a:t>
+              <a:t>22.03.2024</a:t>
             </a:fld>
             <a:endParaRPr lang="ru-RU"/>
           </a:p>
@@ -1053,7 +1053,7 @@
             <a:fld id="{85A5DE44-605B-4D3B-B2B7-94543DF81A36}" type="datetimeFigureOut">
               <a:rPr lang="ru-RU" smtClean="0"/>
               <a:pPr/>
-              <a:t>19.03.2024</a:t>
+              <a:t>22.03.2024</a:t>
             </a:fld>
             <a:endParaRPr lang="ru-RU"/>
           </a:p>
@@ -1225,7 +1225,7 @@
             <a:fld id="{85A5DE44-605B-4D3B-B2B7-94543DF81A36}" type="datetimeFigureOut">
               <a:rPr lang="ru-RU" smtClean="0"/>
               <a:pPr/>
-              <a:t>19.03.2024</a:t>
+              <a:t>22.03.2024</a:t>
             </a:fld>
             <a:endParaRPr lang="ru-RU"/>
           </a:p>
@@ -1473,7 +1473,7 @@
             <a:fld id="{85A5DE44-605B-4D3B-B2B7-94543DF81A36}" type="datetimeFigureOut">
               <a:rPr lang="ru-RU" smtClean="0"/>
               <a:pPr/>
-              <a:t>19.03.2024</a:t>
+              <a:t>22.03.2024</a:t>
             </a:fld>
             <a:endParaRPr lang="ru-RU"/>
           </a:p>
@@ -1707,7 +1707,7 @@
             <a:fld id="{85A5DE44-605B-4D3B-B2B7-94543DF81A36}" type="datetimeFigureOut">
               <a:rPr lang="ru-RU" smtClean="0"/>
               <a:pPr/>
-              <a:t>19.03.2024</a:t>
+              <a:t>22.03.2024</a:t>
             </a:fld>
             <a:endParaRPr lang="ru-RU"/>
           </a:p>
@@ -2076,7 +2076,7 @@
             <a:fld id="{85A5DE44-605B-4D3B-B2B7-94543DF81A36}" type="datetimeFigureOut">
               <a:rPr lang="ru-RU" smtClean="0"/>
               <a:pPr/>
-              <a:t>19.03.2024</a:t>
+              <a:t>22.03.2024</a:t>
             </a:fld>
             <a:endParaRPr lang="ru-RU"/>
           </a:p>
@@ -2196,7 +2196,7 @@
             <a:fld id="{85A5DE44-605B-4D3B-B2B7-94543DF81A36}" type="datetimeFigureOut">
               <a:rPr lang="ru-RU" smtClean="0"/>
               <a:pPr/>
-              <a:t>19.03.2024</a:t>
+              <a:t>22.03.2024</a:t>
             </a:fld>
             <a:endParaRPr lang="ru-RU"/>
           </a:p>
@@ -2293,7 +2293,7 @@
             <a:fld id="{85A5DE44-605B-4D3B-B2B7-94543DF81A36}" type="datetimeFigureOut">
               <a:rPr lang="ru-RU" smtClean="0"/>
               <a:pPr/>
-              <a:t>19.03.2024</a:t>
+              <a:t>22.03.2024</a:t>
             </a:fld>
             <a:endParaRPr lang="ru-RU"/>
           </a:p>
@@ -2572,7 +2572,7 @@
             <a:fld id="{85A5DE44-605B-4D3B-B2B7-94543DF81A36}" type="datetimeFigureOut">
               <a:rPr lang="ru-RU" smtClean="0"/>
               <a:pPr/>
-              <a:t>19.03.2024</a:t>
+              <a:t>22.03.2024</a:t>
             </a:fld>
             <a:endParaRPr lang="ru-RU"/>
           </a:p>
@@ -2831,7 +2831,7 @@
             <a:fld id="{85A5DE44-605B-4D3B-B2B7-94543DF81A36}" type="datetimeFigureOut">
               <a:rPr lang="ru-RU" smtClean="0"/>
               <a:pPr/>
-              <a:t>19.03.2024</a:t>
+              <a:t>22.03.2024</a:t>
             </a:fld>
             <a:endParaRPr lang="ru-RU"/>
           </a:p>
@@ -3046,7 +3046,7 @@
             <a:fld id="{85A5DE44-605B-4D3B-B2B7-94543DF81A36}" type="datetimeFigureOut">
               <a:rPr lang="ru-RU" smtClean="0"/>
               <a:pPr/>
-              <a:t>19.03.2024</a:t>
+              <a:t>22.03.2024</a:t>
             </a:fld>
             <a:endParaRPr lang="ru-RU"/>
           </a:p>
@@ -9342,7 +9342,7 @@
         </p:nvSpPr>
         <p:spPr>
           <a:xfrm>
-            <a:off x="3976276" y="19122750"/>
+            <a:off x="22402280" y="20620650"/>
             <a:ext cx="926325" cy="540000"/>
           </a:xfrm>
           <a:prstGeom prst="rect">
@@ -9694,7 +9694,7 @@
         </p:nvSpPr>
         <p:spPr>
           <a:xfrm>
-            <a:off x="9521306" y="21656166"/>
+            <a:off x="25889910" y="23154066"/>
             <a:ext cx="926325" cy="540000"/>
           </a:xfrm>
           <a:prstGeom prst="rect">
@@ -9765,7 +9765,7 @@
         </p:nvSpPr>
         <p:spPr>
           <a:xfrm>
-            <a:off x="2169213" y="16833730"/>
+            <a:off x="20595217" y="18331630"/>
             <a:ext cx="926325" cy="540000"/>
           </a:xfrm>
           <a:prstGeom prst="rect">
@@ -9816,7 +9816,7 @@
         </p:nvSpPr>
         <p:spPr>
           <a:xfrm>
-            <a:off x="3376276" y="18323522"/>
+            <a:off x="21802280" y="19821422"/>
             <a:ext cx="926325" cy="540000"/>
           </a:xfrm>
           <a:prstGeom prst="rect">
@@ -9870,7 +9870,7 @@
         </p:nvSpPr>
         <p:spPr>
           <a:xfrm>
-            <a:off x="9520227" y="18323521"/>
+            <a:off x="25888831" y="19821421"/>
             <a:ext cx="926325" cy="540000"/>
           </a:xfrm>
           <a:prstGeom prst="rect">
@@ -9985,7 +9985,7 @@
         </p:nvSpPr>
         <p:spPr>
           <a:xfrm>
-            <a:off x="13070135" y="19971978"/>
+            <a:off x="29438739" y="21469878"/>
             <a:ext cx="926325" cy="540000"/>
           </a:xfrm>
           <a:prstGeom prst="rect">
@@ -10039,7 +10039,7 @@
         </p:nvSpPr>
         <p:spPr>
           <a:xfrm>
-            <a:off x="13070135" y="20844044"/>
+            <a:off x="29438739" y="22341944"/>
             <a:ext cx="926325" cy="540000"/>
           </a:xfrm>
           <a:prstGeom prst="rect">
@@ -10110,7 +10110,7 @@
         </p:nvSpPr>
         <p:spPr>
           <a:xfrm>
-            <a:off x="14280474" y="20844044"/>
+            <a:off x="30649078" y="22341944"/>
             <a:ext cx="926325" cy="540000"/>
           </a:xfrm>
           <a:prstGeom prst="rect">
@@ -10197,7 +10197,7 @@
         </p:nvSpPr>
         <p:spPr>
           <a:xfrm>
-            <a:off x="14280473" y="19978285"/>
+            <a:off x="30649077" y="21476185"/>
             <a:ext cx="926325" cy="540000"/>
           </a:xfrm>
           <a:prstGeom prst="rect">
@@ -10255,7 +10255,7 @@
         </p:nvCxnSpPr>
         <p:spPr>
           <a:xfrm flipV="1">
-            <a:off x="9305561" y="20253398"/>
+            <a:off x="25674165" y="21751298"/>
             <a:ext cx="1349637" cy="1619"/>
           </a:xfrm>
           <a:prstGeom prst="line">
@@ -10300,8 +10300,8 @@
         </p:nvCxnSpPr>
         <p:spPr>
           <a:xfrm rot="16200000" flipH="1">
-            <a:off x="6206776" y="14546907"/>
-            <a:ext cx="202212" cy="7351015"/>
+            <a:off x="23604080" y="17073507"/>
+            <a:ext cx="202212" cy="5293615"/>
           </a:xfrm>
           <a:prstGeom prst="bentConnector3">
             <a:avLst>
@@ -10345,7 +10345,7 @@
         </p:nvCxnSpPr>
         <p:spPr>
           <a:xfrm>
-            <a:off x="14743636" y="20518285"/>
+            <a:off x="31112240" y="22016185"/>
             <a:ext cx="1" cy="325759"/>
           </a:xfrm>
           <a:prstGeom prst="straightConnector1">
@@ -10388,7 +10388,7 @@
         </p:nvCxnSpPr>
         <p:spPr>
           <a:xfrm>
-            <a:off x="13533298" y="20511978"/>
+            <a:off x="29901902" y="22009878"/>
             <a:ext cx="0" cy="332066"/>
           </a:xfrm>
           <a:prstGeom prst="straightConnector1">
@@ -10427,7 +10427,7 @@
         </p:nvSpPr>
         <p:spPr>
           <a:xfrm>
-            <a:off x="14280473" y="21654044"/>
+            <a:off x="30649077" y="23151944"/>
             <a:ext cx="926325" cy="540000"/>
           </a:xfrm>
           <a:prstGeom prst="rect">
@@ -10526,7 +10526,7 @@
         </p:nvCxnSpPr>
         <p:spPr>
           <a:xfrm flipH="1">
-            <a:off x="14743636" y="21384044"/>
+            <a:off x="31112240" y="22881944"/>
             <a:ext cx="1" cy="270000"/>
           </a:xfrm>
           <a:prstGeom prst="straightConnector1">
@@ -10565,7 +10565,7 @@
         </p:nvSpPr>
         <p:spPr>
           <a:xfrm>
-            <a:off x="14874506" y="22459487"/>
+            <a:off x="31243110" y="23957387"/>
             <a:ext cx="926325" cy="540000"/>
           </a:xfrm>
           <a:prstGeom prst="rect">
@@ -10640,7 +10640,7 @@
         </p:nvCxnSpPr>
         <p:spPr>
           <a:xfrm rot="5400000">
-            <a:off x="14877393" y="18297721"/>
+            <a:off x="31245997" y="19795621"/>
             <a:ext cx="330162" cy="3018352"/>
           </a:xfrm>
           <a:prstGeom prst="bentConnector3">
@@ -10681,7 +10681,7 @@
         </p:nvSpPr>
         <p:spPr>
           <a:xfrm>
-            <a:off x="12463002" y="22459487"/>
+            <a:off x="28831606" y="23957387"/>
             <a:ext cx="926325" cy="540000"/>
           </a:xfrm>
           <a:prstGeom prst="rect">
@@ -10764,7 +10764,7 @@
         </p:nvCxnSpPr>
         <p:spPr>
           <a:xfrm rot="5400000">
-            <a:off x="12255978" y="21182166"/>
+            <a:off x="28624582" y="22680066"/>
             <a:ext cx="1947509" cy="607133"/>
           </a:xfrm>
           <a:prstGeom prst="bentConnector3">
@@ -10809,7 +10809,7 @@
         </p:nvCxnSpPr>
         <p:spPr>
           <a:xfrm>
-            <a:off x="13389327" y="22729487"/>
+            <a:off x="29757931" y="24227387"/>
             <a:ext cx="1485179" cy="0"/>
           </a:xfrm>
           <a:prstGeom prst="line">
@@ -10850,7 +10850,7 @@
         </p:nvSpPr>
         <p:spPr>
           <a:xfrm>
-            <a:off x="12463002" y="23269487"/>
+            <a:off x="28831606" y="24767387"/>
             <a:ext cx="926325" cy="540000"/>
           </a:xfrm>
           <a:prstGeom prst="rect">
@@ -10937,7 +10937,7 @@
         </p:nvCxnSpPr>
         <p:spPr>
           <a:xfrm>
-            <a:off x="12926165" y="22999487"/>
+            <a:off x="29294769" y="24497387"/>
             <a:ext cx="0" cy="270000"/>
           </a:xfrm>
           <a:prstGeom prst="straightConnector1">
@@ -10976,7 +10976,7 @@
         </p:nvSpPr>
         <p:spPr>
           <a:xfrm>
-            <a:off x="16088487" y="19972930"/>
+            <a:off x="32457091" y="21470830"/>
             <a:ext cx="926325" cy="540000"/>
           </a:xfrm>
           <a:prstGeom prst="rect">
@@ -11030,7 +11030,7 @@
         </p:nvSpPr>
         <p:spPr>
           <a:xfrm>
-            <a:off x="15487068" y="21654043"/>
+            <a:off x="31855672" y="23151943"/>
             <a:ext cx="926325" cy="540000"/>
           </a:xfrm>
           <a:prstGeom prst="rect">
@@ -11181,7 +11181,7 @@
         </p:nvSpPr>
         <p:spPr>
           <a:xfrm>
-            <a:off x="16694738" y="20844044"/>
+            <a:off x="33063342" y="22341944"/>
             <a:ext cx="926325" cy="540000"/>
           </a:xfrm>
           <a:prstGeom prst="rect">
@@ -11251,7 +11251,7 @@
         </p:nvSpPr>
         <p:spPr>
           <a:xfrm>
-            <a:off x="16088487" y="19101816"/>
+            <a:off x="32457091" y="20599716"/>
             <a:ext cx="926325" cy="540000"/>
           </a:xfrm>
           <a:prstGeom prst="rect">
@@ -11290,7 +11290,7 @@
             </a:r>
             <a:r>
               <a:rPr lang="ru-RU" sz="700" dirty="0"/>
-              <a:t>Пятилетний план перевооружения ВВС (окончание 25 августа 1936)</a:t>
+              <a:t>Пятилетний план перевооружения ВВС</a:t>
             </a:r>
           </a:p>
         </p:txBody>
@@ -11309,7 +11309,7 @@
         </p:nvSpPr>
         <p:spPr>
           <a:xfrm>
-            <a:off x="15487067" y="20844044"/>
+            <a:off x="31855671" y="22341944"/>
             <a:ext cx="926325" cy="540000"/>
           </a:xfrm>
           <a:prstGeom prst="rect">
@@ -11499,7 +11499,7 @@
         </p:nvCxnSpPr>
         <p:spPr>
           <a:xfrm rot="16200000" flipH="1">
-            <a:off x="16689218" y="20375361"/>
+            <a:off x="33057822" y="21873261"/>
             <a:ext cx="331114" cy="606251"/>
           </a:xfrm>
           <a:prstGeom prst="bentConnector3">
@@ -11544,7 +11544,7 @@
         </p:nvCxnSpPr>
         <p:spPr>
           <a:xfrm>
-            <a:off x="15950230" y="21384044"/>
+            <a:off x="32318834" y="22881944"/>
             <a:ext cx="1" cy="269999"/>
           </a:xfrm>
           <a:prstGeom prst="straightConnector1">
@@ -11583,7 +11583,7 @@
         </p:nvSpPr>
         <p:spPr>
           <a:xfrm>
-            <a:off x="16693661" y="21654043"/>
+            <a:off x="33062265" y="23151943"/>
             <a:ext cx="926325" cy="540000"/>
           </a:xfrm>
           <a:prstGeom prst="rect">
@@ -11756,7 +11756,7 @@
         </p:nvCxnSpPr>
         <p:spPr>
           <a:xfrm rot="16200000" flipH="1">
-            <a:off x="16418528" y="20915746"/>
+            <a:off x="32787132" y="22413646"/>
             <a:ext cx="269999" cy="1206594"/>
           </a:xfrm>
           <a:prstGeom prst="bentConnector3">
@@ -11801,7 +11801,7 @@
         </p:nvCxnSpPr>
         <p:spPr>
           <a:xfrm>
-            <a:off x="15800831" y="22729487"/>
+            <a:off x="32169435" y="24227387"/>
             <a:ext cx="1504778" cy="0"/>
           </a:xfrm>
           <a:prstGeom prst="line">
@@ -11842,7 +11842,7 @@
         </p:nvSpPr>
         <p:spPr>
           <a:xfrm>
-            <a:off x="17305609" y="22459487"/>
+            <a:off x="33674213" y="23957387"/>
             <a:ext cx="926325" cy="540000"/>
           </a:xfrm>
           <a:prstGeom prst="rect">
@@ -11976,7 +11976,7 @@
         </p:nvCxnSpPr>
         <p:spPr>
           <a:xfrm rot="5400000">
-            <a:off x="17022364" y="21518505"/>
+            <a:off x="33390968" y="23016405"/>
             <a:ext cx="269999" cy="1077"/>
           </a:xfrm>
           <a:prstGeom prst="bentConnector3">
@@ -12017,7 +12017,7 @@
         </p:nvSpPr>
         <p:spPr>
           <a:xfrm>
-            <a:off x="17898990" y="20844044"/>
+            <a:off x="34267594" y="22341944"/>
             <a:ext cx="926325" cy="540000"/>
           </a:xfrm>
           <a:prstGeom prst="rect">
@@ -12075,7 +12075,7 @@
         </p:nvCxnSpPr>
         <p:spPr>
           <a:xfrm rot="16200000" flipH="1">
-            <a:off x="16855787" y="19337678"/>
+            <a:off x="33224391" y="20835578"/>
             <a:ext cx="1202228" cy="1810503"/>
           </a:xfrm>
           <a:prstGeom prst="bentConnector3">
@@ -12116,7 +12116,7 @@
         </p:nvSpPr>
         <p:spPr>
           <a:xfrm>
-            <a:off x="17898989" y="21654043"/>
+            <a:off x="34267593" y="23151943"/>
             <a:ext cx="926325" cy="540000"/>
           </a:xfrm>
           <a:prstGeom prst="rect">
@@ -12186,7 +12186,7 @@
         </p:nvCxnSpPr>
         <p:spPr>
           <a:xfrm flipH="1">
-            <a:off x="18362152" y="21384044"/>
+            <a:off x="34730756" y="22881944"/>
             <a:ext cx="1" cy="269999"/>
           </a:xfrm>
           <a:prstGeom prst="straightConnector1">
@@ -12229,7 +12229,7 @@
         </p:nvCxnSpPr>
         <p:spPr>
           <a:xfrm rot="5400000">
-            <a:off x="16085383" y="20377777"/>
+            <a:off x="32453987" y="21875677"/>
             <a:ext cx="331114" cy="601420"/>
           </a:xfrm>
           <a:prstGeom prst="bentConnector3">
@@ -12274,7 +12274,7 @@
         </p:nvCxnSpPr>
         <p:spPr>
           <a:xfrm rot="16200000" flipH="1">
-            <a:off x="16925615" y="21616329"/>
+            <a:off x="33294219" y="23114229"/>
             <a:ext cx="1075443" cy="610871"/>
           </a:xfrm>
           <a:prstGeom prst="bentConnector3">
@@ -12319,7 +12319,7 @@
         </p:nvCxnSpPr>
         <p:spPr>
           <a:xfrm rot="16200000" flipH="1">
-            <a:off x="14502932" y="21624749"/>
+            <a:off x="30871536" y="23122649"/>
             <a:ext cx="1075443" cy="594032"/>
           </a:xfrm>
           <a:prstGeom prst="bentConnector3">
@@ -12364,7 +12364,7 @@
         </p:nvCxnSpPr>
         <p:spPr>
           <a:xfrm rot="5400000">
-            <a:off x="15479409" y="18906043"/>
+            <a:off x="31848013" y="20403943"/>
             <a:ext cx="336469" cy="1808014"/>
           </a:xfrm>
           <a:prstGeom prst="bentConnector3">
@@ -12409,7 +12409,7 @@
         </p:nvCxnSpPr>
         <p:spPr>
           <a:xfrm>
-            <a:off x="15206799" y="21114044"/>
+            <a:off x="31575403" y="22611944"/>
             <a:ext cx="280268" cy="0"/>
           </a:xfrm>
           <a:prstGeom prst="line">
@@ -12450,7 +12450,7 @@
         </p:nvSpPr>
         <p:spPr>
           <a:xfrm>
-            <a:off x="17300724" y="19971978"/>
+            <a:off x="33669328" y="21469878"/>
             <a:ext cx="926325" cy="540000"/>
           </a:xfrm>
           <a:prstGeom prst="rect">
@@ -12527,7 +12527,7 @@
         </p:nvCxnSpPr>
         <p:spPr>
           <a:xfrm rot="16200000" flipH="1">
-            <a:off x="16992687" y="19200778"/>
+            <a:off x="33361291" y="20698678"/>
             <a:ext cx="330162" cy="1212237"/>
           </a:xfrm>
           <a:prstGeom prst="bentConnector3">
@@ -12568,7 +12568,7 @@
         </p:nvSpPr>
         <p:spPr>
           <a:xfrm>
-            <a:off x="18508395" y="19971978"/>
+            <a:off x="34876999" y="21469878"/>
             <a:ext cx="926325" cy="540000"/>
           </a:xfrm>
           <a:prstGeom prst="rect">
@@ -12617,7 +12617,7 @@
         </p:nvSpPr>
         <p:spPr>
           <a:xfrm>
-            <a:off x="19105585" y="20844043"/>
+            <a:off x="35474189" y="22341943"/>
             <a:ext cx="926325" cy="540000"/>
           </a:xfrm>
           <a:prstGeom prst="rect">
@@ -12843,7 +12843,7 @@
         </p:nvSpPr>
         <p:spPr>
           <a:xfrm>
-            <a:off x="20318742" y="20838392"/>
+            <a:off x="36687346" y="22336292"/>
             <a:ext cx="926325" cy="540000"/>
           </a:xfrm>
           <a:prstGeom prst="rect">
@@ -12948,7 +12948,7 @@
         </p:nvSpPr>
         <p:spPr>
           <a:xfrm>
-            <a:off x="19712648" y="19971978"/>
+            <a:off x="36081252" y="21469878"/>
             <a:ext cx="926325" cy="540000"/>
           </a:xfrm>
           <a:prstGeom prst="rect">
@@ -13029,7 +13029,7 @@
         </p:nvSpPr>
         <p:spPr>
           <a:xfrm>
-            <a:off x="19712648" y="21654043"/>
+            <a:off x="36081252" y="23151943"/>
             <a:ext cx="926325" cy="540000"/>
           </a:xfrm>
           <a:prstGeom prst="rect">
@@ -13130,7 +13130,7 @@
         </p:nvCxnSpPr>
         <p:spPr>
           <a:xfrm rot="16200000" flipH="1">
-            <a:off x="17596523" y="18596943"/>
+            <a:off x="33965127" y="20094843"/>
             <a:ext cx="330162" cy="2419908"/>
           </a:xfrm>
           <a:prstGeom prst="bentConnector3">
@@ -13175,7 +13175,7 @@
         </p:nvCxnSpPr>
         <p:spPr>
           <a:xfrm rot="16200000" flipH="1">
-            <a:off x="18198649" y="17994816"/>
+            <a:off x="34567253" y="19492716"/>
             <a:ext cx="330162" cy="3624161"/>
           </a:xfrm>
           <a:prstGeom prst="bentConnector3">
@@ -13220,7 +13220,7 @@
         </p:nvCxnSpPr>
         <p:spPr>
           <a:xfrm rot="5400000">
-            <a:off x="19706248" y="20374479"/>
+            <a:off x="36074852" y="21872379"/>
             <a:ext cx="332065" cy="607063"/>
           </a:xfrm>
           <a:prstGeom prst="bentConnector3">
@@ -13265,7 +13265,7 @@
         </p:nvCxnSpPr>
         <p:spPr>
           <a:xfrm rot="16200000" flipH="1">
-            <a:off x="20315651" y="20372138"/>
+            <a:off x="36684255" y="21870038"/>
             <a:ext cx="326414" cy="606094"/>
           </a:xfrm>
           <a:prstGeom prst="bentConnector3">
@@ -13310,7 +13310,7 @@
         </p:nvCxnSpPr>
         <p:spPr>
           <a:xfrm>
-            <a:off x="20175811" y="20511978"/>
+            <a:off x="36544415" y="22009878"/>
             <a:ext cx="0" cy="1142065"/>
           </a:xfrm>
           <a:prstGeom prst="straightConnector1">
@@ -13487,7 +13487,7 @@
         </p:nvSpPr>
         <p:spPr>
           <a:xfrm>
-            <a:off x="2169212" y="17581309"/>
+            <a:off x="20595216" y="19079209"/>
             <a:ext cx="926325" cy="540000"/>
           </a:xfrm>
           <a:prstGeom prst="rect">
@@ -13698,7 +13698,7 @@
         </p:nvCxnSpPr>
         <p:spPr>
           <a:xfrm rot="16200000" flipH="1">
-            <a:off x="13148373" y="15698538"/>
+            <a:off x="29516977" y="17196438"/>
             <a:ext cx="238295" cy="6568260"/>
           </a:xfrm>
           <a:prstGeom prst="bentConnector3">
@@ -13739,7 +13739,7 @@
         </p:nvSpPr>
         <p:spPr>
           <a:xfrm>
-            <a:off x="4583340" y="18323522"/>
+            <a:off x="23009344" y="19821422"/>
             <a:ext cx="926325" cy="540000"/>
           </a:xfrm>
           <a:prstGeom prst="rect">
@@ -13793,7 +13793,7 @@
         </p:nvSpPr>
         <p:spPr>
           <a:xfrm>
-            <a:off x="2168748" y="18323522"/>
+            <a:off x="20594752" y="19821422"/>
             <a:ext cx="926325" cy="540000"/>
           </a:xfrm>
           <a:prstGeom prst="rect">
@@ -13828,13 +13828,8 @@
             <a:pPr algn="ctr"/>
             <a:r>
               <a:rPr lang="ru-RU" sz="700" dirty="0"/>
-              <a:t>Новая девальвация франка </a:t>
-            </a:r>
-            <a:r>
-              <a:rPr lang="ru-RU" sz="500" dirty="0"/>
-              <a:t>(1 октября)</a:t>
-            </a:r>
-            <a:endParaRPr lang="ru-RU" sz="700" dirty="0"/>
+              <a:t>Новая девальвация франка</a:t>
+            </a:r>
           </a:p>
         </p:txBody>
       </p:sp>
@@ -13856,7 +13851,7 @@
         </p:nvCxnSpPr>
         <p:spPr>
           <a:xfrm flipH="1">
-            <a:off x="2632375" y="17373730"/>
+            <a:off x="21058379" y="18871630"/>
             <a:ext cx="1" cy="207579"/>
           </a:xfrm>
           <a:prstGeom prst="straightConnector1">
@@ -13991,7 +13986,7 @@
         </p:nvSpPr>
         <p:spPr>
           <a:xfrm>
-            <a:off x="9520227" y="19116898"/>
+            <a:off x="25888831" y="20614798"/>
             <a:ext cx="926325" cy="540000"/>
           </a:xfrm>
           <a:prstGeom prst="rect">
@@ -14049,7 +14044,7 @@
         </p:nvCxnSpPr>
         <p:spPr>
           <a:xfrm rot="16200000" flipH="1">
-            <a:off x="3738333" y="17015351"/>
+            <a:off x="22164337" y="18513251"/>
             <a:ext cx="202213" cy="2414128"/>
           </a:xfrm>
           <a:prstGeom prst="bentConnector3">
@@ -14094,7 +14089,7 @@
         </p:nvCxnSpPr>
         <p:spPr>
           <a:xfrm>
-            <a:off x="9983390" y="18863521"/>
+            <a:off x="26351994" y="20361421"/>
             <a:ext cx="0" cy="253377"/>
           </a:xfrm>
           <a:prstGeom prst="straightConnector1">
@@ -14137,7 +14132,7 @@
         </p:nvCxnSpPr>
         <p:spPr>
           <a:xfrm rot="16200000" flipH="1">
-            <a:off x="3134801" y="17618883"/>
+            <a:off x="21560805" y="19116783"/>
             <a:ext cx="202213" cy="1207064"/>
           </a:xfrm>
           <a:prstGeom prst="bentConnector3">
@@ -14182,7 +14177,7 @@
         </p:nvCxnSpPr>
         <p:spPr>
           <a:xfrm flipH="1">
-            <a:off x="2631911" y="18121309"/>
+            <a:off x="21057915" y="19619209"/>
             <a:ext cx="464" cy="202213"/>
           </a:xfrm>
           <a:prstGeom prst="straightConnector1">
@@ -14418,12 +14413,12 @@
         </p:nvCxnSpPr>
         <p:spPr>
           <a:xfrm rot="16200000" flipH="1">
-            <a:off x="3035187" y="17718497"/>
+            <a:off x="21461191" y="19216397"/>
             <a:ext cx="1001441" cy="1807064"/>
           </a:xfrm>
           <a:prstGeom prst="bentConnector3">
             <a:avLst>
-              <a:gd name="adj1" fmla="val 9654"/>
+              <a:gd name="adj1" fmla="val 10156"/>
             </a:avLst>
           </a:prstGeom>
           <a:ln w="19050">
@@ -16273,7 +16268,7 @@
         </p:nvSpPr>
         <p:spPr>
           <a:xfrm>
-            <a:off x="3976275" y="19983398"/>
+            <a:off x="22402279" y="21481393"/>
             <a:ext cx="926325" cy="540000"/>
           </a:xfrm>
           <a:prstGeom prst="rect">
@@ -16339,8 +16334,8 @@
         </p:nvCxnSpPr>
         <p:spPr>
           <a:xfrm flipH="1">
-            <a:off x="4439438" y="19662750"/>
-            <a:ext cx="1" cy="320648"/>
+            <a:off x="22865442" y="21160650"/>
+            <a:ext cx="1" cy="320743"/>
           </a:xfrm>
           <a:prstGeom prst="straightConnector1">
             <a:avLst/>
@@ -16378,7 +16373,7 @@
         </p:nvSpPr>
         <p:spPr>
           <a:xfrm>
-            <a:off x="2731301" y="19122750"/>
+            <a:off x="21157305" y="20620650"/>
             <a:ext cx="926325" cy="540000"/>
           </a:xfrm>
           <a:prstGeom prst="rect">
@@ -19407,7 +19402,7 @@
         </p:nvSpPr>
         <p:spPr>
           <a:xfrm>
-            <a:off x="10655198" y="19983398"/>
+            <a:off x="27023802" y="21481298"/>
             <a:ext cx="926325" cy="540000"/>
           </a:xfrm>
           <a:prstGeom prst="rect">
@@ -19464,7 +19459,7 @@
         </p:nvSpPr>
         <p:spPr>
           <a:xfrm>
-            <a:off x="8379236" y="19985017"/>
+            <a:off x="24747840" y="21482917"/>
             <a:ext cx="926325" cy="540000"/>
           </a:xfrm>
           <a:prstGeom prst="rect">
@@ -19513,7 +19508,7 @@
         </p:nvSpPr>
         <p:spPr>
           <a:xfrm>
-            <a:off x="8379236" y="20847285"/>
+            <a:off x="24747840" y="22345185"/>
             <a:ext cx="926325" cy="540000"/>
           </a:xfrm>
           <a:prstGeom prst="rect">
@@ -19562,7 +19557,7 @@
         </p:nvSpPr>
         <p:spPr>
           <a:xfrm>
-            <a:off x="7175225" y="21650314"/>
+            <a:off x="23543829" y="23148214"/>
             <a:ext cx="926325" cy="540000"/>
           </a:xfrm>
           <a:prstGeom prst="rect">
@@ -19624,7 +19619,7 @@
         </p:nvSpPr>
         <p:spPr>
           <a:xfrm>
-            <a:off x="9520228" y="22459487"/>
+            <a:off x="25888832" y="23957387"/>
             <a:ext cx="926325" cy="540000"/>
           </a:xfrm>
           <a:prstGeom prst="rect">
@@ -19673,7 +19668,7 @@
         </p:nvSpPr>
         <p:spPr>
           <a:xfrm>
-            <a:off x="11853600" y="20850229"/>
+            <a:off x="28222204" y="22348129"/>
             <a:ext cx="926325" cy="540000"/>
           </a:xfrm>
           <a:prstGeom prst="rect">
@@ -19730,7 +19725,7 @@
         </p:nvSpPr>
         <p:spPr>
           <a:xfrm>
-            <a:off x="11856910" y="21650314"/>
+            <a:off x="28225514" y="23148214"/>
             <a:ext cx="926325" cy="540000"/>
           </a:xfrm>
           <a:prstGeom prst="rect">
@@ -19779,7 +19774,7 @@
         </p:nvSpPr>
         <p:spPr>
           <a:xfrm>
-            <a:off x="10655198" y="21651669"/>
+            <a:off x="27023802" y="23149569"/>
             <a:ext cx="926325" cy="540000"/>
           </a:xfrm>
           <a:prstGeom prst="rect">
@@ -19828,7 +19823,7 @@
         </p:nvSpPr>
         <p:spPr>
           <a:xfrm>
-            <a:off x="10655198" y="20838392"/>
+            <a:off x="27023802" y="22336292"/>
             <a:ext cx="926325" cy="540000"/>
           </a:xfrm>
           <a:prstGeom prst="rect">
@@ -19886,7 +19881,7 @@
         </p:nvCxnSpPr>
         <p:spPr>
           <a:xfrm rot="16200000" flipH="1">
-            <a:off x="10387625" y="19252662"/>
+            <a:off x="26756229" y="20750562"/>
             <a:ext cx="326500" cy="1134971"/>
           </a:xfrm>
           <a:prstGeom prst="bentConnector3">
@@ -19931,7 +19926,7 @@
         </p:nvCxnSpPr>
         <p:spPr>
           <a:xfrm rot="5400000">
-            <a:off x="9248836" y="19250462"/>
+            <a:off x="25617440" y="20748362"/>
             <a:ext cx="328119" cy="1140991"/>
           </a:xfrm>
           <a:prstGeom prst="bentConnector3">
@@ -19976,7 +19971,7 @@
         </p:nvCxnSpPr>
         <p:spPr>
           <a:xfrm rot="16200000" flipH="1">
-            <a:off x="11554147" y="20087612"/>
+            <a:off x="27922751" y="21585512"/>
             <a:ext cx="326831" cy="1198402"/>
           </a:xfrm>
           <a:prstGeom prst="bentConnector3">
@@ -20021,7 +20016,7 @@
         </p:nvCxnSpPr>
         <p:spPr>
           <a:xfrm>
-            <a:off x="11118361" y="20523398"/>
+            <a:off x="27486965" y="22021298"/>
             <a:ext cx="0" cy="314994"/>
           </a:xfrm>
           <a:prstGeom prst="straightConnector1">
@@ -20064,7 +20059,7 @@
         </p:nvCxnSpPr>
         <p:spPr>
           <a:xfrm>
-            <a:off x="11118361" y="21378392"/>
+            <a:off x="27486965" y="22876292"/>
             <a:ext cx="0" cy="273277"/>
           </a:xfrm>
           <a:prstGeom prst="straightConnector1">
@@ -20107,7 +20102,7 @@
         </p:nvCxnSpPr>
         <p:spPr>
           <a:xfrm rot="16200000" flipH="1">
-            <a:off x="11583256" y="20913497"/>
+            <a:off x="27951860" y="22411397"/>
             <a:ext cx="271922" cy="1201712"/>
           </a:xfrm>
           <a:prstGeom prst="bentConnector3">
@@ -20152,7 +20147,7 @@
         </p:nvCxnSpPr>
         <p:spPr>
           <a:xfrm>
-            <a:off x="12316763" y="21390229"/>
+            <a:off x="28685367" y="22888129"/>
             <a:ext cx="3310" cy="260085"/>
           </a:xfrm>
           <a:prstGeom prst="straightConnector1">
@@ -20191,7 +20186,7 @@
         </p:nvSpPr>
         <p:spPr>
           <a:xfrm>
-            <a:off x="8381818" y="21654043"/>
+            <a:off x="24750422" y="23151943"/>
             <a:ext cx="926325" cy="540000"/>
           </a:xfrm>
           <a:prstGeom prst="rect">
@@ -20273,7 +20268,7 @@
         </p:nvCxnSpPr>
         <p:spPr>
           <a:xfrm rot="5400000">
-            <a:off x="11017146" y="21156559"/>
+            <a:off x="27385750" y="22654459"/>
             <a:ext cx="269173" cy="2336682"/>
           </a:xfrm>
           <a:prstGeom prst="bentConnector3">
@@ -20319,7 +20314,7 @@
         </p:nvCxnSpPr>
         <p:spPr>
           <a:xfrm rot="16200000" flipH="1">
-            <a:off x="8676303" y="21152398"/>
+            <a:off x="25044907" y="22650298"/>
             <a:ext cx="269173" cy="2345003"/>
           </a:xfrm>
           <a:prstGeom prst="bentConnector3">
@@ -20365,7 +20360,7 @@
         </p:nvCxnSpPr>
         <p:spPr>
           <a:xfrm rot="16200000" flipH="1">
-            <a:off x="9281464" y="21757560"/>
+            <a:off x="25650068" y="23255460"/>
             <a:ext cx="265444" cy="1138410"/>
           </a:xfrm>
           <a:prstGeom prst="bentConnector3">
@@ -20411,7 +20406,7 @@
         </p:nvCxnSpPr>
         <p:spPr>
           <a:xfrm rot="5400000">
-            <a:off x="10416967" y="21758093"/>
+            <a:off x="26785571" y="23255993"/>
             <a:ext cx="267818" cy="1134970"/>
           </a:xfrm>
           <a:prstGeom prst="bentConnector3">
@@ -20457,7 +20452,7 @@
         </p:nvCxnSpPr>
         <p:spPr>
           <a:xfrm>
-            <a:off x="8842399" y="20525017"/>
+            <a:off x="25211003" y="22022917"/>
             <a:ext cx="0" cy="322268"/>
           </a:xfrm>
           <a:prstGeom prst="straightConnector1">
@@ -20500,7 +20495,7 @@
         </p:nvCxnSpPr>
         <p:spPr>
           <a:xfrm>
-            <a:off x="8842399" y="21387285"/>
+            <a:off x="25211003" y="22885185"/>
             <a:ext cx="2582" cy="266758"/>
           </a:xfrm>
           <a:prstGeom prst="straightConnector1">
@@ -20543,7 +20538,7 @@
         </p:nvCxnSpPr>
         <p:spPr>
           <a:xfrm rot="16200000" flipH="1">
-            <a:off x="9252320" y="20115095"/>
+            <a:off x="25620924" y="21612995"/>
             <a:ext cx="321148" cy="1140991"/>
           </a:xfrm>
           <a:prstGeom prst="bentConnector3">
@@ -20589,7 +20584,7 @@
         </p:nvCxnSpPr>
         <p:spPr>
           <a:xfrm rot="5400000">
-            <a:off x="10389493" y="20117296"/>
+            <a:off x="26758097" y="21615196"/>
             <a:ext cx="322767" cy="1134971"/>
           </a:xfrm>
           <a:prstGeom prst="bentConnector3">
@@ -20631,7 +20626,7 @@
         </p:nvSpPr>
         <p:spPr>
           <a:xfrm>
-            <a:off x="7180834" y="20847285"/>
+            <a:off x="23549438" y="22345185"/>
             <a:ext cx="926325" cy="540000"/>
           </a:xfrm>
           <a:prstGeom prst="rect">
@@ -20684,7 +20679,7 @@
         </p:nvCxnSpPr>
         <p:spPr>
           <a:xfrm rot="5400000">
-            <a:off x="8082064" y="20086950"/>
+            <a:off x="24450668" y="21584850"/>
             <a:ext cx="322268" cy="1198402"/>
           </a:xfrm>
           <a:prstGeom prst="bentConnector3">
@@ -20729,7 +20724,7 @@
         </p:nvCxnSpPr>
         <p:spPr>
           <a:xfrm rot="5400000">
-            <a:off x="8108880" y="20916794"/>
+            <a:off x="24477484" y="22414694"/>
             <a:ext cx="263029" cy="1204011"/>
           </a:xfrm>
           <a:prstGeom prst="bentConnector3">
@@ -20770,7 +20765,7 @@
         </p:nvSpPr>
         <p:spPr>
           <a:xfrm>
-            <a:off x="11254399" y="22459487"/>
+            <a:off x="27623003" y="23957387"/>
             <a:ext cx="926325" cy="540000"/>
           </a:xfrm>
           <a:prstGeom prst="rect">
@@ -20823,7 +20818,7 @@
         </p:nvCxnSpPr>
         <p:spPr>
           <a:xfrm rot="5400000">
-            <a:off x="11884232" y="22023645"/>
+            <a:off x="28252836" y="23521545"/>
             <a:ext cx="269173" cy="602511"/>
           </a:xfrm>
           <a:prstGeom prst="bentConnector3">
@@ -20868,7 +20863,7 @@
         </p:nvCxnSpPr>
         <p:spPr>
           <a:xfrm rot="16200000" flipH="1">
-            <a:off x="11284052" y="22025977"/>
+            <a:off x="27652656" y="23523877"/>
             <a:ext cx="267818" cy="599201"/>
           </a:xfrm>
           <a:prstGeom prst="bentConnector3">
@@ -20909,7 +20904,7 @@
         </p:nvSpPr>
         <p:spPr>
           <a:xfrm>
-            <a:off x="7782884" y="22464042"/>
+            <a:off x="24151488" y="23961942"/>
             <a:ext cx="926325" cy="540000"/>
           </a:xfrm>
           <a:prstGeom prst="rect">
@@ -20987,7 +20982,7 @@
         </p:nvCxnSpPr>
         <p:spPr>
           <a:xfrm rot="5400000">
-            <a:off x="8410515" y="22029575"/>
+            <a:off x="24779119" y="23527475"/>
             <a:ext cx="269999" cy="598934"/>
           </a:xfrm>
           <a:prstGeom prst="bentConnector3">
@@ -21028,7 +21023,7 @@
         </p:nvSpPr>
         <p:spPr>
           <a:xfrm>
-            <a:off x="7782884" y="23269487"/>
+            <a:off x="24151488" y="24767387"/>
             <a:ext cx="926325" cy="540000"/>
           </a:xfrm>
           <a:prstGeom prst="rect">
@@ -21081,7 +21076,7 @@
         </p:nvCxnSpPr>
         <p:spPr>
           <a:xfrm>
-            <a:off x="8246047" y="23004042"/>
+            <a:off x="24614651" y="24501942"/>
             <a:ext cx="0" cy="265445"/>
           </a:xfrm>
           <a:prstGeom prst="straightConnector1">
@@ -21120,7 +21115,7 @@
         </p:nvSpPr>
         <p:spPr>
           <a:xfrm>
-            <a:off x="11254399" y="23269487"/>
+            <a:off x="27623003" y="24767387"/>
             <a:ext cx="926325" cy="540000"/>
           </a:xfrm>
           <a:prstGeom prst="rect">
@@ -21173,7 +21168,7 @@
         </p:nvCxnSpPr>
         <p:spPr>
           <a:xfrm>
-            <a:off x="11717562" y="22999487"/>
+            <a:off x="28086166" y="24497387"/>
             <a:ext cx="0" cy="270000"/>
           </a:xfrm>
           <a:prstGeom prst="straightConnector1">
@@ -21315,7 +21310,7 @@
         </p:nvCxnSpPr>
         <p:spPr>
           <a:xfrm rot="5400000">
-            <a:off x="10412528" y="20950333"/>
+            <a:off x="26781132" y="22448233"/>
             <a:ext cx="277774" cy="1133892"/>
           </a:xfrm>
           <a:prstGeom prst="bentConnector3">
@@ -21361,7 +21356,7 @@
         </p:nvCxnSpPr>
         <p:spPr>
           <a:xfrm rot="16200000" flipH="1">
-            <a:off x="9278994" y="20950690"/>
+            <a:off x="25647598" y="22448590"/>
             <a:ext cx="268881" cy="1142070"/>
           </a:xfrm>
           <a:prstGeom prst="bentConnector3">
@@ -21403,7 +21398,7 @@
         </p:nvSpPr>
         <p:spPr>
           <a:xfrm>
-            <a:off x="9520227" y="20846165"/>
+            <a:off x="25888831" y="22344065"/>
             <a:ext cx="926325" cy="540000"/>
           </a:xfrm>
           <a:prstGeom prst="rect">
@@ -21456,8 +21451,2903 @@
         </p:nvCxnSpPr>
         <p:spPr>
           <a:xfrm>
-            <a:off x="16551650" y="19641816"/>
+            <a:off x="32920254" y="21139716"/>
             <a:ext cx="0" cy="331114"/>
+          </a:xfrm>
+          <a:prstGeom prst="straightConnector1">
+            <a:avLst/>
+          </a:prstGeom>
+          <a:ln w="19050">
+            <a:tailEnd type="arrow"/>
+          </a:ln>
+        </p:spPr>
+        <p:style>
+          <a:lnRef idx="1">
+            <a:schemeClr val="accent1"/>
+          </a:lnRef>
+          <a:fillRef idx="0">
+            <a:schemeClr val="accent1"/>
+          </a:fillRef>
+          <a:effectRef idx="0">
+            <a:schemeClr val="accent1"/>
+          </a:effectRef>
+          <a:fontRef idx="minor">
+            <a:schemeClr val="tx1"/>
+          </a:fontRef>
+        </p:style>
+      </p:cxnSp>
+      <p:sp>
+        <p:nvSpPr>
+          <p:cNvPr id="384" name="Прямоугольник 383">
+            <a:extLst>
+              <a:ext uri="{FF2B5EF4-FFF2-40B4-BE49-F238E27FC236}">
+                <a16:creationId xmlns:a16="http://schemas.microsoft.com/office/drawing/2014/main" id="{E2106C95-39D3-4699-BF89-0430620D7EF8}"/>
+              </a:ext>
+            </a:extLst>
+          </p:cNvPr>
+          <p:cNvSpPr/>
+          <p:nvPr/>
+        </p:nvSpPr>
+        <p:spPr>
+          <a:xfrm>
+            <a:off x="19368174" y="18331630"/>
+            <a:ext cx="926325" cy="540000"/>
+          </a:xfrm>
+          <a:prstGeom prst="rect">
+            <a:avLst/>
+          </a:prstGeom>
+          <a:solidFill>
+            <a:schemeClr val="bg1"/>
+          </a:solidFill>
+          <a:ln w="19050"/>
+        </p:spPr>
+        <p:style>
+          <a:lnRef idx="2">
+            <a:schemeClr val="accent1"/>
+          </a:lnRef>
+          <a:fillRef idx="1">
+            <a:schemeClr val="lt1"/>
+          </a:fillRef>
+          <a:effectRef idx="0">
+            <a:schemeClr val="accent1"/>
+          </a:effectRef>
+          <a:fontRef idx="minor">
+            <a:schemeClr val="dk1"/>
+          </a:fontRef>
+        </p:style>
+        <p:txBody>
+          <a:bodyPr lIns="124733" tIns="62367" rIns="124733" bIns="62367" rtlCol="0" anchor="ctr"/>
+          <a:lstStyle/>
+          <a:p>
+            <a:pPr algn="ctr"/>
+            <a:r>
+              <a:rPr lang="ru-RU" sz="700" dirty="0"/>
+              <a:t>Введение линкоров класса «Дюнкерк» в эксплуатацию</a:t>
+            </a:r>
+          </a:p>
+        </p:txBody>
+      </p:sp>
+      <p:sp>
+        <p:nvSpPr>
+          <p:cNvPr id="385" name="Прямоугольник 384">
+            <a:extLst>
+              <a:ext uri="{FF2B5EF4-FFF2-40B4-BE49-F238E27FC236}">
+                <a16:creationId xmlns:a16="http://schemas.microsoft.com/office/drawing/2014/main" id="{D7B11610-F004-4A2B-8C30-3A2511789940}"/>
+              </a:ext>
+            </a:extLst>
+          </p:cNvPr>
+          <p:cNvSpPr/>
+          <p:nvPr/>
+        </p:nvSpPr>
+        <p:spPr>
+          <a:xfrm>
+            <a:off x="19368173" y="19080913"/>
+            <a:ext cx="926325" cy="540000"/>
+          </a:xfrm>
+          <a:prstGeom prst="rect">
+            <a:avLst/>
+          </a:prstGeom>
+          <a:solidFill>
+            <a:schemeClr val="bg1"/>
+          </a:solidFill>
+          <a:ln w="19050"/>
+        </p:spPr>
+        <p:style>
+          <a:lnRef idx="2">
+            <a:schemeClr val="accent1"/>
+          </a:lnRef>
+          <a:fillRef idx="1">
+            <a:schemeClr val="lt1"/>
+          </a:fillRef>
+          <a:effectRef idx="0">
+            <a:schemeClr val="accent1"/>
+          </a:effectRef>
+          <a:fontRef idx="minor">
+            <a:schemeClr val="dk1"/>
+          </a:fontRef>
+        </p:style>
+        <p:txBody>
+          <a:bodyPr lIns="124733" tIns="62367" rIns="124733" bIns="62367" rtlCol="0" anchor="ctr"/>
+          <a:lstStyle/>
+          <a:p>
+            <a:pPr algn="ctr"/>
+            <a:r>
+              <a:rPr lang="ru-RU" sz="700" dirty="0"/>
+              <a:t>Заложить новый класс линкора</a:t>
+            </a:r>
+          </a:p>
+        </p:txBody>
+      </p:sp>
+      <p:sp>
+        <p:nvSpPr>
+          <p:cNvPr id="390" name="Прямоугольник 389">
+            <a:extLst>
+              <a:ext uri="{FF2B5EF4-FFF2-40B4-BE49-F238E27FC236}">
+                <a16:creationId xmlns:a16="http://schemas.microsoft.com/office/drawing/2014/main" id="{E498CB95-D605-4914-A6AD-3C16C85FD58E}"/>
+              </a:ext>
+            </a:extLst>
+          </p:cNvPr>
+          <p:cNvSpPr/>
+          <p:nvPr/>
+        </p:nvSpPr>
+        <p:spPr>
+          <a:xfrm>
+            <a:off x="19368173" y="20619541"/>
+            <a:ext cx="926325" cy="540000"/>
+          </a:xfrm>
+          <a:prstGeom prst="rect">
+            <a:avLst/>
+          </a:prstGeom>
+          <a:solidFill>
+            <a:schemeClr val="bg1"/>
+          </a:solidFill>
+          <a:ln w="19050"/>
+        </p:spPr>
+        <p:style>
+          <a:lnRef idx="2">
+            <a:schemeClr val="accent1"/>
+          </a:lnRef>
+          <a:fillRef idx="1">
+            <a:schemeClr val="lt1"/>
+          </a:fillRef>
+          <a:effectRef idx="0">
+            <a:schemeClr val="accent1"/>
+          </a:effectRef>
+          <a:fontRef idx="minor">
+            <a:schemeClr val="dk1"/>
+          </a:fontRef>
+        </p:style>
+        <p:txBody>
+          <a:bodyPr lIns="124733" tIns="62367" rIns="124733" bIns="62367" rtlCol="0" anchor="ctr"/>
+          <a:lstStyle/>
+          <a:p>
+            <a:pPr algn="ctr"/>
+            <a:r>
+              <a:rPr lang="ru-RU" sz="700" dirty="0"/>
+              <a:t>Рывок в </a:t>
+            </a:r>
+            <a:r>
+              <a:rPr lang="ru-RU" sz="600" dirty="0" err="1"/>
+              <a:t>линкоростроении</a:t>
+            </a:r>
+            <a:endParaRPr lang="ru-RU" sz="700" dirty="0"/>
+          </a:p>
+        </p:txBody>
+      </p:sp>
+      <p:sp>
+        <p:nvSpPr>
+          <p:cNvPr id="391" name="Прямоугольник 390">
+            <a:extLst>
+              <a:ext uri="{FF2B5EF4-FFF2-40B4-BE49-F238E27FC236}">
+                <a16:creationId xmlns:a16="http://schemas.microsoft.com/office/drawing/2014/main" id="{1D9A4B7B-F5A6-4CC2-9EC9-585ACB29A23D}"/>
+              </a:ext>
+            </a:extLst>
+          </p:cNvPr>
+          <p:cNvSpPr/>
+          <p:nvPr/>
+        </p:nvSpPr>
+        <p:spPr>
+          <a:xfrm>
+            <a:off x="18152494" y="20622310"/>
+            <a:ext cx="926325" cy="540000"/>
+          </a:xfrm>
+          <a:prstGeom prst="rect">
+            <a:avLst/>
+          </a:prstGeom>
+          <a:solidFill>
+            <a:schemeClr val="bg1"/>
+          </a:solidFill>
+          <a:ln w="19050"/>
+        </p:spPr>
+        <p:style>
+          <a:lnRef idx="2">
+            <a:schemeClr val="accent1"/>
+          </a:lnRef>
+          <a:fillRef idx="1">
+            <a:schemeClr val="lt1"/>
+          </a:fillRef>
+          <a:effectRef idx="0">
+            <a:schemeClr val="accent1"/>
+          </a:effectRef>
+          <a:fontRef idx="minor">
+            <a:schemeClr val="dk1"/>
+          </a:fontRef>
+        </p:style>
+        <p:txBody>
+          <a:bodyPr lIns="124733" tIns="62367" rIns="124733" bIns="62367" rtlCol="0" anchor="ctr"/>
+          <a:lstStyle/>
+          <a:p>
+            <a:pPr algn="ctr"/>
+            <a:r>
+              <a:rPr lang="ru-RU" sz="700" dirty="0"/>
+              <a:t>Расширить программу подводных крейсеров</a:t>
+            </a:r>
+          </a:p>
+        </p:txBody>
+      </p:sp>
+      <p:sp>
+        <p:nvSpPr>
+          <p:cNvPr id="393" name="Прямоугольник 392">
+            <a:extLst>
+              <a:ext uri="{FF2B5EF4-FFF2-40B4-BE49-F238E27FC236}">
+                <a16:creationId xmlns:a16="http://schemas.microsoft.com/office/drawing/2014/main" id="{24A206EE-40D6-469C-A366-13807CE267FD}"/>
+              </a:ext>
+            </a:extLst>
+          </p:cNvPr>
+          <p:cNvSpPr/>
+          <p:nvPr/>
+        </p:nvSpPr>
+        <p:spPr>
+          <a:xfrm>
+            <a:off x="16949668" y="19079209"/>
+            <a:ext cx="926325" cy="540000"/>
+          </a:xfrm>
+          <a:prstGeom prst="rect">
+            <a:avLst/>
+          </a:prstGeom>
+          <a:solidFill>
+            <a:schemeClr val="bg1"/>
+          </a:solidFill>
+          <a:ln w="19050"/>
+        </p:spPr>
+        <p:style>
+          <a:lnRef idx="2">
+            <a:schemeClr val="accent1"/>
+          </a:lnRef>
+          <a:fillRef idx="1">
+            <a:schemeClr val="lt1"/>
+          </a:fillRef>
+          <a:effectRef idx="0">
+            <a:schemeClr val="accent1"/>
+          </a:effectRef>
+          <a:fontRef idx="minor">
+            <a:schemeClr val="dk1"/>
+          </a:fontRef>
+        </p:style>
+        <p:txBody>
+          <a:bodyPr lIns="124733" tIns="62367" rIns="124733" bIns="62367" rtlCol="0" anchor="ctr"/>
+          <a:lstStyle/>
+          <a:p>
+            <a:pPr algn="ctr"/>
+            <a:r>
+              <a:rPr lang="ru-RU" sz="700" dirty="0"/>
+              <a:t>Продолжить развитие подводного флота (1939)</a:t>
+            </a:r>
+          </a:p>
+        </p:txBody>
+      </p:sp>
+      <p:sp>
+        <p:nvSpPr>
+          <p:cNvPr id="394" name="Прямоугольник 393">
+            <a:extLst>
+              <a:ext uri="{FF2B5EF4-FFF2-40B4-BE49-F238E27FC236}">
+                <a16:creationId xmlns:a16="http://schemas.microsoft.com/office/drawing/2014/main" id="{9843346A-3C6C-43B8-B21E-F461E0B3A65C}"/>
+              </a:ext>
+            </a:extLst>
+          </p:cNvPr>
+          <p:cNvSpPr/>
+          <p:nvPr/>
+        </p:nvSpPr>
+        <p:spPr>
+          <a:xfrm>
+            <a:off x="16948240" y="20622084"/>
+            <a:ext cx="926325" cy="540000"/>
+          </a:xfrm>
+          <a:prstGeom prst="rect">
+            <a:avLst/>
+          </a:prstGeom>
+          <a:solidFill>
+            <a:schemeClr val="bg1"/>
+          </a:solidFill>
+          <a:ln w="19050"/>
+        </p:spPr>
+        <p:style>
+          <a:lnRef idx="2">
+            <a:schemeClr val="accent1"/>
+          </a:lnRef>
+          <a:fillRef idx="1">
+            <a:schemeClr val="lt1"/>
+          </a:fillRef>
+          <a:effectRef idx="0">
+            <a:schemeClr val="accent1"/>
+          </a:effectRef>
+          <a:fontRef idx="minor">
+            <a:schemeClr val="dk1"/>
+          </a:fontRef>
+        </p:style>
+        <p:txBody>
+          <a:bodyPr lIns="124733" tIns="62367" rIns="124733" bIns="62367" rtlCol="0" anchor="ctr"/>
+          <a:lstStyle/>
+          <a:p>
+            <a:pPr algn="ctr"/>
+            <a:r>
+              <a:rPr lang="ru-RU" sz="700" dirty="0"/>
+              <a:t>Морской «Феникс»</a:t>
+            </a:r>
+          </a:p>
+        </p:txBody>
+      </p:sp>
+      <p:sp>
+        <p:nvSpPr>
+          <p:cNvPr id="395" name="Прямоугольник 394">
+            <a:extLst>
+              <a:ext uri="{FF2B5EF4-FFF2-40B4-BE49-F238E27FC236}">
+                <a16:creationId xmlns:a16="http://schemas.microsoft.com/office/drawing/2014/main" id="{E109C510-C827-4D35-8DB1-33A0CAC024E4}"/>
+              </a:ext>
+            </a:extLst>
+          </p:cNvPr>
+          <p:cNvSpPr/>
+          <p:nvPr/>
+        </p:nvSpPr>
+        <p:spPr>
+          <a:xfrm>
+            <a:off x="18156731" y="19821421"/>
+            <a:ext cx="926325" cy="540000"/>
+          </a:xfrm>
+          <a:prstGeom prst="rect">
+            <a:avLst/>
+          </a:prstGeom>
+          <a:solidFill>
+            <a:schemeClr val="bg1"/>
+          </a:solidFill>
+          <a:ln w="19050"/>
+        </p:spPr>
+        <p:style>
+          <a:lnRef idx="2">
+            <a:schemeClr val="accent1"/>
+          </a:lnRef>
+          <a:fillRef idx="1">
+            <a:schemeClr val="lt1"/>
+          </a:fillRef>
+          <a:effectRef idx="0">
+            <a:schemeClr val="accent1"/>
+          </a:effectRef>
+          <a:fontRef idx="minor">
+            <a:schemeClr val="dk1"/>
+          </a:fontRef>
+        </p:style>
+        <p:txBody>
+          <a:bodyPr lIns="124733" tIns="62367" rIns="124733" bIns="62367" rtlCol="0" anchor="ctr"/>
+          <a:lstStyle/>
+          <a:p>
+            <a:pPr algn="ctr"/>
+            <a:r>
+              <a:rPr lang="ru-RU" sz="700" dirty="0"/>
+              <a:t>Выделить средства для флота</a:t>
+            </a:r>
+          </a:p>
+        </p:txBody>
+      </p:sp>
+      <p:sp>
+        <p:nvSpPr>
+          <p:cNvPr id="400" name="Прямоугольник 399">
+            <a:extLst>
+              <a:ext uri="{FF2B5EF4-FFF2-40B4-BE49-F238E27FC236}">
+                <a16:creationId xmlns:a16="http://schemas.microsoft.com/office/drawing/2014/main" id="{F5B3C573-C8AC-4E2B-BF5E-24E42409FDC8}"/>
+              </a:ext>
+            </a:extLst>
+          </p:cNvPr>
+          <p:cNvSpPr/>
+          <p:nvPr/>
+        </p:nvSpPr>
+        <p:spPr>
+          <a:xfrm>
+            <a:off x="18156268" y="19075481"/>
+            <a:ext cx="926325" cy="540000"/>
+          </a:xfrm>
+          <a:prstGeom prst="rect">
+            <a:avLst/>
+          </a:prstGeom>
+          <a:solidFill>
+            <a:schemeClr val="bg1"/>
+          </a:solidFill>
+          <a:ln w="19050"/>
+        </p:spPr>
+        <p:style>
+          <a:lnRef idx="2">
+            <a:schemeClr val="accent1"/>
+          </a:lnRef>
+          <a:fillRef idx="1">
+            <a:schemeClr val="lt1"/>
+          </a:fillRef>
+          <a:effectRef idx="0">
+            <a:schemeClr val="accent1"/>
+          </a:effectRef>
+          <a:fontRef idx="minor">
+            <a:schemeClr val="dk1"/>
+          </a:fontRef>
+        </p:style>
+        <p:txBody>
+          <a:bodyPr lIns="124733" tIns="62367" rIns="124733" bIns="62367" rtlCol="0" anchor="ctr"/>
+          <a:lstStyle/>
+          <a:p>
+            <a:pPr algn="ctr"/>
+            <a:r>
+              <a:rPr lang="ru-RU" sz="700" dirty="0"/>
+              <a:t>Подготовить технологии для модернизации эсминцев (1937)</a:t>
+            </a:r>
+          </a:p>
+        </p:txBody>
+      </p:sp>
+      <p:sp>
+        <p:nvSpPr>
+          <p:cNvPr id="399" name="Прямоугольник 398">
+            <a:extLst>
+              <a:ext uri="{FF2B5EF4-FFF2-40B4-BE49-F238E27FC236}">
+                <a16:creationId xmlns:a16="http://schemas.microsoft.com/office/drawing/2014/main" id="{02AEDB2C-027A-4D72-8AC8-9CEF212067BE}"/>
+              </a:ext>
+            </a:extLst>
+          </p:cNvPr>
+          <p:cNvSpPr/>
+          <p:nvPr/>
+        </p:nvSpPr>
+        <p:spPr>
+          <a:xfrm>
+            <a:off x="17550481" y="21481298"/>
+            <a:ext cx="926325" cy="540000"/>
+          </a:xfrm>
+          <a:prstGeom prst="rect">
+            <a:avLst/>
+          </a:prstGeom>
+          <a:solidFill>
+            <a:schemeClr val="bg1"/>
+          </a:solidFill>
+          <a:ln w="19050"/>
+        </p:spPr>
+        <p:style>
+          <a:lnRef idx="2">
+            <a:schemeClr val="accent1"/>
+          </a:lnRef>
+          <a:fillRef idx="1">
+            <a:schemeClr val="lt1"/>
+          </a:fillRef>
+          <a:effectRef idx="0">
+            <a:schemeClr val="accent1"/>
+          </a:effectRef>
+          <a:fontRef idx="minor">
+            <a:schemeClr val="dk1"/>
+          </a:fontRef>
+        </p:style>
+        <p:txBody>
+          <a:bodyPr lIns="124733" tIns="62367" rIns="124733" bIns="62367" rtlCol="0" anchor="ctr"/>
+          <a:lstStyle/>
+          <a:p>
+            <a:pPr algn="ctr"/>
+            <a:r>
+              <a:rPr lang="ru-RU" sz="700" dirty="0"/>
+              <a:t>Принять доктрину </a:t>
+            </a:r>
+            <a:r>
+              <a:rPr lang="ru-RU" sz="700" dirty="0" err="1"/>
+              <a:t>Кастекса</a:t>
+            </a:r>
+            <a:endParaRPr lang="ru-RU" sz="700" dirty="0"/>
+          </a:p>
+          <a:p>
+            <a:pPr algn="ctr"/>
+            <a:r>
+              <a:rPr lang="ru-RU" sz="100" dirty="0"/>
+              <a:t>(После войны во время Конференции по разоружению военно-морского флота против него разгорелась оживленная полемика с англосаксами, в то время как он узаконил использование подводных лодок немцами в своей книге « Синтез военного флота» (1920). . Великая война серьезно повредила догме Махана: решающей битвы не произошло, и центральное место заняла гоночная война, которую вели немецкие подводные лодки . Отсюда и возрождение «Школы молодого поколения», которое </a:t>
+            </a:r>
+            <a:r>
+              <a:rPr lang="ru-RU" sz="100" dirty="0" err="1"/>
+              <a:t>Кастекс</a:t>
+            </a:r>
+            <a:r>
+              <a:rPr lang="ru-RU" sz="100" dirty="0"/>
+              <a:t>, ныне глава Исторической службы военно-морского флота , попытался опровергнуть в работе 1920 года. Он анализирует стратегическую роль, которую играли союзные линкоры, несмотря на их тактическое бездействие : на море они составляли первую линию обороны, за которой крейсеры и эсминцы могли посвятить себя защите коммуникаций. Поэтому даже виртуальная эскадренная война оставалась краеугольным камнем военно-морской стратегии . Эта презентация фактически разрушает классическую доктрину морской мощи . Несмотря на свои выступления против ослабляющего влияния Джулиана </a:t>
+            </a:r>
+            <a:r>
+              <a:rPr lang="ru-RU" sz="100" dirty="0" err="1"/>
+              <a:t>Корбетта</a:t>
+            </a:r>
+            <a:r>
+              <a:rPr lang="ru-RU" sz="100" dirty="0"/>
+              <a:t> , он молчаливо признавал, что защита коммуникаций имеет приоритет над решающей битвой, поскольку технический прогресс значительно усилил расовую войну. Он даже предполагает, что немцы, возможно, выиграли бы игру, если бы они практиковали объединение вооружений, </a:t>
+            </a:r>
+            <a:r>
+              <a:rPr lang="ru-RU" sz="100" dirty="0" err="1"/>
+              <a:t>задействуя</a:t>
+            </a:r>
+            <a:r>
+              <a:rPr lang="ru-RU" sz="100" dirty="0"/>
+              <a:t> как свои подводные лодки, так и линкоры: союзники, вынужденные направлять все свои ресурсы на эскадренную войну, больше не имели бы достаточного количества эскорта для эффективного ведения боевых действий. охранять конвои. Именно эту двойную стратегию </a:t>
+            </a:r>
+            <a:r>
+              <a:rPr lang="ru-RU" sz="100" dirty="0" err="1"/>
+              <a:t>Кастекс</a:t>
+            </a:r>
+            <a:r>
+              <a:rPr lang="ru-RU" sz="100" dirty="0"/>
+              <a:t> надеется увидеть принятой Францией, отсюда его противодействие ограничению подводных лодок во время Вашингтонской конференции 1922 года.)</a:t>
+            </a:r>
+            <a:endParaRPr lang="ru-RU" sz="700" dirty="0"/>
+          </a:p>
+        </p:txBody>
+      </p:sp>
+      <p:sp>
+        <p:nvSpPr>
+          <p:cNvPr id="401" name="Прямоугольник 400">
+            <a:extLst>
+              <a:ext uri="{FF2B5EF4-FFF2-40B4-BE49-F238E27FC236}">
+                <a16:creationId xmlns:a16="http://schemas.microsoft.com/office/drawing/2014/main" id="{60BFB6B5-D184-4726-8E9A-2183B3BFB204}"/>
+              </a:ext>
+            </a:extLst>
+          </p:cNvPr>
+          <p:cNvSpPr/>
+          <p:nvPr/>
+        </p:nvSpPr>
+        <p:spPr>
+          <a:xfrm>
+            <a:off x="16949667" y="22341942"/>
+            <a:ext cx="926325" cy="540000"/>
+          </a:xfrm>
+          <a:prstGeom prst="rect">
+            <a:avLst/>
+          </a:prstGeom>
+          <a:solidFill>
+            <a:schemeClr val="bg1"/>
+          </a:solidFill>
+          <a:ln w="19050"/>
+        </p:spPr>
+        <p:style>
+          <a:lnRef idx="2">
+            <a:schemeClr val="accent1"/>
+          </a:lnRef>
+          <a:fillRef idx="1">
+            <a:schemeClr val="lt1"/>
+          </a:fillRef>
+          <a:effectRef idx="0">
+            <a:schemeClr val="accent1"/>
+          </a:effectRef>
+          <a:fontRef idx="minor">
+            <a:schemeClr val="dk1"/>
+          </a:fontRef>
+        </p:style>
+        <p:txBody>
+          <a:bodyPr lIns="124733" tIns="62367" rIns="124733" bIns="62367" rtlCol="0" anchor="ctr"/>
+          <a:lstStyle/>
+          <a:p>
+            <a:pPr algn="ctr"/>
+            <a:r>
+              <a:rPr lang="ru-RU" sz="700" dirty="0"/>
+              <a:t>Строгая организация штабного командования </a:t>
+            </a:r>
+            <a:r>
+              <a:rPr lang="ru-RU" sz="200" dirty="0"/>
+              <a:t>(Впоследствии он выступал за строгую организацию командования в штабных вопросах (1923–1924) .)</a:t>
+            </a:r>
+            <a:endParaRPr lang="ru-RU" sz="700" dirty="0"/>
+          </a:p>
+        </p:txBody>
+      </p:sp>
+      <p:sp>
+        <p:nvSpPr>
+          <p:cNvPr id="403" name="Прямоугольник 402">
+            <a:extLst>
+              <a:ext uri="{FF2B5EF4-FFF2-40B4-BE49-F238E27FC236}">
+                <a16:creationId xmlns:a16="http://schemas.microsoft.com/office/drawing/2014/main" id="{72B8F598-21A8-4229-88B8-5BFC28C17A83}"/>
+              </a:ext>
+            </a:extLst>
+          </p:cNvPr>
+          <p:cNvSpPr/>
+          <p:nvPr/>
+        </p:nvSpPr>
+        <p:spPr>
+          <a:xfrm>
+            <a:off x="21151538" y="21481297"/>
+            <a:ext cx="926325" cy="540000"/>
+          </a:xfrm>
+          <a:prstGeom prst="rect">
+            <a:avLst/>
+          </a:prstGeom>
+          <a:solidFill>
+            <a:schemeClr val="accent1">
+              <a:lumMod val="60000"/>
+              <a:lumOff val="40000"/>
+            </a:schemeClr>
+          </a:solidFill>
+          <a:ln w="19050"/>
+        </p:spPr>
+        <p:style>
+          <a:lnRef idx="2">
+            <a:schemeClr val="accent1"/>
+          </a:lnRef>
+          <a:fillRef idx="1">
+            <a:schemeClr val="lt1"/>
+          </a:fillRef>
+          <a:effectRef idx="0">
+            <a:schemeClr val="accent1"/>
+          </a:effectRef>
+          <a:fontRef idx="minor">
+            <a:schemeClr val="dk1"/>
+          </a:fontRef>
+        </p:style>
+        <p:txBody>
+          <a:bodyPr lIns="124733" tIns="62367" rIns="124733" bIns="62367" rtlCol="0" anchor="ctr"/>
+          <a:lstStyle/>
+          <a:p>
+            <a:pPr algn="ctr"/>
+            <a:r>
+              <a:rPr lang="ru-RU" sz="700" dirty="0"/>
+              <a:t>Избавиться от Азиатского наследия империи </a:t>
+            </a:r>
+            <a:r>
+              <a:rPr lang="ru-RU" sz="200" dirty="0"/>
+              <a:t>(В 1939 году </a:t>
+            </a:r>
+            <a:r>
+              <a:rPr lang="ru-RU" sz="200" dirty="0" err="1"/>
+              <a:t>Кастекс</a:t>
+            </a:r>
+            <a:r>
+              <a:rPr lang="ru-RU" sz="200" dirty="0"/>
+              <a:t> рекомендовал предоставить независимость Индокитаю , который было невозможно защитить от Японии , а также Сирии и Ливану , чтобы иметь возможность сделать их союзниками)</a:t>
+            </a:r>
+            <a:endParaRPr lang="ru-RU" sz="700" dirty="0"/>
+          </a:p>
+        </p:txBody>
+      </p:sp>
+      <p:cxnSp>
+        <p:nvCxnSpPr>
+          <p:cNvPr id="405" name="Соединительная линия уступом 620">
+            <a:extLst>
+              <a:ext uri="{FF2B5EF4-FFF2-40B4-BE49-F238E27FC236}">
+                <a16:creationId xmlns:a16="http://schemas.microsoft.com/office/drawing/2014/main" id="{850483F9-3654-4014-91C1-B271888AE795}"/>
+              </a:ext>
+            </a:extLst>
+          </p:cNvPr>
+          <p:cNvCxnSpPr>
+            <a:cxnSpLocks/>
+            <a:stCxn id="161" idx="2"/>
+            <a:endCxn id="403" idx="0"/>
+          </p:cNvCxnSpPr>
+          <p:nvPr/>
+        </p:nvCxnSpPr>
+        <p:spPr>
+          <a:xfrm rot="5400000">
+            <a:off x="22079749" y="20695602"/>
+            <a:ext cx="320647" cy="1250742"/>
+          </a:xfrm>
+          <a:prstGeom prst="bentConnector3">
+            <a:avLst>
+              <a:gd name="adj1" fmla="val 50000"/>
+            </a:avLst>
+          </a:prstGeom>
+          <a:ln w="19050">
+            <a:tailEnd type="arrow"/>
+          </a:ln>
+        </p:spPr>
+        <p:style>
+          <a:lnRef idx="1">
+            <a:schemeClr val="accent1"/>
+          </a:lnRef>
+          <a:fillRef idx="0">
+            <a:schemeClr val="accent1"/>
+          </a:fillRef>
+          <a:effectRef idx="0">
+            <a:schemeClr val="accent1"/>
+          </a:effectRef>
+          <a:fontRef idx="minor">
+            <a:schemeClr val="tx1"/>
+          </a:fontRef>
+        </p:style>
+      </p:cxnSp>
+      <p:sp>
+        <p:nvSpPr>
+          <p:cNvPr id="407" name="Прямоугольник 406">
+            <a:extLst>
+              <a:ext uri="{FF2B5EF4-FFF2-40B4-BE49-F238E27FC236}">
+                <a16:creationId xmlns:a16="http://schemas.microsoft.com/office/drawing/2014/main" id="{139DE6E6-744D-4A16-9A1F-8A1E56EE2FA5}"/>
+              </a:ext>
+            </a:extLst>
+          </p:cNvPr>
+          <p:cNvSpPr/>
+          <p:nvPr/>
+        </p:nvSpPr>
+        <p:spPr>
+          <a:xfrm>
+            <a:off x="17550481" y="23148214"/>
+            <a:ext cx="926325" cy="540000"/>
+          </a:xfrm>
+          <a:prstGeom prst="rect">
+            <a:avLst/>
+          </a:prstGeom>
+          <a:solidFill>
+            <a:schemeClr val="bg1"/>
+          </a:solidFill>
+          <a:ln w="19050"/>
+        </p:spPr>
+        <p:style>
+          <a:lnRef idx="2">
+            <a:schemeClr val="accent1"/>
+          </a:lnRef>
+          <a:fillRef idx="1">
+            <a:schemeClr val="lt1"/>
+          </a:fillRef>
+          <a:effectRef idx="0">
+            <a:schemeClr val="accent1"/>
+          </a:effectRef>
+          <a:fontRef idx="minor">
+            <a:schemeClr val="dk1"/>
+          </a:fontRef>
+        </p:style>
+        <p:txBody>
+          <a:bodyPr lIns="124733" tIns="62367" rIns="124733" bIns="62367" rtlCol="0" anchor="ctr"/>
+          <a:lstStyle/>
+          <a:p>
+            <a:pPr algn="ctr"/>
+            <a:r>
+              <a:rPr lang="ru-RU" sz="700" dirty="0"/>
+              <a:t>Реструктуризация французской военно-морской системы </a:t>
+            </a:r>
+            <a:r>
+              <a:rPr lang="ru-RU" sz="100" dirty="0"/>
+              <a:t>(Вклад </a:t>
+            </a:r>
+            <a:r>
+              <a:rPr lang="ru-RU" sz="100" dirty="0" err="1"/>
+              <a:t>Кастекса</a:t>
+            </a:r>
+            <a:r>
+              <a:rPr lang="ru-RU" sz="100" dirty="0"/>
+              <a:t> многогранен: в колониальном вопросе он сожалеет о чрезмерном распылении Французской империи и выступает за </a:t>
+            </a:r>
+            <a:r>
+              <a:rPr lang="ru-RU" sz="100" dirty="0" err="1"/>
+              <a:t>евроафриканскую</a:t>
+            </a:r>
+            <a:r>
+              <a:rPr lang="ru-RU" sz="100" dirty="0"/>
+              <a:t> переориентацию. Он активно участвовал в Колледже перспективных исследований национальной обороны накануне Второй мировой войны. Предложенная им реструктуризация французской военно-морской системы (в 1939 году он был «Адмиралом-</a:t>
+            </a:r>
+            <a:r>
+              <a:rPr lang="ru-RU" sz="100" dirty="0" err="1"/>
+              <a:t>Нортом</a:t>
+            </a:r>
+            <a:r>
+              <a:rPr lang="ru-RU" sz="100" dirty="0"/>
+              <a:t>») не была принята, и, наоборот, его критика привела к его отстранению. Его помещают во 2-й отдел генерал-офицеров </a:t>
+            </a:r>
+            <a:r>
+              <a:rPr lang="ru-RU" sz="100" dirty="0" err="1"/>
+              <a:t>вноябрь</a:t>
+            </a:r>
+            <a:r>
+              <a:rPr lang="ru-RU" sz="100" dirty="0"/>
+              <a:t> 1939 г..)</a:t>
+            </a:r>
+            <a:endParaRPr lang="ru-RU" sz="700" dirty="0"/>
+          </a:p>
+        </p:txBody>
+      </p:sp>
+      <p:cxnSp>
+        <p:nvCxnSpPr>
+          <p:cNvPr id="408" name="Соединительная линия уступом 620">
+            <a:extLst>
+              <a:ext uri="{FF2B5EF4-FFF2-40B4-BE49-F238E27FC236}">
+                <a16:creationId xmlns:a16="http://schemas.microsoft.com/office/drawing/2014/main" id="{CEEAF265-5C67-485B-A811-F2D0CDD6F332}"/>
+              </a:ext>
+            </a:extLst>
+          </p:cNvPr>
+          <p:cNvCxnSpPr>
+            <a:cxnSpLocks/>
+            <a:stCxn id="384" idx="2"/>
+            <a:endCxn id="393" idx="0"/>
+          </p:cNvCxnSpPr>
+          <p:nvPr/>
+        </p:nvCxnSpPr>
+        <p:spPr>
+          <a:xfrm rot="5400000">
+            <a:off x="18518295" y="17766166"/>
+            <a:ext cx="207579" cy="2418506"/>
+          </a:xfrm>
+          <a:prstGeom prst="bentConnector3">
+            <a:avLst>
+              <a:gd name="adj1" fmla="val 50000"/>
+            </a:avLst>
+          </a:prstGeom>
+          <a:ln w="19050">
+            <a:tailEnd type="arrow"/>
+          </a:ln>
+        </p:spPr>
+        <p:style>
+          <a:lnRef idx="1">
+            <a:schemeClr val="accent1"/>
+          </a:lnRef>
+          <a:fillRef idx="0">
+            <a:schemeClr val="accent1"/>
+          </a:fillRef>
+          <a:effectRef idx="0">
+            <a:schemeClr val="accent1"/>
+          </a:effectRef>
+          <a:fontRef idx="minor">
+            <a:schemeClr val="tx1"/>
+          </a:fontRef>
+        </p:style>
+      </p:cxnSp>
+      <p:cxnSp>
+        <p:nvCxnSpPr>
+          <p:cNvPr id="412" name="Соединительная линия уступом 620">
+            <a:extLst>
+              <a:ext uri="{FF2B5EF4-FFF2-40B4-BE49-F238E27FC236}">
+                <a16:creationId xmlns:a16="http://schemas.microsoft.com/office/drawing/2014/main" id="{1B403429-79F8-43AD-8D9E-D97E08743448}"/>
+              </a:ext>
+            </a:extLst>
+          </p:cNvPr>
+          <p:cNvCxnSpPr>
+            <a:cxnSpLocks/>
+            <a:stCxn id="384" idx="2"/>
+            <a:endCxn id="400" idx="0"/>
+          </p:cNvCxnSpPr>
+          <p:nvPr/>
+        </p:nvCxnSpPr>
+        <p:spPr>
+          <a:xfrm rot="5400000">
+            <a:off x="19123459" y="18367602"/>
+            <a:ext cx="203851" cy="1211906"/>
+          </a:xfrm>
+          <a:prstGeom prst="bentConnector3">
+            <a:avLst>
+              <a:gd name="adj1" fmla="val 50000"/>
+            </a:avLst>
+          </a:prstGeom>
+          <a:ln w="19050">
+            <a:tailEnd type="arrow"/>
+          </a:ln>
+        </p:spPr>
+        <p:style>
+          <a:lnRef idx="1">
+            <a:schemeClr val="accent1"/>
+          </a:lnRef>
+          <a:fillRef idx="0">
+            <a:schemeClr val="accent1"/>
+          </a:fillRef>
+          <a:effectRef idx="0">
+            <a:schemeClr val="accent1"/>
+          </a:effectRef>
+          <a:fontRef idx="minor">
+            <a:schemeClr val="tx1"/>
+          </a:fontRef>
+        </p:style>
+      </p:cxnSp>
+      <p:cxnSp>
+        <p:nvCxnSpPr>
+          <p:cNvPr id="418" name="Прямая со стрелкой 417">
+            <a:extLst>
+              <a:ext uri="{FF2B5EF4-FFF2-40B4-BE49-F238E27FC236}">
+                <a16:creationId xmlns:a16="http://schemas.microsoft.com/office/drawing/2014/main" id="{651DD84F-062F-42CF-8BDB-33D8E3A82AF8}"/>
+              </a:ext>
+            </a:extLst>
+          </p:cNvPr>
+          <p:cNvCxnSpPr>
+            <a:cxnSpLocks/>
+            <a:stCxn id="384" idx="2"/>
+            <a:endCxn id="385" idx="0"/>
+          </p:cNvCxnSpPr>
+          <p:nvPr/>
+        </p:nvCxnSpPr>
+        <p:spPr>
+          <a:xfrm flipH="1">
+            <a:off x="19831336" y="18871630"/>
+            <a:ext cx="1" cy="209283"/>
+          </a:xfrm>
+          <a:prstGeom prst="straightConnector1">
+            <a:avLst/>
+          </a:prstGeom>
+          <a:ln w="19050">
+            <a:tailEnd type="arrow"/>
+          </a:ln>
+        </p:spPr>
+        <p:style>
+          <a:lnRef idx="1">
+            <a:schemeClr val="accent1"/>
+          </a:lnRef>
+          <a:fillRef idx="0">
+            <a:schemeClr val="accent1"/>
+          </a:fillRef>
+          <a:effectRef idx="0">
+            <a:schemeClr val="accent1"/>
+          </a:effectRef>
+          <a:fontRef idx="minor">
+            <a:schemeClr val="tx1"/>
+          </a:fontRef>
+        </p:style>
+      </p:cxnSp>
+      <p:cxnSp>
+        <p:nvCxnSpPr>
+          <p:cNvPr id="422" name="Соединительная линия уступом 595">
+            <a:extLst>
+              <a:ext uri="{FF2B5EF4-FFF2-40B4-BE49-F238E27FC236}">
+                <a16:creationId xmlns:a16="http://schemas.microsoft.com/office/drawing/2014/main" id="{E2D12288-C2A5-41B9-80C8-A555C25B9861}"/>
+              </a:ext>
+            </a:extLst>
+          </p:cNvPr>
+          <p:cNvCxnSpPr>
+            <a:cxnSpLocks/>
+            <a:stCxn id="393" idx="2"/>
+            <a:endCxn id="395" idx="0"/>
+          </p:cNvCxnSpPr>
+          <p:nvPr/>
+        </p:nvCxnSpPr>
+        <p:spPr>
+          <a:xfrm rot="16200000" flipH="1">
+            <a:off x="17915256" y="19116783"/>
+            <a:ext cx="202212" cy="1207063"/>
+          </a:xfrm>
+          <a:prstGeom prst="bentConnector3">
+            <a:avLst>
+              <a:gd name="adj1" fmla="val 50000"/>
+            </a:avLst>
+          </a:prstGeom>
+          <a:ln w="19050">
+            <a:prstDash val="dash"/>
+            <a:tailEnd type="arrow"/>
+          </a:ln>
+        </p:spPr>
+        <p:style>
+          <a:lnRef idx="1">
+            <a:schemeClr val="accent1"/>
+          </a:lnRef>
+          <a:fillRef idx="0">
+            <a:schemeClr val="accent1"/>
+          </a:fillRef>
+          <a:effectRef idx="0">
+            <a:schemeClr val="accent1"/>
+          </a:effectRef>
+          <a:fontRef idx="minor">
+            <a:schemeClr val="tx1"/>
+          </a:fontRef>
+        </p:style>
+      </p:cxnSp>
+      <p:cxnSp>
+        <p:nvCxnSpPr>
+          <p:cNvPr id="423" name="Соединительная линия уступом 595">
+            <a:extLst>
+              <a:ext uri="{FF2B5EF4-FFF2-40B4-BE49-F238E27FC236}">
+                <a16:creationId xmlns:a16="http://schemas.microsoft.com/office/drawing/2014/main" id="{EA88B3D3-90FB-4665-8CAB-A0CD467CDEE4}"/>
+              </a:ext>
+            </a:extLst>
+          </p:cNvPr>
+          <p:cNvCxnSpPr>
+            <a:cxnSpLocks/>
+            <a:stCxn id="385" idx="2"/>
+            <a:endCxn id="395" idx="0"/>
+          </p:cNvCxnSpPr>
+          <p:nvPr/>
+        </p:nvCxnSpPr>
+        <p:spPr>
+          <a:xfrm rot="5400000">
+            <a:off x="19125361" y="19115446"/>
+            <a:ext cx="200508" cy="1211442"/>
+          </a:xfrm>
+          <a:prstGeom prst="bentConnector3">
+            <a:avLst>
+              <a:gd name="adj1" fmla="val 50000"/>
+            </a:avLst>
+          </a:prstGeom>
+          <a:ln w="19050">
+            <a:prstDash val="dash"/>
+            <a:tailEnd type="arrow"/>
+          </a:ln>
+        </p:spPr>
+        <p:style>
+          <a:lnRef idx="1">
+            <a:schemeClr val="accent1"/>
+          </a:lnRef>
+          <a:fillRef idx="0">
+            <a:schemeClr val="accent1"/>
+          </a:fillRef>
+          <a:effectRef idx="0">
+            <a:schemeClr val="accent1"/>
+          </a:effectRef>
+          <a:fontRef idx="minor">
+            <a:schemeClr val="tx1"/>
+          </a:fontRef>
+        </p:style>
+      </p:cxnSp>
+      <p:cxnSp>
+        <p:nvCxnSpPr>
+          <p:cNvPr id="425" name="Соединительная линия уступом 595">
+            <a:extLst>
+              <a:ext uri="{FF2B5EF4-FFF2-40B4-BE49-F238E27FC236}">
+                <a16:creationId xmlns:a16="http://schemas.microsoft.com/office/drawing/2014/main" id="{E2097CD4-90D1-4DE4-BC63-DCD43605E06D}"/>
+              </a:ext>
+            </a:extLst>
+          </p:cNvPr>
+          <p:cNvCxnSpPr>
+            <a:cxnSpLocks/>
+            <a:stCxn id="400" idx="2"/>
+            <a:endCxn id="395" idx="0"/>
+          </p:cNvCxnSpPr>
+          <p:nvPr/>
+        </p:nvCxnSpPr>
+        <p:spPr>
+          <a:xfrm rot="16200000" flipH="1">
+            <a:off x="18516692" y="19718219"/>
+            <a:ext cx="205940" cy="463"/>
+          </a:xfrm>
+          <a:prstGeom prst="bentConnector3">
+            <a:avLst>
+              <a:gd name="adj1" fmla="val 50000"/>
+            </a:avLst>
+          </a:prstGeom>
+          <a:ln w="19050">
+            <a:prstDash val="dash"/>
+            <a:tailEnd type="arrow"/>
+          </a:ln>
+        </p:spPr>
+        <p:style>
+          <a:lnRef idx="1">
+            <a:schemeClr val="accent1"/>
+          </a:lnRef>
+          <a:fillRef idx="0">
+            <a:schemeClr val="accent1"/>
+          </a:fillRef>
+          <a:effectRef idx="0">
+            <a:schemeClr val="accent1"/>
+          </a:effectRef>
+          <a:fontRef idx="minor">
+            <a:schemeClr val="tx1"/>
+          </a:fontRef>
+        </p:style>
+      </p:cxnSp>
+      <p:cxnSp>
+        <p:nvCxnSpPr>
+          <p:cNvPr id="426" name="Соединительная линия уступом 620">
+            <a:extLst>
+              <a:ext uri="{FF2B5EF4-FFF2-40B4-BE49-F238E27FC236}">
+                <a16:creationId xmlns:a16="http://schemas.microsoft.com/office/drawing/2014/main" id="{88BA107F-36E2-4878-88AA-D9D1594A7BFA}"/>
+              </a:ext>
+            </a:extLst>
+          </p:cNvPr>
+          <p:cNvCxnSpPr>
+            <a:cxnSpLocks/>
+            <a:stCxn id="395" idx="2"/>
+            <a:endCxn id="394" idx="0"/>
+          </p:cNvCxnSpPr>
+          <p:nvPr/>
+        </p:nvCxnSpPr>
+        <p:spPr>
+          <a:xfrm rot="5400000">
+            <a:off x="17885318" y="19887507"/>
+            <a:ext cx="260663" cy="1208491"/>
+          </a:xfrm>
+          <a:prstGeom prst="bentConnector3">
+            <a:avLst>
+              <a:gd name="adj1" fmla="val 50000"/>
+            </a:avLst>
+          </a:prstGeom>
+          <a:ln w="19050">
+            <a:tailEnd type="arrow"/>
+          </a:ln>
+        </p:spPr>
+        <p:style>
+          <a:lnRef idx="1">
+            <a:schemeClr val="accent1"/>
+          </a:lnRef>
+          <a:fillRef idx="0">
+            <a:schemeClr val="accent1"/>
+          </a:fillRef>
+          <a:effectRef idx="0">
+            <a:schemeClr val="accent1"/>
+          </a:effectRef>
+          <a:fontRef idx="minor">
+            <a:schemeClr val="tx1"/>
+          </a:fontRef>
+        </p:style>
+      </p:cxnSp>
+      <p:cxnSp>
+        <p:nvCxnSpPr>
+          <p:cNvPr id="429" name="Соединительная линия уступом 620">
+            <a:extLst>
+              <a:ext uri="{FF2B5EF4-FFF2-40B4-BE49-F238E27FC236}">
+                <a16:creationId xmlns:a16="http://schemas.microsoft.com/office/drawing/2014/main" id="{AFF3D965-62A4-4823-941B-E4B00D9B4656}"/>
+              </a:ext>
+            </a:extLst>
+          </p:cNvPr>
+          <p:cNvCxnSpPr>
+            <a:cxnSpLocks/>
+            <a:stCxn id="395" idx="2"/>
+            <a:endCxn id="390" idx="0"/>
+          </p:cNvCxnSpPr>
+          <p:nvPr/>
+        </p:nvCxnSpPr>
+        <p:spPr>
+          <a:xfrm rot="16200000" flipH="1">
+            <a:off x="19096555" y="19884760"/>
+            <a:ext cx="258120" cy="1211442"/>
+          </a:xfrm>
+          <a:prstGeom prst="bentConnector3">
+            <a:avLst>
+              <a:gd name="adj1" fmla="val 50000"/>
+            </a:avLst>
+          </a:prstGeom>
+          <a:ln w="19050">
+            <a:tailEnd type="arrow"/>
+          </a:ln>
+        </p:spPr>
+        <p:style>
+          <a:lnRef idx="1">
+            <a:schemeClr val="accent1"/>
+          </a:lnRef>
+          <a:fillRef idx="0">
+            <a:schemeClr val="accent1"/>
+          </a:fillRef>
+          <a:effectRef idx="0">
+            <a:schemeClr val="accent1"/>
+          </a:effectRef>
+          <a:fontRef idx="minor">
+            <a:schemeClr val="tx1"/>
+          </a:fontRef>
+        </p:style>
+      </p:cxnSp>
+      <p:cxnSp>
+        <p:nvCxnSpPr>
+          <p:cNvPr id="430" name="Соединительная линия уступом 620">
+            <a:extLst>
+              <a:ext uri="{FF2B5EF4-FFF2-40B4-BE49-F238E27FC236}">
+                <a16:creationId xmlns:a16="http://schemas.microsoft.com/office/drawing/2014/main" id="{8DFC24C3-7CEB-4197-9269-6E1068AB7CAD}"/>
+              </a:ext>
+            </a:extLst>
+          </p:cNvPr>
+          <p:cNvCxnSpPr>
+            <a:cxnSpLocks/>
+            <a:stCxn id="395" idx="2"/>
+            <a:endCxn id="399" idx="0"/>
+          </p:cNvCxnSpPr>
+          <p:nvPr/>
+        </p:nvCxnSpPr>
+        <p:spPr>
+          <a:xfrm rot="5400000">
+            <a:off x="17756831" y="20618234"/>
+            <a:ext cx="1119877" cy="606250"/>
+          </a:xfrm>
+          <a:prstGeom prst="bentConnector3">
+            <a:avLst>
+              <a:gd name="adj1" fmla="val 11866"/>
+            </a:avLst>
+          </a:prstGeom>
+          <a:ln w="19050">
+            <a:tailEnd type="arrow"/>
+          </a:ln>
+        </p:spPr>
+        <p:style>
+          <a:lnRef idx="1">
+            <a:schemeClr val="accent1"/>
+          </a:lnRef>
+          <a:fillRef idx="0">
+            <a:schemeClr val="accent1"/>
+          </a:fillRef>
+          <a:effectRef idx="0">
+            <a:schemeClr val="accent1"/>
+          </a:effectRef>
+          <a:fontRef idx="minor">
+            <a:schemeClr val="tx1"/>
+          </a:fontRef>
+        </p:style>
+      </p:cxnSp>
+      <p:cxnSp>
+        <p:nvCxnSpPr>
+          <p:cNvPr id="432" name="Соединительная линия уступом 620">
+            <a:extLst>
+              <a:ext uri="{FF2B5EF4-FFF2-40B4-BE49-F238E27FC236}">
+                <a16:creationId xmlns:a16="http://schemas.microsoft.com/office/drawing/2014/main" id="{2C5EEACD-D177-4415-B802-29B13184FA29}"/>
+              </a:ext>
+            </a:extLst>
+          </p:cNvPr>
+          <p:cNvCxnSpPr>
+            <a:cxnSpLocks/>
+            <a:stCxn id="399" idx="2"/>
+            <a:endCxn id="401" idx="0"/>
+          </p:cNvCxnSpPr>
+          <p:nvPr/>
+        </p:nvCxnSpPr>
+        <p:spPr>
+          <a:xfrm rot="5400000">
+            <a:off x="17552915" y="21881213"/>
+            <a:ext cx="320644" cy="600814"/>
+          </a:xfrm>
+          <a:prstGeom prst="bentConnector3">
+            <a:avLst>
+              <a:gd name="adj1" fmla="val 50000"/>
+            </a:avLst>
+          </a:prstGeom>
+          <a:ln w="19050">
+            <a:tailEnd type="arrow"/>
+          </a:ln>
+        </p:spPr>
+        <p:style>
+          <a:lnRef idx="1">
+            <a:schemeClr val="accent1"/>
+          </a:lnRef>
+          <a:fillRef idx="0">
+            <a:schemeClr val="accent1"/>
+          </a:fillRef>
+          <a:effectRef idx="0">
+            <a:schemeClr val="accent1"/>
+          </a:effectRef>
+          <a:fontRef idx="minor">
+            <a:schemeClr val="tx1"/>
+          </a:fontRef>
+        </p:style>
+      </p:cxnSp>
+      <p:cxnSp>
+        <p:nvCxnSpPr>
+          <p:cNvPr id="433" name="Прямая со стрелкой 432">
+            <a:extLst>
+              <a:ext uri="{FF2B5EF4-FFF2-40B4-BE49-F238E27FC236}">
+                <a16:creationId xmlns:a16="http://schemas.microsoft.com/office/drawing/2014/main" id="{3C697C7B-4539-4833-8131-513622ADC840}"/>
+              </a:ext>
+            </a:extLst>
+          </p:cNvPr>
+          <p:cNvCxnSpPr>
+            <a:cxnSpLocks/>
+            <a:stCxn id="399" idx="2"/>
+            <a:endCxn id="407" idx="0"/>
+          </p:cNvCxnSpPr>
+          <p:nvPr/>
+        </p:nvCxnSpPr>
+        <p:spPr>
+          <a:xfrm>
+            <a:off x="18013644" y="22021298"/>
+            <a:ext cx="0" cy="1126916"/>
+          </a:xfrm>
+          <a:prstGeom prst="straightConnector1">
+            <a:avLst/>
+          </a:prstGeom>
+          <a:ln w="19050">
+            <a:tailEnd type="arrow"/>
+          </a:ln>
+        </p:spPr>
+        <p:style>
+          <a:lnRef idx="1">
+            <a:schemeClr val="accent1"/>
+          </a:lnRef>
+          <a:fillRef idx="0">
+            <a:schemeClr val="accent1"/>
+          </a:fillRef>
+          <a:effectRef idx="0">
+            <a:schemeClr val="accent1"/>
+          </a:effectRef>
+          <a:fontRef idx="minor">
+            <a:schemeClr val="tx1"/>
+          </a:fontRef>
+        </p:style>
+      </p:cxnSp>
+      <p:cxnSp>
+        <p:nvCxnSpPr>
+          <p:cNvPr id="434" name="Прямая соединительная линия 433">
+            <a:extLst>
+              <a:ext uri="{FF2B5EF4-FFF2-40B4-BE49-F238E27FC236}">
+                <a16:creationId xmlns:a16="http://schemas.microsoft.com/office/drawing/2014/main" id="{027C4293-F326-4B59-9CFA-0015830BEF1F}"/>
+              </a:ext>
+            </a:extLst>
+          </p:cNvPr>
+          <p:cNvCxnSpPr>
+            <a:cxnSpLocks/>
+            <a:stCxn id="399" idx="3"/>
+            <a:endCxn id="436" idx="1"/>
+          </p:cNvCxnSpPr>
+          <p:nvPr/>
+        </p:nvCxnSpPr>
+        <p:spPr>
+          <a:xfrm>
+            <a:off x="18476806" y="21751298"/>
+            <a:ext cx="272076" cy="0"/>
+          </a:xfrm>
+          <a:prstGeom prst="line">
+            <a:avLst/>
+          </a:prstGeom>
+          <a:ln w="19050">
+            <a:solidFill>
+              <a:srgbClr val="FF0000"/>
+            </a:solidFill>
+          </a:ln>
+        </p:spPr>
+        <p:style>
+          <a:lnRef idx="1">
+            <a:schemeClr val="accent1"/>
+          </a:lnRef>
+          <a:fillRef idx="0">
+            <a:schemeClr val="accent1"/>
+          </a:fillRef>
+          <a:effectRef idx="0">
+            <a:schemeClr val="accent1"/>
+          </a:effectRef>
+          <a:fontRef idx="minor">
+            <a:schemeClr val="tx1"/>
+          </a:fontRef>
+        </p:style>
+      </p:cxnSp>
+      <p:cxnSp>
+        <p:nvCxnSpPr>
+          <p:cNvPr id="435" name="Прямая со стрелкой 434">
+            <a:extLst>
+              <a:ext uri="{FF2B5EF4-FFF2-40B4-BE49-F238E27FC236}">
+                <a16:creationId xmlns:a16="http://schemas.microsoft.com/office/drawing/2014/main" id="{12C5C061-B54F-42E5-B820-5D5DCD153614}"/>
+              </a:ext>
+            </a:extLst>
+          </p:cNvPr>
+          <p:cNvCxnSpPr>
+            <a:cxnSpLocks/>
+            <a:stCxn id="395" idx="2"/>
+            <a:endCxn id="391" idx="0"/>
+          </p:cNvCxnSpPr>
+          <p:nvPr/>
+        </p:nvCxnSpPr>
+        <p:spPr>
+          <a:xfrm flipH="1">
+            <a:off x="18615657" y="20361421"/>
+            <a:ext cx="4237" cy="260889"/>
+          </a:xfrm>
+          <a:prstGeom prst="straightConnector1">
+            <a:avLst/>
+          </a:prstGeom>
+          <a:ln w="19050">
+            <a:tailEnd type="arrow"/>
+          </a:ln>
+        </p:spPr>
+        <p:style>
+          <a:lnRef idx="1">
+            <a:schemeClr val="accent1"/>
+          </a:lnRef>
+          <a:fillRef idx="0">
+            <a:schemeClr val="accent1"/>
+          </a:fillRef>
+          <a:effectRef idx="0">
+            <a:schemeClr val="accent1"/>
+          </a:effectRef>
+          <a:fontRef idx="minor">
+            <a:schemeClr val="tx1"/>
+          </a:fontRef>
+        </p:style>
+      </p:cxnSp>
+      <p:sp>
+        <p:nvSpPr>
+          <p:cNvPr id="436" name="Прямоугольник 435">
+            <a:extLst>
+              <a:ext uri="{FF2B5EF4-FFF2-40B4-BE49-F238E27FC236}">
+                <a16:creationId xmlns:a16="http://schemas.microsoft.com/office/drawing/2014/main" id="{4F280486-EF3A-49A7-80CF-AC144869E700}"/>
+              </a:ext>
+            </a:extLst>
+          </p:cNvPr>
+          <p:cNvSpPr/>
+          <p:nvPr/>
+        </p:nvSpPr>
+        <p:spPr>
+          <a:xfrm>
+            <a:off x="18748882" y="21481298"/>
+            <a:ext cx="926325" cy="540000"/>
+          </a:xfrm>
+          <a:prstGeom prst="rect">
+            <a:avLst/>
+          </a:prstGeom>
+          <a:solidFill>
+            <a:schemeClr val="bg1"/>
+          </a:solidFill>
+          <a:ln w="19050"/>
+        </p:spPr>
+        <p:style>
+          <a:lnRef idx="2">
+            <a:schemeClr val="accent1"/>
+          </a:lnRef>
+          <a:fillRef idx="1">
+            <a:schemeClr val="lt1"/>
+          </a:fillRef>
+          <a:effectRef idx="0">
+            <a:schemeClr val="accent1"/>
+          </a:effectRef>
+          <a:fontRef idx="minor">
+            <a:schemeClr val="dk1"/>
+          </a:fontRef>
+        </p:style>
+        <p:txBody>
+          <a:bodyPr lIns="124733" tIns="62367" rIns="124733" bIns="62367" rtlCol="0" anchor="ctr"/>
+          <a:lstStyle/>
+          <a:p>
+            <a:pPr algn="ctr"/>
+            <a:r>
+              <a:rPr lang="ru-RU" sz="700" dirty="0"/>
+              <a:t>Модернизация по доктрине </a:t>
+            </a:r>
+            <a:r>
+              <a:rPr lang="ru-RU" sz="700" dirty="0" err="1"/>
+              <a:t>Эстевы</a:t>
+            </a:r>
+            <a:endParaRPr lang="ru-RU" sz="700" dirty="0"/>
+          </a:p>
+          <a:p>
+            <a:pPr algn="ctr"/>
+            <a:r>
+              <a:rPr lang="ru-RU" sz="100" dirty="0"/>
+              <a:t>1920 году он был профессором Высшей морской школы Тулона, в 1927 году капитан </a:t>
+            </a:r>
+            <a:r>
+              <a:rPr lang="ru-RU" sz="100" dirty="0" err="1"/>
+              <a:t>Эстева</a:t>
+            </a:r>
+            <a:r>
+              <a:rPr lang="ru-RU" sz="100" dirty="0"/>
+              <a:t> решил пойти по новаторскому пути в зарождающейся морской авиации , что было оригинальным выбором для старшего офицера. Получив звание контр-адмирала в 1929 году , он был директором морской авиации, затем заместителем начальника штаба ВВС ( 1930 ), а затем стал вице-адмиралом в 1935 году . Он уехал на Дальний Восток , где был главнокомандующим военно-морскими силами [ 1 ] командовал несколькими кораблями, где поднял свой знак на крейсере «</a:t>
+            </a:r>
+            <a:r>
+              <a:rPr lang="ru-RU" sz="100" dirty="0" err="1"/>
+              <a:t>Ламот</a:t>
+            </a:r>
+            <a:r>
+              <a:rPr lang="ru-RU" sz="100" dirty="0"/>
+              <a:t>-Пике» . Его пребывание в Тихом океане привело его к регулярному посещению британских баз в Гонконге и Сингапуре , а также к тому, чтобы в полной мере оценить рост мощи японского императорского флота . По возвращении на материковую Францию ​​его универсальность и навыки позволили ему занять должность инспектора морских сил. В 1937 году ему было присвоено звание и звание адмирала. Впоследствии, в 1939 году, он принял командование французскими военно-морскими силами на Юге</a:t>
+            </a:r>
+            <a:endParaRPr lang="ru-RU" sz="500" dirty="0"/>
+          </a:p>
+        </p:txBody>
+      </p:sp>
+      <p:cxnSp>
+        <p:nvCxnSpPr>
+          <p:cNvPr id="437" name="Соединительная линия уступом 620">
+            <a:extLst>
+              <a:ext uri="{FF2B5EF4-FFF2-40B4-BE49-F238E27FC236}">
+                <a16:creationId xmlns:a16="http://schemas.microsoft.com/office/drawing/2014/main" id="{AD760B19-0C98-4705-9FFF-7C50774E6C41}"/>
+              </a:ext>
+            </a:extLst>
+          </p:cNvPr>
+          <p:cNvCxnSpPr>
+            <a:cxnSpLocks/>
+            <a:stCxn id="395" idx="2"/>
+            <a:endCxn id="436" idx="0"/>
+          </p:cNvCxnSpPr>
+          <p:nvPr/>
+        </p:nvCxnSpPr>
+        <p:spPr>
+          <a:xfrm rot="16200000" flipH="1">
+            <a:off x="18356031" y="20625283"/>
+            <a:ext cx="1119877" cy="592151"/>
+          </a:xfrm>
+          <a:prstGeom prst="bentConnector3">
+            <a:avLst>
+              <a:gd name="adj1" fmla="val 11417"/>
+            </a:avLst>
+          </a:prstGeom>
+          <a:ln w="19050">
+            <a:tailEnd type="arrow"/>
+          </a:ln>
+        </p:spPr>
+        <p:style>
+          <a:lnRef idx="1">
+            <a:schemeClr val="accent1"/>
+          </a:lnRef>
+          <a:fillRef idx="0">
+            <a:schemeClr val="accent1"/>
+          </a:fillRef>
+          <a:effectRef idx="0">
+            <a:schemeClr val="accent1"/>
+          </a:effectRef>
+          <a:fontRef idx="minor">
+            <a:schemeClr val="tx1"/>
+          </a:fontRef>
+        </p:style>
+      </p:cxnSp>
+      <p:sp>
+        <p:nvSpPr>
+          <p:cNvPr id="438" name="Прямоугольник 437">
+            <a:extLst>
+              <a:ext uri="{FF2B5EF4-FFF2-40B4-BE49-F238E27FC236}">
+                <a16:creationId xmlns:a16="http://schemas.microsoft.com/office/drawing/2014/main" id="{70529DC9-4496-42F5-BD0E-B4B7912E1AEA}"/>
+              </a:ext>
+            </a:extLst>
+          </p:cNvPr>
+          <p:cNvSpPr/>
+          <p:nvPr/>
+        </p:nvSpPr>
+        <p:spPr>
+          <a:xfrm>
+            <a:off x="19947284" y="21481297"/>
+            <a:ext cx="926325" cy="540000"/>
+          </a:xfrm>
+          <a:prstGeom prst="rect">
+            <a:avLst/>
+          </a:prstGeom>
+          <a:solidFill>
+            <a:schemeClr val="bg1"/>
+          </a:solidFill>
+          <a:ln w="19050"/>
+        </p:spPr>
+        <p:style>
+          <a:lnRef idx="2">
+            <a:schemeClr val="accent1"/>
+          </a:lnRef>
+          <a:fillRef idx="1">
+            <a:schemeClr val="lt1"/>
+          </a:fillRef>
+          <a:effectRef idx="0">
+            <a:schemeClr val="accent1"/>
+          </a:effectRef>
+          <a:fontRef idx="minor">
+            <a:schemeClr val="dk1"/>
+          </a:fontRef>
+        </p:style>
+        <p:txBody>
+          <a:bodyPr lIns="124733" tIns="62367" rIns="124733" bIns="62367" rtlCol="0" anchor="ctr"/>
+          <a:lstStyle/>
+          <a:p>
+            <a:pPr algn="ctr"/>
+            <a:r>
+              <a:rPr lang="ru-RU" sz="700" dirty="0"/>
+              <a:t>Перейти на доктрину Молодой школы </a:t>
+            </a:r>
+            <a:r>
+              <a:rPr lang="ru-RU" sz="100" dirty="0"/>
+              <a:t>(Молодая школа — течение французской </a:t>
+            </a:r>
+            <a:r>
+              <a:rPr lang="ru-RU" sz="100" dirty="0" err="1"/>
+              <a:t>военно</a:t>
+            </a:r>
+            <a:r>
+              <a:rPr lang="ru-RU" sz="100" dirty="0"/>
+              <a:t> -морской мысли конца </a:t>
+            </a:r>
+            <a:r>
+              <a:rPr lang="ru-RU" sz="100" dirty="0" err="1"/>
+              <a:t>xix</a:t>
+            </a:r>
+            <a:r>
+              <a:rPr lang="ru-RU" sz="100" dirty="0"/>
+              <a:t> века . Он предлагает разрыв с традиционной доктриной того времени, которая заключалась в строительстве все более крупных лодок , напротив, в пользу использования меньших и более многочисленных </a:t>
+            </a:r>
+            <a:r>
+              <a:rPr lang="ru-RU" sz="100" dirty="0" err="1"/>
+              <a:t>лодок.Идеологические</a:t>
+            </a:r>
+            <a:r>
+              <a:rPr lang="ru-RU" sz="100" dirty="0"/>
+              <a:t> игры: торпедный катер становится воплощением малого, народа, побеждающего большого, богатого капиталиста, своего рода промышленным эквивалентом пастеровского микроба , способного победить самых крупных существ. Торпедный катер, за который выступает «молодая школа», станет инструментом республиканцев, а линкор — инструментом правых консерваторов.)</a:t>
+            </a:r>
+            <a:endParaRPr lang="ru-RU" sz="700" dirty="0"/>
+          </a:p>
+        </p:txBody>
+      </p:sp>
+      <p:sp>
+        <p:nvSpPr>
+          <p:cNvPr id="439" name="Прямоугольник 438">
+            <a:extLst>
+              <a:ext uri="{FF2B5EF4-FFF2-40B4-BE49-F238E27FC236}">
+                <a16:creationId xmlns:a16="http://schemas.microsoft.com/office/drawing/2014/main" id="{D7BA30F5-BB15-485A-BB26-1DAE16E045A8}"/>
+              </a:ext>
+            </a:extLst>
+          </p:cNvPr>
+          <p:cNvSpPr/>
+          <p:nvPr/>
+        </p:nvSpPr>
+        <p:spPr>
+          <a:xfrm>
+            <a:off x="18153823" y="22346496"/>
+            <a:ext cx="926325" cy="540000"/>
+          </a:xfrm>
+          <a:prstGeom prst="rect">
+            <a:avLst/>
+          </a:prstGeom>
+          <a:solidFill>
+            <a:schemeClr val="bg1"/>
+          </a:solidFill>
+          <a:ln w="19050"/>
+        </p:spPr>
+        <p:style>
+          <a:lnRef idx="2">
+            <a:schemeClr val="accent1"/>
+          </a:lnRef>
+          <a:fillRef idx="1">
+            <a:schemeClr val="lt1"/>
+          </a:fillRef>
+          <a:effectRef idx="0">
+            <a:schemeClr val="accent1"/>
+          </a:effectRef>
+          <a:fontRef idx="minor">
+            <a:schemeClr val="dk1"/>
+          </a:fontRef>
+        </p:style>
+        <p:txBody>
+          <a:bodyPr lIns="124733" tIns="62367" rIns="124733" bIns="62367" rtlCol="0" anchor="ctr"/>
+          <a:lstStyle/>
+          <a:p>
+            <a:pPr algn="ctr"/>
+            <a:r>
+              <a:rPr lang="ru-RU" sz="700" dirty="0"/>
+              <a:t>Направить усилие на строительство торпедоносцев</a:t>
+            </a:r>
+          </a:p>
+        </p:txBody>
+      </p:sp>
+      <p:cxnSp>
+        <p:nvCxnSpPr>
+          <p:cNvPr id="440" name="Прямая соединительная линия 439">
+            <a:extLst>
+              <a:ext uri="{FF2B5EF4-FFF2-40B4-BE49-F238E27FC236}">
+                <a16:creationId xmlns:a16="http://schemas.microsoft.com/office/drawing/2014/main" id="{E67A3206-6840-4A07-941F-C7E88464495A}"/>
+              </a:ext>
+            </a:extLst>
+          </p:cNvPr>
+          <p:cNvCxnSpPr>
+            <a:cxnSpLocks/>
+            <a:stCxn id="436" idx="3"/>
+            <a:endCxn id="438" idx="1"/>
+          </p:cNvCxnSpPr>
+          <p:nvPr/>
+        </p:nvCxnSpPr>
+        <p:spPr>
+          <a:xfrm flipV="1">
+            <a:off x="19675207" y="21751297"/>
+            <a:ext cx="272077" cy="1"/>
+          </a:xfrm>
+          <a:prstGeom prst="line">
+            <a:avLst/>
+          </a:prstGeom>
+          <a:ln w="19050">
+            <a:solidFill>
+              <a:srgbClr val="FF0000"/>
+            </a:solidFill>
+          </a:ln>
+        </p:spPr>
+        <p:style>
+          <a:lnRef idx="1">
+            <a:schemeClr val="accent1"/>
+          </a:lnRef>
+          <a:fillRef idx="0">
+            <a:schemeClr val="accent1"/>
+          </a:fillRef>
+          <a:effectRef idx="0">
+            <a:schemeClr val="accent1"/>
+          </a:effectRef>
+          <a:fontRef idx="minor">
+            <a:schemeClr val="tx1"/>
+          </a:fontRef>
+        </p:style>
+      </p:cxnSp>
+      <p:cxnSp>
+        <p:nvCxnSpPr>
+          <p:cNvPr id="442" name="Соединительная линия уступом 620">
+            <a:extLst>
+              <a:ext uri="{FF2B5EF4-FFF2-40B4-BE49-F238E27FC236}">
+                <a16:creationId xmlns:a16="http://schemas.microsoft.com/office/drawing/2014/main" id="{5D6F4501-D15F-4EE4-8B79-51EA6D530BF5}"/>
+              </a:ext>
+            </a:extLst>
+          </p:cNvPr>
+          <p:cNvCxnSpPr>
+            <a:cxnSpLocks/>
+            <a:stCxn id="395" idx="2"/>
+            <a:endCxn id="438" idx="0"/>
+          </p:cNvCxnSpPr>
+          <p:nvPr/>
+        </p:nvCxnSpPr>
+        <p:spPr>
+          <a:xfrm rot="16200000" flipH="1">
+            <a:off x="18955232" y="20026082"/>
+            <a:ext cx="1119876" cy="1790553"/>
+          </a:xfrm>
+          <a:prstGeom prst="bentConnector3">
+            <a:avLst>
+              <a:gd name="adj1" fmla="val 10969"/>
+            </a:avLst>
+          </a:prstGeom>
+          <a:ln w="19050">
+            <a:tailEnd type="arrow"/>
+          </a:ln>
+        </p:spPr>
+        <p:style>
+          <a:lnRef idx="1">
+            <a:schemeClr val="accent1"/>
+          </a:lnRef>
+          <a:fillRef idx="0">
+            <a:schemeClr val="accent1"/>
+          </a:fillRef>
+          <a:effectRef idx="0">
+            <a:schemeClr val="accent1"/>
+          </a:effectRef>
+          <a:fontRef idx="minor">
+            <a:schemeClr val="tx1"/>
+          </a:fontRef>
+        </p:style>
+      </p:cxnSp>
+      <p:sp>
+        <p:nvSpPr>
+          <p:cNvPr id="443" name="Прямоугольник 442">
+            <a:extLst>
+              <a:ext uri="{FF2B5EF4-FFF2-40B4-BE49-F238E27FC236}">
+                <a16:creationId xmlns:a16="http://schemas.microsoft.com/office/drawing/2014/main" id="{84074633-8021-4075-8123-3D186110B490}"/>
+              </a:ext>
+            </a:extLst>
+          </p:cNvPr>
+          <p:cNvSpPr/>
+          <p:nvPr/>
+        </p:nvSpPr>
+        <p:spPr>
+          <a:xfrm>
+            <a:off x="19368173" y="22341942"/>
+            <a:ext cx="926325" cy="540000"/>
+          </a:xfrm>
+          <a:prstGeom prst="rect">
+            <a:avLst/>
+          </a:prstGeom>
+          <a:solidFill>
+            <a:schemeClr val="bg1"/>
+          </a:solidFill>
+          <a:ln w="19050"/>
+        </p:spPr>
+        <p:style>
+          <a:lnRef idx="2">
+            <a:schemeClr val="accent1"/>
+          </a:lnRef>
+          <a:fillRef idx="1">
+            <a:schemeClr val="lt1"/>
+          </a:fillRef>
+          <a:effectRef idx="0">
+            <a:schemeClr val="accent1"/>
+          </a:effectRef>
+          <a:fontRef idx="minor">
+            <a:schemeClr val="dk1"/>
+          </a:fontRef>
+        </p:style>
+        <p:txBody>
+          <a:bodyPr lIns="124733" tIns="62367" rIns="124733" bIns="62367" rtlCol="0" anchor="ctr"/>
+          <a:lstStyle/>
+          <a:p>
+            <a:pPr algn="ctr"/>
+            <a:r>
+              <a:rPr lang="ru-RU" sz="700" dirty="0"/>
+              <a:t>Модернизация концепции малого флота (строительство эсминцев)</a:t>
+            </a:r>
+          </a:p>
+        </p:txBody>
+      </p:sp>
+      <p:sp>
+        <p:nvSpPr>
+          <p:cNvPr id="447" name="Прямоугольник 446">
+            <a:extLst>
+              <a:ext uri="{FF2B5EF4-FFF2-40B4-BE49-F238E27FC236}">
+                <a16:creationId xmlns:a16="http://schemas.microsoft.com/office/drawing/2014/main" id="{E12DB98F-CE5D-4876-9319-398EB0DC8CAD}"/>
+              </a:ext>
+            </a:extLst>
+          </p:cNvPr>
+          <p:cNvSpPr/>
+          <p:nvPr/>
+        </p:nvSpPr>
+        <p:spPr>
+          <a:xfrm>
+            <a:off x="18748160" y="23147386"/>
+            <a:ext cx="926325" cy="540000"/>
+          </a:xfrm>
+          <a:prstGeom prst="rect">
+            <a:avLst/>
+          </a:prstGeom>
+          <a:solidFill>
+            <a:schemeClr val="bg1"/>
+          </a:solidFill>
+          <a:ln w="19050"/>
+        </p:spPr>
+        <p:style>
+          <a:lnRef idx="2">
+            <a:schemeClr val="accent1"/>
+          </a:lnRef>
+          <a:fillRef idx="1">
+            <a:schemeClr val="lt1"/>
+          </a:fillRef>
+          <a:effectRef idx="0">
+            <a:schemeClr val="accent1"/>
+          </a:effectRef>
+          <a:fontRef idx="minor">
+            <a:schemeClr val="dk1"/>
+          </a:fontRef>
+        </p:style>
+        <p:txBody>
+          <a:bodyPr lIns="124733" tIns="62367" rIns="124733" bIns="62367" rtlCol="0" anchor="ctr"/>
+          <a:lstStyle/>
+          <a:p>
+            <a:pPr algn="ctr"/>
+            <a:r>
+              <a:rPr lang="ru-RU" sz="700" dirty="0"/>
+              <a:t>Ставка на авианосцы</a:t>
+            </a:r>
+          </a:p>
+        </p:txBody>
+      </p:sp>
+      <p:sp>
+        <p:nvSpPr>
+          <p:cNvPr id="448" name="Прямоугольник 447">
+            <a:extLst>
+              <a:ext uri="{FF2B5EF4-FFF2-40B4-BE49-F238E27FC236}">
+                <a16:creationId xmlns:a16="http://schemas.microsoft.com/office/drawing/2014/main" id="{C3D42C29-29E7-4CA2-A33F-27F57A62E100}"/>
+              </a:ext>
+            </a:extLst>
+          </p:cNvPr>
+          <p:cNvSpPr/>
+          <p:nvPr/>
+        </p:nvSpPr>
+        <p:spPr>
+          <a:xfrm>
+            <a:off x="19946562" y="23148213"/>
+            <a:ext cx="926325" cy="540000"/>
+          </a:xfrm>
+          <a:prstGeom prst="rect">
+            <a:avLst/>
+          </a:prstGeom>
+          <a:solidFill>
+            <a:schemeClr val="bg1"/>
+          </a:solidFill>
+          <a:ln w="19050"/>
+        </p:spPr>
+        <p:style>
+          <a:lnRef idx="2">
+            <a:schemeClr val="accent1"/>
+          </a:lnRef>
+          <a:fillRef idx="1">
+            <a:schemeClr val="lt1"/>
+          </a:fillRef>
+          <a:effectRef idx="0">
+            <a:schemeClr val="accent1"/>
+          </a:effectRef>
+          <a:fontRef idx="minor">
+            <a:schemeClr val="dk1"/>
+          </a:fontRef>
+        </p:style>
+        <p:txBody>
+          <a:bodyPr lIns="124733" tIns="62367" rIns="124733" bIns="62367" rtlCol="0" anchor="ctr"/>
+          <a:lstStyle/>
+          <a:p>
+            <a:pPr algn="ctr"/>
+            <a:r>
+              <a:rPr lang="ru-RU" sz="700" dirty="0"/>
+              <a:t>Улучшить технологии миноносцев</a:t>
+            </a:r>
+          </a:p>
+        </p:txBody>
+      </p:sp>
+      <p:sp>
+        <p:nvSpPr>
+          <p:cNvPr id="451" name="Прямоугольник 450">
+            <a:extLst>
+              <a:ext uri="{FF2B5EF4-FFF2-40B4-BE49-F238E27FC236}">
+                <a16:creationId xmlns:a16="http://schemas.microsoft.com/office/drawing/2014/main" id="{9F564408-82DC-4A80-964A-8F7ACE243285}"/>
+              </a:ext>
+            </a:extLst>
+          </p:cNvPr>
+          <p:cNvSpPr/>
+          <p:nvPr/>
+        </p:nvSpPr>
+        <p:spPr>
+          <a:xfrm>
+            <a:off x="19946561" y="23958645"/>
+            <a:ext cx="926325" cy="540000"/>
+          </a:xfrm>
+          <a:prstGeom prst="rect">
+            <a:avLst/>
+          </a:prstGeom>
+          <a:solidFill>
+            <a:schemeClr val="bg1"/>
+          </a:solidFill>
+          <a:ln w="19050"/>
+        </p:spPr>
+        <p:style>
+          <a:lnRef idx="2">
+            <a:schemeClr val="accent1"/>
+          </a:lnRef>
+          <a:fillRef idx="1">
+            <a:schemeClr val="lt1"/>
+          </a:fillRef>
+          <a:effectRef idx="0">
+            <a:schemeClr val="accent1"/>
+          </a:effectRef>
+          <a:fontRef idx="minor">
+            <a:schemeClr val="dk1"/>
+          </a:fontRef>
+        </p:style>
+        <p:txBody>
+          <a:bodyPr lIns="124733" tIns="62367" rIns="124733" bIns="62367" rtlCol="0" anchor="ctr"/>
+          <a:lstStyle/>
+          <a:p>
+            <a:pPr algn="ctr"/>
+            <a:r>
+              <a:rPr lang="ru-RU" sz="700" dirty="0"/>
+              <a:t>Разработать план блокады Великобритании </a:t>
+            </a:r>
+            <a:r>
+              <a:rPr lang="ru-RU" sz="100" dirty="0"/>
+              <a:t>(</a:t>
+            </a:r>
+            <a:r>
+              <a:rPr lang="ru-RU" sz="100" dirty="0" err="1"/>
+              <a:t>ПринципыЭта</a:t>
+            </a:r>
+            <a:r>
+              <a:rPr lang="ru-RU" sz="100" dirty="0"/>
+              <a:t> школа предлагает на военном уровне пять принципов, вокруг которых должен быть организован флот [ 6 ] .Преимущество обороны с точки зрения военно-морской </a:t>
+            </a:r>
+            <a:r>
+              <a:rPr lang="ru-RU" sz="100" dirty="0" err="1"/>
+              <a:t>стратегии,Разделение</a:t>
+            </a:r>
+            <a:r>
+              <a:rPr lang="ru-RU" sz="100" dirty="0"/>
+              <a:t> труда [ 7 ] ,Самые быстрые </a:t>
+            </a:r>
+            <a:r>
+              <a:rPr lang="ru-RU" sz="100" dirty="0" err="1"/>
+              <a:t>корабли,Корабли</a:t>
+            </a:r>
+            <a:r>
+              <a:rPr lang="ru-RU" sz="100" dirty="0"/>
+              <a:t> малого тоннажа , а не один большой </a:t>
+            </a:r>
+            <a:r>
+              <a:rPr lang="ru-RU" sz="100" dirty="0" err="1"/>
+              <a:t>тоннаж,Умножьте</a:t>
+            </a:r>
+            <a:r>
+              <a:rPr lang="ru-RU" sz="100" dirty="0"/>
+              <a:t> точки опоры вдоль </a:t>
+            </a:r>
+            <a:r>
+              <a:rPr lang="ru-RU" sz="100" dirty="0" err="1"/>
+              <a:t>побережий.На</a:t>
+            </a:r>
+            <a:r>
+              <a:rPr lang="ru-RU" sz="100" dirty="0"/>
+              <a:t> экономическом уровне эта школа отдает приоритет установлению морской блокады Британских островов : фактически, Великобритания, которая пожертвовала своим сельским хозяйством ради своей промышленности, импортирует более 50% своей пшеницы и заморского мяса; кроме того, торпедные катера, вооруженные в основном торпедами, могут потопить торговые суда и тем самым уморить Соединенное Королевство голодом.)</a:t>
+            </a:r>
+            <a:endParaRPr lang="ru-RU" sz="700" dirty="0"/>
+          </a:p>
+        </p:txBody>
+      </p:sp>
+      <p:cxnSp>
+        <p:nvCxnSpPr>
+          <p:cNvPr id="452" name="Соединительная линия уступом 620">
+            <a:extLst>
+              <a:ext uri="{FF2B5EF4-FFF2-40B4-BE49-F238E27FC236}">
+                <a16:creationId xmlns:a16="http://schemas.microsoft.com/office/drawing/2014/main" id="{E091CC9C-21B7-44CE-A1E6-3C164B1E6B23}"/>
+              </a:ext>
+            </a:extLst>
+          </p:cNvPr>
+          <p:cNvCxnSpPr>
+            <a:cxnSpLocks/>
+            <a:stCxn id="438" idx="2"/>
+            <a:endCxn id="443" idx="0"/>
+          </p:cNvCxnSpPr>
+          <p:nvPr/>
+        </p:nvCxnSpPr>
+        <p:spPr>
+          <a:xfrm rot="5400000">
+            <a:off x="19960570" y="21892064"/>
+            <a:ext cx="320645" cy="579111"/>
+          </a:xfrm>
+          <a:prstGeom prst="bentConnector3">
+            <a:avLst>
+              <a:gd name="adj1" fmla="val 50000"/>
+            </a:avLst>
+          </a:prstGeom>
+          <a:ln w="19050">
+            <a:tailEnd type="arrow"/>
+          </a:ln>
+        </p:spPr>
+        <p:style>
+          <a:lnRef idx="1">
+            <a:schemeClr val="accent1"/>
+          </a:lnRef>
+          <a:fillRef idx="0">
+            <a:schemeClr val="accent1"/>
+          </a:fillRef>
+          <a:effectRef idx="0">
+            <a:schemeClr val="accent1"/>
+          </a:effectRef>
+          <a:fontRef idx="minor">
+            <a:schemeClr val="tx1"/>
+          </a:fontRef>
+        </p:style>
+      </p:cxnSp>
+      <p:cxnSp>
+        <p:nvCxnSpPr>
+          <p:cNvPr id="453" name="Прямая со стрелкой 452">
+            <a:extLst>
+              <a:ext uri="{FF2B5EF4-FFF2-40B4-BE49-F238E27FC236}">
+                <a16:creationId xmlns:a16="http://schemas.microsoft.com/office/drawing/2014/main" id="{85982E15-77B6-4B7C-9FB3-FB45A3A0B63F}"/>
+              </a:ext>
+            </a:extLst>
+          </p:cNvPr>
+          <p:cNvCxnSpPr>
+            <a:cxnSpLocks/>
+            <a:stCxn id="438" idx="2"/>
+            <a:endCxn id="448" idx="0"/>
+          </p:cNvCxnSpPr>
+          <p:nvPr/>
+        </p:nvCxnSpPr>
+        <p:spPr>
+          <a:xfrm flipH="1">
+            <a:off x="20409725" y="22021297"/>
+            <a:ext cx="722" cy="1126916"/>
+          </a:xfrm>
+          <a:prstGeom prst="straightConnector1">
+            <a:avLst/>
+          </a:prstGeom>
+          <a:ln w="19050">
+            <a:tailEnd type="arrow"/>
+          </a:ln>
+        </p:spPr>
+        <p:style>
+          <a:lnRef idx="1">
+            <a:schemeClr val="accent1"/>
+          </a:lnRef>
+          <a:fillRef idx="0">
+            <a:schemeClr val="accent1"/>
+          </a:fillRef>
+          <a:effectRef idx="0">
+            <a:schemeClr val="accent1"/>
+          </a:effectRef>
+          <a:fontRef idx="minor">
+            <a:schemeClr val="tx1"/>
+          </a:fontRef>
+        </p:style>
+      </p:cxnSp>
+      <p:sp>
+        <p:nvSpPr>
+          <p:cNvPr id="454" name="Прямоугольник 453">
+            <a:extLst>
+              <a:ext uri="{FF2B5EF4-FFF2-40B4-BE49-F238E27FC236}">
+                <a16:creationId xmlns:a16="http://schemas.microsoft.com/office/drawing/2014/main" id="{99EB2286-0693-4902-825C-43276215AEFD}"/>
+              </a:ext>
+            </a:extLst>
+          </p:cNvPr>
+          <p:cNvSpPr/>
+          <p:nvPr/>
+        </p:nvSpPr>
+        <p:spPr>
+          <a:xfrm>
+            <a:off x="18748159" y="23957387"/>
+            <a:ext cx="926325" cy="540000"/>
+          </a:xfrm>
+          <a:prstGeom prst="rect">
+            <a:avLst/>
+          </a:prstGeom>
+          <a:solidFill>
+            <a:schemeClr val="bg1"/>
+          </a:solidFill>
+          <a:ln w="19050"/>
+        </p:spPr>
+        <p:style>
+          <a:lnRef idx="2">
+            <a:schemeClr val="accent1"/>
+          </a:lnRef>
+          <a:fillRef idx="1">
+            <a:schemeClr val="lt1"/>
+          </a:fillRef>
+          <a:effectRef idx="0">
+            <a:schemeClr val="accent1"/>
+          </a:effectRef>
+          <a:fontRef idx="minor">
+            <a:schemeClr val="dk1"/>
+          </a:fontRef>
+        </p:style>
+        <p:txBody>
+          <a:bodyPr lIns="124733" tIns="62367" rIns="124733" bIns="62367" rtlCol="0" anchor="ctr"/>
+          <a:lstStyle/>
+          <a:p>
+            <a:pPr algn="ctr"/>
+            <a:r>
+              <a:rPr lang="ru-RU" sz="700" dirty="0"/>
+              <a:t>Разработать план противостоянии Японии </a:t>
+            </a:r>
+            <a:r>
+              <a:rPr lang="ru-RU" sz="300" dirty="0"/>
+              <a:t>(</a:t>
+            </a:r>
+            <a:r>
+              <a:rPr lang="ru-RU" sz="300" dirty="0" err="1"/>
+              <a:t>Эстева</a:t>
+            </a:r>
+            <a:r>
+              <a:rPr lang="ru-RU" sz="300" dirty="0"/>
+              <a:t> служил в </a:t>
+            </a:r>
+            <a:r>
+              <a:rPr lang="ru-RU" sz="300" dirty="0" err="1"/>
+              <a:t>индокитае</a:t>
+            </a:r>
+            <a:r>
+              <a:rPr lang="ru-RU" sz="300" dirty="0"/>
+              <a:t> и прекрасно знал об опасности флота Японии)</a:t>
+            </a:r>
+            <a:endParaRPr lang="ru-RU" sz="700" dirty="0"/>
+          </a:p>
+        </p:txBody>
+      </p:sp>
+      <p:sp>
+        <p:nvSpPr>
+          <p:cNvPr id="455" name="Прямоугольник 454">
+            <a:extLst>
+              <a:ext uri="{FF2B5EF4-FFF2-40B4-BE49-F238E27FC236}">
+                <a16:creationId xmlns:a16="http://schemas.microsoft.com/office/drawing/2014/main" id="{0882F777-B8DA-4312-9F40-85A49C44116F}"/>
+              </a:ext>
+            </a:extLst>
+          </p:cNvPr>
+          <p:cNvSpPr/>
+          <p:nvPr/>
+        </p:nvSpPr>
+        <p:spPr>
+          <a:xfrm>
+            <a:off x="17550481" y="23961942"/>
+            <a:ext cx="926325" cy="540000"/>
+          </a:xfrm>
+          <a:prstGeom prst="rect">
+            <a:avLst/>
+          </a:prstGeom>
+          <a:solidFill>
+            <a:schemeClr val="bg1"/>
+          </a:solidFill>
+          <a:ln w="19050"/>
+        </p:spPr>
+        <p:style>
+          <a:lnRef idx="2">
+            <a:schemeClr val="accent1"/>
+          </a:lnRef>
+          <a:fillRef idx="1">
+            <a:schemeClr val="lt1"/>
+          </a:fillRef>
+          <a:effectRef idx="0">
+            <a:schemeClr val="accent1"/>
+          </a:effectRef>
+          <a:fontRef idx="minor">
+            <a:schemeClr val="dk1"/>
+          </a:fontRef>
+        </p:style>
+        <p:txBody>
+          <a:bodyPr lIns="124733" tIns="62367" rIns="124733" bIns="62367" rtlCol="0" anchor="ctr"/>
+          <a:lstStyle/>
+          <a:p>
+            <a:pPr algn="ctr"/>
+            <a:r>
+              <a:rPr lang="ru-RU" sz="700" dirty="0"/>
+              <a:t>Разработать план защиты Африки от Италии</a:t>
+            </a:r>
+          </a:p>
+        </p:txBody>
+      </p:sp>
+      <p:cxnSp>
+        <p:nvCxnSpPr>
+          <p:cNvPr id="457" name="Прямая со стрелкой 456">
+            <a:extLst>
+              <a:ext uri="{FF2B5EF4-FFF2-40B4-BE49-F238E27FC236}">
+                <a16:creationId xmlns:a16="http://schemas.microsoft.com/office/drawing/2014/main" id="{AA9927D4-A2CD-4410-9CCC-9642C1FCBECD}"/>
+              </a:ext>
+            </a:extLst>
+          </p:cNvPr>
+          <p:cNvCxnSpPr>
+            <a:cxnSpLocks/>
+            <a:stCxn id="407" idx="2"/>
+            <a:endCxn id="455" idx="0"/>
+          </p:cNvCxnSpPr>
+          <p:nvPr/>
+        </p:nvCxnSpPr>
+        <p:spPr>
+          <a:xfrm>
+            <a:off x="18013644" y="23688214"/>
+            <a:ext cx="0" cy="273728"/>
+          </a:xfrm>
+          <a:prstGeom prst="straightConnector1">
+            <a:avLst/>
+          </a:prstGeom>
+          <a:ln w="19050">
+            <a:tailEnd type="arrow"/>
+          </a:ln>
+        </p:spPr>
+        <p:style>
+          <a:lnRef idx="1">
+            <a:schemeClr val="accent1"/>
+          </a:lnRef>
+          <a:fillRef idx="0">
+            <a:schemeClr val="accent1"/>
+          </a:fillRef>
+          <a:effectRef idx="0">
+            <a:schemeClr val="accent1"/>
+          </a:effectRef>
+          <a:fontRef idx="minor">
+            <a:schemeClr val="tx1"/>
+          </a:fontRef>
+        </p:style>
+      </p:cxnSp>
+      <p:cxnSp>
+        <p:nvCxnSpPr>
+          <p:cNvPr id="458" name="Прямая со стрелкой 457">
+            <a:extLst>
+              <a:ext uri="{FF2B5EF4-FFF2-40B4-BE49-F238E27FC236}">
+                <a16:creationId xmlns:a16="http://schemas.microsoft.com/office/drawing/2014/main" id="{2EF00BE2-F5C2-4FD2-B93F-5161835679E6}"/>
+              </a:ext>
+            </a:extLst>
+          </p:cNvPr>
+          <p:cNvCxnSpPr>
+            <a:cxnSpLocks/>
+            <a:stCxn id="447" idx="2"/>
+            <a:endCxn id="454" idx="0"/>
+          </p:cNvCxnSpPr>
+          <p:nvPr/>
+        </p:nvCxnSpPr>
+        <p:spPr>
+          <a:xfrm flipH="1">
+            <a:off x="19211322" y="23687386"/>
+            <a:ext cx="1" cy="270001"/>
+          </a:xfrm>
+          <a:prstGeom prst="straightConnector1">
+            <a:avLst/>
+          </a:prstGeom>
+          <a:ln w="19050">
+            <a:tailEnd type="arrow"/>
+          </a:ln>
+        </p:spPr>
+        <p:style>
+          <a:lnRef idx="1">
+            <a:schemeClr val="accent1"/>
+          </a:lnRef>
+          <a:fillRef idx="0">
+            <a:schemeClr val="accent1"/>
+          </a:fillRef>
+          <a:effectRef idx="0">
+            <a:schemeClr val="accent1"/>
+          </a:effectRef>
+          <a:fontRef idx="minor">
+            <a:schemeClr val="tx1"/>
+          </a:fontRef>
+        </p:style>
+      </p:cxnSp>
+      <p:cxnSp>
+        <p:nvCxnSpPr>
+          <p:cNvPr id="462" name="Прямая со стрелкой 461">
+            <a:extLst>
+              <a:ext uri="{FF2B5EF4-FFF2-40B4-BE49-F238E27FC236}">
+                <a16:creationId xmlns:a16="http://schemas.microsoft.com/office/drawing/2014/main" id="{B7E87DAF-0644-4712-9EBE-25466AA26420}"/>
+              </a:ext>
+            </a:extLst>
+          </p:cNvPr>
+          <p:cNvCxnSpPr>
+            <a:cxnSpLocks/>
+            <a:stCxn id="448" idx="2"/>
+            <a:endCxn id="451" idx="0"/>
+          </p:cNvCxnSpPr>
+          <p:nvPr/>
+        </p:nvCxnSpPr>
+        <p:spPr>
+          <a:xfrm flipH="1">
+            <a:off x="20409724" y="23688213"/>
+            <a:ext cx="1" cy="270432"/>
+          </a:xfrm>
+          <a:prstGeom prst="straightConnector1">
+            <a:avLst/>
+          </a:prstGeom>
+          <a:ln w="19050">
+            <a:tailEnd type="arrow"/>
+          </a:ln>
+        </p:spPr>
+        <p:style>
+          <a:lnRef idx="1">
+            <a:schemeClr val="accent1"/>
+          </a:lnRef>
+          <a:fillRef idx="0">
+            <a:schemeClr val="accent1"/>
+          </a:fillRef>
+          <a:effectRef idx="0">
+            <a:schemeClr val="accent1"/>
+          </a:effectRef>
+          <a:fontRef idx="minor">
+            <a:schemeClr val="tx1"/>
+          </a:fontRef>
+        </p:style>
+      </p:cxnSp>
+      <p:cxnSp>
+        <p:nvCxnSpPr>
+          <p:cNvPr id="469" name="Соединительная линия уступом 620">
+            <a:extLst>
+              <a:ext uri="{FF2B5EF4-FFF2-40B4-BE49-F238E27FC236}">
+                <a16:creationId xmlns:a16="http://schemas.microsoft.com/office/drawing/2014/main" id="{4EF37DA1-3973-4270-9F98-9A68D54331C8}"/>
+              </a:ext>
+            </a:extLst>
+          </p:cNvPr>
+          <p:cNvCxnSpPr>
+            <a:cxnSpLocks/>
+            <a:stCxn id="436" idx="2"/>
+            <a:endCxn id="439" idx="0"/>
+          </p:cNvCxnSpPr>
+          <p:nvPr/>
+        </p:nvCxnSpPr>
+        <p:spPr>
+          <a:xfrm rot="5400000">
+            <a:off x="18751917" y="21886368"/>
+            <a:ext cx="325198" cy="595059"/>
+          </a:xfrm>
+          <a:prstGeom prst="bentConnector3">
+            <a:avLst>
+              <a:gd name="adj1" fmla="val 50000"/>
+            </a:avLst>
+          </a:prstGeom>
+          <a:ln w="19050">
+            <a:tailEnd type="arrow"/>
+          </a:ln>
+        </p:spPr>
+        <p:style>
+          <a:lnRef idx="1">
+            <a:schemeClr val="accent1"/>
+          </a:lnRef>
+          <a:fillRef idx="0">
+            <a:schemeClr val="accent1"/>
+          </a:fillRef>
+          <a:effectRef idx="0">
+            <a:schemeClr val="accent1"/>
+          </a:effectRef>
+          <a:fontRef idx="minor">
+            <a:schemeClr val="tx1"/>
+          </a:fontRef>
+        </p:style>
+      </p:cxnSp>
+      <p:cxnSp>
+        <p:nvCxnSpPr>
+          <p:cNvPr id="473" name="Прямая со стрелкой 472">
+            <a:extLst>
+              <a:ext uri="{FF2B5EF4-FFF2-40B4-BE49-F238E27FC236}">
+                <a16:creationId xmlns:a16="http://schemas.microsoft.com/office/drawing/2014/main" id="{80832430-E68F-4ACA-8AAF-A40E36E3F972}"/>
+              </a:ext>
+            </a:extLst>
+          </p:cNvPr>
+          <p:cNvCxnSpPr>
+            <a:cxnSpLocks/>
+            <a:stCxn id="436" idx="2"/>
+            <a:endCxn id="447" idx="0"/>
+          </p:cNvCxnSpPr>
+          <p:nvPr/>
+        </p:nvCxnSpPr>
+        <p:spPr>
+          <a:xfrm flipH="1">
+            <a:off x="19211323" y="22021298"/>
+            <a:ext cx="722" cy="1126088"/>
+          </a:xfrm>
+          <a:prstGeom prst="straightConnector1">
+            <a:avLst/>
+          </a:prstGeom>
+          <a:ln w="19050">
+            <a:tailEnd type="arrow"/>
+          </a:ln>
+        </p:spPr>
+        <p:style>
+          <a:lnRef idx="1">
+            <a:schemeClr val="accent1"/>
+          </a:lnRef>
+          <a:fillRef idx="0">
+            <a:schemeClr val="accent1"/>
+          </a:fillRef>
+          <a:effectRef idx="0">
+            <a:schemeClr val="accent1"/>
+          </a:effectRef>
+          <a:fontRef idx="minor">
+            <a:schemeClr val="tx1"/>
+          </a:fontRef>
+        </p:style>
+      </p:cxnSp>
+      <p:sp>
+        <p:nvSpPr>
+          <p:cNvPr id="480" name="Прямоугольник 479">
+            <a:extLst>
+              <a:ext uri="{FF2B5EF4-FFF2-40B4-BE49-F238E27FC236}">
+                <a16:creationId xmlns:a16="http://schemas.microsoft.com/office/drawing/2014/main" id="{8A127E39-DEE4-4718-8D61-BEBB9B3C28A8}"/>
+              </a:ext>
+            </a:extLst>
+          </p:cNvPr>
+          <p:cNvSpPr/>
+          <p:nvPr/>
+        </p:nvSpPr>
+        <p:spPr>
+          <a:xfrm>
+            <a:off x="23543587" y="21478000"/>
+            <a:ext cx="926325" cy="540000"/>
+          </a:xfrm>
+          <a:prstGeom prst="rect">
+            <a:avLst/>
+          </a:prstGeom>
+          <a:solidFill>
+            <a:schemeClr val="accent1">
+              <a:lumMod val="60000"/>
+              <a:lumOff val="40000"/>
+            </a:schemeClr>
+          </a:solidFill>
+          <a:ln w="19050"/>
+        </p:spPr>
+        <p:style>
+          <a:lnRef idx="2">
+            <a:schemeClr val="accent1"/>
+          </a:lnRef>
+          <a:fillRef idx="1">
+            <a:schemeClr val="lt1"/>
+          </a:fillRef>
+          <a:effectRef idx="0">
+            <a:schemeClr val="accent1"/>
+          </a:effectRef>
+          <a:fontRef idx="minor">
+            <a:schemeClr val="dk1"/>
+          </a:fontRef>
+        </p:style>
+        <p:txBody>
+          <a:bodyPr lIns="124733" tIns="62367" rIns="124733" bIns="62367" rtlCol="0" anchor="ctr"/>
+          <a:lstStyle/>
+          <a:p>
+            <a:pPr algn="ctr"/>
+            <a:r>
+              <a:rPr lang="ru-RU" sz="700" dirty="0"/>
+              <a:t>Развитие Туниса</a:t>
+            </a:r>
+          </a:p>
+        </p:txBody>
+      </p:sp>
+      <p:cxnSp>
+        <p:nvCxnSpPr>
+          <p:cNvPr id="481" name="Соединительная линия уступом 620">
+            <a:extLst>
+              <a:ext uri="{FF2B5EF4-FFF2-40B4-BE49-F238E27FC236}">
+                <a16:creationId xmlns:a16="http://schemas.microsoft.com/office/drawing/2014/main" id="{2A742E05-2F6A-45CE-A8DC-FD048F9AA957}"/>
+              </a:ext>
+            </a:extLst>
+          </p:cNvPr>
+          <p:cNvCxnSpPr>
+            <a:cxnSpLocks/>
+            <a:stCxn id="161" idx="2"/>
+            <a:endCxn id="480" idx="0"/>
+          </p:cNvCxnSpPr>
+          <p:nvPr/>
+        </p:nvCxnSpPr>
+        <p:spPr>
+          <a:xfrm rot="16200000" flipH="1">
+            <a:off x="23277421" y="20748671"/>
+            <a:ext cx="317350" cy="1141307"/>
+          </a:xfrm>
+          <a:prstGeom prst="bentConnector3">
+            <a:avLst>
+              <a:gd name="adj1" fmla="val 50000"/>
+            </a:avLst>
+          </a:prstGeom>
+          <a:ln w="19050">
+            <a:tailEnd type="arrow"/>
+          </a:ln>
+        </p:spPr>
+        <p:style>
+          <a:lnRef idx="1">
+            <a:schemeClr val="accent1"/>
+          </a:lnRef>
+          <a:fillRef idx="0">
+            <a:schemeClr val="accent1"/>
+          </a:fillRef>
+          <a:effectRef idx="0">
+            <a:schemeClr val="accent1"/>
+          </a:effectRef>
+          <a:fontRef idx="minor">
+            <a:schemeClr val="tx1"/>
+          </a:fontRef>
+        </p:style>
+      </p:cxnSp>
+      <p:sp>
+        <p:nvSpPr>
+          <p:cNvPr id="486" name="Прямоугольник 485">
+            <a:extLst>
+              <a:ext uri="{FF2B5EF4-FFF2-40B4-BE49-F238E27FC236}">
+                <a16:creationId xmlns:a16="http://schemas.microsoft.com/office/drawing/2014/main" id="{9A3AF3F3-D010-41B2-9162-AE71EBC83987}"/>
+              </a:ext>
+            </a:extLst>
+          </p:cNvPr>
+          <p:cNvSpPr/>
+          <p:nvPr/>
+        </p:nvSpPr>
+        <p:spPr>
+          <a:xfrm>
+            <a:off x="21798535" y="22329516"/>
+            <a:ext cx="926325" cy="540000"/>
+          </a:xfrm>
+          <a:prstGeom prst="rect">
+            <a:avLst/>
+          </a:prstGeom>
+          <a:solidFill>
+            <a:schemeClr val="accent1">
+              <a:lumMod val="60000"/>
+              <a:lumOff val="40000"/>
+            </a:schemeClr>
+          </a:solidFill>
+          <a:ln w="19050"/>
+        </p:spPr>
+        <p:style>
+          <a:lnRef idx="2">
+            <a:schemeClr val="accent1"/>
+          </a:lnRef>
+          <a:fillRef idx="1">
+            <a:schemeClr val="lt1"/>
+          </a:fillRef>
+          <a:effectRef idx="0">
+            <a:schemeClr val="accent1"/>
+          </a:effectRef>
+          <a:fontRef idx="minor">
+            <a:schemeClr val="dk1"/>
+          </a:fontRef>
+        </p:style>
+        <p:txBody>
+          <a:bodyPr lIns="124733" tIns="62367" rIns="124733" bIns="62367" rtlCol="0" anchor="ctr"/>
+          <a:lstStyle/>
+          <a:p>
+            <a:pPr algn="ctr"/>
+            <a:r>
+              <a:rPr lang="ru-RU" sz="700" dirty="0"/>
+              <a:t>Поддержка новых союзников</a:t>
+            </a:r>
+          </a:p>
+        </p:txBody>
+      </p:sp>
+      <p:sp>
+        <p:nvSpPr>
+          <p:cNvPr id="496" name="Прямоугольник 495">
+            <a:extLst>
+              <a:ext uri="{FF2B5EF4-FFF2-40B4-BE49-F238E27FC236}">
+                <a16:creationId xmlns:a16="http://schemas.microsoft.com/office/drawing/2014/main" id="{99961F1C-11D2-4B2E-8CEE-49BE37950F35}"/>
+              </a:ext>
+            </a:extLst>
+          </p:cNvPr>
+          <p:cNvSpPr/>
+          <p:nvPr/>
+        </p:nvSpPr>
+        <p:spPr>
+          <a:xfrm>
+            <a:off x="20592128" y="22344065"/>
+            <a:ext cx="926325" cy="540000"/>
+          </a:xfrm>
+          <a:prstGeom prst="rect">
+            <a:avLst/>
+          </a:prstGeom>
+          <a:solidFill>
+            <a:schemeClr val="accent1">
+              <a:lumMod val="60000"/>
+              <a:lumOff val="40000"/>
+            </a:schemeClr>
+          </a:solidFill>
+          <a:ln w="19050"/>
+        </p:spPr>
+        <p:style>
+          <a:lnRef idx="2">
+            <a:schemeClr val="accent1"/>
+          </a:lnRef>
+          <a:fillRef idx="1">
+            <a:schemeClr val="lt1"/>
+          </a:fillRef>
+          <a:effectRef idx="0">
+            <a:schemeClr val="accent1"/>
+          </a:effectRef>
+          <a:fontRef idx="minor">
+            <a:schemeClr val="dk1"/>
+          </a:fontRef>
+        </p:style>
+        <p:txBody>
+          <a:bodyPr lIns="124733" tIns="62367" rIns="124733" bIns="62367" rtlCol="0" anchor="ctr"/>
+          <a:lstStyle/>
+          <a:p>
+            <a:pPr algn="ctr"/>
+            <a:r>
+              <a:rPr lang="ru-RU" sz="700" dirty="0"/>
+              <a:t>Консолидация Африканских федераций</a:t>
+            </a:r>
+          </a:p>
+        </p:txBody>
+      </p:sp>
+      <p:cxnSp>
+        <p:nvCxnSpPr>
+          <p:cNvPr id="497" name="Соединительная линия уступом 620">
+            <a:extLst>
+              <a:ext uri="{FF2B5EF4-FFF2-40B4-BE49-F238E27FC236}">
+                <a16:creationId xmlns:a16="http://schemas.microsoft.com/office/drawing/2014/main" id="{550A241F-0D95-4275-BE65-CE53FB6DDFBA}"/>
+              </a:ext>
+            </a:extLst>
+          </p:cNvPr>
+          <p:cNvCxnSpPr>
+            <a:cxnSpLocks/>
+            <a:stCxn id="161" idx="2"/>
+            <a:endCxn id="496" idx="0"/>
+          </p:cNvCxnSpPr>
+          <p:nvPr/>
+        </p:nvCxnSpPr>
+        <p:spPr>
+          <a:xfrm rot="5400000">
+            <a:off x="21368660" y="20847281"/>
+            <a:ext cx="1183415" cy="1810152"/>
+          </a:xfrm>
+          <a:prstGeom prst="bentConnector3">
+            <a:avLst>
+              <a:gd name="adj1" fmla="val 13489"/>
+            </a:avLst>
+          </a:prstGeom>
+          <a:ln w="19050">
+            <a:tailEnd type="arrow"/>
+          </a:ln>
+        </p:spPr>
+        <p:style>
+          <a:lnRef idx="1">
+            <a:schemeClr val="accent1"/>
+          </a:lnRef>
+          <a:fillRef idx="0">
+            <a:schemeClr val="accent1"/>
+          </a:fillRef>
+          <a:effectRef idx="0">
+            <a:schemeClr val="accent1"/>
+          </a:effectRef>
+          <a:fontRef idx="minor">
+            <a:schemeClr val="tx1"/>
+          </a:fontRef>
+        </p:style>
+      </p:cxnSp>
+      <p:cxnSp>
+        <p:nvCxnSpPr>
+          <p:cNvPr id="501" name="Соединительная линия уступом 620">
+            <a:extLst>
+              <a:ext uri="{FF2B5EF4-FFF2-40B4-BE49-F238E27FC236}">
+                <a16:creationId xmlns:a16="http://schemas.microsoft.com/office/drawing/2014/main" id="{3F38A29B-AA21-4D18-90FC-4D17CA9AF4DF}"/>
+              </a:ext>
+            </a:extLst>
+          </p:cNvPr>
+          <p:cNvCxnSpPr>
+            <a:cxnSpLocks/>
+            <a:stCxn id="367" idx="2"/>
+            <a:endCxn id="486" idx="0"/>
+          </p:cNvCxnSpPr>
+          <p:nvPr/>
+        </p:nvCxnSpPr>
+        <p:spPr>
+          <a:xfrm rot="5400000">
+            <a:off x="22409509" y="21873582"/>
+            <a:ext cx="308123" cy="603744"/>
+          </a:xfrm>
+          <a:prstGeom prst="bentConnector3">
+            <a:avLst>
+              <a:gd name="adj1" fmla="val 50000"/>
+            </a:avLst>
+          </a:prstGeom>
+          <a:ln w="19050">
+            <a:tailEnd type="arrow"/>
+          </a:ln>
+        </p:spPr>
+        <p:style>
+          <a:lnRef idx="1">
+            <a:schemeClr val="accent1"/>
+          </a:lnRef>
+          <a:fillRef idx="0">
+            <a:schemeClr val="accent1"/>
+          </a:fillRef>
+          <a:effectRef idx="0">
+            <a:schemeClr val="accent1"/>
+          </a:effectRef>
+          <a:fontRef idx="minor">
+            <a:schemeClr val="tx1"/>
+          </a:fontRef>
+        </p:style>
+      </p:cxnSp>
+      <p:cxnSp>
+        <p:nvCxnSpPr>
+          <p:cNvPr id="504" name="Соединительная линия уступом 620">
+            <a:extLst>
+              <a:ext uri="{FF2B5EF4-FFF2-40B4-BE49-F238E27FC236}">
+                <a16:creationId xmlns:a16="http://schemas.microsoft.com/office/drawing/2014/main" id="{093807EE-E6AF-4460-956A-E26C995208EC}"/>
+              </a:ext>
+            </a:extLst>
+          </p:cNvPr>
+          <p:cNvCxnSpPr>
+            <a:cxnSpLocks/>
+            <a:stCxn id="403" idx="2"/>
+            <a:endCxn id="486" idx="0"/>
+          </p:cNvCxnSpPr>
+          <p:nvPr/>
+        </p:nvCxnSpPr>
+        <p:spPr>
+          <a:xfrm rot="16200000" flipH="1">
+            <a:off x="21784090" y="21851907"/>
+            <a:ext cx="308219" cy="646997"/>
+          </a:xfrm>
+          <a:prstGeom prst="bentConnector3">
+            <a:avLst>
+              <a:gd name="adj1" fmla="val 50000"/>
+            </a:avLst>
+          </a:prstGeom>
+          <a:ln w="19050">
+            <a:tailEnd type="arrow"/>
+          </a:ln>
+        </p:spPr>
+        <p:style>
+          <a:lnRef idx="1">
+            <a:schemeClr val="accent1"/>
+          </a:lnRef>
+          <a:fillRef idx="0">
+            <a:schemeClr val="accent1"/>
+          </a:fillRef>
+          <a:effectRef idx="0">
+            <a:schemeClr val="accent1"/>
+          </a:effectRef>
+          <a:fontRef idx="minor">
+            <a:schemeClr val="tx1"/>
+          </a:fontRef>
+        </p:style>
+      </p:cxnSp>
+      <p:sp>
+        <p:nvSpPr>
+          <p:cNvPr id="509" name="Прямоугольник 508">
+            <a:extLst>
+              <a:ext uri="{FF2B5EF4-FFF2-40B4-BE49-F238E27FC236}">
+                <a16:creationId xmlns:a16="http://schemas.microsoft.com/office/drawing/2014/main" id="{EB3D0D90-85F3-4A2C-A509-DF291CC734EA}"/>
+              </a:ext>
+            </a:extLst>
+          </p:cNvPr>
+          <p:cNvSpPr/>
+          <p:nvPr/>
+        </p:nvSpPr>
+        <p:spPr>
+          <a:xfrm>
+            <a:off x="22401454" y="23151943"/>
+            <a:ext cx="926325" cy="540000"/>
+          </a:xfrm>
+          <a:prstGeom prst="rect">
+            <a:avLst/>
+          </a:prstGeom>
+          <a:solidFill>
+            <a:schemeClr val="accent1">
+              <a:lumMod val="60000"/>
+              <a:lumOff val="40000"/>
+            </a:schemeClr>
+          </a:solidFill>
+          <a:ln w="19050"/>
+        </p:spPr>
+        <p:style>
+          <a:lnRef idx="2">
+            <a:schemeClr val="accent1"/>
+          </a:lnRef>
+          <a:fillRef idx="1">
+            <a:schemeClr val="lt1"/>
+          </a:fillRef>
+          <a:effectRef idx="0">
+            <a:schemeClr val="accent1"/>
+          </a:effectRef>
+          <a:fontRef idx="minor">
+            <a:schemeClr val="dk1"/>
+          </a:fontRef>
+        </p:style>
+        <p:txBody>
+          <a:bodyPr lIns="124733" tIns="62367" rIns="124733" bIns="62367" rtlCol="0" anchor="ctr"/>
+          <a:lstStyle/>
+          <a:p>
+            <a:pPr algn="ctr"/>
+            <a:r>
+              <a:rPr lang="ru-RU" sz="700" dirty="0"/>
+              <a:t>Поддержать иммиграцию французов</a:t>
+            </a:r>
+          </a:p>
+        </p:txBody>
+      </p:sp>
+      <p:cxnSp>
+        <p:nvCxnSpPr>
+          <p:cNvPr id="510" name="Прямая со стрелкой 509">
+            <a:extLst>
+              <a:ext uri="{FF2B5EF4-FFF2-40B4-BE49-F238E27FC236}">
+                <a16:creationId xmlns:a16="http://schemas.microsoft.com/office/drawing/2014/main" id="{C1AD3F9F-74E0-4A6C-AD79-81E1D228644C}"/>
+              </a:ext>
+            </a:extLst>
+          </p:cNvPr>
+          <p:cNvCxnSpPr>
+            <a:cxnSpLocks/>
+            <a:stCxn id="367" idx="2"/>
+            <a:endCxn id="509" idx="0"/>
+          </p:cNvCxnSpPr>
+          <p:nvPr/>
+        </p:nvCxnSpPr>
+        <p:spPr>
+          <a:xfrm flipH="1">
+            <a:off x="22864617" y="22021393"/>
+            <a:ext cx="825" cy="1130550"/>
+          </a:xfrm>
+          <a:prstGeom prst="straightConnector1">
+            <a:avLst/>
+          </a:prstGeom>
+          <a:ln w="19050">
+            <a:tailEnd type="arrow"/>
+          </a:ln>
+        </p:spPr>
+        <p:style>
+          <a:lnRef idx="1">
+            <a:schemeClr val="accent1"/>
+          </a:lnRef>
+          <a:fillRef idx="0">
+            <a:schemeClr val="accent1"/>
+          </a:fillRef>
+          <a:effectRef idx="0">
+            <a:schemeClr val="accent1"/>
+          </a:effectRef>
+          <a:fontRef idx="minor">
+            <a:schemeClr val="tx1"/>
+          </a:fontRef>
+        </p:style>
+      </p:cxnSp>
+      <p:cxnSp>
+        <p:nvCxnSpPr>
+          <p:cNvPr id="512" name="Прямая со стрелкой 511">
+            <a:extLst>
+              <a:ext uri="{FF2B5EF4-FFF2-40B4-BE49-F238E27FC236}">
+                <a16:creationId xmlns:a16="http://schemas.microsoft.com/office/drawing/2014/main" id="{F1B43F65-F418-4A7C-83E4-A75E6B3E5BB9}"/>
+              </a:ext>
+            </a:extLst>
+          </p:cNvPr>
+          <p:cNvCxnSpPr>
+            <a:cxnSpLocks/>
+            <a:stCxn id="393" idx="2"/>
+            <a:endCxn id="394" idx="0"/>
+          </p:cNvCxnSpPr>
+          <p:nvPr/>
+        </p:nvCxnSpPr>
+        <p:spPr>
+          <a:xfrm flipH="1">
+            <a:off x="17411403" y="19619209"/>
+            <a:ext cx="1428" cy="1002875"/>
+          </a:xfrm>
+          <a:prstGeom prst="straightConnector1">
+            <a:avLst/>
+          </a:prstGeom>
+          <a:ln w="19050">
+            <a:tailEnd type="arrow"/>
+          </a:ln>
+        </p:spPr>
+        <p:style>
+          <a:lnRef idx="1">
+            <a:schemeClr val="accent1"/>
+          </a:lnRef>
+          <a:fillRef idx="0">
+            <a:schemeClr val="accent1"/>
+          </a:fillRef>
+          <a:effectRef idx="0">
+            <a:schemeClr val="accent1"/>
+          </a:effectRef>
+          <a:fontRef idx="minor">
+            <a:schemeClr val="tx1"/>
+          </a:fontRef>
+        </p:style>
+      </p:cxnSp>
+      <p:cxnSp>
+        <p:nvCxnSpPr>
+          <p:cNvPr id="513" name="Прямая со стрелкой 512">
+            <a:extLst>
+              <a:ext uri="{FF2B5EF4-FFF2-40B4-BE49-F238E27FC236}">
+                <a16:creationId xmlns:a16="http://schemas.microsoft.com/office/drawing/2014/main" id="{EF6E0537-231B-4069-8447-1C070E7A5006}"/>
+              </a:ext>
+            </a:extLst>
+          </p:cNvPr>
+          <p:cNvCxnSpPr>
+            <a:cxnSpLocks/>
+            <a:stCxn id="385" idx="2"/>
+            <a:endCxn id="390" idx="0"/>
+          </p:cNvCxnSpPr>
+          <p:nvPr/>
+        </p:nvCxnSpPr>
+        <p:spPr>
+          <a:xfrm>
+            <a:off x="19831336" y="19620913"/>
+            <a:ext cx="0" cy="998628"/>
           </a:xfrm>
           <a:prstGeom prst="straightConnector1">
             <a:avLst/>

--- a/Наработки/диздоки/Франция/Франция.pptx
+++ b/Наработки/диздоки/Франция/Франция.pptx
@@ -209,7 +209,7 @@
             <a:fld id="{33E3D7F9-E251-484C-A6FF-FA958879DF69}" type="datetimeFigureOut">
               <a:rPr lang="ru-RU" smtClean="0"/>
               <a:pPr/>
-              <a:t>22.03.2024</a:t>
+              <a:t>25.03.2024</a:t>
             </a:fld>
             <a:endParaRPr lang="ru-RU"/>
           </a:p>
@@ -699,7 +699,7 @@
             <a:fld id="{85A5DE44-605B-4D3B-B2B7-94543DF81A36}" type="datetimeFigureOut">
               <a:rPr lang="ru-RU" smtClean="0"/>
               <a:pPr/>
-              <a:t>22.03.2024</a:t>
+              <a:t>25.03.2024</a:t>
             </a:fld>
             <a:endParaRPr lang="ru-RU"/>
           </a:p>
@@ -871,7 +871,7 @@
             <a:fld id="{85A5DE44-605B-4D3B-B2B7-94543DF81A36}" type="datetimeFigureOut">
               <a:rPr lang="ru-RU" smtClean="0"/>
               <a:pPr/>
-              <a:t>22.03.2024</a:t>
+              <a:t>25.03.2024</a:t>
             </a:fld>
             <a:endParaRPr lang="ru-RU"/>
           </a:p>
@@ -1053,7 +1053,7 @@
             <a:fld id="{85A5DE44-605B-4D3B-B2B7-94543DF81A36}" type="datetimeFigureOut">
               <a:rPr lang="ru-RU" smtClean="0"/>
               <a:pPr/>
-              <a:t>22.03.2024</a:t>
+              <a:t>25.03.2024</a:t>
             </a:fld>
             <a:endParaRPr lang="ru-RU"/>
           </a:p>
@@ -1225,7 +1225,7 @@
             <a:fld id="{85A5DE44-605B-4D3B-B2B7-94543DF81A36}" type="datetimeFigureOut">
               <a:rPr lang="ru-RU" smtClean="0"/>
               <a:pPr/>
-              <a:t>22.03.2024</a:t>
+              <a:t>25.03.2024</a:t>
             </a:fld>
             <a:endParaRPr lang="ru-RU"/>
           </a:p>
@@ -1473,7 +1473,7 @@
             <a:fld id="{85A5DE44-605B-4D3B-B2B7-94543DF81A36}" type="datetimeFigureOut">
               <a:rPr lang="ru-RU" smtClean="0"/>
               <a:pPr/>
-              <a:t>22.03.2024</a:t>
+              <a:t>25.03.2024</a:t>
             </a:fld>
             <a:endParaRPr lang="ru-RU"/>
           </a:p>
@@ -1707,7 +1707,7 @@
             <a:fld id="{85A5DE44-605B-4D3B-B2B7-94543DF81A36}" type="datetimeFigureOut">
               <a:rPr lang="ru-RU" smtClean="0"/>
               <a:pPr/>
-              <a:t>22.03.2024</a:t>
+              <a:t>25.03.2024</a:t>
             </a:fld>
             <a:endParaRPr lang="ru-RU"/>
           </a:p>
@@ -2076,7 +2076,7 @@
             <a:fld id="{85A5DE44-605B-4D3B-B2B7-94543DF81A36}" type="datetimeFigureOut">
               <a:rPr lang="ru-RU" smtClean="0"/>
               <a:pPr/>
-              <a:t>22.03.2024</a:t>
+              <a:t>25.03.2024</a:t>
             </a:fld>
             <a:endParaRPr lang="ru-RU"/>
           </a:p>
@@ -2196,7 +2196,7 @@
             <a:fld id="{85A5DE44-605B-4D3B-B2B7-94543DF81A36}" type="datetimeFigureOut">
               <a:rPr lang="ru-RU" smtClean="0"/>
               <a:pPr/>
-              <a:t>22.03.2024</a:t>
+              <a:t>25.03.2024</a:t>
             </a:fld>
             <a:endParaRPr lang="ru-RU"/>
           </a:p>
@@ -2293,7 +2293,7 @@
             <a:fld id="{85A5DE44-605B-4D3B-B2B7-94543DF81A36}" type="datetimeFigureOut">
               <a:rPr lang="ru-RU" smtClean="0"/>
               <a:pPr/>
-              <a:t>22.03.2024</a:t>
+              <a:t>25.03.2024</a:t>
             </a:fld>
             <a:endParaRPr lang="ru-RU"/>
           </a:p>
@@ -2572,7 +2572,7 @@
             <a:fld id="{85A5DE44-605B-4D3B-B2B7-94543DF81A36}" type="datetimeFigureOut">
               <a:rPr lang="ru-RU" smtClean="0"/>
               <a:pPr/>
-              <a:t>22.03.2024</a:t>
+              <a:t>25.03.2024</a:t>
             </a:fld>
             <a:endParaRPr lang="ru-RU"/>
           </a:p>
@@ -2831,7 +2831,7 @@
             <a:fld id="{85A5DE44-605B-4D3B-B2B7-94543DF81A36}" type="datetimeFigureOut">
               <a:rPr lang="ru-RU" smtClean="0"/>
               <a:pPr/>
-              <a:t>22.03.2024</a:t>
+              <a:t>25.03.2024</a:t>
             </a:fld>
             <a:endParaRPr lang="ru-RU"/>
           </a:p>
@@ -3046,7 +3046,7 @@
             <a:fld id="{85A5DE44-605B-4D3B-B2B7-94543DF81A36}" type="datetimeFigureOut">
               <a:rPr lang="ru-RU" smtClean="0"/>
               <a:pPr/>
-              <a:t>22.03.2024</a:t>
+              <a:t>25.03.2024</a:t>
             </a:fld>
             <a:endParaRPr lang="ru-RU"/>
           </a:p>
@@ -9529,65 +9529,6 @@
           </a:fontRef>
         </p:style>
       </p:cxnSp>
-      <p:sp>
-        <p:nvSpPr>
-          <p:cNvPr id="174" name="Прямоугольник 173">
-            <a:extLst>
-              <a:ext uri="{FF2B5EF4-FFF2-40B4-BE49-F238E27FC236}">
-                <a16:creationId xmlns:a16="http://schemas.microsoft.com/office/drawing/2014/main" id="{1B9610BC-BEAD-42BE-A81A-905822006B53}"/>
-              </a:ext>
-            </a:extLst>
-          </p:cNvPr>
-          <p:cNvSpPr/>
-          <p:nvPr/>
-        </p:nvSpPr>
-        <p:spPr>
-          <a:xfrm>
-            <a:off x="22180755" y="5335731"/>
-            <a:ext cx="926325" cy="540000"/>
-          </a:xfrm>
-          <a:prstGeom prst="rect">
-            <a:avLst/>
-          </a:prstGeom>
-          <a:solidFill>
-            <a:schemeClr val="accent6">
-              <a:lumMod val="60000"/>
-              <a:lumOff val="40000"/>
-            </a:schemeClr>
-          </a:solidFill>
-          <a:ln w="19050"/>
-        </p:spPr>
-        <p:style>
-          <a:lnRef idx="2">
-            <a:schemeClr val="accent1"/>
-          </a:lnRef>
-          <a:fillRef idx="1">
-            <a:schemeClr val="lt1"/>
-          </a:fillRef>
-          <a:effectRef idx="0">
-            <a:schemeClr val="accent1"/>
-          </a:effectRef>
-          <a:fontRef idx="minor">
-            <a:schemeClr val="dk1"/>
-          </a:fontRef>
-        </p:style>
-        <p:txBody>
-          <a:bodyPr lIns="124733" tIns="62367" rIns="124733" bIns="62367" rtlCol="0" anchor="ctr"/>
-          <a:lstStyle/>
-          <a:p>
-            <a:pPr algn="ctr"/>
-            <a:r>
-              <a:rPr lang="ru-RU" sz="700" dirty="0"/>
-              <a:t>Кабинет Эдуарда </a:t>
-            </a:r>
-            <a:r>
-              <a:rPr lang="ru-RU" sz="700" dirty="0" err="1"/>
-              <a:t>Деладье</a:t>
-            </a:r>
-            <a:endParaRPr lang="ru-RU" sz="700" dirty="0"/>
-          </a:p>
-        </p:txBody>
-      </p:sp>
       <p:cxnSp>
         <p:nvCxnSpPr>
           <p:cNvPr id="181" name="Соединительная линия уступом 595">
@@ -9725,29 +9666,14 @@
           <a:p>
             <a:pPr algn="ctr"/>
             <a:r>
+              <a:rPr lang="ru-RU" sz="700" dirty="0"/>
+              <a:t>Запустить в производство </a:t>
+            </a:r>
+            <a:r>
               <a:rPr lang="en-US" sz="700" dirty="0"/>
-              <a:t>MAS-38 </a:t>
-            </a:r>
-            <a:r>
-              <a:rPr lang="ru-RU" sz="700" dirty="0"/>
-              <a:t>(пистолет-пулемёт, т.е. +</a:t>
-            </a:r>
-            <a:r>
-              <a:rPr lang="ru-RU" sz="700" dirty="0" err="1"/>
-              <a:t>техи</a:t>
-            </a:r>
-            <a:r>
-              <a:rPr lang="ru-RU" sz="700" dirty="0"/>
-              <a:t> на </a:t>
-            </a:r>
-            <a:r>
-              <a:rPr lang="ru-RU" sz="700" dirty="0" err="1"/>
-              <a:t>доп</a:t>
-            </a:r>
-            <a:r>
-              <a:rPr lang="ru-RU" sz="700" dirty="0"/>
-              <a:t>)</a:t>
-            </a:r>
+              <a:t>MAS-38</a:t>
+            </a:r>
+            <a:endParaRPr lang="ru-RU" sz="700" dirty="0"/>
           </a:p>
         </p:txBody>
       </p:sp>
@@ -17518,51 +17444,6 @@
       </p:sp>
       <p:cxnSp>
         <p:nvCxnSpPr>
-          <p:cNvPr id="342" name="Соединительная линия уступом 620">
-            <a:extLst>
-              <a:ext uri="{FF2B5EF4-FFF2-40B4-BE49-F238E27FC236}">
-                <a16:creationId xmlns:a16="http://schemas.microsoft.com/office/drawing/2014/main" id="{AAA93477-EE0A-418B-B2F0-57D36BD451FE}"/>
-              </a:ext>
-            </a:extLst>
-          </p:cNvPr>
-          <p:cNvCxnSpPr>
-            <a:cxnSpLocks/>
-            <a:stCxn id="133" idx="2"/>
-            <a:endCxn id="174" idx="0"/>
-          </p:cNvCxnSpPr>
-          <p:nvPr/>
-        </p:nvCxnSpPr>
-        <p:spPr>
-          <a:xfrm rot="5400000">
-            <a:off x="22833202" y="4898854"/>
-            <a:ext cx="247594" cy="626161"/>
-          </a:xfrm>
-          <a:prstGeom prst="bentConnector3">
-            <a:avLst>
-              <a:gd name="adj1" fmla="val 50000"/>
-            </a:avLst>
-          </a:prstGeom>
-          <a:ln w="19050">
-            <a:tailEnd type="arrow"/>
-          </a:ln>
-        </p:spPr>
-        <p:style>
-          <a:lnRef idx="1">
-            <a:schemeClr val="accent1"/>
-          </a:lnRef>
-          <a:fillRef idx="0">
-            <a:schemeClr val="accent1"/>
-          </a:fillRef>
-          <a:effectRef idx="0">
-            <a:schemeClr val="accent1"/>
-          </a:effectRef>
-          <a:fontRef idx="minor">
-            <a:schemeClr val="tx1"/>
-          </a:fontRef>
-        </p:style>
-      </p:cxnSp>
-      <p:cxnSp>
-        <p:nvCxnSpPr>
           <p:cNvPr id="344" name="Прямая со стрелкой 343">
             <a:extLst>
               <a:ext uri="{FF2B5EF4-FFF2-40B4-BE49-F238E27FC236}">
@@ -19587,21 +19468,8 @@
             <a:pPr algn="ctr"/>
             <a:r>
               <a:rPr lang="ru-RU" sz="700" dirty="0"/>
-              <a:t>Тактика ежиной обороны </a:t>
-            </a:r>
-            <a:r>
-              <a:rPr lang="ru-RU" sz="100" dirty="0"/>
-              <a:t>(На военном языке « </a:t>
-            </a:r>
-            <a:r>
-              <a:rPr lang="ru-RU" sz="100" dirty="0" err="1"/>
-              <a:t>ёжная</a:t>
-            </a:r>
-            <a:r>
-              <a:rPr lang="ru-RU" sz="100" dirty="0"/>
-              <a:t> оборона» — это военная тактика защиты от нападения мобильной бронетехники или блицкрига . Защитники разворачиваются на укреплённых позициях, обеспечивающих оборону во всех направлениях. Атакующие могут проникнуть между этими « ежами », но каждая окруженная позиция продолжает сражаться. Это позволяет разместить большое количество атакующих войск для атаки хорошо защищенных позиций, в то же время позволяя обороняющимся успешно контратаковать подразделения, обходящие эти опорные пункты, с помощью собственных резервов бронетехники, отрезая их от элементов поддержки.)</a:t>
-            </a:r>
-            <a:endParaRPr lang="ru-RU" sz="700" dirty="0"/>
+              <a:t>Тактика ежиной обороны</a:t>
+            </a:r>
           </a:p>
         </p:txBody>
       </p:sp>
@@ -19698,15 +19566,7 @@
             <a:pPr algn="ctr"/>
             <a:r>
               <a:rPr lang="ru-RU" sz="700" dirty="0"/>
-              <a:t>Моторизация армии (тут лёгкие танки и </a:t>
-            </a:r>
-            <a:r>
-              <a:rPr lang="ru-RU" sz="700" dirty="0" err="1"/>
-              <a:t>автобронь</a:t>
-            </a:r>
-            <a:r>
-              <a:rPr lang="ru-RU" sz="700" dirty="0"/>
-              <a:t>)</a:t>
+              <a:t>Моторизация армии</a:t>
             </a:r>
           </a:p>
         </p:txBody>
@@ -19853,13 +19713,8 @@
             <a:pPr algn="ctr"/>
             <a:r>
               <a:rPr lang="ru-RU" sz="700" dirty="0"/>
-              <a:t>Переподготовка старших офицеров </a:t>
-            </a:r>
-            <a:r>
-              <a:rPr lang="ru-RU" sz="200" dirty="0"/>
-              <a:t>(Заботясь о подготовке старших офицеров, он приказал всем поступающим в Высшее военное училище пройти предварительную подготовку в танковых и авиационных частях)</a:t>
-            </a:r>
-            <a:endParaRPr lang="ru-RU" sz="700" dirty="0"/>
+              <a:t>Переподготовка старших офицеров</a:t>
+            </a:r>
           </a:p>
         </p:txBody>
       </p:sp>
@@ -20216,35 +20071,7 @@
             <a:pPr algn="ctr"/>
             <a:r>
               <a:rPr lang="en-US" sz="700" dirty="0"/>
-              <a:t>Grand battery </a:t>
-            </a:r>
-            <a:r>
-              <a:rPr lang="en-US" sz="300" dirty="0"/>
-              <a:t>(</a:t>
-            </a:r>
-            <a:r>
-              <a:rPr lang="ru-RU" sz="300" dirty="0"/>
-              <a:t>Гранд-батарея ( </a:t>
-            </a:r>
-            <a:r>
-              <a:rPr lang="ru-RU" sz="300" dirty="0" err="1"/>
-              <a:t>Grande</a:t>
-            </a:r>
-            <a:r>
-              <a:rPr lang="ru-RU" sz="300" dirty="0"/>
-              <a:t> </a:t>
-            </a:r>
-            <a:r>
-              <a:rPr lang="ru-RU" sz="300" dirty="0" err="1"/>
-              <a:t>Batterie</a:t>
-            </a:r>
-            <a:r>
-              <a:rPr lang="ru-RU" sz="300" dirty="0"/>
-              <a:t> , что означает большая или великая батарея) — французская артиллерийская тактика времен Наполеоновских войн . Он предполагал объединение всех имеющихся батарей в одну большую временную и концентрацию огневой мощи их орудий в одной точке линии противника.</a:t>
-            </a:r>
-            <a:r>
-              <a:rPr lang="en-US" sz="300" dirty="0"/>
-              <a:t>)</a:t>
+              <a:t>Grand battery</a:t>
             </a:r>
             <a:endParaRPr lang="ru-RU" sz="700" dirty="0"/>
           </a:p>
@@ -20934,33 +20761,8 @@
             <a:pPr algn="ctr"/>
             <a:r>
               <a:rPr lang="ru-RU" sz="700" dirty="0"/>
-              <a:t>Сконцентрироваться на выборе Луи Морена </a:t>
-            </a:r>
-            <a:r>
-              <a:rPr lang="ru-RU" sz="500" dirty="0"/>
-              <a:t>(тяжёлые</a:t>
-            </a:r>
-            <a:r>
-              <a:rPr lang="en-US" sz="500" dirty="0"/>
-              <a:t> B1</a:t>
-            </a:r>
-            <a:r>
-              <a:rPr lang="ru-RU" sz="500" dirty="0"/>
-              <a:t> и средние </a:t>
-            </a:r>
-            <a:r>
-              <a:rPr lang="en-US" sz="500" dirty="0" err="1"/>
-              <a:t>Rheno</a:t>
-            </a:r>
-            <a:r>
-              <a:rPr lang="en-US" sz="500" dirty="0"/>
-              <a:t> D2</a:t>
-            </a:r>
-            <a:r>
-              <a:rPr lang="ru-RU" sz="500" dirty="0"/>
-              <a:t> танки)</a:t>
-            </a:r>
-            <a:endParaRPr lang="ru-RU" sz="700" dirty="0"/>
+              <a:t>Сконцентрироваться на выборе Луи Морена</a:t>
+            </a:r>
           </a:p>
         </p:txBody>
       </p:sp>
@@ -21943,46 +21745,6 @@
             </a:r>
             <a:endParaRPr lang="ru-RU" sz="700" dirty="0"/>
           </a:p>
-          <a:p>
-            <a:pPr algn="ctr"/>
-            <a:r>
-              <a:rPr lang="ru-RU" sz="100" dirty="0"/>
-              <a:t>(После войны во время Конференции по разоружению военно-морского флота против него разгорелась оживленная полемика с англосаксами, в то время как он узаконил использование подводных лодок немцами в своей книге « Синтез военного флота» (1920). . Великая война серьезно повредила догме Махана: решающей битвы не произошло, и центральное место заняла гоночная война, которую вели немецкие подводные лодки . Отсюда и возрождение «Школы молодого поколения», которое </a:t>
-            </a:r>
-            <a:r>
-              <a:rPr lang="ru-RU" sz="100" dirty="0" err="1"/>
-              <a:t>Кастекс</a:t>
-            </a:r>
-            <a:r>
-              <a:rPr lang="ru-RU" sz="100" dirty="0"/>
-              <a:t>, ныне глава Исторической службы военно-морского флота , попытался опровергнуть в работе 1920 года. Он анализирует стратегическую роль, которую играли союзные линкоры, несмотря на их тактическое бездействие : на море они составляли первую линию обороны, за которой крейсеры и эсминцы могли посвятить себя защите коммуникаций. Поэтому даже виртуальная эскадренная война оставалась краеугольным камнем военно-морской стратегии . Эта презентация фактически разрушает классическую доктрину морской мощи . Несмотря на свои выступления против ослабляющего влияния Джулиана </a:t>
-            </a:r>
-            <a:r>
-              <a:rPr lang="ru-RU" sz="100" dirty="0" err="1"/>
-              <a:t>Корбетта</a:t>
-            </a:r>
-            <a:r>
-              <a:rPr lang="ru-RU" sz="100" dirty="0"/>
-              <a:t> , он молчаливо признавал, что защита коммуникаций имеет приоритет над решающей битвой, поскольку технический прогресс значительно усилил расовую войну. Он даже предполагает, что немцы, возможно, выиграли бы игру, если бы они практиковали объединение вооружений, </a:t>
-            </a:r>
-            <a:r>
-              <a:rPr lang="ru-RU" sz="100" dirty="0" err="1"/>
-              <a:t>задействуя</a:t>
-            </a:r>
-            <a:r>
-              <a:rPr lang="ru-RU" sz="100" dirty="0"/>
-              <a:t> как свои подводные лодки, так и линкоры: союзники, вынужденные направлять все свои ресурсы на эскадренную войну, больше не имели бы достаточного количества эскорта для эффективного ведения боевых действий. охранять конвои. Именно эту двойную стратегию </a:t>
-            </a:r>
-            <a:r>
-              <a:rPr lang="ru-RU" sz="100" dirty="0" err="1"/>
-              <a:t>Кастекс</a:t>
-            </a:r>
-            <a:r>
-              <a:rPr lang="ru-RU" sz="100" dirty="0"/>
-              <a:t> надеется увидеть принятой Францией, отсюда его противодействие ограничению подводных лодок во время Вашингтонской конференции 1922 года.)</a:t>
-            </a:r>
-            <a:endParaRPr lang="ru-RU" sz="700" dirty="0"/>
-          </a:p>
         </p:txBody>
       </p:sp>
       <p:sp>
@@ -22031,13 +21793,8 @@
             <a:pPr algn="ctr"/>
             <a:r>
               <a:rPr lang="ru-RU" sz="700" dirty="0"/>
-              <a:t>Строгая организация штабного командования </a:t>
-            </a:r>
-            <a:r>
-              <a:rPr lang="ru-RU" sz="200" dirty="0"/>
-              <a:t>(Впоследствии он выступал за строгую организацию командования в штабных вопросах (1923–1924) .)</a:t>
-            </a:r>
-            <a:endParaRPr lang="ru-RU" sz="700" dirty="0"/>
+              <a:t>Строгая организация штабного командования</a:t>
+            </a:r>
           </a:p>
         </p:txBody>
       </p:sp>
@@ -22199,45 +21956,8 @@
             <a:pPr algn="ctr"/>
             <a:r>
               <a:rPr lang="ru-RU" sz="700" dirty="0"/>
-              <a:t>Реструктуризация французской военно-морской системы </a:t>
-            </a:r>
-            <a:r>
-              <a:rPr lang="ru-RU" sz="100" dirty="0"/>
-              <a:t>(Вклад </a:t>
-            </a:r>
-            <a:r>
-              <a:rPr lang="ru-RU" sz="100" dirty="0" err="1"/>
-              <a:t>Кастекса</a:t>
-            </a:r>
-            <a:r>
-              <a:rPr lang="ru-RU" sz="100" dirty="0"/>
-              <a:t> многогранен: в колониальном вопросе он сожалеет о чрезмерном распылении Французской империи и выступает за </a:t>
-            </a:r>
-            <a:r>
-              <a:rPr lang="ru-RU" sz="100" dirty="0" err="1"/>
-              <a:t>евроафриканскую</a:t>
-            </a:r>
-            <a:r>
-              <a:rPr lang="ru-RU" sz="100" dirty="0"/>
-              <a:t> переориентацию. Он активно участвовал в Колледже перспективных исследований национальной обороны накануне Второй мировой войны. Предложенная им реструктуризация французской военно-морской системы (в 1939 году он был «Адмиралом-</a:t>
-            </a:r>
-            <a:r>
-              <a:rPr lang="ru-RU" sz="100" dirty="0" err="1"/>
-              <a:t>Нортом</a:t>
-            </a:r>
-            <a:r>
-              <a:rPr lang="ru-RU" sz="100" dirty="0"/>
-              <a:t>») не была принята, и, наоборот, его критика привела к его отстранению. Его помещают во 2-й отдел генерал-офицеров </a:t>
-            </a:r>
-            <a:r>
-              <a:rPr lang="ru-RU" sz="100" dirty="0" err="1"/>
-              <a:t>вноябрь</a:t>
-            </a:r>
-            <a:r>
-              <a:rPr lang="ru-RU" sz="100" dirty="0"/>
-              <a:t> 1939 г..)</a:t>
-            </a:r>
-            <a:endParaRPr lang="ru-RU" sz="700" dirty="0"/>
+              <a:t>Реструктуризация французской военно-морской системы</a:t>
+            </a:r>
           </a:p>
         </p:txBody>
       </p:sp>
@@ -22877,30 +22597,6 @@
             </a:r>
             <a:endParaRPr lang="ru-RU" sz="700" dirty="0"/>
           </a:p>
-          <a:p>
-            <a:pPr algn="ctr"/>
-            <a:r>
-              <a:rPr lang="ru-RU" sz="100" dirty="0"/>
-              <a:t>1920 году он был профессором Высшей морской школы Тулона, в 1927 году капитан </a:t>
-            </a:r>
-            <a:r>
-              <a:rPr lang="ru-RU" sz="100" dirty="0" err="1"/>
-              <a:t>Эстева</a:t>
-            </a:r>
-            <a:r>
-              <a:rPr lang="ru-RU" sz="100" dirty="0"/>
-              <a:t> решил пойти по новаторскому пути в зарождающейся морской авиации , что было оригинальным выбором для старшего офицера. Получив звание контр-адмирала в 1929 году , он был директором морской авиации, затем заместителем начальника штаба ВВС ( 1930 ), а затем стал вице-адмиралом в 1935 году . Он уехал на Дальний Восток , где был главнокомандующим военно-морскими силами [ 1 ] командовал несколькими кораблями, где поднял свой знак на крейсере «</a:t>
-            </a:r>
-            <a:r>
-              <a:rPr lang="ru-RU" sz="100" dirty="0" err="1"/>
-              <a:t>Ламот</a:t>
-            </a:r>
-            <a:r>
-              <a:rPr lang="ru-RU" sz="100" dirty="0"/>
-              <a:t>-Пике» . Его пребывание в Тихом океане привело его к регулярному посещению британских баз в Гонконге и Сингапуре , а также к тому, чтобы в полной мере оценить рост мощи японского императорского флота . По возвращении на материковую Францию ​​его универсальность и навыки позволили ему занять должность инспектора морских сил. В 1937 году ему было присвоено звание и звание адмирала. Впоследствии, в 1939 году, он принял командование французскими военно-морскими силами на Юге</a:t>
-            </a:r>
-            <a:endParaRPr lang="ru-RU" sz="500" dirty="0"/>
-          </a:p>
         </p:txBody>
       </p:sp>
       <p:cxnSp>
@@ -22994,37 +22690,8 @@
             <a:pPr algn="ctr"/>
             <a:r>
               <a:rPr lang="ru-RU" sz="700" dirty="0"/>
-              <a:t>Перейти на доктрину Молодой школы </a:t>
-            </a:r>
-            <a:r>
-              <a:rPr lang="ru-RU" sz="100" dirty="0"/>
-              <a:t>(Молодая школа — течение французской </a:t>
-            </a:r>
-            <a:r>
-              <a:rPr lang="ru-RU" sz="100" dirty="0" err="1"/>
-              <a:t>военно</a:t>
-            </a:r>
-            <a:r>
-              <a:rPr lang="ru-RU" sz="100" dirty="0"/>
-              <a:t> -морской мысли конца </a:t>
-            </a:r>
-            <a:r>
-              <a:rPr lang="ru-RU" sz="100" dirty="0" err="1"/>
-              <a:t>xix</a:t>
-            </a:r>
-            <a:r>
-              <a:rPr lang="ru-RU" sz="100" dirty="0"/>
-              <a:t> века . Он предлагает разрыв с традиционной доктриной того времени, которая заключалась в строительстве все более крупных лодок , напротив, в пользу использования меньших и более многочисленных </a:t>
-            </a:r>
-            <a:r>
-              <a:rPr lang="ru-RU" sz="100" dirty="0" err="1"/>
-              <a:t>лодок.Идеологические</a:t>
-            </a:r>
-            <a:r>
-              <a:rPr lang="ru-RU" sz="100" dirty="0"/>
-              <a:t> игры: торпедный катер становится воплощением малого, народа, побеждающего большого, богатого капиталиста, своего рода промышленным эквивалентом пастеровского микроба , способного победить самых крупных существ. Торпедный катер, за который выступает «молодая школа», станет инструментом республиканцев, а линкор — инструментом правых консерваторов.)</a:t>
-            </a:r>
-            <a:endParaRPr lang="ru-RU" sz="700" dirty="0"/>
+              <a:t>Перейти на доктрину Молодой школы</a:t>
+            </a:r>
           </a:p>
         </p:txBody>
       </p:sp>
@@ -23074,7 +22741,7 @@
             <a:pPr algn="ctr"/>
             <a:r>
               <a:rPr lang="ru-RU" sz="700" dirty="0"/>
-              <a:t>Направить усилие на строительство торпедоносцев</a:t>
+              <a:t>Направить усилия на строительство морской авиации</a:t>
             </a:r>
           </a:p>
         </p:txBody>
@@ -23215,7 +22882,7 @@
             <a:pPr algn="ctr"/>
             <a:r>
               <a:rPr lang="ru-RU" sz="700" dirty="0"/>
-              <a:t>Модернизация концепции малого флота (строительство эсминцев)</a:t>
+              <a:t>Модернизация концепции малого флота</a:t>
             </a:r>
           </a:p>
         </p:txBody>
@@ -23368,53 +23035,8 @@
             <a:pPr algn="ctr"/>
             <a:r>
               <a:rPr lang="ru-RU" sz="700" dirty="0"/>
-              <a:t>Разработать план блокады Великобритании </a:t>
-            </a:r>
-            <a:r>
-              <a:rPr lang="ru-RU" sz="100" dirty="0"/>
-              <a:t>(</a:t>
-            </a:r>
-            <a:r>
-              <a:rPr lang="ru-RU" sz="100" dirty="0" err="1"/>
-              <a:t>ПринципыЭта</a:t>
-            </a:r>
-            <a:r>
-              <a:rPr lang="ru-RU" sz="100" dirty="0"/>
-              <a:t> школа предлагает на военном уровне пять принципов, вокруг которых должен быть организован флот [ 6 ] .Преимущество обороны с точки зрения военно-морской </a:t>
-            </a:r>
-            <a:r>
-              <a:rPr lang="ru-RU" sz="100" dirty="0" err="1"/>
-              <a:t>стратегии,Разделение</a:t>
-            </a:r>
-            <a:r>
-              <a:rPr lang="ru-RU" sz="100" dirty="0"/>
-              <a:t> труда [ 7 ] ,Самые быстрые </a:t>
-            </a:r>
-            <a:r>
-              <a:rPr lang="ru-RU" sz="100" dirty="0" err="1"/>
-              <a:t>корабли,Корабли</a:t>
-            </a:r>
-            <a:r>
-              <a:rPr lang="ru-RU" sz="100" dirty="0"/>
-              <a:t> малого тоннажа , а не один большой </a:t>
-            </a:r>
-            <a:r>
-              <a:rPr lang="ru-RU" sz="100" dirty="0" err="1"/>
-              <a:t>тоннаж,Умножьте</a:t>
-            </a:r>
-            <a:r>
-              <a:rPr lang="ru-RU" sz="100" dirty="0"/>
-              <a:t> точки опоры вдоль </a:t>
-            </a:r>
-            <a:r>
-              <a:rPr lang="ru-RU" sz="100" dirty="0" err="1"/>
-              <a:t>побережий.На</a:t>
-            </a:r>
-            <a:r>
-              <a:rPr lang="ru-RU" sz="100" dirty="0"/>
-              <a:t> экономическом уровне эта школа отдает приоритет установлению морской блокады Британских островов : фактически, Великобритания, которая пожертвовала своим сельским хозяйством ради своей промышленности, импортирует более 50% своей пшеницы и заморского мяса; кроме того, торпедные катера, вооруженные в основном торпедами, могут потопить торговые суда и тем самым уморить Соединенное Королевство голодом.)</a:t>
-            </a:r>
-            <a:endParaRPr lang="ru-RU" sz="700" dirty="0"/>
+              <a:t>Разработать план блокады Великобритании</a:t>
+            </a:r>
           </a:p>
         </p:txBody>
       </p:sp>
@@ -23552,29 +23174,8 @@
             <a:pPr algn="ctr"/>
             <a:r>
               <a:rPr lang="ru-RU" sz="700" dirty="0"/>
-              <a:t>Разработать план противостоянии Японии </a:t>
-            </a:r>
-            <a:r>
-              <a:rPr lang="ru-RU" sz="300" dirty="0"/>
-              <a:t>(</a:t>
-            </a:r>
-            <a:r>
-              <a:rPr lang="ru-RU" sz="300" dirty="0" err="1"/>
-              <a:t>Эстева</a:t>
-            </a:r>
-            <a:r>
-              <a:rPr lang="ru-RU" sz="300" dirty="0"/>
-              <a:t> служил в </a:t>
-            </a:r>
-            <a:r>
-              <a:rPr lang="ru-RU" sz="300" dirty="0" err="1"/>
-              <a:t>индокитае</a:t>
-            </a:r>
-            <a:r>
-              <a:rPr lang="ru-RU" sz="300" dirty="0"/>
-              <a:t> и прекрасно знал об опасности флота Японии)</a:t>
-            </a:r>
-            <a:endParaRPr lang="ru-RU" sz="700" dirty="0"/>
+              <a:t>Разработать план противостоянии Японии</a:t>
+            </a:r>
           </a:p>
         </p:txBody>
       </p:sp>
@@ -23895,7 +23496,7 @@
             <a:pPr algn="ctr"/>
             <a:r>
               <a:rPr lang="ru-RU" sz="700" dirty="0"/>
-              <a:t>Развитие Туниса</a:t>
+              <a:t>Развитие Алжира</a:t>
             </a:r>
           </a:p>
         </p:txBody>
@@ -24121,7 +23722,7 @@
           </a:xfrm>
           <a:prstGeom prst="bentConnector3">
             <a:avLst>
-              <a:gd name="adj1" fmla="val 50000"/>
+              <a:gd name="adj1" fmla="val 48179"/>
             </a:avLst>
           </a:prstGeom>
           <a:ln w="19050">
@@ -24351,6 +23952,51 @@
           </a:xfrm>
           <a:prstGeom prst="straightConnector1">
             <a:avLst/>
+          </a:prstGeom>
+          <a:ln w="19050">
+            <a:tailEnd type="arrow"/>
+          </a:ln>
+        </p:spPr>
+        <p:style>
+          <a:lnRef idx="1">
+            <a:schemeClr val="accent1"/>
+          </a:lnRef>
+          <a:fillRef idx="0">
+            <a:schemeClr val="accent1"/>
+          </a:fillRef>
+          <a:effectRef idx="0">
+            <a:schemeClr val="accent1"/>
+          </a:effectRef>
+          <a:fontRef idx="minor">
+            <a:schemeClr val="tx1"/>
+          </a:fontRef>
+        </p:style>
+      </p:cxnSp>
+      <p:cxnSp>
+        <p:nvCxnSpPr>
+          <p:cNvPr id="419" name="Соединительная линия уступом 620">
+            <a:extLst>
+              <a:ext uri="{FF2B5EF4-FFF2-40B4-BE49-F238E27FC236}">
+                <a16:creationId xmlns:a16="http://schemas.microsoft.com/office/drawing/2014/main" id="{0C422678-D738-485A-8BF9-126FE2998194}"/>
+              </a:ext>
+            </a:extLst>
+          </p:cNvPr>
+          <p:cNvCxnSpPr>
+            <a:cxnSpLocks/>
+            <a:stCxn id="403" idx="2"/>
+            <a:endCxn id="509" idx="0"/>
+          </p:cNvCxnSpPr>
+          <p:nvPr/>
+        </p:nvCxnSpPr>
+        <p:spPr>
+          <a:xfrm rot="16200000" flipH="1">
+            <a:off x="21674336" y="21961662"/>
+            <a:ext cx="1130646" cy="1249916"/>
+          </a:xfrm>
+          <a:prstGeom prst="bentConnector3">
+            <a:avLst>
+              <a:gd name="adj1" fmla="val 13284"/>
+            </a:avLst>
           </a:prstGeom>
           <a:ln w="19050">
             <a:tailEnd type="arrow"/>

--- a/Наработки/диздоки/Франция/Франция.pptx
+++ b/Наработки/диздоки/Франция/Франция.pptx
@@ -209,7 +209,7 @@
             <a:fld id="{33E3D7F9-E251-484C-A6FF-FA958879DF69}" type="datetimeFigureOut">
               <a:rPr lang="ru-RU" smtClean="0"/>
               <a:pPr/>
-              <a:t>25.03.2024</a:t>
+              <a:t>26.03.2024</a:t>
             </a:fld>
             <a:endParaRPr lang="ru-RU"/>
           </a:p>
@@ -699,7 +699,7 @@
             <a:fld id="{85A5DE44-605B-4D3B-B2B7-94543DF81A36}" type="datetimeFigureOut">
               <a:rPr lang="ru-RU" smtClean="0"/>
               <a:pPr/>
-              <a:t>25.03.2024</a:t>
+              <a:t>26.03.2024</a:t>
             </a:fld>
             <a:endParaRPr lang="ru-RU"/>
           </a:p>
@@ -871,7 +871,7 @@
             <a:fld id="{85A5DE44-605B-4D3B-B2B7-94543DF81A36}" type="datetimeFigureOut">
               <a:rPr lang="ru-RU" smtClean="0"/>
               <a:pPr/>
-              <a:t>25.03.2024</a:t>
+              <a:t>26.03.2024</a:t>
             </a:fld>
             <a:endParaRPr lang="ru-RU"/>
           </a:p>
@@ -1053,7 +1053,7 @@
             <a:fld id="{85A5DE44-605B-4D3B-B2B7-94543DF81A36}" type="datetimeFigureOut">
               <a:rPr lang="ru-RU" smtClean="0"/>
               <a:pPr/>
-              <a:t>25.03.2024</a:t>
+              <a:t>26.03.2024</a:t>
             </a:fld>
             <a:endParaRPr lang="ru-RU"/>
           </a:p>
@@ -1225,7 +1225,7 @@
             <a:fld id="{85A5DE44-605B-4D3B-B2B7-94543DF81A36}" type="datetimeFigureOut">
               <a:rPr lang="ru-RU" smtClean="0"/>
               <a:pPr/>
-              <a:t>25.03.2024</a:t>
+              <a:t>26.03.2024</a:t>
             </a:fld>
             <a:endParaRPr lang="ru-RU"/>
           </a:p>
@@ -1473,7 +1473,7 @@
             <a:fld id="{85A5DE44-605B-4D3B-B2B7-94543DF81A36}" type="datetimeFigureOut">
               <a:rPr lang="ru-RU" smtClean="0"/>
               <a:pPr/>
-              <a:t>25.03.2024</a:t>
+              <a:t>26.03.2024</a:t>
             </a:fld>
             <a:endParaRPr lang="ru-RU"/>
           </a:p>
@@ -1707,7 +1707,7 @@
             <a:fld id="{85A5DE44-605B-4D3B-B2B7-94543DF81A36}" type="datetimeFigureOut">
               <a:rPr lang="ru-RU" smtClean="0"/>
               <a:pPr/>
-              <a:t>25.03.2024</a:t>
+              <a:t>26.03.2024</a:t>
             </a:fld>
             <a:endParaRPr lang="ru-RU"/>
           </a:p>
@@ -2076,7 +2076,7 @@
             <a:fld id="{85A5DE44-605B-4D3B-B2B7-94543DF81A36}" type="datetimeFigureOut">
               <a:rPr lang="ru-RU" smtClean="0"/>
               <a:pPr/>
-              <a:t>25.03.2024</a:t>
+              <a:t>26.03.2024</a:t>
             </a:fld>
             <a:endParaRPr lang="ru-RU"/>
           </a:p>
@@ -2196,7 +2196,7 @@
             <a:fld id="{85A5DE44-605B-4D3B-B2B7-94543DF81A36}" type="datetimeFigureOut">
               <a:rPr lang="ru-RU" smtClean="0"/>
               <a:pPr/>
-              <a:t>25.03.2024</a:t>
+              <a:t>26.03.2024</a:t>
             </a:fld>
             <a:endParaRPr lang="ru-RU"/>
           </a:p>
@@ -2293,7 +2293,7 @@
             <a:fld id="{85A5DE44-605B-4D3B-B2B7-94543DF81A36}" type="datetimeFigureOut">
               <a:rPr lang="ru-RU" smtClean="0"/>
               <a:pPr/>
-              <a:t>25.03.2024</a:t>
+              <a:t>26.03.2024</a:t>
             </a:fld>
             <a:endParaRPr lang="ru-RU"/>
           </a:p>
@@ -2572,7 +2572,7 @@
             <a:fld id="{85A5DE44-605B-4D3B-B2B7-94543DF81A36}" type="datetimeFigureOut">
               <a:rPr lang="ru-RU" smtClean="0"/>
               <a:pPr/>
-              <a:t>25.03.2024</a:t>
+              <a:t>26.03.2024</a:t>
             </a:fld>
             <a:endParaRPr lang="ru-RU"/>
           </a:p>
@@ -2831,7 +2831,7 @@
             <a:fld id="{85A5DE44-605B-4D3B-B2B7-94543DF81A36}" type="datetimeFigureOut">
               <a:rPr lang="ru-RU" smtClean="0"/>
               <a:pPr/>
-              <a:t>25.03.2024</a:t>
+              <a:t>26.03.2024</a:t>
             </a:fld>
             <a:endParaRPr lang="ru-RU"/>
           </a:p>
@@ -3046,7 +3046,7 @@
             <a:fld id="{85A5DE44-605B-4D3B-B2B7-94543DF81A36}" type="datetimeFigureOut">
               <a:rPr lang="ru-RU" smtClean="0"/>
               <a:pPr/>
-              <a:t>25.03.2024</a:t>
+              <a:t>26.03.2024</a:t>
             </a:fld>
             <a:endParaRPr lang="ru-RU"/>
           </a:p>
@@ -7105,7 +7105,10 @@
             <a:avLst/>
           </a:prstGeom>
           <a:solidFill>
-            <a:schemeClr val="bg1"/>
+            <a:schemeClr val="accent3">
+              <a:lumMod val="60000"/>
+              <a:lumOff val="40000"/>
+            </a:schemeClr>
           </a:solidFill>
           <a:ln w="19050"/>
         </p:spPr>
@@ -7804,7 +7807,7 @@
             <a:pPr algn="ctr"/>
             <a:r>
               <a:rPr lang="ru-RU" sz="700" dirty="0"/>
-              <a:t>Закрепить законопроекты для рабочих (с 7го по 19го июня)</a:t>
+              <a:t>Закрепить законопроекты для рабочих</a:t>
             </a:r>
           </a:p>
         </p:txBody>
@@ -9323,7 +9326,7 @@
             <a:pPr algn="ctr"/>
             <a:r>
               <a:rPr lang="ru-RU" sz="700" dirty="0"/>
-              <a:t>Обязательное обучение детей (с 29 июня по 3 июля)</a:t>
+              <a:t>Обязательное обучение детей</a:t>
             </a:r>
           </a:p>
         </p:txBody>
@@ -13848,7 +13851,7 @@
             <a:pPr algn="ctr"/>
             <a:r>
               <a:rPr lang="ru-RU" sz="700" dirty="0"/>
-              <a:t>Улучшение социального страхования (28 августа)</a:t>
+              <a:t>Улучшение социального страхования</a:t>
             </a:r>
           </a:p>
         </p:txBody>
@@ -14514,7 +14517,7 @@
             <a:pPr algn="ctr"/>
             <a:r>
               <a:rPr lang="ru-RU" sz="700" dirty="0"/>
-              <a:t>Налог на промышленное производство (31 декабрь 1936)</a:t>
+              <a:t>Налог на промышленное производство</a:t>
             </a:r>
           </a:p>
         </p:txBody>
@@ -16102,7 +16105,10 @@
             <a:avLst/>
           </a:prstGeom>
           <a:solidFill>
-            <a:schemeClr val="bg1"/>
+            <a:schemeClr val="accent6">
+              <a:lumMod val="60000"/>
+              <a:lumOff val="40000"/>
+            </a:schemeClr>
           </a:solidFill>
           <a:ln w="19050"/>
         </p:spPr>
@@ -16127,11 +16133,11 @@
             <a:pPr algn="ctr"/>
             <a:r>
               <a:rPr lang="ru-RU" sz="700" dirty="0"/>
-              <a:t>Кабинет </a:t>
+              <a:t>Кабинет Камиля </a:t>
             </a:r>
             <a:r>
               <a:rPr lang="ru-RU" sz="700" dirty="0" err="1"/>
-              <a:t>Шогана</a:t>
+              <a:t>Шотана</a:t>
             </a:r>
             <a:endParaRPr lang="ru-RU" sz="700" dirty="0"/>
           </a:p>
@@ -16635,45 +16641,8 @@
             <a:pPr algn="ctr"/>
             <a:r>
               <a:rPr lang="ru-RU" sz="700" dirty="0"/>
-              <a:t>Третья девальвация </a:t>
-            </a:r>
-            <a:r>
-              <a:rPr lang="ru-RU" sz="100" dirty="0"/>
-              <a:t>Совет министров принимает пять либеральных экономических мер; свободное обращение золота, создание комиссии из четырех членов ( Эмиль </a:t>
-            </a:r>
-            <a:r>
-              <a:rPr lang="ru-RU" sz="100" dirty="0" err="1"/>
-              <a:t>Лабери</a:t>
-            </a:r>
-            <a:r>
-              <a:rPr lang="ru-RU" sz="100" dirty="0"/>
-              <a:t> , Жак </a:t>
-            </a:r>
-            <a:r>
-              <a:rPr lang="ru-RU" sz="100" dirty="0" err="1"/>
-              <a:t>Рюфф</a:t>
-            </a:r>
-            <a:r>
-              <a:rPr lang="ru-RU" sz="100" dirty="0"/>
-              <a:t> , Поль </a:t>
-            </a:r>
-            <a:r>
-              <a:rPr lang="ru-RU" sz="100" dirty="0" err="1"/>
-              <a:t>Бодуэн</a:t>
-            </a:r>
-            <a:r>
-              <a:rPr lang="ru-RU" sz="100" dirty="0"/>
-              <a:t> , Шарль </a:t>
-            </a:r>
-            <a:r>
-              <a:rPr lang="ru-RU" sz="100" dirty="0" err="1"/>
-              <a:t>Рист</a:t>
-            </a:r>
-            <a:r>
-              <a:rPr lang="ru-RU" sz="100" dirty="0"/>
-              <a:t> ), ответственных за управление фондом валютного выравнивания, изменение ритма некоторых инвестиционных расходов и запуск кредита национальной обороны [ 8 ] . Правительство отказывается от очередной девальвации франка (отказ депутатов-коммунистов) и от установления валютного контроля, необходимого для борьбы с бегством капитала (отказ депутатов-радикалов).</a:t>
-            </a:r>
-            <a:endParaRPr lang="ru-RU" sz="700" dirty="0"/>
+              <a:t>Третья девальвация франка</a:t>
+            </a:r>
           </a:p>
         </p:txBody>
       </p:sp>
@@ -16705,96 +16674,6 @@
             <a:solidFill>
               <a:srgbClr val="FF0000"/>
             </a:solidFill>
-          </a:ln>
-        </p:spPr>
-        <p:style>
-          <a:lnRef idx="1">
-            <a:schemeClr val="accent1"/>
-          </a:lnRef>
-          <a:fillRef idx="0">
-            <a:schemeClr val="accent1"/>
-          </a:fillRef>
-          <a:effectRef idx="0">
-            <a:schemeClr val="accent1"/>
-          </a:effectRef>
-          <a:fontRef idx="minor">
-            <a:schemeClr val="tx1"/>
-          </a:fontRef>
-        </p:style>
-      </p:cxnSp>
-      <p:cxnSp>
-        <p:nvCxnSpPr>
-          <p:cNvPr id="289" name="Соединительная линия уступом 620">
-            <a:extLst>
-              <a:ext uri="{FF2B5EF4-FFF2-40B4-BE49-F238E27FC236}">
-                <a16:creationId xmlns:a16="http://schemas.microsoft.com/office/drawing/2014/main" id="{D7DE6A74-DFAC-43F8-A299-5F879BC5A3D3}"/>
-              </a:ext>
-            </a:extLst>
-          </p:cNvPr>
-          <p:cNvCxnSpPr>
-            <a:cxnSpLocks/>
-            <a:stCxn id="170" idx="2"/>
-            <a:endCxn id="255" idx="0"/>
-          </p:cNvCxnSpPr>
-          <p:nvPr/>
-        </p:nvCxnSpPr>
-        <p:spPr>
-          <a:xfrm rot="5400000">
-            <a:off x="22523277" y="9155106"/>
-            <a:ext cx="243112" cy="1829"/>
-          </a:xfrm>
-          <a:prstGeom prst="bentConnector3">
-            <a:avLst>
-              <a:gd name="adj1" fmla="val 50000"/>
-            </a:avLst>
-          </a:prstGeom>
-          <a:ln w="19050">
-            <a:tailEnd type="arrow"/>
-          </a:ln>
-        </p:spPr>
-        <p:style>
-          <a:lnRef idx="1">
-            <a:schemeClr val="accent1"/>
-          </a:lnRef>
-          <a:fillRef idx="0">
-            <a:schemeClr val="accent1"/>
-          </a:fillRef>
-          <a:effectRef idx="0">
-            <a:schemeClr val="accent1"/>
-          </a:effectRef>
-          <a:fontRef idx="minor">
-            <a:schemeClr val="tx1"/>
-          </a:fontRef>
-        </p:style>
-      </p:cxnSp>
-      <p:cxnSp>
-        <p:nvCxnSpPr>
-          <p:cNvPr id="290" name="Соединительная линия уступом 620">
-            <a:extLst>
-              <a:ext uri="{FF2B5EF4-FFF2-40B4-BE49-F238E27FC236}">
-                <a16:creationId xmlns:a16="http://schemas.microsoft.com/office/drawing/2014/main" id="{C1AF5165-80FA-44C4-8382-F98E255968DE}"/>
-              </a:ext>
-            </a:extLst>
-          </p:cNvPr>
-          <p:cNvCxnSpPr>
-            <a:cxnSpLocks/>
-            <a:stCxn id="250" idx="2"/>
-            <a:endCxn id="255" idx="0"/>
-          </p:cNvCxnSpPr>
-          <p:nvPr/>
-        </p:nvCxnSpPr>
-        <p:spPr>
-          <a:xfrm rot="16200000" flipH="1">
-            <a:off x="21948229" y="8581886"/>
-            <a:ext cx="237901" cy="1153477"/>
-          </a:xfrm>
-          <a:prstGeom prst="bentConnector3">
-            <a:avLst>
-              <a:gd name="adj1" fmla="val 50000"/>
-            </a:avLst>
-          </a:prstGeom>
-          <a:ln w="19050">
-            <a:tailEnd type="arrow"/>
           </a:ln>
         </p:spPr>
         <p:style>
@@ -21635,7 +21514,7 @@
             <a:pPr algn="ctr"/>
             <a:r>
               <a:rPr lang="ru-RU" sz="700" dirty="0"/>
-              <a:t>Выделить средства для флота</a:t>
+              <a:t>Выделить средства для увеличения флота</a:t>
             </a:r>
           </a:p>
         </p:txBody>
@@ -21686,7 +21565,7 @@
             <a:pPr algn="ctr"/>
             <a:r>
               <a:rPr lang="ru-RU" sz="700" dirty="0"/>
-              <a:t>Подготовить технологии для модернизации эсминцев (1937)</a:t>
+              <a:t>Подготовить технологии для модернизации эсминцев</a:t>
             </a:r>
           </a:p>
         </p:txBody>
@@ -23996,6 +23875,478 @@
           <a:prstGeom prst="bentConnector3">
             <a:avLst>
               <a:gd name="adj1" fmla="val 13284"/>
+            </a:avLst>
+          </a:prstGeom>
+          <a:ln w="19050">
+            <a:tailEnd type="arrow"/>
+          </a:ln>
+        </p:spPr>
+        <p:style>
+          <a:lnRef idx="1">
+            <a:schemeClr val="accent1"/>
+          </a:lnRef>
+          <a:fillRef idx="0">
+            <a:schemeClr val="accent1"/>
+          </a:fillRef>
+          <a:effectRef idx="0">
+            <a:schemeClr val="accent1"/>
+          </a:effectRef>
+          <a:fontRef idx="minor">
+            <a:schemeClr val="tx1"/>
+          </a:fontRef>
+        </p:style>
+      </p:cxnSp>
+      <p:cxnSp>
+        <p:nvCxnSpPr>
+          <p:cNvPr id="449" name="Соединительная линия уступом 595">
+            <a:extLst>
+              <a:ext uri="{FF2B5EF4-FFF2-40B4-BE49-F238E27FC236}">
+                <a16:creationId xmlns:a16="http://schemas.microsoft.com/office/drawing/2014/main" id="{4B624841-6673-434F-AA5D-DCD310282358}"/>
+              </a:ext>
+            </a:extLst>
+          </p:cNvPr>
+          <p:cNvCxnSpPr>
+            <a:cxnSpLocks/>
+            <a:stCxn id="170" idx="2"/>
+            <a:endCxn id="255" idx="0"/>
+          </p:cNvCxnSpPr>
+          <p:nvPr/>
+        </p:nvCxnSpPr>
+        <p:spPr>
+          <a:xfrm rot="5400000">
+            <a:off x="22523277" y="9155106"/>
+            <a:ext cx="243112" cy="1829"/>
+          </a:xfrm>
+          <a:prstGeom prst="bentConnector3">
+            <a:avLst>
+              <a:gd name="adj1" fmla="val 50000"/>
+            </a:avLst>
+          </a:prstGeom>
+          <a:ln w="19050">
+            <a:prstDash val="dash"/>
+            <a:tailEnd type="arrow"/>
+          </a:ln>
+        </p:spPr>
+        <p:style>
+          <a:lnRef idx="1">
+            <a:schemeClr val="accent1"/>
+          </a:lnRef>
+          <a:fillRef idx="0">
+            <a:schemeClr val="accent1"/>
+          </a:fillRef>
+          <a:effectRef idx="0">
+            <a:schemeClr val="accent1"/>
+          </a:effectRef>
+          <a:fontRef idx="minor">
+            <a:schemeClr val="tx1"/>
+          </a:fontRef>
+        </p:style>
+      </p:cxnSp>
+      <p:cxnSp>
+        <p:nvCxnSpPr>
+          <p:cNvPr id="459" name="Соединительная линия уступом 595">
+            <a:extLst>
+              <a:ext uri="{FF2B5EF4-FFF2-40B4-BE49-F238E27FC236}">
+                <a16:creationId xmlns:a16="http://schemas.microsoft.com/office/drawing/2014/main" id="{7722B04E-41BF-4868-B333-59214D347004}"/>
+              </a:ext>
+            </a:extLst>
+          </p:cNvPr>
+          <p:cNvCxnSpPr>
+            <a:cxnSpLocks/>
+            <a:stCxn id="164" idx="2"/>
+            <a:endCxn id="255" idx="0"/>
+          </p:cNvCxnSpPr>
+          <p:nvPr/>
+        </p:nvCxnSpPr>
+        <p:spPr>
+          <a:xfrm rot="5400000">
+            <a:off x="23409401" y="8274191"/>
+            <a:ext cx="237902" cy="1768868"/>
+          </a:xfrm>
+          <a:prstGeom prst="bentConnector3">
+            <a:avLst>
+              <a:gd name="adj1" fmla="val 50000"/>
+            </a:avLst>
+          </a:prstGeom>
+          <a:ln w="19050">
+            <a:prstDash val="dash"/>
+            <a:tailEnd type="arrow"/>
+          </a:ln>
+        </p:spPr>
+        <p:style>
+          <a:lnRef idx="1">
+            <a:schemeClr val="accent1"/>
+          </a:lnRef>
+          <a:fillRef idx="0">
+            <a:schemeClr val="accent1"/>
+          </a:fillRef>
+          <a:effectRef idx="0">
+            <a:schemeClr val="accent1"/>
+          </a:effectRef>
+          <a:fontRef idx="minor">
+            <a:schemeClr val="tx1"/>
+          </a:fontRef>
+        </p:style>
+      </p:cxnSp>
+      <p:sp>
+        <p:nvSpPr>
+          <p:cNvPr id="460" name="Прямоугольник 459">
+            <a:extLst>
+              <a:ext uri="{FF2B5EF4-FFF2-40B4-BE49-F238E27FC236}">
+                <a16:creationId xmlns:a16="http://schemas.microsoft.com/office/drawing/2014/main" id="{AAC58132-83A2-4A5B-A268-1CA0921772A6}"/>
+              </a:ext>
+            </a:extLst>
+          </p:cNvPr>
+          <p:cNvSpPr/>
+          <p:nvPr/>
+        </p:nvSpPr>
+        <p:spPr>
+          <a:xfrm>
+            <a:off x="23947432" y="10065000"/>
+            <a:ext cx="926325" cy="540000"/>
+          </a:xfrm>
+          <a:prstGeom prst="rect">
+            <a:avLst/>
+          </a:prstGeom>
+          <a:solidFill>
+            <a:schemeClr val="accent6">
+              <a:lumMod val="60000"/>
+              <a:lumOff val="40000"/>
+            </a:schemeClr>
+          </a:solidFill>
+          <a:ln w="19050"/>
+        </p:spPr>
+        <p:style>
+          <a:lnRef idx="2">
+            <a:schemeClr val="accent1"/>
+          </a:lnRef>
+          <a:fillRef idx="1">
+            <a:schemeClr val="lt1"/>
+          </a:fillRef>
+          <a:effectRef idx="0">
+            <a:schemeClr val="accent1"/>
+          </a:effectRef>
+          <a:fontRef idx="minor">
+            <a:schemeClr val="dk1"/>
+          </a:fontRef>
+        </p:style>
+        <p:txBody>
+          <a:bodyPr lIns="124733" tIns="62367" rIns="124733" bIns="62367" rtlCol="0" anchor="ctr"/>
+          <a:lstStyle/>
+          <a:p>
+            <a:pPr algn="ctr"/>
+            <a:r>
+              <a:rPr lang="ru-RU" sz="700" dirty="0"/>
+              <a:t>Особые полномочия для кабинета</a:t>
+            </a:r>
+          </a:p>
+        </p:txBody>
+      </p:sp>
+      <p:sp>
+        <p:nvSpPr>
+          <p:cNvPr id="461" name="Прямоугольник 460">
+            <a:extLst>
+              <a:ext uri="{FF2B5EF4-FFF2-40B4-BE49-F238E27FC236}">
+                <a16:creationId xmlns:a16="http://schemas.microsoft.com/office/drawing/2014/main" id="{33D2CE48-D226-4B90-B60D-787EA5E5D979}"/>
+              </a:ext>
+            </a:extLst>
+          </p:cNvPr>
+          <p:cNvSpPr/>
+          <p:nvPr/>
+        </p:nvSpPr>
+        <p:spPr>
+          <a:xfrm>
+            <a:off x="23947164" y="10842482"/>
+            <a:ext cx="926325" cy="540000"/>
+          </a:xfrm>
+          <a:prstGeom prst="rect">
+            <a:avLst/>
+          </a:prstGeom>
+          <a:solidFill>
+            <a:schemeClr val="accent6">
+              <a:lumMod val="60000"/>
+              <a:lumOff val="40000"/>
+            </a:schemeClr>
+          </a:solidFill>
+          <a:ln w="19050"/>
+        </p:spPr>
+        <p:style>
+          <a:lnRef idx="2">
+            <a:schemeClr val="accent1"/>
+          </a:lnRef>
+          <a:fillRef idx="1">
+            <a:schemeClr val="lt1"/>
+          </a:fillRef>
+          <a:effectRef idx="0">
+            <a:schemeClr val="accent1"/>
+          </a:effectRef>
+          <a:fontRef idx="minor">
+            <a:schemeClr val="dk1"/>
+          </a:fontRef>
+        </p:style>
+        <p:txBody>
+          <a:bodyPr lIns="124733" tIns="62367" rIns="124733" bIns="62367" rtlCol="0" anchor="ctr"/>
+          <a:lstStyle/>
+          <a:p>
+            <a:pPr algn="ctr"/>
+            <a:r>
+              <a:rPr lang="ru-RU" sz="700" dirty="0"/>
+              <a:t>Субсидии для строительных компаний</a:t>
+            </a:r>
+          </a:p>
+        </p:txBody>
+      </p:sp>
+      <p:cxnSp>
+        <p:nvCxnSpPr>
+          <p:cNvPr id="463" name="Прямая со стрелкой 462">
+            <a:extLst>
+              <a:ext uri="{FF2B5EF4-FFF2-40B4-BE49-F238E27FC236}">
+                <a16:creationId xmlns:a16="http://schemas.microsoft.com/office/drawing/2014/main" id="{854AD0C4-7C0E-4599-B5A3-0C983833E451}"/>
+              </a:ext>
+            </a:extLst>
+          </p:cNvPr>
+          <p:cNvCxnSpPr>
+            <a:cxnSpLocks/>
+            <a:stCxn id="359" idx="2"/>
+            <a:endCxn id="460" idx="0"/>
+          </p:cNvCxnSpPr>
+          <p:nvPr/>
+        </p:nvCxnSpPr>
+        <p:spPr>
+          <a:xfrm>
+            <a:off x="24410595" y="9818656"/>
+            <a:ext cx="0" cy="246344"/>
+          </a:xfrm>
+          <a:prstGeom prst="straightConnector1">
+            <a:avLst/>
+          </a:prstGeom>
+          <a:ln w="19050">
+            <a:tailEnd type="arrow"/>
+          </a:ln>
+        </p:spPr>
+        <p:style>
+          <a:lnRef idx="1">
+            <a:schemeClr val="accent1"/>
+          </a:lnRef>
+          <a:fillRef idx="0">
+            <a:schemeClr val="accent1"/>
+          </a:fillRef>
+          <a:effectRef idx="0">
+            <a:schemeClr val="accent1"/>
+          </a:effectRef>
+          <a:fontRef idx="minor">
+            <a:schemeClr val="tx1"/>
+          </a:fontRef>
+        </p:style>
+      </p:cxnSp>
+      <p:cxnSp>
+        <p:nvCxnSpPr>
+          <p:cNvPr id="464" name="Прямая со стрелкой 463">
+            <a:extLst>
+              <a:ext uri="{FF2B5EF4-FFF2-40B4-BE49-F238E27FC236}">
+                <a16:creationId xmlns:a16="http://schemas.microsoft.com/office/drawing/2014/main" id="{3034067D-1DA6-4A93-BBF4-7A70438507AB}"/>
+              </a:ext>
+            </a:extLst>
+          </p:cNvPr>
+          <p:cNvCxnSpPr>
+            <a:cxnSpLocks/>
+            <a:stCxn id="460" idx="2"/>
+            <a:endCxn id="461" idx="0"/>
+          </p:cNvCxnSpPr>
+          <p:nvPr/>
+        </p:nvCxnSpPr>
+        <p:spPr>
+          <a:xfrm flipH="1">
+            <a:off x="24410327" y="10605000"/>
+            <a:ext cx="268" cy="237482"/>
+          </a:xfrm>
+          <a:prstGeom prst="straightConnector1">
+            <a:avLst/>
+          </a:prstGeom>
+          <a:ln w="19050">
+            <a:tailEnd type="arrow"/>
+          </a:ln>
+        </p:spPr>
+        <p:style>
+          <a:lnRef idx="1">
+            <a:schemeClr val="accent1"/>
+          </a:lnRef>
+          <a:fillRef idx="0">
+            <a:schemeClr val="accent1"/>
+          </a:fillRef>
+          <a:effectRef idx="0">
+            <a:schemeClr val="accent1"/>
+          </a:effectRef>
+          <a:fontRef idx="minor">
+            <a:schemeClr val="tx1"/>
+          </a:fontRef>
+        </p:style>
+      </p:cxnSp>
+      <p:sp>
+        <p:nvSpPr>
+          <p:cNvPr id="467" name="Прямоугольник 466">
+            <a:extLst>
+              <a:ext uri="{FF2B5EF4-FFF2-40B4-BE49-F238E27FC236}">
+                <a16:creationId xmlns:a16="http://schemas.microsoft.com/office/drawing/2014/main" id="{C46E2ABF-BCC7-4937-ACFC-7D5098A83656}"/>
+              </a:ext>
+            </a:extLst>
+          </p:cNvPr>
+          <p:cNvSpPr/>
+          <p:nvPr/>
+        </p:nvSpPr>
+        <p:spPr>
+          <a:xfrm>
+            <a:off x="34876999" y="23957386"/>
+            <a:ext cx="926325" cy="540000"/>
+          </a:xfrm>
+          <a:prstGeom prst="rect">
+            <a:avLst/>
+          </a:prstGeom>
+          <a:noFill/>
+          <a:ln w="19050"/>
+        </p:spPr>
+        <p:style>
+          <a:lnRef idx="2">
+            <a:schemeClr val="accent1"/>
+          </a:lnRef>
+          <a:fillRef idx="1">
+            <a:schemeClr val="lt1"/>
+          </a:fillRef>
+          <a:effectRef idx="0">
+            <a:schemeClr val="accent1"/>
+          </a:effectRef>
+          <a:fontRef idx="minor">
+            <a:schemeClr val="dk1"/>
+          </a:fontRef>
+        </p:style>
+        <p:txBody>
+          <a:bodyPr lIns="124733" tIns="62367" rIns="124733" bIns="62367" rtlCol="0" anchor="ctr"/>
+          <a:lstStyle/>
+          <a:p>
+            <a:pPr algn="ctr"/>
+            <a:r>
+              <a:rPr lang="ru-RU" sz="700" dirty="0"/>
+              <a:t>Открытие аэропорта Ле Бурже</a:t>
+            </a:r>
+          </a:p>
+        </p:txBody>
+      </p:sp>
+      <p:cxnSp>
+        <p:nvCxnSpPr>
+          <p:cNvPr id="470" name="Прямая со стрелкой 469">
+            <a:extLst>
+              <a:ext uri="{FF2B5EF4-FFF2-40B4-BE49-F238E27FC236}">
+                <a16:creationId xmlns:a16="http://schemas.microsoft.com/office/drawing/2014/main" id="{49EB9554-510F-42A9-96D7-181A811A347A}"/>
+              </a:ext>
+            </a:extLst>
+          </p:cNvPr>
+          <p:cNvCxnSpPr>
+            <a:cxnSpLocks/>
+            <a:stCxn id="324" idx="2"/>
+            <a:endCxn id="467" idx="0"/>
+          </p:cNvCxnSpPr>
+          <p:nvPr/>
+        </p:nvCxnSpPr>
+        <p:spPr>
+          <a:xfrm>
+            <a:off x="35340162" y="22009878"/>
+            <a:ext cx="0" cy="1947508"/>
+          </a:xfrm>
+          <a:prstGeom prst="straightConnector1">
+            <a:avLst/>
+          </a:prstGeom>
+          <a:ln w="19050">
+            <a:tailEnd type="arrow"/>
+          </a:ln>
+        </p:spPr>
+        <p:style>
+          <a:lnRef idx="1">
+            <a:schemeClr val="accent1"/>
+          </a:lnRef>
+          <a:fillRef idx="0">
+            <a:schemeClr val="accent1"/>
+          </a:fillRef>
+          <a:effectRef idx="0">
+            <a:schemeClr val="accent1"/>
+          </a:effectRef>
+          <a:fontRef idx="minor">
+            <a:schemeClr val="tx1"/>
+          </a:fontRef>
+        </p:style>
+      </p:cxnSp>
+      <p:sp>
+        <p:nvSpPr>
+          <p:cNvPr id="471" name="Прямоугольник 470">
+            <a:extLst>
+              <a:ext uri="{FF2B5EF4-FFF2-40B4-BE49-F238E27FC236}">
+                <a16:creationId xmlns:a16="http://schemas.microsoft.com/office/drawing/2014/main" id="{AA6FC2DF-15CD-4271-A42D-A04CBBD6D4BA}"/>
+              </a:ext>
+            </a:extLst>
+          </p:cNvPr>
+          <p:cNvSpPr/>
+          <p:nvPr/>
+        </p:nvSpPr>
+        <p:spPr>
+          <a:xfrm>
+            <a:off x="28224951" y="21476911"/>
+            <a:ext cx="926325" cy="540000"/>
+          </a:xfrm>
+          <a:prstGeom prst="rect">
+            <a:avLst/>
+          </a:prstGeom>
+          <a:noFill/>
+          <a:ln w="19050"/>
+        </p:spPr>
+        <p:style>
+          <a:lnRef idx="2">
+            <a:schemeClr val="accent1"/>
+          </a:lnRef>
+          <a:fillRef idx="1">
+            <a:schemeClr val="lt1"/>
+          </a:fillRef>
+          <a:effectRef idx="0">
+            <a:schemeClr val="accent1"/>
+          </a:effectRef>
+          <a:fontRef idx="minor">
+            <a:schemeClr val="dk1"/>
+          </a:fontRef>
+        </p:style>
+        <p:txBody>
+          <a:bodyPr lIns="124733" tIns="62367" rIns="124733" bIns="62367" rtlCol="0" anchor="ctr"/>
+          <a:lstStyle/>
+          <a:p>
+            <a:pPr algn="ctr"/>
+            <a:r>
+              <a:rPr lang="ru-RU" sz="700" dirty="0"/>
+              <a:t>Сформировать Центральное разведывательное управление (1937</a:t>
+            </a:r>
+          </a:p>
+        </p:txBody>
+      </p:sp>
+      <p:cxnSp>
+        <p:nvCxnSpPr>
+          <p:cNvPr id="472" name="Соединительная линия уступом 620">
+            <a:extLst>
+              <a:ext uri="{FF2B5EF4-FFF2-40B4-BE49-F238E27FC236}">
+                <a16:creationId xmlns:a16="http://schemas.microsoft.com/office/drawing/2014/main" id="{9A75BC77-CE97-40A6-A573-93427072EA6D}"/>
+              </a:ext>
+            </a:extLst>
+          </p:cNvPr>
+          <p:cNvCxnSpPr>
+            <a:cxnSpLocks/>
+            <a:stCxn id="234" idx="2"/>
+            <a:endCxn id="471" idx="0"/>
+          </p:cNvCxnSpPr>
+          <p:nvPr/>
+        </p:nvCxnSpPr>
+        <p:spPr>
+          <a:xfrm rot="16200000" flipH="1">
+            <a:off x="27358998" y="20147794"/>
+            <a:ext cx="322113" cy="2336120"/>
+          </a:xfrm>
+          <a:prstGeom prst="bentConnector3">
+            <a:avLst>
+              <a:gd name="adj1" fmla="val 50000"/>
             </a:avLst>
           </a:prstGeom>
           <a:ln w="19050">

--- a/Наработки/диздоки/Франция/Франция.pptx
+++ b/Наработки/диздоки/Франция/Франция.pptx
@@ -209,7 +209,7 @@
             <a:fld id="{33E3D7F9-E251-484C-A6FF-FA958879DF69}" type="datetimeFigureOut">
               <a:rPr lang="ru-RU" smtClean="0"/>
               <a:pPr/>
-              <a:t>26.03.2024</a:t>
+              <a:t>27.03.2024</a:t>
             </a:fld>
             <a:endParaRPr lang="ru-RU"/>
           </a:p>
@@ -699,7 +699,7 @@
             <a:fld id="{85A5DE44-605B-4D3B-B2B7-94543DF81A36}" type="datetimeFigureOut">
               <a:rPr lang="ru-RU" smtClean="0"/>
               <a:pPr/>
-              <a:t>26.03.2024</a:t>
+              <a:t>27.03.2024</a:t>
             </a:fld>
             <a:endParaRPr lang="ru-RU"/>
           </a:p>
@@ -871,7 +871,7 @@
             <a:fld id="{85A5DE44-605B-4D3B-B2B7-94543DF81A36}" type="datetimeFigureOut">
               <a:rPr lang="ru-RU" smtClean="0"/>
               <a:pPr/>
-              <a:t>26.03.2024</a:t>
+              <a:t>27.03.2024</a:t>
             </a:fld>
             <a:endParaRPr lang="ru-RU"/>
           </a:p>
@@ -1053,7 +1053,7 @@
             <a:fld id="{85A5DE44-605B-4D3B-B2B7-94543DF81A36}" type="datetimeFigureOut">
               <a:rPr lang="ru-RU" smtClean="0"/>
               <a:pPr/>
-              <a:t>26.03.2024</a:t>
+              <a:t>27.03.2024</a:t>
             </a:fld>
             <a:endParaRPr lang="ru-RU"/>
           </a:p>
@@ -1225,7 +1225,7 @@
             <a:fld id="{85A5DE44-605B-4D3B-B2B7-94543DF81A36}" type="datetimeFigureOut">
               <a:rPr lang="ru-RU" smtClean="0"/>
               <a:pPr/>
-              <a:t>26.03.2024</a:t>
+              <a:t>27.03.2024</a:t>
             </a:fld>
             <a:endParaRPr lang="ru-RU"/>
           </a:p>
@@ -1473,7 +1473,7 @@
             <a:fld id="{85A5DE44-605B-4D3B-B2B7-94543DF81A36}" type="datetimeFigureOut">
               <a:rPr lang="ru-RU" smtClean="0"/>
               <a:pPr/>
-              <a:t>26.03.2024</a:t>
+              <a:t>27.03.2024</a:t>
             </a:fld>
             <a:endParaRPr lang="ru-RU"/>
           </a:p>
@@ -1707,7 +1707,7 @@
             <a:fld id="{85A5DE44-605B-4D3B-B2B7-94543DF81A36}" type="datetimeFigureOut">
               <a:rPr lang="ru-RU" smtClean="0"/>
               <a:pPr/>
-              <a:t>26.03.2024</a:t>
+              <a:t>27.03.2024</a:t>
             </a:fld>
             <a:endParaRPr lang="ru-RU"/>
           </a:p>
@@ -2076,7 +2076,7 @@
             <a:fld id="{85A5DE44-605B-4D3B-B2B7-94543DF81A36}" type="datetimeFigureOut">
               <a:rPr lang="ru-RU" smtClean="0"/>
               <a:pPr/>
-              <a:t>26.03.2024</a:t>
+              <a:t>27.03.2024</a:t>
             </a:fld>
             <a:endParaRPr lang="ru-RU"/>
           </a:p>
@@ -2196,7 +2196,7 @@
             <a:fld id="{85A5DE44-605B-4D3B-B2B7-94543DF81A36}" type="datetimeFigureOut">
               <a:rPr lang="ru-RU" smtClean="0"/>
               <a:pPr/>
-              <a:t>26.03.2024</a:t>
+              <a:t>27.03.2024</a:t>
             </a:fld>
             <a:endParaRPr lang="ru-RU"/>
           </a:p>
@@ -2293,7 +2293,7 @@
             <a:fld id="{85A5DE44-605B-4D3B-B2B7-94543DF81A36}" type="datetimeFigureOut">
               <a:rPr lang="ru-RU" smtClean="0"/>
               <a:pPr/>
-              <a:t>26.03.2024</a:t>
+              <a:t>27.03.2024</a:t>
             </a:fld>
             <a:endParaRPr lang="ru-RU"/>
           </a:p>
@@ -2572,7 +2572,7 @@
             <a:fld id="{85A5DE44-605B-4D3B-B2B7-94543DF81A36}" type="datetimeFigureOut">
               <a:rPr lang="ru-RU" smtClean="0"/>
               <a:pPr/>
-              <a:t>26.03.2024</a:t>
+              <a:t>27.03.2024</a:t>
             </a:fld>
             <a:endParaRPr lang="ru-RU"/>
           </a:p>
@@ -2831,7 +2831,7 @@
             <a:fld id="{85A5DE44-605B-4D3B-B2B7-94543DF81A36}" type="datetimeFigureOut">
               <a:rPr lang="ru-RU" smtClean="0"/>
               <a:pPr/>
-              <a:t>26.03.2024</a:t>
+              <a:t>27.03.2024</a:t>
             </a:fld>
             <a:endParaRPr lang="ru-RU"/>
           </a:p>
@@ -3046,7 +3046,7 @@
             <a:fld id="{85A5DE44-605B-4D3B-B2B7-94543DF81A36}" type="datetimeFigureOut">
               <a:rPr lang="ru-RU" smtClean="0"/>
               <a:pPr/>
-              <a:t>26.03.2024</a:t>
+              <a:t>27.03.2024</a:t>
             </a:fld>
             <a:endParaRPr lang="ru-RU"/>
           </a:p>
@@ -14188,21 +14188,8 @@
             <a:pPr algn="ctr"/>
             <a:r>
               <a:rPr lang="ru-RU" sz="700" dirty="0"/>
-              <a:t>Подоходный налог </a:t>
-            </a:r>
-            <a:r>
-              <a:rPr lang="ru-RU" sz="200" dirty="0"/>
-              <a:t>(5 февраля : « Налоговая справедливость », проект налоговой реформы Коммунистической партии , публикуется в журнале «</a:t>
-            </a:r>
-            <a:r>
-              <a:rPr lang="ru-RU" sz="200" dirty="0" err="1"/>
-              <a:t>Юманите</a:t>
-            </a:r>
-            <a:r>
-              <a:rPr lang="ru-RU" sz="200" dirty="0"/>
-              <a:t>» ; он рекомендует ввести общий подоходный налог с подоходным налогом от 100 000 франков и специальным налогом на прибыль корпораций [ 4 ])</a:t>
-            </a:r>
-            <a:endParaRPr lang="ru-RU" sz="700" dirty="0"/>
+              <a:t>Подоходный налог</a:t>
+            </a:r>
           </a:p>
         </p:txBody>
       </p:sp>
@@ -14220,7 +14207,7 @@
         </p:nvSpPr>
         <p:spPr>
           <a:xfrm>
-            <a:off x="21027278" y="8499675"/>
+            <a:off x="21037326" y="8499675"/>
             <a:ext cx="926325" cy="540000"/>
           </a:xfrm>
           <a:prstGeom prst="rect">
@@ -14252,15 +14239,7 @@
             <a:pPr algn="ctr"/>
             <a:r>
               <a:rPr lang="ru-RU" sz="700" dirty="0"/>
-              <a:t>Национализация гражданской промышленности (</a:t>
-            </a:r>
-            <a:r>
-              <a:rPr lang="ru-RU" sz="700" dirty="0" err="1"/>
-              <a:t>неистор</a:t>
-            </a:r>
-            <a:r>
-              <a:rPr lang="ru-RU" sz="700" dirty="0"/>
-              <a:t> программа НФ)</a:t>
+              <a:t>Создание смешанной гражданской промышленности</a:t>
             </a:r>
           </a:p>
         </p:txBody>
@@ -14701,21 +14680,8 @@
             <a:pPr algn="ctr"/>
             <a:r>
               <a:rPr lang="ru-RU" sz="700" dirty="0"/>
-              <a:t>Расширить права женщин (</a:t>
-            </a:r>
-            <a:r>
-              <a:rPr lang="ru-RU" sz="700" dirty="0" err="1"/>
-              <a:t>неистор</a:t>
-            </a:r>
-            <a:r>
-              <a:rPr lang="ru-RU" sz="700" dirty="0"/>
-              <a:t> программа НФ) </a:t>
-            </a:r>
-            <a:r>
-              <a:rPr lang="ru-RU" sz="400" dirty="0"/>
-              <a:t>Соблюдение права женщин на труд.)</a:t>
-            </a:r>
-            <a:endParaRPr lang="ru-RU" sz="700" dirty="0"/>
+              <a:t>Расширить права женщин</a:t>
+            </a:r>
           </a:p>
         </p:txBody>
       </p:sp>
@@ -14765,37 +14731,8 @@
             <a:pPr algn="ctr"/>
             <a:r>
               <a:rPr lang="ru-RU" sz="700" dirty="0"/>
-              <a:t>Свобода слова и прессы (</a:t>
-            </a:r>
-            <a:r>
-              <a:rPr lang="ru-RU" sz="700" dirty="0" err="1"/>
-              <a:t>неистор</a:t>
-            </a:r>
-            <a:r>
-              <a:rPr lang="ru-RU" sz="700" dirty="0"/>
-              <a:t> программа НФ) </a:t>
-            </a:r>
-            <a:r>
-              <a:rPr lang="ru-RU" sz="100" dirty="0"/>
-              <a:t>(а) Отмена каторжных законов и чрезвычайных декретов, ограничивающих свободу </a:t>
-            </a:r>
-            <a:r>
-              <a:rPr lang="ru-RU" sz="100" dirty="0" err="1"/>
-              <a:t>мнений.б</a:t>
-            </a:r>
-            <a:r>
-              <a:rPr lang="ru-RU" sz="100" dirty="0"/>
-              <a:t>) Реорганизация печати посредством законодательных мероприятий с целью:(1) Обеспечить действительные меры против клеветы и шантажа.(2) Обеспечить газетам нормальные условия существования с тем, чтобы обязать их указывать источники своих средств, упразднить частную монополию на торговую рекламу, устранить возможность скандальных злоупотреблений с финансовой рекламой и, наконец, помешать созданию трестов </a:t>
-            </a:r>
-            <a:r>
-              <a:rPr lang="ru-RU" sz="100" dirty="0" err="1"/>
-              <a:t>печати.в</a:t>
-            </a:r>
-            <a:r>
-              <a:rPr lang="ru-RU" sz="100" dirty="0"/>
-              <a:t>) Организация государственной радиопередачи с целью обеспечить точность информации и равенство политических и социальных организаций перед микрофоном.)</a:t>
-            </a:r>
-            <a:endParaRPr lang="ru-RU" sz="700" dirty="0"/>
+              <a:t>Свобода слова и прессы</a:t>
+            </a:r>
           </a:p>
         </p:txBody>
       </p:sp>
@@ -14843,29 +14780,8 @@
             <a:pPr algn="ctr"/>
             <a:r>
               <a:rPr lang="ru-RU" sz="700" dirty="0"/>
-              <a:t>Контроль за расточительством </a:t>
-            </a:r>
-            <a:r>
-              <a:rPr lang="ru-RU" sz="200" dirty="0"/>
-              <a:t>(Пересмотр военных заказов в связи с национализацией военной </a:t>
-            </a:r>
-            <a:r>
-              <a:rPr lang="ru-RU" sz="200" dirty="0" err="1"/>
-              <a:t>промышленности.Преследование</a:t>
-            </a:r>
-            <a:r>
-              <a:rPr lang="ru-RU" sz="200" dirty="0"/>
-              <a:t> расточительной траты средств гражданскими и военными административными </a:t>
-            </a:r>
-            <a:r>
-              <a:rPr lang="ru-RU" sz="200" dirty="0" err="1"/>
-              <a:t>органами.Создание</a:t>
-            </a:r>
-            <a:r>
-              <a:rPr lang="ru-RU" sz="200" dirty="0"/>
-              <a:t> военной пенсионной кассы.) </a:t>
-            </a:r>
-            <a:endParaRPr lang="ru-RU" sz="700" dirty="0"/>
+              <a:t>Контроль за расточительством</a:t>
+            </a:r>
           </a:p>
         </p:txBody>
       </p:sp>
@@ -14926,21 +14842,8 @@
             <a:pPr algn="ctr"/>
             <a:r>
               <a:rPr lang="ru-RU" sz="700" dirty="0"/>
-              <a:t>Контроль над экспортом капиталов </a:t>
-            </a:r>
-            <a:r>
-              <a:rPr lang="ru-RU" sz="200" dirty="0"/>
-              <a:t>Борьба с сокрытием размеров движимого имущества, установление с этой целью фискальных паспортов, вотируемых палатами, сопровождая эту меру налоговой </a:t>
-            </a:r>
-            <a:r>
-              <a:rPr lang="ru-RU" sz="200" dirty="0" err="1"/>
-              <a:t>амнистией.Контроль</a:t>
-            </a:r>
-            <a:r>
-              <a:rPr lang="ru-RU" sz="200" dirty="0"/>
-              <a:t> над экспортом капиталов и преследование сокрытия капиталов самыми суровыми мерами вплоть до конфискации скрытых ценностей за границей или соответствующих ценностей во Франции.</a:t>
-            </a:r>
-            <a:endParaRPr lang="ru-RU" sz="700" dirty="0"/>
+              <a:t>Контроль над экспортом капиталов</a:t>
+            </a:r>
           </a:p>
         </p:txBody>
       </p:sp>
@@ -14962,8 +14865,8 @@
         </p:nvCxnSpPr>
         <p:spPr>
           <a:xfrm rot="5400000">
-            <a:off x="20801585" y="8582425"/>
-            <a:ext cx="231607" cy="1146106"/>
+            <a:off x="20806609" y="8577401"/>
+            <a:ext cx="231607" cy="1156154"/>
           </a:xfrm>
           <a:prstGeom prst="bentConnector3">
             <a:avLst>
@@ -15037,52 +14940,6 @@
       </p:cxnSp>
       <p:cxnSp>
         <p:nvCxnSpPr>
-          <p:cNvPr id="291" name="Соединительная линия уступом 595">
-            <a:extLst>
-              <a:ext uri="{FF2B5EF4-FFF2-40B4-BE49-F238E27FC236}">
-                <a16:creationId xmlns:a16="http://schemas.microsoft.com/office/drawing/2014/main" id="{117A07A5-D399-4B08-B7B4-79EAAC63B899}"/>
-              </a:ext>
-            </a:extLst>
-          </p:cNvPr>
-          <p:cNvCxnSpPr>
-            <a:cxnSpLocks/>
-            <a:stCxn id="249" idx="2"/>
-            <a:endCxn id="250" idx="0"/>
-          </p:cNvCxnSpPr>
-          <p:nvPr/>
-        </p:nvCxnSpPr>
-        <p:spPr>
-          <a:xfrm rot="16200000" flipH="1">
-            <a:off x="20684696" y="7693929"/>
-            <a:ext cx="1041609" cy="569881"/>
-          </a:xfrm>
-          <a:prstGeom prst="bentConnector3">
-            <a:avLst>
-              <a:gd name="adj1" fmla="val 11062"/>
-            </a:avLst>
-          </a:prstGeom>
-          <a:ln w="19050">
-            <a:prstDash val="dash"/>
-            <a:tailEnd type="arrow"/>
-          </a:ln>
-        </p:spPr>
-        <p:style>
-          <a:lnRef idx="1">
-            <a:schemeClr val="accent1"/>
-          </a:lnRef>
-          <a:fillRef idx="0">
-            <a:schemeClr val="accent1"/>
-          </a:fillRef>
-          <a:effectRef idx="0">
-            <a:schemeClr val="accent1"/>
-          </a:effectRef>
-          <a:fontRef idx="minor">
-            <a:schemeClr val="tx1"/>
-          </a:fontRef>
-        </p:style>
-      </p:cxnSp>
-      <p:cxnSp>
-        <p:nvCxnSpPr>
           <p:cNvPr id="294" name="Соединительная линия уступом 595">
             <a:extLst>
               <a:ext uri="{FF2B5EF4-FFF2-40B4-BE49-F238E27FC236}">
@@ -15151,52 +15008,6 @@
           <a:prstGeom prst="bentConnector3">
             <a:avLst>
               <a:gd name="adj1" fmla="val 50000"/>
-            </a:avLst>
-          </a:prstGeom>
-          <a:ln w="19050">
-            <a:prstDash val="dash"/>
-            <a:tailEnd type="arrow"/>
-          </a:ln>
-        </p:spPr>
-        <p:style>
-          <a:lnRef idx="1">
-            <a:schemeClr val="accent1"/>
-          </a:lnRef>
-          <a:fillRef idx="0">
-            <a:schemeClr val="accent1"/>
-          </a:fillRef>
-          <a:effectRef idx="0">
-            <a:schemeClr val="accent1"/>
-          </a:effectRef>
-          <a:fontRef idx="minor">
-            <a:schemeClr val="tx1"/>
-          </a:fontRef>
-        </p:style>
-      </p:cxnSp>
-      <p:cxnSp>
-        <p:nvCxnSpPr>
-          <p:cNvPr id="300" name="Соединительная линия уступом 595">
-            <a:extLst>
-              <a:ext uri="{FF2B5EF4-FFF2-40B4-BE49-F238E27FC236}">
-                <a16:creationId xmlns:a16="http://schemas.microsoft.com/office/drawing/2014/main" id="{56CE7F1F-BDDA-4A37-A68A-20B52E401902}"/>
-              </a:ext>
-            </a:extLst>
-          </p:cNvPr>
-          <p:cNvCxnSpPr>
-            <a:cxnSpLocks/>
-            <a:stCxn id="265" idx="2"/>
-            <a:endCxn id="250" idx="0"/>
-          </p:cNvCxnSpPr>
-          <p:nvPr/>
-        </p:nvCxnSpPr>
-        <p:spPr>
-          <a:xfrm rot="5400000">
-            <a:off x="21255449" y="7690901"/>
-            <a:ext cx="1043767" cy="573781"/>
-          </a:xfrm>
-          <a:prstGeom prst="bentConnector3">
-            <a:avLst>
-              <a:gd name="adj1" fmla="val 11751"/>
             </a:avLst>
           </a:prstGeom>
           <a:ln w="19050">
@@ -16555,9 +16366,9 @@
           <p:nvPr/>
         </p:nvCxnSpPr>
         <p:spPr>
-          <a:xfrm>
-            <a:off x="21490441" y="9039675"/>
-            <a:ext cx="7867" cy="236808"/>
+          <a:xfrm flipH="1">
+            <a:off x="21498308" y="9039675"/>
+            <a:ext cx="2181" cy="236808"/>
           </a:xfrm>
           <a:prstGeom prst="straightConnector1">
             <a:avLst/>
@@ -24343,6 +24154,96 @@
           <a:xfrm rot="16200000" flipH="1">
             <a:off x="27358998" y="20147794"/>
             <a:ext cx="322113" cy="2336120"/>
+          </a:xfrm>
+          <a:prstGeom prst="bentConnector3">
+            <a:avLst>
+              <a:gd name="adj1" fmla="val 50000"/>
+            </a:avLst>
+          </a:prstGeom>
+          <a:ln w="19050">
+            <a:tailEnd type="arrow"/>
+          </a:ln>
+        </p:spPr>
+        <p:style>
+          <a:lnRef idx="1">
+            <a:schemeClr val="accent1"/>
+          </a:lnRef>
+          <a:fillRef idx="0">
+            <a:schemeClr val="accent1"/>
+          </a:fillRef>
+          <a:effectRef idx="0">
+            <a:schemeClr val="accent1"/>
+          </a:effectRef>
+          <a:fontRef idx="minor">
+            <a:schemeClr val="tx1"/>
+          </a:fontRef>
+        </p:style>
+      </p:cxnSp>
+      <p:cxnSp>
+        <p:nvCxnSpPr>
+          <p:cNvPr id="466" name="Соединительная линия уступом 620">
+            <a:extLst>
+              <a:ext uri="{FF2B5EF4-FFF2-40B4-BE49-F238E27FC236}">
+                <a16:creationId xmlns:a16="http://schemas.microsoft.com/office/drawing/2014/main" id="{88994A1F-B93C-449A-BBE0-6FF0E9432DDB}"/>
+              </a:ext>
+            </a:extLst>
+          </p:cNvPr>
+          <p:cNvCxnSpPr>
+            <a:cxnSpLocks/>
+            <a:stCxn id="278" idx="2"/>
+            <a:endCxn id="250" idx="0"/>
+          </p:cNvCxnSpPr>
+          <p:nvPr/>
+        </p:nvCxnSpPr>
+        <p:spPr>
+          <a:xfrm rot="5400000">
+            <a:off x="21653758" y="8092091"/>
+            <a:ext cx="254316" cy="560853"/>
+          </a:xfrm>
+          <a:prstGeom prst="bentConnector3">
+            <a:avLst>
+              <a:gd name="adj1" fmla="val 50000"/>
+            </a:avLst>
+          </a:prstGeom>
+          <a:ln w="19050">
+            <a:tailEnd type="arrow"/>
+          </a:ln>
+        </p:spPr>
+        <p:style>
+          <a:lnRef idx="1">
+            <a:schemeClr val="accent1"/>
+          </a:lnRef>
+          <a:fillRef idx="0">
+            <a:schemeClr val="accent1"/>
+          </a:fillRef>
+          <a:effectRef idx="0">
+            <a:schemeClr val="accent1"/>
+          </a:effectRef>
+          <a:fontRef idx="minor">
+            <a:schemeClr val="tx1"/>
+          </a:fontRef>
+        </p:style>
+      </p:cxnSp>
+      <p:cxnSp>
+        <p:nvCxnSpPr>
+          <p:cNvPr id="474" name="Соединительная линия уступом 620">
+            <a:extLst>
+              <a:ext uri="{FF2B5EF4-FFF2-40B4-BE49-F238E27FC236}">
+                <a16:creationId xmlns:a16="http://schemas.microsoft.com/office/drawing/2014/main" id="{745F95C7-A4A9-43AB-B63F-D7D72CA56DF6}"/>
+              </a:ext>
+            </a:extLst>
+          </p:cNvPr>
+          <p:cNvCxnSpPr>
+            <a:cxnSpLocks/>
+            <a:stCxn id="279" idx="2"/>
+            <a:endCxn id="250" idx="0"/>
+          </p:cNvCxnSpPr>
+          <p:nvPr/>
+        </p:nvCxnSpPr>
+        <p:spPr>
+          <a:xfrm rot="16200000" flipH="1">
+            <a:off x="21082393" y="8081578"/>
+            <a:ext cx="254315" cy="581877"/>
           </a:xfrm>
           <a:prstGeom prst="bentConnector3">
             <a:avLst>

--- a/Наработки/диздоки/Франция/Франция.pptx
+++ b/Наработки/диздоки/Франция/Франция.pptx
@@ -209,7 +209,7 @@
             <a:fld id="{33E3D7F9-E251-484C-A6FF-FA958879DF69}" type="datetimeFigureOut">
               <a:rPr lang="ru-RU" smtClean="0"/>
               <a:pPr/>
-              <a:t>27.03.2024</a:t>
+              <a:t>28.03.2024</a:t>
             </a:fld>
             <a:endParaRPr lang="ru-RU"/>
           </a:p>
@@ -699,7 +699,7 @@
             <a:fld id="{85A5DE44-605B-4D3B-B2B7-94543DF81A36}" type="datetimeFigureOut">
               <a:rPr lang="ru-RU" smtClean="0"/>
               <a:pPr/>
-              <a:t>27.03.2024</a:t>
+              <a:t>28.03.2024</a:t>
             </a:fld>
             <a:endParaRPr lang="ru-RU"/>
           </a:p>
@@ -871,7 +871,7 @@
             <a:fld id="{85A5DE44-605B-4D3B-B2B7-94543DF81A36}" type="datetimeFigureOut">
               <a:rPr lang="ru-RU" smtClean="0"/>
               <a:pPr/>
-              <a:t>27.03.2024</a:t>
+              <a:t>28.03.2024</a:t>
             </a:fld>
             <a:endParaRPr lang="ru-RU"/>
           </a:p>
@@ -1053,7 +1053,7 @@
             <a:fld id="{85A5DE44-605B-4D3B-B2B7-94543DF81A36}" type="datetimeFigureOut">
               <a:rPr lang="ru-RU" smtClean="0"/>
               <a:pPr/>
-              <a:t>27.03.2024</a:t>
+              <a:t>28.03.2024</a:t>
             </a:fld>
             <a:endParaRPr lang="ru-RU"/>
           </a:p>
@@ -1225,7 +1225,7 @@
             <a:fld id="{85A5DE44-605B-4D3B-B2B7-94543DF81A36}" type="datetimeFigureOut">
               <a:rPr lang="ru-RU" smtClean="0"/>
               <a:pPr/>
-              <a:t>27.03.2024</a:t>
+              <a:t>28.03.2024</a:t>
             </a:fld>
             <a:endParaRPr lang="ru-RU"/>
           </a:p>
@@ -1473,7 +1473,7 @@
             <a:fld id="{85A5DE44-605B-4D3B-B2B7-94543DF81A36}" type="datetimeFigureOut">
               <a:rPr lang="ru-RU" smtClean="0"/>
               <a:pPr/>
-              <a:t>27.03.2024</a:t>
+              <a:t>28.03.2024</a:t>
             </a:fld>
             <a:endParaRPr lang="ru-RU"/>
           </a:p>
@@ -1707,7 +1707,7 @@
             <a:fld id="{85A5DE44-605B-4D3B-B2B7-94543DF81A36}" type="datetimeFigureOut">
               <a:rPr lang="ru-RU" smtClean="0"/>
               <a:pPr/>
-              <a:t>27.03.2024</a:t>
+              <a:t>28.03.2024</a:t>
             </a:fld>
             <a:endParaRPr lang="ru-RU"/>
           </a:p>
@@ -2076,7 +2076,7 @@
             <a:fld id="{85A5DE44-605B-4D3B-B2B7-94543DF81A36}" type="datetimeFigureOut">
               <a:rPr lang="ru-RU" smtClean="0"/>
               <a:pPr/>
-              <a:t>27.03.2024</a:t>
+              <a:t>28.03.2024</a:t>
             </a:fld>
             <a:endParaRPr lang="ru-RU"/>
           </a:p>
@@ -2196,7 +2196,7 @@
             <a:fld id="{85A5DE44-605B-4D3B-B2B7-94543DF81A36}" type="datetimeFigureOut">
               <a:rPr lang="ru-RU" smtClean="0"/>
               <a:pPr/>
-              <a:t>27.03.2024</a:t>
+              <a:t>28.03.2024</a:t>
             </a:fld>
             <a:endParaRPr lang="ru-RU"/>
           </a:p>
@@ -2293,7 +2293,7 @@
             <a:fld id="{85A5DE44-605B-4D3B-B2B7-94543DF81A36}" type="datetimeFigureOut">
               <a:rPr lang="ru-RU" smtClean="0"/>
               <a:pPr/>
-              <a:t>27.03.2024</a:t>
+              <a:t>28.03.2024</a:t>
             </a:fld>
             <a:endParaRPr lang="ru-RU"/>
           </a:p>
@@ -2572,7 +2572,7 @@
             <a:fld id="{85A5DE44-605B-4D3B-B2B7-94543DF81A36}" type="datetimeFigureOut">
               <a:rPr lang="ru-RU" smtClean="0"/>
               <a:pPr/>
-              <a:t>27.03.2024</a:t>
+              <a:t>28.03.2024</a:t>
             </a:fld>
             <a:endParaRPr lang="ru-RU"/>
           </a:p>
@@ -2831,7 +2831,7 @@
             <a:fld id="{85A5DE44-605B-4D3B-B2B7-94543DF81A36}" type="datetimeFigureOut">
               <a:rPr lang="ru-RU" smtClean="0"/>
               <a:pPr/>
-              <a:t>27.03.2024</a:t>
+              <a:t>28.03.2024</a:t>
             </a:fld>
             <a:endParaRPr lang="ru-RU"/>
           </a:p>
@@ -3046,7 +3046,7 @@
             <a:fld id="{85A5DE44-605B-4D3B-B2B7-94543DF81A36}" type="datetimeFigureOut">
               <a:rPr lang="ru-RU" smtClean="0"/>
               <a:pPr/>
-              <a:t>27.03.2024</a:t>
+              <a:t>28.03.2024</a:t>
             </a:fld>
             <a:endParaRPr lang="ru-RU"/>
           </a:p>
@@ -8454,8 +8454,13 @@
             <a:pPr algn="ctr"/>
             <a:r>
               <a:rPr lang="ru-RU" sz="700" dirty="0"/>
-              <a:t>Реакция Популярного фронта</a:t>
-            </a:r>
+              <a:t>Реакция </a:t>
+            </a:r>
+            <a:r>
+              <a:rPr lang="ru-RU" sz="700" dirty="0" err="1"/>
+              <a:t>Дорио</a:t>
+            </a:r>
+            <a:endParaRPr lang="ru-RU" sz="700" dirty="0"/>
           </a:p>
         </p:txBody>
       </p:sp>
@@ -15694,8 +15699,21 @@
             <a:pPr algn="ctr"/>
             <a:r>
               <a:rPr lang="ru-RU" sz="700" dirty="0"/>
-              <a:t>Пригласить коммунистов в правительство</a:t>
-            </a:r>
+              <a:t>Пригласить коммунистов в правительство </a:t>
+            </a:r>
+            <a:r>
+              <a:rPr lang="ru-RU" sz="200" dirty="0"/>
+              <a:t>(Новое правительство возглавил радикал </a:t>
+            </a:r>
+            <a:r>
+              <a:rPr lang="ru-RU" sz="200" dirty="0" err="1"/>
+              <a:t>Шотан</a:t>
+            </a:r>
+            <a:r>
+              <a:rPr lang="ru-RU" sz="200" dirty="0"/>
+              <a:t>. Перед лицом контрнаступления крупной буржуазии компартия заявила, что она готова «принять на себя ответственность участия в правительстве)</a:t>
+            </a:r>
+            <a:endParaRPr lang="ru-RU" sz="700" dirty="0"/>
           </a:p>
         </p:txBody>
       </p:sp>
@@ -24129,7 +24147,7 @@
             <a:pPr algn="ctr"/>
             <a:r>
               <a:rPr lang="ru-RU" sz="700" dirty="0"/>
-              <a:t>Сформировать Центральное разведывательное управление (1937</a:t>
+              <a:t>Сформировать Центральное разведывательное управление</a:t>
             </a:r>
           </a:p>
         </p:txBody>

--- a/Наработки/диздоки/Франция/Франция.pptx
+++ b/Наработки/диздоки/Франция/Франция.pptx
@@ -209,7 +209,7 @@
             <a:fld id="{33E3D7F9-E251-484C-A6FF-FA958879DF69}" type="datetimeFigureOut">
               <a:rPr lang="ru-RU" smtClean="0"/>
               <a:pPr/>
-              <a:t>28.03.2024</a:t>
+              <a:t>29.03.2024</a:t>
             </a:fld>
             <a:endParaRPr lang="ru-RU"/>
           </a:p>
@@ -699,7 +699,7 @@
             <a:fld id="{85A5DE44-605B-4D3B-B2B7-94543DF81A36}" type="datetimeFigureOut">
               <a:rPr lang="ru-RU" smtClean="0"/>
               <a:pPr/>
-              <a:t>28.03.2024</a:t>
+              <a:t>29.03.2024</a:t>
             </a:fld>
             <a:endParaRPr lang="ru-RU"/>
           </a:p>
@@ -871,7 +871,7 @@
             <a:fld id="{85A5DE44-605B-4D3B-B2B7-94543DF81A36}" type="datetimeFigureOut">
               <a:rPr lang="ru-RU" smtClean="0"/>
               <a:pPr/>
-              <a:t>28.03.2024</a:t>
+              <a:t>29.03.2024</a:t>
             </a:fld>
             <a:endParaRPr lang="ru-RU"/>
           </a:p>
@@ -1053,7 +1053,7 @@
             <a:fld id="{85A5DE44-605B-4D3B-B2B7-94543DF81A36}" type="datetimeFigureOut">
               <a:rPr lang="ru-RU" smtClean="0"/>
               <a:pPr/>
-              <a:t>28.03.2024</a:t>
+              <a:t>29.03.2024</a:t>
             </a:fld>
             <a:endParaRPr lang="ru-RU"/>
           </a:p>
@@ -1225,7 +1225,7 @@
             <a:fld id="{85A5DE44-605B-4D3B-B2B7-94543DF81A36}" type="datetimeFigureOut">
               <a:rPr lang="ru-RU" smtClean="0"/>
               <a:pPr/>
-              <a:t>28.03.2024</a:t>
+              <a:t>29.03.2024</a:t>
             </a:fld>
             <a:endParaRPr lang="ru-RU"/>
           </a:p>
@@ -1473,7 +1473,7 @@
             <a:fld id="{85A5DE44-605B-4D3B-B2B7-94543DF81A36}" type="datetimeFigureOut">
               <a:rPr lang="ru-RU" smtClean="0"/>
               <a:pPr/>
-              <a:t>28.03.2024</a:t>
+              <a:t>29.03.2024</a:t>
             </a:fld>
             <a:endParaRPr lang="ru-RU"/>
           </a:p>
@@ -1707,7 +1707,7 @@
             <a:fld id="{85A5DE44-605B-4D3B-B2B7-94543DF81A36}" type="datetimeFigureOut">
               <a:rPr lang="ru-RU" smtClean="0"/>
               <a:pPr/>
-              <a:t>28.03.2024</a:t>
+              <a:t>29.03.2024</a:t>
             </a:fld>
             <a:endParaRPr lang="ru-RU"/>
           </a:p>
@@ -2076,7 +2076,7 @@
             <a:fld id="{85A5DE44-605B-4D3B-B2B7-94543DF81A36}" type="datetimeFigureOut">
               <a:rPr lang="ru-RU" smtClean="0"/>
               <a:pPr/>
-              <a:t>28.03.2024</a:t>
+              <a:t>29.03.2024</a:t>
             </a:fld>
             <a:endParaRPr lang="ru-RU"/>
           </a:p>
@@ -2196,7 +2196,7 @@
             <a:fld id="{85A5DE44-605B-4D3B-B2B7-94543DF81A36}" type="datetimeFigureOut">
               <a:rPr lang="ru-RU" smtClean="0"/>
               <a:pPr/>
-              <a:t>28.03.2024</a:t>
+              <a:t>29.03.2024</a:t>
             </a:fld>
             <a:endParaRPr lang="ru-RU"/>
           </a:p>
@@ -2293,7 +2293,7 @@
             <a:fld id="{85A5DE44-605B-4D3B-B2B7-94543DF81A36}" type="datetimeFigureOut">
               <a:rPr lang="ru-RU" smtClean="0"/>
               <a:pPr/>
-              <a:t>28.03.2024</a:t>
+              <a:t>29.03.2024</a:t>
             </a:fld>
             <a:endParaRPr lang="ru-RU"/>
           </a:p>
@@ -2572,7 +2572,7 @@
             <a:fld id="{85A5DE44-605B-4D3B-B2B7-94543DF81A36}" type="datetimeFigureOut">
               <a:rPr lang="ru-RU" smtClean="0"/>
               <a:pPr/>
-              <a:t>28.03.2024</a:t>
+              <a:t>29.03.2024</a:t>
             </a:fld>
             <a:endParaRPr lang="ru-RU"/>
           </a:p>
@@ -2831,7 +2831,7 @@
             <a:fld id="{85A5DE44-605B-4D3B-B2B7-94543DF81A36}" type="datetimeFigureOut">
               <a:rPr lang="ru-RU" smtClean="0"/>
               <a:pPr/>
-              <a:t>28.03.2024</a:t>
+              <a:t>29.03.2024</a:t>
             </a:fld>
             <a:endParaRPr lang="ru-RU"/>
           </a:p>
@@ -3046,7 +3046,7 @@
             <a:fld id="{85A5DE44-605B-4D3B-B2B7-94543DF81A36}" type="datetimeFigureOut">
               <a:rPr lang="ru-RU" smtClean="0"/>
               <a:pPr/>
-              <a:t>28.03.2024</a:t>
+              <a:t>29.03.2024</a:t>
             </a:fld>
             <a:endParaRPr lang="ru-RU"/>
           </a:p>
@@ -15765,11 +15765,15 @@
             <a:pPr algn="ctr"/>
             <a:r>
               <a:rPr lang="ru-RU" sz="700" dirty="0"/>
-              <a:t>Переворот «Ла </a:t>
-            </a:r>
-            <a:r>
-              <a:rPr lang="ru-RU" sz="700" dirty="0" err="1"/>
-              <a:t>Кагул</a:t>
+              <a:t>Переворот «</a:t>
+            </a:r>
+            <a:r>
+              <a:rPr lang="en-US" sz="700" dirty="0"/>
+              <a:t>La </a:t>
+            </a:r>
+            <a:r>
+              <a:rPr lang="en-US" sz="700" dirty="0" err="1"/>
+              <a:t>Cagoule</a:t>
             </a:r>
             <a:r>
               <a:rPr lang="ru-RU" sz="700" dirty="0"/>
@@ -24287,6 +24291,270 @@
           </a:fontRef>
         </p:style>
       </p:cxnSp>
+      <p:sp>
+        <p:nvSpPr>
+          <p:cNvPr id="475" name="Прямоугольник 474">
+            <a:extLst>
+              <a:ext uri="{FF2B5EF4-FFF2-40B4-BE49-F238E27FC236}">
+                <a16:creationId xmlns:a16="http://schemas.microsoft.com/office/drawing/2014/main" id="{ADF26C1C-30E7-4CE2-ABEB-A787CEA039D5}"/>
+              </a:ext>
+            </a:extLst>
+          </p:cNvPr>
+          <p:cNvSpPr/>
+          <p:nvPr/>
+        </p:nvSpPr>
+        <p:spPr>
+          <a:xfrm>
+            <a:off x="24253168" y="19786453"/>
+            <a:ext cx="926325" cy="540000"/>
+          </a:xfrm>
+          <a:prstGeom prst="rect">
+            <a:avLst/>
+          </a:prstGeom>
+          <a:noFill/>
+          <a:ln w="19050"/>
+        </p:spPr>
+        <p:style>
+          <a:lnRef idx="2">
+            <a:schemeClr val="accent1"/>
+          </a:lnRef>
+          <a:fillRef idx="1">
+            <a:schemeClr val="lt1"/>
+          </a:fillRef>
+          <a:effectRef idx="0">
+            <a:schemeClr val="accent1"/>
+          </a:effectRef>
+          <a:fontRef idx="minor">
+            <a:schemeClr val="dk1"/>
+          </a:fontRef>
+        </p:style>
+        <p:txBody>
+          <a:bodyPr lIns="124733" tIns="62367" rIns="124733" bIns="62367" rtlCol="0" anchor="ctr"/>
+          <a:lstStyle/>
+          <a:p>
+            <a:pPr algn="ctr"/>
+            <a:r>
+              <a:rPr lang="ru-RU" sz="700" dirty="0"/>
+              <a:t>Расширение концессий </a:t>
+            </a:r>
+            <a:r>
+              <a:rPr lang="en-US" sz="700" dirty="0"/>
+              <a:t>SGE group </a:t>
+            </a:r>
+            <a:r>
+              <a:rPr lang="en-US" sz="100" dirty="0"/>
+              <a:t>(</a:t>
+            </a:r>
+            <a:r>
+              <a:rPr lang="ru-RU" sz="100" dirty="0" err="1"/>
+              <a:t>Vinci</a:t>
+            </a:r>
+            <a:r>
+              <a:rPr lang="ru-RU" sz="100" dirty="0"/>
+              <a:t> , ранее называвшаяся </a:t>
+            </a:r>
+            <a:r>
+              <a:rPr lang="ru-RU" sz="100" dirty="0" err="1"/>
+              <a:t>Société</a:t>
+            </a:r>
+            <a:r>
+              <a:rPr lang="ru-RU" sz="100" dirty="0"/>
+              <a:t> </a:t>
+            </a:r>
+            <a:r>
+              <a:rPr lang="ru-RU" sz="100" dirty="0" err="1"/>
+              <a:t>Générale</a:t>
+            </a:r>
+            <a:r>
+              <a:rPr lang="ru-RU" sz="100" dirty="0"/>
+              <a:t> </a:t>
+            </a:r>
+            <a:r>
+              <a:rPr lang="ru-RU" sz="100" dirty="0" err="1"/>
+              <a:t>d'Entreprises</a:t>
+            </a:r>
+            <a:r>
+              <a:rPr lang="ru-RU" sz="100" dirty="0"/>
+              <a:t> (SGE), является второй по величине компанией в мире в сфере концессий и строительства , в которой работают 275 000 сотрудников по всему </a:t>
+            </a:r>
+            <a:r>
+              <a:rPr lang="ru-RU" sz="100" dirty="0" err="1"/>
+              <a:t>миру.Наджат</a:t>
+            </a:r>
+            <a:r>
+              <a:rPr lang="ru-RU" sz="100" dirty="0"/>
+              <a:t> </a:t>
+            </a:r>
+            <a:r>
+              <a:rPr lang="ru-RU" sz="100" dirty="0" err="1"/>
+              <a:t>Валло-Белькасем</a:t>
+            </a:r>
+            <a:r>
+              <a:rPr lang="ru-RU" sz="100" dirty="0"/>
+              <a:t> , министр национального образования, высшего образования и исследований и Ксавье </a:t>
+            </a:r>
+            <a:r>
+              <a:rPr lang="ru-RU" sz="100" dirty="0" err="1"/>
+              <a:t>Юйяр</a:t>
+            </a:r>
+            <a:r>
+              <a:rPr lang="ru-RU" sz="100" dirty="0"/>
+              <a:t>, генеральный директор </a:t>
+            </a:r>
+            <a:r>
+              <a:rPr lang="ru-RU" sz="100" dirty="0" err="1"/>
+              <a:t>Vinci</a:t>
+            </a:r>
+            <a:r>
+              <a:rPr lang="ru-RU" sz="100" dirty="0"/>
+              <a:t>, во время конференции в 2015 году в Политехнической школе .Деятельность Винчи организована вокруг трех отраслей бизнеса: концессии, энергетики и строительства. В 2021 году компания присутствует более чем в ста странах [ 9 ] , а ее оборот составляет 49,396 млрд </a:t>
+            </a:r>
+            <a:r>
+              <a:rPr lang="ru-RU" sz="100" dirty="0" err="1"/>
+              <a:t>евроКомпании</a:t>
+            </a:r>
+            <a:r>
+              <a:rPr lang="ru-RU" sz="100" dirty="0"/>
+              <a:t> группы </a:t>
+            </a:r>
+            <a:r>
+              <a:rPr lang="ru-RU" sz="100" dirty="0" err="1"/>
+              <a:t>Vinci</a:t>
+            </a:r>
+            <a:r>
+              <a:rPr lang="ru-RU" sz="100" dirty="0"/>
+              <a:t> с датой создания [ 43 ] (неисчерпывающий список):</a:t>
+            </a:r>
+            <a:r>
+              <a:rPr lang="ru-RU" sz="100" dirty="0" err="1"/>
+              <a:t>Капаг</a:t>
+            </a:r>
+            <a:r>
+              <a:rPr lang="ru-RU" sz="100" dirty="0"/>
+              <a:t> </a:t>
+            </a:r>
+            <a:r>
+              <a:rPr lang="ru-RU" sz="100" dirty="0" err="1"/>
+              <a:t>Четра</a:t>
+            </a:r>
+            <a:r>
+              <a:rPr lang="ru-RU" sz="100" dirty="0"/>
+              <a:t> (1938)</a:t>
+            </a:r>
+            <a:r>
+              <a:rPr lang="en-US" sz="100" dirty="0"/>
+              <a:t> </a:t>
+            </a:r>
+            <a:r>
+              <a:rPr lang="ru-RU" sz="100" dirty="0" err="1"/>
+              <a:t>Турно</a:t>
+            </a:r>
+            <a:r>
+              <a:rPr lang="ru-RU" sz="100" dirty="0"/>
+              <a:t> (1937)</a:t>
+            </a:r>
+            <a:r>
+              <a:rPr lang="en-US" sz="100" dirty="0"/>
+              <a:t>)</a:t>
+            </a:r>
+            <a:endParaRPr lang="ru-RU" sz="700" dirty="0"/>
+          </a:p>
+        </p:txBody>
+      </p:sp>
+      <p:sp>
+        <p:nvSpPr>
+          <p:cNvPr id="476" name="Прямоугольник 475">
+            <a:extLst>
+              <a:ext uri="{FF2B5EF4-FFF2-40B4-BE49-F238E27FC236}">
+                <a16:creationId xmlns:a16="http://schemas.microsoft.com/office/drawing/2014/main" id="{7A7B0980-358E-4233-88F9-AE6FB3110503}"/>
+              </a:ext>
+            </a:extLst>
+          </p:cNvPr>
+          <p:cNvSpPr/>
+          <p:nvPr/>
+        </p:nvSpPr>
+        <p:spPr>
+          <a:xfrm>
+            <a:off x="24253168" y="19071734"/>
+            <a:ext cx="926325" cy="540000"/>
+          </a:xfrm>
+          <a:prstGeom prst="rect">
+            <a:avLst/>
+          </a:prstGeom>
+          <a:noFill/>
+          <a:ln w="19050"/>
+        </p:spPr>
+        <p:style>
+          <a:lnRef idx="2">
+            <a:schemeClr val="accent1"/>
+          </a:lnRef>
+          <a:fillRef idx="1">
+            <a:schemeClr val="lt1"/>
+          </a:fillRef>
+          <a:effectRef idx="0">
+            <a:schemeClr val="accent1"/>
+          </a:effectRef>
+          <a:fontRef idx="minor">
+            <a:schemeClr val="dk1"/>
+          </a:fontRef>
+        </p:style>
+        <p:txBody>
+          <a:bodyPr lIns="124733" tIns="62367" rIns="124733" bIns="62367" rtlCol="0" anchor="ctr"/>
+          <a:lstStyle/>
+          <a:p>
+            <a:pPr algn="ctr"/>
+            <a:r>
+              <a:rPr lang="en-US" sz="700" dirty="0" err="1"/>
+              <a:t>Renoult</a:t>
+            </a:r>
+            <a:r>
+              <a:rPr lang="en-US" sz="700" dirty="0"/>
+              <a:t>. Renault ABV 1937 </a:t>
+            </a:r>
+            <a:r>
+              <a:rPr lang="en-US" sz="200" dirty="0"/>
+              <a:t>(</a:t>
+            </a:r>
+            <a:r>
+              <a:rPr lang="ru-RU" sz="200" dirty="0" err="1"/>
+              <a:t>Renault</a:t>
+            </a:r>
+            <a:r>
+              <a:rPr lang="ru-RU" sz="200" dirty="0"/>
+              <a:t> ABV , представленный как двухместный ABJ , — сочленённый вагон с двумя кузовами на 3 тележках, выпускавшийся компанией </a:t>
+            </a:r>
+            <a:r>
+              <a:rPr lang="ru-RU" sz="200" dirty="0" err="1"/>
+              <a:t>Renault</a:t>
+            </a:r>
+            <a:r>
+              <a:rPr lang="ru-RU" sz="200" dirty="0"/>
+              <a:t> в 1936—1937 годах .На двух концевых тележках установлен двигатель мощностью 265 </a:t>
+            </a:r>
+            <a:r>
+              <a:rPr lang="ru-RU" sz="200" dirty="0" err="1"/>
+              <a:t>л.с</a:t>
+            </a:r>
+            <a:r>
+              <a:rPr lang="ru-RU" sz="200" dirty="0"/>
+              <a:t>. (195 кВт ), а затем 300 </a:t>
+            </a:r>
+            <a:r>
+              <a:rPr lang="ru-RU" sz="200" dirty="0" err="1"/>
+              <a:t>л.с</a:t>
+            </a:r>
+            <a:r>
+              <a:rPr lang="ru-RU" sz="200" dirty="0"/>
+              <a:t>.</a:t>
+            </a:r>
+            <a:r>
+              <a:rPr lang="en-US" sz="200" dirty="0"/>
+              <a:t>)</a:t>
+            </a:r>
+            <a:endParaRPr lang="ru-RU" sz="700" dirty="0"/>
+          </a:p>
+        </p:txBody>
+      </p:sp>
     </p:spTree>
     <p:extLst>
       <p:ext uri="{BB962C8B-B14F-4D97-AF65-F5344CB8AC3E}">

--- a/Наработки/диздоки/Франция/Франция.pptx
+++ b/Наработки/диздоки/Франция/Франция.pptx
@@ -209,7 +209,7 @@
             <a:fld id="{33E3D7F9-E251-484C-A6FF-FA958879DF69}" type="datetimeFigureOut">
               <a:rPr lang="ru-RU" smtClean="0"/>
               <a:pPr/>
-              <a:t>29.03.2024</a:t>
+              <a:t>31.03.2024</a:t>
             </a:fld>
             <a:endParaRPr lang="ru-RU"/>
           </a:p>
@@ -699,7 +699,7 @@
             <a:fld id="{85A5DE44-605B-4D3B-B2B7-94543DF81A36}" type="datetimeFigureOut">
               <a:rPr lang="ru-RU" smtClean="0"/>
               <a:pPr/>
-              <a:t>29.03.2024</a:t>
+              <a:t>31.03.2024</a:t>
             </a:fld>
             <a:endParaRPr lang="ru-RU"/>
           </a:p>
@@ -871,7 +871,7 @@
             <a:fld id="{85A5DE44-605B-4D3B-B2B7-94543DF81A36}" type="datetimeFigureOut">
               <a:rPr lang="ru-RU" smtClean="0"/>
               <a:pPr/>
-              <a:t>29.03.2024</a:t>
+              <a:t>31.03.2024</a:t>
             </a:fld>
             <a:endParaRPr lang="ru-RU"/>
           </a:p>
@@ -1053,7 +1053,7 @@
             <a:fld id="{85A5DE44-605B-4D3B-B2B7-94543DF81A36}" type="datetimeFigureOut">
               <a:rPr lang="ru-RU" smtClean="0"/>
               <a:pPr/>
-              <a:t>29.03.2024</a:t>
+              <a:t>31.03.2024</a:t>
             </a:fld>
             <a:endParaRPr lang="ru-RU"/>
           </a:p>
@@ -1225,7 +1225,7 @@
             <a:fld id="{85A5DE44-605B-4D3B-B2B7-94543DF81A36}" type="datetimeFigureOut">
               <a:rPr lang="ru-RU" smtClean="0"/>
               <a:pPr/>
-              <a:t>29.03.2024</a:t>
+              <a:t>31.03.2024</a:t>
             </a:fld>
             <a:endParaRPr lang="ru-RU"/>
           </a:p>
@@ -1473,7 +1473,7 @@
             <a:fld id="{85A5DE44-605B-4D3B-B2B7-94543DF81A36}" type="datetimeFigureOut">
               <a:rPr lang="ru-RU" smtClean="0"/>
               <a:pPr/>
-              <a:t>29.03.2024</a:t>
+              <a:t>31.03.2024</a:t>
             </a:fld>
             <a:endParaRPr lang="ru-RU"/>
           </a:p>
@@ -1707,7 +1707,7 @@
             <a:fld id="{85A5DE44-605B-4D3B-B2B7-94543DF81A36}" type="datetimeFigureOut">
               <a:rPr lang="ru-RU" smtClean="0"/>
               <a:pPr/>
-              <a:t>29.03.2024</a:t>
+              <a:t>31.03.2024</a:t>
             </a:fld>
             <a:endParaRPr lang="ru-RU"/>
           </a:p>
@@ -2076,7 +2076,7 @@
             <a:fld id="{85A5DE44-605B-4D3B-B2B7-94543DF81A36}" type="datetimeFigureOut">
               <a:rPr lang="ru-RU" smtClean="0"/>
               <a:pPr/>
-              <a:t>29.03.2024</a:t>
+              <a:t>31.03.2024</a:t>
             </a:fld>
             <a:endParaRPr lang="ru-RU"/>
           </a:p>
@@ -2196,7 +2196,7 @@
             <a:fld id="{85A5DE44-605B-4D3B-B2B7-94543DF81A36}" type="datetimeFigureOut">
               <a:rPr lang="ru-RU" smtClean="0"/>
               <a:pPr/>
-              <a:t>29.03.2024</a:t>
+              <a:t>31.03.2024</a:t>
             </a:fld>
             <a:endParaRPr lang="ru-RU"/>
           </a:p>
@@ -2293,7 +2293,7 @@
             <a:fld id="{85A5DE44-605B-4D3B-B2B7-94543DF81A36}" type="datetimeFigureOut">
               <a:rPr lang="ru-RU" smtClean="0"/>
               <a:pPr/>
-              <a:t>29.03.2024</a:t>
+              <a:t>31.03.2024</a:t>
             </a:fld>
             <a:endParaRPr lang="ru-RU"/>
           </a:p>
@@ -2572,7 +2572,7 @@
             <a:fld id="{85A5DE44-605B-4D3B-B2B7-94543DF81A36}" type="datetimeFigureOut">
               <a:rPr lang="ru-RU" smtClean="0"/>
               <a:pPr/>
-              <a:t>29.03.2024</a:t>
+              <a:t>31.03.2024</a:t>
             </a:fld>
             <a:endParaRPr lang="ru-RU"/>
           </a:p>
@@ -2831,7 +2831,7 @@
             <a:fld id="{85A5DE44-605B-4D3B-B2B7-94543DF81A36}" type="datetimeFigureOut">
               <a:rPr lang="ru-RU" smtClean="0"/>
               <a:pPr/>
-              <a:t>29.03.2024</a:t>
+              <a:t>31.03.2024</a:t>
             </a:fld>
             <a:endParaRPr lang="ru-RU"/>
           </a:p>
@@ -3046,7 +3046,7 @@
             <a:fld id="{85A5DE44-605B-4D3B-B2B7-94543DF81A36}" type="datetimeFigureOut">
               <a:rPr lang="ru-RU" smtClean="0"/>
               <a:pPr/>
-              <a:t>29.03.2024</a:t>
+              <a:t>31.03.2024</a:t>
             </a:fld>
             <a:endParaRPr lang="ru-RU"/>
           </a:p>
@@ -9750,7 +9750,7 @@
         </p:nvSpPr>
         <p:spPr>
           <a:xfrm>
-            <a:off x="21802280" y="19821422"/>
+            <a:off x="24151488" y="19825398"/>
             <a:ext cx="926325" cy="540000"/>
           </a:xfrm>
           <a:prstGeom prst="rect">
@@ -9804,7 +9804,7 @@
         </p:nvSpPr>
         <p:spPr>
           <a:xfrm>
-            <a:off x="25888831" y="19821421"/>
+            <a:off x="27023802" y="19823700"/>
             <a:ext cx="926325" cy="540000"/>
           </a:xfrm>
           <a:prstGeom prst="rect">
@@ -10234,8 +10234,8 @@
         </p:nvCxnSpPr>
         <p:spPr>
           <a:xfrm rot="16200000" flipH="1">
-            <a:off x="23604080" y="17073507"/>
-            <a:ext cx="202212" cy="5293615"/>
+            <a:off x="24170427" y="16507161"/>
+            <a:ext cx="204491" cy="6428586"/>
           </a:xfrm>
           <a:prstGeom prst="bentConnector3">
             <a:avLst>
@@ -10574,8 +10574,8 @@
         </p:nvCxnSpPr>
         <p:spPr>
           <a:xfrm rot="5400000">
-            <a:off x="31245997" y="19795621"/>
-            <a:ext cx="330162" cy="3018352"/>
+            <a:off x="31252860" y="19802484"/>
+            <a:ext cx="316436" cy="3018352"/>
           </a:xfrm>
           <a:prstGeom prst="bentConnector3">
             <a:avLst>
@@ -11185,7 +11185,7 @@
         </p:nvSpPr>
         <p:spPr>
           <a:xfrm>
-            <a:off x="32457091" y="20599716"/>
+            <a:off x="32457091" y="20613442"/>
             <a:ext cx="926325" cy="540000"/>
           </a:xfrm>
           <a:prstGeom prst="rect">
@@ -12009,12 +12009,12 @@
         </p:nvCxnSpPr>
         <p:spPr>
           <a:xfrm rot="16200000" flipH="1">
-            <a:off x="33224391" y="20835578"/>
-            <a:ext cx="1202228" cy="1810503"/>
+            <a:off x="33231254" y="20842441"/>
+            <a:ext cx="1188502" cy="1810503"/>
           </a:xfrm>
           <a:prstGeom prst="bentConnector3">
             <a:avLst>
-              <a:gd name="adj1" fmla="val 13624"/>
+              <a:gd name="adj1" fmla="val 50000"/>
             </a:avLst>
           </a:prstGeom>
           <a:ln w="19050">
@@ -12298,8 +12298,8 @@
         </p:nvCxnSpPr>
         <p:spPr>
           <a:xfrm rot="5400000">
-            <a:off x="31848013" y="20403943"/>
-            <a:ext cx="336469" cy="1808014"/>
+            <a:off x="31854876" y="20410806"/>
+            <a:ext cx="322743" cy="1808014"/>
           </a:xfrm>
           <a:prstGeom prst="bentConnector3">
             <a:avLst>
@@ -12461,8 +12461,8 @@
         </p:nvCxnSpPr>
         <p:spPr>
           <a:xfrm rot="16200000" flipH="1">
-            <a:off x="33361291" y="20698678"/>
-            <a:ext cx="330162" cy="1212237"/>
+            <a:off x="33368154" y="20705541"/>
+            <a:ext cx="316436" cy="1212237"/>
           </a:xfrm>
           <a:prstGeom prst="bentConnector3">
             <a:avLst>
@@ -13064,8 +13064,8 @@
         </p:nvCxnSpPr>
         <p:spPr>
           <a:xfrm rot="16200000" flipH="1">
-            <a:off x="33965127" y="20094843"/>
-            <a:ext cx="330162" cy="2419908"/>
+            <a:off x="33971990" y="20101706"/>
+            <a:ext cx="316436" cy="2419908"/>
           </a:xfrm>
           <a:prstGeom prst="bentConnector3">
             <a:avLst>
@@ -13109,8 +13109,8 @@
         </p:nvCxnSpPr>
         <p:spPr>
           <a:xfrm rot="16200000" flipH="1">
-            <a:off x="34567253" y="19492716"/>
-            <a:ext cx="330162" cy="3624161"/>
+            <a:off x="34574116" y="19499579"/>
+            <a:ext cx="316436" cy="3624161"/>
           </a:xfrm>
           <a:prstGeom prst="bentConnector3">
             <a:avLst>
@@ -13632,8 +13632,8 @@
         </p:nvCxnSpPr>
         <p:spPr>
           <a:xfrm rot="16200000" flipH="1">
-            <a:off x="29516977" y="17196438"/>
-            <a:ext cx="238295" cy="6568260"/>
+            <a:off x="30078738" y="17771926"/>
+            <a:ext cx="249742" cy="5433289"/>
           </a:xfrm>
           <a:prstGeom prst="bentConnector3">
             <a:avLst>
@@ -13673,7 +13673,7 @@
         </p:nvSpPr>
         <p:spPr>
           <a:xfrm>
-            <a:off x="23009344" y="19821422"/>
+            <a:off x="22981294" y="19825398"/>
             <a:ext cx="926325" cy="540000"/>
           </a:xfrm>
           <a:prstGeom prst="rect">
@@ -13978,8 +13978,8 @@
         </p:nvCxnSpPr>
         <p:spPr>
           <a:xfrm rot="16200000" flipH="1">
-            <a:off x="22164337" y="18513251"/>
-            <a:ext cx="202213" cy="2414128"/>
+            <a:off x="22148324" y="18529264"/>
+            <a:ext cx="206189" cy="2386078"/>
           </a:xfrm>
           <a:prstGeom prst="bentConnector3">
             <a:avLst>
@@ -14017,14 +14017,14 @@
           <p:cNvCxnSpPr>
             <a:cxnSpLocks/>
             <a:stCxn id="149" idx="2"/>
-            <a:endCxn id="234" idx="0"/>
+            <a:endCxn id="478" idx="0"/>
           </p:cNvCxnSpPr>
           <p:nvPr/>
         </p:nvCxnSpPr>
         <p:spPr>
           <a:xfrm>
-            <a:off x="26351994" y="20361421"/>
-            <a:ext cx="0" cy="253377"/>
+            <a:off x="27486965" y="20363700"/>
+            <a:ext cx="0" cy="251774"/>
           </a:xfrm>
           <a:prstGeom prst="straightConnector1">
             <a:avLst/>
@@ -14066,8 +14066,8 @@
         </p:nvCxnSpPr>
         <p:spPr>
           <a:xfrm rot="16200000" flipH="1">
-            <a:off x="21560805" y="19116783"/>
-            <a:ext cx="202213" cy="1207064"/>
+            <a:off x="22733421" y="17944167"/>
+            <a:ext cx="206189" cy="3556272"/>
           </a:xfrm>
           <a:prstGeom prst="bentConnector3">
             <a:avLst>
@@ -16138,7 +16138,7 @@
         </p:nvSpPr>
         <p:spPr>
           <a:xfrm>
-            <a:off x="21157305" y="20620650"/>
+            <a:off x="25298410" y="19825798"/>
             <a:ext cx="926325" cy="540000"/>
           </a:xfrm>
           <a:prstGeom prst="rect">
@@ -20965,8 +20965,8 @@
         </p:nvCxnSpPr>
         <p:spPr>
           <a:xfrm>
-            <a:off x="32920254" y="21139716"/>
-            <a:ext cx="0" cy="331114"/>
+            <a:off x="32920254" y="21153442"/>
+            <a:ext cx="0" cy="317388"/>
           </a:xfrm>
           <a:prstGeom prst="straightConnector1">
             <a:avLst/>
@@ -24305,7 +24305,7 @@
         </p:nvSpPr>
         <p:spPr>
           <a:xfrm>
-            <a:off x="24253168" y="19786453"/>
+            <a:off x="21798535" y="19821831"/>
             <a:ext cx="926325" cy="540000"/>
           </a:xfrm>
           <a:prstGeom prst="rect">
@@ -24335,129 +24335,16 @@
             <a:pPr algn="ctr"/>
             <a:r>
               <a:rPr lang="ru-RU" sz="700" dirty="0"/>
-              <a:t>Расширение концессий </a:t>
+              <a:t>Расширение </a:t>
             </a:r>
             <a:r>
               <a:rPr lang="en-US" sz="700" dirty="0"/>
-              <a:t>SGE group </a:t>
-            </a:r>
-            <a:r>
-              <a:rPr lang="en-US" sz="100" dirty="0"/>
-              <a:t>(</a:t>
-            </a:r>
-            <a:r>
-              <a:rPr lang="ru-RU" sz="100" dirty="0" err="1"/>
-              <a:t>Vinci</a:t>
-            </a:r>
-            <a:r>
-              <a:rPr lang="ru-RU" sz="100" dirty="0"/>
-              <a:t> , ранее называвшаяся </a:t>
-            </a:r>
-            <a:r>
-              <a:rPr lang="ru-RU" sz="100" dirty="0" err="1"/>
-              <a:t>Société</a:t>
-            </a:r>
-            <a:r>
-              <a:rPr lang="ru-RU" sz="100" dirty="0"/>
-              <a:t> </a:t>
-            </a:r>
-            <a:r>
-              <a:rPr lang="ru-RU" sz="100" dirty="0" err="1"/>
-              <a:t>Générale</a:t>
-            </a:r>
-            <a:r>
-              <a:rPr lang="ru-RU" sz="100" dirty="0"/>
-              <a:t> </a:t>
-            </a:r>
-            <a:r>
-              <a:rPr lang="ru-RU" sz="100" dirty="0" err="1"/>
-              <a:t>d'Entreprises</a:t>
-            </a:r>
-            <a:r>
-              <a:rPr lang="ru-RU" sz="100" dirty="0"/>
-              <a:t> (SGE), является второй по величине компанией в мире в сфере концессий и строительства , в которой работают 275 000 сотрудников по всему </a:t>
-            </a:r>
-            <a:r>
-              <a:rPr lang="ru-RU" sz="100" dirty="0" err="1"/>
-              <a:t>миру.Наджат</a:t>
-            </a:r>
-            <a:r>
-              <a:rPr lang="ru-RU" sz="100" dirty="0"/>
-              <a:t> </a:t>
-            </a:r>
-            <a:r>
-              <a:rPr lang="ru-RU" sz="100" dirty="0" err="1"/>
-              <a:t>Валло-Белькасем</a:t>
-            </a:r>
-            <a:r>
-              <a:rPr lang="ru-RU" sz="100" dirty="0"/>
-              <a:t> , министр национального образования, высшего образования и исследований и Ксавье </a:t>
-            </a:r>
-            <a:r>
-              <a:rPr lang="ru-RU" sz="100" dirty="0" err="1"/>
-              <a:t>Юйяр</a:t>
-            </a:r>
-            <a:r>
-              <a:rPr lang="ru-RU" sz="100" dirty="0"/>
-              <a:t>, генеральный директор </a:t>
-            </a:r>
-            <a:r>
-              <a:rPr lang="ru-RU" sz="100" dirty="0" err="1"/>
-              <a:t>Vinci</a:t>
-            </a:r>
-            <a:r>
-              <a:rPr lang="ru-RU" sz="100" dirty="0"/>
-              <a:t>, во время конференции в 2015 году в Политехнической школе .Деятельность Винчи организована вокруг трех отраслей бизнеса: концессии, энергетики и строительства. В 2021 году компания присутствует более чем в ста странах [ 9 ] , а ее оборот составляет 49,396 млрд </a:t>
-            </a:r>
-            <a:r>
-              <a:rPr lang="ru-RU" sz="100" dirty="0" err="1"/>
-              <a:t>евроКомпании</a:t>
-            </a:r>
-            <a:r>
-              <a:rPr lang="ru-RU" sz="100" dirty="0"/>
-              <a:t> группы </a:t>
-            </a:r>
-            <a:r>
-              <a:rPr lang="ru-RU" sz="100" dirty="0" err="1"/>
-              <a:t>Vinci</a:t>
-            </a:r>
-            <a:r>
-              <a:rPr lang="ru-RU" sz="100" dirty="0"/>
-              <a:t> с датой создания [ 43 ] (неисчерпывающий список):</a:t>
-            </a:r>
-            <a:r>
-              <a:rPr lang="ru-RU" sz="100" dirty="0" err="1"/>
-              <a:t>Капаг</a:t>
-            </a:r>
-            <a:r>
-              <a:rPr lang="ru-RU" sz="100" dirty="0"/>
-              <a:t> </a:t>
-            </a:r>
-            <a:r>
-              <a:rPr lang="ru-RU" sz="100" dirty="0" err="1"/>
-              <a:t>Четра</a:t>
-            </a:r>
-            <a:r>
-              <a:rPr lang="ru-RU" sz="100" dirty="0"/>
-              <a:t> (1938)</a:t>
-            </a:r>
-            <a:r>
-              <a:rPr lang="en-US" sz="100" dirty="0"/>
-              <a:t> </a:t>
-            </a:r>
-            <a:r>
-              <a:rPr lang="ru-RU" sz="100" dirty="0" err="1"/>
-              <a:t>Турно</a:t>
-            </a:r>
-            <a:r>
-              <a:rPr lang="ru-RU" sz="100" dirty="0"/>
-              <a:t> (1937)</a:t>
-            </a:r>
-            <a:r>
-              <a:rPr lang="en-US" sz="100" dirty="0"/>
-              <a:t>)</a:t>
-            </a:r>
-            <a:endParaRPr lang="ru-RU" sz="700" dirty="0"/>
+              <a:t>SGE group</a:t>
+            </a:r>
+            <a:r>
+              <a:rPr lang="ru-RU" sz="700" dirty="0"/>
+              <a:t> новыми концессиями</a:t>
+            </a:r>
           </a:p>
         </p:txBody>
       </p:sp>
@@ -24475,7 +24362,7 @@
         </p:nvSpPr>
         <p:spPr>
           <a:xfrm>
-            <a:off x="24253168" y="19071734"/>
+            <a:off x="23535903" y="20621477"/>
             <a:ext cx="926325" cy="540000"/>
           </a:xfrm>
           <a:prstGeom prst="rect">
@@ -24504,57 +24391,728 @@
           <a:p>
             <a:pPr algn="ctr"/>
             <a:r>
-              <a:rPr lang="en-US" sz="700" dirty="0" err="1"/>
-              <a:t>Renoult</a:t>
-            </a:r>
-            <a:r>
-              <a:rPr lang="en-US" sz="700" dirty="0"/>
-              <a:t>. Renault ABV 1937 </a:t>
-            </a:r>
-            <a:r>
-              <a:rPr lang="en-US" sz="200" dirty="0"/>
-              <a:t>(</a:t>
-            </a:r>
-            <a:r>
-              <a:rPr lang="ru-RU" sz="200" dirty="0" err="1"/>
-              <a:t>Renault</a:t>
-            </a:r>
-            <a:r>
-              <a:rPr lang="ru-RU" sz="200" dirty="0"/>
-              <a:t> ABV , представленный как двухместный ABJ , — сочленённый вагон с двумя кузовами на 3 тележках, выпускавшийся компанией </a:t>
-            </a:r>
-            <a:r>
-              <a:rPr lang="ru-RU" sz="200" dirty="0" err="1"/>
-              <a:t>Renault</a:t>
-            </a:r>
-            <a:r>
-              <a:rPr lang="ru-RU" sz="200" dirty="0"/>
-              <a:t> в 1936—1937 годах .На двух концевых тележках установлен двигатель мощностью 265 </a:t>
-            </a:r>
-            <a:r>
-              <a:rPr lang="ru-RU" sz="200" dirty="0" err="1"/>
-              <a:t>л.с</a:t>
-            </a:r>
-            <a:r>
-              <a:rPr lang="ru-RU" sz="200" dirty="0"/>
-              <a:t>. (195 кВт ), а затем 300 </a:t>
-            </a:r>
-            <a:r>
-              <a:rPr lang="ru-RU" sz="200" dirty="0" err="1"/>
-              <a:t>л.с</a:t>
-            </a:r>
-            <a:r>
-              <a:rPr lang="ru-RU" sz="200" dirty="0"/>
-              <a:t>.</a:t>
-            </a:r>
-            <a:r>
-              <a:rPr lang="en-US" sz="200" dirty="0"/>
-              <a:t>)</a:t>
-            </a:r>
-            <a:endParaRPr lang="ru-RU" sz="700" dirty="0"/>
+              <a:rPr lang="ru-RU" sz="700" dirty="0"/>
+              <a:t>Развитие скоростных поездов</a:t>
+            </a:r>
           </a:p>
         </p:txBody>
       </p:sp>
+      <p:sp>
+        <p:nvSpPr>
+          <p:cNvPr id="478" name="Прямоугольник 477">
+            <a:extLst>
+              <a:ext uri="{FF2B5EF4-FFF2-40B4-BE49-F238E27FC236}">
+                <a16:creationId xmlns:a16="http://schemas.microsoft.com/office/drawing/2014/main" id="{6C5F4341-933D-4D54-9217-10517685A3B0}"/>
+              </a:ext>
+            </a:extLst>
+          </p:cNvPr>
+          <p:cNvSpPr/>
+          <p:nvPr/>
+        </p:nvSpPr>
+        <p:spPr>
+          <a:xfrm>
+            <a:off x="27023802" y="20615474"/>
+            <a:ext cx="926325" cy="540000"/>
+          </a:xfrm>
+          <a:prstGeom prst="rect">
+            <a:avLst/>
+          </a:prstGeom>
+          <a:solidFill>
+            <a:schemeClr val="accent1">
+              <a:lumMod val="60000"/>
+              <a:lumOff val="40000"/>
+            </a:schemeClr>
+          </a:solidFill>
+          <a:ln w="19050"/>
+        </p:spPr>
+        <p:style>
+          <a:lnRef idx="2">
+            <a:schemeClr val="accent1"/>
+          </a:lnRef>
+          <a:fillRef idx="1">
+            <a:schemeClr val="lt1"/>
+          </a:fillRef>
+          <a:effectRef idx="0">
+            <a:schemeClr val="accent1"/>
+          </a:effectRef>
+          <a:fontRef idx="minor">
+            <a:schemeClr val="dk1"/>
+          </a:fontRef>
+        </p:style>
+        <p:txBody>
+          <a:bodyPr lIns="124733" tIns="62367" rIns="124733" bIns="62367" rtlCol="0" anchor="ctr"/>
+          <a:lstStyle/>
+          <a:p>
+            <a:pPr algn="ctr"/>
+            <a:r>
+              <a:rPr lang="ru-RU" sz="700" dirty="0"/>
+              <a:t>Национализировать заводы под нужды </a:t>
+            </a:r>
+            <a:r>
+              <a:rPr lang="en-US" sz="700" dirty="0"/>
+              <a:t>Renault</a:t>
+            </a:r>
+            <a:endParaRPr lang="ru-RU" sz="700" dirty="0"/>
+          </a:p>
+        </p:txBody>
+      </p:sp>
+      <p:sp>
+        <p:nvSpPr>
+          <p:cNvPr id="479" name="Прямоугольник 478">
+            <a:extLst>
+              <a:ext uri="{FF2B5EF4-FFF2-40B4-BE49-F238E27FC236}">
+                <a16:creationId xmlns:a16="http://schemas.microsoft.com/office/drawing/2014/main" id="{952A2698-6019-4081-9FE4-1ED5DD2F7442}"/>
+              </a:ext>
+            </a:extLst>
+          </p:cNvPr>
+          <p:cNvSpPr/>
+          <p:nvPr/>
+        </p:nvSpPr>
+        <p:spPr>
+          <a:xfrm>
+            <a:off x="28229169" y="20613442"/>
+            <a:ext cx="926325" cy="540000"/>
+          </a:xfrm>
+          <a:prstGeom prst="rect">
+            <a:avLst/>
+          </a:prstGeom>
+          <a:solidFill>
+            <a:schemeClr val="accent1">
+              <a:lumMod val="60000"/>
+              <a:lumOff val="40000"/>
+            </a:schemeClr>
+          </a:solidFill>
+          <a:ln w="19050"/>
+        </p:spPr>
+        <p:style>
+          <a:lnRef idx="2">
+            <a:schemeClr val="accent1"/>
+          </a:lnRef>
+          <a:fillRef idx="1">
+            <a:schemeClr val="lt1"/>
+          </a:fillRef>
+          <a:effectRef idx="0">
+            <a:schemeClr val="accent1"/>
+          </a:effectRef>
+          <a:fontRef idx="minor">
+            <a:schemeClr val="dk1"/>
+          </a:fontRef>
+        </p:style>
+        <p:txBody>
+          <a:bodyPr lIns="124733" tIns="62367" rIns="124733" bIns="62367" rtlCol="0" anchor="ctr"/>
+          <a:lstStyle/>
+          <a:p>
+            <a:pPr algn="ctr"/>
+            <a:r>
+              <a:rPr lang="ru-RU" sz="700" dirty="0"/>
+              <a:t>«Межсоюзный танк»(начало лета 1940)</a:t>
+            </a:r>
+            <a:r>
+              <a:rPr lang="ru-RU" sz="100" dirty="0"/>
+              <a:t>(Луи Рено и Генри </a:t>
+            </a:r>
+            <a:r>
+              <a:rPr lang="ru-RU" sz="100" dirty="0" err="1"/>
+              <a:t>Потез</a:t>
+            </a:r>
+            <a:r>
+              <a:rPr lang="ru-RU" sz="100" dirty="0"/>
+              <a:t> переехали в Великобританию в 1939 году, чтобы организовать совместное производство . Благодаря сотрудничеству генеральных штабов Франции и Великобритании с 1938 года французы обнаружили недостатки своего союзника в плане тяжелых танков [ 52 ] . Это позволило выпустить на рынок танк А20, будущий «Черчилль», на который большое влияние оказал </a:t>
+            </a:r>
+            <a:r>
+              <a:rPr lang="ru-RU" sz="100" dirty="0" err="1"/>
+              <a:t>Char</a:t>
+            </a:r>
+            <a:r>
+              <a:rPr lang="ru-RU" sz="100" dirty="0"/>
+              <a:t> B1 </a:t>
+            </a:r>
+            <a:r>
+              <a:rPr lang="ru-RU" sz="100" dirty="0" err="1"/>
+              <a:t>bis</a:t>
+            </a:r>
+            <a:r>
+              <a:rPr lang="ru-RU" sz="100" dirty="0"/>
+              <a:t> . Поставка последнего в качестве «межсоюзного танка» англичанам планировалась </a:t>
+            </a:r>
+            <a:r>
+              <a:rPr lang="ru-RU" sz="100" dirty="0" err="1"/>
+              <a:t>сиюнь</a:t>
+            </a:r>
+            <a:r>
+              <a:rPr lang="ru-RU" sz="100" dirty="0"/>
+              <a:t> 1940 г., с передачей английских </a:t>
+            </a:r>
+            <a:r>
+              <a:rPr lang="ru-RU" sz="100" dirty="0" err="1"/>
+              <a:t>бронелистов</a:t>
+            </a:r>
+            <a:r>
+              <a:rPr lang="ru-RU" sz="100" dirty="0"/>
+              <a:t> для увеличения производства. Однако разгром британского экспедиционного корпуса во время битвы за Францию ​​показал, что этот тип танка уже не приспособлен к новому облику войны, и от проекта « крепостного танка А20 » на французском языке отказались. Проектирование новой модели — A22 </a:t>
+            </a:r>
+            <a:r>
+              <a:rPr lang="ru-RU" sz="100" dirty="0" err="1"/>
+              <a:t>Infantry</a:t>
+            </a:r>
+            <a:r>
+              <a:rPr lang="ru-RU" sz="100" dirty="0"/>
+              <a:t> </a:t>
+            </a:r>
+            <a:r>
+              <a:rPr lang="ru-RU" sz="100" dirty="0" err="1"/>
+              <a:t>Tank</a:t>
+            </a:r>
+            <a:r>
+              <a:rPr lang="ru-RU" sz="100" dirty="0"/>
+              <a:t> </a:t>
+            </a:r>
+            <a:r>
+              <a:rPr lang="ru-RU" sz="100" dirty="0" err="1"/>
+              <a:t>Mark</a:t>
+            </a:r>
+            <a:r>
+              <a:rPr lang="ru-RU" sz="100" dirty="0"/>
+              <a:t> IV </a:t>
+            </a:r>
+            <a:r>
+              <a:rPr lang="ru-RU" sz="100" dirty="0" err="1"/>
+              <a:t>Churchill</a:t>
+            </a:r>
+            <a:r>
+              <a:rPr lang="ru-RU" sz="100" dirty="0"/>
+              <a:t> — было поручено компании </a:t>
+            </a:r>
+            <a:r>
+              <a:rPr lang="ru-RU" sz="100" dirty="0" err="1"/>
+              <a:t>Vauxhall</a:t>
+            </a:r>
+            <a:r>
+              <a:rPr lang="ru-RU" sz="100" dirty="0"/>
+              <a:t> </a:t>
+            </a:r>
+            <a:r>
+              <a:rPr lang="ru-RU" sz="100" dirty="0" err="1"/>
+              <a:t>Motors</a:t>
+            </a:r>
+            <a:r>
+              <a:rPr lang="ru-RU" sz="100" dirty="0"/>
+              <a:t> .)</a:t>
+            </a:r>
+            <a:endParaRPr lang="ru-RU" sz="700" dirty="0"/>
+          </a:p>
+        </p:txBody>
+      </p:sp>
+      <p:cxnSp>
+        <p:nvCxnSpPr>
+          <p:cNvPr id="482" name="Соединительная линия уступом 620">
+            <a:extLst>
+              <a:ext uri="{FF2B5EF4-FFF2-40B4-BE49-F238E27FC236}">
+                <a16:creationId xmlns:a16="http://schemas.microsoft.com/office/drawing/2014/main" id="{0385E2EE-5478-4052-9C81-58346641265F}"/>
+              </a:ext>
+            </a:extLst>
+          </p:cNvPr>
+          <p:cNvCxnSpPr>
+            <a:cxnSpLocks/>
+            <a:stCxn id="216" idx="2"/>
+            <a:endCxn id="476" idx="0"/>
+          </p:cNvCxnSpPr>
+          <p:nvPr/>
+        </p:nvCxnSpPr>
+        <p:spPr>
+          <a:xfrm rot="16200000" flipH="1">
+            <a:off x="22027588" y="18649999"/>
+            <a:ext cx="1002268" cy="2940687"/>
+          </a:xfrm>
+          <a:prstGeom prst="bentConnector3">
+            <a:avLst>
+              <a:gd name="adj1" fmla="val 10260"/>
+            </a:avLst>
+          </a:prstGeom>
+          <a:ln w="19050">
+            <a:tailEnd type="arrow"/>
+          </a:ln>
+        </p:spPr>
+        <p:style>
+          <a:lnRef idx="1">
+            <a:schemeClr val="accent1"/>
+          </a:lnRef>
+          <a:fillRef idx="0">
+            <a:schemeClr val="accent1"/>
+          </a:fillRef>
+          <a:effectRef idx="0">
+            <a:schemeClr val="accent1"/>
+          </a:effectRef>
+          <a:fontRef idx="minor">
+            <a:schemeClr val="tx1"/>
+          </a:fontRef>
+        </p:style>
+      </p:cxnSp>
+      <p:cxnSp>
+        <p:nvCxnSpPr>
+          <p:cNvPr id="483" name="Соединительная линия уступом 620">
+            <a:extLst>
+              <a:ext uri="{FF2B5EF4-FFF2-40B4-BE49-F238E27FC236}">
+                <a16:creationId xmlns:a16="http://schemas.microsoft.com/office/drawing/2014/main" id="{FDF11797-3885-4559-9CEC-12E4E94E45B8}"/>
+              </a:ext>
+            </a:extLst>
+          </p:cNvPr>
+          <p:cNvCxnSpPr>
+            <a:cxnSpLocks/>
+            <a:stCxn id="149" idx="2"/>
+            <a:endCxn id="234" idx="0"/>
+          </p:cNvCxnSpPr>
+          <p:nvPr/>
+        </p:nvCxnSpPr>
+        <p:spPr>
+          <a:xfrm rot="5400000">
+            <a:off x="26793931" y="19921764"/>
+            <a:ext cx="251098" cy="1134971"/>
+          </a:xfrm>
+          <a:prstGeom prst="bentConnector3">
+            <a:avLst>
+              <a:gd name="adj1" fmla="val 50000"/>
+            </a:avLst>
+          </a:prstGeom>
+          <a:ln w="19050">
+            <a:tailEnd type="arrow"/>
+          </a:ln>
+        </p:spPr>
+        <p:style>
+          <a:lnRef idx="1">
+            <a:schemeClr val="accent1"/>
+          </a:lnRef>
+          <a:fillRef idx="0">
+            <a:schemeClr val="accent1"/>
+          </a:fillRef>
+          <a:effectRef idx="0">
+            <a:schemeClr val="accent1"/>
+          </a:effectRef>
+          <a:fontRef idx="minor">
+            <a:schemeClr val="tx1"/>
+          </a:fontRef>
+        </p:style>
+      </p:cxnSp>
+      <p:cxnSp>
+        <p:nvCxnSpPr>
+          <p:cNvPr id="484" name="Соединительная линия уступом 620">
+            <a:extLst>
+              <a:ext uri="{FF2B5EF4-FFF2-40B4-BE49-F238E27FC236}">
+                <a16:creationId xmlns:a16="http://schemas.microsoft.com/office/drawing/2014/main" id="{24B1F115-2FC6-4EF7-83EC-619037004CD6}"/>
+              </a:ext>
+            </a:extLst>
+          </p:cNvPr>
+          <p:cNvCxnSpPr>
+            <a:cxnSpLocks/>
+            <a:stCxn id="149" idx="2"/>
+            <a:endCxn id="479" idx="0"/>
+          </p:cNvCxnSpPr>
+          <p:nvPr/>
+        </p:nvCxnSpPr>
+        <p:spPr>
+          <a:xfrm rot="16200000" flipH="1">
+            <a:off x="27964777" y="19885887"/>
+            <a:ext cx="249742" cy="1205367"/>
+          </a:xfrm>
+          <a:prstGeom prst="bentConnector3">
+            <a:avLst>
+              <a:gd name="adj1" fmla="val 50000"/>
+            </a:avLst>
+          </a:prstGeom>
+          <a:ln w="19050">
+            <a:tailEnd type="arrow"/>
+          </a:ln>
+        </p:spPr>
+        <p:style>
+          <a:lnRef idx="1">
+            <a:schemeClr val="accent1"/>
+          </a:lnRef>
+          <a:fillRef idx="0">
+            <a:schemeClr val="accent1"/>
+          </a:fillRef>
+          <a:effectRef idx="0">
+            <a:schemeClr val="accent1"/>
+          </a:effectRef>
+          <a:fontRef idx="minor">
+            <a:schemeClr val="tx1"/>
+          </a:fontRef>
+        </p:style>
+      </p:cxnSp>
+      <p:cxnSp>
+        <p:nvCxnSpPr>
+          <p:cNvPr id="485" name="Соединительная линия уступом 620">
+            <a:extLst>
+              <a:ext uri="{FF2B5EF4-FFF2-40B4-BE49-F238E27FC236}">
+                <a16:creationId xmlns:a16="http://schemas.microsoft.com/office/drawing/2014/main" id="{F67DF2D7-EC53-4C6B-8B3E-A7B525641C5E}"/>
+              </a:ext>
+            </a:extLst>
+          </p:cNvPr>
+          <p:cNvCxnSpPr>
+            <a:cxnSpLocks/>
+            <a:stCxn id="216" idx="2"/>
+            <a:endCxn id="475" idx="0"/>
+          </p:cNvCxnSpPr>
+          <p:nvPr/>
+        </p:nvCxnSpPr>
+        <p:spPr>
+          <a:xfrm rot="16200000" flipH="1">
+            <a:off x="21558727" y="19118860"/>
+            <a:ext cx="202622" cy="1203319"/>
+          </a:xfrm>
+          <a:prstGeom prst="bentConnector3">
+            <a:avLst>
+              <a:gd name="adj1" fmla="val 50000"/>
+            </a:avLst>
+          </a:prstGeom>
+          <a:ln w="19050">
+            <a:tailEnd type="arrow"/>
+          </a:ln>
+        </p:spPr>
+        <p:style>
+          <a:lnRef idx="1">
+            <a:schemeClr val="accent1"/>
+          </a:lnRef>
+          <a:fillRef idx="0">
+            <a:schemeClr val="accent1"/>
+          </a:fillRef>
+          <a:effectRef idx="0">
+            <a:schemeClr val="accent1"/>
+          </a:effectRef>
+          <a:fontRef idx="minor">
+            <a:schemeClr val="tx1"/>
+          </a:fontRef>
+        </p:style>
+      </p:cxnSp>
+      <p:sp>
+        <p:nvSpPr>
+          <p:cNvPr id="487" name="Прямоугольник 486">
+            <a:extLst>
+              <a:ext uri="{FF2B5EF4-FFF2-40B4-BE49-F238E27FC236}">
+                <a16:creationId xmlns:a16="http://schemas.microsoft.com/office/drawing/2014/main" id="{284F6FE0-0A4F-456E-868A-AFE2BEB06310}"/>
+              </a:ext>
+            </a:extLst>
+          </p:cNvPr>
+          <p:cNvSpPr/>
+          <p:nvPr/>
+        </p:nvSpPr>
+        <p:spPr>
+          <a:xfrm>
+            <a:off x="24747840" y="20625117"/>
+            <a:ext cx="926325" cy="540000"/>
+          </a:xfrm>
+          <a:prstGeom prst="rect">
+            <a:avLst/>
+          </a:prstGeom>
+          <a:noFill/>
+          <a:ln w="19050"/>
+        </p:spPr>
+        <p:style>
+          <a:lnRef idx="2">
+            <a:schemeClr val="accent1"/>
+          </a:lnRef>
+          <a:fillRef idx="1">
+            <a:schemeClr val="lt1"/>
+          </a:fillRef>
+          <a:effectRef idx="0">
+            <a:schemeClr val="accent1"/>
+          </a:effectRef>
+          <a:fontRef idx="minor">
+            <a:schemeClr val="dk1"/>
+          </a:fontRef>
+        </p:style>
+        <p:txBody>
+          <a:bodyPr lIns="124733" tIns="62367" rIns="124733" bIns="62367" rtlCol="0" anchor="ctr"/>
+          <a:lstStyle/>
+          <a:p>
+            <a:pPr algn="ctr"/>
+            <a:r>
+              <a:rPr lang="ru-RU" sz="700" dirty="0"/>
+              <a:t>Институт исследования атомных технологий</a:t>
+            </a:r>
+          </a:p>
+        </p:txBody>
+      </p:sp>
+      <p:cxnSp>
+        <p:nvCxnSpPr>
+          <p:cNvPr id="488" name="Соединительная линия уступом 620">
+            <a:extLst>
+              <a:ext uri="{FF2B5EF4-FFF2-40B4-BE49-F238E27FC236}">
+                <a16:creationId xmlns:a16="http://schemas.microsoft.com/office/drawing/2014/main" id="{5D5E337E-4BC6-42A8-B5E6-46ED72FD2ABD}"/>
+              </a:ext>
+            </a:extLst>
+          </p:cNvPr>
+          <p:cNvCxnSpPr>
+            <a:cxnSpLocks/>
+            <a:stCxn id="216" idx="2"/>
+            <a:endCxn id="371" idx="0"/>
+          </p:cNvCxnSpPr>
+          <p:nvPr/>
+        </p:nvCxnSpPr>
+        <p:spPr>
+          <a:xfrm rot="16200000" flipH="1">
+            <a:off x="23306682" y="17370906"/>
+            <a:ext cx="206589" cy="4703194"/>
+          </a:xfrm>
+          <a:prstGeom prst="bentConnector3">
+            <a:avLst>
+              <a:gd name="adj1" fmla="val 50000"/>
+            </a:avLst>
+          </a:prstGeom>
+          <a:ln w="19050">
+            <a:tailEnd type="arrow"/>
+          </a:ln>
+        </p:spPr>
+        <p:style>
+          <a:lnRef idx="1">
+            <a:schemeClr val="accent1"/>
+          </a:lnRef>
+          <a:fillRef idx="0">
+            <a:schemeClr val="accent1"/>
+          </a:fillRef>
+          <a:effectRef idx="0">
+            <a:schemeClr val="accent1"/>
+          </a:effectRef>
+          <a:fontRef idx="minor">
+            <a:schemeClr val="tx1"/>
+          </a:fontRef>
+        </p:style>
+      </p:cxnSp>
+      <p:cxnSp>
+        <p:nvCxnSpPr>
+          <p:cNvPr id="489" name="Соединительная линия уступом 620">
+            <a:extLst>
+              <a:ext uri="{FF2B5EF4-FFF2-40B4-BE49-F238E27FC236}">
+                <a16:creationId xmlns:a16="http://schemas.microsoft.com/office/drawing/2014/main" id="{6A979CBB-F96D-426D-9637-692E0DA15821}"/>
+              </a:ext>
+            </a:extLst>
+          </p:cNvPr>
+          <p:cNvCxnSpPr>
+            <a:cxnSpLocks/>
+            <a:stCxn id="371" idx="2"/>
+            <a:endCxn id="487" idx="0"/>
+          </p:cNvCxnSpPr>
+          <p:nvPr/>
+        </p:nvCxnSpPr>
+        <p:spPr>
+          <a:xfrm rot="5400000">
+            <a:off x="25356629" y="20220172"/>
+            <a:ext cx="259319" cy="550570"/>
+          </a:xfrm>
+          <a:prstGeom prst="bentConnector3">
+            <a:avLst>
+              <a:gd name="adj1" fmla="val 50000"/>
+            </a:avLst>
+          </a:prstGeom>
+          <a:ln w="19050">
+            <a:tailEnd type="arrow"/>
+          </a:ln>
+        </p:spPr>
+        <p:style>
+          <a:lnRef idx="1">
+            <a:schemeClr val="accent1"/>
+          </a:lnRef>
+          <a:fillRef idx="0">
+            <a:schemeClr val="accent1"/>
+          </a:fillRef>
+          <a:effectRef idx="0">
+            <a:schemeClr val="accent1"/>
+          </a:effectRef>
+          <a:fontRef idx="minor">
+            <a:schemeClr val="tx1"/>
+          </a:fontRef>
+        </p:style>
+      </p:cxnSp>
+      <p:sp>
+        <p:nvSpPr>
+          <p:cNvPr id="490" name="Прямоугольник 489">
+            <a:extLst>
+              <a:ext uri="{FF2B5EF4-FFF2-40B4-BE49-F238E27FC236}">
+                <a16:creationId xmlns:a16="http://schemas.microsoft.com/office/drawing/2014/main" id="{CAE87451-3267-4D2C-BF2A-A37F55B91141}"/>
+              </a:ext>
+            </a:extLst>
+          </p:cNvPr>
+          <p:cNvSpPr/>
+          <p:nvPr/>
+        </p:nvSpPr>
+        <p:spPr>
+          <a:xfrm>
+            <a:off x="21153742" y="20614798"/>
+            <a:ext cx="926325" cy="540000"/>
+          </a:xfrm>
+          <a:prstGeom prst="rect">
+            <a:avLst/>
+          </a:prstGeom>
+          <a:noFill/>
+          <a:ln w="19050"/>
+        </p:spPr>
+        <p:style>
+          <a:lnRef idx="2">
+            <a:schemeClr val="accent1"/>
+          </a:lnRef>
+          <a:fillRef idx="1">
+            <a:schemeClr val="lt1"/>
+          </a:fillRef>
+          <a:effectRef idx="0">
+            <a:schemeClr val="accent1"/>
+          </a:effectRef>
+          <a:fontRef idx="minor">
+            <a:schemeClr val="dk1"/>
+          </a:fontRef>
+        </p:style>
+        <p:txBody>
+          <a:bodyPr lIns="124733" tIns="62367" rIns="124733" bIns="62367" rtlCol="0" anchor="ctr"/>
+          <a:lstStyle/>
+          <a:p>
+            <a:pPr algn="ctr"/>
+            <a:r>
+              <a:rPr lang="ru-RU" sz="700" dirty="0"/>
+              <a:t>Расширение сети </a:t>
+            </a:r>
+            <a:r>
+              <a:rPr lang="en-US" sz="700" dirty="0"/>
+              <a:t>Lafarge</a:t>
+            </a:r>
+            <a:r>
+              <a:rPr lang="ru-RU" sz="700" dirty="0"/>
+              <a:t> (1939)</a:t>
+            </a:r>
+            <a:r>
+              <a:rPr lang="en-US" sz="700" dirty="0"/>
+              <a:t> </a:t>
+            </a:r>
+            <a:r>
+              <a:rPr lang="en-US" sz="100" dirty="0"/>
+              <a:t>(</a:t>
+            </a:r>
+            <a:r>
+              <a:rPr lang="ru-RU" sz="100" dirty="0"/>
+              <a:t>В 1919 году предприятие было преобразовано в компанию с ограниченной ответственностью под названием «Анонимное общество де </a:t>
+            </a:r>
+            <a:r>
+              <a:rPr lang="ru-RU" sz="100" dirty="0" err="1"/>
+              <a:t>шо</a:t>
+            </a:r>
+            <a:r>
+              <a:rPr lang="ru-RU" sz="100" dirty="0"/>
+              <a:t> и цемента </a:t>
+            </a:r>
+            <a:r>
+              <a:rPr lang="ru-RU" sz="100" dirty="0" err="1"/>
+              <a:t>Лафарж</a:t>
+            </a:r>
+            <a:r>
+              <a:rPr lang="ru-RU" sz="100" dirty="0"/>
+              <a:t> и </a:t>
+            </a:r>
+            <a:r>
+              <a:rPr lang="ru-RU" sz="100" dirty="0" err="1"/>
+              <a:t>дю</a:t>
+            </a:r>
+            <a:r>
+              <a:rPr lang="ru-RU" sz="100" dirty="0"/>
+              <a:t> </a:t>
+            </a:r>
+            <a:r>
+              <a:rPr lang="ru-RU" sz="100" dirty="0" err="1"/>
+              <a:t>Тей</a:t>
+            </a:r>
+            <a:r>
+              <a:rPr lang="ru-RU" sz="100" dirty="0"/>
+              <a:t>», а с 1939 года </a:t>
+            </a:r>
+            <a:r>
+              <a:rPr lang="ru-RU" sz="100" dirty="0" err="1"/>
+              <a:t>Лафарж</a:t>
+            </a:r>
+            <a:r>
+              <a:rPr lang="ru-RU" sz="100" dirty="0"/>
+              <a:t> стала ведущим французским производителем цемента и постепенно одним из мировых лидеров. </a:t>
+            </a:r>
+            <a:r>
+              <a:rPr lang="ru-RU" sz="100" dirty="0" err="1"/>
+              <a:t>Lafarge</a:t>
+            </a:r>
+            <a:r>
+              <a:rPr lang="ru-RU" sz="100" dirty="0"/>
+              <a:t> расширяет свою сеть на три территории (десять заводов во Франции, предприятие в Северной Африке и дочерняя компания в Англии , «</a:t>
+            </a:r>
+            <a:r>
+              <a:rPr lang="ru-RU" sz="100" dirty="0" err="1"/>
+              <a:t>Lafarge</a:t>
+            </a:r>
+            <a:r>
+              <a:rPr lang="ru-RU" sz="100" dirty="0"/>
+              <a:t> </a:t>
+            </a:r>
+            <a:r>
+              <a:rPr lang="ru-RU" sz="100" dirty="0" err="1"/>
+              <a:t>Aluminous</a:t>
+            </a:r>
+            <a:r>
+              <a:rPr lang="ru-RU" sz="100" dirty="0"/>
+              <a:t> </a:t>
+            </a:r>
+            <a:r>
+              <a:rPr lang="ru-RU" sz="100" dirty="0" err="1"/>
+              <a:t>Cement</a:t>
+            </a:r>
+            <a:r>
+              <a:rPr lang="ru-RU" sz="100" dirty="0"/>
+              <a:t>» в 1926 году) [ 11 ] .</a:t>
+            </a:r>
+            <a:r>
+              <a:rPr lang="en-US" sz="100" dirty="0"/>
+              <a:t>)</a:t>
+            </a:r>
+            <a:endParaRPr lang="ru-RU" sz="700" dirty="0"/>
+          </a:p>
+        </p:txBody>
+      </p:sp>
+      <p:cxnSp>
+        <p:nvCxnSpPr>
+          <p:cNvPr id="491" name="Соединительная линия уступом 620">
+            <a:extLst>
+              <a:ext uri="{FF2B5EF4-FFF2-40B4-BE49-F238E27FC236}">
+                <a16:creationId xmlns:a16="http://schemas.microsoft.com/office/drawing/2014/main" id="{48B2D185-539F-468D-B7DE-DD044FD7B665}"/>
+              </a:ext>
+            </a:extLst>
+          </p:cNvPr>
+          <p:cNvCxnSpPr>
+            <a:cxnSpLocks/>
+            <a:stCxn id="216" idx="2"/>
+            <a:endCxn id="490" idx="0"/>
+          </p:cNvCxnSpPr>
+          <p:nvPr/>
+        </p:nvCxnSpPr>
+        <p:spPr>
+          <a:xfrm rot="16200000" flipH="1">
+            <a:off x="20839848" y="19837740"/>
+            <a:ext cx="995589" cy="558526"/>
+          </a:xfrm>
+          <a:prstGeom prst="bentConnector3">
+            <a:avLst>
+              <a:gd name="adj1" fmla="val 9994"/>
+            </a:avLst>
+          </a:prstGeom>
+          <a:ln w="19050">
+            <a:tailEnd type="arrow"/>
+          </a:ln>
+        </p:spPr>
+        <p:style>
+          <a:lnRef idx="1">
+            <a:schemeClr val="accent1"/>
+          </a:lnRef>
+          <a:fillRef idx="0">
+            <a:schemeClr val="accent1"/>
+          </a:fillRef>
+          <a:effectRef idx="0">
+            <a:schemeClr val="accent1"/>
+          </a:effectRef>
+          <a:fontRef idx="minor">
+            <a:schemeClr val="tx1"/>
+          </a:fontRef>
+        </p:style>
+      </p:cxnSp>
     </p:spTree>
     <p:extLst>
       <p:ext uri="{BB962C8B-B14F-4D97-AF65-F5344CB8AC3E}">

--- a/Наработки/диздоки/Франция/Франция.pptx
+++ b/Наработки/диздоки/Франция/Франция.pptx
@@ -209,7 +209,7 @@
             <a:fld id="{33E3D7F9-E251-484C-A6FF-FA958879DF69}" type="datetimeFigureOut">
               <a:rPr lang="ru-RU" smtClean="0"/>
               <a:pPr/>
-              <a:t>31.03.2024</a:t>
+              <a:t>02.04.2024</a:t>
             </a:fld>
             <a:endParaRPr lang="ru-RU"/>
           </a:p>
@@ -699,7 +699,7 @@
             <a:fld id="{85A5DE44-605B-4D3B-B2B7-94543DF81A36}" type="datetimeFigureOut">
               <a:rPr lang="ru-RU" smtClean="0"/>
               <a:pPr/>
-              <a:t>31.03.2024</a:t>
+              <a:t>02.04.2024</a:t>
             </a:fld>
             <a:endParaRPr lang="ru-RU"/>
           </a:p>
@@ -871,7 +871,7 @@
             <a:fld id="{85A5DE44-605B-4D3B-B2B7-94543DF81A36}" type="datetimeFigureOut">
               <a:rPr lang="ru-RU" smtClean="0"/>
               <a:pPr/>
-              <a:t>31.03.2024</a:t>
+              <a:t>02.04.2024</a:t>
             </a:fld>
             <a:endParaRPr lang="ru-RU"/>
           </a:p>
@@ -1053,7 +1053,7 @@
             <a:fld id="{85A5DE44-605B-4D3B-B2B7-94543DF81A36}" type="datetimeFigureOut">
               <a:rPr lang="ru-RU" smtClean="0"/>
               <a:pPr/>
-              <a:t>31.03.2024</a:t>
+              <a:t>02.04.2024</a:t>
             </a:fld>
             <a:endParaRPr lang="ru-RU"/>
           </a:p>
@@ -1225,7 +1225,7 @@
             <a:fld id="{85A5DE44-605B-4D3B-B2B7-94543DF81A36}" type="datetimeFigureOut">
               <a:rPr lang="ru-RU" smtClean="0"/>
               <a:pPr/>
-              <a:t>31.03.2024</a:t>
+              <a:t>02.04.2024</a:t>
             </a:fld>
             <a:endParaRPr lang="ru-RU"/>
           </a:p>
@@ -1473,7 +1473,7 @@
             <a:fld id="{85A5DE44-605B-4D3B-B2B7-94543DF81A36}" type="datetimeFigureOut">
               <a:rPr lang="ru-RU" smtClean="0"/>
               <a:pPr/>
-              <a:t>31.03.2024</a:t>
+              <a:t>02.04.2024</a:t>
             </a:fld>
             <a:endParaRPr lang="ru-RU"/>
           </a:p>
@@ -1707,7 +1707,7 @@
             <a:fld id="{85A5DE44-605B-4D3B-B2B7-94543DF81A36}" type="datetimeFigureOut">
               <a:rPr lang="ru-RU" smtClean="0"/>
               <a:pPr/>
-              <a:t>31.03.2024</a:t>
+              <a:t>02.04.2024</a:t>
             </a:fld>
             <a:endParaRPr lang="ru-RU"/>
           </a:p>
@@ -2076,7 +2076,7 @@
             <a:fld id="{85A5DE44-605B-4D3B-B2B7-94543DF81A36}" type="datetimeFigureOut">
               <a:rPr lang="ru-RU" smtClean="0"/>
               <a:pPr/>
-              <a:t>31.03.2024</a:t>
+              <a:t>02.04.2024</a:t>
             </a:fld>
             <a:endParaRPr lang="ru-RU"/>
           </a:p>
@@ -2196,7 +2196,7 @@
             <a:fld id="{85A5DE44-605B-4D3B-B2B7-94543DF81A36}" type="datetimeFigureOut">
               <a:rPr lang="ru-RU" smtClean="0"/>
               <a:pPr/>
-              <a:t>31.03.2024</a:t>
+              <a:t>02.04.2024</a:t>
             </a:fld>
             <a:endParaRPr lang="ru-RU"/>
           </a:p>
@@ -2293,7 +2293,7 @@
             <a:fld id="{85A5DE44-605B-4D3B-B2B7-94543DF81A36}" type="datetimeFigureOut">
               <a:rPr lang="ru-RU" smtClean="0"/>
               <a:pPr/>
-              <a:t>31.03.2024</a:t>
+              <a:t>02.04.2024</a:t>
             </a:fld>
             <a:endParaRPr lang="ru-RU"/>
           </a:p>
@@ -2572,7 +2572,7 @@
             <a:fld id="{85A5DE44-605B-4D3B-B2B7-94543DF81A36}" type="datetimeFigureOut">
               <a:rPr lang="ru-RU" smtClean="0"/>
               <a:pPr/>
-              <a:t>31.03.2024</a:t>
+              <a:t>02.04.2024</a:t>
             </a:fld>
             <a:endParaRPr lang="ru-RU"/>
           </a:p>
@@ -2831,7 +2831,7 @@
             <a:fld id="{85A5DE44-605B-4D3B-B2B7-94543DF81A36}" type="datetimeFigureOut">
               <a:rPr lang="ru-RU" smtClean="0"/>
               <a:pPr/>
-              <a:t>31.03.2024</a:t>
+              <a:t>02.04.2024</a:t>
             </a:fld>
             <a:endParaRPr lang="ru-RU"/>
           </a:p>
@@ -3046,7 +3046,7 @@
             <a:fld id="{85A5DE44-605B-4D3B-B2B7-94543DF81A36}" type="datetimeFigureOut">
               <a:rPr lang="ru-RU" smtClean="0"/>
               <a:pPr/>
-              <a:t>31.03.2024</a:t>
+              <a:t>02.04.2024</a:t>
             </a:fld>
             <a:endParaRPr lang="ru-RU"/>
           </a:p>
@@ -3627,8 +3627,8 @@
         </p:nvCxnSpPr>
         <p:spPr>
           <a:xfrm>
-            <a:off x="24312813" y="4023238"/>
-            <a:ext cx="1363427" cy="1249"/>
+            <a:off x="20236055" y="4023238"/>
+            <a:ext cx="7235163" cy="1249"/>
           </a:xfrm>
           <a:prstGeom prst="line">
             <a:avLst/>
@@ -4079,7 +4079,7 @@
         </p:nvSpPr>
         <p:spPr>
           <a:xfrm>
-            <a:off x="24529347" y="14166542"/>
+            <a:off x="24535956" y="14160259"/>
             <a:ext cx="926325" cy="540000"/>
           </a:xfrm>
           <a:prstGeom prst="rect">
@@ -5477,8 +5477,8 @@
         </p:nvCxnSpPr>
         <p:spPr>
           <a:xfrm rot="5400000">
-            <a:off x="25472396" y="13463592"/>
-            <a:ext cx="223064" cy="1182836"/>
+            <a:off x="25478843" y="13463755"/>
+            <a:ext cx="216781" cy="1176227"/>
           </a:xfrm>
           <a:prstGeom prst="bentConnector3">
             <a:avLst>
@@ -5760,7 +5760,7 @@
         </p:nvSpPr>
         <p:spPr>
           <a:xfrm>
-            <a:off x="23386488" y="3753238"/>
+            <a:off x="19309730" y="3753238"/>
             <a:ext cx="926325" cy="540000"/>
           </a:xfrm>
           <a:prstGeom prst="rect">
@@ -5811,7 +5811,7 @@
         </p:nvSpPr>
         <p:spPr>
           <a:xfrm>
-            <a:off x="25676240" y="3754487"/>
+            <a:off x="27471218" y="3754487"/>
             <a:ext cx="926325" cy="540000"/>
           </a:xfrm>
           <a:prstGeom prst="rect">
@@ -5866,8 +5866,8 @@
         </p:nvCxnSpPr>
         <p:spPr>
           <a:xfrm rot="16200000" flipH="1">
-            <a:off x="25442973" y="3058057"/>
-            <a:ext cx="255120" cy="1137739"/>
+            <a:off x="26340462" y="2160568"/>
+            <a:ext cx="255120" cy="2932717"/>
           </a:xfrm>
           <a:prstGeom prst="bentConnector3">
             <a:avLst>
@@ -5911,8 +5911,8 @@
         </p:nvCxnSpPr>
         <p:spPr>
           <a:xfrm rot="5400000">
-            <a:off x="24298723" y="3050296"/>
-            <a:ext cx="253871" cy="1152013"/>
+            <a:off x="22260344" y="1011917"/>
+            <a:ext cx="253871" cy="5228771"/>
           </a:xfrm>
           <a:prstGeom prst="bentConnector3">
             <a:avLst>
@@ -6186,8 +6186,8 @@
         </p:nvCxnSpPr>
         <p:spPr>
           <a:xfrm rot="16200000" flipH="1">
-            <a:off x="25172549" y="14526502"/>
-            <a:ext cx="229689" cy="589767"/>
+            <a:off x="25172712" y="14526666"/>
+            <a:ext cx="235972" cy="583158"/>
           </a:xfrm>
           <a:prstGeom prst="bentConnector3">
             <a:avLst>
@@ -6776,7 +6776,7 @@
         </p:nvSpPr>
         <p:spPr>
           <a:xfrm>
-            <a:off x="18193666" y="2663404"/>
+            <a:off x="11867953" y="20771659"/>
             <a:ext cx="926325" cy="540000"/>
           </a:xfrm>
           <a:prstGeom prst="rect">
@@ -7098,7 +7098,7 @@
         </p:nvSpPr>
         <p:spPr>
           <a:xfrm>
-            <a:off x="25676240" y="4549607"/>
+            <a:off x="25676238" y="4543772"/>
             <a:ext cx="926325" cy="540000"/>
           </a:xfrm>
           <a:prstGeom prst="rect">
@@ -7133,8 +7133,13 @@
             <a:pPr algn="ctr"/>
             <a:r>
               <a:rPr lang="ru-RU" sz="700" dirty="0"/>
-              <a:t>Кабинет Луи Марина</a:t>
-            </a:r>
+              <a:t>Кабинет Поля </a:t>
+            </a:r>
+            <a:r>
+              <a:rPr lang="ru-RU" sz="700" dirty="0" err="1"/>
+              <a:t>Рейно</a:t>
+            </a:r>
+            <a:endParaRPr lang="ru-RU" sz="700" dirty="0"/>
           </a:p>
         </p:txBody>
       </p:sp>
@@ -7511,8 +7516,8 @@
         </p:nvCxnSpPr>
         <p:spPr>
           <a:xfrm rot="5400000">
-            <a:off x="19413188" y="111673"/>
-            <a:ext cx="254898" cy="8618028"/>
+            <a:off x="17374809" y="2150052"/>
+            <a:ext cx="254898" cy="4541270"/>
           </a:xfrm>
           <a:prstGeom prst="bentConnector3">
             <a:avLst>
@@ -7538,51 +7543,6 @@
           </a:fontRef>
         </p:style>
       </p:cxnSp>
-      <p:cxnSp>
-        <p:nvCxnSpPr>
-          <p:cNvPr id="146" name="Соединительная линия уступом 620">
-            <a:extLst>
-              <a:ext uri="{FF2B5EF4-FFF2-40B4-BE49-F238E27FC236}">
-                <a16:creationId xmlns:a16="http://schemas.microsoft.com/office/drawing/2014/main" id="{9E90BACC-4865-4C86-AE54-52968B7D00FD}"/>
-              </a:ext>
-            </a:extLst>
-          </p:cNvPr>
-          <p:cNvCxnSpPr>
-            <a:cxnSpLocks/>
-            <a:stCxn id="1031" idx="2"/>
-            <a:endCxn id="135" idx="0"/>
-          </p:cNvCxnSpPr>
-          <p:nvPr/>
-        </p:nvCxnSpPr>
-        <p:spPr>
-          <a:xfrm rot="5400000">
-            <a:off x="21683566" y="2383521"/>
-            <a:ext cx="256369" cy="4075803"/>
-          </a:xfrm>
-          <a:prstGeom prst="bentConnector3">
-            <a:avLst>
-              <a:gd name="adj1" fmla="val 50000"/>
-            </a:avLst>
-          </a:prstGeom>
-          <a:ln w="19050">
-            <a:tailEnd type="arrow"/>
-          </a:ln>
-        </p:spPr>
-        <p:style>
-          <a:lnRef idx="1">
-            <a:schemeClr val="accent1"/>
-          </a:lnRef>
-          <a:fillRef idx="0">
-            <a:schemeClr val="accent1"/>
-          </a:fillRef>
-          <a:effectRef idx="0">
-            <a:schemeClr val="accent1"/>
-          </a:effectRef>
-          <a:fontRef idx="minor">
-            <a:schemeClr val="tx1"/>
-          </a:fontRef>
-        </p:style>
-      </p:cxnSp>
       <p:sp>
         <p:nvSpPr>
           <p:cNvPr id="154" name="Прямоугольник 153">
@@ -7597,7 +7557,7 @@
         </p:nvSpPr>
         <p:spPr>
           <a:xfrm>
-            <a:off x="23383710" y="11824924"/>
+            <a:off x="23377360" y="11824924"/>
             <a:ext cx="926325" cy="540000"/>
           </a:xfrm>
           <a:prstGeom prst="rect">
@@ -8041,49 +8001,6 @@
           </a:fontRef>
         </p:style>
       </p:cxnSp>
-      <p:cxnSp>
-        <p:nvCxnSpPr>
-          <p:cNvPr id="192" name="Прямая со стрелкой 191">
-            <a:extLst>
-              <a:ext uri="{FF2B5EF4-FFF2-40B4-BE49-F238E27FC236}">
-                <a16:creationId xmlns:a16="http://schemas.microsoft.com/office/drawing/2014/main" id="{71F73AE7-BA57-41B1-892E-BBD073BECB02}"/>
-              </a:ext>
-            </a:extLst>
-          </p:cNvPr>
-          <p:cNvCxnSpPr>
-            <a:cxnSpLocks/>
-            <a:stCxn id="1032" idx="2"/>
-            <a:endCxn id="134" idx="0"/>
-          </p:cNvCxnSpPr>
-          <p:nvPr/>
-        </p:nvCxnSpPr>
-        <p:spPr>
-          <a:xfrm>
-            <a:off x="26139403" y="4294487"/>
-            <a:ext cx="0" cy="255120"/>
-          </a:xfrm>
-          <a:prstGeom prst="straightConnector1">
-            <a:avLst/>
-          </a:prstGeom>
-          <a:ln w="19050">
-            <a:tailEnd type="arrow"/>
-          </a:ln>
-        </p:spPr>
-        <p:style>
-          <a:lnRef idx="1">
-            <a:schemeClr val="accent1"/>
-          </a:lnRef>
-          <a:fillRef idx="0">
-            <a:schemeClr val="accent1"/>
-          </a:fillRef>
-          <a:effectRef idx="0">
-            <a:schemeClr val="accent1"/>
-          </a:effectRef>
-          <a:fontRef idx="minor">
-            <a:schemeClr val="tx1"/>
-          </a:fontRef>
-        </p:style>
-      </p:cxnSp>
       <p:sp>
         <p:nvSpPr>
           <p:cNvPr id="195" name="Прямоугольник 194">
@@ -8300,7 +8217,7 @@
         </p:nvSpPr>
         <p:spPr>
           <a:xfrm>
-            <a:off x="12029618" y="4549608"/>
+            <a:off x="7313231" y="4549608"/>
             <a:ext cx="926325" cy="540000"/>
           </a:xfrm>
           <a:prstGeom prst="rect">
@@ -8379,8 +8296,8 @@
         </p:nvCxnSpPr>
         <p:spPr>
           <a:xfrm flipV="1">
-            <a:off x="12955943" y="4818136"/>
-            <a:ext cx="1812517" cy="1472"/>
+            <a:off x="8239556" y="4818136"/>
+            <a:ext cx="6528904" cy="1472"/>
           </a:xfrm>
           <a:prstGeom prst="line">
             <a:avLst/>
@@ -8478,7 +8395,7 @@
         </p:nvSpPr>
         <p:spPr>
           <a:xfrm>
-            <a:off x="26251801" y="5343848"/>
+            <a:off x="28106234" y="5201940"/>
             <a:ext cx="926325" cy="540000"/>
           </a:xfrm>
           <a:prstGeom prst="rect">
@@ -8529,7 +8446,7 @@
         </p:nvSpPr>
         <p:spPr>
           <a:xfrm>
-            <a:off x="27386434" y="5344727"/>
+            <a:off x="29240867" y="5202819"/>
             <a:ext cx="926325" cy="540000"/>
           </a:xfrm>
           <a:prstGeom prst="rect">
@@ -8580,7 +8497,7 @@
         </p:nvSpPr>
         <p:spPr>
           <a:xfrm>
-            <a:off x="27386434" y="6132078"/>
+            <a:off x="29240867" y="5990170"/>
             <a:ext cx="926325" cy="540000"/>
           </a:xfrm>
           <a:prstGeom prst="rect">
@@ -8631,7 +8548,7 @@
         </p:nvSpPr>
         <p:spPr>
           <a:xfrm>
-            <a:off x="26251801" y="6905493"/>
+            <a:off x="28106234" y="6763585"/>
             <a:ext cx="926325" cy="540000"/>
           </a:xfrm>
           <a:prstGeom prst="rect">
@@ -8682,7 +8599,7 @@
         </p:nvSpPr>
         <p:spPr>
           <a:xfrm>
-            <a:off x="26251801" y="6132078"/>
+            <a:off x="28106234" y="5990170"/>
             <a:ext cx="926325" cy="540000"/>
           </a:xfrm>
           <a:prstGeom prst="rect">
@@ -8736,9 +8653,9 @@
           <p:nvPr/>
         </p:nvCxnSpPr>
         <p:spPr>
-          <a:xfrm rot="5400000">
-            <a:off x="23432416" y="4130901"/>
-            <a:ext cx="254899" cy="579572"/>
+          <a:xfrm rot="16200000" flipH="1">
+            <a:off x="21394037" y="2672094"/>
+            <a:ext cx="254899" cy="3497186"/>
           </a:xfrm>
           <a:prstGeom prst="bentConnector3">
             <a:avLst>
@@ -8872,8 +8789,8 @@
         </p:nvCxnSpPr>
         <p:spPr>
           <a:xfrm rot="16200000" flipH="1">
-            <a:off x="26050408" y="10161389"/>
-            <a:ext cx="273861" cy="4680930"/>
+            <a:off x="26047233" y="10158214"/>
+            <a:ext cx="273861" cy="4687280"/>
           </a:xfrm>
           <a:prstGeom prst="bentConnector3">
             <a:avLst>
@@ -8945,7 +8862,7 @@
             <a:pPr algn="ctr"/>
             <a:r>
               <a:rPr lang="ru-RU" sz="700" dirty="0"/>
-              <a:t>Роспуск фашистских лиг (с 19 по 28 июня)</a:t>
+              <a:t>Роспуск фашистских лиг</a:t>
             </a:r>
           </a:p>
         </p:txBody>
@@ -9101,8 +9018,8 @@
         </p:nvCxnSpPr>
         <p:spPr>
           <a:xfrm rot="5400000">
-            <a:off x="25442739" y="3852943"/>
-            <a:ext cx="255120" cy="1138208"/>
+            <a:off x="26340228" y="2955454"/>
+            <a:ext cx="255120" cy="2933186"/>
           </a:xfrm>
           <a:prstGeom prst="bentConnector3">
             <a:avLst>
@@ -9147,8 +9064,8 @@
         </p:nvCxnSpPr>
         <p:spPr>
           <a:xfrm rot="16200000" flipH="1">
-            <a:off x="24297239" y="3845650"/>
-            <a:ext cx="256369" cy="1151544"/>
+            <a:off x="22258860" y="1807271"/>
+            <a:ext cx="256369" cy="5228302"/>
           </a:xfrm>
           <a:prstGeom prst="bentConnector3">
             <a:avLst>
@@ -9189,7 +9106,7 @@
         </p:nvSpPr>
         <p:spPr>
           <a:xfrm>
-            <a:off x="30623915" y="3752545"/>
+            <a:off x="33927613" y="2959367"/>
             <a:ext cx="926325" cy="540000"/>
           </a:xfrm>
           <a:prstGeom prst="rect">
@@ -9244,7 +9161,7 @@
         </p:nvSpPr>
         <p:spPr>
           <a:xfrm>
-            <a:off x="30623914" y="4549607"/>
+            <a:off x="33927612" y="3753239"/>
             <a:ext cx="926325" cy="540000"/>
           </a:xfrm>
           <a:prstGeom prst="rect">
@@ -9555,12 +9472,12 @@
         </p:nvCxnSpPr>
         <p:spPr>
           <a:xfrm rot="16200000" flipH="1">
-            <a:off x="21851080" y="9829131"/>
-            <a:ext cx="2790460" cy="1201126"/>
+            <a:off x="21847905" y="9832306"/>
+            <a:ext cx="2790460" cy="1194776"/>
           </a:xfrm>
           <a:prstGeom prst="bentConnector3">
             <a:avLst>
-              <a:gd name="adj1" fmla="val 4018"/>
+              <a:gd name="adj1" fmla="val 4260"/>
             </a:avLst>
           </a:prstGeom>
           <a:ln w="19050">
@@ -9601,12 +9518,12 @@
         </p:nvCxnSpPr>
         <p:spPr>
           <a:xfrm rot="5400000">
-            <a:off x="22737205" y="10149343"/>
-            <a:ext cx="2785250" cy="565913"/>
+            <a:off x="22734030" y="10146168"/>
+            <a:ext cx="2785250" cy="572263"/>
           </a:xfrm>
           <a:prstGeom prst="bentConnector3">
             <a:avLst>
-              <a:gd name="adj1" fmla="val 3910"/>
+              <a:gd name="adj1" fmla="val 4403"/>
             </a:avLst>
           </a:prstGeom>
           <a:ln w="19050">
@@ -12014,7 +11931,7 @@
           </a:xfrm>
           <a:prstGeom prst="bentConnector3">
             <a:avLst>
-              <a:gd name="adj1" fmla="val 50000"/>
+              <a:gd name="adj1" fmla="val 13134"/>
             </a:avLst>
           </a:prstGeom>
           <a:ln w="19050">
@@ -13475,7 +13392,7 @@
         </p:nvSpPr>
         <p:spPr>
           <a:xfrm>
-            <a:off x="23267392" y="277307"/>
+            <a:off x="23375407" y="277307"/>
             <a:ext cx="926325" cy="353987"/>
           </a:xfrm>
           <a:prstGeom prst="rect">
@@ -13507,7 +13424,15 @@
             <a:pPr algn="ctr"/>
             <a:r>
               <a:rPr lang="ru-RU" sz="700" dirty="0"/>
-              <a:t>Линейка Кагуляров?</a:t>
+              <a:t>Линейка Торез-</a:t>
+            </a:r>
+            <a:r>
+              <a:rPr lang="ru-RU" sz="700" dirty="0" err="1"/>
+              <a:t>Морас</a:t>
+            </a:r>
+            <a:r>
+              <a:rPr lang="ru-RU" sz="700" dirty="0"/>
+              <a:t>?</a:t>
             </a:r>
           </a:p>
         </p:txBody>
@@ -13526,7 +13451,7 @@
         </p:nvSpPr>
         <p:spPr>
           <a:xfrm>
-            <a:off x="24423005" y="277307"/>
+            <a:off x="24531363" y="277307"/>
             <a:ext cx="926325" cy="353987"/>
           </a:xfrm>
           <a:prstGeom prst="rect">
@@ -13577,7 +13502,7 @@
         </p:nvSpPr>
         <p:spPr>
           <a:xfrm>
-            <a:off x="25564560" y="273072"/>
+            <a:off x="25676238" y="270873"/>
             <a:ext cx="926325" cy="353987"/>
           </a:xfrm>
           <a:prstGeom prst="rect">
@@ -14263,7 +14188,7 @@
         </p:nvSpPr>
         <p:spPr>
           <a:xfrm>
-            <a:off x="18743327" y="6130769"/>
+            <a:off x="19315394" y="6910648"/>
             <a:ext cx="926325" cy="540000"/>
           </a:xfrm>
           <a:prstGeom prst="rect">
@@ -14455,7 +14380,7 @@
         </p:nvSpPr>
         <p:spPr>
           <a:xfrm>
-            <a:off x="21601059" y="6915908"/>
+            <a:off x="21593108" y="6915908"/>
             <a:ext cx="926325" cy="540000"/>
           </a:xfrm>
           <a:prstGeom prst="rect">
@@ -14525,7 +14450,7 @@
         <p:spPr>
           <a:xfrm flipV="1">
             <a:off x="21383722" y="7185908"/>
-            <a:ext cx="217337" cy="2158"/>
+            <a:ext cx="209386" cy="2158"/>
           </a:xfrm>
           <a:prstGeom prst="line">
             <a:avLst/>
@@ -14569,8 +14494,8 @@
         </p:nvCxnSpPr>
         <p:spPr>
           <a:xfrm rot="16200000" flipH="1">
-            <a:off x="21371232" y="6222918"/>
-            <a:ext cx="241672" cy="1144308"/>
+            <a:off x="21367256" y="6226893"/>
+            <a:ext cx="241672" cy="1136357"/>
           </a:xfrm>
           <a:prstGeom prst="bentConnector3">
             <a:avLst>
@@ -14615,7 +14540,7 @@
         <p:spPr>
           <a:xfrm>
             <a:off x="22055592" y="6672078"/>
-            <a:ext cx="8630" cy="243830"/>
+            <a:ext cx="679" cy="243830"/>
           </a:xfrm>
           <a:prstGeom prst="straightConnector1">
             <a:avLst/>
@@ -14685,7 +14610,7 @@
             <a:pPr algn="ctr"/>
             <a:r>
               <a:rPr lang="ru-RU" sz="700" dirty="0"/>
-              <a:t>Расширить права женщин</a:t>
+              <a:t>Расширение права женщин</a:t>
             </a:r>
           </a:p>
         </p:txBody>
@@ -15007,8 +14932,8 @@
         </p:nvCxnSpPr>
         <p:spPr>
           <a:xfrm rot="5400000">
-            <a:off x="21366691" y="7007829"/>
-            <a:ext cx="249452" cy="1145610"/>
+            <a:off x="21362716" y="7011805"/>
+            <a:ext cx="249452" cy="1137659"/>
           </a:xfrm>
           <a:prstGeom prst="bentConnector3">
             <a:avLst>
@@ -15052,9 +14977,9 @@
           <p:nvPr/>
         </p:nvCxnSpPr>
         <p:spPr>
-          <a:xfrm rot="5400000">
-            <a:off x="21938057" y="7579193"/>
-            <a:ext cx="249451" cy="2880"/>
+          <a:xfrm rot="16200000" flipH="1">
+            <a:off x="21934081" y="7578097"/>
+            <a:ext cx="249451" cy="5071"/>
           </a:xfrm>
           <a:prstGeom prst="bentConnector3">
             <a:avLst>
@@ -15532,12 +15457,12 @@
         </p:nvCxnSpPr>
         <p:spPr>
           <a:xfrm rot="16200000" flipH="1">
-            <a:off x="21835706" y="7684423"/>
-            <a:ext cx="1038556" cy="581525"/>
+            <a:off x="21831731" y="7680448"/>
+            <a:ext cx="1038556" cy="589476"/>
           </a:xfrm>
           <a:prstGeom prst="bentConnector3">
             <a:avLst>
-              <a:gd name="adj1" fmla="val 12170"/>
+              <a:gd name="adj1" fmla="val 12485"/>
             </a:avLst>
           </a:prstGeom>
           <a:ln w="19050">
@@ -15838,15 +15763,15 @@
           </p:cNvPr>
           <p:cNvCxnSpPr>
             <a:cxnSpLocks/>
-            <a:stCxn id="1032" idx="3"/>
+            <a:stCxn id="1030" idx="3"/>
             <a:endCxn id="151" idx="1"/>
           </p:cNvCxnSpPr>
           <p:nvPr/>
         </p:nvCxnSpPr>
         <p:spPr>
-          <a:xfrm flipV="1">
-            <a:off x="26602565" y="4022545"/>
-            <a:ext cx="4021350" cy="1942"/>
+          <a:xfrm>
+            <a:off x="25464826" y="3229367"/>
+            <a:ext cx="8462787" cy="0"/>
           </a:xfrm>
           <a:prstGeom prst="line">
             <a:avLst/>
@@ -16538,7 +16463,7 @@
         </p:nvSpPr>
         <p:spPr>
           <a:xfrm>
-            <a:off x="22804229" y="10070854"/>
+            <a:off x="22812180" y="10070854"/>
             <a:ext cx="926325" cy="540000"/>
           </a:xfrm>
           <a:prstGeom prst="rect">
@@ -16577,7 +16502,15 @@
             </a:r>
             <a:r>
               <a:rPr lang="ru-RU" sz="100" dirty="0"/>
-              <a:t>(Более того, отметив существование советско-германского пакта от 23 августа 1939 года и советское вторжение в Польшу совместно с нацистами, он принял меры против Французской коммунистической партии (ФКП), которую правительство считало организацией, способной предать: коммунистическая пресса была объявлена ​​вне закона декретом от 26 августа 1939 года о запрете публикации </a:t>
+              <a:t>(26 сентября : Коммунистическая партия Франции запрещена за осуждение войны [ 42 ] . Ее депутатов арестовывают, а ее активистов преследуют и заключают в </a:t>
+            </a:r>
+            <a:r>
+              <a:rPr lang="ru-RU" sz="100" dirty="0" err="1"/>
+              <a:t>лагеря.Более</a:t>
+            </a:r>
+            <a:r>
+              <a:rPr lang="ru-RU" sz="100" dirty="0"/>
+              <a:t> того, отметив существование советско-германского пакта от 23 августа 1939 года и советское вторжение в Польшу совместно с нацистами, он принял меры против Французской коммунистической партии (ФКП), которую правительство считало организацией, способной предать: коммунистическая пресса была объявлена ​​вне закона декретом от 26 августа 1939 года о запрете публикации </a:t>
             </a:r>
             <a:r>
               <a:rPr lang="ru-RU" sz="100" dirty="0" err="1"/>
@@ -16610,7 +16543,7 @@
         <p:spPr>
           <a:xfrm flipV="1">
             <a:off x="22527384" y="10340854"/>
-            <a:ext cx="276845" cy="2"/>
+            <a:ext cx="284796" cy="2"/>
           </a:xfrm>
           <a:prstGeom prst="line">
             <a:avLst/>
@@ -16746,12 +16679,12 @@
         </p:nvCxnSpPr>
         <p:spPr>
           <a:xfrm rot="5400000">
-            <a:off x="23324499" y="8982567"/>
-            <a:ext cx="1031180" cy="1145394"/>
+            <a:off x="23328475" y="8986543"/>
+            <a:ext cx="1031180" cy="1137443"/>
           </a:xfrm>
           <a:prstGeom prst="bentConnector3">
             <a:avLst>
-              <a:gd name="adj1" fmla="val 9953"/>
+              <a:gd name="adj1" fmla="val 11445"/>
             </a:avLst>
           </a:prstGeom>
           <a:ln w="19050">
@@ -16787,7 +16720,7 @@
         </p:nvSpPr>
         <p:spPr>
           <a:xfrm>
-            <a:off x="22804382" y="7699565"/>
+            <a:off x="24531362" y="6910444"/>
             <a:ext cx="926325" cy="540000"/>
           </a:xfrm>
           <a:prstGeom prst="rect">
@@ -16870,15 +16803,15 @@
           </p:cNvPr>
           <p:cNvCxnSpPr>
             <a:cxnSpLocks/>
-            <a:stCxn id="325" idx="2"/>
+            <a:stCxn id="529" idx="2"/>
             <a:endCxn id="292" idx="0"/>
           </p:cNvCxnSpPr>
           <p:nvPr/>
         </p:nvCxnSpPr>
         <p:spPr>
           <a:xfrm flipH="1">
-            <a:off x="23267392" y="8239565"/>
-            <a:ext cx="153" cy="1831289"/>
+            <a:off x="23275343" y="8236959"/>
+            <a:ext cx="1059" cy="1833895"/>
           </a:xfrm>
           <a:prstGeom prst="straightConnector1">
             <a:avLst/>
@@ -16916,7 +16849,7 @@
         </p:nvSpPr>
         <p:spPr>
           <a:xfrm>
-            <a:off x="22804229" y="6139486"/>
+            <a:off x="24534684" y="5345045"/>
             <a:ext cx="926325" cy="540000"/>
           </a:xfrm>
           <a:prstGeom prst="rect">
@@ -16970,7 +16903,7 @@
         </p:nvSpPr>
         <p:spPr>
           <a:xfrm>
-            <a:off x="23383710" y="6911975"/>
+            <a:off x="22813793" y="6915908"/>
             <a:ext cx="926325" cy="540000"/>
           </a:xfrm>
           <a:prstGeom prst="rect">
@@ -17013,7 +16946,15 @@
             </a:r>
             <a:r>
               <a:rPr lang="ru-RU" sz="700" dirty="0"/>
-              <a:t> </a:t>
+              <a:t> (франк </a:t>
+            </a:r>
+            <a:r>
+              <a:rPr lang="ru-RU" sz="700" dirty="0" err="1"/>
+              <a:t>Рейно</a:t>
+            </a:r>
+            <a:r>
+              <a:rPr lang="ru-RU" sz="700" dirty="0"/>
+              <a:t> 12 ноября) </a:t>
             </a:r>
             <a:r>
               <a:rPr lang="ru-RU" sz="100" dirty="0"/>
@@ -17089,7 +17030,23 @@
             </a:r>
             <a:r>
               <a:rPr lang="ru-RU" sz="100" dirty="0"/>
-              <a:t> не стремился добиться роста французской экономики любой ценой; он считал, что излишний прирост расходов перед войной сыграет пагубную роль для французской экономики.)</a:t>
+              <a:t> не стремился добиться роста французской экономики любой ценой; он считал, что излишний прирост расходов перед войной сыграет пагубную роль для французской экономики.) Поль </a:t>
+            </a:r>
+            <a:r>
+              <a:rPr lang="ru-RU" sz="100" dirty="0" err="1"/>
+              <a:t>Рейно</a:t>
+            </a:r>
+            <a:r>
+              <a:rPr lang="ru-RU" sz="100" dirty="0"/>
+              <a:t> становится министром финансов ; серией из тридцати двух финансово-экономических декретов-законов он ставит под сомнение достижения 1936 года [ 46 ] . Во исполнение закона от 5 октября 1938 г. с целью предложения структурных реформ правительству был создан «комитет административной реорганизации» (</a:t>
+            </a:r>
+            <a:r>
+              <a:rPr lang="ru-RU" sz="100" dirty="0" err="1"/>
+              <a:t>акс</a:t>
+            </a:r>
+            <a:r>
+              <a:rPr lang="ru-RU" sz="100" dirty="0"/>
+              <a:t>-комиссия)</a:t>
             </a:r>
             <a:endParaRPr lang="ru-RU" sz="700" dirty="0"/>
           </a:p>
@@ -17109,7 +17066,7 @@
         </p:nvSpPr>
         <p:spPr>
           <a:xfrm>
-            <a:off x="23383710" y="5334300"/>
+            <a:off x="24534684" y="6130768"/>
             <a:ext cx="926325" cy="540000"/>
           </a:xfrm>
           <a:prstGeom prst="rect">
@@ -17156,49 +17113,6 @@
       </p:sp>
       <p:cxnSp>
         <p:nvCxnSpPr>
-          <p:cNvPr id="344" name="Прямая со стрелкой 343">
-            <a:extLst>
-              <a:ext uri="{FF2B5EF4-FFF2-40B4-BE49-F238E27FC236}">
-                <a16:creationId xmlns:a16="http://schemas.microsoft.com/office/drawing/2014/main" id="{B60AFE74-C094-431C-B59B-9475B2D0CB89}"/>
-              </a:ext>
-            </a:extLst>
-          </p:cNvPr>
-          <p:cNvCxnSpPr>
-            <a:cxnSpLocks/>
-            <a:stCxn id="338" idx="2"/>
-            <a:endCxn id="325" idx="0"/>
-          </p:cNvCxnSpPr>
-          <p:nvPr/>
-        </p:nvCxnSpPr>
-        <p:spPr>
-          <a:xfrm>
-            <a:off x="23267392" y="6679486"/>
-            <a:ext cx="153" cy="1020079"/>
-          </a:xfrm>
-          <a:prstGeom prst="straightConnector1">
-            <a:avLst/>
-          </a:prstGeom>
-          <a:ln w="19050">
-            <a:tailEnd type="arrow"/>
-          </a:ln>
-        </p:spPr>
-        <p:style>
-          <a:lnRef idx="1">
-            <a:schemeClr val="accent1"/>
-          </a:lnRef>
-          <a:fillRef idx="0">
-            <a:schemeClr val="accent1"/>
-          </a:fillRef>
-          <a:effectRef idx="0">
-            <a:schemeClr val="accent1"/>
-          </a:effectRef>
-          <a:fontRef idx="minor">
-            <a:schemeClr val="tx1"/>
-          </a:fontRef>
-        </p:style>
-      </p:cxnSp>
-      <p:cxnSp>
-        <p:nvCxnSpPr>
           <p:cNvPr id="353" name="Соединительная линия уступом 620">
             <a:extLst>
               <a:ext uri="{FF2B5EF4-FFF2-40B4-BE49-F238E27FC236}">
@@ -17209,105 +17123,19 @@
           <p:cNvCxnSpPr>
             <a:cxnSpLocks/>
             <a:stCxn id="133" idx="2"/>
-            <a:endCxn id="341" idx="0"/>
+            <a:endCxn id="508" idx="0"/>
           </p:cNvCxnSpPr>
           <p:nvPr/>
         </p:nvCxnSpPr>
         <p:spPr>
           <a:xfrm rot="16200000" flipH="1">
-            <a:off x="23435395" y="4922821"/>
-            <a:ext cx="246163" cy="576794"/>
+            <a:off x="23431312" y="4926904"/>
+            <a:ext cx="252050" cy="574516"/>
           </a:xfrm>
           <a:prstGeom prst="bentConnector3">
             <a:avLst>
               <a:gd name="adj1" fmla="val 50000"/>
             </a:avLst>
-          </a:prstGeom>
-          <a:ln w="19050">
-            <a:tailEnd type="arrow"/>
-          </a:ln>
-        </p:spPr>
-        <p:style>
-          <a:lnRef idx="1">
-            <a:schemeClr val="accent1"/>
-          </a:lnRef>
-          <a:fillRef idx="0">
-            <a:schemeClr val="accent1"/>
-          </a:fillRef>
-          <a:effectRef idx="0">
-            <a:schemeClr val="accent1"/>
-          </a:effectRef>
-          <a:fontRef idx="minor">
-            <a:schemeClr val="tx1"/>
-          </a:fontRef>
-        </p:style>
-      </p:cxnSp>
-      <p:cxnSp>
-        <p:nvCxnSpPr>
-          <p:cNvPr id="357" name="Прямая со стрелкой 356">
-            <a:extLst>
-              <a:ext uri="{FF2B5EF4-FFF2-40B4-BE49-F238E27FC236}">
-                <a16:creationId xmlns:a16="http://schemas.microsoft.com/office/drawing/2014/main" id="{BAAA2F89-91A6-4DB2-AA17-EEC23CC98086}"/>
-              </a:ext>
-            </a:extLst>
-          </p:cNvPr>
-          <p:cNvCxnSpPr>
-            <a:cxnSpLocks/>
-            <a:stCxn id="133" idx="2"/>
-            <a:endCxn id="338" idx="0"/>
-          </p:cNvCxnSpPr>
-          <p:nvPr/>
-        </p:nvCxnSpPr>
-        <p:spPr>
-          <a:xfrm flipH="1">
-            <a:off x="23267392" y="5088137"/>
-            <a:ext cx="2687" cy="1051349"/>
-          </a:xfrm>
-          <a:prstGeom prst="straightConnector1">
-            <a:avLst/>
-          </a:prstGeom>
-          <a:ln w="19050">
-            <a:tailEnd type="arrow"/>
-          </a:ln>
-        </p:spPr>
-        <p:style>
-          <a:lnRef idx="1">
-            <a:schemeClr val="accent1"/>
-          </a:lnRef>
-          <a:fillRef idx="0">
-            <a:schemeClr val="accent1"/>
-          </a:fillRef>
-          <a:effectRef idx="0">
-            <a:schemeClr val="accent1"/>
-          </a:effectRef>
-          <a:fontRef idx="minor">
-            <a:schemeClr val="tx1"/>
-          </a:fontRef>
-        </p:style>
-      </p:cxnSp>
-      <p:cxnSp>
-        <p:nvCxnSpPr>
-          <p:cNvPr id="369" name="Прямая со стрелкой 368">
-            <a:extLst>
-              <a:ext uri="{FF2B5EF4-FFF2-40B4-BE49-F238E27FC236}">
-                <a16:creationId xmlns:a16="http://schemas.microsoft.com/office/drawing/2014/main" id="{CD91A577-6B59-420D-AE2C-A596614BEB27}"/>
-              </a:ext>
-            </a:extLst>
-          </p:cNvPr>
-          <p:cNvCxnSpPr>
-            <a:cxnSpLocks/>
-            <a:stCxn id="341" idx="2"/>
-            <a:endCxn id="339" idx="0"/>
-          </p:cNvCxnSpPr>
-          <p:nvPr/>
-        </p:nvCxnSpPr>
-        <p:spPr>
-          <a:xfrm>
-            <a:off x="23846873" y="5874300"/>
-            <a:ext cx="0" cy="1037675"/>
-          </a:xfrm>
-          <a:prstGeom prst="straightConnector1">
-            <a:avLst/>
           </a:prstGeom>
           <a:ln w="19050">
             <a:tailEnd type="arrow"/>
@@ -17396,7 +17224,7 @@
         </p:nvSpPr>
         <p:spPr>
           <a:xfrm>
-            <a:off x="22807110" y="10847680"/>
+            <a:off x="22815061" y="10847680"/>
             <a:ext cx="926325" cy="540000"/>
           </a:xfrm>
           <a:prstGeom prst="rect">
@@ -17431,7 +17259,7 @@
             <a:pPr algn="ctr"/>
             <a:r>
               <a:rPr lang="ru-RU" sz="700" dirty="0"/>
-              <a:t>Оказать помощь Финляндии</a:t>
+              <a:t>Оказать помощь Финляндии (январе 1940 года)</a:t>
             </a:r>
             <a:br>
               <a:rPr lang="ru-RU" sz="700" dirty="0"/>
@@ -17478,7 +17306,7 @@
         </p:nvCxnSpPr>
         <p:spPr>
           <a:xfrm>
-            <a:off x="23267392" y="10610854"/>
+            <a:off x="23275343" y="10610854"/>
             <a:ext cx="2881" cy="236826"/>
           </a:xfrm>
           <a:prstGeom prst="straightConnector1">
@@ -17526,51 +17354,6 @@
           </a:xfrm>
           <a:prstGeom prst="straightConnector1">
             <a:avLst/>
-          </a:prstGeom>
-          <a:ln w="19050">
-            <a:tailEnd type="arrow"/>
-          </a:ln>
-        </p:spPr>
-        <p:style>
-          <a:lnRef idx="1">
-            <a:schemeClr val="accent1"/>
-          </a:lnRef>
-          <a:fillRef idx="0">
-            <a:schemeClr val="accent1"/>
-          </a:fillRef>
-          <a:effectRef idx="0">
-            <a:schemeClr val="accent1"/>
-          </a:effectRef>
-          <a:fontRef idx="minor">
-            <a:schemeClr val="tx1"/>
-          </a:fontRef>
-        </p:style>
-      </p:cxnSp>
-      <p:cxnSp>
-        <p:nvCxnSpPr>
-          <p:cNvPr id="382" name="Соединительная линия уступом 620">
-            <a:extLst>
-              <a:ext uri="{FF2B5EF4-FFF2-40B4-BE49-F238E27FC236}">
-                <a16:creationId xmlns:a16="http://schemas.microsoft.com/office/drawing/2014/main" id="{B2F3393A-0BEF-40DB-9FE6-7E8E498FE346}"/>
-              </a:ext>
-            </a:extLst>
-          </p:cNvPr>
-          <p:cNvCxnSpPr>
-            <a:cxnSpLocks/>
-            <a:stCxn id="135" idx="2"/>
-            <a:endCxn id="252" idx="0"/>
-          </p:cNvCxnSpPr>
-          <p:nvPr/>
-        </p:nvCxnSpPr>
-        <p:spPr>
-          <a:xfrm rot="5400000">
-            <a:off x="18969588" y="5326509"/>
-            <a:ext cx="1041162" cy="567358"/>
-          </a:xfrm>
-          <a:prstGeom prst="bentConnector3">
-            <a:avLst>
-              <a:gd name="adj1" fmla="val 11754"/>
-            </a:avLst>
           </a:prstGeom>
           <a:ln w="19050">
             <a:tailEnd type="arrow"/>
@@ -17651,7 +17434,7 @@
             <a:pPr algn="ctr"/>
             <a:r>
               <a:rPr lang="ru-RU" sz="700" dirty="0"/>
-              <a:t>Сближение с Великобританией</a:t>
+              <a:t>Сближение с Великобританией (6 февраля 1939 начинается)</a:t>
             </a:r>
           </a:p>
         </p:txBody>
@@ -17825,7 +17608,7 @@
         </p:nvSpPr>
         <p:spPr>
           <a:xfrm>
-            <a:off x="17033834" y="8494463"/>
+            <a:off x="16485077" y="8494463"/>
             <a:ext cx="926325" cy="540000"/>
           </a:xfrm>
           <a:prstGeom prst="rect">
@@ -17893,9 +17676,9 @@
           <p:nvPr/>
         </p:nvCxnSpPr>
         <p:spPr>
-          <a:xfrm rot="16200000" flipH="1">
-            <a:off x="17099313" y="8096778"/>
-            <a:ext cx="248199" cy="547169"/>
+          <a:xfrm rot="5400000">
+            <a:off x="16824935" y="8369569"/>
+            <a:ext cx="248199" cy="1588"/>
           </a:xfrm>
           <a:prstGeom prst="bentConnector3">
             <a:avLst>
@@ -17935,7 +17718,7 @@
         </p:nvSpPr>
         <p:spPr>
           <a:xfrm>
-            <a:off x="17631907" y="7711456"/>
+            <a:off x="17611974" y="10044640"/>
             <a:ext cx="926325" cy="540000"/>
           </a:xfrm>
           <a:prstGeom prst="rect">
@@ -18062,19 +17845,19 @@
           </p:cNvPr>
           <p:cNvCxnSpPr>
             <a:cxnSpLocks/>
-            <a:stCxn id="313" idx="2"/>
+            <a:stCxn id="314" idx="2"/>
             <a:endCxn id="402" idx="0"/>
           </p:cNvCxnSpPr>
           <p:nvPr/>
         </p:nvCxnSpPr>
         <p:spPr>
           <a:xfrm rot="16200000" flipH="1">
-            <a:off x="17669803" y="7286189"/>
-            <a:ext cx="262922" cy="587611"/>
+            <a:off x="16613294" y="8582797"/>
+            <a:ext cx="1798376" cy="1125309"/>
           </a:xfrm>
           <a:prstGeom prst="bentConnector3">
             <a:avLst>
-              <a:gd name="adj1" fmla="val 50000"/>
+              <a:gd name="adj1" fmla="val 6670"/>
             </a:avLst>
           </a:prstGeom>
           <a:ln w="19050">
@@ -18108,19 +17891,19 @@
           </p:cNvPr>
           <p:cNvCxnSpPr>
             <a:cxnSpLocks/>
-            <a:stCxn id="388" idx="2"/>
+            <a:stCxn id="396" idx="2"/>
             <a:endCxn id="402" idx="0"/>
           </p:cNvCxnSpPr>
           <p:nvPr/>
         </p:nvCxnSpPr>
         <p:spPr>
           <a:xfrm rot="5400000">
-            <a:off x="18234842" y="7305722"/>
-            <a:ext cx="265963" cy="545505"/>
+            <a:off x="17738277" y="8576426"/>
+            <a:ext cx="1805075" cy="1131353"/>
           </a:xfrm>
           <a:prstGeom prst="bentConnector3">
             <a:avLst>
-              <a:gd name="adj1" fmla="val 50000"/>
+              <a:gd name="adj1" fmla="val 7272"/>
             </a:avLst>
           </a:prstGeom>
           <a:ln w="19050">
@@ -18202,7 +17985,7 @@
         </p:nvSpPr>
         <p:spPr>
           <a:xfrm>
-            <a:off x="18174910" y="8491196"/>
+            <a:off x="18177413" y="8499674"/>
             <a:ext cx="926325" cy="540000"/>
           </a:xfrm>
           <a:prstGeom prst="rect">
@@ -18271,8 +18054,8 @@
         </p:nvCxnSpPr>
         <p:spPr>
           <a:xfrm rot="5400000">
-            <a:off x="18796467" y="8081172"/>
-            <a:ext cx="251631" cy="568417"/>
+            <a:off x="18793479" y="8086662"/>
+            <a:ext cx="260109" cy="565914"/>
           </a:xfrm>
           <a:prstGeom prst="bentConnector3">
             <a:avLst>
@@ -18406,49 +18189,6 @@
           </a:fontRef>
         </p:style>
       </p:cxnSp>
-      <p:cxnSp>
-        <p:nvCxnSpPr>
-          <p:cNvPr id="424" name="Прямая со стрелкой 423">
-            <a:extLst>
-              <a:ext uri="{FF2B5EF4-FFF2-40B4-BE49-F238E27FC236}">
-                <a16:creationId xmlns:a16="http://schemas.microsoft.com/office/drawing/2014/main" id="{8437B75C-373A-4544-B76C-099D875C0849}"/>
-              </a:ext>
-            </a:extLst>
-          </p:cNvPr>
-          <p:cNvCxnSpPr>
-            <a:cxnSpLocks/>
-            <a:stCxn id="397" idx="2"/>
-            <a:endCxn id="404" idx="0"/>
-          </p:cNvCxnSpPr>
-          <p:nvPr/>
-        </p:nvCxnSpPr>
-        <p:spPr>
-          <a:xfrm flipH="1">
-            <a:off x="17496996" y="9034463"/>
-            <a:ext cx="1" cy="244059"/>
-          </a:xfrm>
-          <a:prstGeom prst="straightConnector1">
-            <a:avLst/>
-          </a:prstGeom>
-          <a:ln w="19050">
-            <a:tailEnd type="arrow"/>
-          </a:ln>
-        </p:spPr>
-        <p:style>
-          <a:lnRef idx="1">
-            <a:schemeClr val="accent1"/>
-          </a:lnRef>
-          <a:fillRef idx="0">
-            <a:schemeClr val="accent1"/>
-          </a:fillRef>
-          <a:effectRef idx="0">
-            <a:schemeClr val="accent1"/>
-          </a:effectRef>
-          <a:fontRef idx="minor">
-            <a:schemeClr val="tx1"/>
-          </a:fontRef>
-        </p:style>
-      </p:cxnSp>
       <p:sp>
         <p:nvSpPr>
           <p:cNvPr id="427" name="Прямоугольник 426">
@@ -18709,7 +18449,7 @@
         </p:nvSpPr>
         <p:spPr>
           <a:xfrm>
-            <a:off x="19309242" y="6905492"/>
+            <a:off x="19317790" y="10077553"/>
             <a:ext cx="926325" cy="540000"/>
           </a:xfrm>
           <a:prstGeom prst="rect">
@@ -18763,7 +18503,7 @@
         </p:nvSpPr>
         <p:spPr>
           <a:xfrm>
-            <a:off x="19879743" y="8499673"/>
+            <a:off x="19886901" y="8507530"/>
             <a:ext cx="926325" cy="540000"/>
           </a:xfrm>
           <a:prstGeom prst="rect">
@@ -18805,73 +18545,28 @@
       </p:sp>
       <p:cxnSp>
         <p:nvCxnSpPr>
-          <p:cNvPr id="450" name="Соединительная линия уступом 620">
-            <a:extLst>
-              <a:ext uri="{FF2B5EF4-FFF2-40B4-BE49-F238E27FC236}">
-                <a16:creationId xmlns:a16="http://schemas.microsoft.com/office/drawing/2014/main" id="{118C1BA8-26E8-4EE5-B671-7B4C71332D99}"/>
+          <p:cNvPr id="456" name="Соединительная линия уступом 620">
+            <a:extLst>
+              <a:ext uri="{FF2B5EF4-FFF2-40B4-BE49-F238E27FC236}">
+                <a16:creationId xmlns:a16="http://schemas.microsoft.com/office/drawing/2014/main" id="{C65C93F4-A64C-470D-A732-51488858BB87}"/>
               </a:ext>
             </a:extLst>
           </p:cNvPr>
           <p:cNvCxnSpPr>
             <a:cxnSpLocks/>
-            <a:stCxn id="252" idx="2"/>
-            <a:endCxn id="445" idx="0"/>
+            <a:stCxn id="396" idx="2"/>
+            <a:endCxn id="446" idx="0"/>
           </p:cNvCxnSpPr>
           <p:nvPr/>
         </p:nvCxnSpPr>
         <p:spPr>
           <a:xfrm rot="16200000" flipH="1">
-            <a:off x="19372086" y="6505172"/>
-            <a:ext cx="234723" cy="565915"/>
+            <a:off x="19644295" y="7801760"/>
+            <a:ext cx="267965" cy="1143574"/>
           </a:xfrm>
           <a:prstGeom prst="bentConnector3">
             <a:avLst>
               <a:gd name="adj1" fmla="val 50000"/>
-            </a:avLst>
-          </a:prstGeom>
-          <a:ln w="19050">
-            <a:tailEnd type="arrow"/>
-          </a:ln>
-        </p:spPr>
-        <p:style>
-          <a:lnRef idx="1">
-            <a:schemeClr val="accent1"/>
-          </a:lnRef>
-          <a:fillRef idx="0">
-            <a:schemeClr val="accent1"/>
-          </a:fillRef>
-          <a:effectRef idx="0">
-            <a:schemeClr val="accent1"/>
-          </a:effectRef>
-          <a:fontRef idx="minor">
-            <a:schemeClr val="tx1"/>
-          </a:fontRef>
-        </p:style>
-      </p:cxnSp>
-      <p:cxnSp>
-        <p:nvCxnSpPr>
-          <p:cNvPr id="456" name="Соединительная линия уступом 620">
-            <a:extLst>
-              <a:ext uri="{FF2B5EF4-FFF2-40B4-BE49-F238E27FC236}">
-                <a16:creationId xmlns:a16="http://schemas.microsoft.com/office/drawing/2014/main" id="{C65C93F4-A64C-470D-A732-51488858BB87}"/>
-              </a:ext>
-            </a:extLst>
-          </p:cNvPr>
-          <p:cNvCxnSpPr>
-            <a:cxnSpLocks/>
-            <a:stCxn id="444" idx="2"/>
-            <a:endCxn id="446" idx="0"/>
-          </p:cNvCxnSpPr>
-          <p:nvPr/>
-        </p:nvCxnSpPr>
-        <p:spPr>
-          <a:xfrm rot="16200000" flipH="1">
-            <a:off x="18748921" y="6905687"/>
-            <a:ext cx="2623397" cy="564573"/>
-          </a:xfrm>
-          <a:prstGeom prst="bentConnector3">
-            <a:avLst>
-              <a:gd name="adj1" fmla="val 5520"/>
             </a:avLst>
           </a:prstGeom>
           <a:ln w="19050">
@@ -23798,7 +23493,7 @@
           </a:xfrm>
           <a:prstGeom prst="bentConnector3">
             <a:avLst>
-              <a:gd name="adj1" fmla="val 50000"/>
+              <a:gd name="adj1" fmla="val 47331"/>
             </a:avLst>
           </a:prstGeom>
           <a:ln w="19050">
@@ -24827,8 +24522,45 @@
             <a:pPr algn="ctr"/>
             <a:r>
               <a:rPr lang="ru-RU" sz="700" dirty="0"/>
-              <a:t>Институт исследования атомных технологий</a:t>
-            </a:r>
+              <a:t>Институт исследования атомных технологий </a:t>
+            </a:r>
+            <a:r>
+              <a:rPr lang="ru-RU" sz="100" dirty="0"/>
+              <a:t>(9 марта , битва тяжелой воды : после переговоров между Жаком </a:t>
+            </a:r>
+            <a:r>
+              <a:rPr lang="ru-RU" sz="100" dirty="0" err="1"/>
+              <a:t>Алье</a:t>
+            </a:r>
+            <a:r>
+              <a:rPr lang="ru-RU" sz="100" dirty="0"/>
+              <a:t> и компанией </a:t>
+            </a:r>
+            <a:r>
+              <a:rPr lang="ru-RU" sz="100" dirty="0" err="1"/>
+              <a:t>Norsk</a:t>
+            </a:r>
+            <a:r>
+              <a:rPr lang="ru-RU" sz="100" dirty="0"/>
+              <a:t> </a:t>
+            </a:r>
+            <a:r>
+              <a:rPr lang="ru-RU" sz="100" dirty="0" err="1"/>
+              <a:t>Hydro</a:t>
+            </a:r>
+            <a:r>
+              <a:rPr lang="ru-RU" sz="100" dirty="0"/>
+              <a:t> , французское правительство выкупает все запасы тяжелой воды (185 кг), имеющиеся в Норвегии . Тяжелая вода необходима для продолжения ядерных исследований, проводимых </a:t>
+            </a:r>
+            <a:r>
+              <a:rPr lang="ru-RU" sz="100" dirty="0" err="1"/>
+              <a:t>Жолио</a:t>
+            </a:r>
+            <a:r>
+              <a:rPr lang="ru-RU" sz="100" dirty="0"/>
+              <a:t>-Кюри в Коллеж де Франс [ 11 ] .)</a:t>
+            </a:r>
+            <a:endParaRPr lang="ru-RU" sz="700" dirty="0"/>
           </a:p>
         </p:txBody>
       </p:sp>
@@ -24843,14 +24575,12 @@
           </p:cNvPr>
           <p:cNvCxnSpPr>
             <a:cxnSpLocks/>
-            <a:stCxn id="216" idx="2"/>
-            <a:endCxn id="371" idx="0"/>
           </p:cNvCxnSpPr>
           <p:nvPr/>
         </p:nvCxnSpPr>
         <p:spPr>
           <a:xfrm rot="16200000" flipH="1">
-            <a:off x="23306682" y="17370906"/>
+            <a:off x="23306683" y="17370907"/>
             <a:ext cx="206589" cy="4703194"/>
           </a:xfrm>
           <a:prstGeom prst="bentConnector3">
@@ -25113,6 +24843,2291 @@
           </a:fontRef>
         </p:style>
       </p:cxnSp>
+      <p:sp>
+        <p:nvSpPr>
+          <p:cNvPr id="477" name="Прямоугольник 476">
+            <a:extLst>
+              <a:ext uri="{FF2B5EF4-FFF2-40B4-BE49-F238E27FC236}">
+                <a16:creationId xmlns:a16="http://schemas.microsoft.com/office/drawing/2014/main" id="{8AFB6CF9-489D-410A-89D4-7D0974D11778}"/>
+              </a:ext>
+            </a:extLst>
+          </p:cNvPr>
+          <p:cNvSpPr/>
+          <p:nvPr/>
+        </p:nvSpPr>
+        <p:spPr>
+          <a:xfrm>
+            <a:off x="7309587" y="5334300"/>
+            <a:ext cx="926325" cy="540000"/>
+          </a:xfrm>
+          <a:prstGeom prst="rect">
+            <a:avLst/>
+          </a:prstGeom>
+          <a:solidFill>
+            <a:srgbClr val="7030A0"/>
+          </a:solidFill>
+          <a:ln w="19050"/>
+        </p:spPr>
+        <p:style>
+          <a:lnRef idx="2">
+            <a:schemeClr val="accent1"/>
+          </a:lnRef>
+          <a:fillRef idx="1">
+            <a:schemeClr val="lt1"/>
+          </a:fillRef>
+          <a:effectRef idx="0">
+            <a:schemeClr val="accent1"/>
+          </a:effectRef>
+          <a:fontRef idx="minor">
+            <a:schemeClr val="dk1"/>
+          </a:fontRef>
+        </p:style>
+        <p:txBody>
+          <a:bodyPr lIns="124733" tIns="62367" rIns="124733" bIns="62367" rtlCol="0" anchor="ctr"/>
+          <a:lstStyle/>
+          <a:p>
+            <a:pPr algn="ctr"/>
+            <a:r>
+              <a:rPr lang="ru-RU" sz="700" dirty="0"/>
+              <a:t>Общество Друзей Национальной России </a:t>
+            </a:r>
+            <a:r>
+              <a:rPr lang="ru-RU" sz="100" dirty="0"/>
+              <a:t>(</a:t>
+            </a:r>
+            <a:r>
+              <a:rPr lang="fr-FR" sz="100" dirty="0"/>
+              <a:t>Société des Amis de la Russie nationale</a:t>
+            </a:r>
+            <a:r>
+              <a:rPr lang="ru-RU" sz="100" dirty="0"/>
+              <a:t>. Общество друзей национальной России — французское антикоммунистическое объединение межвоенного периода . Основан в начале 1938 года [ 1 ] для противодействия влиянию Общества друзей СССР (будущей Франции-СССР ) и поддержки действий белогвардейцев против «большевизма», в контексте правой кампании. против Советского Союза и коммунизма. Его возглавляет сенатор Анри </a:t>
+            </a:r>
+            <a:r>
+              <a:rPr lang="ru-RU" sz="100" dirty="0" err="1"/>
+              <a:t>Лемери</a:t>
+            </a:r>
+            <a:r>
+              <a:rPr lang="ru-RU" sz="100" dirty="0"/>
+              <a:t> , а вице-президентами являются генерал Анри Альбер </a:t>
+            </a:r>
+            <a:r>
+              <a:rPr lang="ru-RU" sz="100" dirty="0" err="1"/>
+              <a:t>Ниссель</a:t>
+            </a:r>
+            <a:r>
+              <a:rPr lang="ru-RU" sz="100" dirty="0"/>
+              <a:t> , сенатор-антикоммунист Гюстав </a:t>
+            </a:r>
+            <a:r>
+              <a:rPr lang="ru-RU" sz="100" dirty="0" err="1"/>
+              <a:t>Готеро</a:t>
+            </a:r>
+            <a:r>
+              <a:rPr lang="ru-RU" sz="100" dirty="0"/>
+              <a:t> , депутат Пьер </a:t>
+            </a:r>
+            <a:r>
+              <a:rPr lang="ru-RU" sz="100" dirty="0" err="1"/>
+              <a:t>Тэттингер</a:t>
+            </a:r>
+            <a:r>
+              <a:rPr lang="ru-RU" sz="100" dirty="0"/>
+              <a:t> , президент PNRS, олицетворение молодых патриотов , Виктор </a:t>
+            </a:r>
+            <a:r>
+              <a:rPr lang="ru-RU" sz="100" dirty="0" err="1"/>
+              <a:t>Перре</a:t>
+            </a:r>
+            <a:r>
+              <a:rPr lang="ru-RU" sz="100" dirty="0"/>
+              <a:t> и Жорж </a:t>
+            </a:r>
+            <a:r>
+              <a:rPr lang="ru-RU" sz="100" dirty="0" err="1"/>
+              <a:t>Лебек</a:t>
+            </a:r>
+            <a:r>
+              <a:rPr lang="ru-RU" sz="100" dirty="0"/>
+              <a:t>, президент Парижская группа Национального союза комбатантов . В его комитет почета входят Луи Марин и генерал Максим </a:t>
+            </a:r>
+            <a:r>
+              <a:rPr lang="ru-RU" sz="100" dirty="0" err="1"/>
+              <a:t>Вейган</a:t>
+            </a:r>
+            <a:r>
+              <a:rPr lang="ru-RU" sz="100" dirty="0"/>
+              <a:t> . Там также сидят депутаты Ксавье </a:t>
+            </a:r>
+            <a:r>
+              <a:rPr lang="ru-RU" sz="100" dirty="0" err="1"/>
+              <a:t>Валла</a:t>
+            </a:r>
+            <a:r>
+              <a:rPr lang="ru-RU" sz="100" dirty="0"/>
+              <a:t> , Филипп </a:t>
+            </a:r>
+            <a:r>
+              <a:rPr lang="ru-RU" sz="100" dirty="0" err="1"/>
+              <a:t>Анрио</a:t>
+            </a:r>
+            <a:r>
+              <a:rPr lang="ru-RU" sz="100" dirty="0"/>
+              <a:t> , Рене </a:t>
+            </a:r>
+            <a:r>
+              <a:rPr lang="ru-RU" sz="100" dirty="0" err="1"/>
+              <a:t>Домманж</a:t>
+            </a:r>
+            <a:r>
+              <a:rPr lang="ru-RU" sz="100" dirty="0"/>
+              <a:t> , Жозеф </a:t>
+            </a:r>
+            <a:r>
+              <a:rPr lang="ru-RU" sz="100" dirty="0" err="1"/>
+              <a:t>Денэ</a:t>
+            </a:r>
+            <a:r>
+              <a:rPr lang="ru-RU" sz="100" dirty="0"/>
+              <a:t> , а также литераторы, такие как братья </a:t>
+            </a:r>
+            <a:r>
+              <a:rPr lang="ru-RU" sz="100" dirty="0" err="1"/>
+              <a:t>Жером</a:t>
+            </a:r>
+            <a:r>
+              <a:rPr lang="ru-RU" sz="100" dirty="0"/>
+              <a:t> и Жан Таро . Ее генеральным секретарем является Морис Винсент, главный редактор </a:t>
+            </a:r>
+            <a:r>
+              <a:rPr lang="ru-RU" sz="100" dirty="0" err="1"/>
+              <a:t>L'Indépendant</a:t>
+            </a:r>
+            <a:r>
+              <a:rPr lang="ru-RU" sz="100" dirty="0"/>
+              <a:t> </a:t>
+            </a:r>
+            <a:r>
+              <a:rPr lang="ru-RU" sz="100" dirty="0" err="1"/>
+              <a:t>de</a:t>
+            </a:r>
+            <a:r>
+              <a:rPr lang="ru-RU" sz="100" dirty="0"/>
+              <a:t> </a:t>
+            </a:r>
+            <a:r>
+              <a:rPr lang="ru-RU" sz="100" dirty="0" err="1"/>
+              <a:t>Paris</a:t>
+            </a:r>
+            <a:r>
+              <a:rPr lang="ru-RU" sz="100" dirty="0"/>
+              <a:t> (газета </a:t>
+            </a:r>
+            <a:r>
+              <a:rPr lang="ru-RU" sz="100" dirty="0" err="1"/>
+              <a:t>Лемери</a:t>
+            </a:r>
+            <a:r>
+              <a:rPr lang="ru-RU" sz="100" dirty="0"/>
+              <a:t>). Общество также заручилось помощью литератора и антикоммунистического активиста Арсена де </a:t>
+            </a:r>
+            <a:r>
+              <a:rPr lang="ru-RU" sz="100" dirty="0" err="1"/>
+              <a:t>Гулевича</a:t>
+            </a:r>
+            <a:r>
+              <a:rPr lang="ru-RU" sz="100" dirty="0"/>
+              <a:t> [ 2 ] . Штаб-квартира находится по адресу: улица Капуцинов , 4 , во 2-м округе Парижа .Местные секции существуют в Лионе (вокруг Виктора </a:t>
+            </a:r>
+            <a:r>
+              <a:rPr lang="ru-RU" sz="100" dirty="0" err="1"/>
+              <a:t>Перре</a:t>
+            </a:r>
+            <a:r>
+              <a:rPr lang="ru-RU" sz="100" dirty="0"/>
+              <a:t>, президента Республиканской федерации Роны) и Марселя (вокруг депутата Андре </a:t>
+            </a:r>
+            <a:r>
+              <a:rPr lang="ru-RU" sz="100" dirty="0" err="1"/>
+              <a:t>Даэра</a:t>
+            </a:r>
+            <a:r>
+              <a:rPr lang="ru-RU" sz="100" dirty="0"/>
+              <a:t> ). Общество организует встречи [ 3 ] и издает брошюры, например, « Россия и Франция» , в которых </a:t>
+            </a:r>
+            <a:r>
+              <a:rPr lang="ru-RU" sz="100" dirty="0" err="1"/>
+              <a:t>Лемери</a:t>
+            </a:r>
+            <a:r>
+              <a:rPr lang="ru-RU" sz="100" dirty="0"/>
+              <a:t> показывает, «как большевизм угрожает нам грозным образом, хотя час его краха кажется близким».)</a:t>
+            </a:r>
+            <a:endParaRPr lang="ru-RU" sz="700" dirty="0"/>
+          </a:p>
+        </p:txBody>
+      </p:sp>
+      <p:sp>
+        <p:nvSpPr>
+          <p:cNvPr id="492" name="Прямоугольник 491">
+            <a:extLst>
+              <a:ext uri="{FF2B5EF4-FFF2-40B4-BE49-F238E27FC236}">
+                <a16:creationId xmlns:a16="http://schemas.microsoft.com/office/drawing/2014/main" id="{96B6FB2B-F812-4112-A81F-BE8F40426A54}"/>
+              </a:ext>
+            </a:extLst>
+          </p:cNvPr>
+          <p:cNvSpPr/>
+          <p:nvPr/>
+        </p:nvSpPr>
+        <p:spPr>
+          <a:xfrm>
+            <a:off x="24538032" y="11818771"/>
+            <a:ext cx="926325" cy="540000"/>
+          </a:xfrm>
+          <a:prstGeom prst="rect">
+            <a:avLst/>
+          </a:prstGeom>
+          <a:solidFill>
+            <a:schemeClr val="accent6">
+              <a:lumMod val="60000"/>
+              <a:lumOff val="40000"/>
+            </a:schemeClr>
+          </a:solidFill>
+          <a:ln w="19050"/>
+        </p:spPr>
+        <p:style>
+          <a:lnRef idx="2">
+            <a:schemeClr val="accent1"/>
+          </a:lnRef>
+          <a:fillRef idx="1">
+            <a:schemeClr val="lt1"/>
+          </a:fillRef>
+          <a:effectRef idx="0">
+            <a:schemeClr val="accent1"/>
+          </a:effectRef>
+          <a:fontRef idx="minor">
+            <a:schemeClr val="dk1"/>
+          </a:fontRef>
+        </p:style>
+        <p:txBody>
+          <a:bodyPr lIns="124733" tIns="62367" rIns="124733" bIns="62367" rtlCol="0" anchor="ctr"/>
+          <a:lstStyle/>
+          <a:p>
+            <a:pPr algn="ctr"/>
+            <a:r>
+              <a:rPr lang="ru-RU" sz="700" dirty="0"/>
+              <a:t>Юридическая эмансипация женщин</a:t>
+            </a:r>
+          </a:p>
+        </p:txBody>
+      </p:sp>
+      <p:cxnSp>
+        <p:nvCxnSpPr>
+          <p:cNvPr id="493" name="Соединительная линия уступом 620">
+            <a:extLst>
+              <a:ext uri="{FF2B5EF4-FFF2-40B4-BE49-F238E27FC236}">
+                <a16:creationId xmlns:a16="http://schemas.microsoft.com/office/drawing/2014/main" id="{25DCEF3C-4159-4C82-A2D7-B821FD5AF1F3}"/>
+              </a:ext>
+            </a:extLst>
+          </p:cNvPr>
+          <p:cNvCxnSpPr>
+            <a:cxnSpLocks/>
+            <a:stCxn id="461" idx="2"/>
+            <a:endCxn id="492" idx="0"/>
+          </p:cNvCxnSpPr>
+          <p:nvPr/>
+        </p:nvCxnSpPr>
+        <p:spPr>
+          <a:xfrm rot="16200000" flipH="1">
+            <a:off x="24487617" y="11305192"/>
+            <a:ext cx="436289" cy="590868"/>
+          </a:xfrm>
+          <a:prstGeom prst="bentConnector3">
+            <a:avLst>
+              <a:gd name="adj1" fmla="val 50000"/>
+            </a:avLst>
+          </a:prstGeom>
+          <a:ln w="19050">
+            <a:tailEnd type="arrow"/>
+          </a:ln>
+        </p:spPr>
+        <p:style>
+          <a:lnRef idx="1">
+            <a:schemeClr val="accent1"/>
+          </a:lnRef>
+          <a:fillRef idx="0">
+            <a:schemeClr val="accent1"/>
+          </a:fillRef>
+          <a:effectRef idx="0">
+            <a:schemeClr val="accent1"/>
+          </a:effectRef>
+          <a:fontRef idx="minor">
+            <a:schemeClr val="tx1"/>
+          </a:fontRef>
+        </p:style>
+      </p:cxnSp>
+      <p:sp>
+        <p:nvSpPr>
+          <p:cNvPr id="494" name="Прямоугольник 493">
+            <a:extLst>
+              <a:ext uri="{FF2B5EF4-FFF2-40B4-BE49-F238E27FC236}">
+                <a16:creationId xmlns:a16="http://schemas.microsoft.com/office/drawing/2014/main" id="{A8ACA0E6-69AF-479D-A4CB-02FDB72CB2DF}"/>
+              </a:ext>
+            </a:extLst>
+          </p:cNvPr>
+          <p:cNvSpPr/>
+          <p:nvPr/>
+        </p:nvSpPr>
+        <p:spPr>
+          <a:xfrm>
+            <a:off x="25090698" y="10845905"/>
+            <a:ext cx="926325" cy="540000"/>
+          </a:xfrm>
+          <a:prstGeom prst="rect">
+            <a:avLst/>
+          </a:prstGeom>
+          <a:solidFill>
+            <a:schemeClr val="accent6">
+              <a:lumMod val="60000"/>
+              <a:lumOff val="40000"/>
+            </a:schemeClr>
+          </a:solidFill>
+          <a:ln w="19050"/>
+        </p:spPr>
+        <p:style>
+          <a:lnRef idx="2">
+            <a:schemeClr val="accent1"/>
+          </a:lnRef>
+          <a:fillRef idx="1">
+            <a:schemeClr val="lt1"/>
+          </a:fillRef>
+          <a:effectRef idx="0">
+            <a:schemeClr val="accent1"/>
+          </a:effectRef>
+          <a:fontRef idx="minor">
+            <a:schemeClr val="dk1"/>
+          </a:fontRef>
+        </p:style>
+        <p:txBody>
+          <a:bodyPr lIns="124733" tIns="62367" rIns="124733" bIns="62367" rtlCol="0" anchor="ctr"/>
+          <a:lstStyle/>
+          <a:p>
+            <a:pPr algn="ctr"/>
+            <a:r>
+              <a:rPr lang="ru-RU" sz="700" dirty="0"/>
+              <a:t>Автономный фонд национальной обороны</a:t>
+            </a:r>
+          </a:p>
+        </p:txBody>
+      </p:sp>
+      <p:cxnSp>
+        <p:nvCxnSpPr>
+          <p:cNvPr id="495" name="Соединительная линия уступом 620">
+            <a:extLst>
+              <a:ext uri="{FF2B5EF4-FFF2-40B4-BE49-F238E27FC236}">
+                <a16:creationId xmlns:a16="http://schemas.microsoft.com/office/drawing/2014/main" id="{8A2A5A88-6B27-49B8-96A9-0BE2687503CA}"/>
+              </a:ext>
+            </a:extLst>
+          </p:cNvPr>
+          <p:cNvCxnSpPr>
+            <a:cxnSpLocks/>
+            <a:stCxn id="460" idx="2"/>
+            <a:endCxn id="494" idx="0"/>
+          </p:cNvCxnSpPr>
+          <p:nvPr/>
+        </p:nvCxnSpPr>
+        <p:spPr>
+          <a:xfrm rot="16200000" flipH="1">
+            <a:off x="24861776" y="10153819"/>
+            <a:ext cx="240905" cy="1143266"/>
+          </a:xfrm>
+          <a:prstGeom prst="bentConnector3">
+            <a:avLst>
+              <a:gd name="adj1" fmla="val 50000"/>
+            </a:avLst>
+          </a:prstGeom>
+          <a:ln w="19050">
+            <a:tailEnd type="arrow"/>
+          </a:ln>
+        </p:spPr>
+        <p:style>
+          <a:lnRef idx="1">
+            <a:schemeClr val="accent1"/>
+          </a:lnRef>
+          <a:fillRef idx="0">
+            <a:schemeClr val="accent1"/>
+          </a:fillRef>
+          <a:effectRef idx="0">
+            <a:schemeClr val="accent1"/>
+          </a:effectRef>
+          <a:fontRef idx="minor">
+            <a:schemeClr val="tx1"/>
+          </a:fontRef>
+        </p:style>
+      </p:cxnSp>
+      <p:sp>
+        <p:nvSpPr>
+          <p:cNvPr id="498" name="Прямоугольник 497">
+            <a:extLst>
+              <a:ext uri="{FF2B5EF4-FFF2-40B4-BE49-F238E27FC236}">
+                <a16:creationId xmlns:a16="http://schemas.microsoft.com/office/drawing/2014/main" id="{97008D9C-489C-4B51-BCC3-475456804776}"/>
+              </a:ext>
+            </a:extLst>
+          </p:cNvPr>
+          <p:cNvSpPr/>
+          <p:nvPr/>
+        </p:nvSpPr>
+        <p:spPr>
+          <a:xfrm>
+            <a:off x="18747912" y="2867083"/>
+            <a:ext cx="2171900" cy="626284"/>
+          </a:xfrm>
+          <a:prstGeom prst="rect">
+            <a:avLst/>
+          </a:prstGeom>
+          <a:solidFill>
+            <a:schemeClr val="bg1"/>
+          </a:solidFill>
+          <a:ln w="19050"/>
+        </p:spPr>
+        <p:style>
+          <a:lnRef idx="2">
+            <a:schemeClr val="accent1"/>
+          </a:lnRef>
+          <a:fillRef idx="1">
+            <a:schemeClr val="lt1"/>
+          </a:fillRef>
+          <a:effectRef idx="0">
+            <a:schemeClr val="accent1"/>
+          </a:effectRef>
+          <a:fontRef idx="minor">
+            <a:schemeClr val="dk1"/>
+          </a:fontRef>
+        </p:style>
+        <p:txBody>
+          <a:bodyPr lIns="124733" tIns="62367" rIns="124733" bIns="62367" rtlCol="0" anchor="ctr"/>
+          <a:lstStyle/>
+          <a:p>
+            <a:pPr algn="ctr"/>
+            <a:r>
+              <a:rPr lang="ru-RU" sz="700" dirty="0"/>
+              <a:t>Примечание к требованиям веток «Народного фронта» одного цвета</a:t>
+            </a:r>
+            <a:r>
+              <a:rPr lang="en-US" sz="700" dirty="0"/>
+              <a:t>:</a:t>
+            </a:r>
+            <a:br>
+              <a:rPr lang="ru-RU" sz="700" dirty="0"/>
+            </a:br>
+            <a:r>
+              <a:rPr lang="ru-RU" sz="700" dirty="0"/>
+              <a:t>лидер </a:t>
+            </a:r>
+            <a:r>
+              <a:rPr lang="ru-RU" sz="700" dirty="0" err="1"/>
+              <a:t>Деладье</a:t>
+            </a:r>
+            <a:r>
+              <a:rPr lang="ru-RU" sz="700" dirty="0"/>
+              <a:t> или </a:t>
+            </a:r>
+            <a:r>
+              <a:rPr lang="ru-RU" sz="700" dirty="0" err="1"/>
+              <a:t>Шотан</a:t>
+            </a:r>
+            <a:r>
+              <a:rPr lang="ru-RU" sz="700" dirty="0"/>
+              <a:t>  - </a:t>
+            </a:r>
+          </a:p>
+          <a:p>
+            <a:pPr algn="ctr"/>
+            <a:r>
+              <a:rPr lang="ru-RU" sz="700" dirty="0"/>
+              <a:t>лидер Блюм -</a:t>
+            </a:r>
+          </a:p>
+          <a:p>
+            <a:pPr algn="ctr"/>
+            <a:r>
+              <a:rPr lang="ru-RU" sz="700" dirty="0"/>
+              <a:t>лидер Торез -</a:t>
+            </a:r>
+          </a:p>
+        </p:txBody>
+      </p:sp>
+      <p:sp>
+        <p:nvSpPr>
+          <p:cNvPr id="499" name="Прямоугольник 498">
+            <a:extLst>
+              <a:ext uri="{FF2B5EF4-FFF2-40B4-BE49-F238E27FC236}">
+                <a16:creationId xmlns:a16="http://schemas.microsoft.com/office/drawing/2014/main" id="{7A097D2E-5911-42EE-A30B-1CBA444E856F}"/>
+              </a:ext>
+            </a:extLst>
+          </p:cNvPr>
+          <p:cNvSpPr/>
+          <p:nvPr/>
+        </p:nvSpPr>
+        <p:spPr>
+          <a:xfrm>
+            <a:off x="20422340" y="3144075"/>
+            <a:ext cx="148022" cy="75852"/>
+          </a:xfrm>
+          <a:prstGeom prst="rect">
+            <a:avLst/>
+          </a:prstGeom>
+          <a:solidFill>
+            <a:schemeClr val="accent6">
+              <a:lumMod val="60000"/>
+              <a:lumOff val="40000"/>
+            </a:schemeClr>
+          </a:solidFill>
+          <a:ln w="19050"/>
+        </p:spPr>
+        <p:style>
+          <a:lnRef idx="2">
+            <a:schemeClr val="accent1"/>
+          </a:lnRef>
+          <a:fillRef idx="1">
+            <a:schemeClr val="lt1"/>
+          </a:fillRef>
+          <a:effectRef idx="0">
+            <a:schemeClr val="accent1"/>
+          </a:effectRef>
+          <a:fontRef idx="minor">
+            <a:schemeClr val="dk1"/>
+          </a:fontRef>
+        </p:style>
+        <p:txBody>
+          <a:bodyPr lIns="124733" tIns="62367" rIns="124733" bIns="62367" rtlCol="0" anchor="ctr"/>
+          <a:lstStyle/>
+          <a:p>
+            <a:pPr algn="ctr"/>
+            <a:endParaRPr lang="ru-RU" sz="700" dirty="0"/>
+          </a:p>
+        </p:txBody>
+      </p:sp>
+      <p:sp>
+        <p:nvSpPr>
+          <p:cNvPr id="500" name="Прямоугольник 499">
+            <a:extLst>
+              <a:ext uri="{FF2B5EF4-FFF2-40B4-BE49-F238E27FC236}">
+                <a16:creationId xmlns:a16="http://schemas.microsoft.com/office/drawing/2014/main" id="{A880C518-E5BC-42CE-A0A5-2BB6E35321AA}"/>
+              </a:ext>
+            </a:extLst>
+          </p:cNvPr>
+          <p:cNvSpPr/>
+          <p:nvPr/>
+        </p:nvSpPr>
+        <p:spPr>
+          <a:xfrm>
+            <a:off x="20140272" y="3251687"/>
+            <a:ext cx="136680" cy="93111"/>
+          </a:xfrm>
+          <a:prstGeom prst="rect">
+            <a:avLst/>
+          </a:prstGeom>
+          <a:solidFill>
+            <a:schemeClr val="accent1">
+              <a:lumMod val="60000"/>
+              <a:lumOff val="40000"/>
+            </a:schemeClr>
+          </a:solidFill>
+          <a:ln w="19050"/>
+        </p:spPr>
+        <p:style>
+          <a:lnRef idx="2">
+            <a:schemeClr val="accent1"/>
+          </a:lnRef>
+          <a:fillRef idx="1">
+            <a:schemeClr val="lt1"/>
+          </a:fillRef>
+          <a:effectRef idx="0">
+            <a:schemeClr val="accent1"/>
+          </a:effectRef>
+          <a:fontRef idx="minor">
+            <a:schemeClr val="dk1"/>
+          </a:fontRef>
+        </p:style>
+        <p:txBody>
+          <a:bodyPr lIns="124733" tIns="62367" rIns="124733" bIns="62367" rtlCol="0" anchor="ctr"/>
+          <a:lstStyle/>
+          <a:p>
+            <a:pPr algn="ctr"/>
+            <a:endParaRPr lang="ru-RU" sz="700" dirty="0"/>
+          </a:p>
+        </p:txBody>
+      </p:sp>
+      <p:sp>
+        <p:nvSpPr>
+          <p:cNvPr id="502" name="Прямоугольник 501">
+            <a:extLst>
+              <a:ext uri="{FF2B5EF4-FFF2-40B4-BE49-F238E27FC236}">
+                <a16:creationId xmlns:a16="http://schemas.microsoft.com/office/drawing/2014/main" id="{ADA2F8FB-7C9B-4F93-B4F2-32A859E65947}"/>
+              </a:ext>
+            </a:extLst>
+          </p:cNvPr>
+          <p:cNvSpPr/>
+          <p:nvPr/>
+        </p:nvSpPr>
+        <p:spPr>
+          <a:xfrm>
+            <a:off x="20140272" y="3365987"/>
+            <a:ext cx="136680" cy="93111"/>
+          </a:xfrm>
+          <a:prstGeom prst="rect">
+            <a:avLst/>
+          </a:prstGeom>
+          <a:solidFill>
+            <a:srgbClr val="FF0000"/>
+          </a:solidFill>
+          <a:ln w="19050"/>
+        </p:spPr>
+        <p:style>
+          <a:lnRef idx="2">
+            <a:schemeClr val="accent1"/>
+          </a:lnRef>
+          <a:fillRef idx="1">
+            <a:schemeClr val="lt1"/>
+          </a:fillRef>
+          <a:effectRef idx="0">
+            <a:schemeClr val="accent1"/>
+          </a:effectRef>
+          <a:fontRef idx="minor">
+            <a:schemeClr val="dk1"/>
+          </a:fontRef>
+        </p:style>
+        <p:txBody>
+          <a:bodyPr lIns="124733" tIns="62367" rIns="124733" bIns="62367" rtlCol="0" anchor="ctr"/>
+          <a:lstStyle/>
+          <a:p>
+            <a:pPr algn="ctr"/>
+            <a:endParaRPr lang="ru-RU" sz="700" dirty="0"/>
+          </a:p>
+        </p:txBody>
+      </p:sp>
+      <p:cxnSp>
+        <p:nvCxnSpPr>
+          <p:cNvPr id="503" name="Соединительная линия уступом 620">
+            <a:extLst>
+              <a:ext uri="{FF2B5EF4-FFF2-40B4-BE49-F238E27FC236}">
+                <a16:creationId xmlns:a16="http://schemas.microsoft.com/office/drawing/2014/main" id="{2ADBA5BC-62A8-4444-A3C1-49E1E8570632}"/>
+              </a:ext>
+            </a:extLst>
+          </p:cNvPr>
+          <p:cNvCxnSpPr>
+            <a:cxnSpLocks/>
+            <a:stCxn id="133" idx="2"/>
+            <a:endCxn id="507" idx="0"/>
+          </p:cNvCxnSpPr>
+          <p:nvPr/>
+        </p:nvCxnSpPr>
+        <p:spPr>
+          <a:xfrm rot="5400000">
+            <a:off x="22819268" y="4892434"/>
+            <a:ext cx="255109" cy="646514"/>
+          </a:xfrm>
+          <a:prstGeom prst="bentConnector3">
+            <a:avLst>
+              <a:gd name="adj1" fmla="val 50000"/>
+            </a:avLst>
+          </a:prstGeom>
+          <a:ln w="19050">
+            <a:tailEnd type="arrow"/>
+          </a:ln>
+        </p:spPr>
+        <p:style>
+          <a:lnRef idx="1">
+            <a:schemeClr val="accent1"/>
+          </a:lnRef>
+          <a:fillRef idx="0">
+            <a:schemeClr val="accent1"/>
+          </a:fillRef>
+          <a:effectRef idx="0">
+            <a:schemeClr val="accent1"/>
+          </a:effectRef>
+          <a:fontRef idx="minor">
+            <a:schemeClr val="tx1"/>
+          </a:fontRef>
+        </p:style>
+      </p:cxnSp>
+      <p:sp>
+        <p:nvSpPr>
+          <p:cNvPr id="505" name="Прямоугольник 504">
+            <a:extLst>
+              <a:ext uri="{FF2B5EF4-FFF2-40B4-BE49-F238E27FC236}">
+                <a16:creationId xmlns:a16="http://schemas.microsoft.com/office/drawing/2014/main" id="{AE9E87BF-8562-4C44-B083-9AEFBEFF4EAF}"/>
+              </a:ext>
+            </a:extLst>
+          </p:cNvPr>
+          <p:cNvSpPr/>
+          <p:nvPr/>
+        </p:nvSpPr>
+        <p:spPr>
+          <a:xfrm>
+            <a:off x="26832194" y="276208"/>
+            <a:ext cx="926325" cy="353987"/>
+          </a:xfrm>
+          <a:prstGeom prst="rect">
+            <a:avLst/>
+          </a:prstGeom>
+          <a:solidFill>
+            <a:schemeClr val="bg1"/>
+          </a:solidFill>
+          <a:ln w="19050"/>
+        </p:spPr>
+        <p:style>
+          <a:lnRef idx="2">
+            <a:schemeClr val="accent1"/>
+          </a:lnRef>
+          <a:fillRef idx="1">
+            <a:schemeClr val="lt1"/>
+          </a:fillRef>
+          <a:effectRef idx="0">
+            <a:schemeClr val="accent1"/>
+          </a:effectRef>
+          <a:fontRef idx="minor">
+            <a:schemeClr val="dk1"/>
+          </a:fontRef>
+        </p:style>
+        <p:txBody>
+          <a:bodyPr lIns="124733" tIns="62367" rIns="124733" bIns="62367" rtlCol="0" anchor="ctr"/>
+          <a:lstStyle/>
+          <a:p>
+            <a:pPr algn="ctr"/>
+            <a:r>
+              <a:rPr lang="ru-RU" sz="700" dirty="0"/>
+              <a:t>Ветка фронта Освобождения?</a:t>
+            </a:r>
+          </a:p>
+        </p:txBody>
+      </p:sp>
+      <p:sp>
+        <p:nvSpPr>
+          <p:cNvPr id="506" name="Прямоугольник 505">
+            <a:extLst>
+              <a:ext uri="{FF2B5EF4-FFF2-40B4-BE49-F238E27FC236}">
+                <a16:creationId xmlns:a16="http://schemas.microsoft.com/office/drawing/2014/main" id="{53EBDD7C-3414-4C70-8B71-03E8ED82DA0E}"/>
+              </a:ext>
+            </a:extLst>
+          </p:cNvPr>
+          <p:cNvSpPr/>
+          <p:nvPr/>
+        </p:nvSpPr>
+        <p:spPr>
+          <a:xfrm>
+            <a:off x="22137024" y="270873"/>
+            <a:ext cx="926325" cy="353987"/>
+          </a:xfrm>
+          <a:prstGeom prst="rect">
+            <a:avLst/>
+          </a:prstGeom>
+          <a:solidFill>
+            <a:schemeClr val="bg1"/>
+          </a:solidFill>
+          <a:ln w="19050"/>
+        </p:spPr>
+        <p:style>
+          <a:lnRef idx="2">
+            <a:schemeClr val="accent1"/>
+          </a:lnRef>
+          <a:fillRef idx="1">
+            <a:schemeClr val="lt1"/>
+          </a:fillRef>
+          <a:effectRef idx="0">
+            <a:schemeClr val="accent1"/>
+          </a:effectRef>
+          <a:fontRef idx="minor">
+            <a:schemeClr val="dk1"/>
+          </a:fontRef>
+        </p:style>
+        <p:txBody>
+          <a:bodyPr lIns="124733" tIns="62367" rIns="124733" bIns="62367" rtlCol="0" anchor="ctr"/>
+          <a:lstStyle/>
+          <a:p>
+            <a:pPr algn="ctr"/>
+            <a:r>
+              <a:rPr lang="ru-RU" sz="700" dirty="0"/>
+              <a:t>Ветка Выборов 1940го</a:t>
+            </a:r>
+          </a:p>
+        </p:txBody>
+      </p:sp>
+      <p:sp>
+        <p:nvSpPr>
+          <p:cNvPr id="507" name="Прямоугольник 506">
+            <a:extLst>
+              <a:ext uri="{FF2B5EF4-FFF2-40B4-BE49-F238E27FC236}">
+                <a16:creationId xmlns:a16="http://schemas.microsoft.com/office/drawing/2014/main" id="{564695FC-8A0B-4FFE-A6C3-2E61A13AE1E3}"/>
+              </a:ext>
+            </a:extLst>
+          </p:cNvPr>
+          <p:cNvSpPr/>
+          <p:nvPr/>
+        </p:nvSpPr>
+        <p:spPr>
+          <a:xfrm>
+            <a:off x="22160402" y="5343246"/>
+            <a:ext cx="926325" cy="540000"/>
+          </a:xfrm>
+          <a:prstGeom prst="rect">
+            <a:avLst/>
+          </a:prstGeom>
+          <a:solidFill>
+            <a:schemeClr val="accent6">
+              <a:lumMod val="60000"/>
+              <a:lumOff val="40000"/>
+            </a:schemeClr>
+          </a:solidFill>
+          <a:ln w="19050"/>
+        </p:spPr>
+        <p:style>
+          <a:lnRef idx="2">
+            <a:schemeClr val="accent1"/>
+          </a:lnRef>
+          <a:fillRef idx="1">
+            <a:schemeClr val="lt1"/>
+          </a:fillRef>
+          <a:effectRef idx="0">
+            <a:schemeClr val="accent1"/>
+          </a:effectRef>
+          <a:fontRef idx="minor">
+            <a:schemeClr val="dk1"/>
+          </a:fontRef>
+        </p:style>
+        <p:txBody>
+          <a:bodyPr lIns="124733" tIns="62367" rIns="124733" bIns="62367" rtlCol="0" anchor="ctr"/>
+          <a:lstStyle/>
+          <a:p>
+            <a:pPr algn="ctr"/>
+            <a:r>
+              <a:rPr lang="ru-RU" sz="700" dirty="0"/>
+              <a:t>Усилить Иммиграционный контроль</a:t>
+            </a:r>
+          </a:p>
+        </p:txBody>
+      </p:sp>
+      <p:sp>
+        <p:nvSpPr>
+          <p:cNvPr id="508" name="Прямоугольник 507">
+            <a:extLst>
+              <a:ext uri="{FF2B5EF4-FFF2-40B4-BE49-F238E27FC236}">
+                <a16:creationId xmlns:a16="http://schemas.microsoft.com/office/drawing/2014/main" id="{0C90CCB9-C630-4C7C-96D6-905C6B677304}"/>
+              </a:ext>
+            </a:extLst>
+          </p:cNvPr>
+          <p:cNvSpPr/>
+          <p:nvPr/>
+        </p:nvSpPr>
+        <p:spPr>
+          <a:xfrm>
+            <a:off x="23381432" y="5340187"/>
+            <a:ext cx="926325" cy="540000"/>
+          </a:xfrm>
+          <a:prstGeom prst="rect">
+            <a:avLst/>
+          </a:prstGeom>
+          <a:solidFill>
+            <a:schemeClr val="accent6">
+              <a:lumMod val="60000"/>
+              <a:lumOff val="40000"/>
+            </a:schemeClr>
+          </a:solidFill>
+          <a:ln w="19050"/>
+        </p:spPr>
+        <p:style>
+          <a:lnRef idx="2">
+            <a:schemeClr val="accent1"/>
+          </a:lnRef>
+          <a:fillRef idx="1">
+            <a:schemeClr val="lt1"/>
+          </a:fillRef>
+          <a:effectRef idx="0">
+            <a:schemeClr val="accent1"/>
+          </a:effectRef>
+          <a:fontRef idx="minor">
+            <a:schemeClr val="dk1"/>
+          </a:fontRef>
+        </p:style>
+        <p:txBody>
+          <a:bodyPr lIns="124733" tIns="62367" rIns="124733" bIns="62367" rtlCol="0" anchor="ctr"/>
+          <a:lstStyle/>
+          <a:p>
+            <a:pPr algn="ctr"/>
+            <a:r>
+              <a:rPr lang="ru-RU" sz="700" dirty="0"/>
+              <a:t>Франк </a:t>
+            </a:r>
+            <a:r>
+              <a:rPr lang="ru-RU" sz="700" dirty="0" err="1"/>
+              <a:t>Маршадо</a:t>
+            </a:r>
+            <a:r>
+              <a:rPr lang="ru-RU" sz="700" dirty="0"/>
+              <a:t> и увеличение налогов</a:t>
+            </a:r>
+          </a:p>
+        </p:txBody>
+      </p:sp>
+      <p:cxnSp>
+        <p:nvCxnSpPr>
+          <p:cNvPr id="511" name="Прямая со стрелкой 510">
+            <a:extLst>
+              <a:ext uri="{FF2B5EF4-FFF2-40B4-BE49-F238E27FC236}">
+                <a16:creationId xmlns:a16="http://schemas.microsoft.com/office/drawing/2014/main" id="{8E4E9F6C-6AF6-45C2-875F-A4722D0A7ADD}"/>
+              </a:ext>
+            </a:extLst>
+          </p:cNvPr>
+          <p:cNvCxnSpPr>
+            <a:cxnSpLocks/>
+            <a:stCxn id="257" idx="2"/>
+            <a:endCxn id="338" idx="0"/>
+          </p:cNvCxnSpPr>
+          <p:nvPr/>
+        </p:nvCxnSpPr>
+        <p:spPr>
+          <a:xfrm flipH="1">
+            <a:off x="24997847" y="5089607"/>
+            <a:ext cx="3348" cy="255438"/>
+          </a:xfrm>
+          <a:prstGeom prst="straightConnector1">
+            <a:avLst/>
+          </a:prstGeom>
+          <a:ln w="19050">
+            <a:tailEnd type="arrow"/>
+          </a:ln>
+        </p:spPr>
+        <p:style>
+          <a:lnRef idx="1">
+            <a:schemeClr val="accent1"/>
+          </a:lnRef>
+          <a:fillRef idx="0">
+            <a:schemeClr val="accent1"/>
+          </a:fillRef>
+          <a:effectRef idx="0">
+            <a:schemeClr val="accent1"/>
+          </a:effectRef>
+          <a:fontRef idx="minor">
+            <a:schemeClr val="tx1"/>
+          </a:fontRef>
+        </p:style>
+      </p:cxnSp>
+      <p:sp>
+        <p:nvSpPr>
+          <p:cNvPr id="514" name="Прямоугольник 513">
+            <a:extLst>
+              <a:ext uri="{FF2B5EF4-FFF2-40B4-BE49-F238E27FC236}">
+                <a16:creationId xmlns:a16="http://schemas.microsoft.com/office/drawing/2014/main" id="{7D1580AF-02E4-4812-8E91-0EEEA44E5ABF}"/>
+              </a:ext>
+            </a:extLst>
+          </p:cNvPr>
+          <p:cNvSpPr/>
+          <p:nvPr/>
+        </p:nvSpPr>
+        <p:spPr>
+          <a:xfrm>
+            <a:off x="22805963" y="6138870"/>
+            <a:ext cx="926325" cy="540000"/>
+          </a:xfrm>
+          <a:prstGeom prst="rect">
+            <a:avLst/>
+          </a:prstGeom>
+          <a:solidFill>
+            <a:schemeClr val="accent6">
+              <a:lumMod val="60000"/>
+              <a:lumOff val="40000"/>
+            </a:schemeClr>
+          </a:solidFill>
+          <a:ln w="19050"/>
+        </p:spPr>
+        <p:style>
+          <a:lnRef idx="2">
+            <a:schemeClr val="accent1"/>
+          </a:lnRef>
+          <a:fillRef idx="1">
+            <a:schemeClr val="lt1"/>
+          </a:fillRef>
+          <a:effectRef idx="0">
+            <a:schemeClr val="accent1"/>
+          </a:effectRef>
+          <a:fontRef idx="minor">
+            <a:schemeClr val="dk1"/>
+          </a:fontRef>
+        </p:style>
+        <p:txBody>
+          <a:bodyPr lIns="124733" tIns="62367" rIns="124733" bIns="62367" rtlCol="0" anchor="ctr"/>
+          <a:lstStyle/>
+          <a:p>
+            <a:pPr algn="ctr"/>
+            <a:r>
+              <a:rPr lang="ru-RU" sz="700" dirty="0"/>
+              <a:t>Отменить законопроекты рабочих (12 ноября 1938) </a:t>
+            </a:r>
+            <a:r>
+              <a:rPr lang="ru-RU" sz="100" dirty="0"/>
+              <a:t>(речь Даладье , объявляющая об ослаблении закона о 40-часовой неделе ; «Франция должна вернуться к работе») три декрета-закона корректируют закон о 40-часовой неделе ; смягчен режим сверхурочной работы (50 часов сверхурочной работы в год на одного работника без разрешения инспекции труда); рабочая неделя ограничена 9 часами в день и 48 часами в неделю; неделя «двух воскресений» упраздняется</a:t>
+            </a:r>
+            <a:endParaRPr lang="ru-RU" sz="700" dirty="0"/>
+          </a:p>
+        </p:txBody>
+      </p:sp>
+      <p:cxnSp>
+        <p:nvCxnSpPr>
+          <p:cNvPr id="515" name="Прямая со стрелкой 514">
+            <a:extLst>
+              <a:ext uri="{FF2B5EF4-FFF2-40B4-BE49-F238E27FC236}">
+                <a16:creationId xmlns:a16="http://schemas.microsoft.com/office/drawing/2014/main" id="{BA4A5DE8-9D60-4ADF-B966-AB3015234263}"/>
+              </a:ext>
+            </a:extLst>
+          </p:cNvPr>
+          <p:cNvCxnSpPr>
+            <a:cxnSpLocks/>
+            <a:stCxn id="339" idx="2"/>
+            <a:endCxn id="529" idx="0"/>
+          </p:cNvCxnSpPr>
+          <p:nvPr/>
+        </p:nvCxnSpPr>
+        <p:spPr>
+          <a:xfrm flipH="1">
+            <a:off x="23276402" y="7455908"/>
+            <a:ext cx="554" cy="241051"/>
+          </a:xfrm>
+          <a:prstGeom prst="straightConnector1">
+            <a:avLst/>
+          </a:prstGeom>
+          <a:ln w="19050">
+            <a:tailEnd type="arrow"/>
+          </a:ln>
+        </p:spPr>
+        <p:style>
+          <a:lnRef idx="1">
+            <a:schemeClr val="accent1"/>
+          </a:lnRef>
+          <a:fillRef idx="0">
+            <a:schemeClr val="accent1"/>
+          </a:fillRef>
+          <a:effectRef idx="0">
+            <a:schemeClr val="accent1"/>
+          </a:effectRef>
+          <a:fontRef idx="minor">
+            <a:schemeClr val="tx1"/>
+          </a:fontRef>
+        </p:style>
+      </p:cxnSp>
+      <p:cxnSp>
+        <p:nvCxnSpPr>
+          <p:cNvPr id="516" name="Прямая со стрелкой 515">
+            <a:extLst>
+              <a:ext uri="{FF2B5EF4-FFF2-40B4-BE49-F238E27FC236}">
+                <a16:creationId xmlns:a16="http://schemas.microsoft.com/office/drawing/2014/main" id="{1F73A570-B028-427B-BB3C-C0B3DE6F4B12}"/>
+              </a:ext>
+            </a:extLst>
+          </p:cNvPr>
+          <p:cNvCxnSpPr>
+            <a:cxnSpLocks/>
+            <a:stCxn id="514" idx="2"/>
+            <a:endCxn id="339" idx="0"/>
+          </p:cNvCxnSpPr>
+          <p:nvPr/>
+        </p:nvCxnSpPr>
+        <p:spPr>
+          <a:xfrm>
+            <a:off x="23269126" y="6678870"/>
+            <a:ext cx="7830" cy="237038"/>
+          </a:xfrm>
+          <a:prstGeom prst="straightConnector1">
+            <a:avLst/>
+          </a:prstGeom>
+          <a:ln w="19050">
+            <a:tailEnd type="arrow"/>
+          </a:ln>
+        </p:spPr>
+        <p:style>
+          <a:lnRef idx="1">
+            <a:schemeClr val="accent1"/>
+          </a:lnRef>
+          <a:fillRef idx="0">
+            <a:schemeClr val="accent1"/>
+          </a:fillRef>
+          <a:effectRef idx="0">
+            <a:schemeClr val="accent1"/>
+          </a:effectRef>
+          <a:fontRef idx="minor">
+            <a:schemeClr val="tx1"/>
+          </a:fontRef>
+        </p:style>
+      </p:cxnSp>
+      <p:sp>
+        <p:nvSpPr>
+          <p:cNvPr id="517" name="Прямоугольник 516">
+            <a:extLst>
+              <a:ext uri="{FF2B5EF4-FFF2-40B4-BE49-F238E27FC236}">
+                <a16:creationId xmlns:a16="http://schemas.microsoft.com/office/drawing/2014/main" id="{B831AFE1-ED59-4337-BA0A-B3636E9B9F0D}"/>
+              </a:ext>
+            </a:extLst>
+          </p:cNvPr>
+          <p:cNvSpPr/>
+          <p:nvPr/>
+        </p:nvSpPr>
+        <p:spPr>
+          <a:xfrm>
+            <a:off x="25730629" y="6377933"/>
+            <a:ext cx="926325" cy="540000"/>
+          </a:xfrm>
+          <a:prstGeom prst="rect">
+            <a:avLst/>
+          </a:prstGeom>
+          <a:solidFill>
+            <a:schemeClr val="accent6">
+              <a:lumMod val="60000"/>
+              <a:lumOff val="40000"/>
+            </a:schemeClr>
+          </a:solidFill>
+          <a:ln w="19050"/>
+        </p:spPr>
+        <p:style>
+          <a:lnRef idx="2">
+            <a:schemeClr val="accent1"/>
+          </a:lnRef>
+          <a:fillRef idx="1">
+            <a:schemeClr val="lt1"/>
+          </a:fillRef>
+          <a:effectRef idx="0">
+            <a:schemeClr val="accent1"/>
+          </a:effectRef>
+          <a:fontRef idx="minor">
+            <a:schemeClr val="dk1"/>
+          </a:fontRef>
+        </p:style>
+        <p:txBody>
+          <a:bodyPr lIns="124733" tIns="62367" rIns="124733" bIns="62367" rtlCol="0" anchor="ctr"/>
+          <a:lstStyle/>
+          <a:p>
+            <a:pPr algn="ctr"/>
+            <a:r>
+              <a:rPr lang="ru-RU" sz="700" dirty="0"/>
+              <a:t>30 ноября :</a:t>
+            </a:r>
+            <a:r>
+              <a:rPr lang="ru-RU" sz="300" dirty="0"/>
+              <a:t>В знак протеста против экономических мер по смягчению социального законодательства ВКТ объявила всеобщую забастовку, но правительство отклонило эту попытку [ 54 ] . Окончательный распад Народного фронта .</a:t>
+            </a:r>
+            <a:endParaRPr lang="ru-RU" sz="700" dirty="0"/>
+          </a:p>
+        </p:txBody>
+      </p:sp>
+      <p:cxnSp>
+        <p:nvCxnSpPr>
+          <p:cNvPr id="518" name="Прямая со стрелкой 517">
+            <a:extLst>
+              <a:ext uri="{FF2B5EF4-FFF2-40B4-BE49-F238E27FC236}">
+                <a16:creationId xmlns:a16="http://schemas.microsoft.com/office/drawing/2014/main" id="{446F3BC9-9843-4B27-9603-2C70A83E039F}"/>
+              </a:ext>
+            </a:extLst>
+          </p:cNvPr>
+          <p:cNvCxnSpPr>
+            <a:cxnSpLocks/>
+            <a:stCxn id="338" idx="2"/>
+            <a:endCxn id="341" idx="0"/>
+          </p:cNvCxnSpPr>
+          <p:nvPr/>
+        </p:nvCxnSpPr>
+        <p:spPr>
+          <a:xfrm>
+            <a:off x="24997847" y="5885045"/>
+            <a:ext cx="0" cy="245723"/>
+          </a:xfrm>
+          <a:prstGeom prst="straightConnector1">
+            <a:avLst/>
+          </a:prstGeom>
+          <a:ln w="19050">
+            <a:tailEnd type="arrow"/>
+          </a:ln>
+        </p:spPr>
+        <p:style>
+          <a:lnRef idx="1">
+            <a:schemeClr val="accent1"/>
+          </a:lnRef>
+          <a:fillRef idx="0">
+            <a:schemeClr val="accent1"/>
+          </a:fillRef>
+          <a:effectRef idx="0">
+            <a:schemeClr val="accent1"/>
+          </a:effectRef>
+          <a:fontRef idx="minor">
+            <a:schemeClr val="tx1"/>
+          </a:fontRef>
+        </p:style>
+      </p:cxnSp>
+      <p:cxnSp>
+        <p:nvCxnSpPr>
+          <p:cNvPr id="519" name="Прямая со стрелкой 518">
+            <a:extLst>
+              <a:ext uri="{FF2B5EF4-FFF2-40B4-BE49-F238E27FC236}">
+                <a16:creationId xmlns:a16="http://schemas.microsoft.com/office/drawing/2014/main" id="{50A87401-FD95-4DFB-8C1D-EBBE0090E33C}"/>
+              </a:ext>
+            </a:extLst>
+          </p:cNvPr>
+          <p:cNvCxnSpPr>
+            <a:cxnSpLocks/>
+            <a:stCxn id="252" idx="2"/>
+            <a:endCxn id="445" idx="0"/>
+          </p:cNvCxnSpPr>
+          <p:nvPr/>
+        </p:nvCxnSpPr>
+        <p:spPr>
+          <a:xfrm>
+            <a:off x="19778557" y="7450648"/>
+            <a:ext cx="2396" cy="2626905"/>
+          </a:xfrm>
+          <a:prstGeom prst="straightConnector1">
+            <a:avLst/>
+          </a:prstGeom>
+          <a:ln w="19050">
+            <a:tailEnd type="arrow"/>
+          </a:ln>
+        </p:spPr>
+        <p:style>
+          <a:lnRef idx="1">
+            <a:schemeClr val="accent1"/>
+          </a:lnRef>
+          <a:fillRef idx="0">
+            <a:schemeClr val="accent1"/>
+          </a:fillRef>
+          <a:effectRef idx="0">
+            <a:schemeClr val="accent1"/>
+          </a:effectRef>
+          <a:fontRef idx="minor">
+            <a:schemeClr val="tx1"/>
+          </a:fontRef>
+        </p:style>
+      </p:cxnSp>
+      <p:sp>
+        <p:nvSpPr>
+          <p:cNvPr id="520" name="Прямоугольник 519">
+            <a:extLst>
+              <a:ext uri="{FF2B5EF4-FFF2-40B4-BE49-F238E27FC236}">
+                <a16:creationId xmlns:a16="http://schemas.microsoft.com/office/drawing/2014/main" id="{93409D2D-314F-4272-B724-D11D6DCE74B0}"/>
+              </a:ext>
+            </a:extLst>
+          </p:cNvPr>
+          <p:cNvSpPr/>
+          <p:nvPr/>
+        </p:nvSpPr>
+        <p:spPr>
+          <a:xfrm>
+            <a:off x="18747912" y="6123851"/>
+            <a:ext cx="926325" cy="540000"/>
+          </a:xfrm>
+          <a:prstGeom prst="rect">
+            <a:avLst/>
+          </a:prstGeom>
+          <a:solidFill>
+            <a:schemeClr val="accent6">
+              <a:lumMod val="60000"/>
+              <a:lumOff val="40000"/>
+            </a:schemeClr>
+          </a:solidFill>
+          <a:ln w="19050"/>
+        </p:spPr>
+        <p:style>
+          <a:lnRef idx="2">
+            <a:schemeClr val="accent1"/>
+          </a:lnRef>
+          <a:fillRef idx="1">
+            <a:schemeClr val="lt1"/>
+          </a:fillRef>
+          <a:effectRef idx="0">
+            <a:schemeClr val="accent1"/>
+          </a:effectRef>
+          <a:fontRef idx="minor">
+            <a:schemeClr val="dk1"/>
+          </a:fontRef>
+        </p:style>
+        <p:txBody>
+          <a:bodyPr lIns="124733" tIns="62367" rIns="124733" bIns="62367" rtlCol="0" anchor="ctr"/>
+          <a:lstStyle/>
+          <a:p>
+            <a:pPr algn="ctr"/>
+            <a:r>
+              <a:rPr lang="ru-RU" sz="700" dirty="0"/>
+              <a:t>Признать националистическое правительство </a:t>
+            </a:r>
+            <a:r>
+              <a:rPr lang="ru-RU" sz="600" dirty="0"/>
+              <a:t>(27 февраля 1939)</a:t>
+            </a:r>
+            <a:endParaRPr lang="ru-RU" sz="700" dirty="0"/>
+          </a:p>
+        </p:txBody>
+      </p:sp>
+      <p:cxnSp>
+        <p:nvCxnSpPr>
+          <p:cNvPr id="521" name="Соединительная линия уступом 620">
+            <a:extLst>
+              <a:ext uri="{FF2B5EF4-FFF2-40B4-BE49-F238E27FC236}">
+                <a16:creationId xmlns:a16="http://schemas.microsoft.com/office/drawing/2014/main" id="{374A7274-B606-453F-86B3-DC228551016F}"/>
+              </a:ext>
+            </a:extLst>
+          </p:cNvPr>
+          <p:cNvCxnSpPr>
+            <a:cxnSpLocks/>
+            <a:stCxn id="155" idx="2"/>
+            <a:endCxn id="520" idx="0"/>
+          </p:cNvCxnSpPr>
+          <p:nvPr/>
+        </p:nvCxnSpPr>
+        <p:spPr>
+          <a:xfrm rot="16200000" flipH="1">
+            <a:off x="18802576" y="5715351"/>
+            <a:ext cx="246499" cy="570500"/>
+          </a:xfrm>
+          <a:prstGeom prst="bentConnector3">
+            <a:avLst>
+              <a:gd name="adj1" fmla="val 50000"/>
+            </a:avLst>
+          </a:prstGeom>
+          <a:ln w="19050">
+            <a:tailEnd type="arrow"/>
+          </a:ln>
+        </p:spPr>
+        <p:style>
+          <a:lnRef idx="1">
+            <a:schemeClr val="accent1"/>
+          </a:lnRef>
+          <a:fillRef idx="0">
+            <a:schemeClr val="accent1"/>
+          </a:fillRef>
+          <a:effectRef idx="0">
+            <a:schemeClr val="accent1"/>
+          </a:effectRef>
+          <a:fontRef idx="minor">
+            <a:schemeClr val="tx1"/>
+          </a:fontRef>
+        </p:style>
+      </p:cxnSp>
+      <p:cxnSp>
+        <p:nvCxnSpPr>
+          <p:cNvPr id="522" name="Соединительная линия уступом 620">
+            <a:extLst>
+              <a:ext uri="{FF2B5EF4-FFF2-40B4-BE49-F238E27FC236}">
+                <a16:creationId xmlns:a16="http://schemas.microsoft.com/office/drawing/2014/main" id="{C4FB2880-5234-430A-A7D3-C6465BAA48CB}"/>
+              </a:ext>
+            </a:extLst>
+          </p:cNvPr>
+          <p:cNvCxnSpPr>
+            <a:cxnSpLocks/>
+            <a:stCxn id="444" idx="2"/>
+            <a:endCxn id="446" idx="0"/>
+          </p:cNvCxnSpPr>
+          <p:nvPr/>
+        </p:nvCxnSpPr>
+        <p:spPr>
+          <a:xfrm rot="16200000" flipH="1">
+            <a:off x="18748571" y="6906037"/>
+            <a:ext cx="2631254" cy="571731"/>
+          </a:xfrm>
+          <a:prstGeom prst="bentConnector3">
+            <a:avLst>
+              <a:gd name="adj1" fmla="val 5276"/>
+            </a:avLst>
+          </a:prstGeom>
+          <a:ln w="19050">
+            <a:tailEnd type="arrow"/>
+          </a:ln>
+        </p:spPr>
+        <p:style>
+          <a:lnRef idx="1">
+            <a:schemeClr val="accent1"/>
+          </a:lnRef>
+          <a:fillRef idx="0">
+            <a:schemeClr val="accent1"/>
+          </a:fillRef>
+          <a:effectRef idx="0">
+            <a:schemeClr val="accent1"/>
+          </a:effectRef>
+          <a:fontRef idx="minor">
+            <a:schemeClr val="tx1"/>
+          </a:fontRef>
+        </p:style>
+      </p:cxnSp>
+      <p:cxnSp>
+        <p:nvCxnSpPr>
+          <p:cNvPr id="523" name="Прямая со стрелкой 522">
+            <a:extLst>
+              <a:ext uri="{FF2B5EF4-FFF2-40B4-BE49-F238E27FC236}">
+                <a16:creationId xmlns:a16="http://schemas.microsoft.com/office/drawing/2014/main" id="{DF7BDEA6-BA34-4DA5-A3EA-8A963DB17C5D}"/>
+              </a:ext>
+            </a:extLst>
+          </p:cNvPr>
+          <p:cNvCxnSpPr>
+            <a:cxnSpLocks/>
+            <a:stCxn id="444" idx="2"/>
+            <a:endCxn id="252" idx="0"/>
+          </p:cNvCxnSpPr>
+          <p:nvPr/>
+        </p:nvCxnSpPr>
+        <p:spPr>
+          <a:xfrm>
+            <a:off x="19778333" y="5876276"/>
+            <a:ext cx="224" cy="1034372"/>
+          </a:xfrm>
+          <a:prstGeom prst="straightConnector1">
+            <a:avLst/>
+          </a:prstGeom>
+          <a:ln w="19050">
+            <a:tailEnd type="arrow"/>
+          </a:ln>
+        </p:spPr>
+        <p:style>
+          <a:lnRef idx="1">
+            <a:schemeClr val="accent1"/>
+          </a:lnRef>
+          <a:fillRef idx="0">
+            <a:schemeClr val="accent1"/>
+          </a:fillRef>
+          <a:effectRef idx="0">
+            <a:schemeClr val="accent1"/>
+          </a:effectRef>
+          <a:fontRef idx="minor">
+            <a:schemeClr val="tx1"/>
+          </a:fontRef>
+        </p:style>
+      </p:cxnSp>
+      <p:sp>
+        <p:nvSpPr>
+          <p:cNvPr id="524" name="Прямоугольник 523">
+            <a:extLst>
+              <a:ext uri="{FF2B5EF4-FFF2-40B4-BE49-F238E27FC236}">
+                <a16:creationId xmlns:a16="http://schemas.microsoft.com/office/drawing/2014/main" id="{6A86A5EC-75E9-4A14-A414-785C8AE54070}"/>
+              </a:ext>
+            </a:extLst>
+          </p:cNvPr>
+          <p:cNvSpPr/>
+          <p:nvPr/>
+        </p:nvSpPr>
+        <p:spPr>
+          <a:xfrm>
+            <a:off x="17614696" y="7701194"/>
+            <a:ext cx="926325" cy="540000"/>
+          </a:xfrm>
+          <a:prstGeom prst="rect">
+            <a:avLst/>
+          </a:prstGeom>
+          <a:gradFill>
+            <a:gsLst>
+              <a:gs pos="0">
+                <a:schemeClr val="accent1">
+                  <a:lumMod val="60000"/>
+                  <a:lumOff val="40000"/>
+                </a:schemeClr>
+              </a:gs>
+              <a:gs pos="100000">
+                <a:schemeClr val="accent6">
+                  <a:lumMod val="60000"/>
+                  <a:lumOff val="40000"/>
+                </a:schemeClr>
+              </a:gs>
+            </a:gsLst>
+            <a:lin ang="5400000" scaled="1"/>
+          </a:gradFill>
+          <a:ln w="19050"/>
+        </p:spPr>
+        <p:style>
+          <a:lnRef idx="2">
+            <a:schemeClr val="accent1"/>
+          </a:lnRef>
+          <a:fillRef idx="1">
+            <a:schemeClr val="lt1"/>
+          </a:fillRef>
+          <a:effectRef idx="0">
+            <a:schemeClr val="accent1"/>
+          </a:effectRef>
+          <a:fontRef idx="minor">
+            <a:schemeClr val="dk1"/>
+          </a:fontRef>
+        </p:style>
+        <p:txBody>
+          <a:bodyPr lIns="124733" tIns="62367" rIns="124733" bIns="62367" rtlCol="0" anchor="ctr"/>
+          <a:lstStyle/>
+          <a:p>
+            <a:pPr algn="ctr"/>
+            <a:r>
+              <a:rPr lang="ru-RU" sz="700" dirty="0"/>
+              <a:t>Дать гаранты Польше (13 апреля 1939))</a:t>
+            </a:r>
+          </a:p>
+        </p:txBody>
+      </p:sp>
+      <p:cxnSp>
+        <p:nvCxnSpPr>
+          <p:cNvPr id="525" name="Соединительная линия уступом 595">
+            <a:extLst>
+              <a:ext uri="{FF2B5EF4-FFF2-40B4-BE49-F238E27FC236}">
+                <a16:creationId xmlns:a16="http://schemas.microsoft.com/office/drawing/2014/main" id="{C84701DA-A622-4C41-A45F-C168263A9101}"/>
+              </a:ext>
+            </a:extLst>
+          </p:cNvPr>
+          <p:cNvCxnSpPr>
+            <a:cxnSpLocks/>
+            <a:stCxn id="388" idx="2"/>
+            <a:endCxn id="524" idx="0"/>
+          </p:cNvCxnSpPr>
+          <p:nvPr/>
+        </p:nvCxnSpPr>
+        <p:spPr>
+          <a:xfrm rot="5400000">
+            <a:off x="18231367" y="7291985"/>
+            <a:ext cx="255701" cy="562716"/>
+          </a:xfrm>
+          <a:prstGeom prst="bentConnector3">
+            <a:avLst>
+              <a:gd name="adj1" fmla="val 50000"/>
+            </a:avLst>
+          </a:prstGeom>
+          <a:ln w="19050">
+            <a:prstDash val="dash"/>
+            <a:tailEnd type="arrow"/>
+          </a:ln>
+        </p:spPr>
+        <p:style>
+          <a:lnRef idx="1">
+            <a:schemeClr val="accent1"/>
+          </a:lnRef>
+          <a:fillRef idx="0">
+            <a:schemeClr val="accent1"/>
+          </a:fillRef>
+          <a:effectRef idx="0">
+            <a:schemeClr val="accent1"/>
+          </a:effectRef>
+          <a:fontRef idx="minor">
+            <a:schemeClr val="tx1"/>
+          </a:fontRef>
+        </p:style>
+      </p:cxnSp>
+      <p:cxnSp>
+        <p:nvCxnSpPr>
+          <p:cNvPr id="526" name="Соединительная линия уступом 595">
+            <a:extLst>
+              <a:ext uri="{FF2B5EF4-FFF2-40B4-BE49-F238E27FC236}">
+                <a16:creationId xmlns:a16="http://schemas.microsoft.com/office/drawing/2014/main" id="{7E6E1EB1-AF20-4795-BEC4-712510C57AB8}"/>
+              </a:ext>
+            </a:extLst>
+          </p:cNvPr>
+          <p:cNvCxnSpPr>
+            <a:cxnSpLocks/>
+            <a:stCxn id="313" idx="2"/>
+            <a:endCxn id="524" idx="0"/>
+          </p:cNvCxnSpPr>
+          <p:nvPr/>
+        </p:nvCxnSpPr>
+        <p:spPr>
+          <a:xfrm rot="16200000" flipH="1">
+            <a:off x="17666329" y="7289664"/>
+            <a:ext cx="252660" cy="570400"/>
+          </a:xfrm>
+          <a:prstGeom prst="bentConnector3">
+            <a:avLst>
+              <a:gd name="adj1" fmla="val 50000"/>
+            </a:avLst>
+          </a:prstGeom>
+          <a:ln w="19050">
+            <a:prstDash val="dash"/>
+            <a:tailEnd type="arrow"/>
+          </a:ln>
+        </p:spPr>
+        <p:style>
+          <a:lnRef idx="1">
+            <a:schemeClr val="accent1"/>
+          </a:lnRef>
+          <a:fillRef idx="0">
+            <a:schemeClr val="accent1"/>
+          </a:fillRef>
+          <a:effectRef idx="0">
+            <a:schemeClr val="accent1"/>
+          </a:effectRef>
+          <a:fontRef idx="minor">
+            <a:schemeClr val="tx1"/>
+          </a:fontRef>
+        </p:style>
+      </p:cxnSp>
+      <p:cxnSp>
+        <p:nvCxnSpPr>
+          <p:cNvPr id="527" name="Соединительная линия уступом 620">
+            <a:extLst>
+              <a:ext uri="{FF2B5EF4-FFF2-40B4-BE49-F238E27FC236}">
+                <a16:creationId xmlns:a16="http://schemas.microsoft.com/office/drawing/2014/main" id="{29491856-4BAC-4A92-AA27-9F39AD6B2993}"/>
+              </a:ext>
+            </a:extLst>
+          </p:cNvPr>
+          <p:cNvCxnSpPr>
+            <a:cxnSpLocks/>
+            <a:stCxn id="397" idx="2"/>
+            <a:endCxn id="404" idx="0"/>
+          </p:cNvCxnSpPr>
+          <p:nvPr/>
+        </p:nvCxnSpPr>
+        <p:spPr>
+          <a:xfrm rot="16200000" flipH="1">
+            <a:off x="17100589" y="8882114"/>
+            <a:ext cx="244059" cy="548756"/>
+          </a:xfrm>
+          <a:prstGeom prst="bentConnector3">
+            <a:avLst>
+              <a:gd name="adj1" fmla="val 50000"/>
+            </a:avLst>
+          </a:prstGeom>
+          <a:ln w="19050">
+            <a:tailEnd type="arrow"/>
+          </a:ln>
+        </p:spPr>
+        <p:style>
+          <a:lnRef idx="1">
+            <a:schemeClr val="accent1"/>
+          </a:lnRef>
+          <a:fillRef idx="0">
+            <a:schemeClr val="accent1"/>
+          </a:fillRef>
+          <a:effectRef idx="0">
+            <a:schemeClr val="accent1"/>
+          </a:effectRef>
+          <a:fontRef idx="minor">
+            <a:schemeClr val="tx1"/>
+          </a:fontRef>
+        </p:style>
+      </p:cxnSp>
+      <p:cxnSp>
+        <p:nvCxnSpPr>
+          <p:cNvPr id="528" name="Соединительная линия уступом 620">
+            <a:extLst>
+              <a:ext uri="{FF2B5EF4-FFF2-40B4-BE49-F238E27FC236}">
+                <a16:creationId xmlns:a16="http://schemas.microsoft.com/office/drawing/2014/main" id="{C8E06C8B-9153-4571-89B0-8A71A4E90C40}"/>
+              </a:ext>
+            </a:extLst>
+          </p:cNvPr>
+          <p:cNvCxnSpPr>
+            <a:cxnSpLocks/>
+            <a:stCxn id="524" idx="2"/>
+            <a:endCxn id="404" idx="0"/>
+          </p:cNvCxnSpPr>
+          <p:nvPr/>
+        </p:nvCxnSpPr>
+        <p:spPr>
+          <a:xfrm rot="5400000">
+            <a:off x="17268764" y="8469427"/>
+            <a:ext cx="1037328" cy="580863"/>
+          </a:xfrm>
+          <a:prstGeom prst="bentConnector3">
+            <a:avLst>
+              <a:gd name="adj1" fmla="val 12440"/>
+            </a:avLst>
+          </a:prstGeom>
+          <a:ln w="19050">
+            <a:tailEnd type="arrow"/>
+          </a:ln>
+        </p:spPr>
+        <p:style>
+          <a:lnRef idx="1">
+            <a:schemeClr val="accent1"/>
+          </a:lnRef>
+          <a:fillRef idx="0">
+            <a:schemeClr val="accent1"/>
+          </a:fillRef>
+          <a:effectRef idx="0">
+            <a:schemeClr val="accent1"/>
+          </a:effectRef>
+          <a:fontRef idx="minor">
+            <a:schemeClr val="tx1"/>
+          </a:fontRef>
+        </p:style>
+      </p:cxnSp>
+      <p:sp>
+        <p:nvSpPr>
+          <p:cNvPr id="529" name="Прямоугольник 528">
+            <a:extLst>
+              <a:ext uri="{FF2B5EF4-FFF2-40B4-BE49-F238E27FC236}">
+                <a16:creationId xmlns:a16="http://schemas.microsoft.com/office/drawing/2014/main" id="{388ABDC5-B0A6-4D73-A224-5C52A86C69B5}"/>
+              </a:ext>
+            </a:extLst>
+          </p:cNvPr>
+          <p:cNvSpPr/>
+          <p:nvPr/>
+        </p:nvSpPr>
+        <p:spPr>
+          <a:xfrm>
+            <a:off x="22813239" y="7696959"/>
+            <a:ext cx="926325" cy="540000"/>
+          </a:xfrm>
+          <a:prstGeom prst="rect">
+            <a:avLst/>
+          </a:prstGeom>
+          <a:solidFill>
+            <a:schemeClr val="accent6">
+              <a:lumMod val="60000"/>
+              <a:lumOff val="40000"/>
+            </a:schemeClr>
+          </a:solidFill>
+          <a:ln w="19050"/>
+        </p:spPr>
+        <p:style>
+          <a:lnRef idx="2">
+            <a:schemeClr val="accent1"/>
+          </a:lnRef>
+          <a:fillRef idx="1">
+            <a:schemeClr val="lt1"/>
+          </a:fillRef>
+          <a:effectRef idx="0">
+            <a:schemeClr val="accent1"/>
+          </a:effectRef>
+          <a:fontRef idx="minor">
+            <a:schemeClr val="dk1"/>
+          </a:fontRef>
+        </p:style>
+        <p:txBody>
+          <a:bodyPr lIns="124733" tIns="62367" rIns="124733" bIns="62367" rtlCol="0" anchor="ctr"/>
+          <a:lstStyle/>
+          <a:p>
+            <a:pPr algn="ctr"/>
+            <a:r>
+              <a:rPr lang="ru-RU" sz="700" dirty="0"/>
+              <a:t>Семейный кодекс (29 июля 1939) </a:t>
+            </a:r>
+            <a:r>
+              <a:rPr lang="ru-RU" sz="200" dirty="0"/>
+              <a:t>(декрет-закон, касающийся семьи и рождаемости во Франции, известный как « Семейный кодекс », который устанавливает премию при рождении первого ребенка, если оно происходит в течение двух лет после брака, и устанавливает «семейный компенсационный налог» (TCF), который затрагивает одиноких людей [ 36 ] . Он ужесточает наказание за аборты [ 37 ] .)</a:t>
+            </a:r>
+            <a:endParaRPr lang="ru-RU" sz="700" dirty="0"/>
+          </a:p>
+        </p:txBody>
+      </p:sp>
+      <p:sp>
+        <p:nvSpPr>
+          <p:cNvPr id="530" name="Прямоугольник 529">
+            <a:extLst>
+              <a:ext uri="{FF2B5EF4-FFF2-40B4-BE49-F238E27FC236}">
+                <a16:creationId xmlns:a16="http://schemas.microsoft.com/office/drawing/2014/main" id="{7FA2B7F5-3681-4CB7-82B6-F48ABE651E56}"/>
+              </a:ext>
+            </a:extLst>
+          </p:cNvPr>
+          <p:cNvSpPr/>
+          <p:nvPr/>
+        </p:nvSpPr>
+        <p:spPr>
+          <a:xfrm>
+            <a:off x="29740446" y="4539144"/>
+            <a:ext cx="926325" cy="540000"/>
+          </a:xfrm>
+          <a:prstGeom prst="rect">
+            <a:avLst/>
+          </a:prstGeom>
+          <a:solidFill>
+            <a:schemeClr val="accent3">
+              <a:lumMod val="60000"/>
+              <a:lumOff val="40000"/>
+            </a:schemeClr>
+          </a:solidFill>
+          <a:ln w="19050"/>
+        </p:spPr>
+        <p:style>
+          <a:lnRef idx="2">
+            <a:schemeClr val="accent1"/>
+          </a:lnRef>
+          <a:fillRef idx="1">
+            <a:schemeClr val="lt1"/>
+          </a:fillRef>
+          <a:effectRef idx="0">
+            <a:schemeClr val="accent1"/>
+          </a:effectRef>
+          <a:fontRef idx="minor">
+            <a:schemeClr val="dk1"/>
+          </a:fontRef>
+        </p:style>
+        <p:txBody>
+          <a:bodyPr lIns="124733" tIns="62367" rIns="124733" bIns="62367" rtlCol="0" anchor="ctr"/>
+          <a:lstStyle/>
+          <a:p>
+            <a:pPr algn="ctr"/>
+            <a:r>
+              <a:rPr lang="ru-RU" sz="700" dirty="0"/>
+              <a:t>Кабинет Луи Марина</a:t>
+            </a:r>
+          </a:p>
+        </p:txBody>
+      </p:sp>
+      <p:cxnSp>
+        <p:nvCxnSpPr>
+          <p:cNvPr id="531" name="Соединительная линия уступом 595">
+            <a:extLst>
+              <a:ext uri="{FF2B5EF4-FFF2-40B4-BE49-F238E27FC236}">
+                <a16:creationId xmlns:a16="http://schemas.microsoft.com/office/drawing/2014/main" id="{4C8D149C-EFEF-4318-ADD1-710598E809E6}"/>
+              </a:ext>
+            </a:extLst>
+          </p:cNvPr>
+          <p:cNvCxnSpPr>
+            <a:cxnSpLocks/>
+            <a:stCxn id="1031" idx="2"/>
+            <a:endCxn id="134" idx="0"/>
+          </p:cNvCxnSpPr>
+          <p:nvPr/>
+        </p:nvCxnSpPr>
+        <p:spPr>
+          <a:xfrm rot="16200000" flipH="1">
+            <a:off x="22830880" y="1235251"/>
+            <a:ext cx="250534" cy="6366508"/>
+          </a:xfrm>
+          <a:prstGeom prst="bentConnector3">
+            <a:avLst>
+              <a:gd name="adj1" fmla="val 50000"/>
+            </a:avLst>
+          </a:prstGeom>
+          <a:ln w="19050">
+            <a:prstDash val="dash"/>
+            <a:tailEnd type="arrow"/>
+          </a:ln>
+        </p:spPr>
+        <p:style>
+          <a:lnRef idx="1">
+            <a:schemeClr val="accent1"/>
+          </a:lnRef>
+          <a:fillRef idx="0">
+            <a:schemeClr val="accent1"/>
+          </a:fillRef>
+          <a:effectRef idx="0">
+            <a:schemeClr val="accent1"/>
+          </a:effectRef>
+          <a:fontRef idx="minor">
+            <a:schemeClr val="tx1"/>
+          </a:fontRef>
+        </p:style>
+      </p:cxnSp>
+      <p:cxnSp>
+        <p:nvCxnSpPr>
+          <p:cNvPr id="532" name="Соединительная линия уступом 595">
+            <a:extLst>
+              <a:ext uri="{FF2B5EF4-FFF2-40B4-BE49-F238E27FC236}">
+                <a16:creationId xmlns:a16="http://schemas.microsoft.com/office/drawing/2014/main" id="{884FEBE8-4203-4AA5-A1AE-9C9D0874988E}"/>
+              </a:ext>
+            </a:extLst>
+          </p:cNvPr>
+          <p:cNvCxnSpPr>
+            <a:cxnSpLocks/>
+            <a:stCxn id="1032" idx="2"/>
+            <a:endCxn id="134" idx="0"/>
+          </p:cNvCxnSpPr>
+          <p:nvPr/>
+        </p:nvCxnSpPr>
+        <p:spPr>
+          <a:xfrm rot="5400000">
+            <a:off x="26912249" y="3521639"/>
+            <a:ext cx="249285" cy="1794980"/>
+          </a:xfrm>
+          <a:prstGeom prst="bentConnector3">
+            <a:avLst>
+              <a:gd name="adj1" fmla="val 50000"/>
+            </a:avLst>
+          </a:prstGeom>
+          <a:ln w="19050">
+            <a:prstDash val="dash"/>
+            <a:tailEnd type="arrow"/>
+          </a:ln>
+        </p:spPr>
+        <p:style>
+          <a:lnRef idx="1">
+            <a:schemeClr val="accent1"/>
+          </a:lnRef>
+          <a:fillRef idx="0">
+            <a:schemeClr val="accent1"/>
+          </a:fillRef>
+          <a:effectRef idx="0">
+            <a:schemeClr val="accent1"/>
+          </a:effectRef>
+          <a:fontRef idx="minor">
+            <a:schemeClr val="tx1"/>
+          </a:fontRef>
+        </p:style>
+      </p:cxnSp>
+      <p:cxnSp>
+        <p:nvCxnSpPr>
+          <p:cNvPr id="533" name="Соединительная линия уступом 620">
+            <a:extLst>
+              <a:ext uri="{FF2B5EF4-FFF2-40B4-BE49-F238E27FC236}">
+                <a16:creationId xmlns:a16="http://schemas.microsoft.com/office/drawing/2014/main" id="{2A6E3EC1-4749-4C65-9333-CADE99431D23}"/>
+              </a:ext>
+            </a:extLst>
+          </p:cNvPr>
+          <p:cNvCxnSpPr>
+            <a:cxnSpLocks/>
+            <a:stCxn id="1032" idx="2"/>
+            <a:endCxn id="530" idx="0"/>
+          </p:cNvCxnSpPr>
+          <p:nvPr/>
+        </p:nvCxnSpPr>
+        <p:spPr>
+          <a:xfrm rot="16200000" flipH="1">
+            <a:off x="28946667" y="3282201"/>
+            <a:ext cx="244657" cy="2269228"/>
+          </a:xfrm>
+          <a:prstGeom prst="bentConnector3">
+            <a:avLst>
+              <a:gd name="adj1" fmla="val 50000"/>
+            </a:avLst>
+          </a:prstGeom>
+          <a:ln w="19050">
+            <a:tailEnd type="arrow"/>
+          </a:ln>
+        </p:spPr>
+        <p:style>
+          <a:lnRef idx="1">
+            <a:schemeClr val="accent1"/>
+          </a:lnRef>
+          <a:fillRef idx="0">
+            <a:schemeClr val="accent1"/>
+          </a:fillRef>
+          <a:effectRef idx="0">
+            <a:schemeClr val="accent1"/>
+          </a:effectRef>
+          <a:fontRef idx="minor">
+            <a:schemeClr val="tx1"/>
+          </a:fontRef>
+        </p:style>
+      </p:cxnSp>
+      <p:cxnSp>
+        <p:nvCxnSpPr>
+          <p:cNvPr id="551" name="Прямая со стрелкой 550">
+            <a:extLst>
+              <a:ext uri="{FF2B5EF4-FFF2-40B4-BE49-F238E27FC236}">
+                <a16:creationId xmlns:a16="http://schemas.microsoft.com/office/drawing/2014/main" id="{798E5526-A1DD-400E-9BD3-E0FF2FB5485D}"/>
+              </a:ext>
+            </a:extLst>
+          </p:cNvPr>
+          <p:cNvCxnSpPr>
+            <a:cxnSpLocks/>
+            <a:stCxn id="341" idx="2"/>
+            <a:endCxn id="325" idx="0"/>
+          </p:cNvCxnSpPr>
+          <p:nvPr/>
+        </p:nvCxnSpPr>
+        <p:spPr>
+          <a:xfrm flipH="1">
+            <a:off x="24994525" y="6670768"/>
+            <a:ext cx="3322" cy="239676"/>
+          </a:xfrm>
+          <a:prstGeom prst="straightConnector1">
+            <a:avLst/>
+          </a:prstGeom>
+          <a:ln w="19050">
+            <a:tailEnd type="arrow"/>
+          </a:ln>
+        </p:spPr>
+        <p:style>
+          <a:lnRef idx="1">
+            <a:schemeClr val="accent1"/>
+          </a:lnRef>
+          <a:fillRef idx="0">
+            <a:schemeClr val="accent1"/>
+          </a:fillRef>
+          <a:effectRef idx="0">
+            <a:schemeClr val="accent1"/>
+          </a:effectRef>
+          <a:fontRef idx="minor">
+            <a:schemeClr val="tx1"/>
+          </a:fontRef>
+        </p:style>
+      </p:cxnSp>
+      <p:cxnSp>
+        <p:nvCxnSpPr>
+          <p:cNvPr id="555" name="Прямая соединительная линия 554">
+            <a:extLst>
+              <a:ext uri="{FF2B5EF4-FFF2-40B4-BE49-F238E27FC236}">
+                <a16:creationId xmlns:a16="http://schemas.microsoft.com/office/drawing/2014/main" id="{CE7A0709-E2D4-4336-BCFE-3D6132DB069B}"/>
+              </a:ext>
+            </a:extLst>
+          </p:cNvPr>
+          <p:cNvCxnSpPr>
+            <a:cxnSpLocks/>
+            <a:stCxn id="134" idx="3"/>
+            <a:endCxn id="530" idx="1"/>
+          </p:cNvCxnSpPr>
+          <p:nvPr/>
+        </p:nvCxnSpPr>
+        <p:spPr>
+          <a:xfrm flipV="1">
+            <a:off x="26602563" y="4809144"/>
+            <a:ext cx="3137883" cy="4628"/>
+          </a:xfrm>
+          <a:prstGeom prst="line">
+            <a:avLst/>
+          </a:prstGeom>
+          <a:ln w="19050">
+            <a:solidFill>
+              <a:srgbClr val="FF0000"/>
+            </a:solidFill>
+          </a:ln>
+        </p:spPr>
+        <p:style>
+          <a:lnRef idx="1">
+            <a:schemeClr val="accent1"/>
+          </a:lnRef>
+          <a:fillRef idx="0">
+            <a:schemeClr val="accent1"/>
+          </a:fillRef>
+          <a:effectRef idx="0">
+            <a:schemeClr val="accent1"/>
+          </a:effectRef>
+          <a:fontRef idx="minor">
+            <a:schemeClr val="tx1"/>
+          </a:fontRef>
+        </p:style>
+      </p:cxnSp>
+      <p:cxnSp>
+        <p:nvCxnSpPr>
+          <p:cNvPr id="574" name="Прямая со стрелкой 573">
+            <a:extLst>
+              <a:ext uri="{FF2B5EF4-FFF2-40B4-BE49-F238E27FC236}">
+                <a16:creationId xmlns:a16="http://schemas.microsoft.com/office/drawing/2014/main" id="{EA55F5E9-7619-49E8-AE24-42672A5E7058}"/>
+              </a:ext>
+            </a:extLst>
+          </p:cNvPr>
+          <p:cNvCxnSpPr>
+            <a:cxnSpLocks/>
+            <a:stCxn id="1031" idx="2"/>
+            <a:endCxn id="135" idx="0"/>
+          </p:cNvCxnSpPr>
+          <p:nvPr/>
+        </p:nvCxnSpPr>
+        <p:spPr>
+          <a:xfrm>
+            <a:off x="19772893" y="4293238"/>
+            <a:ext cx="955" cy="256369"/>
+          </a:xfrm>
+          <a:prstGeom prst="straightConnector1">
+            <a:avLst/>
+          </a:prstGeom>
+          <a:ln w="19050">
+            <a:tailEnd type="arrow"/>
+          </a:ln>
+        </p:spPr>
+        <p:style>
+          <a:lnRef idx="1">
+            <a:schemeClr val="accent1"/>
+          </a:lnRef>
+          <a:fillRef idx="0">
+            <a:schemeClr val="accent1"/>
+          </a:fillRef>
+          <a:effectRef idx="0">
+            <a:schemeClr val="accent1"/>
+          </a:effectRef>
+          <a:fontRef idx="minor">
+            <a:schemeClr val="tx1"/>
+          </a:fontRef>
+        </p:style>
+      </p:cxnSp>
+      <p:cxnSp>
+        <p:nvCxnSpPr>
+          <p:cNvPr id="583" name="Соединительная линия уступом 595">
+            <a:extLst>
+              <a:ext uri="{FF2B5EF4-FFF2-40B4-BE49-F238E27FC236}">
+                <a16:creationId xmlns:a16="http://schemas.microsoft.com/office/drawing/2014/main" id="{3FD096F4-870F-4A06-887B-F5FC07A7A4F2}"/>
+              </a:ext>
+            </a:extLst>
+          </p:cNvPr>
+          <p:cNvCxnSpPr>
+            <a:cxnSpLocks/>
+            <a:stCxn id="507" idx="2"/>
+            <a:endCxn id="514" idx="0"/>
+          </p:cNvCxnSpPr>
+          <p:nvPr/>
+        </p:nvCxnSpPr>
+        <p:spPr>
+          <a:xfrm rot="16200000" flipH="1">
+            <a:off x="22818533" y="5688277"/>
+            <a:ext cx="255624" cy="645561"/>
+          </a:xfrm>
+          <a:prstGeom prst="bentConnector3">
+            <a:avLst>
+              <a:gd name="adj1" fmla="val 50000"/>
+            </a:avLst>
+          </a:prstGeom>
+          <a:ln w="19050">
+            <a:prstDash val="dash"/>
+            <a:tailEnd type="arrow"/>
+          </a:ln>
+        </p:spPr>
+        <p:style>
+          <a:lnRef idx="1">
+            <a:schemeClr val="accent1"/>
+          </a:lnRef>
+          <a:fillRef idx="0">
+            <a:schemeClr val="accent1"/>
+          </a:fillRef>
+          <a:effectRef idx="0">
+            <a:schemeClr val="accent1"/>
+          </a:effectRef>
+          <a:fontRef idx="minor">
+            <a:schemeClr val="tx1"/>
+          </a:fontRef>
+        </p:style>
+      </p:cxnSp>
+      <p:cxnSp>
+        <p:nvCxnSpPr>
+          <p:cNvPr id="585" name="Соединительная линия уступом 595">
+            <a:extLst>
+              <a:ext uri="{FF2B5EF4-FFF2-40B4-BE49-F238E27FC236}">
+                <a16:creationId xmlns:a16="http://schemas.microsoft.com/office/drawing/2014/main" id="{858D900A-1B03-41CF-8CB5-723845209BB7}"/>
+              </a:ext>
+            </a:extLst>
+          </p:cNvPr>
+          <p:cNvCxnSpPr>
+            <a:cxnSpLocks/>
+            <a:stCxn id="508" idx="2"/>
+            <a:endCxn id="514" idx="0"/>
+          </p:cNvCxnSpPr>
+          <p:nvPr/>
+        </p:nvCxnSpPr>
+        <p:spPr>
+          <a:xfrm rot="5400000">
+            <a:off x="23427520" y="5721794"/>
+            <a:ext cx="258683" cy="575469"/>
+          </a:xfrm>
+          <a:prstGeom prst="bentConnector3">
+            <a:avLst>
+              <a:gd name="adj1" fmla="val 50000"/>
+            </a:avLst>
+          </a:prstGeom>
+          <a:ln w="19050">
+            <a:prstDash val="dash"/>
+            <a:tailEnd type="arrow"/>
+          </a:ln>
+        </p:spPr>
+        <p:style>
+          <a:lnRef idx="1">
+            <a:schemeClr val="accent1"/>
+          </a:lnRef>
+          <a:fillRef idx="0">
+            <a:schemeClr val="accent1"/>
+          </a:fillRef>
+          <a:effectRef idx="0">
+            <a:schemeClr val="accent1"/>
+          </a:effectRef>
+          <a:fontRef idx="minor">
+            <a:schemeClr val="tx1"/>
+          </a:fontRef>
+        </p:style>
+      </p:cxnSp>
+      <p:sp>
+        <p:nvSpPr>
+          <p:cNvPr id="588" name="Прямоугольник 587">
+            <a:extLst>
+              <a:ext uri="{FF2B5EF4-FFF2-40B4-BE49-F238E27FC236}">
+                <a16:creationId xmlns:a16="http://schemas.microsoft.com/office/drawing/2014/main" id="{62F6D8B7-56CB-4C02-AF88-075DC3C40143}"/>
+              </a:ext>
+            </a:extLst>
+          </p:cNvPr>
+          <p:cNvSpPr/>
+          <p:nvPr/>
+        </p:nvSpPr>
+        <p:spPr>
+          <a:xfrm>
+            <a:off x="19309730" y="17570130"/>
+            <a:ext cx="2171900" cy="626284"/>
+          </a:xfrm>
+          <a:prstGeom prst="rect">
+            <a:avLst/>
+          </a:prstGeom>
+          <a:solidFill>
+            <a:schemeClr val="bg1"/>
+          </a:solidFill>
+          <a:ln w="19050"/>
+        </p:spPr>
+        <p:style>
+          <a:lnRef idx="2">
+            <a:schemeClr val="accent1"/>
+          </a:lnRef>
+          <a:fillRef idx="1">
+            <a:schemeClr val="lt1"/>
+          </a:fillRef>
+          <a:effectRef idx="0">
+            <a:schemeClr val="accent1"/>
+          </a:effectRef>
+          <a:fontRef idx="minor">
+            <a:schemeClr val="dk1"/>
+          </a:fontRef>
+        </p:style>
+        <p:txBody>
+          <a:bodyPr lIns="124733" tIns="62367" rIns="124733" bIns="62367" rtlCol="0" anchor="ctr"/>
+          <a:lstStyle/>
+          <a:p>
+            <a:pPr algn="ctr"/>
+            <a:r>
+              <a:rPr lang="ru-RU" sz="700" dirty="0" err="1"/>
+              <a:t>Промка</a:t>
+            </a:r>
+            <a:r>
+              <a:rPr lang="ru-RU" sz="700" dirty="0"/>
+              <a:t> демократов и левых –</a:t>
+            </a:r>
+            <a:br>
+              <a:rPr lang="ru-RU" sz="700" dirty="0"/>
+            </a:br>
+            <a:r>
+              <a:rPr lang="ru-RU" sz="700" dirty="0"/>
+              <a:t>Белые фокусы – те что будут в будущем использоваться и в правом древе</a:t>
+            </a:r>
+          </a:p>
+        </p:txBody>
+      </p:sp>
+      <p:sp>
+        <p:nvSpPr>
+          <p:cNvPr id="590" name="Прямоугольник 589">
+            <a:extLst>
+              <a:ext uri="{FF2B5EF4-FFF2-40B4-BE49-F238E27FC236}">
+                <a16:creationId xmlns:a16="http://schemas.microsoft.com/office/drawing/2014/main" id="{16237F4D-4E7D-4E0C-AE18-72472CBF25C9}"/>
+              </a:ext>
+            </a:extLst>
+          </p:cNvPr>
+          <p:cNvSpPr/>
+          <p:nvPr/>
+        </p:nvSpPr>
+        <p:spPr>
+          <a:xfrm>
+            <a:off x="20986950" y="17737391"/>
+            <a:ext cx="136680" cy="93111"/>
+          </a:xfrm>
+          <a:prstGeom prst="rect">
+            <a:avLst/>
+          </a:prstGeom>
+          <a:solidFill>
+            <a:schemeClr val="accent1">
+              <a:lumMod val="60000"/>
+              <a:lumOff val="40000"/>
+            </a:schemeClr>
+          </a:solidFill>
+          <a:ln w="19050"/>
+        </p:spPr>
+        <p:style>
+          <a:lnRef idx="2">
+            <a:schemeClr val="accent1"/>
+          </a:lnRef>
+          <a:fillRef idx="1">
+            <a:schemeClr val="lt1"/>
+          </a:fillRef>
+          <a:effectRef idx="0">
+            <a:schemeClr val="accent1"/>
+          </a:effectRef>
+          <a:fontRef idx="minor">
+            <a:schemeClr val="dk1"/>
+          </a:fontRef>
+        </p:style>
+        <p:txBody>
+          <a:bodyPr lIns="124733" tIns="62367" rIns="124733" bIns="62367" rtlCol="0" anchor="ctr"/>
+          <a:lstStyle/>
+          <a:p>
+            <a:pPr algn="ctr"/>
+            <a:endParaRPr lang="ru-RU" sz="700" dirty="0"/>
+          </a:p>
+        </p:txBody>
+      </p:sp>
     </p:spTree>
     <p:extLst>
       <p:ext uri="{BB962C8B-B14F-4D97-AF65-F5344CB8AC3E}">

--- a/Наработки/диздоки/Франция/Франция.pptx
+++ b/Наработки/диздоки/Франция/Франция.pptx
@@ -209,7 +209,7 @@
             <a:fld id="{33E3D7F9-E251-484C-A6FF-FA958879DF69}" type="datetimeFigureOut">
               <a:rPr lang="ru-RU" smtClean="0"/>
               <a:pPr/>
-              <a:t>02.04.2024</a:t>
+              <a:t>04.04.2024</a:t>
             </a:fld>
             <a:endParaRPr lang="ru-RU"/>
           </a:p>
@@ -699,7 +699,7 @@
             <a:fld id="{85A5DE44-605B-4D3B-B2B7-94543DF81A36}" type="datetimeFigureOut">
               <a:rPr lang="ru-RU" smtClean="0"/>
               <a:pPr/>
-              <a:t>02.04.2024</a:t>
+              <a:t>04.04.2024</a:t>
             </a:fld>
             <a:endParaRPr lang="ru-RU"/>
           </a:p>
@@ -871,7 +871,7 @@
             <a:fld id="{85A5DE44-605B-4D3B-B2B7-94543DF81A36}" type="datetimeFigureOut">
               <a:rPr lang="ru-RU" smtClean="0"/>
               <a:pPr/>
-              <a:t>02.04.2024</a:t>
+              <a:t>04.04.2024</a:t>
             </a:fld>
             <a:endParaRPr lang="ru-RU"/>
           </a:p>
@@ -1053,7 +1053,7 @@
             <a:fld id="{85A5DE44-605B-4D3B-B2B7-94543DF81A36}" type="datetimeFigureOut">
               <a:rPr lang="ru-RU" smtClean="0"/>
               <a:pPr/>
-              <a:t>02.04.2024</a:t>
+              <a:t>04.04.2024</a:t>
             </a:fld>
             <a:endParaRPr lang="ru-RU"/>
           </a:p>
@@ -1225,7 +1225,7 @@
             <a:fld id="{85A5DE44-605B-4D3B-B2B7-94543DF81A36}" type="datetimeFigureOut">
               <a:rPr lang="ru-RU" smtClean="0"/>
               <a:pPr/>
-              <a:t>02.04.2024</a:t>
+              <a:t>04.04.2024</a:t>
             </a:fld>
             <a:endParaRPr lang="ru-RU"/>
           </a:p>
@@ -1473,7 +1473,7 @@
             <a:fld id="{85A5DE44-605B-4D3B-B2B7-94543DF81A36}" type="datetimeFigureOut">
               <a:rPr lang="ru-RU" smtClean="0"/>
               <a:pPr/>
-              <a:t>02.04.2024</a:t>
+              <a:t>04.04.2024</a:t>
             </a:fld>
             <a:endParaRPr lang="ru-RU"/>
           </a:p>
@@ -1707,7 +1707,7 @@
             <a:fld id="{85A5DE44-605B-4D3B-B2B7-94543DF81A36}" type="datetimeFigureOut">
               <a:rPr lang="ru-RU" smtClean="0"/>
               <a:pPr/>
-              <a:t>02.04.2024</a:t>
+              <a:t>04.04.2024</a:t>
             </a:fld>
             <a:endParaRPr lang="ru-RU"/>
           </a:p>
@@ -2076,7 +2076,7 @@
             <a:fld id="{85A5DE44-605B-4D3B-B2B7-94543DF81A36}" type="datetimeFigureOut">
               <a:rPr lang="ru-RU" smtClean="0"/>
               <a:pPr/>
-              <a:t>02.04.2024</a:t>
+              <a:t>04.04.2024</a:t>
             </a:fld>
             <a:endParaRPr lang="ru-RU"/>
           </a:p>
@@ -2196,7 +2196,7 @@
             <a:fld id="{85A5DE44-605B-4D3B-B2B7-94543DF81A36}" type="datetimeFigureOut">
               <a:rPr lang="ru-RU" smtClean="0"/>
               <a:pPr/>
-              <a:t>02.04.2024</a:t>
+              <a:t>04.04.2024</a:t>
             </a:fld>
             <a:endParaRPr lang="ru-RU"/>
           </a:p>
@@ -2293,7 +2293,7 @@
             <a:fld id="{85A5DE44-605B-4D3B-B2B7-94543DF81A36}" type="datetimeFigureOut">
               <a:rPr lang="ru-RU" smtClean="0"/>
               <a:pPr/>
-              <a:t>02.04.2024</a:t>
+              <a:t>04.04.2024</a:t>
             </a:fld>
             <a:endParaRPr lang="ru-RU"/>
           </a:p>
@@ -2572,7 +2572,7 @@
             <a:fld id="{85A5DE44-605B-4D3B-B2B7-94543DF81A36}" type="datetimeFigureOut">
               <a:rPr lang="ru-RU" smtClean="0"/>
               <a:pPr/>
-              <a:t>02.04.2024</a:t>
+              <a:t>04.04.2024</a:t>
             </a:fld>
             <a:endParaRPr lang="ru-RU"/>
           </a:p>
@@ -2831,7 +2831,7 @@
             <a:fld id="{85A5DE44-605B-4D3B-B2B7-94543DF81A36}" type="datetimeFigureOut">
               <a:rPr lang="ru-RU" smtClean="0"/>
               <a:pPr/>
-              <a:t>02.04.2024</a:t>
+              <a:t>04.04.2024</a:t>
             </a:fld>
             <a:endParaRPr lang="ru-RU"/>
           </a:p>
@@ -3046,7 +3046,7 @@
             <a:fld id="{85A5DE44-605B-4D3B-B2B7-94543DF81A36}" type="datetimeFigureOut">
               <a:rPr lang="ru-RU" smtClean="0"/>
               <a:pPr/>
-              <a:t>02.04.2024</a:t>
+              <a:t>04.04.2024</a:t>
             </a:fld>
             <a:endParaRPr lang="ru-RU"/>
           </a:p>
@@ -7105,7 +7105,7 @@
             <a:avLst/>
           </a:prstGeom>
           <a:solidFill>
-            <a:schemeClr val="accent3">
+            <a:schemeClr val="accent6">
               <a:lumMod val="60000"/>
               <a:lumOff val="40000"/>
             </a:schemeClr>
@@ -8381,261 +8381,6 @@
           </a:p>
         </p:txBody>
       </p:sp>
-      <p:sp>
-        <p:nvSpPr>
-          <p:cNvPr id="202" name="Прямоугольник 201">
-            <a:extLst>
-              <a:ext uri="{FF2B5EF4-FFF2-40B4-BE49-F238E27FC236}">
-                <a16:creationId xmlns:a16="http://schemas.microsoft.com/office/drawing/2014/main" id="{1CA56B37-EC7F-410D-8B4E-2F669E88A915}"/>
-              </a:ext>
-            </a:extLst>
-          </p:cNvPr>
-          <p:cNvSpPr/>
-          <p:nvPr/>
-        </p:nvSpPr>
-        <p:spPr>
-          <a:xfrm>
-            <a:off x="28106234" y="5201940"/>
-            <a:ext cx="926325" cy="540000"/>
-          </a:xfrm>
-          <a:prstGeom prst="rect">
-            <a:avLst/>
-          </a:prstGeom>
-          <a:solidFill>
-            <a:schemeClr val="bg1"/>
-          </a:solidFill>
-          <a:ln w="19050"/>
-        </p:spPr>
-        <p:style>
-          <a:lnRef idx="2">
-            <a:schemeClr val="accent1"/>
-          </a:lnRef>
-          <a:fillRef idx="1">
-            <a:schemeClr val="lt1"/>
-          </a:fillRef>
-          <a:effectRef idx="0">
-            <a:schemeClr val="accent1"/>
-          </a:effectRef>
-          <a:fontRef idx="minor">
-            <a:schemeClr val="dk1"/>
-          </a:fontRef>
-        </p:style>
-        <p:txBody>
-          <a:bodyPr lIns="124733" tIns="62367" rIns="124733" bIns="62367" rtlCol="0" anchor="ctr"/>
-          <a:lstStyle/>
-          <a:p>
-            <a:pPr algn="ctr"/>
-            <a:r>
-              <a:rPr lang="ru-RU" sz="700" dirty="0"/>
-              <a:t>Кабинет Луи Марина</a:t>
-            </a:r>
-          </a:p>
-        </p:txBody>
-      </p:sp>
-      <p:sp>
-        <p:nvSpPr>
-          <p:cNvPr id="203" name="Прямоугольник 202">
-            <a:extLst>
-              <a:ext uri="{FF2B5EF4-FFF2-40B4-BE49-F238E27FC236}">
-                <a16:creationId xmlns:a16="http://schemas.microsoft.com/office/drawing/2014/main" id="{CE30C686-C927-40F7-BD6B-E9858E0C070E}"/>
-              </a:ext>
-            </a:extLst>
-          </p:cNvPr>
-          <p:cNvSpPr/>
-          <p:nvPr/>
-        </p:nvSpPr>
-        <p:spPr>
-          <a:xfrm>
-            <a:off x="29240867" y="5202819"/>
-            <a:ext cx="926325" cy="540000"/>
-          </a:xfrm>
-          <a:prstGeom prst="rect">
-            <a:avLst/>
-          </a:prstGeom>
-          <a:solidFill>
-            <a:schemeClr val="bg1"/>
-          </a:solidFill>
-          <a:ln w="19050"/>
-        </p:spPr>
-        <p:style>
-          <a:lnRef idx="2">
-            <a:schemeClr val="accent1"/>
-          </a:lnRef>
-          <a:fillRef idx="1">
-            <a:schemeClr val="lt1"/>
-          </a:fillRef>
-          <a:effectRef idx="0">
-            <a:schemeClr val="accent1"/>
-          </a:effectRef>
-          <a:fontRef idx="minor">
-            <a:schemeClr val="dk1"/>
-          </a:fontRef>
-        </p:style>
-        <p:txBody>
-          <a:bodyPr lIns="124733" tIns="62367" rIns="124733" bIns="62367" rtlCol="0" anchor="ctr"/>
-          <a:lstStyle/>
-          <a:p>
-            <a:pPr algn="ctr"/>
-            <a:r>
-              <a:rPr lang="ru-RU" sz="700" dirty="0"/>
-              <a:t>Кабинет Луи Марина</a:t>
-            </a:r>
-          </a:p>
-        </p:txBody>
-      </p:sp>
-      <p:sp>
-        <p:nvSpPr>
-          <p:cNvPr id="204" name="Прямоугольник 203">
-            <a:extLst>
-              <a:ext uri="{FF2B5EF4-FFF2-40B4-BE49-F238E27FC236}">
-                <a16:creationId xmlns:a16="http://schemas.microsoft.com/office/drawing/2014/main" id="{1F824EAC-5677-414F-BFD3-64DD55F14E47}"/>
-              </a:ext>
-            </a:extLst>
-          </p:cNvPr>
-          <p:cNvSpPr/>
-          <p:nvPr/>
-        </p:nvSpPr>
-        <p:spPr>
-          <a:xfrm>
-            <a:off x="29240867" y="5990170"/>
-            <a:ext cx="926325" cy="540000"/>
-          </a:xfrm>
-          <a:prstGeom prst="rect">
-            <a:avLst/>
-          </a:prstGeom>
-          <a:solidFill>
-            <a:schemeClr val="bg1"/>
-          </a:solidFill>
-          <a:ln w="19050"/>
-        </p:spPr>
-        <p:style>
-          <a:lnRef idx="2">
-            <a:schemeClr val="accent1"/>
-          </a:lnRef>
-          <a:fillRef idx="1">
-            <a:schemeClr val="lt1"/>
-          </a:fillRef>
-          <a:effectRef idx="0">
-            <a:schemeClr val="accent1"/>
-          </a:effectRef>
-          <a:fontRef idx="minor">
-            <a:schemeClr val="dk1"/>
-          </a:fontRef>
-        </p:style>
-        <p:txBody>
-          <a:bodyPr lIns="124733" tIns="62367" rIns="124733" bIns="62367" rtlCol="0" anchor="ctr"/>
-          <a:lstStyle/>
-          <a:p>
-            <a:pPr algn="ctr"/>
-            <a:r>
-              <a:rPr lang="ru-RU" sz="700" dirty="0"/>
-              <a:t>Кабинет Луи Марина</a:t>
-            </a:r>
-          </a:p>
-        </p:txBody>
-      </p:sp>
-      <p:sp>
-        <p:nvSpPr>
-          <p:cNvPr id="205" name="Прямоугольник 204">
-            <a:extLst>
-              <a:ext uri="{FF2B5EF4-FFF2-40B4-BE49-F238E27FC236}">
-                <a16:creationId xmlns:a16="http://schemas.microsoft.com/office/drawing/2014/main" id="{993609C2-914E-48AF-B0B0-7B5A808DD526}"/>
-              </a:ext>
-            </a:extLst>
-          </p:cNvPr>
-          <p:cNvSpPr/>
-          <p:nvPr/>
-        </p:nvSpPr>
-        <p:spPr>
-          <a:xfrm>
-            <a:off x="28106234" y="6763585"/>
-            <a:ext cx="926325" cy="540000"/>
-          </a:xfrm>
-          <a:prstGeom prst="rect">
-            <a:avLst/>
-          </a:prstGeom>
-          <a:solidFill>
-            <a:schemeClr val="bg1"/>
-          </a:solidFill>
-          <a:ln w="19050"/>
-        </p:spPr>
-        <p:style>
-          <a:lnRef idx="2">
-            <a:schemeClr val="accent1"/>
-          </a:lnRef>
-          <a:fillRef idx="1">
-            <a:schemeClr val="lt1"/>
-          </a:fillRef>
-          <a:effectRef idx="0">
-            <a:schemeClr val="accent1"/>
-          </a:effectRef>
-          <a:fontRef idx="minor">
-            <a:schemeClr val="dk1"/>
-          </a:fontRef>
-        </p:style>
-        <p:txBody>
-          <a:bodyPr lIns="124733" tIns="62367" rIns="124733" bIns="62367" rtlCol="0" anchor="ctr"/>
-          <a:lstStyle/>
-          <a:p>
-            <a:pPr algn="ctr"/>
-            <a:r>
-              <a:rPr lang="ru-RU" sz="700" dirty="0"/>
-              <a:t>Кабинет Луи Марина</a:t>
-            </a:r>
-          </a:p>
-        </p:txBody>
-      </p:sp>
-      <p:sp>
-        <p:nvSpPr>
-          <p:cNvPr id="206" name="Прямоугольник 205">
-            <a:extLst>
-              <a:ext uri="{FF2B5EF4-FFF2-40B4-BE49-F238E27FC236}">
-                <a16:creationId xmlns:a16="http://schemas.microsoft.com/office/drawing/2014/main" id="{06932679-9A8D-4D9E-B2A2-0C069694885B}"/>
-              </a:ext>
-            </a:extLst>
-          </p:cNvPr>
-          <p:cNvSpPr/>
-          <p:nvPr/>
-        </p:nvSpPr>
-        <p:spPr>
-          <a:xfrm>
-            <a:off x="28106234" y="5990170"/>
-            <a:ext cx="926325" cy="540000"/>
-          </a:xfrm>
-          <a:prstGeom prst="rect">
-            <a:avLst/>
-          </a:prstGeom>
-          <a:solidFill>
-            <a:schemeClr val="bg1"/>
-          </a:solidFill>
-          <a:ln w="19050"/>
-        </p:spPr>
-        <p:style>
-          <a:lnRef idx="2">
-            <a:schemeClr val="accent1"/>
-          </a:lnRef>
-          <a:fillRef idx="1">
-            <a:schemeClr val="lt1"/>
-          </a:fillRef>
-          <a:effectRef idx="0">
-            <a:schemeClr val="accent1"/>
-          </a:effectRef>
-          <a:fontRef idx="minor">
-            <a:schemeClr val="dk1"/>
-          </a:fontRef>
-        </p:style>
-        <p:txBody>
-          <a:bodyPr lIns="124733" tIns="62367" rIns="124733" bIns="62367" rtlCol="0" anchor="ctr"/>
-          <a:lstStyle/>
-          <a:p>
-            <a:pPr algn="ctr"/>
-            <a:r>
-              <a:rPr lang="ru-RU" sz="700" dirty="0"/>
-              <a:t>Кабинет Луи Марина</a:t>
-            </a:r>
-          </a:p>
-        </p:txBody>
-      </p:sp>
       <p:cxnSp>
         <p:nvCxnSpPr>
           <p:cNvPr id="235" name="Соединительная линия уступом 620">
@@ -11069,21 +10814,6 @@
               <a:rPr lang="en-US" sz="700" dirty="0"/>
               <a:t>Bloch MB.131</a:t>
             </a:r>
-            <a:r>
-              <a:rPr lang="ru-RU" sz="700" dirty="0"/>
-              <a:t> (июнь 1938)</a:t>
-            </a:r>
-          </a:p>
-          <a:p>
-            <a:pPr algn="ctr"/>
-            <a:r>
-              <a:rPr lang="ru-RU" sz="100" dirty="0" err="1"/>
-              <a:t>Bloch</a:t>
-            </a:r>
-            <a:r>
-              <a:rPr lang="ru-RU" sz="100" dirty="0"/>
-              <a:t> MB.131 — четырёхместный разведывательно-бомбардировочный самолёт, использовавшийся Францией в начале Второй мировой войны .</a:t>
-            </a:r>
             <a:endParaRPr lang="ru-RU" sz="700" dirty="0"/>
           </a:p>
         </p:txBody>
@@ -12002,20 +11732,8 @@
             <a:pPr algn="ctr"/>
             <a:r>
               <a:rPr lang="ru-RU" sz="700" dirty="0"/>
-              <a:t>Разработка гидросамолётов (июнь 1938)</a:t>
-            </a:r>
-          </a:p>
-          <a:p>
-            <a:pPr algn="ctr"/>
-            <a:r>
-              <a:rPr lang="ru-RU" sz="100" dirty="0" err="1"/>
-              <a:t>Bloch</a:t>
-            </a:r>
-            <a:r>
-              <a:rPr lang="ru-RU" sz="100" dirty="0"/>
-              <a:t> MB.131 — четырёхместный разведывательно-бомбардировочный самолёт, использовавшийся Францией в начале Второй мировой войны .</a:t>
-            </a:r>
-            <a:endParaRPr lang="ru-RU" sz="700" dirty="0"/>
+              <a:t>Разработка гидросамолётов</a:t>
+            </a:r>
           </a:p>
         </p:txBody>
       </p:sp>
@@ -12338,25 +12056,6 @@
               <a:rPr lang="ru-RU" sz="700" dirty="0"/>
               <a:t>Техническо-промышленное воздушное управление</a:t>
             </a:r>
-          </a:p>
-          <a:p>
-            <a:pPr algn="ctr"/>
-            <a:r>
-              <a:rPr lang="ru-RU" sz="700" dirty="0"/>
-              <a:t>(окончание июль 1938) </a:t>
-            </a:r>
-          </a:p>
-          <a:p>
-            <a:pPr algn="ctr"/>
-            <a:r>
-              <a:rPr lang="ru-RU" sz="100" dirty="0" err="1"/>
-              <a:t>Техническо</a:t>
-            </a:r>
-            <a:r>
-              <a:rPr lang="ru-RU" sz="100" dirty="0"/>
-              <a:t> -промышленное управление (ДТИ), иногда также называемое Техническо-промышленным воздушным управлением (ДТИА), — структура, созданная в Министерстве авиации незадолго до Второй мировой войны . Он отвечает за организацию и управление исследованиями прототипов , контроль за массовым производством техники и подготовку «промышленной мобилизации», не делая различия между гражданскими и военными проектами.</a:t>
-            </a:r>
-            <a:endParaRPr lang="ru-RU" sz="700" dirty="0"/>
           </a:p>
         </p:txBody>
       </p:sp>
@@ -16720,7 +16419,7 @@
         </p:nvSpPr>
         <p:spPr>
           <a:xfrm>
-            <a:off x="24531362" y="6910444"/>
+            <a:off x="24538032" y="6139217"/>
             <a:ext cx="926325" cy="540000"/>
           </a:xfrm>
           <a:prstGeom prst="rect">
@@ -16755,40 +16454,8 @@
             <a:pPr algn="ctr"/>
             <a:r>
               <a:rPr lang="ru-RU" sz="700" dirty="0"/>
-              <a:t>Заключить союз с правыми партиями </a:t>
-            </a:r>
-            <a:br>
-              <a:rPr lang="ru-RU" sz="700" dirty="0"/>
-            </a:br>
-            <a:r>
-              <a:rPr lang="ru-RU" sz="200" dirty="0"/>
-              <a:t>(Окончательное поражение Народного фронта произошло в </a:t>
-            </a:r>
-            <a:r>
-              <a:rPr lang="ru-RU" sz="200" dirty="0" err="1"/>
-              <a:t>сентябре.декабрь</a:t>
-            </a:r>
-            <a:r>
-              <a:rPr lang="ru-RU" sz="200" dirty="0"/>
-              <a:t> 1938 </a:t>
-            </a:r>
-            <a:r>
-              <a:rPr lang="ru-RU" sz="200" dirty="0" err="1"/>
-              <a:t>г.с</a:t>
-            </a:r>
-            <a:r>
-              <a:rPr lang="ru-RU" sz="200" dirty="0"/>
-              <a:t> приходом к власти Эдуарда Даладье , который объединился с правыми, а не с </a:t>
-            </a:r>
-            <a:r>
-              <a:rPr lang="ru-RU" sz="200" dirty="0" err="1"/>
-              <a:t>СФИО.Очень</a:t>
-            </a:r>
-            <a:r>
-              <a:rPr lang="ru-RU" sz="200" dirty="0"/>
-              <a:t> привязанная к частной собственности и секуляризму , сторонница таможенного режима свободной торговли, она стала промежуточной партией между левыми и правыми , способной вступить в союз с социалистами или консерваторами в зависимости от обстоятельств.)</a:t>
-            </a:r>
-            <a:endParaRPr lang="ru-RU" sz="700" dirty="0"/>
+              <a:t>Заключить союз с «правыми» партиями</a:t>
+            </a:r>
           </a:p>
         </p:txBody>
       </p:sp>
@@ -16849,7 +16516,7 @@
         </p:nvSpPr>
         <p:spPr>
           <a:xfrm>
-            <a:off x="24534684" y="5345045"/>
+            <a:off x="24538186" y="7700356"/>
             <a:ext cx="926325" cy="540000"/>
           </a:xfrm>
           <a:prstGeom prst="rect">
@@ -16944,110 +16611,6 @@
               <a:rPr lang="ru-RU" sz="700" dirty="0" err="1"/>
               <a:t>Рейно</a:t>
             </a:r>
-            <a:r>
-              <a:rPr lang="ru-RU" sz="700" dirty="0"/>
-              <a:t> (франк </a:t>
-            </a:r>
-            <a:r>
-              <a:rPr lang="ru-RU" sz="700" dirty="0" err="1"/>
-              <a:t>Рейно</a:t>
-            </a:r>
-            <a:r>
-              <a:rPr lang="ru-RU" sz="700" dirty="0"/>
-              <a:t> 12 ноября) </a:t>
-            </a:r>
-            <a:r>
-              <a:rPr lang="ru-RU" sz="100" dirty="0"/>
-              <a:t>(Несмотря на столкновения с ведущими политиками, </a:t>
-            </a:r>
-            <a:r>
-              <a:rPr lang="ru-RU" sz="100" dirty="0" err="1"/>
-              <a:t>Рейно</a:t>
-            </a:r>
-            <a:r>
-              <a:rPr lang="ru-RU" sz="100" dirty="0"/>
-              <a:t> мечтал занять должность министра финансов. Он был сторонником радикально-либеральной экономической политики, которая, по его мнению, позволила бы вывести французскую экономику из застоя. Он предлагал отказаться от избыточной государственной регулировки, в том числе отказаться от 40-часовой рабочей недели[7]. Понятие «дерегуляция» было очень популярным среди французских предпринимателей, и </a:t>
-            </a:r>
-            <a:r>
-              <a:rPr lang="ru-RU" sz="100" dirty="0" err="1"/>
-              <a:t>Рейно</a:t>
-            </a:r>
-            <a:r>
-              <a:rPr lang="ru-RU" sz="100" dirty="0"/>
-              <a:t> считал, что дерегуляция — лучший способ для Франции вернуть доверие инвесторов. Правительство Л. Блюма пало в 1938 году в результате попыток Блюма расширить регулирующие полномочия правительства; во Франции созрела широкая поддержка альтернативных подходов, подобных тому, сторонником которого был </a:t>
-            </a:r>
-            <a:r>
-              <a:rPr lang="ru-RU" sz="100" dirty="0" err="1"/>
-              <a:t>Рейно.Поль</a:t>
-            </a:r>
-            <a:r>
-              <a:rPr lang="ru-RU" sz="100" dirty="0"/>
-              <a:t> </a:t>
-            </a:r>
-            <a:r>
-              <a:rPr lang="ru-RU" sz="100" dirty="0" err="1"/>
-              <a:t>Маршандо</a:t>
-            </a:r>
-            <a:r>
-              <a:rPr lang="ru-RU" sz="100" dirty="0"/>
-              <a:t>, которого Даладье первоначально назначил министром финансов, предложил умеренную программу экономических реформ, которая не удовлетворила Даладье. </a:t>
-            </a:r>
-            <a:r>
-              <a:rPr lang="ru-RU" sz="100" dirty="0" err="1"/>
-              <a:t>Рейно</a:t>
-            </a:r>
-            <a:r>
-              <a:rPr lang="ru-RU" sz="100" dirty="0"/>
-              <a:t> и Даладье обменялись министерскими портфелями, в результате чего </a:t>
-            </a:r>
-            <a:r>
-              <a:rPr lang="ru-RU" sz="100" dirty="0" err="1"/>
-              <a:t>Рейно</a:t>
-            </a:r>
-            <a:r>
-              <a:rPr lang="ru-RU" sz="100" dirty="0"/>
-              <a:t> удачно осуществил свои радикальные либеральные экономические реформы. Благодаря успеху реформ правительство выдержало кратковременное жёсткое противостояние с оппозицией. </a:t>
-            </a:r>
-            <a:r>
-              <a:rPr lang="ru-RU" sz="100" dirty="0" err="1"/>
-              <a:t>Рейно</a:t>
-            </a:r>
-            <a:r>
-              <a:rPr lang="ru-RU" sz="100" dirty="0"/>
-              <a:t> обратился напрямую к деловому миру Франции: «Мы живём в капиталистической системе. Чтобы она функционировала, мы должны соблюдать законы. Есть законы прибыли, индивидуального риска, свободных рынков и роста через конкуренцию»[8].Реформы </a:t>
-            </a:r>
-            <a:r>
-              <a:rPr lang="ru-RU" sz="100" dirty="0" err="1"/>
-              <a:t>Рейно</a:t>
-            </a:r>
-            <a:r>
-              <a:rPr lang="ru-RU" sz="100" dirty="0"/>
-              <a:t> оказались исключительно успешными; была внедрена программа строгой экономии (хотя расходы на вооружение не были сокращены), в связи с чем французские запасы возросли с 37 млрд франков в сентябре 1938 г. до 48 млрд франков год спустя, накануне войны. Более важен тот факт, что промышленное производство Франции подскочило от 76 % до 100 % (за эталон принят уровень 1929 г.) с октября 1938 по май 1939 года[9]. К началу войны, однако, </a:t>
-            </a:r>
-            <a:r>
-              <a:rPr lang="ru-RU" sz="100" dirty="0" err="1"/>
-              <a:t>Рейно</a:t>
-            </a:r>
-            <a:r>
-              <a:rPr lang="ru-RU" sz="100" dirty="0"/>
-              <a:t> не стремился добиться роста французской экономики любой ценой; он считал, что излишний прирост расходов перед войной сыграет пагубную роль для французской экономики.) Поль </a:t>
-            </a:r>
-            <a:r>
-              <a:rPr lang="ru-RU" sz="100" dirty="0" err="1"/>
-              <a:t>Рейно</a:t>
-            </a:r>
-            <a:r>
-              <a:rPr lang="ru-RU" sz="100" dirty="0"/>
-              <a:t> становится министром финансов ; серией из тридцати двух финансово-экономических декретов-законов он ставит под сомнение достижения 1936 года [ 46 ] . Во исполнение закона от 5 октября 1938 г. с целью предложения структурных реформ правительству был создан «комитет административной реорганизации» (</a:t>
-            </a:r>
-            <a:r>
-              <a:rPr lang="ru-RU" sz="100" dirty="0" err="1"/>
-              <a:t>акс</a:t>
-            </a:r>
-            <a:r>
-              <a:rPr lang="ru-RU" sz="100" dirty="0"/>
-              <a:t>-комиссия)</a:t>
-            </a:r>
             <a:endParaRPr lang="ru-RU" sz="700" dirty="0"/>
           </a:p>
         </p:txBody>
@@ -17066,7 +16629,7 @@
         </p:nvSpPr>
         <p:spPr>
           <a:xfrm>
-            <a:off x="24534684" y="6130768"/>
+            <a:off x="24538186" y="6921879"/>
             <a:ext cx="926325" cy="540000"/>
           </a:xfrm>
           <a:prstGeom prst="rect">
@@ -25338,6 +24901,14 @@
             </a:r>
             <a:r>
               <a:rPr lang="ru-RU" sz="700" dirty="0"/>
+              <a:t> или </a:t>
+            </a:r>
+            <a:r>
+              <a:rPr lang="ru-RU" sz="700" dirty="0" err="1"/>
+              <a:t>Рейно</a:t>
+            </a:r>
+            <a:r>
+              <a:rPr lang="ru-RU" sz="700" dirty="0"/>
               <a:t>  - </a:t>
             </a:r>
           </a:p>
@@ -25371,7 +24942,7 @@
         </p:nvSpPr>
         <p:spPr>
           <a:xfrm>
-            <a:off x="20422340" y="3144075"/>
+            <a:off x="20627060" y="3144075"/>
             <a:ext cx="148022" cy="75852"/>
           </a:xfrm>
           <a:prstGeom prst="rect">
@@ -25782,14 +25353,14 @@
           <p:cNvCxnSpPr>
             <a:cxnSpLocks/>
             <a:stCxn id="257" idx="2"/>
-            <a:endCxn id="338" idx="0"/>
+            <a:endCxn id="450" idx="0"/>
           </p:cNvCxnSpPr>
           <p:nvPr/>
         </p:nvCxnSpPr>
         <p:spPr>
-          <a:xfrm flipH="1">
-            <a:off x="24997847" y="5089607"/>
-            <a:ext cx="3348" cy="255438"/>
+          <a:xfrm>
+            <a:off x="25001195" y="5089607"/>
+            <a:ext cx="54" cy="235972"/>
           </a:xfrm>
           <a:prstGeom prst="straightConnector1">
             <a:avLst/>
@@ -25862,13 +25433,8 @@
             <a:pPr algn="ctr"/>
             <a:r>
               <a:rPr lang="ru-RU" sz="700" dirty="0"/>
-              <a:t>Отменить законопроекты рабочих (12 ноября 1938) </a:t>
-            </a:r>
-            <a:r>
-              <a:rPr lang="ru-RU" sz="100" dirty="0"/>
-              <a:t>(речь Даладье , объявляющая об ослаблении закона о 40-часовой неделе ; «Франция должна вернуться к работе») три декрета-закона корректируют закон о 40-часовой неделе ; смягчен режим сверхурочной работы (50 часов сверхурочной работы в год на одного работника без разрешения инспекции труда); рабочая неделя ограничена 9 часами в день и 48 часами в неделю; неделя «двух воскресений» упраздняется</a:t>
-            </a:r>
-            <a:endParaRPr lang="ru-RU" sz="700" dirty="0"/>
+              <a:t>Отменить законопроекты для рабочих</a:t>
+            </a:r>
           </a:p>
         </p:txBody>
       </p:sp>
@@ -25958,65 +25524,6 @@
           </a:fontRef>
         </p:style>
       </p:cxnSp>
-      <p:sp>
-        <p:nvSpPr>
-          <p:cNvPr id="517" name="Прямоугольник 516">
-            <a:extLst>
-              <a:ext uri="{FF2B5EF4-FFF2-40B4-BE49-F238E27FC236}">
-                <a16:creationId xmlns:a16="http://schemas.microsoft.com/office/drawing/2014/main" id="{B831AFE1-ED59-4337-BA0A-B3636E9B9F0D}"/>
-              </a:ext>
-            </a:extLst>
-          </p:cNvPr>
-          <p:cNvSpPr/>
-          <p:nvPr/>
-        </p:nvSpPr>
-        <p:spPr>
-          <a:xfrm>
-            <a:off x="25730629" y="6377933"/>
-            <a:ext cx="926325" cy="540000"/>
-          </a:xfrm>
-          <a:prstGeom prst="rect">
-            <a:avLst/>
-          </a:prstGeom>
-          <a:solidFill>
-            <a:schemeClr val="accent6">
-              <a:lumMod val="60000"/>
-              <a:lumOff val="40000"/>
-            </a:schemeClr>
-          </a:solidFill>
-          <a:ln w="19050"/>
-        </p:spPr>
-        <p:style>
-          <a:lnRef idx="2">
-            <a:schemeClr val="accent1"/>
-          </a:lnRef>
-          <a:fillRef idx="1">
-            <a:schemeClr val="lt1"/>
-          </a:fillRef>
-          <a:effectRef idx="0">
-            <a:schemeClr val="accent1"/>
-          </a:effectRef>
-          <a:fontRef idx="minor">
-            <a:schemeClr val="dk1"/>
-          </a:fontRef>
-        </p:style>
-        <p:txBody>
-          <a:bodyPr lIns="124733" tIns="62367" rIns="124733" bIns="62367" rtlCol="0" anchor="ctr"/>
-          <a:lstStyle/>
-          <a:p>
-            <a:pPr algn="ctr"/>
-            <a:r>
-              <a:rPr lang="ru-RU" sz="700" dirty="0"/>
-              <a:t>30 ноября :</a:t>
-            </a:r>
-            <a:r>
-              <a:rPr lang="ru-RU" sz="300" dirty="0"/>
-              <a:t>В знак протеста против экономических мер по смягчению социального законодательства ВКТ объявила всеобщую забастовку, но правительство отклонило эту попытку [ 54 ] . Окончательный распад Народного фронта .</a:t>
-            </a:r>
-            <a:endParaRPr lang="ru-RU" sz="700" dirty="0"/>
-          </a:p>
-        </p:txBody>
-      </p:sp>
       <p:cxnSp>
         <p:nvCxnSpPr>
           <p:cNvPr id="518" name="Прямая со стрелкой 517">
@@ -26028,15 +25535,15 @@
           </p:cNvPr>
           <p:cNvCxnSpPr>
             <a:cxnSpLocks/>
-            <a:stCxn id="338" idx="2"/>
-            <a:endCxn id="341" idx="0"/>
+            <a:stCxn id="341" idx="2"/>
+            <a:endCxn id="338" idx="0"/>
           </p:cNvCxnSpPr>
           <p:nvPr/>
         </p:nvCxnSpPr>
         <p:spPr>
           <a:xfrm>
-            <a:off x="24997847" y="5885045"/>
-            <a:ext cx="0" cy="245723"/>
+            <a:off x="25001349" y="7461879"/>
+            <a:ext cx="0" cy="238477"/>
           </a:xfrm>
           <a:prstGeom prst="straightConnector1">
             <a:avLst/>
@@ -26803,15 +26310,15 @@
           </p:cNvPr>
           <p:cNvCxnSpPr>
             <a:cxnSpLocks/>
-            <a:stCxn id="341" idx="2"/>
-            <a:endCxn id="325" idx="0"/>
+            <a:stCxn id="325" idx="2"/>
+            <a:endCxn id="341" idx="0"/>
           </p:cNvCxnSpPr>
           <p:nvPr/>
         </p:nvCxnSpPr>
         <p:spPr>
-          <a:xfrm flipH="1">
-            <a:off x="24994525" y="6670768"/>
-            <a:ext cx="3322" cy="239676"/>
+          <a:xfrm>
+            <a:off x="25001195" y="6679217"/>
+            <a:ext cx="154" cy="242662"/>
           </a:xfrm>
           <a:prstGeom prst="straightConnector1">
             <a:avLst/>
@@ -27128,6 +26635,103 @@
           </a:p>
         </p:txBody>
       </p:sp>
+      <p:sp>
+        <p:nvSpPr>
+          <p:cNvPr id="450" name="Прямоугольник 449">
+            <a:extLst>
+              <a:ext uri="{FF2B5EF4-FFF2-40B4-BE49-F238E27FC236}">
+                <a16:creationId xmlns:a16="http://schemas.microsoft.com/office/drawing/2014/main" id="{63BD56D3-9F55-4ABF-B586-1CB38328C96D}"/>
+              </a:ext>
+            </a:extLst>
+          </p:cNvPr>
+          <p:cNvSpPr/>
+          <p:nvPr/>
+        </p:nvSpPr>
+        <p:spPr>
+          <a:xfrm>
+            <a:off x="24538086" y="5325579"/>
+            <a:ext cx="926325" cy="540000"/>
+          </a:xfrm>
+          <a:prstGeom prst="rect">
+            <a:avLst/>
+          </a:prstGeom>
+          <a:solidFill>
+            <a:schemeClr val="accent6">
+              <a:lumMod val="60000"/>
+              <a:lumOff val="40000"/>
+            </a:schemeClr>
+          </a:solidFill>
+          <a:ln w="19050"/>
+        </p:spPr>
+        <p:style>
+          <a:lnRef idx="2">
+            <a:schemeClr val="accent1"/>
+          </a:lnRef>
+          <a:fillRef idx="1">
+            <a:schemeClr val="lt1"/>
+          </a:fillRef>
+          <a:effectRef idx="0">
+            <a:schemeClr val="accent1"/>
+          </a:effectRef>
+          <a:fontRef idx="minor">
+            <a:schemeClr val="dk1"/>
+          </a:fontRef>
+        </p:style>
+        <p:txBody>
+          <a:bodyPr lIns="124733" tIns="62367" rIns="124733" bIns="62367" rtlCol="0" anchor="ctr"/>
+          <a:lstStyle/>
+          <a:p>
+            <a:pPr algn="ctr"/>
+            <a:r>
+              <a:rPr lang="ru-RU" sz="700" dirty="0"/>
+              <a:t>Разорвать оковы Народного Фронта</a:t>
+            </a:r>
+          </a:p>
+        </p:txBody>
+      </p:sp>
+      <p:cxnSp>
+        <p:nvCxnSpPr>
+          <p:cNvPr id="534" name="Прямая со стрелкой 533">
+            <a:extLst>
+              <a:ext uri="{FF2B5EF4-FFF2-40B4-BE49-F238E27FC236}">
+                <a16:creationId xmlns:a16="http://schemas.microsoft.com/office/drawing/2014/main" id="{23EF61EE-8F54-4846-9956-CB279B417D5E}"/>
+              </a:ext>
+            </a:extLst>
+          </p:cNvPr>
+          <p:cNvCxnSpPr>
+            <a:cxnSpLocks/>
+            <a:stCxn id="450" idx="2"/>
+            <a:endCxn id="325" idx="0"/>
+          </p:cNvCxnSpPr>
+          <p:nvPr/>
+        </p:nvCxnSpPr>
+        <p:spPr>
+          <a:xfrm flipH="1">
+            <a:off x="25001195" y="5865579"/>
+            <a:ext cx="54" cy="273638"/>
+          </a:xfrm>
+          <a:prstGeom prst="straightConnector1">
+            <a:avLst/>
+          </a:prstGeom>
+          <a:ln w="19050">
+            <a:tailEnd type="arrow"/>
+          </a:ln>
+        </p:spPr>
+        <p:style>
+          <a:lnRef idx="1">
+            <a:schemeClr val="accent1"/>
+          </a:lnRef>
+          <a:fillRef idx="0">
+            <a:schemeClr val="accent1"/>
+          </a:fillRef>
+          <a:effectRef idx="0">
+            <a:schemeClr val="accent1"/>
+          </a:effectRef>
+          <a:fontRef idx="minor">
+            <a:schemeClr val="tx1"/>
+          </a:fontRef>
+        </p:style>
+      </p:cxnSp>
     </p:spTree>
     <p:extLst>
       <p:ext uri="{BB962C8B-B14F-4D97-AF65-F5344CB8AC3E}">

--- a/Наработки/диздоки/Франция/Франция.pptx
+++ b/Наработки/диздоки/Франция/Франция.pptx
@@ -209,7 +209,7 @@
             <a:fld id="{33E3D7F9-E251-484C-A6FF-FA958879DF69}" type="datetimeFigureOut">
               <a:rPr lang="ru-RU" smtClean="0"/>
               <a:pPr/>
-              <a:t>04.04.2024</a:t>
+              <a:t>05.04.2024</a:t>
             </a:fld>
             <a:endParaRPr lang="ru-RU"/>
           </a:p>
@@ -699,7 +699,7 @@
             <a:fld id="{85A5DE44-605B-4D3B-B2B7-94543DF81A36}" type="datetimeFigureOut">
               <a:rPr lang="ru-RU" smtClean="0"/>
               <a:pPr/>
-              <a:t>04.04.2024</a:t>
+              <a:t>05.04.2024</a:t>
             </a:fld>
             <a:endParaRPr lang="ru-RU"/>
           </a:p>
@@ -871,7 +871,7 @@
             <a:fld id="{85A5DE44-605B-4D3B-B2B7-94543DF81A36}" type="datetimeFigureOut">
               <a:rPr lang="ru-RU" smtClean="0"/>
               <a:pPr/>
-              <a:t>04.04.2024</a:t>
+              <a:t>05.04.2024</a:t>
             </a:fld>
             <a:endParaRPr lang="ru-RU"/>
           </a:p>
@@ -1053,7 +1053,7 @@
             <a:fld id="{85A5DE44-605B-4D3B-B2B7-94543DF81A36}" type="datetimeFigureOut">
               <a:rPr lang="ru-RU" smtClean="0"/>
               <a:pPr/>
-              <a:t>04.04.2024</a:t>
+              <a:t>05.04.2024</a:t>
             </a:fld>
             <a:endParaRPr lang="ru-RU"/>
           </a:p>
@@ -1225,7 +1225,7 @@
             <a:fld id="{85A5DE44-605B-4D3B-B2B7-94543DF81A36}" type="datetimeFigureOut">
               <a:rPr lang="ru-RU" smtClean="0"/>
               <a:pPr/>
-              <a:t>04.04.2024</a:t>
+              <a:t>05.04.2024</a:t>
             </a:fld>
             <a:endParaRPr lang="ru-RU"/>
           </a:p>
@@ -1473,7 +1473,7 @@
             <a:fld id="{85A5DE44-605B-4D3B-B2B7-94543DF81A36}" type="datetimeFigureOut">
               <a:rPr lang="ru-RU" smtClean="0"/>
               <a:pPr/>
-              <a:t>04.04.2024</a:t>
+              <a:t>05.04.2024</a:t>
             </a:fld>
             <a:endParaRPr lang="ru-RU"/>
           </a:p>
@@ -1707,7 +1707,7 @@
             <a:fld id="{85A5DE44-605B-4D3B-B2B7-94543DF81A36}" type="datetimeFigureOut">
               <a:rPr lang="ru-RU" smtClean="0"/>
               <a:pPr/>
-              <a:t>04.04.2024</a:t>
+              <a:t>05.04.2024</a:t>
             </a:fld>
             <a:endParaRPr lang="ru-RU"/>
           </a:p>
@@ -2076,7 +2076,7 @@
             <a:fld id="{85A5DE44-605B-4D3B-B2B7-94543DF81A36}" type="datetimeFigureOut">
               <a:rPr lang="ru-RU" smtClean="0"/>
               <a:pPr/>
-              <a:t>04.04.2024</a:t>
+              <a:t>05.04.2024</a:t>
             </a:fld>
             <a:endParaRPr lang="ru-RU"/>
           </a:p>
@@ -2196,7 +2196,7 @@
             <a:fld id="{85A5DE44-605B-4D3B-B2B7-94543DF81A36}" type="datetimeFigureOut">
               <a:rPr lang="ru-RU" smtClean="0"/>
               <a:pPr/>
-              <a:t>04.04.2024</a:t>
+              <a:t>05.04.2024</a:t>
             </a:fld>
             <a:endParaRPr lang="ru-RU"/>
           </a:p>
@@ -2293,7 +2293,7 @@
             <a:fld id="{85A5DE44-605B-4D3B-B2B7-94543DF81A36}" type="datetimeFigureOut">
               <a:rPr lang="ru-RU" smtClean="0"/>
               <a:pPr/>
-              <a:t>04.04.2024</a:t>
+              <a:t>05.04.2024</a:t>
             </a:fld>
             <a:endParaRPr lang="ru-RU"/>
           </a:p>
@@ -2572,7 +2572,7 @@
             <a:fld id="{85A5DE44-605B-4D3B-B2B7-94543DF81A36}" type="datetimeFigureOut">
               <a:rPr lang="ru-RU" smtClean="0"/>
               <a:pPr/>
-              <a:t>04.04.2024</a:t>
+              <a:t>05.04.2024</a:t>
             </a:fld>
             <a:endParaRPr lang="ru-RU"/>
           </a:p>
@@ -2831,7 +2831,7 @@
             <a:fld id="{85A5DE44-605B-4D3B-B2B7-94543DF81A36}" type="datetimeFigureOut">
               <a:rPr lang="ru-RU" smtClean="0"/>
               <a:pPr/>
-              <a:t>04.04.2024</a:t>
+              <a:t>05.04.2024</a:t>
             </a:fld>
             <a:endParaRPr lang="ru-RU"/>
           </a:p>
@@ -3046,7 +3046,7 @@
             <a:fld id="{85A5DE44-605B-4D3B-B2B7-94543DF81A36}" type="datetimeFigureOut">
               <a:rPr lang="ru-RU" smtClean="0"/>
               <a:pPr/>
-              <a:t>04.04.2024</a:t>
+              <a:t>05.04.2024</a:t>
             </a:fld>
             <a:endParaRPr lang="ru-RU"/>
           </a:p>
@@ -9268,7 +9268,7 @@
           </a:xfrm>
           <a:prstGeom prst="bentConnector3">
             <a:avLst>
-              <a:gd name="adj1" fmla="val 4403"/>
+              <a:gd name="adj1" fmla="val 4038"/>
             </a:avLst>
           </a:prstGeom>
           <a:ln w="19050">
@@ -12423,64 +12423,8 @@
             <a:pPr algn="ctr"/>
             <a:r>
               <a:rPr lang="ru-RU" sz="700" dirty="0"/>
-              <a:t>Центр охотничьего обучения (сентябрь 1939)</a:t>
-            </a:r>
-          </a:p>
-          <a:p>
-            <a:pPr algn="ctr"/>
-            <a:r>
-              <a:rPr lang="ru-RU" sz="100" dirty="0"/>
-              <a:t>План обучения, принятый в 1938 году, предусматривает подготовку 4400 летных экипажей, 11400 механиков всех специальностей и 2100 техников для пополнения личного состава под флагами. Число авиационных школ увеличилось с 3 в начале 1938 года до 15 </a:t>
-            </a:r>
-            <a:r>
-              <a:rPr lang="ru-RU" sz="100" dirty="0" err="1"/>
-              <a:t>всентябрь</a:t>
-            </a:r>
-            <a:r>
-              <a:rPr lang="ru-RU" sz="100" dirty="0"/>
-              <a:t> 1939 г.. Эти усилия остаются недостаточными, </a:t>
-            </a:r>
-            <a:r>
-              <a:rPr lang="ru-RU" sz="100" dirty="0" err="1"/>
-              <a:t>посколькусентябрь</a:t>
-            </a:r>
-            <a:r>
-              <a:rPr lang="ru-RU" sz="100" dirty="0"/>
-              <a:t> 1939 </a:t>
-            </a:r>
-            <a:r>
-              <a:rPr lang="ru-RU" sz="100" dirty="0" err="1"/>
-              <a:t>г.На</a:t>
-            </a:r>
-            <a:r>
-              <a:rPr lang="ru-RU" sz="100" dirty="0"/>
-              <a:t> вооружении находятся 1940 летных офицеров и 1928 летных унтер-офицеров, что составляет едва половину ожидаемого числа. Обучение персонала также остается ниже потребностей до тех пор, </a:t>
-            </a:r>
-            <a:r>
-              <a:rPr lang="ru-RU" sz="100" dirty="0" err="1"/>
-              <a:t>покаМай</a:t>
-            </a:r>
-            <a:r>
-              <a:rPr lang="ru-RU" sz="100" dirty="0"/>
-              <a:t> 1940 </a:t>
-            </a:r>
-            <a:r>
-              <a:rPr lang="ru-RU" sz="100" dirty="0" err="1"/>
-              <a:t>г..В</a:t>
-            </a:r>
-            <a:r>
-              <a:rPr lang="ru-RU" sz="100" dirty="0"/>
-              <a:t> г. открыт Центр охотничьего обучения (CIC ) .сентябрь 1939 г., на территории авиабазы ​​122 Шартр-</a:t>
-            </a:r>
-            <a:r>
-              <a:rPr lang="ru-RU" sz="100" dirty="0" err="1"/>
-              <a:t>Шамполь</a:t>
-            </a:r>
-            <a:r>
-              <a:rPr lang="ru-RU" sz="100" dirty="0"/>
-              <a:t> .</a:t>
-            </a:r>
-            <a:endParaRPr lang="ru-RU" sz="700" dirty="0"/>
+              <a:t>Центр охотничьего обучения</a:t>
+            </a:r>
           </a:p>
         </p:txBody>
       </p:sp>
@@ -12528,40 +12472,8 @@
             <a:pPr algn="ctr"/>
             <a:r>
               <a:rPr lang="ru-RU" sz="700" dirty="0"/>
-              <a:t>Разделить командование ВВС(сентябрь 1939)</a:t>
-            </a:r>
-          </a:p>
-          <a:p>
-            <a:pPr algn="ctr"/>
-            <a:r>
-              <a:rPr lang="ru-RU" sz="100" dirty="0"/>
-              <a:t>В организации ВВС имеется множество </a:t>
-            </a:r>
-            <a:r>
-              <a:rPr lang="ru-RU" sz="100" dirty="0" err="1"/>
-              <a:t>недостатков.Генеральный</a:t>
-            </a:r>
-            <a:r>
-              <a:rPr lang="ru-RU" sz="100" dirty="0"/>
-              <a:t> штаб армии (GQG) удален </a:t>
-            </a:r>
-            <a:r>
-              <a:rPr lang="ru-RU" sz="100" dirty="0" err="1"/>
-              <a:t>всентябрь</a:t>
-            </a:r>
-            <a:r>
-              <a:rPr lang="ru-RU" sz="100" dirty="0"/>
-              <a:t> 1939 </a:t>
-            </a:r>
-            <a:r>
-              <a:rPr lang="ru-RU" sz="100" dirty="0" err="1"/>
-              <a:t>г.командование</a:t>
-            </a:r>
-            <a:r>
-              <a:rPr lang="ru-RU" sz="100" dirty="0"/>
-              <a:t> воздушными силами сухопутных армий и авиационное командование, связанное с группами сухопутных армий. Все это было заменено двумя зонами воздушных операций (ZOA) «Север» и «Восток», связанными с группами армий на северо-востоке, что позволяет упростить и более адаптировать операции и ограничить рассредоточение сил.</a:t>
-            </a:r>
-            <a:endParaRPr lang="ru-RU" sz="700" dirty="0"/>
+              <a:t>Разделить командование ВВС</a:t>
+            </a:r>
           </a:p>
         </p:txBody>
       </p:sp>
@@ -14309,7 +14221,7 @@
             <a:pPr algn="ctr"/>
             <a:r>
               <a:rPr lang="ru-RU" sz="700" dirty="0"/>
-              <a:t>Расширение права женщин</a:t>
+              <a:t>Расширение прав женщин</a:t>
             </a:r>
           </a:p>
         </p:txBody>
@@ -16162,7 +16074,7 @@
         </p:nvSpPr>
         <p:spPr>
           <a:xfrm>
-            <a:off x="22812180" y="10070854"/>
+            <a:off x="22803471" y="10070854"/>
             <a:ext cx="926325" cy="540000"/>
           </a:xfrm>
           <a:prstGeom prst="rect">
@@ -16197,29 +16109,8 @@
             <a:pPr algn="ctr"/>
             <a:r>
               <a:rPr lang="ru-RU" sz="700" dirty="0"/>
-              <a:t>Распустить и запретить ФКП (26 сентября 1939) </a:t>
-            </a:r>
-            <a:r>
-              <a:rPr lang="ru-RU" sz="100" dirty="0"/>
-              <a:t>(26 сентября : Коммунистическая партия Франции запрещена за осуждение войны [ 42 ] . Ее депутатов арестовывают, а ее активистов преследуют и заключают в </a:t>
-            </a:r>
-            <a:r>
-              <a:rPr lang="ru-RU" sz="100" dirty="0" err="1"/>
-              <a:t>лагеря.Более</a:t>
-            </a:r>
-            <a:r>
-              <a:rPr lang="ru-RU" sz="100" dirty="0"/>
-              <a:t> того, отметив существование советско-германского пакта от 23 августа 1939 года и советское вторжение в Польшу совместно с нацистами, он принял меры против Французской коммунистической партии (ФКП), которую правительство считало организацией, способной предать: коммунистическая пресса была объявлена ​​вне закона декретом от 26 августа 1939 года о запрете публикации </a:t>
-            </a:r>
-            <a:r>
-              <a:rPr lang="ru-RU" sz="100" dirty="0" err="1"/>
-              <a:t>L'Humanité</a:t>
-            </a:r>
-            <a:r>
-              <a:rPr lang="ru-RU" sz="100" dirty="0"/>
-              <a:t> , затем французская коммунистическая партия была распущена и запрещена 26 сентября 1939 года также декретом, и, наконец, избранные представители коммунистов были лишены своих мандатов декрет-закон от 26 ноября 1939 года.)</a:t>
-            </a:r>
-            <a:endParaRPr lang="ru-RU" sz="700" dirty="0"/>
+              <a:t>Распустить и запретить ФКП</a:t>
+            </a:r>
           </a:p>
         </p:txBody>
       </p:sp>
@@ -16242,7 +16133,7 @@
         <p:spPr>
           <a:xfrm flipV="1">
             <a:off x="22527384" y="10340854"/>
-            <a:ext cx="284796" cy="2"/>
+            <a:ext cx="276087" cy="2"/>
           </a:xfrm>
           <a:prstGeom prst="line">
             <a:avLst/>
@@ -16378,12 +16269,12 @@
         </p:nvCxnSpPr>
         <p:spPr>
           <a:xfrm rot="5400000">
-            <a:off x="23328475" y="8986543"/>
-            <a:ext cx="1031180" cy="1137443"/>
+            <a:off x="23324120" y="8982188"/>
+            <a:ext cx="1031180" cy="1146152"/>
           </a:xfrm>
           <a:prstGeom prst="bentConnector3">
             <a:avLst>
-              <a:gd name="adj1" fmla="val 11445"/>
+              <a:gd name="adj1" fmla="val 11152"/>
             </a:avLst>
           </a:prstGeom>
           <a:ln w="19050">
@@ -16477,7 +16368,7 @@
         </p:nvCxnSpPr>
         <p:spPr>
           <a:xfrm flipH="1">
-            <a:off x="23275343" y="8236959"/>
+            <a:off x="23266634" y="8236959"/>
             <a:ext cx="1059" cy="1833895"/>
           </a:xfrm>
           <a:prstGeom prst="straightConnector1">
@@ -16570,7 +16461,7 @@
         </p:nvSpPr>
         <p:spPr>
           <a:xfrm>
-            <a:off x="22813793" y="6915908"/>
+            <a:off x="22805084" y="6915908"/>
             <a:ext cx="926325" cy="540000"/>
           </a:xfrm>
           <a:prstGeom prst="rect">
@@ -16787,7 +16678,7 @@
         </p:nvSpPr>
         <p:spPr>
           <a:xfrm>
-            <a:off x="22815061" y="10847680"/>
+            <a:off x="22806352" y="10847680"/>
             <a:ext cx="926325" cy="540000"/>
           </a:xfrm>
           <a:prstGeom prst="rect">
@@ -16869,7 +16760,7 @@
         </p:nvCxnSpPr>
         <p:spPr>
           <a:xfrm>
-            <a:off x="23275343" y="10610854"/>
+            <a:off x="23266634" y="10610854"/>
             <a:ext cx="2881" cy="236826"/>
           </a:xfrm>
           <a:prstGeom prst="straightConnector1">
@@ -16997,7 +16888,7 @@
             <a:pPr algn="ctr"/>
             <a:r>
               <a:rPr lang="ru-RU" sz="700" dirty="0"/>
-              <a:t>Сближение с Великобританией (6 февраля 1939 начинается)</a:t>
+              <a:t>Сближение с Великобританией</a:t>
             </a:r>
           </a:p>
         </p:txBody>
@@ -20013,11 +19904,6 @@
               <a:rPr lang="ru-RU" sz="700" dirty="0"/>
               <a:t>Увеличение срока службы</a:t>
             </a:r>
-            <a:r>
-              <a:rPr lang="ru-RU" sz="500" dirty="0"/>
-              <a:t>(17 марта : Срок действительной военной службы увеличен до двух лет)</a:t>
-            </a:r>
-            <a:endParaRPr lang="ru-RU" sz="700" dirty="0"/>
           </a:p>
         </p:txBody>
       </p:sp>
@@ -20503,7 +20389,7 @@
             <a:pPr algn="ctr"/>
             <a:r>
               <a:rPr lang="ru-RU" sz="700" dirty="0"/>
-              <a:t>Продолжить развитие подводного флота (1939)</a:t>
+              <a:t>Продолжить развитие подводного флота</a:t>
             </a:r>
           </a:p>
         </p:txBody>
@@ -24265,98 +24151,6 @@
               <a:rPr lang="en-US" sz="700" dirty="0"/>
               <a:t>Lafarge</a:t>
             </a:r>
-            <a:r>
-              <a:rPr lang="ru-RU" sz="700" dirty="0"/>
-              <a:t> (1939)</a:t>
-            </a:r>
-            <a:r>
-              <a:rPr lang="en-US" sz="700" dirty="0"/>
-              <a:t> </a:t>
-            </a:r>
-            <a:r>
-              <a:rPr lang="en-US" sz="100" dirty="0"/>
-              <a:t>(</a:t>
-            </a:r>
-            <a:r>
-              <a:rPr lang="ru-RU" sz="100" dirty="0"/>
-              <a:t>В 1919 году предприятие было преобразовано в компанию с ограниченной ответственностью под названием «Анонимное общество де </a:t>
-            </a:r>
-            <a:r>
-              <a:rPr lang="ru-RU" sz="100" dirty="0" err="1"/>
-              <a:t>шо</a:t>
-            </a:r>
-            <a:r>
-              <a:rPr lang="ru-RU" sz="100" dirty="0"/>
-              <a:t> и цемента </a:t>
-            </a:r>
-            <a:r>
-              <a:rPr lang="ru-RU" sz="100" dirty="0" err="1"/>
-              <a:t>Лафарж</a:t>
-            </a:r>
-            <a:r>
-              <a:rPr lang="ru-RU" sz="100" dirty="0"/>
-              <a:t> и </a:t>
-            </a:r>
-            <a:r>
-              <a:rPr lang="ru-RU" sz="100" dirty="0" err="1"/>
-              <a:t>дю</a:t>
-            </a:r>
-            <a:r>
-              <a:rPr lang="ru-RU" sz="100" dirty="0"/>
-              <a:t> </a:t>
-            </a:r>
-            <a:r>
-              <a:rPr lang="ru-RU" sz="100" dirty="0" err="1"/>
-              <a:t>Тей</a:t>
-            </a:r>
-            <a:r>
-              <a:rPr lang="ru-RU" sz="100" dirty="0"/>
-              <a:t>», а с 1939 года </a:t>
-            </a:r>
-            <a:r>
-              <a:rPr lang="ru-RU" sz="100" dirty="0" err="1"/>
-              <a:t>Лафарж</a:t>
-            </a:r>
-            <a:r>
-              <a:rPr lang="ru-RU" sz="100" dirty="0"/>
-              <a:t> стала ведущим французским производителем цемента и постепенно одним из мировых лидеров. </a:t>
-            </a:r>
-            <a:r>
-              <a:rPr lang="ru-RU" sz="100" dirty="0" err="1"/>
-              <a:t>Lafarge</a:t>
-            </a:r>
-            <a:r>
-              <a:rPr lang="ru-RU" sz="100" dirty="0"/>
-              <a:t> расширяет свою сеть на три территории (десять заводов во Франции, предприятие в Северной Африке и дочерняя компания в Англии , «</a:t>
-            </a:r>
-            <a:r>
-              <a:rPr lang="ru-RU" sz="100" dirty="0" err="1"/>
-              <a:t>Lafarge</a:t>
-            </a:r>
-            <a:r>
-              <a:rPr lang="ru-RU" sz="100" dirty="0"/>
-              <a:t> </a:t>
-            </a:r>
-            <a:r>
-              <a:rPr lang="ru-RU" sz="100" dirty="0" err="1"/>
-              <a:t>Aluminous</a:t>
-            </a:r>
-            <a:r>
-              <a:rPr lang="ru-RU" sz="100" dirty="0"/>
-              <a:t> </a:t>
-            </a:r>
-            <a:r>
-              <a:rPr lang="ru-RU" sz="100" dirty="0" err="1"/>
-              <a:t>Cement</a:t>
-            </a:r>
-            <a:r>
-              <a:rPr lang="ru-RU" sz="100" dirty="0"/>
-              <a:t>» в 1926 году) [ 11 ] .</a:t>
-            </a:r>
-            <a:r>
-              <a:rPr lang="en-US" sz="100" dirty="0"/>
-              <a:t>)</a:t>
-            </a:r>
             <a:endParaRPr lang="ru-RU" sz="700" dirty="0"/>
           </a:p>
         </p:txBody>
@@ -25274,7 +25068,7 @@
             <a:pPr algn="ctr"/>
             <a:r>
               <a:rPr lang="ru-RU" sz="700" dirty="0"/>
-              <a:t>Усилить Иммиграционный контроль</a:t>
+              <a:t>Усилить иммиграционный контроль</a:t>
             </a:r>
           </a:p>
         </p:txBody>
@@ -25456,7 +25250,7 @@
         </p:nvCxnSpPr>
         <p:spPr>
           <a:xfrm flipH="1">
-            <a:off x="23276402" y="7455908"/>
+            <a:off x="23267693" y="7455908"/>
             <a:ext cx="554" cy="241051"/>
           </a:xfrm>
           <a:prstGeom prst="straightConnector1">
@@ -25498,9 +25292,9 @@
           <p:nvPr/>
         </p:nvCxnSpPr>
         <p:spPr>
-          <a:xfrm>
-            <a:off x="23269126" y="6678870"/>
-            <a:ext cx="7830" cy="237038"/>
+          <a:xfrm flipH="1">
+            <a:off x="23268247" y="6678870"/>
+            <a:ext cx="879" cy="237038"/>
           </a:xfrm>
           <a:prstGeom prst="straightConnector1">
             <a:avLst/>
@@ -25659,13 +25453,8 @@
             <a:pPr algn="ctr"/>
             <a:r>
               <a:rPr lang="ru-RU" sz="700" dirty="0"/>
-              <a:t>Признать националистическое правительство </a:t>
-            </a:r>
-            <a:r>
-              <a:rPr lang="ru-RU" sz="600" dirty="0"/>
-              <a:t>(27 февраля 1939)</a:t>
-            </a:r>
-            <a:endParaRPr lang="ru-RU" sz="700" dirty="0"/>
+              <a:t>Признать националистическое правительство</a:t>
+            </a:r>
           </a:p>
         </p:txBody>
       </p:sp>
@@ -25862,7 +25651,7 @@
             <a:pPr algn="ctr"/>
             <a:r>
               <a:rPr lang="ru-RU" sz="700" dirty="0"/>
-              <a:t>Дать гаранты Польше (13 апреля 1939))</a:t>
+              <a:t>Предоставить гаранты Польше</a:t>
             </a:r>
           </a:p>
         </p:txBody>
@@ -26063,7 +25852,7 @@
         </p:nvSpPr>
         <p:spPr>
           <a:xfrm>
-            <a:off x="22813239" y="7696959"/>
+            <a:off x="22804530" y="7696959"/>
             <a:ext cx="926325" cy="540000"/>
           </a:xfrm>
           <a:prstGeom prst="rect">
@@ -26098,13 +25887,8 @@
             <a:pPr algn="ctr"/>
             <a:r>
               <a:rPr lang="ru-RU" sz="700" dirty="0"/>
-              <a:t>Семейный кодекс (29 июля 1939) </a:t>
-            </a:r>
-            <a:r>
-              <a:rPr lang="ru-RU" sz="200" dirty="0"/>
-              <a:t>(декрет-закон, касающийся семьи и рождаемости во Франции, известный как « Семейный кодекс », который устанавливает премию при рождении первого ребенка, если оно происходит в течение двух лет после брака, и устанавливает «семейный компенсационный налог» (TCF), который затрагивает одиноких людей [ 36 ] . Он ужесточает наказание за аборты [ 37 ] .)</a:t>
-            </a:r>
-            <a:endParaRPr lang="ru-RU" sz="700" dirty="0"/>
+              <a:t>Семейный кодекс</a:t>
+            </a:r>
           </a:p>
         </p:txBody>
       </p:sp>
@@ -26715,6 +26499,306 @@
           </a:prstGeom>
           <a:ln w="19050">
             <a:tailEnd type="arrow"/>
+          </a:ln>
+        </p:spPr>
+        <p:style>
+          <a:lnRef idx="1">
+            <a:schemeClr val="accent1"/>
+          </a:lnRef>
+          <a:fillRef idx="0">
+            <a:schemeClr val="accent1"/>
+          </a:fillRef>
+          <a:effectRef idx="0">
+            <a:schemeClr val="accent1"/>
+          </a:effectRef>
+          <a:fontRef idx="minor">
+            <a:schemeClr val="tx1"/>
+          </a:fontRef>
+        </p:style>
+      </p:cxnSp>
+      <p:sp>
+        <p:nvSpPr>
+          <p:cNvPr id="517" name="Прямоугольник 516">
+            <a:extLst>
+              <a:ext uri="{FF2B5EF4-FFF2-40B4-BE49-F238E27FC236}">
+                <a16:creationId xmlns:a16="http://schemas.microsoft.com/office/drawing/2014/main" id="{4AD05856-25C9-45AA-9897-49BB8EB3772E}"/>
+              </a:ext>
+            </a:extLst>
+          </p:cNvPr>
+          <p:cNvSpPr/>
+          <p:nvPr/>
+        </p:nvSpPr>
+        <p:spPr>
+          <a:xfrm>
+            <a:off x="6168004" y="5325579"/>
+            <a:ext cx="926325" cy="540000"/>
+          </a:xfrm>
+          <a:prstGeom prst="rect">
+            <a:avLst/>
+          </a:prstGeom>
+          <a:solidFill>
+            <a:srgbClr val="7030A0"/>
+          </a:solidFill>
+          <a:ln w="19050"/>
+        </p:spPr>
+        <p:style>
+          <a:lnRef idx="2">
+            <a:schemeClr val="accent1"/>
+          </a:lnRef>
+          <a:fillRef idx="1">
+            <a:schemeClr val="lt1"/>
+          </a:fillRef>
+          <a:effectRef idx="0">
+            <a:schemeClr val="accent1"/>
+          </a:effectRef>
+          <a:fontRef idx="minor">
+            <a:schemeClr val="dk1"/>
+          </a:fontRef>
+        </p:style>
+        <p:txBody>
+          <a:bodyPr lIns="124733" tIns="62367" rIns="124733" bIns="62367" rtlCol="0" anchor="ctr"/>
+          <a:lstStyle/>
+          <a:p>
+            <a:pPr algn="ctr"/>
+            <a:r>
+              <a:rPr lang="ru-RU" sz="700" dirty="0"/>
+              <a:t>Восстановить связи с католической церковью</a:t>
+            </a:r>
+          </a:p>
+        </p:txBody>
+      </p:sp>
+      <p:sp>
+        <p:nvSpPr>
+          <p:cNvPr id="535" name="Прямоугольник 534">
+            <a:extLst>
+              <a:ext uri="{FF2B5EF4-FFF2-40B4-BE49-F238E27FC236}">
+                <a16:creationId xmlns:a16="http://schemas.microsoft.com/office/drawing/2014/main" id="{70D8B455-2F88-40B1-A772-DD67E957A2E0}"/>
+              </a:ext>
+            </a:extLst>
+          </p:cNvPr>
+          <p:cNvSpPr/>
+          <p:nvPr/>
+        </p:nvSpPr>
+        <p:spPr>
+          <a:xfrm>
+            <a:off x="7313709" y="6146934"/>
+            <a:ext cx="926325" cy="540000"/>
+          </a:xfrm>
+          <a:prstGeom prst="rect">
+            <a:avLst/>
+          </a:prstGeom>
+          <a:solidFill>
+            <a:srgbClr val="7030A0"/>
+          </a:solidFill>
+          <a:ln w="19050"/>
+        </p:spPr>
+        <p:style>
+          <a:lnRef idx="2">
+            <a:schemeClr val="accent1"/>
+          </a:lnRef>
+          <a:fillRef idx="1">
+            <a:schemeClr val="lt1"/>
+          </a:fillRef>
+          <a:effectRef idx="0">
+            <a:schemeClr val="accent1"/>
+          </a:effectRef>
+          <a:fontRef idx="minor">
+            <a:schemeClr val="dk1"/>
+          </a:fontRef>
+        </p:style>
+        <p:txBody>
+          <a:bodyPr lIns="124733" tIns="62367" rIns="124733" bIns="62367" rtlCol="0" anchor="ctr"/>
+          <a:lstStyle/>
+          <a:p>
+            <a:pPr algn="ctr"/>
+            <a:r>
+              <a:rPr lang="ru-RU" sz="700" dirty="0"/>
+              <a:t>Коронация монарха</a:t>
+            </a:r>
+          </a:p>
+        </p:txBody>
+      </p:sp>
+      <p:sp>
+        <p:nvSpPr>
+          <p:cNvPr id="536" name="Прямоугольник 535">
+            <a:extLst>
+              <a:ext uri="{FF2B5EF4-FFF2-40B4-BE49-F238E27FC236}">
+                <a16:creationId xmlns:a16="http://schemas.microsoft.com/office/drawing/2014/main" id="{6F871743-E518-4287-BBCB-C3DCD872689D}"/>
+              </a:ext>
+            </a:extLst>
+          </p:cNvPr>
+          <p:cNvSpPr/>
+          <p:nvPr/>
+        </p:nvSpPr>
+        <p:spPr>
+          <a:xfrm>
+            <a:off x="6168004" y="6901319"/>
+            <a:ext cx="926325" cy="540000"/>
+          </a:xfrm>
+          <a:prstGeom prst="rect">
+            <a:avLst/>
+          </a:prstGeom>
+          <a:solidFill>
+            <a:srgbClr val="7030A0"/>
+          </a:solidFill>
+          <a:ln w="19050"/>
+        </p:spPr>
+        <p:style>
+          <a:lnRef idx="2">
+            <a:schemeClr val="accent1"/>
+          </a:lnRef>
+          <a:fillRef idx="1">
+            <a:schemeClr val="lt1"/>
+          </a:fillRef>
+          <a:effectRef idx="0">
+            <a:schemeClr val="accent1"/>
+          </a:effectRef>
+          <a:fontRef idx="minor">
+            <a:schemeClr val="dk1"/>
+          </a:fontRef>
+        </p:style>
+        <p:txBody>
+          <a:bodyPr lIns="124733" tIns="62367" rIns="124733" bIns="62367" rtlCol="0" anchor="ctr"/>
+          <a:lstStyle/>
+          <a:p>
+            <a:pPr algn="ctr"/>
+            <a:r>
+              <a:rPr lang="ru-RU" sz="700" dirty="0"/>
+              <a:t>Династия Орлеанистов</a:t>
+            </a:r>
+          </a:p>
+        </p:txBody>
+      </p:sp>
+      <p:sp>
+        <p:nvSpPr>
+          <p:cNvPr id="537" name="Прямоугольник 536">
+            <a:extLst>
+              <a:ext uri="{FF2B5EF4-FFF2-40B4-BE49-F238E27FC236}">
+                <a16:creationId xmlns:a16="http://schemas.microsoft.com/office/drawing/2014/main" id="{7FC36E8F-3BD0-447E-A2AE-74FE612E1317}"/>
+              </a:ext>
+            </a:extLst>
+          </p:cNvPr>
+          <p:cNvSpPr/>
+          <p:nvPr/>
+        </p:nvSpPr>
+        <p:spPr>
+          <a:xfrm>
+            <a:off x="8447830" y="5325579"/>
+            <a:ext cx="926325" cy="540000"/>
+          </a:xfrm>
+          <a:prstGeom prst="rect">
+            <a:avLst/>
+          </a:prstGeom>
+          <a:solidFill>
+            <a:srgbClr val="7030A0"/>
+          </a:solidFill>
+          <a:ln w="19050"/>
+        </p:spPr>
+        <p:style>
+          <a:lnRef idx="2">
+            <a:schemeClr val="accent1"/>
+          </a:lnRef>
+          <a:fillRef idx="1">
+            <a:schemeClr val="lt1"/>
+          </a:fillRef>
+          <a:effectRef idx="0">
+            <a:schemeClr val="accent1"/>
+          </a:effectRef>
+          <a:fontRef idx="minor">
+            <a:schemeClr val="dk1"/>
+          </a:fontRef>
+        </p:style>
+        <p:txBody>
+          <a:bodyPr lIns="124733" tIns="62367" rIns="124733" bIns="62367" rtlCol="0" anchor="ctr"/>
+          <a:lstStyle/>
+          <a:p>
+            <a:pPr algn="ctr"/>
+            <a:r>
+              <a:rPr lang="ru-RU" sz="700" dirty="0"/>
+              <a:t>Коронация монарха</a:t>
+            </a:r>
+          </a:p>
+        </p:txBody>
+      </p:sp>
+      <p:sp>
+        <p:nvSpPr>
+          <p:cNvPr id="538" name="Прямоугольник 537">
+            <a:extLst>
+              <a:ext uri="{FF2B5EF4-FFF2-40B4-BE49-F238E27FC236}">
+                <a16:creationId xmlns:a16="http://schemas.microsoft.com/office/drawing/2014/main" id="{FB76DE43-3591-4EB8-B4D0-4DB7FE87E242}"/>
+              </a:ext>
+            </a:extLst>
+          </p:cNvPr>
+          <p:cNvSpPr/>
+          <p:nvPr/>
+        </p:nvSpPr>
+        <p:spPr>
+          <a:xfrm>
+            <a:off x="8447829" y="6901319"/>
+            <a:ext cx="926325" cy="540000"/>
+          </a:xfrm>
+          <a:prstGeom prst="rect">
+            <a:avLst/>
+          </a:prstGeom>
+          <a:solidFill>
+            <a:srgbClr val="7030A0"/>
+          </a:solidFill>
+          <a:ln w="19050"/>
+        </p:spPr>
+        <p:style>
+          <a:lnRef idx="2">
+            <a:schemeClr val="accent1"/>
+          </a:lnRef>
+          <a:fillRef idx="1">
+            <a:schemeClr val="lt1"/>
+          </a:fillRef>
+          <a:effectRef idx="0">
+            <a:schemeClr val="accent1"/>
+          </a:effectRef>
+          <a:fontRef idx="minor">
+            <a:schemeClr val="dk1"/>
+          </a:fontRef>
+        </p:style>
+        <p:txBody>
+          <a:bodyPr lIns="124733" tIns="62367" rIns="124733" bIns="62367" rtlCol="0" anchor="ctr"/>
+          <a:lstStyle/>
+          <a:p>
+            <a:pPr algn="ctr"/>
+            <a:r>
+              <a:rPr lang="ru-RU" sz="700" dirty="0"/>
+              <a:t>Династия Легитимистов</a:t>
+            </a:r>
+          </a:p>
+        </p:txBody>
+      </p:sp>
+      <p:cxnSp>
+        <p:nvCxnSpPr>
+          <p:cNvPr id="539" name="Прямая соединительная линия 538">
+            <a:extLst>
+              <a:ext uri="{FF2B5EF4-FFF2-40B4-BE49-F238E27FC236}">
+                <a16:creationId xmlns:a16="http://schemas.microsoft.com/office/drawing/2014/main" id="{C7CF1001-881B-4973-B892-B4BF1ADD398A}"/>
+              </a:ext>
+            </a:extLst>
+          </p:cNvPr>
+          <p:cNvCxnSpPr>
+            <a:cxnSpLocks/>
+            <a:stCxn id="536" idx="3"/>
+            <a:endCxn id="538" idx="1"/>
+          </p:cNvCxnSpPr>
+          <p:nvPr/>
+        </p:nvCxnSpPr>
+        <p:spPr>
+          <a:xfrm>
+            <a:off x="7094329" y="7171319"/>
+            <a:ext cx="1353500" cy="0"/>
+          </a:xfrm>
+          <a:prstGeom prst="line">
+            <a:avLst/>
+          </a:prstGeom>
+          <a:ln w="19050">
+            <a:solidFill>
+              <a:srgbClr val="FF0000"/>
+            </a:solidFill>
           </a:ln>
         </p:spPr>
         <p:style>

--- a/Наработки/диздоки/Франция/Франция.pptx
+++ b/Наработки/диздоки/Франция/Франция.pptx
@@ -209,7 +209,7 @@
             <a:fld id="{33E3D7F9-E251-484C-A6FF-FA958879DF69}" type="datetimeFigureOut">
               <a:rPr lang="ru-RU" smtClean="0"/>
               <a:pPr/>
-              <a:t>05.04.2024</a:t>
+              <a:t>12.04.2024</a:t>
             </a:fld>
             <a:endParaRPr lang="ru-RU"/>
           </a:p>
@@ -699,7 +699,7 @@
             <a:fld id="{85A5DE44-605B-4D3B-B2B7-94543DF81A36}" type="datetimeFigureOut">
               <a:rPr lang="ru-RU" smtClean="0"/>
               <a:pPr/>
-              <a:t>05.04.2024</a:t>
+              <a:t>12.04.2024</a:t>
             </a:fld>
             <a:endParaRPr lang="ru-RU"/>
           </a:p>
@@ -871,7 +871,7 @@
             <a:fld id="{85A5DE44-605B-4D3B-B2B7-94543DF81A36}" type="datetimeFigureOut">
               <a:rPr lang="ru-RU" smtClean="0"/>
               <a:pPr/>
-              <a:t>05.04.2024</a:t>
+              <a:t>12.04.2024</a:t>
             </a:fld>
             <a:endParaRPr lang="ru-RU"/>
           </a:p>
@@ -1053,7 +1053,7 @@
             <a:fld id="{85A5DE44-605B-4D3B-B2B7-94543DF81A36}" type="datetimeFigureOut">
               <a:rPr lang="ru-RU" smtClean="0"/>
               <a:pPr/>
-              <a:t>05.04.2024</a:t>
+              <a:t>12.04.2024</a:t>
             </a:fld>
             <a:endParaRPr lang="ru-RU"/>
           </a:p>
@@ -1225,7 +1225,7 @@
             <a:fld id="{85A5DE44-605B-4D3B-B2B7-94543DF81A36}" type="datetimeFigureOut">
               <a:rPr lang="ru-RU" smtClean="0"/>
               <a:pPr/>
-              <a:t>05.04.2024</a:t>
+              <a:t>12.04.2024</a:t>
             </a:fld>
             <a:endParaRPr lang="ru-RU"/>
           </a:p>
@@ -1473,7 +1473,7 @@
             <a:fld id="{85A5DE44-605B-4D3B-B2B7-94543DF81A36}" type="datetimeFigureOut">
               <a:rPr lang="ru-RU" smtClean="0"/>
               <a:pPr/>
-              <a:t>05.04.2024</a:t>
+              <a:t>12.04.2024</a:t>
             </a:fld>
             <a:endParaRPr lang="ru-RU"/>
           </a:p>
@@ -1707,7 +1707,7 @@
             <a:fld id="{85A5DE44-605B-4D3B-B2B7-94543DF81A36}" type="datetimeFigureOut">
               <a:rPr lang="ru-RU" smtClean="0"/>
               <a:pPr/>
-              <a:t>05.04.2024</a:t>
+              <a:t>12.04.2024</a:t>
             </a:fld>
             <a:endParaRPr lang="ru-RU"/>
           </a:p>
@@ -2076,7 +2076,7 @@
             <a:fld id="{85A5DE44-605B-4D3B-B2B7-94543DF81A36}" type="datetimeFigureOut">
               <a:rPr lang="ru-RU" smtClean="0"/>
               <a:pPr/>
-              <a:t>05.04.2024</a:t>
+              <a:t>12.04.2024</a:t>
             </a:fld>
             <a:endParaRPr lang="ru-RU"/>
           </a:p>
@@ -2196,7 +2196,7 @@
             <a:fld id="{85A5DE44-605B-4D3B-B2B7-94543DF81A36}" type="datetimeFigureOut">
               <a:rPr lang="ru-RU" smtClean="0"/>
               <a:pPr/>
-              <a:t>05.04.2024</a:t>
+              <a:t>12.04.2024</a:t>
             </a:fld>
             <a:endParaRPr lang="ru-RU"/>
           </a:p>
@@ -2293,7 +2293,7 @@
             <a:fld id="{85A5DE44-605B-4D3B-B2B7-94543DF81A36}" type="datetimeFigureOut">
               <a:rPr lang="ru-RU" smtClean="0"/>
               <a:pPr/>
-              <a:t>05.04.2024</a:t>
+              <a:t>12.04.2024</a:t>
             </a:fld>
             <a:endParaRPr lang="ru-RU"/>
           </a:p>
@@ -2572,7 +2572,7 @@
             <a:fld id="{85A5DE44-605B-4D3B-B2B7-94543DF81A36}" type="datetimeFigureOut">
               <a:rPr lang="ru-RU" smtClean="0"/>
               <a:pPr/>
-              <a:t>05.04.2024</a:t>
+              <a:t>12.04.2024</a:t>
             </a:fld>
             <a:endParaRPr lang="ru-RU"/>
           </a:p>
@@ -2831,7 +2831,7 @@
             <a:fld id="{85A5DE44-605B-4D3B-B2B7-94543DF81A36}" type="datetimeFigureOut">
               <a:rPr lang="ru-RU" smtClean="0"/>
               <a:pPr/>
-              <a:t>05.04.2024</a:t>
+              <a:t>12.04.2024</a:t>
             </a:fld>
             <a:endParaRPr lang="ru-RU"/>
           </a:p>
@@ -3046,7 +3046,7 @@
             <a:fld id="{85A5DE44-605B-4D3B-B2B7-94543DF81A36}" type="datetimeFigureOut">
               <a:rPr lang="ru-RU" smtClean="0"/>
               <a:pPr/>
-              <a:t>05.04.2024</a:t>
+              <a:t>12.04.2024</a:t>
             </a:fld>
             <a:endParaRPr lang="ru-RU"/>
           </a:p>
@@ -3626,9 +3626,9 @@
           <p:nvPr/>
         </p:nvCxnSpPr>
         <p:spPr>
-          <a:xfrm>
-            <a:off x="20236055" y="4023238"/>
-            <a:ext cx="7235163" cy="1249"/>
+          <a:xfrm flipV="1">
+            <a:off x="20236055" y="4023237"/>
+            <a:ext cx="8896910" cy="1"/>
           </a:xfrm>
           <a:prstGeom prst="line">
             <a:avLst/>
@@ -5811,7 +5811,7 @@
         </p:nvSpPr>
         <p:spPr>
           <a:xfrm>
-            <a:off x="27471218" y="3754487"/>
+            <a:off x="29132965" y="3753237"/>
             <a:ext cx="926325" cy="540000"/>
           </a:xfrm>
           <a:prstGeom prst="rect">
@@ -5866,8 +5866,8 @@
         </p:nvCxnSpPr>
         <p:spPr>
           <a:xfrm rot="16200000" flipH="1">
-            <a:off x="26340462" y="2160568"/>
-            <a:ext cx="255120" cy="2932717"/>
+            <a:off x="27171961" y="1329070"/>
+            <a:ext cx="253870" cy="4594464"/>
           </a:xfrm>
           <a:prstGeom prst="bentConnector3">
             <a:avLst>
@@ -7098,7 +7098,7 @@
         </p:nvSpPr>
         <p:spPr>
           <a:xfrm>
-            <a:off x="25676238" y="4543772"/>
+            <a:off x="26832414" y="4545720"/>
             <a:ext cx="926325" cy="540000"/>
           </a:xfrm>
           <a:prstGeom prst="rect">
@@ -7194,164 +7194,9 @@
               <a:rPr lang="ru-RU" sz="700" dirty="0"/>
               <a:t>Кабинет Леона Блюма</a:t>
             </a:r>
-          </a:p>
-          <a:p>
-            <a:pPr algn="ctr"/>
             <a:r>
               <a:rPr lang="ru-RU" sz="100" dirty="0"/>
-              <a:t>(В условиях небывалой активности народных масс начались </a:t>
-            </a:r>
-            <a:r>
-              <a:rPr lang="ru-RU" sz="100" dirty="0" err="1"/>
-              <a:t>пе-реговоры</a:t>
-            </a:r>
-            <a:r>
-              <a:rPr lang="ru-RU" sz="100" dirty="0"/>
-              <a:t> о создании нового правительства. Социалистической </a:t>
-            </a:r>
-            <a:r>
-              <a:rPr lang="ru-RU" sz="100" dirty="0" err="1"/>
-              <a:t>пар¬тии</a:t>
-            </a:r>
-            <a:r>
-              <a:rPr lang="ru-RU" sz="100" dirty="0"/>
-              <a:t> принадлежало право его формирования, ибо она располагала наибольшим числом мест в палате депутатов. Новое </a:t>
-            </a:r>
-            <a:r>
-              <a:rPr lang="ru-RU" sz="100" dirty="0" err="1"/>
-              <a:t>правитель¬ство</a:t>
-            </a:r>
-            <a:r>
-              <a:rPr lang="ru-RU" sz="100" dirty="0"/>
-              <a:t>, опиравшееся на Народный фронт, было сформировано 4 июня 1936 г. Премьер-министром стал Л. Блюм. В соответствии со своей теорией «исполнения власти» лидер СФИО четко </a:t>
-            </a:r>
-            <a:r>
-              <a:rPr lang="ru-RU" sz="100" dirty="0" err="1"/>
-              <a:t>опреде¬лил</a:t>
-            </a:r>
-            <a:r>
-              <a:rPr lang="ru-RU" sz="100" dirty="0"/>
-              <a:t> и задачи нового кабинета: действовать в рамках </a:t>
-            </a:r>
-            <a:r>
-              <a:rPr lang="ru-RU" sz="100" dirty="0" err="1"/>
-              <a:t>существующе¬го</a:t>
-            </a:r>
-            <a:r>
-              <a:rPr lang="ru-RU" sz="100" dirty="0"/>
-              <a:t> режима и не предпринимать каких-либо попыток проведения </a:t>
-            </a:r>
-            <a:r>
-              <a:rPr lang="ru-RU" sz="100" dirty="0" err="1"/>
-              <a:t>со¬циальных</a:t>
-            </a:r>
-            <a:r>
-              <a:rPr lang="ru-RU" sz="100" dirty="0"/>
-              <a:t> преобразований или захвата власти . </a:t>
-            </a:r>
-            <a:r>
-              <a:rPr lang="ru-RU" sz="100" dirty="0" err="1"/>
-              <a:t>Министер¬ские</a:t>
-            </a:r>
-            <a:r>
-              <a:rPr lang="ru-RU" sz="100" dirty="0"/>
-              <a:t> посты заняли социалисты, радикалы, представители </a:t>
-            </a:r>
-            <a:r>
-              <a:rPr lang="ru-RU" sz="100" dirty="0" err="1"/>
-              <a:t>Респуб</a:t>
-            </a:r>
-            <a:r>
-              <a:rPr lang="ru-RU" sz="100" dirty="0"/>
-              <a:t>-</a:t>
-            </a:r>
-            <a:r>
-              <a:rPr lang="ru-RU" sz="100" dirty="0" err="1"/>
-              <a:t>ликанско</a:t>
-            </a:r>
-            <a:r>
-              <a:rPr lang="ru-RU" sz="100" dirty="0"/>
-              <a:t>-социалистического союза. Коммунистическая партия, от-казавшись участвовать в правительстве, заявила о своей </a:t>
-            </a:r>
-            <a:r>
-              <a:rPr lang="ru-RU" sz="100" dirty="0" err="1"/>
-              <a:t>готовно¬сти</a:t>
-            </a:r>
-            <a:r>
-              <a:rPr lang="ru-RU" sz="100" dirty="0"/>
-              <a:t> поддерживав все его мероприятия, направленные на </a:t>
-            </a:r>
-            <a:r>
-              <a:rPr lang="ru-RU" sz="100" dirty="0" err="1"/>
-              <a:t>осуще¬ствление</a:t>
-            </a:r>
-            <a:r>
-              <a:rPr lang="ru-RU" sz="100" dirty="0"/>
-              <a:t> программы Народного фронта. Решение Политбюро ЦК ФКП о неучастии коммунистов в правительстве было </a:t>
-            </a:r>
-            <a:r>
-              <a:rPr lang="ru-RU" sz="100" dirty="0" err="1"/>
-              <a:t>при¬нято</a:t>
-            </a:r>
-            <a:r>
-              <a:rPr lang="ru-RU" sz="100" dirty="0"/>
-              <a:t> после тщательного обсуждения всех «за» и «против» .Мощный размах забастовочного движения заставил </a:t>
-            </a:r>
-            <a:r>
-              <a:rPr lang="ru-RU" sz="100" dirty="0" err="1"/>
-              <a:t>предприпимателей</a:t>
-            </a:r>
-            <a:r>
-              <a:rPr lang="ru-RU" sz="100" dirty="0"/>
-              <a:t> пойти на выполнение многих требований рабочих. </a:t>
-            </a:r>
-            <a:r>
-              <a:rPr lang="ru-RU" sz="100" dirty="0" err="1"/>
-              <a:t>Пер¬вый</a:t>
-            </a:r>
-            <a:r>
-              <a:rPr lang="ru-RU" sz="100" dirty="0"/>
-              <a:t> шаг сделала Всеобщая конфедерация французских </a:t>
-            </a:r>
-            <a:r>
-              <a:rPr lang="ru-RU" sz="100" dirty="0" err="1"/>
-              <a:t>предпри¬нимателей</a:t>
-            </a:r>
-            <a:r>
-              <a:rPr lang="ru-RU" sz="100" dirty="0"/>
-              <a:t>. Через генерального секретаря «</a:t>
-            </a:r>
-            <a:r>
-              <a:rPr lang="ru-RU" sz="100" dirty="0" err="1"/>
-              <a:t>Комите</a:t>
-            </a:r>
-            <a:r>
-              <a:rPr lang="ru-RU" sz="100" dirty="0"/>
-              <a:t> де </a:t>
-            </a:r>
-            <a:r>
-              <a:rPr lang="ru-RU" sz="100" dirty="0" err="1"/>
-              <a:t>форж</a:t>
-            </a:r>
-            <a:r>
-              <a:rPr lang="ru-RU" sz="100" dirty="0"/>
-              <a:t>» </a:t>
-            </a:r>
-            <a:r>
-              <a:rPr lang="ru-RU" sz="100" dirty="0" err="1"/>
-              <a:t>Лам¬бер-Рибо</a:t>
-            </a:r>
-            <a:r>
-              <a:rPr lang="ru-RU" sz="100" dirty="0"/>
-              <a:t> она обратилась к главе правительства с просьбой </a:t>
-            </a:r>
-            <a:r>
-              <a:rPr lang="ru-RU" sz="100" dirty="0" err="1"/>
-              <a:t>орга¬низовать</a:t>
-            </a:r>
-            <a:r>
-              <a:rPr lang="ru-RU" sz="100" dirty="0"/>
-              <a:t> встречу с представителями ВКТ)</a:t>
+              <a:t>)</a:t>
             </a:r>
             <a:endParaRPr lang="ru-RU" sz="700" dirty="0"/>
           </a:p>
@@ -8015,7 +7860,7 @@
         </p:nvSpPr>
         <p:spPr>
           <a:xfrm>
-            <a:off x="13631845" y="5334300"/>
+            <a:off x="12073853" y="5310199"/>
             <a:ext cx="926325" cy="540000"/>
           </a:xfrm>
           <a:prstGeom prst="rect">
@@ -8047,15 +7892,7 @@
             <a:pPr algn="ctr"/>
             <a:r>
               <a:rPr lang="ru-RU" sz="700" dirty="0"/>
-              <a:t>Культ личности </a:t>
-            </a:r>
-            <a:r>
-              <a:rPr lang="ru-RU" sz="700" dirty="0" err="1"/>
-              <a:t>Мореса</a:t>
-            </a:r>
-            <a:r>
-              <a:rPr lang="ru-RU" sz="700" dirty="0"/>
-              <a:t> </a:t>
+              <a:t>Поддержка культа личности Тореза </a:t>
             </a:r>
             <a:r>
               <a:rPr lang="ru-RU" sz="100" dirty="0"/>
@@ -8135,7 +7972,7 @@
         </p:nvSpPr>
         <p:spPr>
           <a:xfrm>
-            <a:off x="14770088" y="5340843"/>
+            <a:off x="10792366" y="5481799"/>
             <a:ext cx="926325" cy="540000"/>
           </a:xfrm>
           <a:prstGeom prst="rect">
@@ -8217,7 +8054,7 @@
         </p:nvSpPr>
         <p:spPr>
           <a:xfrm>
-            <a:off x="7313231" y="4549608"/>
+            <a:off x="5889948" y="4549608"/>
             <a:ext cx="926325" cy="540000"/>
           </a:xfrm>
           <a:prstGeom prst="rect">
@@ -8296,8 +8133,8 @@
         </p:nvCxnSpPr>
         <p:spPr>
           <a:xfrm flipV="1">
-            <a:off x="8239556" y="4818136"/>
-            <a:ext cx="6528904" cy="1472"/>
+            <a:off x="6816273" y="4818136"/>
+            <a:ext cx="7952187" cy="1472"/>
           </a:xfrm>
           <a:prstGeom prst="line">
             <a:avLst/>
@@ -8614,94 +8451,6 @@
       </p:sp>
       <p:cxnSp>
         <p:nvCxnSpPr>
-          <p:cNvPr id="130" name="Соединительная линия уступом 620">
-            <a:extLst>
-              <a:ext uri="{FF2B5EF4-FFF2-40B4-BE49-F238E27FC236}">
-                <a16:creationId xmlns:a16="http://schemas.microsoft.com/office/drawing/2014/main" id="{BA756D7F-B589-4EE1-9BCC-5E66794FCE38}"/>
-              </a:ext>
-            </a:extLst>
-          </p:cNvPr>
-          <p:cNvCxnSpPr>
-            <a:cxnSpLocks/>
-            <a:stCxn id="136" idx="2"/>
-            <a:endCxn id="195" idx="0"/>
-          </p:cNvCxnSpPr>
-          <p:nvPr/>
-        </p:nvCxnSpPr>
-        <p:spPr>
-          <a:xfrm rot="5400000">
-            <a:off x="14540234" y="4642911"/>
-            <a:ext cx="246164" cy="1136615"/>
-          </a:xfrm>
-          <a:prstGeom prst="bentConnector3">
-            <a:avLst>
-              <a:gd name="adj1" fmla="val 50000"/>
-            </a:avLst>
-          </a:prstGeom>
-          <a:ln w="19050">
-            <a:tailEnd type="arrow"/>
-          </a:ln>
-        </p:spPr>
-        <p:style>
-          <a:lnRef idx="1">
-            <a:schemeClr val="accent1"/>
-          </a:lnRef>
-          <a:fillRef idx="0">
-            <a:schemeClr val="accent1"/>
-          </a:fillRef>
-          <a:effectRef idx="0">
-            <a:schemeClr val="accent1"/>
-          </a:effectRef>
-          <a:fontRef idx="minor">
-            <a:schemeClr val="tx1"/>
-          </a:fontRef>
-        </p:style>
-      </p:cxnSp>
-      <p:cxnSp>
-        <p:nvCxnSpPr>
-          <p:cNvPr id="138" name="Прямая со стрелкой 137">
-            <a:extLst>
-              <a:ext uri="{FF2B5EF4-FFF2-40B4-BE49-F238E27FC236}">
-                <a16:creationId xmlns:a16="http://schemas.microsoft.com/office/drawing/2014/main" id="{93E9F719-D05D-424A-A796-B5B320992009}"/>
-              </a:ext>
-            </a:extLst>
-          </p:cNvPr>
-          <p:cNvCxnSpPr>
-            <a:cxnSpLocks/>
-            <a:stCxn id="136" idx="2"/>
-            <a:endCxn id="196" idx="0"/>
-          </p:cNvCxnSpPr>
-          <p:nvPr/>
-        </p:nvCxnSpPr>
-        <p:spPr>
-          <a:xfrm>
-            <a:off x="15231623" y="5088136"/>
-            <a:ext cx="1628" cy="252707"/>
-          </a:xfrm>
-          <a:prstGeom prst="straightConnector1">
-            <a:avLst/>
-          </a:prstGeom>
-          <a:ln w="19050">
-            <a:tailEnd type="arrow"/>
-          </a:ln>
-        </p:spPr>
-        <p:style>
-          <a:lnRef idx="1">
-            <a:schemeClr val="accent1"/>
-          </a:lnRef>
-          <a:fillRef idx="0">
-            <a:schemeClr val="accent1"/>
-          </a:fillRef>
-          <a:effectRef idx="0">
-            <a:schemeClr val="accent1"/>
-          </a:effectRef>
-          <a:fontRef idx="minor">
-            <a:schemeClr val="tx1"/>
-          </a:fontRef>
-        </p:style>
-      </p:cxnSp>
-      <p:cxnSp>
-        <p:nvCxnSpPr>
           <p:cNvPr id="139" name="Соединительная линия уступом 620">
             <a:extLst>
               <a:ext uri="{FF2B5EF4-FFF2-40B4-BE49-F238E27FC236}">
@@ -8763,8 +8512,8 @@
         </p:nvCxnSpPr>
         <p:spPr>
           <a:xfrm rot="5400000">
-            <a:off x="26340228" y="2955454"/>
-            <a:ext cx="255120" cy="2933186"/>
+            <a:off x="27170477" y="2123956"/>
+            <a:ext cx="256370" cy="4594933"/>
           </a:xfrm>
           <a:prstGeom prst="bentConnector3">
             <a:avLst>
@@ -9672,22 +9421,6 @@
               <a:rPr lang="en-US" sz="700" dirty="0"/>
               <a:t>SNCAO CAO.200</a:t>
             </a:r>
-            <a:r>
-              <a:rPr lang="ru-RU" sz="700" dirty="0"/>
-              <a:t> (1940) </a:t>
-            </a:r>
-            <a:r>
-              <a:rPr lang="ru-RU" sz="100" dirty="0"/>
-              <a:t>SNCAO 200 (иногда называемый просто CAO.200 ) — французский военный самолёт , прототип одноместного одномоторного истребителя конца 1930 - х годов, разрабатывавшийся как конкурент </a:t>
-            </a:r>
-            <a:r>
-              <a:rPr lang="ru-RU" sz="100" dirty="0" err="1"/>
-              <a:t>Dewoitine</a:t>
-            </a:r>
-            <a:r>
-              <a:rPr lang="ru-RU" sz="100" dirty="0"/>
-              <a:t> D.520 . , но именно последний остался стандартным истребителем ВВС Франции . Был построен только прототип CAO 200, серийных самолетов за ним не последовало.</a:t>
-            </a:r>
             <a:endParaRPr lang="ru-RU" sz="700" dirty="0"/>
           </a:p>
         </p:txBody>
@@ -9747,34 +9480,6 @@
               <a:rPr lang="en-US" sz="700" dirty="0"/>
               <a:t> D.520</a:t>
             </a:r>
-            <a:r>
-              <a:rPr lang="ru-RU" sz="700" dirty="0"/>
-              <a:t> (январь 1940) </a:t>
-            </a:r>
-            <a:r>
-              <a:rPr lang="ru-RU" sz="100" dirty="0" err="1"/>
-              <a:t>Dewoitine</a:t>
-            </a:r>
-            <a:r>
-              <a:rPr lang="ru-RU" sz="100" dirty="0"/>
-              <a:t> D.520 — французский истребитель времен Второй мировой войны , считавшийся лучшим из тогдашних французских ВВС , сражавшийся против </a:t>
-            </a:r>
-            <a:r>
-              <a:rPr lang="ru-RU" sz="100" dirty="0" err="1"/>
-              <a:t>Мессершмиттов</a:t>
-            </a:r>
-            <a:r>
-              <a:rPr lang="ru-RU" sz="100" dirty="0"/>
-              <a:t> </a:t>
-            </a:r>
-            <a:r>
-              <a:rPr lang="ru-RU" sz="100" dirty="0" err="1"/>
-              <a:t>Bf</a:t>
-            </a:r>
-            <a:r>
-              <a:rPr lang="ru-RU" sz="100" dirty="0"/>
-              <a:t> 109 немецких Люфтваффе во время битвы за Францию . Среди знатоков это символ окончательного сопротивления французской охоты немецкому захватчику.</a:t>
-            </a:r>
             <a:endParaRPr lang="ru-RU" sz="700" dirty="0"/>
           </a:p>
         </p:txBody>
@@ -10074,33 +9779,8 @@
             </a:r>
             <a:r>
               <a:rPr lang="ru-RU" sz="700" dirty="0"/>
-              <a:t>1 </a:t>
-            </a:r>
-            <a:r>
-              <a:rPr lang="ru-RU" sz="100" dirty="0" err="1"/>
-              <a:t>Dewoitine</a:t>
-            </a:r>
-            <a:r>
-              <a:rPr lang="ru-RU" sz="100" dirty="0"/>
-              <a:t> D.520 — французский истребитель времен Второй мировой войны , считавшийся лучшим из тогдашних французских ВВС , сражавшийся против </a:t>
-            </a:r>
-            <a:r>
-              <a:rPr lang="ru-RU" sz="100" dirty="0" err="1"/>
-              <a:t>Мессершмиттов</a:t>
-            </a:r>
-            <a:r>
-              <a:rPr lang="ru-RU" sz="100" dirty="0"/>
-              <a:t> </a:t>
-            </a:r>
-            <a:r>
-              <a:rPr lang="ru-RU" sz="100" dirty="0" err="1"/>
-              <a:t>Bf</a:t>
-            </a:r>
-            <a:r>
-              <a:rPr lang="ru-RU" sz="100" dirty="0"/>
-              <a:t> 109 немецких Люфтваффе во время битвы за Францию . Среди знатоков это символ окончательного сопротивления французской охоты немецкому захватчику.</a:t>
-            </a:r>
-            <a:endParaRPr lang="ru-RU" sz="700" dirty="0"/>
+              <a:t>1</a:t>
+            </a:r>
           </a:p>
         </p:txBody>
       </p:sp>
@@ -10202,18 +9882,6 @@
               <a:rPr lang="en-US" sz="700" dirty="0"/>
               <a:t> D.750</a:t>
             </a:r>
-            <a:r>
-              <a:rPr lang="ru-RU" sz="700" dirty="0"/>
-              <a:t> </a:t>
-            </a:r>
-            <a:r>
-              <a:rPr lang="ru-RU" sz="100" dirty="0" err="1"/>
-              <a:t>Dewoitine</a:t>
-            </a:r>
-            <a:r>
-              <a:rPr lang="ru-RU" sz="100" dirty="0"/>
-              <a:t> D.750 был прототипом французского бомбардировщика-торпедоносца , предназначенного для эксплуатации на новых авианосцах, запланированных для ВМС Франции . Хотя прототип был завершен, вторжение Германии в страну в июне 1940 года положило конец проекту.</a:t>
-            </a:r>
             <a:endParaRPr lang="ru-RU" sz="700" dirty="0"/>
           </a:p>
         </p:txBody>
@@ -10314,30 +9982,6 @@
               <a:rPr lang="en-US" sz="700" dirty="0"/>
               <a:t>SNCAO CAO.600</a:t>
             </a:r>
-            <a:r>
-              <a:rPr lang="ru-RU" sz="700" dirty="0"/>
-              <a:t> </a:t>
-            </a:r>
-            <a:r>
-              <a:rPr lang="ru-RU" sz="100" dirty="0"/>
-              <a:t>SNCAO CAO.600 — французский военный самолёт времен Второй мировой войны . Этот двухмоторный трехместный низкоплан создавался как самолет наблюдения и бомбардировщик-торпедоносец . Действовать планировалось с новых авианосцев ВМС Франции . Свой первый полет он совершил на21 марта 1940 </a:t>
-            </a:r>
-            <a:r>
-              <a:rPr lang="ru-RU" sz="100" dirty="0" err="1"/>
-              <a:t>г.но</a:t>
-            </a:r>
-            <a:r>
-              <a:rPr lang="ru-RU" sz="100" dirty="0"/>
-              <a:t> только один экземпляр был построен до того, как проект был заброшен после поражения Франции </a:t>
-            </a:r>
-            <a:r>
-              <a:rPr lang="ru-RU" sz="100" dirty="0" err="1"/>
-              <a:t>виюнь</a:t>
-            </a:r>
-            <a:r>
-              <a:rPr lang="ru-RU" sz="100" dirty="0"/>
-              <a:t> 1940 г.[ 1 ] , [ 2 ] , [ 3 ] .</a:t>
-            </a:r>
             <a:endParaRPr lang="ru-RU" sz="700" dirty="0"/>
           </a:p>
         </p:txBody>
@@ -10353,19 +9997,19 @@
           </p:cNvPr>
           <p:cNvCxnSpPr>
             <a:cxnSpLocks/>
-            <a:stCxn id="152" idx="2"/>
+            <a:stCxn id="157" idx="2"/>
             <a:endCxn id="180" idx="0"/>
           </p:cNvCxnSpPr>
           <p:nvPr/>
         </p:nvCxnSpPr>
         <p:spPr>
           <a:xfrm rot="5400000">
-            <a:off x="28624582" y="22680066"/>
-            <a:ext cx="1947509" cy="607133"/>
+            <a:off x="29060615" y="23116099"/>
+            <a:ext cx="1075443" cy="607133"/>
           </a:xfrm>
           <a:prstGeom prst="bentConnector3">
             <a:avLst>
-              <a:gd name="adj1" fmla="val 8596"/>
+              <a:gd name="adj1" fmla="val 11399"/>
             </a:avLst>
           </a:prstGeom>
           <a:ln w="19050">
@@ -10491,26 +10135,6 @@
               <a:rPr lang="en-US" sz="700" dirty="0"/>
               <a:t>CAO.700</a:t>
             </a:r>
-            <a:r>
-              <a:rPr lang="ru-RU" sz="100" dirty="0"/>
-              <a:t>SNCAO CAO.600 — французский военный самолёт времен Второй мировой войны . Этот двухмоторный трехместный низкоплан создавался как самолет наблюдения и бомбардировщик-торпедоносец . Действовать планировалось с новых авианосцев ВМС Франции . Свой первый полет он совершил на21 марта 1940 </a:t>
-            </a:r>
-            <a:r>
-              <a:rPr lang="ru-RU" sz="100" dirty="0" err="1"/>
-              <a:t>г.но</a:t>
-            </a:r>
-            <a:r>
-              <a:rPr lang="ru-RU" sz="100" dirty="0"/>
-              <a:t> только один экземпляр был построен до того, как проект был заброшен после поражения Франции </a:t>
-            </a:r>
-            <a:r>
-              <a:rPr lang="ru-RU" sz="100" dirty="0" err="1"/>
-              <a:t>виюнь</a:t>
-            </a:r>
-            <a:r>
-              <a:rPr lang="ru-RU" sz="100" dirty="0"/>
-              <a:t> 1940 г.[ 1 ] , [ 2 ] , [ 3 ] .</a:t>
-            </a:r>
             <a:endParaRPr lang="ru-RU" sz="700" dirty="0"/>
           </a:p>
         </p:txBody>
@@ -10663,102 +10287,6 @@
               <a:rPr lang="en-US" sz="700" dirty="0"/>
               <a:t>SO.6000 Triton</a:t>
             </a:r>
-            <a:r>
-              <a:rPr lang="ru-RU" sz="700" dirty="0"/>
-              <a:t> (1946) </a:t>
-            </a:r>
-            <a:r>
-              <a:rPr lang="ru-RU" sz="100" dirty="0"/>
-              <a:t>SO.6000 </a:t>
-            </a:r>
-            <a:r>
-              <a:rPr lang="ru-RU" sz="100" dirty="0" err="1"/>
-              <a:t>Triton</a:t>
-            </a:r>
-            <a:r>
-              <a:rPr lang="ru-RU" sz="100" dirty="0"/>
-              <a:t> был первым французским реактивным самолетом , построенным Национальным обществом авиационных конструкций Юга-Запада (SNCASO).Его изучение началось в 1943 году тайно, без ведома оккупанта . Разработанный Люсьеном </a:t>
-            </a:r>
-            <a:r>
-              <a:rPr lang="ru-RU" sz="100" dirty="0" err="1"/>
-              <a:t>Серванти</a:t>
-            </a:r>
-            <a:r>
-              <a:rPr lang="ru-RU" sz="100" dirty="0"/>
-              <a:t> в качестве экспериментального самолета, французское государство заказало пять </a:t>
-            </a:r>
-            <a:r>
-              <a:rPr lang="ru-RU" sz="100" dirty="0" err="1"/>
-              <a:t>прототипов.Двухместный</a:t>
-            </a:r>
-            <a:r>
-              <a:rPr lang="ru-RU" sz="100" dirty="0"/>
-              <a:t> </a:t>
-            </a:r>
-            <a:r>
-              <a:rPr lang="ru-RU" sz="100" dirty="0" err="1"/>
-              <a:t>однореактивный</a:t>
-            </a:r>
-            <a:r>
-              <a:rPr lang="ru-RU" sz="100" dirty="0"/>
-              <a:t> двигатель, прототип № 1 , должен был быть оснащен французским реактором с осевым компрессором : 1800 кгс </a:t>
-            </a:r>
-            <a:r>
-              <a:rPr lang="ru-RU" sz="100" dirty="0" err="1"/>
-              <a:t>Рато-Анксионназ</a:t>
-            </a:r>
-            <a:r>
-              <a:rPr lang="ru-RU" sz="100" dirty="0"/>
-              <a:t> GTS-65 , исследования которого начались незадолго до войны, в 1939 году, и Построен опытный образец (грабли СРА-1). Учитывая задержку в разработке, он был оснащен немецким реактором- утилизатором </a:t>
-            </a:r>
-            <a:r>
-              <a:rPr lang="ru-RU" sz="100" dirty="0" err="1"/>
-              <a:t>Junkers</a:t>
-            </a:r>
-            <a:r>
-              <a:rPr lang="ru-RU" sz="100" dirty="0"/>
-              <a:t> </a:t>
-            </a:r>
-            <a:r>
-              <a:rPr lang="ru-RU" sz="100" dirty="0" err="1"/>
-              <a:t>Jumo</a:t>
-            </a:r>
-            <a:r>
-              <a:rPr lang="ru-RU" sz="100" dirty="0"/>
-              <a:t> 004 -B2 мощностью 910 кгс , но этот ненадежный двигатель (срок службы 25 часов) быстро оказался непригодным, поскольку был слишком слабым и склонным к перегреву из-за его установки в фюзеляж .​ Пилотируемый Даниэлем </a:t>
-            </a:r>
-            <a:r>
-              <a:rPr lang="ru-RU" sz="100" dirty="0" err="1"/>
-              <a:t>Растелем</a:t>
-            </a:r>
-            <a:r>
-              <a:rPr lang="ru-RU" sz="100" dirty="0"/>
-              <a:t> и </a:t>
-            </a:r>
-            <a:r>
-              <a:rPr lang="ru-RU" sz="100" dirty="0" err="1"/>
-              <a:t>Арманом</a:t>
-            </a:r>
-            <a:r>
-              <a:rPr lang="ru-RU" sz="100" dirty="0"/>
-              <a:t> Рембо , он совершил свой первый полет на 11 ноября 1946 </a:t>
-            </a:r>
-            <a:r>
-              <a:rPr lang="ru-RU" sz="100" dirty="0" err="1"/>
-              <a:t>г.в</a:t>
-            </a:r>
-            <a:r>
-              <a:rPr lang="ru-RU" sz="100" dirty="0"/>
-              <a:t> Орлеан-</a:t>
-            </a:r>
-            <a:r>
-              <a:rPr lang="ru-RU" sz="100" dirty="0" err="1"/>
-              <a:t>Бриси</a:t>
-            </a:r>
-            <a:r>
-              <a:rPr lang="ru-RU" sz="100" dirty="0"/>
-              <a:t> . Прототип №2 был зарезервирован для статических испытаний.</a:t>
-            </a:r>
             <a:endParaRPr lang="ru-RU" sz="700" dirty="0"/>
           </a:p>
         </p:txBody>
@@ -10935,129 +10463,6 @@
               <a:rPr lang="en-US" sz="700" dirty="0"/>
               <a:t>4</a:t>
             </a:r>
-            <a:r>
-              <a:rPr lang="ru-RU" sz="700" dirty="0"/>
-              <a:t> (февраль 1940)</a:t>
-            </a:r>
-          </a:p>
-          <a:p>
-            <a:pPr algn="ctr"/>
-            <a:r>
-              <a:rPr lang="ru-RU" sz="100" dirty="0"/>
-              <a:t>Эволюция MB.170, эта новая модель окончательно отказалась от </a:t>
-            </a:r>
-            <a:r>
-              <a:rPr lang="ru-RU" sz="100" dirty="0" err="1"/>
-              <a:t>подфюзеляжной</a:t>
-            </a:r>
-            <a:r>
-              <a:rPr lang="ru-RU" sz="100" dirty="0"/>
-              <a:t> башни, была пересмотрена компоновка экипажа [ 2 ] , вновь изменено остекление кабины и носовой части, сохранилось хвостовое оперение MB.170-02. Предназначенный специально для разведки с дополнительным бомбардировочным заданием , прототип поднялся в воздух 5 января 1939 года в </a:t>
-            </a:r>
-            <a:r>
-              <a:rPr lang="ru-RU" sz="100" dirty="0" err="1"/>
-              <a:t>Виллакубле</a:t>
-            </a:r>
-            <a:r>
-              <a:rPr lang="ru-RU" sz="100" dirty="0"/>
-              <a:t> под управлением Рене Ле </a:t>
-            </a:r>
-            <a:r>
-              <a:rPr lang="ru-RU" sz="100" dirty="0" err="1"/>
-              <a:t>Бэйля</a:t>
-            </a:r>
-            <a:r>
-              <a:rPr lang="ru-RU" sz="100" dirty="0"/>
-              <a:t> [ 2 ] с двигателями </a:t>
-            </a:r>
-            <a:r>
-              <a:rPr lang="ru-RU" sz="100" dirty="0" err="1"/>
-              <a:t>Gnome</a:t>
-            </a:r>
-            <a:r>
-              <a:rPr lang="ru-RU" sz="100" dirty="0"/>
-              <a:t> &amp; </a:t>
-            </a:r>
-            <a:r>
-              <a:rPr lang="ru-RU" sz="100" dirty="0" err="1"/>
-              <a:t>Rhône</a:t>
-            </a:r>
-            <a:r>
-              <a:rPr lang="ru-RU" sz="100" dirty="0"/>
-              <a:t> 14M-20/21 мощностью 1030 </a:t>
-            </a:r>
-            <a:r>
-              <a:rPr lang="ru-RU" sz="100" dirty="0" err="1"/>
-              <a:t>л.с</a:t>
-            </a:r>
-            <a:r>
-              <a:rPr lang="ru-RU" sz="100" dirty="0"/>
-              <a:t>. Для активизации разработки двухмоторного самолета было заказано шесть предсерийных самолетов, но этот самолет с первых испытаний показал себя очень быстрым и легким в управлении, маневренным даже на очень большой высоте, и было заявлено о заказе на 50 серийных единиц. на1 февраля 1939 года. Предназначенные для замены </a:t>
-            </a:r>
-            <a:r>
-              <a:rPr lang="ru-RU" sz="100" dirty="0" err="1"/>
-              <a:t>Potez</a:t>
-            </a:r>
-            <a:r>
-              <a:rPr lang="ru-RU" sz="100" dirty="0"/>
-              <a:t> 63.11 разведывательных групп , эти самолеты должны были получить двигатели </a:t>
-            </a:r>
-            <a:r>
-              <a:rPr lang="ru-RU" sz="100" dirty="0" err="1"/>
-              <a:t>Gnome</a:t>
-            </a:r>
-            <a:r>
-              <a:rPr lang="ru-RU" sz="100" dirty="0"/>
-              <a:t> &amp; </a:t>
-            </a:r>
-            <a:r>
-              <a:rPr lang="ru-RU" sz="100" dirty="0" err="1"/>
-              <a:t>Rhône</a:t>
-            </a:r>
-            <a:r>
-              <a:rPr lang="ru-RU" sz="100" dirty="0"/>
-              <a:t> 14M-48/49 мощностью 1100 </a:t>
-            </a:r>
-            <a:r>
-              <a:rPr lang="ru-RU" sz="100" dirty="0" err="1"/>
-              <a:t>л.с</a:t>
-            </a:r>
-            <a:r>
-              <a:rPr lang="ru-RU" sz="100" dirty="0"/>
-              <a:t>. , но первые испытания, проведенные на предсерийных самолетах, выявили проблемы с охлаждением. Поэтому было необходимо уменьшить диаметр поддонов гребных винтов, чтобы увеличить поток воздуха над головками цилиндров [ 2 ] . Наконец, непосредственно перед поступлением на вооружение было решено увеличить вооружение, которое окончательно закрепилось за двумя 7,5- мм пулеметами MAC 1934 в крыльях и тремя установленными в съемных </a:t>
-            </a:r>
-            <a:r>
-              <a:rPr lang="ru-RU" sz="100" dirty="0" err="1"/>
-              <a:t>подфюзеляжных</a:t>
-            </a:r>
-            <a:r>
-              <a:rPr lang="ru-RU" sz="100" dirty="0"/>
-              <a:t> обтекателях, стреляющими вперед, одним спинным пулеметом и </a:t>
-            </a:r>
-            <a:r>
-              <a:rPr lang="ru-RU" sz="100" dirty="0" err="1"/>
-              <a:t>подфюзеляжным</a:t>
-            </a:r>
-            <a:r>
-              <a:rPr lang="ru-RU" sz="100" dirty="0"/>
-              <a:t> пулеметом. тот же тип, стреляющий в тыл. </a:t>
-            </a:r>
-            <a:r>
-              <a:rPr lang="ru-RU" sz="100" dirty="0" err="1"/>
-              <a:t>Подфюзеляжный</a:t>
-            </a:r>
-            <a:r>
-              <a:rPr lang="ru-RU" sz="100" dirty="0"/>
-              <a:t> трюм позволял нести 400 кг бомб, однако в первоначальном варианте его вместимость фактически ограничивалась 8 бомбами по 40 кг , что было явно недостаточно в боевых действиях. Производство было начато в ноябре 1939 года на заводе SNCASO в Бордо-</a:t>
-            </a:r>
-            <a:r>
-              <a:rPr lang="ru-RU" sz="100" dirty="0" err="1"/>
-              <a:t>Мериньяке</a:t>
-            </a:r>
-            <a:r>
-              <a:rPr lang="ru-RU" sz="100" dirty="0"/>
-              <a:t> [ 2 ] , но из-за доработок, внесенных в самолеты в ходе их разработки, первые 20 MB.174 были приняты ВВС лишь в феврале 1940 года и поставлены на вооружение. служба в марте 1940 года в составе стратегической разведывательной группы GR II/33 . До 22 июня 1940 года было поставлено 56 экземпляров. В боевых действиях этот двухмоторный самолет оказался способен превзойти лучшие немецкие истребители, находившиеся на тот момент на вооружении, и только 4 MB.174 были потеряны противником во время битвы за Францию.</a:t>
-            </a:r>
             <a:endParaRPr lang="ru-RU" sz="700" dirty="0"/>
           </a:p>
         </p:txBody>
@@ -11211,111 +10616,9 @@
             </a:r>
             <a:r>
               <a:rPr lang="ru-RU" sz="700" dirty="0"/>
-              <a:t>75 (февраль 1940)</a:t>
-            </a:r>
-          </a:p>
-          <a:p>
-            <a:pPr algn="ctr"/>
-            <a:r>
-              <a:rPr lang="ru-RU" sz="100" dirty="0"/>
-              <a:t>МБ.175модифицироватьМБ.175Легкая бомбардировочная версия MB.174, фюзеляж которой был удлинен, а </a:t>
-            </a:r>
-            <a:r>
-              <a:rPr lang="ru-RU" sz="100" dirty="0" err="1"/>
-              <a:t>подфюзеляжный</a:t>
-            </a:r>
-            <a:r>
-              <a:rPr lang="ru-RU" sz="100" dirty="0"/>
-              <a:t> отсек модифицирован для размещения 4 бомб по 100 кг или 2 бомб по 200 кг . Прототип, произведенный компанией </a:t>
-            </a:r>
-            <a:r>
-              <a:rPr lang="ru-RU" sz="100" dirty="0" err="1"/>
-              <a:t>Bordeaux-Aéronautique</a:t>
-            </a:r>
-            <a:r>
-              <a:rPr lang="ru-RU" sz="100" dirty="0"/>
-              <a:t> , поднялся в воздух3 декабря 1939 </a:t>
-            </a:r>
-            <a:r>
-              <a:rPr lang="ru-RU" sz="100" dirty="0" err="1"/>
-              <a:t>г.пилотируемый</a:t>
-            </a:r>
-            <a:r>
-              <a:rPr lang="ru-RU" sz="100" dirty="0"/>
-              <a:t> Даниэлем </a:t>
-            </a:r>
-            <a:r>
-              <a:rPr lang="ru-RU" sz="100" dirty="0" err="1"/>
-              <a:t>Растелем</a:t>
-            </a:r>
-            <a:r>
-              <a:rPr lang="ru-RU" sz="100" dirty="0"/>
-              <a:t> [ 2 ] . Поскольку оперативные потери в разведгруппах, использующих MB.174, резко сократились, производство этой модели стало приоритетом, но оно произошло слишком поздно. Первый МВ.175Б-3 был поставлен в апреле 1940 г., а 22 июня 1940 г. было получено всего 25 МВ.175 (на линиях собиралось более 200) [ 2 ] , что позволило перевооружить единую группу , GR II/52 . В июле 1940 года компания «</a:t>
-            </a:r>
-            <a:r>
-              <a:rPr lang="ru-RU" sz="100" dirty="0" err="1"/>
-              <a:t>Фокке</a:t>
-            </a:r>
-            <a:r>
-              <a:rPr lang="ru-RU" sz="100" dirty="0"/>
-              <a:t>-Вульф» заказала двести </a:t>
-            </a:r>
-            <a:r>
-              <a:rPr lang="ru-RU" sz="100" dirty="0" err="1"/>
-              <a:t>Bloch</a:t>
-            </a:r>
-            <a:r>
-              <a:rPr lang="ru-RU" sz="100" dirty="0"/>
-              <a:t> 175 [ 3 ] .МБ.175ТмодифицироватьMB.175 ВМС </a:t>
-            </a:r>
-            <a:r>
-              <a:rPr lang="ru-RU" sz="100" dirty="0" err="1"/>
-              <a:t>Франции.В</a:t>
-            </a:r>
-            <a:r>
-              <a:rPr lang="ru-RU" sz="100" dirty="0"/>
-              <a:t> 1945 году ВМС Франции заказали 100 самолетов MB.175 (позже заказ был сокращен до 80 экземпляров), приспособленных для торпедирования . Производство было начато в </a:t>
-            </a:r>
-            <a:r>
-              <a:rPr lang="ru-RU" sz="100" dirty="0" err="1"/>
-              <a:t>Шатору-Деоле</a:t>
-            </a:r>
-            <a:r>
-              <a:rPr lang="ru-RU" sz="100" dirty="0"/>
-              <a:t> , и с января 1947 года самолеты в приоритетном порядке поставлялись 6F-й флотилии в </a:t>
-            </a:r>
-            <a:r>
-              <a:rPr lang="ru-RU" sz="100" dirty="0" err="1"/>
-              <a:t>Агадире</a:t>
-            </a:r>
-            <a:r>
-              <a:rPr lang="ru-RU" sz="100" dirty="0"/>
-              <a:t> . Эти двухмоторные самолеты не очень понравились военно-морской авиации, которая с радостью заменила их в марте 1952 года на </a:t>
-            </a:r>
-            <a:r>
-              <a:rPr lang="ru-RU" sz="100" dirty="0" err="1"/>
-              <a:t>Grumman</a:t>
-            </a:r>
-            <a:r>
-              <a:rPr lang="ru-RU" sz="100" dirty="0"/>
-              <a:t> </a:t>
-            </a:r>
-            <a:r>
-              <a:rPr lang="ru-RU" sz="100" dirty="0" err="1"/>
-              <a:t>Avenger</a:t>
-            </a:r>
-            <a:r>
-              <a:rPr lang="ru-RU" sz="100" dirty="0"/>
-              <a:t>. . Тем временем флотилия 6F покинула Марокко и направилась на базу </a:t>
-            </a:r>
-            <a:r>
-              <a:rPr lang="ru-RU" sz="100" dirty="0" err="1"/>
-              <a:t>Лартиг</a:t>
-            </a:r>
-            <a:r>
-              <a:rPr lang="ru-RU" sz="100" dirty="0"/>
-              <a:t> недалеко от Орана в Алжире . Эскадрилья 10S Сен -Рафаэля также использовала несколько MB.175T для различных испытаний. Последние Блохи завершили свою карьеру в 1960 году в морской секции школьной базы Рошфор .</a:t>
-            </a:r>
+              <a:t>75</a:t>
+            </a:r>
+            <a:endParaRPr lang="ru-RU" sz="100" dirty="0"/>
           </a:p>
         </p:txBody>
       </p:sp>
@@ -11462,80 +10765,8 @@
             </a:r>
             <a:r>
               <a:rPr lang="ru-RU" sz="700" dirty="0"/>
-              <a:t>5 (1940)</a:t>
-            </a:r>
-          </a:p>
-          <a:p>
-            <a:pPr algn="ctr"/>
-            <a:r>
-              <a:rPr lang="ru-RU" sz="100" dirty="0"/>
-              <a:t>Четырехмоторный MB.135модифицироватьРазрабатываемый параллельно с MB.134, этот четырехмоторный средний бомбардировщик имел тот же фюзеляж, но центроплан в плане, прямоугольный на MB.134, стал трапециевидным. Двигатели </a:t>
-            </a:r>
-            <a:r>
-              <a:rPr lang="ru-RU" sz="100" dirty="0" err="1"/>
-              <a:t>Gnome</a:t>
-            </a:r>
-            <a:r>
-              <a:rPr lang="ru-RU" sz="100" dirty="0"/>
-              <a:t> &amp; </a:t>
-            </a:r>
-            <a:r>
-              <a:rPr lang="ru-RU" sz="100" dirty="0" err="1"/>
-              <a:t>Rhône</a:t>
-            </a:r>
-            <a:r>
-              <a:rPr lang="ru-RU" sz="100" dirty="0"/>
-              <a:t> 14M 4/5 мощностью 710 </a:t>
-            </a:r>
-            <a:r>
-              <a:rPr lang="ru-RU" sz="100" dirty="0" err="1"/>
-              <a:t>л.с</a:t>
-            </a:r>
-            <a:r>
-              <a:rPr lang="ru-RU" sz="100" dirty="0"/>
-              <a:t>. с гребными винтами </a:t>
-            </a:r>
-            <a:r>
-              <a:rPr lang="ru-RU" sz="100" dirty="0" err="1"/>
-              <a:t>Gnome</a:t>
-            </a:r>
-            <a:r>
-              <a:rPr lang="ru-RU" sz="100" dirty="0"/>
-              <a:t> &amp; </a:t>
-            </a:r>
-            <a:r>
-              <a:rPr lang="ru-RU" sz="100" dirty="0" err="1"/>
-              <a:t>Rhône</a:t>
-            </a:r>
-            <a:r>
-              <a:rPr lang="ru-RU" sz="100" dirty="0"/>
-              <a:t>. Этот самолет, который должен был нести 1350 кг бомб, совершил свой первый полет 12 января 1939 года в </a:t>
-            </a:r>
-            <a:r>
-              <a:rPr lang="ru-RU" sz="100" dirty="0" err="1"/>
-              <a:t>Виллакубле</a:t>
-            </a:r>
-            <a:r>
-              <a:rPr lang="ru-RU" sz="100" dirty="0"/>
-              <a:t>, пилотируемый Рене Ле </a:t>
-            </a:r>
-            <a:r>
-              <a:rPr lang="ru-RU" sz="100" dirty="0" err="1"/>
-              <a:t>Бэйлем</a:t>
-            </a:r>
-            <a:r>
-              <a:rPr lang="ru-RU" sz="100" dirty="0"/>
-              <a:t> и Рене </a:t>
-            </a:r>
-            <a:r>
-              <a:rPr lang="ru-RU" sz="100" dirty="0" err="1"/>
-              <a:t>Лапейром</a:t>
-            </a:r>
-            <a:r>
-              <a:rPr lang="ru-RU" sz="100" dirty="0"/>
-              <a:t> [ 1 ] . Переоборудованный 14 М 6/7 той же мощности, он показал замечательные характеристики и отличные летные качества.</a:t>
-            </a:r>
-            <a:endParaRPr lang="ru-RU" sz="700" dirty="0"/>
+              <a:t>5</a:t>
+            </a:r>
           </a:p>
         </p:txBody>
       </p:sp>
@@ -11893,7 +11124,7 @@
           </a:xfrm>
           <a:prstGeom prst="bentConnector3">
             <a:avLst>
-              <a:gd name="adj1" fmla="val 9391"/>
+              <a:gd name="adj1" fmla="val 13042"/>
             </a:avLst>
           </a:prstGeom>
           <a:ln w="19050">
@@ -11943,51 +11174,6 @@
           </a:prstGeom>
           <a:ln w="19050">
             <a:tailEnd type="arrow"/>
-          </a:ln>
-        </p:spPr>
-        <p:style>
-          <a:lnRef idx="1">
-            <a:schemeClr val="accent1"/>
-          </a:lnRef>
-          <a:fillRef idx="0">
-            <a:schemeClr val="accent1"/>
-          </a:fillRef>
-          <a:effectRef idx="0">
-            <a:schemeClr val="accent1"/>
-          </a:effectRef>
-          <a:fontRef idx="minor">
-            <a:schemeClr val="tx1"/>
-          </a:fontRef>
-        </p:style>
-      </p:cxnSp>
-      <p:cxnSp>
-        <p:nvCxnSpPr>
-          <p:cNvPr id="311" name="Прямая соединительная линия 310">
-            <a:extLst>
-              <a:ext uri="{FF2B5EF4-FFF2-40B4-BE49-F238E27FC236}">
-                <a16:creationId xmlns:a16="http://schemas.microsoft.com/office/drawing/2014/main" id="{53FE7C6A-75D1-4AA7-AA27-3F95A4F07F3E}"/>
-              </a:ext>
-            </a:extLst>
-          </p:cNvPr>
-          <p:cNvCxnSpPr>
-            <a:cxnSpLocks/>
-            <a:stCxn id="158" idx="3"/>
-            <a:endCxn id="207" idx="1"/>
-          </p:cNvCxnSpPr>
-          <p:nvPr/>
-        </p:nvCxnSpPr>
-        <p:spPr>
-          <a:xfrm>
-            <a:off x="31575403" y="22611944"/>
-            <a:ext cx="280268" cy="0"/>
-          </a:xfrm>
-          <a:prstGeom prst="line">
-            <a:avLst/>
-          </a:prstGeom>
-          <a:ln w="19050">
-            <a:solidFill>
-              <a:srgbClr val="FF0000"/>
-            </a:solidFill>
           </a:ln>
         </p:spPr>
         <p:style>
@@ -12201,181 +11387,8 @@
             </a:r>
             <a:r>
               <a:rPr lang="ru-RU" sz="700" dirty="0"/>
-              <a:t> защита авиации (вторая половина 1939) </a:t>
-            </a:r>
-            <a:r>
-              <a:rPr lang="ru-RU" sz="100" dirty="0"/>
-              <a:t>Пьер Давид начал экспериментировать с электромагнитным обнаружением в 1928 году в военном контексте. В 1934 году он получил кредиты для Национальной лаборатории </a:t>
-            </a:r>
-            <a:r>
-              <a:rPr lang="ru-RU" sz="100" dirty="0" err="1"/>
-              <a:t>радиоэлектричества</a:t>
-            </a:r>
-            <a:r>
-              <a:rPr lang="ru-RU" sz="100" dirty="0"/>
-              <a:t> и разработал </a:t>
-            </a:r>
-            <a:r>
-              <a:rPr lang="ru-RU" sz="100" dirty="0" err="1"/>
-              <a:t>бистатическое</a:t>
-            </a:r>
-            <a:r>
-              <a:rPr lang="ru-RU" sz="100" dirty="0"/>
-              <a:t> устройство непрерывного действия в Ле Бурже. Эмиттер (​λ{\</a:t>
-            </a:r>
-            <a:r>
-              <a:rPr lang="ru-RU" sz="100" dirty="0" err="1"/>
-              <a:t>displaystyle</a:t>
-            </a:r>
-            <a:r>
-              <a:rPr lang="ru-RU" sz="100" dirty="0"/>
-              <a:t> \</a:t>
-            </a:r>
-            <a:r>
-              <a:rPr lang="ru-RU" sz="100" dirty="0" err="1"/>
-              <a:t>lambda</a:t>
-            </a:r>
-            <a:r>
-              <a:rPr lang="ru-RU" sz="100" dirty="0"/>
-              <a:t> }=4 м , 75 МГц , 50 Вт непрерывная) и смещением приемника на 5 км позволяют обнаружить самолет на расстоянии 10 км , с потолком 7000 метров [ 31 ] . Базовая линия между передатчиком и приемником была постепенно успешно увеличена до 21 км [ 32 ] .Сигнал воспринимается с помощью гарнитуры, указывающей по звуку доплеровское биение , вызванное прохождением мобильного телефона. Преимуществом устройства является ограниченная стоимость и большая легкость, а антенны может транспортировать один человек [ 32 ] .Для маневров в июле и августе 1938 года в Реймсе была установлена ​​сеть плотин в нескольких конфигурациях. Перехват целей истребителем осуществляется в ночное </a:t>
-            </a:r>
-            <a:r>
-              <a:rPr lang="ru-RU" sz="100" dirty="0" err="1"/>
-              <a:t>время.Открытие</a:t>
-            </a:r>
-            <a:r>
-              <a:rPr lang="ru-RU" sz="100" dirty="0"/>
-              <a:t> в 1938 году британской радиолокационной сети </a:t>
-            </a:r>
-            <a:r>
-              <a:rPr lang="ru-RU" sz="100" dirty="0" err="1"/>
-              <a:t>Chain</a:t>
-            </a:r>
-            <a:r>
-              <a:rPr lang="ru-RU" sz="100" dirty="0"/>
-              <a:t> </a:t>
-            </a:r>
-            <a:r>
-              <a:rPr lang="ru-RU" sz="100" dirty="0" err="1"/>
-              <a:t>Home</a:t>
-            </a:r>
-            <a:r>
-              <a:rPr lang="ru-RU" sz="100" dirty="0"/>
-              <a:t> стало шоком для генерального штаба и привело к выделению значительных средств на электромагнитное обнаружение самолетов. Этот контекст и успех экспериментов в Реймсе подтолкнули французскую армию к использованию электромагнитного обнаружения (DEM). Компании SADIR (</a:t>
-            </a:r>
-            <a:r>
-              <a:rPr lang="ru-RU" sz="100" dirty="0" err="1"/>
-              <a:t>Société</a:t>
-            </a:r>
-            <a:r>
-              <a:rPr lang="ru-RU" sz="100" dirty="0"/>
-              <a:t> </a:t>
-            </a:r>
-            <a:r>
-              <a:rPr lang="ru-RU" sz="100" dirty="0" err="1"/>
-              <a:t>Anonyme</a:t>
-            </a:r>
-            <a:r>
-              <a:rPr lang="ru-RU" sz="100" dirty="0"/>
-              <a:t> </a:t>
-            </a:r>
-            <a:r>
-              <a:rPr lang="ru-RU" sz="100" dirty="0" err="1"/>
-              <a:t>Des</a:t>
-            </a:r>
-            <a:r>
-              <a:rPr lang="ru-RU" sz="100" dirty="0"/>
-              <a:t> </a:t>
-            </a:r>
-            <a:r>
-              <a:rPr lang="ru-RU" sz="100" dirty="0" err="1"/>
-              <a:t>Industries</a:t>
-            </a:r>
-            <a:r>
-              <a:rPr lang="ru-RU" sz="100" dirty="0"/>
-              <a:t> </a:t>
-            </a:r>
-            <a:r>
-              <a:rPr lang="ru-RU" sz="100" dirty="0" err="1"/>
-              <a:t>Radioelectrics</a:t>
-            </a:r>
-            <a:r>
-              <a:rPr lang="ru-RU" sz="100" dirty="0"/>
-              <a:t>) и LMT ( </a:t>
-            </a:r>
-            <a:r>
-              <a:rPr lang="ru-RU" sz="100" dirty="0" err="1"/>
-              <a:t>Le</a:t>
-            </a:r>
-            <a:r>
-              <a:rPr lang="ru-RU" sz="100" dirty="0"/>
-              <a:t> </a:t>
-            </a:r>
-            <a:r>
-              <a:rPr lang="ru-RU" sz="100" dirty="0" err="1"/>
-              <a:t>Materiel</a:t>
-            </a:r>
-            <a:r>
-              <a:rPr lang="ru-RU" sz="100" dirty="0"/>
-              <a:t> </a:t>
-            </a:r>
-            <a:r>
-              <a:rPr lang="ru-RU" sz="100" dirty="0" err="1"/>
-              <a:t>Téléphonique</a:t>
-            </a:r>
-            <a:r>
-              <a:rPr lang="ru-RU" sz="100" dirty="0"/>
-              <a:t> ) начали строительство </a:t>
-            </a:r>
-            <a:r>
-              <a:rPr lang="ru-RU" sz="100" dirty="0" err="1"/>
-              <a:t>радиобарьеров</a:t>
-            </a:r>
-            <a:r>
-              <a:rPr lang="ru-RU" sz="100" dirty="0"/>
-              <a:t>, состоящих из </a:t>
-            </a:r>
-            <a:r>
-              <a:rPr lang="ru-RU" sz="100" dirty="0" err="1"/>
-              <a:t>бистатических</a:t>
-            </a:r>
-            <a:r>
-              <a:rPr lang="ru-RU" sz="100" dirty="0"/>
-              <a:t> радаров, работающих на частоте 30 МГц , под названием </a:t>
-            </a:r>
-            <a:r>
-              <a:rPr lang="ru-RU" sz="100" dirty="0" err="1"/>
-              <a:t>David</a:t>
-            </a:r>
-            <a:r>
-              <a:rPr lang="ru-RU" sz="100" dirty="0"/>
-              <a:t> </a:t>
-            </a:r>
-            <a:r>
-              <a:rPr lang="ru-RU" sz="100" dirty="0" err="1"/>
-              <a:t>Dams</a:t>
-            </a:r>
-            <a:r>
-              <a:rPr lang="ru-RU" sz="100" dirty="0"/>
-              <a:t> [ 31 ] .В том же году ВВС заказали тридцать единиц оборудования (передатчик мощностью 300 Вт ,λ{\</a:t>
-            </a:r>
-            <a:r>
-              <a:rPr lang="ru-RU" sz="100" dirty="0" err="1"/>
-              <a:t>displaystyle</a:t>
-            </a:r>
-            <a:r>
-              <a:rPr lang="ru-RU" sz="100" dirty="0"/>
-              <a:t> \</a:t>
-            </a:r>
-            <a:r>
-              <a:rPr lang="ru-RU" sz="100" dirty="0" err="1"/>
-              <a:t>lambda</a:t>
-            </a:r>
-            <a:r>
-              <a:rPr lang="ru-RU" sz="100" dirty="0"/>
-              <a:t> }=5 м )</a:t>
-            </a:r>
-            <a:endParaRPr lang="ru-RU" sz="700" dirty="0"/>
+              <a:t> защита авиации</a:t>
+            </a:r>
           </a:p>
         </p:txBody>
       </p:sp>
@@ -12521,56 +11534,8 @@
             <a:pPr algn="ctr"/>
             <a:r>
               <a:rPr lang="ru-RU" sz="700" dirty="0"/>
-              <a:t>Подчинить ВВС армии (февраль 1940)</a:t>
-            </a:r>
-          </a:p>
-          <a:p>
-            <a:pPr algn="ctr"/>
-            <a:r>
-              <a:rPr lang="ru-RU" sz="100" dirty="0"/>
-              <a:t>Однако эта напряженность приводит </a:t>
-            </a:r>
-            <a:r>
-              <a:rPr lang="ru-RU" sz="100" dirty="0" err="1"/>
-              <a:t>кфевраль</a:t>
-            </a:r>
-            <a:r>
-              <a:rPr lang="ru-RU" sz="100" dirty="0"/>
-              <a:t> 1940 </a:t>
-            </a:r>
-            <a:r>
-              <a:rPr lang="ru-RU" sz="100" dirty="0" err="1"/>
-              <a:t>г.о</a:t>
-            </a:r>
-            <a:r>
-              <a:rPr lang="ru-RU" sz="100" dirty="0"/>
-              <a:t> реорганизации ВВС Ги Ла </a:t>
-            </a:r>
-            <a:r>
-              <a:rPr lang="ru-RU" sz="100" dirty="0" err="1"/>
-              <a:t>Шамбра</a:t>
-            </a:r>
-            <a:r>
-              <a:rPr lang="ru-RU" sz="100" dirty="0"/>
-              <a:t>, чтобы успокоить </a:t>
-            </a:r>
-            <a:r>
-              <a:rPr lang="ru-RU" sz="100" dirty="0" err="1"/>
-              <a:t>Эдуара</a:t>
-            </a:r>
-            <a:r>
-              <a:rPr lang="ru-RU" sz="100" dirty="0"/>
-              <a:t> Даладье и парламентариев. Это требует создания командования ВВС взаимодействия, предназначенного для сухопутных войск. Эта акция восстанавливает подчинение воздушных средств армии, как это существовало </a:t>
-            </a:r>
-            <a:r>
-              <a:rPr lang="ru-RU" sz="100" dirty="0" err="1"/>
-              <a:t>раньше.сентябрь</a:t>
-            </a:r>
-            <a:r>
-              <a:rPr lang="ru-RU" sz="100" dirty="0"/>
-              <a:t> 1939 г.. Прежде всего, это создает возможность противоречивых приказов ВВС между воздушным и сухопутным командованиями, распыляет авиационные ресурсы.</a:t>
-            </a:r>
-            <a:endParaRPr lang="ru-RU" sz="700" dirty="0"/>
+              <a:t>Подчинить ВВС армии</a:t>
+            </a:r>
           </a:p>
         </p:txBody>
       </p:sp>
@@ -13834,7 +12799,7 @@
             <a:pPr algn="ctr"/>
             <a:r>
               <a:rPr lang="ru-RU" sz="700" dirty="0"/>
-              <a:t>Реализация предложения Блюма-</a:t>
+              <a:t>Реализация проекта Блюма-</a:t>
             </a:r>
             <a:r>
               <a:rPr lang="ru-RU" sz="700" dirty="0" err="1"/>
@@ -14340,7 +13305,7 @@
         </p:nvSpPr>
         <p:spPr>
           <a:xfrm>
-            <a:off x="21035145" y="9276483"/>
+            <a:off x="21040755" y="9276483"/>
             <a:ext cx="926325" cy="540000"/>
           </a:xfrm>
           <a:prstGeom prst="rect">
@@ -14834,13 +13799,8 @@
             <a:pPr algn="ctr"/>
             <a:r>
               <a:rPr lang="ru-RU" sz="700" dirty="0"/>
-              <a:t>Обеспечение коллективной безопасности </a:t>
-            </a:r>
-            <a:r>
-              <a:rPr lang="ru-RU" sz="200" dirty="0"/>
-              <a:t>(Международное сотрудничество в рамках Лиги наций с целью обеспечить коллективную безопасность посредством определения агрессора и автоматического и солидарного применения санкций в случае агрессии.)</a:t>
-            </a:r>
-            <a:endParaRPr lang="ru-RU" sz="700" dirty="0"/>
+              <a:t>Обеспечение коллективной безопасности</a:t>
+            </a:r>
           </a:p>
         </p:txBody>
       </p:sp>
@@ -14904,13 +13864,8 @@
             <a:pPr algn="ctr"/>
             <a:r>
               <a:rPr lang="ru-RU" sz="700" dirty="0"/>
-              <a:t>Женевская система пактов </a:t>
-            </a:r>
-            <a:r>
-              <a:rPr lang="ru-RU" sz="300" dirty="0"/>
-              <a:t>(Распространение, в особенности в Восточной и Центральной Европе, системы пактов, открытых для всех, согласно принципам франко-советского договора.)</a:t>
-            </a:r>
-            <a:endParaRPr lang="ru-RU" sz="700" dirty="0"/>
+              <a:t>Женевская система пактов</a:t>
+            </a:r>
           </a:p>
         </p:txBody>
       </p:sp>
@@ -15114,8 +14069,8 @@
         </p:nvCxnSpPr>
         <p:spPr>
           <a:xfrm rot="5400000">
-            <a:off x="21951019" y="8581754"/>
-            <a:ext cx="242019" cy="1147439"/>
+            <a:off x="21953824" y="8584559"/>
+            <a:ext cx="242019" cy="1141829"/>
           </a:xfrm>
           <a:prstGeom prst="bentConnector3">
             <a:avLst>
@@ -15680,12 +14635,7 @@
           <a:prstGeom prst="rect">
             <a:avLst/>
           </a:prstGeom>
-          <a:solidFill>
-            <a:schemeClr val="accent1">
-              <a:lumMod val="60000"/>
-              <a:lumOff val="40000"/>
-            </a:schemeClr>
-          </a:solidFill>
+          <a:noFill/>
           <a:ln w="19050"/>
         </p:spPr>
         <p:style>
@@ -15709,201 +14659,8 @@
             <a:pPr algn="ctr"/>
             <a:r>
               <a:rPr lang="ru-RU" sz="700" dirty="0"/>
-              <a:t>Национальный центр научных исследований (19 октября 1939) </a:t>
-            </a:r>
-            <a:r>
-              <a:rPr lang="ru-RU" sz="100" dirty="0" err="1"/>
-              <a:t>Национа́льный</a:t>
-            </a:r>
-            <a:r>
-              <a:rPr lang="ru-RU" sz="100" dirty="0"/>
-              <a:t> центр </a:t>
-            </a:r>
-            <a:r>
-              <a:rPr lang="ru-RU" sz="100" dirty="0" err="1"/>
-              <a:t>нау́чных</a:t>
-            </a:r>
-            <a:r>
-              <a:rPr lang="ru-RU" sz="100" dirty="0"/>
-              <a:t> </a:t>
-            </a:r>
-            <a:r>
-              <a:rPr lang="ru-RU" sz="100" dirty="0" err="1"/>
-              <a:t>иссле́дований</a:t>
-            </a:r>
-            <a:r>
-              <a:rPr lang="ru-RU" sz="100" dirty="0"/>
-              <a:t> (НЦНИ, фр. </a:t>
-            </a:r>
-            <a:r>
-              <a:rPr lang="ru-RU" sz="100" dirty="0" err="1"/>
-              <a:t>Centre</a:t>
-            </a:r>
-            <a:r>
-              <a:rPr lang="ru-RU" sz="100" dirty="0"/>
-              <a:t> </a:t>
-            </a:r>
-            <a:r>
-              <a:rPr lang="ru-RU" sz="100" dirty="0" err="1"/>
-              <a:t>National</a:t>
-            </a:r>
-            <a:r>
-              <a:rPr lang="ru-RU" sz="100" dirty="0"/>
-              <a:t> </a:t>
-            </a:r>
-            <a:r>
-              <a:rPr lang="ru-RU" sz="100" dirty="0" err="1"/>
-              <a:t>de</a:t>
-            </a:r>
-            <a:r>
-              <a:rPr lang="ru-RU" sz="100" dirty="0"/>
-              <a:t> </a:t>
-            </a:r>
-            <a:r>
-              <a:rPr lang="ru-RU" sz="100" dirty="0" err="1"/>
-              <a:t>la</a:t>
-            </a:r>
-            <a:r>
-              <a:rPr lang="ru-RU" sz="100" dirty="0"/>
-              <a:t> </a:t>
-            </a:r>
-            <a:r>
-              <a:rPr lang="ru-RU" sz="100" dirty="0" err="1"/>
-              <a:t>Recherche</a:t>
-            </a:r>
-            <a:r>
-              <a:rPr lang="ru-RU" sz="100" dirty="0"/>
-              <a:t> </a:t>
-            </a:r>
-            <a:r>
-              <a:rPr lang="ru-RU" sz="100" dirty="0" err="1"/>
-              <a:t>Scientifique</a:t>
-            </a:r>
-            <a:r>
-              <a:rPr lang="ru-RU" sz="100" dirty="0"/>
-              <a:t>, CNRS) — ведущее государственное научное учреждение </a:t>
-            </a:r>
-            <a:r>
-              <a:rPr lang="ru-RU" sz="100" dirty="0" err="1"/>
-              <a:t>Франции.CNRS</a:t>
-            </a:r>
-            <a:r>
-              <a:rPr lang="ru-RU" sz="100" dirty="0"/>
-              <a:t> является крупнейшим французским научно-исследовательским учреждением, объединяет государственные организации Франции, специализирующиеся в области прикладных и фундаментальных исследований, и координирует их деятельность на национальном уровне. Находится под административным надзором Министерства высшего образования и научных исследований (</a:t>
-            </a:r>
-            <a:r>
-              <a:rPr lang="ru-RU" sz="100" dirty="0" err="1"/>
-              <a:t>Ministère</a:t>
-            </a:r>
-            <a:r>
-              <a:rPr lang="ru-RU" sz="100" dirty="0"/>
-              <a:t> </a:t>
-            </a:r>
-            <a:r>
-              <a:rPr lang="ru-RU" sz="100" dirty="0" err="1"/>
-              <a:t>de</a:t>
-            </a:r>
-            <a:r>
-              <a:rPr lang="ru-RU" sz="100" dirty="0"/>
-              <a:t> </a:t>
-            </a:r>
-            <a:r>
-              <a:rPr lang="ru-RU" sz="100" dirty="0" err="1"/>
-              <a:t>l’Enseignement</a:t>
-            </a:r>
-            <a:r>
-              <a:rPr lang="ru-RU" sz="100" dirty="0"/>
-              <a:t> </a:t>
-            </a:r>
-            <a:r>
-              <a:rPr lang="ru-RU" sz="100" dirty="0" err="1"/>
-              <a:t>supérieur</a:t>
-            </a:r>
-            <a:r>
-              <a:rPr lang="ru-RU" sz="100" dirty="0"/>
-              <a:t> </a:t>
-            </a:r>
-            <a:r>
-              <a:rPr lang="ru-RU" sz="100" dirty="0" err="1"/>
-              <a:t>et</a:t>
-            </a:r>
-            <a:r>
-              <a:rPr lang="ru-RU" sz="100" dirty="0"/>
-              <a:t> </a:t>
-            </a:r>
-            <a:r>
-              <a:rPr lang="ru-RU" sz="100" dirty="0" err="1"/>
-              <a:t>de</a:t>
-            </a:r>
-            <a:r>
-              <a:rPr lang="ru-RU" sz="100" dirty="0"/>
-              <a:t> </a:t>
-            </a:r>
-            <a:r>
-              <a:rPr lang="ru-RU" sz="100" dirty="0" err="1"/>
-              <a:t>la</a:t>
-            </a:r>
-            <a:r>
-              <a:rPr lang="ru-RU" sz="100" dirty="0"/>
-              <a:t> </a:t>
-            </a:r>
-            <a:r>
-              <a:rPr lang="ru-RU" sz="100" dirty="0" err="1"/>
-              <a:t>Recherche</a:t>
-            </a:r>
-            <a:r>
-              <a:rPr lang="ru-RU" sz="100" dirty="0"/>
-              <a:t>). Тип организации определяется как «общественное учреждение научно-технологического характера» (</a:t>
-            </a:r>
-            <a:r>
-              <a:rPr lang="ru-RU" sz="100" dirty="0" err="1"/>
-              <a:t>établissement</a:t>
-            </a:r>
-            <a:r>
-              <a:rPr lang="ru-RU" sz="100" dirty="0"/>
-              <a:t> </a:t>
-            </a:r>
-            <a:r>
-              <a:rPr lang="ru-RU" sz="100" dirty="0" err="1"/>
-              <a:t>public</a:t>
-            </a:r>
-            <a:r>
-              <a:rPr lang="ru-RU" sz="100" dirty="0"/>
-              <a:t> à </a:t>
-            </a:r>
-            <a:r>
-              <a:rPr lang="ru-RU" sz="100" dirty="0" err="1"/>
-              <a:t>caractère</a:t>
-            </a:r>
-            <a:r>
-              <a:rPr lang="ru-RU" sz="100" dirty="0"/>
-              <a:t> </a:t>
-            </a:r>
-            <a:r>
-              <a:rPr lang="ru-RU" sz="100" dirty="0" err="1"/>
-              <a:t>scientifique</a:t>
-            </a:r>
-            <a:r>
-              <a:rPr lang="ru-RU" sz="100" dirty="0"/>
-              <a:t> </a:t>
-            </a:r>
-            <a:r>
-              <a:rPr lang="ru-RU" sz="100" dirty="0" err="1"/>
-              <a:t>et</a:t>
-            </a:r>
-            <a:r>
-              <a:rPr lang="ru-RU" sz="100" dirty="0"/>
-              <a:t> </a:t>
-            </a:r>
-            <a:r>
-              <a:rPr lang="ru-RU" sz="100" dirty="0" err="1"/>
-              <a:t>technologique</a:t>
-            </a:r>
-            <a:r>
-              <a:rPr lang="ru-RU" sz="100" dirty="0"/>
-              <a:t>; сокращённо EPST).Центр основан в 1939 году физиком</a:t>
-            </a:r>
-            <a:endParaRPr lang="ru-RU" sz="700" dirty="0"/>
+              <a:t>Национальный центр научных исследований</a:t>
+            </a:r>
           </a:p>
         </p:txBody>
       </p:sp>
@@ -15924,9 +14681,9 @@
           <p:nvPr/>
         </p:nvCxnSpPr>
         <p:spPr>
-          <a:xfrm flipH="1">
-            <a:off x="21498308" y="9039675"/>
-            <a:ext cx="2181" cy="236808"/>
+          <a:xfrm>
+            <a:off x="21500489" y="9039675"/>
+            <a:ext cx="3429" cy="236808"/>
           </a:xfrm>
           <a:prstGeom prst="straightConnector1">
             <a:avLst/>
@@ -16033,8 +14790,8 @@
         </p:nvCxnSpPr>
         <p:spPr>
           <a:xfrm>
-            <a:off x="21961470" y="9546483"/>
-            <a:ext cx="219285" cy="1093"/>
+            <a:off x="21967080" y="9546483"/>
+            <a:ext cx="213675" cy="1093"/>
           </a:xfrm>
           <a:prstGeom prst="line">
             <a:avLst/>
@@ -16177,8 +14934,8 @@
         </p:nvCxnSpPr>
         <p:spPr>
           <a:xfrm rot="16200000" flipH="1">
-            <a:off x="21654079" y="9660712"/>
-            <a:ext cx="254373" cy="565914"/>
+            <a:off x="21656884" y="9663517"/>
+            <a:ext cx="254373" cy="560304"/>
           </a:xfrm>
           <a:prstGeom prst="bentConnector3">
             <a:avLst>
@@ -16555,13 +15312,8 @@
             <a:pPr algn="ctr"/>
             <a:r>
               <a:rPr lang="ru-RU" sz="800" dirty="0"/>
-              <a:t>Заручиться поддержкой двухсот семей </a:t>
-            </a:r>
-            <a:r>
-              <a:rPr lang="ru-RU" sz="200" dirty="0"/>
-              <a:t>(Во время радикального конгресса в Нанте в 1934 году он выдвинул тему « Двести семей », подхваченную крайне правыми и коммунистами ( «Двести семей — хозяева французской экономики и, по сути, французской политики». ).)</a:t>
-            </a:r>
-            <a:endParaRPr lang="ru-RU" sz="800" dirty="0"/>
+              <a:t>Заручиться поддержкой двухсот семей</a:t>
+            </a:r>
           </a:p>
         </p:txBody>
       </p:sp>
@@ -16713,32 +15465,8 @@
             <a:pPr algn="ctr"/>
             <a:r>
               <a:rPr lang="ru-RU" sz="700" dirty="0"/>
-              <a:t>Оказать помощь Финляндии (январе 1940 года)</a:t>
-            </a:r>
-            <a:br>
-              <a:rPr lang="ru-RU" sz="700" dirty="0"/>
-            </a:br>
-            <a:r>
-              <a:rPr lang="ru-RU" sz="200" dirty="0"/>
-              <a:t>Французские правые занимали двойственную позицию по отношению к войне в конце 1939 — начале 1940 гг., считая более значительной угрозой СССР[10]. Зимняя война между СССР и Финляндией в значительной мере сняла эту проблему; Даладье отказался послать помощь финнам, в то время как война с Германией продолжилась. Известие о советско-финском перемирии в марте 1940 г. заставило </a:t>
-            </a:r>
-            <a:r>
-              <a:rPr lang="ru-RU" sz="200" dirty="0" err="1"/>
-              <a:t>Фландена</a:t>
-            </a:r>
-            <a:r>
-              <a:rPr lang="ru-RU" sz="200" dirty="0"/>
-              <a:t> и Лаваля провести тайные заседания законодательного органа, который денонсировал действия Даладье; правительство пало 19 марта. Через два дня </a:t>
-            </a:r>
-            <a:r>
-              <a:rPr lang="ru-RU" sz="200" dirty="0" err="1"/>
-              <a:t>Рейно</a:t>
-            </a:r>
-            <a:r>
-              <a:rPr lang="ru-RU" sz="200" dirty="0"/>
-              <a:t> был назначен премьер-министром Франции.</a:t>
-            </a:r>
-            <a:endParaRPr lang="ru-RU" sz="700" dirty="0"/>
+              <a:t>Оказать помощь Финляндии</a:t>
+            </a:r>
           </a:p>
         </p:txBody>
       </p:sp>
@@ -17108,7 +15836,7 @@
             <a:pPr algn="ctr"/>
             <a:r>
               <a:rPr lang="ru-RU" sz="700" dirty="0"/>
-              <a:t>Возродить договорённости Малой Антанты (ЧС, Румыния и Югославия)</a:t>
+              <a:t>Возродить договорённости Малой Антанты</a:t>
             </a:r>
           </a:p>
         </p:txBody>
@@ -17283,7 +16011,7 @@
             <a:pPr algn="ctr"/>
             <a:r>
               <a:rPr lang="ru-RU" sz="700" dirty="0"/>
-              <a:t>Расширение Антанты на север (пригласить Польшу)</a:t>
+              <a:t>Расширение Антанты на север</a:t>
             </a:r>
           </a:p>
         </p:txBody>
@@ -17485,7 +16213,7 @@
             <a:pPr algn="ctr"/>
             <a:r>
               <a:rPr lang="ru-RU" sz="700" dirty="0"/>
-              <a:t>Франко-Бельгийские военные соглашения</a:t>
+              <a:t>Франко-Бельгийские и Голландские военные соглашения</a:t>
             </a:r>
           </a:p>
         </p:txBody>
@@ -17657,7 +16385,7 @@
         </p:nvSpPr>
         <p:spPr>
           <a:xfrm>
-            <a:off x="16486504" y="6130769"/>
+            <a:off x="16481523" y="6119223"/>
             <a:ext cx="926325" cy="540000"/>
           </a:xfrm>
           <a:prstGeom prst="rect">
@@ -17712,8 +16440,8 @@
         </p:nvCxnSpPr>
         <p:spPr>
           <a:xfrm rot="5400000">
-            <a:off x="17098754" y="5727191"/>
-            <a:ext cx="254492" cy="552665"/>
+            <a:off x="17102036" y="5718927"/>
+            <a:ext cx="242946" cy="557646"/>
           </a:xfrm>
           <a:prstGeom prst="bentConnector3">
             <a:avLst>
@@ -17753,7 +16481,7 @@
         </p:nvSpPr>
         <p:spPr>
           <a:xfrm>
-            <a:off x="15908331" y="5342571"/>
+            <a:off x="15351072" y="6117853"/>
             <a:ext cx="926325" cy="540000"/>
           </a:xfrm>
           <a:prstGeom prst="rect">
@@ -17790,51 +16518,6 @@
           </a:p>
         </p:txBody>
       </p:sp>
-      <p:cxnSp>
-        <p:nvCxnSpPr>
-          <p:cNvPr id="441" name="Соединительная линия уступом 620">
-            <a:extLst>
-              <a:ext uri="{FF2B5EF4-FFF2-40B4-BE49-F238E27FC236}">
-                <a16:creationId xmlns:a16="http://schemas.microsoft.com/office/drawing/2014/main" id="{DB0D75BB-69A6-4D6F-A825-7B92884BEE6C}"/>
-              </a:ext>
-            </a:extLst>
-          </p:cNvPr>
-          <p:cNvCxnSpPr>
-            <a:cxnSpLocks/>
-            <a:stCxn id="136" idx="2"/>
-            <a:endCxn id="431" idx="0"/>
-          </p:cNvCxnSpPr>
-          <p:nvPr/>
-        </p:nvCxnSpPr>
-        <p:spPr>
-          <a:xfrm rot="16200000" flipH="1">
-            <a:off x="15674341" y="4645417"/>
-            <a:ext cx="254435" cy="1139871"/>
-          </a:xfrm>
-          <a:prstGeom prst="bentConnector3">
-            <a:avLst>
-              <a:gd name="adj1" fmla="val 50000"/>
-            </a:avLst>
-          </a:prstGeom>
-          <a:ln w="19050">
-            <a:tailEnd type="arrow"/>
-          </a:ln>
-        </p:spPr>
-        <p:style>
-          <a:lnRef idx="1">
-            <a:schemeClr val="accent1"/>
-          </a:lnRef>
-          <a:fillRef idx="0">
-            <a:schemeClr val="accent1"/>
-          </a:fillRef>
-          <a:effectRef idx="0">
-            <a:schemeClr val="accent1"/>
-          </a:effectRef>
-          <a:fontRef idx="minor">
-            <a:schemeClr val="tx1"/>
-          </a:fontRef>
-        </p:style>
-      </p:cxnSp>
       <p:sp>
         <p:nvSpPr>
           <p:cNvPr id="444" name="Прямоугольник 443">
@@ -17849,7 +16532,7 @@
         </p:nvSpPr>
         <p:spPr>
           <a:xfrm>
-            <a:off x="19315170" y="5336276"/>
+            <a:off x="19881172" y="5336563"/>
             <a:ext cx="926325" cy="540000"/>
           </a:xfrm>
           <a:prstGeom prst="rect">
@@ -18099,14 +16782,14 @@
           <p:cNvCxnSpPr>
             <a:cxnSpLocks/>
             <a:stCxn id="135" idx="2"/>
-            <a:endCxn id="444" idx="0"/>
+            <a:endCxn id="252" idx="0"/>
           </p:cNvCxnSpPr>
           <p:nvPr/>
         </p:nvCxnSpPr>
         <p:spPr>
           <a:xfrm>
             <a:off x="19773848" y="5089607"/>
-            <a:ext cx="4485" cy="246669"/>
+            <a:ext cx="4709" cy="1821041"/>
           </a:xfrm>
           <a:prstGeom prst="straightConnector1">
             <a:avLst/>
@@ -20703,21 +19386,8 @@
             <a:pPr algn="ctr"/>
             <a:r>
               <a:rPr lang="ru-RU" sz="700" dirty="0"/>
-              <a:t>Избавиться от Азиатского наследия империи </a:t>
-            </a:r>
-            <a:r>
-              <a:rPr lang="ru-RU" sz="200" dirty="0"/>
-              <a:t>(В 1939 году </a:t>
-            </a:r>
-            <a:r>
-              <a:rPr lang="ru-RU" sz="200" dirty="0" err="1"/>
-              <a:t>Кастекс</a:t>
-            </a:r>
-            <a:r>
-              <a:rPr lang="ru-RU" sz="200" dirty="0"/>
-              <a:t> рекомендовал предоставить независимость Индокитаю , который было невозможно защитить от Японии , а также Сирии и Ливану , чтобы иметь возможность сделать их союзниками)</a:t>
-            </a:r>
-            <a:endParaRPr lang="ru-RU" sz="700" dirty="0"/>
+              <a:t>Избавиться от Азиатского наследия империи</a:t>
+            </a:r>
           </a:p>
         </p:txBody>
       </p:sp>
@@ -23649,101 +22319,8 @@
             <a:pPr algn="ctr"/>
             <a:r>
               <a:rPr lang="ru-RU" sz="700" dirty="0"/>
-              <a:t>«Межсоюзный танк»(начало лета 1940)</a:t>
-            </a:r>
-            <a:r>
-              <a:rPr lang="ru-RU" sz="100" dirty="0"/>
-              <a:t>(Луи Рено и Генри </a:t>
-            </a:r>
-            <a:r>
-              <a:rPr lang="ru-RU" sz="100" dirty="0" err="1"/>
-              <a:t>Потез</a:t>
-            </a:r>
-            <a:r>
-              <a:rPr lang="ru-RU" sz="100" dirty="0"/>
-              <a:t> переехали в Великобританию в 1939 году, чтобы организовать совместное производство . Благодаря сотрудничеству генеральных штабов Франции и Великобритании с 1938 года французы обнаружили недостатки своего союзника в плане тяжелых танков [ 52 ] . Это позволило выпустить на рынок танк А20, будущий «Черчилль», на который большое влияние оказал </a:t>
-            </a:r>
-            <a:r>
-              <a:rPr lang="ru-RU" sz="100" dirty="0" err="1"/>
-              <a:t>Char</a:t>
-            </a:r>
-            <a:r>
-              <a:rPr lang="ru-RU" sz="100" dirty="0"/>
-              <a:t> B1 </a:t>
-            </a:r>
-            <a:r>
-              <a:rPr lang="ru-RU" sz="100" dirty="0" err="1"/>
-              <a:t>bis</a:t>
-            </a:r>
-            <a:r>
-              <a:rPr lang="ru-RU" sz="100" dirty="0"/>
-              <a:t> . Поставка последнего в качестве «межсоюзного танка» англичанам планировалась </a:t>
-            </a:r>
-            <a:r>
-              <a:rPr lang="ru-RU" sz="100" dirty="0" err="1"/>
-              <a:t>сиюнь</a:t>
-            </a:r>
-            <a:r>
-              <a:rPr lang="ru-RU" sz="100" dirty="0"/>
-              <a:t> 1940 г., с передачей английских </a:t>
-            </a:r>
-            <a:r>
-              <a:rPr lang="ru-RU" sz="100" dirty="0" err="1"/>
-              <a:t>бронелистов</a:t>
-            </a:r>
-            <a:r>
-              <a:rPr lang="ru-RU" sz="100" dirty="0"/>
-              <a:t> для увеличения производства. Однако разгром британского экспедиционного корпуса во время битвы за Францию ​​показал, что этот тип танка уже не приспособлен к новому облику войны, и от проекта « крепостного танка А20 » на французском языке отказались. Проектирование новой модели — A22 </a:t>
-            </a:r>
-            <a:r>
-              <a:rPr lang="ru-RU" sz="100" dirty="0" err="1"/>
-              <a:t>Infantry</a:t>
-            </a:r>
-            <a:r>
-              <a:rPr lang="ru-RU" sz="100" dirty="0"/>
-              <a:t> </a:t>
-            </a:r>
-            <a:r>
-              <a:rPr lang="ru-RU" sz="100" dirty="0" err="1"/>
-              <a:t>Tank</a:t>
-            </a:r>
-            <a:r>
-              <a:rPr lang="ru-RU" sz="100" dirty="0"/>
-              <a:t> </a:t>
-            </a:r>
-            <a:r>
-              <a:rPr lang="ru-RU" sz="100" dirty="0" err="1"/>
-              <a:t>Mark</a:t>
-            </a:r>
-            <a:r>
-              <a:rPr lang="ru-RU" sz="100" dirty="0"/>
-              <a:t> IV </a:t>
-            </a:r>
-            <a:r>
-              <a:rPr lang="ru-RU" sz="100" dirty="0" err="1"/>
-              <a:t>Churchill</a:t>
-            </a:r>
-            <a:r>
-              <a:rPr lang="ru-RU" sz="100" dirty="0"/>
-              <a:t> — было поручено компании </a:t>
-            </a:r>
-            <a:r>
-              <a:rPr lang="ru-RU" sz="100" dirty="0" err="1"/>
-              <a:t>Vauxhall</a:t>
-            </a:r>
-            <a:r>
-              <a:rPr lang="ru-RU" sz="100" dirty="0"/>
-              <a:t> </a:t>
-            </a:r>
-            <a:r>
-              <a:rPr lang="ru-RU" sz="100" dirty="0" err="1"/>
-              <a:t>Motors</a:t>
-            </a:r>
-            <a:r>
-              <a:rPr lang="ru-RU" sz="100" dirty="0"/>
-              <a:t> .)</a:t>
-            </a:r>
-            <a:endParaRPr lang="ru-RU" sz="700" dirty="0"/>
+              <a:t>«Межсоюзный танк»</a:t>
+            </a:r>
           </a:p>
         </p:txBody>
       </p:sp>
@@ -23971,45 +22548,8 @@
             <a:pPr algn="ctr"/>
             <a:r>
               <a:rPr lang="ru-RU" sz="700" dirty="0"/>
-              <a:t>Институт исследования атомных технологий </a:t>
-            </a:r>
-            <a:r>
-              <a:rPr lang="ru-RU" sz="100" dirty="0"/>
-              <a:t>(9 марта , битва тяжелой воды : после переговоров между Жаком </a:t>
-            </a:r>
-            <a:r>
-              <a:rPr lang="ru-RU" sz="100" dirty="0" err="1"/>
-              <a:t>Алье</a:t>
-            </a:r>
-            <a:r>
-              <a:rPr lang="ru-RU" sz="100" dirty="0"/>
-              <a:t> и компанией </a:t>
-            </a:r>
-            <a:r>
-              <a:rPr lang="ru-RU" sz="100" dirty="0" err="1"/>
-              <a:t>Norsk</a:t>
-            </a:r>
-            <a:r>
-              <a:rPr lang="ru-RU" sz="100" dirty="0"/>
-              <a:t> </a:t>
-            </a:r>
-            <a:r>
-              <a:rPr lang="ru-RU" sz="100" dirty="0" err="1"/>
-              <a:t>Hydro</a:t>
-            </a:r>
-            <a:r>
-              <a:rPr lang="ru-RU" sz="100" dirty="0"/>
-              <a:t> , французское правительство выкупает все запасы тяжелой воды (185 кг), имеющиеся в Норвегии . Тяжелая вода необходима для продолжения ядерных исследований, проводимых </a:t>
-            </a:r>
-            <a:r>
-              <a:rPr lang="ru-RU" sz="100" dirty="0" err="1"/>
-              <a:t>Жолио</a:t>
-            </a:r>
-            <a:r>
-              <a:rPr lang="ru-RU" sz="100" dirty="0"/>
-              <a:t>-Кюри в Коллеж де Франс [ 11 ] .)</a:t>
-            </a:r>
-            <a:endParaRPr lang="ru-RU" sz="700" dirty="0"/>
+              <a:t>Начать эксперименты с тяжёлой водой</a:t>
+            </a:r>
           </a:p>
         </p:txBody>
       </p:sp>
@@ -24214,7 +22754,7 @@
         </p:nvSpPr>
         <p:spPr>
           <a:xfrm>
-            <a:off x="7309587" y="5334300"/>
+            <a:off x="5886304" y="5334300"/>
             <a:ext cx="926325" cy="540000"/>
           </a:xfrm>
           <a:prstGeom prst="rect">
@@ -25505,10 +24045,10 @@
       </p:cxnSp>
       <p:cxnSp>
         <p:nvCxnSpPr>
-          <p:cNvPr id="522" name="Соединительная линия уступом 620">
-            <a:extLst>
-              <a:ext uri="{FF2B5EF4-FFF2-40B4-BE49-F238E27FC236}">
-                <a16:creationId xmlns:a16="http://schemas.microsoft.com/office/drawing/2014/main" id="{C4FB2880-5234-430A-A7D3-C6465BAA48CB}"/>
+          <p:cNvPr id="523" name="Прямая со стрелкой 522">
+            <a:extLst>
+              <a:ext uri="{FF2B5EF4-FFF2-40B4-BE49-F238E27FC236}">
+                <a16:creationId xmlns:a16="http://schemas.microsoft.com/office/drawing/2014/main" id="{DF7BDEA6-BA34-4DA5-A3EA-8A963DB17C5D}"/>
               </a:ext>
             </a:extLst>
           </p:cNvPr>
@@ -25520,54 +24060,9 @@
           <p:nvPr/>
         </p:nvCxnSpPr>
         <p:spPr>
-          <a:xfrm rot="16200000" flipH="1">
-            <a:off x="18748571" y="6906037"/>
-            <a:ext cx="2631254" cy="571731"/>
-          </a:xfrm>
-          <a:prstGeom prst="bentConnector3">
-            <a:avLst>
-              <a:gd name="adj1" fmla="val 5276"/>
-            </a:avLst>
-          </a:prstGeom>
-          <a:ln w="19050">
-            <a:tailEnd type="arrow"/>
-          </a:ln>
-        </p:spPr>
-        <p:style>
-          <a:lnRef idx="1">
-            <a:schemeClr val="accent1"/>
-          </a:lnRef>
-          <a:fillRef idx="0">
-            <a:schemeClr val="accent1"/>
-          </a:fillRef>
-          <a:effectRef idx="0">
-            <a:schemeClr val="accent1"/>
-          </a:effectRef>
-          <a:fontRef idx="minor">
-            <a:schemeClr val="tx1"/>
-          </a:fontRef>
-        </p:style>
-      </p:cxnSp>
-      <p:cxnSp>
-        <p:nvCxnSpPr>
-          <p:cNvPr id="523" name="Прямая со стрелкой 522">
-            <a:extLst>
-              <a:ext uri="{FF2B5EF4-FFF2-40B4-BE49-F238E27FC236}">
-                <a16:creationId xmlns:a16="http://schemas.microsoft.com/office/drawing/2014/main" id="{DF7BDEA6-BA34-4DA5-A3EA-8A963DB17C5D}"/>
-              </a:ext>
-            </a:extLst>
-          </p:cNvPr>
-          <p:cNvCxnSpPr>
-            <a:cxnSpLocks/>
-            <a:stCxn id="444" idx="2"/>
-            <a:endCxn id="252" idx="0"/>
-          </p:cNvCxnSpPr>
-          <p:nvPr/>
-        </p:nvCxnSpPr>
-        <p:spPr>
-          <a:xfrm>
-            <a:off x="19778333" y="5876276"/>
-            <a:ext cx="224" cy="1034372"/>
+          <a:xfrm>
+            <a:off x="20344335" y="5876563"/>
+            <a:ext cx="5729" cy="2630967"/>
           </a:xfrm>
           <a:prstGeom prst="straightConnector1">
             <a:avLst/>
@@ -25906,7 +24401,7 @@
         </p:nvSpPr>
         <p:spPr>
           <a:xfrm>
-            <a:off x="29740446" y="4539144"/>
+            <a:off x="30813874" y="4545720"/>
             <a:ext cx="926325" cy="540000"/>
           </a:xfrm>
           <a:prstGeom prst="rect">
@@ -25964,8 +24459,8 @@
         </p:nvCxnSpPr>
         <p:spPr>
           <a:xfrm rot="16200000" flipH="1">
-            <a:off x="22830880" y="1235251"/>
-            <a:ext cx="250534" cy="6366508"/>
+            <a:off x="23407994" y="658137"/>
+            <a:ext cx="252482" cy="7522684"/>
           </a:xfrm>
           <a:prstGeom prst="bentConnector3">
             <a:avLst>
@@ -26010,8 +24505,8 @@
         </p:nvCxnSpPr>
         <p:spPr>
           <a:xfrm rot="5400000">
-            <a:off x="26912249" y="3521639"/>
-            <a:ext cx="249285" cy="1794980"/>
+            <a:off x="28319612" y="3269203"/>
+            <a:ext cx="252483" cy="2300551"/>
           </a:xfrm>
           <a:prstGeom prst="bentConnector3">
             <a:avLst>
@@ -26056,8 +24551,8 @@
         </p:nvCxnSpPr>
         <p:spPr>
           <a:xfrm rot="16200000" flipH="1">
-            <a:off x="28946667" y="3282201"/>
-            <a:ext cx="244657" cy="2269228"/>
+            <a:off x="30310341" y="3579023"/>
+            <a:ext cx="252483" cy="1680909"/>
           </a:xfrm>
           <a:prstGeom prst="bentConnector3">
             <a:avLst>
@@ -26143,9 +24638,9 @@
           <p:nvPr/>
         </p:nvCxnSpPr>
         <p:spPr>
-          <a:xfrm flipV="1">
-            <a:off x="26602563" y="4809144"/>
-            <a:ext cx="3137883" cy="4628"/>
+          <a:xfrm>
+            <a:off x="27758739" y="4815720"/>
+            <a:ext cx="3055135" cy="0"/>
           </a:xfrm>
           <a:prstGeom prst="line">
             <a:avLst/>
@@ -26530,7 +25025,7 @@
         </p:nvSpPr>
         <p:spPr>
           <a:xfrm>
-            <a:off x="6168004" y="5325579"/>
+            <a:off x="4744721" y="5325579"/>
             <a:ext cx="926325" cy="540000"/>
           </a:xfrm>
           <a:prstGeom prst="rect">
@@ -26581,7 +25076,7 @@
         </p:nvSpPr>
         <p:spPr>
           <a:xfrm>
-            <a:off x="7313709" y="6146934"/>
+            <a:off x="5890426" y="6146934"/>
             <a:ext cx="926325" cy="540000"/>
           </a:xfrm>
           <a:prstGeom prst="rect">
@@ -26632,7 +25127,7 @@
         </p:nvSpPr>
         <p:spPr>
           <a:xfrm>
-            <a:off x="6168004" y="6901319"/>
+            <a:off x="4744721" y="6901319"/>
             <a:ext cx="926325" cy="540000"/>
           </a:xfrm>
           <a:prstGeom prst="rect">
@@ -26683,7 +25178,7 @@
         </p:nvSpPr>
         <p:spPr>
           <a:xfrm>
-            <a:off x="8447830" y="5325579"/>
+            <a:off x="7024547" y="5325579"/>
             <a:ext cx="926325" cy="540000"/>
           </a:xfrm>
           <a:prstGeom prst="rect">
@@ -26734,7 +25229,7 @@
         </p:nvSpPr>
         <p:spPr>
           <a:xfrm>
-            <a:off x="8447829" y="6901319"/>
+            <a:off x="7024546" y="6901319"/>
             <a:ext cx="926325" cy="540000"/>
           </a:xfrm>
           <a:prstGeom prst="rect">
@@ -26789,7 +25284,7 @@
         </p:nvCxnSpPr>
         <p:spPr>
           <a:xfrm>
-            <a:off x="7094329" y="7171319"/>
+            <a:off x="5671046" y="7171319"/>
             <a:ext cx="1353500" cy="0"/>
           </a:xfrm>
           <a:prstGeom prst="line">
@@ -26799,6 +25294,869 @@
             <a:solidFill>
               <a:srgbClr val="FF0000"/>
             </a:solidFill>
+          </a:ln>
+        </p:spPr>
+        <p:style>
+          <a:lnRef idx="1">
+            <a:schemeClr val="accent1"/>
+          </a:lnRef>
+          <a:fillRef idx="0">
+            <a:schemeClr val="accent1"/>
+          </a:fillRef>
+          <a:effectRef idx="0">
+            <a:schemeClr val="accent1"/>
+          </a:effectRef>
+          <a:fontRef idx="minor">
+            <a:schemeClr val="tx1"/>
+          </a:fontRef>
+        </p:style>
+      </p:cxnSp>
+      <p:sp>
+        <p:nvSpPr>
+          <p:cNvPr id="541" name="Прямоугольник 540">
+            <a:extLst>
+              <a:ext uri="{FF2B5EF4-FFF2-40B4-BE49-F238E27FC236}">
+                <a16:creationId xmlns:a16="http://schemas.microsoft.com/office/drawing/2014/main" id="{7F70D2E7-594E-4753-B35D-F0DE0E51CE0A}"/>
+              </a:ext>
+            </a:extLst>
+          </p:cNvPr>
+          <p:cNvSpPr/>
+          <p:nvPr/>
+        </p:nvSpPr>
+        <p:spPr>
+          <a:xfrm>
+            <a:off x="25681695" y="5325862"/>
+            <a:ext cx="926325" cy="540000"/>
+          </a:xfrm>
+          <a:prstGeom prst="rect">
+            <a:avLst/>
+          </a:prstGeom>
+          <a:solidFill>
+            <a:schemeClr val="accent6">
+              <a:lumMod val="60000"/>
+              <a:lumOff val="40000"/>
+            </a:schemeClr>
+          </a:solidFill>
+          <a:ln w="19050"/>
+        </p:spPr>
+        <p:style>
+          <a:lnRef idx="2">
+            <a:schemeClr val="accent1"/>
+          </a:lnRef>
+          <a:fillRef idx="1">
+            <a:schemeClr val="lt1"/>
+          </a:fillRef>
+          <a:effectRef idx="0">
+            <a:schemeClr val="accent1"/>
+          </a:effectRef>
+          <a:fontRef idx="minor">
+            <a:schemeClr val="dk1"/>
+          </a:fontRef>
+        </p:style>
+        <p:txBody>
+          <a:bodyPr lIns="124733" tIns="62367" rIns="124733" bIns="62367" rtlCol="0" anchor="ctr"/>
+          <a:lstStyle/>
+          <a:p>
+            <a:pPr algn="ctr"/>
+            <a:r>
+              <a:rPr lang="ru-RU" sz="700" dirty="0"/>
+              <a:t>Создание франко-британского союза</a:t>
+            </a:r>
+          </a:p>
+        </p:txBody>
+      </p:sp>
+      <p:sp>
+        <p:nvSpPr>
+          <p:cNvPr id="542" name="Прямоугольник 541">
+            <a:extLst>
+              <a:ext uri="{FF2B5EF4-FFF2-40B4-BE49-F238E27FC236}">
+                <a16:creationId xmlns:a16="http://schemas.microsoft.com/office/drawing/2014/main" id="{B7ECC2EB-C596-4766-959C-881DF603A2DB}"/>
+              </a:ext>
+            </a:extLst>
+          </p:cNvPr>
+          <p:cNvSpPr/>
+          <p:nvPr/>
+        </p:nvSpPr>
+        <p:spPr>
+          <a:xfrm>
+            <a:off x="26832193" y="5326632"/>
+            <a:ext cx="926325" cy="540000"/>
+          </a:xfrm>
+          <a:prstGeom prst="rect">
+            <a:avLst/>
+          </a:prstGeom>
+          <a:solidFill>
+            <a:schemeClr val="accent3">
+              <a:lumMod val="60000"/>
+              <a:lumOff val="40000"/>
+            </a:schemeClr>
+          </a:solidFill>
+          <a:ln w="19050"/>
+        </p:spPr>
+        <p:style>
+          <a:lnRef idx="2">
+            <a:schemeClr val="accent1"/>
+          </a:lnRef>
+          <a:fillRef idx="1">
+            <a:schemeClr val="lt1"/>
+          </a:fillRef>
+          <a:effectRef idx="0">
+            <a:schemeClr val="accent1"/>
+          </a:effectRef>
+          <a:fontRef idx="minor">
+            <a:schemeClr val="dk1"/>
+          </a:fontRef>
+        </p:style>
+        <p:txBody>
+          <a:bodyPr lIns="124733" tIns="62367" rIns="124733" bIns="62367" rtlCol="0" anchor="ctr"/>
+          <a:lstStyle/>
+          <a:p>
+            <a:pPr algn="ctr"/>
+            <a:r>
+              <a:rPr lang="ru-RU" sz="700" dirty="0"/>
+              <a:t>Принять перемирие </a:t>
+            </a:r>
+            <a:r>
+              <a:rPr lang="ru-RU" sz="700" dirty="0" err="1"/>
+              <a:t>Петена</a:t>
+            </a:r>
+            <a:endParaRPr lang="ru-RU" sz="700" dirty="0"/>
+          </a:p>
+        </p:txBody>
+      </p:sp>
+      <p:cxnSp>
+        <p:nvCxnSpPr>
+          <p:cNvPr id="543" name="Прямая соединительная линия 542">
+            <a:extLst>
+              <a:ext uri="{FF2B5EF4-FFF2-40B4-BE49-F238E27FC236}">
+                <a16:creationId xmlns:a16="http://schemas.microsoft.com/office/drawing/2014/main" id="{38D3B697-8338-4BA1-AB8F-7B3D1EFAF0BD}"/>
+              </a:ext>
+            </a:extLst>
+          </p:cNvPr>
+          <p:cNvCxnSpPr>
+            <a:cxnSpLocks/>
+            <a:stCxn id="541" idx="3"/>
+            <a:endCxn id="542" idx="1"/>
+          </p:cNvCxnSpPr>
+          <p:nvPr/>
+        </p:nvCxnSpPr>
+        <p:spPr>
+          <a:xfrm>
+            <a:off x="26608020" y="5595862"/>
+            <a:ext cx="224173" cy="770"/>
+          </a:xfrm>
+          <a:prstGeom prst="line">
+            <a:avLst/>
+          </a:prstGeom>
+          <a:ln w="19050">
+            <a:solidFill>
+              <a:srgbClr val="FF0000"/>
+            </a:solidFill>
+          </a:ln>
+        </p:spPr>
+        <p:style>
+          <a:lnRef idx="1">
+            <a:schemeClr val="accent1"/>
+          </a:lnRef>
+          <a:fillRef idx="0">
+            <a:schemeClr val="accent1"/>
+          </a:fillRef>
+          <a:effectRef idx="0">
+            <a:schemeClr val="accent1"/>
+          </a:effectRef>
+          <a:fontRef idx="minor">
+            <a:schemeClr val="tx1"/>
+          </a:fontRef>
+        </p:style>
+      </p:cxnSp>
+      <p:cxnSp>
+        <p:nvCxnSpPr>
+          <p:cNvPr id="544" name="Соединительная линия уступом 620">
+            <a:extLst>
+              <a:ext uri="{FF2B5EF4-FFF2-40B4-BE49-F238E27FC236}">
+                <a16:creationId xmlns:a16="http://schemas.microsoft.com/office/drawing/2014/main" id="{E77A6A4B-891C-4BF8-AFAC-F6E3AD54E2C0}"/>
+              </a:ext>
+            </a:extLst>
+          </p:cNvPr>
+          <p:cNvCxnSpPr>
+            <a:cxnSpLocks/>
+            <a:stCxn id="134" idx="2"/>
+            <a:endCxn id="541" idx="0"/>
+          </p:cNvCxnSpPr>
+          <p:nvPr/>
+        </p:nvCxnSpPr>
+        <p:spPr>
+          <a:xfrm rot="5400000">
+            <a:off x="26600147" y="4630432"/>
+            <a:ext cx="240142" cy="1150719"/>
+          </a:xfrm>
+          <a:prstGeom prst="bentConnector3">
+            <a:avLst>
+              <a:gd name="adj1" fmla="val 50000"/>
+            </a:avLst>
+          </a:prstGeom>
+          <a:ln w="19050">
+            <a:tailEnd type="arrow"/>
+          </a:ln>
+        </p:spPr>
+        <p:style>
+          <a:lnRef idx="1">
+            <a:schemeClr val="accent1"/>
+          </a:lnRef>
+          <a:fillRef idx="0">
+            <a:schemeClr val="accent1"/>
+          </a:fillRef>
+          <a:effectRef idx="0">
+            <a:schemeClr val="accent1"/>
+          </a:effectRef>
+          <a:fontRef idx="minor">
+            <a:schemeClr val="tx1"/>
+          </a:fontRef>
+        </p:style>
+      </p:cxnSp>
+      <p:cxnSp>
+        <p:nvCxnSpPr>
+          <p:cNvPr id="540" name="Прямая соединительная линия 539">
+            <a:extLst>
+              <a:ext uri="{FF2B5EF4-FFF2-40B4-BE49-F238E27FC236}">
+                <a16:creationId xmlns:a16="http://schemas.microsoft.com/office/drawing/2014/main" id="{3824ECF7-61F0-41B0-AAB8-746153D23746}"/>
+              </a:ext>
+            </a:extLst>
+          </p:cNvPr>
+          <p:cNvCxnSpPr>
+            <a:cxnSpLocks/>
+            <a:stCxn id="157" idx="3"/>
+            <a:endCxn id="158" idx="1"/>
+          </p:cNvCxnSpPr>
+          <p:nvPr/>
+        </p:nvCxnSpPr>
+        <p:spPr>
+          <a:xfrm>
+            <a:off x="30365064" y="22611944"/>
+            <a:ext cx="284014" cy="0"/>
+          </a:xfrm>
+          <a:prstGeom prst="line">
+            <a:avLst/>
+          </a:prstGeom>
+          <a:ln w="19050">
+            <a:solidFill>
+              <a:srgbClr val="FF0000"/>
+            </a:solidFill>
+          </a:ln>
+        </p:spPr>
+        <p:style>
+          <a:lnRef idx="1">
+            <a:schemeClr val="accent1"/>
+          </a:lnRef>
+          <a:fillRef idx="0">
+            <a:schemeClr val="accent1"/>
+          </a:fillRef>
+          <a:effectRef idx="0">
+            <a:schemeClr val="accent1"/>
+          </a:effectRef>
+          <a:fontRef idx="minor">
+            <a:schemeClr val="tx1"/>
+          </a:fontRef>
+        </p:style>
+      </p:cxnSp>
+      <p:sp>
+        <p:nvSpPr>
+          <p:cNvPr id="546" name="Прямоугольник 545">
+            <a:extLst>
+              <a:ext uri="{FF2B5EF4-FFF2-40B4-BE49-F238E27FC236}">
+                <a16:creationId xmlns:a16="http://schemas.microsoft.com/office/drawing/2014/main" id="{C2134E29-0058-49CB-85F3-BCE19E4B1BF3}"/>
+              </a:ext>
+            </a:extLst>
+          </p:cNvPr>
+          <p:cNvSpPr/>
+          <p:nvPr/>
+        </p:nvSpPr>
+        <p:spPr>
+          <a:xfrm>
+            <a:off x="27982691" y="5325579"/>
+            <a:ext cx="926325" cy="540000"/>
+          </a:xfrm>
+          <a:prstGeom prst="rect">
+            <a:avLst/>
+          </a:prstGeom>
+          <a:solidFill>
+            <a:schemeClr val="accent1">
+              <a:lumMod val="60000"/>
+              <a:lumOff val="40000"/>
+            </a:schemeClr>
+          </a:solidFill>
+          <a:ln w="19050"/>
+        </p:spPr>
+        <p:style>
+          <a:lnRef idx="2">
+            <a:schemeClr val="accent1"/>
+          </a:lnRef>
+          <a:fillRef idx="1">
+            <a:schemeClr val="lt1"/>
+          </a:fillRef>
+          <a:effectRef idx="0">
+            <a:schemeClr val="accent1"/>
+          </a:effectRef>
+          <a:fontRef idx="minor">
+            <a:schemeClr val="dk1"/>
+          </a:fontRef>
+        </p:style>
+        <p:txBody>
+          <a:bodyPr lIns="124733" tIns="62367" rIns="124733" bIns="62367" rtlCol="0" anchor="ctr"/>
+          <a:lstStyle/>
+          <a:p>
+            <a:pPr algn="ctr"/>
+            <a:r>
+              <a:rPr lang="ru-RU" sz="700" dirty="0"/>
+              <a:t>Перевести правительство в Африку</a:t>
+            </a:r>
+          </a:p>
+        </p:txBody>
+      </p:sp>
+      <p:cxnSp>
+        <p:nvCxnSpPr>
+          <p:cNvPr id="547" name="Соединительная линия уступом 620">
+            <a:extLst>
+              <a:ext uri="{FF2B5EF4-FFF2-40B4-BE49-F238E27FC236}">
+                <a16:creationId xmlns:a16="http://schemas.microsoft.com/office/drawing/2014/main" id="{80E151F8-0837-4EC1-AA8C-12569FA623DB}"/>
+              </a:ext>
+            </a:extLst>
+          </p:cNvPr>
+          <p:cNvCxnSpPr>
+            <a:cxnSpLocks/>
+            <a:stCxn id="134" idx="2"/>
+            <a:endCxn id="546" idx="0"/>
+          </p:cNvCxnSpPr>
+          <p:nvPr/>
+        </p:nvCxnSpPr>
+        <p:spPr>
+          <a:xfrm rot="16200000" flipH="1">
+            <a:off x="27750786" y="4630510"/>
+            <a:ext cx="239859" cy="1150277"/>
+          </a:xfrm>
+          <a:prstGeom prst="bentConnector3">
+            <a:avLst>
+              <a:gd name="adj1" fmla="val 50000"/>
+            </a:avLst>
+          </a:prstGeom>
+          <a:ln w="19050">
+            <a:tailEnd type="arrow"/>
+          </a:ln>
+        </p:spPr>
+        <p:style>
+          <a:lnRef idx="1">
+            <a:schemeClr val="accent1"/>
+          </a:lnRef>
+          <a:fillRef idx="0">
+            <a:schemeClr val="accent1"/>
+          </a:fillRef>
+          <a:effectRef idx="0">
+            <a:schemeClr val="accent1"/>
+          </a:effectRef>
+          <a:fontRef idx="minor">
+            <a:schemeClr val="tx1"/>
+          </a:fontRef>
+        </p:style>
+      </p:cxnSp>
+      <p:cxnSp>
+        <p:nvCxnSpPr>
+          <p:cNvPr id="548" name="Прямая соединительная линия 547">
+            <a:extLst>
+              <a:ext uri="{FF2B5EF4-FFF2-40B4-BE49-F238E27FC236}">
+                <a16:creationId xmlns:a16="http://schemas.microsoft.com/office/drawing/2014/main" id="{3B1E9863-01EB-44E7-87E0-DAC5BB9E0345}"/>
+              </a:ext>
+            </a:extLst>
+          </p:cNvPr>
+          <p:cNvCxnSpPr>
+            <a:cxnSpLocks/>
+            <a:stCxn id="542" idx="3"/>
+            <a:endCxn id="546" idx="1"/>
+          </p:cNvCxnSpPr>
+          <p:nvPr/>
+        </p:nvCxnSpPr>
+        <p:spPr>
+          <a:xfrm flipV="1">
+            <a:off x="27758518" y="5595579"/>
+            <a:ext cx="224173" cy="1053"/>
+          </a:xfrm>
+          <a:prstGeom prst="line">
+            <a:avLst/>
+          </a:prstGeom>
+          <a:ln w="19050">
+            <a:solidFill>
+              <a:srgbClr val="FF0000"/>
+            </a:solidFill>
+          </a:ln>
+        </p:spPr>
+        <p:style>
+          <a:lnRef idx="1">
+            <a:schemeClr val="accent1"/>
+          </a:lnRef>
+          <a:fillRef idx="0">
+            <a:schemeClr val="accent1"/>
+          </a:fillRef>
+          <a:effectRef idx="0">
+            <a:schemeClr val="accent1"/>
+          </a:effectRef>
+          <a:fontRef idx="minor">
+            <a:schemeClr val="tx1"/>
+          </a:fontRef>
+        </p:style>
+      </p:cxnSp>
+      <p:cxnSp>
+        <p:nvCxnSpPr>
+          <p:cNvPr id="549" name="Прямая со стрелкой 548">
+            <a:extLst>
+              <a:ext uri="{FF2B5EF4-FFF2-40B4-BE49-F238E27FC236}">
+                <a16:creationId xmlns:a16="http://schemas.microsoft.com/office/drawing/2014/main" id="{051336FE-60FB-44FE-AC4C-24873109E960}"/>
+              </a:ext>
+            </a:extLst>
+          </p:cNvPr>
+          <p:cNvCxnSpPr>
+            <a:cxnSpLocks/>
+            <a:stCxn id="134" idx="2"/>
+            <a:endCxn id="542" idx="0"/>
+          </p:cNvCxnSpPr>
+          <p:nvPr/>
+        </p:nvCxnSpPr>
+        <p:spPr>
+          <a:xfrm flipH="1">
+            <a:off x="27295356" y="5085720"/>
+            <a:ext cx="221" cy="240912"/>
+          </a:xfrm>
+          <a:prstGeom prst="straightConnector1">
+            <a:avLst/>
+          </a:prstGeom>
+          <a:ln w="19050">
+            <a:tailEnd type="arrow"/>
+          </a:ln>
+        </p:spPr>
+        <p:style>
+          <a:lnRef idx="1">
+            <a:schemeClr val="accent1"/>
+          </a:lnRef>
+          <a:fillRef idx="0">
+            <a:schemeClr val="accent1"/>
+          </a:fillRef>
+          <a:effectRef idx="0">
+            <a:schemeClr val="accent1"/>
+          </a:effectRef>
+          <a:fontRef idx="minor">
+            <a:schemeClr val="tx1"/>
+          </a:fontRef>
+        </p:style>
+      </p:cxnSp>
+      <p:sp>
+        <p:nvSpPr>
+          <p:cNvPr id="550" name="Прямоугольник 549">
+            <a:extLst>
+              <a:ext uri="{FF2B5EF4-FFF2-40B4-BE49-F238E27FC236}">
+                <a16:creationId xmlns:a16="http://schemas.microsoft.com/office/drawing/2014/main" id="{781CE459-87A0-4492-B880-B165197A06AE}"/>
+              </a:ext>
+            </a:extLst>
+          </p:cNvPr>
+          <p:cNvSpPr/>
+          <p:nvPr/>
+        </p:nvSpPr>
+        <p:spPr>
+          <a:xfrm>
+            <a:off x="29132966" y="5334300"/>
+            <a:ext cx="926325" cy="540000"/>
+          </a:xfrm>
+          <a:prstGeom prst="rect">
+            <a:avLst/>
+          </a:prstGeom>
+          <a:solidFill>
+            <a:schemeClr val="accent3">
+              <a:lumMod val="60000"/>
+              <a:lumOff val="40000"/>
+            </a:schemeClr>
+          </a:solidFill>
+          <a:ln w="19050"/>
+        </p:spPr>
+        <p:style>
+          <a:lnRef idx="2">
+            <a:schemeClr val="accent1"/>
+          </a:lnRef>
+          <a:fillRef idx="1">
+            <a:schemeClr val="lt1"/>
+          </a:fillRef>
+          <a:effectRef idx="0">
+            <a:schemeClr val="accent1"/>
+          </a:effectRef>
+          <a:fontRef idx="minor">
+            <a:schemeClr val="dk1"/>
+          </a:fontRef>
+        </p:style>
+        <p:txBody>
+          <a:bodyPr lIns="124733" tIns="62367" rIns="124733" bIns="62367" rtlCol="0" anchor="ctr"/>
+          <a:lstStyle/>
+          <a:p>
+            <a:pPr algn="ctr"/>
+            <a:r>
+              <a:rPr lang="ru-RU" sz="700" dirty="0"/>
+              <a:t>Кабинет Луи Марина</a:t>
+            </a:r>
+          </a:p>
+        </p:txBody>
+      </p:sp>
+      <p:sp>
+        <p:nvSpPr>
+          <p:cNvPr id="552" name="Прямоугольник 551">
+            <a:extLst>
+              <a:ext uri="{FF2B5EF4-FFF2-40B4-BE49-F238E27FC236}">
+                <a16:creationId xmlns:a16="http://schemas.microsoft.com/office/drawing/2014/main" id="{65F5C92C-8170-48BA-8443-8C75F729E822}"/>
+              </a:ext>
+            </a:extLst>
+          </p:cNvPr>
+          <p:cNvSpPr/>
+          <p:nvPr/>
+        </p:nvSpPr>
+        <p:spPr>
+          <a:xfrm>
+            <a:off x="15906889" y="6905493"/>
+            <a:ext cx="926325" cy="540000"/>
+          </a:xfrm>
+          <a:prstGeom prst="rect">
+            <a:avLst/>
+          </a:prstGeom>
+          <a:solidFill>
+            <a:srgbClr val="FF0000"/>
+          </a:solidFill>
+          <a:ln w="19050"/>
+        </p:spPr>
+        <p:style>
+          <a:lnRef idx="2">
+            <a:schemeClr val="accent1"/>
+          </a:lnRef>
+          <a:fillRef idx="1">
+            <a:schemeClr val="lt1"/>
+          </a:fillRef>
+          <a:effectRef idx="0">
+            <a:schemeClr val="accent1"/>
+          </a:effectRef>
+          <a:fontRef idx="minor">
+            <a:schemeClr val="dk1"/>
+          </a:fontRef>
+        </p:style>
+        <p:txBody>
+          <a:bodyPr lIns="124733" tIns="62367" rIns="124733" bIns="62367" rtlCol="0" anchor="ctr"/>
+          <a:lstStyle/>
+          <a:p>
+            <a:pPr algn="ctr"/>
+            <a:r>
+              <a:rPr lang="ru-RU" sz="700" dirty="0"/>
+              <a:t>Запросить помощь мирового пролетариата</a:t>
+            </a:r>
+          </a:p>
+        </p:txBody>
+      </p:sp>
+      <p:cxnSp>
+        <p:nvCxnSpPr>
+          <p:cNvPr id="553" name="Соединительная линия уступом 595">
+            <a:extLst>
+              <a:ext uri="{FF2B5EF4-FFF2-40B4-BE49-F238E27FC236}">
+                <a16:creationId xmlns:a16="http://schemas.microsoft.com/office/drawing/2014/main" id="{11AF9684-AFA4-4AC5-AF90-0242553869E6}"/>
+              </a:ext>
+            </a:extLst>
+          </p:cNvPr>
+          <p:cNvCxnSpPr>
+            <a:cxnSpLocks/>
+            <a:stCxn id="427" idx="2"/>
+            <a:endCxn id="552" idx="0"/>
+          </p:cNvCxnSpPr>
+          <p:nvPr/>
+        </p:nvCxnSpPr>
+        <p:spPr>
+          <a:xfrm rot="5400000">
+            <a:off x="16534234" y="6495041"/>
+            <a:ext cx="246270" cy="574634"/>
+          </a:xfrm>
+          <a:prstGeom prst="bentConnector3">
+            <a:avLst>
+              <a:gd name="adj1" fmla="val 50000"/>
+            </a:avLst>
+          </a:prstGeom>
+          <a:ln w="19050">
+            <a:prstDash val="dash"/>
+            <a:tailEnd type="arrow"/>
+          </a:ln>
+        </p:spPr>
+        <p:style>
+          <a:lnRef idx="1">
+            <a:schemeClr val="accent1"/>
+          </a:lnRef>
+          <a:fillRef idx="0">
+            <a:schemeClr val="accent1"/>
+          </a:fillRef>
+          <a:effectRef idx="0">
+            <a:schemeClr val="accent1"/>
+          </a:effectRef>
+          <a:fontRef idx="minor">
+            <a:schemeClr val="tx1"/>
+          </a:fontRef>
+        </p:style>
+      </p:cxnSp>
+      <p:cxnSp>
+        <p:nvCxnSpPr>
+          <p:cNvPr id="556" name="Соединительная линия уступом 620">
+            <a:extLst>
+              <a:ext uri="{FF2B5EF4-FFF2-40B4-BE49-F238E27FC236}">
+                <a16:creationId xmlns:a16="http://schemas.microsoft.com/office/drawing/2014/main" id="{A2E88370-0671-449A-92FD-2FEFBE22E475}"/>
+              </a:ext>
+            </a:extLst>
+          </p:cNvPr>
+          <p:cNvCxnSpPr>
+            <a:cxnSpLocks/>
+            <a:stCxn id="135" idx="2"/>
+            <a:endCxn id="444" idx="0"/>
+          </p:cNvCxnSpPr>
+          <p:nvPr/>
+        </p:nvCxnSpPr>
+        <p:spPr>
+          <a:xfrm rot="16200000" flipH="1">
+            <a:off x="19935613" y="4927841"/>
+            <a:ext cx="246956" cy="570487"/>
+          </a:xfrm>
+          <a:prstGeom prst="bentConnector3">
+            <a:avLst>
+              <a:gd name="adj1" fmla="val 50000"/>
+            </a:avLst>
+          </a:prstGeom>
+          <a:ln w="19050">
+            <a:tailEnd type="arrow"/>
+          </a:ln>
+        </p:spPr>
+        <p:style>
+          <a:lnRef idx="1">
+            <a:schemeClr val="accent1"/>
+          </a:lnRef>
+          <a:fillRef idx="0">
+            <a:schemeClr val="accent1"/>
+          </a:fillRef>
+          <a:effectRef idx="0">
+            <a:schemeClr val="accent1"/>
+          </a:effectRef>
+          <a:fontRef idx="minor">
+            <a:schemeClr val="tx1"/>
+          </a:fontRef>
+        </p:style>
+      </p:cxnSp>
+      <p:cxnSp>
+        <p:nvCxnSpPr>
+          <p:cNvPr id="522" name="Соединительная линия уступом 595">
+            <a:extLst>
+              <a:ext uri="{FF2B5EF4-FFF2-40B4-BE49-F238E27FC236}">
+                <a16:creationId xmlns:a16="http://schemas.microsoft.com/office/drawing/2014/main" id="{B526279D-1935-4AFA-9367-9B17B6AB97E5}"/>
+              </a:ext>
+            </a:extLst>
+          </p:cNvPr>
+          <p:cNvCxnSpPr>
+            <a:cxnSpLocks/>
+            <a:stCxn id="431" idx="2"/>
+            <a:endCxn id="552" idx="0"/>
+          </p:cNvCxnSpPr>
+          <p:nvPr/>
+        </p:nvCxnSpPr>
+        <p:spPr>
+          <a:xfrm rot="16200000" flipH="1">
+            <a:off x="15968323" y="6503764"/>
+            <a:ext cx="247640" cy="555817"/>
+          </a:xfrm>
+          <a:prstGeom prst="bentConnector3">
+            <a:avLst>
+              <a:gd name="adj1" fmla="val 50000"/>
+            </a:avLst>
+          </a:prstGeom>
+          <a:ln w="19050">
+            <a:prstDash val="dash"/>
+            <a:tailEnd type="arrow"/>
+          </a:ln>
+        </p:spPr>
+        <p:style>
+          <a:lnRef idx="1">
+            <a:schemeClr val="accent1"/>
+          </a:lnRef>
+          <a:fillRef idx="0">
+            <a:schemeClr val="accent1"/>
+          </a:fillRef>
+          <a:effectRef idx="0">
+            <a:schemeClr val="accent1"/>
+          </a:effectRef>
+          <a:fontRef idx="minor">
+            <a:schemeClr val="tx1"/>
+          </a:fontRef>
+        </p:style>
+      </p:cxnSp>
+      <p:sp>
+        <p:nvSpPr>
+          <p:cNvPr id="545" name="Прямоугольник 544">
+            <a:extLst>
+              <a:ext uri="{FF2B5EF4-FFF2-40B4-BE49-F238E27FC236}">
+                <a16:creationId xmlns:a16="http://schemas.microsoft.com/office/drawing/2014/main" id="{CAE5E28E-7281-4CB1-AA70-295BD2AF9B45}"/>
+              </a:ext>
+            </a:extLst>
+          </p:cNvPr>
+          <p:cNvSpPr/>
+          <p:nvPr/>
+        </p:nvSpPr>
+        <p:spPr>
+          <a:xfrm>
+            <a:off x="15913098" y="5332017"/>
+            <a:ext cx="926325" cy="540000"/>
+          </a:xfrm>
+          <a:prstGeom prst="rect">
+            <a:avLst/>
+          </a:prstGeom>
+          <a:solidFill>
+            <a:srgbClr val="FF0000"/>
+          </a:solidFill>
+          <a:ln w="19050"/>
+        </p:spPr>
+        <p:style>
+          <a:lnRef idx="2">
+            <a:schemeClr val="accent1"/>
+          </a:lnRef>
+          <a:fillRef idx="1">
+            <a:schemeClr val="lt1"/>
+          </a:fillRef>
+          <a:effectRef idx="0">
+            <a:schemeClr val="accent1"/>
+          </a:effectRef>
+          <a:fontRef idx="minor">
+            <a:schemeClr val="dk1"/>
+          </a:fontRef>
+        </p:style>
+        <p:txBody>
+          <a:bodyPr lIns="124733" tIns="62367" rIns="124733" bIns="62367" rtlCol="0" anchor="ctr"/>
+          <a:lstStyle/>
+          <a:p>
+            <a:pPr algn="ctr"/>
+            <a:r>
+              <a:rPr lang="ru-RU" sz="700" dirty="0"/>
+              <a:t>Введение военного положения</a:t>
+            </a:r>
+          </a:p>
+        </p:txBody>
+      </p:sp>
+      <p:cxnSp>
+        <p:nvCxnSpPr>
+          <p:cNvPr id="557" name="Соединительная линия уступом 620">
+            <a:extLst>
+              <a:ext uri="{FF2B5EF4-FFF2-40B4-BE49-F238E27FC236}">
+                <a16:creationId xmlns:a16="http://schemas.microsoft.com/office/drawing/2014/main" id="{0B1011AD-72EA-45CD-9901-BB142EFA8539}"/>
+              </a:ext>
+            </a:extLst>
+          </p:cNvPr>
+          <p:cNvCxnSpPr>
+            <a:cxnSpLocks/>
+            <a:stCxn id="136" idx="2"/>
+            <a:endCxn id="545" idx="0"/>
+          </p:cNvCxnSpPr>
+          <p:nvPr/>
+        </p:nvCxnSpPr>
+        <p:spPr>
+          <a:xfrm rot="16200000" flipH="1">
+            <a:off x="15682002" y="4637757"/>
+            <a:ext cx="243881" cy="1144638"/>
+          </a:xfrm>
+          <a:prstGeom prst="bentConnector3">
+            <a:avLst>
+              <a:gd name="adj1" fmla="val 50000"/>
+            </a:avLst>
+          </a:prstGeom>
+          <a:ln w="19050">
+            <a:tailEnd type="arrow"/>
+          </a:ln>
+        </p:spPr>
+        <p:style>
+          <a:lnRef idx="1">
+            <a:schemeClr val="accent1"/>
+          </a:lnRef>
+          <a:fillRef idx="0">
+            <a:schemeClr val="accent1"/>
+          </a:fillRef>
+          <a:effectRef idx="0">
+            <a:schemeClr val="accent1"/>
+          </a:effectRef>
+          <a:fontRef idx="minor">
+            <a:schemeClr val="tx1"/>
+          </a:fontRef>
+        </p:style>
+      </p:cxnSp>
+      <p:cxnSp>
+        <p:nvCxnSpPr>
+          <p:cNvPr id="558" name="Соединительная линия уступом 620">
+            <a:extLst>
+              <a:ext uri="{FF2B5EF4-FFF2-40B4-BE49-F238E27FC236}">
+                <a16:creationId xmlns:a16="http://schemas.microsoft.com/office/drawing/2014/main" id="{8BC60B3B-F150-4CB5-995E-43D2639518C4}"/>
+              </a:ext>
+            </a:extLst>
+          </p:cNvPr>
+          <p:cNvCxnSpPr>
+            <a:cxnSpLocks/>
+            <a:stCxn id="545" idx="2"/>
+            <a:endCxn id="431" idx="0"/>
+          </p:cNvCxnSpPr>
+          <p:nvPr/>
+        </p:nvCxnSpPr>
+        <p:spPr>
+          <a:xfrm rot="5400000">
+            <a:off x="15972330" y="5713922"/>
+            <a:ext cx="245836" cy="562026"/>
+          </a:xfrm>
+          <a:prstGeom prst="bentConnector3">
+            <a:avLst>
+              <a:gd name="adj1" fmla="val 50000"/>
+            </a:avLst>
+          </a:prstGeom>
+          <a:ln w="19050">
+            <a:tailEnd type="arrow"/>
+          </a:ln>
+        </p:spPr>
+        <p:style>
+          <a:lnRef idx="1">
+            <a:schemeClr val="accent1"/>
+          </a:lnRef>
+          <a:fillRef idx="0">
+            <a:schemeClr val="accent1"/>
+          </a:fillRef>
+          <a:effectRef idx="0">
+            <a:schemeClr val="accent1"/>
+          </a:effectRef>
+          <a:fontRef idx="minor">
+            <a:schemeClr val="tx1"/>
+          </a:fontRef>
+        </p:style>
+      </p:cxnSp>
+      <p:cxnSp>
+        <p:nvCxnSpPr>
+          <p:cNvPr id="559" name="Соединительная линия уступом 620">
+            <a:extLst>
+              <a:ext uri="{FF2B5EF4-FFF2-40B4-BE49-F238E27FC236}">
+                <a16:creationId xmlns:a16="http://schemas.microsoft.com/office/drawing/2014/main" id="{7EAFB095-A1C7-4212-8457-A96B7ECD2EEB}"/>
+              </a:ext>
+            </a:extLst>
+          </p:cNvPr>
+          <p:cNvCxnSpPr>
+            <a:cxnSpLocks/>
+            <a:stCxn id="545" idx="2"/>
+            <a:endCxn id="427" idx="0"/>
+          </p:cNvCxnSpPr>
+          <p:nvPr/>
+        </p:nvCxnSpPr>
+        <p:spPr>
+          <a:xfrm rot="16200000" flipH="1">
+            <a:off x="16536870" y="5711407"/>
+            <a:ext cx="247206" cy="568425"/>
+          </a:xfrm>
+          <a:prstGeom prst="bentConnector3">
+            <a:avLst>
+              <a:gd name="adj1" fmla="val 50000"/>
+            </a:avLst>
+          </a:prstGeom>
+          <a:ln w="19050">
+            <a:tailEnd type="arrow"/>
           </a:ln>
         </p:spPr>
         <p:style>

--- a/Наработки/диздоки/Франция/Франция.pptx
+++ b/Наработки/диздоки/Франция/Франция.pptx
@@ -209,7 +209,7 @@
             <a:fld id="{33E3D7F9-E251-484C-A6FF-FA958879DF69}" type="datetimeFigureOut">
               <a:rPr lang="ru-RU" smtClean="0"/>
               <a:pPr/>
-              <a:t>12.04.2024</a:t>
+              <a:t>08.05.2024</a:t>
             </a:fld>
             <a:endParaRPr lang="ru-RU"/>
           </a:p>
@@ -699,7 +699,7 @@
             <a:fld id="{85A5DE44-605B-4D3B-B2B7-94543DF81A36}" type="datetimeFigureOut">
               <a:rPr lang="ru-RU" smtClean="0"/>
               <a:pPr/>
-              <a:t>12.04.2024</a:t>
+              <a:t>08.05.2024</a:t>
             </a:fld>
             <a:endParaRPr lang="ru-RU"/>
           </a:p>
@@ -871,7 +871,7 @@
             <a:fld id="{85A5DE44-605B-4D3B-B2B7-94543DF81A36}" type="datetimeFigureOut">
               <a:rPr lang="ru-RU" smtClean="0"/>
               <a:pPr/>
-              <a:t>12.04.2024</a:t>
+              <a:t>08.05.2024</a:t>
             </a:fld>
             <a:endParaRPr lang="ru-RU"/>
           </a:p>
@@ -1053,7 +1053,7 @@
             <a:fld id="{85A5DE44-605B-4D3B-B2B7-94543DF81A36}" type="datetimeFigureOut">
               <a:rPr lang="ru-RU" smtClean="0"/>
               <a:pPr/>
-              <a:t>12.04.2024</a:t>
+              <a:t>08.05.2024</a:t>
             </a:fld>
             <a:endParaRPr lang="ru-RU"/>
           </a:p>
@@ -1225,7 +1225,7 @@
             <a:fld id="{85A5DE44-605B-4D3B-B2B7-94543DF81A36}" type="datetimeFigureOut">
               <a:rPr lang="ru-RU" smtClean="0"/>
               <a:pPr/>
-              <a:t>12.04.2024</a:t>
+              <a:t>08.05.2024</a:t>
             </a:fld>
             <a:endParaRPr lang="ru-RU"/>
           </a:p>
@@ -1473,7 +1473,7 @@
             <a:fld id="{85A5DE44-605B-4D3B-B2B7-94543DF81A36}" type="datetimeFigureOut">
               <a:rPr lang="ru-RU" smtClean="0"/>
               <a:pPr/>
-              <a:t>12.04.2024</a:t>
+              <a:t>08.05.2024</a:t>
             </a:fld>
             <a:endParaRPr lang="ru-RU"/>
           </a:p>
@@ -1707,7 +1707,7 @@
             <a:fld id="{85A5DE44-605B-4D3B-B2B7-94543DF81A36}" type="datetimeFigureOut">
               <a:rPr lang="ru-RU" smtClean="0"/>
               <a:pPr/>
-              <a:t>12.04.2024</a:t>
+              <a:t>08.05.2024</a:t>
             </a:fld>
             <a:endParaRPr lang="ru-RU"/>
           </a:p>
@@ -2076,7 +2076,7 @@
             <a:fld id="{85A5DE44-605B-4D3B-B2B7-94543DF81A36}" type="datetimeFigureOut">
               <a:rPr lang="ru-RU" smtClean="0"/>
               <a:pPr/>
-              <a:t>12.04.2024</a:t>
+              <a:t>08.05.2024</a:t>
             </a:fld>
             <a:endParaRPr lang="ru-RU"/>
           </a:p>
@@ -2196,7 +2196,7 @@
             <a:fld id="{85A5DE44-605B-4D3B-B2B7-94543DF81A36}" type="datetimeFigureOut">
               <a:rPr lang="ru-RU" smtClean="0"/>
               <a:pPr/>
-              <a:t>12.04.2024</a:t>
+              <a:t>08.05.2024</a:t>
             </a:fld>
             <a:endParaRPr lang="ru-RU"/>
           </a:p>
@@ -2293,7 +2293,7 @@
             <a:fld id="{85A5DE44-605B-4D3B-B2B7-94543DF81A36}" type="datetimeFigureOut">
               <a:rPr lang="ru-RU" smtClean="0"/>
               <a:pPr/>
-              <a:t>12.04.2024</a:t>
+              <a:t>08.05.2024</a:t>
             </a:fld>
             <a:endParaRPr lang="ru-RU"/>
           </a:p>
@@ -2572,7 +2572,7 @@
             <a:fld id="{85A5DE44-605B-4D3B-B2B7-94543DF81A36}" type="datetimeFigureOut">
               <a:rPr lang="ru-RU" smtClean="0"/>
               <a:pPr/>
-              <a:t>12.04.2024</a:t>
+              <a:t>08.05.2024</a:t>
             </a:fld>
             <a:endParaRPr lang="ru-RU"/>
           </a:p>
@@ -2831,7 +2831,7 @@
             <a:fld id="{85A5DE44-605B-4D3B-B2B7-94543DF81A36}" type="datetimeFigureOut">
               <a:rPr lang="ru-RU" smtClean="0"/>
               <a:pPr/>
-              <a:t>12.04.2024</a:t>
+              <a:t>08.05.2024</a:t>
             </a:fld>
             <a:endParaRPr lang="ru-RU"/>
           </a:p>
@@ -3046,7 +3046,7 @@
             <a:fld id="{85A5DE44-605B-4D3B-B2B7-94543DF81A36}" type="datetimeFigureOut">
               <a:rPr lang="ru-RU" smtClean="0"/>
               <a:pPr/>
-              <a:t>12.04.2024</a:t>
+              <a:t>08.05.2024</a:t>
             </a:fld>
             <a:endParaRPr lang="ru-RU"/>
           </a:p>
@@ -25025,7 +25025,7 @@
         </p:nvSpPr>
         <p:spPr>
           <a:xfrm>
-            <a:off x="4744721" y="5325579"/>
+            <a:off x="4172990" y="5341287"/>
             <a:ext cx="926325" cy="540000"/>
           </a:xfrm>
           <a:prstGeom prst="rect">
@@ -25057,8 +25057,13 @@
             <a:pPr algn="ctr"/>
             <a:r>
               <a:rPr lang="ru-RU" sz="700" dirty="0"/>
-              <a:t>Восстановить связи с католической церковью</a:t>
-            </a:r>
+              <a:t>Восстановить связи с католической церковью </a:t>
+            </a:r>
+            <a:r>
+              <a:rPr lang="ru-RU" sz="500" dirty="0"/>
+              <a:t>(Получить прощение от Папы)</a:t>
+            </a:r>
+            <a:endParaRPr lang="ru-RU" sz="700" dirty="0"/>
           </a:p>
         </p:txBody>
       </p:sp>
@@ -26157,6 +26162,307 @@
           </a:prstGeom>
           <a:ln w="19050">
             <a:tailEnd type="arrow"/>
+          </a:ln>
+        </p:spPr>
+        <p:style>
+          <a:lnRef idx="1">
+            <a:schemeClr val="accent1"/>
+          </a:lnRef>
+          <a:fillRef idx="0">
+            <a:schemeClr val="accent1"/>
+          </a:fillRef>
+          <a:effectRef idx="0">
+            <a:schemeClr val="accent1"/>
+          </a:effectRef>
+          <a:fontRef idx="minor">
+            <a:schemeClr val="tx1"/>
+          </a:fontRef>
+        </p:style>
+      </p:cxnSp>
+      <p:sp>
+        <p:nvSpPr>
+          <p:cNvPr id="554" name="Прямоугольник 553">
+            <a:extLst>
+              <a:ext uri="{FF2B5EF4-FFF2-40B4-BE49-F238E27FC236}">
+                <a16:creationId xmlns:a16="http://schemas.microsoft.com/office/drawing/2014/main" id="{E077303E-ACAB-4AC4-9C55-8CC0FB4545F5}"/>
+              </a:ext>
+            </a:extLst>
+          </p:cNvPr>
+          <p:cNvSpPr/>
+          <p:nvPr/>
+        </p:nvSpPr>
+        <p:spPr>
+          <a:xfrm>
+            <a:off x="14768460" y="3738136"/>
+            <a:ext cx="926325" cy="540000"/>
+          </a:xfrm>
+          <a:prstGeom prst="rect">
+            <a:avLst/>
+          </a:prstGeom>
+          <a:solidFill>
+            <a:srgbClr val="FF0000"/>
+          </a:solidFill>
+          <a:ln w="19050"/>
+        </p:spPr>
+        <p:style>
+          <a:lnRef idx="2">
+            <a:schemeClr val="accent1"/>
+          </a:lnRef>
+          <a:fillRef idx="1">
+            <a:schemeClr val="lt1"/>
+          </a:fillRef>
+          <a:effectRef idx="0">
+            <a:schemeClr val="accent1"/>
+          </a:effectRef>
+          <a:fontRef idx="minor">
+            <a:schemeClr val="dk1"/>
+          </a:fontRef>
+        </p:style>
+        <p:txBody>
+          <a:bodyPr lIns="124733" tIns="62367" rIns="124733" bIns="62367" rtlCol="0" anchor="ctr"/>
+          <a:lstStyle/>
+          <a:p>
+            <a:pPr algn="ctr"/>
+            <a:r>
+              <a:rPr lang="ru-RU" sz="700" dirty="0"/>
+              <a:t>Механика объединения пролетариата </a:t>
+            </a:r>
+            <a:r>
+              <a:rPr lang="ru-RU" sz="100" dirty="0"/>
+              <a:t>(«Пролетариат желает и требует единства. </a:t>
+            </a:r>
+            <a:r>
+              <a:rPr lang="ru-RU" sz="100" dirty="0" err="1"/>
+              <a:t>Коммуни¬сты</a:t>
+            </a:r>
+            <a:r>
+              <a:rPr lang="ru-RU" sz="100" dirty="0"/>
+              <a:t> всеми силами борются за единство и братски </a:t>
+            </a:r>
+            <a:r>
+              <a:rPr lang="ru-RU" sz="100" dirty="0" err="1"/>
+              <a:t>протя¬гивают</a:t>
+            </a:r>
+            <a:r>
+              <a:rPr lang="ru-RU" sz="100" dirty="0"/>
+              <a:t> руку всем пролетариям, для того чтобы вместе одолеть и устранить все препятствия на пути к </a:t>
+            </a:r>
+            <a:r>
+              <a:rPr lang="ru-RU" sz="100" dirty="0" err="1"/>
+              <a:t>объеди¬нению</a:t>
+            </a:r>
+            <a:r>
+              <a:rPr lang="ru-RU" sz="100" dirty="0"/>
+              <a:t> рабочего класса....Мы стремимся использовать все возможности — демонстрации, забастовки, все виды протеста,— для того чтобы осуществить нашу задачу объединения, </a:t>
+            </a:r>
+            <a:r>
+              <a:rPr lang="ru-RU" sz="100" dirty="0" err="1"/>
+              <a:t>со¬бирания</a:t>
+            </a:r>
+            <a:r>
+              <a:rPr lang="ru-RU" sz="100" dirty="0"/>
+              <a:t> сил для общей борьбы трудящихся, каковы бы ни были их убеждения и к каким бы организациям они ни </a:t>
+            </a:r>
+            <a:r>
+              <a:rPr lang="ru-RU" sz="100" dirty="0" err="1"/>
+              <a:t>принадлежали.Мы</a:t>
+            </a:r>
+            <a:r>
+              <a:rPr lang="ru-RU" sz="100" dirty="0"/>
+              <a:t> боремся за воссоздание единой Всеобщей </a:t>
+            </a:r>
+            <a:r>
+              <a:rPr lang="ru-RU" sz="100" dirty="0" err="1"/>
+              <a:t>конфе-дерации</a:t>
+            </a:r>
+            <a:r>
+              <a:rPr lang="ru-RU" sz="100" dirty="0"/>
+              <a:t> труда, за единый рабочий класс, против </a:t>
+            </a:r>
+            <a:r>
+              <a:rPr lang="ru-RU" sz="100" dirty="0" err="1"/>
+              <a:t>бур¬жуазии</a:t>
+            </a:r>
+            <a:r>
+              <a:rPr lang="ru-RU" sz="100" dirty="0"/>
+              <a:t>, за единый профсоюз и единую партию </a:t>
+            </a:r>
+            <a:r>
+              <a:rPr lang="ru-RU" sz="100" dirty="0" err="1"/>
+              <a:t>про¬летариата</a:t>
+            </a:r>
+            <a:r>
+              <a:rPr lang="ru-RU" sz="100" dirty="0"/>
+              <a:t>!»)</a:t>
+            </a:r>
+            <a:endParaRPr lang="ru-RU" sz="700" dirty="0"/>
+          </a:p>
+        </p:txBody>
+      </p:sp>
+      <p:sp>
+        <p:nvSpPr>
+          <p:cNvPr id="560" name="Прямоугольник 559">
+            <a:extLst>
+              <a:ext uri="{FF2B5EF4-FFF2-40B4-BE49-F238E27FC236}">
+                <a16:creationId xmlns:a16="http://schemas.microsoft.com/office/drawing/2014/main" id="{663750FE-433F-432D-A295-E5B9816F7D2C}"/>
+              </a:ext>
+            </a:extLst>
+          </p:cNvPr>
+          <p:cNvSpPr/>
+          <p:nvPr/>
+        </p:nvSpPr>
+        <p:spPr>
+          <a:xfrm>
+            <a:off x="4744720" y="6146934"/>
+            <a:ext cx="926325" cy="540000"/>
+          </a:xfrm>
+          <a:prstGeom prst="rect">
+            <a:avLst/>
+          </a:prstGeom>
+          <a:solidFill>
+            <a:srgbClr val="7030A0"/>
+          </a:solidFill>
+          <a:ln w="19050"/>
+        </p:spPr>
+        <p:style>
+          <a:lnRef idx="2">
+            <a:schemeClr val="accent1"/>
+          </a:lnRef>
+          <a:fillRef idx="1">
+            <a:schemeClr val="lt1"/>
+          </a:fillRef>
+          <a:effectRef idx="0">
+            <a:schemeClr val="accent1"/>
+          </a:effectRef>
+          <a:fontRef idx="minor">
+            <a:schemeClr val="dk1"/>
+          </a:fontRef>
+        </p:style>
+        <p:txBody>
+          <a:bodyPr lIns="124733" tIns="62367" rIns="124733" bIns="62367" rtlCol="0" anchor="ctr"/>
+          <a:lstStyle/>
+          <a:p>
+            <a:pPr algn="ctr"/>
+            <a:r>
+              <a:rPr lang="ru-RU" sz="700" dirty="0"/>
+              <a:t>Умеренная отмена секуляризации </a:t>
+            </a:r>
+            <a:r>
+              <a:rPr lang="ru-RU" sz="100" dirty="0"/>
+              <a:t>(В начале 20-го века «Французское действие» поддерживалось значительной частью французского епископата, но у него также были «яростные противники» , которые осуждали ошибки или призывали к его осуждению. Некоторые ценят строгую защиту догматических утверждений христианской веры)</a:t>
+            </a:r>
+            <a:endParaRPr lang="ru-RU" sz="700" dirty="0"/>
+          </a:p>
+        </p:txBody>
+      </p:sp>
+      <p:sp>
+        <p:nvSpPr>
+          <p:cNvPr id="561" name="Прямоугольник 560">
+            <a:extLst>
+              <a:ext uri="{FF2B5EF4-FFF2-40B4-BE49-F238E27FC236}">
+                <a16:creationId xmlns:a16="http://schemas.microsoft.com/office/drawing/2014/main" id="{FB97E2DA-4BF9-4794-BD67-C012A62FB4D3}"/>
+              </a:ext>
+            </a:extLst>
+          </p:cNvPr>
+          <p:cNvSpPr/>
+          <p:nvPr/>
+        </p:nvSpPr>
+        <p:spPr>
+          <a:xfrm>
+            <a:off x="3601059" y="6150586"/>
+            <a:ext cx="926325" cy="540000"/>
+          </a:xfrm>
+          <a:prstGeom prst="rect">
+            <a:avLst/>
+          </a:prstGeom>
+          <a:solidFill>
+            <a:srgbClr val="7030A0"/>
+          </a:solidFill>
+          <a:ln w="19050"/>
+        </p:spPr>
+        <p:style>
+          <a:lnRef idx="2">
+            <a:schemeClr val="accent1"/>
+          </a:lnRef>
+          <a:fillRef idx="1">
+            <a:schemeClr val="lt1"/>
+          </a:fillRef>
+          <a:effectRef idx="0">
+            <a:schemeClr val="accent1"/>
+          </a:effectRef>
+          <a:fontRef idx="minor">
+            <a:schemeClr val="dk1"/>
+          </a:fontRef>
+        </p:style>
+        <p:txBody>
+          <a:bodyPr lIns="124733" tIns="62367" rIns="124733" bIns="62367" rtlCol="0" anchor="ctr"/>
+          <a:lstStyle/>
+          <a:p>
+            <a:pPr algn="ctr"/>
+            <a:r>
+              <a:rPr lang="ru-RU" sz="700" dirty="0"/>
+              <a:t>Строгое следование догматам христианской веры </a:t>
+            </a:r>
+            <a:r>
+              <a:rPr lang="ru-RU" sz="100" dirty="0"/>
+              <a:t>(Осуждение </a:t>
+            </a:r>
+            <a:r>
+              <a:rPr lang="ru-RU" sz="100" dirty="0" err="1"/>
+              <a:t>Сильона</a:t>
+            </a:r>
+            <a:r>
+              <a:rPr lang="ru-RU" sz="100" dirty="0"/>
+              <a:t> Римом в 1910 году [ 16 ] еще больше усилило интерес католиков к «Французскому действию». Движение </a:t>
+            </a:r>
+            <a:r>
+              <a:rPr lang="ru-RU" sz="100" dirty="0" err="1"/>
+              <a:t>Морраса</a:t>
+            </a:r>
+            <a:r>
+              <a:rPr lang="ru-RU" sz="100" dirty="0"/>
+              <a:t>, через христианскую веру, разделяемую его членами, и в соответствии с социальными и политическими соображениями, видит в Католической, Апостольской и Римской церкви инициатора французского политического баланса и обеспечения общественного организма здоровым </a:t>
+            </a:r>
+            <a:r>
+              <a:rPr lang="ru-RU" sz="100" dirty="0" err="1"/>
+              <a:t>французомтут</a:t>
+            </a:r>
+            <a:r>
+              <a:rPr lang="ru-RU" sz="100" dirty="0"/>
+              <a:t> школы вернутся церквям, т.е. -% к исследованиям)</a:t>
+            </a:r>
+            <a:endParaRPr lang="ru-RU" sz="700" dirty="0"/>
+          </a:p>
+        </p:txBody>
+      </p:sp>
+      <p:cxnSp>
+        <p:nvCxnSpPr>
+          <p:cNvPr id="562" name="Прямая соединительная линия 561">
+            <a:extLst>
+              <a:ext uri="{FF2B5EF4-FFF2-40B4-BE49-F238E27FC236}">
+                <a16:creationId xmlns:a16="http://schemas.microsoft.com/office/drawing/2014/main" id="{78857B68-540B-4919-BD63-70F4BF42307A}"/>
+              </a:ext>
+            </a:extLst>
+          </p:cNvPr>
+          <p:cNvCxnSpPr>
+            <a:cxnSpLocks/>
+            <a:stCxn id="561" idx="3"/>
+            <a:endCxn id="560" idx="1"/>
+          </p:cNvCxnSpPr>
+          <p:nvPr/>
+        </p:nvCxnSpPr>
+        <p:spPr>
+          <a:xfrm flipV="1">
+            <a:off x="4527384" y="6416934"/>
+            <a:ext cx="217336" cy="3652"/>
+          </a:xfrm>
+          <a:prstGeom prst="line">
+            <a:avLst/>
+          </a:prstGeom>
+          <a:ln w="19050">
+            <a:solidFill>
+              <a:srgbClr val="FF0000"/>
+            </a:solidFill>
           </a:ln>
         </p:spPr>
         <p:style>

--- a/Наработки/диздоки/Франция/Франция.pptx
+++ b/Наработки/диздоки/Франция/Франция.pptx
@@ -209,7 +209,7 @@
             <a:fld id="{33E3D7F9-E251-484C-A6FF-FA958879DF69}" type="datetimeFigureOut">
               <a:rPr lang="ru-RU" smtClean="0"/>
               <a:pPr/>
-              <a:t>08.05.2024</a:t>
+              <a:t>10.11.2024</a:t>
             </a:fld>
             <a:endParaRPr lang="ru-RU"/>
           </a:p>
@@ -699,7 +699,7 @@
             <a:fld id="{85A5DE44-605B-4D3B-B2B7-94543DF81A36}" type="datetimeFigureOut">
               <a:rPr lang="ru-RU" smtClean="0"/>
               <a:pPr/>
-              <a:t>08.05.2024</a:t>
+              <a:t>10.11.2024</a:t>
             </a:fld>
             <a:endParaRPr lang="ru-RU"/>
           </a:p>
@@ -871,7 +871,7 @@
             <a:fld id="{85A5DE44-605B-4D3B-B2B7-94543DF81A36}" type="datetimeFigureOut">
               <a:rPr lang="ru-RU" smtClean="0"/>
               <a:pPr/>
-              <a:t>08.05.2024</a:t>
+              <a:t>10.11.2024</a:t>
             </a:fld>
             <a:endParaRPr lang="ru-RU"/>
           </a:p>
@@ -1053,7 +1053,7 @@
             <a:fld id="{85A5DE44-605B-4D3B-B2B7-94543DF81A36}" type="datetimeFigureOut">
               <a:rPr lang="ru-RU" smtClean="0"/>
               <a:pPr/>
-              <a:t>08.05.2024</a:t>
+              <a:t>10.11.2024</a:t>
             </a:fld>
             <a:endParaRPr lang="ru-RU"/>
           </a:p>
@@ -1225,7 +1225,7 @@
             <a:fld id="{85A5DE44-605B-4D3B-B2B7-94543DF81A36}" type="datetimeFigureOut">
               <a:rPr lang="ru-RU" smtClean="0"/>
               <a:pPr/>
-              <a:t>08.05.2024</a:t>
+              <a:t>10.11.2024</a:t>
             </a:fld>
             <a:endParaRPr lang="ru-RU"/>
           </a:p>
@@ -1473,7 +1473,7 @@
             <a:fld id="{85A5DE44-605B-4D3B-B2B7-94543DF81A36}" type="datetimeFigureOut">
               <a:rPr lang="ru-RU" smtClean="0"/>
               <a:pPr/>
-              <a:t>08.05.2024</a:t>
+              <a:t>10.11.2024</a:t>
             </a:fld>
             <a:endParaRPr lang="ru-RU"/>
           </a:p>
@@ -1707,7 +1707,7 @@
             <a:fld id="{85A5DE44-605B-4D3B-B2B7-94543DF81A36}" type="datetimeFigureOut">
               <a:rPr lang="ru-RU" smtClean="0"/>
               <a:pPr/>
-              <a:t>08.05.2024</a:t>
+              <a:t>10.11.2024</a:t>
             </a:fld>
             <a:endParaRPr lang="ru-RU"/>
           </a:p>
@@ -2076,7 +2076,7 @@
             <a:fld id="{85A5DE44-605B-4D3B-B2B7-94543DF81A36}" type="datetimeFigureOut">
               <a:rPr lang="ru-RU" smtClean="0"/>
               <a:pPr/>
-              <a:t>08.05.2024</a:t>
+              <a:t>10.11.2024</a:t>
             </a:fld>
             <a:endParaRPr lang="ru-RU"/>
           </a:p>
@@ -2196,7 +2196,7 @@
             <a:fld id="{85A5DE44-605B-4D3B-B2B7-94543DF81A36}" type="datetimeFigureOut">
               <a:rPr lang="ru-RU" smtClean="0"/>
               <a:pPr/>
-              <a:t>08.05.2024</a:t>
+              <a:t>10.11.2024</a:t>
             </a:fld>
             <a:endParaRPr lang="ru-RU"/>
           </a:p>
@@ -2293,7 +2293,7 @@
             <a:fld id="{85A5DE44-605B-4D3B-B2B7-94543DF81A36}" type="datetimeFigureOut">
               <a:rPr lang="ru-RU" smtClean="0"/>
               <a:pPr/>
-              <a:t>08.05.2024</a:t>
+              <a:t>10.11.2024</a:t>
             </a:fld>
             <a:endParaRPr lang="ru-RU"/>
           </a:p>
@@ -2572,7 +2572,7 @@
             <a:fld id="{85A5DE44-605B-4D3B-B2B7-94543DF81A36}" type="datetimeFigureOut">
               <a:rPr lang="ru-RU" smtClean="0"/>
               <a:pPr/>
-              <a:t>08.05.2024</a:t>
+              <a:t>10.11.2024</a:t>
             </a:fld>
             <a:endParaRPr lang="ru-RU"/>
           </a:p>
@@ -2831,7 +2831,7 @@
             <a:fld id="{85A5DE44-605B-4D3B-B2B7-94543DF81A36}" type="datetimeFigureOut">
               <a:rPr lang="ru-RU" smtClean="0"/>
               <a:pPr/>
-              <a:t>08.05.2024</a:t>
+              <a:t>10.11.2024</a:t>
             </a:fld>
             <a:endParaRPr lang="ru-RU"/>
           </a:p>
@@ -3046,7 +3046,7 @@
             <a:fld id="{85A5DE44-605B-4D3B-B2B7-94543DF81A36}" type="datetimeFigureOut">
               <a:rPr lang="ru-RU" smtClean="0"/>
               <a:pPr/>
-              <a:t>08.05.2024</a:t>
+              <a:t>10.11.2024</a:t>
             </a:fld>
             <a:endParaRPr lang="ru-RU"/>
           </a:p>
@@ -7860,7 +7860,7 @@
         </p:nvSpPr>
         <p:spPr>
           <a:xfrm>
-            <a:off x="12073853" y="5310199"/>
+            <a:off x="10012655" y="5266800"/>
             <a:ext cx="926325" cy="540000"/>
           </a:xfrm>
           <a:prstGeom prst="rect">
@@ -7972,7 +7972,7 @@
         </p:nvSpPr>
         <p:spPr>
           <a:xfrm>
-            <a:off x="10792366" y="5481799"/>
+            <a:off x="11712960" y="5185463"/>
             <a:ext cx="926325" cy="540000"/>
           </a:xfrm>
           <a:prstGeom prst="rect">
@@ -16385,7 +16385,7 @@
         </p:nvSpPr>
         <p:spPr>
           <a:xfrm>
-            <a:off x="16481523" y="6119223"/>
+            <a:off x="15906611" y="6123851"/>
             <a:ext cx="926325" cy="540000"/>
           </a:xfrm>
           <a:prstGeom prst="rect">
@@ -16417,8 +16417,13 @@
             <a:pPr algn="ctr"/>
             <a:r>
               <a:rPr lang="ru-RU" sz="700" dirty="0"/>
-              <a:t>Объединить наши войны за свободу</a:t>
-            </a:r>
+              <a:t>Объединить наши войны за свободу </a:t>
+            </a:r>
+            <a:r>
+              <a:rPr lang="ru-RU" sz="500" dirty="0"/>
+              <a:t>(народный фронт у власти с обеих сторон)</a:t>
+            </a:r>
+            <a:endParaRPr lang="ru-RU" sz="700" dirty="0"/>
           </a:p>
         </p:txBody>
       </p:sp>
@@ -16440,8 +16445,8 @@
         </p:nvCxnSpPr>
         <p:spPr>
           <a:xfrm rot="5400000">
-            <a:off x="17102036" y="5718927"/>
-            <a:ext cx="242946" cy="557646"/>
+            <a:off x="16812266" y="5433785"/>
+            <a:ext cx="247574" cy="1132558"/>
           </a:xfrm>
           <a:prstGeom prst="bentConnector3">
             <a:avLst>
@@ -16481,7 +16486,7 @@
         </p:nvSpPr>
         <p:spPr>
           <a:xfrm>
-            <a:off x="15351072" y="6117853"/>
+            <a:off x="13632868" y="6119222"/>
             <a:ext cx="926325" cy="540000"/>
           </a:xfrm>
           <a:prstGeom prst="rect">
@@ -25851,17 +25856,811 @@
             <a:pPr algn="ctr"/>
             <a:r>
               <a:rPr lang="ru-RU" sz="700" dirty="0"/>
-              <a:t>Запросить помощь мирового пролетариата</a:t>
-            </a:r>
+              <a:t>Создать объединённое правительство </a:t>
+            </a:r>
+            <a:r>
+              <a:rPr lang="ru-RU" sz="300" dirty="0"/>
+              <a:t>(если Испания условно левая или </a:t>
+            </a:r>
+            <a:r>
+              <a:rPr lang="ru-RU" sz="300" dirty="0" err="1"/>
+              <a:t>комми</a:t>
+            </a:r>
+            <a:r>
+              <a:rPr lang="ru-RU" sz="300" dirty="0"/>
+              <a:t>. Баланс сил между кортесами и парламентом </a:t>
+            </a:r>
+            <a:r>
+              <a:rPr lang="ru-RU" sz="300" dirty="0" err="1"/>
+              <a:t>франции</a:t>
+            </a:r>
+            <a:r>
+              <a:rPr lang="ru-RU" sz="300" dirty="0"/>
+              <a:t>)</a:t>
+            </a:r>
+            <a:endParaRPr lang="ru-RU" sz="700" dirty="0"/>
           </a:p>
         </p:txBody>
       </p:sp>
       <p:cxnSp>
         <p:nvCxnSpPr>
-          <p:cNvPr id="553" name="Соединительная линия уступом 595">
-            <a:extLst>
-              <a:ext uri="{FF2B5EF4-FFF2-40B4-BE49-F238E27FC236}">
-                <a16:creationId xmlns:a16="http://schemas.microsoft.com/office/drawing/2014/main" id="{11AF9684-AFA4-4AC5-AF90-0242553869E6}"/>
+          <p:cNvPr id="556" name="Соединительная линия уступом 620">
+            <a:extLst>
+              <a:ext uri="{FF2B5EF4-FFF2-40B4-BE49-F238E27FC236}">
+                <a16:creationId xmlns:a16="http://schemas.microsoft.com/office/drawing/2014/main" id="{A2E88370-0671-449A-92FD-2FEFBE22E475}"/>
+              </a:ext>
+            </a:extLst>
+          </p:cNvPr>
+          <p:cNvCxnSpPr>
+            <a:cxnSpLocks/>
+            <a:stCxn id="135" idx="2"/>
+            <a:endCxn id="444" idx="0"/>
+          </p:cNvCxnSpPr>
+          <p:nvPr/>
+        </p:nvCxnSpPr>
+        <p:spPr>
+          <a:xfrm rot="16200000" flipH="1">
+            <a:off x="19935613" y="4927841"/>
+            <a:ext cx="246956" cy="570487"/>
+          </a:xfrm>
+          <a:prstGeom prst="bentConnector3">
+            <a:avLst>
+              <a:gd name="adj1" fmla="val 50000"/>
+            </a:avLst>
+          </a:prstGeom>
+          <a:ln w="19050">
+            <a:tailEnd type="arrow"/>
+          </a:ln>
+        </p:spPr>
+        <p:style>
+          <a:lnRef idx="1">
+            <a:schemeClr val="accent1"/>
+          </a:lnRef>
+          <a:fillRef idx="0">
+            <a:schemeClr val="accent1"/>
+          </a:fillRef>
+          <a:effectRef idx="0">
+            <a:schemeClr val="accent1"/>
+          </a:effectRef>
+          <a:fontRef idx="minor">
+            <a:schemeClr val="tx1"/>
+          </a:fontRef>
+        </p:style>
+      </p:cxnSp>
+      <p:sp>
+        <p:nvSpPr>
+          <p:cNvPr id="545" name="Прямоугольник 544">
+            <a:extLst>
+              <a:ext uri="{FF2B5EF4-FFF2-40B4-BE49-F238E27FC236}">
+                <a16:creationId xmlns:a16="http://schemas.microsoft.com/office/drawing/2014/main" id="{CAE5E28E-7281-4CB1-AA70-295BD2AF9B45}"/>
+              </a:ext>
+            </a:extLst>
+          </p:cNvPr>
+          <p:cNvSpPr/>
+          <p:nvPr/>
+        </p:nvSpPr>
+        <p:spPr>
+          <a:xfrm>
+            <a:off x="14771856" y="5332102"/>
+            <a:ext cx="926325" cy="540000"/>
+          </a:xfrm>
+          <a:prstGeom prst="rect">
+            <a:avLst/>
+          </a:prstGeom>
+          <a:solidFill>
+            <a:srgbClr val="FF0000"/>
+          </a:solidFill>
+          <a:ln w="19050"/>
+        </p:spPr>
+        <p:style>
+          <a:lnRef idx="2">
+            <a:schemeClr val="accent1"/>
+          </a:lnRef>
+          <a:fillRef idx="1">
+            <a:schemeClr val="lt1"/>
+          </a:fillRef>
+          <a:effectRef idx="0">
+            <a:schemeClr val="accent1"/>
+          </a:effectRef>
+          <a:fontRef idx="minor">
+            <a:schemeClr val="dk1"/>
+          </a:fontRef>
+        </p:style>
+        <p:txBody>
+          <a:bodyPr lIns="124733" tIns="62367" rIns="124733" bIns="62367" rtlCol="0" anchor="ctr"/>
+          <a:lstStyle/>
+          <a:p>
+            <a:pPr algn="ctr"/>
+            <a:r>
+              <a:rPr lang="ru-RU" sz="700" dirty="0"/>
+              <a:t>Введение военного положения</a:t>
+            </a:r>
+          </a:p>
+        </p:txBody>
+      </p:sp>
+      <p:cxnSp>
+        <p:nvCxnSpPr>
+          <p:cNvPr id="557" name="Соединительная линия уступом 620">
+            <a:extLst>
+              <a:ext uri="{FF2B5EF4-FFF2-40B4-BE49-F238E27FC236}">
+                <a16:creationId xmlns:a16="http://schemas.microsoft.com/office/drawing/2014/main" id="{0B1011AD-72EA-45CD-9901-BB142EFA8539}"/>
+              </a:ext>
+            </a:extLst>
+          </p:cNvPr>
+          <p:cNvCxnSpPr>
+            <a:cxnSpLocks/>
+            <a:stCxn id="136" idx="2"/>
+            <a:endCxn id="545" idx="0"/>
+          </p:cNvCxnSpPr>
+          <p:nvPr/>
+        </p:nvCxnSpPr>
+        <p:spPr>
+          <a:xfrm rot="16200000" flipH="1">
+            <a:off x="15111338" y="5208421"/>
+            <a:ext cx="243966" cy="3396"/>
+          </a:xfrm>
+          <a:prstGeom prst="bentConnector3">
+            <a:avLst>
+              <a:gd name="adj1" fmla="val 50000"/>
+            </a:avLst>
+          </a:prstGeom>
+          <a:ln w="19050">
+            <a:tailEnd type="arrow"/>
+          </a:ln>
+        </p:spPr>
+        <p:style>
+          <a:lnRef idx="1">
+            <a:schemeClr val="accent1"/>
+          </a:lnRef>
+          <a:fillRef idx="0">
+            <a:schemeClr val="accent1"/>
+          </a:fillRef>
+          <a:effectRef idx="0">
+            <a:schemeClr val="accent1"/>
+          </a:effectRef>
+          <a:fontRef idx="minor">
+            <a:schemeClr val="tx1"/>
+          </a:fontRef>
+        </p:style>
+      </p:cxnSp>
+      <p:cxnSp>
+        <p:nvCxnSpPr>
+          <p:cNvPr id="559" name="Соединительная линия уступом 620">
+            <a:extLst>
+              <a:ext uri="{FF2B5EF4-FFF2-40B4-BE49-F238E27FC236}">
+                <a16:creationId xmlns:a16="http://schemas.microsoft.com/office/drawing/2014/main" id="{7EAFB095-A1C7-4212-8457-A96B7ECD2EEB}"/>
+              </a:ext>
+            </a:extLst>
+          </p:cNvPr>
+          <p:cNvCxnSpPr>
+            <a:cxnSpLocks/>
+            <a:stCxn id="545" idx="2"/>
+            <a:endCxn id="427" idx="0"/>
+          </p:cNvCxnSpPr>
+          <p:nvPr/>
+        </p:nvCxnSpPr>
+        <p:spPr>
+          <a:xfrm rot="16200000" flipH="1">
+            <a:off x="15676522" y="5430598"/>
+            <a:ext cx="251749" cy="1134755"/>
+          </a:xfrm>
+          <a:prstGeom prst="bentConnector3">
+            <a:avLst>
+              <a:gd name="adj1" fmla="val 50000"/>
+            </a:avLst>
+          </a:prstGeom>
+          <a:ln w="19050">
+            <a:tailEnd type="arrow"/>
+          </a:ln>
+        </p:spPr>
+        <p:style>
+          <a:lnRef idx="1">
+            <a:schemeClr val="accent1"/>
+          </a:lnRef>
+          <a:fillRef idx="0">
+            <a:schemeClr val="accent1"/>
+          </a:fillRef>
+          <a:effectRef idx="0">
+            <a:schemeClr val="accent1"/>
+          </a:effectRef>
+          <a:fontRef idx="minor">
+            <a:schemeClr val="tx1"/>
+          </a:fontRef>
+        </p:style>
+      </p:cxnSp>
+      <p:sp>
+        <p:nvSpPr>
+          <p:cNvPr id="554" name="Прямоугольник 553">
+            <a:extLst>
+              <a:ext uri="{FF2B5EF4-FFF2-40B4-BE49-F238E27FC236}">
+                <a16:creationId xmlns:a16="http://schemas.microsoft.com/office/drawing/2014/main" id="{E077303E-ACAB-4AC4-9C55-8CC0FB4545F5}"/>
+              </a:ext>
+            </a:extLst>
+          </p:cNvPr>
+          <p:cNvSpPr/>
+          <p:nvPr/>
+        </p:nvSpPr>
+        <p:spPr>
+          <a:xfrm>
+            <a:off x="14768460" y="3738136"/>
+            <a:ext cx="926325" cy="540000"/>
+          </a:xfrm>
+          <a:prstGeom prst="rect">
+            <a:avLst/>
+          </a:prstGeom>
+          <a:solidFill>
+            <a:srgbClr val="FF0000"/>
+          </a:solidFill>
+          <a:ln w="19050"/>
+        </p:spPr>
+        <p:style>
+          <a:lnRef idx="2">
+            <a:schemeClr val="accent1"/>
+          </a:lnRef>
+          <a:fillRef idx="1">
+            <a:schemeClr val="lt1"/>
+          </a:fillRef>
+          <a:effectRef idx="0">
+            <a:schemeClr val="accent1"/>
+          </a:effectRef>
+          <a:fontRef idx="minor">
+            <a:schemeClr val="dk1"/>
+          </a:fontRef>
+        </p:style>
+        <p:txBody>
+          <a:bodyPr lIns="124733" tIns="62367" rIns="124733" bIns="62367" rtlCol="0" anchor="ctr"/>
+          <a:lstStyle/>
+          <a:p>
+            <a:pPr algn="ctr"/>
+            <a:r>
+              <a:rPr lang="ru-RU" sz="700" dirty="0"/>
+              <a:t>Механика объединения пролетариата </a:t>
+            </a:r>
+            <a:r>
+              <a:rPr lang="ru-RU" sz="100" dirty="0"/>
+              <a:t>(«Пролетариат желает и требует единства. </a:t>
+            </a:r>
+            <a:r>
+              <a:rPr lang="ru-RU" sz="100" dirty="0" err="1"/>
+              <a:t>Коммуни¬сты</a:t>
+            </a:r>
+            <a:r>
+              <a:rPr lang="ru-RU" sz="100" dirty="0"/>
+              <a:t> всеми силами борются за единство и братски </a:t>
+            </a:r>
+            <a:r>
+              <a:rPr lang="ru-RU" sz="100" dirty="0" err="1"/>
+              <a:t>протя¬гивают</a:t>
+            </a:r>
+            <a:r>
+              <a:rPr lang="ru-RU" sz="100" dirty="0"/>
+              <a:t> руку всем пролетариям, для того чтобы вместе одолеть и устранить все препятствия на пути к </a:t>
+            </a:r>
+            <a:r>
+              <a:rPr lang="ru-RU" sz="100" dirty="0" err="1"/>
+              <a:t>объеди¬нению</a:t>
+            </a:r>
+            <a:r>
+              <a:rPr lang="ru-RU" sz="100" dirty="0"/>
+              <a:t> рабочего класса....Мы стремимся использовать все возможности — демонстрации, забастовки, все виды протеста,— для того чтобы осуществить нашу задачу объединения, </a:t>
+            </a:r>
+            <a:r>
+              <a:rPr lang="ru-RU" sz="100" dirty="0" err="1"/>
+              <a:t>со¬бирания</a:t>
+            </a:r>
+            <a:r>
+              <a:rPr lang="ru-RU" sz="100" dirty="0"/>
+              <a:t> сил для общей борьбы трудящихся, каковы бы ни были их убеждения и к каким бы организациям они ни </a:t>
+            </a:r>
+            <a:r>
+              <a:rPr lang="ru-RU" sz="100" dirty="0" err="1"/>
+              <a:t>принадлежали.Мы</a:t>
+            </a:r>
+            <a:r>
+              <a:rPr lang="ru-RU" sz="100" dirty="0"/>
+              <a:t> боремся за воссоздание единой Всеобщей </a:t>
+            </a:r>
+            <a:r>
+              <a:rPr lang="ru-RU" sz="100" dirty="0" err="1"/>
+              <a:t>конфе-дерации</a:t>
+            </a:r>
+            <a:r>
+              <a:rPr lang="ru-RU" sz="100" dirty="0"/>
+              <a:t> труда, за единый рабочий класс, против </a:t>
+            </a:r>
+            <a:r>
+              <a:rPr lang="ru-RU" sz="100" dirty="0" err="1"/>
+              <a:t>бур¬жуазии</a:t>
+            </a:r>
+            <a:r>
+              <a:rPr lang="ru-RU" sz="100" dirty="0"/>
+              <a:t>, за единый профсоюз и единую партию </a:t>
+            </a:r>
+            <a:r>
+              <a:rPr lang="ru-RU" sz="100" dirty="0" err="1"/>
+              <a:t>про¬летариата</a:t>
+            </a:r>
+            <a:r>
+              <a:rPr lang="ru-RU" sz="100" dirty="0"/>
+              <a:t>!»)</a:t>
+            </a:r>
+            <a:endParaRPr lang="ru-RU" sz="700" dirty="0"/>
+          </a:p>
+        </p:txBody>
+      </p:sp>
+      <p:sp>
+        <p:nvSpPr>
+          <p:cNvPr id="560" name="Прямоугольник 559">
+            <a:extLst>
+              <a:ext uri="{FF2B5EF4-FFF2-40B4-BE49-F238E27FC236}">
+                <a16:creationId xmlns:a16="http://schemas.microsoft.com/office/drawing/2014/main" id="{663750FE-433F-432D-A295-E5B9816F7D2C}"/>
+              </a:ext>
+            </a:extLst>
+          </p:cNvPr>
+          <p:cNvSpPr/>
+          <p:nvPr/>
+        </p:nvSpPr>
+        <p:spPr>
+          <a:xfrm>
+            <a:off x="4744720" y="6146934"/>
+            <a:ext cx="926325" cy="540000"/>
+          </a:xfrm>
+          <a:prstGeom prst="rect">
+            <a:avLst/>
+          </a:prstGeom>
+          <a:solidFill>
+            <a:srgbClr val="7030A0"/>
+          </a:solidFill>
+          <a:ln w="19050"/>
+        </p:spPr>
+        <p:style>
+          <a:lnRef idx="2">
+            <a:schemeClr val="accent1"/>
+          </a:lnRef>
+          <a:fillRef idx="1">
+            <a:schemeClr val="lt1"/>
+          </a:fillRef>
+          <a:effectRef idx="0">
+            <a:schemeClr val="accent1"/>
+          </a:effectRef>
+          <a:fontRef idx="minor">
+            <a:schemeClr val="dk1"/>
+          </a:fontRef>
+        </p:style>
+        <p:txBody>
+          <a:bodyPr lIns="124733" tIns="62367" rIns="124733" bIns="62367" rtlCol="0" anchor="ctr"/>
+          <a:lstStyle/>
+          <a:p>
+            <a:pPr algn="ctr"/>
+            <a:r>
+              <a:rPr lang="ru-RU" sz="700" dirty="0"/>
+              <a:t>Умеренная отмена секуляризации </a:t>
+            </a:r>
+            <a:r>
+              <a:rPr lang="ru-RU" sz="100" dirty="0"/>
+              <a:t>(В начале 20-го века «Французское действие» поддерживалось значительной частью французского епископата, но у него также были «яростные противники» , которые осуждали ошибки или призывали к его осуждению. Некоторые ценят строгую защиту догматических утверждений христианской веры)</a:t>
+            </a:r>
+            <a:endParaRPr lang="ru-RU" sz="700" dirty="0"/>
+          </a:p>
+        </p:txBody>
+      </p:sp>
+      <p:sp>
+        <p:nvSpPr>
+          <p:cNvPr id="561" name="Прямоугольник 560">
+            <a:extLst>
+              <a:ext uri="{FF2B5EF4-FFF2-40B4-BE49-F238E27FC236}">
+                <a16:creationId xmlns:a16="http://schemas.microsoft.com/office/drawing/2014/main" id="{FB97E2DA-4BF9-4794-BD67-C012A62FB4D3}"/>
+              </a:ext>
+            </a:extLst>
+          </p:cNvPr>
+          <p:cNvSpPr/>
+          <p:nvPr/>
+        </p:nvSpPr>
+        <p:spPr>
+          <a:xfrm>
+            <a:off x="3601059" y="6150586"/>
+            <a:ext cx="926325" cy="540000"/>
+          </a:xfrm>
+          <a:prstGeom prst="rect">
+            <a:avLst/>
+          </a:prstGeom>
+          <a:solidFill>
+            <a:srgbClr val="7030A0"/>
+          </a:solidFill>
+          <a:ln w="19050"/>
+        </p:spPr>
+        <p:style>
+          <a:lnRef idx="2">
+            <a:schemeClr val="accent1"/>
+          </a:lnRef>
+          <a:fillRef idx="1">
+            <a:schemeClr val="lt1"/>
+          </a:fillRef>
+          <a:effectRef idx="0">
+            <a:schemeClr val="accent1"/>
+          </a:effectRef>
+          <a:fontRef idx="minor">
+            <a:schemeClr val="dk1"/>
+          </a:fontRef>
+        </p:style>
+        <p:txBody>
+          <a:bodyPr lIns="124733" tIns="62367" rIns="124733" bIns="62367" rtlCol="0" anchor="ctr"/>
+          <a:lstStyle/>
+          <a:p>
+            <a:pPr algn="ctr"/>
+            <a:r>
+              <a:rPr lang="ru-RU" sz="700" dirty="0"/>
+              <a:t>Строгое следование догматам христианской веры </a:t>
+            </a:r>
+            <a:r>
+              <a:rPr lang="ru-RU" sz="100" dirty="0"/>
+              <a:t>(Осуждение </a:t>
+            </a:r>
+            <a:r>
+              <a:rPr lang="ru-RU" sz="100" dirty="0" err="1"/>
+              <a:t>Сильона</a:t>
+            </a:r>
+            <a:r>
+              <a:rPr lang="ru-RU" sz="100" dirty="0"/>
+              <a:t> Римом в 1910 году [ 16 ] еще больше усилило интерес католиков к «Французскому действию». Движение </a:t>
+            </a:r>
+            <a:r>
+              <a:rPr lang="ru-RU" sz="100" dirty="0" err="1"/>
+              <a:t>Морраса</a:t>
+            </a:r>
+            <a:r>
+              <a:rPr lang="ru-RU" sz="100" dirty="0"/>
+              <a:t>, через христианскую веру, разделяемую его членами, и в соответствии с социальными и политическими соображениями, видит в Католической, Апостольской и Римской церкви инициатора французского политического баланса и обеспечения общественного организма здоровым </a:t>
+            </a:r>
+            <a:r>
+              <a:rPr lang="ru-RU" sz="100" dirty="0" err="1"/>
+              <a:t>французомтут</a:t>
+            </a:r>
+            <a:r>
+              <a:rPr lang="ru-RU" sz="100" dirty="0"/>
+              <a:t> школы вернутся церквям, т.е. -% к исследованиям)</a:t>
+            </a:r>
+            <a:endParaRPr lang="ru-RU" sz="700" dirty="0"/>
+          </a:p>
+        </p:txBody>
+      </p:sp>
+      <p:cxnSp>
+        <p:nvCxnSpPr>
+          <p:cNvPr id="562" name="Прямая соединительная линия 561">
+            <a:extLst>
+              <a:ext uri="{FF2B5EF4-FFF2-40B4-BE49-F238E27FC236}">
+                <a16:creationId xmlns:a16="http://schemas.microsoft.com/office/drawing/2014/main" id="{78857B68-540B-4919-BD63-70F4BF42307A}"/>
+              </a:ext>
+            </a:extLst>
+          </p:cNvPr>
+          <p:cNvCxnSpPr>
+            <a:cxnSpLocks/>
+            <a:stCxn id="561" idx="3"/>
+            <a:endCxn id="560" idx="1"/>
+          </p:cNvCxnSpPr>
+          <p:nvPr/>
+        </p:nvCxnSpPr>
+        <p:spPr>
+          <a:xfrm flipV="1">
+            <a:off x="4527384" y="6416934"/>
+            <a:ext cx="217336" cy="3652"/>
+          </a:xfrm>
+          <a:prstGeom prst="line">
+            <a:avLst/>
+          </a:prstGeom>
+          <a:ln w="19050">
+            <a:solidFill>
+              <a:srgbClr val="FF0000"/>
+            </a:solidFill>
+          </a:ln>
+        </p:spPr>
+        <p:style>
+          <a:lnRef idx="1">
+            <a:schemeClr val="accent1"/>
+          </a:lnRef>
+          <a:fillRef idx="0">
+            <a:schemeClr val="accent1"/>
+          </a:fillRef>
+          <a:effectRef idx="0">
+            <a:schemeClr val="accent1"/>
+          </a:effectRef>
+          <a:fontRef idx="minor">
+            <a:schemeClr val="tx1"/>
+          </a:fontRef>
+        </p:style>
+      </p:cxnSp>
+      <p:sp>
+        <p:nvSpPr>
+          <p:cNvPr id="563" name="Прямоугольник 562">
+            <a:extLst>
+              <a:ext uri="{FF2B5EF4-FFF2-40B4-BE49-F238E27FC236}">
+                <a16:creationId xmlns:a16="http://schemas.microsoft.com/office/drawing/2014/main" id="{5B5B2D2E-5C7D-4263-98C1-EEBE3A7F3B6C}"/>
+              </a:ext>
+            </a:extLst>
+          </p:cNvPr>
+          <p:cNvSpPr/>
+          <p:nvPr/>
+        </p:nvSpPr>
+        <p:spPr>
+          <a:xfrm>
+            <a:off x="14771857" y="6901319"/>
+            <a:ext cx="926325" cy="540000"/>
+          </a:xfrm>
+          <a:prstGeom prst="rect">
+            <a:avLst/>
+          </a:prstGeom>
+          <a:solidFill>
+            <a:srgbClr val="FF0000"/>
+          </a:solidFill>
+          <a:ln w="19050"/>
+        </p:spPr>
+        <p:style>
+          <a:lnRef idx="2">
+            <a:schemeClr val="accent1"/>
+          </a:lnRef>
+          <a:fillRef idx="1">
+            <a:schemeClr val="lt1"/>
+          </a:fillRef>
+          <a:effectRef idx="0">
+            <a:schemeClr val="accent1"/>
+          </a:effectRef>
+          <a:fontRef idx="minor">
+            <a:schemeClr val="dk1"/>
+          </a:fontRef>
+        </p:style>
+        <p:txBody>
+          <a:bodyPr lIns="124733" tIns="62367" rIns="124733" bIns="62367" rtlCol="0" anchor="ctr"/>
+          <a:lstStyle/>
+          <a:p>
+            <a:pPr algn="ctr"/>
+            <a:r>
+              <a:rPr lang="ru-RU" sz="700" dirty="0"/>
+              <a:t>Подхватить флаг Коминтерна (если СССР пало или в ГВ)</a:t>
+            </a:r>
+          </a:p>
+        </p:txBody>
+      </p:sp>
+      <p:sp>
+        <p:nvSpPr>
+          <p:cNvPr id="564" name="Прямоугольник 563">
+            <a:extLst>
+              <a:ext uri="{FF2B5EF4-FFF2-40B4-BE49-F238E27FC236}">
+                <a16:creationId xmlns:a16="http://schemas.microsoft.com/office/drawing/2014/main" id="{B0B5F5A1-9EAE-4A9B-AA85-DA3622C63194}"/>
+              </a:ext>
+            </a:extLst>
+          </p:cNvPr>
+          <p:cNvSpPr/>
+          <p:nvPr/>
+        </p:nvSpPr>
+        <p:spPr>
+          <a:xfrm>
+            <a:off x="13635638" y="6901319"/>
+            <a:ext cx="926325" cy="540000"/>
+          </a:xfrm>
+          <a:prstGeom prst="rect">
+            <a:avLst/>
+          </a:prstGeom>
+          <a:solidFill>
+            <a:srgbClr val="FF0000"/>
+          </a:solidFill>
+          <a:ln w="19050"/>
+        </p:spPr>
+        <p:style>
+          <a:lnRef idx="2">
+            <a:schemeClr val="accent1"/>
+          </a:lnRef>
+          <a:fillRef idx="1">
+            <a:schemeClr val="lt1"/>
+          </a:fillRef>
+          <a:effectRef idx="0">
+            <a:schemeClr val="accent1"/>
+          </a:effectRef>
+          <a:fontRef idx="minor">
+            <a:schemeClr val="dk1"/>
+          </a:fontRef>
+        </p:style>
+        <p:txBody>
+          <a:bodyPr lIns="124733" tIns="62367" rIns="124733" bIns="62367" rtlCol="0" anchor="ctr"/>
+          <a:lstStyle/>
+          <a:p>
+            <a:pPr algn="ctr"/>
+            <a:r>
+              <a:rPr lang="ru-RU" sz="700" dirty="0"/>
+              <a:t>Подтвердить верность Коминтерну</a:t>
+            </a:r>
+          </a:p>
+        </p:txBody>
+      </p:sp>
+      <p:cxnSp>
+        <p:nvCxnSpPr>
+          <p:cNvPr id="565" name="Прямая соединительная линия 564">
+            <a:extLst>
+              <a:ext uri="{FF2B5EF4-FFF2-40B4-BE49-F238E27FC236}">
+                <a16:creationId xmlns:a16="http://schemas.microsoft.com/office/drawing/2014/main" id="{DFF972F4-4009-49C5-AFDC-DD1721AF32D1}"/>
+              </a:ext>
+            </a:extLst>
+          </p:cNvPr>
+          <p:cNvCxnSpPr>
+            <a:cxnSpLocks/>
+            <a:stCxn id="564" idx="3"/>
+            <a:endCxn id="563" idx="1"/>
+          </p:cNvCxnSpPr>
+          <p:nvPr/>
+        </p:nvCxnSpPr>
+        <p:spPr>
+          <a:xfrm>
+            <a:off x="14561963" y="7171319"/>
+            <a:ext cx="209894" cy="0"/>
+          </a:xfrm>
+          <a:prstGeom prst="line">
+            <a:avLst/>
+          </a:prstGeom>
+          <a:ln w="19050">
+            <a:solidFill>
+              <a:srgbClr val="FF0000"/>
+            </a:solidFill>
+          </a:ln>
+        </p:spPr>
+        <p:style>
+          <a:lnRef idx="1">
+            <a:schemeClr val="accent1"/>
+          </a:lnRef>
+          <a:fillRef idx="0">
+            <a:schemeClr val="accent1"/>
+          </a:fillRef>
+          <a:effectRef idx="0">
+            <a:schemeClr val="accent1"/>
+          </a:effectRef>
+          <a:fontRef idx="minor">
+            <a:schemeClr val="tx1"/>
+          </a:fontRef>
+        </p:style>
+      </p:cxnSp>
+      <p:sp>
+        <p:nvSpPr>
+          <p:cNvPr id="568" name="Прямоугольник 567">
+            <a:extLst>
+              <a:ext uri="{FF2B5EF4-FFF2-40B4-BE49-F238E27FC236}">
+                <a16:creationId xmlns:a16="http://schemas.microsoft.com/office/drawing/2014/main" id="{2D59947C-CEB7-4E97-B2BF-1D34390780CE}"/>
+              </a:ext>
+            </a:extLst>
+          </p:cNvPr>
+          <p:cNvSpPr/>
+          <p:nvPr/>
+        </p:nvSpPr>
+        <p:spPr>
+          <a:xfrm>
+            <a:off x="14769599" y="6132894"/>
+            <a:ext cx="926325" cy="540000"/>
+          </a:xfrm>
+          <a:prstGeom prst="rect">
+            <a:avLst/>
+          </a:prstGeom>
+          <a:solidFill>
+            <a:srgbClr val="FF0000"/>
+          </a:solidFill>
+          <a:ln w="19050"/>
+        </p:spPr>
+        <p:style>
+          <a:lnRef idx="2">
+            <a:schemeClr val="accent1"/>
+          </a:lnRef>
+          <a:fillRef idx="1">
+            <a:schemeClr val="lt1"/>
+          </a:fillRef>
+          <a:effectRef idx="0">
+            <a:schemeClr val="accent1"/>
+          </a:effectRef>
+          <a:fontRef idx="minor">
+            <a:schemeClr val="dk1"/>
+          </a:fontRef>
+        </p:style>
+        <p:txBody>
+          <a:bodyPr lIns="124733" tIns="62367" rIns="124733" bIns="62367" rtlCol="0" anchor="ctr"/>
+          <a:lstStyle/>
+          <a:p>
+            <a:pPr algn="ctr"/>
+            <a:r>
+              <a:rPr lang="ru-RU" sz="700" dirty="0"/>
+              <a:t>Запросить помощь мирового пролетариата</a:t>
+            </a:r>
+          </a:p>
+        </p:txBody>
+      </p:sp>
+      <p:cxnSp>
+        <p:nvCxnSpPr>
+          <p:cNvPr id="569" name="Соединительная линия уступом 620">
+            <a:extLst>
+              <a:ext uri="{FF2B5EF4-FFF2-40B4-BE49-F238E27FC236}">
+                <a16:creationId xmlns:a16="http://schemas.microsoft.com/office/drawing/2014/main" id="{A5386556-8FE4-4A28-B47E-6EDE142871D7}"/>
+              </a:ext>
+            </a:extLst>
+          </p:cNvPr>
+          <p:cNvCxnSpPr>
+            <a:cxnSpLocks/>
+            <a:stCxn id="545" idx="2"/>
+            <a:endCxn id="431" idx="0"/>
+          </p:cNvCxnSpPr>
+          <p:nvPr/>
+        </p:nvCxnSpPr>
+        <p:spPr>
+          <a:xfrm rot="5400000">
+            <a:off x="14541965" y="5426168"/>
+            <a:ext cx="247120" cy="1138988"/>
+          </a:xfrm>
+          <a:prstGeom prst="bentConnector3">
+            <a:avLst>
+              <a:gd name="adj1" fmla="val 50000"/>
+            </a:avLst>
+          </a:prstGeom>
+          <a:ln w="19050">
+            <a:tailEnd type="arrow"/>
+          </a:ln>
+        </p:spPr>
+        <p:style>
+          <a:lnRef idx="1">
+            <a:schemeClr val="accent1"/>
+          </a:lnRef>
+          <a:fillRef idx="0">
+            <a:schemeClr val="accent1"/>
+          </a:fillRef>
+          <a:effectRef idx="0">
+            <a:schemeClr val="accent1"/>
+          </a:effectRef>
+          <a:fontRef idx="minor">
+            <a:schemeClr val="tx1"/>
+          </a:fontRef>
+        </p:style>
+      </p:cxnSp>
+      <p:cxnSp>
+        <p:nvCxnSpPr>
+          <p:cNvPr id="570" name="Прямая со стрелкой 569">
+            <a:extLst>
+              <a:ext uri="{FF2B5EF4-FFF2-40B4-BE49-F238E27FC236}">
+                <a16:creationId xmlns:a16="http://schemas.microsoft.com/office/drawing/2014/main" id="{09620DF2-78A4-4FF9-9243-68EAF60A968D}"/>
+              </a:ext>
+            </a:extLst>
+          </p:cNvPr>
+          <p:cNvCxnSpPr>
+            <a:cxnSpLocks/>
+            <a:stCxn id="545" idx="2"/>
+            <a:endCxn id="568" idx="0"/>
+          </p:cNvCxnSpPr>
+          <p:nvPr/>
+        </p:nvCxnSpPr>
+        <p:spPr>
+          <a:xfrm flipH="1">
+            <a:off x="15232762" y="5872102"/>
+            <a:ext cx="2257" cy="260792"/>
+          </a:xfrm>
+          <a:prstGeom prst="straightConnector1">
+            <a:avLst/>
+          </a:prstGeom>
+          <a:ln w="19050">
+            <a:tailEnd type="arrow"/>
+          </a:ln>
+        </p:spPr>
+        <p:style>
+          <a:lnRef idx="1">
+            <a:schemeClr val="accent1"/>
+          </a:lnRef>
+          <a:fillRef idx="0">
+            <a:schemeClr val="accent1"/>
+          </a:fillRef>
+          <a:effectRef idx="0">
+            <a:schemeClr val="accent1"/>
+          </a:effectRef>
+          <a:fontRef idx="minor">
+            <a:schemeClr val="tx1"/>
+          </a:fontRef>
+        </p:style>
+      </p:cxnSp>
+      <p:cxnSp>
+        <p:nvCxnSpPr>
+          <p:cNvPr id="575" name="Прямая со стрелкой 574">
+            <a:extLst>
+              <a:ext uri="{FF2B5EF4-FFF2-40B4-BE49-F238E27FC236}">
+                <a16:creationId xmlns:a16="http://schemas.microsoft.com/office/drawing/2014/main" id="{C794AE36-3D40-4D4C-9FA8-DC4CF4D47A8B}"/>
               </a:ext>
             </a:extLst>
           </p:cNvPr>
@@ -25873,9 +26672,189 @@
           <p:nvPr/>
         </p:nvCxnSpPr>
         <p:spPr>
-          <a:xfrm rot="5400000">
-            <a:off x="16534234" y="6495041"/>
-            <a:ext cx="246270" cy="574634"/>
+          <a:xfrm>
+            <a:off x="16369774" y="6663851"/>
+            <a:ext cx="278" cy="241642"/>
+          </a:xfrm>
+          <a:prstGeom prst="straightConnector1">
+            <a:avLst/>
+          </a:prstGeom>
+          <a:ln w="19050">
+            <a:tailEnd type="arrow"/>
+          </a:ln>
+        </p:spPr>
+        <p:style>
+          <a:lnRef idx="1">
+            <a:schemeClr val="accent1"/>
+          </a:lnRef>
+          <a:fillRef idx="0">
+            <a:schemeClr val="accent1"/>
+          </a:fillRef>
+          <a:effectRef idx="0">
+            <a:schemeClr val="accent1"/>
+          </a:effectRef>
+          <a:fontRef idx="minor">
+            <a:schemeClr val="tx1"/>
+          </a:fontRef>
+        </p:style>
+      </p:cxnSp>
+      <p:cxnSp>
+        <p:nvCxnSpPr>
+          <p:cNvPr id="576" name="Прямая со стрелкой 575">
+            <a:extLst>
+              <a:ext uri="{FF2B5EF4-FFF2-40B4-BE49-F238E27FC236}">
+                <a16:creationId xmlns:a16="http://schemas.microsoft.com/office/drawing/2014/main" id="{7F4B911E-056B-4B20-B7D0-238E63ADF186}"/>
+              </a:ext>
+            </a:extLst>
+          </p:cNvPr>
+          <p:cNvCxnSpPr>
+            <a:cxnSpLocks/>
+            <a:stCxn id="568" idx="2"/>
+            <a:endCxn id="563" idx="0"/>
+          </p:cNvCxnSpPr>
+          <p:nvPr/>
+        </p:nvCxnSpPr>
+        <p:spPr>
+          <a:xfrm>
+            <a:off x="15232762" y="6672894"/>
+            <a:ext cx="2258" cy="228425"/>
+          </a:xfrm>
+          <a:prstGeom prst="straightConnector1">
+            <a:avLst/>
+          </a:prstGeom>
+          <a:ln w="19050">
+            <a:tailEnd type="arrow"/>
+          </a:ln>
+        </p:spPr>
+        <p:style>
+          <a:lnRef idx="1">
+            <a:schemeClr val="accent1"/>
+          </a:lnRef>
+          <a:fillRef idx="0">
+            <a:schemeClr val="accent1"/>
+          </a:fillRef>
+          <a:effectRef idx="0">
+            <a:schemeClr val="accent1"/>
+          </a:effectRef>
+          <a:fontRef idx="minor">
+            <a:schemeClr val="tx1"/>
+          </a:fontRef>
+        </p:style>
+      </p:cxnSp>
+      <p:cxnSp>
+        <p:nvCxnSpPr>
+          <p:cNvPr id="577" name="Прямая со стрелкой 576">
+            <a:extLst>
+              <a:ext uri="{FF2B5EF4-FFF2-40B4-BE49-F238E27FC236}">
+                <a16:creationId xmlns:a16="http://schemas.microsoft.com/office/drawing/2014/main" id="{DB458039-F08D-4118-95C7-F9A76CD3E05B}"/>
+              </a:ext>
+            </a:extLst>
+          </p:cNvPr>
+          <p:cNvCxnSpPr>
+            <a:cxnSpLocks/>
+            <a:stCxn id="431" idx="2"/>
+            <a:endCxn id="564" idx="0"/>
+          </p:cNvCxnSpPr>
+          <p:nvPr/>
+        </p:nvCxnSpPr>
+        <p:spPr>
+          <a:xfrm>
+            <a:off x="14096031" y="6659222"/>
+            <a:ext cx="2770" cy="242097"/>
+          </a:xfrm>
+          <a:prstGeom prst="straightConnector1">
+            <a:avLst/>
+          </a:prstGeom>
+          <a:ln w="19050">
+            <a:tailEnd type="arrow"/>
+          </a:ln>
+        </p:spPr>
+        <p:style>
+          <a:lnRef idx="1">
+            <a:schemeClr val="accent1"/>
+          </a:lnRef>
+          <a:fillRef idx="0">
+            <a:schemeClr val="accent1"/>
+          </a:fillRef>
+          <a:effectRef idx="0">
+            <a:schemeClr val="accent1"/>
+          </a:effectRef>
+          <a:fontRef idx="minor">
+            <a:schemeClr val="tx1"/>
+          </a:fontRef>
+        </p:style>
+      </p:cxnSp>
+      <p:sp>
+        <p:nvSpPr>
+          <p:cNvPr id="578" name="Прямоугольник 577">
+            <a:extLst>
+              <a:ext uri="{FF2B5EF4-FFF2-40B4-BE49-F238E27FC236}">
+                <a16:creationId xmlns:a16="http://schemas.microsoft.com/office/drawing/2014/main" id="{03F6AC4E-B029-451D-917D-3388A120D559}"/>
+              </a:ext>
+            </a:extLst>
+          </p:cNvPr>
+          <p:cNvSpPr/>
+          <p:nvPr/>
+        </p:nvSpPr>
+        <p:spPr>
+          <a:xfrm>
+            <a:off x="15910099" y="5333968"/>
+            <a:ext cx="926325" cy="540000"/>
+          </a:xfrm>
+          <a:prstGeom prst="rect">
+            <a:avLst/>
+          </a:prstGeom>
+          <a:solidFill>
+            <a:srgbClr val="FF0000"/>
+          </a:solidFill>
+          <a:ln w="19050"/>
+        </p:spPr>
+        <p:style>
+          <a:lnRef idx="2">
+            <a:schemeClr val="accent1"/>
+          </a:lnRef>
+          <a:fillRef idx="1">
+            <a:schemeClr val="lt1"/>
+          </a:fillRef>
+          <a:effectRef idx="0">
+            <a:schemeClr val="accent1"/>
+          </a:effectRef>
+          <a:fontRef idx="minor">
+            <a:schemeClr val="dk1"/>
+          </a:fontRef>
+        </p:style>
+        <p:txBody>
+          <a:bodyPr lIns="124733" tIns="62367" rIns="124733" bIns="62367" rtlCol="0" anchor="ctr"/>
+          <a:lstStyle/>
+          <a:p>
+            <a:pPr algn="ctr"/>
+            <a:r>
+              <a:rPr lang="ru-RU" sz="700" dirty="0"/>
+              <a:t>Оказать поддержку СССР против Финляндии</a:t>
+            </a:r>
+          </a:p>
+        </p:txBody>
+      </p:sp>
+      <p:cxnSp>
+        <p:nvCxnSpPr>
+          <p:cNvPr id="579" name="Соединительная линия уступом 620">
+            <a:extLst>
+              <a:ext uri="{FF2B5EF4-FFF2-40B4-BE49-F238E27FC236}">
+                <a16:creationId xmlns:a16="http://schemas.microsoft.com/office/drawing/2014/main" id="{DFFE4DD1-D4A4-4F4A-8FA3-6D3ACC0269AD}"/>
+              </a:ext>
+            </a:extLst>
+          </p:cNvPr>
+          <p:cNvCxnSpPr>
+            <a:cxnSpLocks/>
+            <a:stCxn id="136" idx="2"/>
+            <a:endCxn id="578" idx="0"/>
+          </p:cNvCxnSpPr>
+          <p:nvPr/>
+        </p:nvCxnSpPr>
+        <p:spPr>
+          <a:xfrm rot="16200000" flipH="1">
+            <a:off x="15679526" y="4640232"/>
+            <a:ext cx="245832" cy="1141639"/>
           </a:xfrm>
           <a:prstGeom prst="bentConnector3">
             <a:avLst>
@@ -25883,7 +26862,6 @@
             </a:avLst>
           </a:prstGeom>
           <a:ln w="19050">
-            <a:prstDash val="dash"/>
             <a:tailEnd type="arrow"/>
           </a:ln>
         </p:spPr>
@@ -25902,103 +26880,12 @@
           </a:fontRef>
         </p:style>
       </p:cxnSp>
-      <p:cxnSp>
-        <p:nvCxnSpPr>
-          <p:cNvPr id="556" name="Соединительная линия уступом 620">
-            <a:extLst>
-              <a:ext uri="{FF2B5EF4-FFF2-40B4-BE49-F238E27FC236}">
-                <a16:creationId xmlns:a16="http://schemas.microsoft.com/office/drawing/2014/main" id="{A2E88370-0671-449A-92FD-2FEFBE22E475}"/>
-              </a:ext>
-            </a:extLst>
-          </p:cNvPr>
-          <p:cNvCxnSpPr>
-            <a:cxnSpLocks/>
-            <a:stCxn id="135" idx="2"/>
-            <a:endCxn id="444" idx="0"/>
-          </p:cNvCxnSpPr>
-          <p:nvPr/>
-        </p:nvCxnSpPr>
-        <p:spPr>
-          <a:xfrm rot="16200000" flipH="1">
-            <a:off x="19935613" y="4927841"/>
-            <a:ext cx="246956" cy="570487"/>
-          </a:xfrm>
-          <a:prstGeom prst="bentConnector3">
-            <a:avLst>
-              <a:gd name="adj1" fmla="val 50000"/>
-            </a:avLst>
-          </a:prstGeom>
-          <a:ln w="19050">
-            <a:tailEnd type="arrow"/>
-          </a:ln>
-        </p:spPr>
-        <p:style>
-          <a:lnRef idx="1">
-            <a:schemeClr val="accent1"/>
-          </a:lnRef>
-          <a:fillRef idx="0">
-            <a:schemeClr val="accent1"/>
-          </a:fillRef>
-          <a:effectRef idx="0">
-            <a:schemeClr val="accent1"/>
-          </a:effectRef>
-          <a:fontRef idx="minor">
-            <a:schemeClr val="tx1"/>
-          </a:fontRef>
-        </p:style>
-      </p:cxnSp>
-      <p:cxnSp>
-        <p:nvCxnSpPr>
-          <p:cNvPr id="522" name="Соединительная линия уступом 595">
-            <a:extLst>
-              <a:ext uri="{FF2B5EF4-FFF2-40B4-BE49-F238E27FC236}">
-                <a16:creationId xmlns:a16="http://schemas.microsoft.com/office/drawing/2014/main" id="{B526279D-1935-4AFA-9367-9B17B6AB97E5}"/>
-              </a:ext>
-            </a:extLst>
-          </p:cNvPr>
-          <p:cNvCxnSpPr>
-            <a:cxnSpLocks/>
-            <a:stCxn id="431" idx="2"/>
-            <a:endCxn id="552" idx="0"/>
-          </p:cNvCxnSpPr>
-          <p:nvPr/>
-        </p:nvCxnSpPr>
-        <p:spPr>
-          <a:xfrm rot="16200000" flipH="1">
-            <a:off x="15968323" y="6503764"/>
-            <a:ext cx="247640" cy="555817"/>
-          </a:xfrm>
-          <a:prstGeom prst="bentConnector3">
-            <a:avLst>
-              <a:gd name="adj1" fmla="val 50000"/>
-            </a:avLst>
-          </a:prstGeom>
-          <a:ln w="19050">
-            <a:prstDash val="dash"/>
-            <a:tailEnd type="arrow"/>
-          </a:ln>
-        </p:spPr>
-        <p:style>
-          <a:lnRef idx="1">
-            <a:schemeClr val="accent1"/>
-          </a:lnRef>
-          <a:fillRef idx="0">
-            <a:schemeClr val="accent1"/>
-          </a:fillRef>
-          <a:effectRef idx="0">
-            <a:schemeClr val="accent1"/>
-          </a:effectRef>
-          <a:fontRef idx="minor">
-            <a:schemeClr val="tx1"/>
-          </a:fontRef>
-        </p:style>
-      </p:cxnSp>
-      <p:sp>
-        <p:nvSpPr>
-          <p:cNvPr id="545" name="Прямоугольник 544">
-            <a:extLst>
-              <a:ext uri="{FF2B5EF4-FFF2-40B4-BE49-F238E27FC236}">
-                <a16:creationId xmlns:a16="http://schemas.microsoft.com/office/drawing/2014/main" id="{CAE5E28E-7281-4CB1-AA70-295BD2AF9B45}"/>
+      <p:sp>
+        <p:nvSpPr>
+          <p:cNvPr id="522" name="Прямоугольник 521">
+            <a:extLst>
+              <a:ext uri="{FF2B5EF4-FFF2-40B4-BE49-F238E27FC236}">
+                <a16:creationId xmlns:a16="http://schemas.microsoft.com/office/drawing/2014/main" id="{39B28153-3B38-4CB5-A56C-5AF74FD7C497}"/>
               </a:ext>
             </a:extLst>
           </p:cNvPr>
@@ -26007,7 +26894,7 @@
         </p:nvSpPr>
         <p:spPr>
           <a:xfrm>
-            <a:off x="15913098" y="5332017"/>
+            <a:off x="11302488" y="6800548"/>
             <a:ext cx="926325" cy="540000"/>
           </a:xfrm>
           <a:prstGeom prst="rect">
@@ -26039,152 +26926,30 @@
             <a:pPr algn="ctr"/>
             <a:r>
               <a:rPr lang="ru-RU" sz="700" dirty="0"/>
-              <a:t>Введение военного положения</a:t>
-            </a:r>
-          </a:p>
-        </p:txBody>
-      </p:sp>
-      <p:cxnSp>
-        <p:nvCxnSpPr>
-          <p:cNvPr id="557" name="Соединительная линия уступом 620">
-            <a:extLst>
-              <a:ext uri="{FF2B5EF4-FFF2-40B4-BE49-F238E27FC236}">
-                <a16:creationId xmlns:a16="http://schemas.microsoft.com/office/drawing/2014/main" id="{0B1011AD-72EA-45CD-9901-BB142EFA8539}"/>
-              </a:ext>
-            </a:extLst>
-          </p:cNvPr>
-          <p:cNvCxnSpPr>
-            <a:cxnSpLocks/>
-            <a:stCxn id="136" idx="2"/>
-            <a:endCxn id="545" idx="0"/>
-          </p:cNvCxnSpPr>
-          <p:nvPr/>
-        </p:nvCxnSpPr>
-        <p:spPr>
-          <a:xfrm rot="16200000" flipH="1">
-            <a:off x="15682002" y="4637757"/>
-            <a:ext cx="243881" cy="1144638"/>
-          </a:xfrm>
-          <a:prstGeom prst="bentConnector3">
-            <a:avLst>
-              <a:gd name="adj1" fmla="val 50000"/>
-            </a:avLst>
-          </a:prstGeom>
-          <a:ln w="19050">
-            <a:tailEnd type="arrow"/>
-          </a:ln>
-        </p:spPr>
-        <p:style>
-          <a:lnRef idx="1">
-            <a:schemeClr val="accent1"/>
-          </a:lnRef>
-          <a:fillRef idx="0">
-            <a:schemeClr val="accent1"/>
-          </a:fillRef>
-          <a:effectRef idx="0">
-            <a:schemeClr val="accent1"/>
-          </a:effectRef>
-          <a:fontRef idx="minor">
-            <a:schemeClr val="tx1"/>
-          </a:fontRef>
-        </p:style>
-      </p:cxnSp>
-      <p:cxnSp>
-        <p:nvCxnSpPr>
-          <p:cNvPr id="558" name="Соединительная линия уступом 620">
-            <a:extLst>
-              <a:ext uri="{FF2B5EF4-FFF2-40B4-BE49-F238E27FC236}">
-                <a16:creationId xmlns:a16="http://schemas.microsoft.com/office/drawing/2014/main" id="{8BC60B3B-F150-4CB5-995E-43D2639518C4}"/>
-              </a:ext>
-            </a:extLst>
-          </p:cNvPr>
-          <p:cNvCxnSpPr>
-            <a:cxnSpLocks/>
-            <a:stCxn id="545" idx="2"/>
-            <a:endCxn id="431" idx="0"/>
-          </p:cNvCxnSpPr>
-          <p:nvPr/>
-        </p:nvCxnSpPr>
-        <p:spPr>
-          <a:xfrm rot="5400000">
-            <a:off x="15972330" y="5713922"/>
-            <a:ext cx="245836" cy="562026"/>
-          </a:xfrm>
-          <a:prstGeom prst="bentConnector3">
-            <a:avLst>
-              <a:gd name="adj1" fmla="val 50000"/>
-            </a:avLst>
-          </a:prstGeom>
-          <a:ln w="19050">
-            <a:tailEnd type="arrow"/>
-          </a:ln>
-        </p:spPr>
-        <p:style>
-          <a:lnRef idx="1">
-            <a:schemeClr val="accent1"/>
-          </a:lnRef>
-          <a:fillRef idx="0">
-            <a:schemeClr val="accent1"/>
-          </a:fillRef>
-          <a:effectRef idx="0">
-            <a:schemeClr val="accent1"/>
-          </a:effectRef>
-          <a:fontRef idx="minor">
-            <a:schemeClr val="tx1"/>
-          </a:fontRef>
-        </p:style>
-      </p:cxnSp>
-      <p:cxnSp>
-        <p:nvCxnSpPr>
-          <p:cNvPr id="559" name="Соединительная линия уступом 620">
-            <a:extLst>
-              <a:ext uri="{FF2B5EF4-FFF2-40B4-BE49-F238E27FC236}">
-                <a16:creationId xmlns:a16="http://schemas.microsoft.com/office/drawing/2014/main" id="{7EAFB095-A1C7-4212-8457-A96B7ECD2EEB}"/>
-              </a:ext>
-            </a:extLst>
-          </p:cNvPr>
-          <p:cNvCxnSpPr>
-            <a:cxnSpLocks/>
-            <a:stCxn id="545" idx="2"/>
-            <a:endCxn id="427" idx="0"/>
-          </p:cNvCxnSpPr>
-          <p:nvPr/>
-        </p:nvCxnSpPr>
-        <p:spPr>
-          <a:xfrm rot="16200000" flipH="1">
-            <a:off x="16536870" y="5711407"/>
-            <a:ext cx="247206" cy="568425"/>
-          </a:xfrm>
-          <a:prstGeom prst="bentConnector3">
-            <a:avLst>
-              <a:gd name="adj1" fmla="val 50000"/>
-            </a:avLst>
-          </a:prstGeom>
-          <a:ln w="19050">
-            <a:tailEnd type="arrow"/>
-          </a:ln>
-        </p:spPr>
-        <p:style>
-          <a:lnRef idx="1">
-            <a:schemeClr val="accent1"/>
-          </a:lnRef>
-          <a:fillRef idx="0">
-            <a:schemeClr val="accent1"/>
-          </a:fillRef>
-          <a:effectRef idx="0">
-            <a:schemeClr val="accent1"/>
-          </a:effectRef>
-          <a:fontRef idx="minor">
-            <a:schemeClr val="tx1"/>
-          </a:fontRef>
-        </p:style>
-      </p:cxnSp>
-      <p:sp>
-        <p:nvSpPr>
-          <p:cNvPr id="554" name="Прямоугольник 553">
-            <a:extLst>
-              <a:ext uri="{FF2B5EF4-FFF2-40B4-BE49-F238E27FC236}">
-                <a16:creationId xmlns:a16="http://schemas.microsoft.com/office/drawing/2014/main" id="{E077303E-ACAB-4AC4-9C55-8CC0FB4545F5}"/>
+              <a:t>Сформировать комитеты народного Фронта </a:t>
+            </a:r>
+            <a:r>
+              <a:rPr lang="ru-RU" sz="100" dirty="0"/>
+              <a:t>(В строго внутренней речи, которую Жак </a:t>
+            </a:r>
+            <a:r>
+              <a:rPr lang="ru-RU" sz="100" dirty="0" err="1"/>
+              <a:t>Дюкло</a:t>
+            </a:r>
+            <a:r>
+              <a:rPr lang="ru-RU" sz="100" dirty="0"/>
+              <a:t> произнес 9 января 1936 года перед Президиумом Коминтерна, он заявил: «Мы покажем, что единство действий, что Народный фронт — это не только взаимопонимание между организациями, но и сбор масс на базе: это основной пункт, решающий вопрос всей нашей политики и (...) в той мере, в какой мы не только объединяем массы организованы в организациях Народного фронта, а всей массой, мы создадим ситуацию, когда эти массы будут бороться с нами под нашими лозунгами» 20. В тот день вопрос был решен за счет коммунистов, но они упорно инициировали создание комитетов Народного фронта и упорно, безуспешно, требовали их официальной конституции, даже спустя много времени после выборов 1936 года. не преминет перед лидерами Интернационала указать на оппозицию радикалов и социалистов, одинаково обеспокоенных риском увеличения аудитории ПК через расцвет базовых комитетов: «Более того, наши союзники ( ...) знайте, что эти комитеты Народного фронта, составленные на широкой основе, становятся и станут в силу обстоятельств, вместе с нашей работой, элементом нашей революционной политики. Вот почему основное сопротивление, с которым мы сталкиваемся в Народном фронте [курсив наш], ​​направлено на создание этих комитетов »)</a:t>
+            </a:r>
+            <a:endParaRPr lang="ru-RU" sz="700" dirty="0"/>
+          </a:p>
+        </p:txBody>
+      </p:sp>
+      <p:sp>
+        <p:nvSpPr>
+          <p:cNvPr id="553" name="Прямоугольник 552">
+            <a:extLst>
+              <a:ext uri="{FF2B5EF4-FFF2-40B4-BE49-F238E27FC236}">
+                <a16:creationId xmlns:a16="http://schemas.microsoft.com/office/drawing/2014/main" id="{89D25839-5ED8-4845-AEF5-89F921599184}"/>
               </a:ext>
             </a:extLst>
           </p:cNvPr>
@@ -26193,7 +26958,7 @@
         </p:nvSpPr>
         <p:spPr>
           <a:xfrm>
-            <a:off x="14768460" y="3738136"/>
+            <a:off x="12420014" y="6793993"/>
             <a:ext cx="926325" cy="540000"/>
           </a:xfrm>
           <a:prstGeom prst="rect">
@@ -26225,261 +26990,24 @@
             <a:pPr algn="ctr"/>
             <a:r>
               <a:rPr lang="ru-RU" sz="700" dirty="0"/>
-              <a:t>Механика объединения пролетариата </a:t>
-            </a:r>
-            <a:r>
-              <a:rPr lang="ru-RU" sz="100" dirty="0"/>
-              <a:t>(«Пролетариат желает и требует единства. </a:t>
-            </a:r>
-            <a:r>
-              <a:rPr lang="ru-RU" sz="100" dirty="0" err="1"/>
-              <a:t>Коммуни¬сты</a:t>
-            </a:r>
-            <a:r>
-              <a:rPr lang="ru-RU" sz="100" dirty="0"/>
-              <a:t> всеми силами борются за единство и братски </a:t>
-            </a:r>
-            <a:r>
-              <a:rPr lang="ru-RU" sz="100" dirty="0" err="1"/>
-              <a:t>протя¬гивают</a:t>
-            </a:r>
-            <a:r>
-              <a:rPr lang="ru-RU" sz="100" dirty="0"/>
-              <a:t> руку всем пролетариям, для того чтобы вместе одолеть и устранить все препятствия на пути к </a:t>
-            </a:r>
-            <a:r>
-              <a:rPr lang="ru-RU" sz="100" dirty="0" err="1"/>
-              <a:t>объеди¬нению</a:t>
-            </a:r>
-            <a:r>
-              <a:rPr lang="ru-RU" sz="100" dirty="0"/>
-              <a:t> рабочего класса....Мы стремимся использовать все возможности — демонстрации, забастовки, все виды протеста,— для того чтобы осуществить нашу задачу объединения, </a:t>
-            </a:r>
-            <a:r>
-              <a:rPr lang="ru-RU" sz="100" dirty="0" err="1"/>
-              <a:t>со¬бирания</a:t>
-            </a:r>
-            <a:r>
-              <a:rPr lang="ru-RU" sz="100" dirty="0"/>
-              <a:t> сил для общей борьбы трудящихся, каковы бы ни были их убеждения и к каким бы организациям они ни </a:t>
-            </a:r>
-            <a:r>
-              <a:rPr lang="ru-RU" sz="100" dirty="0" err="1"/>
-              <a:t>принадлежали.Мы</a:t>
-            </a:r>
-            <a:r>
-              <a:rPr lang="ru-RU" sz="100" dirty="0"/>
-              <a:t> боремся за воссоздание единой Всеобщей </a:t>
-            </a:r>
-            <a:r>
-              <a:rPr lang="ru-RU" sz="100" dirty="0" err="1"/>
-              <a:t>конфе-дерации</a:t>
-            </a:r>
-            <a:r>
-              <a:rPr lang="ru-RU" sz="100" dirty="0"/>
-              <a:t> труда, за единый рабочий класс, против </a:t>
-            </a:r>
-            <a:r>
-              <a:rPr lang="ru-RU" sz="100" dirty="0" err="1"/>
-              <a:t>бур¬жуазии</a:t>
-            </a:r>
-            <a:r>
-              <a:rPr lang="ru-RU" sz="100" dirty="0"/>
-              <a:t>, за единый профсоюз и единую партию </a:t>
-            </a:r>
-            <a:r>
-              <a:rPr lang="ru-RU" sz="100" dirty="0" err="1"/>
-              <a:t>про¬летариата</a:t>
-            </a:r>
-            <a:r>
-              <a:rPr lang="ru-RU" sz="100" dirty="0"/>
-              <a:t>!»)</a:t>
+              <a:t>Дополнительный налог на богатство </a:t>
+            </a:r>
+            <a:r>
+              <a:rPr lang="ru-RU" sz="200" dirty="0"/>
+              <a:t>(Несмотря на отказ от их предложения о введении налога на богатство, коммунисты продолжают «читать» программу как набор мер, позволяющих «заставить богатых платить». Жак </a:t>
+            </a:r>
+            <a:r>
+              <a:rPr lang="ru-RU" sz="200" dirty="0" err="1"/>
+              <a:t>Дюкло</a:t>
+            </a:r>
+            <a:r>
+              <a:rPr lang="ru-RU" sz="200" dirty="0"/>
+              <a:t>, ответственный за организацию избирательной кампании, уточнил перед ЦК 1 апреля 1936 года , что «двести семей» представляют собой «тему, которая может позволить нам развивать всю нашу политику с ее классовым содержанием»)</a:t>
             </a:r>
             <a:endParaRPr lang="ru-RU" sz="700" dirty="0"/>
           </a:p>
         </p:txBody>
       </p:sp>
-      <p:sp>
-        <p:nvSpPr>
-          <p:cNvPr id="560" name="Прямоугольник 559">
-            <a:extLst>
-              <a:ext uri="{FF2B5EF4-FFF2-40B4-BE49-F238E27FC236}">
-                <a16:creationId xmlns:a16="http://schemas.microsoft.com/office/drawing/2014/main" id="{663750FE-433F-432D-A295-E5B9816F7D2C}"/>
-              </a:ext>
-            </a:extLst>
-          </p:cNvPr>
-          <p:cNvSpPr/>
-          <p:nvPr/>
-        </p:nvSpPr>
-        <p:spPr>
-          <a:xfrm>
-            <a:off x="4744720" y="6146934"/>
-            <a:ext cx="926325" cy="540000"/>
-          </a:xfrm>
-          <a:prstGeom prst="rect">
-            <a:avLst/>
-          </a:prstGeom>
-          <a:solidFill>
-            <a:srgbClr val="7030A0"/>
-          </a:solidFill>
-          <a:ln w="19050"/>
-        </p:spPr>
-        <p:style>
-          <a:lnRef idx="2">
-            <a:schemeClr val="accent1"/>
-          </a:lnRef>
-          <a:fillRef idx="1">
-            <a:schemeClr val="lt1"/>
-          </a:fillRef>
-          <a:effectRef idx="0">
-            <a:schemeClr val="accent1"/>
-          </a:effectRef>
-          <a:fontRef idx="minor">
-            <a:schemeClr val="dk1"/>
-          </a:fontRef>
-        </p:style>
-        <p:txBody>
-          <a:bodyPr lIns="124733" tIns="62367" rIns="124733" bIns="62367" rtlCol="0" anchor="ctr"/>
-          <a:lstStyle/>
-          <a:p>
-            <a:pPr algn="ctr"/>
-            <a:r>
-              <a:rPr lang="ru-RU" sz="700" dirty="0"/>
-              <a:t>Умеренная отмена секуляризации </a:t>
-            </a:r>
-            <a:r>
-              <a:rPr lang="ru-RU" sz="100" dirty="0"/>
-              <a:t>(В начале 20-го века «Французское действие» поддерживалось значительной частью французского епископата, но у него также были «яростные противники» , которые осуждали ошибки или призывали к его осуждению. Некоторые ценят строгую защиту догматических утверждений христианской веры)</a:t>
-            </a:r>
-            <a:endParaRPr lang="ru-RU" sz="700" dirty="0"/>
-          </a:p>
-        </p:txBody>
-      </p:sp>
-      <p:sp>
-        <p:nvSpPr>
-          <p:cNvPr id="561" name="Прямоугольник 560">
-            <a:extLst>
-              <a:ext uri="{FF2B5EF4-FFF2-40B4-BE49-F238E27FC236}">
-                <a16:creationId xmlns:a16="http://schemas.microsoft.com/office/drawing/2014/main" id="{FB97E2DA-4BF9-4794-BD67-C012A62FB4D3}"/>
-              </a:ext>
-            </a:extLst>
-          </p:cNvPr>
-          <p:cNvSpPr/>
-          <p:nvPr/>
-        </p:nvSpPr>
-        <p:spPr>
-          <a:xfrm>
-            <a:off x="3601059" y="6150586"/>
-            <a:ext cx="926325" cy="540000"/>
-          </a:xfrm>
-          <a:prstGeom prst="rect">
-            <a:avLst/>
-          </a:prstGeom>
-          <a:solidFill>
-            <a:srgbClr val="7030A0"/>
-          </a:solidFill>
-          <a:ln w="19050"/>
-        </p:spPr>
-        <p:style>
-          <a:lnRef idx="2">
-            <a:schemeClr val="accent1"/>
-          </a:lnRef>
-          <a:fillRef idx="1">
-            <a:schemeClr val="lt1"/>
-          </a:fillRef>
-          <a:effectRef idx="0">
-            <a:schemeClr val="accent1"/>
-          </a:effectRef>
-          <a:fontRef idx="minor">
-            <a:schemeClr val="dk1"/>
-          </a:fontRef>
-        </p:style>
-        <p:txBody>
-          <a:bodyPr lIns="124733" tIns="62367" rIns="124733" bIns="62367" rtlCol="0" anchor="ctr"/>
-          <a:lstStyle/>
-          <a:p>
-            <a:pPr algn="ctr"/>
-            <a:r>
-              <a:rPr lang="ru-RU" sz="700" dirty="0"/>
-              <a:t>Строгое следование догматам христианской веры </a:t>
-            </a:r>
-            <a:r>
-              <a:rPr lang="ru-RU" sz="100" dirty="0"/>
-              <a:t>(Осуждение </a:t>
-            </a:r>
-            <a:r>
-              <a:rPr lang="ru-RU" sz="100" dirty="0" err="1"/>
-              <a:t>Сильона</a:t>
-            </a:r>
-            <a:r>
-              <a:rPr lang="ru-RU" sz="100" dirty="0"/>
-              <a:t> Римом в 1910 году [ 16 ] еще больше усилило интерес католиков к «Французскому действию». Движение </a:t>
-            </a:r>
-            <a:r>
-              <a:rPr lang="ru-RU" sz="100" dirty="0" err="1"/>
-              <a:t>Морраса</a:t>
-            </a:r>
-            <a:r>
-              <a:rPr lang="ru-RU" sz="100" dirty="0"/>
-              <a:t>, через христианскую веру, разделяемую его членами, и в соответствии с социальными и политическими соображениями, видит в Католической, Апостольской и Римской церкви инициатора французского политического баланса и обеспечения общественного организма здоровым </a:t>
-            </a:r>
-            <a:r>
-              <a:rPr lang="ru-RU" sz="100" dirty="0" err="1"/>
-              <a:t>французомтут</a:t>
-            </a:r>
-            <a:r>
-              <a:rPr lang="ru-RU" sz="100" dirty="0"/>
-              <a:t> школы вернутся церквям, т.е. -% к исследованиям)</a:t>
-            </a:r>
-            <a:endParaRPr lang="ru-RU" sz="700" dirty="0"/>
-          </a:p>
-        </p:txBody>
-      </p:sp>
-      <p:cxnSp>
-        <p:nvCxnSpPr>
-          <p:cNvPr id="562" name="Прямая соединительная линия 561">
-            <a:extLst>
-              <a:ext uri="{FF2B5EF4-FFF2-40B4-BE49-F238E27FC236}">
-                <a16:creationId xmlns:a16="http://schemas.microsoft.com/office/drawing/2014/main" id="{78857B68-540B-4919-BD63-70F4BF42307A}"/>
-              </a:ext>
-            </a:extLst>
-          </p:cNvPr>
-          <p:cNvCxnSpPr>
-            <a:cxnSpLocks/>
-            <a:stCxn id="561" idx="3"/>
-            <a:endCxn id="560" idx="1"/>
-          </p:cNvCxnSpPr>
-          <p:nvPr/>
-        </p:nvCxnSpPr>
-        <p:spPr>
-          <a:xfrm flipV="1">
-            <a:off x="4527384" y="6416934"/>
-            <a:ext cx="217336" cy="3652"/>
-          </a:xfrm>
-          <a:prstGeom prst="line">
-            <a:avLst/>
-          </a:prstGeom>
-          <a:ln w="19050">
-            <a:solidFill>
-              <a:srgbClr val="FF0000"/>
-            </a:solidFill>
-          </a:ln>
-        </p:spPr>
-        <p:style>
-          <a:lnRef idx="1">
-            <a:schemeClr val="accent1"/>
-          </a:lnRef>
-          <a:fillRef idx="0">
-            <a:schemeClr val="accent1"/>
-          </a:fillRef>
-          <a:effectRef idx="0">
-            <a:schemeClr val="accent1"/>
-          </a:effectRef>
-          <a:fontRef idx="minor">
-            <a:schemeClr val="tx1"/>
-          </a:fontRef>
-        </p:style>
-      </p:cxnSp>
     </p:spTree>
     <p:extLst>
       <p:ext uri="{BB962C8B-B14F-4D97-AF65-F5344CB8AC3E}">
